--- a/Maquettage.pptx
+++ b/Maquettage.pptx
@@ -2,12 +2,12 @@
 <file path=ppt/presentation.xml><?xml version="1.0" encoding="utf-8"?>
 <p:presentation xmlns:a="http://schemas.openxmlformats.org/drawingml/2006/main" xmlns:r="http://schemas.openxmlformats.org/officeDocument/2006/relationships" xmlns:p="http://schemas.openxmlformats.org/presentationml/2006/main" saveSubsetFonts="1">
   <p:sldMasterIdLst>
-    <p:sldMasterId id="2147483660" r:id="rId110"/>
+    <p:sldMasterId id="2147483660" r:id="rId114"/>
   </p:sldMasterIdLst>
   <p:sldIdLst>
-    <p:sldId id="256" r:id="rId111"/>
-    <p:sldId id="257" r:id="rId112"/>
-    <p:sldId id="258" r:id="rId113"/>
+    <p:sldId id="256" r:id="rId115"/>
+    <p:sldId id="257" r:id="rId116"/>
+    <p:sldId id="258" r:id="rId117"/>
   </p:sldIdLst>
   <p:sldSz cx="12192000" cy="6858000"/>
   <p:notesSz cx="6858000" cy="9144000"/>
@@ -611,1279 +611,7 @@
 
 <file path=ppt/slideLayouts/slideLayout1.xml><?xml version="1.0" encoding="utf-8"?>
 <p:sldLayout xmlns:a="http://schemas.openxmlformats.org/drawingml/2006/main" xmlns:r="http://schemas.openxmlformats.org/officeDocument/2006/relationships" xmlns:p="http://schemas.openxmlformats.org/presentationml/2006/main" preserve="1" userDrawn="1">
-  <p:cSld name="Interface Sondage">
-    <p:spTree>
-      <p:nvGrpSpPr>
-        <p:cNvPr id="1" name=""/>
-        <p:cNvGrpSpPr/>
-        <p:nvPr/>
-      </p:nvGrpSpPr>
-      <p:grpSpPr>
-        <a:xfrm>
-          <a:off x="0" y="0"/>
-          <a:ext cx="0" cy="0"/>
-          <a:chOff x="0" y="0"/>
-          <a:chExt cx="0" cy="0"/>
-        </a:xfrm>
-      </p:grpSpPr>
-      <p:sp>
-        <p:nvSpPr>
-          <p:cNvPr id="66" name="MousePointer">
-            <a:extLst>
-              <a:ext uri="{FF2B5EF4-FFF2-40B4-BE49-F238E27FC236}">
-                <a16:creationId xmlns:a16="http://schemas.microsoft.com/office/drawing/2014/main" id="{5A91B798-4426-4DF3-8803-23B02E310EF8}"/>
-              </a:ext>
-            </a:extLst>
-          </p:cNvPr>
-          <p:cNvSpPr/>
-          <p:nvPr userDrawn="1">
-            <p:custDataLst>
-              <p:custData r:id="rId1"/>
-            </p:custDataLst>
-          </p:nvPr>
-        </p:nvSpPr>
-        <p:spPr>
-          <a:xfrm rot="20359169">
-            <a:off x="5027209" y="4674196"/>
-            <a:ext cx="151053" cy="247694"/>
-          </a:xfrm>
-          <a:custGeom>
-            <a:avLst/>
-            <a:gdLst>
-              <a:gd name="connsiteX0" fmla="*/ 0 w 592890"/>
-              <a:gd name="connsiteY0" fmla="*/ 806746 h 997971"/>
-              <a:gd name="connsiteX1" fmla="*/ 296445 w 592890"/>
-              <a:gd name="connsiteY1" fmla="*/ 0 h 997971"/>
-              <a:gd name="connsiteX2" fmla="*/ 592890 w 592890"/>
-              <a:gd name="connsiteY2" fmla="*/ 806746 h 997971"/>
-              <a:gd name="connsiteX3" fmla="*/ 386188 w 592890"/>
-              <a:gd name="connsiteY3" fmla="*/ 806746 h 997971"/>
-              <a:gd name="connsiteX4" fmla="*/ 386188 w 592890"/>
-              <a:gd name="connsiteY4" fmla="*/ 997971 h 997971"/>
-              <a:gd name="connsiteX5" fmla="*/ 206702 w 592890"/>
-              <a:gd name="connsiteY5" fmla="*/ 997971 h 997971"/>
-              <a:gd name="connsiteX6" fmla="*/ 206702 w 592890"/>
-              <a:gd name="connsiteY6" fmla="*/ 806746 h 997971"/>
-              <a:gd name="connsiteX7" fmla="*/ 0 w 592890"/>
-              <a:gd name="connsiteY7" fmla="*/ 806746 h 997971"/>
-              <a:gd name="connsiteX0" fmla="*/ 0 w 592890"/>
-              <a:gd name="connsiteY0" fmla="*/ 806746 h 997971"/>
-              <a:gd name="connsiteX1" fmla="*/ 296445 w 592890"/>
-              <a:gd name="connsiteY1" fmla="*/ 0 h 997971"/>
-              <a:gd name="connsiteX2" fmla="*/ 592890 w 592890"/>
-              <a:gd name="connsiteY2" fmla="*/ 806746 h 997971"/>
-              <a:gd name="connsiteX3" fmla="*/ 386188 w 592890"/>
-              <a:gd name="connsiteY3" fmla="*/ 766438 h 997971"/>
-              <a:gd name="connsiteX4" fmla="*/ 386188 w 592890"/>
-              <a:gd name="connsiteY4" fmla="*/ 997971 h 997971"/>
-              <a:gd name="connsiteX5" fmla="*/ 206702 w 592890"/>
-              <a:gd name="connsiteY5" fmla="*/ 997971 h 997971"/>
-              <a:gd name="connsiteX6" fmla="*/ 206702 w 592890"/>
-              <a:gd name="connsiteY6" fmla="*/ 806746 h 997971"/>
-              <a:gd name="connsiteX7" fmla="*/ 0 w 592890"/>
-              <a:gd name="connsiteY7" fmla="*/ 806746 h 997971"/>
-              <a:gd name="connsiteX0" fmla="*/ 0 w 592890"/>
-              <a:gd name="connsiteY0" fmla="*/ 806746 h 997971"/>
-              <a:gd name="connsiteX1" fmla="*/ 296445 w 592890"/>
-              <a:gd name="connsiteY1" fmla="*/ 0 h 997971"/>
-              <a:gd name="connsiteX2" fmla="*/ 592890 w 592890"/>
-              <a:gd name="connsiteY2" fmla="*/ 806746 h 997971"/>
-              <a:gd name="connsiteX3" fmla="*/ 386188 w 592890"/>
-              <a:gd name="connsiteY3" fmla="*/ 766438 h 997971"/>
-              <a:gd name="connsiteX4" fmla="*/ 386188 w 592890"/>
-              <a:gd name="connsiteY4" fmla="*/ 997971 h 997971"/>
-              <a:gd name="connsiteX5" fmla="*/ 206702 w 592890"/>
-              <a:gd name="connsiteY5" fmla="*/ 997971 h 997971"/>
-              <a:gd name="connsiteX6" fmla="*/ 206702 w 592890"/>
-              <a:gd name="connsiteY6" fmla="*/ 764057 h 997971"/>
-              <a:gd name="connsiteX7" fmla="*/ 0 w 592890"/>
-              <a:gd name="connsiteY7" fmla="*/ 806746 h 997971"/>
-              <a:gd name="connsiteX0" fmla="*/ 0 w 592890"/>
-              <a:gd name="connsiteY0" fmla="*/ 806746 h 997971"/>
-              <a:gd name="connsiteX1" fmla="*/ 296445 w 592890"/>
-              <a:gd name="connsiteY1" fmla="*/ 0 h 997971"/>
-              <a:gd name="connsiteX2" fmla="*/ 592890 w 592890"/>
-              <a:gd name="connsiteY2" fmla="*/ 806746 h 997971"/>
-              <a:gd name="connsiteX3" fmla="*/ 386188 w 592890"/>
-              <a:gd name="connsiteY3" fmla="*/ 766438 h 997971"/>
-              <a:gd name="connsiteX4" fmla="*/ 386188 w 592890"/>
-              <a:gd name="connsiteY4" fmla="*/ 997971 h 997971"/>
-              <a:gd name="connsiteX5" fmla="*/ 206702 w 592890"/>
-              <a:gd name="connsiteY5" fmla="*/ 997971 h 997971"/>
-              <a:gd name="connsiteX6" fmla="*/ 206702 w 592890"/>
-              <a:gd name="connsiteY6" fmla="*/ 735333 h 997971"/>
-              <a:gd name="connsiteX7" fmla="*/ 0 w 592890"/>
-              <a:gd name="connsiteY7" fmla="*/ 806746 h 997971"/>
-              <a:gd name="connsiteX0" fmla="*/ 0 w 592890"/>
-              <a:gd name="connsiteY0" fmla="*/ 806746 h 997971"/>
-              <a:gd name="connsiteX1" fmla="*/ 296445 w 592890"/>
-              <a:gd name="connsiteY1" fmla="*/ 0 h 997971"/>
-              <a:gd name="connsiteX2" fmla="*/ 592890 w 592890"/>
-              <a:gd name="connsiteY2" fmla="*/ 806746 h 997971"/>
-              <a:gd name="connsiteX3" fmla="*/ 386188 w 592890"/>
-              <a:gd name="connsiteY3" fmla="*/ 730570 h 997971"/>
-              <a:gd name="connsiteX4" fmla="*/ 386188 w 592890"/>
-              <a:gd name="connsiteY4" fmla="*/ 997971 h 997971"/>
-              <a:gd name="connsiteX5" fmla="*/ 206702 w 592890"/>
-              <a:gd name="connsiteY5" fmla="*/ 997971 h 997971"/>
-              <a:gd name="connsiteX6" fmla="*/ 206702 w 592890"/>
-              <a:gd name="connsiteY6" fmla="*/ 735333 h 997971"/>
-              <a:gd name="connsiteX7" fmla="*/ 0 w 592890"/>
-              <a:gd name="connsiteY7" fmla="*/ 806746 h 997971"/>
-            </a:gdLst>
-            <a:ahLst/>
-            <a:cxnLst>
-              <a:cxn ang="0">
-                <a:pos x="connsiteX0" y="connsiteY0"/>
-              </a:cxn>
-              <a:cxn ang="0">
-                <a:pos x="connsiteX1" y="connsiteY1"/>
-              </a:cxn>
-              <a:cxn ang="0">
-                <a:pos x="connsiteX2" y="connsiteY2"/>
-              </a:cxn>
-              <a:cxn ang="0">
-                <a:pos x="connsiteX3" y="connsiteY3"/>
-              </a:cxn>
-              <a:cxn ang="0">
-                <a:pos x="connsiteX4" y="connsiteY4"/>
-              </a:cxn>
-              <a:cxn ang="0">
-                <a:pos x="connsiteX5" y="connsiteY5"/>
-              </a:cxn>
-              <a:cxn ang="0">
-                <a:pos x="connsiteX6" y="connsiteY6"/>
-              </a:cxn>
-              <a:cxn ang="0">
-                <a:pos x="connsiteX7" y="connsiteY7"/>
-              </a:cxn>
-            </a:cxnLst>
-            <a:rect l="l" t="t" r="r" b="b"/>
-            <a:pathLst>
-              <a:path w="592890" h="997971">
-                <a:moveTo>
-                  <a:pt x="0" y="806746"/>
-                </a:moveTo>
-                <a:lnTo>
-                  <a:pt x="296445" y="0"/>
-                </a:lnTo>
-                <a:lnTo>
-                  <a:pt x="592890" y="806746"/>
-                </a:lnTo>
-                <a:lnTo>
-                  <a:pt x="386188" y="730570"/>
-                </a:lnTo>
-                <a:lnTo>
-                  <a:pt x="386188" y="997971"/>
-                </a:lnTo>
-                <a:lnTo>
-                  <a:pt x="206702" y="997971"/>
-                </a:lnTo>
-                <a:lnTo>
-                  <a:pt x="206702" y="735333"/>
-                </a:lnTo>
-                <a:lnTo>
-                  <a:pt x="0" y="806746"/>
-                </a:lnTo>
-                <a:close/>
-              </a:path>
-            </a:pathLst>
-          </a:custGeom>
-          <a:solidFill>
-            <a:srgbClr val="FFFFFF"/>
-          </a:solidFill>
-          <a:ln w="3175">
-            <a:solidFill>
-              <a:srgbClr val="000000">
-                <a:lumMod val="85000"/>
-                <a:lumOff val="15000"/>
-              </a:srgbClr>
-            </a:solidFill>
-          </a:ln>
-          <a:effectLst>
-            <a:glow rad="139700">
-              <a:srgbClr val="F79646">
-                <a:satMod val="175000"/>
-                <a:alpha val="40000"/>
-              </a:srgbClr>
-            </a:glow>
-            <a:outerShdw blurRad="25400" dist="25400" dir="2040000" algn="tl" rotWithShape="0">
-              <a:prstClr val="black">
-                <a:alpha val="20000"/>
-              </a:prstClr>
-            </a:outerShdw>
-          </a:effectLst>
-        </p:spPr>
-        <p:style>
-          <a:lnRef idx="2">
-            <a:srgbClr val="4F81BD">
-              <a:shade val="50000"/>
-            </a:srgbClr>
-          </a:lnRef>
-          <a:fillRef idx="1">
-            <a:srgbClr val="4F81BD"/>
-          </a:fillRef>
-          <a:effectRef idx="0">
-            <a:srgbClr val="4F81BD"/>
-          </a:effectRef>
-          <a:fontRef idx="minor">
-            <a:srgbClr val="000000"/>
-          </a:fontRef>
-        </p:style>
-        <p:txBody>
-          <a:bodyPr lIns="97531" tIns="48766" rIns="97531" bIns="48766" rtlCol="0" anchor="ctr"/>
-          <a:lstStyle/>
-          <a:p>
-            <a:pPr algn="ctr"/>
-            <a:endParaRPr lang="en-US" dirty="0"/>
-          </a:p>
-        </p:txBody>
-      </p:sp>
-      <p:grpSp>
-        <p:nvGrpSpPr>
-          <p:cNvPr id="67" name="RadioButtonSelected">
-            <a:extLst>
-              <a:ext uri="{FF2B5EF4-FFF2-40B4-BE49-F238E27FC236}">
-                <a16:creationId xmlns:a16="http://schemas.microsoft.com/office/drawing/2014/main" id="{68303141-1C0C-4CFE-9917-57834E5548D6}"/>
-              </a:ext>
-            </a:extLst>
-          </p:cNvPr>
-          <p:cNvGrpSpPr/>
-          <p:nvPr userDrawn="1">
-            <p:custDataLst>
-              <p:custData r:id="rId2"/>
-            </p:custDataLst>
-          </p:nvPr>
-        </p:nvGrpSpPr>
-        <p:grpSpPr>
-          <a:xfrm>
-            <a:off x="5116075" y="3357298"/>
-            <a:ext cx="1433854" cy="230832"/>
-            <a:chOff x="4356895" y="3334651"/>
-            <a:chExt cx="1433854" cy="230832"/>
-          </a:xfrm>
-        </p:grpSpPr>
-        <p:sp>
-          <p:nvSpPr>
-            <p:cNvPr id="68" name="Content">
-              <a:extLst>
-                <a:ext uri="{FF2B5EF4-FFF2-40B4-BE49-F238E27FC236}">
-                  <a16:creationId xmlns:a16="http://schemas.microsoft.com/office/drawing/2014/main" id="{1B2A50DA-8F25-4004-BB79-0ABCDA2C77CA}"/>
-                </a:ext>
-              </a:extLst>
-            </p:cNvPr>
-            <p:cNvSpPr txBox="1"/>
-            <p:nvPr/>
-          </p:nvSpPr>
-          <p:spPr>
-            <a:xfrm>
-              <a:off x="4356895" y="3334651"/>
-              <a:ext cx="1433854" cy="230832"/>
-            </a:xfrm>
-            <a:prstGeom prst="rect">
-              <a:avLst/>
-            </a:prstGeom>
-            <a:noFill/>
-          </p:spPr>
-          <p:txBody>
-            <a:bodyPr wrap="none" lIns="164592" tIns="18288" rIns="45720" bIns="27432" rtlCol="0" anchor="ctr" anchorCtr="0">
-              <a:spAutoFit/>
-            </a:bodyPr>
-            <a:lstStyle/>
-            <a:p>
-              <a:r>
-                <a:rPr lang="en-US" sz="1200" dirty="0">
-                  <a:latin typeface="Segoe UI" pitchFamily="34" charset="0"/>
-                  <a:ea typeface="Segoe UI" pitchFamily="34" charset="0"/>
-                  <a:cs typeface="Segoe UI" pitchFamily="34" charset="0"/>
-                </a:rPr>
-                <a:t>Option </a:t>
-              </a:r>
-              <a:r>
-                <a:rPr lang="en-US" sz="1200" dirty="0" err="1">
-                  <a:latin typeface="Segoe UI" pitchFamily="34" charset="0"/>
-                  <a:ea typeface="Segoe UI" pitchFamily="34" charset="0"/>
-                  <a:cs typeface="Segoe UI" pitchFamily="34" charset="0"/>
-                </a:rPr>
-                <a:t>sondage</a:t>
-              </a:r>
-              <a:r>
-                <a:rPr lang="en-US" sz="1200" dirty="0">
-                  <a:latin typeface="Segoe UI" pitchFamily="34" charset="0"/>
-                  <a:ea typeface="Segoe UI" pitchFamily="34" charset="0"/>
-                  <a:cs typeface="Segoe UI" pitchFamily="34" charset="0"/>
-                </a:rPr>
-                <a:t> 3</a:t>
-              </a:r>
-            </a:p>
-          </p:txBody>
-        </p:sp>
-        <p:grpSp>
-          <p:nvGrpSpPr>
-            <p:cNvPr id="69" name="Group 3">
-              <a:extLst>
-                <a:ext uri="{FF2B5EF4-FFF2-40B4-BE49-F238E27FC236}">
-                  <a16:creationId xmlns:a16="http://schemas.microsoft.com/office/drawing/2014/main" id="{9DEBF3D7-29EE-4122-BC52-94D6A256ADCD}"/>
-                </a:ext>
-              </a:extLst>
-            </p:cNvPr>
-            <p:cNvGrpSpPr/>
-            <p:nvPr/>
-          </p:nvGrpSpPr>
-          <p:grpSpPr>
-            <a:xfrm>
-              <a:off x="4356895" y="3374807"/>
-              <a:ext cx="119960" cy="119922"/>
-              <a:chOff x="4356895" y="3374807"/>
-              <a:chExt cx="119960" cy="119922"/>
-            </a:xfrm>
-          </p:grpSpPr>
-          <p:sp>
-            <p:nvSpPr>
-              <p:cNvPr id="70" name="Circle">
-                <a:extLst>
-                  <a:ext uri="{FF2B5EF4-FFF2-40B4-BE49-F238E27FC236}">
-                    <a16:creationId xmlns:a16="http://schemas.microsoft.com/office/drawing/2014/main" id="{10DD758A-4752-4603-8186-3379D7487017}"/>
-                  </a:ext>
-                </a:extLst>
-              </p:cNvPr>
-              <p:cNvSpPr/>
-              <p:nvPr/>
-            </p:nvSpPr>
-            <p:spPr>
-              <a:xfrm>
-                <a:off x="4356895" y="3374807"/>
-                <a:ext cx="119960" cy="119922"/>
-              </a:xfrm>
-              <a:prstGeom prst="ellipse">
-                <a:avLst/>
-              </a:prstGeom>
-              <a:solidFill>
-                <a:srgbClr val="FFFFFF"/>
-              </a:solidFill>
-              <a:ln w="3175">
-                <a:solidFill>
-                  <a:srgbClr val="FFFFFF">
-                    <a:lumMod val="50000"/>
-                  </a:srgbClr>
-                </a:solidFill>
-              </a:ln>
-              <a:effectLst/>
-            </p:spPr>
-            <p:style>
-              <a:lnRef idx="2">
-                <a:srgbClr val="4F81BD">
-                  <a:shade val="50000"/>
-                </a:srgbClr>
-              </a:lnRef>
-              <a:fillRef idx="1">
-                <a:srgbClr val="4F81BD"/>
-              </a:fillRef>
-              <a:effectRef idx="0">
-                <a:srgbClr val="4F81BD"/>
-              </a:effectRef>
-              <a:fontRef idx="minor">
-                <a:srgbClr val="000000"/>
-              </a:fontRef>
-            </p:style>
-            <p:txBody>
-              <a:bodyPr rtlCol="0" anchor="ctr"/>
-              <a:lstStyle/>
-              <a:p>
-                <a:pPr algn="ctr"/>
-                <a:endParaRPr lang="en-US" dirty="0"/>
-              </a:p>
-            </p:txBody>
-          </p:sp>
-          <p:sp>
-            <p:nvSpPr>
-              <p:cNvPr id="71" name="InnerCircle">
-                <a:extLst>
-                  <a:ext uri="{FF2B5EF4-FFF2-40B4-BE49-F238E27FC236}">
-                    <a16:creationId xmlns:a16="http://schemas.microsoft.com/office/drawing/2014/main" id="{5F178854-54CA-47FE-871E-C23F90887A6A}"/>
-                  </a:ext>
-                </a:extLst>
-              </p:cNvPr>
-              <p:cNvSpPr/>
-              <p:nvPr/>
-            </p:nvSpPr>
-            <p:spPr>
-              <a:xfrm>
-                <a:off x="4390432" y="3407093"/>
-                <a:ext cx="58189" cy="58190"/>
-              </a:xfrm>
-              <a:prstGeom prst="ellipse">
-                <a:avLst/>
-              </a:prstGeom>
-              <a:solidFill>
-                <a:srgbClr val="FFFFFF">
-                  <a:lumMod val="50000"/>
-                </a:srgbClr>
-              </a:solidFill>
-              <a:ln>
-                <a:noFill/>
-              </a:ln>
-            </p:spPr>
-            <p:style>
-              <a:lnRef idx="2">
-                <a:srgbClr val="4F81BD">
-                  <a:shade val="50000"/>
-                </a:srgbClr>
-              </a:lnRef>
-              <a:fillRef idx="1">
-                <a:srgbClr val="4F81BD"/>
-              </a:fillRef>
-              <a:effectRef idx="0">
-                <a:srgbClr val="4F81BD"/>
-              </a:effectRef>
-              <a:fontRef idx="minor">
-                <a:srgbClr val="000000"/>
-              </a:fontRef>
-            </p:style>
-            <p:txBody>
-              <a:bodyPr rtlCol="0" anchor="ctr"/>
-              <a:lstStyle/>
-              <a:p>
-                <a:pPr algn="ctr"/>
-                <a:endParaRPr lang="en-US" dirty="0"/>
-              </a:p>
-            </p:txBody>
-          </p:sp>
-        </p:grpSp>
-      </p:grpSp>
-      <p:grpSp>
-        <p:nvGrpSpPr>
-          <p:cNvPr id="72" name="RadioButtonSelected">
-            <a:extLst>
-              <a:ext uri="{FF2B5EF4-FFF2-40B4-BE49-F238E27FC236}">
-                <a16:creationId xmlns:a16="http://schemas.microsoft.com/office/drawing/2014/main" id="{CC324D2A-CE93-40D4-8D6B-5D87ACCCD1EF}"/>
-              </a:ext>
-            </a:extLst>
-          </p:cNvPr>
-          <p:cNvGrpSpPr/>
-          <p:nvPr userDrawn="1">
-            <p:custDataLst>
-              <p:custData r:id="rId3"/>
-            </p:custDataLst>
-          </p:nvPr>
-        </p:nvGrpSpPr>
-        <p:grpSpPr>
-          <a:xfrm>
-            <a:off x="5116075" y="3047760"/>
-            <a:ext cx="1433854" cy="230832"/>
-            <a:chOff x="4356895" y="3334651"/>
-            <a:chExt cx="1433854" cy="230832"/>
-          </a:xfrm>
-        </p:grpSpPr>
-        <p:sp>
-          <p:nvSpPr>
-            <p:cNvPr id="73" name="Content">
-              <a:extLst>
-                <a:ext uri="{FF2B5EF4-FFF2-40B4-BE49-F238E27FC236}">
-                  <a16:creationId xmlns:a16="http://schemas.microsoft.com/office/drawing/2014/main" id="{DA25E18C-B82F-45C0-980B-C7D44B12D47A}"/>
-                </a:ext>
-              </a:extLst>
-            </p:cNvPr>
-            <p:cNvSpPr txBox="1"/>
-            <p:nvPr/>
-          </p:nvSpPr>
-          <p:spPr>
-            <a:xfrm>
-              <a:off x="4356895" y="3334651"/>
-              <a:ext cx="1433854" cy="230832"/>
-            </a:xfrm>
-            <a:prstGeom prst="rect">
-              <a:avLst/>
-            </a:prstGeom>
-            <a:noFill/>
-          </p:spPr>
-          <p:txBody>
-            <a:bodyPr wrap="none" lIns="164592" tIns="18288" rIns="45720" bIns="27432" rtlCol="0" anchor="ctr" anchorCtr="0">
-              <a:spAutoFit/>
-            </a:bodyPr>
-            <a:lstStyle/>
-            <a:p>
-              <a:r>
-                <a:rPr lang="en-US" sz="1200" dirty="0">
-                  <a:latin typeface="Segoe UI" pitchFamily="34" charset="0"/>
-                  <a:ea typeface="Segoe UI" pitchFamily="34" charset="0"/>
-                  <a:cs typeface="Segoe UI" pitchFamily="34" charset="0"/>
-                </a:rPr>
-                <a:t>Option </a:t>
-              </a:r>
-              <a:r>
-                <a:rPr lang="en-US" sz="1200" dirty="0" err="1">
-                  <a:latin typeface="Segoe UI" pitchFamily="34" charset="0"/>
-                  <a:ea typeface="Segoe UI" pitchFamily="34" charset="0"/>
-                  <a:cs typeface="Segoe UI" pitchFamily="34" charset="0"/>
-                </a:rPr>
-                <a:t>sondage</a:t>
-              </a:r>
-              <a:r>
-                <a:rPr lang="en-US" sz="1200" dirty="0">
-                  <a:latin typeface="Segoe UI" pitchFamily="34" charset="0"/>
-                  <a:ea typeface="Segoe UI" pitchFamily="34" charset="0"/>
-                  <a:cs typeface="Segoe UI" pitchFamily="34" charset="0"/>
-                </a:rPr>
-                <a:t> 2</a:t>
-              </a:r>
-            </a:p>
-          </p:txBody>
-        </p:sp>
-        <p:grpSp>
-          <p:nvGrpSpPr>
-            <p:cNvPr id="74" name="Group 3">
-              <a:extLst>
-                <a:ext uri="{FF2B5EF4-FFF2-40B4-BE49-F238E27FC236}">
-                  <a16:creationId xmlns:a16="http://schemas.microsoft.com/office/drawing/2014/main" id="{A01987C6-A8A5-4B43-A266-404B5D0578F7}"/>
-                </a:ext>
-              </a:extLst>
-            </p:cNvPr>
-            <p:cNvGrpSpPr/>
-            <p:nvPr/>
-          </p:nvGrpSpPr>
-          <p:grpSpPr>
-            <a:xfrm>
-              <a:off x="4356895" y="3374807"/>
-              <a:ext cx="119960" cy="119922"/>
-              <a:chOff x="4356895" y="3374807"/>
-              <a:chExt cx="119960" cy="119922"/>
-            </a:xfrm>
-          </p:grpSpPr>
-          <p:sp>
-            <p:nvSpPr>
-              <p:cNvPr id="75" name="Circle">
-                <a:extLst>
-                  <a:ext uri="{FF2B5EF4-FFF2-40B4-BE49-F238E27FC236}">
-                    <a16:creationId xmlns:a16="http://schemas.microsoft.com/office/drawing/2014/main" id="{8FB2FF8D-EEE2-473F-9898-F436A414533C}"/>
-                  </a:ext>
-                </a:extLst>
-              </p:cNvPr>
-              <p:cNvSpPr/>
-              <p:nvPr/>
-            </p:nvSpPr>
-            <p:spPr>
-              <a:xfrm>
-                <a:off x="4356895" y="3374807"/>
-                <a:ext cx="119960" cy="119922"/>
-              </a:xfrm>
-              <a:prstGeom prst="ellipse">
-                <a:avLst/>
-              </a:prstGeom>
-              <a:solidFill>
-                <a:srgbClr val="FFFFFF"/>
-              </a:solidFill>
-              <a:ln w="3175">
-                <a:solidFill>
-                  <a:srgbClr val="FFFFFF">
-                    <a:lumMod val="50000"/>
-                  </a:srgbClr>
-                </a:solidFill>
-              </a:ln>
-              <a:effectLst/>
-            </p:spPr>
-            <p:style>
-              <a:lnRef idx="2">
-                <a:srgbClr val="4F81BD">
-                  <a:shade val="50000"/>
-                </a:srgbClr>
-              </a:lnRef>
-              <a:fillRef idx="1">
-                <a:srgbClr val="4F81BD"/>
-              </a:fillRef>
-              <a:effectRef idx="0">
-                <a:srgbClr val="4F81BD"/>
-              </a:effectRef>
-              <a:fontRef idx="minor">
-                <a:srgbClr val="000000"/>
-              </a:fontRef>
-            </p:style>
-            <p:txBody>
-              <a:bodyPr rtlCol="0" anchor="ctr"/>
-              <a:lstStyle/>
-              <a:p>
-                <a:pPr algn="ctr"/>
-                <a:endParaRPr lang="en-US" dirty="0"/>
-              </a:p>
-            </p:txBody>
-          </p:sp>
-          <p:sp>
-            <p:nvSpPr>
-              <p:cNvPr id="76" name="InnerCircle">
-                <a:extLst>
-                  <a:ext uri="{FF2B5EF4-FFF2-40B4-BE49-F238E27FC236}">
-                    <a16:creationId xmlns:a16="http://schemas.microsoft.com/office/drawing/2014/main" id="{D3ACB0F6-D123-45AC-8DDC-68CE3FA2D5B2}"/>
-                  </a:ext>
-                </a:extLst>
-              </p:cNvPr>
-              <p:cNvSpPr/>
-              <p:nvPr/>
-            </p:nvSpPr>
-            <p:spPr>
-              <a:xfrm>
-                <a:off x="4390432" y="3407093"/>
-                <a:ext cx="58189" cy="58190"/>
-              </a:xfrm>
-              <a:prstGeom prst="ellipse">
-                <a:avLst/>
-              </a:prstGeom>
-              <a:solidFill>
-                <a:srgbClr val="FFFFFF">
-                  <a:lumMod val="50000"/>
-                </a:srgbClr>
-              </a:solidFill>
-              <a:ln>
-                <a:noFill/>
-              </a:ln>
-            </p:spPr>
-            <p:style>
-              <a:lnRef idx="2">
-                <a:srgbClr val="4F81BD">
-                  <a:shade val="50000"/>
-                </a:srgbClr>
-              </a:lnRef>
-              <a:fillRef idx="1">
-                <a:srgbClr val="4F81BD"/>
-              </a:fillRef>
-              <a:effectRef idx="0">
-                <a:srgbClr val="4F81BD"/>
-              </a:effectRef>
-              <a:fontRef idx="minor">
-                <a:srgbClr val="000000"/>
-              </a:fontRef>
-            </p:style>
-            <p:txBody>
-              <a:bodyPr rtlCol="0" anchor="ctr"/>
-              <a:lstStyle/>
-              <a:p>
-                <a:pPr algn="ctr"/>
-                <a:endParaRPr lang="en-US" dirty="0"/>
-              </a:p>
-            </p:txBody>
-          </p:sp>
-        </p:grpSp>
-      </p:grpSp>
-      <p:grpSp>
-        <p:nvGrpSpPr>
-          <p:cNvPr id="77" name="RadioButtonSelected">
-            <a:extLst>
-              <a:ext uri="{FF2B5EF4-FFF2-40B4-BE49-F238E27FC236}">
-                <a16:creationId xmlns:a16="http://schemas.microsoft.com/office/drawing/2014/main" id="{232738C6-A756-40CC-B74D-D265A224CDF2}"/>
-              </a:ext>
-            </a:extLst>
-          </p:cNvPr>
-          <p:cNvGrpSpPr/>
-          <p:nvPr userDrawn="1">
-            <p:custDataLst>
-              <p:custData r:id="rId4"/>
-            </p:custDataLst>
-          </p:nvPr>
-        </p:nvGrpSpPr>
-        <p:grpSpPr>
-          <a:xfrm>
-            <a:off x="5116075" y="2734791"/>
-            <a:ext cx="1433854" cy="230832"/>
-            <a:chOff x="4356895" y="3334651"/>
-            <a:chExt cx="1433854" cy="230832"/>
-          </a:xfrm>
-        </p:grpSpPr>
-        <p:sp>
-          <p:nvSpPr>
-            <p:cNvPr id="78" name="Content">
-              <a:extLst>
-                <a:ext uri="{FF2B5EF4-FFF2-40B4-BE49-F238E27FC236}">
-                  <a16:creationId xmlns:a16="http://schemas.microsoft.com/office/drawing/2014/main" id="{415F6F9F-C5D9-4709-83BB-B0CE4C577F27}"/>
-                </a:ext>
-              </a:extLst>
-            </p:cNvPr>
-            <p:cNvSpPr txBox="1"/>
-            <p:nvPr/>
-          </p:nvSpPr>
-          <p:spPr>
-            <a:xfrm>
-              <a:off x="4356895" y="3334651"/>
-              <a:ext cx="1433854" cy="230832"/>
-            </a:xfrm>
-            <a:prstGeom prst="rect">
-              <a:avLst/>
-            </a:prstGeom>
-            <a:noFill/>
-          </p:spPr>
-          <p:txBody>
-            <a:bodyPr wrap="none" lIns="164592" tIns="18288" rIns="45720" bIns="27432" rtlCol="0" anchor="ctr" anchorCtr="0">
-              <a:spAutoFit/>
-            </a:bodyPr>
-            <a:lstStyle/>
-            <a:p>
-              <a:r>
-                <a:rPr lang="en-US" sz="1200" dirty="0">
-                  <a:latin typeface="Segoe UI" pitchFamily="34" charset="0"/>
-                  <a:ea typeface="Segoe UI" pitchFamily="34" charset="0"/>
-                  <a:cs typeface="Segoe UI" pitchFamily="34" charset="0"/>
-                </a:rPr>
-                <a:t>Option </a:t>
-              </a:r>
-              <a:r>
-                <a:rPr lang="en-US" sz="1200" dirty="0" err="1">
-                  <a:latin typeface="Segoe UI" pitchFamily="34" charset="0"/>
-                  <a:ea typeface="Segoe UI" pitchFamily="34" charset="0"/>
-                  <a:cs typeface="Segoe UI" pitchFamily="34" charset="0"/>
-                </a:rPr>
-                <a:t>sondage</a:t>
-              </a:r>
-              <a:r>
-                <a:rPr lang="en-US" sz="1200" dirty="0">
-                  <a:latin typeface="Segoe UI" pitchFamily="34" charset="0"/>
-                  <a:ea typeface="Segoe UI" pitchFamily="34" charset="0"/>
-                  <a:cs typeface="Segoe UI" pitchFamily="34" charset="0"/>
-                </a:rPr>
-                <a:t> 1</a:t>
-              </a:r>
-            </a:p>
-          </p:txBody>
-        </p:sp>
-        <p:grpSp>
-          <p:nvGrpSpPr>
-            <p:cNvPr id="79" name="Group 3">
-              <a:extLst>
-                <a:ext uri="{FF2B5EF4-FFF2-40B4-BE49-F238E27FC236}">
-                  <a16:creationId xmlns:a16="http://schemas.microsoft.com/office/drawing/2014/main" id="{8ADACB1A-06FE-43CA-841E-E2E3DAE3533F}"/>
-                </a:ext>
-              </a:extLst>
-            </p:cNvPr>
-            <p:cNvGrpSpPr/>
-            <p:nvPr/>
-          </p:nvGrpSpPr>
-          <p:grpSpPr>
-            <a:xfrm>
-              <a:off x="4356895" y="3374807"/>
-              <a:ext cx="119960" cy="119922"/>
-              <a:chOff x="4356895" y="3374807"/>
-              <a:chExt cx="119960" cy="119922"/>
-            </a:xfrm>
-          </p:grpSpPr>
-          <p:sp>
-            <p:nvSpPr>
-              <p:cNvPr id="80" name="Circle">
-                <a:extLst>
-                  <a:ext uri="{FF2B5EF4-FFF2-40B4-BE49-F238E27FC236}">
-                    <a16:creationId xmlns:a16="http://schemas.microsoft.com/office/drawing/2014/main" id="{6D9730A8-3A66-41D7-9916-7D3EEC77606B}"/>
-                  </a:ext>
-                </a:extLst>
-              </p:cNvPr>
-              <p:cNvSpPr/>
-              <p:nvPr/>
-            </p:nvSpPr>
-            <p:spPr>
-              <a:xfrm>
-                <a:off x="4356895" y="3374807"/>
-                <a:ext cx="119960" cy="119922"/>
-              </a:xfrm>
-              <a:prstGeom prst="ellipse">
-                <a:avLst/>
-              </a:prstGeom>
-              <a:solidFill>
-                <a:srgbClr val="FFFFFF"/>
-              </a:solidFill>
-              <a:ln w="3175">
-                <a:solidFill>
-                  <a:srgbClr val="FFFFFF">
-                    <a:lumMod val="50000"/>
-                  </a:srgbClr>
-                </a:solidFill>
-              </a:ln>
-              <a:effectLst/>
-            </p:spPr>
-            <p:style>
-              <a:lnRef idx="2">
-                <a:srgbClr val="4F81BD">
-                  <a:shade val="50000"/>
-                </a:srgbClr>
-              </a:lnRef>
-              <a:fillRef idx="1">
-                <a:srgbClr val="4F81BD"/>
-              </a:fillRef>
-              <a:effectRef idx="0">
-                <a:srgbClr val="4F81BD"/>
-              </a:effectRef>
-              <a:fontRef idx="minor">
-                <a:srgbClr val="000000"/>
-              </a:fontRef>
-            </p:style>
-            <p:txBody>
-              <a:bodyPr rtlCol="0" anchor="ctr"/>
-              <a:lstStyle/>
-              <a:p>
-                <a:pPr algn="ctr"/>
-                <a:endParaRPr lang="en-US" dirty="0"/>
-              </a:p>
-            </p:txBody>
-          </p:sp>
-          <p:sp>
-            <p:nvSpPr>
-              <p:cNvPr id="81" name="InnerCircle">
-                <a:extLst>
-                  <a:ext uri="{FF2B5EF4-FFF2-40B4-BE49-F238E27FC236}">
-                    <a16:creationId xmlns:a16="http://schemas.microsoft.com/office/drawing/2014/main" id="{3BFBBCC4-DC0F-4A99-A797-233552AB66E7}"/>
-                  </a:ext>
-                </a:extLst>
-              </p:cNvPr>
-              <p:cNvSpPr/>
-              <p:nvPr/>
-            </p:nvSpPr>
-            <p:spPr>
-              <a:xfrm>
-                <a:off x="4390432" y="3407093"/>
-                <a:ext cx="58189" cy="58190"/>
-              </a:xfrm>
-              <a:prstGeom prst="ellipse">
-                <a:avLst/>
-              </a:prstGeom>
-              <a:solidFill>
-                <a:srgbClr val="FFFFFF">
-                  <a:lumMod val="50000"/>
-                </a:srgbClr>
-              </a:solidFill>
-              <a:ln>
-                <a:noFill/>
-              </a:ln>
-            </p:spPr>
-            <p:style>
-              <a:lnRef idx="2">
-                <a:srgbClr val="4F81BD">
-                  <a:shade val="50000"/>
-                </a:srgbClr>
-              </a:lnRef>
-              <a:fillRef idx="1">
-                <a:srgbClr val="4F81BD"/>
-              </a:fillRef>
-              <a:effectRef idx="0">
-                <a:srgbClr val="4F81BD"/>
-              </a:effectRef>
-              <a:fontRef idx="minor">
-                <a:srgbClr val="000000"/>
-              </a:fontRef>
-            </p:style>
-            <p:txBody>
-              <a:bodyPr rtlCol="0" anchor="ctr"/>
-              <a:lstStyle/>
-              <a:p>
-                <a:pPr algn="ctr"/>
-                <a:endParaRPr lang="en-US" dirty="0"/>
-              </a:p>
-            </p:txBody>
-          </p:sp>
-        </p:grpSp>
-      </p:grpSp>
-      <p:sp>
-        <p:nvSpPr>
-          <p:cNvPr id="82" name="Content">
-            <a:extLst>
-              <a:ext uri="{FF2B5EF4-FFF2-40B4-BE49-F238E27FC236}">
-                <a16:creationId xmlns:a16="http://schemas.microsoft.com/office/drawing/2014/main" id="{3B54B63A-C586-41C4-9D23-2C5F91321942}"/>
-              </a:ext>
-            </a:extLst>
-          </p:cNvPr>
-          <p:cNvSpPr txBox="1"/>
-          <p:nvPr userDrawn="1">
-            <p:custDataLst>
-              <p:custData r:id="rId5"/>
-            </p:custDataLst>
-          </p:nvPr>
-        </p:nvSpPr>
-        <p:spPr>
-          <a:xfrm>
-            <a:off x="4763381" y="5730277"/>
-            <a:ext cx="3847464" cy="249299"/>
-          </a:xfrm>
-          <a:prstGeom prst="rect">
-            <a:avLst/>
-          </a:prstGeom>
-          <a:noFill/>
-        </p:spPr>
-        <p:txBody>
-          <a:bodyPr wrap="none" lIns="91440" tIns="18288" rIns="91440" bIns="45720" rtlCol="0" anchor="ctr" anchorCtr="0">
-            <a:spAutoFit/>
-          </a:bodyPr>
-          <a:lstStyle/>
-          <a:p>
-            <a:r>
-              <a:rPr lang="en-US" sz="1200" u="sng" dirty="0">
-                <a:solidFill>
-                  <a:srgbClr val="0070C0"/>
-                </a:solidFill>
-                <a:uFill>
-                  <a:solidFill>
-                    <a:srgbClr val="0070C0"/>
-                  </a:solidFill>
-                </a:uFill>
-                <a:latin typeface="Segoe UI" pitchFamily="34" charset="0"/>
-                <a:ea typeface="Segoe UI" pitchFamily="34" charset="0"/>
-                <a:cs typeface="Segoe UI" pitchFamily="34" charset="0"/>
-              </a:rPr>
-              <a:t>https://www.sondagesenprofondeur.org/azejiNFDo982</a:t>
-            </a:r>
-          </a:p>
-        </p:txBody>
-      </p:sp>
-      <p:sp>
-        <p:nvSpPr>
-          <p:cNvPr id="83" name="Content">
-            <a:extLst>
-              <a:ext uri="{FF2B5EF4-FFF2-40B4-BE49-F238E27FC236}">
-                <a16:creationId xmlns:a16="http://schemas.microsoft.com/office/drawing/2014/main" id="{41630A6B-AB85-4747-A178-DECA2006AC0E}"/>
-              </a:ext>
-            </a:extLst>
-          </p:cNvPr>
-          <p:cNvSpPr/>
-          <p:nvPr userDrawn="1">
-            <p:custDataLst>
-              <p:custData r:id="rId6"/>
-            </p:custDataLst>
-          </p:nvPr>
-        </p:nvSpPr>
-        <p:spPr>
-          <a:xfrm>
-            <a:off x="3533061" y="5707294"/>
-            <a:ext cx="1269691" cy="249299"/>
-          </a:xfrm>
-          <a:prstGeom prst="rect">
-            <a:avLst/>
-          </a:prstGeom>
-          <a:solidFill>
-            <a:sysClr val="window" lastClr="FFFFFF"/>
-          </a:solidFill>
-          <a:ln w="3175">
-            <a:solidFill>
-              <a:srgbClr val="000000">
-                <a:lumMod val="50000"/>
-                <a:lumOff val="50000"/>
-              </a:srgbClr>
-            </a:solidFill>
-          </a:ln>
-          <a:effectLst/>
-        </p:spPr>
-        <p:style>
-          <a:lnRef idx="2">
-            <a:srgbClr val="4F81BD">
-              <a:shade val="50000"/>
-            </a:srgbClr>
-          </a:lnRef>
-          <a:fillRef idx="1">
-            <a:srgbClr val="4F81BD"/>
-          </a:fillRef>
-          <a:effectRef idx="0">
-            <a:srgbClr val="4F81BD"/>
-          </a:effectRef>
-          <a:fontRef idx="minor">
-            <a:srgbClr val="000000"/>
-          </a:fontRef>
-        </p:style>
-        <p:txBody>
-          <a:bodyPr wrap="none" lIns="45720" tIns="18288" rIns="45720" bIns="18288" rtlCol="0" anchor="ctr">
-            <a:noAutofit/>
-          </a:bodyPr>
-          <a:lstStyle/>
-          <a:p>
-            <a:r>
-              <a:rPr lang="en-US" sz="1200" dirty="0">
-                <a:solidFill>
-                  <a:srgbClr val="000000"/>
-                </a:solidFill>
-                <a:latin typeface="Segoe UI" pitchFamily="34" charset="0"/>
-                <a:cs typeface="Segoe UI" pitchFamily="34" charset="0"/>
-              </a:rPr>
-              <a:t>Lien du </a:t>
-            </a:r>
-            <a:r>
-              <a:rPr lang="en-US" sz="1200" dirty="0" err="1">
-                <a:solidFill>
-                  <a:srgbClr val="000000"/>
-                </a:solidFill>
-                <a:latin typeface="Segoe UI" pitchFamily="34" charset="0"/>
-                <a:cs typeface="Segoe UI" pitchFamily="34" charset="0"/>
-              </a:rPr>
-              <a:t>sondage</a:t>
-            </a:r>
-            <a:r>
-              <a:rPr lang="en-US" sz="1200" dirty="0">
-                <a:solidFill>
-                  <a:srgbClr val="000000"/>
-                </a:solidFill>
-                <a:latin typeface="Segoe UI" pitchFamily="34" charset="0"/>
-                <a:cs typeface="Segoe UI" pitchFamily="34" charset="0"/>
-              </a:rPr>
-              <a:t> :</a:t>
-            </a:r>
-          </a:p>
-        </p:txBody>
-      </p:sp>
-      <p:sp>
-        <p:nvSpPr>
-          <p:cNvPr id="84" name="Content">
-            <a:extLst>
-              <a:ext uri="{FF2B5EF4-FFF2-40B4-BE49-F238E27FC236}">
-                <a16:creationId xmlns:a16="http://schemas.microsoft.com/office/drawing/2014/main" id="{C841380A-6C33-4CEC-8277-71F406D33F47}"/>
-              </a:ext>
-            </a:extLst>
-          </p:cNvPr>
-          <p:cNvSpPr txBox="1"/>
-          <p:nvPr userDrawn="1">
-            <p:custDataLst>
-              <p:custData r:id="rId7"/>
-            </p:custDataLst>
-          </p:nvPr>
-        </p:nvSpPr>
-        <p:spPr>
-          <a:xfrm>
-            <a:off x="3680837" y="2113774"/>
-            <a:ext cx="4304331" cy="323165"/>
-          </a:xfrm>
-          <a:prstGeom prst="rect">
-            <a:avLst/>
-          </a:prstGeom>
-          <a:noFill/>
-        </p:spPr>
-        <p:txBody>
-          <a:bodyPr wrap="square" lIns="91440" tIns="18288" rIns="91440" bIns="27432" rtlCol="0" anchor="ctr" anchorCtr="0">
-            <a:spAutoFit/>
-          </a:bodyPr>
-          <a:lstStyle/>
-          <a:p>
-            <a:pPr algn="ctr"/>
-            <a:r>
-              <a:rPr lang="en-US" b="1" dirty="0">
-                <a:solidFill>
-                  <a:srgbClr val="000000"/>
-                </a:solidFill>
-                <a:latin typeface="Segoe UI" pitchFamily="34" charset="0"/>
-                <a:ea typeface="Segoe UI" pitchFamily="34" charset="0"/>
-                <a:cs typeface="Segoe UI" pitchFamily="34" charset="0"/>
-              </a:rPr>
-              <a:t>Question du </a:t>
-            </a:r>
-            <a:r>
-              <a:rPr lang="en-US" b="1" dirty="0" err="1">
-                <a:solidFill>
-                  <a:srgbClr val="000000"/>
-                </a:solidFill>
-                <a:latin typeface="Segoe UI" pitchFamily="34" charset="0"/>
-                <a:ea typeface="Segoe UI" pitchFamily="34" charset="0"/>
-                <a:cs typeface="Segoe UI" pitchFamily="34" charset="0"/>
-              </a:rPr>
-              <a:t>sondage</a:t>
-            </a:r>
-            <a:r>
-              <a:rPr lang="en-US" b="1" dirty="0">
-                <a:solidFill>
-                  <a:srgbClr val="000000"/>
-                </a:solidFill>
-                <a:latin typeface="Segoe UI" pitchFamily="34" charset="0"/>
-                <a:ea typeface="Segoe UI" pitchFamily="34" charset="0"/>
-                <a:cs typeface="Segoe UI" pitchFamily="34" charset="0"/>
-              </a:rPr>
-              <a:t> ?</a:t>
-            </a:r>
-          </a:p>
-        </p:txBody>
-      </p:sp>
-      <p:sp>
-        <p:nvSpPr>
-          <p:cNvPr id="85" name="Content">
-            <a:extLst>
-              <a:ext uri="{FF2B5EF4-FFF2-40B4-BE49-F238E27FC236}">
-                <a16:creationId xmlns:a16="http://schemas.microsoft.com/office/drawing/2014/main" id="{B645CECD-EFFE-4364-AD0B-5AA97FFDC7A3}"/>
-              </a:ext>
-            </a:extLst>
-          </p:cNvPr>
-          <p:cNvSpPr/>
-          <p:nvPr userDrawn="1">
-            <p:custDataLst>
-              <p:custData r:id="rId8"/>
-            </p:custDataLst>
-          </p:nvPr>
-        </p:nvSpPr>
-        <p:spPr>
-          <a:xfrm>
-            <a:off x="4065877" y="3933699"/>
-            <a:ext cx="1473749" cy="311703"/>
-          </a:xfrm>
-          <a:prstGeom prst="roundRect">
-            <a:avLst/>
-          </a:prstGeom>
-          <a:solidFill>
-            <a:srgbClr val="FFFFFF">
-              <a:lumMod val="95000"/>
-            </a:srgbClr>
-          </a:solidFill>
-          <a:ln w="3175">
-            <a:solidFill>
-              <a:srgbClr val="000000">
-                <a:lumMod val="50000"/>
-                <a:lumOff val="50000"/>
-              </a:srgbClr>
-            </a:solidFill>
-          </a:ln>
-          <a:effectLst/>
-        </p:spPr>
-        <p:style>
-          <a:lnRef idx="2">
-            <a:srgbClr val="4F81BD">
-              <a:shade val="50000"/>
-            </a:srgbClr>
-          </a:lnRef>
-          <a:fillRef idx="1">
-            <a:srgbClr val="4F81BD"/>
-          </a:fillRef>
-          <a:effectRef idx="0">
-            <a:srgbClr val="4F81BD"/>
-          </a:effectRef>
-          <a:fontRef idx="minor">
-            <a:srgbClr val="000000"/>
-          </a:fontRef>
-        </p:style>
-        <p:txBody>
-          <a:bodyPr wrap="square" lIns="91440" tIns="0" rIns="91440" bIns="9144" rtlCol="0" anchor="ctr">
-            <a:noAutofit/>
-          </a:bodyPr>
-          <a:lstStyle/>
-          <a:p>
-            <a:pPr algn="ctr"/>
-            <a:r>
-              <a:rPr lang="en-US" sz="1200" dirty="0" err="1">
-                <a:latin typeface="Segoe UI" pitchFamily="34" charset="0"/>
-                <a:cs typeface="Segoe UI" pitchFamily="34" charset="0"/>
-              </a:rPr>
-              <a:t>Valider</a:t>
-            </a:r>
-            <a:r>
-              <a:rPr lang="en-US" sz="1200" dirty="0">
-                <a:latin typeface="Segoe UI" pitchFamily="34" charset="0"/>
-                <a:cs typeface="Segoe UI" pitchFamily="34" charset="0"/>
-              </a:rPr>
-              <a:t> le vote</a:t>
-            </a:r>
-          </a:p>
-        </p:txBody>
-      </p:sp>
-      <p:sp>
-        <p:nvSpPr>
-          <p:cNvPr id="86" name="Content">
-            <a:extLst>
-              <a:ext uri="{FF2B5EF4-FFF2-40B4-BE49-F238E27FC236}">
-                <a16:creationId xmlns:a16="http://schemas.microsoft.com/office/drawing/2014/main" id="{5A70C99D-05DD-4EB3-98AE-FA72310EDC4D}"/>
-              </a:ext>
-            </a:extLst>
-          </p:cNvPr>
-          <p:cNvSpPr/>
-          <p:nvPr userDrawn="1">
-            <p:custDataLst>
-              <p:custData r:id="rId9"/>
-            </p:custDataLst>
-          </p:nvPr>
-        </p:nvSpPr>
-        <p:spPr>
-          <a:xfrm>
-            <a:off x="6434119" y="3978951"/>
-            <a:ext cx="1551049" cy="221198"/>
-          </a:xfrm>
-          <a:prstGeom prst="roundRect">
-            <a:avLst/>
-          </a:prstGeom>
-          <a:solidFill>
-            <a:srgbClr val="FFFFFF">
-              <a:lumMod val="95000"/>
-            </a:srgbClr>
-          </a:solidFill>
-          <a:ln w="3175">
-            <a:solidFill>
-              <a:srgbClr val="000000">
-                <a:lumMod val="50000"/>
-                <a:lumOff val="50000"/>
-              </a:srgbClr>
-            </a:solidFill>
-          </a:ln>
-          <a:effectLst/>
-        </p:spPr>
-        <p:style>
-          <a:lnRef idx="2">
-            <a:srgbClr val="4F81BD">
-              <a:shade val="50000"/>
-            </a:srgbClr>
-          </a:lnRef>
-          <a:fillRef idx="1">
-            <a:srgbClr val="4F81BD"/>
-          </a:fillRef>
-          <a:effectRef idx="0">
-            <a:srgbClr val="4F81BD"/>
-          </a:effectRef>
-          <a:fontRef idx="minor">
-            <a:srgbClr val="000000"/>
-          </a:fontRef>
-        </p:style>
-        <p:txBody>
-          <a:bodyPr wrap="square" lIns="91440" tIns="0" rIns="91440" bIns="9144" rtlCol="0" anchor="ctr">
-            <a:noAutofit/>
-          </a:bodyPr>
-          <a:lstStyle/>
-          <a:p>
-            <a:pPr algn="ctr"/>
-            <a:r>
-              <a:rPr lang="en-US" sz="1200" dirty="0" err="1">
-                <a:solidFill>
-                  <a:srgbClr val="000000"/>
-                </a:solidFill>
-                <a:latin typeface="Segoe UI" pitchFamily="34" charset="0"/>
-                <a:cs typeface="Segoe UI" pitchFamily="34" charset="0"/>
-              </a:rPr>
-              <a:t>Afficher</a:t>
-            </a:r>
-            <a:r>
-              <a:rPr lang="en-US" sz="1200" dirty="0">
-                <a:solidFill>
-                  <a:srgbClr val="000000"/>
-                </a:solidFill>
-                <a:latin typeface="Segoe UI" pitchFamily="34" charset="0"/>
-                <a:cs typeface="Segoe UI" pitchFamily="34" charset="0"/>
-              </a:rPr>
-              <a:t> </a:t>
-            </a:r>
-            <a:r>
-              <a:rPr lang="en-US" sz="1200" dirty="0" err="1">
-                <a:solidFill>
-                  <a:srgbClr val="000000"/>
-                </a:solidFill>
-                <a:latin typeface="Segoe UI" pitchFamily="34" charset="0"/>
-                <a:cs typeface="Segoe UI" pitchFamily="34" charset="0"/>
-              </a:rPr>
-              <a:t>résultats</a:t>
-            </a:r>
-            <a:endParaRPr lang="en-US" sz="1200" dirty="0">
-              <a:solidFill>
-                <a:srgbClr val="000000"/>
-              </a:solidFill>
-              <a:latin typeface="Segoe UI" pitchFamily="34" charset="0"/>
-              <a:cs typeface="Segoe UI" pitchFamily="34" charset="0"/>
-            </a:endParaRPr>
-          </a:p>
-        </p:txBody>
-      </p:sp>
-    </p:spTree>
-    <p:extLst>
-      <p:ext uri="{BB962C8B-B14F-4D97-AF65-F5344CB8AC3E}">
-        <p14:creationId xmlns:p14="http://schemas.microsoft.com/office/powerpoint/2010/main" val="2548762617"/>
-      </p:ext>
-    </p:extLst>
-  </p:cSld>
-  <p:clrMapOvr>
-    <a:masterClrMapping/>
-  </p:clrMapOvr>
-</p:sldLayout>
-</file>
-
-<file path=ppt/slideLayouts/slideLayout2.xml><?xml version="1.0" encoding="utf-8"?>
-<p:sldLayout xmlns:a="http://schemas.openxmlformats.org/drawingml/2006/main" xmlns:r="http://schemas.openxmlformats.org/officeDocument/2006/relationships" xmlns:p="http://schemas.openxmlformats.org/presentationml/2006/main" preserve="1" userDrawn="1">
-  <p:cSld name="Page site vierge">
+  <p:cSld name="Page site Création Sondage">
     <p:spTree>
       <p:nvGrpSpPr>
         <p:cNvPr id="1" name=""/>
@@ -4035,9 +2763,1281 @@
 </p:sldLayout>
 </file>
 
+<file path=ppt/slideLayouts/slideLayout2.xml><?xml version="1.0" encoding="utf-8"?>
+<p:sldLayout xmlns:a="http://schemas.openxmlformats.org/drawingml/2006/main" xmlns:r="http://schemas.openxmlformats.org/officeDocument/2006/relationships" xmlns:p="http://schemas.openxmlformats.org/presentationml/2006/main" preserve="1" userDrawn="1">
+  <p:cSld name="Interface Sondage">
+    <p:spTree>
+      <p:nvGrpSpPr>
+        <p:cNvPr id="1" name=""/>
+        <p:cNvGrpSpPr/>
+        <p:nvPr/>
+      </p:nvGrpSpPr>
+      <p:grpSpPr>
+        <a:xfrm>
+          <a:off x="0" y="0"/>
+          <a:ext cx="0" cy="0"/>
+          <a:chOff x="0" y="0"/>
+          <a:chExt cx="0" cy="0"/>
+        </a:xfrm>
+      </p:grpSpPr>
+      <p:sp>
+        <p:nvSpPr>
+          <p:cNvPr id="66" name="MousePointer">
+            <a:extLst>
+              <a:ext uri="{FF2B5EF4-FFF2-40B4-BE49-F238E27FC236}">
+                <a16:creationId xmlns:a16="http://schemas.microsoft.com/office/drawing/2014/main" id="{5A91B798-4426-4DF3-8803-23B02E310EF8}"/>
+              </a:ext>
+            </a:extLst>
+          </p:cNvPr>
+          <p:cNvSpPr/>
+          <p:nvPr userDrawn="1">
+            <p:custDataLst>
+              <p:custData r:id="rId1"/>
+            </p:custDataLst>
+          </p:nvPr>
+        </p:nvSpPr>
+        <p:spPr>
+          <a:xfrm rot="20359169">
+            <a:off x="5027209" y="4674196"/>
+            <a:ext cx="151053" cy="247694"/>
+          </a:xfrm>
+          <a:custGeom>
+            <a:avLst/>
+            <a:gdLst>
+              <a:gd name="connsiteX0" fmla="*/ 0 w 592890"/>
+              <a:gd name="connsiteY0" fmla="*/ 806746 h 997971"/>
+              <a:gd name="connsiteX1" fmla="*/ 296445 w 592890"/>
+              <a:gd name="connsiteY1" fmla="*/ 0 h 997971"/>
+              <a:gd name="connsiteX2" fmla="*/ 592890 w 592890"/>
+              <a:gd name="connsiteY2" fmla="*/ 806746 h 997971"/>
+              <a:gd name="connsiteX3" fmla="*/ 386188 w 592890"/>
+              <a:gd name="connsiteY3" fmla="*/ 806746 h 997971"/>
+              <a:gd name="connsiteX4" fmla="*/ 386188 w 592890"/>
+              <a:gd name="connsiteY4" fmla="*/ 997971 h 997971"/>
+              <a:gd name="connsiteX5" fmla="*/ 206702 w 592890"/>
+              <a:gd name="connsiteY5" fmla="*/ 997971 h 997971"/>
+              <a:gd name="connsiteX6" fmla="*/ 206702 w 592890"/>
+              <a:gd name="connsiteY6" fmla="*/ 806746 h 997971"/>
+              <a:gd name="connsiteX7" fmla="*/ 0 w 592890"/>
+              <a:gd name="connsiteY7" fmla="*/ 806746 h 997971"/>
+              <a:gd name="connsiteX0" fmla="*/ 0 w 592890"/>
+              <a:gd name="connsiteY0" fmla="*/ 806746 h 997971"/>
+              <a:gd name="connsiteX1" fmla="*/ 296445 w 592890"/>
+              <a:gd name="connsiteY1" fmla="*/ 0 h 997971"/>
+              <a:gd name="connsiteX2" fmla="*/ 592890 w 592890"/>
+              <a:gd name="connsiteY2" fmla="*/ 806746 h 997971"/>
+              <a:gd name="connsiteX3" fmla="*/ 386188 w 592890"/>
+              <a:gd name="connsiteY3" fmla="*/ 766438 h 997971"/>
+              <a:gd name="connsiteX4" fmla="*/ 386188 w 592890"/>
+              <a:gd name="connsiteY4" fmla="*/ 997971 h 997971"/>
+              <a:gd name="connsiteX5" fmla="*/ 206702 w 592890"/>
+              <a:gd name="connsiteY5" fmla="*/ 997971 h 997971"/>
+              <a:gd name="connsiteX6" fmla="*/ 206702 w 592890"/>
+              <a:gd name="connsiteY6" fmla="*/ 806746 h 997971"/>
+              <a:gd name="connsiteX7" fmla="*/ 0 w 592890"/>
+              <a:gd name="connsiteY7" fmla="*/ 806746 h 997971"/>
+              <a:gd name="connsiteX0" fmla="*/ 0 w 592890"/>
+              <a:gd name="connsiteY0" fmla="*/ 806746 h 997971"/>
+              <a:gd name="connsiteX1" fmla="*/ 296445 w 592890"/>
+              <a:gd name="connsiteY1" fmla="*/ 0 h 997971"/>
+              <a:gd name="connsiteX2" fmla="*/ 592890 w 592890"/>
+              <a:gd name="connsiteY2" fmla="*/ 806746 h 997971"/>
+              <a:gd name="connsiteX3" fmla="*/ 386188 w 592890"/>
+              <a:gd name="connsiteY3" fmla="*/ 766438 h 997971"/>
+              <a:gd name="connsiteX4" fmla="*/ 386188 w 592890"/>
+              <a:gd name="connsiteY4" fmla="*/ 997971 h 997971"/>
+              <a:gd name="connsiteX5" fmla="*/ 206702 w 592890"/>
+              <a:gd name="connsiteY5" fmla="*/ 997971 h 997971"/>
+              <a:gd name="connsiteX6" fmla="*/ 206702 w 592890"/>
+              <a:gd name="connsiteY6" fmla="*/ 764057 h 997971"/>
+              <a:gd name="connsiteX7" fmla="*/ 0 w 592890"/>
+              <a:gd name="connsiteY7" fmla="*/ 806746 h 997971"/>
+              <a:gd name="connsiteX0" fmla="*/ 0 w 592890"/>
+              <a:gd name="connsiteY0" fmla="*/ 806746 h 997971"/>
+              <a:gd name="connsiteX1" fmla="*/ 296445 w 592890"/>
+              <a:gd name="connsiteY1" fmla="*/ 0 h 997971"/>
+              <a:gd name="connsiteX2" fmla="*/ 592890 w 592890"/>
+              <a:gd name="connsiteY2" fmla="*/ 806746 h 997971"/>
+              <a:gd name="connsiteX3" fmla="*/ 386188 w 592890"/>
+              <a:gd name="connsiteY3" fmla="*/ 766438 h 997971"/>
+              <a:gd name="connsiteX4" fmla="*/ 386188 w 592890"/>
+              <a:gd name="connsiteY4" fmla="*/ 997971 h 997971"/>
+              <a:gd name="connsiteX5" fmla="*/ 206702 w 592890"/>
+              <a:gd name="connsiteY5" fmla="*/ 997971 h 997971"/>
+              <a:gd name="connsiteX6" fmla="*/ 206702 w 592890"/>
+              <a:gd name="connsiteY6" fmla="*/ 735333 h 997971"/>
+              <a:gd name="connsiteX7" fmla="*/ 0 w 592890"/>
+              <a:gd name="connsiteY7" fmla="*/ 806746 h 997971"/>
+              <a:gd name="connsiteX0" fmla="*/ 0 w 592890"/>
+              <a:gd name="connsiteY0" fmla="*/ 806746 h 997971"/>
+              <a:gd name="connsiteX1" fmla="*/ 296445 w 592890"/>
+              <a:gd name="connsiteY1" fmla="*/ 0 h 997971"/>
+              <a:gd name="connsiteX2" fmla="*/ 592890 w 592890"/>
+              <a:gd name="connsiteY2" fmla="*/ 806746 h 997971"/>
+              <a:gd name="connsiteX3" fmla="*/ 386188 w 592890"/>
+              <a:gd name="connsiteY3" fmla="*/ 730570 h 997971"/>
+              <a:gd name="connsiteX4" fmla="*/ 386188 w 592890"/>
+              <a:gd name="connsiteY4" fmla="*/ 997971 h 997971"/>
+              <a:gd name="connsiteX5" fmla="*/ 206702 w 592890"/>
+              <a:gd name="connsiteY5" fmla="*/ 997971 h 997971"/>
+              <a:gd name="connsiteX6" fmla="*/ 206702 w 592890"/>
+              <a:gd name="connsiteY6" fmla="*/ 735333 h 997971"/>
+              <a:gd name="connsiteX7" fmla="*/ 0 w 592890"/>
+              <a:gd name="connsiteY7" fmla="*/ 806746 h 997971"/>
+            </a:gdLst>
+            <a:ahLst/>
+            <a:cxnLst>
+              <a:cxn ang="0">
+                <a:pos x="connsiteX0" y="connsiteY0"/>
+              </a:cxn>
+              <a:cxn ang="0">
+                <a:pos x="connsiteX1" y="connsiteY1"/>
+              </a:cxn>
+              <a:cxn ang="0">
+                <a:pos x="connsiteX2" y="connsiteY2"/>
+              </a:cxn>
+              <a:cxn ang="0">
+                <a:pos x="connsiteX3" y="connsiteY3"/>
+              </a:cxn>
+              <a:cxn ang="0">
+                <a:pos x="connsiteX4" y="connsiteY4"/>
+              </a:cxn>
+              <a:cxn ang="0">
+                <a:pos x="connsiteX5" y="connsiteY5"/>
+              </a:cxn>
+              <a:cxn ang="0">
+                <a:pos x="connsiteX6" y="connsiteY6"/>
+              </a:cxn>
+              <a:cxn ang="0">
+                <a:pos x="connsiteX7" y="connsiteY7"/>
+              </a:cxn>
+            </a:cxnLst>
+            <a:rect l="l" t="t" r="r" b="b"/>
+            <a:pathLst>
+              <a:path w="592890" h="997971">
+                <a:moveTo>
+                  <a:pt x="0" y="806746"/>
+                </a:moveTo>
+                <a:lnTo>
+                  <a:pt x="296445" y="0"/>
+                </a:lnTo>
+                <a:lnTo>
+                  <a:pt x="592890" y="806746"/>
+                </a:lnTo>
+                <a:lnTo>
+                  <a:pt x="386188" y="730570"/>
+                </a:lnTo>
+                <a:lnTo>
+                  <a:pt x="386188" y="997971"/>
+                </a:lnTo>
+                <a:lnTo>
+                  <a:pt x="206702" y="997971"/>
+                </a:lnTo>
+                <a:lnTo>
+                  <a:pt x="206702" y="735333"/>
+                </a:lnTo>
+                <a:lnTo>
+                  <a:pt x="0" y="806746"/>
+                </a:lnTo>
+                <a:close/>
+              </a:path>
+            </a:pathLst>
+          </a:custGeom>
+          <a:solidFill>
+            <a:srgbClr val="FFFFFF"/>
+          </a:solidFill>
+          <a:ln w="3175">
+            <a:solidFill>
+              <a:srgbClr val="000000">
+                <a:lumMod val="85000"/>
+                <a:lumOff val="15000"/>
+              </a:srgbClr>
+            </a:solidFill>
+          </a:ln>
+          <a:effectLst>
+            <a:glow rad="139700">
+              <a:srgbClr val="F79646">
+                <a:satMod val="175000"/>
+                <a:alpha val="40000"/>
+              </a:srgbClr>
+            </a:glow>
+            <a:outerShdw blurRad="25400" dist="25400" dir="2040000" algn="tl" rotWithShape="0">
+              <a:prstClr val="black">
+                <a:alpha val="20000"/>
+              </a:prstClr>
+            </a:outerShdw>
+          </a:effectLst>
+        </p:spPr>
+        <p:style>
+          <a:lnRef idx="2">
+            <a:srgbClr val="4F81BD">
+              <a:shade val="50000"/>
+            </a:srgbClr>
+          </a:lnRef>
+          <a:fillRef idx="1">
+            <a:srgbClr val="4F81BD"/>
+          </a:fillRef>
+          <a:effectRef idx="0">
+            <a:srgbClr val="4F81BD"/>
+          </a:effectRef>
+          <a:fontRef idx="minor">
+            <a:srgbClr val="000000"/>
+          </a:fontRef>
+        </p:style>
+        <p:txBody>
+          <a:bodyPr lIns="97531" tIns="48766" rIns="97531" bIns="48766" rtlCol="0" anchor="ctr"/>
+          <a:lstStyle/>
+          <a:p>
+            <a:pPr algn="ctr"/>
+            <a:endParaRPr lang="en-US" dirty="0"/>
+          </a:p>
+        </p:txBody>
+      </p:sp>
+      <p:grpSp>
+        <p:nvGrpSpPr>
+          <p:cNvPr id="67" name="RadioButtonSelected">
+            <a:extLst>
+              <a:ext uri="{FF2B5EF4-FFF2-40B4-BE49-F238E27FC236}">
+                <a16:creationId xmlns:a16="http://schemas.microsoft.com/office/drawing/2014/main" id="{68303141-1C0C-4CFE-9917-57834E5548D6}"/>
+              </a:ext>
+            </a:extLst>
+          </p:cNvPr>
+          <p:cNvGrpSpPr/>
+          <p:nvPr userDrawn="1">
+            <p:custDataLst>
+              <p:custData r:id="rId2"/>
+            </p:custDataLst>
+          </p:nvPr>
+        </p:nvGrpSpPr>
+        <p:grpSpPr>
+          <a:xfrm>
+            <a:off x="5116075" y="3357298"/>
+            <a:ext cx="1433854" cy="230832"/>
+            <a:chOff x="4356895" y="3334651"/>
+            <a:chExt cx="1433854" cy="230832"/>
+          </a:xfrm>
+        </p:grpSpPr>
+        <p:sp>
+          <p:nvSpPr>
+            <p:cNvPr id="68" name="Content">
+              <a:extLst>
+                <a:ext uri="{FF2B5EF4-FFF2-40B4-BE49-F238E27FC236}">
+                  <a16:creationId xmlns:a16="http://schemas.microsoft.com/office/drawing/2014/main" id="{1B2A50DA-8F25-4004-BB79-0ABCDA2C77CA}"/>
+                </a:ext>
+              </a:extLst>
+            </p:cNvPr>
+            <p:cNvSpPr txBox="1"/>
+            <p:nvPr/>
+          </p:nvSpPr>
+          <p:spPr>
+            <a:xfrm>
+              <a:off x="4356895" y="3334651"/>
+              <a:ext cx="1433854" cy="230832"/>
+            </a:xfrm>
+            <a:prstGeom prst="rect">
+              <a:avLst/>
+            </a:prstGeom>
+            <a:noFill/>
+          </p:spPr>
+          <p:txBody>
+            <a:bodyPr wrap="none" lIns="164592" tIns="18288" rIns="45720" bIns="27432" rtlCol="0" anchor="ctr" anchorCtr="0">
+              <a:spAutoFit/>
+            </a:bodyPr>
+            <a:lstStyle/>
+            <a:p>
+              <a:r>
+                <a:rPr lang="en-US" sz="1200" dirty="0">
+                  <a:latin typeface="Segoe UI" pitchFamily="34" charset="0"/>
+                  <a:ea typeface="Segoe UI" pitchFamily="34" charset="0"/>
+                  <a:cs typeface="Segoe UI" pitchFamily="34" charset="0"/>
+                </a:rPr>
+                <a:t>Option </a:t>
+              </a:r>
+              <a:r>
+                <a:rPr lang="en-US" sz="1200" dirty="0" err="1">
+                  <a:latin typeface="Segoe UI" pitchFamily="34" charset="0"/>
+                  <a:ea typeface="Segoe UI" pitchFamily="34" charset="0"/>
+                  <a:cs typeface="Segoe UI" pitchFamily="34" charset="0"/>
+                </a:rPr>
+                <a:t>sondage</a:t>
+              </a:r>
+              <a:r>
+                <a:rPr lang="en-US" sz="1200" dirty="0">
+                  <a:latin typeface="Segoe UI" pitchFamily="34" charset="0"/>
+                  <a:ea typeface="Segoe UI" pitchFamily="34" charset="0"/>
+                  <a:cs typeface="Segoe UI" pitchFamily="34" charset="0"/>
+                </a:rPr>
+                <a:t> 3</a:t>
+              </a:r>
+            </a:p>
+          </p:txBody>
+        </p:sp>
+        <p:grpSp>
+          <p:nvGrpSpPr>
+            <p:cNvPr id="69" name="Group 3">
+              <a:extLst>
+                <a:ext uri="{FF2B5EF4-FFF2-40B4-BE49-F238E27FC236}">
+                  <a16:creationId xmlns:a16="http://schemas.microsoft.com/office/drawing/2014/main" id="{9DEBF3D7-29EE-4122-BC52-94D6A256ADCD}"/>
+                </a:ext>
+              </a:extLst>
+            </p:cNvPr>
+            <p:cNvGrpSpPr/>
+            <p:nvPr/>
+          </p:nvGrpSpPr>
+          <p:grpSpPr>
+            <a:xfrm>
+              <a:off x="4356895" y="3374807"/>
+              <a:ext cx="119960" cy="119922"/>
+              <a:chOff x="4356895" y="3374807"/>
+              <a:chExt cx="119960" cy="119922"/>
+            </a:xfrm>
+          </p:grpSpPr>
+          <p:sp>
+            <p:nvSpPr>
+              <p:cNvPr id="70" name="Circle">
+                <a:extLst>
+                  <a:ext uri="{FF2B5EF4-FFF2-40B4-BE49-F238E27FC236}">
+                    <a16:creationId xmlns:a16="http://schemas.microsoft.com/office/drawing/2014/main" id="{10DD758A-4752-4603-8186-3379D7487017}"/>
+                  </a:ext>
+                </a:extLst>
+              </p:cNvPr>
+              <p:cNvSpPr/>
+              <p:nvPr/>
+            </p:nvSpPr>
+            <p:spPr>
+              <a:xfrm>
+                <a:off x="4356895" y="3374807"/>
+                <a:ext cx="119960" cy="119922"/>
+              </a:xfrm>
+              <a:prstGeom prst="ellipse">
+                <a:avLst/>
+              </a:prstGeom>
+              <a:solidFill>
+                <a:srgbClr val="FFFFFF"/>
+              </a:solidFill>
+              <a:ln w="3175">
+                <a:solidFill>
+                  <a:srgbClr val="FFFFFF">
+                    <a:lumMod val="50000"/>
+                  </a:srgbClr>
+                </a:solidFill>
+              </a:ln>
+              <a:effectLst/>
+            </p:spPr>
+            <p:style>
+              <a:lnRef idx="2">
+                <a:srgbClr val="4F81BD">
+                  <a:shade val="50000"/>
+                </a:srgbClr>
+              </a:lnRef>
+              <a:fillRef idx="1">
+                <a:srgbClr val="4F81BD"/>
+              </a:fillRef>
+              <a:effectRef idx="0">
+                <a:srgbClr val="4F81BD"/>
+              </a:effectRef>
+              <a:fontRef idx="minor">
+                <a:srgbClr val="000000"/>
+              </a:fontRef>
+            </p:style>
+            <p:txBody>
+              <a:bodyPr rtlCol="0" anchor="ctr"/>
+              <a:lstStyle/>
+              <a:p>
+                <a:pPr algn="ctr"/>
+                <a:endParaRPr lang="en-US" dirty="0"/>
+              </a:p>
+            </p:txBody>
+          </p:sp>
+          <p:sp>
+            <p:nvSpPr>
+              <p:cNvPr id="71" name="InnerCircle">
+                <a:extLst>
+                  <a:ext uri="{FF2B5EF4-FFF2-40B4-BE49-F238E27FC236}">
+                    <a16:creationId xmlns:a16="http://schemas.microsoft.com/office/drawing/2014/main" id="{5F178854-54CA-47FE-871E-C23F90887A6A}"/>
+                  </a:ext>
+                </a:extLst>
+              </p:cNvPr>
+              <p:cNvSpPr/>
+              <p:nvPr/>
+            </p:nvSpPr>
+            <p:spPr>
+              <a:xfrm>
+                <a:off x="4390432" y="3407093"/>
+                <a:ext cx="58189" cy="58190"/>
+              </a:xfrm>
+              <a:prstGeom prst="ellipse">
+                <a:avLst/>
+              </a:prstGeom>
+              <a:solidFill>
+                <a:srgbClr val="FFFFFF">
+                  <a:lumMod val="50000"/>
+                </a:srgbClr>
+              </a:solidFill>
+              <a:ln>
+                <a:noFill/>
+              </a:ln>
+            </p:spPr>
+            <p:style>
+              <a:lnRef idx="2">
+                <a:srgbClr val="4F81BD">
+                  <a:shade val="50000"/>
+                </a:srgbClr>
+              </a:lnRef>
+              <a:fillRef idx="1">
+                <a:srgbClr val="4F81BD"/>
+              </a:fillRef>
+              <a:effectRef idx="0">
+                <a:srgbClr val="4F81BD"/>
+              </a:effectRef>
+              <a:fontRef idx="minor">
+                <a:srgbClr val="000000"/>
+              </a:fontRef>
+            </p:style>
+            <p:txBody>
+              <a:bodyPr rtlCol="0" anchor="ctr"/>
+              <a:lstStyle/>
+              <a:p>
+                <a:pPr algn="ctr"/>
+                <a:endParaRPr lang="en-US" dirty="0"/>
+              </a:p>
+            </p:txBody>
+          </p:sp>
+        </p:grpSp>
+      </p:grpSp>
+      <p:grpSp>
+        <p:nvGrpSpPr>
+          <p:cNvPr id="72" name="RadioButtonSelected">
+            <a:extLst>
+              <a:ext uri="{FF2B5EF4-FFF2-40B4-BE49-F238E27FC236}">
+                <a16:creationId xmlns:a16="http://schemas.microsoft.com/office/drawing/2014/main" id="{CC324D2A-CE93-40D4-8D6B-5D87ACCCD1EF}"/>
+              </a:ext>
+            </a:extLst>
+          </p:cNvPr>
+          <p:cNvGrpSpPr/>
+          <p:nvPr userDrawn="1">
+            <p:custDataLst>
+              <p:custData r:id="rId3"/>
+            </p:custDataLst>
+          </p:nvPr>
+        </p:nvGrpSpPr>
+        <p:grpSpPr>
+          <a:xfrm>
+            <a:off x="5116075" y="3047760"/>
+            <a:ext cx="1433854" cy="230832"/>
+            <a:chOff x="4356895" y="3334651"/>
+            <a:chExt cx="1433854" cy="230832"/>
+          </a:xfrm>
+        </p:grpSpPr>
+        <p:sp>
+          <p:nvSpPr>
+            <p:cNvPr id="73" name="Content">
+              <a:extLst>
+                <a:ext uri="{FF2B5EF4-FFF2-40B4-BE49-F238E27FC236}">
+                  <a16:creationId xmlns:a16="http://schemas.microsoft.com/office/drawing/2014/main" id="{DA25E18C-B82F-45C0-980B-C7D44B12D47A}"/>
+                </a:ext>
+              </a:extLst>
+            </p:cNvPr>
+            <p:cNvSpPr txBox="1"/>
+            <p:nvPr/>
+          </p:nvSpPr>
+          <p:spPr>
+            <a:xfrm>
+              <a:off x="4356895" y="3334651"/>
+              <a:ext cx="1433854" cy="230832"/>
+            </a:xfrm>
+            <a:prstGeom prst="rect">
+              <a:avLst/>
+            </a:prstGeom>
+            <a:noFill/>
+          </p:spPr>
+          <p:txBody>
+            <a:bodyPr wrap="none" lIns="164592" tIns="18288" rIns="45720" bIns="27432" rtlCol="0" anchor="ctr" anchorCtr="0">
+              <a:spAutoFit/>
+            </a:bodyPr>
+            <a:lstStyle/>
+            <a:p>
+              <a:r>
+                <a:rPr lang="en-US" sz="1200" dirty="0">
+                  <a:latin typeface="Segoe UI" pitchFamily="34" charset="0"/>
+                  <a:ea typeface="Segoe UI" pitchFamily="34" charset="0"/>
+                  <a:cs typeface="Segoe UI" pitchFamily="34" charset="0"/>
+                </a:rPr>
+                <a:t>Option </a:t>
+              </a:r>
+              <a:r>
+                <a:rPr lang="en-US" sz="1200" dirty="0" err="1">
+                  <a:latin typeface="Segoe UI" pitchFamily="34" charset="0"/>
+                  <a:ea typeface="Segoe UI" pitchFamily="34" charset="0"/>
+                  <a:cs typeface="Segoe UI" pitchFamily="34" charset="0"/>
+                </a:rPr>
+                <a:t>sondage</a:t>
+              </a:r>
+              <a:r>
+                <a:rPr lang="en-US" sz="1200" dirty="0">
+                  <a:latin typeface="Segoe UI" pitchFamily="34" charset="0"/>
+                  <a:ea typeface="Segoe UI" pitchFamily="34" charset="0"/>
+                  <a:cs typeface="Segoe UI" pitchFamily="34" charset="0"/>
+                </a:rPr>
+                <a:t> 2</a:t>
+              </a:r>
+            </a:p>
+          </p:txBody>
+        </p:sp>
+        <p:grpSp>
+          <p:nvGrpSpPr>
+            <p:cNvPr id="74" name="Group 3">
+              <a:extLst>
+                <a:ext uri="{FF2B5EF4-FFF2-40B4-BE49-F238E27FC236}">
+                  <a16:creationId xmlns:a16="http://schemas.microsoft.com/office/drawing/2014/main" id="{A01987C6-A8A5-4B43-A266-404B5D0578F7}"/>
+                </a:ext>
+              </a:extLst>
+            </p:cNvPr>
+            <p:cNvGrpSpPr/>
+            <p:nvPr/>
+          </p:nvGrpSpPr>
+          <p:grpSpPr>
+            <a:xfrm>
+              <a:off x="4356895" y="3374807"/>
+              <a:ext cx="119960" cy="119922"/>
+              <a:chOff x="4356895" y="3374807"/>
+              <a:chExt cx="119960" cy="119922"/>
+            </a:xfrm>
+          </p:grpSpPr>
+          <p:sp>
+            <p:nvSpPr>
+              <p:cNvPr id="75" name="Circle">
+                <a:extLst>
+                  <a:ext uri="{FF2B5EF4-FFF2-40B4-BE49-F238E27FC236}">
+                    <a16:creationId xmlns:a16="http://schemas.microsoft.com/office/drawing/2014/main" id="{8FB2FF8D-EEE2-473F-9898-F436A414533C}"/>
+                  </a:ext>
+                </a:extLst>
+              </p:cNvPr>
+              <p:cNvSpPr/>
+              <p:nvPr/>
+            </p:nvSpPr>
+            <p:spPr>
+              <a:xfrm>
+                <a:off x="4356895" y="3374807"/>
+                <a:ext cx="119960" cy="119922"/>
+              </a:xfrm>
+              <a:prstGeom prst="ellipse">
+                <a:avLst/>
+              </a:prstGeom>
+              <a:solidFill>
+                <a:srgbClr val="FFFFFF"/>
+              </a:solidFill>
+              <a:ln w="3175">
+                <a:solidFill>
+                  <a:srgbClr val="FFFFFF">
+                    <a:lumMod val="50000"/>
+                  </a:srgbClr>
+                </a:solidFill>
+              </a:ln>
+              <a:effectLst/>
+            </p:spPr>
+            <p:style>
+              <a:lnRef idx="2">
+                <a:srgbClr val="4F81BD">
+                  <a:shade val="50000"/>
+                </a:srgbClr>
+              </a:lnRef>
+              <a:fillRef idx="1">
+                <a:srgbClr val="4F81BD"/>
+              </a:fillRef>
+              <a:effectRef idx="0">
+                <a:srgbClr val="4F81BD"/>
+              </a:effectRef>
+              <a:fontRef idx="minor">
+                <a:srgbClr val="000000"/>
+              </a:fontRef>
+            </p:style>
+            <p:txBody>
+              <a:bodyPr rtlCol="0" anchor="ctr"/>
+              <a:lstStyle/>
+              <a:p>
+                <a:pPr algn="ctr"/>
+                <a:endParaRPr lang="en-US" dirty="0"/>
+              </a:p>
+            </p:txBody>
+          </p:sp>
+          <p:sp>
+            <p:nvSpPr>
+              <p:cNvPr id="76" name="InnerCircle">
+                <a:extLst>
+                  <a:ext uri="{FF2B5EF4-FFF2-40B4-BE49-F238E27FC236}">
+                    <a16:creationId xmlns:a16="http://schemas.microsoft.com/office/drawing/2014/main" id="{D3ACB0F6-D123-45AC-8DDC-68CE3FA2D5B2}"/>
+                  </a:ext>
+                </a:extLst>
+              </p:cNvPr>
+              <p:cNvSpPr/>
+              <p:nvPr/>
+            </p:nvSpPr>
+            <p:spPr>
+              <a:xfrm>
+                <a:off x="4390432" y="3407093"/>
+                <a:ext cx="58189" cy="58190"/>
+              </a:xfrm>
+              <a:prstGeom prst="ellipse">
+                <a:avLst/>
+              </a:prstGeom>
+              <a:solidFill>
+                <a:srgbClr val="FFFFFF">
+                  <a:lumMod val="50000"/>
+                </a:srgbClr>
+              </a:solidFill>
+              <a:ln>
+                <a:noFill/>
+              </a:ln>
+            </p:spPr>
+            <p:style>
+              <a:lnRef idx="2">
+                <a:srgbClr val="4F81BD">
+                  <a:shade val="50000"/>
+                </a:srgbClr>
+              </a:lnRef>
+              <a:fillRef idx="1">
+                <a:srgbClr val="4F81BD"/>
+              </a:fillRef>
+              <a:effectRef idx="0">
+                <a:srgbClr val="4F81BD"/>
+              </a:effectRef>
+              <a:fontRef idx="minor">
+                <a:srgbClr val="000000"/>
+              </a:fontRef>
+            </p:style>
+            <p:txBody>
+              <a:bodyPr rtlCol="0" anchor="ctr"/>
+              <a:lstStyle/>
+              <a:p>
+                <a:pPr algn="ctr"/>
+                <a:endParaRPr lang="en-US" dirty="0"/>
+              </a:p>
+            </p:txBody>
+          </p:sp>
+        </p:grpSp>
+      </p:grpSp>
+      <p:grpSp>
+        <p:nvGrpSpPr>
+          <p:cNvPr id="77" name="RadioButtonSelected">
+            <a:extLst>
+              <a:ext uri="{FF2B5EF4-FFF2-40B4-BE49-F238E27FC236}">
+                <a16:creationId xmlns:a16="http://schemas.microsoft.com/office/drawing/2014/main" id="{232738C6-A756-40CC-B74D-D265A224CDF2}"/>
+              </a:ext>
+            </a:extLst>
+          </p:cNvPr>
+          <p:cNvGrpSpPr/>
+          <p:nvPr userDrawn="1">
+            <p:custDataLst>
+              <p:custData r:id="rId4"/>
+            </p:custDataLst>
+          </p:nvPr>
+        </p:nvGrpSpPr>
+        <p:grpSpPr>
+          <a:xfrm>
+            <a:off x="5116075" y="2734791"/>
+            <a:ext cx="1433854" cy="230832"/>
+            <a:chOff x="4356895" y="3334651"/>
+            <a:chExt cx="1433854" cy="230832"/>
+          </a:xfrm>
+        </p:grpSpPr>
+        <p:sp>
+          <p:nvSpPr>
+            <p:cNvPr id="78" name="Content">
+              <a:extLst>
+                <a:ext uri="{FF2B5EF4-FFF2-40B4-BE49-F238E27FC236}">
+                  <a16:creationId xmlns:a16="http://schemas.microsoft.com/office/drawing/2014/main" id="{415F6F9F-C5D9-4709-83BB-B0CE4C577F27}"/>
+                </a:ext>
+              </a:extLst>
+            </p:cNvPr>
+            <p:cNvSpPr txBox="1"/>
+            <p:nvPr/>
+          </p:nvSpPr>
+          <p:spPr>
+            <a:xfrm>
+              <a:off x="4356895" y="3334651"/>
+              <a:ext cx="1433854" cy="230832"/>
+            </a:xfrm>
+            <a:prstGeom prst="rect">
+              <a:avLst/>
+            </a:prstGeom>
+            <a:noFill/>
+          </p:spPr>
+          <p:txBody>
+            <a:bodyPr wrap="none" lIns="164592" tIns="18288" rIns="45720" bIns="27432" rtlCol="0" anchor="ctr" anchorCtr="0">
+              <a:spAutoFit/>
+            </a:bodyPr>
+            <a:lstStyle/>
+            <a:p>
+              <a:r>
+                <a:rPr lang="en-US" sz="1200" dirty="0">
+                  <a:latin typeface="Segoe UI" pitchFamily="34" charset="0"/>
+                  <a:ea typeface="Segoe UI" pitchFamily="34" charset="0"/>
+                  <a:cs typeface="Segoe UI" pitchFamily="34" charset="0"/>
+                </a:rPr>
+                <a:t>Option </a:t>
+              </a:r>
+              <a:r>
+                <a:rPr lang="en-US" sz="1200" dirty="0" err="1">
+                  <a:latin typeface="Segoe UI" pitchFamily="34" charset="0"/>
+                  <a:ea typeface="Segoe UI" pitchFamily="34" charset="0"/>
+                  <a:cs typeface="Segoe UI" pitchFamily="34" charset="0"/>
+                </a:rPr>
+                <a:t>sondage</a:t>
+              </a:r>
+              <a:r>
+                <a:rPr lang="en-US" sz="1200" dirty="0">
+                  <a:latin typeface="Segoe UI" pitchFamily="34" charset="0"/>
+                  <a:ea typeface="Segoe UI" pitchFamily="34" charset="0"/>
+                  <a:cs typeface="Segoe UI" pitchFamily="34" charset="0"/>
+                </a:rPr>
+                <a:t> 1</a:t>
+              </a:r>
+            </a:p>
+          </p:txBody>
+        </p:sp>
+        <p:grpSp>
+          <p:nvGrpSpPr>
+            <p:cNvPr id="79" name="Group 3">
+              <a:extLst>
+                <a:ext uri="{FF2B5EF4-FFF2-40B4-BE49-F238E27FC236}">
+                  <a16:creationId xmlns:a16="http://schemas.microsoft.com/office/drawing/2014/main" id="{8ADACB1A-06FE-43CA-841E-E2E3DAE3533F}"/>
+                </a:ext>
+              </a:extLst>
+            </p:cNvPr>
+            <p:cNvGrpSpPr/>
+            <p:nvPr/>
+          </p:nvGrpSpPr>
+          <p:grpSpPr>
+            <a:xfrm>
+              <a:off x="4356895" y="3374807"/>
+              <a:ext cx="119960" cy="119922"/>
+              <a:chOff x="4356895" y="3374807"/>
+              <a:chExt cx="119960" cy="119922"/>
+            </a:xfrm>
+          </p:grpSpPr>
+          <p:sp>
+            <p:nvSpPr>
+              <p:cNvPr id="80" name="Circle">
+                <a:extLst>
+                  <a:ext uri="{FF2B5EF4-FFF2-40B4-BE49-F238E27FC236}">
+                    <a16:creationId xmlns:a16="http://schemas.microsoft.com/office/drawing/2014/main" id="{6D9730A8-3A66-41D7-9916-7D3EEC77606B}"/>
+                  </a:ext>
+                </a:extLst>
+              </p:cNvPr>
+              <p:cNvSpPr/>
+              <p:nvPr/>
+            </p:nvSpPr>
+            <p:spPr>
+              <a:xfrm>
+                <a:off x="4356895" y="3374807"/>
+                <a:ext cx="119960" cy="119922"/>
+              </a:xfrm>
+              <a:prstGeom prst="ellipse">
+                <a:avLst/>
+              </a:prstGeom>
+              <a:solidFill>
+                <a:srgbClr val="FFFFFF"/>
+              </a:solidFill>
+              <a:ln w="3175">
+                <a:solidFill>
+                  <a:srgbClr val="FFFFFF">
+                    <a:lumMod val="50000"/>
+                  </a:srgbClr>
+                </a:solidFill>
+              </a:ln>
+              <a:effectLst/>
+            </p:spPr>
+            <p:style>
+              <a:lnRef idx="2">
+                <a:srgbClr val="4F81BD">
+                  <a:shade val="50000"/>
+                </a:srgbClr>
+              </a:lnRef>
+              <a:fillRef idx="1">
+                <a:srgbClr val="4F81BD"/>
+              </a:fillRef>
+              <a:effectRef idx="0">
+                <a:srgbClr val="4F81BD"/>
+              </a:effectRef>
+              <a:fontRef idx="minor">
+                <a:srgbClr val="000000"/>
+              </a:fontRef>
+            </p:style>
+            <p:txBody>
+              <a:bodyPr rtlCol="0" anchor="ctr"/>
+              <a:lstStyle/>
+              <a:p>
+                <a:pPr algn="ctr"/>
+                <a:endParaRPr lang="en-US" dirty="0"/>
+              </a:p>
+            </p:txBody>
+          </p:sp>
+          <p:sp>
+            <p:nvSpPr>
+              <p:cNvPr id="81" name="InnerCircle">
+                <a:extLst>
+                  <a:ext uri="{FF2B5EF4-FFF2-40B4-BE49-F238E27FC236}">
+                    <a16:creationId xmlns:a16="http://schemas.microsoft.com/office/drawing/2014/main" id="{3BFBBCC4-DC0F-4A99-A797-233552AB66E7}"/>
+                  </a:ext>
+                </a:extLst>
+              </p:cNvPr>
+              <p:cNvSpPr/>
+              <p:nvPr/>
+            </p:nvSpPr>
+            <p:spPr>
+              <a:xfrm>
+                <a:off x="4390432" y="3407093"/>
+                <a:ext cx="58189" cy="58190"/>
+              </a:xfrm>
+              <a:prstGeom prst="ellipse">
+                <a:avLst/>
+              </a:prstGeom>
+              <a:solidFill>
+                <a:srgbClr val="FFFFFF">
+                  <a:lumMod val="50000"/>
+                </a:srgbClr>
+              </a:solidFill>
+              <a:ln>
+                <a:noFill/>
+              </a:ln>
+            </p:spPr>
+            <p:style>
+              <a:lnRef idx="2">
+                <a:srgbClr val="4F81BD">
+                  <a:shade val="50000"/>
+                </a:srgbClr>
+              </a:lnRef>
+              <a:fillRef idx="1">
+                <a:srgbClr val="4F81BD"/>
+              </a:fillRef>
+              <a:effectRef idx="0">
+                <a:srgbClr val="4F81BD"/>
+              </a:effectRef>
+              <a:fontRef idx="minor">
+                <a:srgbClr val="000000"/>
+              </a:fontRef>
+            </p:style>
+            <p:txBody>
+              <a:bodyPr rtlCol="0" anchor="ctr"/>
+              <a:lstStyle/>
+              <a:p>
+                <a:pPr algn="ctr"/>
+                <a:endParaRPr lang="en-US" dirty="0"/>
+              </a:p>
+            </p:txBody>
+          </p:sp>
+        </p:grpSp>
+      </p:grpSp>
+      <p:sp>
+        <p:nvSpPr>
+          <p:cNvPr id="82" name="Content">
+            <a:extLst>
+              <a:ext uri="{FF2B5EF4-FFF2-40B4-BE49-F238E27FC236}">
+                <a16:creationId xmlns:a16="http://schemas.microsoft.com/office/drawing/2014/main" id="{3B54B63A-C586-41C4-9D23-2C5F91321942}"/>
+              </a:ext>
+            </a:extLst>
+          </p:cNvPr>
+          <p:cNvSpPr txBox="1"/>
+          <p:nvPr userDrawn="1">
+            <p:custDataLst>
+              <p:custData r:id="rId5"/>
+            </p:custDataLst>
+          </p:nvPr>
+        </p:nvSpPr>
+        <p:spPr>
+          <a:xfrm>
+            <a:off x="4763381" y="5730277"/>
+            <a:ext cx="3847464" cy="249299"/>
+          </a:xfrm>
+          <a:prstGeom prst="rect">
+            <a:avLst/>
+          </a:prstGeom>
+          <a:noFill/>
+        </p:spPr>
+        <p:txBody>
+          <a:bodyPr wrap="none" lIns="91440" tIns="18288" rIns="91440" bIns="45720" rtlCol="0" anchor="ctr" anchorCtr="0">
+            <a:spAutoFit/>
+          </a:bodyPr>
+          <a:lstStyle/>
+          <a:p>
+            <a:r>
+              <a:rPr lang="en-US" sz="1200" u="sng" dirty="0">
+                <a:solidFill>
+                  <a:srgbClr val="0070C0"/>
+                </a:solidFill>
+                <a:uFill>
+                  <a:solidFill>
+                    <a:srgbClr val="0070C0"/>
+                  </a:solidFill>
+                </a:uFill>
+                <a:latin typeface="Segoe UI" pitchFamily="34" charset="0"/>
+                <a:ea typeface="Segoe UI" pitchFamily="34" charset="0"/>
+                <a:cs typeface="Segoe UI" pitchFamily="34" charset="0"/>
+              </a:rPr>
+              <a:t>https://www.sondagesenprofondeur.org/azejiNFDo982</a:t>
+            </a:r>
+          </a:p>
+        </p:txBody>
+      </p:sp>
+      <p:sp>
+        <p:nvSpPr>
+          <p:cNvPr id="83" name="Content">
+            <a:extLst>
+              <a:ext uri="{FF2B5EF4-FFF2-40B4-BE49-F238E27FC236}">
+                <a16:creationId xmlns:a16="http://schemas.microsoft.com/office/drawing/2014/main" id="{41630A6B-AB85-4747-A178-DECA2006AC0E}"/>
+              </a:ext>
+            </a:extLst>
+          </p:cNvPr>
+          <p:cNvSpPr/>
+          <p:nvPr userDrawn="1">
+            <p:custDataLst>
+              <p:custData r:id="rId6"/>
+            </p:custDataLst>
+          </p:nvPr>
+        </p:nvSpPr>
+        <p:spPr>
+          <a:xfrm>
+            <a:off x="3533061" y="5707294"/>
+            <a:ext cx="1269691" cy="249299"/>
+          </a:xfrm>
+          <a:prstGeom prst="rect">
+            <a:avLst/>
+          </a:prstGeom>
+          <a:solidFill>
+            <a:sysClr val="window" lastClr="FFFFFF"/>
+          </a:solidFill>
+          <a:ln w="3175">
+            <a:solidFill>
+              <a:srgbClr val="000000">
+                <a:lumMod val="50000"/>
+                <a:lumOff val="50000"/>
+              </a:srgbClr>
+            </a:solidFill>
+          </a:ln>
+          <a:effectLst/>
+        </p:spPr>
+        <p:style>
+          <a:lnRef idx="2">
+            <a:srgbClr val="4F81BD">
+              <a:shade val="50000"/>
+            </a:srgbClr>
+          </a:lnRef>
+          <a:fillRef idx="1">
+            <a:srgbClr val="4F81BD"/>
+          </a:fillRef>
+          <a:effectRef idx="0">
+            <a:srgbClr val="4F81BD"/>
+          </a:effectRef>
+          <a:fontRef idx="minor">
+            <a:srgbClr val="000000"/>
+          </a:fontRef>
+        </p:style>
+        <p:txBody>
+          <a:bodyPr wrap="none" lIns="45720" tIns="18288" rIns="45720" bIns="18288" rtlCol="0" anchor="ctr">
+            <a:noAutofit/>
+          </a:bodyPr>
+          <a:lstStyle/>
+          <a:p>
+            <a:r>
+              <a:rPr lang="en-US" sz="1200" dirty="0">
+                <a:solidFill>
+                  <a:srgbClr val="000000"/>
+                </a:solidFill>
+                <a:latin typeface="Segoe UI" pitchFamily="34" charset="0"/>
+                <a:cs typeface="Segoe UI" pitchFamily="34" charset="0"/>
+              </a:rPr>
+              <a:t>Lien du </a:t>
+            </a:r>
+            <a:r>
+              <a:rPr lang="en-US" sz="1200" dirty="0" err="1">
+                <a:solidFill>
+                  <a:srgbClr val="000000"/>
+                </a:solidFill>
+                <a:latin typeface="Segoe UI" pitchFamily="34" charset="0"/>
+                <a:cs typeface="Segoe UI" pitchFamily="34" charset="0"/>
+              </a:rPr>
+              <a:t>sondage</a:t>
+            </a:r>
+            <a:r>
+              <a:rPr lang="en-US" sz="1200" dirty="0">
+                <a:solidFill>
+                  <a:srgbClr val="000000"/>
+                </a:solidFill>
+                <a:latin typeface="Segoe UI" pitchFamily="34" charset="0"/>
+                <a:cs typeface="Segoe UI" pitchFamily="34" charset="0"/>
+              </a:rPr>
+              <a:t> :</a:t>
+            </a:r>
+          </a:p>
+        </p:txBody>
+      </p:sp>
+      <p:sp>
+        <p:nvSpPr>
+          <p:cNvPr id="84" name="Content">
+            <a:extLst>
+              <a:ext uri="{FF2B5EF4-FFF2-40B4-BE49-F238E27FC236}">
+                <a16:creationId xmlns:a16="http://schemas.microsoft.com/office/drawing/2014/main" id="{C841380A-6C33-4CEC-8277-71F406D33F47}"/>
+              </a:ext>
+            </a:extLst>
+          </p:cNvPr>
+          <p:cNvSpPr txBox="1"/>
+          <p:nvPr userDrawn="1">
+            <p:custDataLst>
+              <p:custData r:id="rId7"/>
+            </p:custDataLst>
+          </p:nvPr>
+        </p:nvSpPr>
+        <p:spPr>
+          <a:xfrm>
+            <a:off x="3680837" y="2113774"/>
+            <a:ext cx="4304331" cy="323165"/>
+          </a:xfrm>
+          <a:prstGeom prst="rect">
+            <a:avLst/>
+          </a:prstGeom>
+          <a:noFill/>
+        </p:spPr>
+        <p:txBody>
+          <a:bodyPr wrap="square" lIns="91440" tIns="18288" rIns="91440" bIns="27432" rtlCol="0" anchor="ctr" anchorCtr="0">
+            <a:spAutoFit/>
+          </a:bodyPr>
+          <a:lstStyle/>
+          <a:p>
+            <a:pPr algn="ctr"/>
+            <a:r>
+              <a:rPr lang="en-US" b="1" dirty="0">
+                <a:solidFill>
+                  <a:srgbClr val="000000"/>
+                </a:solidFill>
+                <a:latin typeface="Segoe UI" pitchFamily="34" charset="0"/>
+                <a:ea typeface="Segoe UI" pitchFamily="34" charset="0"/>
+                <a:cs typeface="Segoe UI" pitchFamily="34" charset="0"/>
+              </a:rPr>
+              <a:t>Question du </a:t>
+            </a:r>
+            <a:r>
+              <a:rPr lang="en-US" b="1" dirty="0" err="1">
+                <a:solidFill>
+                  <a:srgbClr val="000000"/>
+                </a:solidFill>
+                <a:latin typeface="Segoe UI" pitchFamily="34" charset="0"/>
+                <a:ea typeface="Segoe UI" pitchFamily="34" charset="0"/>
+                <a:cs typeface="Segoe UI" pitchFamily="34" charset="0"/>
+              </a:rPr>
+              <a:t>sondage</a:t>
+            </a:r>
+            <a:r>
+              <a:rPr lang="en-US" b="1" dirty="0">
+                <a:solidFill>
+                  <a:srgbClr val="000000"/>
+                </a:solidFill>
+                <a:latin typeface="Segoe UI" pitchFamily="34" charset="0"/>
+                <a:ea typeface="Segoe UI" pitchFamily="34" charset="0"/>
+                <a:cs typeface="Segoe UI" pitchFamily="34" charset="0"/>
+              </a:rPr>
+              <a:t> ?</a:t>
+            </a:r>
+          </a:p>
+        </p:txBody>
+      </p:sp>
+      <p:sp>
+        <p:nvSpPr>
+          <p:cNvPr id="85" name="Content">
+            <a:extLst>
+              <a:ext uri="{FF2B5EF4-FFF2-40B4-BE49-F238E27FC236}">
+                <a16:creationId xmlns:a16="http://schemas.microsoft.com/office/drawing/2014/main" id="{B645CECD-EFFE-4364-AD0B-5AA97FFDC7A3}"/>
+              </a:ext>
+            </a:extLst>
+          </p:cNvPr>
+          <p:cNvSpPr/>
+          <p:nvPr userDrawn="1">
+            <p:custDataLst>
+              <p:custData r:id="rId8"/>
+            </p:custDataLst>
+          </p:nvPr>
+        </p:nvSpPr>
+        <p:spPr>
+          <a:xfrm>
+            <a:off x="4065877" y="3933699"/>
+            <a:ext cx="1473749" cy="311703"/>
+          </a:xfrm>
+          <a:prstGeom prst="roundRect">
+            <a:avLst/>
+          </a:prstGeom>
+          <a:solidFill>
+            <a:srgbClr val="FFFFFF">
+              <a:lumMod val="95000"/>
+            </a:srgbClr>
+          </a:solidFill>
+          <a:ln w="3175">
+            <a:solidFill>
+              <a:srgbClr val="000000">
+                <a:lumMod val="50000"/>
+                <a:lumOff val="50000"/>
+              </a:srgbClr>
+            </a:solidFill>
+          </a:ln>
+          <a:effectLst/>
+        </p:spPr>
+        <p:style>
+          <a:lnRef idx="2">
+            <a:srgbClr val="4F81BD">
+              <a:shade val="50000"/>
+            </a:srgbClr>
+          </a:lnRef>
+          <a:fillRef idx="1">
+            <a:srgbClr val="4F81BD"/>
+          </a:fillRef>
+          <a:effectRef idx="0">
+            <a:srgbClr val="4F81BD"/>
+          </a:effectRef>
+          <a:fontRef idx="minor">
+            <a:srgbClr val="000000"/>
+          </a:fontRef>
+        </p:style>
+        <p:txBody>
+          <a:bodyPr wrap="square" lIns="91440" tIns="0" rIns="91440" bIns="9144" rtlCol="0" anchor="ctr">
+            <a:noAutofit/>
+          </a:bodyPr>
+          <a:lstStyle/>
+          <a:p>
+            <a:pPr algn="ctr"/>
+            <a:r>
+              <a:rPr lang="en-US" sz="1200" dirty="0" err="1">
+                <a:latin typeface="Segoe UI" pitchFamily="34" charset="0"/>
+                <a:cs typeface="Segoe UI" pitchFamily="34" charset="0"/>
+              </a:rPr>
+              <a:t>Valider</a:t>
+            </a:r>
+            <a:r>
+              <a:rPr lang="en-US" sz="1200" dirty="0">
+                <a:latin typeface="Segoe UI" pitchFamily="34" charset="0"/>
+                <a:cs typeface="Segoe UI" pitchFamily="34" charset="0"/>
+              </a:rPr>
+              <a:t> le vote</a:t>
+            </a:r>
+          </a:p>
+        </p:txBody>
+      </p:sp>
+      <p:sp>
+        <p:nvSpPr>
+          <p:cNvPr id="86" name="Content">
+            <a:extLst>
+              <a:ext uri="{FF2B5EF4-FFF2-40B4-BE49-F238E27FC236}">
+                <a16:creationId xmlns:a16="http://schemas.microsoft.com/office/drawing/2014/main" id="{5A70C99D-05DD-4EB3-98AE-FA72310EDC4D}"/>
+              </a:ext>
+            </a:extLst>
+          </p:cNvPr>
+          <p:cNvSpPr/>
+          <p:nvPr userDrawn="1">
+            <p:custDataLst>
+              <p:custData r:id="rId9"/>
+            </p:custDataLst>
+          </p:nvPr>
+        </p:nvSpPr>
+        <p:spPr>
+          <a:xfrm>
+            <a:off x="6434119" y="3978951"/>
+            <a:ext cx="1551049" cy="221198"/>
+          </a:xfrm>
+          <a:prstGeom prst="roundRect">
+            <a:avLst/>
+          </a:prstGeom>
+          <a:solidFill>
+            <a:srgbClr val="FFFFFF">
+              <a:lumMod val="95000"/>
+            </a:srgbClr>
+          </a:solidFill>
+          <a:ln w="3175">
+            <a:solidFill>
+              <a:srgbClr val="000000">
+                <a:lumMod val="50000"/>
+                <a:lumOff val="50000"/>
+              </a:srgbClr>
+            </a:solidFill>
+          </a:ln>
+          <a:effectLst/>
+        </p:spPr>
+        <p:style>
+          <a:lnRef idx="2">
+            <a:srgbClr val="4F81BD">
+              <a:shade val="50000"/>
+            </a:srgbClr>
+          </a:lnRef>
+          <a:fillRef idx="1">
+            <a:srgbClr val="4F81BD"/>
+          </a:fillRef>
+          <a:effectRef idx="0">
+            <a:srgbClr val="4F81BD"/>
+          </a:effectRef>
+          <a:fontRef idx="minor">
+            <a:srgbClr val="000000"/>
+          </a:fontRef>
+        </p:style>
+        <p:txBody>
+          <a:bodyPr wrap="square" lIns="91440" tIns="0" rIns="91440" bIns="9144" rtlCol="0" anchor="ctr">
+            <a:noAutofit/>
+          </a:bodyPr>
+          <a:lstStyle/>
+          <a:p>
+            <a:pPr algn="ctr"/>
+            <a:r>
+              <a:rPr lang="en-US" sz="1200" dirty="0" err="1">
+                <a:solidFill>
+                  <a:srgbClr val="000000"/>
+                </a:solidFill>
+                <a:latin typeface="Segoe UI" pitchFamily="34" charset="0"/>
+                <a:cs typeface="Segoe UI" pitchFamily="34" charset="0"/>
+              </a:rPr>
+              <a:t>Afficher</a:t>
+            </a:r>
+            <a:r>
+              <a:rPr lang="en-US" sz="1200" dirty="0">
+                <a:solidFill>
+                  <a:srgbClr val="000000"/>
+                </a:solidFill>
+                <a:latin typeface="Segoe UI" pitchFamily="34" charset="0"/>
+                <a:cs typeface="Segoe UI" pitchFamily="34" charset="0"/>
+              </a:rPr>
+              <a:t> </a:t>
+            </a:r>
+            <a:r>
+              <a:rPr lang="en-US" sz="1200" dirty="0" err="1">
+                <a:solidFill>
+                  <a:srgbClr val="000000"/>
+                </a:solidFill>
+                <a:latin typeface="Segoe UI" pitchFamily="34" charset="0"/>
+                <a:cs typeface="Segoe UI" pitchFamily="34" charset="0"/>
+              </a:rPr>
+              <a:t>résultats</a:t>
+            </a:r>
+            <a:endParaRPr lang="en-US" sz="1200" dirty="0">
+              <a:solidFill>
+                <a:srgbClr val="000000"/>
+              </a:solidFill>
+              <a:latin typeface="Segoe UI" pitchFamily="34" charset="0"/>
+              <a:cs typeface="Segoe UI" pitchFamily="34" charset="0"/>
+            </a:endParaRPr>
+          </a:p>
+        </p:txBody>
+      </p:sp>
+    </p:spTree>
+    <p:extLst>
+      <p:ext uri="{BB962C8B-B14F-4D97-AF65-F5344CB8AC3E}">
+        <p14:creationId xmlns:p14="http://schemas.microsoft.com/office/powerpoint/2010/main" val="2548762617"/>
+      </p:ext>
+    </p:extLst>
+  </p:cSld>
+  <p:clrMapOvr>
+    <a:masterClrMapping/>
+  </p:clrMapOvr>
+</p:sldLayout>
+</file>
+
 <file path=ppt/slideLayouts/slideLayout3.xml><?xml version="1.0" encoding="utf-8"?>
 <p:sldLayout xmlns:a="http://schemas.openxmlformats.org/drawingml/2006/main" xmlns:r="http://schemas.openxmlformats.org/officeDocument/2006/relationships" xmlns:p="http://schemas.openxmlformats.org/presentationml/2006/main" preserve="1" userDrawn="1">
-  <p:cSld name="Vide">
+  <p:cSld name="Résultat sondage">
     <p:spTree>
       <p:nvGrpSpPr>
         <p:cNvPr id="1" name=""/>
@@ -4079,7 +4079,7 @@
         </p:xfrm>
         <a:graphic>
           <a:graphicData uri="http://schemas.openxmlformats.org/drawingml/2006/chart">
-            <c:chart xmlns:c="http://schemas.openxmlformats.org/drawingml/2006/chart" xmlns:r="http://schemas.openxmlformats.org/officeDocument/2006/relationships" r:id="rId11"/>
+            <c:chart xmlns:c="http://schemas.openxmlformats.org/drawingml/2006/chart" xmlns:r="http://schemas.openxmlformats.org/officeDocument/2006/relationships" r:id="rId15"/>
           </a:graphicData>
         </a:graphic>
       </p:graphicFrame>
@@ -4110,7 +4110,7 @@
         </p:xfrm>
         <a:graphic>
           <a:graphicData uri="http://schemas.openxmlformats.org/drawingml/2006/chart">
-            <c:chart xmlns:c="http://schemas.openxmlformats.org/drawingml/2006/chart" xmlns:r="http://schemas.openxmlformats.org/officeDocument/2006/relationships" r:id="rId12"/>
+            <c:chart xmlns:c="http://schemas.openxmlformats.org/drawingml/2006/chart" xmlns:r="http://schemas.openxmlformats.org/officeDocument/2006/relationships" r:id="rId16"/>
           </a:graphicData>
         </a:graphic>
       </p:graphicFrame>
@@ -4455,6 +4455,353 @@
               </a:rPr>
               <a:t>%</a:t>
             </a:r>
+          </a:p>
+        </p:txBody>
+      </p:sp>
+      <p:sp>
+        <p:nvSpPr>
+          <p:cNvPr id="13" name="Content">
+            <a:extLst>
+              <a:ext uri="{FF2B5EF4-FFF2-40B4-BE49-F238E27FC236}">
+                <a16:creationId xmlns:a16="http://schemas.microsoft.com/office/drawing/2014/main" id="{BBE108F9-AFD5-4670-A23C-672160D216D2}"/>
+              </a:ext>
+            </a:extLst>
+          </p:cNvPr>
+          <p:cNvSpPr txBox="1"/>
+          <p:nvPr userDrawn="1">
+            <p:custDataLst>
+              <p:custData r:id="rId10"/>
+            </p:custDataLst>
+          </p:nvPr>
+        </p:nvSpPr>
+        <p:spPr>
+          <a:xfrm>
+            <a:off x="1019810" y="6627168"/>
+            <a:ext cx="1554272" cy="230832"/>
+          </a:xfrm>
+          <a:prstGeom prst="rect">
+            <a:avLst/>
+          </a:prstGeom>
+          <a:noFill/>
+        </p:spPr>
+        <p:txBody>
+          <a:bodyPr wrap="none" lIns="91440" tIns="18288" rIns="91440" bIns="27432" rtlCol="0" anchor="ctr" anchorCtr="0">
+            <a:spAutoFit/>
+          </a:bodyPr>
+          <a:lstStyle/>
+          <a:p>
+            <a:r>
+              <a:rPr lang="en-US" sz="1200" dirty="0" err="1">
+                <a:solidFill>
+                  <a:srgbClr val="000000"/>
+                </a:solidFill>
+                <a:latin typeface="Segoe UI" pitchFamily="34" charset="0"/>
+                <a:ea typeface="Segoe UI" pitchFamily="34" charset="0"/>
+                <a:cs typeface="Segoe UI" pitchFamily="34" charset="0"/>
+              </a:rPr>
+              <a:t>Votre</a:t>
+            </a:r>
+            <a:r>
+              <a:rPr lang="en-US" sz="1200" dirty="0">
+                <a:solidFill>
+                  <a:srgbClr val="000000"/>
+                </a:solidFill>
+                <a:latin typeface="Segoe UI" pitchFamily="34" charset="0"/>
+                <a:ea typeface="Segoe UI" pitchFamily="34" charset="0"/>
+                <a:cs typeface="Segoe UI" pitchFamily="34" charset="0"/>
+              </a:rPr>
+              <a:t> </a:t>
+            </a:r>
+            <a:r>
+              <a:rPr lang="en-US" sz="1200" dirty="0" err="1">
+                <a:solidFill>
+                  <a:srgbClr val="000000"/>
+                </a:solidFill>
+                <a:latin typeface="Segoe UI" pitchFamily="34" charset="0"/>
+                <a:ea typeface="Segoe UI" pitchFamily="34" charset="0"/>
+                <a:cs typeface="Segoe UI" pitchFamily="34" charset="0"/>
+              </a:rPr>
+              <a:t>commentaire</a:t>
+            </a:r>
+            <a:r>
+              <a:rPr lang="en-US" sz="1200" dirty="0">
+                <a:solidFill>
+                  <a:srgbClr val="000000"/>
+                </a:solidFill>
+                <a:latin typeface="Segoe UI" pitchFamily="34" charset="0"/>
+                <a:ea typeface="Segoe UI" pitchFamily="34" charset="0"/>
+                <a:cs typeface="Segoe UI" pitchFamily="34" charset="0"/>
+              </a:rPr>
+              <a:t> :</a:t>
+            </a:r>
+          </a:p>
+        </p:txBody>
+      </p:sp>
+      <p:sp>
+        <p:nvSpPr>
+          <p:cNvPr id="14" name="Content">
+            <a:extLst>
+              <a:ext uri="{FF2B5EF4-FFF2-40B4-BE49-F238E27FC236}">
+                <a16:creationId xmlns:a16="http://schemas.microsoft.com/office/drawing/2014/main" id="{9F3FD401-6AD1-4BF8-9E67-3A9901CEE219}"/>
+              </a:ext>
+            </a:extLst>
+          </p:cNvPr>
+          <p:cNvSpPr/>
+          <p:nvPr userDrawn="1">
+            <p:custDataLst>
+              <p:custData r:id="rId11"/>
+            </p:custDataLst>
+          </p:nvPr>
+        </p:nvSpPr>
+        <p:spPr>
+          <a:xfrm>
+            <a:off x="1099106" y="6969465"/>
+            <a:ext cx="5842000" cy="694210"/>
+          </a:xfrm>
+          <a:prstGeom prst="rect">
+            <a:avLst/>
+          </a:prstGeom>
+          <a:solidFill>
+            <a:sysClr val="window" lastClr="FFFFFF"/>
+          </a:solidFill>
+          <a:ln w="3175">
+            <a:solidFill>
+              <a:srgbClr val="000000">
+                <a:lumMod val="50000"/>
+                <a:lumOff val="50000"/>
+              </a:srgbClr>
+            </a:solidFill>
+          </a:ln>
+          <a:effectLst/>
+        </p:spPr>
+        <p:style>
+          <a:lnRef idx="2">
+            <a:srgbClr val="4F81BD">
+              <a:shade val="50000"/>
+            </a:srgbClr>
+          </a:lnRef>
+          <a:fillRef idx="1">
+            <a:srgbClr val="4F81BD"/>
+          </a:fillRef>
+          <a:effectRef idx="0">
+            <a:srgbClr val="4F81BD"/>
+          </a:effectRef>
+          <a:fontRef idx="minor">
+            <a:srgbClr val="000000"/>
+          </a:fontRef>
+        </p:style>
+        <p:txBody>
+          <a:bodyPr wrap="none" lIns="45720" tIns="18288" rIns="45720" bIns="18288" rtlCol="0" anchor="ctr">
+            <a:noAutofit/>
+          </a:bodyPr>
+          <a:lstStyle/>
+          <a:p>
+            <a:r>
+              <a:rPr lang="en-US" sz="1200" dirty="0">
+                <a:solidFill>
+                  <a:srgbClr val="000000"/>
+                </a:solidFill>
+                <a:latin typeface="Segoe UI" pitchFamily="34" charset="0"/>
+                <a:cs typeface="Segoe UI" pitchFamily="34" charset="0"/>
+              </a:rPr>
+              <a:t>Elle </a:t>
+            </a:r>
+            <a:r>
+              <a:rPr lang="en-US" sz="1200" dirty="0" err="1">
+                <a:solidFill>
+                  <a:srgbClr val="000000"/>
+                </a:solidFill>
+                <a:latin typeface="Segoe UI" pitchFamily="34" charset="0"/>
+                <a:cs typeface="Segoe UI" pitchFamily="34" charset="0"/>
+              </a:rPr>
+              <a:t>est</a:t>
+            </a:r>
+            <a:r>
+              <a:rPr lang="en-US" sz="1200" dirty="0">
+                <a:solidFill>
+                  <a:srgbClr val="000000"/>
+                </a:solidFill>
+                <a:latin typeface="Segoe UI" pitchFamily="34" charset="0"/>
+                <a:cs typeface="Segoe UI" pitchFamily="34" charset="0"/>
+              </a:rPr>
+              <a:t> belle ma </a:t>
+            </a:r>
+            <a:r>
+              <a:rPr lang="en-US" sz="1200" dirty="0" err="1">
+                <a:solidFill>
+                  <a:srgbClr val="000000"/>
+                </a:solidFill>
+                <a:latin typeface="Segoe UI" pitchFamily="34" charset="0"/>
+                <a:cs typeface="Segoe UI" pitchFamily="34" charset="0"/>
+              </a:rPr>
+              <a:t>maquette</a:t>
+            </a:r>
+            <a:r>
+              <a:rPr lang="en-US" sz="1200" dirty="0">
+                <a:solidFill>
+                  <a:srgbClr val="000000"/>
+                </a:solidFill>
+                <a:latin typeface="Segoe UI" pitchFamily="34" charset="0"/>
+                <a:cs typeface="Segoe UI" pitchFamily="34" charset="0"/>
+              </a:rPr>
+              <a:t> ?</a:t>
+            </a:r>
+          </a:p>
+        </p:txBody>
+      </p:sp>
+      <p:sp>
+        <p:nvSpPr>
+          <p:cNvPr id="15" name="Content">
+            <a:extLst>
+              <a:ext uri="{FF2B5EF4-FFF2-40B4-BE49-F238E27FC236}">
+                <a16:creationId xmlns:a16="http://schemas.microsoft.com/office/drawing/2014/main" id="{ED45C456-5BF9-4475-91F2-95B96FCD155E}"/>
+              </a:ext>
+            </a:extLst>
+          </p:cNvPr>
+          <p:cNvSpPr txBox="1"/>
+          <p:nvPr userDrawn="1">
+            <p:custDataLst>
+              <p:custData r:id="rId12"/>
+            </p:custDataLst>
+          </p:nvPr>
+        </p:nvSpPr>
+        <p:spPr>
+          <a:xfrm>
+            <a:off x="3447143" y="6626052"/>
+            <a:ext cx="1133644" cy="230832"/>
+          </a:xfrm>
+          <a:prstGeom prst="rect">
+            <a:avLst/>
+          </a:prstGeom>
+          <a:noFill/>
+        </p:spPr>
+        <p:txBody>
+          <a:bodyPr wrap="none" lIns="91440" tIns="18288" rIns="91440" bIns="27432" rtlCol="0" anchor="ctr" anchorCtr="0">
+            <a:spAutoFit/>
+          </a:bodyPr>
+          <a:lstStyle/>
+          <a:p>
+            <a:r>
+              <a:rPr lang="en-US" sz="1200" dirty="0" err="1">
+                <a:solidFill>
+                  <a:srgbClr val="000000"/>
+                </a:solidFill>
+                <a:latin typeface="Segoe UI" pitchFamily="34" charset="0"/>
+                <a:ea typeface="Segoe UI" pitchFamily="34" charset="0"/>
+                <a:cs typeface="Segoe UI" pitchFamily="34" charset="0"/>
+              </a:rPr>
+              <a:t>Pseudonyme</a:t>
+            </a:r>
+            <a:r>
+              <a:rPr lang="en-US" sz="1200" dirty="0">
+                <a:solidFill>
+                  <a:srgbClr val="000000"/>
+                </a:solidFill>
+                <a:latin typeface="Segoe UI" pitchFamily="34" charset="0"/>
+                <a:ea typeface="Segoe UI" pitchFamily="34" charset="0"/>
+                <a:cs typeface="Segoe UI" pitchFamily="34" charset="0"/>
+              </a:rPr>
+              <a:t> :</a:t>
+            </a:r>
+          </a:p>
+        </p:txBody>
+      </p:sp>
+      <p:sp>
+        <p:nvSpPr>
+          <p:cNvPr id="16" name="Content">
+            <a:extLst>
+              <a:ext uri="{FF2B5EF4-FFF2-40B4-BE49-F238E27FC236}">
+                <a16:creationId xmlns:a16="http://schemas.microsoft.com/office/drawing/2014/main" id="{00AD297D-A808-4514-A29A-038BFB3DA0E6}"/>
+              </a:ext>
+            </a:extLst>
+          </p:cNvPr>
+          <p:cNvSpPr/>
+          <p:nvPr userDrawn="1">
+            <p:custDataLst>
+              <p:custData r:id="rId13"/>
+            </p:custDataLst>
+          </p:nvPr>
+        </p:nvSpPr>
+        <p:spPr>
+          <a:xfrm>
+            <a:off x="4578949" y="6649132"/>
+            <a:ext cx="1220102" cy="228600"/>
+          </a:xfrm>
+          <a:prstGeom prst="rect">
+            <a:avLst/>
+          </a:prstGeom>
+          <a:solidFill>
+            <a:sysClr val="window" lastClr="FFFFFF"/>
+          </a:solidFill>
+          <a:ln w="3175">
+            <a:solidFill>
+              <a:srgbClr val="000000">
+                <a:lumMod val="50000"/>
+                <a:lumOff val="50000"/>
+              </a:srgbClr>
+            </a:solidFill>
+          </a:ln>
+          <a:effectLst/>
+        </p:spPr>
+        <p:style>
+          <a:lnRef idx="2">
+            <a:srgbClr val="4F81BD">
+              <a:shade val="50000"/>
+            </a:srgbClr>
+          </a:lnRef>
+          <a:fillRef idx="1">
+            <a:srgbClr val="4F81BD"/>
+          </a:fillRef>
+          <a:effectRef idx="0">
+            <a:srgbClr val="4F81BD"/>
+          </a:effectRef>
+          <a:fontRef idx="minor">
+            <a:srgbClr val="000000"/>
+          </a:fontRef>
+        </p:style>
+        <p:txBody>
+          <a:bodyPr wrap="none" lIns="45720" tIns="18288" rIns="45720" bIns="18288" rtlCol="0" anchor="ctr">
+            <a:noAutofit/>
+          </a:bodyPr>
+          <a:lstStyle/>
+          <a:p>
+            <a:r>
+              <a:rPr lang="en-US" sz="1200" dirty="0" err="1">
+                <a:solidFill>
+                  <a:srgbClr val="000000"/>
+                </a:solidFill>
+                <a:latin typeface="Segoe UI" pitchFamily="34" charset="0"/>
+                <a:cs typeface="Segoe UI" pitchFamily="34" charset="0"/>
+              </a:rPr>
+              <a:t>Sondeur</a:t>
+            </a:r>
+            <a:r>
+              <a:rPr lang="en-US" sz="1200" dirty="0">
+                <a:solidFill>
+                  <a:srgbClr val="000000"/>
+                </a:solidFill>
+                <a:latin typeface="Segoe UI" pitchFamily="34" charset="0"/>
+                <a:cs typeface="Segoe UI" pitchFamily="34" charset="0"/>
+              </a:rPr>
+              <a:t> </a:t>
+            </a:r>
+            <a:r>
+              <a:rPr lang="en-US" sz="1200" dirty="0" err="1">
+                <a:solidFill>
+                  <a:srgbClr val="000000"/>
+                </a:solidFill>
+                <a:latin typeface="Segoe UI" pitchFamily="34" charset="0"/>
+                <a:cs typeface="Segoe UI" pitchFamily="34" charset="0"/>
+              </a:rPr>
+              <a:t>fou</a:t>
+            </a:r>
+            <a:endParaRPr lang="en-US" sz="1200" dirty="0">
+              <a:solidFill>
+                <a:srgbClr val="000000"/>
+              </a:solidFill>
+              <a:latin typeface="Segoe UI" pitchFamily="34" charset="0"/>
+              <a:cs typeface="Segoe UI" pitchFamily="34" charset="0"/>
+            </a:endParaRPr>
           </a:p>
         </p:txBody>
       </p:sp>
@@ -5668,8 +6015,8 @@
         </p:nvGrpSpPr>
         <p:grpSpPr>
           <a:xfrm>
-            <a:off x="101600" y="8046723"/>
-            <a:ext cx="11988315" cy="418255"/>
+            <a:off x="101600" y="8120481"/>
+            <a:ext cx="11988315" cy="344497"/>
             <a:chOff x="0" y="6472934"/>
             <a:chExt cx="9142195" cy="386081"/>
           </a:xfrm>
@@ -7807,7 +8154,7 @@
         <p:grpSpPr>
           <a:xfrm>
             <a:off x="11778773" y="-36551"/>
-            <a:ext cx="297782" cy="8067480"/>
+            <a:ext cx="297782" cy="8157032"/>
             <a:chOff x="4496659" y="1543109"/>
             <a:chExt cx="147992" cy="3562291"/>
           </a:xfrm>
@@ -8057,7 +8404,7 @@
         </p:nvSpPr>
         <p:spPr>
           <a:xfrm>
-            <a:off x="115445" y="7803222"/>
+            <a:off x="108765" y="7890349"/>
             <a:ext cx="11662844" cy="231321"/>
           </a:xfrm>
           <a:prstGeom prst="rect">
@@ -8429,7 +8776,7 @@
         </p:nvSpPr>
         <p:spPr>
           <a:xfrm>
-            <a:off x="9147205" y="7821469"/>
+            <a:off x="9101797" y="7904772"/>
             <a:ext cx="1310364" cy="194826"/>
           </a:xfrm>
           <a:prstGeom prst="rect">
@@ -8490,7 +8837,7 @@
         </p:nvSpPr>
         <p:spPr>
           <a:xfrm>
-            <a:off x="10124093" y="7802719"/>
+            <a:off x="10124093" y="7911748"/>
             <a:ext cx="1654196" cy="202273"/>
           </a:xfrm>
           <a:prstGeom prst="rect">
@@ -8748,8 +9095,8 @@
   </p:cSld>
   <p:clrMap bg1="lt1" tx1="dk1" bg2="lt2" tx2="dk2" accent1="accent1" accent2="accent2" accent3="accent3" accent4="accent4" accent5="accent5" accent6="accent6" hlink="hlink" folHlink="folHlink"/>
   <p:sldLayoutIdLst>
-    <p:sldLayoutId id="2147483662" r:id="rId1"/>
-    <p:sldLayoutId id="2147483663" r:id="rId2"/>
+    <p:sldLayoutId id="2147483663" r:id="rId1"/>
+    <p:sldLayoutId id="2147483662" r:id="rId2"/>
     <p:sldLayoutId id="2147483661" r:id="rId3"/>
   </p:sldLayoutIdLst>
   <p:txStyles>
@@ -9766,31 +10113,31 @@
 
 <file path=customXml/item10.xml><?xml version="1.0" encoding="utf-8"?>
 <Control xmlns="http://schemas.microsoft.com/VisualStudio/2011/storyboarding/control">
-  <Id Name="System.Storyboarding.Backgrounds.DesktopTaskbar" Revision="1" Stencil="System.Storyboarding.Backgrounds" StencilVersion="0.1"/>
+  <Id Name="System.Storyboarding.Common.TextInput" Revision="1" Stencil="System.Storyboarding.Common" StencilVersion="0.1"/>
 </Control>
 </file>
 
 <file path=customXml/item100.xml><?xml version="1.0" encoding="utf-8"?>
 <Control xmlns="http://schemas.microsoft.com/VisualStudio/2011/storyboarding/control">
-  <Id Name="System.Storyboarding.Media.HorizontalBarChart" Revision="1" Stencil="System.Storyboarding.Media" StencilVersion="0.1"/>
+  <Id Name="System.Storyboarding.Common.Button" Revision="1" Stencil="System.Storyboarding.Common" StencilVersion="0.1"/>
 </Control>
 </file>
 
 <file path=customXml/item101.xml><?xml version="1.0" encoding="utf-8"?>
 <Control xmlns="http://schemas.microsoft.com/VisualStudio/2011/storyboarding/control">
-  <Id Name="System.Storyboarding.Media.PieChart" Revision="1" Stencil="System.Storyboarding.Media" StencilVersion="0.1"/>
+  <Id Name="System.Storyboarding.WindowsApps.WindowsAppsTileWideSmall" Revision="1" Stencil="System.Storyboarding.WindowsApps" StencilVersion="0.1"/>
 </Control>
 </file>
 
 <file path=customXml/item102.xml><?xml version="1.0" encoding="utf-8"?>
 <Control xmlns="http://schemas.microsoft.com/VisualStudio/2011/storyboarding/control">
-  <Id Name="System.Storyboarding.Common.Text" Revision="1" Stencil="System.Storyboarding.Common" StencilVersion="0.1"/>
+  <Id Name="System.Storyboarding.Common.Hyperlink" Revision="1" Stencil="System.Storyboarding.Common" StencilVersion="0.1"/>
 </Control>
 </file>
 
 <file path=customXml/item103.xml><?xml version="1.0" encoding="utf-8"?>
 <Control xmlns="http://schemas.microsoft.com/VisualStudio/2011/storyboarding/control">
-  <Id Name="System.Storyboarding.WindowsApps.WindowsAppsEditBox" Revision="1" Stencil="System.Storyboarding.WindowsApps" StencilVersion="0.1"/>
+  <Id Name="System.Storyboarding.Common.DatePicker" Revision="1" Stencil="System.Storyboarding.Common" StencilVersion="0.1"/>
 </Control>
 </file>
 
@@ -9802,283 +10149,307 @@
 
 <file path=customXml/item105.xml><?xml version="1.0" encoding="utf-8"?>
 <Control xmlns="http://schemas.microsoft.com/VisualStudio/2011/storyboarding/control">
-  <Id Name="System.Storyboarding.Common.Text" Revision="1" Stencil="System.Storyboarding.Common" StencilVersion="0.1"/>
+  <Id Name="System.Storyboarding.WindowsApps.WindowsAppsContextMenu" Revision="1" Stencil="System.Storyboarding.WindowsApps" StencilVersion="0.1"/>
 </Control>
 </file>
 
 <file path=customXml/item106.xml><?xml version="1.0" encoding="utf-8"?>
+<Control xmlns="http://schemas.microsoft.com/VisualStudio/2011/storyboarding/control">
+  <Id Name="System.Storyboarding.Backgrounds.WebBrowser" Revision="1" Stencil="System.Storyboarding.Backgrounds" StencilVersion="0.1"/>
+</Control>
+</file>
+
+<file path=customXml/item107.xml><?xml version="1.0" encoding="utf-8"?>
+<Control xmlns="http://schemas.microsoft.com/VisualStudio/2011/storyboarding/control">
+  <Id Name="System.Storyboarding.WindowsApps.WindowsAppsTileWideSmall" Revision="1" Stencil="System.Storyboarding.WindowsApps" StencilVersion="0.1"/>
+</Control>
+</file>
+
+<file path=customXml/item108.xml><?xml version="1.0" encoding="utf-8"?>
+<Control xmlns="http://schemas.microsoft.com/VisualStudio/2011/storyboarding/control">
+  <Id Name="System.Storyboarding.Common.TextInput" Revision="1" Stencil="System.Storyboarding.Common" StencilVersion="0.1"/>
+</Control>
+</file>
+
+<file path=customXml/item109.xml><?xml version="1.0" encoding="utf-8"?>
+<Control xmlns="http://schemas.microsoft.com/VisualStudio/2011/storyboarding/control">
+  <Id Name="System.Storyboarding.WindowsApps.WindowsAppsTileMedium" Revision="1" Stencil="System.Storyboarding.WindowsApps" StencilVersion="0.1"/>
+</Control>
+</file>
+
+<file path=customXml/item11.xml><?xml version="1.0" encoding="utf-8"?>
+<Control xmlns="http://schemas.microsoft.com/VisualStudio/2011/storyboarding/control">
+  <Id Name="System.Storyboarding.Icons.Copy" Revision="1" Stencil="System.Storyboarding.Icons" StencilVersion="0.1"/>
+</Control>
+</file>
+
+<file path=customXml/item110.xml><?xml version="1.0" encoding="utf-8"?>
 <Control xmlns="http://schemas.microsoft.com/VisualStudio/2011/storyboarding/control">
   <Id Name="System.Storyboarding.Common.Text" Revision="1" Stencil="System.Storyboarding.Common" StencilVersion="0.1"/>
 </Control>
 </file>
 
-<file path=customXml/item107.xml><?xml version="1.0" encoding="utf-8"?>
+<file path=customXml/item111.xml><?xml version="1.0" encoding="utf-8"?>
+<Control xmlns="http://schemas.microsoft.com/VisualStudio/2011/storyboarding/control">
+  <Id Name="System.Storyboarding.Common.TextInput" Revision="1" Stencil="System.Storyboarding.Common" StencilVersion="0.1"/>
+</Control>
+</file>
+
+<file path=customXml/item112.xml><?xml version="1.0" encoding="utf-8"?>
 <Control xmlns="http://schemas.microsoft.com/VisualStudio/2011/storyboarding/control">
   <Id Name="System.Storyboarding.Common.Text" Revision="1" Stencil="System.Storyboarding.Common" StencilVersion="0.1"/>
 </Control>
 </file>
 
-<file path=customXml/item108.xml><?xml version="1.0" encoding="utf-8"?>
+<file path=customXml/item113.xml><?xml version="1.0" encoding="utf-8"?>
+<Control xmlns="http://schemas.microsoft.com/VisualStudio/2011/storyboarding/control">
+  <Id Name="System.Storyboarding.Common.TextInput" Revision="1" Stencil="System.Storyboarding.Common" StencilVersion="0.1"/>
+</Control>
+</file>
+
+<file path=customXml/item12.xml><?xml version="1.0" encoding="utf-8"?>
+<Control xmlns="http://schemas.microsoft.com/VisualStudio/2011/storyboarding/control">
+  <Id Name="System.Storyboarding.Common.MousePointer" Revision="1" Stencil="System.Storyboarding.Common" StencilVersion="0.1"/>
+</Control>
+</file>
+
+<file path=customXml/item13.xml><?xml version="1.0" encoding="utf-8"?>
+<Control xmlns="http://schemas.microsoft.com/VisualStudio/2011/storyboarding/control">
+  <Id Name="System.Storyboarding.Icons.Copy" Revision="1" Stencil="System.Storyboarding.Icons" StencilVersion="0.1"/>
+</Control>
+</file>
+
+<file path=customXml/item14.xml><?xml version="1.0" encoding="utf-8"?>
+<Control xmlns="http://schemas.microsoft.com/VisualStudio/2011/storyboarding/control">
+  <Id Name="System.Storyboarding.Common.ScrollbarVertical" Revision="1" Stencil="System.Storyboarding.Common" StencilVersion="0.1"/>
+</Control>
+</file>
+
+<file path=customXml/item15.xml><?xml version="1.0" encoding="utf-8"?>
 <Control xmlns="http://schemas.microsoft.com/VisualStudio/2011/storyboarding/control">
   <Id Name="System.Storyboarding.Common.Text" Revision="1" Stencil="System.Storyboarding.Common" StencilVersion="0.1"/>
 </Control>
 </file>
 
-<file path=customXml/item109.xml><?xml version="1.0" encoding="utf-8"?>
+<file path=customXml/item16.xml><?xml version="1.0" encoding="utf-8"?>
 <Control xmlns="http://schemas.microsoft.com/VisualStudio/2011/storyboarding/control">
   <Id Name="System.Storyboarding.Common.Text" Revision="1" Stencil="System.Storyboarding.Common" StencilVersion="0.1"/>
 </Control>
 </file>
 
-<file path=customXml/item11.xml><?xml version="1.0" encoding="utf-8"?>
+<file path=customXml/item17.xml><?xml version="1.0" encoding="utf-8"?>
+<Control xmlns="http://schemas.microsoft.com/VisualStudio/2011/storyboarding/control">
+  <Id Name="System.Storyboarding.WindowsAppIcons.Plus" Revision="1" Stencil="System.Storyboarding.WindowsAppIcons" StencilVersion="0.1"/>
+</Control>
+</file>
+
+<file path=customXml/item18.xml><?xml version="1.0" encoding="utf-8"?>
+<Control xmlns="http://schemas.microsoft.com/VisualStudio/2011/storyboarding/control">
+  <Id Name="System.Storyboarding.Common.CheckBoxUnchecked" Revision="1" Stencil="System.Storyboarding.Common" StencilVersion="0.1"/>
+</Control>
+</file>
+
+<file path=customXml/item19.xml><?xml version="1.0" encoding="utf-8"?>
+<Control xmlns="http://schemas.microsoft.com/VisualStudio/2011/storyboarding/control">
+  <Id Name="System.Storyboarding.Common.Text" Revision="1" Stencil="System.Storyboarding.Common" StencilVersion="0.1"/>
+</Control>
+</file>
+
+<file path=customXml/item2.xml><?xml version="1.0" encoding="utf-8"?>
+<Control xmlns="http://schemas.microsoft.com/VisualStudio/2011/storyboarding/control">
+  <Id Name="System.Storyboarding.Common.Text" Revision="1" Stencil="System.Storyboarding.Common" StencilVersion="0.1"/>
+</Control>
+</file>
+
+<file path=customXml/item20.xml><?xml version="1.0" encoding="utf-8"?>
+<Control xmlns="http://schemas.microsoft.com/VisualStudio/2011/storyboarding/control">
+  <Id Name="System.Storyboarding.WindowsApps.WindowsAppsTileWideSmall" Revision="1" Stencil="System.Storyboarding.WindowsApps" StencilVersion="0.1"/>
+</Control>
+</file>
+
+<file path=customXml/item21.xml><?xml version="1.0" encoding="utf-8"?>
+<Control xmlns="http://schemas.microsoft.com/VisualStudio/2011/storyboarding/control">
+  <Id Name="System.Storyboarding.Common.Button" Revision="1" Stencil="System.Storyboarding.Common" StencilVersion="0.1"/>
+</Control>
+</file>
+
+<file path=customXml/item22.xml><?xml version="1.0" encoding="utf-8"?>
+<Control xmlns="http://schemas.microsoft.com/VisualStudio/2011/storyboarding/control">
+  <Id Name="System.Storyboarding.Common.DatePicker" Revision="1" Stencil="System.Storyboarding.Common" StencilVersion="0.1"/>
+</Control>
+</file>
+
+<file path=customXml/item23.xml><?xml version="1.0" encoding="utf-8"?>
+<Control xmlns="http://schemas.microsoft.com/VisualStudio/2011/storyboarding/control">
+  <Id Name="System.Storyboarding.WindowsAppIcons.Heart" Revision="1" Stencil="System.Storyboarding.WindowsAppIcons" StencilVersion="0.1"/>
+</Control>
+</file>
+
+<file path=customXml/item24.xml><?xml version="1.0" encoding="utf-8"?>
+<Control xmlns="http://schemas.microsoft.com/VisualStudio/2011/storyboarding/control">
+  <Id Name="System.Storyboarding.Common.TextInput" Revision="1" Stencil="System.Storyboarding.Common" StencilVersion="0.1"/>
+</Control>
+</file>
+
+<file path=customXml/item25.xml><?xml version="1.0" encoding="utf-8"?>
+<Control xmlns="http://schemas.microsoft.com/VisualStudio/2011/storyboarding/control">
+  <Id Name="32035d07-bc66-4a79-8001-2507012193e3" RevisionId="7f6cc906-8fab-4878-8f41-90bcdc4e860e" Stencil="172d6d98-e5c9-42e9-a209-79f7a94bbd38" StencilRevisionId="00000000-0000-0000-0000-000000000000" StencilVersion="0.0"/>
+</Control>
+</file>
+
+<file path=customXml/item26.xml><?xml version="1.0" encoding="utf-8"?>
+<Control xmlns="http://schemas.microsoft.com/VisualStudio/2011/storyboarding/control">
+  <Id Name="System.Storyboarding.Common.CheckBoxUnchecked" Revision="1" Stencil="System.Storyboarding.Common" StencilVersion="0.1"/>
+</Control>
+</file>
+
+<file path=customXml/item27.xml><?xml version="1.0" encoding="utf-8"?>
+<Control xmlns="http://schemas.microsoft.com/VisualStudio/2011/storyboarding/control">
+  <Id Name="System.Storyboarding.Common.Text" Revision="1" Stencil="System.Storyboarding.Common" StencilVersion="0.1"/>
+</Control>
+</file>
+
+<file path=customXml/item28.xml><?xml version="1.0" encoding="utf-8"?>
+<Control xmlns="http://schemas.microsoft.com/VisualStudio/2011/storyboarding/control">
+  <Id Name="System.Storyboarding.WindowsAppIcons.Hyperlink" Revision="1" Stencil="System.Storyboarding.WindowsAppIcons" StencilVersion="0.1"/>
+</Control>
+</file>
+
+<file path=customXml/item29.xml><?xml version="1.0" encoding="utf-8"?>
+<Control xmlns="http://schemas.microsoft.com/VisualStudio/2011/storyboarding/control">
+  <Id Name="System.Storyboarding.WindowsPhone.PageTitle" Revision="1" Stencil="System.Storyboarding.WindowsPhone" StencilVersion="0.1"/>
+</Control>
+</file>
+
+<file path=customXml/item3.xml><?xml version="1.0" encoding="utf-8"?>
 <Control xmlns="http://schemas.microsoft.com/VisualStudio/2011/storyboarding/control">
   <Id Name="System.Storyboarding.WindowsApps.WindowsAppsContextMenu" Revision="1" Stencil="System.Storyboarding.WindowsApps" StencilVersion="0.1"/>
 </Control>
 </file>
 
-<file path=customXml/item12.xml><?xml version="1.0" encoding="utf-8"?>
+<file path=customXml/item30.xml><?xml version="1.0" encoding="utf-8"?>
+<Control xmlns="http://schemas.microsoft.com/VisualStudio/2011/storyboarding/control">
+  <Id Name="91f9215f-48a3-4bce-9856-a1c79d18b395" RevisionId="54383394-c8b8-40b0-9c4b-42c6089a8ac7" Stencil="172d6d98-e5c9-42e9-a209-79f7a94bbd38" StencilRevisionId="00000000-0000-0000-0000-000000000000" StencilVersion="0.0"/>
+</Control>
+</file>
+
+<file path=customXml/item31.xml><?xml version="1.0" encoding="utf-8"?>
+<Control xmlns="http://schemas.microsoft.com/VisualStudio/2011/storyboarding/control">
+  <Id Name="System.Storyboarding.Common.CheckBoxUnchecked" Revision="1" Stencil="System.Storyboarding.Common" StencilVersion="0.1"/>
+</Control>
+</file>
+
+<file path=customXml/item32.xml><?xml version="1.0" encoding="utf-8"?>
+<Control xmlns="http://schemas.microsoft.com/VisualStudio/2011/storyboarding/control">
+  <Id Name="System.Storyboarding.Backgrounds.DesktopTaskbar" Revision="1" Stencil="System.Storyboarding.Backgrounds" StencilVersion="0.1"/>
+</Control>
+</file>
+
+<file path=customXml/item33.xml><?xml version="1.0" encoding="utf-8"?>
+<Control xmlns="http://schemas.microsoft.com/VisualStudio/2011/storyboarding/control">
+  <Id Name="System.Storyboarding.Media.HorizontalBarChart" Revision="1" Stencil="System.Storyboarding.Media" StencilVersion="0.1"/>
+</Control>
+</file>
+
+<file path=customXml/item34.xml><?xml version="1.0" encoding="utf-8"?>
+<Control xmlns="http://schemas.microsoft.com/VisualStudio/2011/storyboarding/control">
+  <Id Name="System.Storyboarding.Common.Text" Revision="1" Stencil="System.Storyboarding.Common" StencilVersion="0.1"/>
+</Control>
+</file>
+
+<file path=customXml/item35.xml><?xml version="1.0" encoding="utf-8"?>
 <Control xmlns="http://schemas.microsoft.com/VisualStudio/2011/storyboarding/control">
   <Id Name="System.Storyboarding.Common.TextInput" Revision="1" Stencil="System.Storyboarding.Common" StencilVersion="0.1"/>
 </Control>
 </file>
 
-<file path=customXml/item13.xml><?xml version="1.0" encoding="utf-8"?>
+<file path=customXml/item36.xml><?xml version="1.0" encoding="utf-8"?>
+<Control xmlns="http://schemas.microsoft.com/VisualStudio/2011/storyboarding/control">
+  <Id Name="System.Storyboarding.WindowsApps.WindowsAppsMediumWideTile" Revision="1" Stencil="System.Storyboarding.WindowsApps" StencilVersion="0.1"/>
+</Control>
+</file>
+
+<file path=customXml/item37.xml><?xml version="1.0" encoding="utf-8"?>
+<Control xmlns="http://schemas.microsoft.com/VisualStudio/2011/storyboarding/control">
+  <Id Name="System.Storyboarding.Backgrounds.WebBrowser" Revision="1" Stencil="System.Storyboarding.Backgrounds" StencilVersion="0.1"/>
+</Control>
+</file>
+
+<file path=customXml/item38.xml><?xml version="1.0" encoding="utf-8"?>
+<Control xmlns="http://schemas.microsoft.com/VisualStudio/2011/storyboarding/control">
+  <Id Name="System.Storyboarding.Common.RadioButtonSelected" Revision="1" Stencil="System.Storyboarding.Common" StencilVersion="0.1"/>
+</Control>
+</file>
+
+<file path=customXml/item39.xml><?xml version="1.0" encoding="utf-8"?>
+<Control xmlns="http://schemas.microsoft.com/VisualStudio/2011/storyboarding/control">
+  <Id Name="System.Storyboarding.Common.ScrollbarVertical" Revision="1" Stencil="System.Storyboarding.Common" StencilVersion="0.1"/>
+</Control>
+</file>
+
+<file path=customXml/item4.xml><?xml version="1.0" encoding="utf-8"?>
+<Control xmlns="http://schemas.microsoft.com/VisualStudio/2011/storyboarding/control">
+  <Id Name="System.Storyboarding.Backgrounds.WebBrowser" Revision="1" Stencil="System.Storyboarding.Backgrounds" StencilVersion="0.1"/>
+</Control>
+</file>
+
+<file path=customXml/item40.xml><?xml version="1.0" encoding="utf-8"?>
+<Control xmlns="http://schemas.microsoft.com/VisualStudio/2011/storyboarding/control">
+  <Id Name="System.Storyboarding.WindowsApps.WindowsAppsTileWideSmall" Revision="1" Stencil="System.Storyboarding.WindowsApps" StencilVersion="0.1"/>
+</Control>
+</file>
+
+<file path=customXml/item41.xml><?xml version="1.0" encoding="utf-8"?>
+<Control xmlns="http://schemas.microsoft.com/VisualStudio/2011/storyboarding/control">
+  <Id Name="System.Storyboarding.Media.Image" Revision="1" Stencil="System.Storyboarding.Media" StencilVersion="0.1"/>
+</Control>
+</file>
+
+<file path=customXml/item42.xml><?xml version="1.0" encoding="utf-8"?>
+<Control xmlns="http://schemas.microsoft.com/VisualStudio/2011/storyboarding/control">
+  <Id Name="System.Storyboarding.WindowsApps.WindowsAppsTileWideSmall" Revision="1" Stencil="System.Storyboarding.WindowsApps" StencilVersion="0.1"/>
+</Control>
+</file>
+
+<file path=customXml/item43.xml><?xml version="1.0" encoding="utf-8"?>
 <Control xmlns="http://schemas.microsoft.com/VisualStudio/2011/storyboarding/control">
   <Id Name="System.Storyboarding.Common.TextInput" Revision="1" Stencil="System.Storyboarding.Common" StencilVersion="0.1"/>
 </Control>
 </file>
 
-<file path=customXml/item14.xml><?xml version="1.0" encoding="utf-8"?>
+<file path=customXml/item44.xml><?xml version="1.0" encoding="utf-8"?>
 <Control xmlns="http://schemas.microsoft.com/VisualStudio/2011/storyboarding/control">
-  <Id Name="System.Storyboarding.Common.DatePicker" Revision="1" Stencil="System.Storyboarding.Common" StencilVersion="0.1"/>
+  <Id Name="System.Storyboarding.Common.CheckBoxUnchecked" Revision="1" Stencil="System.Storyboarding.Common" StencilVersion="0.1"/>
 </Control>
 </file>
 
-<file path=customXml/item15.xml><?xml version="1.0" encoding="utf-8"?>
+<file path=customXml/item45.xml><?xml version="1.0" encoding="utf-8"?>
 <Control xmlns="http://schemas.microsoft.com/VisualStudio/2011/storyboarding/control">
-  <Id Name="System.Storyboarding.Common.Button" Revision="1" Stencil="System.Storyboarding.Common" StencilVersion="0.1"/>
+  <Id Name="System.Storyboarding.Common.RadioButtonSelected" Revision="1" Stencil="System.Storyboarding.Common" StencilVersion="0.1"/>
 </Control>
 </file>
 
-<file path=customXml/item16.xml><?xml version="1.0" encoding="utf-8"?>
+<file path=customXml/item46.xml><?xml version="1.0" encoding="utf-8"?>
 <Control xmlns="http://schemas.microsoft.com/VisualStudio/2011/storyboarding/control">
   <Id Name="System.Storyboarding.WindowsApps.WindowsAppsTileWideSmall" Revision="1" Stencil="System.Storyboarding.WindowsApps" StencilVersion="0.1"/>
 </Control>
 </file>
 
-<file path=customXml/item17.xml><?xml version="1.0" encoding="utf-8"?>
+<file path=customXml/item47.xml><?xml version="1.0" encoding="utf-8"?>
 <Control xmlns="http://schemas.microsoft.com/VisualStudio/2011/storyboarding/control">
-  <Id Name="System.Storyboarding.Common.CheckBoxUnchecked" Revision="1" Stencil="System.Storyboarding.Common" StencilVersion="0.1"/>
+  <Id Name="System.Storyboarding.WindowsAppIcons.Plus" Revision="1" Stencil="System.Storyboarding.WindowsAppIcons" StencilVersion="0.1"/>
 </Control>
 </file>
 
-<file path=customXml/item18.xml><?xml version="1.0" encoding="utf-8"?>
-<Control xmlns="http://schemas.microsoft.com/VisualStudio/2011/storyboarding/control">
-  <Id Name="System.Storyboarding.Common.RadioButtonUnselected" Revision="1" Stencil="System.Storyboarding.Common" StencilVersion="0.1"/>
-</Control>
-</file>
-
-<file path=customXml/item19.xml><?xml version="1.0" encoding="utf-8"?>
-<Control xmlns="http://schemas.microsoft.com/VisualStudio/2011/storyboarding/control">
-  <Id Name="System.Storyboarding.Common.Button" Revision="1" Stencil="System.Storyboarding.Common" StencilVersion="0.1"/>
-</Control>
-</file>
-
-<file path=customXml/item2.xml><?xml version="1.0" encoding="utf-8"?>
-<Control xmlns="http://schemas.microsoft.com/VisualStudio/2011/storyboarding/control">
-  <Id Name="System.Storyboarding.Common.Button" Revision="1" Stencil="System.Storyboarding.Common" StencilVersion="0.1"/>
-</Control>
-</file>
-
-<file path=customXml/item20.xml><?xml version="1.0" encoding="utf-8"?>
-<Control xmlns="http://schemas.microsoft.com/VisualStudio/2011/storyboarding/control">
-  <Id Name="System.Storyboarding.Common.Text" Revision="1" Stencil="System.Storyboarding.Common" StencilVersion="0.1"/>
-</Control>
-</file>
-
-<file path=customXml/item21.xml><?xml version="1.0" encoding="utf-8"?>
-<Control xmlns="http://schemas.microsoft.com/VisualStudio/2011/storyboarding/control">
-  <Id Name="System.Storyboarding.Common.DatePicker" Revision="1" Stencil="System.Storyboarding.Common" StencilVersion="0.1"/>
-</Control>
-</file>
-
-<file path=customXml/item22.xml><?xml version="1.0" encoding="utf-8"?>
-<Control xmlns="http://schemas.microsoft.com/VisualStudio/2011/storyboarding/control">
-  <Id Name="System.Storyboarding.WindowsAppIcons.Heart" Revision="1" Stencil="System.Storyboarding.WindowsAppIcons" StencilVersion="0.1"/>
-</Control>
-</file>
-
-<file path=customXml/item23.xml><?xml version="1.0" encoding="utf-8"?>
-<Control xmlns="http://schemas.microsoft.com/VisualStudio/2011/storyboarding/control">
-  <Id Name="System.Storyboarding.Common.RadioButtonSelected" Revision="1" Stencil="System.Storyboarding.Common" StencilVersion="0.1"/>
-</Control>
-</file>
-
-<file path=customXml/item24.xml><?xml version="1.0" encoding="utf-8"?>
-<Control xmlns="http://schemas.microsoft.com/VisualStudio/2011/storyboarding/control">
-  <Id Name="System.Storyboarding.Backgrounds.WebBrowser" Revision="1" Stencil="System.Storyboarding.Backgrounds" StencilVersion="0.1"/>
-</Control>
-</file>
-
-<file path=customXml/item25.xml><?xml version="1.0" encoding="utf-8"?>
-<Control xmlns="http://schemas.microsoft.com/VisualStudio/2011/storyboarding/control">
-  <Id Name="System.Storyboarding.Common.RadioButtonSelected" Revision="1" Stencil="System.Storyboarding.Common" StencilVersion="0.1"/>
-</Control>
-</file>
-
-<file path=customXml/item26.xml><?xml version="1.0" encoding="utf-8"?>
-<Control xmlns="http://schemas.microsoft.com/VisualStudio/2011/storyboarding/control">
-  <Id Name="System.Storyboarding.Common.Hyperlink" Revision="1" Stencil="System.Storyboarding.Common" StencilVersion="0.1"/>
-</Control>
-</file>
-
-<file path=customXml/item27.xml><?xml version="1.0" encoding="utf-8"?>
-<Control xmlns="http://schemas.microsoft.com/VisualStudio/2011/storyboarding/control">
-  <Id Name="System.Storyboarding.Common.TextInput" Revision="1" Stencil="System.Storyboarding.Common" StencilVersion="0.1"/>
-</Control>
-</file>
-
-<file path=customXml/item28.xml><?xml version="1.0" encoding="utf-8"?>
-<Control xmlns="http://schemas.microsoft.com/VisualStudio/2011/storyboarding/control">
-  <Id Name="System.Storyboarding.Backgrounds.DesktopTaskbar" Revision="1" Stencil="System.Storyboarding.Backgrounds" StencilVersion="0.1"/>
-</Control>
-</file>
-
-<file path=customXml/item29.xml><?xml version="1.0" encoding="utf-8"?>
-<Control xmlns="http://schemas.microsoft.com/VisualStudio/2011/storyboarding/control">
-  <Id Name="System.Storyboarding.WindowsApps.WindowsAppsTileWideSmall" Revision="1" Stencil="System.Storyboarding.WindowsApps" StencilVersion="0.1"/>
-</Control>
-</file>
-
-<file path=customXml/item3.xml><?xml version="1.0" encoding="utf-8"?>
-<Control xmlns="http://schemas.microsoft.com/VisualStudio/2011/storyboarding/control">
-  <Id Name="System.Storyboarding.WindowsApps.WindowsAppsTileWideSmall" Revision="1" Stencil="System.Storyboarding.WindowsApps" StencilVersion="0.1"/>
-</Control>
-</file>
-
-<file path=customXml/item30.xml><?xml version="1.0" encoding="utf-8"?>
-<Control xmlns="http://schemas.microsoft.com/VisualStudio/2011/storyboarding/control">
-  <Id Name="32035d07-bc66-4a79-8001-2507012193e3" RevisionId="7f6cc906-8fab-4878-8f41-90bcdc4e860e" Stencil="172d6d98-e5c9-42e9-a209-79f7a94bbd38" StencilRevisionId="00000000-0000-0000-0000-000000000000" StencilVersion="0.0"/>
-</Control>
-</file>
-
-<file path=customXml/item31.xml><?xml version="1.0" encoding="utf-8"?>
-<Control xmlns="http://schemas.microsoft.com/VisualStudio/2011/storyboarding/control">
-  <Id Name="System.Storyboarding.Common.TextInput" Revision="1" Stencil="System.Storyboarding.Common" StencilVersion="0.1"/>
-</Control>
-</file>
-
-<file path=customXml/item32.xml><?xml version="1.0" encoding="utf-8"?>
-<Control xmlns="http://schemas.microsoft.com/VisualStudio/2011/storyboarding/control">
-  <Id Name="System.Storyboarding.Common.Text" Revision="1" Stencil="System.Storyboarding.Common" StencilVersion="0.1"/>
-</Control>
-</file>
-
-<file path=customXml/item33.xml><?xml version="1.0" encoding="utf-8"?>
-<Control xmlns="http://schemas.microsoft.com/VisualStudio/2011/storyboarding/control">
-  <Id Name="System.Storyboarding.WindowsApps.WindowsAppsTileWideSmall" Revision="1" Stencil="System.Storyboarding.WindowsApps" StencilVersion="0.1"/>
-</Control>
-</file>
-
-<file path=customXml/item34.xml><?xml version="1.0" encoding="utf-8"?>
-<Control xmlns="http://schemas.microsoft.com/VisualStudio/2011/storyboarding/control">
-  <Id Name="System.Storyboarding.Common.TextInput" Revision="1" Stencil="System.Storyboarding.Common" StencilVersion="0.1"/>
-</Control>
-</file>
-
-<file path=customXml/item35.xml><?xml version="1.0" encoding="utf-8"?>
-<Control xmlns="http://schemas.microsoft.com/VisualStudio/2011/storyboarding/control">
-  <Id Name="System.Storyboarding.Common.CheckBoxUnchecked" Revision="1" Stencil="System.Storyboarding.Common" StencilVersion="0.1"/>
-</Control>
-</file>
-
-<file path=customXml/item36.xml><?xml version="1.0" encoding="utf-8"?>
+<file path=customXml/item48.xml><?xml version="1.0" encoding="utf-8"?>
 <Control xmlns="http://schemas.microsoft.com/VisualStudio/2011/storyboarding/control">
   <Id Name="System.Storyboarding.WindowsApps.WindowsAppsTileMedium" Revision="1" Stencil="System.Storyboarding.WindowsApps" StencilVersion="0.1"/>
 </Control>
 </file>
 
-<file path=customXml/item37.xml><?xml version="1.0" encoding="utf-8"?>
-<Control xmlns="http://schemas.microsoft.com/VisualStudio/2011/storyboarding/control">
-  <Id Name="System.Storyboarding.Common.CheckBoxUnchecked" Revision="1" Stencil="System.Storyboarding.Common" StencilVersion="0.1"/>
-</Control>
-</file>
-
-<file path=customXml/item38.xml><?xml version="1.0" encoding="utf-8"?>
-<Control xmlns="http://schemas.microsoft.com/VisualStudio/2011/storyboarding/control">
-  <Id Name="System.Storyboarding.WindowsAppIcons.Plus" Revision="1" Stencil="System.Storyboarding.WindowsAppIcons" StencilVersion="0.1"/>
-</Control>
-</file>
-
-<file path=customXml/item39.xml><?xml version="1.0" encoding="utf-8"?>
-<Control xmlns="http://schemas.microsoft.com/VisualStudio/2011/storyboarding/control">
-  <Id Name="System.Storyboarding.Common.RadioButtonSelected" Revision="1" Stencil="System.Storyboarding.Common" StencilVersion="0.1"/>
-</Control>
-</file>
-
-<file path=customXml/item4.xml><?xml version="1.0" encoding="utf-8"?>
-<Control xmlns="http://schemas.microsoft.com/VisualStudio/2011/storyboarding/control">
-  <Id Name="System.Storyboarding.WindowsApps.WindowsAppsButton" Revision="1" Stencil="System.Storyboarding.WindowsApps" StencilVersion="0.1"/>
-</Control>
-</file>
-
-<file path=customXml/item40.xml><?xml version="1.0" encoding="utf-8"?>
-<Control xmlns="http://schemas.microsoft.com/VisualStudio/2011/storyboarding/control">
-  <Id Name="System.Storyboarding.WindowsApps.WindowsAppsMediumWideTile" Revision="1" Stencil="System.Storyboarding.WindowsApps" StencilVersion="0.1"/>
-</Control>
-</file>
-
-<file path=customXml/item41.xml><?xml version="1.0" encoding="utf-8"?>
-<Control xmlns="http://schemas.microsoft.com/VisualStudio/2011/storyboarding/control">
-  <Id Name="System.Storyboarding.Common.TextInput" Revision="1" Stencil="System.Storyboarding.Common" StencilVersion="0.1"/>
-</Control>
-</file>
-
-<file path=customXml/item42.xml><?xml version="1.0" encoding="utf-8"?>
-<Control xmlns="http://schemas.microsoft.com/VisualStudio/2011/storyboarding/control">
-  <Id Name="System.Storyboarding.Common.Text" Revision="1" Stencil="System.Storyboarding.Common" StencilVersion="0.1"/>
-</Control>
-</file>
-
-<file path=customXml/item43.xml><?xml version="1.0" encoding="utf-8"?>
-<Control xmlns="http://schemas.microsoft.com/VisualStudio/2011/storyboarding/control">
-  <Id Name="System.Storyboarding.Common.Text" Revision="1" Stencil="System.Storyboarding.Common" StencilVersion="0.1"/>
-</Control>
-</file>
-
-<file path=customXml/item44.xml><?xml version="1.0" encoding="utf-8"?>
-<Control xmlns="http://schemas.microsoft.com/VisualStudio/2011/storyboarding/control">
-  <Id Name="System.Storyboarding.WindowsApps.WindowsAppsTileWideSmall" Revision="1" Stencil="System.Storyboarding.WindowsApps" StencilVersion="0.1"/>
-</Control>
-</file>
-
-<file path=customXml/item45.xml><?xml version="1.0" encoding="utf-8"?>
-<Control xmlns="http://schemas.microsoft.com/VisualStudio/2011/storyboarding/control">
-  <Id Name="System.Storyboarding.WindowsApps.WindowsAppsTileMedium" Revision="1" Stencil="System.Storyboarding.WindowsApps" StencilVersion="0.1"/>
-</Control>
-</file>
-
-<file path=customXml/item46.xml><?xml version="1.0" encoding="utf-8"?>
-<Control xmlns="http://schemas.microsoft.com/VisualStudio/2011/storyboarding/control">
-  <Id Name="System.Storyboarding.WindowsApps.WindowsAppsTileMedium" Revision="1" Stencil="System.Storyboarding.WindowsApps" StencilVersion="0.1"/>
-</Control>
-</file>
-
-<file path=customXml/item47.xml><?xml version="1.0" encoding="utf-8"?>
-<Control xmlns="http://schemas.microsoft.com/VisualStudio/2011/storyboarding/control">
-  <Id Name="System.Storyboarding.WindowsApps.WindowsAppsContextMenu" Revision="1" Stencil="System.Storyboarding.WindowsApps" StencilVersion="0.1"/>
-</Control>
-</file>
-
-<file path=customXml/item48.xml><?xml version="1.0" encoding="utf-8"?>
-<Control xmlns="http://schemas.microsoft.com/VisualStudio/2011/storyboarding/control">
-  <Id Name="System.Storyboarding.WindowsAppIcons.Hyperlink" Revision="1" Stencil="System.Storyboarding.WindowsAppIcons" StencilVersion="0.1"/>
-</Control>
-</file>
-
 <file path=customXml/item49.xml><?xml version="1.0" encoding="utf-8"?>
 <Control xmlns="http://schemas.microsoft.com/VisualStudio/2011/storyboarding/control">
-  <Id Name="System.Storyboarding.Common.Text" Revision="1" Stencil="System.Storyboarding.Common" StencilVersion="0.1"/>
+  <Id Name="System.Storyboarding.Common.ScrollbarVertical" Revision="1" Stencil="System.Storyboarding.Common" StencilVersion="0.1"/>
 </Control>
 </file>
 
@@ -10096,13 +10467,13 @@
 
 <file path=customXml/item51.xml><?xml version="1.0" encoding="utf-8"?>
 <Control xmlns="http://schemas.microsoft.com/VisualStudio/2011/storyboarding/control">
-  <Id Name="System.Storyboarding.WindowsApps.WindowsAppsMediumWideTile" Revision="1" Stencil="System.Storyboarding.WindowsApps" StencilVersion="0.1"/>
+  <Id Name="System.Storyboarding.WindowsApps.WindowsAppsEditBox" Revision="1" Stencil="System.Storyboarding.WindowsApps" StencilVersion="0.1"/>
 </Control>
 </file>
 
 <file path=customXml/item52.xml><?xml version="1.0" encoding="utf-8"?>
 <Control xmlns="http://schemas.microsoft.com/VisualStudio/2011/storyboarding/control">
-  <Id Name="System.Storyboarding.WindowsApps.WindowsAppsTileWideSmall" Revision="1" Stencil="System.Storyboarding.WindowsApps" StencilVersion="0.1"/>
+  <Id Name="System.Storyboarding.Common.Text" Revision="1" Stencil="System.Storyboarding.Common" StencilVersion="0.1"/>
 </Control>
 </file>
 
@@ -10114,235 +10485,235 @@
 
 <file path=customXml/item54.xml><?xml version="1.0" encoding="utf-8"?>
 <Control xmlns="http://schemas.microsoft.com/VisualStudio/2011/storyboarding/control">
+  <Id Name="System.Storyboarding.Common.TextInput" Revision="1" Stencil="System.Storyboarding.Common" StencilVersion="0.1"/>
+</Control>
+</file>
+
+<file path=customXml/item55.xml><?xml version="1.0" encoding="utf-8"?>
+<Control xmlns="http://schemas.microsoft.com/VisualStudio/2011/storyboarding/control">
   <Id Name="System.Storyboarding.Common.RadioButtonSelected" Revision="1" Stencil="System.Storyboarding.Common" StencilVersion="0.1"/>
 </Control>
 </file>
 
-<file path=customXml/item55.xml><?xml version="1.0" encoding="utf-8"?>
-<Control xmlns="http://schemas.microsoft.com/VisualStudio/2011/storyboarding/control">
-  <Id Name="System.Storyboarding.WindowsAppIcons.Like" Revision="1" Stencil="System.Storyboarding.WindowsAppIcons" StencilVersion="0.1"/>
-</Control>
-</file>
-
 <file path=customXml/item56.xml><?xml version="1.0" encoding="utf-8"?>
 <Control xmlns="http://schemas.microsoft.com/VisualStudio/2011/storyboarding/control">
-  <Id Name="System.Storyboarding.WindowsPhone.PageTitle" Revision="1" Stencil="System.Storyboarding.WindowsPhone" StencilVersion="0.1"/>
+  <Id Name="System.Storyboarding.Common.Hyperlink" Revision="1" Stencil="System.Storyboarding.Common" StencilVersion="0.1"/>
 </Control>
 </file>
 
 <file path=customXml/item57.xml><?xml version="1.0" encoding="utf-8"?>
+<Control xmlns="http://schemas.microsoft.com/VisualStudio/2011/storyboarding/control">
+  <Id Name="System.Storyboarding.Common.DatePicker" Revision="1" Stencil="System.Storyboarding.Common" StencilVersion="0.1"/>
+</Control>
+</file>
+
+<file path=customXml/item58.xml><?xml version="1.0" encoding="utf-8"?>
+<Control xmlns="http://schemas.microsoft.com/VisualStudio/2011/storyboarding/control">
+  <Id Name="System.Storyboarding.Media.PieChart" Revision="1" Stencil="System.Storyboarding.Media" StencilVersion="0.1"/>
+</Control>
+</file>
+
+<file path=customXml/item59.xml><?xml version="1.0" encoding="utf-8"?>
 <Control xmlns="http://schemas.microsoft.com/VisualStudio/2011/storyboarding/control">
   <Id Name="System.Storyboarding.Common.Button" Revision="1" Stencil="System.Storyboarding.Common" StencilVersion="0.1"/>
 </Control>
 </file>
 
-<file path=customXml/item58.xml><?xml version="1.0" encoding="utf-8"?>
+<file path=customXml/item6.xml><?xml version="1.0" encoding="utf-8"?>
+<Control xmlns="http://schemas.microsoft.com/VisualStudio/2011/storyboarding/control">
+  <Id Name="System.Storyboarding.Common.CheckBoxUnchecked" Revision="1" Stencil="System.Storyboarding.Common" StencilVersion="0.1"/>
+</Control>
+</file>
+
+<file path=customXml/item60.xml><?xml version="1.0" encoding="utf-8"?>
+<Control xmlns="http://schemas.microsoft.com/VisualStudio/2011/storyboarding/control">
+  <Id Name="System.Storyboarding.Backgrounds.DesktopTaskbar" Revision="1" Stencil="System.Storyboarding.Backgrounds" StencilVersion="0.1"/>
+</Control>
+</file>
+
+<file path=customXml/item61.xml><?xml version="1.0" encoding="utf-8"?>
+<Control xmlns="http://schemas.microsoft.com/VisualStudio/2011/storyboarding/control">
+  <Id Name="System.Storyboarding.WindowsApps.WindowsAppsMediumWideTile" Revision="1" Stencil="System.Storyboarding.WindowsApps" StencilVersion="0.1"/>
+</Control>
+</file>
+
+<file path=customXml/item62.xml><?xml version="1.0" encoding="utf-8"?>
+<Control xmlns="http://schemas.microsoft.com/VisualStudio/2011/storyboarding/control">
+  <Id Name="System.Storyboarding.WindowsApps.WindowsAppsTileWideSmall" Revision="1" Stencil="System.Storyboarding.WindowsApps" StencilVersion="0.1"/>
+</Control>
+</file>
+
+<file path=customXml/item63.xml><?xml version="1.0" encoding="utf-8"?>
+<Control xmlns="http://schemas.microsoft.com/VisualStudio/2011/storyboarding/control">
+  <Id Name="System.Storyboarding.WindowsApps.WindowsAppsTileWideSmall" Revision="1" Stencil="System.Storyboarding.WindowsApps" StencilVersion="0.1"/>
+</Control>
+</file>
+
+<file path=customXml/item64.xml><?xml version="1.0" encoding="utf-8"?>
+<Control xmlns="http://schemas.microsoft.com/VisualStudio/2011/storyboarding/control">
+  <Id Name="System.Storyboarding.Common.Button" Revision="1" Stencil="System.Storyboarding.Common" StencilVersion="0.1"/>
+</Control>
+</file>
+
+<file path=customXml/item65.xml><?xml version="1.0" encoding="utf-8"?>
+<Control xmlns="http://schemas.microsoft.com/VisualStudio/2011/storyboarding/control">
+  <Id Name="System.Storyboarding.Common.Button" Revision="1" Stencil="System.Storyboarding.Common" StencilVersion="0.1"/>
+</Control>
+</file>
+
+<file path=customXml/item66.xml><?xml version="1.0" encoding="utf-8"?>
+<Control xmlns="http://schemas.microsoft.com/VisualStudio/2011/storyboarding/control">
+  <Id Name="System.Storyboarding.Common.RadioButtonSelected" Revision="1" Stencil="System.Storyboarding.Common" StencilVersion="0.1"/>
+</Control>
+</file>
+
+<file path=customXml/item67.xml><?xml version="1.0" encoding="utf-8"?>
+<Control xmlns="http://schemas.microsoft.com/VisualStudio/2011/storyboarding/control">
+  <Id Name="System.Storyboarding.Backgrounds.DesktopTaskbar" Revision="1" Stencil="System.Storyboarding.Backgrounds" StencilVersion="0.1"/>
+</Control>
+</file>
+
+<file path=customXml/item68.xml><?xml version="1.0" encoding="utf-8"?>
+<Control xmlns="http://schemas.microsoft.com/VisualStudio/2011/storyboarding/control">
+  <Id Name="System.Storyboarding.WindowsApps.WindowsAppsTileMedium" Revision="1" Stencil="System.Storyboarding.WindowsApps" StencilVersion="0.1"/>
+</Control>
+</file>
+
+<file path=customXml/item69.xml><?xml version="1.0" encoding="utf-8"?>
+<Control xmlns="http://schemas.microsoft.com/VisualStudio/2011/storyboarding/control">
+  <Id Name="System.Storyboarding.Common.Text" Revision="1" Stencil="System.Storyboarding.Common" StencilVersion="0.1"/>
+</Control>
+</file>
+
+<file path=customXml/item7.xml><?xml version="1.0" encoding="utf-8"?>
+<Control xmlns="http://schemas.microsoft.com/VisualStudio/2011/storyboarding/control">
+  <Id Name="System.Storyboarding.WindowsApps.WindowsAppsMediumWideTile" Revision="1" Stencil="System.Storyboarding.WindowsApps" StencilVersion="0.1"/>
+</Control>
+</file>
+
+<file path=customXml/item70.xml><?xml version="1.0" encoding="utf-8"?>
+<Control xmlns="http://schemas.microsoft.com/VisualStudio/2011/storyboarding/control">
+  <Id Name="System.Storyboarding.Common.Button" Revision="1" Stencil="System.Storyboarding.Common" StencilVersion="0.1"/>
+</Control>
+</file>
+
+<file path=customXml/item71.xml><?xml version="1.0" encoding="utf-8"?>
+<Control xmlns="http://schemas.microsoft.com/VisualStudio/2011/storyboarding/control">
+  <Id Name="System.Storyboarding.Common.Text" Revision="1" Stencil="System.Storyboarding.Common" StencilVersion="0.1"/>
+</Control>
+</file>
+
+<file path=customXml/item72.xml><?xml version="1.0" encoding="utf-8"?>
+<Control xmlns="http://schemas.microsoft.com/VisualStudio/2011/storyboarding/control">
+  <Id Name="System.Storyboarding.Backgrounds.DesktopTaskbar" Revision="1" Stencil="System.Storyboarding.Backgrounds" StencilVersion="0.1"/>
+</Control>
+</file>
+
+<file path=customXml/item73.xml><?xml version="1.0" encoding="utf-8"?>
 <Control xmlns="http://schemas.microsoft.com/VisualStudio/2011/storyboarding/control">
   <Id Name="System.Storyboarding.Common.TextInput" Revision="1" Stencil="System.Storyboarding.Common" StencilVersion="0.1"/>
 </Control>
 </file>
 
-<file path=customXml/item59.xml><?xml version="1.0" encoding="utf-8"?>
+<file path=customXml/item74.xml><?xml version="1.0" encoding="utf-8"?>
 <Control xmlns="http://schemas.microsoft.com/VisualStudio/2011/storyboarding/control">
-  <Id Name="System.Storyboarding.Common.ScrollbarVertical" Revision="1" Stencil="System.Storyboarding.Common" StencilVersion="0.1"/>
+  <Id Name="System.Storyboarding.WindowsApps.WindowsAppsTileWideSmall" Revision="1" Stencil="System.Storyboarding.WindowsApps" StencilVersion="0.1"/>
 </Control>
 </file>
 
-<file path=customXml/item6.xml><?xml version="1.0" encoding="utf-8"?>
+<file path=customXml/item75.xml><?xml version="1.0" encoding="utf-8"?>
 <Control xmlns="http://schemas.microsoft.com/VisualStudio/2011/storyboarding/control">
-  <Id Name="System.Storyboarding.Common.Button" Revision="1" Stencil="System.Storyboarding.Common" StencilVersion="0.1"/>
+  <Id Name="System.Storyboarding.WindowsApps.WindowsAppsTileWideSmall" Revision="1" Stencil="System.Storyboarding.WindowsApps" StencilVersion="0.1"/>
 </Control>
 </file>
 
-<file path=customXml/item60.xml><?xml version="1.0" encoding="utf-8"?>
+<file path=customXml/item76.xml><?xml version="1.0" encoding="utf-8"?>
 <Control xmlns="http://schemas.microsoft.com/VisualStudio/2011/storyboarding/control">
   <Id Name="System.Storyboarding.Common.CheckBoxUnchecked" Revision="1" Stencil="System.Storyboarding.Common" StencilVersion="0.1"/>
 </Control>
 </file>
 
-<file path=customXml/item61.xml><?xml version="1.0" encoding="utf-8"?>
+<file path=customXml/item77.xml><?xml version="1.0" encoding="utf-8"?>
 <Control xmlns="http://schemas.microsoft.com/VisualStudio/2011/storyboarding/control">
-  <Id Name="System.Storyboarding.WindowsAppIcons.Plus" Revision="1" Stencil="System.Storyboarding.WindowsAppIcons" StencilVersion="0.1"/>
+  <Id Name="System.Storyboarding.Common.DatePicker" Revision="1" Stencil="System.Storyboarding.Common" StencilVersion="0.1"/>
 </Control>
 </file>
 
-<file path=customXml/item62.xml><?xml version="1.0" encoding="utf-8"?>
+<file path=customXml/item78.xml><?xml version="1.0" encoding="utf-8"?>
 <Control xmlns="http://schemas.microsoft.com/VisualStudio/2011/storyboarding/control">
-  <Id Name="System.Storyboarding.Common.Hyperlink" Revision="1" Stencil="System.Storyboarding.Common" StencilVersion="0.1"/>
+  <Id Name="System.Storyboarding.Common.MousePointer" Revision="1" Stencil="System.Storyboarding.Common" StencilVersion="0.1"/>
 </Control>
 </file>
 
-<file path=customXml/item63.xml><?xml version="1.0" encoding="utf-8"?>
+<file path=customXml/item79.xml><?xml version="1.0" encoding="utf-8"?>
+<Control xmlns="http://schemas.microsoft.com/VisualStudio/2011/storyboarding/control">
+  <Id Name="System.Storyboarding.Common.TextInput" Revision="1" Stencil="System.Storyboarding.Common" StencilVersion="0.1"/>
+</Control>
+</file>
+
+<file path=customXml/item8.xml><?xml version="1.0" encoding="utf-8"?>
+<Control xmlns="http://schemas.microsoft.com/VisualStudio/2011/storyboarding/control">
+  <Id Name="System.Storyboarding.WindowsApps.WindowsAppsTileMedium" Revision="1" Stencil="System.Storyboarding.WindowsApps" StencilVersion="0.1"/>
+</Control>
+</file>
+
+<file path=customXml/item80.xml><?xml version="1.0" encoding="utf-8"?>
+<Control xmlns="http://schemas.microsoft.com/VisualStudio/2011/storyboarding/control">
+  <Id Name="System.Storyboarding.WindowsApps.WindowsAppsButton" Revision="1" Stencil="System.Storyboarding.WindowsApps" StencilVersion="0.1"/>
+</Control>
+</file>
+
+<file path=customXml/item81.xml><?xml version="1.0" encoding="utf-8"?>
 <Control xmlns="http://schemas.microsoft.com/VisualStudio/2011/storyboarding/control">
   <Id Name="System.Storyboarding.Backgrounds.WebBrowser" Revision="1" Stencil="System.Storyboarding.Backgrounds" StencilVersion="0.1"/>
 </Control>
 </file>
 
-<file path=customXml/item64.xml><?xml version="1.0" encoding="utf-8"?>
+<file path=customXml/item82.xml><?xml version="1.0" encoding="utf-8"?>
 <Control xmlns="http://schemas.microsoft.com/VisualStudio/2011/storyboarding/control">
-  <Id Name="91f9215f-48a3-4bce-9856-a1c79d18b395" RevisionId="54383394-c8b8-40b0-9c4b-42c6089a8ac7" Stencil="172d6d98-e5c9-42e9-a209-79f7a94bbd38" StencilRevisionId="00000000-0000-0000-0000-000000000000" StencilVersion="0.0"/>
+  <Id Name="System.Storyboarding.WindowsApps.WindowsAppsTileWideSmall" Revision="1" Stencil="System.Storyboarding.WindowsApps" StencilVersion="0.1"/>
 </Control>
 </file>
 
-<file path=customXml/item65.xml><?xml version="1.0" encoding="utf-8"?>
+<file path=customXml/item83.xml><?xml version="1.0" encoding="utf-8"?>
 <Control xmlns="http://schemas.microsoft.com/VisualStudio/2011/storyboarding/control">
-  <Id Name="System.Storyboarding.Common.DatePicker" Revision="1" Stencil="System.Storyboarding.Common" StencilVersion="0.1"/>
+  <Id Name="System.Storyboarding.Media.VerticalBarChart" Revision="1" Stencil="System.Storyboarding.Media" StencilVersion="0.1"/>
 </Control>
 </file>
 
-<file path=customXml/item66.xml><?xml version="1.0" encoding="utf-8"?>
+<file path=customXml/item84.xml><?xml version="1.0" encoding="utf-8"?>
 <Control xmlns="http://schemas.microsoft.com/VisualStudio/2011/storyboarding/control">
-  <Id Name="System.Storyboarding.Icons.Copy" Revision="1" Stencil="System.Storyboarding.Icons" StencilVersion="0.1"/>
+  <Id Name="System.Storyboarding.Media.PieChart" Revision="1" Stencil="System.Storyboarding.Media" StencilVersion="0.1"/>
 </Control>
 </file>
 
-<file path=customXml/item67.xml><?xml version="1.0" encoding="utf-8"?>
+<file path=customXml/item85.xml><?xml version="1.0" encoding="utf-8"?>
+<Control xmlns="http://schemas.microsoft.com/VisualStudio/2011/storyboarding/control">
+  <Id Name="System.Storyboarding.WindowsApps.WindowsAppsButton" Revision="1" Stencil="System.Storyboarding.WindowsApps" StencilVersion="0.1"/>
+</Control>
+</file>
+
+<file path=customXml/item86.xml><?xml version="1.0" encoding="utf-8"?>
+<Control xmlns="http://schemas.microsoft.com/VisualStudio/2011/storyboarding/control">
+  <Id Name="System.Storyboarding.Common.Text" Revision="1" Stencil="System.Storyboarding.Common" StencilVersion="0.1"/>
+</Control>
+</file>
+
+<file path=customXml/item87.xml><?xml version="1.0" encoding="utf-8"?>
 <Control xmlns="http://schemas.microsoft.com/VisualStudio/2011/storyboarding/control">
   <Id Name="System.Storyboarding.Common.TextInput" Revision="1" Stencil="System.Storyboarding.Common" StencilVersion="0.1"/>
 </Control>
 </file>
 
-<file path=customXml/item68.xml><?xml version="1.0" encoding="utf-8"?>
+<file path=customXml/item88.xml><?xml version="1.0" encoding="utf-8"?>
 <Control xmlns="http://schemas.microsoft.com/VisualStudio/2011/storyboarding/control">
-  <Id Name="System.Storyboarding.WindowsApps.WindowsAppsTileWideSmall" Revision="1" Stencil="System.Storyboarding.WindowsApps" StencilVersion="0.1"/>
+  <Id Name="System.Storyboarding.Common.RadioButtonUnselected" Revision="1" Stencil="System.Storyboarding.Common" StencilVersion="0.1"/>
 </Control>
 </file>
 
-<file path=customXml/item69.xml><?xml version="1.0" encoding="utf-8"?>
-<Control xmlns="http://schemas.microsoft.com/VisualStudio/2011/storyboarding/control">
-  <Id Name="System.Storyboarding.Common.CheckBoxUnchecked" Revision="1" Stencil="System.Storyboarding.Common" StencilVersion="0.1"/>
-</Control>
-</file>
-
-<file path=customXml/item7.xml><?xml version="1.0" encoding="utf-8"?>
-<Control xmlns="http://schemas.microsoft.com/VisualStudio/2011/storyboarding/control">
-  <Id Name="System.Storyboarding.WindowsApps.WindowsAppsTileMedium" Revision="1" Stencil="System.Storyboarding.WindowsApps" StencilVersion="0.1"/>
-</Control>
-</file>
-
-<file path=customXml/item70.xml><?xml version="1.0" encoding="utf-8"?>
-<Control xmlns="http://schemas.microsoft.com/VisualStudio/2011/storyboarding/control">
-  <Id Name="System.Storyboarding.Common.DatePicker" Revision="1" Stencil="System.Storyboarding.Common" StencilVersion="0.1"/>
-</Control>
-</file>
-
-<file path=customXml/item71.xml><?xml version="1.0" encoding="utf-8"?>
-<Control xmlns="http://schemas.microsoft.com/VisualStudio/2011/storyboarding/control">
-  <Id Name="32035d07-bc66-4a79-8001-2507012193e3" RevisionId="7f6cc906-8fab-4878-8f41-90bcdc4e860e" Stencil="172d6d98-e5c9-42e9-a209-79f7a94bbd38" StencilRevisionId="00000000-0000-0000-0000-000000000000" StencilVersion="0.0"/>
-</Control>
-</file>
-
-<file path=customXml/item72.xml><?xml version="1.0" encoding="utf-8"?>
-<Control xmlns="http://schemas.microsoft.com/VisualStudio/2011/storyboarding/control">
-  <Id Name="System.Storyboarding.Backgrounds.WebBrowser" Revision="1" Stencil="System.Storyboarding.Backgrounds" StencilVersion="0.1"/>
-</Control>
-</file>
-
-<file path=customXml/item73.xml><?xml version="1.0" encoding="utf-8"?>
-<Control xmlns="http://schemas.microsoft.com/VisualStudio/2011/storyboarding/control">
-  <Id Name="System.Storyboarding.Common.MousePointer" Revision="1" Stencil="System.Storyboarding.Common" StencilVersion="0.1"/>
-</Control>
-</file>
-
-<file path=customXml/item74.xml><?xml version="1.0" encoding="utf-8"?>
-<Control xmlns="http://schemas.microsoft.com/VisualStudio/2011/storyboarding/control">
-  <Id Name="System.Storyboarding.Common.MousePointer" Revision="1" Stencil="System.Storyboarding.Common" StencilVersion="0.1"/>
-</Control>
-</file>
-
-<file path=customXml/item75.xml><?xml version="1.0" encoding="utf-8"?>
-<Control xmlns="http://schemas.microsoft.com/VisualStudio/2011/storyboarding/control">
-  <Id Name="System.Storyboarding.Media.PieChart" Revision="1" Stencil="System.Storyboarding.Media" StencilVersion="0.1"/>
-</Control>
-</file>
-
-<file path=customXml/item76.xml><?xml version="1.0" encoding="utf-8"?>
+<file path=customXml/item89.xml><?xml version="1.0" encoding="utf-8"?>
 <Control xmlns="http://schemas.microsoft.com/VisualStudio/2011/storyboarding/control">
   <Id Name="System.Storyboarding.Common.RadioButtonSelected" Revision="1" Stencil="System.Storyboarding.Common" StencilVersion="0.1"/>
-</Control>
-</file>
-
-<file path=customXml/item77.xml><?xml version="1.0" encoding="utf-8"?>
-<Control xmlns="http://schemas.microsoft.com/VisualStudio/2011/storyboarding/control">
-  <Id Name="System.Storyboarding.Backgrounds.DesktopTaskbar" Revision="1" Stencil="System.Storyboarding.Backgrounds" StencilVersion="0.1"/>
-</Control>
-</file>
-
-<file path=customXml/item78.xml><?xml version="1.0" encoding="utf-8"?>
-<Control xmlns="http://schemas.microsoft.com/VisualStudio/2011/storyboarding/control">
-  <Id Name="System.Storyboarding.Common.TextInput" Revision="1" Stencil="System.Storyboarding.Common" StencilVersion="0.1"/>
-</Control>
-</file>
-
-<file path=customXml/item79.xml><?xml version="1.0" encoding="utf-8"?>
-<Control xmlns="http://schemas.microsoft.com/VisualStudio/2011/storyboarding/control">
-  <Id Name="System.Storyboarding.Icons.Copy" Revision="1" Stencil="System.Storyboarding.Icons" StencilVersion="0.1"/>
-</Control>
-</file>
-
-<file path=customXml/item8.xml><?xml version="1.0" encoding="utf-8"?>
-<Control xmlns="http://schemas.microsoft.com/VisualStudio/2011/storyboarding/control">
-  <Id Name="System.Storyboarding.Common.TextInput" Revision="1" Stencil="System.Storyboarding.Common" StencilVersion="0.1"/>
-</Control>
-</file>
-
-<file path=customXml/item80.xml><?xml version="1.0" encoding="utf-8"?>
-<Control xmlns="http://schemas.microsoft.com/VisualStudio/2011/storyboarding/control">
-  <Id Name="System.Storyboarding.Common.RadioButtonSelected" Revision="1" Stencil="System.Storyboarding.Common" StencilVersion="0.1"/>
-</Control>
-</file>
-
-<file path=customXml/item81.xml><?xml version="1.0" encoding="utf-8"?>
-<Control xmlns="http://schemas.microsoft.com/VisualStudio/2011/storyboarding/control">
-  <Id Name="System.Storyboarding.WindowsApps.WindowsAppsButton" Revision="1" Stencil="System.Storyboarding.WindowsApps" StencilVersion="0.1"/>
-</Control>
-</file>
-
-<file path=customXml/item82.xml><?xml version="1.0" encoding="utf-8"?>
-<Control xmlns="http://schemas.microsoft.com/VisualStudio/2011/storyboarding/control">
-  <Id Name="System.Storyboarding.Common.CheckBoxUnchecked" Revision="1" Stencil="System.Storyboarding.Common" StencilVersion="0.1"/>
-</Control>
-</file>
-
-<file path=customXml/item83.xml><?xml version="1.0" encoding="utf-8"?>
-<Control xmlns="http://schemas.microsoft.com/VisualStudio/2011/storyboarding/control">
-  <Id Name="System.Storyboarding.Common.Button" Revision="1" Stencil="System.Storyboarding.Common" StencilVersion="0.1"/>
-</Control>
-</file>
-
-<file path=customXml/item84.xml><?xml version="1.0" encoding="utf-8"?>
-<Control xmlns="http://schemas.microsoft.com/VisualStudio/2011/storyboarding/control">
-  <Id Name="System.Storyboarding.Common.TextInput" Revision="1" Stencil="System.Storyboarding.Common" StencilVersion="0.1"/>
-</Control>
-</file>
-
-<file path=customXml/item85.xml><?xml version="1.0" encoding="utf-8"?>
-<Control xmlns="http://schemas.microsoft.com/VisualStudio/2011/storyboarding/control">
-  <Id Name="System.Storyboarding.Common.ScrollbarVertical" Revision="1" Stencil="System.Storyboarding.Common" StencilVersion="0.1"/>
-</Control>
-</file>
-
-<file path=customXml/item86.xml><?xml version="1.0" encoding="utf-8"?>
-<Control xmlns="http://schemas.microsoft.com/VisualStudio/2011/storyboarding/control">
-  <Id Name="System.Storyboarding.Backgrounds.WebBrowser" Revision="1" Stencil="System.Storyboarding.Backgrounds" StencilVersion="0.1"/>
-</Control>
-</file>
-
-<file path=customXml/item87.xml><?xml version="1.0" encoding="utf-8"?>
-<Control xmlns="http://schemas.microsoft.com/VisualStudio/2011/storyboarding/control">
-  <Id Name="System.Storyboarding.Common.ScrollbarVertical" Revision="1" Stencil="System.Storyboarding.Common" StencilVersion="0.1"/>
-</Control>
-</file>
-
-<file path=customXml/item88.xml><?xml version="1.0" encoding="utf-8"?>
-<Control xmlns="http://schemas.microsoft.com/VisualStudio/2011/storyboarding/control">
-  <Id Name="System.Storyboarding.Backgrounds.DesktopTaskbar" Revision="1" Stencil="System.Storyboarding.Backgrounds" StencilVersion="0.1"/>
-</Control>
-</file>
-
-<file path=customXml/item89.xml><?xml version="1.0" encoding="utf-8"?>
-<Control xmlns="http://schemas.microsoft.com/VisualStudio/2011/storyboarding/control">
-  <Id Name="System.Storyboarding.WindowsApps.WindowsAppsTileMedium" Revision="1" Stencil="System.Storyboarding.WindowsApps" StencilVersion="0.1"/>
 </Control>
 </file>
 
@@ -10360,59 +10731,643 @@
 
 <file path=customXml/item91.xml><?xml version="1.0" encoding="utf-8"?>
 <Control xmlns="http://schemas.microsoft.com/VisualStudio/2011/storyboarding/control">
-  <Id Name="System.Storyboarding.WindowsApps.WindowsAppsMediumWideTile" Revision="1" Stencil="System.Storyboarding.WindowsApps" StencilVersion="0.1"/>
+  <Id Name="System.Storyboarding.Common.TextInput" Revision="1" Stencil="System.Storyboarding.Common" StencilVersion="0.1"/>
 </Control>
 </file>
 
 <file path=customXml/item92.xml><?xml version="1.0" encoding="utf-8"?>
+<Control xmlns="http://schemas.microsoft.com/VisualStudio/2011/storyboarding/control">
+  <Id Name="System.Storyboarding.Common.TextInput" Revision="1" Stencil="System.Storyboarding.Common" StencilVersion="0.1"/>
+</Control>
+</file>
+
+<file path=customXml/item93.xml><?xml version="1.0" encoding="utf-8"?>
+<Control xmlns="http://schemas.microsoft.com/VisualStudio/2011/storyboarding/control">
+  <Id Name="System.Storyboarding.WindowsAppIcons.Like" Revision="1" Stencil="System.Storyboarding.WindowsAppIcons" StencilVersion="0.1"/>
+</Control>
+</file>
+
+<file path=customXml/item94.xml><?xml version="1.0" encoding="utf-8"?>
+<Control xmlns="http://schemas.microsoft.com/VisualStudio/2011/storyboarding/control">
+  <Id Name="System.Storyboarding.Common.RadioButtonSelected" Revision="1" Stencil="System.Storyboarding.Common" StencilVersion="0.1"/>
+</Control>
+</file>
+
+<file path=customXml/item95.xml><?xml version="1.0" encoding="utf-8"?>
+<Control xmlns="http://schemas.microsoft.com/VisualStudio/2011/storyboarding/control">
+  <Id Name="System.Storyboarding.Media.Image" Revision="1" Stencil="System.Storyboarding.Media" StencilVersion="0.1"/>
+</Control>
+</file>
+
+<file path=customXml/item96.xml><?xml version="1.0" encoding="utf-8"?>
+<Control xmlns="http://schemas.microsoft.com/VisualStudio/2011/storyboarding/control">
+  <Id Name="System.Storyboarding.Common.Text" Revision="1" Stencil="System.Storyboarding.Common" StencilVersion="0.1"/>
+</Control>
+</file>
+
+<file path=customXml/item97.xml><?xml version="1.0" encoding="utf-8"?>
+<Control xmlns="http://schemas.microsoft.com/VisualStudio/2011/storyboarding/control">
+  <Id Name="System.Storyboarding.WindowsApps.WindowsAppsTileMedium" Revision="1" Stencil="System.Storyboarding.WindowsApps" StencilVersion="0.1"/>
+</Control>
+</file>
+
+<file path=customXml/item98.xml><?xml version="1.0" encoding="utf-8"?>
+<Control xmlns="http://schemas.microsoft.com/VisualStudio/2011/storyboarding/control">
+  <Id Name="32035d07-bc66-4a79-8001-2507012193e3" RevisionId="7f6cc906-8fab-4878-8f41-90bcdc4e860e" Stencil="172d6d98-e5c9-42e9-a209-79f7a94bbd38" StencilRevisionId="00000000-0000-0000-0000-000000000000" StencilVersion="0.0"/>
+</Control>
+</file>
+
+<file path=customXml/item99.xml><?xml version="1.0" encoding="utf-8"?>
 <Control xmlns="http://schemas.microsoft.com/VisualStudio/2011/storyboarding/control">
   <Id Name="System.Storyboarding.WindowsApps.WindowsAppsTileWideSmall" Revision="1" Stencil="System.Storyboarding.WindowsApps" StencilVersion="0.1"/>
 </Control>
 </file>
 
-<file path=customXml/item93.xml><?xml version="1.0" encoding="utf-8"?>
-<Control xmlns="http://schemas.microsoft.com/VisualStudio/2011/storyboarding/control">
-  <Id Name="System.Storyboarding.WindowsApps.WindowsAppsTileWideSmall" Revision="1" Stencil="System.Storyboarding.WindowsApps" StencilVersion="0.1"/>
-</Control>
-</file>
-
-<file path=customXml/item94.xml><?xml version="1.0" encoding="utf-8"?>
-<Control xmlns="http://schemas.microsoft.com/VisualStudio/2011/storyboarding/control">
-  <Id Name="System.Storyboarding.WindowsApps.WindowsAppsTileWideSmall" Revision="1" Stencil="System.Storyboarding.WindowsApps" StencilVersion="0.1"/>
-</Control>
-</file>
-
-<file path=customXml/item95.xml><?xml version="1.0" encoding="utf-8"?>
-<Control xmlns="http://schemas.microsoft.com/VisualStudio/2011/storyboarding/control">
-  <Id Name="System.Storyboarding.WindowsApps.WindowsAppsTileWideSmall" Revision="1" Stencil="System.Storyboarding.WindowsApps" StencilVersion="0.1"/>
-</Control>
-</file>
-
-<file path=customXml/item96.xml><?xml version="1.0" encoding="utf-8"?>
-<Control xmlns="http://schemas.microsoft.com/VisualStudio/2011/storyboarding/control">
-  <Id Name="System.Storyboarding.WindowsApps.WindowsAppsTileWideSmall" Revision="1" Stencil="System.Storyboarding.WindowsApps" StencilVersion="0.1"/>
-</Control>
-</file>
-
-<file path=customXml/item97.xml><?xml version="1.0" encoding="utf-8"?>
-<Control xmlns="http://schemas.microsoft.com/VisualStudio/2011/storyboarding/control">
-  <Id Name="System.Storyboarding.Media.Image" Revision="1" Stencil="System.Storyboarding.Media" StencilVersion="0.1"/>
-</Control>
-</file>
-
-<file path=customXml/item98.xml><?xml version="1.0" encoding="utf-8"?>
-<Control xmlns="http://schemas.microsoft.com/VisualStudio/2011/storyboarding/control">
-  <Id Name="System.Storyboarding.Media.Image" Revision="1" Stencil="System.Storyboarding.Media" StencilVersion="0.1"/>
-</Control>
-</file>
-
-<file path=customXml/item99.xml><?xml version="1.0" encoding="utf-8"?>
-<Control xmlns="http://schemas.microsoft.com/VisualStudio/2011/storyboarding/control">
-  <Id Name="System.Storyboarding.Media.VerticalBarChart" Revision="1" Stencil="System.Storyboarding.Media" StencilVersion="0.1"/>
-</Control>
-</file>
-
 <file path=customXml/itemProps1.xml><?xml version="1.0" encoding="utf-8"?>
+<ds:datastoreItem xmlns:ds="http://schemas.openxmlformats.org/officeDocument/2006/customXml" ds:itemID="{C5822030-9D10-4417-BB70-A547D778BA9D}">
+  <ds:schemaRefs>
+    <ds:schemaRef ds:uri="http://schemas.microsoft.com/VisualStudio/2011/storyboarding/control"/>
+  </ds:schemaRefs>
+</ds:datastoreItem>
+</file>
+
+<file path=customXml/itemProps10.xml><?xml version="1.0" encoding="utf-8"?>
+<ds:datastoreItem xmlns:ds="http://schemas.openxmlformats.org/officeDocument/2006/customXml" ds:itemID="{8A555954-45BE-4EEE-9F3C-9C997F6D1BA3}">
+  <ds:schemaRefs>
+    <ds:schemaRef ds:uri="http://schemas.microsoft.com/VisualStudio/2011/storyboarding/control"/>
+  </ds:schemaRefs>
+</ds:datastoreItem>
+</file>
+
+<file path=customXml/itemProps100.xml><?xml version="1.0" encoding="utf-8"?>
+<ds:datastoreItem xmlns:ds="http://schemas.openxmlformats.org/officeDocument/2006/customXml" ds:itemID="{554CEDA9-374E-4C76-B97B-7202606AC0BE}">
+  <ds:schemaRefs>
+    <ds:schemaRef ds:uri="http://schemas.microsoft.com/VisualStudio/2011/storyboarding/control"/>
+  </ds:schemaRefs>
+</ds:datastoreItem>
+</file>
+
+<file path=customXml/itemProps101.xml><?xml version="1.0" encoding="utf-8"?>
+<ds:datastoreItem xmlns:ds="http://schemas.openxmlformats.org/officeDocument/2006/customXml" ds:itemID="{CF586D09-EEB6-4A49-AAE1-88E826EEDC73}">
+  <ds:schemaRefs>
+    <ds:schemaRef ds:uri="http://schemas.microsoft.com/VisualStudio/2011/storyboarding/control"/>
+  </ds:schemaRefs>
+</ds:datastoreItem>
+</file>
+
+<file path=customXml/itemProps102.xml><?xml version="1.0" encoding="utf-8"?>
+<ds:datastoreItem xmlns:ds="http://schemas.openxmlformats.org/officeDocument/2006/customXml" ds:itemID="{D2AAAC7E-0A85-448C-BEAF-FB2E1B4987CA}">
+  <ds:schemaRefs>
+    <ds:schemaRef ds:uri="http://schemas.microsoft.com/VisualStudio/2011/storyboarding/control"/>
+  </ds:schemaRefs>
+</ds:datastoreItem>
+</file>
+
+<file path=customXml/itemProps103.xml><?xml version="1.0" encoding="utf-8"?>
+<ds:datastoreItem xmlns:ds="http://schemas.openxmlformats.org/officeDocument/2006/customXml" ds:itemID="{CD29ED7C-7003-4640-8A56-61BBEE20B1F0}">
+  <ds:schemaRefs>
+    <ds:schemaRef ds:uri="http://schemas.microsoft.com/VisualStudio/2011/storyboarding/control"/>
+  </ds:schemaRefs>
+</ds:datastoreItem>
+</file>
+
+<file path=customXml/itemProps104.xml><?xml version="1.0" encoding="utf-8"?>
+<ds:datastoreItem xmlns:ds="http://schemas.openxmlformats.org/officeDocument/2006/customXml" ds:itemID="{69C5573C-4D11-4ED5-8CA8-88391EEEF019}">
+  <ds:schemaRefs>
+    <ds:schemaRef ds:uri="http://schemas.microsoft.com/VisualStudio/2011/storyboarding/control"/>
+  </ds:schemaRefs>
+</ds:datastoreItem>
+</file>
+
+<file path=customXml/itemProps105.xml><?xml version="1.0" encoding="utf-8"?>
+<ds:datastoreItem xmlns:ds="http://schemas.openxmlformats.org/officeDocument/2006/customXml" ds:itemID="{B02AE70D-AB27-4B64-9EAF-0217792EF7E1}">
+  <ds:schemaRefs>
+    <ds:schemaRef ds:uri="http://schemas.microsoft.com/VisualStudio/2011/storyboarding/control"/>
+  </ds:schemaRefs>
+</ds:datastoreItem>
+</file>
+
+<file path=customXml/itemProps106.xml><?xml version="1.0" encoding="utf-8"?>
+<ds:datastoreItem xmlns:ds="http://schemas.openxmlformats.org/officeDocument/2006/customXml" ds:itemID="{7D3F1746-26F3-4D5F-8DB1-4CE59AC409F7}">
+  <ds:schemaRefs>
+    <ds:schemaRef ds:uri="http://schemas.microsoft.com/VisualStudio/2011/storyboarding/control"/>
+  </ds:schemaRefs>
+</ds:datastoreItem>
+</file>
+
+<file path=customXml/itemProps107.xml><?xml version="1.0" encoding="utf-8"?>
+<ds:datastoreItem xmlns:ds="http://schemas.openxmlformats.org/officeDocument/2006/customXml" ds:itemID="{89F8D00C-2482-4F3D-ACA1-B806B7E2C2EC}">
+  <ds:schemaRefs>
+    <ds:schemaRef ds:uri="http://schemas.microsoft.com/VisualStudio/2011/storyboarding/control"/>
+  </ds:schemaRefs>
+</ds:datastoreItem>
+</file>
+
+<file path=customXml/itemProps108.xml><?xml version="1.0" encoding="utf-8"?>
+<ds:datastoreItem xmlns:ds="http://schemas.openxmlformats.org/officeDocument/2006/customXml" ds:itemID="{394EADEA-3838-4D66-B77E-E5E9BD6A7AEA}">
+  <ds:schemaRefs>
+    <ds:schemaRef ds:uri="http://schemas.microsoft.com/VisualStudio/2011/storyboarding/control"/>
+  </ds:schemaRefs>
+</ds:datastoreItem>
+</file>
+
+<file path=customXml/itemProps109.xml><?xml version="1.0" encoding="utf-8"?>
+<ds:datastoreItem xmlns:ds="http://schemas.openxmlformats.org/officeDocument/2006/customXml" ds:itemID="{E029995E-6C1C-464C-B18A-588A9A373F13}">
+  <ds:schemaRefs>
+    <ds:schemaRef ds:uri="http://schemas.microsoft.com/VisualStudio/2011/storyboarding/control"/>
+  </ds:schemaRefs>
+</ds:datastoreItem>
+</file>
+
+<file path=customXml/itemProps11.xml><?xml version="1.0" encoding="utf-8"?>
+<ds:datastoreItem xmlns:ds="http://schemas.openxmlformats.org/officeDocument/2006/customXml" ds:itemID="{6D74F327-6332-4AC5-8084-6EBC78FC0812}">
+  <ds:schemaRefs>
+    <ds:schemaRef ds:uri="http://schemas.microsoft.com/VisualStudio/2011/storyboarding/control"/>
+  </ds:schemaRefs>
+</ds:datastoreItem>
+</file>
+
+<file path=customXml/itemProps110.xml><?xml version="1.0" encoding="utf-8"?>
+<ds:datastoreItem xmlns:ds="http://schemas.openxmlformats.org/officeDocument/2006/customXml" ds:itemID="{34D70070-9632-4246-B25D-E396768C8F03}">
+  <ds:schemaRefs>
+    <ds:schemaRef ds:uri="http://schemas.microsoft.com/VisualStudio/2011/storyboarding/control"/>
+  </ds:schemaRefs>
+</ds:datastoreItem>
+</file>
+
+<file path=customXml/itemProps111.xml><?xml version="1.0" encoding="utf-8"?>
+<ds:datastoreItem xmlns:ds="http://schemas.openxmlformats.org/officeDocument/2006/customXml" ds:itemID="{2C7E7D13-6875-4C07-A00F-CBDE5826D5D8}">
+  <ds:schemaRefs>
+    <ds:schemaRef ds:uri="http://schemas.microsoft.com/VisualStudio/2011/storyboarding/control"/>
+  </ds:schemaRefs>
+</ds:datastoreItem>
+</file>
+
+<file path=customXml/itemProps112.xml><?xml version="1.0" encoding="utf-8"?>
+<ds:datastoreItem xmlns:ds="http://schemas.openxmlformats.org/officeDocument/2006/customXml" ds:itemID="{6F4A2862-C914-4127-9AA3-4EC971E05888}">
+  <ds:schemaRefs>
+    <ds:schemaRef ds:uri="http://schemas.microsoft.com/VisualStudio/2011/storyboarding/control"/>
+  </ds:schemaRefs>
+</ds:datastoreItem>
+</file>
+
+<file path=customXml/itemProps113.xml><?xml version="1.0" encoding="utf-8"?>
+<ds:datastoreItem xmlns:ds="http://schemas.openxmlformats.org/officeDocument/2006/customXml" ds:itemID="{CC0F0423-B11D-48BC-93CE-439535EE4340}">
+  <ds:schemaRefs>
+    <ds:schemaRef ds:uri="http://schemas.microsoft.com/VisualStudio/2011/storyboarding/control"/>
+  </ds:schemaRefs>
+</ds:datastoreItem>
+</file>
+
+<file path=customXml/itemProps12.xml><?xml version="1.0" encoding="utf-8"?>
+<ds:datastoreItem xmlns:ds="http://schemas.openxmlformats.org/officeDocument/2006/customXml" ds:itemID="{10F0BDDE-4AA3-40EF-B2BC-ACF0382ED861}">
+  <ds:schemaRefs>
+    <ds:schemaRef ds:uri="http://schemas.microsoft.com/VisualStudio/2011/storyboarding/control"/>
+  </ds:schemaRefs>
+</ds:datastoreItem>
+</file>
+
+<file path=customXml/itemProps13.xml><?xml version="1.0" encoding="utf-8"?>
+<ds:datastoreItem xmlns:ds="http://schemas.openxmlformats.org/officeDocument/2006/customXml" ds:itemID="{ADE0E0E1-3FB4-4764-85B1-A2581C94CFE9}">
+  <ds:schemaRefs>
+    <ds:schemaRef ds:uri="http://schemas.microsoft.com/VisualStudio/2011/storyboarding/control"/>
+  </ds:schemaRefs>
+</ds:datastoreItem>
+</file>
+
+<file path=customXml/itemProps14.xml><?xml version="1.0" encoding="utf-8"?>
+<ds:datastoreItem xmlns:ds="http://schemas.openxmlformats.org/officeDocument/2006/customXml" ds:itemID="{4ECEEF82-0B3C-4906-961B-AFB29BD1E6E3}">
+  <ds:schemaRefs>
+    <ds:schemaRef ds:uri="http://schemas.microsoft.com/VisualStudio/2011/storyboarding/control"/>
+  </ds:schemaRefs>
+</ds:datastoreItem>
+</file>
+
+<file path=customXml/itemProps15.xml><?xml version="1.0" encoding="utf-8"?>
+<ds:datastoreItem xmlns:ds="http://schemas.openxmlformats.org/officeDocument/2006/customXml" ds:itemID="{BB9D8331-A5A0-4DC8-BED7-F17D94CE02E8}">
+  <ds:schemaRefs>
+    <ds:schemaRef ds:uri="http://schemas.microsoft.com/VisualStudio/2011/storyboarding/control"/>
+  </ds:schemaRefs>
+</ds:datastoreItem>
+</file>
+
+<file path=customXml/itemProps16.xml><?xml version="1.0" encoding="utf-8"?>
+<ds:datastoreItem xmlns:ds="http://schemas.openxmlformats.org/officeDocument/2006/customXml" ds:itemID="{40E6753A-8176-4C3D-A7AD-922499F48E12}">
+  <ds:schemaRefs>
+    <ds:schemaRef ds:uri="http://schemas.microsoft.com/VisualStudio/2011/storyboarding/control"/>
+  </ds:schemaRefs>
+</ds:datastoreItem>
+</file>
+
+<file path=customXml/itemProps17.xml><?xml version="1.0" encoding="utf-8"?>
+<ds:datastoreItem xmlns:ds="http://schemas.openxmlformats.org/officeDocument/2006/customXml" ds:itemID="{7F5E28FD-26FF-4A48-BAD7-50B55AB6208D}">
+  <ds:schemaRefs>
+    <ds:schemaRef ds:uri="http://schemas.microsoft.com/VisualStudio/2011/storyboarding/control"/>
+  </ds:schemaRefs>
+</ds:datastoreItem>
+</file>
+
+<file path=customXml/itemProps18.xml><?xml version="1.0" encoding="utf-8"?>
+<ds:datastoreItem xmlns:ds="http://schemas.openxmlformats.org/officeDocument/2006/customXml" ds:itemID="{D8653A86-F184-47A6-A8EA-282F582C20DD}">
+  <ds:schemaRefs>
+    <ds:schemaRef ds:uri="http://schemas.microsoft.com/VisualStudio/2011/storyboarding/control"/>
+  </ds:schemaRefs>
+</ds:datastoreItem>
+</file>
+
+<file path=customXml/itemProps19.xml><?xml version="1.0" encoding="utf-8"?>
+<ds:datastoreItem xmlns:ds="http://schemas.openxmlformats.org/officeDocument/2006/customXml" ds:itemID="{1EAEFE78-3E46-45E5-85DF-8CF35EFEFFEE}">
+  <ds:schemaRefs>
+    <ds:schemaRef ds:uri="http://schemas.microsoft.com/VisualStudio/2011/storyboarding/control"/>
+  </ds:schemaRefs>
+</ds:datastoreItem>
+</file>
+
+<file path=customXml/itemProps2.xml><?xml version="1.0" encoding="utf-8"?>
+<ds:datastoreItem xmlns:ds="http://schemas.openxmlformats.org/officeDocument/2006/customXml" ds:itemID="{F2AC79B3-EA47-4A60-8F32-62C9B6A4B730}">
+  <ds:schemaRefs>
+    <ds:schemaRef ds:uri="http://schemas.microsoft.com/VisualStudio/2011/storyboarding/control"/>
+  </ds:schemaRefs>
+</ds:datastoreItem>
+</file>
+
+<file path=customXml/itemProps20.xml><?xml version="1.0" encoding="utf-8"?>
+<ds:datastoreItem xmlns:ds="http://schemas.openxmlformats.org/officeDocument/2006/customXml" ds:itemID="{F09024E1-1C18-4E75-B068-E418EE7D2650}">
+  <ds:schemaRefs>
+    <ds:schemaRef ds:uri="http://schemas.microsoft.com/VisualStudio/2011/storyboarding/control"/>
+  </ds:schemaRefs>
+</ds:datastoreItem>
+</file>
+
+<file path=customXml/itemProps21.xml><?xml version="1.0" encoding="utf-8"?>
+<ds:datastoreItem xmlns:ds="http://schemas.openxmlformats.org/officeDocument/2006/customXml" ds:itemID="{51D515F3-5B60-4F94-84C8-4468FC08CD50}">
+  <ds:schemaRefs>
+    <ds:schemaRef ds:uri="http://schemas.microsoft.com/VisualStudio/2011/storyboarding/control"/>
+  </ds:schemaRefs>
+</ds:datastoreItem>
+</file>
+
+<file path=customXml/itemProps22.xml><?xml version="1.0" encoding="utf-8"?>
+<ds:datastoreItem xmlns:ds="http://schemas.openxmlformats.org/officeDocument/2006/customXml" ds:itemID="{033417FC-F4DF-440B-9750-AC9CEE9D4DD6}">
+  <ds:schemaRefs>
+    <ds:schemaRef ds:uri="http://schemas.microsoft.com/VisualStudio/2011/storyboarding/control"/>
+  </ds:schemaRefs>
+</ds:datastoreItem>
+</file>
+
+<file path=customXml/itemProps23.xml><?xml version="1.0" encoding="utf-8"?>
+<ds:datastoreItem xmlns:ds="http://schemas.openxmlformats.org/officeDocument/2006/customXml" ds:itemID="{B33906A2-2468-4E50-8B7B-646E03FFEF2D}">
+  <ds:schemaRefs>
+    <ds:schemaRef ds:uri="http://schemas.microsoft.com/VisualStudio/2011/storyboarding/control"/>
+  </ds:schemaRefs>
+</ds:datastoreItem>
+</file>
+
+<file path=customXml/itemProps24.xml><?xml version="1.0" encoding="utf-8"?>
+<ds:datastoreItem xmlns:ds="http://schemas.openxmlformats.org/officeDocument/2006/customXml" ds:itemID="{90E6BF7D-584A-485E-85F5-083945235CD7}">
+  <ds:schemaRefs>
+    <ds:schemaRef ds:uri="http://schemas.microsoft.com/VisualStudio/2011/storyboarding/control"/>
+  </ds:schemaRefs>
+</ds:datastoreItem>
+</file>
+
+<file path=customXml/itemProps25.xml><?xml version="1.0" encoding="utf-8"?>
+<ds:datastoreItem xmlns:ds="http://schemas.openxmlformats.org/officeDocument/2006/customXml" ds:itemID="{A4C33EEA-7075-4651-97E3-4829E38E21EA}">
+  <ds:schemaRefs>
+    <ds:schemaRef ds:uri="http://schemas.microsoft.com/VisualStudio/2011/storyboarding/control"/>
+  </ds:schemaRefs>
+</ds:datastoreItem>
+</file>
+
+<file path=customXml/itemProps26.xml><?xml version="1.0" encoding="utf-8"?>
+<ds:datastoreItem xmlns:ds="http://schemas.openxmlformats.org/officeDocument/2006/customXml" ds:itemID="{FCFEC772-99A0-4E2F-BE46-6982F97F1BE9}">
+  <ds:schemaRefs>
+    <ds:schemaRef ds:uri="http://schemas.microsoft.com/VisualStudio/2011/storyboarding/control"/>
+  </ds:schemaRefs>
+</ds:datastoreItem>
+</file>
+
+<file path=customXml/itemProps27.xml><?xml version="1.0" encoding="utf-8"?>
+<ds:datastoreItem xmlns:ds="http://schemas.openxmlformats.org/officeDocument/2006/customXml" ds:itemID="{06C11E88-1615-4B77-96AD-4B8BA4A066E8}">
+  <ds:schemaRefs>
+    <ds:schemaRef ds:uri="http://schemas.microsoft.com/VisualStudio/2011/storyboarding/control"/>
+  </ds:schemaRefs>
+</ds:datastoreItem>
+</file>
+
+<file path=customXml/itemProps28.xml><?xml version="1.0" encoding="utf-8"?>
+<ds:datastoreItem xmlns:ds="http://schemas.openxmlformats.org/officeDocument/2006/customXml" ds:itemID="{C4F6D4BE-A130-482B-BA98-1CB53DA976CA}">
+  <ds:schemaRefs>
+    <ds:schemaRef ds:uri="http://schemas.microsoft.com/VisualStudio/2011/storyboarding/control"/>
+  </ds:schemaRefs>
+</ds:datastoreItem>
+</file>
+
+<file path=customXml/itemProps29.xml><?xml version="1.0" encoding="utf-8"?>
+<ds:datastoreItem xmlns:ds="http://schemas.openxmlformats.org/officeDocument/2006/customXml" ds:itemID="{6909E70A-4203-43FA-8666-1DA9A83FC55A}">
+  <ds:schemaRefs>
+    <ds:schemaRef ds:uri="http://schemas.microsoft.com/VisualStudio/2011/storyboarding/control"/>
+  </ds:schemaRefs>
+</ds:datastoreItem>
+</file>
+
+<file path=customXml/itemProps3.xml><?xml version="1.0" encoding="utf-8"?>
+<ds:datastoreItem xmlns:ds="http://schemas.openxmlformats.org/officeDocument/2006/customXml" ds:itemID="{1CCD967A-A231-4443-B5CB-163865029EA0}">
+  <ds:schemaRefs>
+    <ds:schemaRef ds:uri="http://schemas.microsoft.com/VisualStudio/2011/storyboarding/control"/>
+  </ds:schemaRefs>
+</ds:datastoreItem>
+</file>
+
+<file path=customXml/itemProps30.xml><?xml version="1.0" encoding="utf-8"?>
+<ds:datastoreItem xmlns:ds="http://schemas.openxmlformats.org/officeDocument/2006/customXml" ds:itemID="{AAE9B66C-C51E-45FF-A0AF-F87D4E76C603}">
+  <ds:schemaRefs>
+    <ds:schemaRef ds:uri="http://schemas.microsoft.com/VisualStudio/2011/storyboarding/control"/>
+  </ds:schemaRefs>
+</ds:datastoreItem>
+</file>
+
+<file path=customXml/itemProps31.xml><?xml version="1.0" encoding="utf-8"?>
+<ds:datastoreItem xmlns:ds="http://schemas.openxmlformats.org/officeDocument/2006/customXml" ds:itemID="{F753D4C8-6DCC-4D78-9E76-A20A021CFCD8}">
+  <ds:schemaRefs>
+    <ds:schemaRef ds:uri="http://schemas.microsoft.com/VisualStudio/2011/storyboarding/control"/>
+  </ds:schemaRefs>
+</ds:datastoreItem>
+</file>
+
+<file path=customXml/itemProps32.xml><?xml version="1.0" encoding="utf-8"?>
+<ds:datastoreItem xmlns:ds="http://schemas.openxmlformats.org/officeDocument/2006/customXml" ds:itemID="{9431BAA6-A458-4A16-B548-267B412E871D}">
+  <ds:schemaRefs>
+    <ds:schemaRef ds:uri="http://schemas.microsoft.com/VisualStudio/2011/storyboarding/control"/>
+  </ds:schemaRefs>
+</ds:datastoreItem>
+</file>
+
+<file path=customXml/itemProps33.xml><?xml version="1.0" encoding="utf-8"?>
+<ds:datastoreItem xmlns:ds="http://schemas.openxmlformats.org/officeDocument/2006/customXml" ds:itemID="{F5B85250-01CA-403A-BFFD-EDEFCA9E38FF}">
+  <ds:schemaRefs>
+    <ds:schemaRef ds:uri="http://schemas.microsoft.com/VisualStudio/2011/storyboarding/control"/>
+  </ds:schemaRefs>
+</ds:datastoreItem>
+</file>
+
+<file path=customXml/itemProps34.xml><?xml version="1.0" encoding="utf-8"?>
+<ds:datastoreItem xmlns:ds="http://schemas.openxmlformats.org/officeDocument/2006/customXml" ds:itemID="{623F5871-F525-4D45-8757-C0B70863AD81}">
+  <ds:schemaRefs>
+    <ds:schemaRef ds:uri="http://schemas.microsoft.com/VisualStudio/2011/storyboarding/control"/>
+  </ds:schemaRefs>
+</ds:datastoreItem>
+</file>
+
+<file path=customXml/itemProps35.xml><?xml version="1.0" encoding="utf-8"?>
+<ds:datastoreItem xmlns:ds="http://schemas.openxmlformats.org/officeDocument/2006/customXml" ds:itemID="{AABACF0D-5384-4675-802C-4FFC55B3B83D}">
+  <ds:schemaRefs>
+    <ds:schemaRef ds:uri="http://schemas.microsoft.com/VisualStudio/2011/storyboarding/control"/>
+  </ds:schemaRefs>
+</ds:datastoreItem>
+</file>
+
+<file path=customXml/itemProps36.xml><?xml version="1.0" encoding="utf-8"?>
+<ds:datastoreItem xmlns:ds="http://schemas.openxmlformats.org/officeDocument/2006/customXml" ds:itemID="{59AEDDE6-08CE-4516-9790-E1D7499AD12F}">
+  <ds:schemaRefs>
+    <ds:schemaRef ds:uri="http://schemas.microsoft.com/VisualStudio/2011/storyboarding/control"/>
+  </ds:schemaRefs>
+</ds:datastoreItem>
+</file>
+
+<file path=customXml/itemProps37.xml><?xml version="1.0" encoding="utf-8"?>
+<ds:datastoreItem xmlns:ds="http://schemas.openxmlformats.org/officeDocument/2006/customXml" ds:itemID="{48FCAF00-A9CA-4F0B-94B6-B06BD75E9807}">
+  <ds:schemaRefs>
+    <ds:schemaRef ds:uri="http://schemas.microsoft.com/VisualStudio/2011/storyboarding/control"/>
+  </ds:schemaRefs>
+</ds:datastoreItem>
+</file>
+
+<file path=customXml/itemProps38.xml><?xml version="1.0" encoding="utf-8"?>
+<ds:datastoreItem xmlns:ds="http://schemas.openxmlformats.org/officeDocument/2006/customXml" ds:itemID="{DDBF085A-1095-41CF-A0E2-F8212DFD4835}">
+  <ds:schemaRefs>
+    <ds:schemaRef ds:uri="http://schemas.microsoft.com/VisualStudio/2011/storyboarding/control"/>
+  </ds:schemaRefs>
+</ds:datastoreItem>
+</file>
+
+<file path=customXml/itemProps39.xml><?xml version="1.0" encoding="utf-8"?>
+<ds:datastoreItem xmlns:ds="http://schemas.openxmlformats.org/officeDocument/2006/customXml" ds:itemID="{D08605C4-AECB-4FFF-9D2C-98990B0DFFDA}">
+  <ds:schemaRefs>
+    <ds:schemaRef ds:uri="http://schemas.microsoft.com/VisualStudio/2011/storyboarding/control"/>
+  </ds:schemaRefs>
+</ds:datastoreItem>
+</file>
+
+<file path=customXml/itemProps4.xml><?xml version="1.0" encoding="utf-8"?>
+<ds:datastoreItem xmlns:ds="http://schemas.openxmlformats.org/officeDocument/2006/customXml" ds:itemID="{A2F6F20D-5D93-4163-A5E6-5A9B6AB49B35}">
+  <ds:schemaRefs>
+    <ds:schemaRef ds:uri="http://schemas.microsoft.com/VisualStudio/2011/storyboarding/control"/>
+  </ds:schemaRefs>
+</ds:datastoreItem>
+</file>
+
+<file path=customXml/itemProps40.xml><?xml version="1.0" encoding="utf-8"?>
+<ds:datastoreItem xmlns:ds="http://schemas.openxmlformats.org/officeDocument/2006/customXml" ds:itemID="{1E27CC14-9852-42D8-9A73-828A1C767F65}">
+  <ds:schemaRefs>
+    <ds:schemaRef ds:uri="http://schemas.microsoft.com/VisualStudio/2011/storyboarding/control"/>
+  </ds:schemaRefs>
+</ds:datastoreItem>
+</file>
+
+<file path=customXml/itemProps41.xml><?xml version="1.0" encoding="utf-8"?>
+<ds:datastoreItem xmlns:ds="http://schemas.openxmlformats.org/officeDocument/2006/customXml" ds:itemID="{13D229BA-F403-4DB5-940D-9A722C14A295}">
+  <ds:schemaRefs>
+    <ds:schemaRef ds:uri="http://schemas.microsoft.com/VisualStudio/2011/storyboarding/control"/>
+  </ds:schemaRefs>
+</ds:datastoreItem>
+</file>
+
+<file path=customXml/itemProps42.xml><?xml version="1.0" encoding="utf-8"?>
+<ds:datastoreItem xmlns:ds="http://schemas.openxmlformats.org/officeDocument/2006/customXml" ds:itemID="{15112653-7036-4EB6-9E86-EDFCD1846E57}">
+  <ds:schemaRefs>
+    <ds:schemaRef ds:uri="http://schemas.microsoft.com/VisualStudio/2011/storyboarding/control"/>
+  </ds:schemaRefs>
+</ds:datastoreItem>
+</file>
+
+<file path=customXml/itemProps43.xml><?xml version="1.0" encoding="utf-8"?>
+<ds:datastoreItem xmlns:ds="http://schemas.openxmlformats.org/officeDocument/2006/customXml" ds:itemID="{55CA6769-99B0-4402-A536-C3C8E0221022}">
+  <ds:schemaRefs>
+    <ds:schemaRef ds:uri="http://schemas.microsoft.com/VisualStudio/2011/storyboarding/control"/>
+  </ds:schemaRefs>
+</ds:datastoreItem>
+</file>
+
+<file path=customXml/itemProps44.xml><?xml version="1.0" encoding="utf-8"?>
+<ds:datastoreItem xmlns:ds="http://schemas.openxmlformats.org/officeDocument/2006/customXml" ds:itemID="{17816237-E86F-4608-B2AD-3D2E66C1B03B}">
+  <ds:schemaRefs>
+    <ds:schemaRef ds:uri="http://schemas.microsoft.com/VisualStudio/2011/storyboarding/control"/>
+  </ds:schemaRefs>
+</ds:datastoreItem>
+</file>
+
+<file path=customXml/itemProps45.xml><?xml version="1.0" encoding="utf-8"?>
+<ds:datastoreItem xmlns:ds="http://schemas.openxmlformats.org/officeDocument/2006/customXml" ds:itemID="{AF01C7FC-A844-4EAB-9C49-C1EDCADB47C1}">
+  <ds:schemaRefs>
+    <ds:schemaRef ds:uri="http://schemas.microsoft.com/VisualStudio/2011/storyboarding/control"/>
+  </ds:schemaRefs>
+</ds:datastoreItem>
+</file>
+
+<file path=customXml/itemProps46.xml><?xml version="1.0" encoding="utf-8"?>
+<ds:datastoreItem xmlns:ds="http://schemas.openxmlformats.org/officeDocument/2006/customXml" ds:itemID="{113ECE65-0514-4E2D-A5D7-CB73FBD23154}">
+  <ds:schemaRefs>
+    <ds:schemaRef ds:uri="http://schemas.microsoft.com/VisualStudio/2011/storyboarding/control"/>
+  </ds:schemaRefs>
+</ds:datastoreItem>
+</file>
+
+<file path=customXml/itemProps47.xml><?xml version="1.0" encoding="utf-8"?>
+<ds:datastoreItem xmlns:ds="http://schemas.openxmlformats.org/officeDocument/2006/customXml" ds:itemID="{85F86E7D-DA49-4BE9-9097-1D50FB466B1E}">
+  <ds:schemaRefs>
+    <ds:schemaRef ds:uri="http://schemas.microsoft.com/VisualStudio/2011/storyboarding/control"/>
+  </ds:schemaRefs>
+</ds:datastoreItem>
+</file>
+
+<file path=customXml/itemProps48.xml><?xml version="1.0" encoding="utf-8"?>
+<ds:datastoreItem xmlns:ds="http://schemas.openxmlformats.org/officeDocument/2006/customXml" ds:itemID="{ACF586AD-3668-4E64-BB79-597B4E8D331A}">
+  <ds:schemaRefs>
+    <ds:schemaRef ds:uri="http://schemas.microsoft.com/VisualStudio/2011/storyboarding/control"/>
+  </ds:schemaRefs>
+</ds:datastoreItem>
+</file>
+
+<file path=customXml/itemProps49.xml><?xml version="1.0" encoding="utf-8"?>
+<ds:datastoreItem xmlns:ds="http://schemas.openxmlformats.org/officeDocument/2006/customXml" ds:itemID="{7C7A195E-DFA7-4A05-9371-894B93FD1828}">
+  <ds:schemaRefs>
+    <ds:schemaRef ds:uri="http://schemas.microsoft.com/VisualStudio/2011/storyboarding/control"/>
+  </ds:schemaRefs>
+</ds:datastoreItem>
+</file>
+
+<file path=customXml/itemProps5.xml><?xml version="1.0" encoding="utf-8"?>
+<ds:datastoreItem xmlns:ds="http://schemas.openxmlformats.org/officeDocument/2006/customXml" ds:itemID="{E44C9E77-1C35-4DBC-82DD-57E4D308EFBB}">
+  <ds:schemaRefs>
+    <ds:schemaRef ds:uri="http://schemas.microsoft.com/VisualStudio/2011/storyboarding/control"/>
+  </ds:schemaRefs>
+</ds:datastoreItem>
+</file>
+
+<file path=customXml/itemProps50.xml><?xml version="1.0" encoding="utf-8"?>
+<ds:datastoreItem xmlns:ds="http://schemas.openxmlformats.org/officeDocument/2006/customXml" ds:itemID="{67BB8CBF-A728-42E4-ACB8-9EB900796758}">
+  <ds:schemaRefs>
+    <ds:schemaRef ds:uri="http://schemas.microsoft.com/VisualStudio/2011/storyboarding/control"/>
+  </ds:schemaRefs>
+</ds:datastoreItem>
+</file>
+
+<file path=customXml/itemProps51.xml><?xml version="1.0" encoding="utf-8"?>
+<ds:datastoreItem xmlns:ds="http://schemas.openxmlformats.org/officeDocument/2006/customXml" ds:itemID="{AF40C17C-6E53-453B-B327-999FE0B7CF9E}">
+  <ds:schemaRefs>
+    <ds:schemaRef ds:uri="http://schemas.microsoft.com/VisualStudio/2011/storyboarding/control"/>
+  </ds:schemaRefs>
+</ds:datastoreItem>
+</file>
+
+<file path=customXml/itemProps52.xml><?xml version="1.0" encoding="utf-8"?>
+<ds:datastoreItem xmlns:ds="http://schemas.openxmlformats.org/officeDocument/2006/customXml" ds:itemID="{3E59668D-9D10-4C26-9CC7-C8295EEC02B7}">
+  <ds:schemaRefs>
+    <ds:schemaRef ds:uri="http://schemas.microsoft.com/VisualStudio/2011/storyboarding/control"/>
+  </ds:schemaRefs>
+</ds:datastoreItem>
+</file>
+
+<file path=customXml/itemProps53.xml><?xml version="1.0" encoding="utf-8"?>
+<ds:datastoreItem xmlns:ds="http://schemas.openxmlformats.org/officeDocument/2006/customXml" ds:itemID="{0205D5B8-50E2-42A6-ADDD-577B72710484}">
+  <ds:schemaRefs>
+    <ds:schemaRef ds:uri="http://schemas.microsoft.com/VisualStudio/2011/storyboarding/control"/>
+  </ds:schemaRefs>
+</ds:datastoreItem>
+</file>
+
+<file path=customXml/itemProps54.xml><?xml version="1.0" encoding="utf-8"?>
+<ds:datastoreItem xmlns:ds="http://schemas.openxmlformats.org/officeDocument/2006/customXml" ds:itemID="{2A5F2F26-968C-4D10-A23C-7F7AB3C144F1}">
+  <ds:schemaRefs>
+    <ds:schemaRef ds:uri="http://schemas.microsoft.com/VisualStudio/2011/storyboarding/control"/>
+  </ds:schemaRefs>
+</ds:datastoreItem>
+</file>
+
+<file path=customXml/itemProps55.xml><?xml version="1.0" encoding="utf-8"?>
+<ds:datastoreItem xmlns:ds="http://schemas.openxmlformats.org/officeDocument/2006/customXml" ds:itemID="{6DAC6C05-FAFB-4B89-BBD6-3A479BE450F0}">
+  <ds:schemaRefs>
+    <ds:schemaRef ds:uri="http://schemas.microsoft.com/VisualStudio/2011/storyboarding/control"/>
+  </ds:schemaRefs>
+</ds:datastoreItem>
+</file>
+
+<file path=customXml/itemProps56.xml><?xml version="1.0" encoding="utf-8"?>
+<ds:datastoreItem xmlns:ds="http://schemas.openxmlformats.org/officeDocument/2006/customXml" ds:itemID="{F12E4822-BEA4-4C90-A23E-8C7DFCF7CDD6}">
+  <ds:schemaRefs>
+    <ds:schemaRef ds:uri="http://schemas.microsoft.com/VisualStudio/2011/storyboarding/control"/>
+  </ds:schemaRefs>
+</ds:datastoreItem>
+</file>
+
+<file path=customXml/itemProps57.xml><?xml version="1.0" encoding="utf-8"?>
+<ds:datastoreItem xmlns:ds="http://schemas.openxmlformats.org/officeDocument/2006/customXml" ds:itemID="{C7B0D7AD-32DF-4953-89C9-C834F6010560}">
+  <ds:schemaRefs>
+    <ds:schemaRef ds:uri="http://schemas.microsoft.com/VisualStudio/2011/storyboarding/control"/>
+  </ds:schemaRefs>
+</ds:datastoreItem>
+</file>
+
+<file path=customXml/itemProps58.xml><?xml version="1.0" encoding="utf-8"?>
+<ds:datastoreItem xmlns:ds="http://schemas.openxmlformats.org/officeDocument/2006/customXml" ds:itemID="{D76A8C43-D0E6-4D76-A639-72E580E29047}">
+  <ds:schemaRefs>
+    <ds:schemaRef ds:uri="http://schemas.microsoft.com/VisualStudio/2011/storyboarding/control"/>
+  </ds:schemaRefs>
+</ds:datastoreItem>
+</file>
+
+<file path=customXml/itemProps59.xml><?xml version="1.0" encoding="utf-8"?>
+<ds:datastoreItem xmlns:ds="http://schemas.openxmlformats.org/officeDocument/2006/customXml" ds:itemID="{CAA62E3A-E1D3-48E6-902C-72278FCF572B}">
+  <ds:schemaRefs>
+    <ds:schemaRef ds:uri="http://schemas.microsoft.com/VisualStudio/2011/storyboarding/control"/>
+  </ds:schemaRefs>
+</ds:datastoreItem>
+</file>
+
+<file path=customXml/itemProps6.xml><?xml version="1.0" encoding="utf-8"?>
+<ds:datastoreItem xmlns:ds="http://schemas.openxmlformats.org/officeDocument/2006/customXml" ds:itemID="{4686712F-CBA4-47D3-833A-C2ADFEF753DD}">
+  <ds:schemaRefs>
+    <ds:schemaRef ds:uri="http://schemas.microsoft.com/VisualStudio/2011/storyboarding/control"/>
+  </ds:schemaRefs>
+</ds:datastoreItem>
+</file>
+
+<file path=customXml/itemProps60.xml><?xml version="1.0" encoding="utf-8"?>
+<ds:datastoreItem xmlns:ds="http://schemas.openxmlformats.org/officeDocument/2006/customXml" ds:itemID="{B1441669-2371-4AE4-A8B5-AFC09272AA93}">
+  <ds:schemaRefs>
+    <ds:schemaRef ds:uri="http://schemas.microsoft.com/VisualStudio/2011/storyboarding/control"/>
+  </ds:schemaRefs>
+</ds:datastoreItem>
+</file>
+
+<file path=customXml/itemProps61.xml><?xml version="1.0" encoding="utf-8"?>
+<ds:datastoreItem xmlns:ds="http://schemas.openxmlformats.org/officeDocument/2006/customXml" ds:itemID="{29B37182-9887-4972-8113-B6FBFE59F94E}">
+  <ds:schemaRefs>
+    <ds:schemaRef ds:uri="http://schemas.microsoft.com/VisualStudio/2011/storyboarding/control"/>
+  </ds:schemaRefs>
+</ds:datastoreItem>
+</file>
+
+<file path=customXml/itemProps62.xml><?xml version="1.0" encoding="utf-8"?>
+<ds:datastoreItem xmlns:ds="http://schemas.openxmlformats.org/officeDocument/2006/customXml" ds:itemID="{45B142F8-50A8-47EE-8945-EA0E8BEF71EB}">
+  <ds:schemaRefs>
+    <ds:schemaRef ds:uri="http://schemas.microsoft.com/VisualStudio/2011/storyboarding/control"/>
+  </ds:schemaRefs>
+</ds:datastoreItem>
+</file>
+
+<file path=customXml/itemProps63.xml><?xml version="1.0" encoding="utf-8"?>
 <ds:datastoreItem xmlns:ds="http://schemas.openxmlformats.org/officeDocument/2006/customXml" ds:itemID="{8B3DF17E-302B-453F-A2FD-6CDC4C0170AA}">
   <ds:schemaRefs>
     <ds:schemaRef ds:uri="http://schemas.microsoft.com/VisualStudio/2011/storyboarding/control"/>
@@ -10420,7 +11375,79 @@
 </ds:datastoreItem>
 </file>
 
-<file path=customXml/itemProps10.xml><?xml version="1.0" encoding="utf-8"?>
+<file path=customXml/itemProps64.xml><?xml version="1.0" encoding="utf-8"?>
+<ds:datastoreItem xmlns:ds="http://schemas.openxmlformats.org/officeDocument/2006/customXml" ds:itemID="{5EEABA33-0BE1-47F9-8437-631F1B84355A}">
+  <ds:schemaRefs>
+    <ds:schemaRef ds:uri="http://schemas.microsoft.com/VisualStudio/2011/storyboarding/control"/>
+  </ds:schemaRefs>
+</ds:datastoreItem>
+</file>
+
+<file path=customXml/itemProps65.xml><?xml version="1.0" encoding="utf-8"?>
+<ds:datastoreItem xmlns:ds="http://schemas.openxmlformats.org/officeDocument/2006/customXml" ds:itemID="{13867D15-2F58-4836-9D34-D0E88BF26D4C}">
+  <ds:schemaRefs>
+    <ds:schemaRef ds:uri="http://schemas.microsoft.com/VisualStudio/2011/storyboarding/control"/>
+  </ds:schemaRefs>
+</ds:datastoreItem>
+</file>
+
+<file path=customXml/itemProps66.xml><?xml version="1.0" encoding="utf-8"?>
+<ds:datastoreItem xmlns:ds="http://schemas.openxmlformats.org/officeDocument/2006/customXml" ds:itemID="{3E9518F8-52DB-4512-B6E1-D4B81EC47F8E}">
+  <ds:schemaRefs>
+    <ds:schemaRef ds:uri="http://schemas.microsoft.com/VisualStudio/2011/storyboarding/control"/>
+  </ds:schemaRefs>
+</ds:datastoreItem>
+</file>
+
+<file path=customXml/itemProps67.xml><?xml version="1.0" encoding="utf-8"?>
+<ds:datastoreItem xmlns:ds="http://schemas.openxmlformats.org/officeDocument/2006/customXml" ds:itemID="{0AB71E67-FC2D-421E-B264-47BB552D5A5B}">
+  <ds:schemaRefs>
+    <ds:schemaRef ds:uri="http://schemas.microsoft.com/VisualStudio/2011/storyboarding/control"/>
+  </ds:schemaRefs>
+</ds:datastoreItem>
+</file>
+
+<file path=customXml/itemProps68.xml><?xml version="1.0" encoding="utf-8"?>
+<ds:datastoreItem xmlns:ds="http://schemas.openxmlformats.org/officeDocument/2006/customXml" ds:itemID="{F9A8EA35-007A-40F9-AD73-68499C4EFDFA}">
+  <ds:schemaRefs>
+    <ds:schemaRef ds:uri="http://schemas.microsoft.com/VisualStudio/2011/storyboarding/control"/>
+  </ds:schemaRefs>
+</ds:datastoreItem>
+</file>
+
+<file path=customXml/itemProps69.xml><?xml version="1.0" encoding="utf-8"?>
+<ds:datastoreItem xmlns:ds="http://schemas.openxmlformats.org/officeDocument/2006/customXml" ds:itemID="{B2016F61-92F9-4E0F-A353-39F009FA0B01}">
+  <ds:schemaRefs>
+    <ds:schemaRef ds:uri="http://schemas.microsoft.com/VisualStudio/2011/storyboarding/control"/>
+  </ds:schemaRefs>
+</ds:datastoreItem>
+</file>
+
+<file path=customXml/itemProps7.xml><?xml version="1.0" encoding="utf-8"?>
+<ds:datastoreItem xmlns:ds="http://schemas.openxmlformats.org/officeDocument/2006/customXml" ds:itemID="{ED7BDB59-BF74-409B-8509-C9B8AF445363}">
+  <ds:schemaRefs>
+    <ds:schemaRef ds:uri="http://schemas.microsoft.com/VisualStudio/2011/storyboarding/control"/>
+  </ds:schemaRefs>
+</ds:datastoreItem>
+</file>
+
+<file path=customXml/itemProps70.xml><?xml version="1.0" encoding="utf-8"?>
+<ds:datastoreItem xmlns:ds="http://schemas.openxmlformats.org/officeDocument/2006/customXml" ds:itemID="{2FCA7744-2BF3-4014-BEA7-E6EE6BE5E79E}">
+  <ds:schemaRefs>
+    <ds:schemaRef ds:uri="http://schemas.microsoft.com/VisualStudio/2011/storyboarding/control"/>
+  </ds:schemaRefs>
+</ds:datastoreItem>
+</file>
+
+<file path=customXml/itemProps71.xml><?xml version="1.0" encoding="utf-8"?>
+<ds:datastoreItem xmlns:ds="http://schemas.openxmlformats.org/officeDocument/2006/customXml" ds:itemID="{98F07B01-E4E8-4E44-B227-4A307E110F5E}">
+  <ds:schemaRefs>
+    <ds:schemaRef ds:uri="http://schemas.microsoft.com/VisualStudio/2011/storyboarding/control"/>
+  </ds:schemaRefs>
+</ds:datastoreItem>
+</file>
+
+<file path=customXml/itemProps72.xml><?xml version="1.0" encoding="utf-8"?>
 <ds:datastoreItem xmlns:ds="http://schemas.openxmlformats.org/officeDocument/2006/customXml" ds:itemID="{9FC86F31-FEBD-4500-B558-3A9092EE01B0}">
   <ds:schemaRefs>
     <ds:schemaRef ds:uri="http://schemas.microsoft.com/VisualStudio/2011/storyboarding/control"/>
@@ -10428,15 +11455,103 @@
 </ds:datastoreItem>
 </file>
 
-<file path=customXml/itemProps100.xml><?xml version="1.0" encoding="utf-8"?>
-<ds:datastoreItem xmlns:ds="http://schemas.openxmlformats.org/officeDocument/2006/customXml" ds:itemID="{F5B85250-01CA-403A-BFFD-EDEFCA9E38FF}">
+<file path=customXml/itemProps73.xml><?xml version="1.0" encoding="utf-8"?>
+<ds:datastoreItem xmlns:ds="http://schemas.openxmlformats.org/officeDocument/2006/customXml" ds:itemID="{0B25F2DC-DA1F-428C-A9D6-1915EDEAA8DD}">
   <ds:schemaRefs>
     <ds:schemaRef ds:uri="http://schemas.microsoft.com/VisualStudio/2011/storyboarding/control"/>
   </ds:schemaRefs>
 </ds:datastoreItem>
 </file>
 
-<file path=customXml/itemProps101.xml><?xml version="1.0" encoding="utf-8"?>
+<file path=customXml/itemProps74.xml><?xml version="1.0" encoding="utf-8"?>
+<ds:datastoreItem xmlns:ds="http://schemas.openxmlformats.org/officeDocument/2006/customXml" ds:itemID="{ED541B40-E3CF-47E9-8800-B673CC7C7D9E}">
+  <ds:schemaRefs>
+    <ds:schemaRef ds:uri="http://schemas.microsoft.com/VisualStudio/2011/storyboarding/control"/>
+  </ds:schemaRefs>
+</ds:datastoreItem>
+</file>
+
+<file path=customXml/itemProps75.xml><?xml version="1.0" encoding="utf-8"?>
+<ds:datastoreItem xmlns:ds="http://schemas.openxmlformats.org/officeDocument/2006/customXml" ds:itemID="{E475E16E-3D1A-4AA1-9265-74BC7689BD6B}">
+  <ds:schemaRefs>
+    <ds:schemaRef ds:uri="http://schemas.microsoft.com/VisualStudio/2011/storyboarding/control"/>
+  </ds:schemaRefs>
+</ds:datastoreItem>
+</file>
+
+<file path=customXml/itemProps76.xml><?xml version="1.0" encoding="utf-8"?>
+<ds:datastoreItem xmlns:ds="http://schemas.openxmlformats.org/officeDocument/2006/customXml" ds:itemID="{9441CC7A-8DA1-4C19-B524-DD31C7A19972}">
+  <ds:schemaRefs>
+    <ds:schemaRef ds:uri="http://schemas.microsoft.com/VisualStudio/2011/storyboarding/control"/>
+  </ds:schemaRefs>
+</ds:datastoreItem>
+</file>
+
+<file path=customXml/itemProps77.xml><?xml version="1.0" encoding="utf-8"?>
+<ds:datastoreItem xmlns:ds="http://schemas.openxmlformats.org/officeDocument/2006/customXml" ds:itemID="{F3241CCA-9602-4CB8-B6FA-D8222B14826C}">
+  <ds:schemaRefs>
+    <ds:schemaRef ds:uri="http://schemas.microsoft.com/VisualStudio/2011/storyboarding/control"/>
+  </ds:schemaRefs>
+</ds:datastoreItem>
+</file>
+
+<file path=customXml/itemProps78.xml><?xml version="1.0" encoding="utf-8"?>
+<ds:datastoreItem xmlns:ds="http://schemas.openxmlformats.org/officeDocument/2006/customXml" ds:itemID="{92C514EF-47C3-4A1E-8CC0-C426C540F0A1}">
+  <ds:schemaRefs>
+    <ds:schemaRef ds:uri="http://schemas.microsoft.com/VisualStudio/2011/storyboarding/control"/>
+  </ds:schemaRefs>
+</ds:datastoreItem>
+</file>
+
+<file path=customXml/itemProps79.xml><?xml version="1.0" encoding="utf-8"?>
+<ds:datastoreItem xmlns:ds="http://schemas.openxmlformats.org/officeDocument/2006/customXml" ds:itemID="{E5DD84D4-A8CE-4783-AB20-E42165ABDFA7}">
+  <ds:schemaRefs>
+    <ds:schemaRef ds:uri="http://schemas.microsoft.com/VisualStudio/2011/storyboarding/control"/>
+  </ds:schemaRefs>
+</ds:datastoreItem>
+</file>
+
+<file path=customXml/itemProps8.xml><?xml version="1.0" encoding="utf-8"?>
+<ds:datastoreItem xmlns:ds="http://schemas.openxmlformats.org/officeDocument/2006/customXml" ds:itemID="{9A59C534-A299-402C-BDD6-F5443DFA7893}">
+  <ds:schemaRefs>
+    <ds:schemaRef ds:uri="http://schemas.microsoft.com/VisualStudio/2011/storyboarding/control"/>
+  </ds:schemaRefs>
+</ds:datastoreItem>
+</file>
+
+<file path=customXml/itemProps80.xml><?xml version="1.0" encoding="utf-8"?>
+<ds:datastoreItem xmlns:ds="http://schemas.openxmlformats.org/officeDocument/2006/customXml" ds:itemID="{AE608858-3A79-4E62-9586-14C746DF17FE}">
+  <ds:schemaRefs>
+    <ds:schemaRef ds:uri="http://schemas.microsoft.com/VisualStudio/2011/storyboarding/control"/>
+  </ds:schemaRefs>
+</ds:datastoreItem>
+</file>
+
+<file path=customXml/itemProps81.xml><?xml version="1.0" encoding="utf-8"?>
+<ds:datastoreItem xmlns:ds="http://schemas.openxmlformats.org/officeDocument/2006/customXml" ds:itemID="{46C8095E-E543-4B44-84A5-7DF9215641EF}">
+  <ds:schemaRefs>
+    <ds:schemaRef ds:uri="http://schemas.microsoft.com/VisualStudio/2011/storyboarding/control"/>
+  </ds:schemaRefs>
+</ds:datastoreItem>
+</file>
+
+<file path=customXml/itemProps82.xml><?xml version="1.0" encoding="utf-8"?>
+<ds:datastoreItem xmlns:ds="http://schemas.openxmlformats.org/officeDocument/2006/customXml" ds:itemID="{5248BC68-ADE7-429D-B013-9195EF7419E9}">
+  <ds:schemaRefs>
+    <ds:schemaRef ds:uri="http://schemas.microsoft.com/VisualStudio/2011/storyboarding/control"/>
+  </ds:schemaRefs>
+</ds:datastoreItem>
+</file>
+
+<file path=customXml/itemProps83.xml><?xml version="1.0" encoding="utf-8"?>
+<ds:datastoreItem xmlns:ds="http://schemas.openxmlformats.org/officeDocument/2006/customXml" ds:itemID="{E7741501-71C2-4C17-B4E1-815C0856C474}">
+  <ds:schemaRefs>
+    <ds:schemaRef ds:uri="http://schemas.microsoft.com/VisualStudio/2011/storyboarding/control"/>
+  </ds:schemaRefs>
+</ds:datastoreItem>
+</file>
+
+<file path=customXml/itemProps84.xml><?xml version="1.0" encoding="utf-8"?>
 <ds:datastoreItem xmlns:ds="http://schemas.openxmlformats.org/officeDocument/2006/customXml" ds:itemID="{1C9E4718-660A-46FF-B326-15E4FE359C0C}">
   <ds:schemaRefs>
     <ds:schemaRef ds:uri="http://schemas.microsoft.com/VisualStudio/2011/storyboarding/control"/>
@@ -10444,23 +11559,103 @@
 </ds:datastoreItem>
 </file>
 
-<file path=customXml/itemProps102.xml><?xml version="1.0" encoding="utf-8"?>
-<ds:datastoreItem xmlns:ds="http://schemas.openxmlformats.org/officeDocument/2006/customXml" ds:itemID="{BB9D8331-A5A0-4DC8-BED7-F17D94CE02E8}">
+<file path=customXml/itemProps85.xml><?xml version="1.0" encoding="utf-8"?>
+<ds:datastoreItem xmlns:ds="http://schemas.openxmlformats.org/officeDocument/2006/customXml" ds:itemID="{4A328889-52D6-47EA-AA7A-7178F57DFC2D}">
   <ds:schemaRefs>
     <ds:schemaRef ds:uri="http://schemas.microsoft.com/VisualStudio/2011/storyboarding/control"/>
   </ds:schemaRefs>
 </ds:datastoreItem>
 </file>
 
-<file path=customXml/itemProps103.xml><?xml version="1.0" encoding="utf-8"?>
-<ds:datastoreItem xmlns:ds="http://schemas.openxmlformats.org/officeDocument/2006/customXml" ds:itemID="{AF40C17C-6E53-453B-B327-999FE0B7CF9E}">
+<file path=customXml/itemProps86.xml><?xml version="1.0" encoding="utf-8"?>
+<ds:datastoreItem xmlns:ds="http://schemas.openxmlformats.org/officeDocument/2006/customXml" ds:itemID="{AA6A5E90-4733-4052-BD41-CDB87AFA6C57}">
   <ds:schemaRefs>
     <ds:schemaRef ds:uri="http://schemas.microsoft.com/VisualStudio/2011/storyboarding/control"/>
   </ds:schemaRefs>
 </ds:datastoreItem>
 </file>
 
-<file path=customXml/itemProps104.xml><?xml version="1.0" encoding="utf-8"?>
+<file path=customXml/itemProps87.xml><?xml version="1.0" encoding="utf-8"?>
+<ds:datastoreItem xmlns:ds="http://schemas.openxmlformats.org/officeDocument/2006/customXml" ds:itemID="{C95B04FA-49D0-4922-A7EB-76ADF3F5F5D3}">
+  <ds:schemaRefs>
+    <ds:schemaRef ds:uri="http://schemas.microsoft.com/VisualStudio/2011/storyboarding/control"/>
+  </ds:schemaRefs>
+</ds:datastoreItem>
+</file>
+
+<file path=customXml/itemProps88.xml><?xml version="1.0" encoding="utf-8"?>
+<ds:datastoreItem xmlns:ds="http://schemas.openxmlformats.org/officeDocument/2006/customXml" ds:itemID="{6A447DBB-2C85-4597-A0DB-C9A2322BAC8D}">
+  <ds:schemaRefs>
+    <ds:schemaRef ds:uri="http://schemas.microsoft.com/VisualStudio/2011/storyboarding/control"/>
+  </ds:schemaRefs>
+</ds:datastoreItem>
+</file>
+
+<file path=customXml/itemProps89.xml><?xml version="1.0" encoding="utf-8"?>
+<ds:datastoreItem xmlns:ds="http://schemas.openxmlformats.org/officeDocument/2006/customXml" ds:itemID="{0ACEBE80-DD25-46F5-ACB3-B9B1A4485D53}">
+  <ds:schemaRefs>
+    <ds:schemaRef ds:uri="http://schemas.microsoft.com/VisualStudio/2011/storyboarding/control"/>
+  </ds:schemaRefs>
+</ds:datastoreItem>
+</file>
+
+<file path=customXml/itemProps9.xml><?xml version="1.0" encoding="utf-8"?>
+<ds:datastoreItem xmlns:ds="http://schemas.openxmlformats.org/officeDocument/2006/customXml" ds:itemID="{790E7F39-81D7-4FDD-A0B5-0716A2AE74B2}">
+  <ds:schemaRefs>
+    <ds:schemaRef ds:uri="http://schemas.microsoft.com/VisualStudio/2011/storyboarding/control"/>
+  </ds:schemaRefs>
+</ds:datastoreItem>
+</file>
+
+<file path=customXml/itemProps90.xml><?xml version="1.0" encoding="utf-8"?>
+<ds:datastoreItem xmlns:ds="http://schemas.openxmlformats.org/officeDocument/2006/customXml" ds:itemID="{FE51AC1B-1271-4746-867D-55554D78B5AE}">
+  <ds:schemaRefs>
+    <ds:schemaRef ds:uri="http://schemas.microsoft.com/VisualStudio/2011/storyboarding/control"/>
+  </ds:schemaRefs>
+</ds:datastoreItem>
+</file>
+
+<file path=customXml/itemProps91.xml><?xml version="1.0" encoding="utf-8"?>
+<ds:datastoreItem xmlns:ds="http://schemas.openxmlformats.org/officeDocument/2006/customXml" ds:itemID="{59D0369F-25C4-46DE-8418-DF66EC3FEC68}">
+  <ds:schemaRefs>
+    <ds:schemaRef ds:uri="http://schemas.microsoft.com/VisualStudio/2011/storyboarding/control"/>
+  </ds:schemaRefs>
+</ds:datastoreItem>
+</file>
+
+<file path=customXml/itemProps92.xml><?xml version="1.0" encoding="utf-8"?>
+<ds:datastoreItem xmlns:ds="http://schemas.openxmlformats.org/officeDocument/2006/customXml" ds:itemID="{E56EDE5A-F97D-4AD1-8B27-19C05BC797E2}">
+  <ds:schemaRefs>
+    <ds:schemaRef ds:uri="http://schemas.microsoft.com/VisualStudio/2011/storyboarding/control"/>
+  </ds:schemaRefs>
+</ds:datastoreItem>
+</file>
+
+<file path=customXml/itemProps93.xml><?xml version="1.0" encoding="utf-8"?>
+<ds:datastoreItem xmlns:ds="http://schemas.openxmlformats.org/officeDocument/2006/customXml" ds:itemID="{FA631F3F-931D-4669-BD0B-F99571F5C429}">
+  <ds:schemaRefs>
+    <ds:schemaRef ds:uri="http://schemas.microsoft.com/VisualStudio/2011/storyboarding/control"/>
+  </ds:schemaRefs>
+</ds:datastoreItem>
+</file>
+
+<file path=customXml/itemProps94.xml><?xml version="1.0" encoding="utf-8"?>
+<ds:datastoreItem xmlns:ds="http://schemas.openxmlformats.org/officeDocument/2006/customXml" ds:itemID="{1367878A-D08E-41A0-BE0F-87325A2CCFA2}">
+  <ds:schemaRefs>
+    <ds:schemaRef ds:uri="http://schemas.microsoft.com/VisualStudio/2011/storyboarding/control"/>
+  </ds:schemaRefs>
+</ds:datastoreItem>
+</file>
+
+<file path=customXml/itemProps95.xml><?xml version="1.0" encoding="utf-8"?>
+<ds:datastoreItem xmlns:ds="http://schemas.openxmlformats.org/officeDocument/2006/customXml" ds:itemID="{FF00F683-10CA-4344-BB02-557AFC229713}">
+  <ds:schemaRefs>
+    <ds:schemaRef ds:uri="http://schemas.microsoft.com/VisualStudio/2011/storyboarding/control"/>
+  </ds:schemaRefs>
+</ds:datastoreItem>
+</file>
+
+<file path=customXml/itemProps96.xml><?xml version="1.0" encoding="utf-8"?>
 <ds:datastoreItem xmlns:ds="http://schemas.openxmlformats.org/officeDocument/2006/customXml" ds:itemID="{D544E426-85A9-48AB-BB78-E3AD0590EC7C}">
   <ds:schemaRefs>
     <ds:schemaRef ds:uri="http://schemas.microsoft.com/VisualStudio/2011/storyboarding/control"/>
@@ -10468,559 +11663,7 @@
 </ds:datastoreItem>
 </file>
 
-<file path=customXml/itemProps105.xml><?xml version="1.0" encoding="utf-8"?>
-<ds:datastoreItem xmlns:ds="http://schemas.openxmlformats.org/officeDocument/2006/customXml" ds:itemID="{623F5871-F525-4D45-8757-C0B70863AD81}">
-  <ds:schemaRefs>
-    <ds:schemaRef ds:uri="http://schemas.microsoft.com/VisualStudio/2011/storyboarding/control"/>
-  </ds:schemaRefs>
-</ds:datastoreItem>
-</file>
-
-<file path=customXml/itemProps106.xml><?xml version="1.0" encoding="utf-8"?>
-<ds:datastoreItem xmlns:ds="http://schemas.openxmlformats.org/officeDocument/2006/customXml" ds:itemID="{98F07B01-E4E8-4E44-B227-4A307E110F5E}">
-  <ds:schemaRefs>
-    <ds:schemaRef ds:uri="http://schemas.microsoft.com/VisualStudio/2011/storyboarding/control"/>
-  </ds:schemaRefs>
-</ds:datastoreItem>
-</file>
-
-<file path=customXml/itemProps107.xml><?xml version="1.0" encoding="utf-8"?>
-<ds:datastoreItem xmlns:ds="http://schemas.openxmlformats.org/officeDocument/2006/customXml" ds:itemID="{F2AC79B3-EA47-4A60-8F32-62C9B6A4B730}">
-  <ds:schemaRefs>
-    <ds:schemaRef ds:uri="http://schemas.microsoft.com/VisualStudio/2011/storyboarding/control"/>
-  </ds:schemaRefs>
-</ds:datastoreItem>
-</file>
-
-<file path=customXml/itemProps108.xml><?xml version="1.0" encoding="utf-8"?>
-<ds:datastoreItem xmlns:ds="http://schemas.openxmlformats.org/officeDocument/2006/customXml" ds:itemID="{3E59668D-9D10-4C26-9CC7-C8295EEC02B7}">
-  <ds:schemaRefs>
-    <ds:schemaRef ds:uri="http://schemas.microsoft.com/VisualStudio/2011/storyboarding/control"/>
-  </ds:schemaRefs>
-</ds:datastoreItem>
-</file>
-
-<file path=customXml/itemProps109.xml><?xml version="1.0" encoding="utf-8"?>
-<ds:datastoreItem xmlns:ds="http://schemas.openxmlformats.org/officeDocument/2006/customXml" ds:itemID="{FE51AC1B-1271-4746-867D-55554D78B5AE}">
-  <ds:schemaRefs>
-    <ds:schemaRef ds:uri="http://schemas.microsoft.com/VisualStudio/2011/storyboarding/control"/>
-  </ds:schemaRefs>
-</ds:datastoreItem>
-</file>
-
-<file path=customXml/itemProps11.xml><?xml version="1.0" encoding="utf-8"?>
-<ds:datastoreItem xmlns:ds="http://schemas.openxmlformats.org/officeDocument/2006/customXml" ds:itemID="{1CCD967A-A231-4443-B5CB-163865029EA0}">
-  <ds:schemaRefs>
-    <ds:schemaRef ds:uri="http://schemas.microsoft.com/VisualStudio/2011/storyboarding/control"/>
-  </ds:schemaRefs>
-</ds:datastoreItem>
-</file>
-
-<file path=customXml/itemProps12.xml><?xml version="1.0" encoding="utf-8"?>
-<ds:datastoreItem xmlns:ds="http://schemas.openxmlformats.org/officeDocument/2006/customXml" ds:itemID="{55CA6769-99B0-4402-A536-C3C8E0221022}">
-  <ds:schemaRefs>
-    <ds:schemaRef ds:uri="http://schemas.microsoft.com/VisualStudio/2011/storyboarding/control"/>
-  </ds:schemaRefs>
-</ds:datastoreItem>
-</file>
-
-<file path=customXml/itemProps13.xml><?xml version="1.0" encoding="utf-8"?>
-<ds:datastoreItem xmlns:ds="http://schemas.openxmlformats.org/officeDocument/2006/customXml" ds:itemID="{C95B04FA-49D0-4922-A7EB-76ADF3F5F5D3}">
-  <ds:schemaRefs>
-    <ds:schemaRef ds:uri="http://schemas.microsoft.com/VisualStudio/2011/storyboarding/control"/>
-  </ds:schemaRefs>
-</ds:datastoreItem>
-</file>
-
-<file path=customXml/itemProps14.xml><?xml version="1.0" encoding="utf-8"?>
-<ds:datastoreItem xmlns:ds="http://schemas.openxmlformats.org/officeDocument/2006/customXml" ds:itemID="{033417FC-F4DF-440B-9750-AC9CEE9D4DD6}">
-  <ds:schemaRefs>
-    <ds:schemaRef ds:uri="http://schemas.microsoft.com/VisualStudio/2011/storyboarding/control"/>
-  </ds:schemaRefs>
-</ds:datastoreItem>
-</file>
-
-<file path=customXml/itemProps15.xml><?xml version="1.0" encoding="utf-8"?>
-<ds:datastoreItem xmlns:ds="http://schemas.openxmlformats.org/officeDocument/2006/customXml" ds:itemID="{13867D15-2F58-4836-9D34-D0E88BF26D4C}">
-  <ds:schemaRefs>
-    <ds:schemaRef ds:uri="http://schemas.microsoft.com/VisualStudio/2011/storyboarding/control"/>
-  </ds:schemaRefs>
-</ds:datastoreItem>
-</file>
-
-<file path=customXml/itemProps16.xml><?xml version="1.0" encoding="utf-8"?>
-<ds:datastoreItem xmlns:ds="http://schemas.openxmlformats.org/officeDocument/2006/customXml" ds:itemID="{C5822030-9D10-4417-BB70-A547D778BA9D}">
-  <ds:schemaRefs>
-    <ds:schemaRef ds:uri="http://schemas.microsoft.com/VisualStudio/2011/storyboarding/control"/>
-  </ds:schemaRefs>
-</ds:datastoreItem>
-</file>
-
-<file path=customXml/itemProps17.xml><?xml version="1.0" encoding="utf-8"?>
-<ds:datastoreItem xmlns:ds="http://schemas.openxmlformats.org/officeDocument/2006/customXml" ds:itemID="{17816237-E86F-4608-B2AD-3D2E66C1B03B}">
-  <ds:schemaRefs>
-    <ds:schemaRef ds:uri="http://schemas.microsoft.com/VisualStudio/2011/storyboarding/control"/>
-  </ds:schemaRefs>
-</ds:datastoreItem>
-</file>
-
-<file path=customXml/itemProps18.xml><?xml version="1.0" encoding="utf-8"?>
-<ds:datastoreItem xmlns:ds="http://schemas.openxmlformats.org/officeDocument/2006/customXml" ds:itemID="{6A447DBB-2C85-4597-A0DB-C9A2322BAC8D}">
-  <ds:schemaRefs>
-    <ds:schemaRef ds:uri="http://schemas.microsoft.com/VisualStudio/2011/storyboarding/control"/>
-  </ds:schemaRefs>
-</ds:datastoreItem>
-</file>
-
-<file path=customXml/itemProps19.xml><?xml version="1.0" encoding="utf-8"?>
-<ds:datastoreItem xmlns:ds="http://schemas.openxmlformats.org/officeDocument/2006/customXml" ds:itemID="{51D515F3-5B60-4F94-84C8-4468FC08CD50}">
-  <ds:schemaRefs>
-    <ds:schemaRef ds:uri="http://schemas.microsoft.com/VisualStudio/2011/storyboarding/control"/>
-  </ds:schemaRefs>
-</ds:datastoreItem>
-</file>
-
-<file path=customXml/itemProps2.xml><?xml version="1.0" encoding="utf-8"?>
-<ds:datastoreItem xmlns:ds="http://schemas.openxmlformats.org/officeDocument/2006/customXml" ds:itemID="{554CEDA9-374E-4C76-B97B-7202606AC0BE}">
-  <ds:schemaRefs>
-    <ds:schemaRef ds:uri="http://schemas.microsoft.com/VisualStudio/2011/storyboarding/control"/>
-  </ds:schemaRefs>
-</ds:datastoreItem>
-</file>
-
-<file path=customXml/itemProps20.xml><?xml version="1.0" encoding="utf-8"?>
-<ds:datastoreItem xmlns:ds="http://schemas.openxmlformats.org/officeDocument/2006/customXml" ds:itemID="{0205D5B8-50E2-42A6-ADDD-577B72710484}">
-  <ds:schemaRefs>
-    <ds:schemaRef ds:uri="http://schemas.microsoft.com/VisualStudio/2011/storyboarding/control"/>
-  </ds:schemaRefs>
-</ds:datastoreItem>
-</file>
-
-<file path=customXml/itemProps21.xml><?xml version="1.0" encoding="utf-8"?>
-<ds:datastoreItem xmlns:ds="http://schemas.openxmlformats.org/officeDocument/2006/customXml" ds:itemID="{CD29ED7C-7003-4640-8A56-61BBEE20B1F0}">
-  <ds:schemaRefs>
-    <ds:schemaRef ds:uri="http://schemas.microsoft.com/VisualStudio/2011/storyboarding/control"/>
-  </ds:schemaRefs>
-</ds:datastoreItem>
-</file>
-
-<file path=customXml/itemProps22.xml><?xml version="1.0" encoding="utf-8"?>
-<ds:datastoreItem xmlns:ds="http://schemas.openxmlformats.org/officeDocument/2006/customXml" ds:itemID="{B33906A2-2468-4E50-8B7B-646E03FFEF2D}">
-  <ds:schemaRefs>
-    <ds:schemaRef ds:uri="http://schemas.microsoft.com/VisualStudio/2011/storyboarding/control"/>
-  </ds:schemaRefs>
-</ds:datastoreItem>
-</file>
-
-<file path=customXml/itemProps23.xml><?xml version="1.0" encoding="utf-8"?>
-<ds:datastoreItem xmlns:ds="http://schemas.openxmlformats.org/officeDocument/2006/customXml" ds:itemID="{3E9518F8-52DB-4512-B6E1-D4B81EC47F8E}">
-  <ds:schemaRefs>
-    <ds:schemaRef ds:uri="http://schemas.microsoft.com/VisualStudio/2011/storyboarding/control"/>
-  </ds:schemaRefs>
-</ds:datastoreItem>
-</file>
-
-<file path=customXml/itemProps24.xml><?xml version="1.0" encoding="utf-8"?>
-<ds:datastoreItem xmlns:ds="http://schemas.openxmlformats.org/officeDocument/2006/customXml" ds:itemID="{A2F6F20D-5D93-4163-A5E6-5A9B6AB49B35}">
-  <ds:schemaRefs>
-    <ds:schemaRef ds:uri="http://schemas.microsoft.com/VisualStudio/2011/storyboarding/control"/>
-  </ds:schemaRefs>
-</ds:datastoreItem>
-</file>
-
-<file path=customXml/itemProps25.xml><?xml version="1.0" encoding="utf-8"?>
-<ds:datastoreItem xmlns:ds="http://schemas.openxmlformats.org/officeDocument/2006/customXml" ds:itemID="{AF01C7FC-A844-4EAB-9C49-C1EDCADB47C1}">
-  <ds:schemaRefs>
-    <ds:schemaRef ds:uri="http://schemas.microsoft.com/VisualStudio/2011/storyboarding/control"/>
-  </ds:schemaRefs>
-</ds:datastoreItem>
-</file>
-
-<file path=customXml/itemProps26.xml><?xml version="1.0" encoding="utf-8"?>
-<ds:datastoreItem xmlns:ds="http://schemas.openxmlformats.org/officeDocument/2006/customXml" ds:itemID="{D2AAAC7E-0A85-448C-BEAF-FB2E1B4987CA}">
-  <ds:schemaRefs>
-    <ds:schemaRef ds:uri="http://schemas.microsoft.com/VisualStudio/2011/storyboarding/control"/>
-  </ds:schemaRefs>
-</ds:datastoreItem>
-</file>
-
-<file path=customXml/itemProps27.xml><?xml version="1.0" encoding="utf-8"?>
-<ds:datastoreItem xmlns:ds="http://schemas.openxmlformats.org/officeDocument/2006/customXml" ds:itemID="{90E6BF7D-584A-485E-85F5-083945235CD7}">
-  <ds:schemaRefs>
-    <ds:schemaRef ds:uri="http://schemas.microsoft.com/VisualStudio/2011/storyboarding/control"/>
-  </ds:schemaRefs>
-</ds:datastoreItem>
-</file>
-
-<file path=customXml/itemProps28.xml><?xml version="1.0" encoding="utf-8"?>
-<ds:datastoreItem xmlns:ds="http://schemas.openxmlformats.org/officeDocument/2006/customXml" ds:itemID="{0AB71E67-FC2D-421E-B264-47BB552D5A5B}">
-  <ds:schemaRefs>
-    <ds:schemaRef ds:uri="http://schemas.microsoft.com/VisualStudio/2011/storyboarding/control"/>
-  </ds:schemaRefs>
-</ds:datastoreItem>
-</file>
-
-<file path=customXml/itemProps29.xml><?xml version="1.0" encoding="utf-8"?>
-<ds:datastoreItem xmlns:ds="http://schemas.openxmlformats.org/officeDocument/2006/customXml" ds:itemID="{CF586D09-EEB6-4A49-AAE1-88E826EEDC73}">
-  <ds:schemaRefs>
-    <ds:schemaRef ds:uri="http://schemas.microsoft.com/VisualStudio/2011/storyboarding/control"/>
-  </ds:schemaRefs>
-</ds:datastoreItem>
-</file>
-
-<file path=customXml/itemProps3.xml><?xml version="1.0" encoding="utf-8"?>
-<ds:datastoreItem xmlns:ds="http://schemas.openxmlformats.org/officeDocument/2006/customXml" ds:itemID="{15112653-7036-4EB6-9E86-EDFCD1846E57}">
-  <ds:schemaRefs>
-    <ds:schemaRef ds:uri="http://schemas.microsoft.com/VisualStudio/2011/storyboarding/control"/>
-  </ds:schemaRefs>
-</ds:datastoreItem>
-</file>
-
-<file path=customXml/itemProps30.xml><?xml version="1.0" encoding="utf-8"?>
-<ds:datastoreItem xmlns:ds="http://schemas.openxmlformats.org/officeDocument/2006/customXml" ds:itemID="{A4C33EEA-7075-4651-97E3-4829E38E21EA}">
-  <ds:schemaRefs>
-    <ds:schemaRef ds:uri="http://schemas.microsoft.com/VisualStudio/2011/storyboarding/control"/>
-  </ds:schemaRefs>
-</ds:datastoreItem>
-</file>
-
-<file path=customXml/itemProps31.xml><?xml version="1.0" encoding="utf-8"?>
-<ds:datastoreItem xmlns:ds="http://schemas.openxmlformats.org/officeDocument/2006/customXml" ds:itemID="{0B25F2DC-DA1F-428C-A9D6-1915EDEAA8DD}">
-  <ds:schemaRefs>
-    <ds:schemaRef ds:uri="http://schemas.microsoft.com/VisualStudio/2011/storyboarding/control"/>
-  </ds:schemaRefs>
-</ds:datastoreItem>
-</file>
-
-<file path=customXml/itemProps32.xml><?xml version="1.0" encoding="utf-8"?>
-<ds:datastoreItem xmlns:ds="http://schemas.openxmlformats.org/officeDocument/2006/customXml" ds:itemID="{E44C9E77-1C35-4DBC-82DD-57E4D308EFBB}">
-  <ds:schemaRefs>
-    <ds:schemaRef ds:uri="http://schemas.microsoft.com/VisualStudio/2011/storyboarding/control"/>
-  </ds:schemaRefs>
-</ds:datastoreItem>
-</file>
-
-<file path=customXml/itemProps33.xml><?xml version="1.0" encoding="utf-8"?>
-<ds:datastoreItem xmlns:ds="http://schemas.openxmlformats.org/officeDocument/2006/customXml" ds:itemID="{113ECE65-0514-4E2D-A5D7-CB73FBD23154}">
-  <ds:schemaRefs>
-    <ds:schemaRef ds:uri="http://schemas.microsoft.com/VisualStudio/2011/storyboarding/control"/>
-  </ds:schemaRefs>
-</ds:datastoreItem>
-</file>
-
-<file path=customXml/itemProps34.xml><?xml version="1.0" encoding="utf-8"?>
-<ds:datastoreItem xmlns:ds="http://schemas.openxmlformats.org/officeDocument/2006/customXml" ds:itemID="{59D0369F-25C4-46DE-8418-DF66EC3FEC68}">
-  <ds:schemaRefs>
-    <ds:schemaRef ds:uri="http://schemas.microsoft.com/VisualStudio/2011/storyboarding/control"/>
-  </ds:schemaRefs>
-</ds:datastoreItem>
-</file>
-
-<file path=customXml/itemProps35.xml><?xml version="1.0" encoding="utf-8"?>
-<ds:datastoreItem xmlns:ds="http://schemas.openxmlformats.org/officeDocument/2006/customXml" ds:itemID="{FCFEC772-99A0-4E2F-BE46-6982F97F1BE9}">
-  <ds:schemaRefs>
-    <ds:schemaRef ds:uri="http://schemas.microsoft.com/VisualStudio/2011/storyboarding/control"/>
-  </ds:schemaRefs>
-</ds:datastoreItem>
-</file>
-
-<file path=customXml/itemProps36.xml><?xml version="1.0" encoding="utf-8"?>
-<ds:datastoreItem xmlns:ds="http://schemas.openxmlformats.org/officeDocument/2006/customXml" ds:itemID="{F9A8EA35-007A-40F9-AD73-68499C4EFDFA}">
-  <ds:schemaRefs>
-    <ds:schemaRef ds:uri="http://schemas.microsoft.com/VisualStudio/2011/storyboarding/control"/>
-  </ds:schemaRefs>
-</ds:datastoreItem>
-</file>
-
-<file path=customXml/itemProps37.xml><?xml version="1.0" encoding="utf-8"?>
-<ds:datastoreItem xmlns:ds="http://schemas.openxmlformats.org/officeDocument/2006/customXml" ds:itemID="{4686712F-CBA4-47D3-833A-C2ADFEF753DD}">
-  <ds:schemaRefs>
-    <ds:schemaRef ds:uri="http://schemas.microsoft.com/VisualStudio/2011/storyboarding/control"/>
-  </ds:schemaRefs>
-</ds:datastoreItem>
-</file>
-
-<file path=customXml/itemProps38.xml><?xml version="1.0" encoding="utf-8"?>
-<ds:datastoreItem xmlns:ds="http://schemas.openxmlformats.org/officeDocument/2006/customXml" ds:itemID="{85F86E7D-DA49-4BE9-9097-1D50FB466B1E}">
-  <ds:schemaRefs>
-    <ds:schemaRef ds:uri="http://schemas.microsoft.com/VisualStudio/2011/storyboarding/control"/>
-  </ds:schemaRefs>
-</ds:datastoreItem>
-</file>
-
-<file path=customXml/itemProps39.xml><?xml version="1.0" encoding="utf-8"?>
-<ds:datastoreItem xmlns:ds="http://schemas.openxmlformats.org/officeDocument/2006/customXml" ds:itemID="{0ACEBE80-DD25-46F5-ACB3-B9B1A4485D53}">
-  <ds:schemaRefs>
-    <ds:schemaRef ds:uri="http://schemas.microsoft.com/VisualStudio/2011/storyboarding/control"/>
-  </ds:schemaRefs>
-</ds:datastoreItem>
-</file>
-
-<file path=customXml/itemProps4.xml><?xml version="1.0" encoding="utf-8"?>
-<ds:datastoreItem xmlns:ds="http://schemas.openxmlformats.org/officeDocument/2006/customXml" ds:itemID="{4A328889-52D6-47EA-AA7A-7178F57DFC2D}">
-  <ds:schemaRefs>
-    <ds:schemaRef ds:uri="http://schemas.microsoft.com/VisualStudio/2011/storyboarding/control"/>
-  </ds:schemaRefs>
-</ds:datastoreItem>
-</file>
-
-<file path=customXml/itemProps40.xml><?xml version="1.0" encoding="utf-8"?>
-<ds:datastoreItem xmlns:ds="http://schemas.openxmlformats.org/officeDocument/2006/customXml" ds:itemID="{ED7BDB59-BF74-409B-8509-C9B8AF445363}">
-  <ds:schemaRefs>
-    <ds:schemaRef ds:uri="http://schemas.microsoft.com/VisualStudio/2011/storyboarding/control"/>
-  </ds:schemaRefs>
-</ds:datastoreItem>
-</file>
-
-<file path=customXml/itemProps41.xml><?xml version="1.0" encoding="utf-8"?>
-<ds:datastoreItem xmlns:ds="http://schemas.openxmlformats.org/officeDocument/2006/customXml" ds:itemID="{2A5F2F26-968C-4D10-A23C-7F7AB3C144F1}">
-  <ds:schemaRefs>
-    <ds:schemaRef ds:uri="http://schemas.microsoft.com/VisualStudio/2011/storyboarding/control"/>
-  </ds:schemaRefs>
-</ds:datastoreItem>
-</file>
-
-<file path=customXml/itemProps42.xml><?xml version="1.0" encoding="utf-8"?>
-<ds:datastoreItem xmlns:ds="http://schemas.openxmlformats.org/officeDocument/2006/customXml" ds:itemID="{69C5573C-4D11-4ED5-8CA8-88391EEEF019}">
-  <ds:schemaRefs>
-    <ds:schemaRef ds:uri="http://schemas.microsoft.com/VisualStudio/2011/storyboarding/control"/>
-  </ds:schemaRefs>
-</ds:datastoreItem>
-</file>
-
-<file path=customXml/itemProps43.xml><?xml version="1.0" encoding="utf-8"?>
-<ds:datastoreItem xmlns:ds="http://schemas.openxmlformats.org/officeDocument/2006/customXml" ds:itemID="{06C11E88-1615-4B77-96AD-4B8BA4A066E8}">
-  <ds:schemaRefs>
-    <ds:schemaRef ds:uri="http://schemas.microsoft.com/VisualStudio/2011/storyboarding/control"/>
-  </ds:schemaRefs>
-</ds:datastoreItem>
-</file>
-
-<file path=customXml/itemProps44.xml><?xml version="1.0" encoding="utf-8"?>
-<ds:datastoreItem xmlns:ds="http://schemas.openxmlformats.org/officeDocument/2006/customXml" ds:itemID="{ED541B40-E3CF-47E9-8800-B673CC7C7D9E}">
-  <ds:schemaRefs>
-    <ds:schemaRef ds:uri="http://schemas.microsoft.com/VisualStudio/2011/storyboarding/control"/>
-  </ds:schemaRefs>
-</ds:datastoreItem>
-</file>
-
-<file path=customXml/itemProps45.xml><?xml version="1.0" encoding="utf-8"?>
-<ds:datastoreItem xmlns:ds="http://schemas.openxmlformats.org/officeDocument/2006/customXml" ds:itemID="{9A59C534-A299-402C-BDD6-F5443DFA7893}">
-  <ds:schemaRefs>
-    <ds:schemaRef ds:uri="http://schemas.microsoft.com/VisualStudio/2011/storyboarding/control"/>
-  </ds:schemaRefs>
-</ds:datastoreItem>
-</file>
-
-<file path=customXml/itemProps46.xml><?xml version="1.0" encoding="utf-8"?>
-<ds:datastoreItem xmlns:ds="http://schemas.openxmlformats.org/officeDocument/2006/customXml" ds:itemID="{ACF586AD-3668-4E64-BB79-597B4E8D331A}">
-  <ds:schemaRefs>
-    <ds:schemaRef ds:uri="http://schemas.microsoft.com/VisualStudio/2011/storyboarding/control"/>
-  </ds:schemaRefs>
-</ds:datastoreItem>
-</file>
-
-<file path=customXml/itemProps47.xml><?xml version="1.0" encoding="utf-8"?>
-<ds:datastoreItem xmlns:ds="http://schemas.openxmlformats.org/officeDocument/2006/customXml" ds:itemID="{B02AE70D-AB27-4B64-9EAF-0217792EF7E1}">
-  <ds:schemaRefs>
-    <ds:schemaRef ds:uri="http://schemas.microsoft.com/VisualStudio/2011/storyboarding/control"/>
-  </ds:schemaRefs>
-</ds:datastoreItem>
-</file>
-
-<file path=customXml/itemProps48.xml><?xml version="1.0" encoding="utf-8"?>
-<ds:datastoreItem xmlns:ds="http://schemas.openxmlformats.org/officeDocument/2006/customXml" ds:itemID="{C4F6D4BE-A130-482B-BA98-1CB53DA976CA}">
-  <ds:schemaRefs>
-    <ds:schemaRef ds:uri="http://schemas.microsoft.com/VisualStudio/2011/storyboarding/control"/>
-  </ds:schemaRefs>
-</ds:datastoreItem>
-</file>
-
-<file path=customXml/itemProps49.xml><?xml version="1.0" encoding="utf-8"?>
-<ds:datastoreItem xmlns:ds="http://schemas.openxmlformats.org/officeDocument/2006/customXml" ds:itemID="{B2016F61-92F9-4E0F-A353-39F009FA0B01}">
-  <ds:schemaRefs>
-    <ds:schemaRef ds:uri="http://schemas.microsoft.com/VisualStudio/2011/storyboarding/control"/>
-  </ds:schemaRefs>
-</ds:datastoreItem>
-</file>
-
-<file path=customXml/itemProps5.xml><?xml version="1.0" encoding="utf-8"?>
-<ds:datastoreItem xmlns:ds="http://schemas.openxmlformats.org/officeDocument/2006/customXml" ds:itemID="{40E6753A-8176-4C3D-A7AD-922499F48E12}">
-  <ds:schemaRefs>
-    <ds:schemaRef ds:uri="http://schemas.microsoft.com/VisualStudio/2011/storyboarding/control"/>
-  </ds:schemaRefs>
-</ds:datastoreItem>
-</file>
-
-<file path=customXml/itemProps50.xml><?xml version="1.0" encoding="utf-8"?>
-<ds:datastoreItem xmlns:ds="http://schemas.openxmlformats.org/officeDocument/2006/customXml" ds:itemID="{E56EDE5A-F97D-4AD1-8B27-19C05BC797E2}">
-  <ds:schemaRefs>
-    <ds:schemaRef ds:uri="http://schemas.microsoft.com/VisualStudio/2011/storyboarding/control"/>
-  </ds:schemaRefs>
-</ds:datastoreItem>
-</file>
-
-<file path=customXml/itemProps51.xml><?xml version="1.0" encoding="utf-8"?>
-<ds:datastoreItem xmlns:ds="http://schemas.openxmlformats.org/officeDocument/2006/customXml" ds:itemID="{59AEDDE6-08CE-4516-9790-E1D7499AD12F}">
-  <ds:schemaRefs>
-    <ds:schemaRef ds:uri="http://schemas.microsoft.com/VisualStudio/2011/storyboarding/control"/>
-  </ds:schemaRefs>
-</ds:datastoreItem>
-</file>
-
-<file path=customXml/itemProps52.xml><?xml version="1.0" encoding="utf-8"?>
-<ds:datastoreItem xmlns:ds="http://schemas.openxmlformats.org/officeDocument/2006/customXml" ds:itemID="{E475E16E-3D1A-4AA1-9265-74BC7689BD6B}">
-  <ds:schemaRefs>
-    <ds:schemaRef ds:uri="http://schemas.microsoft.com/VisualStudio/2011/storyboarding/control"/>
-  </ds:schemaRefs>
-</ds:datastoreItem>
-</file>
-
-<file path=customXml/itemProps53.xml><?xml version="1.0" encoding="utf-8"?>
-<ds:datastoreItem xmlns:ds="http://schemas.openxmlformats.org/officeDocument/2006/customXml" ds:itemID="{790E7F39-81D7-4FDD-A0B5-0716A2AE74B2}">
-  <ds:schemaRefs>
-    <ds:schemaRef ds:uri="http://schemas.microsoft.com/VisualStudio/2011/storyboarding/control"/>
-  </ds:schemaRefs>
-</ds:datastoreItem>
-</file>
-
-<file path=customXml/itemProps54.xml><?xml version="1.0" encoding="utf-8"?>
-<ds:datastoreItem xmlns:ds="http://schemas.openxmlformats.org/officeDocument/2006/customXml" ds:itemID="{6DAC6C05-FAFB-4B89-BBD6-3A479BE450F0}">
-  <ds:schemaRefs>
-    <ds:schemaRef ds:uri="http://schemas.microsoft.com/VisualStudio/2011/storyboarding/control"/>
-  </ds:schemaRefs>
-</ds:datastoreItem>
-</file>
-
-<file path=customXml/itemProps55.xml><?xml version="1.0" encoding="utf-8"?>
-<ds:datastoreItem xmlns:ds="http://schemas.openxmlformats.org/officeDocument/2006/customXml" ds:itemID="{FA631F3F-931D-4669-BD0B-F99571F5C429}">
-  <ds:schemaRefs>
-    <ds:schemaRef ds:uri="http://schemas.microsoft.com/VisualStudio/2011/storyboarding/control"/>
-  </ds:schemaRefs>
-</ds:datastoreItem>
-</file>
-
-<file path=customXml/itemProps56.xml><?xml version="1.0" encoding="utf-8"?>
-<ds:datastoreItem xmlns:ds="http://schemas.openxmlformats.org/officeDocument/2006/customXml" ds:itemID="{6909E70A-4203-43FA-8666-1DA9A83FC55A}">
-  <ds:schemaRefs>
-    <ds:schemaRef ds:uri="http://schemas.microsoft.com/VisualStudio/2011/storyboarding/control"/>
-  </ds:schemaRefs>
-</ds:datastoreItem>
-</file>
-
-<file path=customXml/itemProps57.xml><?xml version="1.0" encoding="utf-8"?>
-<ds:datastoreItem xmlns:ds="http://schemas.openxmlformats.org/officeDocument/2006/customXml" ds:itemID="{2FCA7744-2BF3-4014-BEA7-E6EE6BE5E79E}">
-  <ds:schemaRefs>
-    <ds:schemaRef ds:uri="http://schemas.microsoft.com/VisualStudio/2011/storyboarding/control"/>
-  </ds:schemaRefs>
-</ds:datastoreItem>
-</file>
-
-<file path=customXml/itemProps58.xml><?xml version="1.0" encoding="utf-8"?>
-<ds:datastoreItem xmlns:ds="http://schemas.openxmlformats.org/officeDocument/2006/customXml" ds:itemID="{8A555954-45BE-4EEE-9F3C-9C997F6D1BA3}">
-  <ds:schemaRefs>
-    <ds:schemaRef ds:uri="http://schemas.microsoft.com/VisualStudio/2011/storyboarding/control"/>
-  </ds:schemaRefs>
-</ds:datastoreItem>
-</file>
-
-<file path=customXml/itemProps59.xml><?xml version="1.0" encoding="utf-8"?>
-<ds:datastoreItem xmlns:ds="http://schemas.openxmlformats.org/officeDocument/2006/customXml" ds:itemID="{7C7A195E-DFA7-4A05-9371-894B93FD1828}">
-  <ds:schemaRefs>
-    <ds:schemaRef ds:uri="http://schemas.microsoft.com/VisualStudio/2011/storyboarding/control"/>
-  </ds:schemaRefs>
-</ds:datastoreItem>
-</file>
-
-<file path=customXml/itemProps6.xml><?xml version="1.0" encoding="utf-8"?>
-<ds:datastoreItem xmlns:ds="http://schemas.openxmlformats.org/officeDocument/2006/customXml" ds:itemID="{5EEABA33-0BE1-47F9-8437-631F1B84355A}">
-  <ds:schemaRefs>
-    <ds:schemaRef ds:uri="http://schemas.microsoft.com/VisualStudio/2011/storyboarding/control"/>
-  </ds:schemaRefs>
-</ds:datastoreItem>
-</file>
-
-<file path=customXml/itemProps60.xml><?xml version="1.0" encoding="utf-8"?>
-<ds:datastoreItem xmlns:ds="http://schemas.openxmlformats.org/officeDocument/2006/customXml" ds:itemID="{9441CC7A-8DA1-4C19-B524-DD31C7A19972}">
-  <ds:schemaRefs>
-    <ds:schemaRef ds:uri="http://schemas.microsoft.com/VisualStudio/2011/storyboarding/control"/>
-  </ds:schemaRefs>
-</ds:datastoreItem>
-</file>
-
-<file path=customXml/itemProps61.xml><?xml version="1.0" encoding="utf-8"?>
-<ds:datastoreItem xmlns:ds="http://schemas.openxmlformats.org/officeDocument/2006/customXml" ds:itemID="{7F5E28FD-26FF-4A48-BAD7-50B55AB6208D}">
-  <ds:schemaRefs>
-    <ds:schemaRef ds:uri="http://schemas.microsoft.com/VisualStudio/2011/storyboarding/control"/>
-  </ds:schemaRefs>
-</ds:datastoreItem>
-</file>
-
-<file path=customXml/itemProps62.xml><?xml version="1.0" encoding="utf-8"?>
-<ds:datastoreItem xmlns:ds="http://schemas.openxmlformats.org/officeDocument/2006/customXml" ds:itemID="{F12E4822-BEA4-4C90-A23E-8C7DFCF7CDD6}">
-  <ds:schemaRefs>
-    <ds:schemaRef ds:uri="http://schemas.microsoft.com/VisualStudio/2011/storyboarding/control"/>
-  </ds:schemaRefs>
-</ds:datastoreItem>
-</file>
-
-<file path=customXml/itemProps63.xml><?xml version="1.0" encoding="utf-8"?>
-<ds:datastoreItem xmlns:ds="http://schemas.openxmlformats.org/officeDocument/2006/customXml" ds:itemID="{7D3F1746-26F3-4D5F-8DB1-4CE59AC409F7}">
-  <ds:schemaRefs>
-    <ds:schemaRef ds:uri="http://schemas.microsoft.com/VisualStudio/2011/storyboarding/control"/>
-  </ds:schemaRefs>
-</ds:datastoreItem>
-</file>
-
-<file path=customXml/itemProps64.xml><?xml version="1.0" encoding="utf-8"?>
-<ds:datastoreItem xmlns:ds="http://schemas.openxmlformats.org/officeDocument/2006/customXml" ds:itemID="{AAE9B66C-C51E-45FF-A0AF-F87D4E76C603}">
-  <ds:schemaRefs>
-    <ds:schemaRef ds:uri="http://schemas.microsoft.com/VisualStudio/2011/storyboarding/control"/>
-  </ds:schemaRefs>
-</ds:datastoreItem>
-</file>
-
-<file path=customXml/itemProps65.xml><?xml version="1.0" encoding="utf-8"?>
-<ds:datastoreItem xmlns:ds="http://schemas.openxmlformats.org/officeDocument/2006/customXml" ds:itemID="{F3241CCA-9602-4CB8-B6FA-D8222B14826C}">
-  <ds:schemaRefs>
-    <ds:schemaRef ds:uri="http://schemas.microsoft.com/VisualStudio/2011/storyboarding/control"/>
-  </ds:schemaRefs>
-</ds:datastoreItem>
-</file>
-
-<file path=customXml/itemProps66.xml><?xml version="1.0" encoding="utf-8"?>
-<ds:datastoreItem xmlns:ds="http://schemas.openxmlformats.org/officeDocument/2006/customXml" ds:itemID="{6D74F327-6332-4AC5-8084-6EBC78FC0812}">
-  <ds:schemaRefs>
-    <ds:schemaRef ds:uri="http://schemas.microsoft.com/VisualStudio/2011/storyboarding/control"/>
-  </ds:schemaRefs>
-</ds:datastoreItem>
-</file>
-
-<file path=customXml/itemProps67.xml><?xml version="1.0" encoding="utf-8"?>
-<ds:datastoreItem xmlns:ds="http://schemas.openxmlformats.org/officeDocument/2006/customXml" ds:itemID="{67BB8CBF-A728-42E4-ACB8-9EB900796758}">
-  <ds:schemaRefs>
-    <ds:schemaRef ds:uri="http://schemas.microsoft.com/VisualStudio/2011/storyboarding/control"/>
-  </ds:schemaRefs>
-</ds:datastoreItem>
-</file>
-
-<file path=customXml/itemProps68.xml><?xml version="1.0" encoding="utf-8"?>
-<ds:datastoreItem xmlns:ds="http://schemas.openxmlformats.org/officeDocument/2006/customXml" ds:itemID="{89F8D00C-2482-4F3D-ACA1-B806B7E2C2EC}">
-  <ds:schemaRefs>
-    <ds:schemaRef ds:uri="http://schemas.microsoft.com/VisualStudio/2011/storyboarding/control"/>
-  </ds:schemaRefs>
-</ds:datastoreItem>
-</file>
-
-<file path=customXml/itemProps69.xml><?xml version="1.0" encoding="utf-8"?>
-<ds:datastoreItem xmlns:ds="http://schemas.openxmlformats.org/officeDocument/2006/customXml" ds:itemID="{F753D4C8-6DCC-4D78-9E76-A20A021CFCD8}">
-  <ds:schemaRefs>
-    <ds:schemaRef ds:uri="http://schemas.microsoft.com/VisualStudio/2011/storyboarding/control"/>
-  </ds:schemaRefs>
-</ds:datastoreItem>
-</file>
-
-<file path=customXml/itemProps7.xml><?xml version="1.0" encoding="utf-8"?>
+<file path=customXml/itemProps97.xml><?xml version="1.0" encoding="utf-8"?>
 <ds:datastoreItem xmlns:ds="http://schemas.openxmlformats.org/officeDocument/2006/customXml" ds:itemID="{2373FA59-A4C7-4E40-BF8A-FEF69ED346A4}">
   <ds:schemaRefs>
     <ds:schemaRef ds:uri="http://schemas.microsoft.com/VisualStudio/2011/storyboarding/control"/>
@@ -11028,15 +11671,7 @@
 </ds:datastoreItem>
 </file>
 
-<file path=customXml/itemProps70.xml><?xml version="1.0" encoding="utf-8"?>
-<ds:datastoreItem xmlns:ds="http://schemas.openxmlformats.org/officeDocument/2006/customXml" ds:itemID="{C7B0D7AD-32DF-4953-89C9-C834F6010560}">
-  <ds:schemaRefs>
-    <ds:schemaRef ds:uri="http://schemas.microsoft.com/VisualStudio/2011/storyboarding/control"/>
-  </ds:schemaRefs>
-</ds:datastoreItem>
-</file>
-
-<file path=customXml/itemProps71.xml><?xml version="1.0" encoding="utf-8"?>
+<file path=customXml/itemProps98.xml><?xml version="1.0" encoding="utf-8"?>
 <ds:datastoreItem xmlns:ds="http://schemas.openxmlformats.org/officeDocument/2006/customXml" ds:itemID="{45D0D449-A17D-45A3-B4E7-E173226B985A}">
   <ds:schemaRefs>
     <ds:schemaRef ds:uri="http://schemas.microsoft.com/VisualStudio/2011/storyboarding/control"/>
@@ -11044,242 +11679,10 @@
 </ds:datastoreItem>
 </file>
 
-<file path=customXml/itemProps72.xml><?xml version="1.0" encoding="utf-8"?>
-<ds:datastoreItem xmlns:ds="http://schemas.openxmlformats.org/officeDocument/2006/customXml" ds:itemID="{48FCAF00-A9CA-4F0B-94B6-B06BD75E9807}">
-  <ds:schemaRefs>
-    <ds:schemaRef ds:uri="http://schemas.microsoft.com/VisualStudio/2011/storyboarding/control"/>
-  </ds:schemaRefs>
-</ds:datastoreItem>
-</file>
-
-<file path=customXml/itemProps73.xml><?xml version="1.0" encoding="utf-8"?>
-<ds:datastoreItem xmlns:ds="http://schemas.openxmlformats.org/officeDocument/2006/customXml" ds:itemID="{92C514EF-47C3-4A1E-8CC0-C426C540F0A1}">
-  <ds:schemaRefs>
-    <ds:schemaRef ds:uri="http://schemas.microsoft.com/VisualStudio/2011/storyboarding/control"/>
-  </ds:schemaRefs>
-</ds:datastoreItem>
-</file>
-
-<file path=customXml/itemProps74.xml><?xml version="1.0" encoding="utf-8"?>
-<ds:datastoreItem xmlns:ds="http://schemas.openxmlformats.org/officeDocument/2006/customXml" ds:itemID="{10F0BDDE-4AA3-40EF-B2BC-ACF0382ED861}">
-  <ds:schemaRefs>
-    <ds:schemaRef ds:uri="http://schemas.microsoft.com/VisualStudio/2011/storyboarding/control"/>
-  </ds:schemaRefs>
-</ds:datastoreItem>
-</file>
-
-<file path=customXml/itemProps75.xml><?xml version="1.0" encoding="utf-8"?>
-<ds:datastoreItem xmlns:ds="http://schemas.openxmlformats.org/officeDocument/2006/customXml" ds:itemID="{D76A8C43-D0E6-4D76-A639-72E580E29047}">
-  <ds:schemaRefs>
-    <ds:schemaRef ds:uri="http://schemas.microsoft.com/VisualStudio/2011/storyboarding/control"/>
-  </ds:schemaRefs>
-</ds:datastoreItem>
-</file>
-
-<file path=customXml/itemProps76.xml><?xml version="1.0" encoding="utf-8"?>
-<ds:datastoreItem xmlns:ds="http://schemas.openxmlformats.org/officeDocument/2006/customXml" ds:itemID="{1367878A-D08E-41A0-BE0F-87325A2CCFA2}">
-  <ds:schemaRefs>
-    <ds:schemaRef ds:uri="http://schemas.microsoft.com/VisualStudio/2011/storyboarding/control"/>
-  </ds:schemaRefs>
-</ds:datastoreItem>
-</file>
-
-<file path=customXml/itemProps77.xml><?xml version="1.0" encoding="utf-8"?>
-<ds:datastoreItem xmlns:ds="http://schemas.openxmlformats.org/officeDocument/2006/customXml" ds:itemID="{9431BAA6-A458-4A16-B548-267B412E871D}">
-  <ds:schemaRefs>
-    <ds:schemaRef ds:uri="http://schemas.microsoft.com/VisualStudio/2011/storyboarding/control"/>
-  </ds:schemaRefs>
-</ds:datastoreItem>
-</file>
-
-<file path=customXml/itemProps78.xml><?xml version="1.0" encoding="utf-8"?>
-<ds:datastoreItem xmlns:ds="http://schemas.openxmlformats.org/officeDocument/2006/customXml" ds:itemID="{E5DD84D4-A8CE-4783-AB20-E42165ABDFA7}">
-  <ds:schemaRefs>
-    <ds:schemaRef ds:uri="http://schemas.microsoft.com/VisualStudio/2011/storyboarding/control"/>
-  </ds:schemaRefs>
-</ds:datastoreItem>
-</file>
-
-<file path=customXml/itemProps79.xml><?xml version="1.0" encoding="utf-8"?>
-<ds:datastoreItem xmlns:ds="http://schemas.openxmlformats.org/officeDocument/2006/customXml" ds:itemID="{ADE0E0E1-3FB4-4764-85B1-A2581C94CFE9}">
-  <ds:schemaRefs>
-    <ds:schemaRef ds:uri="http://schemas.microsoft.com/VisualStudio/2011/storyboarding/control"/>
-  </ds:schemaRefs>
-</ds:datastoreItem>
-</file>
-
-<file path=customXml/itemProps8.xml><?xml version="1.0" encoding="utf-8"?>
-<ds:datastoreItem xmlns:ds="http://schemas.openxmlformats.org/officeDocument/2006/customXml" ds:itemID="{AABACF0D-5384-4675-802C-4FFC55B3B83D}">
-  <ds:schemaRefs>
-    <ds:schemaRef ds:uri="http://schemas.microsoft.com/VisualStudio/2011/storyboarding/control"/>
-  </ds:schemaRefs>
-</ds:datastoreItem>
-</file>
-
-<file path=customXml/itemProps80.xml><?xml version="1.0" encoding="utf-8"?>
-<ds:datastoreItem xmlns:ds="http://schemas.openxmlformats.org/officeDocument/2006/customXml" ds:itemID="{DDBF085A-1095-41CF-A0E2-F8212DFD4835}">
-  <ds:schemaRefs>
-    <ds:schemaRef ds:uri="http://schemas.microsoft.com/VisualStudio/2011/storyboarding/control"/>
-  </ds:schemaRefs>
-</ds:datastoreItem>
-</file>
-
-<file path=customXml/itemProps81.xml><?xml version="1.0" encoding="utf-8"?>
-<ds:datastoreItem xmlns:ds="http://schemas.openxmlformats.org/officeDocument/2006/customXml" ds:itemID="{AE608858-3A79-4E62-9586-14C746DF17FE}">
-  <ds:schemaRefs>
-    <ds:schemaRef ds:uri="http://schemas.microsoft.com/VisualStudio/2011/storyboarding/control"/>
-  </ds:schemaRefs>
-</ds:datastoreItem>
-</file>
-
-<file path=customXml/itemProps82.xml><?xml version="1.0" encoding="utf-8"?>
-<ds:datastoreItem xmlns:ds="http://schemas.openxmlformats.org/officeDocument/2006/customXml" ds:itemID="{D8653A86-F184-47A6-A8EA-282F582C20DD}">
-  <ds:schemaRefs>
-    <ds:schemaRef ds:uri="http://schemas.microsoft.com/VisualStudio/2011/storyboarding/control"/>
-  </ds:schemaRefs>
-</ds:datastoreItem>
-</file>
-
-<file path=customXml/itemProps83.xml><?xml version="1.0" encoding="utf-8"?>
-<ds:datastoreItem xmlns:ds="http://schemas.openxmlformats.org/officeDocument/2006/customXml" ds:itemID="{CAA62E3A-E1D3-48E6-902C-72278FCF572B}">
-  <ds:schemaRefs>
-    <ds:schemaRef ds:uri="http://schemas.microsoft.com/VisualStudio/2011/storyboarding/control"/>
-  </ds:schemaRefs>
-</ds:datastoreItem>
-</file>
-
-<file path=customXml/itemProps84.xml><?xml version="1.0" encoding="utf-8"?>
-<ds:datastoreItem xmlns:ds="http://schemas.openxmlformats.org/officeDocument/2006/customXml" ds:itemID="{394EADEA-3838-4D66-B77E-E5E9BD6A7AEA}">
-  <ds:schemaRefs>
-    <ds:schemaRef ds:uri="http://schemas.microsoft.com/VisualStudio/2011/storyboarding/control"/>
-  </ds:schemaRefs>
-</ds:datastoreItem>
-</file>
-
-<file path=customXml/itemProps85.xml><?xml version="1.0" encoding="utf-8"?>
-<ds:datastoreItem xmlns:ds="http://schemas.openxmlformats.org/officeDocument/2006/customXml" ds:itemID="{D08605C4-AECB-4FFF-9D2C-98990B0DFFDA}">
-  <ds:schemaRefs>
-    <ds:schemaRef ds:uri="http://schemas.microsoft.com/VisualStudio/2011/storyboarding/control"/>
-  </ds:schemaRefs>
-</ds:datastoreItem>
-</file>
-
-<file path=customXml/itemProps86.xml><?xml version="1.0" encoding="utf-8"?>
-<ds:datastoreItem xmlns:ds="http://schemas.openxmlformats.org/officeDocument/2006/customXml" ds:itemID="{46C8095E-E543-4B44-84A5-7DF9215641EF}">
-  <ds:schemaRefs>
-    <ds:schemaRef ds:uri="http://schemas.microsoft.com/VisualStudio/2011/storyboarding/control"/>
-  </ds:schemaRefs>
-</ds:datastoreItem>
-</file>
-
-<file path=customXml/itemProps87.xml><?xml version="1.0" encoding="utf-8"?>
-<ds:datastoreItem xmlns:ds="http://schemas.openxmlformats.org/officeDocument/2006/customXml" ds:itemID="{4ECEEF82-0B3C-4906-961B-AFB29BD1E6E3}">
-  <ds:schemaRefs>
-    <ds:schemaRef ds:uri="http://schemas.microsoft.com/VisualStudio/2011/storyboarding/control"/>
-  </ds:schemaRefs>
-</ds:datastoreItem>
-</file>
-
-<file path=customXml/itemProps88.xml><?xml version="1.0" encoding="utf-8"?>
-<ds:datastoreItem xmlns:ds="http://schemas.openxmlformats.org/officeDocument/2006/customXml" ds:itemID="{B1441669-2371-4AE4-A8B5-AFC09272AA93}">
-  <ds:schemaRefs>
-    <ds:schemaRef ds:uri="http://schemas.microsoft.com/VisualStudio/2011/storyboarding/control"/>
-  </ds:schemaRefs>
-</ds:datastoreItem>
-</file>
-
-<file path=customXml/itemProps89.xml><?xml version="1.0" encoding="utf-8"?>
-<ds:datastoreItem xmlns:ds="http://schemas.openxmlformats.org/officeDocument/2006/customXml" ds:itemID="{E029995E-6C1C-464C-B18A-588A9A373F13}">
-  <ds:schemaRefs>
-    <ds:schemaRef ds:uri="http://schemas.microsoft.com/VisualStudio/2011/storyboarding/control"/>
-  </ds:schemaRefs>
-</ds:datastoreItem>
-</file>
-
-<file path=customXml/itemProps9.xml><?xml version="1.0" encoding="utf-8"?>
-<ds:datastoreItem xmlns:ds="http://schemas.openxmlformats.org/officeDocument/2006/customXml" ds:itemID="{AA6A5E90-4733-4052-BD41-CDB87AFA6C57}">
-  <ds:schemaRefs>
-    <ds:schemaRef ds:uri="http://schemas.microsoft.com/VisualStudio/2011/storyboarding/control"/>
-  </ds:schemaRefs>
-</ds:datastoreItem>
-</file>
-
-<file path=customXml/itemProps90.xml><?xml version="1.0" encoding="utf-8"?>
-<ds:datastoreItem xmlns:ds="http://schemas.openxmlformats.org/officeDocument/2006/customXml" ds:itemID="{1EAEFE78-3E46-45E5-85DF-8CF35EFEFFEE}">
-  <ds:schemaRefs>
-    <ds:schemaRef ds:uri="http://schemas.microsoft.com/VisualStudio/2011/storyboarding/control"/>
-  </ds:schemaRefs>
-</ds:datastoreItem>
-</file>
-
-<file path=customXml/itemProps91.xml><?xml version="1.0" encoding="utf-8"?>
-<ds:datastoreItem xmlns:ds="http://schemas.openxmlformats.org/officeDocument/2006/customXml" ds:itemID="{29B37182-9887-4972-8113-B6FBFE59F94E}">
-  <ds:schemaRefs>
-    <ds:schemaRef ds:uri="http://schemas.microsoft.com/VisualStudio/2011/storyboarding/control"/>
-  </ds:schemaRefs>
-</ds:datastoreItem>
-</file>
-
-<file path=customXml/itemProps92.xml><?xml version="1.0" encoding="utf-8"?>
+<file path=customXml/itemProps99.xml><?xml version="1.0" encoding="utf-8"?>
 <ds:datastoreItem xmlns:ds="http://schemas.openxmlformats.org/officeDocument/2006/customXml" ds:itemID="{5D43C5DF-C9CE-423E-ADD8-1AAE08E6145B}">
   <ds:schemaRefs>
     <ds:schemaRef ds:uri="http://schemas.microsoft.com/VisualStudio/2011/storyboarding/control"/>
   </ds:schemaRefs>
 </ds:datastoreItem>
-</file>
-
-<file path=customXml/itemProps93.xml><?xml version="1.0" encoding="utf-8"?>
-<ds:datastoreItem xmlns:ds="http://schemas.openxmlformats.org/officeDocument/2006/customXml" ds:itemID="{1E27CC14-9852-42D8-9A73-828A1C767F65}">
-  <ds:schemaRefs>
-    <ds:schemaRef ds:uri="http://schemas.microsoft.com/VisualStudio/2011/storyboarding/control"/>
-  </ds:schemaRefs>
-</ds:datastoreItem>
-</file>
-
-<file path=customXml/itemProps94.xml><?xml version="1.0" encoding="utf-8"?>
-<ds:datastoreItem xmlns:ds="http://schemas.openxmlformats.org/officeDocument/2006/customXml" ds:itemID="{5248BC68-ADE7-429D-B013-9195EF7419E9}">
-  <ds:schemaRefs>
-    <ds:schemaRef ds:uri="http://schemas.microsoft.com/VisualStudio/2011/storyboarding/control"/>
-  </ds:schemaRefs>
-</ds:datastoreItem>
-</file>
-
-<file path=customXml/itemProps95.xml><?xml version="1.0" encoding="utf-8"?>
-<ds:datastoreItem xmlns:ds="http://schemas.openxmlformats.org/officeDocument/2006/customXml" ds:itemID="{F09024E1-1C18-4E75-B068-E418EE7D2650}">
-  <ds:schemaRefs>
-    <ds:schemaRef ds:uri="http://schemas.microsoft.com/VisualStudio/2011/storyboarding/control"/>
-  </ds:schemaRefs>
-</ds:datastoreItem>
-</file>
-
-<file path=customXml/itemProps96.xml><?xml version="1.0" encoding="utf-8"?>
-<ds:datastoreItem xmlns:ds="http://schemas.openxmlformats.org/officeDocument/2006/customXml" ds:itemID="{45B142F8-50A8-47EE-8945-EA0E8BEF71EB}">
-  <ds:schemaRefs>
-    <ds:schemaRef ds:uri="http://schemas.microsoft.com/VisualStudio/2011/storyboarding/control"/>
-  </ds:schemaRefs>
-</ds:datastoreItem>
-</file>
-
-<file path=customXml/itemProps97.xml><?xml version="1.0" encoding="utf-8"?>
-<ds:datastoreItem xmlns:ds="http://schemas.openxmlformats.org/officeDocument/2006/customXml" ds:itemID="{FF00F683-10CA-4344-BB02-557AFC229713}">
-  <ds:schemaRefs>
-    <ds:schemaRef ds:uri="http://schemas.microsoft.com/VisualStudio/2011/storyboarding/control"/>
-  </ds:schemaRefs>
-</ds:datastoreItem>
-</file>
-
-<file path=customXml/itemProps98.xml><?xml version="1.0" encoding="utf-8"?>
-<ds:datastoreItem xmlns:ds="http://schemas.openxmlformats.org/officeDocument/2006/customXml" ds:itemID="{13D229BA-F403-4DB5-940D-9A722C14A295}">
-  <ds:schemaRefs>
-    <ds:schemaRef ds:uri="http://schemas.microsoft.com/VisualStudio/2011/storyboarding/control"/>
-  </ds:schemaRefs>
-</ds:datastoreItem>
-</file>
-
-<file path=customXml/itemProps99.xml><?xml version="1.0" encoding="utf-8"?>
-<ds:datastoreItem xmlns:ds="http://schemas.openxmlformats.org/officeDocument/2006/customXml" ds:itemID="{E7741501-71C2-4C17-B4E1-815C0856C474}">
-  <ds:schemaRefs>
-    <ds:schemaRef ds:uri="http://schemas.microsoft.com/VisualStudio/2011/storyboarding/control"/>
-  </ds:schemaRefs>
-</ds:datastoreItem>
 </file>
--- a/Maquettage.pptx
+++ b/Maquettage.pptx
@@ -2,12 +2,12 @@
 <file path=ppt/presentation.xml><?xml version="1.0" encoding="utf-8"?>
 <p:presentation xmlns:a="http://schemas.openxmlformats.org/drawingml/2006/main" xmlns:r="http://schemas.openxmlformats.org/officeDocument/2006/relationships" xmlns:p="http://schemas.openxmlformats.org/presentationml/2006/main" saveSubsetFonts="1">
   <p:sldMasterIdLst>
-    <p:sldMasterId id="2147483660" r:id="rId114"/>
+    <p:sldMasterId id="2147483660" r:id="rId158"/>
   </p:sldMasterIdLst>
   <p:sldIdLst>
-    <p:sldId id="256" r:id="rId115"/>
-    <p:sldId id="257" r:id="rId116"/>
-    <p:sldId id="258" r:id="rId117"/>
+    <p:sldId id="256" r:id="rId159"/>
+    <p:sldId id="257" r:id="rId160"/>
+    <p:sldId id="258" r:id="rId161"/>
   </p:sldIdLst>
   <p:sldSz cx="12192000" cy="6858000"/>
   <p:notesSz cx="6858000" cy="9144000"/>
@@ -2765,6 +2765,625 @@
 
 <file path=ppt/slideLayouts/slideLayout2.xml><?xml version="1.0" encoding="utf-8"?>
 <p:sldLayout xmlns:a="http://schemas.openxmlformats.org/drawingml/2006/main" xmlns:r="http://schemas.openxmlformats.org/officeDocument/2006/relationships" xmlns:p="http://schemas.openxmlformats.org/presentationml/2006/main" preserve="1" userDrawn="1">
+  <p:cSld name="Disposition personnalisée">
+    <p:spTree>
+      <p:nvGrpSpPr>
+        <p:cNvPr id="1" name=""/>
+        <p:cNvGrpSpPr/>
+        <p:nvPr/>
+      </p:nvGrpSpPr>
+      <p:grpSpPr>
+        <a:xfrm>
+          <a:off x="0" y="0"/>
+          <a:ext cx="0" cy="0"/>
+          <a:chOff x="0" y="0"/>
+          <a:chExt cx="0" cy="0"/>
+        </a:xfrm>
+      </p:grpSpPr>
+      <p:sp>
+        <p:nvSpPr>
+          <p:cNvPr id="4" name="Rectangle 3">
+            <a:extLst>
+              <a:ext uri="{FF2B5EF4-FFF2-40B4-BE49-F238E27FC236}">
+                <a16:creationId xmlns:a16="http://schemas.microsoft.com/office/drawing/2014/main" id="{CB14AED4-C0CA-42C2-A86D-DCF262F20AB9}"/>
+              </a:ext>
+            </a:extLst>
+          </p:cNvPr>
+          <p:cNvSpPr/>
+          <p:nvPr userDrawn="1"/>
+        </p:nvSpPr>
+        <p:spPr>
+          <a:xfrm>
+            <a:off x="3304755" y="2920484"/>
+            <a:ext cx="4679743" cy="584775"/>
+          </a:xfrm>
+          <a:prstGeom prst="rect">
+            <a:avLst/>
+          </a:prstGeom>
+        </p:spPr>
+        <p:txBody>
+          <a:bodyPr wrap="none">
+            <a:spAutoFit/>
+          </a:bodyPr>
+          <a:lstStyle/>
+          <a:p>
+            <a:r>
+              <a:rPr lang="en-US" sz="3200" dirty="0">
+                <a:solidFill>
+                  <a:srgbClr val="000000"/>
+                </a:solidFill>
+                <a:latin typeface="Segoe UI" pitchFamily="34" charset="0"/>
+                <a:ea typeface="Segoe UI" pitchFamily="34" charset="0"/>
+                <a:cs typeface="Segoe UI" pitchFamily="34" charset="0"/>
+              </a:rPr>
+              <a:t>Votre sondage a été créé</a:t>
+            </a:r>
+          </a:p>
+        </p:txBody>
+      </p:sp>
+      <p:pic>
+        <p:nvPicPr>
+          <p:cNvPr id="5" name="Picture 1">
+            <a:extLst>
+              <a:ext uri="{FF2B5EF4-FFF2-40B4-BE49-F238E27FC236}">
+                <a16:creationId xmlns:a16="http://schemas.microsoft.com/office/drawing/2014/main" id="{8D86CEF5-01A8-42AC-9ECC-0CD6478F276F}"/>
+              </a:ext>
+            </a:extLst>
+          </p:cNvPr>
+          <p:cNvPicPr preferRelativeResize="0">
+            <a:picLocks/>
+          </p:cNvPicPr>
+          <p:nvPr userDrawn="1">
+            <p:custDataLst>
+              <p:custData r:id="rId1"/>
+            </p:custDataLst>
+          </p:nvPr>
+        </p:nvPicPr>
+        <p:blipFill>
+          <a:blip r:embed="rId9">
+            <a:extLst>
+              <a:ext uri="{28A0092B-C50C-407E-A947-70E740481C1C}">
+                <a14:useLocalDpi xmlns:a14="http://schemas.microsoft.com/office/drawing/2010/main" val="0"/>
+              </a:ext>
+            </a:extLst>
+          </a:blip>
+          <a:stretch>
+            <a:fillRect/>
+          </a:stretch>
+        </p:blipFill>
+        <p:spPr>
+          <a:xfrm>
+            <a:off x="2449901" y="3020394"/>
+            <a:ext cx="561555" cy="408606"/>
+          </a:xfrm>
+          <a:prstGeom prst="rect">
+            <a:avLst/>
+          </a:prstGeom>
+        </p:spPr>
+      </p:pic>
+      <p:sp>
+        <p:nvSpPr>
+          <p:cNvPr id="6" name="Content">
+            <a:extLst>
+              <a:ext uri="{FF2B5EF4-FFF2-40B4-BE49-F238E27FC236}">
+                <a16:creationId xmlns:a16="http://schemas.microsoft.com/office/drawing/2014/main" id="{9629DAB6-BFFC-41D8-B7D2-2B59E71802B7}"/>
+              </a:ext>
+            </a:extLst>
+          </p:cNvPr>
+          <p:cNvSpPr/>
+          <p:nvPr userDrawn="1">
+            <p:custDataLst>
+              <p:custData r:id="rId2"/>
+            </p:custDataLst>
+          </p:nvPr>
+        </p:nvSpPr>
+        <p:spPr>
+          <a:xfrm>
+            <a:off x="3044180" y="4416723"/>
+            <a:ext cx="5200891" cy="276047"/>
+          </a:xfrm>
+          <a:prstGeom prst="rect">
+            <a:avLst/>
+          </a:prstGeom>
+          <a:solidFill>
+            <a:sysClr val="window" lastClr="FFFFFF"/>
+          </a:solidFill>
+          <a:ln w="3175">
+            <a:solidFill>
+              <a:srgbClr val="000000">
+                <a:lumMod val="50000"/>
+                <a:lumOff val="50000"/>
+              </a:srgbClr>
+            </a:solidFill>
+          </a:ln>
+          <a:effectLst/>
+        </p:spPr>
+        <p:style>
+          <a:lnRef idx="2">
+            <a:srgbClr val="4F81BD">
+              <a:shade val="50000"/>
+            </a:srgbClr>
+          </a:lnRef>
+          <a:fillRef idx="1">
+            <a:srgbClr val="4F81BD"/>
+          </a:fillRef>
+          <a:effectRef idx="0">
+            <a:srgbClr val="4F81BD"/>
+          </a:effectRef>
+          <a:fontRef idx="minor">
+            <a:srgbClr val="000000"/>
+          </a:fontRef>
+        </p:style>
+        <p:txBody>
+          <a:bodyPr lIns="45720" tIns="27432" rIns="0" bIns="0" rtlCol="0" anchor="t" anchorCtr="0"/>
+          <a:lstStyle/>
+          <a:p>
+            <a:r>
+              <a:rPr lang="en-US" sz="1600" dirty="0">
+                <a:solidFill>
+                  <a:srgbClr val="000000"/>
+                </a:solidFill>
+                <a:latin typeface="Segoe UI" pitchFamily="34" charset="0"/>
+                <a:cs typeface="Segoe UI" pitchFamily="34" charset="0"/>
+                <a:hlinkClick r:id="rId10"/>
+              </a:rPr>
+              <a:t>http://sond-agedepierre.fr/VotreSondage</a:t>
+            </a:r>
+            <a:endParaRPr lang="en-US" sz="1600" dirty="0">
+              <a:solidFill>
+                <a:srgbClr val="000000"/>
+              </a:solidFill>
+              <a:latin typeface="Segoe UI" pitchFamily="34" charset="0"/>
+              <a:cs typeface="Segoe UI" pitchFamily="34" charset="0"/>
+            </a:endParaRPr>
+          </a:p>
+          <a:p>
+            <a:endParaRPr lang="en-US" sz="1200" dirty="0">
+              <a:solidFill>
+                <a:srgbClr val="000000"/>
+              </a:solidFill>
+              <a:latin typeface="Segoe UI" pitchFamily="34" charset="0"/>
+              <a:cs typeface="Segoe UI" pitchFamily="34" charset="0"/>
+            </a:endParaRPr>
+          </a:p>
+        </p:txBody>
+      </p:sp>
+      <p:sp>
+        <p:nvSpPr>
+          <p:cNvPr id="8" name="Content">
+            <a:extLst>
+              <a:ext uri="{FF2B5EF4-FFF2-40B4-BE49-F238E27FC236}">
+                <a16:creationId xmlns:a16="http://schemas.microsoft.com/office/drawing/2014/main" id="{E1D566EE-8DDC-496F-A7E6-3846DF418BB3}"/>
+              </a:ext>
+            </a:extLst>
+          </p:cNvPr>
+          <p:cNvSpPr txBox="1"/>
+          <p:nvPr userDrawn="1">
+            <p:custDataLst>
+              <p:custData r:id="rId3"/>
+            </p:custDataLst>
+          </p:nvPr>
+        </p:nvSpPr>
+        <p:spPr>
+          <a:xfrm>
+            <a:off x="746481" y="4400382"/>
+            <a:ext cx="1309974" cy="292388"/>
+          </a:xfrm>
+          <a:prstGeom prst="rect">
+            <a:avLst/>
+          </a:prstGeom>
+          <a:noFill/>
+        </p:spPr>
+        <p:txBody>
+          <a:bodyPr wrap="none" lIns="91440" tIns="18288" rIns="91440" bIns="27432" rtlCol="0" anchor="ctr" anchorCtr="0">
+            <a:spAutoFit/>
+          </a:bodyPr>
+          <a:lstStyle/>
+          <a:p>
+            <a:r>
+              <a:rPr lang="en-US" sz="1600" dirty="0">
+                <a:solidFill>
+                  <a:srgbClr val="000000"/>
+                </a:solidFill>
+                <a:latin typeface="Segoe UI" pitchFamily="34" charset="0"/>
+                <a:ea typeface="Segoe UI" pitchFamily="34" charset="0"/>
+                <a:cs typeface="Segoe UI" pitchFamily="34" charset="0"/>
+              </a:rPr>
+              <a:t>Lien partagé</a:t>
+            </a:r>
+          </a:p>
+        </p:txBody>
+      </p:sp>
+      <p:sp>
+        <p:nvSpPr>
+          <p:cNvPr id="9" name="Content">
+            <a:extLst>
+              <a:ext uri="{FF2B5EF4-FFF2-40B4-BE49-F238E27FC236}">
+                <a16:creationId xmlns:a16="http://schemas.microsoft.com/office/drawing/2014/main" id="{7B2824BC-CD6D-4528-8C7C-B2DA8A2C97B8}"/>
+              </a:ext>
+            </a:extLst>
+          </p:cNvPr>
+          <p:cNvSpPr txBox="1"/>
+          <p:nvPr userDrawn="1">
+            <p:custDataLst>
+              <p:custData r:id="rId4"/>
+            </p:custDataLst>
+          </p:nvPr>
+        </p:nvSpPr>
+        <p:spPr>
+          <a:xfrm>
+            <a:off x="746481" y="5228518"/>
+            <a:ext cx="1329210" cy="292388"/>
+          </a:xfrm>
+          <a:prstGeom prst="rect">
+            <a:avLst/>
+          </a:prstGeom>
+          <a:noFill/>
+        </p:spPr>
+        <p:txBody>
+          <a:bodyPr wrap="none" lIns="91440" tIns="18288" rIns="91440" bIns="27432" rtlCol="0" anchor="ctr" anchorCtr="0">
+            <a:spAutoFit/>
+          </a:bodyPr>
+          <a:lstStyle/>
+          <a:p>
+            <a:r>
+              <a:rPr lang="en-US" sz="1600" dirty="0">
+                <a:solidFill>
+                  <a:srgbClr val="000000"/>
+                </a:solidFill>
+                <a:latin typeface="Segoe UI" pitchFamily="34" charset="0"/>
+                <a:ea typeface="Segoe UI" pitchFamily="34" charset="0"/>
+                <a:cs typeface="Segoe UI" pitchFamily="34" charset="0"/>
+              </a:rPr>
+              <a:t>Lien sécurisé</a:t>
+            </a:r>
+          </a:p>
+        </p:txBody>
+      </p:sp>
+      <p:sp>
+        <p:nvSpPr>
+          <p:cNvPr id="10" name="Content">
+            <a:extLst>
+              <a:ext uri="{FF2B5EF4-FFF2-40B4-BE49-F238E27FC236}">
+                <a16:creationId xmlns:a16="http://schemas.microsoft.com/office/drawing/2014/main" id="{B7DF159B-F745-46EE-A8EB-1790396793DC}"/>
+              </a:ext>
+            </a:extLst>
+          </p:cNvPr>
+          <p:cNvSpPr txBox="1"/>
+          <p:nvPr userDrawn="1">
+            <p:custDataLst>
+              <p:custData r:id="rId5"/>
+            </p:custDataLst>
+          </p:nvPr>
+        </p:nvSpPr>
+        <p:spPr>
+          <a:xfrm>
+            <a:off x="8539337" y="5228518"/>
+            <a:ext cx="3245697" cy="292388"/>
+          </a:xfrm>
+          <a:prstGeom prst="rect">
+            <a:avLst/>
+          </a:prstGeom>
+          <a:noFill/>
+        </p:spPr>
+        <p:txBody>
+          <a:bodyPr wrap="none" lIns="91440" tIns="18288" rIns="91440" bIns="27432" rtlCol="0" anchor="ctr" anchorCtr="0">
+            <a:spAutoFit/>
+          </a:bodyPr>
+          <a:lstStyle/>
+          <a:p>
+            <a:r>
+              <a:rPr lang="en-US" sz="1600" dirty="0">
+                <a:solidFill>
+                  <a:srgbClr val="000000"/>
+                </a:solidFill>
+                <a:latin typeface="Segoe UI" pitchFamily="34" charset="0"/>
+                <a:ea typeface="Segoe UI" pitchFamily="34" charset="0"/>
+                <a:cs typeface="Segoe UI" pitchFamily="34" charset="0"/>
+              </a:rPr>
+              <a:t>(afin de supprimer votre sondage)</a:t>
+            </a:r>
+          </a:p>
+        </p:txBody>
+      </p:sp>
+      <p:sp>
+        <p:nvSpPr>
+          <p:cNvPr id="11" name="Content">
+            <a:extLst>
+              <a:ext uri="{FF2B5EF4-FFF2-40B4-BE49-F238E27FC236}">
+                <a16:creationId xmlns:a16="http://schemas.microsoft.com/office/drawing/2014/main" id="{1CF2DEEC-EF3D-4B29-B5FE-847F995420E3}"/>
+              </a:ext>
+            </a:extLst>
+          </p:cNvPr>
+          <p:cNvSpPr/>
+          <p:nvPr userDrawn="1">
+            <p:custDataLst>
+              <p:custData r:id="rId6"/>
+            </p:custDataLst>
+          </p:nvPr>
+        </p:nvSpPr>
+        <p:spPr>
+          <a:xfrm>
+            <a:off x="3044180" y="5244859"/>
+            <a:ext cx="5200891" cy="276047"/>
+          </a:xfrm>
+          <a:prstGeom prst="rect">
+            <a:avLst/>
+          </a:prstGeom>
+          <a:solidFill>
+            <a:sysClr val="window" lastClr="FFFFFF"/>
+          </a:solidFill>
+          <a:ln w="3175">
+            <a:solidFill>
+              <a:srgbClr val="000000">
+                <a:lumMod val="50000"/>
+                <a:lumOff val="50000"/>
+              </a:srgbClr>
+            </a:solidFill>
+          </a:ln>
+          <a:effectLst/>
+        </p:spPr>
+        <p:style>
+          <a:lnRef idx="2">
+            <a:srgbClr val="4F81BD">
+              <a:shade val="50000"/>
+            </a:srgbClr>
+          </a:lnRef>
+          <a:fillRef idx="1">
+            <a:srgbClr val="4F81BD"/>
+          </a:fillRef>
+          <a:effectRef idx="0">
+            <a:srgbClr val="4F81BD"/>
+          </a:effectRef>
+          <a:fontRef idx="minor">
+            <a:srgbClr val="000000"/>
+          </a:fontRef>
+        </p:style>
+        <p:txBody>
+          <a:bodyPr wrap="none" lIns="45720" tIns="18288" rIns="45720" bIns="18288" rtlCol="0" anchor="ctr">
+            <a:noAutofit/>
+          </a:bodyPr>
+          <a:lstStyle/>
+          <a:p>
+            <a:r>
+              <a:rPr lang="en-US" sz="1600" dirty="0">
+                <a:solidFill>
+                  <a:srgbClr val="000000"/>
+                </a:solidFill>
+                <a:latin typeface="Segoe UI" pitchFamily="34" charset="0"/>
+                <a:cs typeface="Segoe UI" pitchFamily="34" charset="0"/>
+                <a:hlinkClick r:id="rId11"/>
+              </a:rPr>
+              <a:t>http://sond-agedepierre.fr/clesecurisealeatoire</a:t>
+            </a:r>
+            <a:endParaRPr lang="en-US" sz="1600" dirty="0">
+              <a:solidFill>
+                <a:srgbClr val="000000"/>
+              </a:solidFill>
+              <a:latin typeface="Segoe UI" pitchFamily="34" charset="0"/>
+              <a:cs typeface="Segoe UI" pitchFamily="34" charset="0"/>
+            </a:endParaRPr>
+          </a:p>
+        </p:txBody>
+      </p:sp>
+      <p:pic>
+        <p:nvPicPr>
+          <p:cNvPr id="12" name="Picture 2" descr="C:\Users\t-dantay\Documents\Placeholders\lock.png">
+            <a:extLst>
+              <a:ext uri="{FF2B5EF4-FFF2-40B4-BE49-F238E27FC236}">
+                <a16:creationId xmlns:a16="http://schemas.microsoft.com/office/drawing/2014/main" id="{26AAD9A8-53C4-4288-BDD8-0607108406A4}"/>
+              </a:ext>
+            </a:extLst>
+          </p:cNvPr>
+          <p:cNvPicPr>
+            <a:picLocks noChangeAspect="1" noChangeArrowheads="1"/>
+          </p:cNvPicPr>
+          <p:nvPr userDrawn="1">
+            <p:custDataLst>
+              <p:custData r:id="rId7"/>
+            </p:custDataLst>
+          </p:nvPr>
+        </p:nvPicPr>
+        <p:blipFill>
+          <a:blip r:embed="rId12" cstate="print">
+            <a:extLst>
+              <a:ext uri="{28A0092B-C50C-407E-A947-70E740481C1C}">
+                <a14:useLocalDpi xmlns:a14="http://schemas.microsoft.com/office/drawing/2010/main" val="0"/>
+              </a:ext>
+            </a:extLst>
+          </a:blip>
+          <a:srcRect/>
+          <a:stretch>
+            <a:fillRect/>
+          </a:stretch>
+        </p:blipFill>
+        <p:spPr bwMode="auto">
+          <a:xfrm>
+            <a:off x="8329698" y="5273805"/>
+            <a:ext cx="174171" cy="228600"/>
+          </a:xfrm>
+          <a:prstGeom prst="rect">
+            <a:avLst/>
+          </a:prstGeom>
+          <a:noFill/>
+          <a:extLst>
+            <a:ext uri="{909E8E84-426E-40DD-AFC4-6F175D3DCCD1}">
+              <a14:hiddenFill xmlns:a14="http://schemas.microsoft.com/office/drawing/2010/main">
+                <a:solidFill>
+                  <a:srgbClr val="FFFFFF"/>
+                </a:solidFill>
+              </a14:hiddenFill>
+            </a:ext>
+          </a:extLst>
+        </p:spPr>
+      </p:pic>
+    </p:spTree>
+    <p:extLst>
+      <p:ext uri="{BB962C8B-B14F-4D97-AF65-F5344CB8AC3E}">
+        <p14:creationId xmlns:p14="http://schemas.microsoft.com/office/powerpoint/2010/main" val="51374542"/>
+      </p:ext>
+    </p:extLst>
+  </p:cSld>
+  <p:clrMapOvr>
+    <a:masterClrMapping/>
+  </p:clrMapOvr>
+</p:sldLayout>
+</file>
+
+<file path=ppt/slideLayouts/slideLayout3.xml><?xml version="1.0" encoding="utf-8"?>
+<p:sldLayout xmlns:a="http://schemas.openxmlformats.org/drawingml/2006/main" xmlns:r="http://schemas.openxmlformats.org/officeDocument/2006/relationships" xmlns:p="http://schemas.openxmlformats.org/presentationml/2006/main" preserve="1" userDrawn="1">
+  <p:cSld name="3_Disposition personnalisée">
+    <p:spTree>
+      <p:nvGrpSpPr>
+        <p:cNvPr id="1" name=""/>
+        <p:cNvGrpSpPr/>
+        <p:nvPr/>
+      </p:nvGrpSpPr>
+      <p:grpSpPr>
+        <a:xfrm>
+          <a:off x="0" y="0"/>
+          <a:ext cx="0" cy="0"/>
+          <a:chOff x="0" y="0"/>
+          <a:chExt cx="0" cy="0"/>
+        </a:xfrm>
+      </p:grpSpPr>
+      <p:sp>
+        <p:nvSpPr>
+          <p:cNvPr id="3" name="Rectangle 2">
+            <a:extLst>
+              <a:ext uri="{FF2B5EF4-FFF2-40B4-BE49-F238E27FC236}">
+                <a16:creationId xmlns:a16="http://schemas.microsoft.com/office/drawing/2014/main" id="{2A8B3D90-48EA-42E2-B975-88FA8C3AC2A3}"/>
+              </a:ext>
+            </a:extLst>
+          </p:cNvPr>
+          <p:cNvSpPr/>
+          <p:nvPr userDrawn="1"/>
+        </p:nvSpPr>
+        <p:spPr>
+          <a:xfrm>
+            <a:off x="3304755" y="2920484"/>
+            <a:ext cx="5626092" cy="584775"/>
+          </a:xfrm>
+          <a:prstGeom prst="rect">
+            <a:avLst/>
+          </a:prstGeom>
+        </p:spPr>
+        <p:txBody>
+          <a:bodyPr wrap="none">
+            <a:spAutoFit/>
+          </a:bodyPr>
+          <a:lstStyle/>
+          <a:p>
+            <a:r>
+              <a:rPr lang="en-US" sz="3200" dirty="0">
+                <a:solidFill>
+                  <a:srgbClr val="000000"/>
+                </a:solidFill>
+                <a:latin typeface="Segoe UI" pitchFamily="34" charset="0"/>
+                <a:ea typeface="Segoe UI" pitchFamily="34" charset="0"/>
+                <a:cs typeface="Segoe UI" pitchFamily="34" charset="0"/>
+              </a:rPr>
+              <a:t>Votre sondage a </a:t>
+            </a:r>
+            <a:r>
+              <a:rPr lang="en-US" sz="3200" dirty="0" err="1">
+                <a:solidFill>
+                  <a:srgbClr val="000000"/>
+                </a:solidFill>
+                <a:latin typeface="Segoe UI" pitchFamily="34" charset="0"/>
+                <a:ea typeface="Segoe UI" pitchFamily="34" charset="0"/>
+                <a:cs typeface="Segoe UI" pitchFamily="34" charset="0"/>
+              </a:rPr>
+              <a:t>été</a:t>
+            </a:r>
+            <a:r>
+              <a:rPr lang="en-US" sz="3200" dirty="0">
+                <a:solidFill>
+                  <a:srgbClr val="000000"/>
+                </a:solidFill>
+                <a:latin typeface="Segoe UI" pitchFamily="34" charset="0"/>
+                <a:ea typeface="Segoe UI" pitchFamily="34" charset="0"/>
+                <a:cs typeface="Segoe UI" pitchFamily="34" charset="0"/>
+              </a:rPr>
+              <a:t> </a:t>
+            </a:r>
+            <a:r>
+              <a:rPr lang="en-US" sz="3200" dirty="0" err="1">
+                <a:solidFill>
+                  <a:srgbClr val="000000"/>
+                </a:solidFill>
+                <a:latin typeface="Segoe UI" pitchFamily="34" charset="0"/>
+                <a:ea typeface="Segoe UI" pitchFamily="34" charset="0"/>
+                <a:cs typeface="Segoe UI" pitchFamily="34" charset="0"/>
+              </a:rPr>
+              <a:t>supprimé</a:t>
+            </a:r>
+            <a:endParaRPr lang="en-US" sz="3200" dirty="0">
+              <a:solidFill>
+                <a:srgbClr val="000000"/>
+              </a:solidFill>
+              <a:latin typeface="Segoe UI" pitchFamily="34" charset="0"/>
+              <a:ea typeface="Segoe UI" pitchFamily="34" charset="0"/>
+              <a:cs typeface="Segoe UI" pitchFamily="34" charset="0"/>
+            </a:endParaRPr>
+          </a:p>
+        </p:txBody>
+      </p:sp>
+      <p:pic>
+        <p:nvPicPr>
+          <p:cNvPr id="4" name="Picture 1">
+            <a:extLst>
+              <a:ext uri="{FF2B5EF4-FFF2-40B4-BE49-F238E27FC236}">
+                <a16:creationId xmlns:a16="http://schemas.microsoft.com/office/drawing/2014/main" id="{ECD1D5B1-62B3-4F11-A35F-91E595D37E23}"/>
+              </a:ext>
+            </a:extLst>
+          </p:cNvPr>
+          <p:cNvPicPr preferRelativeResize="0">
+            <a:picLocks/>
+          </p:cNvPicPr>
+          <p:nvPr userDrawn="1">
+            <p:custDataLst>
+              <p:custData r:id="rId1"/>
+            </p:custDataLst>
+          </p:nvPr>
+        </p:nvPicPr>
+        <p:blipFill>
+          <a:blip r:embed="rId3">
+            <a:extLst>
+              <a:ext uri="{28A0092B-C50C-407E-A947-70E740481C1C}">
+                <a14:useLocalDpi xmlns:a14="http://schemas.microsoft.com/office/drawing/2010/main" val="0"/>
+              </a:ext>
+            </a:extLst>
+          </a:blip>
+          <a:stretch>
+            <a:fillRect/>
+          </a:stretch>
+        </p:blipFill>
+        <p:spPr>
+          <a:xfrm>
+            <a:off x="2449901" y="3020394"/>
+            <a:ext cx="561555" cy="408606"/>
+          </a:xfrm>
+          <a:prstGeom prst="rect">
+            <a:avLst/>
+          </a:prstGeom>
+        </p:spPr>
+      </p:pic>
+    </p:spTree>
+    <p:extLst>
+      <p:ext uri="{BB962C8B-B14F-4D97-AF65-F5344CB8AC3E}">
+        <p14:creationId xmlns:p14="http://schemas.microsoft.com/office/powerpoint/2010/main" val="1812206829"/>
+      </p:ext>
+    </p:extLst>
+  </p:cSld>
+  <p:clrMapOvr>
+    <a:masterClrMapping/>
+  </p:clrMapOvr>
+</p:sldLayout>
+</file>
+
+<file path=ppt/slideLayouts/slideLayout4.xml><?xml version="1.0" encoding="utf-8"?>
+<p:sldLayout xmlns:a="http://schemas.openxmlformats.org/drawingml/2006/main" xmlns:r="http://schemas.openxmlformats.org/officeDocument/2006/relationships" xmlns:p="http://schemas.openxmlformats.org/presentationml/2006/main" preserve="1" userDrawn="1">
   <p:cSld name="Interface Sondage">
     <p:spTree>
       <p:nvGrpSpPr>
@@ -4035,7 +4654,7 @@
 </p:sldLayout>
 </file>
 
-<file path=ppt/slideLayouts/slideLayout3.xml><?xml version="1.0" encoding="utf-8"?>
+<file path=ppt/slideLayouts/slideLayout5.xml><?xml version="1.0" encoding="utf-8"?>
 <p:sldLayout xmlns:a="http://schemas.openxmlformats.org/drawingml/2006/main" xmlns:r="http://schemas.openxmlformats.org/officeDocument/2006/relationships" xmlns:p="http://schemas.openxmlformats.org/presentationml/2006/main" preserve="1" userDrawn="1">
   <p:cSld name="Résultat sondage">
     <p:spTree>
@@ -4079,7 +4698,7 @@
         </p:xfrm>
         <a:graphic>
           <a:graphicData uri="http://schemas.openxmlformats.org/drawingml/2006/chart">
-            <c:chart xmlns:c="http://schemas.openxmlformats.org/drawingml/2006/chart" xmlns:r="http://schemas.openxmlformats.org/officeDocument/2006/relationships" r:id="rId15"/>
+            <c:chart xmlns:c="http://schemas.openxmlformats.org/drawingml/2006/chart" xmlns:r="http://schemas.openxmlformats.org/officeDocument/2006/relationships" r:id="rId21"/>
           </a:graphicData>
         </a:graphic>
       </p:graphicFrame>
@@ -4110,7 +4729,7 @@
         </p:xfrm>
         <a:graphic>
           <a:graphicData uri="http://schemas.openxmlformats.org/drawingml/2006/chart">
-            <c:chart xmlns:c="http://schemas.openxmlformats.org/drawingml/2006/chart" xmlns:r="http://schemas.openxmlformats.org/officeDocument/2006/relationships" r:id="rId16"/>
+            <c:chart xmlns:c="http://schemas.openxmlformats.org/drawingml/2006/chart" xmlns:r="http://schemas.openxmlformats.org/officeDocument/2006/relationships" r:id="rId22"/>
           </a:graphicData>
         </a:graphic>
       </p:graphicFrame>
@@ -4805,10 +5424,3089 @@
           </a:p>
         </p:txBody>
       </p:sp>
+      <p:sp>
+        <p:nvSpPr>
+          <p:cNvPr id="17" name="Content">
+            <a:extLst>
+              <a:ext uri="{FF2B5EF4-FFF2-40B4-BE49-F238E27FC236}">
+                <a16:creationId xmlns:a16="http://schemas.microsoft.com/office/drawing/2014/main" id="{E1D38B03-48D6-4A91-BA12-B52808946FBF}"/>
+              </a:ext>
+            </a:extLst>
+          </p:cNvPr>
+          <p:cNvSpPr txBox="1"/>
+          <p:nvPr userDrawn="1">
+            <p:custDataLst>
+              <p:custData r:id="rId14"/>
+            </p:custDataLst>
+          </p:nvPr>
+        </p:nvSpPr>
+        <p:spPr>
+          <a:xfrm>
+            <a:off x="7138507" y="6626052"/>
+            <a:ext cx="1483483" cy="230832"/>
+          </a:xfrm>
+          <a:prstGeom prst="rect">
+            <a:avLst/>
+          </a:prstGeom>
+          <a:noFill/>
+        </p:spPr>
+        <p:txBody>
+          <a:bodyPr wrap="none" lIns="91440" tIns="18288" rIns="91440" bIns="27432" rtlCol="0" anchor="ctr" anchorCtr="0">
+            <a:spAutoFit/>
+          </a:bodyPr>
+          <a:lstStyle/>
+          <a:p>
+            <a:r>
+              <a:rPr lang="en-US" sz="1200" dirty="0" err="1">
+                <a:solidFill>
+                  <a:srgbClr val="000000"/>
+                </a:solidFill>
+                <a:latin typeface="Segoe UI" pitchFamily="34" charset="0"/>
+                <a:ea typeface="Segoe UI" pitchFamily="34" charset="0"/>
+                <a:cs typeface="Segoe UI" pitchFamily="34" charset="0"/>
+              </a:rPr>
+              <a:t>Notez</a:t>
+            </a:r>
+            <a:r>
+              <a:rPr lang="en-US" sz="1200" dirty="0">
+                <a:solidFill>
+                  <a:srgbClr val="000000"/>
+                </a:solidFill>
+                <a:latin typeface="Segoe UI" pitchFamily="34" charset="0"/>
+                <a:ea typeface="Segoe UI" pitchFamily="34" charset="0"/>
+                <a:cs typeface="Segoe UI" pitchFamily="34" charset="0"/>
+              </a:rPr>
+              <a:t> </a:t>
+            </a:r>
+            <a:r>
+              <a:rPr lang="en-US" sz="1200" dirty="0" err="1">
+                <a:solidFill>
+                  <a:srgbClr val="000000"/>
+                </a:solidFill>
+                <a:latin typeface="Segoe UI" pitchFamily="34" charset="0"/>
+                <a:ea typeface="Segoe UI" pitchFamily="34" charset="0"/>
+                <a:cs typeface="Segoe UI" pitchFamily="34" charset="0"/>
+              </a:rPr>
+              <a:t>ce</a:t>
+            </a:r>
+            <a:r>
+              <a:rPr lang="en-US" sz="1200" dirty="0">
+                <a:solidFill>
+                  <a:srgbClr val="000000"/>
+                </a:solidFill>
+                <a:latin typeface="Segoe UI" pitchFamily="34" charset="0"/>
+                <a:ea typeface="Segoe UI" pitchFamily="34" charset="0"/>
+                <a:cs typeface="Segoe UI" pitchFamily="34" charset="0"/>
+              </a:rPr>
+              <a:t> </a:t>
+            </a:r>
+            <a:r>
+              <a:rPr lang="en-US" sz="1200" dirty="0" err="1">
+                <a:solidFill>
+                  <a:srgbClr val="000000"/>
+                </a:solidFill>
+                <a:latin typeface="Segoe UI" pitchFamily="34" charset="0"/>
+                <a:ea typeface="Segoe UI" pitchFamily="34" charset="0"/>
+                <a:cs typeface="Segoe UI" pitchFamily="34" charset="0"/>
+              </a:rPr>
+              <a:t>sondage</a:t>
+            </a:r>
+            <a:r>
+              <a:rPr lang="en-US" sz="1200" dirty="0">
+                <a:solidFill>
+                  <a:srgbClr val="000000"/>
+                </a:solidFill>
+                <a:latin typeface="Segoe UI" pitchFamily="34" charset="0"/>
+                <a:ea typeface="Segoe UI" pitchFamily="34" charset="0"/>
+                <a:cs typeface="Segoe UI" pitchFamily="34" charset="0"/>
+              </a:rPr>
+              <a:t> :</a:t>
+            </a:r>
+          </a:p>
+        </p:txBody>
+      </p:sp>
+      <p:pic>
+        <p:nvPicPr>
+          <p:cNvPr id="18" name="Picture 2" descr="C:\Users\t-dantay\Documents\Placeholders\star.png">
+            <a:extLst>
+              <a:ext uri="{FF2B5EF4-FFF2-40B4-BE49-F238E27FC236}">
+                <a16:creationId xmlns:a16="http://schemas.microsoft.com/office/drawing/2014/main" id="{69C73EAE-E09E-4098-A116-8668BC69069B}"/>
+              </a:ext>
+            </a:extLst>
+          </p:cNvPr>
+          <p:cNvPicPr>
+            <a:picLocks noChangeAspect="1" noChangeArrowheads="1"/>
+          </p:cNvPicPr>
+          <p:nvPr userDrawn="1">
+            <p:custDataLst>
+              <p:custData r:id="rId15"/>
+            </p:custDataLst>
+          </p:nvPr>
+        </p:nvPicPr>
+        <p:blipFill>
+          <a:blip r:embed="rId23" cstate="print">
+            <a:extLst>
+              <a:ext uri="{28A0092B-C50C-407E-A947-70E740481C1C}">
+                <a14:useLocalDpi xmlns:a14="http://schemas.microsoft.com/office/drawing/2010/main" val="0"/>
+              </a:ext>
+            </a:extLst>
+          </a:blip>
+          <a:srcRect/>
+          <a:stretch>
+            <a:fillRect/>
+          </a:stretch>
+        </p:blipFill>
+        <p:spPr bwMode="auto">
+          <a:xfrm>
+            <a:off x="8697913" y="6612533"/>
+            <a:ext cx="228600" cy="217884"/>
+          </a:xfrm>
+          <a:prstGeom prst="rect">
+            <a:avLst/>
+          </a:prstGeom>
+          <a:noFill/>
+          <a:extLst>
+            <a:ext uri="{909E8E84-426E-40DD-AFC4-6F175D3DCCD1}">
+              <a14:hiddenFill xmlns:a14="http://schemas.microsoft.com/office/drawing/2010/main">
+                <a:solidFill>
+                  <a:srgbClr val="FFFFFF"/>
+                </a:solidFill>
+              </a14:hiddenFill>
+            </a:ext>
+          </a:extLst>
+        </p:spPr>
+      </p:pic>
+      <p:pic>
+        <p:nvPicPr>
+          <p:cNvPr id="19" name="Picture 2" descr="C:\Users\t-dantay\Documents\Placeholders\star.png">
+            <a:extLst>
+              <a:ext uri="{FF2B5EF4-FFF2-40B4-BE49-F238E27FC236}">
+                <a16:creationId xmlns:a16="http://schemas.microsoft.com/office/drawing/2014/main" id="{4D77DD1D-D5DA-49D1-8B8F-821A6BA75532}"/>
+              </a:ext>
+            </a:extLst>
+          </p:cNvPr>
+          <p:cNvPicPr>
+            <a:picLocks noChangeAspect="1" noChangeArrowheads="1"/>
+          </p:cNvPicPr>
+          <p:nvPr userDrawn="1">
+            <p:custDataLst>
+              <p:custData r:id="rId16"/>
+            </p:custDataLst>
+          </p:nvPr>
+        </p:nvPicPr>
+        <p:blipFill>
+          <a:blip r:embed="rId23" cstate="print">
+            <a:extLst>
+              <a:ext uri="{28A0092B-C50C-407E-A947-70E740481C1C}">
+                <a14:useLocalDpi xmlns:a14="http://schemas.microsoft.com/office/drawing/2010/main" val="0"/>
+              </a:ext>
+            </a:extLst>
+          </a:blip>
+          <a:srcRect/>
+          <a:stretch>
+            <a:fillRect/>
+          </a:stretch>
+        </p:blipFill>
+        <p:spPr bwMode="auto">
+          <a:xfrm>
+            <a:off x="8926513" y="6612533"/>
+            <a:ext cx="228600" cy="217884"/>
+          </a:xfrm>
+          <a:prstGeom prst="rect">
+            <a:avLst/>
+          </a:prstGeom>
+          <a:noFill/>
+          <a:extLst>
+            <a:ext uri="{909E8E84-426E-40DD-AFC4-6F175D3DCCD1}">
+              <a14:hiddenFill xmlns:a14="http://schemas.microsoft.com/office/drawing/2010/main">
+                <a:solidFill>
+                  <a:srgbClr val="FFFFFF"/>
+                </a:solidFill>
+              </a14:hiddenFill>
+            </a:ext>
+          </a:extLst>
+        </p:spPr>
+      </p:pic>
+      <p:pic>
+        <p:nvPicPr>
+          <p:cNvPr id="20" name="Picture 2" descr="C:\Users\t-dantay\Documents\Placeholders\star.png">
+            <a:extLst>
+              <a:ext uri="{FF2B5EF4-FFF2-40B4-BE49-F238E27FC236}">
+                <a16:creationId xmlns:a16="http://schemas.microsoft.com/office/drawing/2014/main" id="{CEC4FF6C-4097-47D6-8DB6-B2469D469121}"/>
+              </a:ext>
+            </a:extLst>
+          </p:cNvPr>
+          <p:cNvPicPr>
+            <a:picLocks noChangeAspect="1" noChangeArrowheads="1"/>
+          </p:cNvPicPr>
+          <p:nvPr userDrawn="1">
+            <p:custDataLst>
+              <p:custData r:id="rId17"/>
+            </p:custDataLst>
+          </p:nvPr>
+        </p:nvPicPr>
+        <p:blipFill>
+          <a:blip r:embed="rId23" cstate="print">
+            <a:extLst>
+              <a:ext uri="{28A0092B-C50C-407E-A947-70E740481C1C}">
+                <a14:useLocalDpi xmlns:a14="http://schemas.microsoft.com/office/drawing/2010/main" val="0"/>
+              </a:ext>
+            </a:extLst>
+          </a:blip>
+          <a:srcRect/>
+          <a:stretch>
+            <a:fillRect/>
+          </a:stretch>
+        </p:blipFill>
+        <p:spPr bwMode="auto">
+          <a:xfrm>
+            <a:off x="9155113" y="6612533"/>
+            <a:ext cx="228600" cy="217884"/>
+          </a:xfrm>
+          <a:prstGeom prst="rect">
+            <a:avLst/>
+          </a:prstGeom>
+          <a:noFill/>
+          <a:extLst>
+            <a:ext uri="{909E8E84-426E-40DD-AFC4-6F175D3DCCD1}">
+              <a14:hiddenFill xmlns:a14="http://schemas.microsoft.com/office/drawing/2010/main">
+                <a:solidFill>
+                  <a:srgbClr val="FFFFFF"/>
+                </a:solidFill>
+              </a14:hiddenFill>
+            </a:ext>
+          </a:extLst>
+        </p:spPr>
+      </p:pic>
+      <p:pic>
+        <p:nvPicPr>
+          <p:cNvPr id="21" name="Picture 2" descr="C:\Users\t-dantay\Documents\Placeholders\star.png">
+            <a:extLst>
+              <a:ext uri="{FF2B5EF4-FFF2-40B4-BE49-F238E27FC236}">
+                <a16:creationId xmlns:a16="http://schemas.microsoft.com/office/drawing/2014/main" id="{03FBF184-585F-4352-8AD9-09859AB82FA4}"/>
+              </a:ext>
+            </a:extLst>
+          </p:cNvPr>
+          <p:cNvPicPr>
+            <a:picLocks noChangeAspect="1" noChangeArrowheads="1"/>
+          </p:cNvPicPr>
+          <p:nvPr userDrawn="1">
+            <p:custDataLst>
+              <p:custData r:id="rId18"/>
+            </p:custDataLst>
+          </p:nvPr>
+        </p:nvPicPr>
+        <p:blipFill>
+          <a:blip r:embed="rId23" cstate="print">
+            <a:extLst>
+              <a:ext uri="{28A0092B-C50C-407E-A947-70E740481C1C}">
+                <a14:useLocalDpi xmlns:a14="http://schemas.microsoft.com/office/drawing/2010/main" val="0"/>
+              </a:ext>
+            </a:extLst>
+          </a:blip>
+          <a:srcRect/>
+          <a:stretch>
+            <a:fillRect/>
+          </a:stretch>
+        </p:blipFill>
+        <p:spPr bwMode="auto">
+          <a:xfrm>
+            <a:off x="9383713" y="6612533"/>
+            <a:ext cx="228600" cy="217884"/>
+          </a:xfrm>
+          <a:prstGeom prst="rect">
+            <a:avLst/>
+          </a:prstGeom>
+          <a:noFill/>
+          <a:extLst>
+            <a:ext uri="{909E8E84-426E-40DD-AFC4-6F175D3DCCD1}">
+              <a14:hiddenFill xmlns:a14="http://schemas.microsoft.com/office/drawing/2010/main">
+                <a:solidFill>
+                  <a:srgbClr val="FFFFFF"/>
+                </a:solidFill>
+              </a14:hiddenFill>
+            </a:ext>
+          </a:extLst>
+        </p:spPr>
+      </p:pic>
+      <p:pic>
+        <p:nvPicPr>
+          <p:cNvPr id="22" name="Picture 2" descr="C:\Users\t-dantay\Documents\Placeholders\star.png">
+            <a:extLst>
+              <a:ext uri="{FF2B5EF4-FFF2-40B4-BE49-F238E27FC236}">
+                <a16:creationId xmlns:a16="http://schemas.microsoft.com/office/drawing/2014/main" id="{02E2FAEA-D6B0-4690-BBF0-F248737B680A}"/>
+              </a:ext>
+            </a:extLst>
+          </p:cNvPr>
+          <p:cNvPicPr>
+            <a:picLocks noChangeAspect="1" noChangeArrowheads="1"/>
+          </p:cNvPicPr>
+          <p:nvPr userDrawn="1">
+            <p:custDataLst>
+              <p:custData r:id="rId19"/>
+            </p:custDataLst>
+          </p:nvPr>
+        </p:nvPicPr>
+        <p:blipFill>
+          <a:blip r:embed="rId23" cstate="print">
+            <a:extLst>
+              <a:ext uri="{28A0092B-C50C-407E-A947-70E740481C1C}">
+                <a14:useLocalDpi xmlns:a14="http://schemas.microsoft.com/office/drawing/2010/main" val="0"/>
+              </a:ext>
+            </a:extLst>
+          </a:blip>
+          <a:srcRect/>
+          <a:stretch>
+            <a:fillRect/>
+          </a:stretch>
+        </p:blipFill>
+        <p:spPr bwMode="auto">
+          <a:xfrm>
+            <a:off x="9612313" y="6612533"/>
+            <a:ext cx="228600" cy="217884"/>
+          </a:xfrm>
+          <a:prstGeom prst="rect">
+            <a:avLst/>
+          </a:prstGeom>
+          <a:noFill/>
+          <a:extLst>
+            <a:ext uri="{909E8E84-426E-40DD-AFC4-6F175D3DCCD1}">
+              <a14:hiddenFill xmlns:a14="http://schemas.microsoft.com/office/drawing/2010/main">
+                <a:solidFill>
+                  <a:srgbClr val="FFFFFF"/>
+                </a:solidFill>
+              </a14:hiddenFill>
+            </a:ext>
+          </a:extLst>
+        </p:spPr>
+      </p:pic>
     </p:spTree>
     <p:extLst>
       <p:ext uri="{BB962C8B-B14F-4D97-AF65-F5344CB8AC3E}">
         <p14:creationId xmlns:p14="http://schemas.microsoft.com/office/powerpoint/2010/main" val="103026360"/>
+      </p:ext>
+    </p:extLst>
+  </p:cSld>
+  <p:clrMapOvr>
+    <a:masterClrMapping/>
+  </p:clrMapOvr>
+</p:sldLayout>
+</file>
+
+<file path=ppt/slideLayouts/slideLayout6.xml><?xml version="1.0" encoding="utf-8"?>
+<p:sldLayout xmlns:a="http://schemas.openxmlformats.org/drawingml/2006/main" xmlns:r="http://schemas.openxmlformats.org/officeDocument/2006/relationships" xmlns:p="http://schemas.openxmlformats.org/presentationml/2006/main" preserve="1" userDrawn="1">
+  <p:cSld name="2_Disposition personnalisée">
+    <p:spTree>
+      <p:nvGrpSpPr>
+        <p:cNvPr id="1" name=""/>
+        <p:cNvGrpSpPr/>
+        <p:nvPr/>
+      </p:nvGrpSpPr>
+      <p:grpSpPr>
+        <a:xfrm>
+          <a:off x="0" y="0"/>
+          <a:ext cx="0" cy="0"/>
+          <a:chOff x="0" y="0"/>
+          <a:chExt cx="0" cy="0"/>
+        </a:xfrm>
+      </p:grpSpPr>
+      <p:graphicFrame>
+        <p:nvGraphicFramePr>
+          <p:cNvPr id="4" name="Table">
+            <a:extLst>
+              <a:ext uri="{FF2B5EF4-FFF2-40B4-BE49-F238E27FC236}">
+                <a16:creationId xmlns:a16="http://schemas.microsoft.com/office/drawing/2014/main" id="{9CF8522B-A29E-4629-85D4-E2BFB4272C4B}"/>
+              </a:ext>
+            </a:extLst>
+          </p:cNvPr>
+          <p:cNvGraphicFramePr>
+            <a:graphicFrameLocks noGrp="1"/>
+          </p:cNvGraphicFramePr>
+          <p:nvPr userDrawn="1">
+            <p:custDataLst>
+              <p:custData r:id="rId1"/>
+            </p:custDataLst>
+            <p:extLst>
+              <p:ext uri="{D42A27DB-BD31-4B8C-83A1-F6EECF244321}">
+                <p14:modId xmlns:p14="http://schemas.microsoft.com/office/powerpoint/2010/main" val="3335392340"/>
+              </p:ext>
+            </p:extLst>
+          </p:nvPr>
+        </p:nvGraphicFramePr>
+        <p:xfrm>
+          <a:off x="814069" y="2644520"/>
+          <a:ext cx="10229751" cy="3507705"/>
+        </p:xfrm>
+        <a:graphic>
+          <a:graphicData uri="http://schemas.openxmlformats.org/drawingml/2006/table">
+            <a:tbl>
+              <a:tblPr firstRow="1" bandRow="1">
+                <a:tableStyleId>{8EC20E35-A176-4012-BC5E-935CFFF8708E}</a:tableStyleId>
+              </a:tblPr>
+              <a:tblGrid>
+                <a:gridCol w="7499737">
+                  <a:extLst>
+                    <a:ext uri="{9D8B030D-6E8A-4147-A177-3AD203B41FA5}">
+                      <a16:colId xmlns:a16="http://schemas.microsoft.com/office/drawing/2014/main" val="20000"/>
+                    </a:ext>
+                  </a:extLst>
+                </a:gridCol>
+                <a:gridCol w="2730014">
+                  <a:extLst>
+                    <a:ext uri="{9D8B030D-6E8A-4147-A177-3AD203B41FA5}">
+                      <a16:colId xmlns:a16="http://schemas.microsoft.com/office/drawing/2014/main" val="20001"/>
+                    </a:ext>
+                  </a:extLst>
+                </a:gridCol>
+              </a:tblGrid>
+              <a:tr h="0">
+                <a:tc>
+                  <a:txBody>
+                    <a:bodyPr/>
+                    <a:lstStyle/>
+                    <a:p>
+                      <a:pPr algn="ctr"/>
+                      <a:r>
+                        <a:rPr lang="en-US" sz="1800" dirty="0">
+                          <a:solidFill>
+                            <a:srgbClr val="000000"/>
+                          </a:solidFill>
+                        </a:rPr>
+                        <a:t>Nom du sondage</a:t>
+                      </a:r>
+                    </a:p>
+                  </a:txBody>
+                  <a:tcPr marL="56960" marR="56960" marT="0" marB="28480">
+                    <a:lnL w="3175" cap="flat" cmpd="sng" algn="ctr">
+                      <a:solidFill>
+                        <a:srgbClr val="FFFFFF">
+                          <a:lumMod val="50000"/>
+                        </a:srgbClr>
+                      </a:solidFill>
+                      <a:prstDash val="solid"/>
+                      <a:round/>
+                      <a:headEnd type="none" w="med" len="med"/>
+                      <a:tailEnd type="none" w="med" len="med"/>
+                    </a:lnL>
+                    <a:lnR w="3175" cap="flat" cmpd="sng" algn="ctr">
+                      <a:solidFill>
+                        <a:srgbClr val="FFFFFF">
+                          <a:lumMod val="50000"/>
+                        </a:srgbClr>
+                      </a:solidFill>
+                      <a:prstDash val="solid"/>
+                      <a:round/>
+                      <a:headEnd type="none" w="med" len="med"/>
+                      <a:tailEnd type="none" w="med" len="med"/>
+                    </a:lnR>
+                    <a:lnT w="3175" cap="flat" cmpd="sng" algn="ctr">
+                      <a:solidFill>
+                        <a:srgbClr val="FFFFFF">
+                          <a:lumMod val="50000"/>
+                        </a:srgbClr>
+                      </a:solidFill>
+                      <a:prstDash val="solid"/>
+                      <a:round/>
+                      <a:headEnd type="none" w="med" len="med"/>
+                      <a:tailEnd type="none" w="med" len="med"/>
+                    </a:lnT>
+                    <a:lnB w="3175" cap="flat" cmpd="sng" algn="ctr">
+                      <a:solidFill>
+                        <a:srgbClr val="FFFFFF">
+                          <a:lumMod val="50000"/>
+                        </a:srgbClr>
+                      </a:solidFill>
+                      <a:prstDash val="solid"/>
+                      <a:round/>
+                      <a:headEnd type="none" w="med" len="med"/>
+                      <a:tailEnd type="none" w="med" len="med"/>
+                    </a:lnB>
+                    <a:solidFill>
+                      <a:srgbClr val="FFFFFF">
+                        <a:lumMod val="75000"/>
+                      </a:srgbClr>
+                    </a:solidFill>
+                  </a:tcPr>
+                </a:tc>
+                <a:tc>
+                  <a:txBody>
+                    <a:bodyPr/>
+                    <a:lstStyle/>
+                    <a:p>
+                      <a:pPr algn="ctr"/>
+                      <a:r>
+                        <a:rPr lang="en-US" sz="1800" dirty="0">
+                          <a:solidFill>
+                            <a:srgbClr val="000000"/>
+                          </a:solidFill>
+                        </a:rPr>
+                        <a:t>Note</a:t>
+                      </a:r>
+                    </a:p>
+                  </a:txBody>
+                  <a:tcPr marL="56960" marR="56960" marT="0" marB="28480">
+                    <a:lnL w="3175" cap="flat" cmpd="sng" algn="ctr">
+                      <a:solidFill>
+                        <a:srgbClr val="FFFFFF">
+                          <a:lumMod val="50000"/>
+                        </a:srgbClr>
+                      </a:solidFill>
+                      <a:prstDash val="solid"/>
+                      <a:round/>
+                      <a:headEnd type="none" w="med" len="med"/>
+                      <a:tailEnd type="none" w="med" len="med"/>
+                    </a:lnL>
+                    <a:lnR w="3175" cap="flat" cmpd="sng" algn="ctr">
+                      <a:solidFill>
+                        <a:srgbClr val="FFFFFF">
+                          <a:lumMod val="50000"/>
+                        </a:srgbClr>
+                      </a:solidFill>
+                      <a:prstDash val="solid"/>
+                      <a:round/>
+                      <a:headEnd type="none" w="med" len="med"/>
+                      <a:tailEnd type="none" w="med" len="med"/>
+                    </a:lnR>
+                    <a:lnT w="3175" cap="flat" cmpd="sng" algn="ctr">
+                      <a:solidFill>
+                        <a:srgbClr val="FFFFFF">
+                          <a:lumMod val="50000"/>
+                        </a:srgbClr>
+                      </a:solidFill>
+                      <a:prstDash val="solid"/>
+                      <a:round/>
+                      <a:headEnd type="none" w="med" len="med"/>
+                      <a:tailEnd type="none" w="med" len="med"/>
+                    </a:lnT>
+                    <a:lnB w="3175" cap="flat" cmpd="sng" algn="ctr">
+                      <a:solidFill>
+                        <a:srgbClr val="FFFFFF">
+                          <a:lumMod val="50000"/>
+                        </a:srgbClr>
+                      </a:solidFill>
+                      <a:prstDash val="solid"/>
+                      <a:round/>
+                      <a:headEnd type="none" w="med" len="med"/>
+                      <a:tailEnd type="none" w="med" len="med"/>
+                    </a:lnB>
+                    <a:solidFill>
+                      <a:srgbClr val="FFFFFF">
+                        <a:lumMod val="75000"/>
+                      </a:srgbClr>
+                    </a:solidFill>
+                  </a:tcPr>
+                </a:tc>
+                <a:extLst>
+                  <a:ext uri="{0D108BD9-81ED-4DB2-BD59-A6C34878D82A}">
+                    <a16:rowId xmlns:a16="http://schemas.microsoft.com/office/drawing/2014/main" val="10000"/>
+                  </a:ext>
+                </a:extLst>
+              </a:tr>
+              <a:tr h="443950">
+                <a:tc>
+                  <a:txBody>
+                    <a:bodyPr/>
+                    <a:lstStyle/>
+                    <a:p>
+                      <a:endParaRPr lang="en-US" sz="1100" dirty="0">
+                        <a:solidFill>
+                          <a:srgbClr val="000000"/>
+                        </a:solidFill>
+                      </a:endParaRPr>
+                    </a:p>
+                  </a:txBody>
+                  <a:tcPr marL="56960" marR="56960" marT="0" marB="28480">
+                    <a:lnL w="3175" cap="flat" cmpd="sng" algn="ctr">
+                      <a:solidFill>
+                        <a:srgbClr val="FFFFFF">
+                          <a:lumMod val="50000"/>
+                        </a:srgbClr>
+                      </a:solidFill>
+                      <a:prstDash val="solid"/>
+                      <a:round/>
+                      <a:headEnd type="none" w="med" len="med"/>
+                      <a:tailEnd type="none" w="med" len="med"/>
+                    </a:lnL>
+                    <a:lnR w="3175" cap="flat" cmpd="sng" algn="ctr">
+                      <a:solidFill>
+                        <a:srgbClr val="FFFFFF">
+                          <a:lumMod val="50000"/>
+                        </a:srgbClr>
+                      </a:solidFill>
+                      <a:prstDash val="solid"/>
+                      <a:round/>
+                      <a:headEnd type="none" w="med" len="med"/>
+                      <a:tailEnd type="none" w="med" len="med"/>
+                    </a:lnR>
+                    <a:lnT w="3175" cap="flat" cmpd="sng" algn="ctr">
+                      <a:solidFill>
+                        <a:srgbClr val="FFFFFF">
+                          <a:lumMod val="50000"/>
+                        </a:srgbClr>
+                      </a:solidFill>
+                      <a:prstDash val="solid"/>
+                      <a:round/>
+                      <a:headEnd type="none" w="med" len="med"/>
+                      <a:tailEnd type="none" w="med" len="med"/>
+                    </a:lnT>
+                  </a:tcPr>
+                </a:tc>
+                <a:tc>
+                  <a:txBody>
+                    <a:bodyPr/>
+                    <a:lstStyle/>
+                    <a:p>
+                      <a:pPr algn="ctr"/>
+                      <a:endParaRPr lang="en-US" sz="1100" dirty="0">
+                        <a:solidFill>
+                          <a:srgbClr val="000000"/>
+                        </a:solidFill>
+                      </a:endParaRPr>
+                    </a:p>
+                  </a:txBody>
+                  <a:tcPr marL="56960" marR="56960" marT="0" marB="28480">
+                    <a:lnL w="3175" cap="flat" cmpd="sng" algn="ctr">
+                      <a:solidFill>
+                        <a:srgbClr val="FFFFFF">
+                          <a:lumMod val="50000"/>
+                        </a:srgbClr>
+                      </a:solidFill>
+                      <a:prstDash val="solid"/>
+                      <a:round/>
+                      <a:headEnd type="none" w="med" len="med"/>
+                      <a:tailEnd type="none" w="med" len="med"/>
+                    </a:lnL>
+                    <a:lnR w="3175" cap="flat" cmpd="sng" algn="ctr">
+                      <a:solidFill>
+                        <a:srgbClr val="FFFFFF">
+                          <a:lumMod val="50000"/>
+                        </a:srgbClr>
+                      </a:solidFill>
+                      <a:prstDash val="solid"/>
+                      <a:round/>
+                      <a:headEnd type="none" w="med" len="med"/>
+                      <a:tailEnd type="none" w="med" len="med"/>
+                    </a:lnR>
+                    <a:lnT w="3175" cap="flat" cmpd="sng" algn="ctr">
+                      <a:solidFill>
+                        <a:srgbClr val="FFFFFF">
+                          <a:lumMod val="50000"/>
+                        </a:srgbClr>
+                      </a:solidFill>
+                      <a:prstDash val="solid"/>
+                      <a:round/>
+                      <a:headEnd type="none" w="med" len="med"/>
+                      <a:tailEnd type="none" w="med" len="med"/>
+                    </a:lnT>
+                  </a:tcPr>
+                </a:tc>
+                <a:extLst>
+                  <a:ext uri="{0D108BD9-81ED-4DB2-BD59-A6C34878D82A}">
+                    <a16:rowId xmlns:a16="http://schemas.microsoft.com/office/drawing/2014/main" val="10001"/>
+                  </a:ext>
+                </a:extLst>
+              </a:tr>
+              <a:tr h="478896">
+                <a:tc>
+                  <a:txBody>
+                    <a:bodyPr/>
+                    <a:lstStyle/>
+                    <a:p>
+                      <a:endParaRPr lang="en-US" sz="1100" dirty="0">
+                        <a:solidFill>
+                          <a:srgbClr val="000000"/>
+                        </a:solidFill>
+                      </a:endParaRPr>
+                    </a:p>
+                  </a:txBody>
+                  <a:tcPr marL="56960" marR="56960" marT="0" marB="28480">
+                    <a:lnL w="3175" cap="flat" cmpd="sng" algn="ctr">
+                      <a:solidFill>
+                        <a:srgbClr val="FFFFFF">
+                          <a:lumMod val="50000"/>
+                        </a:srgbClr>
+                      </a:solidFill>
+                      <a:prstDash val="solid"/>
+                      <a:round/>
+                      <a:headEnd type="none" w="med" len="med"/>
+                      <a:tailEnd type="none" w="med" len="med"/>
+                    </a:lnL>
+                    <a:lnR w="3175" cap="flat" cmpd="sng" algn="ctr">
+                      <a:solidFill>
+                        <a:srgbClr val="FFFFFF">
+                          <a:lumMod val="50000"/>
+                        </a:srgbClr>
+                      </a:solidFill>
+                      <a:prstDash val="solid"/>
+                      <a:round/>
+                      <a:headEnd type="none" w="med" len="med"/>
+                      <a:tailEnd type="none" w="med" len="med"/>
+                    </a:lnR>
+                  </a:tcPr>
+                </a:tc>
+                <a:tc>
+                  <a:txBody>
+                    <a:bodyPr/>
+                    <a:lstStyle/>
+                    <a:p>
+                      <a:endParaRPr lang="en-US" sz="1100" dirty="0">
+                        <a:solidFill>
+                          <a:srgbClr val="000000"/>
+                        </a:solidFill>
+                      </a:endParaRPr>
+                    </a:p>
+                  </a:txBody>
+                  <a:tcPr marL="56960" marR="56960" marT="0" marB="28480">
+                    <a:lnL w="3175" cap="flat" cmpd="sng" algn="ctr">
+                      <a:solidFill>
+                        <a:srgbClr val="FFFFFF">
+                          <a:lumMod val="50000"/>
+                        </a:srgbClr>
+                      </a:solidFill>
+                      <a:prstDash val="solid"/>
+                      <a:round/>
+                      <a:headEnd type="none" w="med" len="med"/>
+                      <a:tailEnd type="none" w="med" len="med"/>
+                    </a:lnL>
+                    <a:lnR w="3175" cap="flat" cmpd="sng" algn="ctr">
+                      <a:solidFill>
+                        <a:srgbClr val="FFFFFF">
+                          <a:lumMod val="50000"/>
+                        </a:srgbClr>
+                      </a:solidFill>
+                      <a:prstDash val="solid"/>
+                      <a:round/>
+                      <a:headEnd type="none" w="med" len="med"/>
+                      <a:tailEnd type="none" w="med" len="med"/>
+                    </a:lnR>
+                  </a:tcPr>
+                </a:tc>
+                <a:extLst>
+                  <a:ext uri="{0D108BD9-81ED-4DB2-BD59-A6C34878D82A}">
+                    <a16:rowId xmlns:a16="http://schemas.microsoft.com/office/drawing/2014/main" val="10002"/>
+                  </a:ext>
+                </a:extLst>
+              </a:tr>
+              <a:tr h="470517">
+                <a:tc>
+                  <a:txBody>
+                    <a:bodyPr/>
+                    <a:lstStyle/>
+                    <a:p>
+                      <a:endParaRPr lang="en-US" sz="1100" dirty="0">
+                        <a:solidFill>
+                          <a:srgbClr val="000000"/>
+                        </a:solidFill>
+                      </a:endParaRPr>
+                    </a:p>
+                  </a:txBody>
+                  <a:tcPr marL="56960" marR="56960" marT="0" marB="28480">
+                    <a:lnL w="3175" cap="flat" cmpd="sng" algn="ctr">
+                      <a:solidFill>
+                        <a:srgbClr val="FFFFFF">
+                          <a:lumMod val="50000"/>
+                        </a:srgbClr>
+                      </a:solidFill>
+                      <a:prstDash val="solid"/>
+                      <a:round/>
+                      <a:headEnd type="none" w="med" len="med"/>
+                      <a:tailEnd type="none" w="med" len="med"/>
+                    </a:lnL>
+                    <a:lnR w="3175" cap="flat" cmpd="sng" algn="ctr">
+                      <a:solidFill>
+                        <a:srgbClr val="FFFFFF">
+                          <a:lumMod val="50000"/>
+                        </a:srgbClr>
+                      </a:solidFill>
+                      <a:prstDash val="solid"/>
+                      <a:round/>
+                      <a:headEnd type="none" w="med" len="med"/>
+                      <a:tailEnd type="none" w="med" len="med"/>
+                    </a:lnR>
+                  </a:tcPr>
+                </a:tc>
+                <a:tc>
+                  <a:txBody>
+                    <a:bodyPr/>
+                    <a:lstStyle/>
+                    <a:p>
+                      <a:endParaRPr lang="en-US" sz="1100" dirty="0">
+                        <a:solidFill>
+                          <a:srgbClr val="000000"/>
+                        </a:solidFill>
+                      </a:endParaRPr>
+                    </a:p>
+                  </a:txBody>
+                  <a:tcPr marL="56960" marR="56960" marT="0" marB="28480">
+                    <a:lnL w="3175" cap="flat" cmpd="sng" algn="ctr">
+                      <a:solidFill>
+                        <a:srgbClr val="FFFFFF">
+                          <a:lumMod val="50000"/>
+                        </a:srgbClr>
+                      </a:solidFill>
+                      <a:prstDash val="solid"/>
+                      <a:round/>
+                      <a:headEnd type="none" w="med" len="med"/>
+                      <a:tailEnd type="none" w="med" len="med"/>
+                    </a:lnL>
+                    <a:lnR w="3175" cap="flat" cmpd="sng" algn="ctr">
+                      <a:solidFill>
+                        <a:srgbClr val="FFFFFF">
+                          <a:lumMod val="50000"/>
+                        </a:srgbClr>
+                      </a:solidFill>
+                      <a:prstDash val="solid"/>
+                      <a:round/>
+                      <a:headEnd type="none" w="med" len="med"/>
+                      <a:tailEnd type="none" w="med" len="med"/>
+                    </a:lnR>
+                  </a:tcPr>
+                </a:tc>
+                <a:extLst>
+                  <a:ext uri="{0D108BD9-81ED-4DB2-BD59-A6C34878D82A}">
+                    <a16:rowId xmlns:a16="http://schemas.microsoft.com/office/drawing/2014/main" val="10003"/>
+                  </a:ext>
+                </a:extLst>
+              </a:tr>
+              <a:tr h="461639">
+                <a:tc>
+                  <a:txBody>
+                    <a:bodyPr/>
+                    <a:lstStyle/>
+                    <a:p>
+                      <a:endParaRPr lang="en-US" sz="1100" dirty="0">
+                        <a:solidFill>
+                          <a:srgbClr val="000000"/>
+                        </a:solidFill>
+                      </a:endParaRPr>
+                    </a:p>
+                  </a:txBody>
+                  <a:tcPr marL="56960" marR="56960" marT="0" marB="28480">
+                    <a:lnL w="3175" cap="flat" cmpd="sng" algn="ctr">
+                      <a:solidFill>
+                        <a:srgbClr val="FFFFFF">
+                          <a:lumMod val="50000"/>
+                        </a:srgbClr>
+                      </a:solidFill>
+                      <a:prstDash val="solid"/>
+                      <a:round/>
+                      <a:headEnd type="none" w="med" len="med"/>
+                      <a:tailEnd type="none" w="med" len="med"/>
+                    </a:lnL>
+                    <a:lnR w="3175" cap="flat" cmpd="sng" algn="ctr">
+                      <a:solidFill>
+                        <a:srgbClr val="FFFFFF">
+                          <a:lumMod val="50000"/>
+                        </a:srgbClr>
+                      </a:solidFill>
+                      <a:prstDash val="solid"/>
+                      <a:round/>
+                      <a:headEnd type="none" w="med" len="med"/>
+                      <a:tailEnd type="none" w="med" len="med"/>
+                    </a:lnR>
+                  </a:tcPr>
+                </a:tc>
+                <a:tc>
+                  <a:txBody>
+                    <a:bodyPr/>
+                    <a:lstStyle/>
+                    <a:p>
+                      <a:endParaRPr lang="en-US" sz="1100" dirty="0">
+                        <a:solidFill>
+                          <a:srgbClr val="000000"/>
+                        </a:solidFill>
+                      </a:endParaRPr>
+                    </a:p>
+                  </a:txBody>
+                  <a:tcPr marL="56960" marR="56960" marT="0" marB="28480">
+                    <a:lnL w="3175" cap="flat" cmpd="sng" algn="ctr">
+                      <a:solidFill>
+                        <a:srgbClr val="FFFFFF">
+                          <a:lumMod val="50000"/>
+                        </a:srgbClr>
+                      </a:solidFill>
+                      <a:prstDash val="solid"/>
+                      <a:round/>
+                      <a:headEnd type="none" w="med" len="med"/>
+                      <a:tailEnd type="none" w="med" len="med"/>
+                    </a:lnL>
+                    <a:lnR w="3175" cap="flat" cmpd="sng" algn="ctr">
+                      <a:solidFill>
+                        <a:srgbClr val="FFFFFF">
+                          <a:lumMod val="50000"/>
+                        </a:srgbClr>
+                      </a:solidFill>
+                      <a:prstDash val="solid"/>
+                      <a:round/>
+                      <a:headEnd type="none" w="med" len="med"/>
+                      <a:tailEnd type="none" w="med" len="med"/>
+                    </a:lnR>
+                  </a:tcPr>
+                </a:tc>
+                <a:extLst>
+                  <a:ext uri="{0D108BD9-81ED-4DB2-BD59-A6C34878D82A}">
+                    <a16:rowId xmlns:a16="http://schemas.microsoft.com/office/drawing/2014/main" val="10004"/>
+                  </a:ext>
+                </a:extLst>
+              </a:tr>
+              <a:tr h="479394">
+                <a:tc>
+                  <a:txBody>
+                    <a:bodyPr/>
+                    <a:lstStyle/>
+                    <a:p>
+                      <a:endParaRPr lang="en-US" sz="1100" dirty="0">
+                        <a:solidFill>
+                          <a:srgbClr val="000000"/>
+                        </a:solidFill>
+                      </a:endParaRPr>
+                    </a:p>
+                  </a:txBody>
+                  <a:tcPr marL="56960" marR="56960" marT="0" marB="28480">
+                    <a:lnL w="3175" cap="flat" cmpd="sng" algn="ctr">
+                      <a:solidFill>
+                        <a:srgbClr val="FFFFFF">
+                          <a:lumMod val="50000"/>
+                        </a:srgbClr>
+                      </a:solidFill>
+                      <a:prstDash val="solid"/>
+                      <a:round/>
+                      <a:headEnd type="none" w="med" len="med"/>
+                      <a:tailEnd type="none" w="med" len="med"/>
+                    </a:lnL>
+                    <a:lnR w="3175" cap="flat" cmpd="sng" algn="ctr">
+                      <a:solidFill>
+                        <a:srgbClr val="FFFFFF">
+                          <a:lumMod val="50000"/>
+                        </a:srgbClr>
+                      </a:solidFill>
+                      <a:prstDash val="solid"/>
+                      <a:round/>
+                      <a:headEnd type="none" w="med" len="med"/>
+                      <a:tailEnd type="none" w="med" len="med"/>
+                    </a:lnR>
+                  </a:tcPr>
+                </a:tc>
+                <a:tc>
+                  <a:txBody>
+                    <a:bodyPr/>
+                    <a:lstStyle/>
+                    <a:p>
+                      <a:endParaRPr lang="en-US" sz="1100" dirty="0">
+                        <a:solidFill>
+                          <a:srgbClr val="000000"/>
+                        </a:solidFill>
+                      </a:endParaRPr>
+                    </a:p>
+                  </a:txBody>
+                  <a:tcPr marL="56960" marR="56960" marT="0" marB="28480">
+                    <a:lnL w="3175" cap="flat" cmpd="sng" algn="ctr">
+                      <a:solidFill>
+                        <a:srgbClr val="FFFFFF">
+                          <a:lumMod val="50000"/>
+                        </a:srgbClr>
+                      </a:solidFill>
+                      <a:prstDash val="solid"/>
+                      <a:round/>
+                      <a:headEnd type="none" w="med" len="med"/>
+                      <a:tailEnd type="none" w="med" len="med"/>
+                    </a:lnL>
+                    <a:lnR w="3175" cap="flat" cmpd="sng" algn="ctr">
+                      <a:solidFill>
+                        <a:srgbClr val="FFFFFF">
+                          <a:lumMod val="50000"/>
+                        </a:srgbClr>
+                      </a:solidFill>
+                      <a:prstDash val="solid"/>
+                      <a:round/>
+                      <a:headEnd type="none" w="med" len="med"/>
+                      <a:tailEnd type="none" w="med" len="med"/>
+                    </a:lnR>
+                  </a:tcPr>
+                </a:tc>
+                <a:extLst>
+                  <a:ext uri="{0D108BD9-81ED-4DB2-BD59-A6C34878D82A}">
+                    <a16:rowId xmlns:a16="http://schemas.microsoft.com/office/drawing/2014/main" val="10005"/>
+                  </a:ext>
+                </a:extLst>
+              </a:tr>
+              <a:tr h="488769">
+                <a:tc>
+                  <a:txBody>
+                    <a:bodyPr/>
+                    <a:lstStyle/>
+                    <a:p>
+                      <a:endParaRPr lang="en-US" sz="1100" dirty="0">
+                        <a:solidFill>
+                          <a:srgbClr val="000000"/>
+                        </a:solidFill>
+                      </a:endParaRPr>
+                    </a:p>
+                  </a:txBody>
+                  <a:tcPr marL="56960" marR="56960" marT="0" marB="28480">
+                    <a:lnL w="3175" cap="flat" cmpd="sng" algn="ctr">
+                      <a:solidFill>
+                        <a:srgbClr val="FFFFFF">
+                          <a:lumMod val="50000"/>
+                        </a:srgbClr>
+                      </a:solidFill>
+                      <a:prstDash val="solid"/>
+                      <a:round/>
+                      <a:headEnd type="none" w="med" len="med"/>
+                      <a:tailEnd type="none" w="med" len="med"/>
+                    </a:lnL>
+                    <a:lnR w="3175" cap="flat" cmpd="sng" algn="ctr">
+                      <a:solidFill>
+                        <a:srgbClr val="FFFFFF">
+                          <a:lumMod val="50000"/>
+                        </a:srgbClr>
+                      </a:solidFill>
+                      <a:prstDash val="solid"/>
+                      <a:round/>
+                      <a:headEnd type="none" w="med" len="med"/>
+                      <a:tailEnd type="none" w="med" len="med"/>
+                    </a:lnR>
+                  </a:tcPr>
+                </a:tc>
+                <a:tc>
+                  <a:txBody>
+                    <a:bodyPr/>
+                    <a:lstStyle/>
+                    <a:p>
+                      <a:endParaRPr lang="en-US" sz="1100" dirty="0">
+                        <a:solidFill>
+                          <a:srgbClr val="000000"/>
+                        </a:solidFill>
+                      </a:endParaRPr>
+                    </a:p>
+                  </a:txBody>
+                  <a:tcPr marL="56960" marR="56960" marT="0" marB="28480">
+                    <a:lnL w="3175" cap="flat" cmpd="sng" algn="ctr">
+                      <a:solidFill>
+                        <a:srgbClr val="FFFFFF">
+                          <a:lumMod val="50000"/>
+                        </a:srgbClr>
+                      </a:solidFill>
+                      <a:prstDash val="solid"/>
+                      <a:round/>
+                      <a:headEnd type="none" w="med" len="med"/>
+                      <a:tailEnd type="none" w="med" len="med"/>
+                    </a:lnL>
+                    <a:lnR w="3175" cap="flat" cmpd="sng" algn="ctr">
+                      <a:solidFill>
+                        <a:srgbClr val="FFFFFF">
+                          <a:lumMod val="50000"/>
+                        </a:srgbClr>
+                      </a:solidFill>
+                      <a:prstDash val="solid"/>
+                      <a:round/>
+                      <a:headEnd type="none" w="med" len="med"/>
+                      <a:tailEnd type="none" w="med" len="med"/>
+                    </a:lnR>
+                  </a:tcPr>
+                </a:tc>
+                <a:extLst>
+                  <a:ext uri="{0D108BD9-81ED-4DB2-BD59-A6C34878D82A}">
+                    <a16:rowId xmlns:a16="http://schemas.microsoft.com/office/drawing/2014/main" val="10006"/>
+                  </a:ext>
+                </a:extLst>
+              </a:tr>
+              <a:tr h="381740">
+                <a:tc>
+                  <a:txBody>
+                    <a:bodyPr/>
+                    <a:lstStyle/>
+                    <a:p>
+                      <a:endParaRPr lang="en-US" sz="1100" dirty="0">
+                        <a:solidFill>
+                          <a:srgbClr val="000000"/>
+                        </a:solidFill>
+                      </a:endParaRPr>
+                    </a:p>
+                  </a:txBody>
+                  <a:tcPr marL="56960" marR="56960" marT="0" marB="28480">
+                    <a:lnL w="3175" cap="flat" cmpd="sng" algn="ctr">
+                      <a:solidFill>
+                        <a:srgbClr val="FFFFFF">
+                          <a:lumMod val="50000"/>
+                        </a:srgbClr>
+                      </a:solidFill>
+                      <a:prstDash val="solid"/>
+                      <a:round/>
+                      <a:headEnd type="none" w="med" len="med"/>
+                      <a:tailEnd type="none" w="med" len="med"/>
+                    </a:lnL>
+                    <a:lnR w="3175" cap="flat" cmpd="sng" algn="ctr">
+                      <a:solidFill>
+                        <a:srgbClr val="FFFFFF">
+                          <a:lumMod val="50000"/>
+                        </a:srgbClr>
+                      </a:solidFill>
+                      <a:prstDash val="solid"/>
+                      <a:round/>
+                      <a:headEnd type="none" w="med" len="med"/>
+                      <a:tailEnd type="none" w="med" len="med"/>
+                    </a:lnR>
+                    <a:lnB w="3175" cap="flat" cmpd="sng" algn="ctr">
+                      <a:solidFill>
+                        <a:srgbClr val="FFFFFF">
+                          <a:lumMod val="50000"/>
+                        </a:srgbClr>
+                      </a:solidFill>
+                      <a:prstDash val="solid"/>
+                      <a:round/>
+                      <a:headEnd type="none" w="med" len="med"/>
+                      <a:tailEnd type="none" w="med" len="med"/>
+                    </a:lnB>
+                  </a:tcPr>
+                </a:tc>
+                <a:tc>
+                  <a:txBody>
+                    <a:bodyPr/>
+                    <a:lstStyle/>
+                    <a:p>
+                      <a:endParaRPr lang="en-US" sz="1100" dirty="0">
+                        <a:solidFill>
+                          <a:srgbClr val="000000"/>
+                        </a:solidFill>
+                      </a:endParaRPr>
+                    </a:p>
+                  </a:txBody>
+                  <a:tcPr marL="56960" marR="56960" marT="0" marB="28480">
+                    <a:lnL w="3175" cap="flat" cmpd="sng" algn="ctr">
+                      <a:solidFill>
+                        <a:srgbClr val="FFFFFF">
+                          <a:lumMod val="50000"/>
+                        </a:srgbClr>
+                      </a:solidFill>
+                      <a:prstDash val="solid"/>
+                      <a:round/>
+                      <a:headEnd type="none" w="med" len="med"/>
+                      <a:tailEnd type="none" w="med" len="med"/>
+                    </a:lnL>
+                    <a:lnR w="3175" cap="flat" cmpd="sng" algn="ctr">
+                      <a:solidFill>
+                        <a:srgbClr val="FFFFFF">
+                          <a:lumMod val="50000"/>
+                        </a:srgbClr>
+                      </a:solidFill>
+                      <a:prstDash val="solid"/>
+                      <a:round/>
+                      <a:headEnd type="none" w="med" len="med"/>
+                      <a:tailEnd type="none" w="med" len="med"/>
+                    </a:lnR>
+                    <a:lnB w="3175" cap="flat" cmpd="sng" algn="ctr">
+                      <a:solidFill>
+                        <a:srgbClr val="FFFFFF">
+                          <a:lumMod val="50000"/>
+                        </a:srgbClr>
+                      </a:solidFill>
+                      <a:prstDash val="solid"/>
+                      <a:round/>
+                      <a:headEnd type="none" w="med" len="med"/>
+                      <a:tailEnd type="none" w="med" len="med"/>
+                    </a:lnB>
+                  </a:tcPr>
+                </a:tc>
+                <a:extLst>
+                  <a:ext uri="{0D108BD9-81ED-4DB2-BD59-A6C34878D82A}">
+                    <a16:rowId xmlns:a16="http://schemas.microsoft.com/office/drawing/2014/main" val="10007"/>
+                  </a:ext>
+                </a:extLst>
+              </a:tr>
+            </a:tbl>
+          </a:graphicData>
+        </a:graphic>
+      </p:graphicFrame>
+      <p:pic>
+        <p:nvPicPr>
+          <p:cNvPr id="15" name="Picture 2" descr="C:\Users\t-dantay\Documents\Placeholders\star.png">
+            <a:extLst>
+              <a:ext uri="{FF2B5EF4-FFF2-40B4-BE49-F238E27FC236}">
+                <a16:creationId xmlns:a16="http://schemas.microsoft.com/office/drawing/2014/main" id="{A1B3F35F-5FC9-4A07-B185-8B3C53A440C2}"/>
+              </a:ext>
+            </a:extLst>
+          </p:cNvPr>
+          <p:cNvPicPr>
+            <a:picLocks noChangeAspect="1" noChangeArrowheads="1"/>
+          </p:cNvPicPr>
+          <p:nvPr userDrawn="1">
+            <p:custDataLst>
+              <p:custData r:id="rId2"/>
+            </p:custDataLst>
+          </p:nvPr>
+        </p:nvPicPr>
+        <p:blipFill>
+          <a:blip r:embed="rId9" cstate="print">
+            <a:extLst>
+              <a:ext uri="{28A0092B-C50C-407E-A947-70E740481C1C}">
+                <a14:useLocalDpi xmlns:a14="http://schemas.microsoft.com/office/drawing/2010/main" val="0"/>
+              </a:ext>
+            </a:extLst>
+          </a:blip>
+          <a:srcRect/>
+          <a:stretch>
+            <a:fillRect/>
+          </a:stretch>
+        </p:blipFill>
+        <p:spPr bwMode="auto">
+          <a:xfrm>
+            <a:off x="9023072" y="3053728"/>
+            <a:ext cx="228600" cy="217884"/>
+          </a:xfrm>
+          <a:prstGeom prst="rect">
+            <a:avLst/>
+          </a:prstGeom>
+          <a:noFill/>
+          <a:extLst>
+            <a:ext uri="{909E8E84-426E-40DD-AFC4-6F175D3DCCD1}">
+              <a14:hiddenFill xmlns:a14="http://schemas.microsoft.com/office/drawing/2010/main">
+                <a:solidFill>
+                  <a:srgbClr val="FFFFFF"/>
+                </a:solidFill>
+              </a14:hiddenFill>
+            </a:ext>
+          </a:extLst>
+        </p:spPr>
+      </p:pic>
+      <p:pic>
+        <p:nvPicPr>
+          <p:cNvPr id="16" name="Picture 2" descr="C:\Users\t-dantay\Documents\Placeholders\star.png">
+            <a:extLst>
+              <a:ext uri="{FF2B5EF4-FFF2-40B4-BE49-F238E27FC236}">
+                <a16:creationId xmlns:a16="http://schemas.microsoft.com/office/drawing/2014/main" id="{CC54D81A-984E-4C10-94A5-D589C4CAF31E}"/>
+              </a:ext>
+            </a:extLst>
+          </p:cNvPr>
+          <p:cNvPicPr>
+            <a:picLocks noChangeAspect="1" noChangeArrowheads="1"/>
+          </p:cNvPicPr>
+          <p:nvPr userDrawn="1">
+            <p:custDataLst>
+              <p:custData r:id="rId3"/>
+            </p:custDataLst>
+          </p:nvPr>
+        </p:nvPicPr>
+        <p:blipFill>
+          <a:blip r:embed="rId9" cstate="print">
+            <a:extLst>
+              <a:ext uri="{28A0092B-C50C-407E-A947-70E740481C1C}">
+                <a14:useLocalDpi xmlns:a14="http://schemas.microsoft.com/office/drawing/2010/main" val="0"/>
+              </a:ext>
+            </a:extLst>
+          </a:blip>
+          <a:srcRect/>
+          <a:stretch>
+            <a:fillRect/>
+          </a:stretch>
+        </p:blipFill>
+        <p:spPr bwMode="auto">
+          <a:xfrm>
+            <a:off x="9308822" y="3053728"/>
+            <a:ext cx="228600" cy="217884"/>
+          </a:xfrm>
+          <a:prstGeom prst="rect">
+            <a:avLst/>
+          </a:prstGeom>
+          <a:noFill/>
+          <a:extLst>
+            <a:ext uri="{909E8E84-426E-40DD-AFC4-6F175D3DCCD1}">
+              <a14:hiddenFill xmlns:a14="http://schemas.microsoft.com/office/drawing/2010/main">
+                <a:solidFill>
+                  <a:srgbClr val="FFFFFF"/>
+                </a:solidFill>
+              </a14:hiddenFill>
+            </a:ext>
+          </a:extLst>
+        </p:spPr>
+      </p:pic>
+      <p:pic>
+        <p:nvPicPr>
+          <p:cNvPr id="17" name="Picture 2" descr="C:\Users\t-dantay\Documents\Placeholders\star.png">
+            <a:extLst>
+              <a:ext uri="{FF2B5EF4-FFF2-40B4-BE49-F238E27FC236}">
+                <a16:creationId xmlns:a16="http://schemas.microsoft.com/office/drawing/2014/main" id="{520F79F3-B2A5-4C16-8CB0-01D465966603}"/>
+              </a:ext>
+            </a:extLst>
+          </p:cNvPr>
+          <p:cNvPicPr>
+            <a:picLocks noChangeAspect="1" noChangeArrowheads="1"/>
+          </p:cNvPicPr>
+          <p:nvPr userDrawn="1">
+            <p:custDataLst>
+              <p:custData r:id="rId4"/>
+            </p:custDataLst>
+          </p:nvPr>
+        </p:nvPicPr>
+        <p:blipFill>
+          <a:blip r:embed="rId9" cstate="print">
+            <a:extLst>
+              <a:ext uri="{28A0092B-C50C-407E-A947-70E740481C1C}">
+                <a14:useLocalDpi xmlns:a14="http://schemas.microsoft.com/office/drawing/2010/main" val="0"/>
+              </a:ext>
+            </a:extLst>
+          </a:blip>
+          <a:srcRect/>
+          <a:stretch>
+            <a:fillRect/>
+          </a:stretch>
+        </p:blipFill>
+        <p:spPr bwMode="auto">
+          <a:xfrm>
+            <a:off x="9607272" y="3053728"/>
+            <a:ext cx="228600" cy="217884"/>
+          </a:xfrm>
+          <a:prstGeom prst="rect">
+            <a:avLst/>
+          </a:prstGeom>
+          <a:noFill/>
+          <a:extLst>
+            <a:ext uri="{909E8E84-426E-40DD-AFC4-6F175D3DCCD1}">
+              <a14:hiddenFill xmlns:a14="http://schemas.microsoft.com/office/drawing/2010/main">
+                <a:solidFill>
+                  <a:srgbClr val="FFFFFF"/>
+                </a:solidFill>
+              </a14:hiddenFill>
+            </a:ext>
+          </a:extLst>
+        </p:spPr>
+      </p:pic>
+      <p:pic>
+        <p:nvPicPr>
+          <p:cNvPr id="18" name="Picture 2" descr="C:\Users\t-dantay\Documents\Placeholders\star.png">
+            <a:extLst>
+              <a:ext uri="{FF2B5EF4-FFF2-40B4-BE49-F238E27FC236}">
+                <a16:creationId xmlns:a16="http://schemas.microsoft.com/office/drawing/2014/main" id="{52CD0B02-4D84-41EE-9C28-B605DB3B4D58}"/>
+              </a:ext>
+            </a:extLst>
+          </p:cNvPr>
+          <p:cNvPicPr>
+            <a:picLocks noChangeAspect="1" noChangeArrowheads="1"/>
+          </p:cNvPicPr>
+          <p:nvPr userDrawn="1">
+            <p:custDataLst>
+              <p:custData r:id="rId5"/>
+            </p:custDataLst>
+          </p:nvPr>
+        </p:nvPicPr>
+        <p:blipFill>
+          <a:blip r:embed="rId9" cstate="print">
+            <a:extLst>
+              <a:ext uri="{28A0092B-C50C-407E-A947-70E740481C1C}">
+                <a14:useLocalDpi xmlns:a14="http://schemas.microsoft.com/office/drawing/2010/main" val="0"/>
+              </a:ext>
+            </a:extLst>
+          </a:blip>
+          <a:srcRect/>
+          <a:stretch>
+            <a:fillRect/>
+          </a:stretch>
+        </p:blipFill>
+        <p:spPr bwMode="auto">
+          <a:xfrm>
+            <a:off x="9880322" y="3053728"/>
+            <a:ext cx="228600" cy="217884"/>
+          </a:xfrm>
+          <a:prstGeom prst="rect">
+            <a:avLst/>
+          </a:prstGeom>
+          <a:noFill/>
+          <a:extLst>
+            <a:ext uri="{909E8E84-426E-40DD-AFC4-6F175D3DCCD1}">
+              <a14:hiddenFill xmlns:a14="http://schemas.microsoft.com/office/drawing/2010/main">
+                <a:solidFill>
+                  <a:srgbClr val="FFFFFF"/>
+                </a:solidFill>
+              </a14:hiddenFill>
+            </a:ext>
+          </a:extLst>
+        </p:spPr>
+      </p:pic>
+      <p:pic>
+        <p:nvPicPr>
+          <p:cNvPr id="19" name="Picture 2" descr="C:\Users\t-dantay\Documents\Placeholders\star.png">
+            <a:extLst>
+              <a:ext uri="{FF2B5EF4-FFF2-40B4-BE49-F238E27FC236}">
+                <a16:creationId xmlns:a16="http://schemas.microsoft.com/office/drawing/2014/main" id="{8F1A11BA-33F7-40B6-83A7-705418110AC6}"/>
+              </a:ext>
+            </a:extLst>
+          </p:cNvPr>
+          <p:cNvPicPr>
+            <a:picLocks noChangeAspect="1" noChangeArrowheads="1"/>
+          </p:cNvPicPr>
+          <p:nvPr userDrawn="1">
+            <p:custDataLst>
+              <p:custData r:id="rId6"/>
+            </p:custDataLst>
+          </p:nvPr>
+        </p:nvPicPr>
+        <p:blipFill>
+          <a:blip r:embed="rId9" cstate="print">
+            <a:extLst>
+              <a:ext uri="{28A0092B-C50C-407E-A947-70E740481C1C}">
+                <a14:useLocalDpi xmlns:a14="http://schemas.microsoft.com/office/drawing/2010/main" val="0"/>
+              </a:ext>
+            </a:extLst>
+          </a:blip>
+          <a:srcRect/>
+          <a:stretch>
+            <a:fillRect/>
+          </a:stretch>
+        </p:blipFill>
+        <p:spPr bwMode="auto">
+          <a:xfrm>
+            <a:off x="10153372" y="3053728"/>
+            <a:ext cx="228600" cy="217884"/>
+          </a:xfrm>
+          <a:prstGeom prst="rect">
+            <a:avLst/>
+          </a:prstGeom>
+          <a:noFill/>
+          <a:extLst>
+            <a:ext uri="{909E8E84-426E-40DD-AFC4-6F175D3DCCD1}">
+              <a14:hiddenFill xmlns:a14="http://schemas.microsoft.com/office/drawing/2010/main">
+                <a:solidFill>
+                  <a:srgbClr val="FFFFFF"/>
+                </a:solidFill>
+              </a14:hiddenFill>
+            </a:ext>
+          </a:extLst>
+        </p:spPr>
+      </p:pic>
+      <p:sp>
+        <p:nvSpPr>
+          <p:cNvPr id="22" name="Content">
+            <a:extLst>
+              <a:ext uri="{FF2B5EF4-FFF2-40B4-BE49-F238E27FC236}">
+                <a16:creationId xmlns:a16="http://schemas.microsoft.com/office/drawing/2014/main" id="{BE2F9136-B5B8-4704-88D9-575C5C29A507}"/>
+              </a:ext>
+            </a:extLst>
+          </p:cNvPr>
+          <p:cNvSpPr txBox="1"/>
+          <p:nvPr userDrawn="1">
+            <p:custDataLst>
+              <p:custData r:id="rId7"/>
+            </p:custDataLst>
+          </p:nvPr>
+        </p:nvSpPr>
+        <p:spPr>
+          <a:xfrm>
+            <a:off x="594104" y="1996750"/>
+            <a:ext cx="3577846" cy="477054"/>
+          </a:xfrm>
+          <a:prstGeom prst="rect">
+            <a:avLst/>
+          </a:prstGeom>
+          <a:noFill/>
+        </p:spPr>
+        <p:txBody>
+          <a:bodyPr wrap="square" lIns="91440" tIns="18288" rIns="91440" bIns="27432" rtlCol="0" anchor="ctr" anchorCtr="0">
+            <a:spAutoFit/>
+          </a:bodyPr>
+          <a:lstStyle/>
+          <a:p>
+            <a:r>
+              <a:rPr lang="en-US" sz="2800" dirty="0" err="1">
+                <a:solidFill>
+                  <a:srgbClr val="000000"/>
+                </a:solidFill>
+                <a:latin typeface="Segoe UI" pitchFamily="34" charset="0"/>
+                <a:ea typeface="Segoe UI" pitchFamily="34" charset="0"/>
+                <a:cs typeface="Segoe UI" pitchFamily="34" charset="0"/>
+              </a:rPr>
+              <a:t>Sondages</a:t>
+            </a:r>
+            <a:r>
+              <a:rPr lang="en-US" sz="2800" dirty="0">
+                <a:solidFill>
+                  <a:srgbClr val="000000"/>
+                </a:solidFill>
+                <a:latin typeface="Segoe UI" pitchFamily="34" charset="0"/>
+                <a:ea typeface="Segoe UI" pitchFamily="34" charset="0"/>
+                <a:cs typeface="Segoe UI" pitchFamily="34" charset="0"/>
+              </a:rPr>
+              <a:t> </a:t>
+            </a:r>
+            <a:r>
+              <a:rPr lang="en-US" sz="2800" dirty="0" err="1">
+                <a:solidFill>
+                  <a:srgbClr val="000000"/>
+                </a:solidFill>
+                <a:latin typeface="Segoe UI" pitchFamily="34" charset="0"/>
+                <a:ea typeface="Segoe UI" pitchFamily="34" charset="0"/>
+                <a:cs typeface="Segoe UI" pitchFamily="34" charset="0"/>
+              </a:rPr>
+              <a:t>populaires</a:t>
+            </a:r>
+            <a:r>
+              <a:rPr lang="en-US" sz="2800" dirty="0">
+                <a:solidFill>
+                  <a:srgbClr val="000000"/>
+                </a:solidFill>
+                <a:latin typeface="Segoe UI" pitchFamily="34" charset="0"/>
+                <a:ea typeface="Segoe UI" pitchFamily="34" charset="0"/>
+                <a:cs typeface="Segoe UI" pitchFamily="34" charset="0"/>
+              </a:rPr>
+              <a:t> </a:t>
+            </a:r>
+          </a:p>
+        </p:txBody>
+      </p:sp>
+    </p:spTree>
+    <p:extLst>
+      <p:ext uri="{BB962C8B-B14F-4D97-AF65-F5344CB8AC3E}">
+        <p14:creationId xmlns:p14="http://schemas.microsoft.com/office/powerpoint/2010/main" val="1464264147"/>
+      </p:ext>
+    </p:extLst>
+  </p:cSld>
+  <p:clrMapOvr>
+    <a:masterClrMapping/>
+  </p:clrMapOvr>
+</p:sldLayout>
+</file>
+
+<file path=ppt/slideLayouts/slideLayout7.xml><?xml version="1.0" encoding="utf-8"?>
+<p:sldLayout xmlns:a="http://schemas.openxmlformats.org/drawingml/2006/main" xmlns:r="http://schemas.openxmlformats.org/officeDocument/2006/relationships" xmlns:p="http://schemas.openxmlformats.org/presentationml/2006/main" preserve="1" userDrawn="1">
+  <p:cSld name="1_Disposition personnalisée">
+    <p:spTree>
+      <p:nvGrpSpPr>
+        <p:cNvPr id="1" name=""/>
+        <p:cNvGrpSpPr/>
+        <p:nvPr/>
+      </p:nvGrpSpPr>
+      <p:grpSpPr>
+        <a:xfrm>
+          <a:off x="0" y="0"/>
+          <a:ext cx="0" cy="0"/>
+          <a:chOff x="0" y="0"/>
+          <a:chExt cx="0" cy="0"/>
+        </a:xfrm>
+      </p:grpSpPr>
+      <p:graphicFrame>
+        <p:nvGraphicFramePr>
+          <p:cNvPr id="3" name="Table">
+            <a:extLst>
+              <a:ext uri="{FF2B5EF4-FFF2-40B4-BE49-F238E27FC236}">
+                <a16:creationId xmlns:a16="http://schemas.microsoft.com/office/drawing/2014/main" id="{2EC32023-E53A-49B4-95D0-876E34D7178F}"/>
+              </a:ext>
+            </a:extLst>
+          </p:cNvPr>
+          <p:cNvGraphicFramePr>
+            <a:graphicFrameLocks noGrp="1"/>
+          </p:cNvGraphicFramePr>
+          <p:nvPr userDrawn="1">
+            <p:custDataLst>
+              <p:custData r:id="rId1"/>
+            </p:custDataLst>
+            <p:extLst>
+              <p:ext uri="{D42A27DB-BD31-4B8C-83A1-F6EECF244321}">
+                <p14:modId xmlns:p14="http://schemas.microsoft.com/office/powerpoint/2010/main" val="1702600976"/>
+              </p:ext>
+            </p:extLst>
+          </p:nvPr>
+        </p:nvGraphicFramePr>
+        <p:xfrm>
+          <a:off x="814069" y="2644520"/>
+          <a:ext cx="10229751" cy="3507705"/>
+        </p:xfrm>
+        <a:graphic>
+          <a:graphicData uri="http://schemas.openxmlformats.org/drawingml/2006/table">
+            <a:tbl>
+              <a:tblPr firstRow="1" bandRow="1">
+                <a:tableStyleId>{8EC20E35-A176-4012-BC5E-935CFFF8708E}</a:tableStyleId>
+              </a:tblPr>
+              <a:tblGrid>
+                <a:gridCol w="7499737">
+                  <a:extLst>
+                    <a:ext uri="{9D8B030D-6E8A-4147-A177-3AD203B41FA5}">
+                      <a16:colId xmlns:a16="http://schemas.microsoft.com/office/drawing/2014/main" val="20000"/>
+                    </a:ext>
+                  </a:extLst>
+                </a:gridCol>
+                <a:gridCol w="2730014">
+                  <a:extLst>
+                    <a:ext uri="{9D8B030D-6E8A-4147-A177-3AD203B41FA5}">
+                      <a16:colId xmlns:a16="http://schemas.microsoft.com/office/drawing/2014/main" val="20001"/>
+                    </a:ext>
+                  </a:extLst>
+                </a:gridCol>
+              </a:tblGrid>
+              <a:tr h="0">
+                <a:tc>
+                  <a:txBody>
+                    <a:bodyPr/>
+                    <a:lstStyle/>
+                    <a:p>
+                      <a:pPr algn="ctr"/>
+                      <a:r>
+                        <a:rPr lang="en-US" sz="1800" dirty="0">
+                          <a:solidFill>
+                            <a:srgbClr val="000000"/>
+                          </a:solidFill>
+                        </a:rPr>
+                        <a:t>Nom du sondage</a:t>
+                      </a:r>
+                    </a:p>
+                  </a:txBody>
+                  <a:tcPr marL="56960" marR="56960" marT="0" marB="28480">
+                    <a:lnL w="3175" cap="flat" cmpd="sng" algn="ctr">
+                      <a:solidFill>
+                        <a:srgbClr val="FFFFFF">
+                          <a:lumMod val="50000"/>
+                        </a:srgbClr>
+                      </a:solidFill>
+                      <a:prstDash val="solid"/>
+                      <a:round/>
+                      <a:headEnd type="none" w="med" len="med"/>
+                      <a:tailEnd type="none" w="med" len="med"/>
+                    </a:lnL>
+                    <a:lnR w="3175" cap="flat" cmpd="sng" algn="ctr">
+                      <a:solidFill>
+                        <a:srgbClr val="FFFFFF">
+                          <a:lumMod val="50000"/>
+                        </a:srgbClr>
+                      </a:solidFill>
+                      <a:prstDash val="solid"/>
+                      <a:round/>
+                      <a:headEnd type="none" w="med" len="med"/>
+                      <a:tailEnd type="none" w="med" len="med"/>
+                    </a:lnR>
+                    <a:lnT w="3175" cap="flat" cmpd="sng" algn="ctr">
+                      <a:solidFill>
+                        <a:srgbClr val="FFFFFF">
+                          <a:lumMod val="50000"/>
+                        </a:srgbClr>
+                      </a:solidFill>
+                      <a:prstDash val="solid"/>
+                      <a:round/>
+                      <a:headEnd type="none" w="med" len="med"/>
+                      <a:tailEnd type="none" w="med" len="med"/>
+                    </a:lnT>
+                    <a:lnB w="3175" cap="flat" cmpd="sng" algn="ctr">
+                      <a:solidFill>
+                        <a:srgbClr val="FFFFFF">
+                          <a:lumMod val="50000"/>
+                        </a:srgbClr>
+                      </a:solidFill>
+                      <a:prstDash val="solid"/>
+                      <a:round/>
+                      <a:headEnd type="none" w="med" len="med"/>
+                      <a:tailEnd type="none" w="med" len="med"/>
+                    </a:lnB>
+                    <a:solidFill>
+                      <a:srgbClr val="FFFFFF">
+                        <a:lumMod val="75000"/>
+                      </a:srgbClr>
+                    </a:solidFill>
+                  </a:tcPr>
+                </a:tc>
+                <a:tc>
+                  <a:txBody>
+                    <a:bodyPr/>
+                    <a:lstStyle/>
+                    <a:p>
+                      <a:pPr algn="ctr"/>
+                      <a:r>
+                        <a:rPr lang="en-US" sz="1800" dirty="0">
+                          <a:solidFill>
+                            <a:srgbClr val="000000"/>
+                          </a:solidFill>
+                        </a:rPr>
+                        <a:t>Date de publication</a:t>
+                      </a:r>
+                    </a:p>
+                  </a:txBody>
+                  <a:tcPr marL="56960" marR="56960" marT="0" marB="28480">
+                    <a:lnL w="3175" cap="flat" cmpd="sng" algn="ctr">
+                      <a:solidFill>
+                        <a:srgbClr val="FFFFFF">
+                          <a:lumMod val="50000"/>
+                        </a:srgbClr>
+                      </a:solidFill>
+                      <a:prstDash val="solid"/>
+                      <a:round/>
+                      <a:headEnd type="none" w="med" len="med"/>
+                      <a:tailEnd type="none" w="med" len="med"/>
+                    </a:lnL>
+                    <a:lnR w="3175" cap="flat" cmpd="sng" algn="ctr">
+                      <a:solidFill>
+                        <a:srgbClr val="FFFFFF">
+                          <a:lumMod val="50000"/>
+                        </a:srgbClr>
+                      </a:solidFill>
+                      <a:prstDash val="solid"/>
+                      <a:round/>
+                      <a:headEnd type="none" w="med" len="med"/>
+                      <a:tailEnd type="none" w="med" len="med"/>
+                    </a:lnR>
+                    <a:lnT w="3175" cap="flat" cmpd="sng" algn="ctr">
+                      <a:solidFill>
+                        <a:srgbClr val="FFFFFF">
+                          <a:lumMod val="50000"/>
+                        </a:srgbClr>
+                      </a:solidFill>
+                      <a:prstDash val="solid"/>
+                      <a:round/>
+                      <a:headEnd type="none" w="med" len="med"/>
+                      <a:tailEnd type="none" w="med" len="med"/>
+                    </a:lnT>
+                    <a:lnB w="3175" cap="flat" cmpd="sng" algn="ctr">
+                      <a:solidFill>
+                        <a:srgbClr val="FFFFFF">
+                          <a:lumMod val="50000"/>
+                        </a:srgbClr>
+                      </a:solidFill>
+                      <a:prstDash val="solid"/>
+                      <a:round/>
+                      <a:headEnd type="none" w="med" len="med"/>
+                      <a:tailEnd type="none" w="med" len="med"/>
+                    </a:lnB>
+                    <a:solidFill>
+                      <a:srgbClr val="FFFFFF">
+                        <a:lumMod val="75000"/>
+                      </a:srgbClr>
+                    </a:solidFill>
+                  </a:tcPr>
+                </a:tc>
+                <a:extLst>
+                  <a:ext uri="{0D108BD9-81ED-4DB2-BD59-A6C34878D82A}">
+                    <a16:rowId xmlns:a16="http://schemas.microsoft.com/office/drawing/2014/main" val="10000"/>
+                  </a:ext>
+                </a:extLst>
+              </a:tr>
+              <a:tr h="443950">
+                <a:tc>
+                  <a:txBody>
+                    <a:bodyPr/>
+                    <a:lstStyle/>
+                    <a:p>
+                      <a:endParaRPr lang="en-US" sz="1100" dirty="0">
+                        <a:solidFill>
+                          <a:srgbClr val="000000"/>
+                        </a:solidFill>
+                      </a:endParaRPr>
+                    </a:p>
+                  </a:txBody>
+                  <a:tcPr marL="56960" marR="56960" marT="0" marB="28480">
+                    <a:lnL w="3175" cap="flat" cmpd="sng" algn="ctr">
+                      <a:solidFill>
+                        <a:srgbClr val="FFFFFF">
+                          <a:lumMod val="50000"/>
+                        </a:srgbClr>
+                      </a:solidFill>
+                      <a:prstDash val="solid"/>
+                      <a:round/>
+                      <a:headEnd type="none" w="med" len="med"/>
+                      <a:tailEnd type="none" w="med" len="med"/>
+                    </a:lnL>
+                    <a:lnR w="3175" cap="flat" cmpd="sng" algn="ctr">
+                      <a:solidFill>
+                        <a:srgbClr val="FFFFFF">
+                          <a:lumMod val="50000"/>
+                        </a:srgbClr>
+                      </a:solidFill>
+                      <a:prstDash val="solid"/>
+                      <a:round/>
+                      <a:headEnd type="none" w="med" len="med"/>
+                      <a:tailEnd type="none" w="med" len="med"/>
+                    </a:lnR>
+                    <a:lnT w="3175" cap="flat" cmpd="sng" algn="ctr">
+                      <a:solidFill>
+                        <a:srgbClr val="FFFFFF">
+                          <a:lumMod val="50000"/>
+                        </a:srgbClr>
+                      </a:solidFill>
+                      <a:prstDash val="solid"/>
+                      <a:round/>
+                      <a:headEnd type="none" w="med" len="med"/>
+                      <a:tailEnd type="none" w="med" len="med"/>
+                    </a:lnT>
+                  </a:tcPr>
+                </a:tc>
+                <a:tc>
+                  <a:txBody>
+                    <a:bodyPr/>
+                    <a:lstStyle/>
+                    <a:p>
+                      <a:pPr algn="ctr"/>
+                      <a:endParaRPr lang="en-US" sz="1100" dirty="0">
+                        <a:solidFill>
+                          <a:srgbClr val="000000"/>
+                        </a:solidFill>
+                      </a:endParaRPr>
+                    </a:p>
+                  </a:txBody>
+                  <a:tcPr marL="56960" marR="56960" marT="0" marB="28480">
+                    <a:lnL w="3175" cap="flat" cmpd="sng" algn="ctr">
+                      <a:solidFill>
+                        <a:srgbClr val="FFFFFF">
+                          <a:lumMod val="50000"/>
+                        </a:srgbClr>
+                      </a:solidFill>
+                      <a:prstDash val="solid"/>
+                      <a:round/>
+                      <a:headEnd type="none" w="med" len="med"/>
+                      <a:tailEnd type="none" w="med" len="med"/>
+                    </a:lnL>
+                    <a:lnR w="3175" cap="flat" cmpd="sng" algn="ctr">
+                      <a:solidFill>
+                        <a:srgbClr val="FFFFFF">
+                          <a:lumMod val="50000"/>
+                        </a:srgbClr>
+                      </a:solidFill>
+                      <a:prstDash val="solid"/>
+                      <a:round/>
+                      <a:headEnd type="none" w="med" len="med"/>
+                      <a:tailEnd type="none" w="med" len="med"/>
+                    </a:lnR>
+                    <a:lnT w="3175" cap="flat" cmpd="sng" algn="ctr">
+                      <a:solidFill>
+                        <a:srgbClr val="FFFFFF">
+                          <a:lumMod val="50000"/>
+                        </a:srgbClr>
+                      </a:solidFill>
+                      <a:prstDash val="solid"/>
+                      <a:round/>
+                      <a:headEnd type="none" w="med" len="med"/>
+                      <a:tailEnd type="none" w="med" len="med"/>
+                    </a:lnT>
+                  </a:tcPr>
+                </a:tc>
+                <a:extLst>
+                  <a:ext uri="{0D108BD9-81ED-4DB2-BD59-A6C34878D82A}">
+                    <a16:rowId xmlns:a16="http://schemas.microsoft.com/office/drawing/2014/main" val="10001"/>
+                  </a:ext>
+                </a:extLst>
+              </a:tr>
+              <a:tr h="478896">
+                <a:tc>
+                  <a:txBody>
+                    <a:bodyPr/>
+                    <a:lstStyle/>
+                    <a:p>
+                      <a:endParaRPr lang="en-US" sz="1100" dirty="0">
+                        <a:solidFill>
+                          <a:srgbClr val="000000"/>
+                        </a:solidFill>
+                      </a:endParaRPr>
+                    </a:p>
+                  </a:txBody>
+                  <a:tcPr marL="56960" marR="56960" marT="0" marB="28480">
+                    <a:lnL w="3175" cap="flat" cmpd="sng" algn="ctr">
+                      <a:solidFill>
+                        <a:srgbClr val="FFFFFF">
+                          <a:lumMod val="50000"/>
+                        </a:srgbClr>
+                      </a:solidFill>
+                      <a:prstDash val="solid"/>
+                      <a:round/>
+                      <a:headEnd type="none" w="med" len="med"/>
+                      <a:tailEnd type="none" w="med" len="med"/>
+                    </a:lnL>
+                    <a:lnR w="3175" cap="flat" cmpd="sng" algn="ctr">
+                      <a:solidFill>
+                        <a:srgbClr val="FFFFFF">
+                          <a:lumMod val="50000"/>
+                        </a:srgbClr>
+                      </a:solidFill>
+                      <a:prstDash val="solid"/>
+                      <a:round/>
+                      <a:headEnd type="none" w="med" len="med"/>
+                      <a:tailEnd type="none" w="med" len="med"/>
+                    </a:lnR>
+                  </a:tcPr>
+                </a:tc>
+                <a:tc>
+                  <a:txBody>
+                    <a:bodyPr/>
+                    <a:lstStyle/>
+                    <a:p>
+                      <a:endParaRPr lang="en-US" sz="1100" dirty="0">
+                        <a:solidFill>
+                          <a:srgbClr val="000000"/>
+                        </a:solidFill>
+                      </a:endParaRPr>
+                    </a:p>
+                  </a:txBody>
+                  <a:tcPr marL="56960" marR="56960" marT="0" marB="28480">
+                    <a:lnL w="3175" cap="flat" cmpd="sng" algn="ctr">
+                      <a:solidFill>
+                        <a:srgbClr val="FFFFFF">
+                          <a:lumMod val="50000"/>
+                        </a:srgbClr>
+                      </a:solidFill>
+                      <a:prstDash val="solid"/>
+                      <a:round/>
+                      <a:headEnd type="none" w="med" len="med"/>
+                      <a:tailEnd type="none" w="med" len="med"/>
+                    </a:lnL>
+                    <a:lnR w="3175" cap="flat" cmpd="sng" algn="ctr">
+                      <a:solidFill>
+                        <a:srgbClr val="FFFFFF">
+                          <a:lumMod val="50000"/>
+                        </a:srgbClr>
+                      </a:solidFill>
+                      <a:prstDash val="solid"/>
+                      <a:round/>
+                      <a:headEnd type="none" w="med" len="med"/>
+                      <a:tailEnd type="none" w="med" len="med"/>
+                    </a:lnR>
+                  </a:tcPr>
+                </a:tc>
+                <a:extLst>
+                  <a:ext uri="{0D108BD9-81ED-4DB2-BD59-A6C34878D82A}">
+                    <a16:rowId xmlns:a16="http://schemas.microsoft.com/office/drawing/2014/main" val="10002"/>
+                  </a:ext>
+                </a:extLst>
+              </a:tr>
+              <a:tr h="470517">
+                <a:tc>
+                  <a:txBody>
+                    <a:bodyPr/>
+                    <a:lstStyle/>
+                    <a:p>
+                      <a:endParaRPr lang="en-US" sz="1100" dirty="0">
+                        <a:solidFill>
+                          <a:srgbClr val="000000"/>
+                        </a:solidFill>
+                      </a:endParaRPr>
+                    </a:p>
+                  </a:txBody>
+                  <a:tcPr marL="56960" marR="56960" marT="0" marB="28480">
+                    <a:lnL w="3175" cap="flat" cmpd="sng" algn="ctr">
+                      <a:solidFill>
+                        <a:srgbClr val="FFFFFF">
+                          <a:lumMod val="50000"/>
+                        </a:srgbClr>
+                      </a:solidFill>
+                      <a:prstDash val="solid"/>
+                      <a:round/>
+                      <a:headEnd type="none" w="med" len="med"/>
+                      <a:tailEnd type="none" w="med" len="med"/>
+                    </a:lnL>
+                    <a:lnR w="3175" cap="flat" cmpd="sng" algn="ctr">
+                      <a:solidFill>
+                        <a:srgbClr val="FFFFFF">
+                          <a:lumMod val="50000"/>
+                        </a:srgbClr>
+                      </a:solidFill>
+                      <a:prstDash val="solid"/>
+                      <a:round/>
+                      <a:headEnd type="none" w="med" len="med"/>
+                      <a:tailEnd type="none" w="med" len="med"/>
+                    </a:lnR>
+                  </a:tcPr>
+                </a:tc>
+                <a:tc>
+                  <a:txBody>
+                    <a:bodyPr/>
+                    <a:lstStyle/>
+                    <a:p>
+                      <a:endParaRPr lang="en-US" sz="1100" dirty="0">
+                        <a:solidFill>
+                          <a:srgbClr val="000000"/>
+                        </a:solidFill>
+                      </a:endParaRPr>
+                    </a:p>
+                  </a:txBody>
+                  <a:tcPr marL="56960" marR="56960" marT="0" marB="28480">
+                    <a:lnL w="3175" cap="flat" cmpd="sng" algn="ctr">
+                      <a:solidFill>
+                        <a:srgbClr val="FFFFFF">
+                          <a:lumMod val="50000"/>
+                        </a:srgbClr>
+                      </a:solidFill>
+                      <a:prstDash val="solid"/>
+                      <a:round/>
+                      <a:headEnd type="none" w="med" len="med"/>
+                      <a:tailEnd type="none" w="med" len="med"/>
+                    </a:lnL>
+                    <a:lnR w="3175" cap="flat" cmpd="sng" algn="ctr">
+                      <a:solidFill>
+                        <a:srgbClr val="FFFFFF">
+                          <a:lumMod val="50000"/>
+                        </a:srgbClr>
+                      </a:solidFill>
+                      <a:prstDash val="solid"/>
+                      <a:round/>
+                      <a:headEnd type="none" w="med" len="med"/>
+                      <a:tailEnd type="none" w="med" len="med"/>
+                    </a:lnR>
+                  </a:tcPr>
+                </a:tc>
+                <a:extLst>
+                  <a:ext uri="{0D108BD9-81ED-4DB2-BD59-A6C34878D82A}">
+                    <a16:rowId xmlns:a16="http://schemas.microsoft.com/office/drawing/2014/main" val="10003"/>
+                  </a:ext>
+                </a:extLst>
+              </a:tr>
+              <a:tr h="461639">
+                <a:tc>
+                  <a:txBody>
+                    <a:bodyPr/>
+                    <a:lstStyle/>
+                    <a:p>
+                      <a:endParaRPr lang="en-US" sz="1100" dirty="0">
+                        <a:solidFill>
+                          <a:srgbClr val="000000"/>
+                        </a:solidFill>
+                      </a:endParaRPr>
+                    </a:p>
+                  </a:txBody>
+                  <a:tcPr marL="56960" marR="56960" marT="0" marB="28480">
+                    <a:lnL w="3175" cap="flat" cmpd="sng" algn="ctr">
+                      <a:solidFill>
+                        <a:srgbClr val="FFFFFF">
+                          <a:lumMod val="50000"/>
+                        </a:srgbClr>
+                      </a:solidFill>
+                      <a:prstDash val="solid"/>
+                      <a:round/>
+                      <a:headEnd type="none" w="med" len="med"/>
+                      <a:tailEnd type="none" w="med" len="med"/>
+                    </a:lnL>
+                    <a:lnR w="3175" cap="flat" cmpd="sng" algn="ctr">
+                      <a:solidFill>
+                        <a:srgbClr val="FFFFFF">
+                          <a:lumMod val="50000"/>
+                        </a:srgbClr>
+                      </a:solidFill>
+                      <a:prstDash val="solid"/>
+                      <a:round/>
+                      <a:headEnd type="none" w="med" len="med"/>
+                      <a:tailEnd type="none" w="med" len="med"/>
+                    </a:lnR>
+                  </a:tcPr>
+                </a:tc>
+                <a:tc>
+                  <a:txBody>
+                    <a:bodyPr/>
+                    <a:lstStyle/>
+                    <a:p>
+                      <a:endParaRPr lang="en-US" sz="1100" dirty="0">
+                        <a:solidFill>
+                          <a:srgbClr val="000000"/>
+                        </a:solidFill>
+                      </a:endParaRPr>
+                    </a:p>
+                  </a:txBody>
+                  <a:tcPr marL="56960" marR="56960" marT="0" marB="28480">
+                    <a:lnL w="3175" cap="flat" cmpd="sng" algn="ctr">
+                      <a:solidFill>
+                        <a:srgbClr val="FFFFFF">
+                          <a:lumMod val="50000"/>
+                        </a:srgbClr>
+                      </a:solidFill>
+                      <a:prstDash val="solid"/>
+                      <a:round/>
+                      <a:headEnd type="none" w="med" len="med"/>
+                      <a:tailEnd type="none" w="med" len="med"/>
+                    </a:lnL>
+                    <a:lnR w="3175" cap="flat" cmpd="sng" algn="ctr">
+                      <a:solidFill>
+                        <a:srgbClr val="FFFFFF">
+                          <a:lumMod val="50000"/>
+                        </a:srgbClr>
+                      </a:solidFill>
+                      <a:prstDash val="solid"/>
+                      <a:round/>
+                      <a:headEnd type="none" w="med" len="med"/>
+                      <a:tailEnd type="none" w="med" len="med"/>
+                    </a:lnR>
+                  </a:tcPr>
+                </a:tc>
+                <a:extLst>
+                  <a:ext uri="{0D108BD9-81ED-4DB2-BD59-A6C34878D82A}">
+                    <a16:rowId xmlns:a16="http://schemas.microsoft.com/office/drawing/2014/main" val="10004"/>
+                  </a:ext>
+                </a:extLst>
+              </a:tr>
+              <a:tr h="479394">
+                <a:tc>
+                  <a:txBody>
+                    <a:bodyPr/>
+                    <a:lstStyle/>
+                    <a:p>
+                      <a:endParaRPr lang="en-US" sz="1100" dirty="0">
+                        <a:solidFill>
+                          <a:srgbClr val="000000"/>
+                        </a:solidFill>
+                      </a:endParaRPr>
+                    </a:p>
+                  </a:txBody>
+                  <a:tcPr marL="56960" marR="56960" marT="0" marB="28480">
+                    <a:lnL w="3175" cap="flat" cmpd="sng" algn="ctr">
+                      <a:solidFill>
+                        <a:srgbClr val="FFFFFF">
+                          <a:lumMod val="50000"/>
+                        </a:srgbClr>
+                      </a:solidFill>
+                      <a:prstDash val="solid"/>
+                      <a:round/>
+                      <a:headEnd type="none" w="med" len="med"/>
+                      <a:tailEnd type="none" w="med" len="med"/>
+                    </a:lnL>
+                    <a:lnR w="3175" cap="flat" cmpd="sng" algn="ctr">
+                      <a:solidFill>
+                        <a:srgbClr val="FFFFFF">
+                          <a:lumMod val="50000"/>
+                        </a:srgbClr>
+                      </a:solidFill>
+                      <a:prstDash val="solid"/>
+                      <a:round/>
+                      <a:headEnd type="none" w="med" len="med"/>
+                      <a:tailEnd type="none" w="med" len="med"/>
+                    </a:lnR>
+                  </a:tcPr>
+                </a:tc>
+                <a:tc>
+                  <a:txBody>
+                    <a:bodyPr/>
+                    <a:lstStyle/>
+                    <a:p>
+                      <a:endParaRPr lang="en-US" sz="1100" dirty="0">
+                        <a:solidFill>
+                          <a:srgbClr val="000000"/>
+                        </a:solidFill>
+                      </a:endParaRPr>
+                    </a:p>
+                  </a:txBody>
+                  <a:tcPr marL="56960" marR="56960" marT="0" marB="28480">
+                    <a:lnL w="3175" cap="flat" cmpd="sng" algn="ctr">
+                      <a:solidFill>
+                        <a:srgbClr val="FFFFFF">
+                          <a:lumMod val="50000"/>
+                        </a:srgbClr>
+                      </a:solidFill>
+                      <a:prstDash val="solid"/>
+                      <a:round/>
+                      <a:headEnd type="none" w="med" len="med"/>
+                      <a:tailEnd type="none" w="med" len="med"/>
+                    </a:lnL>
+                    <a:lnR w="3175" cap="flat" cmpd="sng" algn="ctr">
+                      <a:solidFill>
+                        <a:srgbClr val="FFFFFF">
+                          <a:lumMod val="50000"/>
+                        </a:srgbClr>
+                      </a:solidFill>
+                      <a:prstDash val="solid"/>
+                      <a:round/>
+                      <a:headEnd type="none" w="med" len="med"/>
+                      <a:tailEnd type="none" w="med" len="med"/>
+                    </a:lnR>
+                  </a:tcPr>
+                </a:tc>
+                <a:extLst>
+                  <a:ext uri="{0D108BD9-81ED-4DB2-BD59-A6C34878D82A}">
+                    <a16:rowId xmlns:a16="http://schemas.microsoft.com/office/drawing/2014/main" val="10005"/>
+                  </a:ext>
+                </a:extLst>
+              </a:tr>
+              <a:tr h="488769">
+                <a:tc>
+                  <a:txBody>
+                    <a:bodyPr/>
+                    <a:lstStyle/>
+                    <a:p>
+                      <a:endParaRPr lang="en-US" sz="1100" dirty="0">
+                        <a:solidFill>
+                          <a:srgbClr val="000000"/>
+                        </a:solidFill>
+                      </a:endParaRPr>
+                    </a:p>
+                  </a:txBody>
+                  <a:tcPr marL="56960" marR="56960" marT="0" marB="28480">
+                    <a:lnL w="3175" cap="flat" cmpd="sng" algn="ctr">
+                      <a:solidFill>
+                        <a:srgbClr val="FFFFFF">
+                          <a:lumMod val="50000"/>
+                        </a:srgbClr>
+                      </a:solidFill>
+                      <a:prstDash val="solid"/>
+                      <a:round/>
+                      <a:headEnd type="none" w="med" len="med"/>
+                      <a:tailEnd type="none" w="med" len="med"/>
+                    </a:lnL>
+                    <a:lnR w="3175" cap="flat" cmpd="sng" algn="ctr">
+                      <a:solidFill>
+                        <a:srgbClr val="FFFFFF">
+                          <a:lumMod val="50000"/>
+                        </a:srgbClr>
+                      </a:solidFill>
+                      <a:prstDash val="solid"/>
+                      <a:round/>
+                      <a:headEnd type="none" w="med" len="med"/>
+                      <a:tailEnd type="none" w="med" len="med"/>
+                    </a:lnR>
+                  </a:tcPr>
+                </a:tc>
+                <a:tc>
+                  <a:txBody>
+                    <a:bodyPr/>
+                    <a:lstStyle/>
+                    <a:p>
+                      <a:endParaRPr lang="en-US" sz="1100" dirty="0">
+                        <a:solidFill>
+                          <a:srgbClr val="000000"/>
+                        </a:solidFill>
+                      </a:endParaRPr>
+                    </a:p>
+                  </a:txBody>
+                  <a:tcPr marL="56960" marR="56960" marT="0" marB="28480">
+                    <a:lnL w="3175" cap="flat" cmpd="sng" algn="ctr">
+                      <a:solidFill>
+                        <a:srgbClr val="FFFFFF">
+                          <a:lumMod val="50000"/>
+                        </a:srgbClr>
+                      </a:solidFill>
+                      <a:prstDash val="solid"/>
+                      <a:round/>
+                      <a:headEnd type="none" w="med" len="med"/>
+                      <a:tailEnd type="none" w="med" len="med"/>
+                    </a:lnL>
+                    <a:lnR w="3175" cap="flat" cmpd="sng" algn="ctr">
+                      <a:solidFill>
+                        <a:srgbClr val="FFFFFF">
+                          <a:lumMod val="50000"/>
+                        </a:srgbClr>
+                      </a:solidFill>
+                      <a:prstDash val="solid"/>
+                      <a:round/>
+                      <a:headEnd type="none" w="med" len="med"/>
+                      <a:tailEnd type="none" w="med" len="med"/>
+                    </a:lnR>
+                  </a:tcPr>
+                </a:tc>
+                <a:extLst>
+                  <a:ext uri="{0D108BD9-81ED-4DB2-BD59-A6C34878D82A}">
+                    <a16:rowId xmlns:a16="http://schemas.microsoft.com/office/drawing/2014/main" val="10006"/>
+                  </a:ext>
+                </a:extLst>
+              </a:tr>
+              <a:tr h="381740">
+                <a:tc>
+                  <a:txBody>
+                    <a:bodyPr/>
+                    <a:lstStyle/>
+                    <a:p>
+                      <a:endParaRPr lang="en-US" sz="1100" dirty="0">
+                        <a:solidFill>
+                          <a:srgbClr val="000000"/>
+                        </a:solidFill>
+                      </a:endParaRPr>
+                    </a:p>
+                  </a:txBody>
+                  <a:tcPr marL="56960" marR="56960" marT="0" marB="28480">
+                    <a:lnL w="3175" cap="flat" cmpd="sng" algn="ctr">
+                      <a:solidFill>
+                        <a:srgbClr val="FFFFFF">
+                          <a:lumMod val="50000"/>
+                        </a:srgbClr>
+                      </a:solidFill>
+                      <a:prstDash val="solid"/>
+                      <a:round/>
+                      <a:headEnd type="none" w="med" len="med"/>
+                      <a:tailEnd type="none" w="med" len="med"/>
+                    </a:lnL>
+                    <a:lnR w="3175" cap="flat" cmpd="sng" algn="ctr">
+                      <a:solidFill>
+                        <a:srgbClr val="FFFFFF">
+                          <a:lumMod val="50000"/>
+                        </a:srgbClr>
+                      </a:solidFill>
+                      <a:prstDash val="solid"/>
+                      <a:round/>
+                      <a:headEnd type="none" w="med" len="med"/>
+                      <a:tailEnd type="none" w="med" len="med"/>
+                    </a:lnR>
+                    <a:lnB w="3175" cap="flat" cmpd="sng" algn="ctr">
+                      <a:solidFill>
+                        <a:srgbClr val="FFFFFF">
+                          <a:lumMod val="50000"/>
+                        </a:srgbClr>
+                      </a:solidFill>
+                      <a:prstDash val="solid"/>
+                      <a:round/>
+                      <a:headEnd type="none" w="med" len="med"/>
+                      <a:tailEnd type="none" w="med" len="med"/>
+                    </a:lnB>
+                  </a:tcPr>
+                </a:tc>
+                <a:tc>
+                  <a:txBody>
+                    <a:bodyPr/>
+                    <a:lstStyle/>
+                    <a:p>
+                      <a:endParaRPr lang="en-US" sz="1100" dirty="0">
+                        <a:solidFill>
+                          <a:srgbClr val="000000"/>
+                        </a:solidFill>
+                      </a:endParaRPr>
+                    </a:p>
+                  </a:txBody>
+                  <a:tcPr marL="56960" marR="56960" marT="0" marB="28480">
+                    <a:lnL w="3175" cap="flat" cmpd="sng" algn="ctr">
+                      <a:solidFill>
+                        <a:srgbClr val="FFFFFF">
+                          <a:lumMod val="50000"/>
+                        </a:srgbClr>
+                      </a:solidFill>
+                      <a:prstDash val="solid"/>
+                      <a:round/>
+                      <a:headEnd type="none" w="med" len="med"/>
+                      <a:tailEnd type="none" w="med" len="med"/>
+                    </a:lnL>
+                    <a:lnR w="3175" cap="flat" cmpd="sng" algn="ctr">
+                      <a:solidFill>
+                        <a:srgbClr val="FFFFFF">
+                          <a:lumMod val="50000"/>
+                        </a:srgbClr>
+                      </a:solidFill>
+                      <a:prstDash val="solid"/>
+                      <a:round/>
+                      <a:headEnd type="none" w="med" len="med"/>
+                      <a:tailEnd type="none" w="med" len="med"/>
+                    </a:lnR>
+                    <a:lnB w="3175" cap="flat" cmpd="sng" algn="ctr">
+                      <a:solidFill>
+                        <a:srgbClr val="FFFFFF">
+                          <a:lumMod val="50000"/>
+                        </a:srgbClr>
+                      </a:solidFill>
+                      <a:prstDash val="solid"/>
+                      <a:round/>
+                      <a:headEnd type="none" w="med" len="med"/>
+                      <a:tailEnd type="none" w="med" len="med"/>
+                    </a:lnB>
+                  </a:tcPr>
+                </a:tc>
+                <a:extLst>
+                  <a:ext uri="{0D108BD9-81ED-4DB2-BD59-A6C34878D82A}">
+                    <a16:rowId xmlns:a16="http://schemas.microsoft.com/office/drawing/2014/main" val="10007"/>
+                  </a:ext>
+                </a:extLst>
+              </a:tr>
+            </a:tbl>
+          </a:graphicData>
+        </a:graphic>
+      </p:graphicFrame>
+      <p:sp>
+        <p:nvSpPr>
+          <p:cNvPr id="6" name="Content">
+            <a:extLst>
+              <a:ext uri="{FF2B5EF4-FFF2-40B4-BE49-F238E27FC236}">
+                <a16:creationId xmlns:a16="http://schemas.microsoft.com/office/drawing/2014/main" id="{6FF71CDB-D9E4-4682-93BC-E86594B66FF9}"/>
+              </a:ext>
+            </a:extLst>
+          </p:cNvPr>
+          <p:cNvSpPr txBox="1"/>
+          <p:nvPr userDrawn="1">
+            <p:custDataLst>
+              <p:custData r:id="rId2"/>
+            </p:custDataLst>
+          </p:nvPr>
+        </p:nvSpPr>
+        <p:spPr>
+          <a:xfrm>
+            <a:off x="594104" y="1996750"/>
+            <a:ext cx="3337816" cy="477054"/>
+          </a:xfrm>
+          <a:prstGeom prst="rect">
+            <a:avLst/>
+          </a:prstGeom>
+          <a:noFill/>
+        </p:spPr>
+        <p:txBody>
+          <a:bodyPr wrap="square" lIns="91440" tIns="18288" rIns="91440" bIns="27432" rtlCol="0" anchor="ctr" anchorCtr="0">
+            <a:spAutoFit/>
+          </a:bodyPr>
+          <a:lstStyle/>
+          <a:p>
+            <a:r>
+              <a:rPr lang="en-US" sz="2800" dirty="0" err="1">
+                <a:solidFill>
+                  <a:srgbClr val="000000"/>
+                </a:solidFill>
+                <a:latin typeface="Segoe UI" pitchFamily="34" charset="0"/>
+                <a:ea typeface="Segoe UI" pitchFamily="34" charset="0"/>
+                <a:cs typeface="Segoe UI" pitchFamily="34" charset="0"/>
+              </a:rPr>
+              <a:t>Sondages</a:t>
+            </a:r>
+            <a:r>
+              <a:rPr lang="en-US" sz="2800" dirty="0">
+                <a:solidFill>
+                  <a:srgbClr val="000000"/>
+                </a:solidFill>
+                <a:latin typeface="Segoe UI" pitchFamily="34" charset="0"/>
+                <a:ea typeface="Segoe UI" pitchFamily="34" charset="0"/>
+                <a:cs typeface="Segoe UI" pitchFamily="34" charset="0"/>
+              </a:rPr>
+              <a:t> </a:t>
+            </a:r>
+            <a:r>
+              <a:rPr lang="en-US" sz="2800" dirty="0" err="1">
+                <a:solidFill>
+                  <a:srgbClr val="000000"/>
+                </a:solidFill>
+                <a:latin typeface="Segoe UI" pitchFamily="34" charset="0"/>
+                <a:ea typeface="Segoe UI" pitchFamily="34" charset="0"/>
+                <a:cs typeface="Segoe UI" pitchFamily="34" charset="0"/>
+              </a:rPr>
+              <a:t>récents</a:t>
+            </a:r>
+            <a:r>
+              <a:rPr lang="en-US" sz="2800" dirty="0">
+                <a:solidFill>
+                  <a:srgbClr val="000000"/>
+                </a:solidFill>
+                <a:latin typeface="Segoe UI" pitchFamily="34" charset="0"/>
+                <a:ea typeface="Segoe UI" pitchFamily="34" charset="0"/>
+                <a:cs typeface="Segoe UI" pitchFamily="34" charset="0"/>
+              </a:rPr>
+              <a:t> </a:t>
+            </a:r>
+          </a:p>
+        </p:txBody>
+      </p:sp>
+    </p:spTree>
+    <p:extLst>
+      <p:ext uri="{BB962C8B-B14F-4D97-AF65-F5344CB8AC3E}">
+        <p14:creationId xmlns:p14="http://schemas.microsoft.com/office/powerpoint/2010/main" val="2947525822"/>
+      </p:ext>
+    </p:extLst>
+  </p:cSld>
+  <p:clrMapOvr>
+    <a:masterClrMapping/>
+  </p:clrMapOvr>
+</p:sldLayout>
+</file>
+
+<file path=ppt/slideLayouts/slideLayout8.xml><?xml version="1.0" encoding="utf-8"?>
+<p:sldLayout xmlns:a="http://schemas.openxmlformats.org/drawingml/2006/main" xmlns:r="http://schemas.openxmlformats.org/officeDocument/2006/relationships" xmlns:p="http://schemas.openxmlformats.org/presentationml/2006/main" preserve="1" userDrawn="1">
+  <p:cSld name="4_Disposition personnalisée">
+    <p:spTree>
+      <p:nvGrpSpPr>
+        <p:cNvPr id="1" name=""/>
+        <p:cNvGrpSpPr/>
+        <p:nvPr/>
+      </p:nvGrpSpPr>
+      <p:grpSpPr>
+        <a:xfrm>
+          <a:off x="0" y="0"/>
+          <a:ext cx="0" cy="0"/>
+          <a:chOff x="0" y="0"/>
+          <a:chExt cx="0" cy="0"/>
+        </a:xfrm>
+      </p:grpSpPr>
+      <p:sp>
+        <p:nvSpPr>
+          <p:cNvPr id="3" name="Content">
+            <a:extLst>
+              <a:ext uri="{FF2B5EF4-FFF2-40B4-BE49-F238E27FC236}">
+                <a16:creationId xmlns:a16="http://schemas.microsoft.com/office/drawing/2014/main" id="{84BD843C-1D5F-4356-9F49-86760032E965}"/>
+              </a:ext>
+            </a:extLst>
+          </p:cNvPr>
+          <p:cNvSpPr txBox="1"/>
+          <p:nvPr userDrawn="1">
+            <p:custDataLst>
+              <p:custData r:id="rId1"/>
+            </p:custDataLst>
+          </p:nvPr>
+        </p:nvSpPr>
+        <p:spPr>
+          <a:xfrm>
+            <a:off x="594104" y="1996750"/>
+            <a:ext cx="3337816" cy="477054"/>
+          </a:xfrm>
+          <a:prstGeom prst="rect">
+            <a:avLst/>
+          </a:prstGeom>
+          <a:noFill/>
+        </p:spPr>
+        <p:txBody>
+          <a:bodyPr wrap="square" lIns="91440" tIns="18288" rIns="91440" bIns="27432" rtlCol="0" anchor="ctr" anchorCtr="0">
+            <a:spAutoFit/>
+          </a:bodyPr>
+          <a:lstStyle/>
+          <a:p>
+            <a:r>
+              <a:rPr lang="en-US" sz="2800" dirty="0">
+                <a:solidFill>
+                  <a:srgbClr val="000000"/>
+                </a:solidFill>
+                <a:latin typeface="Segoe UI" pitchFamily="34" charset="0"/>
+                <a:ea typeface="Segoe UI" pitchFamily="34" charset="0"/>
+                <a:cs typeface="Segoe UI" pitchFamily="34" charset="0"/>
+              </a:rPr>
+              <a:t>Contact</a:t>
+            </a:r>
+          </a:p>
+        </p:txBody>
+      </p:sp>
+      <p:sp>
+        <p:nvSpPr>
+          <p:cNvPr id="5" name="Rectangle 4">
+            <a:extLst>
+              <a:ext uri="{FF2B5EF4-FFF2-40B4-BE49-F238E27FC236}">
+                <a16:creationId xmlns:a16="http://schemas.microsoft.com/office/drawing/2014/main" id="{A280D95A-C9D8-4431-8848-1EDE08D0E959}"/>
+              </a:ext>
+            </a:extLst>
+          </p:cNvPr>
+          <p:cNvSpPr/>
+          <p:nvPr userDrawn="1"/>
+        </p:nvSpPr>
+        <p:spPr>
+          <a:xfrm>
+            <a:off x="893343" y="2958584"/>
+            <a:ext cx="2270430" cy="369332"/>
+          </a:xfrm>
+          <a:prstGeom prst="rect">
+            <a:avLst/>
+          </a:prstGeom>
+        </p:spPr>
+        <p:txBody>
+          <a:bodyPr wrap="none">
+            <a:spAutoFit/>
+          </a:bodyPr>
+          <a:lstStyle/>
+          <a:p>
+            <a:r>
+              <a:rPr lang="en-US" sz="1800" dirty="0" err="1">
+                <a:solidFill>
+                  <a:srgbClr val="000000"/>
+                </a:solidFill>
+                <a:latin typeface="Segoe UI" pitchFamily="34" charset="0"/>
+                <a:ea typeface="Segoe UI" pitchFamily="34" charset="0"/>
+                <a:cs typeface="Segoe UI" pitchFamily="34" charset="0"/>
+              </a:rPr>
+              <a:t>Votre</a:t>
+            </a:r>
+            <a:r>
+              <a:rPr lang="en-US" sz="1800" dirty="0">
+                <a:solidFill>
+                  <a:srgbClr val="000000"/>
+                </a:solidFill>
+                <a:latin typeface="Segoe UI" pitchFamily="34" charset="0"/>
+                <a:ea typeface="Segoe UI" pitchFamily="34" charset="0"/>
+                <a:cs typeface="Segoe UI" pitchFamily="34" charset="0"/>
+              </a:rPr>
+              <a:t> nom, </a:t>
+            </a:r>
+            <a:r>
+              <a:rPr lang="en-US" sz="1800" dirty="0" err="1">
+                <a:solidFill>
+                  <a:srgbClr val="000000"/>
+                </a:solidFill>
+                <a:latin typeface="Segoe UI" pitchFamily="34" charset="0"/>
+                <a:ea typeface="Segoe UI" pitchFamily="34" charset="0"/>
+                <a:cs typeface="Segoe UI" pitchFamily="34" charset="0"/>
+              </a:rPr>
+              <a:t>prénom</a:t>
+            </a:r>
+            <a:r>
+              <a:rPr lang="en-US" sz="1800" dirty="0">
+                <a:solidFill>
+                  <a:srgbClr val="000000"/>
+                </a:solidFill>
+                <a:latin typeface="Segoe UI" pitchFamily="34" charset="0"/>
+                <a:ea typeface="Segoe UI" pitchFamily="34" charset="0"/>
+                <a:cs typeface="Segoe UI" pitchFamily="34" charset="0"/>
+              </a:rPr>
+              <a:t> :</a:t>
+            </a:r>
+          </a:p>
+        </p:txBody>
+      </p:sp>
+      <p:sp>
+        <p:nvSpPr>
+          <p:cNvPr id="6" name="Rectangle 5">
+            <a:extLst>
+              <a:ext uri="{FF2B5EF4-FFF2-40B4-BE49-F238E27FC236}">
+                <a16:creationId xmlns:a16="http://schemas.microsoft.com/office/drawing/2014/main" id="{EDA377EA-C16B-4F37-94FD-AF3A362F8F65}"/>
+              </a:ext>
+            </a:extLst>
+          </p:cNvPr>
+          <p:cNvSpPr/>
+          <p:nvPr userDrawn="1"/>
+        </p:nvSpPr>
+        <p:spPr>
+          <a:xfrm>
+            <a:off x="893343" y="3316486"/>
+            <a:ext cx="1585883" cy="369332"/>
+          </a:xfrm>
+          <a:prstGeom prst="rect">
+            <a:avLst/>
+          </a:prstGeom>
+        </p:spPr>
+        <p:txBody>
+          <a:bodyPr wrap="none">
+            <a:spAutoFit/>
+          </a:bodyPr>
+          <a:lstStyle/>
+          <a:p>
+            <a:r>
+              <a:rPr lang="en-US" sz="1800" dirty="0" err="1">
+                <a:solidFill>
+                  <a:srgbClr val="000000"/>
+                </a:solidFill>
+                <a:latin typeface="Segoe UI" pitchFamily="34" charset="0"/>
+                <a:ea typeface="Segoe UI" pitchFamily="34" charset="0"/>
+                <a:cs typeface="Segoe UI" pitchFamily="34" charset="0"/>
+              </a:rPr>
+              <a:t>Adresse</a:t>
+            </a:r>
+            <a:r>
+              <a:rPr lang="en-US" sz="1800" dirty="0">
+                <a:solidFill>
+                  <a:srgbClr val="000000"/>
+                </a:solidFill>
+                <a:latin typeface="Segoe UI" pitchFamily="34" charset="0"/>
+                <a:ea typeface="Segoe UI" pitchFamily="34" charset="0"/>
+                <a:cs typeface="Segoe UI" pitchFamily="34" charset="0"/>
+              </a:rPr>
+              <a:t> mail :</a:t>
+            </a:r>
+          </a:p>
+        </p:txBody>
+      </p:sp>
+      <p:sp>
+        <p:nvSpPr>
+          <p:cNvPr id="7" name="Rectangle 6">
+            <a:extLst>
+              <a:ext uri="{FF2B5EF4-FFF2-40B4-BE49-F238E27FC236}">
+                <a16:creationId xmlns:a16="http://schemas.microsoft.com/office/drawing/2014/main" id="{6BBB7DBA-C618-48AA-BA7F-B8B4BEC4D2C5}"/>
+              </a:ext>
+            </a:extLst>
+          </p:cNvPr>
+          <p:cNvSpPr/>
+          <p:nvPr userDrawn="1"/>
+        </p:nvSpPr>
+        <p:spPr>
+          <a:xfrm>
+            <a:off x="893343" y="4109800"/>
+            <a:ext cx="1443087" cy="369332"/>
+          </a:xfrm>
+          <a:prstGeom prst="rect">
+            <a:avLst/>
+          </a:prstGeom>
+        </p:spPr>
+        <p:txBody>
+          <a:bodyPr wrap="none">
+            <a:spAutoFit/>
+          </a:bodyPr>
+          <a:lstStyle/>
+          <a:p>
+            <a:r>
+              <a:rPr lang="en-US" sz="1800" dirty="0" err="1">
+                <a:solidFill>
+                  <a:srgbClr val="000000"/>
+                </a:solidFill>
+                <a:latin typeface="Segoe UI" pitchFamily="34" charset="0"/>
+                <a:ea typeface="Segoe UI" pitchFamily="34" charset="0"/>
+                <a:cs typeface="Segoe UI" pitchFamily="34" charset="0"/>
+              </a:rPr>
+              <a:t>Votre</a:t>
+            </a:r>
+            <a:r>
+              <a:rPr lang="en-US" sz="1800" dirty="0">
+                <a:solidFill>
+                  <a:srgbClr val="000000"/>
+                </a:solidFill>
+                <a:latin typeface="Segoe UI" pitchFamily="34" charset="0"/>
+                <a:ea typeface="Segoe UI" pitchFamily="34" charset="0"/>
+                <a:cs typeface="Segoe UI" pitchFamily="34" charset="0"/>
+              </a:rPr>
+              <a:t> </a:t>
+            </a:r>
+            <a:r>
+              <a:rPr lang="en-US" sz="1800" dirty="0" err="1">
+                <a:solidFill>
+                  <a:srgbClr val="000000"/>
+                </a:solidFill>
+                <a:latin typeface="Segoe UI" pitchFamily="34" charset="0"/>
+                <a:ea typeface="Segoe UI" pitchFamily="34" charset="0"/>
+                <a:cs typeface="Segoe UI" pitchFamily="34" charset="0"/>
+              </a:rPr>
+              <a:t>sujet</a:t>
+            </a:r>
+            <a:r>
+              <a:rPr lang="en-US" sz="1800" dirty="0">
+                <a:solidFill>
+                  <a:srgbClr val="000000"/>
+                </a:solidFill>
+                <a:latin typeface="Segoe UI" pitchFamily="34" charset="0"/>
+                <a:ea typeface="Segoe UI" pitchFamily="34" charset="0"/>
+                <a:cs typeface="Segoe UI" pitchFamily="34" charset="0"/>
+              </a:rPr>
+              <a:t> : </a:t>
+            </a:r>
+          </a:p>
+        </p:txBody>
+      </p:sp>
+      <p:sp>
+        <p:nvSpPr>
+          <p:cNvPr id="8" name="Content">
+            <a:extLst>
+              <a:ext uri="{FF2B5EF4-FFF2-40B4-BE49-F238E27FC236}">
+                <a16:creationId xmlns:a16="http://schemas.microsoft.com/office/drawing/2014/main" id="{DF7C4BDC-0DC6-4A2A-941D-375055D818CA}"/>
+              </a:ext>
+            </a:extLst>
+          </p:cNvPr>
+          <p:cNvSpPr/>
+          <p:nvPr userDrawn="1">
+            <p:custDataLst>
+              <p:custData r:id="rId2"/>
+            </p:custDataLst>
+          </p:nvPr>
+        </p:nvSpPr>
+        <p:spPr>
+          <a:xfrm>
+            <a:off x="2479226" y="4192450"/>
+            <a:ext cx="1761304" cy="204031"/>
+          </a:xfrm>
+          <a:prstGeom prst="rect">
+            <a:avLst/>
+          </a:prstGeom>
+          <a:solidFill>
+            <a:sysClr val="window" lastClr="FFFFFF"/>
+          </a:solidFill>
+          <a:ln w="3175">
+            <a:solidFill>
+              <a:srgbClr val="000000">
+                <a:lumMod val="50000"/>
+                <a:lumOff val="50000"/>
+              </a:srgbClr>
+            </a:solidFill>
+          </a:ln>
+          <a:effectLst/>
+        </p:spPr>
+        <p:style>
+          <a:lnRef idx="2">
+            <a:srgbClr val="4F81BD">
+              <a:shade val="50000"/>
+            </a:srgbClr>
+          </a:lnRef>
+          <a:fillRef idx="1">
+            <a:srgbClr val="4F81BD"/>
+          </a:fillRef>
+          <a:effectRef idx="0">
+            <a:srgbClr val="4F81BD"/>
+          </a:effectRef>
+          <a:fontRef idx="minor">
+            <a:srgbClr val="000000"/>
+          </a:fontRef>
+        </p:style>
+        <p:txBody>
+          <a:bodyPr wrap="none" lIns="45720" tIns="18288" rIns="45720" bIns="18288" rtlCol="0" anchor="ctr">
+            <a:noAutofit/>
+          </a:bodyPr>
+          <a:lstStyle/>
+          <a:p>
+            <a:endParaRPr lang="en-US" sz="1200" dirty="0">
+              <a:solidFill>
+                <a:srgbClr val="000000"/>
+              </a:solidFill>
+              <a:latin typeface="Segoe UI" pitchFamily="34" charset="0"/>
+              <a:cs typeface="Segoe UI" pitchFamily="34" charset="0"/>
+            </a:endParaRPr>
+          </a:p>
+        </p:txBody>
+      </p:sp>
+      <p:sp>
+        <p:nvSpPr>
+          <p:cNvPr id="9" name="Content">
+            <a:extLst>
+              <a:ext uri="{FF2B5EF4-FFF2-40B4-BE49-F238E27FC236}">
+                <a16:creationId xmlns:a16="http://schemas.microsoft.com/office/drawing/2014/main" id="{6AF28D1C-CF9E-4DC4-B2FD-315A96DF3E67}"/>
+              </a:ext>
+            </a:extLst>
+          </p:cNvPr>
+          <p:cNvSpPr/>
+          <p:nvPr userDrawn="1">
+            <p:custDataLst>
+              <p:custData r:id="rId3"/>
+            </p:custDataLst>
+          </p:nvPr>
+        </p:nvSpPr>
+        <p:spPr>
+          <a:xfrm>
+            <a:off x="3163773" y="3399136"/>
+            <a:ext cx="1761304" cy="204031"/>
+          </a:xfrm>
+          <a:prstGeom prst="rect">
+            <a:avLst/>
+          </a:prstGeom>
+          <a:solidFill>
+            <a:sysClr val="window" lastClr="FFFFFF"/>
+          </a:solidFill>
+          <a:ln w="3175">
+            <a:solidFill>
+              <a:srgbClr val="000000">
+                <a:lumMod val="50000"/>
+                <a:lumOff val="50000"/>
+              </a:srgbClr>
+            </a:solidFill>
+          </a:ln>
+          <a:effectLst/>
+        </p:spPr>
+        <p:style>
+          <a:lnRef idx="2">
+            <a:srgbClr val="4F81BD">
+              <a:shade val="50000"/>
+            </a:srgbClr>
+          </a:lnRef>
+          <a:fillRef idx="1">
+            <a:srgbClr val="4F81BD"/>
+          </a:fillRef>
+          <a:effectRef idx="0">
+            <a:srgbClr val="4F81BD"/>
+          </a:effectRef>
+          <a:fontRef idx="minor">
+            <a:srgbClr val="000000"/>
+          </a:fontRef>
+        </p:style>
+        <p:txBody>
+          <a:bodyPr wrap="none" lIns="45720" tIns="18288" rIns="45720" bIns="18288" rtlCol="0" anchor="ctr">
+            <a:noAutofit/>
+          </a:bodyPr>
+          <a:lstStyle/>
+          <a:p>
+            <a:endParaRPr lang="en-US" sz="1200" dirty="0">
+              <a:solidFill>
+                <a:srgbClr val="000000"/>
+              </a:solidFill>
+              <a:latin typeface="Segoe UI" pitchFamily="34" charset="0"/>
+              <a:cs typeface="Segoe UI" pitchFamily="34" charset="0"/>
+            </a:endParaRPr>
+          </a:p>
+        </p:txBody>
+      </p:sp>
+      <p:sp>
+        <p:nvSpPr>
+          <p:cNvPr id="10" name="Content">
+            <a:extLst>
+              <a:ext uri="{FF2B5EF4-FFF2-40B4-BE49-F238E27FC236}">
+                <a16:creationId xmlns:a16="http://schemas.microsoft.com/office/drawing/2014/main" id="{D063FEB3-EAD9-40F9-B209-F1A48E990F4B}"/>
+              </a:ext>
+            </a:extLst>
+          </p:cNvPr>
+          <p:cNvSpPr/>
+          <p:nvPr userDrawn="1">
+            <p:custDataLst>
+              <p:custData r:id="rId4"/>
+            </p:custDataLst>
+          </p:nvPr>
+        </p:nvSpPr>
+        <p:spPr>
+          <a:xfrm>
+            <a:off x="3163773" y="3032700"/>
+            <a:ext cx="1761304" cy="204031"/>
+          </a:xfrm>
+          <a:prstGeom prst="rect">
+            <a:avLst/>
+          </a:prstGeom>
+          <a:solidFill>
+            <a:sysClr val="window" lastClr="FFFFFF"/>
+          </a:solidFill>
+          <a:ln w="3175">
+            <a:solidFill>
+              <a:srgbClr val="000000">
+                <a:lumMod val="50000"/>
+                <a:lumOff val="50000"/>
+              </a:srgbClr>
+            </a:solidFill>
+          </a:ln>
+          <a:effectLst/>
+        </p:spPr>
+        <p:style>
+          <a:lnRef idx="2">
+            <a:srgbClr val="4F81BD">
+              <a:shade val="50000"/>
+            </a:srgbClr>
+          </a:lnRef>
+          <a:fillRef idx="1">
+            <a:srgbClr val="4F81BD"/>
+          </a:fillRef>
+          <a:effectRef idx="0">
+            <a:srgbClr val="4F81BD"/>
+          </a:effectRef>
+          <a:fontRef idx="minor">
+            <a:srgbClr val="000000"/>
+          </a:fontRef>
+        </p:style>
+        <p:txBody>
+          <a:bodyPr wrap="none" lIns="45720" tIns="18288" rIns="45720" bIns="18288" rtlCol="0" anchor="ctr">
+            <a:noAutofit/>
+          </a:bodyPr>
+          <a:lstStyle/>
+          <a:p>
+            <a:endParaRPr lang="en-US" sz="1200" dirty="0">
+              <a:solidFill>
+                <a:srgbClr val="000000"/>
+              </a:solidFill>
+              <a:latin typeface="Segoe UI" pitchFamily="34" charset="0"/>
+              <a:cs typeface="Segoe UI" pitchFamily="34" charset="0"/>
+            </a:endParaRPr>
+          </a:p>
+        </p:txBody>
+      </p:sp>
+      <p:sp>
+        <p:nvSpPr>
+          <p:cNvPr id="11" name="Content">
+            <a:extLst>
+              <a:ext uri="{FF2B5EF4-FFF2-40B4-BE49-F238E27FC236}">
+                <a16:creationId xmlns:a16="http://schemas.microsoft.com/office/drawing/2014/main" id="{412886E4-28A9-418D-B693-9342ED7DF002}"/>
+              </a:ext>
+            </a:extLst>
+          </p:cNvPr>
+          <p:cNvSpPr/>
+          <p:nvPr userDrawn="1">
+            <p:custDataLst>
+              <p:custData r:id="rId5"/>
+            </p:custDataLst>
+          </p:nvPr>
+        </p:nvSpPr>
+        <p:spPr>
+          <a:xfrm>
+            <a:off x="1054100" y="4715741"/>
+            <a:ext cx="3186430" cy="1255850"/>
+          </a:xfrm>
+          <a:prstGeom prst="rect">
+            <a:avLst/>
+          </a:prstGeom>
+          <a:solidFill>
+            <a:sysClr val="window" lastClr="FFFFFF"/>
+          </a:solidFill>
+          <a:ln w="3175">
+            <a:solidFill>
+              <a:srgbClr val="000000">
+                <a:lumMod val="50000"/>
+                <a:lumOff val="50000"/>
+              </a:srgbClr>
+            </a:solidFill>
+          </a:ln>
+          <a:effectLst/>
+        </p:spPr>
+        <p:style>
+          <a:lnRef idx="2">
+            <a:srgbClr val="4F81BD">
+              <a:shade val="50000"/>
+            </a:srgbClr>
+          </a:lnRef>
+          <a:fillRef idx="1">
+            <a:srgbClr val="4F81BD"/>
+          </a:fillRef>
+          <a:effectRef idx="0">
+            <a:srgbClr val="4F81BD"/>
+          </a:effectRef>
+          <a:fontRef idx="minor">
+            <a:srgbClr val="000000"/>
+          </a:fontRef>
+        </p:style>
+        <p:txBody>
+          <a:bodyPr wrap="none" lIns="45720" tIns="18288" rIns="45720" bIns="18288" rtlCol="0" anchor="ctr">
+            <a:noAutofit/>
+          </a:bodyPr>
+          <a:lstStyle/>
+          <a:p>
+            <a:endParaRPr lang="en-US" sz="1200" dirty="0">
+              <a:solidFill>
+                <a:srgbClr val="000000"/>
+              </a:solidFill>
+              <a:latin typeface="Segoe UI" pitchFamily="34" charset="0"/>
+              <a:cs typeface="Segoe UI" pitchFamily="34" charset="0"/>
+            </a:endParaRPr>
+          </a:p>
+        </p:txBody>
+      </p:sp>
+      <p:sp>
+        <p:nvSpPr>
+          <p:cNvPr id="12" name="Content">
+            <a:extLst>
+              <a:ext uri="{FF2B5EF4-FFF2-40B4-BE49-F238E27FC236}">
+                <a16:creationId xmlns:a16="http://schemas.microsoft.com/office/drawing/2014/main" id="{E703F427-BC7D-4633-8A60-6216D769992C}"/>
+              </a:ext>
+            </a:extLst>
+          </p:cNvPr>
+          <p:cNvSpPr/>
+          <p:nvPr userDrawn="1">
+            <p:custDataLst>
+              <p:custData r:id="rId6"/>
+            </p:custDataLst>
+          </p:nvPr>
+        </p:nvSpPr>
+        <p:spPr>
+          <a:xfrm>
+            <a:off x="1054100" y="6093900"/>
+            <a:ext cx="1106592" cy="228600"/>
+          </a:xfrm>
+          <a:prstGeom prst="roundRect">
+            <a:avLst/>
+          </a:prstGeom>
+          <a:solidFill>
+            <a:srgbClr val="FFFFFF">
+              <a:lumMod val="95000"/>
+            </a:srgbClr>
+          </a:solidFill>
+          <a:ln w="3175">
+            <a:solidFill>
+              <a:srgbClr val="000000">
+                <a:lumMod val="50000"/>
+                <a:lumOff val="50000"/>
+              </a:srgbClr>
+            </a:solidFill>
+          </a:ln>
+          <a:effectLst/>
+        </p:spPr>
+        <p:style>
+          <a:lnRef idx="2">
+            <a:srgbClr val="4F81BD">
+              <a:shade val="50000"/>
+            </a:srgbClr>
+          </a:lnRef>
+          <a:fillRef idx="1">
+            <a:srgbClr val="4F81BD"/>
+          </a:fillRef>
+          <a:effectRef idx="0">
+            <a:srgbClr val="4F81BD"/>
+          </a:effectRef>
+          <a:fontRef idx="minor">
+            <a:srgbClr val="000000"/>
+          </a:fontRef>
+        </p:style>
+        <p:txBody>
+          <a:bodyPr wrap="square" lIns="91440" tIns="0" rIns="91440" bIns="9144" rtlCol="0" anchor="ctr">
+            <a:noAutofit/>
+          </a:bodyPr>
+          <a:lstStyle/>
+          <a:p>
+            <a:pPr algn="ctr"/>
+            <a:r>
+              <a:rPr lang="en-US" sz="1200" dirty="0" err="1">
+                <a:solidFill>
+                  <a:srgbClr val="000000"/>
+                </a:solidFill>
+                <a:latin typeface="Segoe UI" pitchFamily="34" charset="0"/>
+                <a:cs typeface="Segoe UI" pitchFamily="34" charset="0"/>
+              </a:rPr>
+              <a:t>Envoyer</a:t>
+            </a:r>
+            <a:endParaRPr lang="en-US" sz="1200" dirty="0">
+              <a:solidFill>
+                <a:srgbClr val="000000"/>
+              </a:solidFill>
+              <a:latin typeface="Segoe UI" pitchFamily="34" charset="0"/>
+              <a:cs typeface="Segoe UI" pitchFamily="34" charset="0"/>
+            </a:endParaRPr>
+          </a:p>
+        </p:txBody>
+      </p:sp>
+    </p:spTree>
+    <p:extLst>
+      <p:ext uri="{BB962C8B-B14F-4D97-AF65-F5344CB8AC3E}">
+        <p14:creationId xmlns:p14="http://schemas.microsoft.com/office/powerpoint/2010/main" val="3395104589"/>
       </p:ext>
     </p:extLst>
   </p:cSld>
@@ -4852,7 +8550,7 @@
           <p:cNvGrpSpPr/>
           <p:nvPr userDrawn="1">
             <p:custDataLst>
-              <p:custData r:id="rId5"/>
+              <p:custData r:id="rId10"/>
             </p:custDataLst>
           </p:nvPr>
         </p:nvGrpSpPr>
@@ -5498,7 +9196,7 @@
               <p:nvPr/>
             </p:nvPicPr>
             <p:blipFill>
-              <a:blip r:embed="rId17" cstate="print">
+              <a:blip r:embed="rId23" cstate="print">
                 <a:extLst>
                   <a:ext uri="{28A0092B-C50C-407E-A947-70E740481C1C}">
                     <a14:useLocalDpi xmlns:a14="http://schemas.microsoft.com/office/drawing/2010/main" val="0"/>
@@ -5545,7 +9243,7 @@
               <p:nvPr/>
             </p:nvPicPr>
             <p:blipFill rotWithShape="1">
-              <a:blip r:embed="rId18" cstate="print">
+              <a:blip r:embed="rId24" cstate="print">
                 <a:extLst>
                   <a:ext uri="{28A0092B-C50C-407E-A947-70E740481C1C}">
                     <a14:useLocalDpi xmlns:a14="http://schemas.microsoft.com/office/drawing/2010/main" val="0"/>
@@ -5590,7 +9288,7 @@
               <p:nvPr/>
             </p:nvPicPr>
             <p:blipFill>
-              <a:blip r:embed="rId19" cstate="print">
+              <a:blip r:embed="rId25" cstate="print">
                 <a:extLst>
                   <a:ext uri="{28A0092B-C50C-407E-A947-70E740481C1C}">
                     <a14:useLocalDpi xmlns:a14="http://schemas.microsoft.com/office/drawing/2010/main" val="0"/>
@@ -5731,7 +9429,7 @@
                 <p:nvPr/>
               </p:nvPicPr>
               <p:blipFill>
-                <a:blip r:embed="rId20" cstate="print">
+                <a:blip r:embed="rId26" cstate="print">
                   <a:extLst>
                     <a:ext uri="{28A0092B-C50C-407E-A947-70E740481C1C}">
                       <a14:useLocalDpi xmlns:a14="http://schemas.microsoft.com/office/drawing/2010/main" val="0"/>
@@ -5778,7 +9476,7 @@
                 <p:nvPr/>
               </p:nvPicPr>
               <p:blipFill>
-                <a:blip r:embed="rId21" cstate="print">
+                <a:blip r:embed="rId27" cstate="print">
                   <a:extLst>
                     <a:ext uri="{28A0092B-C50C-407E-A947-70E740481C1C}">
                       <a14:useLocalDpi xmlns:a14="http://schemas.microsoft.com/office/drawing/2010/main" val="0"/>
@@ -5825,7 +9523,7 @@
                 <p:nvPr/>
               </p:nvPicPr>
               <p:blipFill>
-                <a:blip r:embed="rId22" cstate="print">
+                <a:blip r:embed="rId28" cstate="print">
                   <a:extLst>
                     <a:ext uri="{28A0092B-C50C-407E-A947-70E740481C1C}">
                       <a14:useLocalDpi xmlns:a14="http://schemas.microsoft.com/office/drawing/2010/main" val="0"/>
@@ -5982,7 +9680,7 @@
           <p:nvPr userDrawn="1"/>
         </p:nvPicPr>
         <p:blipFill>
-          <a:blip r:embed="rId23"/>
+          <a:blip r:embed="rId29"/>
           <a:stretch>
             <a:fillRect/>
           </a:stretch>
@@ -6009,7 +9707,7 @@
           <p:cNvGrpSpPr/>
           <p:nvPr userDrawn="1">
             <p:custDataLst>
-              <p:custData r:id="rId6"/>
+              <p:custData r:id="rId11"/>
             </p:custDataLst>
           </p:nvPr>
         </p:nvGrpSpPr>
@@ -8147,7 +11845,7 @@
           <p:cNvGrpSpPr/>
           <p:nvPr userDrawn="1">
             <p:custDataLst>
-              <p:custData r:id="rId7"/>
+              <p:custData r:id="rId12"/>
             </p:custDataLst>
           </p:nvPr>
         </p:nvGrpSpPr>
@@ -8398,7 +12096,7 @@
           <p:cNvSpPr/>
           <p:nvPr userDrawn="1">
             <p:custDataLst>
-              <p:custData r:id="rId8"/>
+              <p:custData r:id="rId13"/>
             </p:custDataLst>
           </p:nvPr>
         </p:nvSpPr>
@@ -8456,7 +12154,7 @@
           <p:cNvSpPr txBox="1"/>
           <p:nvPr userDrawn="1">
             <p:custDataLst>
-              <p:custData r:id="rId9"/>
+              <p:custData r:id="rId14"/>
             </p:custDataLst>
           </p:nvPr>
         </p:nvSpPr>
@@ -8502,7 +12200,7 @@
           <p:cNvSpPr/>
           <p:nvPr userDrawn="1">
             <p:custDataLst>
-              <p:custData r:id="rId10"/>
+              <p:custData r:id="rId15"/>
             </p:custDataLst>
           </p:nvPr>
         </p:nvSpPr>
@@ -8560,7 +12258,7 @@
           <p:cNvSpPr/>
           <p:nvPr userDrawn="1">
             <p:custDataLst>
-              <p:custData r:id="rId11"/>
+              <p:custData r:id="rId16"/>
             </p:custDataLst>
           </p:nvPr>
         </p:nvSpPr>
@@ -8630,7 +12328,7 @@
           <p:cNvSpPr/>
           <p:nvPr userDrawn="1">
             <p:custDataLst>
-              <p:custData r:id="rId12"/>
+              <p:custData r:id="rId17"/>
             </p:custDataLst>
           </p:nvPr>
         </p:nvSpPr>
@@ -8700,7 +12398,7 @@
           <p:cNvSpPr/>
           <p:nvPr userDrawn="1">
             <p:custDataLst>
-              <p:custData r:id="rId13"/>
+              <p:custData r:id="rId18"/>
             </p:custDataLst>
           </p:nvPr>
         </p:nvSpPr>
@@ -8770,22 +12468,22 @@
           <p:cNvSpPr/>
           <p:nvPr userDrawn="1">
             <p:custDataLst>
-              <p:custData r:id="rId14"/>
+              <p:custData r:id="rId19"/>
             </p:custDataLst>
           </p:nvPr>
         </p:nvSpPr>
         <p:spPr>
           <a:xfrm>
-            <a:off x="9101797" y="7904772"/>
-            <a:ext cx="1310364" cy="194826"/>
+            <a:off x="9236506" y="7933455"/>
+            <a:ext cx="731694" cy="158344"/>
           </a:xfrm>
           <a:prstGeom prst="rect">
             <a:avLst/>
           </a:prstGeom>
           <a:solidFill>
-            <a:srgbClr val="FFFFFF">
-              <a:lumMod val="85000"/>
-            </a:srgbClr>
+            <a:schemeClr val="bg2">
+              <a:lumMod val="75000"/>
+            </a:schemeClr>
           </a:solidFill>
           <a:ln>
             <a:noFill/>
@@ -8831,22 +12529,22 @@
           <p:cNvSpPr/>
           <p:nvPr userDrawn="1">
             <p:custDataLst>
-              <p:custData r:id="rId15"/>
+              <p:custData r:id="rId20"/>
             </p:custDataLst>
           </p:nvPr>
         </p:nvSpPr>
         <p:spPr>
           <a:xfrm>
-            <a:off x="10124093" y="7911748"/>
-            <a:ext cx="1654196" cy="202273"/>
+            <a:off x="10090120" y="7933455"/>
+            <a:ext cx="1490329" cy="158344"/>
           </a:xfrm>
           <a:prstGeom prst="rect">
             <a:avLst/>
           </a:prstGeom>
           <a:solidFill>
-            <a:srgbClr val="FFFFFF">
-              <a:lumMod val="85000"/>
-            </a:srgbClr>
+            <a:schemeClr val="bg2">
+              <a:lumMod val="75000"/>
+            </a:schemeClr>
           </a:solidFill>
           <a:ln>
             <a:noFill/>
@@ -8909,7 +12607,7 @@
           <p:cNvGrpSpPr/>
           <p:nvPr userDrawn="1">
             <p:custDataLst>
-              <p:custData r:id="rId16"/>
+              <p:custData r:id="rId21"/>
             </p:custDataLst>
           </p:nvPr>
         </p:nvGrpSpPr>
@@ -9086,6 +12784,76 @@
           </p:style>
         </p:cxnSp>
       </p:grpSp>
+      <p:sp>
+        <p:nvSpPr>
+          <p:cNvPr id="88" name="Tile">
+            <a:extLst>
+              <a:ext uri="{FF2B5EF4-FFF2-40B4-BE49-F238E27FC236}">
+                <a16:creationId xmlns:a16="http://schemas.microsoft.com/office/drawing/2014/main" id="{20BD5839-D135-4BEB-801B-A226130EEF20}"/>
+              </a:ext>
+            </a:extLst>
+          </p:cNvPr>
+          <p:cNvSpPr/>
+          <p:nvPr userDrawn="1">
+            <p:custDataLst>
+              <p:custData r:id="rId22"/>
+            </p:custDataLst>
+          </p:nvPr>
+        </p:nvSpPr>
+        <p:spPr>
+          <a:xfrm>
+            <a:off x="5167284" y="1452505"/>
+            <a:ext cx="1507692" cy="316380"/>
+          </a:xfrm>
+          <a:prstGeom prst="rect">
+            <a:avLst/>
+          </a:prstGeom>
+          <a:solidFill>
+            <a:schemeClr val="bg2">
+              <a:lumMod val="75000"/>
+            </a:schemeClr>
+          </a:solidFill>
+          <a:ln>
+            <a:noFill/>
+          </a:ln>
+        </p:spPr>
+        <p:style>
+          <a:lnRef idx="2">
+            <a:srgbClr val="4F81BD">
+              <a:shade val="50000"/>
+            </a:srgbClr>
+          </a:lnRef>
+          <a:fillRef idx="1">
+            <a:srgbClr val="4F81BD"/>
+          </a:fillRef>
+          <a:effectRef idx="0">
+            <a:srgbClr val="4F81BD"/>
+          </a:effectRef>
+          <a:fontRef idx="minor">
+            <a:srgbClr val="000000"/>
+          </a:fontRef>
+        </p:style>
+        <p:txBody>
+          <a:bodyPr rtlCol="0" anchor="ctr"/>
+          <a:lstStyle/>
+          <a:p>
+            <a:pPr algn="ctr"/>
+            <a:r>
+              <a:rPr lang="en-US" sz="1400" dirty="0" err="1"/>
+              <a:t>Boite</a:t>
+            </a:r>
+            <a:r>
+              <a:rPr lang="en-US" sz="1400" dirty="0"/>
+              <a:t> à </a:t>
+            </a:r>
+            <a:r>
+              <a:rPr lang="en-US" sz="1400" dirty="0" err="1"/>
+              <a:t>idées</a:t>
+            </a:r>
+            <a:endParaRPr lang="en-US" sz="1400" dirty="0"/>
+          </a:p>
+        </p:txBody>
+      </p:sp>
     </p:spTree>
     <p:extLst>
       <p:ext uri="{BB962C8B-B14F-4D97-AF65-F5344CB8AC3E}">
@@ -9096,8 +12864,13 @@
   <p:clrMap bg1="lt1" tx1="dk1" bg2="lt2" tx2="dk2" accent1="accent1" accent2="accent2" accent3="accent3" accent4="accent4" accent5="accent5" accent6="accent6" hlink="hlink" folHlink="folHlink"/>
   <p:sldLayoutIdLst>
     <p:sldLayoutId id="2147483663" r:id="rId1"/>
-    <p:sldLayoutId id="2147483662" r:id="rId2"/>
-    <p:sldLayoutId id="2147483661" r:id="rId3"/>
+    <p:sldLayoutId id="2147483664" r:id="rId2"/>
+    <p:sldLayoutId id="2147483667" r:id="rId3"/>
+    <p:sldLayoutId id="2147483662" r:id="rId4"/>
+    <p:sldLayoutId id="2147483661" r:id="rId5"/>
+    <p:sldLayoutId id="2147483665" r:id="rId6"/>
+    <p:sldLayoutId id="2147483666" r:id="rId7"/>
+    <p:sldLayoutId id="2147483668" r:id="rId8"/>
   </p:sldLayoutIdLst>
   <p:txStyles>
     <p:titleStyle>
@@ -10107,79 +13880,79 @@
 
 <file path=customXml/item1.xml><?xml version="1.0" encoding="utf-8"?>
 <Control xmlns="http://schemas.microsoft.com/VisualStudio/2011/storyboarding/control">
+  <Id Name="System.Storyboarding.Common.Hyperlink" Revision="1" Stencil="System.Storyboarding.Common" StencilVersion="0.1"/>
+</Control>
+</file>
+
+<file path=customXml/item10.xml><?xml version="1.0" encoding="utf-8"?>
+<Control xmlns="http://schemas.microsoft.com/VisualStudio/2011/storyboarding/control">
   <Id Name="System.Storyboarding.WindowsApps.WindowsAppsTileWideSmall" Revision="1" Stencil="System.Storyboarding.WindowsApps" StencilVersion="0.1"/>
 </Control>
 </file>
 
-<file path=customXml/item10.xml><?xml version="1.0" encoding="utf-8"?>
+<file path=customXml/item100.xml><?xml version="1.0" encoding="utf-8"?>
 <Control xmlns="http://schemas.microsoft.com/VisualStudio/2011/storyboarding/control">
-  <Id Name="System.Storyboarding.Common.TextInput" Revision="1" Stencil="System.Storyboarding.Common" StencilVersion="0.1"/>
+  <Id Name="System.Storyboarding.WindowsApps.WindowsAppsMediumWideTile" Revision="1" Stencil="System.Storyboarding.WindowsApps" StencilVersion="0.1"/>
 </Control>
 </file>
 
-<file path=customXml/item100.xml><?xml version="1.0" encoding="utf-8"?>
+<file path=customXml/item101.xml><?xml version="1.0" encoding="utf-8"?>
+<Control xmlns="http://schemas.microsoft.com/VisualStudio/2011/storyboarding/control">
+  <Id Name="System.Storyboarding.Common.ScrollbarVertical" Revision="1" Stencil="System.Storyboarding.Common" StencilVersion="0.1"/>
+</Control>
+</file>
+
+<file path=customXml/item102.xml><?xml version="1.0" encoding="utf-8"?>
+<Control xmlns="http://schemas.microsoft.com/VisualStudio/2011/storyboarding/control">
+  <Id Name="System.Storyboarding.WindowsApps.WindowsAppsTileWideSmall" Revision="1" Stencil="System.Storyboarding.WindowsApps" StencilVersion="0.1"/>
+</Control>
+</file>
+
+<file path=customXml/item103.xml><?xml version="1.0" encoding="utf-8"?>
 <Control xmlns="http://schemas.microsoft.com/VisualStudio/2011/storyboarding/control">
   <Id Name="System.Storyboarding.Common.Button" Revision="1" Stencil="System.Storyboarding.Common" StencilVersion="0.1"/>
 </Control>
 </file>
 
-<file path=customXml/item101.xml><?xml version="1.0" encoding="utf-8"?>
+<file path=customXml/item104.xml><?xml version="1.0" encoding="utf-8"?>
 <Control xmlns="http://schemas.microsoft.com/VisualStudio/2011/storyboarding/control">
-  <Id Name="System.Storyboarding.WindowsApps.WindowsAppsTileWideSmall" Revision="1" Stencil="System.Storyboarding.WindowsApps" StencilVersion="0.1"/>
+  <Id Name="91f9215f-48a3-4bce-9856-a1c79d18b395" RevisionId="54383394-c8b8-40b0-9c4b-42c6089a8ac7" Stencil="172d6d98-e5c9-42e9-a209-79f7a94bbd38" StencilRevisionId="00000000-0000-0000-0000-000000000000" StencilVersion="0.0"/>
 </Control>
 </file>
 
-<file path=customXml/item102.xml><?xml version="1.0" encoding="utf-8"?>
+<file path=customXml/item105.xml><?xml version="1.0" encoding="utf-8"?>
 <Control xmlns="http://schemas.microsoft.com/VisualStudio/2011/storyboarding/control">
-  <Id Name="System.Storyboarding.Common.Hyperlink" Revision="1" Stencil="System.Storyboarding.Common" StencilVersion="0.1"/>
+  <Id Name="32035d07-bc66-4a79-8001-2507012193e3" RevisionId="7f6cc906-8fab-4878-8f41-90bcdc4e860e" Stencil="172d6d98-e5c9-42e9-a209-79f7a94bbd38" StencilRevisionId="00000000-0000-0000-0000-000000000000" StencilVersion="0.0"/>
 </Control>
 </file>
 
-<file path=customXml/item103.xml><?xml version="1.0" encoding="utf-8"?>
+<file path=customXml/item106.xml><?xml version="1.0" encoding="utf-8"?>
+<Control xmlns="http://schemas.microsoft.com/VisualStudio/2011/storyboarding/control">
+  <Id Name="System.Storyboarding.Backgrounds.DesktopTaskbar" Revision="1" Stencil="System.Storyboarding.Backgrounds" StencilVersion="0.1"/>
+</Control>
+</file>
+
+<file path=customXml/item107.xml><?xml version="1.0" encoding="utf-8"?>
+<Control xmlns="http://schemas.microsoft.com/VisualStudio/2011/storyboarding/control">
+  <Id Name="System.Storyboarding.Common.Text" Revision="1" Stencil="System.Storyboarding.Common" StencilVersion="0.1"/>
+</Control>
+</file>
+
+<file path=customXml/item108.xml><?xml version="1.0" encoding="utf-8"?>
 <Control xmlns="http://schemas.microsoft.com/VisualStudio/2011/storyboarding/control">
   <Id Name="System.Storyboarding.Common.DatePicker" Revision="1" Stencil="System.Storyboarding.Common" StencilVersion="0.1"/>
 </Control>
 </file>
 
-<file path=customXml/item104.xml><?xml version="1.0" encoding="utf-8"?>
+<file path=customXml/item109.xml><?xml version="1.0" encoding="utf-8"?>
 <Control xmlns="http://schemas.microsoft.com/VisualStudio/2011/storyboarding/control">
   <Id Name="System.Storyboarding.Common.Text" Revision="1" Stencil="System.Storyboarding.Common" StencilVersion="0.1"/>
 </Control>
 </file>
 
-<file path=customXml/item105.xml><?xml version="1.0" encoding="utf-8"?>
-<Control xmlns="http://schemas.microsoft.com/VisualStudio/2011/storyboarding/control">
-  <Id Name="System.Storyboarding.WindowsApps.WindowsAppsContextMenu" Revision="1" Stencil="System.Storyboarding.WindowsApps" StencilVersion="0.1"/>
-</Control>
-</file>
-
-<file path=customXml/item106.xml><?xml version="1.0" encoding="utf-8"?>
-<Control xmlns="http://schemas.microsoft.com/VisualStudio/2011/storyboarding/control">
-  <Id Name="System.Storyboarding.Backgrounds.WebBrowser" Revision="1" Stencil="System.Storyboarding.Backgrounds" StencilVersion="0.1"/>
-</Control>
-</file>
-
-<file path=customXml/item107.xml><?xml version="1.0" encoding="utf-8"?>
+<file path=customXml/item11.xml><?xml version="1.0" encoding="utf-8"?>
 <Control xmlns="http://schemas.microsoft.com/VisualStudio/2011/storyboarding/control">
   <Id Name="System.Storyboarding.WindowsApps.WindowsAppsTileWideSmall" Revision="1" Stencil="System.Storyboarding.WindowsApps" StencilVersion="0.1"/>
-</Control>
-</file>
-
-<file path=customXml/item108.xml><?xml version="1.0" encoding="utf-8"?>
-<Control xmlns="http://schemas.microsoft.com/VisualStudio/2011/storyboarding/control">
-  <Id Name="System.Storyboarding.Common.TextInput" Revision="1" Stencil="System.Storyboarding.Common" StencilVersion="0.1"/>
-</Control>
-</file>
-
-<file path=customXml/item109.xml><?xml version="1.0" encoding="utf-8"?>
-<Control xmlns="http://schemas.microsoft.com/VisualStudio/2011/storyboarding/control">
-  <Id Name="System.Storyboarding.WindowsApps.WindowsAppsTileMedium" Revision="1" Stencil="System.Storyboarding.WindowsApps" StencilVersion="0.1"/>
-</Control>
-</file>
-
-<file path=customXml/item11.xml><?xml version="1.0" encoding="utf-8"?>
-<Control xmlns="http://schemas.microsoft.com/VisualStudio/2011/storyboarding/control">
-  <Id Name="System.Storyboarding.Icons.Copy" Revision="1" Stencil="System.Storyboarding.Icons" StencilVersion="0.1"/>
 </Control>
 </file>
 
@@ -10191,17 +13964,53 @@
 
 <file path=customXml/item111.xml><?xml version="1.0" encoding="utf-8"?>
 <Control xmlns="http://schemas.microsoft.com/VisualStudio/2011/storyboarding/control">
-  <Id Name="System.Storyboarding.Common.TextInput" Revision="1" Stencil="System.Storyboarding.Common" StencilVersion="0.1"/>
+  <Id Name="System.Storyboarding.Media.PieChart" Revision="1" Stencil="System.Storyboarding.Media" StencilVersion="0.1"/>
 </Control>
 </file>
 
 <file path=customXml/item112.xml><?xml version="1.0" encoding="utf-8"?>
+<Control xmlns="http://schemas.microsoft.com/VisualStudio/2011/storyboarding/control">
+  <Id Name="System.Storyboarding.Media.Image" Revision="1" Stencil="System.Storyboarding.Media" StencilVersion="0.1"/>
+</Control>
+</file>
+
+<file path=customXml/item113.xml><?xml version="1.0" encoding="utf-8"?>
+<Control xmlns="http://schemas.microsoft.com/VisualStudio/2011/storyboarding/control">
+  <Id Name="System.Storyboarding.Common.Button" Revision="1" Stencil="System.Storyboarding.Common" StencilVersion="0.1"/>
+</Control>
+</file>
+
+<file path=customXml/item114.xml><?xml version="1.0" encoding="utf-8"?>
+<Control xmlns="http://schemas.microsoft.com/VisualStudio/2011/storyboarding/control">
+  <Id Name="System.Storyboarding.WindowsAppIcons.Check" Revision="1" Stencil="System.Storyboarding.WindowsAppIcons" StencilVersion="0.1"/>
+</Control>
+</file>
+
+<file path=customXml/item115.xml><?xml version="1.0" encoding="utf-8"?>
+<Control xmlns="http://schemas.microsoft.com/VisualStudio/2011/storyboarding/control">
+  <Id Name="System.Storyboarding.Common.TextArea" Revision="1" Stencil="System.Storyboarding.Common" StencilVersion="0.1"/>
+</Control>
+</file>
+
+<file path=customXml/item116.xml><?xml version="1.0" encoding="utf-8"?>
 <Control xmlns="http://schemas.microsoft.com/VisualStudio/2011/storyboarding/control">
   <Id Name="System.Storyboarding.Common.Text" Revision="1" Stencil="System.Storyboarding.Common" StencilVersion="0.1"/>
 </Control>
 </file>
 
-<file path=customXml/item113.xml><?xml version="1.0" encoding="utf-8"?>
+<file path=customXml/item117.xml><?xml version="1.0" encoding="utf-8"?>
+<Control xmlns="http://schemas.microsoft.com/VisualStudio/2011/storyboarding/control">
+  <Id Name="System.Storyboarding.Common.Text" Revision="1" Stencil="System.Storyboarding.Common" StencilVersion="0.1"/>
+</Control>
+</file>
+
+<file path=customXml/item118.xml><?xml version="1.0" encoding="utf-8"?>
+<Control xmlns="http://schemas.microsoft.com/VisualStudio/2011/storyboarding/control">
+  <Id Name="System.Storyboarding.Common.Text" Revision="1" Stencil="System.Storyboarding.Common" StencilVersion="0.1"/>
+</Control>
+</file>
+
+<file path=customXml/item119.xml><?xml version="1.0" encoding="utf-8"?>
 <Control xmlns="http://schemas.microsoft.com/VisualStudio/2011/storyboarding/control">
   <Id Name="System.Storyboarding.Common.TextInput" Revision="1" Stencil="System.Storyboarding.Common" StencilVersion="0.1"/>
 </Control>
@@ -10209,73 +14018,301 @@
 
 <file path=customXml/item12.xml><?xml version="1.0" encoding="utf-8"?>
 <Control xmlns="http://schemas.microsoft.com/VisualStudio/2011/storyboarding/control">
-  <Id Name="System.Storyboarding.Common.MousePointer" Revision="1" Stencil="System.Storyboarding.Common" StencilVersion="0.1"/>
+  <Id Name="System.Storyboarding.Common.TextInput" Revision="1" Stencil="System.Storyboarding.Common" StencilVersion="0.1"/>
 </Control>
 </file>
 
-<file path=customXml/item13.xml><?xml version="1.0" encoding="utf-8"?>
+<file path=customXml/item120.xml><?xml version="1.0" encoding="utf-8"?>
 <Control xmlns="http://schemas.microsoft.com/VisualStudio/2011/storyboarding/control">
-  <Id Name="System.Storyboarding.Icons.Copy" Revision="1" Stencil="System.Storyboarding.Icons" StencilVersion="0.1"/>
+  <Id Name="System.Storyboarding.Icons.Lock" Revision="1" Stencil="System.Storyboarding.Icons" StencilVersion="0.1"/>
 </Control>
 </file>
 
-<file path=customXml/item14.xml><?xml version="1.0" encoding="utf-8"?>
-<Control xmlns="http://schemas.microsoft.com/VisualStudio/2011/storyboarding/control">
-  <Id Name="System.Storyboarding.Common.ScrollbarVertical" Revision="1" Stencil="System.Storyboarding.Common" StencilVersion="0.1"/>
-</Control>
-</file>
-
-<file path=customXml/item15.xml><?xml version="1.0" encoding="utf-8"?>
+<file path=customXml/item121.xml><?xml version="1.0" encoding="utf-8"?>
 <Control xmlns="http://schemas.microsoft.com/VisualStudio/2011/storyboarding/control">
   <Id Name="System.Storyboarding.Common.Text" Revision="1" Stencil="System.Storyboarding.Common" StencilVersion="0.1"/>
 </Control>
 </file>
 
-<file path=customXml/item16.xml><?xml version="1.0" encoding="utf-8"?>
+<file path=customXml/item122.xml><?xml version="1.0" encoding="utf-8"?>
+<Control xmlns="http://schemas.microsoft.com/VisualStudio/2011/storyboarding/control">
+  <Id Name="System.Storyboarding.Icons.Star" Revision="1" Stencil="System.Storyboarding.Icons" StencilVersion="0.1"/>
+</Control>
+</file>
+
+<file path=customXml/item123.xml><?xml version="1.0" encoding="utf-8"?>
+<Control xmlns="http://schemas.microsoft.com/VisualStudio/2011/storyboarding/control">
+  <Id Name="System.Storyboarding.Icons.Star" Revision="1" Stencil="System.Storyboarding.Icons" StencilVersion="0.1"/>
+</Control>
+</file>
+
+<file path=customXml/item124.xml><?xml version="1.0" encoding="utf-8"?>
+<Control xmlns="http://schemas.microsoft.com/VisualStudio/2011/storyboarding/control">
+  <Id Name="System.Storyboarding.Icons.Star" Revision="1" Stencil="System.Storyboarding.Icons" StencilVersion="0.1"/>
+</Control>
+</file>
+
+<file path=customXml/item125.xml><?xml version="1.0" encoding="utf-8"?>
+<Control xmlns="http://schemas.microsoft.com/VisualStudio/2011/storyboarding/control">
+  <Id Name="System.Storyboarding.Icons.Star" Revision="1" Stencil="System.Storyboarding.Icons" StencilVersion="0.1"/>
+</Control>
+</file>
+
+<file path=customXml/item126.xml><?xml version="1.0" encoding="utf-8"?>
+<Control xmlns="http://schemas.microsoft.com/VisualStudio/2011/storyboarding/control">
+  <Id Name="System.Storyboarding.Icons.Star" Revision="1" Stencil="System.Storyboarding.Icons" StencilVersion="0.1"/>
+</Control>
+</file>
+
+<file path=customXml/item127.xml><?xml version="1.0" encoding="utf-8"?>
+<Control xmlns="http://schemas.microsoft.com/VisualStudio/2011/storyboarding/control">
+  <Id Name="System.Storyboarding.Common.DataGrid" Revision="1" Stencil="System.Storyboarding.Common" StencilVersion="0.1"/>
+</Control>
+</file>
+
+<file path=customXml/item128.xml><?xml version="1.0" encoding="utf-8"?>
+<Control xmlns="http://schemas.microsoft.com/VisualStudio/2011/storyboarding/control">
+  <Id Name="System.Storyboarding.Icons.Star" Revision="1" Stencil="System.Storyboarding.Icons" StencilVersion="0.1"/>
+</Control>
+</file>
+
+<file path=customXml/item129.xml><?xml version="1.0" encoding="utf-8"?>
+<Control xmlns="http://schemas.microsoft.com/VisualStudio/2011/storyboarding/control">
+  <Id Name="System.Storyboarding.Icons.Star" Revision="1" Stencil="System.Storyboarding.Icons" StencilVersion="0.1"/>
+</Control>
+</file>
+
+<file path=customXml/item13.xml><?xml version="1.0" encoding="utf-8"?>
+<Control xmlns="http://schemas.microsoft.com/VisualStudio/2011/storyboarding/control">
+  <Id Name="System.Storyboarding.WindowsApps.WindowsAppsMediumWideTile" Revision="1" Stencil="System.Storyboarding.WindowsApps" StencilVersion="0.1"/>
+</Control>
+</file>
+
+<file path=customXml/item130.xml><?xml version="1.0" encoding="utf-8"?>
+<Control xmlns="http://schemas.microsoft.com/VisualStudio/2011/storyboarding/control">
+  <Id Name="System.Storyboarding.Icons.Star" Revision="1" Stencil="System.Storyboarding.Icons" StencilVersion="0.1"/>
+</Control>
+</file>
+
+<file path=customXml/item131.xml><?xml version="1.0" encoding="utf-8"?>
+<Control xmlns="http://schemas.microsoft.com/VisualStudio/2011/storyboarding/control">
+  <Id Name="System.Storyboarding.Icons.Star" Revision="1" Stencil="System.Storyboarding.Icons" StencilVersion="0.1"/>
+</Control>
+</file>
+
+<file path=customXml/item132.xml><?xml version="1.0" encoding="utf-8"?>
+<Control xmlns="http://schemas.microsoft.com/VisualStudio/2011/storyboarding/control">
+  <Id Name="System.Storyboarding.Icons.Star" Revision="1" Stencil="System.Storyboarding.Icons" StencilVersion="0.1"/>
+</Control>
+</file>
+
+<file path=customXml/item133.xml><?xml version="1.0" encoding="utf-8"?>
+<Control xmlns="http://schemas.microsoft.com/VisualStudio/2011/storyboarding/control">
+  <Id Name="System.Storyboarding.Icons.Star" Revision="1" Stencil="System.Storyboarding.Icons" StencilVersion="0.1"/>
+</Control>
+</file>
+
+<file path=customXml/item134.xml><?xml version="1.0" encoding="utf-8"?>
+<Control xmlns="http://schemas.microsoft.com/VisualStudio/2011/storyboarding/control">
+  <Id Name="System.Storyboarding.Icons.Star" Revision="1" Stencil="System.Storyboarding.Icons" StencilVersion="0.1"/>
+</Control>
+</file>
+
+<file path=customXml/item135.xml><?xml version="1.0" encoding="utf-8"?>
+<Control xmlns="http://schemas.microsoft.com/VisualStudio/2011/storyboarding/control">
+  <Id Name="System.Storyboarding.Icons.Star" Revision="1" Stencil="System.Storyboarding.Icons" StencilVersion="0.1"/>
+</Control>
+</file>
+
+<file path=customXml/item136.xml><?xml version="1.0" encoding="utf-8"?>
+<Control xmlns="http://schemas.microsoft.com/VisualStudio/2011/storyboarding/control">
+  <Id Name="System.Storyboarding.Icons.Star" Revision="1" Stencil="System.Storyboarding.Icons" StencilVersion="0.1"/>
+</Control>
+</file>
+
+<file path=customXml/item137.xml><?xml version="1.0" encoding="utf-8"?>
+<Control xmlns="http://schemas.microsoft.com/VisualStudio/2011/storyboarding/control">
+  <Id Name="System.Storyboarding.Icons.Star" Revision="1" Stencil="System.Storyboarding.Icons" StencilVersion="0.1"/>
+</Control>
+</file>
+
+<file path=customXml/item138.xml><?xml version="1.0" encoding="utf-8"?>
+<Control xmlns="http://schemas.microsoft.com/VisualStudio/2011/storyboarding/control">
+  <Id Name="System.Storyboarding.Icons.Star" Revision="1" Stencil="System.Storyboarding.Icons" StencilVersion="0.1"/>
+</Control>
+</file>
+
+<file path=customXml/item139.xml><?xml version="1.0" encoding="utf-8"?>
+<Control xmlns="http://schemas.microsoft.com/VisualStudio/2011/storyboarding/control">
+  <Id Name="System.Storyboarding.Icons.Star" Revision="1" Stencil="System.Storyboarding.Icons" StencilVersion="0.1"/>
+</Control>
+</file>
+
+<file path=customXml/item14.xml><?xml version="1.0" encoding="utf-8"?>
+<Control xmlns="http://schemas.microsoft.com/VisualStudio/2011/storyboarding/control">
+  <Id Name="System.Storyboarding.Common.DatePicker" Revision="1" Stencil="System.Storyboarding.Common" StencilVersion="0.1"/>
+</Control>
+</file>
+
+<file path=customXml/item140.xml><?xml version="1.0" encoding="utf-8"?>
+<Control xmlns="http://schemas.microsoft.com/VisualStudio/2011/storyboarding/control">
+  <Id Name="System.Storyboarding.Icons.Star" Revision="1" Stencil="System.Storyboarding.Icons" StencilVersion="0.1"/>
+</Control>
+</file>
+
+<file path=customXml/item141.xml><?xml version="1.0" encoding="utf-8"?>
+<Control xmlns="http://schemas.microsoft.com/VisualStudio/2011/storyboarding/control">
+  <Id Name="System.Storyboarding.Icons.Star" Revision="1" Stencil="System.Storyboarding.Icons" StencilVersion="0.1"/>
+</Control>
+</file>
+
+<file path=customXml/item142.xml><?xml version="1.0" encoding="utf-8"?>
+<Control xmlns="http://schemas.microsoft.com/VisualStudio/2011/storyboarding/control">
+  <Id Name="System.Storyboarding.Common.DataGrid" Revision="1" Stencil="System.Storyboarding.Common" StencilVersion="0.1"/>
+</Control>
+</file>
+
+<file path=customXml/item143.xml><?xml version="1.0" encoding="utf-8"?>
+<Control xmlns="http://schemas.microsoft.com/VisualStudio/2011/storyboarding/control">
+  <Id Name="System.Storyboarding.WindowsAppIcons.Check" Revision="1" Stencil="System.Storyboarding.WindowsAppIcons" StencilVersion="0.1"/>
+</Control>
+</file>
+
+<file path=customXml/item144.xml><?xml version="1.0" encoding="utf-8"?>
 <Control xmlns="http://schemas.microsoft.com/VisualStudio/2011/storyboarding/control">
   <Id Name="System.Storyboarding.Common.Text" Revision="1" Stencil="System.Storyboarding.Common" StencilVersion="0.1"/>
 </Control>
 </file>
 
-<file path=customXml/item17.xml><?xml version="1.0" encoding="utf-8"?>
-<Control xmlns="http://schemas.microsoft.com/VisualStudio/2011/storyboarding/control">
-  <Id Name="System.Storyboarding.WindowsAppIcons.Plus" Revision="1" Stencil="System.Storyboarding.WindowsAppIcons" StencilVersion="0.1"/>
-</Control>
-</file>
-
-<file path=customXml/item18.xml><?xml version="1.0" encoding="utf-8"?>
-<Control xmlns="http://schemas.microsoft.com/VisualStudio/2011/storyboarding/control">
-  <Id Name="System.Storyboarding.Common.CheckBoxUnchecked" Revision="1" Stencil="System.Storyboarding.Common" StencilVersion="0.1"/>
-</Control>
-</file>
-
-<file path=customXml/item19.xml><?xml version="1.0" encoding="utf-8"?>
+<file path=customXml/item145.xml><?xml version="1.0" encoding="utf-8"?>
 <Control xmlns="http://schemas.microsoft.com/VisualStudio/2011/storyboarding/control">
   <Id Name="System.Storyboarding.Common.Text" Revision="1" Stencil="System.Storyboarding.Common" StencilVersion="0.1"/>
 </Control>
 </file>
 
-<file path=customXml/item2.xml><?xml version="1.0" encoding="utf-8"?>
+<file path=customXml/item146.xml><?xml version="1.0" encoding="utf-8"?>
 <Control xmlns="http://schemas.microsoft.com/VisualStudio/2011/storyboarding/control">
   <Id Name="System.Storyboarding.Common.Text" Revision="1" Stencil="System.Storyboarding.Common" StencilVersion="0.1"/>
 </Control>
 </file>
 
-<file path=customXml/item20.xml><?xml version="1.0" encoding="utf-8"?>
+<file path=customXml/item147.xml><?xml version="1.0" encoding="utf-8"?>
+<Control xmlns="http://schemas.microsoft.com/VisualStudio/2011/storyboarding/control">
+  <Id Name="System.Storyboarding.Common.Text" Revision="1" Stencil="System.Storyboarding.Common" StencilVersion="0.1"/>
+</Control>
+</file>
+
+<file path=customXml/item148.xml><?xml version="1.0" encoding="utf-8"?>
+<Control xmlns="http://schemas.microsoft.com/VisualStudio/2011/storyboarding/control">
+  <Id Name="System.Storyboarding.Common.Text" Revision="1" Stencil="System.Storyboarding.Common" StencilVersion="0.1"/>
+</Control>
+</file>
+
+<file path=customXml/item149.xml><?xml version="1.0" encoding="utf-8"?>
+<Control xmlns="http://schemas.microsoft.com/VisualStudio/2011/storyboarding/control">
+  <Id Name="System.Storyboarding.Common.TextInput" Revision="1" Stencil="System.Storyboarding.Common" StencilVersion="0.1"/>
+</Control>
+</file>
+
+<file path=customXml/item15.xml><?xml version="1.0" encoding="utf-8"?>
 <Control xmlns="http://schemas.microsoft.com/VisualStudio/2011/storyboarding/control">
   <Id Name="System.Storyboarding.WindowsApps.WindowsAppsTileWideSmall" Revision="1" Stencil="System.Storyboarding.WindowsApps" StencilVersion="0.1"/>
 </Control>
 </file>
 
-<file path=customXml/item21.xml><?xml version="1.0" encoding="utf-8"?>
+<file path=customXml/item150.xml><?xml version="1.0" encoding="utf-8"?>
+<Control xmlns="http://schemas.microsoft.com/VisualStudio/2011/storyboarding/control">
+  <Id Name="System.Storyboarding.Common.TextInput" Revision="1" Stencil="System.Storyboarding.Common" StencilVersion="0.1"/>
+</Control>
+</file>
+
+<file path=customXml/item151.xml><?xml version="1.0" encoding="utf-8"?>
+<Control xmlns="http://schemas.microsoft.com/VisualStudio/2011/storyboarding/control">
+  <Id Name="System.Storyboarding.Common.TextInput" Revision="1" Stencil="System.Storyboarding.Common" StencilVersion="0.1"/>
+</Control>
+</file>
+
+<file path=customXml/item152.xml><?xml version="1.0" encoding="utf-8"?>
+<Control xmlns="http://schemas.microsoft.com/VisualStudio/2011/storyboarding/control">
+  <Id Name="System.Storyboarding.Common.TextInput" Revision="1" Stencil="System.Storyboarding.Common" StencilVersion="0.1"/>
+</Control>
+</file>
+
+<file path=customXml/item153.xml><?xml version="1.0" encoding="utf-8"?>
 <Control xmlns="http://schemas.microsoft.com/VisualStudio/2011/storyboarding/control">
   <Id Name="System.Storyboarding.Common.Button" Revision="1" Stencil="System.Storyboarding.Common" StencilVersion="0.1"/>
 </Control>
 </file>
 
+<file path=customXml/item154.xml><?xml version="1.0" encoding="utf-8"?>
+<Control xmlns="http://schemas.microsoft.com/VisualStudio/2011/storyboarding/control">
+  <Id Name="System.Storyboarding.WindowsApps.WindowsAppsTileMediumSelected" Revision="1" Stencil="System.Storyboarding.WindowsApps" StencilVersion="0.1"/>
+</Control>
+</file>
+
+<file path=customXml/item155.xml><?xml version="1.0" encoding="utf-8"?>
+<Control xmlns="http://schemas.microsoft.com/VisualStudio/2011/storyboarding/control">
+  <Id Name="System.Storyboarding.WindowsApps.WindowsAppsTileMedium" Revision="1" Stencil="System.Storyboarding.WindowsApps" StencilVersion="0.1"/>
+</Control>
+</file>
+
+<file path=customXml/item156.xml><?xml version="1.0" encoding="utf-8"?>
+<Control xmlns="http://schemas.microsoft.com/VisualStudio/2011/storyboarding/control">
+  <Id Name="System.Storyboarding.WindowsApps.WindowsAppsTileMediumText" Revision="1" Stencil="System.Storyboarding.WindowsApps" StencilVersion="0.1"/>
+</Control>
+</file>
+
+<file path=customXml/item157.xml><?xml version="1.0" encoding="utf-8"?>
+<Control xmlns="http://schemas.microsoft.com/VisualStudio/2011/storyboarding/control">
+  <Id Name="System.Storyboarding.WindowsApps.WindowsAppsTileMedium" Revision="1" Stencil="System.Storyboarding.WindowsApps" StencilVersion="0.1"/>
+</Control>
+</file>
+
+<file path=customXml/item16.xml><?xml version="1.0" encoding="utf-8"?>
+<Control xmlns="http://schemas.microsoft.com/VisualStudio/2011/storyboarding/control">
+  <Id Name="System.Storyboarding.Common.TextInput" Revision="1" Stencil="System.Storyboarding.Common" StencilVersion="0.1"/>
+</Control>
+</file>
+
+<file path=customXml/item17.xml><?xml version="1.0" encoding="utf-8"?>
+<Control xmlns="http://schemas.microsoft.com/VisualStudio/2011/storyboarding/control">
+  <Id Name="System.Storyboarding.Common.Text" Revision="1" Stencil="System.Storyboarding.Common" StencilVersion="0.1"/>
+</Control>
+</file>
+
+<file path=customXml/item18.xml><?xml version="1.0" encoding="utf-8"?>
+<Control xmlns="http://schemas.microsoft.com/VisualStudio/2011/storyboarding/control">
+  <Id Name="System.Storyboarding.WindowsApps.WindowsAppsContextMenu" Revision="1" Stencil="System.Storyboarding.WindowsApps" StencilVersion="0.1"/>
+</Control>
+</file>
+
+<file path=customXml/item19.xml><?xml version="1.0" encoding="utf-8"?>
+<Control xmlns="http://schemas.microsoft.com/VisualStudio/2011/storyboarding/control">
+  <Id Name="System.Storyboarding.WindowsApps.WindowsAppsButton" Revision="1" Stencil="System.Storyboarding.WindowsApps" StencilVersion="0.1"/>
+</Control>
+</file>
+
+<file path=customXml/item2.xml><?xml version="1.0" encoding="utf-8"?>
+<Control xmlns="http://schemas.microsoft.com/VisualStudio/2011/storyboarding/control">
+  <Id Name="System.Storyboarding.WindowsApps.WindowsAppsTileMedium" Revision="1" Stencil="System.Storyboarding.WindowsApps" StencilVersion="0.1"/>
+</Control>
+</file>
+
+<file path=customXml/item20.xml><?xml version="1.0" encoding="utf-8"?>
+<Control xmlns="http://schemas.microsoft.com/VisualStudio/2011/storyboarding/control">
+  <Id Name="System.Storyboarding.Media.HorizontalBarChart" Revision="1" Stencil="System.Storyboarding.Media" StencilVersion="0.1"/>
+</Control>
+</file>
+
+<file path=customXml/item21.xml><?xml version="1.0" encoding="utf-8"?>
+<Control xmlns="http://schemas.microsoft.com/VisualStudio/2011/storyboarding/control">
+  <Id Name="System.Storyboarding.Common.DatePicker" Revision="1" Stencil="System.Storyboarding.Common" StencilVersion="0.1"/>
+</Control>
+</file>
+
 <file path=customXml/item22.xml><?xml version="1.0" encoding="utf-8"?>
 <Control xmlns="http://schemas.microsoft.com/VisualStudio/2011/storyboarding/control">
-  <Id Name="System.Storyboarding.Common.DatePicker" Revision="1" Stencil="System.Storyboarding.Common" StencilVersion="0.1"/>
+  <Id Name="System.Storyboarding.Media.VerticalBarChart" Revision="1" Stencil="System.Storyboarding.Media" StencilVersion="0.1"/>
 </Control>
 </file>
 
@@ -10287,19 +14324,19 @@
 
 <file path=customXml/item24.xml><?xml version="1.0" encoding="utf-8"?>
 <Control xmlns="http://schemas.microsoft.com/VisualStudio/2011/storyboarding/control">
-  <Id Name="System.Storyboarding.Common.TextInput" Revision="1" Stencil="System.Storyboarding.Common" StencilVersion="0.1"/>
+  <Id Name="System.Storyboarding.Backgrounds.WebBrowser" Revision="1" Stencil="System.Storyboarding.Backgrounds" StencilVersion="0.1"/>
 </Control>
 </file>
 
 <file path=customXml/item25.xml><?xml version="1.0" encoding="utf-8"?>
 <Control xmlns="http://schemas.microsoft.com/VisualStudio/2011/storyboarding/control">
-  <Id Name="32035d07-bc66-4a79-8001-2507012193e3" RevisionId="7f6cc906-8fab-4878-8f41-90bcdc4e860e" Stencil="172d6d98-e5c9-42e9-a209-79f7a94bbd38" StencilRevisionId="00000000-0000-0000-0000-000000000000" StencilVersion="0.0"/>
+  <Id Name="System.Storyboarding.Common.MousePointer" Revision="1" Stencil="System.Storyboarding.Common" StencilVersion="0.1"/>
 </Control>
 </file>
 
 <file path=customXml/item26.xml><?xml version="1.0" encoding="utf-8"?>
 <Control xmlns="http://schemas.microsoft.com/VisualStudio/2011/storyboarding/control">
-  <Id Name="System.Storyboarding.Common.CheckBoxUnchecked" Revision="1" Stencil="System.Storyboarding.Common" StencilVersion="0.1"/>
+  <Id Name="System.Storyboarding.Common.TextInput" Revision="1" Stencil="System.Storyboarding.Common" StencilVersion="0.1"/>
 </Control>
 </file>
 
@@ -10311,25 +14348,25 @@
 
 <file path=customXml/item28.xml><?xml version="1.0" encoding="utf-8"?>
 <Control xmlns="http://schemas.microsoft.com/VisualStudio/2011/storyboarding/control">
-  <Id Name="System.Storyboarding.WindowsAppIcons.Hyperlink" Revision="1" Stencil="System.Storyboarding.WindowsAppIcons" StencilVersion="0.1"/>
+  <Id Name="System.Storyboarding.Common.RadioButtonSelected" Revision="1" Stencil="System.Storyboarding.Common" StencilVersion="0.1"/>
 </Control>
 </file>
 
 <file path=customXml/item29.xml><?xml version="1.0" encoding="utf-8"?>
 <Control xmlns="http://schemas.microsoft.com/VisualStudio/2011/storyboarding/control">
-  <Id Name="System.Storyboarding.WindowsPhone.PageTitle" Revision="1" Stencil="System.Storyboarding.WindowsPhone" StencilVersion="0.1"/>
+  <Id Name="System.Storyboarding.Media.PieChart" Revision="1" Stencil="System.Storyboarding.Media" StencilVersion="0.1"/>
 </Control>
 </file>
 
 <file path=customXml/item3.xml><?xml version="1.0" encoding="utf-8"?>
 <Control xmlns="http://schemas.microsoft.com/VisualStudio/2011/storyboarding/control">
-  <Id Name="System.Storyboarding.WindowsApps.WindowsAppsContextMenu" Revision="1" Stencil="System.Storyboarding.WindowsApps" StencilVersion="0.1"/>
+  <Id Name="System.Storyboarding.WindowsAppIcons.Like" Revision="1" Stencil="System.Storyboarding.WindowsAppIcons" StencilVersion="0.1"/>
 </Control>
 </file>
 
 <file path=customXml/item30.xml><?xml version="1.0" encoding="utf-8"?>
 <Control xmlns="http://schemas.microsoft.com/VisualStudio/2011/storyboarding/control">
-  <Id Name="91f9215f-48a3-4bce-9856-a1c79d18b395" RevisionId="54383394-c8b8-40b0-9c4b-42c6089a8ac7" Stencil="172d6d98-e5c9-42e9-a209-79f7a94bbd38" StencilRevisionId="00000000-0000-0000-0000-000000000000" StencilVersion="0.0"/>
+  <Id Name="System.Storyboarding.Media.Image" Revision="1" Stencil="System.Storyboarding.Media" StencilVersion="0.1"/>
 </Control>
 </file>
 
@@ -10341,85 +14378,85 @@
 
 <file path=customXml/item32.xml><?xml version="1.0" encoding="utf-8"?>
 <Control xmlns="http://schemas.microsoft.com/VisualStudio/2011/storyboarding/control">
-  <Id Name="System.Storyboarding.Backgrounds.DesktopTaskbar" Revision="1" Stencil="System.Storyboarding.Backgrounds" StencilVersion="0.1"/>
+  <Id Name="System.Storyboarding.Common.RadioButtonSelected" Revision="1" Stencil="System.Storyboarding.Common" StencilVersion="0.1"/>
 </Control>
 </file>
 
 <file path=customXml/item33.xml><?xml version="1.0" encoding="utf-8"?>
 <Control xmlns="http://schemas.microsoft.com/VisualStudio/2011/storyboarding/control">
-  <Id Name="System.Storyboarding.Media.HorizontalBarChart" Revision="1" Stencil="System.Storyboarding.Media" StencilVersion="0.1"/>
+  <Id Name="System.Storyboarding.Icons.Copy" Revision="1" Stencil="System.Storyboarding.Icons" StencilVersion="0.1"/>
 </Control>
 </file>
 
 <file path=customXml/item34.xml><?xml version="1.0" encoding="utf-8"?>
+<Control xmlns="http://schemas.microsoft.com/VisualStudio/2011/storyboarding/control">
+  <Id Name="System.Storyboarding.WindowsApps.WindowsAppsTileMedium" Revision="1" Stencil="System.Storyboarding.WindowsApps" StencilVersion="0.1"/>
+</Control>
+</file>
+
+<file path=customXml/item35.xml><?xml version="1.0" encoding="utf-8"?>
 <Control xmlns="http://schemas.microsoft.com/VisualStudio/2011/storyboarding/control">
   <Id Name="System.Storyboarding.Common.Text" Revision="1" Stencil="System.Storyboarding.Common" StencilVersion="0.1"/>
 </Control>
 </file>
 
-<file path=customXml/item35.xml><?xml version="1.0" encoding="utf-8"?>
-<Control xmlns="http://schemas.microsoft.com/VisualStudio/2011/storyboarding/control">
-  <Id Name="System.Storyboarding.Common.TextInput" Revision="1" Stencil="System.Storyboarding.Common" StencilVersion="0.1"/>
-</Control>
-</file>
-
 <file path=customXml/item36.xml><?xml version="1.0" encoding="utf-8"?>
-<Control xmlns="http://schemas.microsoft.com/VisualStudio/2011/storyboarding/control">
-  <Id Name="System.Storyboarding.WindowsApps.WindowsAppsMediumWideTile" Revision="1" Stencil="System.Storyboarding.WindowsApps" StencilVersion="0.1"/>
-</Control>
-</file>
-
-<file path=customXml/item37.xml><?xml version="1.0" encoding="utf-8"?>
-<Control xmlns="http://schemas.microsoft.com/VisualStudio/2011/storyboarding/control">
-  <Id Name="System.Storyboarding.Backgrounds.WebBrowser" Revision="1" Stencil="System.Storyboarding.Backgrounds" StencilVersion="0.1"/>
-</Control>
-</file>
-
-<file path=customXml/item38.xml><?xml version="1.0" encoding="utf-8"?>
-<Control xmlns="http://schemas.microsoft.com/VisualStudio/2011/storyboarding/control">
-  <Id Name="System.Storyboarding.Common.RadioButtonSelected" Revision="1" Stencil="System.Storyboarding.Common" StencilVersion="0.1"/>
-</Control>
-</file>
-
-<file path=customXml/item39.xml><?xml version="1.0" encoding="utf-8"?>
-<Control xmlns="http://schemas.microsoft.com/VisualStudio/2011/storyboarding/control">
-  <Id Name="System.Storyboarding.Common.ScrollbarVertical" Revision="1" Stencil="System.Storyboarding.Common" StencilVersion="0.1"/>
-</Control>
-</file>
-
-<file path=customXml/item4.xml><?xml version="1.0" encoding="utf-8"?>
-<Control xmlns="http://schemas.microsoft.com/VisualStudio/2011/storyboarding/control">
-  <Id Name="System.Storyboarding.Backgrounds.WebBrowser" Revision="1" Stencil="System.Storyboarding.Backgrounds" StencilVersion="0.1"/>
-</Control>
-</file>
-
-<file path=customXml/item40.xml><?xml version="1.0" encoding="utf-8"?>
 <Control xmlns="http://schemas.microsoft.com/VisualStudio/2011/storyboarding/control">
   <Id Name="System.Storyboarding.WindowsApps.WindowsAppsTileWideSmall" Revision="1" Stencil="System.Storyboarding.WindowsApps" StencilVersion="0.1"/>
 </Control>
 </file>
 
-<file path=customXml/item41.xml><?xml version="1.0" encoding="utf-8"?>
+<file path=customXml/item37.xml><?xml version="1.0" encoding="utf-8"?>
 <Control xmlns="http://schemas.microsoft.com/VisualStudio/2011/storyboarding/control">
-  <Id Name="System.Storyboarding.Media.Image" Revision="1" Stencil="System.Storyboarding.Media" StencilVersion="0.1"/>
+  <Id Name="System.Storyboarding.Common.Text" Revision="1" Stencil="System.Storyboarding.Common" StencilVersion="0.1"/>
 </Control>
 </file>
 
-<file path=customXml/item42.xml><?xml version="1.0" encoding="utf-8"?>
+<file path=customXml/item38.xml><?xml version="1.0" encoding="utf-8"?>
+<Control xmlns="http://schemas.microsoft.com/VisualStudio/2011/storyboarding/control">
+  <Id Name="System.Storyboarding.Common.Text" Revision="1" Stencil="System.Storyboarding.Common" StencilVersion="0.1"/>
+</Control>
+</file>
+
+<file path=customXml/item39.xml><?xml version="1.0" encoding="utf-8"?>
+<Control xmlns="http://schemas.microsoft.com/VisualStudio/2011/storyboarding/control">
+  <Id Name="System.Storyboarding.Common.Hyperlink" Revision="1" Stencil="System.Storyboarding.Common" StencilVersion="0.1"/>
+</Control>
+</file>
+
+<file path=customXml/item4.xml><?xml version="1.0" encoding="utf-8"?>
 <Control xmlns="http://schemas.microsoft.com/VisualStudio/2011/storyboarding/control">
   <Id Name="System.Storyboarding.WindowsApps.WindowsAppsTileWideSmall" Revision="1" Stencil="System.Storyboarding.WindowsApps" StencilVersion="0.1"/>
 </Control>
 </file>
 
+<file path=customXml/item40.xml><?xml version="1.0" encoding="utf-8"?>
+<Control xmlns="http://schemas.microsoft.com/VisualStudio/2011/storyboarding/control">
+  <Id Name="System.Storyboarding.WindowsApps.WindowsAppsEditBox" Revision="1" Stencil="System.Storyboarding.WindowsApps" StencilVersion="0.1"/>
+</Control>
+</file>
+
+<file path=customXml/item41.xml><?xml version="1.0" encoding="utf-8"?>
+<Control xmlns="http://schemas.microsoft.com/VisualStudio/2011/storyboarding/control">
+  <Id Name="32035d07-bc66-4a79-8001-2507012193e3" RevisionId="7f6cc906-8fab-4878-8f41-90bcdc4e860e" Stencil="172d6d98-e5c9-42e9-a209-79f7a94bbd38" StencilRevisionId="00000000-0000-0000-0000-000000000000" StencilVersion="0.0"/>
+</Control>
+</file>
+
+<file path=customXml/item42.xml><?xml version="1.0" encoding="utf-8"?>
+<Control xmlns="http://schemas.microsoft.com/VisualStudio/2011/storyboarding/control">
+  <Id Name="System.Storyboarding.Common.Button" Revision="1" Stencil="System.Storyboarding.Common" StencilVersion="0.1"/>
+</Control>
+</file>
+
 <file path=customXml/item43.xml><?xml version="1.0" encoding="utf-8"?>
 <Control xmlns="http://schemas.microsoft.com/VisualStudio/2011/storyboarding/control">
-  <Id Name="System.Storyboarding.Common.TextInput" Revision="1" Stencil="System.Storyboarding.Common" StencilVersion="0.1"/>
+  <Id Name="System.Storyboarding.Common.Text" Revision="1" Stencil="System.Storyboarding.Common" StencilVersion="0.1"/>
 </Control>
 </file>
 
 <file path=customXml/item44.xml><?xml version="1.0" encoding="utf-8"?>
 <Control xmlns="http://schemas.microsoft.com/VisualStudio/2011/storyboarding/control">
-  <Id Name="System.Storyboarding.Common.CheckBoxUnchecked" Revision="1" Stencil="System.Storyboarding.Common" StencilVersion="0.1"/>
+  <Id Name="System.Storyboarding.Common.ScrollbarVertical" Revision="1" Stencil="System.Storyboarding.Common" StencilVersion="0.1"/>
 </Control>
 </file>
 
@@ -10437,55 +14474,55 @@
 
 <file path=customXml/item47.xml><?xml version="1.0" encoding="utf-8"?>
 <Control xmlns="http://schemas.microsoft.com/VisualStudio/2011/storyboarding/control">
+  <Id Name="System.Storyboarding.Common.Text" Revision="1" Stencil="System.Storyboarding.Common" StencilVersion="0.1"/>
+</Control>
+</file>
+
+<file path=customXml/item48.xml><?xml version="1.0" encoding="utf-8"?>
+<Control xmlns="http://schemas.microsoft.com/VisualStudio/2011/storyboarding/control">
   <Id Name="System.Storyboarding.WindowsAppIcons.Plus" Revision="1" Stencil="System.Storyboarding.WindowsAppIcons" StencilVersion="0.1"/>
 </Control>
 </file>
 
-<file path=customXml/item48.xml><?xml version="1.0" encoding="utf-8"?>
-<Control xmlns="http://schemas.microsoft.com/VisualStudio/2011/storyboarding/control">
-  <Id Name="System.Storyboarding.WindowsApps.WindowsAppsTileMedium" Revision="1" Stencil="System.Storyboarding.WindowsApps" StencilVersion="0.1"/>
-</Control>
-</file>
-
 <file path=customXml/item49.xml><?xml version="1.0" encoding="utf-8"?>
 <Control xmlns="http://schemas.microsoft.com/VisualStudio/2011/storyboarding/control">
-  <Id Name="System.Storyboarding.Common.ScrollbarVertical" Revision="1" Stencil="System.Storyboarding.Common" StencilVersion="0.1"/>
+  <Id Name="System.Storyboarding.Common.Button" Revision="1" Stencil="System.Storyboarding.Common" StencilVersion="0.1"/>
 </Control>
 </file>
 
 <file path=customXml/item5.xml><?xml version="1.0" encoding="utf-8"?>
-<Control xmlns="http://schemas.microsoft.com/VisualStudio/2011/storyboarding/control">
-  <Id Name="System.Storyboarding.Common.Text" Revision="1" Stencil="System.Storyboarding.Common" StencilVersion="0.1"/>
-</Control>
-</file>
-
-<file path=customXml/item50.xml><?xml version="1.0" encoding="utf-8"?>
 <Control xmlns="http://schemas.microsoft.com/VisualStudio/2011/storyboarding/control">
   <Id Name="System.Storyboarding.Common.TextInput" Revision="1" Stencil="System.Storyboarding.Common" StencilVersion="0.1"/>
 </Control>
 </file>
 
+<file path=customXml/item50.xml><?xml version="1.0" encoding="utf-8"?>
+<Control xmlns="http://schemas.microsoft.com/VisualStudio/2011/storyboarding/control">
+  <Id Name="System.Storyboarding.Common.CheckBoxUnchecked" Revision="1" Stencil="System.Storyboarding.Common" StencilVersion="0.1"/>
+</Control>
+</file>
+
 <file path=customXml/item51.xml><?xml version="1.0" encoding="utf-8"?>
 <Control xmlns="http://schemas.microsoft.com/VisualStudio/2011/storyboarding/control">
-  <Id Name="System.Storyboarding.WindowsApps.WindowsAppsEditBox" Revision="1" Stencil="System.Storyboarding.WindowsApps" StencilVersion="0.1"/>
+  <Id Name="System.Storyboarding.Common.TextInput" Revision="1" Stencil="System.Storyboarding.Common" StencilVersion="0.1"/>
 </Control>
 </file>
 
 <file path=customXml/item52.xml><?xml version="1.0" encoding="utf-8"?>
 <Control xmlns="http://schemas.microsoft.com/VisualStudio/2011/storyboarding/control">
-  <Id Name="System.Storyboarding.Common.Text" Revision="1" Stencil="System.Storyboarding.Common" StencilVersion="0.1"/>
+  <Id Name="System.Storyboarding.Common.Button" Revision="1" Stencil="System.Storyboarding.Common" StencilVersion="0.1"/>
 </Control>
 </file>
 
 <file path=customXml/item53.xml><?xml version="1.0" encoding="utf-8"?>
 <Control xmlns="http://schemas.microsoft.com/VisualStudio/2011/storyboarding/control">
-  <Id Name="System.Storyboarding.Common.Text" Revision="1" Stencil="System.Storyboarding.Common" StencilVersion="0.1"/>
+  <Id Name="System.Storyboarding.Backgrounds.WebBrowser" Revision="1" Stencil="System.Storyboarding.Backgrounds" StencilVersion="0.1"/>
 </Control>
 </file>
 
 <file path=customXml/item54.xml><?xml version="1.0" encoding="utf-8"?>
 <Control xmlns="http://schemas.microsoft.com/VisualStudio/2011/storyboarding/control">
-  <Id Name="System.Storyboarding.Common.TextInput" Revision="1" Stencil="System.Storyboarding.Common" StencilVersion="0.1"/>
+  <Id Name="System.Storyboarding.WindowsApps.WindowsAppsTileMedium" Revision="1" Stencil="System.Storyboarding.WindowsApps" StencilVersion="0.1"/>
 </Control>
 </file>
 
@@ -10497,127 +14534,127 @@
 
 <file path=customXml/item56.xml><?xml version="1.0" encoding="utf-8"?>
 <Control xmlns="http://schemas.microsoft.com/VisualStudio/2011/storyboarding/control">
-  <Id Name="System.Storyboarding.Common.Hyperlink" Revision="1" Stencil="System.Storyboarding.Common" StencilVersion="0.1"/>
+  <Id Name="System.Storyboarding.Common.Text" Revision="1" Stencil="System.Storyboarding.Common" StencilVersion="0.1"/>
 </Control>
 </file>
 
 <file path=customXml/item57.xml><?xml version="1.0" encoding="utf-8"?>
+<Control xmlns="http://schemas.microsoft.com/VisualStudio/2011/storyboarding/control">
+  <Id Name="System.Storyboarding.WindowsApps.WindowsAppsTileMedium" Revision="1" Stencil="System.Storyboarding.WindowsApps" StencilVersion="0.1"/>
+</Control>
+</file>
+
+<file path=customXml/item58.xml><?xml version="1.0" encoding="utf-8"?>
+<Control xmlns="http://schemas.microsoft.com/VisualStudio/2011/storyboarding/control">
+  <Id Name="System.Storyboarding.Common.Text" Revision="1" Stencil="System.Storyboarding.Common" StencilVersion="0.1"/>
+</Control>
+</file>
+
+<file path=customXml/item59.xml><?xml version="1.0" encoding="utf-8"?>
+<Control xmlns="http://schemas.microsoft.com/VisualStudio/2011/storyboarding/control">
+  <Id Name="System.Storyboarding.Backgrounds.WebBrowser" Revision="1" Stencil="System.Storyboarding.Backgrounds" StencilVersion="0.1"/>
+</Control>
+</file>
+
+<file path=customXml/item6.xml><?xml version="1.0" encoding="utf-8"?>
+<Control xmlns="http://schemas.microsoft.com/VisualStudio/2011/storyboarding/control">
+  <Id Name="System.Storyboarding.Backgrounds.DesktopTaskbar" Revision="1" Stencil="System.Storyboarding.Backgrounds" StencilVersion="0.1"/>
+</Control>
+</file>
+
+<file path=customXml/item60.xml><?xml version="1.0" encoding="utf-8"?>
+<Control xmlns="http://schemas.microsoft.com/VisualStudio/2011/storyboarding/control">
+  <Id Name="System.Storyboarding.Common.Text" Revision="1" Stencil="System.Storyboarding.Common" StencilVersion="0.1"/>
+</Control>
+</file>
+
+<file path=customXml/item61.xml><?xml version="1.0" encoding="utf-8"?>
+<Control xmlns="http://schemas.microsoft.com/VisualStudio/2011/storyboarding/control">
+  <Id Name="System.Storyboarding.Common.TextInput" Revision="1" Stencil="System.Storyboarding.Common" StencilVersion="0.1"/>
+</Control>
+</file>
+
+<file path=customXml/item62.xml><?xml version="1.0" encoding="utf-8"?>
 <Control xmlns="http://schemas.microsoft.com/VisualStudio/2011/storyboarding/control">
   <Id Name="System.Storyboarding.Common.DatePicker" Revision="1" Stencil="System.Storyboarding.Common" StencilVersion="0.1"/>
 </Control>
 </file>
 
-<file path=customXml/item58.xml><?xml version="1.0" encoding="utf-8"?>
+<file path=customXml/item63.xml><?xml version="1.0" encoding="utf-8"?>
 <Control xmlns="http://schemas.microsoft.com/VisualStudio/2011/storyboarding/control">
-  <Id Name="System.Storyboarding.Media.PieChart" Revision="1" Stencil="System.Storyboarding.Media" StencilVersion="0.1"/>
+  <Id Name="System.Storyboarding.WindowsApps.WindowsAppsButton" Revision="1" Stencil="System.Storyboarding.WindowsApps" StencilVersion="0.1"/>
 </Control>
 </file>
 
-<file path=customXml/item59.xml><?xml version="1.0" encoding="utf-8"?>
+<file path=customXml/item64.xml><?xml version="1.0" encoding="utf-8"?>
 <Control xmlns="http://schemas.microsoft.com/VisualStudio/2011/storyboarding/control">
-  <Id Name="System.Storyboarding.Common.Button" Revision="1" Stencil="System.Storyboarding.Common" StencilVersion="0.1"/>
+  <Id Name="System.Storyboarding.Common.TextInput" Revision="1" Stencil="System.Storyboarding.Common" StencilVersion="0.1"/>
 </Control>
 </file>
 
-<file path=customXml/item6.xml><?xml version="1.0" encoding="utf-8"?>
+<file path=customXml/item65.xml><?xml version="1.0" encoding="utf-8"?>
+<Control xmlns="http://schemas.microsoft.com/VisualStudio/2011/storyboarding/control">
+  <Id Name="System.Storyboarding.Common.RadioButtonUnselected" Revision="1" Stencil="System.Storyboarding.Common" StencilVersion="0.1"/>
+</Control>
+</file>
+
+<file path=customXml/item66.xml><?xml version="1.0" encoding="utf-8"?>
 <Control xmlns="http://schemas.microsoft.com/VisualStudio/2011/storyboarding/control">
   <Id Name="System.Storyboarding.Common.CheckBoxUnchecked" Revision="1" Stencil="System.Storyboarding.Common" StencilVersion="0.1"/>
 </Control>
 </file>
 
-<file path=customXml/item60.xml><?xml version="1.0" encoding="utf-8"?>
+<file path=customXml/item67.xml><?xml version="1.0" encoding="utf-8"?>
 <Control xmlns="http://schemas.microsoft.com/VisualStudio/2011/storyboarding/control">
-  <Id Name="System.Storyboarding.Backgrounds.DesktopTaskbar" Revision="1" Stencil="System.Storyboarding.Backgrounds" StencilVersion="0.1"/>
+  <Id Name="System.Storyboarding.Common.TextInput" Revision="1" Stencil="System.Storyboarding.Common" StencilVersion="0.1"/>
 </Control>
 </file>
 
-<file path=customXml/item61.xml><?xml version="1.0" encoding="utf-8"?>
+<file path=customXml/item68.xml><?xml version="1.0" encoding="utf-8"?>
 <Control xmlns="http://schemas.microsoft.com/VisualStudio/2011/storyboarding/control">
-  <Id Name="System.Storyboarding.WindowsApps.WindowsAppsMediumWideTile" Revision="1" Stencil="System.Storyboarding.WindowsApps" StencilVersion="0.1"/>
+  <Id Name="System.Storyboarding.Common.TextInput" Revision="1" Stencil="System.Storyboarding.Common" StencilVersion="0.1"/>
 </Control>
 </file>
 
-<file path=customXml/item62.xml><?xml version="1.0" encoding="utf-8"?>
-<Control xmlns="http://schemas.microsoft.com/VisualStudio/2011/storyboarding/control">
-  <Id Name="System.Storyboarding.WindowsApps.WindowsAppsTileWideSmall" Revision="1" Stencil="System.Storyboarding.WindowsApps" StencilVersion="0.1"/>
-</Control>
-</file>
-
-<file path=customXml/item63.xml><?xml version="1.0" encoding="utf-8"?>
-<Control xmlns="http://schemas.microsoft.com/VisualStudio/2011/storyboarding/control">
-  <Id Name="System.Storyboarding.WindowsApps.WindowsAppsTileWideSmall" Revision="1" Stencil="System.Storyboarding.WindowsApps" StencilVersion="0.1"/>
-</Control>
-</file>
-
-<file path=customXml/item64.xml><?xml version="1.0" encoding="utf-8"?>
-<Control xmlns="http://schemas.microsoft.com/VisualStudio/2011/storyboarding/control">
-  <Id Name="System.Storyboarding.Common.Button" Revision="1" Stencil="System.Storyboarding.Common" StencilVersion="0.1"/>
-</Control>
-</file>
-
-<file path=customXml/item65.xml><?xml version="1.0" encoding="utf-8"?>
-<Control xmlns="http://schemas.microsoft.com/VisualStudio/2011/storyboarding/control">
-  <Id Name="System.Storyboarding.Common.Button" Revision="1" Stencil="System.Storyboarding.Common" StencilVersion="0.1"/>
-</Control>
-</file>
-
-<file path=customXml/item66.xml><?xml version="1.0" encoding="utf-8"?>
+<file path=customXml/item69.xml><?xml version="1.0" encoding="utf-8"?>
 <Control xmlns="http://schemas.microsoft.com/VisualStudio/2011/storyboarding/control">
   <Id Name="System.Storyboarding.Common.RadioButtonSelected" Revision="1" Stencil="System.Storyboarding.Common" StencilVersion="0.1"/>
 </Control>
 </file>
 
-<file path=customXml/item67.xml><?xml version="1.0" encoding="utf-8"?>
-<Control xmlns="http://schemas.microsoft.com/VisualStudio/2011/storyboarding/control">
-  <Id Name="System.Storyboarding.Backgrounds.DesktopTaskbar" Revision="1" Stencil="System.Storyboarding.Backgrounds" StencilVersion="0.1"/>
-</Control>
-</file>
-
-<file path=customXml/item68.xml><?xml version="1.0" encoding="utf-8"?>
-<Control xmlns="http://schemas.microsoft.com/VisualStudio/2011/storyboarding/control">
-  <Id Name="System.Storyboarding.WindowsApps.WindowsAppsTileMedium" Revision="1" Stencil="System.Storyboarding.WindowsApps" StencilVersion="0.1"/>
-</Control>
-</file>
-
-<file path=customXml/item69.xml><?xml version="1.0" encoding="utf-8"?>
+<file path=customXml/item7.xml><?xml version="1.0" encoding="utf-8"?>
 <Control xmlns="http://schemas.microsoft.com/VisualStudio/2011/storyboarding/control">
   <Id Name="System.Storyboarding.Common.Text" Revision="1" Stencil="System.Storyboarding.Common" StencilVersion="0.1"/>
 </Control>
 </file>
 
-<file path=customXml/item7.xml><?xml version="1.0" encoding="utf-8"?>
-<Control xmlns="http://schemas.microsoft.com/VisualStudio/2011/storyboarding/control">
-  <Id Name="System.Storyboarding.WindowsApps.WindowsAppsMediumWideTile" Revision="1" Stencil="System.Storyboarding.WindowsApps" StencilVersion="0.1"/>
-</Control>
-</file>
-
 <file path=customXml/item70.xml><?xml version="1.0" encoding="utf-8"?>
 <Control xmlns="http://schemas.microsoft.com/VisualStudio/2011/storyboarding/control">
-  <Id Name="System.Storyboarding.Common.Button" Revision="1" Stencil="System.Storyboarding.Common" StencilVersion="0.1"/>
+  <Id Name="System.Storyboarding.Common.TextInput" Revision="1" Stencil="System.Storyboarding.Common" StencilVersion="0.1"/>
 </Control>
 </file>
 
 <file path=customXml/item71.xml><?xml version="1.0" encoding="utf-8"?>
+<Control xmlns="http://schemas.microsoft.com/VisualStudio/2011/storyboarding/control">
+  <Id Name="System.Storyboarding.Common.TextInput" Revision="1" Stencil="System.Storyboarding.Common" StencilVersion="0.1"/>
+</Control>
+</file>
+
+<file path=customXml/item72.xml><?xml version="1.0" encoding="utf-8"?>
+<Control xmlns="http://schemas.microsoft.com/VisualStudio/2011/storyboarding/control">
+  <Id Name="System.Storyboarding.WindowsAppIcons.Hyperlink" Revision="1" Stencil="System.Storyboarding.WindowsAppIcons" StencilVersion="0.1"/>
+</Control>
+</file>
+
+<file path=customXml/item73.xml><?xml version="1.0" encoding="utf-8"?>
 <Control xmlns="http://schemas.microsoft.com/VisualStudio/2011/storyboarding/control">
   <Id Name="System.Storyboarding.Common.Text" Revision="1" Stencil="System.Storyboarding.Common" StencilVersion="0.1"/>
 </Control>
 </file>
 
-<file path=customXml/item72.xml><?xml version="1.0" encoding="utf-8"?>
-<Control xmlns="http://schemas.microsoft.com/VisualStudio/2011/storyboarding/control">
-  <Id Name="System.Storyboarding.Backgrounds.DesktopTaskbar" Revision="1" Stencil="System.Storyboarding.Backgrounds" StencilVersion="0.1"/>
-</Control>
-</file>
-
-<file path=customXml/item73.xml><?xml version="1.0" encoding="utf-8"?>
-<Control xmlns="http://schemas.microsoft.com/VisualStudio/2011/storyboarding/control">
-  <Id Name="System.Storyboarding.Common.TextInput" Revision="1" Stencil="System.Storyboarding.Common" StencilVersion="0.1"/>
-</Control>
-</file>
-
 <file path=customXml/item74.xml><?xml version="1.0" encoding="utf-8"?>
 <Control xmlns="http://schemas.microsoft.com/VisualStudio/2011/storyboarding/control">
-  <Id Name="System.Storyboarding.WindowsApps.WindowsAppsTileWideSmall" Revision="1" Stencil="System.Storyboarding.WindowsApps" StencilVersion="0.1"/>
+  <Id Name="System.Storyboarding.Backgrounds.WebBrowser" Revision="1" Stencil="System.Storyboarding.Backgrounds" StencilVersion="0.1"/>
 </Control>
 </file>
 
@@ -10635,97 +14672,97 @@
 
 <file path=customXml/item77.xml><?xml version="1.0" encoding="utf-8"?>
 <Control xmlns="http://schemas.microsoft.com/VisualStudio/2011/storyboarding/control">
-  <Id Name="System.Storyboarding.Common.DatePicker" Revision="1" Stencil="System.Storyboarding.Common" StencilVersion="0.1"/>
+  <Id Name="System.Storyboarding.Common.Text" Revision="1" Stencil="System.Storyboarding.Common" StencilVersion="0.1"/>
 </Control>
 </file>
 
 <file path=customXml/item78.xml><?xml version="1.0" encoding="utf-8"?>
 <Control xmlns="http://schemas.microsoft.com/VisualStudio/2011/storyboarding/control">
-  <Id Name="System.Storyboarding.Common.MousePointer" Revision="1" Stencil="System.Storyboarding.Common" StencilVersion="0.1"/>
+  <Id Name="System.Storyboarding.WindowsPhone.PageTitle" Revision="1" Stencil="System.Storyboarding.WindowsPhone" StencilVersion="0.1"/>
 </Control>
 </file>
 
 <file path=customXml/item79.xml><?xml version="1.0" encoding="utf-8"?>
+<Control xmlns="http://schemas.microsoft.com/VisualStudio/2011/storyboarding/control">
+  <Id Name="System.Storyboarding.WindowsApps.WindowsAppsTileWideSmall" Revision="1" Stencil="System.Storyboarding.WindowsApps" StencilVersion="0.1"/>
+</Control>
+</file>
+
+<file path=customXml/item8.xml><?xml version="1.0" encoding="utf-8"?>
+<Control xmlns="http://schemas.microsoft.com/VisualStudio/2011/storyboarding/control">
+  <Id Name="System.Storyboarding.Common.RadioButtonSelected" Revision="1" Stencil="System.Storyboarding.Common" StencilVersion="0.1"/>
+</Control>
+</file>
+
+<file path=customXml/item80.xml><?xml version="1.0" encoding="utf-8"?>
+<Control xmlns="http://schemas.microsoft.com/VisualStudio/2011/storyboarding/control">
+  <Id Name="System.Storyboarding.Icons.Copy" Revision="1" Stencil="System.Storyboarding.Icons" StencilVersion="0.1"/>
+</Control>
+</file>
+
+<file path=customXml/item81.xml><?xml version="1.0" encoding="utf-8"?>
+<Control xmlns="http://schemas.microsoft.com/VisualStudio/2011/storyboarding/control">
+  <Id Name="System.Storyboarding.WindowsApps.WindowsAppsTileWideSmall" Revision="1" Stencil="System.Storyboarding.WindowsApps" StencilVersion="0.1"/>
+</Control>
+</file>
+
+<file path=customXml/item82.xml><?xml version="1.0" encoding="utf-8"?>
+<Control xmlns="http://schemas.microsoft.com/VisualStudio/2011/storyboarding/control">
+  <Id Name="System.Storyboarding.WindowsApps.WindowsAppsMediumWideTile" Revision="1" Stencil="System.Storyboarding.WindowsApps" StencilVersion="0.1"/>
+</Control>
+</file>
+
+<file path=customXml/item83.xml><?xml version="1.0" encoding="utf-8"?>
+<Control xmlns="http://schemas.microsoft.com/VisualStudio/2011/storyboarding/control">
+  <Id Name="System.Storyboarding.Common.ScrollbarVertical" Revision="1" Stencil="System.Storyboarding.Common" StencilVersion="0.1"/>
+</Control>
+</file>
+
+<file path=customXml/item84.xml><?xml version="1.0" encoding="utf-8"?>
+<Control xmlns="http://schemas.microsoft.com/VisualStudio/2011/storyboarding/control">
+  <Id Name="System.Storyboarding.WindowsApps.WindowsAppsContextMenu" Revision="1" Stencil="System.Storyboarding.WindowsApps" StencilVersion="0.1"/>
+</Control>
+</file>
+
+<file path=customXml/item85.xml><?xml version="1.0" encoding="utf-8"?>
+<Control xmlns="http://schemas.microsoft.com/VisualStudio/2011/storyboarding/control">
+  <Id Name="System.Storyboarding.WindowsAppIcons.Plus" Revision="1" Stencil="System.Storyboarding.WindowsAppIcons" StencilVersion="0.1"/>
+</Control>
+</file>
+
+<file path=customXml/item86.xml><?xml version="1.0" encoding="utf-8"?>
+<Control xmlns="http://schemas.microsoft.com/VisualStudio/2011/storyboarding/control">
+  <Id Name="System.Storyboarding.Backgrounds.DesktopTaskbar" Revision="1" Stencil="System.Storyboarding.Backgrounds" StencilVersion="0.1"/>
+</Control>
+</file>
+
+<file path=customXml/item87.xml><?xml version="1.0" encoding="utf-8"?>
+<Control xmlns="http://schemas.microsoft.com/VisualStudio/2011/storyboarding/control">
+  <Id Name="System.Storyboarding.WindowsApps.WindowsAppsTileWideSmall" Revision="1" Stencil="System.Storyboarding.WindowsApps" StencilVersion="0.1"/>
+</Control>
+</file>
+
+<file path=customXml/item88.xml><?xml version="1.0" encoding="utf-8"?>
+<Control xmlns="http://schemas.microsoft.com/VisualStudio/2011/storyboarding/control">
+  <Id Name="System.Storyboarding.WindowsApps.WindowsAppsTileWideSmall" Revision="1" Stencil="System.Storyboarding.WindowsApps" StencilVersion="0.1"/>
+</Control>
+</file>
+
+<file path=customXml/item89.xml><?xml version="1.0" encoding="utf-8"?>
 <Control xmlns="http://schemas.microsoft.com/VisualStudio/2011/storyboarding/control">
   <Id Name="System.Storyboarding.Common.TextInput" Revision="1" Stencil="System.Storyboarding.Common" StencilVersion="0.1"/>
 </Control>
 </file>
 
-<file path=customXml/item8.xml><?xml version="1.0" encoding="utf-8"?>
+<file path=customXml/item9.xml><?xml version="1.0" encoding="utf-8"?>
 <Control xmlns="http://schemas.microsoft.com/VisualStudio/2011/storyboarding/control">
-  <Id Name="System.Storyboarding.WindowsApps.WindowsAppsTileMedium" Revision="1" Stencil="System.Storyboarding.WindowsApps" StencilVersion="0.1"/>
+  <Id Name="System.Storyboarding.Backgrounds.DesktopTaskbar" Revision="1" Stencil="System.Storyboarding.Backgrounds" StencilVersion="0.1"/>
 </Control>
 </file>
 
-<file path=customXml/item80.xml><?xml version="1.0" encoding="utf-8"?>
-<Control xmlns="http://schemas.microsoft.com/VisualStudio/2011/storyboarding/control">
-  <Id Name="System.Storyboarding.WindowsApps.WindowsAppsButton" Revision="1" Stencil="System.Storyboarding.WindowsApps" StencilVersion="0.1"/>
-</Control>
-</file>
-
-<file path=customXml/item81.xml><?xml version="1.0" encoding="utf-8"?>
-<Control xmlns="http://schemas.microsoft.com/VisualStudio/2011/storyboarding/control">
-  <Id Name="System.Storyboarding.Backgrounds.WebBrowser" Revision="1" Stencil="System.Storyboarding.Backgrounds" StencilVersion="0.1"/>
-</Control>
-</file>
-
-<file path=customXml/item82.xml><?xml version="1.0" encoding="utf-8"?>
-<Control xmlns="http://schemas.microsoft.com/VisualStudio/2011/storyboarding/control">
-  <Id Name="System.Storyboarding.WindowsApps.WindowsAppsTileWideSmall" Revision="1" Stencil="System.Storyboarding.WindowsApps" StencilVersion="0.1"/>
-</Control>
-</file>
-
-<file path=customXml/item83.xml><?xml version="1.0" encoding="utf-8"?>
-<Control xmlns="http://schemas.microsoft.com/VisualStudio/2011/storyboarding/control">
-  <Id Name="System.Storyboarding.Media.VerticalBarChart" Revision="1" Stencil="System.Storyboarding.Media" StencilVersion="0.1"/>
-</Control>
-</file>
-
-<file path=customXml/item84.xml><?xml version="1.0" encoding="utf-8"?>
-<Control xmlns="http://schemas.microsoft.com/VisualStudio/2011/storyboarding/control">
-  <Id Name="System.Storyboarding.Media.PieChart" Revision="1" Stencil="System.Storyboarding.Media" StencilVersion="0.1"/>
-</Control>
-</file>
-
-<file path=customXml/item85.xml><?xml version="1.0" encoding="utf-8"?>
-<Control xmlns="http://schemas.microsoft.com/VisualStudio/2011/storyboarding/control">
-  <Id Name="System.Storyboarding.WindowsApps.WindowsAppsButton" Revision="1" Stencil="System.Storyboarding.WindowsApps" StencilVersion="0.1"/>
-</Control>
-</file>
-
-<file path=customXml/item86.xml><?xml version="1.0" encoding="utf-8"?>
-<Control xmlns="http://schemas.microsoft.com/VisualStudio/2011/storyboarding/control">
-  <Id Name="System.Storyboarding.Common.Text" Revision="1" Stencil="System.Storyboarding.Common" StencilVersion="0.1"/>
-</Control>
-</file>
-
-<file path=customXml/item87.xml><?xml version="1.0" encoding="utf-8"?>
+<file path=customXml/item90.xml><?xml version="1.0" encoding="utf-8"?>
 <Control xmlns="http://schemas.microsoft.com/VisualStudio/2011/storyboarding/control">
   <Id Name="System.Storyboarding.Common.TextInput" Revision="1" Stencil="System.Storyboarding.Common" StencilVersion="0.1"/>
-</Control>
-</file>
-
-<file path=customXml/item88.xml><?xml version="1.0" encoding="utf-8"?>
-<Control xmlns="http://schemas.microsoft.com/VisualStudio/2011/storyboarding/control">
-  <Id Name="System.Storyboarding.Common.RadioButtonUnselected" Revision="1" Stencil="System.Storyboarding.Common" StencilVersion="0.1"/>
-</Control>
-</file>
-
-<file path=customXml/item89.xml><?xml version="1.0" encoding="utf-8"?>
-<Control xmlns="http://schemas.microsoft.com/VisualStudio/2011/storyboarding/control">
-  <Id Name="System.Storyboarding.Common.RadioButtonSelected" Revision="1" Stencil="System.Storyboarding.Common" StencilVersion="0.1"/>
-</Control>
-</file>
-
-<file path=customXml/item9.xml><?xml version="1.0" encoding="utf-8"?>
-<Control xmlns="http://schemas.microsoft.com/VisualStudio/2011/storyboarding/control">
-  <Id Name="System.Storyboarding.Common.Text" Revision="1" Stencil="System.Storyboarding.Common" StencilVersion="0.1"/>
-</Control>
-</file>
-
-<file path=customXml/item90.xml><?xml version="1.0" encoding="utf-8"?>
-<Control xmlns="http://schemas.microsoft.com/VisualStudio/2011/storyboarding/control">
-  <Id Name="System.Storyboarding.Common.Text" Revision="1" Stencil="System.Storyboarding.Common" StencilVersion="0.1"/>
 </Control>
 </file>
 
@@ -10737,31 +14774,31 @@
 
 <file path=customXml/item92.xml><?xml version="1.0" encoding="utf-8"?>
 <Control xmlns="http://schemas.microsoft.com/VisualStudio/2011/storyboarding/control">
-  <Id Name="System.Storyboarding.Common.TextInput" Revision="1" Stencil="System.Storyboarding.Common" StencilVersion="0.1"/>
+  <Id Name="System.Storyboarding.Common.Text" Revision="1" Stencil="System.Storyboarding.Common" StencilVersion="0.1"/>
 </Control>
 </file>
 
 <file path=customXml/item93.xml><?xml version="1.0" encoding="utf-8"?>
 <Control xmlns="http://schemas.microsoft.com/VisualStudio/2011/storyboarding/control">
-  <Id Name="System.Storyboarding.WindowsAppIcons.Like" Revision="1" Stencil="System.Storyboarding.WindowsAppIcons" StencilVersion="0.1"/>
+  <Id Name="System.Storyboarding.Common.CheckBoxUnchecked" Revision="1" Stencil="System.Storyboarding.Common" StencilVersion="0.1"/>
 </Control>
 </file>
 
 <file path=customXml/item94.xml><?xml version="1.0" encoding="utf-8"?>
 <Control xmlns="http://schemas.microsoft.com/VisualStudio/2011/storyboarding/control">
-  <Id Name="System.Storyboarding.Common.RadioButtonSelected" Revision="1" Stencil="System.Storyboarding.Common" StencilVersion="0.1"/>
+  <Id Name="System.Storyboarding.Common.CheckBoxUnchecked" Revision="1" Stencil="System.Storyboarding.Common" StencilVersion="0.1"/>
 </Control>
 </file>
 
 <file path=customXml/item95.xml><?xml version="1.0" encoding="utf-8"?>
 <Control xmlns="http://schemas.microsoft.com/VisualStudio/2011/storyboarding/control">
-  <Id Name="System.Storyboarding.Media.Image" Revision="1" Stencil="System.Storyboarding.Media" StencilVersion="0.1"/>
+  <Id Name="System.Storyboarding.Common.Text" Revision="1" Stencil="System.Storyboarding.Common" StencilVersion="0.1"/>
 </Control>
 </file>
 
 <file path=customXml/item96.xml><?xml version="1.0" encoding="utf-8"?>
 <Control xmlns="http://schemas.microsoft.com/VisualStudio/2011/storyboarding/control">
-  <Id Name="System.Storyboarding.Common.Text" Revision="1" Stencil="System.Storyboarding.Common" StencilVersion="0.1"/>
+  <Id Name="System.Storyboarding.Common.Button" Revision="1" Stencil="System.Storyboarding.Common" StencilVersion="0.1"/>
 </Control>
 </file>
 
@@ -10773,7 +14810,7 @@
 
 <file path=customXml/item98.xml><?xml version="1.0" encoding="utf-8"?>
 <Control xmlns="http://schemas.microsoft.com/VisualStudio/2011/storyboarding/control">
-  <Id Name="32035d07-bc66-4a79-8001-2507012193e3" RevisionId="7f6cc906-8fab-4878-8f41-90bcdc4e860e" Stencil="172d6d98-e5c9-42e9-a209-79f7a94bbd38" StencilRevisionId="00000000-0000-0000-0000-000000000000" StencilVersion="0.0"/>
+  <Id Name="System.Storyboarding.Common.MousePointer" Revision="1" Stencil="System.Storyboarding.Common" StencilVersion="0.1"/>
 </Control>
 </file>
 
@@ -10784,6 +14821,14 @@
 </file>
 
 <file path=customXml/itemProps1.xml><?xml version="1.0" encoding="utf-8"?>
+<ds:datastoreItem xmlns:ds="http://schemas.openxmlformats.org/officeDocument/2006/customXml" ds:itemID="{D2AAAC7E-0A85-448C-BEAF-FB2E1B4987CA}">
+  <ds:schemaRefs>
+    <ds:schemaRef ds:uri="http://schemas.microsoft.com/VisualStudio/2011/storyboarding/control"/>
+  </ds:schemaRefs>
+</ds:datastoreItem>
+</file>
+
+<file path=customXml/itemProps10.xml><?xml version="1.0" encoding="utf-8"?>
 <ds:datastoreItem xmlns:ds="http://schemas.openxmlformats.org/officeDocument/2006/customXml" ds:itemID="{C5822030-9D10-4417-BB70-A547D778BA9D}">
   <ds:schemaRefs>
     <ds:schemaRef ds:uri="http://schemas.microsoft.com/VisualStudio/2011/storyboarding/control"/>
@@ -10791,23 +14836,87 @@
 </ds:datastoreItem>
 </file>
 
-<file path=customXml/itemProps10.xml><?xml version="1.0" encoding="utf-8"?>
-<ds:datastoreItem xmlns:ds="http://schemas.openxmlformats.org/officeDocument/2006/customXml" ds:itemID="{8A555954-45BE-4EEE-9F3C-9C997F6D1BA3}">
+<file path=customXml/itemProps100.xml><?xml version="1.0" encoding="utf-8"?>
+<ds:datastoreItem xmlns:ds="http://schemas.openxmlformats.org/officeDocument/2006/customXml" ds:itemID="{59AEDDE6-08CE-4516-9790-E1D7499AD12F}">
   <ds:schemaRefs>
     <ds:schemaRef ds:uri="http://schemas.microsoft.com/VisualStudio/2011/storyboarding/control"/>
   </ds:schemaRefs>
 </ds:datastoreItem>
 </file>
 
-<file path=customXml/itemProps100.xml><?xml version="1.0" encoding="utf-8"?>
-<ds:datastoreItem xmlns:ds="http://schemas.openxmlformats.org/officeDocument/2006/customXml" ds:itemID="{554CEDA9-374E-4C76-B97B-7202606AC0BE}">
+<file path=customXml/itemProps101.xml><?xml version="1.0" encoding="utf-8"?>
+<ds:datastoreItem xmlns:ds="http://schemas.openxmlformats.org/officeDocument/2006/customXml" ds:itemID="{D08605C4-AECB-4FFF-9D2C-98990B0DFFDA}">
   <ds:schemaRefs>
     <ds:schemaRef ds:uri="http://schemas.microsoft.com/VisualStudio/2011/storyboarding/control"/>
   </ds:schemaRefs>
 </ds:datastoreItem>
 </file>
 
-<file path=customXml/itemProps101.xml><?xml version="1.0" encoding="utf-8"?>
+<file path=customXml/itemProps102.xml><?xml version="1.0" encoding="utf-8"?>
+<ds:datastoreItem xmlns:ds="http://schemas.openxmlformats.org/officeDocument/2006/customXml" ds:itemID="{8B3DF17E-302B-453F-A2FD-6CDC4C0170AA}">
+  <ds:schemaRefs>
+    <ds:schemaRef ds:uri="http://schemas.microsoft.com/VisualStudio/2011/storyboarding/control"/>
+  </ds:schemaRefs>
+</ds:datastoreItem>
+</file>
+
+<file path=customXml/itemProps103.xml><?xml version="1.0" encoding="utf-8"?>
+<ds:datastoreItem xmlns:ds="http://schemas.openxmlformats.org/officeDocument/2006/customXml" ds:itemID="{5EEABA33-0BE1-47F9-8437-631F1B84355A}">
+  <ds:schemaRefs>
+    <ds:schemaRef ds:uri="http://schemas.microsoft.com/VisualStudio/2011/storyboarding/control"/>
+  </ds:schemaRefs>
+</ds:datastoreItem>
+</file>
+
+<file path=customXml/itemProps104.xml><?xml version="1.0" encoding="utf-8"?>
+<ds:datastoreItem xmlns:ds="http://schemas.openxmlformats.org/officeDocument/2006/customXml" ds:itemID="{AAE9B66C-C51E-45FF-A0AF-F87D4E76C603}">
+  <ds:schemaRefs>
+    <ds:schemaRef ds:uri="http://schemas.microsoft.com/VisualStudio/2011/storyboarding/control"/>
+  </ds:schemaRefs>
+</ds:datastoreItem>
+</file>
+
+<file path=customXml/itemProps105.xml><?xml version="1.0" encoding="utf-8"?>
+<ds:datastoreItem xmlns:ds="http://schemas.openxmlformats.org/officeDocument/2006/customXml" ds:itemID="{A4C33EEA-7075-4651-97E3-4829E38E21EA}">
+  <ds:schemaRefs>
+    <ds:schemaRef ds:uri="http://schemas.microsoft.com/VisualStudio/2011/storyboarding/control"/>
+  </ds:schemaRefs>
+</ds:datastoreItem>
+</file>
+
+<file path=customXml/itemProps106.xml><?xml version="1.0" encoding="utf-8"?>
+<ds:datastoreItem xmlns:ds="http://schemas.openxmlformats.org/officeDocument/2006/customXml" ds:itemID="{0AB71E67-FC2D-421E-B264-47BB552D5A5B}">
+  <ds:schemaRefs>
+    <ds:schemaRef ds:uri="http://schemas.microsoft.com/VisualStudio/2011/storyboarding/control"/>
+  </ds:schemaRefs>
+</ds:datastoreItem>
+</file>
+
+<file path=customXml/itemProps107.xml><?xml version="1.0" encoding="utf-8"?>
+<ds:datastoreItem xmlns:ds="http://schemas.openxmlformats.org/officeDocument/2006/customXml" ds:itemID="{BB9D8331-A5A0-4DC8-BED7-F17D94CE02E8}">
+  <ds:schemaRefs>
+    <ds:schemaRef ds:uri="http://schemas.microsoft.com/VisualStudio/2011/storyboarding/control"/>
+  </ds:schemaRefs>
+</ds:datastoreItem>
+</file>
+
+<file path=customXml/itemProps108.xml><?xml version="1.0" encoding="utf-8"?>
+<ds:datastoreItem xmlns:ds="http://schemas.openxmlformats.org/officeDocument/2006/customXml" ds:itemID="{C7B0D7AD-32DF-4953-89C9-C834F6010560}">
+  <ds:schemaRefs>
+    <ds:schemaRef ds:uri="http://schemas.microsoft.com/VisualStudio/2011/storyboarding/control"/>
+  </ds:schemaRefs>
+</ds:datastoreItem>
+</file>
+
+<file path=customXml/itemProps109.xml><?xml version="1.0" encoding="utf-8"?>
+<ds:datastoreItem xmlns:ds="http://schemas.openxmlformats.org/officeDocument/2006/customXml" ds:itemID="{790E7F39-81D7-4FDD-A0B5-0716A2AE74B2}">
+  <ds:schemaRefs>
+    <ds:schemaRef ds:uri="http://schemas.microsoft.com/VisualStudio/2011/storyboarding/control"/>
+  </ds:schemaRefs>
+</ds:datastoreItem>
+</file>
+
+<file path=customXml/itemProps11.xml><?xml version="1.0" encoding="utf-8"?>
 <ds:datastoreItem xmlns:ds="http://schemas.openxmlformats.org/officeDocument/2006/customXml" ds:itemID="{CF586D09-EEB6-4A49-AAE1-88E826EEDC73}">
   <ds:schemaRefs>
     <ds:schemaRef ds:uri="http://schemas.microsoft.com/VisualStudio/2011/storyboarding/control"/>
@@ -10815,15 +14924,471 @@
 </ds:datastoreItem>
 </file>
 
-<file path=customXml/itemProps102.xml><?xml version="1.0" encoding="utf-8"?>
-<ds:datastoreItem xmlns:ds="http://schemas.openxmlformats.org/officeDocument/2006/customXml" ds:itemID="{D2AAAC7E-0A85-448C-BEAF-FB2E1B4987CA}">
+<file path=customXml/itemProps110.xml><?xml version="1.0" encoding="utf-8"?>
+<ds:datastoreItem xmlns:ds="http://schemas.openxmlformats.org/officeDocument/2006/customXml" ds:itemID="{623F5871-F525-4D45-8757-C0B70863AD81}">
   <ds:schemaRefs>
     <ds:schemaRef ds:uri="http://schemas.microsoft.com/VisualStudio/2011/storyboarding/control"/>
   </ds:schemaRefs>
 </ds:datastoreItem>
 </file>
 
-<file path=customXml/itemProps103.xml><?xml version="1.0" encoding="utf-8"?>
+<file path=customXml/itemProps111.xml><?xml version="1.0" encoding="utf-8"?>
+<ds:datastoreItem xmlns:ds="http://schemas.openxmlformats.org/officeDocument/2006/customXml" ds:itemID="{1C9E4718-660A-46FF-B326-15E4FE359C0C}">
+  <ds:schemaRefs>
+    <ds:schemaRef ds:uri="http://schemas.microsoft.com/VisualStudio/2011/storyboarding/control"/>
+  </ds:schemaRefs>
+</ds:datastoreItem>
+</file>
+
+<file path=customXml/itemProps112.xml><?xml version="1.0" encoding="utf-8"?>
+<ds:datastoreItem xmlns:ds="http://schemas.openxmlformats.org/officeDocument/2006/customXml" ds:itemID="{FF00F683-10CA-4344-BB02-557AFC229713}">
+  <ds:schemaRefs>
+    <ds:schemaRef ds:uri="http://schemas.microsoft.com/VisualStudio/2011/storyboarding/control"/>
+  </ds:schemaRefs>
+</ds:datastoreItem>
+</file>
+
+<file path=customXml/itemProps113.xml><?xml version="1.0" encoding="utf-8"?>
+<ds:datastoreItem xmlns:ds="http://schemas.openxmlformats.org/officeDocument/2006/customXml" ds:itemID="{51D515F3-5B60-4F94-84C8-4468FC08CD50}">
+  <ds:schemaRefs>
+    <ds:schemaRef ds:uri="http://schemas.microsoft.com/VisualStudio/2011/storyboarding/control"/>
+  </ds:schemaRefs>
+</ds:datastoreItem>
+</file>
+
+<file path=customXml/itemProps114.xml><?xml version="1.0" encoding="utf-8"?>
+<ds:datastoreItem xmlns:ds="http://schemas.openxmlformats.org/officeDocument/2006/customXml" ds:itemID="{4AA25D42-EDA7-4712-8354-F682B1D61ABE}">
+  <ds:schemaRefs>
+    <ds:schemaRef ds:uri="http://schemas.microsoft.com/VisualStudio/2011/storyboarding/control"/>
+  </ds:schemaRefs>
+</ds:datastoreItem>
+</file>
+
+<file path=customXml/itemProps115.xml><?xml version="1.0" encoding="utf-8"?>
+<ds:datastoreItem xmlns:ds="http://schemas.openxmlformats.org/officeDocument/2006/customXml" ds:itemID="{24046DC5-38AC-4C0E-A7BD-7BA62F64ED8D}">
+  <ds:schemaRefs>
+    <ds:schemaRef ds:uri="http://schemas.microsoft.com/VisualStudio/2011/storyboarding/control"/>
+  </ds:schemaRefs>
+</ds:datastoreItem>
+</file>
+
+<file path=customXml/itemProps116.xml><?xml version="1.0" encoding="utf-8"?>
+<ds:datastoreItem xmlns:ds="http://schemas.openxmlformats.org/officeDocument/2006/customXml" ds:itemID="{D321552F-2375-40A6-A02F-FC27787D42F1}">
+  <ds:schemaRefs>
+    <ds:schemaRef ds:uri="http://schemas.microsoft.com/VisualStudio/2011/storyboarding/control"/>
+  </ds:schemaRefs>
+</ds:datastoreItem>
+</file>
+
+<file path=customXml/itemProps117.xml><?xml version="1.0" encoding="utf-8"?>
+<ds:datastoreItem xmlns:ds="http://schemas.openxmlformats.org/officeDocument/2006/customXml" ds:itemID="{DD4B0EF4-5BAE-4815-B342-64E17EEBDB97}">
+  <ds:schemaRefs>
+    <ds:schemaRef ds:uri="http://schemas.microsoft.com/VisualStudio/2011/storyboarding/control"/>
+  </ds:schemaRefs>
+</ds:datastoreItem>
+</file>
+
+<file path=customXml/itemProps118.xml><?xml version="1.0" encoding="utf-8"?>
+<ds:datastoreItem xmlns:ds="http://schemas.openxmlformats.org/officeDocument/2006/customXml" ds:itemID="{33F9E1D4-170C-4DAF-A4E9-B2F1E33BDA51}">
+  <ds:schemaRefs>
+    <ds:schemaRef ds:uri="http://schemas.microsoft.com/VisualStudio/2011/storyboarding/control"/>
+  </ds:schemaRefs>
+</ds:datastoreItem>
+</file>
+
+<file path=customXml/itemProps119.xml><?xml version="1.0" encoding="utf-8"?>
+<ds:datastoreItem xmlns:ds="http://schemas.openxmlformats.org/officeDocument/2006/customXml" ds:itemID="{68BF0817-02E7-4175-AEC7-8477E7F612E9}">
+  <ds:schemaRefs>
+    <ds:schemaRef ds:uri="http://schemas.microsoft.com/VisualStudio/2011/storyboarding/control"/>
+  </ds:schemaRefs>
+</ds:datastoreItem>
+</file>
+
+<file path=customXml/itemProps12.xml><?xml version="1.0" encoding="utf-8"?>
+<ds:datastoreItem xmlns:ds="http://schemas.openxmlformats.org/officeDocument/2006/customXml" ds:itemID="{67BB8CBF-A728-42E4-ACB8-9EB900796758}">
+  <ds:schemaRefs>
+    <ds:schemaRef ds:uri="http://schemas.microsoft.com/VisualStudio/2011/storyboarding/control"/>
+  </ds:schemaRefs>
+</ds:datastoreItem>
+</file>
+
+<file path=customXml/itemProps120.xml><?xml version="1.0" encoding="utf-8"?>
+<ds:datastoreItem xmlns:ds="http://schemas.openxmlformats.org/officeDocument/2006/customXml" ds:itemID="{19219105-B97A-44AD-8E8F-0F014E4D5F2F}">
+  <ds:schemaRefs>
+    <ds:schemaRef ds:uri="http://schemas.microsoft.com/VisualStudio/2011/storyboarding/control"/>
+  </ds:schemaRefs>
+</ds:datastoreItem>
+</file>
+
+<file path=customXml/itemProps121.xml><?xml version="1.0" encoding="utf-8"?>
+<ds:datastoreItem xmlns:ds="http://schemas.openxmlformats.org/officeDocument/2006/customXml" ds:itemID="{952516C9-92F1-4F3E-8CAE-34A561EA713F}">
+  <ds:schemaRefs>
+    <ds:schemaRef ds:uri="http://schemas.microsoft.com/VisualStudio/2011/storyboarding/control"/>
+  </ds:schemaRefs>
+</ds:datastoreItem>
+</file>
+
+<file path=customXml/itemProps122.xml><?xml version="1.0" encoding="utf-8"?>
+<ds:datastoreItem xmlns:ds="http://schemas.openxmlformats.org/officeDocument/2006/customXml" ds:itemID="{77104134-B524-4624-9201-ECD829C881BD}">
+  <ds:schemaRefs>
+    <ds:schemaRef ds:uri="http://schemas.microsoft.com/VisualStudio/2011/storyboarding/control"/>
+  </ds:schemaRefs>
+</ds:datastoreItem>
+</file>
+
+<file path=customXml/itemProps123.xml><?xml version="1.0" encoding="utf-8"?>
+<ds:datastoreItem xmlns:ds="http://schemas.openxmlformats.org/officeDocument/2006/customXml" ds:itemID="{03653E92-1616-42CD-8288-0A4EBB2CAA1C}">
+  <ds:schemaRefs>
+    <ds:schemaRef ds:uri="http://schemas.microsoft.com/VisualStudio/2011/storyboarding/control"/>
+  </ds:schemaRefs>
+</ds:datastoreItem>
+</file>
+
+<file path=customXml/itemProps124.xml><?xml version="1.0" encoding="utf-8"?>
+<ds:datastoreItem xmlns:ds="http://schemas.openxmlformats.org/officeDocument/2006/customXml" ds:itemID="{FE6E328A-6A73-4FA6-A99D-5520E55E5B7D}">
+  <ds:schemaRefs>
+    <ds:schemaRef ds:uri="http://schemas.microsoft.com/VisualStudio/2011/storyboarding/control"/>
+  </ds:schemaRefs>
+</ds:datastoreItem>
+</file>
+
+<file path=customXml/itemProps125.xml><?xml version="1.0" encoding="utf-8"?>
+<ds:datastoreItem xmlns:ds="http://schemas.openxmlformats.org/officeDocument/2006/customXml" ds:itemID="{FE87856E-EB9D-4E52-95E2-2A7B45AA4114}">
+  <ds:schemaRefs>
+    <ds:schemaRef ds:uri="http://schemas.microsoft.com/VisualStudio/2011/storyboarding/control"/>
+  </ds:schemaRefs>
+</ds:datastoreItem>
+</file>
+
+<file path=customXml/itemProps126.xml><?xml version="1.0" encoding="utf-8"?>
+<ds:datastoreItem xmlns:ds="http://schemas.openxmlformats.org/officeDocument/2006/customXml" ds:itemID="{A4CF0BF1-C47D-4DEC-B943-A1B6DFD73BA3}">
+  <ds:schemaRefs>
+    <ds:schemaRef ds:uri="http://schemas.microsoft.com/VisualStudio/2011/storyboarding/control"/>
+  </ds:schemaRefs>
+</ds:datastoreItem>
+</file>
+
+<file path=customXml/itemProps127.xml><?xml version="1.0" encoding="utf-8"?>
+<ds:datastoreItem xmlns:ds="http://schemas.openxmlformats.org/officeDocument/2006/customXml" ds:itemID="{F106C237-6442-4C6C-BC17-BABD6E81E57F}">
+  <ds:schemaRefs>
+    <ds:schemaRef ds:uri="http://schemas.microsoft.com/VisualStudio/2011/storyboarding/control"/>
+  </ds:schemaRefs>
+</ds:datastoreItem>
+</file>
+
+<file path=customXml/itemProps128.xml><?xml version="1.0" encoding="utf-8"?>
+<ds:datastoreItem xmlns:ds="http://schemas.openxmlformats.org/officeDocument/2006/customXml" ds:itemID="{D5754EE6-BC91-4A98-A9DF-8FF792B0AA43}">
+  <ds:schemaRefs>
+    <ds:schemaRef ds:uri="http://schemas.microsoft.com/VisualStudio/2011/storyboarding/control"/>
+  </ds:schemaRefs>
+</ds:datastoreItem>
+</file>
+
+<file path=customXml/itemProps129.xml><?xml version="1.0" encoding="utf-8"?>
+<ds:datastoreItem xmlns:ds="http://schemas.openxmlformats.org/officeDocument/2006/customXml" ds:itemID="{73ABD768-CB5D-46A4-A597-4A94DA70A531}">
+  <ds:schemaRefs>
+    <ds:schemaRef ds:uri="http://schemas.microsoft.com/VisualStudio/2011/storyboarding/control"/>
+  </ds:schemaRefs>
+</ds:datastoreItem>
+</file>
+
+<file path=customXml/itemProps13.xml><?xml version="1.0" encoding="utf-8"?>
+<ds:datastoreItem xmlns:ds="http://schemas.openxmlformats.org/officeDocument/2006/customXml" ds:itemID="{ED7BDB59-BF74-409B-8509-C9B8AF445363}">
+  <ds:schemaRefs>
+    <ds:schemaRef ds:uri="http://schemas.microsoft.com/VisualStudio/2011/storyboarding/control"/>
+  </ds:schemaRefs>
+</ds:datastoreItem>
+</file>
+
+<file path=customXml/itemProps130.xml><?xml version="1.0" encoding="utf-8"?>
+<ds:datastoreItem xmlns:ds="http://schemas.openxmlformats.org/officeDocument/2006/customXml" ds:itemID="{192B0C59-AF18-4932-A8CE-C28065725D2A}">
+  <ds:schemaRefs>
+    <ds:schemaRef ds:uri="http://schemas.microsoft.com/VisualStudio/2011/storyboarding/control"/>
+  </ds:schemaRefs>
+</ds:datastoreItem>
+</file>
+
+<file path=customXml/itemProps131.xml><?xml version="1.0" encoding="utf-8"?>
+<ds:datastoreItem xmlns:ds="http://schemas.openxmlformats.org/officeDocument/2006/customXml" ds:itemID="{A6CB5F7F-1B30-4371-AA4A-C09705431B7C}">
+  <ds:schemaRefs>
+    <ds:schemaRef ds:uri="http://schemas.microsoft.com/VisualStudio/2011/storyboarding/control"/>
+  </ds:schemaRefs>
+</ds:datastoreItem>
+</file>
+
+<file path=customXml/itemProps132.xml><?xml version="1.0" encoding="utf-8"?>
+<ds:datastoreItem xmlns:ds="http://schemas.openxmlformats.org/officeDocument/2006/customXml" ds:itemID="{8034C046-287A-40CC-BFAD-DD9798F69203}">
+  <ds:schemaRefs>
+    <ds:schemaRef ds:uri="http://schemas.microsoft.com/VisualStudio/2011/storyboarding/control"/>
+  </ds:schemaRefs>
+</ds:datastoreItem>
+</file>
+
+<file path=customXml/itemProps133.xml><?xml version="1.0" encoding="utf-8"?>
+<ds:datastoreItem xmlns:ds="http://schemas.openxmlformats.org/officeDocument/2006/customXml" ds:itemID="{00D2AA4F-29E2-4A16-BE2A-B2E1781BC260}">
+  <ds:schemaRefs>
+    <ds:schemaRef ds:uri="http://schemas.microsoft.com/VisualStudio/2011/storyboarding/control"/>
+  </ds:schemaRefs>
+</ds:datastoreItem>
+</file>
+
+<file path=customXml/itemProps134.xml><?xml version="1.0" encoding="utf-8"?>
+<ds:datastoreItem xmlns:ds="http://schemas.openxmlformats.org/officeDocument/2006/customXml" ds:itemID="{AA234BDC-12CC-4725-B78F-BD23529D0FB4}">
+  <ds:schemaRefs>
+    <ds:schemaRef ds:uri="http://schemas.microsoft.com/VisualStudio/2011/storyboarding/control"/>
+  </ds:schemaRefs>
+</ds:datastoreItem>
+</file>
+
+<file path=customXml/itemProps135.xml><?xml version="1.0" encoding="utf-8"?>
+<ds:datastoreItem xmlns:ds="http://schemas.openxmlformats.org/officeDocument/2006/customXml" ds:itemID="{7A89DD74-282D-41A7-98AD-61383871195E}">
+  <ds:schemaRefs>
+    <ds:schemaRef ds:uri="http://schemas.microsoft.com/VisualStudio/2011/storyboarding/control"/>
+  </ds:schemaRefs>
+</ds:datastoreItem>
+</file>
+
+<file path=customXml/itemProps136.xml><?xml version="1.0" encoding="utf-8"?>
+<ds:datastoreItem xmlns:ds="http://schemas.openxmlformats.org/officeDocument/2006/customXml" ds:itemID="{D9DDD41F-7524-4A14-A6F5-F6220B14545E}">
+  <ds:schemaRefs>
+    <ds:schemaRef ds:uri="http://schemas.microsoft.com/VisualStudio/2011/storyboarding/control"/>
+  </ds:schemaRefs>
+</ds:datastoreItem>
+</file>
+
+<file path=customXml/itemProps137.xml><?xml version="1.0" encoding="utf-8"?>
+<ds:datastoreItem xmlns:ds="http://schemas.openxmlformats.org/officeDocument/2006/customXml" ds:itemID="{D9AA3C08-4DA4-4FFF-AE51-25D9FD5C0DBF}">
+  <ds:schemaRefs>
+    <ds:schemaRef ds:uri="http://schemas.microsoft.com/VisualStudio/2011/storyboarding/control"/>
+  </ds:schemaRefs>
+</ds:datastoreItem>
+</file>
+
+<file path=customXml/itemProps138.xml><?xml version="1.0" encoding="utf-8"?>
+<ds:datastoreItem xmlns:ds="http://schemas.openxmlformats.org/officeDocument/2006/customXml" ds:itemID="{6EF31828-B1D4-48CE-A1B2-9C0A5D142D1E}">
+  <ds:schemaRefs>
+    <ds:schemaRef ds:uri="http://schemas.microsoft.com/VisualStudio/2011/storyboarding/control"/>
+  </ds:schemaRefs>
+</ds:datastoreItem>
+</file>
+
+<file path=customXml/itemProps139.xml><?xml version="1.0" encoding="utf-8"?>
+<ds:datastoreItem xmlns:ds="http://schemas.openxmlformats.org/officeDocument/2006/customXml" ds:itemID="{BB503869-44CE-4F73-B2F9-2E68C6092DF4}">
+  <ds:schemaRefs>
+    <ds:schemaRef ds:uri="http://schemas.microsoft.com/VisualStudio/2011/storyboarding/control"/>
+  </ds:schemaRefs>
+</ds:datastoreItem>
+</file>
+
+<file path=customXml/itemProps14.xml><?xml version="1.0" encoding="utf-8"?>
+<ds:datastoreItem xmlns:ds="http://schemas.openxmlformats.org/officeDocument/2006/customXml" ds:itemID="{033417FC-F4DF-440B-9750-AC9CEE9D4DD6}">
+  <ds:schemaRefs>
+    <ds:schemaRef ds:uri="http://schemas.microsoft.com/VisualStudio/2011/storyboarding/control"/>
+  </ds:schemaRefs>
+</ds:datastoreItem>
+</file>
+
+<file path=customXml/itemProps140.xml><?xml version="1.0" encoding="utf-8"?>
+<ds:datastoreItem xmlns:ds="http://schemas.openxmlformats.org/officeDocument/2006/customXml" ds:itemID="{33EA19CF-64F4-42CF-A3DD-7DE1682232E2}">
+  <ds:schemaRefs>
+    <ds:schemaRef ds:uri="http://schemas.microsoft.com/VisualStudio/2011/storyboarding/control"/>
+  </ds:schemaRefs>
+</ds:datastoreItem>
+</file>
+
+<file path=customXml/itemProps141.xml><?xml version="1.0" encoding="utf-8"?>
+<ds:datastoreItem xmlns:ds="http://schemas.openxmlformats.org/officeDocument/2006/customXml" ds:itemID="{E64EFAA4-8D4E-4E3D-90B4-CEBC661B0435}">
+  <ds:schemaRefs>
+    <ds:schemaRef ds:uri="http://schemas.microsoft.com/VisualStudio/2011/storyboarding/control"/>
+  </ds:schemaRefs>
+</ds:datastoreItem>
+</file>
+
+<file path=customXml/itemProps142.xml><?xml version="1.0" encoding="utf-8"?>
+<ds:datastoreItem xmlns:ds="http://schemas.openxmlformats.org/officeDocument/2006/customXml" ds:itemID="{DDE8CEAB-FAAF-46B5-9BC4-6BAA48DFB915}">
+  <ds:schemaRefs>
+    <ds:schemaRef ds:uri="http://schemas.microsoft.com/VisualStudio/2011/storyboarding/control"/>
+  </ds:schemaRefs>
+</ds:datastoreItem>
+</file>
+
+<file path=customXml/itemProps143.xml><?xml version="1.0" encoding="utf-8"?>
+<ds:datastoreItem xmlns:ds="http://schemas.openxmlformats.org/officeDocument/2006/customXml" ds:itemID="{4C95C4DB-91BC-4C29-B0A4-0A132577B473}">
+  <ds:schemaRefs>
+    <ds:schemaRef ds:uri="http://schemas.microsoft.com/VisualStudio/2011/storyboarding/control"/>
+  </ds:schemaRefs>
+</ds:datastoreItem>
+</file>
+
+<file path=customXml/itemProps144.xml><?xml version="1.0" encoding="utf-8"?>
+<ds:datastoreItem xmlns:ds="http://schemas.openxmlformats.org/officeDocument/2006/customXml" ds:itemID="{2ADD045D-CBFF-4B66-B7D4-74533078AF4A}">
+  <ds:schemaRefs>
+    <ds:schemaRef ds:uri="http://schemas.microsoft.com/VisualStudio/2011/storyboarding/control"/>
+  </ds:schemaRefs>
+</ds:datastoreItem>
+</file>
+
+<file path=customXml/itemProps145.xml><?xml version="1.0" encoding="utf-8"?>
+<ds:datastoreItem xmlns:ds="http://schemas.openxmlformats.org/officeDocument/2006/customXml" ds:itemID="{327B6332-6001-4577-872B-DD19A445F5F2}">
+  <ds:schemaRefs>
+    <ds:schemaRef ds:uri="http://schemas.microsoft.com/VisualStudio/2011/storyboarding/control"/>
+  </ds:schemaRefs>
+</ds:datastoreItem>
+</file>
+
+<file path=customXml/itemProps146.xml><?xml version="1.0" encoding="utf-8"?>
+<ds:datastoreItem xmlns:ds="http://schemas.openxmlformats.org/officeDocument/2006/customXml" ds:itemID="{7C8FE9CD-1324-4A90-8D4D-0C176F3BCA87}">
+  <ds:schemaRefs>
+    <ds:schemaRef ds:uri="http://schemas.microsoft.com/VisualStudio/2011/storyboarding/control"/>
+  </ds:schemaRefs>
+</ds:datastoreItem>
+</file>
+
+<file path=customXml/itemProps147.xml><?xml version="1.0" encoding="utf-8"?>
+<ds:datastoreItem xmlns:ds="http://schemas.openxmlformats.org/officeDocument/2006/customXml" ds:itemID="{47953D14-6ADC-4DA0-8BCD-D5FB70B1B04A}">
+  <ds:schemaRefs>
+    <ds:schemaRef ds:uri="http://schemas.microsoft.com/VisualStudio/2011/storyboarding/control"/>
+  </ds:schemaRefs>
+</ds:datastoreItem>
+</file>
+
+<file path=customXml/itemProps148.xml><?xml version="1.0" encoding="utf-8"?>
+<ds:datastoreItem xmlns:ds="http://schemas.openxmlformats.org/officeDocument/2006/customXml" ds:itemID="{0BDCEE85-95E9-41B6-B7EA-41FEC8A8955C}">
+  <ds:schemaRefs>
+    <ds:schemaRef ds:uri="http://schemas.microsoft.com/VisualStudio/2011/storyboarding/control"/>
+  </ds:schemaRefs>
+</ds:datastoreItem>
+</file>
+
+<file path=customXml/itemProps149.xml><?xml version="1.0" encoding="utf-8"?>
+<ds:datastoreItem xmlns:ds="http://schemas.openxmlformats.org/officeDocument/2006/customXml" ds:itemID="{0D101840-8B5F-4665-97F6-B5669CAD36B7}">
+  <ds:schemaRefs>
+    <ds:schemaRef ds:uri="http://schemas.microsoft.com/VisualStudio/2011/storyboarding/control"/>
+  </ds:schemaRefs>
+</ds:datastoreItem>
+</file>
+
+<file path=customXml/itemProps15.xml><?xml version="1.0" encoding="utf-8"?>
+<ds:datastoreItem xmlns:ds="http://schemas.openxmlformats.org/officeDocument/2006/customXml" ds:itemID="{5248BC68-ADE7-429D-B013-9195EF7419E9}">
+  <ds:schemaRefs>
+    <ds:schemaRef ds:uri="http://schemas.microsoft.com/VisualStudio/2011/storyboarding/control"/>
+  </ds:schemaRefs>
+</ds:datastoreItem>
+</file>
+
+<file path=customXml/itemProps150.xml><?xml version="1.0" encoding="utf-8"?>
+<ds:datastoreItem xmlns:ds="http://schemas.openxmlformats.org/officeDocument/2006/customXml" ds:itemID="{6BD98E41-6C2F-4D3F-B846-7455C55C7A43}">
+  <ds:schemaRefs>
+    <ds:schemaRef ds:uri="http://schemas.microsoft.com/VisualStudio/2011/storyboarding/control"/>
+  </ds:schemaRefs>
+</ds:datastoreItem>
+</file>
+
+<file path=customXml/itemProps151.xml><?xml version="1.0" encoding="utf-8"?>
+<ds:datastoreItem xmlns:ds="http://schemas.openxmlformats.org/officeDocument/2006/customXml" ds:itemID="{A5C9F535-848A-484D-BE9A-C7950B04C8EE}">
+  <ds:schemaRefs>
+    <ds:schemaRef ds:uri="http://schemas.microsoft.com/VisualStudio/2011/storyboarding/control"/>
+  </ds:schemaRefs>
+</ds:datastoreItem>
+</file>
+
+<file path=customXml/itemProps152.xml><?xml version="1.0" encoding="utf-8"?>
+<ds:datastoreItem xmlns:ds="http://schemas.openxmlformats.org/officeDocument/2006/customXml" ds:itemID="{2DE19DA7-14FB-4A73-97E6-83DF72E609E6}">
+  <ds:schemaRefs>
+    <ds:schemaRef ds:uri="http://schemas.microsoft.com/VisualStudio/2011/storyboarding/control"/>
+  </ds:schemaRefs>
+</ds:datastoreItem>
+</file>
+
+<file path=customXml/itemProps153.xml><?xml version="1.0" encoding="utf-8"?>
+<ds:datastoreItem xmlns:ds="http://schemas.openxmlformats.org/officeDocument/2006/customXml" ds:itemID="{121618E6-4C26-48A5-8411-92B68242A304}">
+  <ds:schemaRefs>
+    <ds:schemaRef ds:uri="http://schemas.microsoft.com/VisualStudio/2011/storyboarding/control"/>
+  </ds:schemaRefs>
+</ds:datastoreItem>
+</file>
+
+<file path=customXml/itemProps154.xml><?xml version="1.0" encoding="utf-8"?>
+<ds:datastoreItem xmlns:ds="http://schemas.openxmlformats.org/officeDocument/2006/customXml" ds:itemID="{14F53810-CFF1-4E60-9021-6AF4EA429CC7}">
+  <ds:schemaRefs>
+    <ds:schemaRef ds:uri="http://schemas.microsoft.com/VisualStudio/2011/storyboarding/control"/>
+  </ds:schemaRefs>
+</ds:datastoreItem>
+</file>
+
+<file path=customXml/itemProps155.xml><?xml version="1.0" encoding="utf-8"?>
+<ds:datastoreItem xmlns:ds="http://schemas.openxmlformats.org/officeDocument/2006/customXml" ds:itemID="{418E8FB6-E3E2-4A78-BD2C-0E4D84C7371E}">
+  <ds:schemaRefs>
+    <ds:schemaRef ds:uri="http://schemas.microsoft.com/VisualStudio/2011/storyboarding/control"/>
+  </ds:schemaRefs>
+</ds:datastoreItem>
+</file>
+
+<file path=customXml/itemProps156.xml><?xml version="1.0" encoding="utf-8"?>
+<ds:datastoreItem xmlns:ds="http://schemas.openxmlformats.org/officeDocument/2006/customXml" ds:itemID="{3390C89E-38DA-49C8-BD78-371C7CC2FE47}">
+  <ds:schemaRefs>
+    <ds:schemaRef ds:uri="http://schemas.microsoft.com/VisualStudio/2011/storyboarding/control"/>
+  </ds:schemaRefs>
+</ds:datastoreItem>
+</file>
+
+<file path=customXml/itemProps157.xml><?xml version="1.0" encoding="utf-8"?>
+<ds:datastoreItem xmlns:ds="http://schemas.openxmlformats.org/officeDocument/2006/customXml" ds:itemID="{4500268E-82D2-458D-9B7A-1DAD9FBEA8F5}">
+  <ds:schemaRefs>
+    <ds:schemaRef ds:uri="http://schemas.microsoft.com/VisualStudio/2011/storyboarding/control"/>
+  </ds:schemaRefs>
+</ds:datastoreItem>
+</file>
+
+<file path=customXml/itemProps16.xml><?xml version="1.0" encoding="utf-8"?>
+<ds:datastoreItem xmlns:ds="http://schemas.openxmlformats.org/officeDocument/2006/customXml" ds:itemID="{AABACF0D-5384-4675-802C-4FFC55B3B83D}">
+  <ds:schemaRefs>
+    <ds:schemaRef ds:uri="http://schemas.microsoft.com/VisualStudio/2011/storyboarding/control"/>
+  </ds:schemaRefs>
+</ds:datastoreItem>
+</file>
+
+<file path=customXml/itemProps17.xml><?xml version="1.0" encoding="utf-8"?>
+<ds:datastoreItem xmlns:ds="http://schemas.openxmlformats.org/officeDocument/2006/customXml" ds:itemID="{B2016F61-92F9-4E0F-A353-39F009FA0B01}">
+  <ds:schemaRefs>
+    <ds:schemaRef ds:uri="http://schemas.microsoft.com/VisualStudio/2011/storyboarding/control"/>
+  </ds:schemaRefs>
+</ds:datastoreItem>
+</file>
+
+<file path=customXml/itemProps18.xml><?xml version="1.0" encoding="utf-8"?>
+<ds:datastoreItem xmlns:ds="http://schemas.openxmlformats.org/officeDocument/2006/customXml" ds:itemID="{B02AE70D-AB27-4B64-9EAF-0217792EF7E1}">
+  <ds:schemaRefs>
+    <ds:schemaRef ds:uri="http://schemas.microsoft.com/VisualStudio/2011/storyboarding/control"/>
+  </ds:schemaRefs>
+</ds:datastoreItem>
+</file>
+
+<file path=customXml/itemProps19.xml><?xml version="1.0" encoding="utf-8"?>
+<ds:datastoreItem xmlns:ds="http://schemas.openxmlformats.org/officeDocument/2006/customXml" ds:itemID="{AE608858-3A79-4E62-9586-14C746DF17FE}">
+  <ds:schemaRefs>
+    <ds:schemaRef ds:uri="http://schemas.microsoft.com/VisualStudio/2011/storyboarding/control"/>
+  </ds:schemaRefs>
+</ds:datastoreItem>
+</file>
+
+<file path=customXml/itemProps2.xml><?xml version="1.0" encoding="utf-8"?>
+<ds:datastoreItem xmlns:ds="http://schemas.openxmlformats.org/officeDocument/2006/customXml" ds:itemID="{9A59C534-A299-402C-BDD6-F5443DFA7893}">
+  <ds:schemaRefs>
+    <ds:schemaRef ds:uri="http://schemas.microsoft.com/VisualStudio/2011/storyboarding/control"/>
+  </ds:schemaRefs>
+</ds:datastoreItem>
+</file>
+
+<file path=customXml/itemProps20.xml><?xml version="1.0" encoding="utf-8"?>
+<ds:datastoreItem xmlns:ds="http://schemas.openxmlformats.org/officeDocument/2006/customXml" ds:itemID="{F5B85250-01CA-403A-BFFD-EDEFCA9E38FF}">
+  <ds:schemaRefs>
+    <ds:schemaRef ds:uri="http://schemas.microsoft.com/VisualStudio/2011/storyboarding/control"/>
+  </ds:schemaRefs>
+</ds:datastoreItem>
+</file>
+
+<file path=customXml/itemProps21.xml><?xml version="1.0" encoding="utf-8"?>
 <ds:datastoreItem xmlns:ds="http://schemas.openxmlformats.org/officeDocument/2006/customXml" ds:itemID="{CD29ED7C-7003-4640-8A56-61BBEE20B1F0}">
   <ds:schemaRefs>
     <ds:schemaRef ds:uri="http://schemas.microsoft.com/VisualStudio/2011/storyboarding/control"/>
@@ -10831,184 +15396,8 @@
 </ds:datastoreItem>
 </file>
 
-<file path=customXml/itemProps104.xml><?xml version="1.0" encoding="utf-8"?>
-<ds:datastoreItem xmlns:ds="http://schemas.openxmlformats.org/officeDocument/2006/customXml" ds:itemID="{69C5573C-4D11-4ED5-8CA8-88391EEEF019}">
-  <ds:schemaRefs>
-    <ds:schemaRef ds:uri="http://schemas.microsoft.com/VisualStudio/2011/storyboarding/control"/>
-  </ds:schemaRefs>
-</ds:datastoreItem>
-</file>
-
-<file path=customXml/itemProps105.xml><?xml version="1.0" encoding="utf-8"?>
-<ds:datastoreItem xmlns:ds="http://schemas.openxmlformats.org/officeDocument/2006/customXml" ds:itemID="{B02AE70D-AB27-4B64-9EAF-0217792EF7E1}">
-  <ds:schemaRefs>
-    <ds:schemaRef ds:uri="http://schemas.microsoft.com/VisualStudio/2011/storyboarding/control"/>
-  </ds:schemaRefs>
-</ds:datastoreItem>
-</file>
-
-<file path=customXml/itemProps106.xml><?xml version="1.0" encoding="utf-8"?>
-<ds:datastoreItem xmlns:ds="http://schemas.openxmlformats.org/officeDocument/2006/customXml" ds:itemID="{7D3F1746-26F3-4D5F-8DB1-4CE59AC409F7}">
-  <ds:schemaRefs>
-    <ds:schemaRef ds:uri="http://schemas.microsoft.com/VisualStudio/2011/storyboarding/control"/>
-  </ds:schemaRefs>
-</ds:datastoreItem>
-</file>
-
-<file path=customXml/itemProps107.xml><?xml version="1.0" encoding="utf-8"?>
-<ds:datastoreItem xmlns:ds="http://schemas.openxmlformats.org/officeDocument/2006/customXml" ds:itemID="{89F8D00C-2482-4F3D-ACA1-B806B7E2C2EC}">
-  <ds:schemaRefs>
-    <ds:schemaRef ds:uri="http://schemas.microsoft.com/VisualStudio/2011/storyboarding/control"/>
-  </ds:schemaRefs>
-</ds:datastoreItem>
-</file>
-
-<file path=customXml/itemProps108.xml><?xml version="1.0" encoding="utf-8"?>
-<ds:datastoreItem xmlns:ds="http://schemas.openxmlformats.org/officeDocument/2006/customXml" ds:itemID="{394EADEA-3838-4D66-B77E-E5E9BD6A7AEA}">
-  <ds:schemaRefs>
-    <ds:schemaRef ds:uri="http://schemas.microsoft.com/VisualStudio/2011/storyboarding/control"/>
-  </ds:schemaRefs>
-</ds:datastoreItem>
-</file>
-
-<file path=customXml/itemProps109.xml><?xml version="1.0" encoding="utf-8"?>
-<ds:datastoreItem xmlns:ds="http://schemas.openxmlformats.org/officeDocument/2006/customXml" ds:itemID="{E029995E-6C1C-464C-B18A-588A9A373F13}">
-  <ds:schemaRefs>
-    <ds:schemaRef ds:uri="http://schemas.microsoft.com/VisualStudio/2011/storyboarding/control"/>
-  </ds:schemaRefs>
-</ds:datastoreItem>
-</file>
-
-<file path=customXml/itemProps11.xml><?xml version="1.0" encoding="utf-8"?>
-<ds:datastoreItem xmlns:ds="http://schemas.openxmlformats.org/officeDocument/2006/customXml" ds:itemID="{6D74F327-6332-4AC5-8084-6EBC78FC0812}">
-  <ds:schemaRefs>
-    <ds:schemaRef ds:uri="http://schemas.microsoft.com/VisualStudio/2011/storyboarding/control"/>
-  </ds:schemaRefs>
-</ds:datastoreItem>
-</file>
-
-<file path=customXml/itemProps110.xml><?xml version="1.0" encoding="utf-8"?>
-<ds:datastoreItem xmlns:ds="http://schemas.openxmlformats.org/officeDocument/2006/customXml" ds:itemID="{34D70070-9632-4246-B25D-E396768C8F03}">
-  <ds:schemaRefs>
-    <ds:schemaRef ds:uri="http://schemas.microsoft.com/VisualStudio/2011/storyboarding/control"/>
-  </ds:schemaRefs>
-</ds:datastoreItem>
-</file>
-
-<file path=customXml/itemProps111.xml><?xml version="1.0" encoding="utf-8"?>
-<ds:datastoreItem xmlns:ds="http://schemas.openxmlformats.org/officeDocument/2006/customXml" ds:itemID="{2C7E7D13-6875-4C07-A00F-CBDE5826D5D8}">
-  <ds:schemaRefs>
-    <ds:schemaRef ds:uri="http://schemas.microsoft.com/VisualStudio/2011/storyboarding/control"/>
-  </ds:schemaRefs>
-</ds:datastoreItem>
-</file>
-
-<file path=customXml/itemProps112.xml><?xml version="1.0" encoding="utf-8"?>
-<ds:datastoreItem xmlns:ds="http://schemas.openxmlformats.org/officeDocument/2006/customXml" ds:itemID="{6F4A2862-C914-4127-9AA3-4EC971E05888}">
-  <ds:schemaRefs>
-    <ds:schemaRef ds:uri="http://schemas.microsoft.com/VisualStudio/2011/storyboarding/control"/>
-  </ds:schemaRefs>
-</ds:datastoreItem>
-</file>
-
-<file path=customXml/itemProps113.xml><?xml version="1.0" encoding="utf-8"?>
-<ds:datastoreItem xmlns:ds="http://schemas.openxmlformats.org/officeDocument/2006/customXml" ds:itemID="{CC0F0423-B11D-48BC-93CE-439535EE4340}">
-  <ds:schemaRefs>
-    <ds:schemaRef ds:uri="http://schemas.microsoft.com/VisualStudio/2011/storyboarding/control"/>
-  </ds:schemaRefs>
-</ds:datastoreItem>
-</file>
-
-<file path=customXml/itemProps12.xml><?xml version="1.0" encoding="utf-8"?>
-<ds:datastoreItem xmlns:ds="http://schemas.openxmlformats.org/officeDocument/2006/customXml" ds:itemID="{10F0BDDE-4AA3-40EF-B2BC-ACF0382ED861}">
-  <ds:schemaRefs>
-    <ds:schemaRef ds:uri="http://schemas.microsoft.com/VisualStudio/2011/storyboarding/control"/>
-  </ds:schemaRefs>
-</ds:datastoreItem>
-</file>
-
-<file path=customXml/itemProps13.xml><?xml version="1.0" encoding="utf-8"?>
-<ds:datastoreItem xmlns:ds="http://schemas.openxmlformats.org/officeDocument/2006/customXml" ds:itemID="{ADE0E0E1-3FB4-4764-85B1-A2581C94CFE9}">
-  <ds:schemaRefs>
-    <ds:schemaRef ds:uri="http://schemas.microsoft.com/VisualStudio/2011/storyboarding/control"/>
-  </ds:schemaRefs>
-</ds:datastoreItem>
-</file>
-
-<file path=customXml/itemProps14.xml><?xml version="1.0" encoding="utf-8"?>
-<ds:datastoreItem xmlns:ds="http://schemas.openxmlformats.org/officeDocument/2006/customXml" ds:itemID="{4ECEEF82-0B3C-4906-961B-AFB29BD1E6E3}">
-  <ds:schemaRefs>
-    <ds:schemaRef ds:uri="http://schemas.microsoft.com/VisualStudio/2011/storyboarding/control"/>
-  </ds:schemaRefs>
-</ds:datastoreItem>
-</file>
-
-<file path=customXml/itemProps15.xml><?xml version="1.0" encoding="utf-8"?>
-<ds:datastoreItem xmlns:ds="http://schemas.openxmlformats.org/officeDocument/2006/customXml" ds:itemID="{BB9D8331-A5A0-4DC8-BED7-F17D94CE02E8}">
-  <ds:schemaRefs>
-    <ds:schemaRef ds:uri="http://schemas.microsoft.com/VisualStudio/2011/storyboarding/control"/>
-  </ds:schemaRefs>
-</ds:datastoreItem>
-</file>
-
-<file path=customXml/itemProps16.xml><?xml version="1.0" encoding="utf-8"?>
-<ds:datastoreItem xmlns:ds="http://schemas.openxmlformats.org/officeDocument/2006/customXml" ds:itemID="{40E6753A-8176-4C3D-A7AD-922499F48E12}">
-  <ds:schemaRefs>
-    <ds:schemaRef ds:uri="http://schemas.microsoft.com/VisualStudio/2011/storyboarding/control"/>
-  </ds:schemaRefs>
-</ds:datastoreItem>
-</file>
-
-<file path=customXml/itemProps17.xml><?xml version="1.0" encoding="utf-8"?>
-<ds:datastoreItem xmlns:ds="http://schemas.openxmlformats.org/officeDocument/2006/customXml" ds:itemID="{7F5E28FD-26FF-4A48-BAD7-50B55AB6208D}">
-  <ds:schemaRefs>
-    <ds:schemaRef ds:uri="http://schemas.microsoft.com/VisualStudio/2011/storyboarding/control"/>
-  </ds:schemaRefs>
-</ds:datastoreItem>
-</file>
-
-<file path=customXml/itemProps18.xml><?xml version="1.0" encoding="utf-8"?>
-<ds:datastoreItem xmlns:ds="http://schemas.openxmlformats.org/officeDocument/2006/customXml" ds:itemID="{D8653A86-F184-47A6-A8EA-282F582C20DD}">
-  <ds:schemaRefs>
-    <ds:schemaRef ds:uri="http://schemas.microsoft.com/VisualStudio/2011/storyboarding/control"/>
-  </ds:schemaRefs>
-</ds:datastoreItem>
-</file>
-
-<file path=customXml/itemProps19.xml><?xml version="1.0" encoding="utf-8"?>
-<ds:datastoreItem xmlns:ds="http://schemas.openxmlformats.org/officeDocument/2006/customXml" ds:itemID="{1EAEFE78-3E46-45E5-85DF-8CF35EFEFFEE}">
-  <ds:schemaRefs>
-    <ds:schemaRef ds:uri="http://schemas.microsoft.com/VisualStudio/2011/storyboarding/control"/>
-  </ds:schemaRefs>
-</ds:datastoreItem>
-</file>
-
-<file path=customXml/itemProps2.xml><?xml version="1.0" encoding="utf-8"?>
-<ds:datastoreItem xmlns:ds="http://schemas.openxmlformats.org/officeDocument/2006/customXml" ds:itemID="{F2AC79B3-EA47-4A60-8F32-62C9B6A4B730}">
-  <ds:schemaRefs>
-    <ds:schemaRef ds:uri="http://schemas.microsoft.com/VisualStudio/2011/storyboarding/control"/>
-  </ds:schemaRefs>
-</ds:datastoreItem>
-</file>
-
-<file path=customXml/itemProps20.xml><?xml version="1.0" encoding="utf-8"?>
-<ds:datastoreItem xmlns:ds="http://schemas.openxmlformats.org/officeDocument/2006/customXml" ds:itemID="{F09024E1-1C18-4E75-B068-E418EE7D2650}">
-  <ds:schemaRefs>
-    <ds:schemaRef ds:uri="http://schemas.microsoft.com/VisualStudio/2011/storyboarding/control"/>
-  </ds:schemaRefs>
-</ds:datastoreItem>
-</file>
-
-<file path=customXml/itemProps21.xml><?xml version="1.0" encoding="utf-8"?>
-<ds:datastoreItem xmlns:ds="http://schemas.openxmlformats.org/officeDocument/2006/customXml" ds:itemID="{51D515F3-5B60-4F94-84C8-4468FC08CD50}">
-  <ds:schemaRefs>
-    <ds:schemaRef ds:uri="http://schemas.microsoft.com/VisualStudio/2011/storyboarding/control"/>
-  </ds:schemaRefs>
-</ds:datastoreItem>
-</file>
-
 <file path=customXml/itemProps22.xml><?xml version="1.0" encoding="utf-8"?>
-<ds:datastoreItem xmlns:ds="http://schemas.openxmlformats.org/officeDocument/2006/customXml" ds:itemID="{033417FC-F4DF-440B-9750-AC9CEE9D4DD6}">
+<ds:datastoreItem xmlns:ds="http://schemas.openxmlformats.org/officeDocument/2006/customXml" ds:itemID="{E7741501-71C2-4C17-B4E1-815C0856C474}">
   <ds:schemaRefs>
     <ds:schemaRef ds:uri="http://schemas.microsoft.com/VisualStudio/2011/storyboarding/control"/>
   </ds:schemaRefs>
@@ -11024,6 +15413,22 @@
 </file>
 
 <file path=customXml/itemProps24.xml><?xml version="1.0" encoding="utf-8"?>
+<ds:datastoreItem xmlns:ds="http://schemas.openxmlformats.org/officeDocument/2006/customXml" ds:itemID="{7D3F1746-26F3-4D5F-8DB1-4CE59AC409F7}">
+  <ds:schemaRefs>
+    <ds:schemaRef ds:uri="http://schemas.microsoft.com/VisualStudio/2011/storyboarding/control"/>
+  </ds:schemaRefs>
+</ds:datastoreItem>
+</file>
+
+<file path=customXml/itemProps25.xml><?xml version="1.0" encoding="utf-8"?>
+<ds:datastoreItem xmlns:ds="http://schemas.openxmlformats.org/officeDocument/2006/customXml" ds:itemID="{92C514EF-47C3-4A1E-8CC0-C426C540F0A1}">
+  <ds:schemaRefs>
+    <ds:schemaRef ds:uri="http://schemas.microsoft.com/VisualStudio/2011/storyboarding/control"/>
+  </ds:schemaRefs>
+</ds:datastoreItem>
+</file>
+
+<file path=customXml/itemProps26.xml><?xml version="1.0" encoding="utf-8"?>
 <ds:datastoreItem xmlns:ds="http://schemas.openxmlformats.org/officeDocument/2006/customXml" ds:itemID="{90E6BF7D-584A-485E-85F5-083945235CD7}">
   <ds:schemaRefs>
     <ds:schemaRef ds:uri="http://schemas.microsoft.com/VisualStudio/2011/storyboarding/control"/>
@@ -11031,23 +15436,183 @@
 </ds:datastoreItem>
 </file>
 
-<file path=customXml/itemProps25.xml><?xml version="1.0" encoding="utf-8"?>
-<ds:datastoreItem xmlns:ds="http://schemas.openxmlformats.org/officeDocument/2006/customXml" ds:itemID="{A4C33EEA-7075-4651-97E3-4829E38E21EA}">
+<file path=customXml/itemProps27.xml><?xml version="1.0" encoding="utf-8"?>
+<ds:datastoreItem xmlns:ds="http://schemas.openxmlformats.org/officeDocument/2006/customXml" ds:itemID="{34D70070-9632-4246-B25D-E396768C8F03}">
   <ds:schemaRefs>
     <ds:schemaRef ds:uri="http://schemas.microsoft.com/VisualStudio/2011/storyboarding/control"/>
   </ds:schemaRefs>
 </ds:datastoreItem>
 </file>
 
-<file path=customXml/itemProps26.xml><?xml version="1.0" encoding="utf-8"?>
-<ds:datastoreItem xmlns:ds="http://schemas.openxmlformats.org/officeDocument/2006/customXml" ds:itemID="{FCFEC772-99A0-4E2F-BE46-6982F97F1BE9}">
+<file path=customXml/itemProps28.xml><?xml version="1.0" encoding="utf-8"?>
+<ds:datastoreItem xmlns:ds="http://schemas.openxmlformats.org/officeDocument/2006/customXml" ds:itemID="{0ACEBE80-DD25-46F5-ACB3-B9B1A4485D53}">
   <ds:schemaRefs>
     <ds:schemaRef ds:uri="http://schemas.microsoft.com/VisualStudio/2011/storyboarding/control"/>
   </ds:schemaRefs>
 </ds:datastoreItem>
 </file>
 
-<file path=customXml/itemProps27.xml><?xml version="1.0" encoding="utf-8"?>
+<file path=customXml/itemProps29.xml><?xml version="1.0" encoding="utf-8"?>
+<ds:datastoreItem xmlns:ds="http://schemas.openxmlformats.org/officeDocument/2006/customXml" ds:itemID="{D76A8C43-D0E6-4D76-A639-72E580E29047}">
+  <ds:schemaRefs>
+    <ds:schemaRef ds:uri="http://schemas.microsoft.com/VisualStudio/2011/storyboarding/control"/>
+  </ds:schemaRefs>
+</ds:datastoreItem>
+</file>
+
+<file path=customXml/itemProps3.xml><?xml version="1.0" encoding="utf-8"?>
+<ds:datastoreItem xmlns:ds="http://schemas.openxmlformats.org/officeDocument/2006/customXml" ds:itemID="{FA631F3F-931D-4669-BD0B-F99571F5C429}">
+  <ds:schemaRefs>
+    <ds:schemaRef ds:uri="http://schemas.microsoft.com/VisualStudio/2011/storyboarding/control"/>
+  </ds:schemaRefs>
+</ds:datastoreItem>
+</file>
+
+<file path=customXml/itemProps30.xml><?xml version="1.0" encoding="utf-8"?>
+<ds:datastoreItem xmlns:ds="http://schemas.openxmlformats.org/officeDocument/2006/customXml" ds:itemID="{13D229BA-F403-4DB5-940D-9A722C14A295}">
+  <ds:schemaRefs>
+    <ds:schemaRef ds:uri="http://schemas.microsoft.com/VisualStudio/2011/storyboarding/control"/>
+  </ds:schemaRefs>
+</ds:datastoreItem>
+</file>
+
+<file path=customXml/itemProps31.xml><?xml version="1.0" encoding="utf-8"?>
+<ds:datastoreItem xmlns:ds="http://schemas.openxmlformats.org/officeDocument/2006/customXml" ds:itemID="{17816237-E86F-4608-B2AD-3D2E66C1B03B}">
+  <ds:schemaRefs>
+    <ds:schemaRef ds:uri="http://schemas.microsoft.com/VisualStudio/2011/storyboarding/control"/>
+  </ds:schemaRefs>
+</ds:datastoreItem>
+</file>
+
+<file path=customXml/itemProps32.xml><?xml version="1.0" encoding="utf-8"?>
+<ds:datastoreItem xmlns:ds="http://schemas.openxmlformats.org/officeDocument/2006/customXml" ds:itemID="{1367878A-D08E-41A0-BE0F-87325A2CCFA2}">
+  <ds:schemaRefs>
+    <ds:schemaRef ds:uri="http://schemas.microsoft.com/VisualStudio/2011/storyboarding/control"/>
+  </ds:schemaRefs>
+</ds:datastoreItem>
+</file>
+
+<file path=customXml/itemProps33.xml><?xml version="1.0" encoding="utf-8"?>
+<ds:datastoreItem xmlns:ds="http://schemas.openxmlformats.org/officeDocument/2006/customXml" ds:itemID="{ADE0E0E1-3FB4-4764-85B1-A2581C94CFE9}">
+  <ds:schemaRefs>
+    <ds:schemaRef ds:uri="http://schemas.microsoft.com/VisualStudio/2011/storyboarding/control"/>
+  </ds:schemaRefs>
+</ds:datastoreItem>
+</file>
+
+<file path=customXml/itemProps34.xml><?xml version="1.0" encoding="utf-8"?>
+<ds:datastoreItem xmlns:ds="http://schemas.openxmlformats.org/officeDocument/2006/customXml" ds:itemID="{2373FA59-A4C7-4E40-BF8A-FEF69ED346A4}">
+  <ds:schemaRefs>
+    <ds:schemaRef ds:uri="http://schemas.microsoft.com/VisualStudio/2011/storyboarding/control"/>
+  </ds:schemaRefs>
+</ds:datastoreItem>
+</file>
+
+<file path=customXml/itemProps35.xml><?xml version="1.0" encoding="utf-8"?>
+<ds:datastoreItem xmlns:ds="http://schemas.openxmlformats.org/officeDocument/2006/customXml" ds:itemID="{F2AC79B3-EA47-4A60-8F32-62C9B6A4B730}">
+  <ds:schemaRefs>
+    <ds:schemaRef ds:uri="http://schemas.microsoft.com/VisualStudio/2011/storyboarding/control"/>
+  </ds:schemaRefs>
+</ds:datastoreItem>
+</file>
+
+<file path=customXml/itemProps36.xml><?xml version="1.0" encoding="utf-8"?>
+<ds:datastoreItem xmlns:ds="http://schemas.openxmlformats.org/officeDocument/2006/customXml" ds:itemID="{89F8D00C-2482-4F3D-ACA1-B806B7E2C2EC}">
+  <ds:schemaRefs>
+    <ds:schemaRef ds:uri="http://schemas.microsoft.com/VisualStudio/2011/storyboarding/control"/>
+  </ds:schemaRefs>
+</ds:datastoreItem>
+</file>
+
+<file path=customXml/itemProps37.xml><?xml version="1.0" encoding="utf-8"?>
+<ds:datastoreItem xmlns:ds="http://schemas.openxmlformats.org/officeDocument/2006/customXml" ds:itemID="{E44C9E77-1C35-4DBC-82DD-57E4D308EFBB}">
+  <ds:schemaRefs>
+    <ds:schemaRef ds:uri="http://schemas.microsoft.com/VisualStudio/2011/storyboarding/control"/>
+  </ds:schemaRefs>
+</ds:datastoreItem>
+</file>
+
+<file path=customXml/itemProps38.xml><?xml version="1.0" encoding="utf-8"?>
+<ds:datastoreItem xmlns:ds="http://schemas.openxmlformats.org/officeDocument/2006/customXml" ds:itemID="{1EAEFE78-3E46-45E5-85DF-8CF35EFEFFEE}">
+  <ds:schemaRefs>
+    <ds:schemaRef ds:uri="http://schemas.microsoft.com/VisualStudio/2011/storyboarding/control"/>
+  </ds:schemaRefs>
+</ds:datastoreItem>
+</file>
+
+<file path=customXml/itemProps39.xml><?xml version="1.0" encoding="utf-8"?>
+<ds:datastoreItem xmlns:ds="http://schemas.openxmlformats.org/officeDocument/2006/customXml" ds:itemID="{F12E4822-BEA4-4C90-A23E-8C7DFCF7CDD6}">
+  <ds:schemaRefs>
+    <ds:schemaRef ds:uri="http://schemas.microsoft.com/VisualStudio/2011/storyboarding/control"/>
+  </ds:schemaRefs>
+</ds:datastoreItem>
+</file>
+
+<file path=customXml/itemProps4.xml><?xml version="1.0" encoding="utf-8"?>
+<ds:datastoreItem xmlns:ds="http://schemas.openxmlformats.org/officeDocument/2006/customXml" ds:itemID="{45B142F8-50A8-47EE-8945-EA0E8BEF71EB}">
+  <ds:schemaRefs>
+    <ds:schemaRef ds:uri="http://schemas.microsoft.com/VisualStudio/2011/storyboarding/control"/>
+  </ds:schemaRefs>
+</ds:datastoreItem>
+</file>
+
+<file path=customXml/itemProps40.xml><?xml version="1.0" encoding="utf-8"?>
+<ds:datastoreItem xmlns:ds="http://schemas.openxmlformats.org/officeDocument/2006/customXml" ds:itemID="{AF40C17C-6E53-453B-B327-999FE0B7CF9E}">
+  <ds:schemaRefs>
+    <ds:schemaRef ds:uri="http://schemas.microsoft.com/VisualStudio/2011/storyboarding/control"/>
+  </ds:schemaRefs>
+</ds:datastoreItem>
+</file>
+
+<file path=customXml/itemProps41.xml><?xml version="1.0" encoding="utf-8"?>
+<ds:datastoreItem xmlns:ds="http://schemas.openxmlformats.org/officeDocument/2006/customXml" ds:itemID="{45D0D449-A17D-45A3-B4E7-E173226B985A}">
+  <ds:schemaRefs>
+    <ds:schemaRef ds:uri="http://schemas.microsoft.com/VisualStudio/2011/storyboarding/control"/>
+  </ds:schemaRefs>
+</ds:datastoreItem>
+</file>
+
+<file path=customXml/itemProps42.xml><?xml version="1.0" encoding="utf-8"?>
+<ds:datastoreItem xmlns:ds="http://schemas.openxmlformats.org/officeDocument/2006/customXml" ds:itemID="{CAA62E3A-E1D3-48E6-902C-72278FCF572B}">
+  <ds:schemaRefs>
+    <ds:schemaRef ds:uri="http://schemas.microsoft.com/VisualStudio/2011/storyboarding/control"/>
+  </ds:schemaRefs>
+</ds:datastoreItem>
+</file>
+
+<file path=customXml/itemProps43.xml><?xml version="1.0" encoding="utf-8"?>
+<ds:datastoreItem xmlns:ds="http://schemas.openxmlformats.org/officeDocument/2006/customXml" ds:itemID="{D544E426-85A9-48AB-BB78-E3AD0590EC7C}">
+  <ds:schemaRefs>
+    <ds:schemaRef ds:uri="http://schemas.microsoft.com/VisualStudio/2011/storyboarding/control"/>
+  </ds:schemaRefs>
+</ds:datastoreItem>
+</file>
+
+<file path=customXml/itemProps44.xml><?xml version="1.0" encoding="utf-8"?>
+<ds:datastoreItem xmlns:ds="http://schemas.openxmlformats.org/officeDocument/2006/customXml" ds:itemID="{7C7A195E-DFA7-4A05-9371-894B93FD1828}">
+  <ds:schemaRefs>
+    <ds:schemaRef ds:uri="http://schemas.microsoft.com/VisualStudio/2011/storyboarding/control"/>
+  </ds:schemaRefs>
+</ds:datastoreItem>
+</file>
+
+<file path=customXml/itemProps45.xml><?xml version="1.0" encoding="utf-8"?>
+<ds:datastoreItem xmlns:ds="http://schemas.openxmlformats.org/officeDocument/2006/customXml" ds:itemID="{3E9518F8-52DB-4512-B6E1-D4B81EC47F8E}">
+  <ds:schemaRefs>
+    <ds:schemaRef ds:uri="http://schemas.microsoft.com/VisualStudio/2011/storyboarding/control"/>
+  </ds:schemaRefs>
+</ds:datastoreItem>
+</file>
+
+<file path=customXml/itemProps46.xml><?xml version="1.0" encoding="utf-8"?>
+<ds:datastoreItem xmlns:ds="http://schemas.openxmlformats.org/officeDocument/2006/customXml" ds:itemID="{15112653-7036-4EB6-9E86-EDFCD1846E57}">
+  <ds:schemaRefs>
+    <ds:schemaRef ds:uri="http://schemas.microsoft.com/VisualStudio/2011/storyboarding/control"/>
+  </ds:schemaRefs>
+</ds:datastoreItem>
+</file>
+
+<file path=customXml/itemProps47.xml><?xml version="1.0" encoding="utf-8"?>
 <ds:datastoreItem xmlns:ds="http://schemas.openxmlformats.org/officeDocument/2006/customXml" ds:itemID="{06C11E88-1615-4B77-96AD-4B8BA4A066E8}">
   <ds:schemaRefs>
     <ds:schemaRef ds:uri="http://schemas.microsoft.com/VisualStudio/2011/storyboarding/control"/>
@@ -11055,111 +15620,55 @@
 </ds:datastoreItem>
 </file>
 
-<file path=customXml/itemProps28.xml><?xml version="1.0" encoding="utf-8"?>
-<ds:datastoreItem xmlns:ds="http://schemas.openxmlformats.org/officeDocument/2006/customXml" ds:itemID="{C4F6D4BE-A130-482B-BA98-1CB53DA976CA}">
+<file path=customXml/itemProps48.xml><?xml version="1.0" encoding="utf-8"?>
+<ds:datastoreItem xmlns:ds="http://schemas.openxmlformats.org/officeDocument/2006/customXml" ds:itemID="{7F5E28FD-26FF-4A48-BAD7-50B55AB6208D}">
   <ds:schemaRefs>
     <ds:schemaRef ds:uri="http://schemas.microsoft.com/VisualStudio/2011/storyboarding/control"/>
   </ds:schemaRefs>
 </ds:datastoreItem>
 </file>
 
-<file path=customXml/itemProps29.xml><?xml version="1.0" encoding="utf-8"?>
-<ds:datastoreItem xmlns:ds="http://schemas.openxmlformats.org/officeDocument/2006/customXml" ds:itemID="{6909E70A-4203-43FA-8666-1DA9A83FC55A}">
+<file path=customXml/itemProps49.xml><?xml version="1.0" encoding="utf-8"?>
+<ds:datastoreItem xmlns:ds="http://schemas.openxmlformats.org/officeDocument/2006/customXml" ds:itemID="{2FCA7744-2BF3-4014-BEA7-E6EE6BE5E79E}">
   <ds:schemaRefs>
     <ds:schemaRef ds:uri="http://schemas.microsoft.com/VisualStudio/2011/storyboarding/control"/>
   </ds:schemaRefs>
 </ds:datastoreItem>
 </file>
 
-<file path=customXml/itemProps3.xml><?xml version="1.0" encoding="utf-8"?>
-<ds:datastoreItem xmlns:ds="http://schemas.openxmlformats.org/officeDocument/2006/customXml" ds:itemID="{1CCD967A-A231-4443-B5CB-163865029EA0}">
+<file path=customXml/itemProps5.xml><?xml version="1.0" encoding="utf-8"?>
+<ds:datastoreItem xmlns:ds="http://schemas.openxmlformats.org/officeDocument/2006/customXml" ds:itemID="{59D0369F-25C4-46DE-8418-DF66EC3FEC68}">
   <ds:schemaRefs>
     <ds:schemaRef ds:uri="http://schemas.microsoft.com/VisualStudio/2011/storyboarding/control"/>
   </ds:schemaRefs>
 </ds:datastoreItem>
 </file>
 
-<file path=customXml/itemProps30.xml><?xml version="1.0" encoding="utf-8"?>
-<ds:datastoreItem xmlns:ds="http://schemas.openxmlformats.org/officeDocument/2006/customXml" ds:itemID="{AAE9B66C-C51E-45FF-A0AF-F87D4E76C603}">
+<file path=customXml/itemProps50.xml><?xml version="1.0" encoding="utf-8"?>
+<ds:datastoreItem xmlns:ds="http://schemas.openxmlformats.org/officeDocument/2006/customXml" ds:itemID="{4686712F-CBA4-47D3-833A-C2ADFEF753DD}">
   <ds:schemaRefs>
     <ds:schemaRef ds:uri="http://schemas.microsoft.com/VisualStudio/2011/storyboarding/control"/>
   </ds:schemaRefs>
 </ds:datastoreItem>
 </file>
 
-<file path=customXml/itemProps31.xml><?xml version="1.0" encoding="utf-8"?>
-<ds:datastoreItem xmlns:ds="http://schemas.openxmlformats.org/officeDocument/2006/customXml" ds:itemID="{F753D4C8-6DCC-4D78-9E76-A20A021CFCD8}">
+<file path=customXml/itemProps51.xml><?xml version="1.0" encoding="utf-8"?>
+<ds:datastoreItem xmlns:ds="http://schemas.openxmlformats.org/officeDocument/2006/customXml" ds:itemID="{8A555954-45BE-4EEE-9F3C-9C997F6D1BA3}">
   <ds:schemaRefs>
     <ds:schemaRef ds:uri="http://schemas.microsoft.com/VisualStudio/2011/storyboarding/control"/>
   </ds:schemaRefs>
 </ds:datastoreItem>
 </file>
 
-<file path=customXml/itemProps32.xml><?xml version="1.0" encoding="utf-8"?>
-<ds:datastoreItem xmlns:ds="http://schemas.openxmlformats.org/officeDocument/2006/customXml" ds:itemID="{9431BAA6-A458-4A16-B548-267B412E871D}">
+<file path=customXml/itemProps52.xml><?xml version="1.0" encoding="utf-8"?>
+<ds:datastoreItem xmlns:ds="http://schemas.openxmlformats.org/officeDocument/2006/customXml" ds:itemID="{13867D15-2F58-4836-9D34-D0E88BF26D4C}">
   <ds:schemaRefs>
     <ds:schemaRef ds:uri="http://schemas.microsoft.com/VisualStudio/2011/storyboarding/control"/>
   </ds:schemaRefs>
 </ds:datastoreItem>
 </file>
 
-<file path=customXml/itemProps33.xml><?xml version="1.0" encoding="utf-8"?>
-<ds:datastoreItem xmlns:ds="http://schemas.openxmlformats.org/officeDocument/2006/customXml" ds:itemID="{F5B85250-01CA-403A-BFFD-EDEFCA9E38FF}">
-  <ds:schemaRefs>
-    <ds:schemaRef ds:uri="http://schemas.microsoft.com/VisualStudio/2011/storyboarding/control"/>
-  </ds:schemaRefs>
-</ds:datastoreItem>
-</file>
-
-<file path=customXml/itemProps34.xml><?xml version="1.0" encoding="utf-8"?>
-<ds:datastoreItem xmlns:ds="http://schemas.openxmlformats.org/officeDocument/2006/customXml" ds:itemID="{623F5871-F525-4D45-8757-C0B70863AD81}">
-  <ds:schemaRefs>
-    <ds:schemaRef ds:uri="http://schemas.microsoft.com/VisualStudio/2011/storyboarding/control"/>
-  </ds:schemaRefs>
-</ds:datastoreItem>
-</file>
-
-<file path=customXml/itemProps35.xml><?xml version="1.0" encoding="utf-8"?>
-<ds:datastoreItem xmlns:ds="http://schemas.openxmlformats.org/officeDocument/2006/customXml" ds:itemID="{AABACF0D-5384-4675-802C-4FFC55B3B83D}">
-  <ds:schemaRefs>
-    <ds:schemaRef ds:uri="http://schemas.microsoft.com/VisualStudio/2011/storyboarding/control"/>
-  </ds:schemaRefs>
-</ds:datastoreItem>
-</file>
-
-<file path=customXml/itemProps36.xml><?xml version="1.0" encoding="utf-8"?>
-<ds:datastoreItem xmlns:ds="http://schemas.openxmlformats.org/officeDocument/2006/customXml" ds:itemID="{59AEDDE6-08CE-4516-9790-E1D7499AD12F}">
-  <ds:schemaRefs>
-    <ds:schemaRef ds:uri="http://schemas.microsoft.com/VisualStudio/2011/storyboarding/control"/>
-  </ds:schemaRefs>
-</ds:datastoreItem>
-</file>
-
-<file path=customXml/itemProps37.xml><?xml version="1.0" encoding="utf-8"?>
-<ds:datastoreItem xmlns:ds="http://schemas.openxmlformats.org/officeDocument/2006/customXml" ds:itemID="{48FCAF00-A9CA-4F0B-94B6-B06BD75E9807}">
-  <ds:schemaRefs>
-    <ds:schemaRef ds:uri="http://schemas.microsoft.com/VisualStudio/2011/storyboarding/control"/>
-  </ds:schemaRefs>
-</ds:datastoreItem>
-</file>
-
-<file path=customXml/itemProps38.xml><?xml version="1.0" encoding="utf-8"?>
-<ds:datastoreItem xmlns:ds="http://schemas.openxmlformats.org/officeDocument/2006/customXml" ds:itemID="{DDBF085A-1095-41CF-A0E2-F8212DFD4835}">
-  <ds:schemaRefs>
-    <ds:schemaRef ds:uri="http://schemas.microsoft.com/VisualStudio/2011/storyboarding/control"/>
-  </ds:schemaRefs>
-</ds:datastoreItem>
-</file>
-
-<file path=customXml/itemProps39.xml><?xml version="1.0" encoding="utf-8"?>
-<ds:datastoreItem xmlns:ds="http://schemas.openxmlformats.org/officeDocument/2006/customXml" ds:itemID="{D08605C4-AECB-4FFF-9D2C-98990B0DFFDA}">
-  <ds:schemaRefs>
-    <ds:schemaRef ds:uri="http://schemas.microsoft.com/VisualStudio/2011/storyboarding/control"/>
-  </ds:schemaRefs>
-</ds:datastoreItem>
-</file>
-
-<file path=customXml/itemProps4.xml><?xml version="1.0" encoding="utf-8"?>
+<file path=customXml/itemProps53.xml><?xml version="1.0" encoding="utf-8"?>
 <ds:datastoreItem xmlns:ds="http://schemas.openxmlformats.org/officeDocument/2006/customXml" ds:itemID="{A2F6F20D-5D93-4163-A5E6-5A9B6AB49B35}">
   <ds:schemaRefs>
     <ds:schemaRef ds:uri="http://schemas.microsoft.com/VisualStudio/2011/storyboarding/control"/>
@@ -11167,128 +15676,8 @@
 </ds:datastoreItem>
 </file>
 
-<file path=customXml/itemProps40.xml><?xml version="1.0" encoding="utf-8"?>
-<ds:datastoreItem xmlns:ds="http://schemas.openxmlformats.org/officeDocument/2006/customXml" ds:itemID="{1E27CC14-9852-42D8-9A73-828A1C767F65}">
-  <ds:schemaRefs>
-    <ds:schemaRef ds:uri="http://schemas.microsoft.com/VisualStudio/2011/storyboarding/control"/>
-  </ds:schemaRefs>
-</ds:datastoreItem>
-</file>
-
-<file path=customXml/itemProps41.xml><?xml version="1.0" encoding="utf-8"?>
-<ds:datastoreItem xmlns:ds="http://schemas.openxmlformats.org/officeDocument/2006/customXml" ds:itemID="{13D229BA-F403-4DB5-940D-9A722C14A295}">
-  <ds:schemaRefs>
-    <ds:schemaRef ds:uri="http://schemas.microsoft.com/VisualStudio/2011/storyboarding/control"/>
-  </ds:schemaRefs>
-</ds:datastoreItem>
-</file>
-
-<file path=customXml/itemProps42.xml><?xml version="1.0" encoding="utf-8"?>
-<ds:datastoreItem xmlns:ds="http://schemas.openxmlformats.org/officeDocument/2006/customXml" ds:itemID="{15112653-7036-4EB6-9E86-EDFCD1846E57}">
-  <ds:schemaRefs>
-    <ds:schemaRef ds:uri="http://schemas.microsoft.com/VisualStudio/2011/storyboarding/control"/>
-  </ds:schemaRefs>
-</ds:datastoreItem>
-</file>
-
-<file path=customXml/itemProps43.xml><?xml version="1.0" encoding="utf-8"?>
-<ds:datastoreItem xmlns:ds="http://schemas.openxmlformats.org/officeDocument/2006/customXml" ds:itemID="{55CA6769-99B0-4402-A536-C3C8E0221022}">
-  <ds:schemaRefs>
-    <ds:schemaRef ds:uri="http://schemas.microsoft.com/VisualStudio/2011/storyboarding/control"/>
-  </ds:schemaRefs>
-</ds:datastoreItem>
-</file>
-
-<file path=customXml/itemProps44.xml><?xml version="1.0" encoding="utf-8"?>
-<ds:datastoreItem xmlns:ds="http://schemas.openxmlformats.org/officeDocument/2006/customXml" ds:itemID="{17816237-E86F-4608-B2AD-3D2E66C1B03B}">
-  <ds:schemaRefs>
-    <ds:schemaRef ds:uri="http://schemas.microsoft.com/VisualStudio/2011/storyboarding/control"/>
-  </ds:schemaRefs>
-</ds:datastoreItem>
-</file>
-
-<file path=customXml/itemProps45.xml><?xml version="1.0" encoding="utf-8"?>
-<ds:datastoreItem xmlns:ds="http://schemas.openxmlformats.org/officeDocument/2006/customXml" ds:itemID="{AF01C7FC-A844-4EAB-9C49-C1EDCADB47C1}">
-  <ds:schemaRefs>
-    <ds:schemaRef ds:uri="http://schemas.microsoft.com/VisualStudio/2011/storyboarding/control"/>
-  </ds:schemaRefs>
-</ds:datastoreItem>
-</file>
-
-<file path=customXml/itemProps46.xml><?xml version="1.0" encoding="utf-8"?>
-<ds:datastoreItem xmlns:ds="http://schemas.openxmlformats.org/officeDocument/2006/customXml" ds:itemID="{113ECE65-0514-4E2D-A5D7-CB73FBD23154}">
-  <ds:schemaRefs>
-    <ds:schemaRef ds:uri="http://schemas.microsoft.com/VisualStudio/2011/storyboarding/control"/>
-  </ds:schemaRefs>
-</ds:datastoreItem>
-</file>
-
-<file path=customXml/itemProps47.xml><?xml version="1.0" encoding="utf-8"?>
-<ds:datastoreItem xmlns:ds="http://schemas.openxmlformats.org/officeDocument/2006/customXml" ds:itemID="{85F86E7D-DA49-4BE9-9097-1D50FB466B1E}">
-  <ds:schemaRefs>
-    <ds:schemaRef ds:uri="http://schemas.microsoft.com/VisualStudio/2011/storyboarding/control"/>
-  </ds:schemaRefs>
-</ds:datastoreItem>
-</file>
-
-<file path=customXml/itemProps48.xml><?xml version="1.0" encoding="utf-8"?>
-<ds:datastoreItem xmlns:ds="http://schemas.openxmlformats.org/officeDocument/2006/customXml" ds:itemID="{ACF586AD-3668-4E64-BB79-597B4E8D331A}">
-  <ds:schemaRefs>
-    <ds:schemaRef ds:uri="http://schemas.microsoft.com/VisualStudio/2011/storyboarding/control"/>
-  </ds:schemaRefs>
-</ds:datastoreItem>
-</file>
-
-<file path=customXml/itemProps49.xml><?xml version="1.0" encoding="utf-8"?>
-<ds:datastoreItem xmlns:ds="http://schemas.openxmlformats.org/officeDocument/2006/customXml" ds:itemID="{7C7A195E-DFA7-4A05-9371-894B93FD1828}">
-  <ds:schemaRefs>
-    <ds:schemaRef ds:uri="http://schemas.microsoft.com/VisualStudio/2011/storyboarding/control"/>
-  </ds:schemaRefs>
-</ds:datastoreItem>
-</file>
-
-<file path=customXml/itemProps5.xml><?xml version="1.0" encoding="utf-8"?>
-<ds:datastoreItem xmlns:ds="http://schemas.openxmlformats.org/officeDocument/2006/customXml" ds:itemID="{E44C9E77-1C35-4DBC-82DD-57E4D308EFBB}">
-  <ds:schemaRefs>
-    <ds:schemaRef ds:uri="http://schemas.microsoft.com/VisualStudio/2011/storyboarding/control"/>
-  </ds:schemaRefs>
-</ds:datastoreItem>
-</file>
-
-<file path=customXml/itemProps50.xml><?xml version="1.0" encoding="utf-8"?>
-<ds:datastoreItem xmlns:ds="http://schemas.openxmlformats.org/officeDocument/2006/customXml" ds:itemID="{67BB8CBF-A728-42E4-ACB8-9EB900796758}">
-  <ds:schemaRefs>
-    <ds:schemaRef ds:uri="http://schemas.microsoft.com/VisualStudio/2011/storyboarding/control"/>
-  </ds:schemaRefs>
-</ds:datastoreItem>
-</file>
-
-<file path=customXml/itemProps51.xml><?xml version="1.0" encoding="utf-8"?>
-<ds:datastoreItem xmlns:ds="http://schemas.openxmlformats.org/officeDocument/2006/customXml" ds:itemID="{AF40C17C-6E53-453B-B327-999FE0B7CF9E}">
-  <ds:schemaRefs>
-    <ds:schemaRef ds:uri="http://schemas.microsoft.com/VisualStudio/2011/storyboarding/control"/>
-  </ds:schemaRefs>
-</ds:datastoreItem>
-</file>
-
-<file path=customXml/itemProps52.xml><?xml version="1.0" encoding="utf-8"?>
-<ds:datastoreItem xmlns:ds="http://schemas.openxmlformats.org/officeDocument/2006/customXml" ds:itemID="{3E59668D-9D10-4C26-9CC7-C8295EEC02B7}">
-  <ds:schemaRefs>
-    <ds:schemaRef ds:uri="http://schemas.microsoft.com/VisualStudio/2011/storyboarding/control"/>
-  </ds:schemaRefs>
-</ds:datastoreItem>
-</file>
-
-<file path=customXml/itemProps53.xml><?xml version="1.0" encoding="utf-8"?>
-<ds:datastoreItem xmlns:ds="http://schemas.openxmlformats.org/officeDocument/2006/customXml" ds:itemID="{0205D5B8-50E2-42A6-ADDD-577B72710484}">
-  <ds:schemaRefs>
-    <ds:schemaRef ds:uri="http://schemas.microsoft.com/VisualStudio/2011/storyboarding/control"/>
-  </ds:schemaRefs>
-</ds:datastoreItem>
-</file>
-
 <file path=customXml/itemProps54.xml><?xml version="1.0" encoding="utf-8"?>
-<ds:datastoreItem xmlns:ds="http://schemas.openxmlformats.org/officeDocument/2006/customXml" ds:itemID="{2A5F2F26-968C-4D10-A23C-7F7AB3C144F1}">
+<ds:datastoreItem xmlns:ds="http://schemas.openxmlformats.org/officeDocument/2006/customXml" ds:itemID="{E029995E-6C1C-464C-B18A-588A9A373F13}">
   <ds:schemaRefs>
     <ds:schemaRef ds:uri="http://schemas.microsoft.com/VisualStudio/2011/storyboarding/control"/>
   </ds:schemaRefs>
@@ -11304,7 +15693,7 @@
 </file>
 
 <file path=customXml/itemProps56.xml><?xml version="1.0" encoding="utf-8"?>
-<ds:datastoreItem xmlns:ds="http://schemas.openxmlformats.org/officeDocument/2006/customXml" ds:itemID="{F12E4822-BEA4-4C90-A23E-8C7DFCF7CDD6}">
+<ds:datastoreItem xmlns:ds="http://schemas.openxmlformats.org/officeDocument/2006/customXml" ds:itemID="{98F07B01-E4E8-4E44-B227-4A307E110F5E}">
   <ds:schemaRefs>
     <ds:schemaRef ds:uri="http://schemas.microsoft.com/VisualStudio/2011/storyboarding/control"/>
   </ds:schemaRefs>
@@ -11312,7 +15701,7 @@
 </file>
 
 <file path=customXml/itemProps57.xml><?xml version="1.0" encoding="utf-8"?>
-<ds:datastoreItem xmlns:ds="http://schemas.openxmlformats.org/officeDocument/2006/customXml" ds:itemID="{C7B0D7AD-32DF-4953-89C9-C834F6010560}">
+<ds:datastoreItem xmlns:ds="http://schemas.openxmlformats.org/officeDocument/2006/customXml" ds:itemID="{F9A8EA35-007A-40F9-AD73-68499C4EFDFA}">
   <ds:schemaRefs>
     <ds:schemaRef ds:uri="http://schemas.microsoft.com/VisualStudio/2011/storyboarding/control"/>
   </ds:schemaRefs>
@@ -11320,7 +15709,7 @@
 </file>
 
 <file path=customXml/itemProps58.xml><?xml version="1.0" encoding="utf-8"?>
-<ds:datastoreItem xmlns:ds="http://schemas.openxmlformats.org/officeDocument/2006/customXml" ds:itemID="{D76A8C43-D0E6-4D76-A639-72E580E29047}">
+<ds:datastoreItem xmlns:ds="http://schemas.openxmlformats.org/officeDocument/2006/customXml" ds:itemID="{6F4A2862-C914-4127-9AA3-4EC971E05888}">
   <ds:schemaRefs>
     <ds:schemaRef ds:uri="http://schemas.microsoft.com/VisualStudio/2011/storyboarding/control"/>
   </ds:schemaRefs>
@@ -11328,7 +15717,7 @@
 </file>
 
 <file path=customXml/itemProps59.xml><?xml version="1.0" encoding="utf-8"?>
-<ds:datastoreItem xmlns:ds="http://schemas.openxmlformats.org/officeDocument/2006/customXml" ds:itemID="{CAA62E3A-E1D3-48E6-902C-72278FCF572B}">
+<ds:datastoreItem xmlns:ds="http://schemas.openxmlformats.org/officeDocument/2006/customXml" ds:itemID="{48FCAF00-A9CA-4F0B-94B6-B06BD75E9807}">
   <ds:schemaRefs>
     <ds:schemaRef ds:uri="http://schemas.microsoft.com/VisualStudio/2011/storyboarding/control"/>
   </ds:schemaRefs>
@@ -11336,14 +15725,6 @@
 </file>
 
 <file path=customXml/itemProps6.xml><?xml version="1.0" encoding="utf-8"?>
-<ds:datastoreItem xmlns:ds="http://schemas.openxmlformats.org/officeDocument/2006/customXml" ds:itemID="{4686712F-CBA4-47D3-833A-C2ADFEF753DD}">
-  <ds:schemaRefs>
-    <ds:schemaRef ds:uri="http://schemas.microsoft.com/VisualStudio/2011/storyboarding/control"/>
-  </ds:schemaRefs>
-</ds:datastoreItem>
-</file>
-
-<file path=customXml/itemProps60.xml><?xml version="1.0" encoding="utf-8"?>
 <ds:datastoreItem xmlns:ds="http://schemas.openxmlformats.org/officeDocument/2006/customXml" ds:itemID="{B1441669-2371-4AE4-A8B5-AFC09272AA93}">
   <ds:schemaRefs>
     <ds:schemaRef ds:uri="http://schemas.microsoft.com/VisualStudio/2011/storyboarding/control"/>
@@ -11351,7 +15732,199 @@
 </ds:datastoreItem>
 </file>
 
+<file path=customXml/itemProps60.xml><?xml version="1.0" encoding="utf-8"?>
+<ds:datastoreItem xmlns:ds="http://schemas.openxmlformats.org/officeDocument/2006/customXml" ds:itemID="{FE51AC1B-1271-4746-867D-55554D78B5AE}">
+  <ds:schemaRefs>
+    <ds:schemaRef ds:uri="http://schemas.microsoft.com/VisualStudio/2011/storyboarding/control"/>
+  </ds:schemaRefs>
+</ds:datastoreItem>
+</file>
+
 <file path=customXml/itemProps61.xml><?xml version="1.0" encoding="utf-8"?>
+<ds:datastoreItem xmlns:ds="http://schemas.openxmlformats.org/officeDocument/2006/customXml" ds:itemID="{55CA6769-99B0-4402-A536-C3C8E0221022}">
+  <ds:schemaRefs>
+    <ds:schemaRef ds:uri="http://schemas.microsoft.com/VisualStudio/2011/storyboarding/control"/>
+  </ds:schemaRefs>
+</ds:datastoreItem>
+</file>
+
+<file path=customXml/itemProps62.xml><?xml version="1.0" encoding="utf-8"?>
+<ds:datastoreItem xmlns:ds="http://schemas.openxmlformats.org/officeDocument/2006/customXml" ds:itemID="{F3241CCA-9602-4CB8-B6FA-D8222B14826C}">
+  <ds:schemaRefs>
+    <ds:schemaRef ds:uri="http://schemas.microsoft.com/VisualStudio/2011/storyboarding/control"/>
+  </ds:schemaRefs>
+</ds:datastoreItem>
+</file>
+
+<file path=customXml/itemProps63.xml><?xml version="1.0" encoding="utf-8"?>
+<ds:datastoreItem xmlns:ds="http://schemas.openxmlformats.org/officeDocument/2006/customXml" ds:itemID="{4A328889-52D6-47EA-AA7A-7178F57DFC2D}">
+  <ds:schemaRefs>
+    <ds:schemaRef ds:uri="http://schemas.microsoft.com/VisualStudio/2011/storyboarding/control"/>
+  </ds:schemaRefs>
+</ds:datastoreItem>
+</file>
+
+<file path=customXml/itemProps64.xml><?xml version="1.0" encoding="utf-8"?>
+<ds:datastoreItem xmlns:ds="http://schemas.openxmlformats.org/officeDocument/2006/customXml" ds:itemID="{394EADEA-3838-4D66-B77E-E5E9BD6A7AEA}">
+  <ds:schemaRefs>
+    <ds:schemaRef ds:uri="http://schemas.microsoft.com/VisualStudio/2011/storyboarding/control"/>
+  </ds:schemaRefs>
+</ds:datastoreItem>
+</file>
+
+<file path=customXml/itemProps65.xml><?xml version="1.0" encoding="utf-8"?>
+<ds:datastoreItem xmlns:ds="http://schemas.openxmlformats.org/officeDocument/2006/customXml" ds:itemID="{6A447DBB-2C85-4597-A0DB-C9A2322BAC8D}">
+  <ds:schemaRefs>
+    <ds:schemaRef ds:uri="http://schemas.microsoft.com/VisualStudio/2011/storyboarding/control"/>
+  </ds:schemaRefs>
+</ds:datastoreItem>
+</file>
+
+<file path=customXml/itemProps66.xml><?xml version="1.0" encoding="utf-8"?>
+<ds:datastoreItem xmlns:ds="http://schemas.openxmlformats.org/officeDocument/2006/customXml" ds:itemID="{FCFEC772-99A0-4E2F-BE46-6982F97F1BE9}">
+  <ds:schemaRefs>
+    <ds:schemaRef ds:uri="http://schemas.microsoft.com/VisualStudio/2011/storyboarding/control"/>
+  </ds:schemaRefs>
+</ds:datastoreItem>
+</file>
+
+<file path=customXml/itemProps67.xml><?xml version="1.0" encoding="utf-8"?>
+<ds:datastoreItem xmlns:ds="http://schemas.openxmlformats.org/officeDocument/2006/customXml" ds:itemID="{E5DD84D4-A8CE-4783-AB20-E42165ABDFA7}">
+  <ds:schemaRefs>
+    <ds:schemaRef ds:uri="http://schemas.microsoft.com/VisualStudio/2011/storyboarding/control"/>
+  </ds:schemaRefs>
+</ds:datastoreItem>
+</file>
+
+<file path=customXml/itemProps68.xml><?xml version="1.0" encoding="utf-8"?>
+<ds:datastoreItem xmlns:ds="http://schemas.openxmlformats.org/officeDocument/2006/customXml" ds:itemID="{CC0F0423-B11D-48BC-93CE-439535EE4340}">
+  <ds:schemaRefs>
+    <ds:schemaRef ds:uri="http://schemas.microsoft.com/VisualStudio/2011/storyboarding/control"/>
+  </ds:schemaRefs>
+</ds:datastoreItem>
+</file>
+
+<file path=customXml/itemProps69.xml><?xml version="1.0" encoding="utf-8"?>
+<ds:datastoreItem xmlns:ds="http://schemas.openxmlformats.org/officeDocument/2006/customXml" ds:itemID="{DDBF085A-1095-41CF-A0E2-F8212DFD4835}">
+  <ds:schemaRefs>
+    <ds:schemaRef ds:uri="http://schemas.microsoft.com/VisualStudio/2011/storyboarding/control"/>
+  </ds:schemaRefs>
+</ds:datastoreItem>
+</file>
+
+<file path=customXml/itemProps7.xml><?xml version="1.0" encoding="utf-8"?>
+<ds:datastoreItem xmlns:ds="http://schemas.openxmlformats.org/officeDocument/2006/customXml" ds:itemID="{AA6A5E90-4733-4052-BD41-CDB87AFA6C57}">
+  <ds:schemaRefs>
+    <ds:schemaRef ds:uri="http://schemas.microsoft.com/VisualStudio/2011/storyboarding/control"/>
+  </ds:schemaRefs>
+</ds:datastoreItem>
+</file>
+
+<file path=customXml/itemProps70.xml><?xml version="1.0" encoding="utf-8"?>
+<ds:datastoreItem xmlns:ds="http://schemas.openxmlformats.org/officeDocument/2006/customXml" ds:itemID="{2A5F2F26-968C-4D10-A23C-7F7AB3C144F1}">
+  <ds:schemaRefs>
+    <ds:schemaRef ds:uri="http://schemas.microsoft.com/VisualStudio/2011/storyboarding/control"/>
+  </ds:schemaRefs>
+</ds:datastoreItem>
+</file>
+
+<file path=customXml/itemProps71.xml><?xml version="1.0" encoding="utf-8"?>
+<ds:datastoreItem xmlns:ds="http://schemas.openxmlformats.org/officeDocument/2006/customXml" ds:itemID="{2C7E7D13-6875-4C07-A00F-CBDE5826D5D8}">
+  <ds:schemaRefs>
+    <ds:schemaRef ds:uri="http://schemas.microsoft.com/VisualStudio/2011/storyboarding/control"/>
+  </ds:schemaRefs>
+</ds:datastoreItem>
+</file>
+
+<file path=customXml/itemProps72.xml><?xml version="1.0" encoding="utf-8"?>
+<ds:datastoreItem xmlns:ds="http://schemas.openxmlformats.org/officeDocument/2006/customXml" ds:itemID="{C4F6D4BE-A130-482B-BA98-1CB53DA976CA}">
+  <ds:schemaRefs>
+    <ds:schemaRef ds:uri="http://schemas.microsoft.com/VisualStudio/2011/storyboarding/control"/>
+  </ds:schemaRefs>
+</ds:datastoreItem>
+</file>
+
+<file path=customXml/itemProps73.xml><?xml version="1.0" encoding="utf-8"?>
+<ds:datastoreItem xmlns:ds="http://schemas.openxmlformats.org/officeDocument/2006/customXml" ds:itemID="{3E59668D-9D10-4C26-9CC7-C8295EEC02B7}">
+  <ds:schemaRefs>
+    <ds:schemaRef ds:uri="http://schemas.microsoft.com/VisualStudio/2011/storyboarding/control"/>
+  </ds:schemaRefs>
+</ds:datastoreItem>
+</file>
+
+<file path=customXml/itemProps74.xml><?xml version="1.0" encoding="utf-8"?>
+<ds:datastoreItem xmlns:ds="http://schemas.openxmlformats.org/officeDocument/2006/customXml" ds:itemID="{46C8095E-E543-4B44-84A5-7DF9215641EF}">
+  <ds:schemaRefs>
+    <ds:schemaRef ds:uri="http://schemas.microsoft.com/VisualStudio/2011/storyboarding/control"/>
+  </ds:schemaRefs>
+</ds:datastoreItem>
+</file>
+
+<file path=customXml/itemProps75.xml><?xml version="1.0" encoding="utf-8"?>
+<ds:datastoreItem xmlns:ds="http://schemas.openxmlformats.org/officeDocument/2006/customXml" ds:itemID="{5D43C5DF-C9CE-423E-ADD8-1AAE08E6145B}">
+  <ds:schemaRefs>
+    <ds:schemaRef ds:uri="http://schemas.microsoft.com/VisualStudio/2011/storyboarding/control"/>
+  </ds:schemaRefs>
+</ds:datastoreItem>
+</file>
+
+<file path=customXml/itemProps76.xml><?xml version="1.0" encoding="utf-8"?>
+<ds:datastoreItem xmlns:ds="http://schemas.openxmlformats.org/officeDocument/2006/customXml" ds:itemID="{D8653A86-F184-47A6-A8EA-282F582C20DD}">
+  <ds:schemaRefs>
+    <ds:schemaRef ds:uri="http://schemas.microsoft.com/VisualStudio/2011/storyboarding/control"/>
+  </ds:schemaRefs>
+</ds:datastoreItem>
+</file>
+
+<file path=customXml/itemProps77.xml><?xml version="1.0" encoding="utf-8"?>
+<ds:datastoreItem xmlns:ds="http://schemas.openxmlformats.org/officeDocument/2006/customXml" ds:itemID="{69C5573C-4D11-4ED5-8CA8-88391EEEF019}">
+  <ds:schemaRefs>
+    <ds:schemaRef ds:uri="http://schemas.microsoft.com/VisualStudio/2011/storyboarding/control"/>
+  </ds:schemaRefs>
+</ds:datastoreItem>
+</file>
+
+<file path=customXml/itemProps78.xml><?xml version="1.0" encoding="utf-8"?>
+<ds:datastoreItem xmlns:ds="http://schemas.openxmlformats.org/officeDocument/2006/customXml" ds:itemID="{6909E70A-4203-43FA-8666-1DA9A83FC55A}">
+  <ds:schemaRefs>
+    <ds:schemaRef ds:uri="http://schemas.microsoft.com/VisualStudio/2011/storyboarding/control"/>
+  </ds:schemaRefs>
+</ds:datastoreItem>
+</file>
+
+<file path=customXml/itemProps79.xml><?xml version="1.0" encoding="utf-8"?>
+<ds:datastoreItem xmlns:ds="http://schemas.openxmlformats.org/officeDocument/2006/customXml" ds:itemID="{1E27CC14-9852-42D8-9A73-828A1C767F65}">
+  <ds:schemaRefs>
+    <ds:schemaRef ds:uri="http://schemas.microsoft.com/VisualStudio/2011/storyboarding/control"/>
+  </ds:schemaRefs>
+</ds:datastoreItem>
+</file>
+
+<file path=customXml/itemProps8.xml><?xml version="1.0" encoding="utf-8"?>
+<ds:datastoreItem xmlns:ds="http://schemas.openxmlformats.org/officeDocument/2006/customXml" ds:itemID="{AF01C7FC-A844-4EAB-9C49-C1EDCADB47C1}">
+  <ds:schemaRefs>
+    <ds:schemaRef ds:uri="http://schemas.microsoft.com/VisualStudio/2011/storyboarding/control"/>
+  </ds:schemaRefs>
+</ds:datastoreItem>
+</file>
+
+<file path=customXml/itemProps80.xml><?xml version="1.0" encoding="utf-8"?>
+<ds:datastoreItem xmlns:ds="http://schemas.openxmlformats.org/officeDocument/2006/customXml" ds:itemID="{6D74F327-6332-4AC5-8084-6EBC78FC0812}">
+  <ds:schemaRefs>
+    <ds:schemaRef ds:uri="http://schemas.microsoft.com/VisualStudio/2011/storyboarding/control"/>
+  </ds:schemaRefs>
+</ds:datastoreItem>
+</file>
+
+<file path=customXml/itemProps81.xml><?xml version="1.0" encoding="utf-8"?>
+<ds:datastoreItem xmlns:ds="http://schemas.openxmlformats.org/officeDocument/2006/customXml" ds:itemID="{ED541B40-E3CF-47E9-8800-B673CC7C7D9E}">
+  <ds:schemaRefs>
+    <ds:schemaRef ds:uri="http://schemas.microsoft.com/VisualStudio/2011/storyboarding/control"/>
+  </ds:schemaRefs>
+</ds:datastoreItem>
+</file>
+
+<file path=customXml/itemProps82.xml><?xml version="1.0" encoding="utf-8"?>
 <ds:datastoreItem xmlns:ds="http://schemas.openxmlformats.org/officeDocument/2006/customXml" ds:itemID="{29B37182-9887-4972-8113-B6FBFE59F94E}">
   <ds:schemaRefs>
     <ds:schemaRef ds:uri="http://schemas.microsoft.com/VisualStudio/2011/storyboarding/control"/>
@@ -11359,95 +15932,31 @@
 </ds:datastoreItem>
 </file>
 
-<file path=customXml/itemProps62.xml><?xml version="1.0" encoding="utf-8"?>
-<ds:datastoreItem xmlns:ds="http://schemas.openxmlformats.org/officeDocument/2006/customXml" ds:itemID="{45B142F8-50A8-47EE-8945-EA0E8BEF71EB}">
+<file path=customXml/itemProps83.xml><?xml version="1.0" encoding="utf-8"?>
+<ds:datastoreItem xmlns:ds="http://schemas.openxmlformats.org/officeDocument/2006/customXml" ds:itemID="{4ECEEF82-0B3C-4906-961B-AFB29BD1E6E3}">
   <ds:schemaRefs>
     <ds:schemaRef ds:uri="http://schemas.microsoft.com/VisualStudio/2011/storyboarding/control"/>
   </ds:schemaRefs>
 </ds:datastoreItem>
 </file>
 
-<file path=customXml/itemProps63.xml><?xml version="1.0" encoding="utf-8"?>
-<ds:datastoreItem xmlns:ds="http://schemas.openxmlformats.org/officeDocument/2006/customXml" ds:itemID="{8B3DF17E-302B-453F-A2FD-6CDC4C0170AA}">
+<file path=customXml/itemProps84.xml><?xml version="1.0" encoding="utf-8"?>
+<ds:datastoreItem xmlns:ds="http://schemas.openxmlformats.org/officeDocument/2006/customXml" ds:itemID="{1CCD967A-A231-4443-B5CB-163865029EA0}">
   <ds:schemaRefs>
     <ds:schemaRef ds:uri="http://schemas.microsoft.com/VisualStudio/2011/storyboarding/control"/>
   </ds:schemaRefs>
 </ds:datastoreItem>
 </file>
 
-<file path=customXml/itemProps64.xml><?xml version="1.0" encoding="utf-8"?>
-<ds:datastoreItem xmlns:ds="http://schemas.openxmlformats.org/officeDocument/2006/customXml" ds:itemID="{5EEABA33-0BE1-47F9-8437-631F1B84355A}">
+<file path=customXml/itemProps85.xml><?xml version="1.0" encoding="utf-8"?>
+<ds:datastoreItem xmlns:ds="http://schemas.openxmlformats.org/officeDocument/2006/customXml" ds:itemID="{85F86E7D-DA49-4BE9-9097-1D50FB466B1E}">
   <ds:schemaRefs>
     <ds:schemaRef ds:uri="http://schemas.microsoft.com/VisualStudio/2011/storyboarding/control"/>
   </ds:schemaRefs>
 </ds:datastoreItem>
 </file>
 
-<file path=customXml/itemProps65.xml><?xml version="1.0" encoding="utf-8"?>
-<ds:datastoreItem xmlns:ds="http://schemas.openxmlformats.org/officeDocument/2006/customXml" ds:itemID="{13867D15-2F58-4836-9D34-D0E88BF26D4C}">
-  <ds:schemaRefs>
-    <ds:schemaRef ds:uri="http://schemas.microsoft.com/VisualStudio/2011/storyboarding/control"/>
-  </ds:schemaRefs>
-</ds:datastoreItem>
-</file>
-
-<file path=customXml/itemProps66.xml><?xml version="1.0" encoding="utf-8"?>
-<ds:datastoreItem xmlns:ds="http://schemas.openxmlformats.org/officeDocument/2006/customXml" ds:itemID="{3E9518F8-52DB-4512-B6E1-D4B81EC47F8E}">
-  <ds:schemaRefs>
-    <ds:schemaRef ds:uri="http://schemas.microsoft.com/VisualStudio/2011/storyboarding/control"/>
-  </ds:schemaRefs>
-</ds:datastoreItem>
-</file>
-
-<file path=customXml/itemProps67.xml><?xml version="1.0" encoding="utf-8"?>
-<ds:datastoreItem xmlns:ds="http://schemas.openxmlformats.org/officeDocument/2006/customXml" ds:itemID="{0AB71E67-FC2D-421E-B264-47BB552D5A5B}">
-  <ds:schemaRefs>
-    <ds:schemaRef ds:uri="http://schemas.microsoft.com/VisualStudio/2011/storyboarding/control"/>
-  </ds:schemaRefs>
-</ds:datastoreItem>
-</file>
-
-<file path=customXml/itemProps68.xml><?xml version="1.0" encoding="utf-8"?>
-<ds:datastoreItem xmlns:ds="http://schemas.openxmlformats.org/officeDocument/2006/customXml" ds:itemID="{F9A8EA35-007A-40F9-AD73-68499C4EFDFA}">
-  <ds:schemaRefs>
-    <ds:schemaRef ds:uri="http://schemas.microsoft.com/VisualStudio/2011/storyboarding/control"/>
-  </ds:schemaRefs>
-</ds:datastoreItem>
-</file>
-
-<file path=customXml/itemProps69.xml><?xml version="1.0" encoding="utf-8"?>
-<ds:datastoreItem xmlns:ds="http://schemas.openxmlformats.org/officeDocument/2006/customXml" ds:itemID="{B2016F61-92F9-4E0F-A353-39F009FA0B01}">
-  <ds:schemaRefs>
-    <ds:schemaRef ds:uri="http://schemas.microsoft.com/VisualStudio/2011/storyboarding/control"/>
-  </ds:schemaRefs>
-</ds:datastoreItem>
-</file>
-
-<file path=customXml/itemProps7.xml><?xml version="1.0" encoding="utf-8"?>
-<ds:datastoreItem xmlns:ds="http://schemas.openxmlformats.org/officeDocument/2006/customXml" ds:itemID="{ED7BDB59-BF74-409B-8509-C9B8AF445363}">
-  <ds:schemaRefs>
-    <ds:schemaRef ds:uri="http://schemas.microsoft.com/VisualStudio/2011/storyboarding/control"/>
-  </ds:schemaRefs>
-</ds:datastoreItem>
-</file>
-
-<file path=customXml/itemProps70.xml><?xml version="1.0" encoding="utf-8"?>
-<ds:datastoreItem xmlns:ds="http://schemas.openxmlformats.org/officeDocument/2006/customXml" ds:itemID="{2FCA7744-2BF3-4014-BEA7-E6EE6BE5E79E}">
-  <ds:schemaRefs>
-    <ds:schemaRef ds:uri="http://schemas.microsoft.com/VisualStudio/2011/storyboarding/control"/>
-  </ds:schemaRefs>
-</ds:datastoreItem>
-</file>
-
-<file path=customXml/itemProps71.xml><?xml version="1.0" encoding="utf-8"?>
-<ds:datastoreItem xmlns:ds="http://schemas.openxmlformats.org/officeDocument/2006/customXml" ds:itemID="{98F07B01-E4E8-4E44-B227-4A307E110F5E}">
-  <ds:schemaRefs>
-    <ds:schemaRef ds:uri="http://schemas.microsoft.com/VisualStudio/2011/storyboarding/control"/>
-  </ds:schemaRefs>
-</ds:datastoreItem>
-</file>
-
-<file path=customXml/itemProps72.xml><?xml version="1.0" encoding="utf-8"?>
+<file path=customXml/itemProps86.xml><?xml version="1.0" encoding="utf-8"?>
 <ds:datastoreItem xmlns:ds="http://schemas.openxmlformats.org/officeDocument/2006/customXml" ds:itemID="{9FC86F31-FEBD-4500-B558-3A9092EE01B0}">
   <ds:schemaRefs>
     <ds:schemaRef ds:uri="http://schemas.microsoft.com/VisualStudio/2011/storyboarding/control"/>
@@ -11455,7 +15964,23 @@
 </ds:datastoreItem>
 </file>
 
-<file path=customXml/itemProps73.xml><?xml version="1.0" encoding="utf-8"?>
+<file path=customXml/itemProps87.xml><?xml version="1.0" encoding="utf-8"?>
+<ds:datastoreItem xmlns:ds="http://schemas.openxmlformats.org/officeDocument/2006/customXml" ds:itemID="{F09024E1-1C18-4E75-B068-E418EE7D2650}">
+  <ds:schemaRefs>
+    <ds:schemaRef ds:uri="http://schemas.microsoft.com/VisualStudio/2011/storyboarding/control"/>
+  </ds:schemaRefs>
+</ds:datastoreItem>
+</file>
+
+<file path=customXml/itemProps88.xml><?xml version="1.0" encoding="utf-8"?>
+<ds:datastoreItem xmlns:ds="http://schemas.openxmlformats.org/officeDocument/2006/customXml" ds:itemID="{E475E16E-3D1A-4AA1-9265-74BC7689BD6B}">
+  <ds:schemaRefs>
+    <ds:schemaRef ds:uri="http://schemas.microsoft.com/VisualStudio/2011/storyboarding/control"/>
+  </ds:schemaRefs>
+</ds:datastoreItem>
+</file>
+
+<file path=customXml/itemProps89.xml><?xml version="1.0" encoding="utf-8"?>
 <ds:datastoreItem xmlns:ds="http://schemas.openxmlformats.org/officeDocument/2006/customXml" ds:itemID="{0B25F2DC-DA1F-428C-A9D6-1915EDEAA8DD}">
   <ds:schemaRefs>
     <ds:schemaRef ds:uri="http://schemas.microsoft.com/VisualStudio/2011/storyboarding/control"/>
@@ -11463,23 +15988,47 @@
 </ds:datastoreItem>
 </file>
 
-<file path=customXml/itemProps74.xml><?xml version="1.0" encoding="utf-8"?>
-<ds:datastoreItem xmlns:ds="http://schemas.openxmlformats.org/officeDocument/2006/customXml" ds:itemID="{ED541B40-E3CF-47E9-8800-B673CC7C7D9E}">
+<file path=customXml/itemProps9.xml><?xml version="1.0" encoding="utf-8"?>
+<ds:datastoreItem xmlns:ds="http://schemas.openxmlformats.org/officeDocument/2006/customXml" ds:itemID="{9431BAA6-A458-4A16-B548-267B412E871D}">
   <ds:schemaRefs>
     <ds:schemaRef ds:uri="http://schemas.microsoft.com/VisualStudio/2011/storyboarding/control"/>
   </ds:schemaRefs>
 </ds:datastoreItem>
 </file>
 
-<file path=customXml/itemProps75.xml><?xml version="1.0" encoding="utf-8"?>
-<ds:datastoreItem xmlns:ds="http://schemas.openxmlformats.org/officeDocument/2006/customXml" ds:itemID="{E475E16E-3D1A-4AA1-9265-74BC7689BD6B}">
+<file path=customXml/itemProps90.xml><?xml version="1.0" encoding="utf-8"?>
+<ds:datastoreItem xmlns:ds="http://schemas.openxmlformats.org/officeDocument/2006/customXml" ds:itemID="{E56EDE5A-F97D-4AD1-8B27-19C05BC797E2}">
   <ds:schemaRefs>
     <ds:schemaRef ds:uri="http://schemas.microsoft.com/VisualStudio/2011/storyboarding/control"/>
   </ds:schemaRefs>
 </ds:datastoreItem>
 </file>
 
-<file path=customXml/itemProps76.xml><?xml version="1.0" encoding="utf-8"?>
+<file path=customXml/itemProps91.xml><?xml version="1.0" encoding="utf-8"?>
+<ds:datastoreItem xmlns:ds="http://schemas.openxmlformats.org/officeDocument/2006/customXml" ds:itemID="{C95B04FA-49D0-4922-A7EB-76ADF3F5F5D3}">
+  <ds:schemaRefs>
+    <ds:schemaRef ds:uri="http://schemas.microsoft.com/VisualStudio/2011/storyboarding/control"/>
+  </ds:schemaRefs>
+</ds:datastoreItem>
+</file>
+
+<file path=customXml/itemProps92.xml><?xml version="1.0" encoding="utf-8"?>
+<ds:datastoreItem xmlns:ds="http://schemas.openxmlformats.org/officeDocument/2006/customXml" ds:itemID="{0205D5B8-50E2-42A6-ADDD-577B72710484}">
+  <ds:schemaRefs>
+    <ds:schemaRef ds:uri="http://schemas.microsoft.com/VisualStudio/2011/storyboarding/control"/>
+  </ds:schemaRefs>
+</ds:datastoreItem>
+</file>
+
+<file path=customXml/itemProps93.xml><?xml version="1.0" encoding="utf-8"?>
+<ds:datastoreItem xmlns:ds="http://schemas.openxmlformats.org/officeDocument/2006/customXml" ds:itemID="{F753D4C8-6DCC-4D78-9E76-A20A021CFCD8}">
+  <ds:schemaRefs>
+    <ds:schemaRef ds:uri="http://schemas.microsoft.com/VisualStudio/2011/storyboarding/control"/>
+  </ds:schemaRefs>
+</ds:datastoreItem>
+</file>
+
+<file path=customXml/itemProps94.xml><?xml version="1.0" encoding="utf-8"?>
 <ds:datastoreItem xmlns:ds="http://schemas.openxmlformats.org/officeDocument/2006/customXml" ds:itemID="{9441CC7A-8DA1-4C19-B524-DD31C7A19972}">
   <ds:schemaRefs>
     <ds:schemaRef ds:uri="http://schemas.microsoft.com/VisualStudio/2011/storyboarding/control"/>
@@ -11487,200 +16036,40 @@
 </ds:datastoreItem>
 </file>
 
-<file path=customXml/itemProps77.xml><?xml version="1.0" encoding="utf-8"?>
-<ds:datastoreItem xmlns:ds="http://schemas.openxmlformats.org/officeDocument/2006/customXml" ds:itemID="{F3241CCA-9602-4CB8-B6FA-D8222B14826C}">
+<file path=customXml/itemProps95.xml><?xml version="1.0" encoding="utf-8"?>
+<ds:datastoreItem xmlns:ds="http://schemas.openxmlformats.org/officeDocument/2006/customXml" ds:itemID="{40E6753A-8176-4C3D-A7AD-922499F48E12}">
   <ds:schemaRefs>
     <ds:schemaRef ds:uri="http://schemas.microsoft.com/VisualStudio/2011/storyboarding/control"/>
   </ds:schemaRefs>
 </ds:datastoreItem>
 </file>
 
-<file path=customXml/itemProps78.xml><?xml version="1.0" encoding="utf-8"?>
-<ds:datastoreItem xmlns:ds="http://schemas.openxmlformats.org/officeDocument/2006/customXml" ds:itemID="{92C514EF-47C3-4A1E-8CC0-C426C540F0A1}">
+<file path=customXml/itemProps96.xml><?xml version="1.0" encoding="utf-8"?>
+<ds:datastoreItem xmlns:ds="http://schemas.openxmlformats.org/officeDocument/2006/customXml" ds:itemID="{554CEDA9-374E-4C76-B97B-7202606AC0BE}">
   <ds:schemaRefs>
     <ds:schemaRef ds:uri="http://schemas.microsoft.com/VisualStudio/2011/storyboarding/control"/>
   </ds:schemaRefs>
 </ds:datastoreItem>
 </file>
 
-<file path=customXml/itemProps79.xml><?xml version="1.0" encoding="utf-8"?>
-<ds:datastoreItem xmlns:ds="http://schemas.openxmlformats.org/officeDocument/2006/customXml" ds:itemID="{E5DD84D4-A8CE-4783-AB20-E42165ABDFA7}">
+<file path=customXml/itemProps97.xml><?xml version="1.0" encoding="utf-8"?>
+<ds:datastoreItem xmlns:ds="http://schemas.openxmlformats.org/officeDocument/2006/customXml" ds:itemID="{ACF586AD-3668-4E64-BB79-597B4E8D331A}">
   <ds:schemaRefs>
     <ds:schemaRef ds:uri="http://schemas.microsoft.com/VisualStudio/2011/storyboarding/control"/>
   </ds:schemaRefs>
 </ds:datastoreItem>
 </file>
 
-<file path=customXml/itemProps8.xml><?xml version="1.0" encoding="utf-8"?>
-<ds:datastoreItem xmlns:ds="http://schemas.openxmlformats.org/officeDocument/2006/customXml" ds:itemID="{9A59C534-A299-402C-BDD6-F5443DFA7893}">
+<file path=customXml/itemProps98.xml><?xml version="1.0" encoding="utf-8"?>
+<ds:datastoreItem xmlns:ds="http://schemas.openxmlformats.org/officeDocument/2006/customXml" ds:itemID="{10F0BDDE-4AA3-40EF-B2BC-ACF0382ED861}">
   <ds:schemaRefs>
     <ds:schemaRef ds:uri="http://schemas.microsoft.com/VisualStudio/2011/storyboarding/control"/>
   </ds:schemaRefs>
 </ds:datastoreItem>
 </file>
 
-<file path=customXml/itemProps80.xml><?xml version="1.0" encoding="utf-8"?>
-<ds:datastoreItem xmlns:ds="http://schemas.openxmlformats.org/officeDocument/2006/customXml" ds:itemID="{AE608858-3A79-4E62-9586-14C746DF17FE}">
-  <ds:schemaRefs>
-    <ds:schemaRef ds:uri="http://schemas.microsoft.com/VisualStudio/2011/storyboarding/control"/>
-  </ds:schemaRefs>
-</ds:datastoreItem>
-</file>
-
-<file path=customXml/itemProps81.xml><?xml version="1.0" encoding="utf-8"?>
-<ds:datastoreItem xmlns:ds="http://schemas.openxmlformats.org/officeDocument/2006/customXml" ds:itemID="{46C8095E-E543-4B44-84A5-7DF9215641EF}">
-  <ds:schemaRefs>
-    <ds:schemaRef ds:uri="http://schemas.microsoft.com/VisualStudio/2011/storyboarding/control"/>
-  </ds:schemaRefs>
-</ds:datastoreItem>
-</file>
-
-<file path=customXml/itemProps82.xml><?xml version="1.0" encoding="utf-8"?>
-<ds:datastoreItem xmlns:ds="http://schemas.openxmlformats.org/officeDocument/2006/customXml" ds:itemID="{5248BC68-ADE7-429D-B013-9195EF7419E9}">
-  <ds:schemaRefs>
-    <ds:schemaRef ds:uri="http://schemas.microsoft.com/VisualStudio/2011/storyboarding/control"/>
-  </ds:schemaRefs>
-</ds:datastoreItem>
-</file>
-
-<file path=customXml/itemProps83.xml><?xml version="1.0" encoding="utf-8"?>
-<ds:datastoreItem xmlns:ds="http://schemas.openxmlformats.org/officeDocument/2006/customXml" ds:itemID="{E7741501-71C2-4C17-B4E1-815C0856C474}">
-  <ds:schemaRefs>
-    <ds:schemaRef ds:uri="http://schemas.microsoft.com/VisualStudio/2011/storyboarding/control"/>
-  </ds:schemaRefs>
-</ds:datastoreItem>
-</file>
-
-<file path=customXml/itemProps84.xml><?xml version="1.0" encoding="utf-8"?>
-<ds:datastoreItem xmlns:ds="http://schemas.openxmlformats.org/officeDocument/2006/customXml" ds:itemID="{1C9E4718-660A-46FF-B326-15E4FE359C0C}">
-  <ds:schemaRefs>
-    <ds:schemaRef ds:uri="http://schemas.microsoft.com/VisualStudio/2011/storyboarding/control"/>
-  </ds:schemaRefs>
-</ds:datastoreItem>
-</file>
-
-<file path=customXml/itemProps85.xml><?xml version="1.0" encoding="utf-8"?>
-<ds:datastoreItem xmlns:ds="http://schemas.openxmlformats.org/officeDocument/2006/customXml" ds:itemID="{4A328889-52D6-47EA-AA7A-7178F57DFC2D}">
-  <ds:schemaRefs>
-    <ds:schemaRef ds:uri="http://schemas.microsoft.com/VisualStudio/2011/storyboarding/control"/>
-  </ds:schemaRefs>
-</ds:datastoreItem>
-</file>
-
-<file path=customXml/itemProps86.xml><?xml version="1.0" encoding="utf-8"?>
-<ds:datastoreItem xmlns:ds="http://schemas.openxmlformats.org/officeDocument/2006/customXml" ds:itemID="{AA6A5E90-4733-4052-BD41-CDB87AFA6C57}">
-  <ds:schemaRefs>
-    <ds:schemaRef ds:uri="http://schemas.microsoft.com/VisualStudio/2011/storyboarding/control"/>
-  </ds:schemaRefs>
-</ds:datastoreItem>
-</file>
-
-<file path=customXml/itemProps87.xml><?xml version="1.0" encoding="utf-8"?>
-<ds:datastoreItem xmlns:ds="http://schemas.openxmlformats.org/officeDocument/2006/customXml" ds:itemID="{C95B04FA-49D0-4922-A7EB-76ADF3F5F5D3}">
-  <ds:schemaRefs>
-    <ds:schemaRef ds:uri="http://schemas.microsoft.com/VisualStudio/2011/storyboarding/control"/>
-  </ds:schemaRefs>
-</ds:datastoreItem>
-</file>
-
-<file path=customXml/itemProps88.xml><?xml version="1.0" encoding="utf-8"?>
-<ds:datastoreItem xmlns:ds="http://schemas.openxmlformats.org/officeDocument/2006/customXml" ds:itemID="{6A447DBB-2C85-4597-A0DB-C9A2322BAC8D}">
-  <ds:schemaRefs>
-    <ds:schemaRef ds:uri="http://schemas.microsoft.com/VisualStudio/2011/storyboarding/control"/>
-  </ds:schemaRefs>
-</ds:datastoreItem>
-</file>
-
-<file path=customXml/itemProps89.xml><?xml version="1.0" encoding="utf-8"?>
-<ds:datastoreItem xmlns:ds="http://schemas.openxmlformats.org/officeDocument/2006/customXml" ds:itemID="{0ACEBE80-DD25-46F5-ACB3-B9B1A4485D53}">
-  <ds:schemaRefs>
-    <ds:schemaRef ds:uri="http://schemas.microsoft.com/VisualStudio/2011/storyboarding/control"/>
-  </ds:schemaRefs>
-</ds:datastoreItem>
-</file>
-
-<file path=customXml/itemProps9.xml><?xml version="1.0" encoding="utf-8"?>
-<ds:datastoreItem xmlns:ds="http://schemas.openxmlformats.org/officeDocument/2006/customXml" ds:itemID="{790E7F39-81D7-4FDD-A0B5-0716A2AE74B2}">
-  <ds:schemaRefs>
-    <ds:schemaRef ds:uri="http://schemas.microsoft.com/VisualStudio/2011/storyboarding/control"/>
-  </ds:schemaRefs>
-</ds:datastoreItem>
-</file>
-
-<file path=customXml/itemProps90.xml><?xml version="1.0" encoding="utf-8"?>
-<ds:datastoreItem xmlns:ds="http://schemas.openxmlformats.org/officeDocument/2006/customXml" ds:itemID="{FE51AC1B-1271-4746-867D-55554D78B5AE}">
-  <ds:schemaRefs>
-    <ds:schemaRef ds:uri="http://schemas.microsoft.com/VisualStudio/2011/storyboarding/control"/>
-  </ds:schemaRefs>
-</ds:datastoreItem>
-</file>
-
-<file path=customXml/itemProps91.xml><?xml version="1.0" encoding="utf-8"?>
-<ds:datastoreItem xmlns:ds="http://schemas.openxmlformats.org/officeDocument/2006/customXml" ds:itemID="{59D0369F-25C4-46DE-8418-DF66EC3FEC68}">
-  <ds:schemaRefs>
-    <ds:schemaRef ds:uri="http://schemas.microsoft.com/VisualStudio/2011/storyboarding/control"/>
-  </ds:schemaRefs>
-</ds:datastoreItem>
-</file>
-
-<file path=customXml/itemProps92.xml><?xml version="1.0" encoding="utf-8"?>
-<ds:datastoreItem xmlns:ds="http://schemas.openxmlformats.org/officeDocument/2006/customXml" ds:itemID="{E56EDE5A-F97D-4AD1-8B27-19C05BC797E2}">
-  <ds:schemaRefs>
-    <ds:schemaRef ds:uri="http://schemas.microsoft.com/VisualStudio/2011/storyboarding/control"/>
-  </ds:schemaRefs>
-</ds:datastoreItem>
-</file>
-
-<file path=customXml/itemProps93.xml><?xml version="1.0" encoding="utf-8"?>
-<ds:datastoreItem xmlns:ds="http://schemas.openxmlformats.org/officeDocument/2006/customXml" ds:itemID="{FA631F3F-931D-4669-BD0B-F99571F5C429}">
-  <ds:schemaRefs>
-    <ds:schemaRef ds:uri="http://schemas.microsoft.com/VisualStudio/2011/storyboarding/control"/>
-  </ds:schemaRefs>
-</ds:datastoreItem>
-</file>
-
-<file path=customXml/itemProps94.xml><?xml version="1.0" encoding="utf-8"?>
-<ds:datastoreItem xmlns:ds="http://schemas.openxmlformats.org/officeDocument/2006/customXml" ds:itemID="{1367878A-D08E-41A0-BE0F-87325A2CCFA2}">
-  <ds:schemaRefs>
-    <ds:schemaRef ds:uri="http://schemas.microsoft.com/VisualStudio/2011/storyboarding/control"/>
-  </ds:schemaRefs>
-</ds:datastoreItem>
-</file>
-
-<file path=customXml/itemProps95.xml><?xml version="1.0" encoding="utf-8"?>
-<ds:datastoreItem xmlns:ds="http://schemas.openxmlformats.org/officeDocument/2006/customXml" ds:itemID="{FF00F683-10CA-4344-BB02-557AFC229713}">
-  <ds:schemaRefs>
-    <ds:schemaRef ds:uri="http://schemas.microsoft.com/VisualStudio/2011/storyboarding/control"/>
-  </ds:schemaRefs>
-</ds:datastoreItem>
-</file>
-
-<file path=customXml/itemProps96.xml><?xml version="1.0" encoding="utf-8"?>
-<ds:datastoreItem xmlns:ds="http://schemas.openxmlformats.org/officeDocument/2006/customXml" ds:itemID="{D544E426-85A9-48AB-BB78-E3AD0590EC7C}">
-  <ds:schemaRefs>
-    <ds:schemaRef ds:uri="http://schemas.microsoft.com/VisualStudio/2011/storyboarding/control"/>
-  </ds:schemaRefs>
-</ds:datastoreItem>
-</file>
-
-<file path=customXml/itemProps97.xml><?xml version="1.0" encoding="utf-8"?>
-<ds:datastoreItem xmlns:ds="http://schemas.openxmlformats.org/officeDocument/2006/customXml" ds:itemID="{2373FA59-A4C7-4E40-BF8A-FEF69ED346A4}">
-  <ds:schemaRefs>
-    <ds:schemaRef ds:uri="http://schemas.microsoft.com/VisualStudio/2011/storyboarding/control"/>
-  </ds:schemaRefs>
-</ds:datastoreItem>
-</file>
-
-<file path=customXml/itemProps98.xml><?xml version="1.0" encoding="utf-8"?>
-<ds:datastoreItem xmlns:ds="http://schemas.openxmlformats.org/officeDocument/2006/customXml" ds:itemID="{45D0D449-A17D-45A3-B4E7-E173226B985A}">
-  <ds:schemaRefs>
-    <ds:schemaRef ds:uri="http://schemas.microsoft.com/VisualStudio/2011/storyboarding/control"/>
-  </ds:schemaRefs>
-</ds:datastoreItem>
-</file>
-
 <file path=customXml/itemProps99.xml><?xml version="1.0" encoding="utf-8"?>
-<ds:datastoreItem xmlns:ds="http://schemas.openxmlformats.org/officeDocument/2006/customXml" ds:itemID="{5D43C5DF-C9CE-423E-ADD8-1AAE08E6145B}">
+<ds:datastoreItem xmlns:ds="http://schemas.openxmlformats.org/officeDocument/2006/customXml" ds:itemID="{113ECE65-0514-4E2D-A5D7-CB73FBD23154}">
   <ds:schemaRefs>
     <ds:schemaRef ds:uri="http://schemas.microsoft.com/VisualStudio/2011/storyboarding/control"/>
   </ds:schemaRefs>

--- a/Maquettage.pptx
+++ b/Maquettage.pptx
@@ -2,12 +2,13 @@
 <file path=ppt/presentation.xml><?xml version="1.0" encoding="utf-8"?>
 <p:presentation xmlns:a="http://schemas.openxmlformats.org/drawingml/2006/main" xmlns:r="http://schemas.openxmlformats.org/officeDocument/2006/relationships" xmlns:p="http://schemas.openxmlformats.org/presentationml/2006/main" saveSubsetFonts="1">
   <p:sldMasterIdLst>
-    <p:sldMasterId id="2147483660" r:id="rId158"/>
+    <p:sldMasterId id="2147483660" r:id="rId173"/>
   </p:sldMasterIdLst>
   <p:sldIdLst>
-    <p:sldId id="256" r:id="rId159"/>
-    <p:sldId id="257" r:id="rId160"/>
-    <p:sldId id="258" r:id="rId161"/>
+    <p:sldId id="256" r:id="rId174"/>
+    <p:sldId id="257" r:id="rId175"/>
+    <p:sldId id="258" r:id="rId176"/>
+    <p:sldId id="259" r:id="rId177"/>
   </p:sldIdLst>
   <p:sldSz cx="12192000" cy="6858000"/>
   <p:notesSz cx="6858000" cy="9144000"/>
@@ -2763,6 +2764,1571 @@
 </p:sldLayout>
 </file>
 
+<file path=ppt/slideLayouts/slideLayout10.xml><?xml version="1.0" encoding="utf-8"?>
+<p:sldLayout xmlns:a="http://schemas.openxmlformats.org/drawingml/2006/main" xmlns:r="http://schemas.openxmlformats.org/officeDocument/2006/relationships" xmlns:p="http://schemas.openxmlformats.org/presentationml/2006/main" preserve="1" userDrawn="1">
+  <p:cSld name="6_Disposition personnalisée">
+    <p:spTree>
+      <p:nvGrpSpPr>
+        <p:cNvPr id="1" name=""/>
+        <p:cNvGrpSpPr/>
+        <p:nvPr/>
+      </p:nvGrpSpPr>
+      <p:grpSpPr>
+        <a:xfrm>
+          <a:off x="0" y="0"/>
+          <a:ext cx="0" cy="0"/>
+          <a:chOff x="0" y="0"/>
+          <a:chExt cx="0" cy="0"/>
+        </a:xfrm>
+      </p:grpSpPr>
+      <p:graphicFrame>
+        <p:nvGraphicFramePr>
+          <p:cNvPr id="3" name="Table">
+            <a:extLst>
+              <a:ext uri="{FF2B5EF4-FFF2-40B4-BE49-F238E27FC236}">
+                <a16:creationId xmlns:a16="http://schemas.microsoft.com/office/drawing/2014/main" id="{A4C76FDE-3418-4C99-92D0-6BC2D4B18577}"/>
+              </a:ext>
+            </a:extLst>
+          </p:cNvPr>
+          <p:cNvGraphicFramePr>
+            <a:graphicFrameLocks noGrp="1"/>
+          </p:cNvGraphicFramePr>
+          <p:nvPr userDrawn="1">
+            <p:custDataLst>
+              <p:custData r:id="rId1"/>
+            </p:custDataLst>
+            <p:extLst/>
+          </p:nvPr>
+        </p:nvGraphicFramePr>
+        <p:xfrm>
+          <a:off x="814070" y="2644520"/>
+          <a:ext cx="10513059" cy="4516995"/>
+        </p:xfrm>
+        <a:graphic>
+          <a:graphicData uri="http://schemas.openxmlformats.org/drawingml/2006/table">
+            <a:tbl>
+              <a:tblPr firstRow="1" bandRow="1">
+                <a:tableStyleId>{8EC20E35-A176-4012-BC5E-935CFFF8708E}</a:tableStyleId>
+              </a:tblPr>
+              <a:tblGrid>
+                <a:gridCol w="7884160">
+                  <a:extLst>
+                    <a:ext uri="{9D8B030D-6E8A-4147-A177-3AD203B41FA5}">
+                      <a16:colId xmlns:a16="http://schemas.microsoft.com/office/drawing/2014/main" val="20000"/>
+                    </a:ext>
+                  </a:extLst>
+                </a:gridCol>
+                <a:gridCol w="1314450">
+                  <a:extLst>
+                    <a:ext uri="{9D8B030D-6E8A-4147-A177-3AD203B41FA5}">
+                      <a16:colId xmlns:a16="http://schemas.microsoft.com/office/drawing/2014/main" val="20001"/>
+                    </a:ext>
+                  </a:extLst>
+                </a:gridCol>
+                <a:gridCol w="1314449">
+                  <a:extLst>
+                    <a:ext uri="{9D8B030D-6E8A-4147-A177-3AD203B41FA5}">
+                      <a16:colId xmlns:a16="http://schemas.microsoft.com/office/drawing/2014/main" val="20002"/>
+                    </a:ext>
+                  </a:extLst>
+                </a:gridCol>
+              </a:tblGrid>
+              <a:tr h="350140">
+                <a:tc>
+                  <a:txBody>
+                    <a:bodyPr/>
+                    <a:lstStyle/>
+                    <a:p>
+                      <a:pPr algn="ctr"/>
+                      <a:r>
+                        <a:rPr lang="en-US" sz="2000" dirty="0">
+                          <a:solidFill>
+                            <a:srgbClr val="000000"/>
+                          </a:solidFill>
+                        </a:rPr>
+                        <a:t>Idée</a:t>
+                      </a:r>
+                    </a:p>
+                  </a:txBody>
+                  <a:tcPr marL="56960" marR="56960" marT="0" marB="28480">
+                    <a:lnL w="3175" cap="flat" cmpd="sng" algn="ctr">
+                      <a:solidFill>
+                        <a:srgbClr val="FFFFFF">
+                          <a:lumMod val="50000"/>
+                        </a:srgbClr>
+                      </a:solidFill>
+                      <a:prstDash val="solid"/>
+                      <a:round/>
+                      <a:headEnd type="none" w="med" len="med"/>
+                      <a:tailEnd type="none" w="med" len="med"/>
+                    </a:lnL>
+                    <a:lnR w="3175" cap="flat" cmpd="sng" algn="ctr">
+                      <a:solidFill>
+                        <a:srgbClr val="FFFFFF">
+                          <a:lumMod val="50000"/>
+                        </a:srgbClr>
+                      </a:solidFill>
+                      <a:prstDash val="solid"/>
+                      <a:round/>
+                      <a:headEnd type="none" w="med" len="med"/>
+                      <a:tailEnd type="none" w="med" len="med"/>
+                    </a:lnR>
+                    <a:lnT w="3175" cap="flat" cmpd="sng" algn="ctr">
+                      <a:solidFill>
+                        <a:srgbClr val="FFFFFF">
+                          <a:lumMod val="50000"/>
+                        </a:srgbClr>
+                      </a:solidFill>
+                      <a:prstDash val="solid"/>
+                      <a:round/>
+                      <a:headEnd type="none" w="med" len="med"/>
+                      <a:tailEnd type="none" w="med" len="med"/>
+                    </a:lnT>
+                    <a:lnB w="3175" cap="flat" cmpd="sng" algn="ctr">
+                      <a:solidFill>
+                        <a:srgbClr val="FFFFFF">
+                          <a:lumMod val="50000"/>
+                        </a:srgbClr>
+                      </a:solidFill>
+                      <a:prstDash val="solid"/>
+                      <a:round/>
+                      <a:headEnd type="none" w="med" len="med"/>
+                      <a:tailEnd type="none" w="med" len="med"/>
+                    </a:lnB>
+                    <a:solidFill>
+                      <a:srgbClr val="FFFFFF">
+                        <a:lumMod val="75000"/>
+                      </a:srgbClr>
+                    </a:solidFill>
+                  </a:tcPr>
+                </a:tc>
+                <a:tc>
+                  <a:txBody>
+                    <a:bodyPr/>
+                    <a:lstStyle/>
+                    <a:p>
+                      <a:pPr algn="ctr"/>
+                      <a:r>
+                        <a:rPr lang="en-US" sz="2000" dirty="0">
+                          <a:solidFill>
+                            <a:srgbClr val="000000"/>
+                          </a:solidFill>
+                        </a:rPr>
+                        <a:t>Auteur</a:t>
+                      </a:r>
+                    </a:p>
+                  </a:txBody>
+                  <a:tcPr marL="56960" marR="56960" marT="0" marB="28480">
+                    <a:lnL w="3175" cap="flat" cmpd="sng" algn="ctr">
+                      <a:solidFill>
+                        <a:srgbClr val="FFFFFF">
+                          <a:lumMod val="50000"/>
+                        </a:srgbClr>
+                      </a:solidFill>
+                      <a:prstDash val="solid"/>
+                      <a:round/>
+                      <a:headEnd type="none" w="med" len="med"/>
+                      <a:tailEnd type="none" w="med" len="med"/>
+                    </a:lnL>
+                    <a:lnR w="3175" cap="flat" cmpd="sng" algn="ctr">
+                      <a:solidFill>
+                        <a:srgbClr val="FFFFFF">
+                          <a:lumMod val="50000"/>
+                        </a:srgbClr>
+                      </a:solidFill>
+                      <a:prstDash val="solid"/>
+                      <a:round/>
+                      <a:headEnd type="none" w="med" len="med"/>
+                      <a:tailEnd type="none" w="med" len="med"/>
+                    </a:lnR>
+                    <a:lnT w="3175" cap="flat" cmpd="sng" algn="ctr">
+                      <a:solidFill>
+                        <a:srgbClr val="FFFFFF">
+                          <a:lumMod val="50000"/>
+                        </a:srgbClr>
+                      </a:solidFill>
+                      <a:prstDash val="solid"/>
+                      <a:round/>
+                      <a:headEnd type="none" w="med" len="med"/>
+                      <a:tailEnd type="none" w="med" len="med"/>
+                    </a:lnT>
+                    <a:lnB w="3175" cap="flat" cmpd="sng" algn="ctr">
+                      <a:solidFill>
+                        <a:srgbClr val="FFFFFF">
+                          <a:lumMod val="50000"/>
+                        </a:srgbClr>
+                      </a:solidFill>
+                      <a:prstDash val="solid"/>
+                      <a:round/>
+                      <a:headEnd type="none" w="med" len="med"/>
+                      <a:tailEnd type="none" w="med" len="med"/>
+                    </a:lnB>
+                    <a:solidFill>
+                      <a:srgbClr val="FFFFFF">
+                        <a:lumMod val="75000"/>
+                      </a:srgbClr>
+                    </a:solidFill>
+                  </a:tcPr>
+                </a:tc>
+                <a:tc>
+                  <a:txBody>
+                    <a:bodyPr/>
+                    <a:lstStyle/>
+                    <a:p>
+                      <a:pPr algn="ctr"/>
+                      <a:r>
+                        <a:rPr lang="en-US" sz="2000" dirty="0">
+                          <a:solidFill>
+                            <a:srgbClr val="000000"/>
+                          </a:solidFill>
+                        </a:rPr>
+                        <a:t>Note</a:t>
+                      </a:r>
+                    </a:p>
+                  </a:txBody>
+                  <a:tcPr marL="56960" marR="56960" marT="0" marB="28480">
+                    <a:lnL w="3175" cap="flat" cmpd="sng" algn="ctr">
+                      <a:solidFill>
+                        <a:srgbClr val="FFFFFF">
+                          <a:lumMod val="50000"/>
+                        </a:srgbClr>
+                      </a:solidFill>
+                      <a:prstDash val="solid"/>
+                      <a:round/>
+                      <a:headEnd type="none" w="med" len="med"/>
+                      <a:tailEnd type="none" w="med" len="med"/>
+                    </a:lnL>
+                    <a:lnR w="3175" cap="flat" cmpd="sng" algn="ctr">
+                      <a:solidFill>
+                        <a:srgbClr val="FFFFFF">
+                          <a:lumMod val="50000"/>
+                        </a:srgbClr>
+                      </a:solidFill>
+                      <a:prstDash val="solid"/>
+                      <a:round/>
+                      <a:headEnd type="none" w="med" len="med"/>
+                      <a:tailEnd type="none" w="med" len="med"/>
+                    </a:lnR>
+                    <a:lnT w="3175" cap="flat" cmpd="sng" algn="ctr">
+                      <a:solidFill>
+                        <a:srgbClr val="FFFFFF">
+                          <a:lumMod val="50000"/>
+                        </a:srgbClr>
+                      </a:solidFill>
+                      <a:prstDash val="solid"/>
+                      <a:round/>
+                      <a:headEnd type="none" w="med" len="med"/>
+                      <a:tailEnd type="none" w="med" len="med"/>
+                    </a:lnT>
+                    <a:lnB w="3175" cap="flat" cmpd="sng" algn="ctr">
+                      <a:solidFill>
+                        <a:srgbClr val="FFFFFF">
+                          <a:lumMod val="50000"/>
+                        </a:srgbClr>
+                      </a:solidFill>
+                      <a:prstDash val="solid"/>
+                      <a:round/>
+                      <a:headEnd type="none" w="med" len="med"/>
+                      <a:tailEnd type="none" w="med" len="med"/>
+                    </a:lnB>
+                    <a:solidFill>
+                      <a:srgbClr val="FFFFFF">
+                        <a:lumMod val="75000"/>
+                      </a:srgbClr>
+                    </a:solidFill>
+                  </a:tcPr>
+                </a:tc>
+                <a:extLst>
+                  <a:ext uri="{0D108BD9-81ED-4DB2-BD59-A6C34878D82A}">
+                    <a16:rowId xmlns:a16="http://schemas.microsoft.com/office/drawing/2014/main" val="10000"/>
+                  </a:ext>
+                </a:extLst>
+              </a:tr>
+              <a:tr h="595265">
+                <a:tc>
+                  <a:txBody>
+                    <a:bodyPr/>
+                    <a:lstStyle/>
+                    <a:p>
+                      <a:endParaRPr lang="en-US" sz="1100" dirty="0">
+                        <a:solidFill>
+                          <a:srgbClr val="000000"/>
+                        </a:solidFill>
+                      </a:endParaRPr>
+                    </a:p>
+                  </a:txBody>
+                  <a:tcPr marL="56960" marR="56960" marT="0" marB="28480">
+                    <a:lnL w="3175" cap="flat" cmpd="sng" algn="ctr">
+                      <a:solidFill>
+                        <a:srgbClr val="FFFFFF">
+                          <a:lumMod val="50000"/>
+                        </a:srgbClr>
+                      </a:solidFill>
+                      <a:prstDash val="solid"/>
+                      <a:round/>
+                      <a:headEnd type="none" w="med" len="med"/>
+                      <a:tailEnd type="none" w="med" len="med"/>
+                    </a:lnL>
+                    <a:lnR w="3175" cap="flat" cmpd="sng" algn="ctr">
+                      <a:solidFill>
+                        <a:srgbClr val="FFFFFF">
+                          <a:lumMod val="50000"/>
+                        </a:srgbClr>
+                      </a:solidFill>
+                      <a:prstDash val="solid"/>
+                      <a:round/>
+                      <a:headEnd type="none" w="med" len="med"/>
+                      <a:tailEnd type="none" w="med" len="med"/>
+                    </a:lnR>
+                    <a:lnT w="3175" cap="flat" cmpd="sng" algn="ctr">
+                      <a:solidFill>
+                        <a:srgbClr val="FFFFFF">
+                          <a:lumMod val="50000"/>
+                        </a:srgbClr>
+                      </a:solidFill>
+                      <a:prstDash val="solid"/>
+                      <a:round/>
+                      <a:headEnd type="none" w="med" len="med"/>
+                      <a:tailEnd type="none" w="med" len="med"/>
+                    </a:lnT>
+                  </a:tcPr>
+                </a:tc>
+                <a:tc>
+                  <a:txBody>
+                    <a:bodyPr/>
+                    <a:lstStyle/>
+                    <a:p>
+                      <a:endParaRPr lang="en-US" sz="1100" dirty="0">
+                        <a:solidFill>
+                          <a:srgbClr val="000000"/>
+                        </a:solidFill>
+                      </a:endParaRPr>
+                    </a:p>
+                  </a:txBody>
+                  <a:tcPr marL="56960" marR="56960" marT="0" marB="28480">
+                    <a:lnL w="3175" cap="flat" cmpd="sng" algn="ctr">
+                      <a:solidFill>
+                        <a:srgbClr val="FFFFFF">
+                          <a:lumMod val="50000"/>
+                        </a:srgbClr>
+                      </a:solidFill>
+                      <a:prstDash val="solid"/>
+                      <a:round/>
+                      <a:headEnd type="none" w="med" len="med"/>
+                      <a:tailEnd type="none" w="med" len="med"/>
+                    </a:lnL>
+                    <a:lnR w="3175" cap="flat" cmpd="sng" algn="ctr">
+                      <a:solidFill>
+                        <a:srgbClr val="FFFFFF">
+                          <a:lumMod val="50000"/>
+                        </a:srgbClr>
+                      </a:solidFill>
+                      <a:prstDash val="solid"/>
+                      <a:round/>
+                      <a:headEnd type="none" w="med" len="med"/>
+                      <a:tailEnd type="none" w="med" len="med"/>
+                    </a:lnR>
+                    <a:lnT w="3175" cap="flat" cmpd="sng" algn="ctr">
+                      <a:solidFill>
+                        <a:srgbClr val="FFFFFF">
+                          <a:lumMod val="50000"/>
+                        </a:srgbClr>
+                      </a:solidFill>
+                      <a:prstDash val="solid"/>
+                      <a:round/>
+                      <a:headEnd type="none" w="med" len="med"/>
+                      <a:tailEnd type="none" w="med" len="med"/>
+                    </a:lnT>
+                  </a:tcPr>
+                </a:tc>
+                <a:tc>
+                  <a:txBody>
+                    <a:bodyPr/>
+                    <a:lstStyle/>
+                    <a:p>
+                      <a:endParaRPr lang="en-US" sz="1100" dirty="0">
+                        <a:solidFill>
+                          <a:srgbClr val="000000"/>
+                        </a:solidFill>
+                      </a:endParaRPr>
+                    </a:p>
+                  </a:txBody>
+                  <a:tcPr marL="56960" marR="56960" marT="0" marB="28480">
+                    <a:lnL w="3175" cap="flat" cmpd="sng" algn="ctr">
+                      <a:solidFill>
+                        <a:srgbClr val="FFFFFF">
+                          <a:lumMod val="50000"/>
+                        </a:srgbClr>
+                      </a:solidFill>
+                      <a:prstDash val="solid"/>
+                      <a:round/>
+                      <a:headEnd type="none" w="med" len="med"/>
+                      <a:tailEnd type="none" w="med" len="med"/>
+                    </a:lnL>
+                    <a:lnR w="3175" cap="flat" cmpd="sng" algn="ctr">
+                      <a:solidFill>
+                        <a:srgbClr val="FFFFFF">
+                          <a:lumMod val="50000"/>
+                        </a:srgbClr>
+                      </a:solidFill>
+                      <a:prstDash val="solid"/>
+                      <a:round/>
+                      <a:headEnd type="none" w="med" len="med"/>
+                      <a:tailEnd type="none" w="med" len="med"/>
+                    </a:lnR>
+                    <a:lnT w="3175" cap="flat" cmpd="sng" algn="ctr">
+                      <a:solidFill>
+                        <a:srgbClr val="FFFFFF">
+                          <a:lumMod val="50000"/>
+                        </a:srgbClr>
+                      </a:solidFill>
+                      <a:prstDash val="solid"/>
+                      <a:round/>
+                      <a:headEnd type="none" w="med" len="med"/>
+                      <a:tailEnd type="none" w="med" len="med"/>
+                    </a:lnT>
+                  </a:tcPr>
+                </a:tc>
+                <a:extLst>
+                  <a:ext uri="{0D108BD9-81ED-4DB2-BD59-A6C34878D82A}">
+                    <a16:rowId xmlns:a16="http://schemas.microsoft.com/office/drawing/2014/main" val="10001"/>
+                  </a:ext>
+                </a:extLst>
+              </a:tr>
+              <a:tr h="595265">
+                <a:tc>
+                  <a:txBody>
+                    <a:bodyPr/>
+                    <a:lstStyle/>
+                    <a:p>
+                      <a:endParaRPr lang="en-US" sz="1100" dirty="0">
+                        <a:solidFill>
+                          <a:srgbClr val="000000"/>
+                        </a:solidFill>
+                      </a:endParaRPr>
+                    </a:p>
+                  </a:txBody>
+                  <a:tcPr marL="56960" marR="56960" marT="0" marB="28480">
+                    <a:lnL w="3175" cap="flat" cmpd="sng" algn="ctr">
+                      <a:solidFill>
+                        <a:srgbClr val="FFFFFF">
+                          <a:lumMod val="50000"/>
+                        </a:srgbClr>
+                      </a:solidFill>
+                      <a:prstDash val="solid"/>
+                      <a:round/>
+                      <a:headEnd type="none" w="med" len="med"/>
+                      <a:tailEnd type="none" w="med" len="med"/>
+                    </a:lnL>
+                    <a:lnR w="3175" cap="flat" cmpd="sng" algn="ctr">
+                      <a:solidFill>
+                        <a:srgbClr val="FFFFFF">
+                          <a:lumMod val="50000"/>
+                        </a:srgbClr>
+                      </a:solidFill>
+                      <a:prstDash val="solid"/>
+                      <a:round/>
+                      <a:headEnd type="none" w="med" len="med"/>
+                      <a:tailEnd type="none" w="med" len="med"/>
+                    </a:lnR>
+                  </a:tcPr>
+                </a:tc>
+                <a:tc>
+                  <a:txBody>
+                    <a:bodyPr/>
+                    <a:lstStyle/>
+                    <a:p>
+                      <a:endParaRPr lang="en-US" sz="1100" dirty="0">
+                        <a:solidFill>
+                          <a:srgbClr val="000000"/>
+                        </a:solidFill>
+                      </a:endParaRPr>
+                    </a:p>
+                  </a:txBody>
+                  <a:tcPr marL="56960" marR="56960" marT="0" marB="28480">
+                    <a:lnL w="3175" cap="flat" cmpd="sng" algn="ctr">
+                      <a:solidFill>
+                        <a:srgbClr val="FFFFFF">
+                          <a:lumMod val="50000"/>
+                        </a:srgbClr>
+                      </a:solidFill>
+                      <a:prstDash val="solid"/>
+                      <a:round/>
+                      <a:headEnd type="none" w="med" len="med"/>
+                      <a:tailEnd type="none" w="med" len="med"/>
+                    </a:lnL>
+                    <a:lnR w="3175" cap="flat" cmpd="sng" algn="ctr">
+                      <a:solidFill>
+                        <a:srgbClr val="FFFFFF">
+                          <a:lumMod val="50000"/>
+                        </a:srgbClr>
+                      </a:solidFill>
+                      <a:prstDash val="solid"/>
+                      <a:round/>
+                      <a:headEnd type="none" w="med" len="med"/>
+                      <a:tailEnd type="none" w="med" len="med"/>
+                    </a:lnR>
+                  </a:tcPr>
+                </a:tc>
+                <a:tc>
+                  <a:txBody>
+                    <a:bodyPr/>
+                    <a:lstStyle/>
+                    <a:p>
+                      <a:endParaRPr lang="en-US" sz="1100" dirty="0">
+                        <a:solidFill>
+                          <a:srgbClr val="000000"/>
+                        </a:solidFill>
+                      </a:endParaRPr>
+                    </a:p>
+                  </a:txBody>
+                  <a:tcPr marL="56960" marR="56960" marT="0" marB="28480">
+                    <a:lnL w="3175" cap="flat" cmpd="sng" algn="ctr">
+                      <a:solidFill>
+                        <a:srgbClr val="FFFFFF">
+                          <a:lumMod val="50000"/>
+                        </a:srgbClr>
+                      </a:solidFill>
+                      <a:prstDash val="solid"/>
+                      <a:round/>
+                      <a:headEnd type="none" w="med" len="med"/>
+                      <a:tailEnd type="none" w="med" len="med"/>
+                    </a:lnL>
+                    <a:lnR w="3175" cap="flat" cmpd="sng" algn="ctr">
+                      <a:solidFill>
+                        <a:srgbClr val="FFFFFF">
+                          <a:lumMod val="50000"/>
+                        </a:srgbClr>
+                      </a:solidFill>
+                      <a:prstDash val="solid"/>
+                      <a:round/>
+                      <a:headEnd type="none" w="med" len="med"/>
+                      <a:tailEnd type="none" w="med" len="med"/>
+                    </a:lnR>
+                  </a:tcPr>
+                </a:tc>
+                <a:extLst>
+                  <a:ext uri="{0D108BD9-81ED-4DB2-BD59-A6C34878D82A}">
+                    <a16:rowId xmlns:a16="http://schemas.microsoft.com/office/drawing/2014/main" val="10002"/>
+                  </a:ext>
+                </a:extLst>
+              </a:tr>
+              <a:tr h="595265">
+                <a:tc>
+                  <a:txBody>
+                    <a:bodyPr/>
+                    <a:lstStyle/>
+                    <a:p>
+                      <a:endParaRPr lang="en-US" sz="1100" dirty="0">
+                        <a:solidFill>
+                          <a:srgbClr val="000000"/>
+                        </a:solidFill>
+                      </a:endParaRPr>
+                    </a:p>
+                  </a:txBody>
+                  <a:tcPr marL="56960" marR="56960" marT="0" marB="28480">
+                    <a:lnL w="3175" cap="flat" cmpd="sng" algn="ctr">
+                      <a:solidFill>
+                        <a:srgbClr val="FFFFFF">
+                          <a:lumMod val="50000"/>
+                        </a:srgbClr>
+                      </a:solidFill>
+                      <a:prstDash val="solid"/>
+                      <a:round/>
+                      <a:headEnd type="none" w="med" len="med"/>
+                      <a:tailEnd type="none" w="med" len="med"/>
+                    </a:lnL>
+                    <a:lnR w="3175" cap="flat" cmpd="sng" algn="ctr">
+                      <a:solidFill>
+                        <a:srgbClr val="FFFFFF">
+                          <a:lumMod val="50000"/>
+                        </a:srgbClr>
+                      </a:solidFill>
+                      <a:prstDash val="solid"/>
+                      <a:round/>
+                      <a:headEnd type="none" w="med" len="med"/>
+                      <a:tailEnd type="none" w="med" len="med"/>
+                    </a:lnR>
+                  </a:tcPr>
+                </a:tc>
+                <a:tc>
+                  <a:txBody>
+                    <a:bodyPr/>
+                    <a:lstStyle/>
+                    <a:p>
+                      <a:endParaRPr lang="en-US" sz="1100" dirty="0">
+                        <a:solidFill>
+                          <a:srgbClr val="000000"/>
+                        </a:solidFill>
+                      </a:endParaRPr>
+                    </a:p>
+                  </a:txBody>
+                  <a:tcPr marL="56960" marR="56960" marT="0" marB="28480">
+                    <a:lnL w="3175" cap="flat" cmpd="sng" algn="ctr">
+                      <a:solidFill>
+                        <a:srgbClr val="FFFFFF">
+                          <a:lumMod val="50000"/>
+                        </a:srgbClr>
+                      </a:solidFill>
+                      <a:prstDash val="solid"/>
+                      <a:round/>
+                      <a:headEnd type="none" w="med" len="med"/>
+                      <a:tailEnd type="none" w="med" len="med"/>
+                    </a:lnL>
+                    <a:lnR w="3175" cap="flat" cmpd="sng" algn="ctr">
+                      <a:solidFill>
+                        <a:srgbClr val="FFFFFF">
+                          <a:lumMod val="50000"/>
+                        </a:srgbClr>
+                      </a:solidFill>
+                      <a:prstDash val="solid"/>
+                      <a:round/>
+                      <a:headEnd type="none" w="med" len="med"/>
+                      <a:tailEnd type="none" w="med" len="med"/>
+                    </a:lnR>
+                  </a:tcPr>
+                </a:tc>
+                <a:tc>
+                  <a:txBody>
+                    <a:bodyPr/>
+                    <a:lstStyle/>
+                    <a:p>
+                      <a:endParaRPr lang="en-US" sz="1100" dirty="0">
+                        <a:solidFill>
+                          <a:srgbClr val="000000"/>
+                        </a:solidFill>
+                      </a:endParaRPr>
+                    </a:p>
+                  </a:txBody>
+                  <a:tcPr marL="56960" marR="56960" marT="0" marB="28480">
+                    <a:lnL w="3175" cap="flat" cmpd="sng" algn="ctr">
+                      <a:solidFill>
+                        <a:srgbClr val="FFFFFF">
+                          <a:lumMod val="50000"/>
+                        </a:srgbClr>
+                      </a:solidFill>
+                      <a:prstDash val="solid"/>
+                      <a:round/>
+                      <a:headEnd type="none" w="med" len="med"/>
+                      <a:tailEnd type="none" w="med" len="med"/>
+                    </a:lnL>
+                    <a:lnR w="3175" cap="flat" cmpd="sng" algn="ctr">
+                      <a:solidFill>
+                        <a:srgbClr val="FFFFFF">
+                          <a:lumMod val="50000"/>
+                        </a:srgbClr>
+                      </a:solidFill>
+                      <a:prstDash val="solid"/>
+                      <a:round/>
+                      <a:headEnd type="none" w="med" len="med"/>
+                      <a:tailEnd type="none" w="med" len="med"/>
+                    </a:lnR>
+                  </a:tcPr>
+                </a:tc>
+                <a:extLst>
+                  <a:ext uri="{0D108BD9-81ED-4DB2-BD59-A6C34878D82A}">
+                    <a16:rowId xmlns:a16="http://schemas.microsoft.com/office/drawing/2014/main" val="10003"/>
+                  </a:ext>
+                </a:extLst>
+              </a:tr>
+              <a:tr h="595265">
+                <a:tc>
+                  <a:txBody>
+                    <a:bodyPr/>
+                    <a:lstStyle/>
+                    <a:p>
+                      <a:endParaRPr lang="en-US" sz="1100" dirty="0">
+                        <a:solidFill>
+                          <a:srgbClr val="000000"/>
+                        </a:solidFill>
+                      </a:endParaRPr>
+                    </a:p>
+                  </a:txBody>
+                  <a:tcPr marL="56960" marR="56960" marT="0" marB="28480">
+                    <a:lnL w="3175" cap="flat" cmpd="sng" algn="ctr">
+                      <a:solidFill>
+                        <a:srgbClr val="FFFFFF">
+                          <a:lumMod val="50000"/>
+                        </a:srgbClr>
+                      </a:solidFill>
+                      <a:prstDash val="solid"/>
+                      <a:round/>
+                      <a:headEnd type="none" w="med" len="med"/>
+                      <a:tailEnd type="none" w="med" len="med"/>
+                    </a:lnL>
+                    <a:lnR w="3175" cap="flat" cmpd="sng" algn="ctr">
+                      <a:solidFill>
+                        <a:srgbClr val="FFFFFF">
+                          <a:lumMod val="50000"/>
+                        </a:srgbClr>
+                      </a:solidFill>
+                      <a:prstDash val="solid"/>
+                      <a:round/>
+                      <a:headEnd type="none" w="med" len="med"/>
+                      <a:tailEnd type="none" w="med" len="med"/>
+                    </a:lnR>
+                  </a:tcPr>
+                </a:tc>
+                <a:tc>
+                  <a:txBody>
+                    <a:bodyPr/>
+                    <a:lstStyle/>
+                    <a:p>
+                      <a:endParaRPr lang="en-US" sz="1100" dirty="0">
+                        <a:solidFill>
+                          <a:srgbClr val="000000"/>
+                        </a:solidFill>
+                      </a:endParaRPr>
+                    </a:p>
+                  </a:txBody>
+                  <a:tcPr marL="56960" marR="56960" marT="0" marB="28480">
+                    <a:lnL w="3175" cap="flat" cmpd="sng" algn="ctr">
+                      <a:solidFill>
+                        <a:srgbClr val="FFFFFF">
+                          <a:lumMod val="50000"/>
+                        </a:srgbClr>
+                      </a:solidFill>
+                      <a:prstDash val="solid"/>
+                      <a:round/>
+                      <a:headEnd type="none" w="med" len="med"/>
+                      <a:tailEnd type="none" w="med" len="med"/>
+                    </a:lnL>
+                    <a:lnR w="3175" cap="flat" cmpd="sng" algn="ctr">
+                      <a:solidFill>
+                        <a:srgbClr val="FFFFFF">
+                          <a:lumMod val="50000"/>
+                        </a:srgbClr>
+                      </a:solidFill>
+                      <a:prstDash val="solid"/>
+                      <a:round/>
+                      <a:headEnd type="none" w="med" len="med"/>
+                      <a:tailEnd type="none" w="med" len="med"/>
+                    </a:lnR>
+                  </a:tcPr>
+                </a:tc>
+                <a:tc>
+                  <a:txBody>
+                    <a:bodyPr/>
+                    <a:lstStyle/>
+                    <a:p>
+                      <a:endParaRPr lang="en-US" sz="1100" dirty="0">
+                        <a:solidFill>
+                          <a:srgbClr val="000000"/>
+                        </a:solidFill>
+                      </a:endParaRPr>
+                    </a:p>
+                  </a:txBody>
+                  <a:tcPr marL="56960" marR="56960" marT="0" marB="28480">
+                    <a:lnL w="3175" cap="flat" cmpd="sng" algn="ctr">
+                      <a:solidFill>
+                        <a:srgbClr val="FFFFFF">
+                          <a:lumMod val="50000"/>
+                        </a:srgbClr>
+                      </a:solidFill>
+                      <a:prstDash val="solid"/>
+                      <a:round/>
+                      <a:headEnd type="none" w="med" len="med"/>
+                      <a:tailEnd type="none" w="med" len="med"/>
+                    </a:lnL>
+                    <a:lnR w="3175" cap="flat" cmpd="sng" algn="ctr">
+                      <a:solidFill>
+                        <a:srgbClr val="FFFFFF">
+                          <a:lumMod val="50000"/>
+                        </a:srgbClr>
+                      </a:solidFill>
+                      <a:prstDash val="solid"/>
+                      <a:round/>
+                      <a:headEnd type="none" w="med" len="med"/>
+                      <a:tailEnd type="none" w="med" len="med"/>
+                    </a:lnR>
+                  </a:tcPr>
+                </a:tc>
+                <a:extLst>
+                  <a:ext uri="{0D108BD9-81ED-4DB2-BD59-A6C34878D82A}">
+                    <a16:rowId xmlns:a16="http://schemas.microsoft.com/office/drawing/2014/main" val="10004"/>
+                  </a:ext>
+                </a:extLst>
+              </a:tr>
+              <a:tr h="595265">
+                <a:tc>
+                  <a:txBody>
+                    <a:bodyPr/>
+                    <a:lstStyle/>
+                    <a:p>
+                      <a:endParaRPr lang="en-US" sz="1100" dirty="0">
+                        <a:solidFill>
+                          <a:srgbClr val="000000"/>
+                        </a:solidFill>
+                      </a:endParaRPr>
+                    </a:p>
+                  </a:txBody>
+                  <a:tcPr marL="56960" marR="56960" marT="0" marB="28480">
+                    <a:lnL w="3175" cap="flat" cmpd="sng" algn="ctr">
+                      <a:solidFill>
+                        <a:srgbClr val="FFFFFF">
+                          <a:lumMod val="50000"/>
+                        </a:srgbClr>
+                      </a:solidFill>
+                      <a:prstDash val="solid"/>
+                      <a:round/>
+                      <a:headEnd type="none" w="med" len="med"/>
+                      <a:tailEnd type="none" w="med" len="med"/>
+                    </a:lnL>
+                    <a:lnR w="3175" cap="flat" cmpd="sng" algn="ctr">
+                      <a:solidFill>
+                        <a:srgbClr val="FFFFFF">
+                          <a:lumMod val="50000"/>
+                        </a:srgbClr>
+                      </a:solidFill>
+                      <a:prstDash val="solid"/>
+                      <a:round/>
+                      <a:headEnd type="none" w="med" len="med"/>
+                      <a:tailEnd type="none" w="med" len="med"/>
+                    </a:lnR>
+                  </a:tcPr>
+                </a:tc>
+                <a:tc>
+                  <a:txBody>
+                    <a:bodyPr/>
+                    <a:lstStyle/>
+                    <a:p>
+                      <a:endParaRPr lang="en-US" sz="1100" dirty="0">
+                        <a:solidFill>
+                          <a:srgbClr val="000000"/>
+                        </a:solidFill>
+                      </a:endParaRPr>
+                    </a:p>
+                  </a:txBody>
+                  <a:tcPr marL="56960" marR="56960" marT="0" marB="28480">
+                    <a:lnL w="3175" cap="flat" cmpd="sng" algn="ctr">
+                      <a:solidFill>
+                        <a:srgbClr val="FFFFFF">
+                          <a:lumMod val="50000"/>
+                        </a:srgbClr>
+                      </a:solidFill>
+                      <a:prstDash val="solid"/>
+                      <a:round/>
+                      <a:headEnd type="none" w="med" len="med"/>
+                      <a:tailEnd type="none" w="med" len="med"/>
+                    </a:lnL>
+                    <a:lnR w="3175" cap="flat" cmpd="sng" algn="ctr">
+                      <a:solidFill>
+                        <a:srgbClr val="FFFFFF">
+                          <a:lumMod val="50000"/>
+                        </a:srgbClr>
+                      </a:solidFill>
+                      <a:prstDash val="solid"/>
+                      <a:round/>
+                      <a:headEnd type="none" w="med" len="med"/>
+                      <a:tailEnd type="none" w="med" len="med"/>
+                    </a:lnR>
+                  </a:tcPr>
+                </a:tc>
+                <a:tc>
+                  <a:txBody>
+                    <a:bodyPr/>
+                    <a:lstStyle/>
+                    <a:p>
+                      <a:endParaRPr lang="en-US" sz="1100" dirty="0">
+                        <a:solidFill>
+                          <a:srgbClr val="000000"/>
+                        </a:solidFill>
+                      </a:endParaRPr>
+                    </a:p>
+                  </a:txBody>
+                  <a:tcPr marL="56960" marR="56960" marT="0" marB="28480">
+                    <a:lnL w="3175" cap="flat" cmpd="sng" algn="ctr">
+                      <a:solidFill>
+                        <a:srgbClr val="FFFFFF">
+                          <a:lumMod val="50000"/>
+                        </a:srgbClr>
+                      </a:solidFill>
+                      <a:prstDash val="solid"/>
+                      <a:round/>
+                      <a:headEnd type="none" w="med" len="med"/>
+                      <a:tailEnd type="none" w="med" len="med"/>
+                    </a:lnL>
+                    <a:lnR w="3175" cap="flat" cmpd="sng" algn="ctr">
+                      <a:solidFill>
+                        <a:srgbClr val="FFFFFF">
+                          <a:lumMod val="50000"/>
+                        </a:srgbClr>
+                      </a:solidFill>
+                      <a:prstDash val="solid"/>
+                      <a:round/>
+                      <a:headEnd type="none" w="med" len="med"/>
+                      <a:tailEnd type="none" w="med" len="med"/>
+                    </a:lnR>
+                  </a:tcPr>
+                </a:tc>
+                <a:extLst>
+                  <a:ext uri="{0D108BD9-81ED-4DB2-BD59-A6C34878D82A}">
+                    <a16:rowId xmlns:a16="http://schemas.microsoft.com/office/drawing/2014/main" val="10005"/>
+                  </a:ext>
+                </a:extLst>
+              </a:tr>
+              <a:tr h="595265">
+                <a:tc>
+                  <a:txBody>
+                    <a:bodyPr/>
+                    <a:lstStyle/>
+                    <a:p>
+                      <a:endParaRPr lang="en-US" sz="1100" dirty="0">
+                        <a:solidFill>
+                          <a:srgbClr val="000000"/>
+                        </a:solidFill>
+                      </a:endParaRPr>
+                    </a:p>
+                  </a:txBody>
+                  <a:tcPr marL="56960" marR="56960" marT="0" marB="28480">
+                    <a:lnL w="3175" cap="flat" cmpd="sng" algn="ctr">
+                      <a:solidFill>
+                        <a:srgbClr val="FFFFFF">
+                          <a:lumMod val="50000"/>
+                        </a:srgbClr>
+                      </a:solidFill>
+                      <a:prstDash val="solid"/>
+                      <a:round/>
+                      <a:headEnd type="none" w="med" len="med"/>
+                      <a:tailEnd type="none" w="med" len="med"/>
+                    </a:lnL>
+                    <a:lnR w="3175" cap="flat" cmpd="sng" algn="ctr">
+                      <a:solidFill>
+                        <a:srgbClr val="FFFFFF">
+                          <a:lumMod val="50000"/>
+                        </a:srgbClr>
+                      </a:solidFill>
+                      <a:prstDash val="solid"/>
+                      <a:round/>
+                      <a:headEnd type="none" w="med" len="med"/>
+                      <a:tailEnd type="none" w="med" len="med"/>
+                    </a:lnR>
+                  </a:tcPr>
+                </a:tc>
+                <a:tc>
+                  <a:txBody>
+                    <a:bodyPr/>
+                    <a:lstStyle/>
+                    <a:p>
+                      <a:endParaRPr lang="en-US" sz="1100" dirty="0">
+                        <a:solidFill>
+                          <a:srgbClr val="000000"/>
+                        </a:solidFill>
+                      </a:endParaRPr>
+                    </a:p>
+                  </a:txBody>
+                  <a:tcPr marL="56960" marR="56960" marT="0" marB="28480">
+                    <a:lnL w="3175" cap="flat" cmpd="sng" algn="ctr">
+                      <a:solidFill>
+                        <a:srgbClr val="FFFFFF">
+                          <a:lumMod val="50000"/>
+                        </a:srgbClr>
+                      </a:solidFill>
+                      <a:prstDash val="solid"/>
+                      <a:round/>
+                      <a:headEnd type="none" w="med" len="med"/>
+                      <a:tailEnd type="none" w="med" len="med"/>
+                    </a:lnL>
+                    <a:lnR w="3175" cap="flat" cmpd="sng" algn="ctr">
+                      <a:solidFill>
+                        <a:srgbClr val="FFFFFF">
+                          <a:lumMod val="50000"/>
+                        </a:srgbClr>
+                      </a:solidFill>
+                      <a:prstDash val="solid"/>
+                      <a:round/>
+                      <a:headEnd type="none" w="med" len="med"/>
+                      <a:tailEnd type="none" w="med" len="med"/>
+                    </a:lnR>
+                  </a:tcPr>
+                </a:tc>
+                <a:tc>
+                  <a:txBody>
+                    <a:bodyPr/>
+                    <a:lstStyle/>
+                    <a:p>
+                      <a:endParaRPr lang="en-US" sz="1100" dirty="0">
+                        <a:solidFill>
+                          <a:srgbClr val="000000"/>
+                        </a:solidFill>
+                      </a:endParaRPr>
+                    </a:p>
+                  </a:txBody>
+                  <a:tcPr marL="56960" marR="56960" marT="0" marB="28480">
+                    <a:lnL w="3175" cap="flat" cmpd="sng" algn="ctr">
+                      <a:solidFill>
+                        <a:srgbClr val="FFFFFF">
+                          <a:lumMod val="50000"/>
+                        </a:srgbClr>
+                      </a:solidFill>
+                      <a:prstDash val="solid"/>
+                      <a:round/>
+                      <a:headEnd type="none" w="med" len="med"/>
+                      <a:tailEnd type="none" w="med" len="med"/>
+                    </a:lnL>
+                    <a:lnR w="3175" cap="flat" cmpd="sng" algn="ctr">
+                      <a:solidFill>
+                        <a:srgbClr val="FFFFFF">
+                          <a:lumMod val="50000"/>
+                        </a:srgbClr>
+                      </a:solidFill>
+                      <a:prstDash val="solid"/>
+                      <a:round/>
+                      <a:headEnd type="none" w="med" len="med"/>
+                      <a:tailEnd type="none" w="med" len="med"/>
+                    </a:lnR>
+                  </a:tcPr>
+                </a:tc>
+                <a:extLst>
+                  <a:ext uri="{0D108BD9-81ED-4DB2-BD59-A6C34878D82A}">
+                    <a16:rowId xmlns:a16="http://schemas.microsoft.com/office/drawing/2014/main" val="10006"/>
+                  </a:ext>
+                </a:extLst>
+              </a:tr>
+              <a:tr h="595265">
+                <a:tc>
+                  <a:txBody>
+                    <a:bodyPr/>
+                    <a:lstStyle/>
+                    <a:p>
+                      <a:endParaRPr lang="en-US" sz="1100" dirty="0">
+                        <a:solidFill>
+                          <a:srgbClr val="000000"/>
+                        </a:solidFill>
+                      </a:endParaRPr>
+                    </a:p>
+                  </a:txBody>
+                  <a:tcPr marL="56960" marR="56960" marT="0" marB="28480">
+                    <a:lnL w="3175" cap="flat" cmpd="sng" algn="ctr">
+                      <a:solidFill>
+                        <a:srgbClr val="FFFFFF">
+                          <a:lumMod val="50000"/>
+                        </a:srgbClr>
+                      </a:solidFill>
+                      <a:prstDash val="solid"/>
+                      <a:round/>
+                      <a:headEnd type="none" w="med" len="med"/>
+                      <a:tailEnd type="none" w="med" len="med"/>
+                    </a:lnL>
+                    <a:lnR w="3175" cap="flat" cmpd="sng" algn="ctr">
+                      <a:solidFill>
+                        <a:srgbClr val="FFFFFF">
+                          <a:lumMod val="50000"/>
+                        </a:srgbClr>
+                      </a:solidFill>
+                      <a:prstDash val="solid"/>
+                      <a:round/>
+                      <a:headEnd type="none" w="med" len="med"/>
+                      <a:tailEnd type="none" w="med" len="med"/>
+                    </a:lnR>
+                    <a:lnB w="3175" cap="flat" cmpd="sng" algn="ctr">
+                      <a:solidFill>
+                        <a:srgbClr val="FFFFFF">
+                          <a:lumMod val="50000"/>
+                        </a:srgbClr>
+                      </a:solidFill>
+                      <a:prstDash val="solid"/>
+                      <a:round/>
+                      <a:headEnd type="none" w="med" len="med"/>
+                      <a:tailEnd type="none" w="med" len="med"/>
+                    </a:lnB>
+                  </a:tcPr>
+                </a:tc>
+                <a:tc>
+                  <a:txBody>
+                    <a:bodyPr/>
+                    <a:lstStyle/>
+                    <a:p>
+                      <a:endParaRPr lang="en-US" sz="1100" dirty="0">
+                        <a:solidFill>
+                          <a:srgbClr val="000000"/>
+                        </a:solidFill>
+                      </a:endParaRPr>
+                    </a:p>
+                  </a:txBody>
+                  <a:tcPr marL="56960" marR="56960" marT="0" marB="28480">
+                    <a:lnL w="3175" cap="flat" cmpd="sng" algn="ctr">
+                      <a:solidFill>
+                        <a:srgbClr val="FFFFFF">
+                          <a:lumMod val="50000"/>
+                        </a:srgbClr>
+                      </a:solidFill>
+                      <a:prstDash val="solid"/>
+                      <a:round/>
+                      <a:headEnd type="none" w="med" len="med"/>
+                      <a:tailEnd type="none" w="med" len="med"/>
+                    </a:lnL>
+                    <a:lnR w="3175" cap="flat" cmpd="sng" algn="ctr">
+                      <a:solidFill>
+                        <a:srgbClr val="FFFFFF">
+                          <a:lumMod val="50000"/>
+                        </a:srgbClr>
+                      </a:solidFill>
+                      <a:prstDash val="solid"/>
+                      <a:round/>
+                      <a:headEnd type="none" w="med" len="med"/>
+                      <a:tailEnd type="none" w="med" len="med"/>
+                    </a:lnR>
+                    <a:lnB w="3175" cap="flat" cmpd="sng" algn="ctr">
+                      <a:solidFill>
+                        <a:srgbClr val="FFFFFF">
+                          <a:lumMod val="50000"/>
+                        </a:srgbClr>
+                      </a:solidFill>
+                      <a:prstDash val="solid"/>
+                      <a:round/>
+                      <a:headEnd type="none" w="med" len="med"/>
+                      <a:tailEnd type="none" w="med" len="med"/>
+                    </a:lnB>
+                  </a:tcPr>
+                </a:tc>
+                <a:tc>
+                  <a:txBody>
+                    <a:bodyPr/>
+                    <a:lstStyle/>
+                    <a:p>
+                      <a:endParaRPr lang="en-US" sz="1100" dirty="0">
+                        <a:solidFill>
+                          <a:srgbClr val="000000"/>
+                        </a:solidFill>
+                      </a:endParaRPr>
+                    </a:p>
+                  </a:txBody>
+                  <a:tcPr marL="56960" marR="56960" marT="0" marB="28480">
+                    <a:lnL w="3175" cap="flat" cmpd="sng" algn="ctr">
+                      <a:solidFill>
+                        <a:srgbClr val="FFFFFF">
+                          <a:lumMod val="50000"/>
+                        </a:srgbClr>
+                      </a:solidFill>
+                      <a:prstDash val="solid"/>
+                      <a:round/>
+                      <a:headEnd type="none" w="med" len="med"/>
+                      <a:tailEnd type="none" w="med" len="med"/>
+                    </a:lnL>
+                    <a:lnR w="3175" cap="flat" cmpd="sng" algn="ctr">
+                      <a:solidFill>
+                        <a:srgbClr val="FFFFFF">
+                          <a:lumMod val="50000"/>
+                        </a:srgbClr>
+                      </a:solidFill>
+                      <a:prstDash val="solid"/>
+                      <a:round/>
+                      <a:headEnd type="none" w="med" len="med"/>
+                      <a:tailEnd type="none" w="med" len="med"/>
+                    </a:lnR>
+                    <a:lnB w="3175" cap="flat" cmpd="sng" algn="ctr">
+                      <a:solidFill>
+                        <a:srgbClr val="FFFFFF">
+                          <a:lumMod val="50000"/>
+                        </a:srgbClr>
+                      </a:solidFill>
+                      <a:prstDash val="solid"/>
+                      <a:round/>
+                      <a:headEnd type="none" w="med" len="med"/>
+                      <a:tailEnd type="none" w="med" len="med"/>
+                    </a:lnB>
+                  </a:tcPr>
+                </a:tc>
+                <a:extLst>
+                  <a:ext uri="{0D108BD9-81ED-4DB2-BD59-A6C34878D82A}">
+                    <a16:rowId xmlns:a16="http://schemas.microsoft.com/office/drawing/2014/main" val="10007"/>
+                  </a:ext>
+                </a:extLst>
+              </a:tr>
+            </a:tbl>
+          </a:graphicData>
+        </a:graphic>
+      </p:graphicFrame>
+      <p:sp>
+        <p:nvSpPr>
+          <p:cNvPr id="4" name="Content">
+            <a:extLst>
+              <a:ext uri="{FF2B5EF4-FFF2-40B4-BE49-F238E27FC236}">
+                <a16:creationId xmlns:a16="http://schemas.microsoft.com/office/drawing/2014/main" id="{7163A3E8-A4FB-4742-AD03-EDD5066B8D87}"/>
+              </a:ext>
+            </a:extLst>
+          </p:cNvPr>
+          <p:cNvSpPr txBox="1"/>
+          <p:nvPr userDrawn="1">
+            <p:custDataLst>
+              <p:custData r:id="rId2"/>
+            </p:custDataLst>
+          </p:nvPr>
+        </p:nvSpPr>
+        <p:spPr>
+          <a:xfrm>
+            <a:off x="5139263" y="2000781"/>
+            <a:ext cx="1913473" cy="415498"/>
+          </a:xfrm>
+          <a:prstGeom prst="rect">
+            <a:avLst/>
+          </a:prstGeom>
+          <a:noFill/>
+        </p:spPr>
+        <p:txBody>
+          <a:bodyPr wrap="none" lIns="91440" tIns="18288" rIns="91440" bIns="27432" rtlCol="0" anchor="ctr" anchorCtr="0">
+            <a:spAutoFit/>
+          </a:bodyPr>
+          <a:lstStyle/>
+          <a:p>
+            <a:r>
+              <a:rPr lang="en-US" sz="2400" dirty="0">
+                <a:solidFill>
+                  <a:srgbClr val="000000"/>
+                </a:solidFill>
+                <a:latin typeface="Segoe UI" pitchFamily="34" charset="0"/>
+                <a:ea typeface="Segoe UI" pitchFamily="34" charset="0"/>
+                <a:cs typeface="Segoe UI" pitchFamily="34" charset="0"/>
+              </a:rPr>
+              <a:t>Boîte à idées</a:t>
+            </a:r>
+          </a:p>
+        </p:txBody>
+      </p:sp>
+      <p:pic>
+        <p:nvPicPr>
+          <p:cNvPr id="5" name="Picture 2" descr="C:\Users\t-dantay\Documents\Placeholders\star.png">
+            <a:extLst>
+              <a:ext uri="{FF2B5EF4-FFF2-40B4-BE49-F238E27FC236}">
+                <a16:creationId xmlns:a16="http://schemas.microsoft.com/office/drawing/2014/main" id="{03B5F8AE-3794-4C34-81E0-C2ACE8FA8F2F}"/>
+              </a:ext>
+            </a:extLst>
+          </p:cNvPr>
+          <p:cNvPicPr>
+            <a:picLocks noChangeAspect="1" noChangeArrowheads="1"/>
+          </p:cNvPicPr>
+          <p:nvPr userDrawn="1">
+            <p:custDataLst>
+              <p:custData r:id="rId3"/>
+            </p:custDataLst>
+          </p:nvPr>
+        </p:nvPicPr>
+        <p:blipFill>
+          <a:blip r:embed="rId10" cstate="print">
+            <a:extLst>
+              <a:ext uri="{28A0092B-C50C-407E-A947-70E740481C1C}">
+                <a14:useLocalDpi xmlns:a14="http://schemas.microsoft.com/office/drawing/2010/main" val="0"/>
+              </a:ext>
+            </a:extLst>
+          </a:blip>
+          <a:srcRect/>
+          <a:stretch>
+            <a:fillRect/>
+          </a:stretch>
+        </p:blipFill>
+        <p:spPr bwMode="auto">
+          <a:xfrm>
+            <a:off x="10018713" y="3193058"/>
+            <a:ext cx="228600" cy="217884"/>
+          </a:xfrm>
+          <a:prstGeom prst="rect">
+            <a:avLst/>
+          </a:prstGeom>
+          <a:noFill/>
+          <a:extLst>
+            <a:ext uri="{909E8E84-426E-40DD-AFC4-6F175D3DCCD1}">
+              <a14:hiddenFill xmlns:a14="http://schemas.microsoft.com/office/drawing/2010/main">
+                <a:solidFill>
+                  <a:srgbClr val="FFFFFF"/>
+                </a:solidFill>
+              </a14:hiddenFill>
+            </a:ext>
+          </a:extLst>
+        </p:spPr>
+      </p:pic>
+      <p:pic>
+        <p:nvPicPr>
+          <p:cNvPr id="6" name="Picture 2" descr="C:\Users\t-dantay\Documents\Placeholders\star.png">
+            <a:extLst>
+              <a:ext uri="{FF2B5EF4-FFF2-40B4-BE49-F238E27FC236}">
+                <a16:creationId xmlns:a16="http://schemas.microsoft.com/office/drawing/2014/main" id="{DE819AD6-46B5-4349-B78E-5C32AEEC8B5E}"/>
+              </a:ext>
+            </a:extLst>
+          </p:cNvPr>
+          <p:cNvPicPr>
+            <a:picLocks noChangeAspect="1" noChangeArrowheads="1"/>
+          </p:cNvPicPr>
+          <p:nvPr userDrawn="1">
+            <p:custDataLst>
+              <p:custData r:id="rId4"/>
+            </p:custDataLst>
+          </p:nvPr>
+        </p:nvPicPr>
+        <p:blipFill>
+          <a:blip r:embed="rId10" cstate="print">
+            <a:extLst>
+              <a:ext uri="{28A0092B-C50C-407E-A947-70E740481C1C}">
+                <a14:useLocalDpi xmlns:a14="http://schemas.microsoft.com/office/drawing/2010/main" val="0"/>
+              </a:ext>
+            </a:extLst>
+          </a:blip>
+          <a:srcRect/>
+          <a:stretch>
+            <a:fillRect/>
+          </a:stretch>
+        </p:blipFill>
+        <p:spPr bwMode="auto">
+          <a:xfrm>
+            <a:off x="10284619" y="3193058"/>
+            <a:ext cx="228600" cy="217884"/>
+          </a:xfrm>
+          <a:prstGeom prst="rect">
+            <a:avLst/>
+          </a:prstGeom>
+          <a:noFill/>
+          <a:extLst>
+            <a:ext uri="{909E8E84-426E-40DD-AFC4-6F175D3DCCD1}">
+              <a14:hiddenFill xmlns:a14="http://schemas.microsoft.com/office/drawing/2010/main">
+                <a:solidFill>
+                  <a:srgbClr val="FFFFFF"/>
+                </a:solidFill>
+              </a14:hiddenFill>
+            </a:ext>
+          </a:extLst>
+        </p:spPr>
+      </p:pic>
+      <p:pic>
+        <p:nvPicPr>
+          <p:cNvPr id="7" name="Picture 2" descr="C:\Users\t-dantay\Documents\Placeholders\star.png">
+            <a:extLst>
+              <a:ext uri="{FF2B5EF4-FFF2-40B4-BE49-F238E27FC236}">
+                <a16:creationId xmlns:a16="http://schemas.microsoft.com/office/drawing/2014/main" id="{FFB5159F-3AA3-4E16-B739-2BC4FB26810D}"/>
+              </a:ext>
+            </a:extLst>
+          </p:cNvPr>
+          <p:cNvPicPr>
+            <a:picLocks noChangeAspect="1" noChangeArrowheads="1"/>
+          </p:cNvPicPr>
+          <p:nvPr userDrawn="1">
+            <p:custDataLst>
+              <p:custData r:id="rId5"/>
+            </p:custDataLst>
+          </p:nvPr>
+        </p:nvPicPr>
+        <p:blipFill>
+          <a:blip r:embed="rId10" cstate="print">
+            <a:extLst>
+              <a:ext uri="{28A0092B-C50C-407E-A947-70E740481C1C}">
+                <a14:useLocalDpi xmlns:a14="http://schemas.microsoft.com/office/drawing/2010/main" val="0"/>
+              </a:ext>
+            </a:extLst>
+          </a:blip>
+          <a:srcRect/>
+          <a:stretch>
+            <a:fillRect/>
+          </a:stretch>
+        </p:blipFill>
+        <p:spPr bwMode="auto">
+          <a:xfrm>
+            <a:off x="10550525" y="3193058"/>
+            <a:ext cx="228600" cy="217884"/>
+          </a:xfrm>
+          <a:prstGeom prst="rect">
+            <a:avLst/>
+          </a:prstGeom>
+          <a:noFill/>
+          <a:extLst>
+            <a:ext uri="{909E8E84-426E-40DD-AFC4-6F175D3DCCD1}">
+              <a14:hiddenFill xmlns:a14="http://schemas.microsoft.com/office/drawing/2010/main">
+                <a:solidFill>
+                  <a:srgbClr val="FFFFFF"/>
+                </a:solidFill>
+              </a14:hiddenFill>
+            </a:ext>
+          </a:extLst>
+        </p:spPr>
+      </p:pic>
+      <p:pic>
+        <p:nvPicPr>
+          <p:cNvPr id="8" name="Picture 2" descr="C:\Users\t-dantay\Documents\Placeholders\star.png">
+            <a:extLst>
+              <a:ext uri="{FF2B5EF4-FFF2-40B4-BE49-F238E27FC236}">
+                <a16:creationId xmlns:a16="http://schemas.microsoft.com/office/drawing/2014/main" id="{18216C42-38F5-4B2D-A010-287BD991E242}"/>
+              </a:ext>
+            </a:extLst>
+          </p:cNvPr>
+          <p:cNvPicPr>
+            <a:picLocks noChangeAspect="1" noChangeArrowheads="1"/>
+          </p:cNvPicPr>
+          <p:nvPr userDrawn="1">
+            <p:custDataLst>
+              <p:custData r:id="rId6"/>
+            </p:custDataLst>
+          </p:nvPr>
+        </p:nvPicPr>
+        <p:blipFill>
+          <a:blip r:embed="rId10" cstate="print">
+            <a:extLst>
+              <a:ext uri="{28A0092B-C50C-407E-A947-70E740481C1C}">
+                <a14:useLocalDpi xmlns:a14="http://schemas.microsoft.com/office/drawing/2010/main" val="0"/>
+              </a:ext>
+            </a:extLst>
+          </a:blip>
+          <a:srcRect/>
+          <a:stretch>
+            <a:fillRect/>
+          </a:stretch>
+        </p:blipFill>
+        <p:spPr bwMode="auto">
+          <a:xfrm>
+            <a:off x="10816431" y="3193058"/>
+            <a:ext cx="228600" cy="217884"/>
+          </a:xfrm>
+          <a:prstGeom prst="rect">
+            <a:avLst/>
+          </a:prstGeom>
+          <a:noFill/>
+          <a:extLst>
+            <a:ext uri="{909E8E84-426E-40DD-AFC4-6F175D3DCCD1}">
+              <a14:hiddenFill xmlns:a14="http://schemas.microsoft.com/office/drawing/2010/main">
+                <a:solidFill>
+                  <a:srgbClr val="FFFFFF"/>
+                </a:solidFill>
+              </a14:hiddenFill>
+            </a:ext>
+          </a:extLst>
+        </p:spPr>
+      </p:pic>
+      <p:pic>
+        <p:nvPicPr>
+          <p:cNvPr id="9" name="Picture 2" descr="C:\Users\t-dantay\Documents\Placeholders\star.png">
+            <a:extLst>
+              <a:ext uri="{FF2B5EF4-FFF2-40B4-BE49-F238E27FC236}">
+                <a16:creationId xmlns:a16="http://schemas.microsoft.com/office/drawing/2014/main" id="{C0F65679-1725-48A6-A5F0-9D7138807579}"/>
+              </a:ext>
+            </a:extLst>
+          </p:cNvPr>
+          <p:cNvPicPr>
+            <a:picLocks noChangeAspect="1" noChangeArrowheads="1"/>
+          </p:cNvPicPr>
+          <p:nvPr userDrawn="1">
+            <p:custDataLst>
+              <p:custData r:id="rId7"/>
+            </p:custDataLst>
+          </p:nvPr>
+        </p:nvPicPr>
+        <p:blipFill>
+          <a:blip r:embed="rId10" cstate="print">
+            <a:extLst>
+              <a:ext uri="{28A0092B-C50C-407E-A947-70E740481C1C}">
+                <a14:useLocalDpi xmlns:a14="http://schemas.microsoft.com/office/drawing/2010/main" val="0"/>
+              </a:ext>
+            </a:extLst>
+          </a:blip>
+          <a:srcRect/>
+          <a:stretch>
+            <a:fillRect/>
+          </a:stretch>
+        </p:blipFill>
+        <p:spPr bwMode="auto">
+          <a:xfrm>
+            <a:off x="11082337" y="3193058"/>
+            <a:ext cx="228600" cy="217884"/>
+          </a:xfrm>
+          <a:prstGeom prst="rect">
+            <a:avLst/>
+          </a:prstGeom>
+          <a:noFill/>
+          <a:extLst>
+            <a:ext uri="{909E8E84-426E-40DD-AFC4-6F175D3DCCD1}">
+              <a14:hiddenFill xmlns:a14="http://schemas.microsoft.com/office/drawing/2010/main">
+                <a:solidFill>
+                  <a:srgbClr val="FFFFFF"/>
+                </a:solidFill>
+              </a14:hiddenFill>
+            </a:ext>
+          </a:extLst>
+        </p:spPr>
+      </p:pic>
+      <p:sp>
+        <p:nvSpPr>
+          <p:cNvPr id="10" name="Content">
+            <a:extLst>
+              <a:ext uri="{FF2B5EF4-FFF2-40B4-BE49-F238E27FC236}">
+                <a16:creationId xmlns:a16="http://schemas.microsoft.com/office/drawing/2014/main" id="{2D80DF93-94FE-4188-B1F3-E0252A276528}"/>
+              </a:ext>
+            </a:extLst>
+          </p:cNvPr>
+          <p:cNvSpPr/>
+          <p:nvPr userDrawn="1">
+            <p:custDataLst>
+              <p:custData r:id="rId8"/>
+            </p:custDataLst>
+          </p:nvPr>
+        </p:nvSpPr>
+        <p:spPr>
+          <a:xfrm>
+            <a:off x="10099675" y="2000781"/>
+            <a:ext cx="1211262" cy="457200"/>
+          </a:xfrm>
+          <a:prstGeom prst="roundRect">
+            <a:avLst/>
+          </a:prstGeom>
+          <a:solidFill>
+            <a:srgbClr val="FFFFFF">
+              <a:lumMod val="95000"/>
+            </a:srgbClr>
+          </a:solidFill>
+          <a:ln w="3175">
+            <a:solidFill>
+              <a:srgbClr val="000000">
+                <a:lumMod val="50000"/>
+                <a:lumOff val="50000"/>
+              </a:srgbClr>
+            </a:solidFill>
+          </a:ln>
+          <a:effectLst/>
+        </p:spPr>
+        <p:style>
+          <a:lnRef idx="2">
+            <a:srgbClr val="4F81BD">
+              <a:shade val="50000"/>
+            </a:srgbClr>
+          </a:lnRef>
+          <a:fillRef idx="1">
+            <a:srgbClr val="4F81BD"/>
+          </a:fillRef>
+          <a:effectRef idx="0">
+            <a:srgbClr val="4F81BD"/>
+          </a:effectRef>
+          <a:fontRef idx="minor">
+            <a:srgbClr val="000000"/>
+          </a:fontRef>
+        </p:style>
+        <p:txBody>
+          <a:bodyPr wrap="square" lIns="91440" tIns="0" rIns="91440" bIns="9144" rtlCol="0" anchor="ctr">
+            <a:noAutofit/>
+          </a:bodyPr>
+          <a:lstStyle/>
+          <a:p>
+            <a:pPr algn="ctr"/>
+            <a:r>
+              <a:rPr lang="en-US" sz="1400" dirty="0">
+                <a:solidFill>
+                  <a:srgbClr val="000000"/>
+                </a:solidFill>
+                <a:latin typeface="Segoe UI" pitchFamily="34" charset="0"/>
+                <a:cs typeface="Segoe UI" pitchFamily="34" charset="0"/>
+              </a:rPr>
+              <a:t>Soumettez votre idée</a:t>
+            </a:r>
+          </a:p>
+        </p:txBody>
+      </p:sp>
+    </p:spTree>
+    <p:extLst>
+      <p:ext uri="{BB962C8B-B14F-4D97-AF65-F5344CB8AC3E}">
+        <p14:creationId xmlns:p14="http://schemas.microsoft.com/office/powerpoint/2010/main" val="3189138790"/>
+      </p:ext>
+    </p:extLst>
+  </p:cSld>
+  <p:clrMapOvr>
+    <a:masterClrMapping/>
+  </p:clrMapOvr>
+</p:sldLayout>
+</file>
+
 <file path=ppt/slideLayouts/slideLayout2.xml><?xml version="1.0" encoding="utf-8"?>
 <p:sldLayout xmlns:a="http://schemas.openxmlformats.org/drawingml/2006/main" xmlns:r="http://schemas.openxmlformats.org/officeDocument/2006/relationships" xmlns:p="http://schemas.openxmlformats.org/presentationml/2006/main" preserve="1" userDrawn="1">
   <p:cSld name="Disposition personnalisée">
@@ -2840,7 +4406,7 @@
           </p:nvPr>
         </p:nvPicPr>
         <p:blipFill>
-          <a:blip r:embed="rId9">
+          <a:blip r:embed="rId10">
             <a:extLst>
               <a:ext uri="{28A0092B-C50C-407E-A947-70E740481C1C}">
                 <a14:useLocalDpi xmlns:a14="http://schemas.microsoft.com/office/drawing/2010/main" val="0"/>
@@ -2925,7 +4491,7 @@
                 </a:solidFill>
                 <a:latin typeface="Segoe UI" pitchFamily="34" charset="0"/>
                 <a:cs typeface="Segoe UI" pitchFamily="34" charset="0"/>
-                <a:hlinkClick r:id="rId10"/>
+                <a:hlinkClick r:id="rId11"/>
               </a:rPr>
               <a:t>http://sond-agedepierre.fr/VotreSondage</a:t>
             </a:r>
@@ -3152,7 +4718,7 @@
                 </a:solidFill>
                 <a:latin typeface="Segoe UI" pitchFamily="34" charset="0"/>
                 <a:cs typeface="Segoe UI" pitchFamily="34" charset="0"/>
-                <a:hlinkClick r:id="rId11"/>
+                <a:hlinkClick r:id="rId12"/>
               </a:rPr>
               <a:t>http://sond-agedepierre.fr/clesecurisealeatoire</a:t>
             </a:r>
@@ -3185,7 +4751,7 @@
           </p:nvPr>
         </p:nvPicPr>
         <p:blipFill>
-          <a:blip r:embed="rId12" cstate="print">
+          <a:blip r:embed="rId13" cstate="print">
             <a:extLst>
               <a:ext uri="{28A0092B-C50C-407E-A947-70E740481C1C}">
                 <a14:useLocalDpi xmlns:a14="http://schemas.microsoft.com/office/drawing/2010/main" val="0"/>
@@ -3215,6 +4781,46 @@
               </a14:hiddenFill>
             </a:ext>
           </a:extLst>
+        </p:spPr>
+      </p:pic>
+      <p:pic>
+        <p:nvPicPr>
+          <p:cNvPr id="13" name="Picture 1">
+            <a:extLst>
+              <a:ext uri="{FF2B5EF4-FFF2-40B4-BE49-F238E27FC236}">
+                <a16:creationId xmlns:a16="http://schemas.microsoft.com/office/drawing/2014/main" id="{F50DD24C-4150-4924-A919-16D38FCC53F2}"/>
+              </a:ext>
+            </a:extLst>
+          </p:cNvPr>
+          <p:cNvPicPr preferRelativeResize="0">
+            <a:picLocks/>
+          </p:cNvPicPr>
+          <p:nvPr userDrawn="1">
+            <p:custDataLst>
+              <p:custData r:id="rId8"/>
+            </p:custDataLst>
+          </p:nvPr>
+        </p:nvPicPr>
+        <p:blipFill>
+          <a:blip r:embed="rId14">
+            <a:extLst>
+              <a:ext uri="{28A0092B-C50C-407E-A947-70E740481C1C}">
+                <a14:useLocalDpi xmlns:a14="http://schemas.microsoft.com/office/drawing/2010/main" val="0"/>
+              </a:ext>
+            </a:extLst>
+          </a:blip>
+          <a:stretch>
+            <a:fillRect/>
+          </a:stretch>
+        </p:blipFill>
+        <p:spPr>
+          <a:xfrm>
+            <a:off x="8416783" y="4419932"/>
+            <a:ext cx="251033" cy="269628"/>
+          </a:xfrm>
+          <a:prstGeom prst="rect">
+            <a:avLst/>
+          </a:prstGeom>
         </p:spPr>
       </p:pic>
     </p:spTree>
@@ -8516,6 +10122,313 @@
 </p:sldLayout>
 </file>
 
+<file path=ppt/slideLayouts/slideLayout9.xml><?xml version="1.0" encoding="utf-8"?>
+<p:sldLayout xmlns:a="http://schemas.openxmlformats.org/drawingml/2006/main" xmlns:r="http://schemas.openxmlformats.org/officeDocument/2006/relationships" xmlns:p="http://schemas.openxmlformats.org/presentationml/2006/main" preserve="1" userDrawn="1">
+  <p:cSld name="5_Disposition personnalisée">
+    <p:spTree>
+      <p:nvGrpSpPr>
+        <p:cNvPr id="1" name=""/>
+        <p:cNvGrpSpPr/>
+        <p:nvPr/>
+      </p:nvGrpSpPr>
+      <p:grpSpPr>
+        <a:xfrm>
+          <a:off x="0" y="0"/>
+          <a:ext cx="0" cy="0"/>
+          <a:chOff x="0" y="0"/>
+          <a:chExt cx="0" cy="0"/>
+        </a:xfrm>
+      </p:grpSpPr>
+      <p:sp>
+        <p:nvSpPr>
+          <p:cNvPr id="4" name="Content">
+            <a:extLst>
+              <a:ext uri="{FF2B5EF4-FFF2-40B4-BE49-F238E27FC236}">
+                <a16:creationId xmlns:a16="http://schemas.microsoft.com/office/drawing/2014/main" id="{207AD1F0-91B5-4D9C-A8A2-886A44F8A046}"/>
+              </a:ext>
+            </a:extLst>
+          </p:cNvPr>
+          <p:cNvSpPr txBox="1"/>
+          <p:nvPr userDrawn="1">
+            <p:custDataLst>
+              <p:custData r:id="rId1"/>
+            </p:custDataLst>
+          </p:nvPr>
+        </p:nvSpPr>
+        <p:spPr>
+          <a:xfrm>
+            <a:off x="3479800" y="2409761"/>
+            <a:ext cx="5232400" cy="538609"/>
+          </a:xfrm>
+          <a:prstGeom prst="rect">
+            <a:avLst/>
+          </a:prstGeom>
+          <a:noFill/>
+        </p:spPr>
+        <p:txBody>
+          <a:bodyPr wrap="square" lIns="91440" tIns="18288" rIns="91440" bIns="27432" rtlCol="0" anchor="ctr" anchorCtr="0">
+            <a:spAutoFit/>
+          </a:bodyPr>
+          <a:lstStyle/>
+          <a:p>
+            <a:pPr algn="ctr"/>
+            <a:r>
+              <a:rPr lang="en-US" sz="1600" dirty="0">
+                <a:solidFill>
+                  <a:srgbClr val="000000"/>
+                </a:solidFill>
+                <a:latin typeface="Segoe UI" pitchFamily="34" charset="0"/>
+                <a:ea typeface="Segoe UI" pitchFamily="34" charset="0"/>
+                <a:cs typeface="Segoe UI" pitchFamily="34" charset="0"/>
+              </a:rPr>
+              <a:t>Si vous souhaitez contribuer à l’amelioration de notre site web, merci de nous soumettre vos idées.</a:t>
+            </a:r>
+          </a:p>
+        </p:txBody>
+      </p:sp>
+      <p:sp>
+        <p:nvSpPr>
+          <p:cNvPr id="5" name="Content">
+            <a:extLst>
+              <a:ext uri="{FF2B5EF4-FFF2-40B4-BE49-F238E27FC236}">
+                <a16:creationId xmlns:a16="http://schemas.microsoft.com/office/drawing/2014/main" id="{2644AF51-5921-4B48-A81A-099C72263646}"/>
+              </a:ext>
+            </a:extLst>
+          </p:cNvPr>
+          <p:cNvSpPr txBox="1"/>
+          <p:nvPr userDrawn="1">
+            <p:custDataLst>
+              <p:custData r:id="rId2"/>
+            </p:custDataLst>
+          </p:nvPr>
+        </p:nvSpPr>
+        <p:spPr>
+          <a:xfrm>
+            <a:off x="779780" y="4005426"/>
+            <a:ext cx="1544012" cy="230832"/>
+          </a:xfrm>
+          <a:prstGeom prst="rect">
+            <a:avLst/>
+          </a:prstGeom>
+          <a:noFill/>
+        </p:spPr>
+        <p:txBody>
+          <a:bodyPr wrap="none" lIns="91440" tIns="18288" rIns="91440" bIns="27432" rtlCol="0" anchor="ctr" anchorCtr="0">
+            <a:spAutoFit/>
+          </a:bodyPr>
+          <a:lstStyle/>
+          <a:p>
+            <a:r>
+              <a:rPr lang="en-US" sz="1200" dirty="0">
+                <a:solidFill>
+                  <a:srgbClr val="000000"/>
+                </a:solidFill>
+                <a:latin typeface="Segoe UI" pitchFamily="34" charset="0"/>
+                <a:ea typeface="Segoe UI" pitchFamily="34" charset="0"/>
+                <a:cs typeface="Segoe UI" pitchFamily="34" charset="0"/>
+              </a:rPr>
+              <a:t>Pseudo (optionnel) :</a:t>
+            </a:r>
+          </a:p>
+        </p:txBody>
+      </p:sp>
+      <p:sp>
+        <p:nvSpPr>
+          <p:cNvPr id="6" name="Content">
+            <a:extLst>
+              <a:ext uri="{FF2B5EF4-FFF2-40B4-BE49-F238E27FC236}">
+                <a16:creationId xmlns:a16="http://schemas.microsoft.com/office/drawing/2014/main" id="{6CFBB007-C53E-473B-AF3E-93694462E2D1}"/>
+              </a:ext>
+            </a:extLst>
+          </p:cNvPr>
+          <p:cNvSpPr/>
+          <p:nvPr userDrawn="1">
+            <p:custDataLst>
+              <p:custData r:id="rId3"/>
+            </p:custDataLst>
+          </p:nvPr>
+        </p:nvSpPr>
+        <p:spPr>
+          <a:xfrm>
+            <a:off x="2323792" y="4005426"/>
+            <a:ext cx="1220102" cy="228600"/>
+          </a:xfrm>
+          <a:prstGeom prst="rect">
+            <a:avLst/>
+          </a:prstGeom>
+          <a:solidFill>
+            <a:sysClr val="window" lastClr="FFFFFF"/>
+          </a:solidFill>
+          <a:ln w="3175">
+            <a:solidFill>
+              <a:srgbClr val="000000">
+                <a:lumMod val="50000"/>
+                <a:lumOff val="50000"/>
+              </a:srgbClr>
+            </a:solidFill>
+          </a:ln>
+          <a:effectLst/>
+        </p:spPr>
+        <p:style>
+          <a:lnRef idx="2">
+            <a:srgbClr val="4F81BD">
+              <a:shade val="50000"/>
+            </a:srgbClr>
+          </a:lnRef>
+          <a:fillRef idx="1">
+            <a:srgbClr val="4F81BD"/>
+          </a:fillRef>
+          <a:effectRef idx="0">
+            <a:srgbClr val="4F81BD"/>
+          </a:effectRef>
+          <a:fontRef idx="minor">
+            <a:srgbClr val="000000"/>
+          </a:fontRef>
+        </p:style>
+        <p:txBody>
+          <a:bodyPr wrap="none" lIns="45720" tIns="18288" rIns="45720" bIns="18288" rtlCol="0" anchor="ctr">
+            <a:noAutofit/>
+          </a:bodyPr>
+          <a:lstStyle/>
+          <a:p>
+            <a:endParaRPr lang="en-US" sz="1200" dirty="0">
+              <a:solidFill>
+                <a:srgbClr val="000000"/>
+              </a:solidFill>
+              <a:latin typeface="Segoe UI" pitchFamily="34" charset="0"/>
+              <a:cs typeface="Segoe UI" pitchFamily="34" charset="0"/>
+            </a:endParaRPr>
+          </a:p>
+        </p:txBody>
+      </p:sp>
+      <p:sp>
+        <p:nvSpPr>
+          <p:cNvPr id="7" name="Content">
+            <a:extLst>
+              <a:ext uri="{FF2B5EF4-FFF2-40B4-BE49-F238E27FC236}">
+                <a16:creationId xmlns:a16="http://schemas.microsoft.com/office/drawing/2014/main" id="{2BD53EE2-D2C0-4BE9-94F5-DB19CE8E6730}"/>
+              </a:ext>
+            </a:extLst>
+          </p:cNvPr>
+          <p:cNvSpPr txBox="1"/>
+          <p:nvPr userDrawn="1">
+            <p:custDataLst>
+              <p:custData r:id="rId4"/>
+            </p:custDataLst>
+          </p:nvPr>
+        </p:nvSpPr>
+        <p:spPr>
+          <a:xfrm>
+            <a:off x="1373404" y="4473094"/>
+            <a:ext cx="950388" cy="230832"/>
+          </a:xfrm>
+          <a:prstGeom prst="rect">
+            <a:avLst/>
+          </a:prstGeom>
+          <a:noFill/>
+        </p:spPr>
+        <p:txBody>
+          <a:bodyPr wrap="none" lIns="91440" tIns="18288" rIns="91440" bIns="27432" rtlCol="0" anchor="ctr" anchorCtr="0">
+            <a:spAutoFit/>
+          </a:bodyPr>
+          <a:lstStyle/>
+          <a:p>
+            <a:r>
+              <a:rPr lang="en-US" sz="1200" dirty="0">
+                <a:solidFill>
+                  <a:srgbClr val="000000"/>
+                </a:solidFill>
+                <a:latin typeface="Segoe UI" pitchFamily="34" charset="0"/>
+                <a:ea typeface="Segoe UI" pitchFamily="34" charset="0"/>
+                <a:cs typeface="Segoe UI" pitchFamily="34" charset="0"/>
+              </a:rPr>
+              <a:t>Votre idée :</a:t>
+            </a:r>
+          </a:p>
+        </p:txBody>
+      </p:sp>
+      <p:sp>
+        <p:nvSpPr>
+          <p:cNvPr id="8" name="Content">
+            <a:extLst>
+              <a:ext uri="{FF2B5EF4-FFF2-40B4-BE49-F238E27FC236}">
+                <a16:creationId xmlns:a16="http://schemas.microsoft.com/office/drawing/2014/main" id="{F6A0FE3F-EAE2-409E-87A5-022F6D26120F}"/>
+              </a:ext>
+            </a:extLst>
+          </p:cNvPr>
+          <p:cNvSpPr/>
+          <p:nvPr userDrawn="1">
+            <p:custDataLst>
+              <p:custData r:id="rId5"/>
+            </p:custDataLst>
+          </p:nvPr>
+        </p:nvSpPr>
+        <p:spPr>
+          <a:xfrm>
+            <a:off x="2323792" y="4470862"/>
+            <a:ext cx="7185968" cy="2158538"/>
+          </a:xfrm>
+          <a:prstGeom prst="rect">
+            <a:avLst/>
+          </a:prstGeom>
+          <a:solidFill>
+            <a:sysClr val="window" lastClr="FFFFFF"/>
+          </a:solidFill>
+          <a:ln w="3175">
+            <a:solidFill>
+              <a:srgbClr val="000000">
+                <a:lumMod val="50000"/>
+                <a:lumOff val="50000"/>
+              </a:srgbClr>
+            </a:solidFill>
+          </a:ln>
+          <a:effectLst/>
+        </p:spPr>
+        <p:style>
+          <a:lnRef idx="2">
+            <a:srgbClr val="4F81BD">
+              <a:shade val="50000"/>
+            </a:srgbClr>
+          </a:lnRef>
+          <a:fillRef idx="1">
+            <a:srgbClr val="4F81BD"/>
+          </a:fillRef>
+          <a:effectRef idx="0">
+            <a:srgbClr val="4F81BD"/>
+          </a:effectRef>
+          <a:fontRef idx="minor">
+            <a:srgbClr val="000000"/>
+          </a:fontRef>
+        </p:style>
+        <p:txBody>
+          <a:bodyPr wrap="none" lIns="45720" tIns="18288" rIns="45720" bIns="18288" rtlCol="0" anchor="ctr">
+            <a:noAutofit/>
+          </a:bodyPr>
+          <a:lstStyle/>
+          <a:p>
+            <a:endParaRPr lang="en-US" sz="1200" dirty="0">
+              <a:solidFill>
+                <a:srgbClr val="000000"/>
+              </a:solidFill>
+              <a:latin typeface="Segoe UI" pitchFamily="34" charset="0"/>
+              <a:cs typeface="Segoe UI" pitchFamily="34" charset="0"/>
+            </a:endParaRPr>
+          </a:p>
+        </p:txBody>
+      </p:sp>
+    </p:spTree>
+    <p:extLst>
+      <p:ext uri="{BB962C8B-B14F-4D97-AF65-F5344CB8AC3E}">
+        <p14:creationId xmlns:p14="http://schemas.microsoft.com/office/powerpoint/2010/main" val="2829902079"/>
+      </p:ext>
+    </p:extLst>
+  </p:cSld>
+  <p:clrMapOvr>
+    <a:masterClrMapping/>
+  </p:clrMapOvr>
+</p:sldLayout>
+</file>
+
 <file path=ppt/slideMasters/slideMaster1.xml><?xml version="1.0" encoding="utf-8"?>
 <p:sldMaster xmlns:a="http://schemas.openxmlformats.org/drawingml/2006/main" xmlns:r="http://schemas.openxmlformats.org/officeDocument/2006/relationships" xmlns:p="http://schemas.openxmlformats.org/presentationml/2006/main" preserve="1">
   <p:cSld>
@@ -8550,7 +10463,7 @@
           <p:cNvGrpSpPr/>
           <p:nvPr userDrawn="1">
             <p:custDataLst>
-              <p:custData r:id="rId10"/>
+              <p:custData r:id="rId12"/>
             </p:custDataLst>
           </p:nvPr>
         </p:nvGrpSpPr>
@@ -9196,7 +11109,7 @@
               <p:nvPr/>
             </p:nvPicPr>
             <p:blipFill>
-              <a:blip r:embed="rId23" cstate="print">
+              <a:blip r:embed="rId25" cstate="print">
                 <a:extLst>
                   <a:ext uri="{28A0092B-C50C-407E-A947-70E740481C1C}">
                     <a14:useLocalDpi xmlns:a14="http://schemas.microsoft.com/office/drawing/2010/main" val="0"/>
@@ -9243,7 +11156,7 @@
               <p:nvPr/>
             </p:nvPicPr>
             <p:blipFill rotWithShape="1">
-              <a:blip r:embed="rId24" cstate="print">
+              <a:blip r:embed="rId26" cstate="print">
                 <a:extLst>
                   <a:ext uri="{28A0092B-C50C-407E-A947-70E740481C1C}">
                     <a14:useLocalDpi xmlns:a14="http://schemas.microsoft.com/office/drawing/2010/main" val="0"/>
@@ -9288,7 +11201,7 @@
               <p:nvPr/>
             </p:nvPicPr>
             <p:blipFill>
-              <a:blip r:embed="rId25" cstate="print">
+              <a:blip r:embed="rId27" cstate="print">
                 <a:extLst>
                   <a:ext uri="{28A0092B-C50C-407E-A947-70E740481C1C}">
                     <a14:useLocalDpi xmlns:a14="http://schemas.microsoft.com/office/drawing/2010/main" val="0"/>
@@ -9429,7 +11342,7 @@
                 <p:nvPr/>
               </p:nvPicPr>
               <p:blipFill>
-                <a:blip r:embed="rId26" cstate="print">
+                <a:blip r:embed="rId28" cstate="print">
                   <a:extLst>
                     <a:ext uri="{28A0092B-C50C-407E-A947-70E740481C1C}">
                       <a14:useLocalDpi xmlns:a14="http://schemas.microsoft.com/office/drawing/2010/main" val="0"/>
@@ -9476,7 +11389,7 @@
                 <p:nvPr/>
               </p:nvPicPr>
               <p:blipFill>
-                <a:blip r:embed="rId27" cstate="print">
+                <a:blip r:embed="rId29" cstate="print">
                   <a:extLst>
                     <a:ext uri="{28A0092B-C50C-407E-A947-70E740481C1C}">
                       <a14:useLocalDpi xmlns:a14="http://schemas.microsoft.com/office/drawing/2010/main" val="0"/>
@@ -9523,7 +11436,7 @@
                 <p:nvPr/>
               </p:nvPicPr>
               <p:blipFill>
-                <a:blip r:embed="rId28" cstate="print">
+                <a:blip r:embed="rId30" cstate="print">
                   <a:extLst>
                     <a:ext uri="{28A0092B-C50C-407E-A947-70E740481C1C}">
                       <a14:useLocalDpi xmlns:a14="http://schemas.microsoft.com/office/drawing/2010/main" val="0"/>
@@ -9680,7 +11593,7 @@
           <p:nvPr userDrawn="1"/>
         </p:nvPicPr>
         <p:blipFill>
-          <a:blip r:embed="rId29"/>
+          <a:blip r:embed="rId31"/>
           <a:stretch>
             <a:fillRect/>
           </a:stretch>
@@ -9707,7 +11620,7 @@
           <p:cNvGrpSpPr/>
           <p:nvPr userDrawn="1">
             <p:custDataLst>
-              <p:custData r:id="rId11"/>
+              <p:custData r:id="rId13"/>
             </p:custDataLst>
           </p:nvPr>
         </p:nvGrpSpPr>
@@ -11845,7 +13758,7 @@
           <p:cNvGrpSpPr/>
           <p:nvPr userDrawn="1">
             <p:custDataLst>
-              <p:custData r:id="rId12"/>
+              <p:custData r:id="rId14"/>
             </p:custDataLst>
           </p:nvPr>
         </p:nvGrpSpPr>
@@ -12096,7 +14009,7 @@
           <p:cNvSpPr/>
           <p:nvPr userDrawn="1">
             <p:custDataLst>
-              <p:custData r:id="rId13"/>
+              <p:custData r:id="rId15"/>
             </p:custDataLst>
           </p:nvPr>
         </p:nvSpPr>
@@ -12154,7 +14067,7 @@
           <p:cNvSpPr txBox="1"/>
           <p:nvPr userDrawn="1">
             <p:custDataLst>
-              <p:custData r:id="rId14"/>
+              <p:custData r:id="rId16"/>
             </p:custDataLst>
           </p:nvPr>
         </p:nvSpPr>
@@ -12200,7 +14113,7 @@
           <p:cNvSpPr/>
           <p:nvPr userDrawn="1">
             <p:custDataLst>
-              <p:custData r:id="rId15"/>
+              <p:custData r:id="rId17"/>
             </p:custDataLst>
           </p:nvPr>
         </p:nvSpPr>
@@ -12258,7 +14171,7 @@
           <p:cNvSpPr/>
           <p:nvPr userDrawn="1">
             <p:custDataLst>
-              <p:custData r:id="rId16"/>
+              <p:custData r:id="rId18"/>
             </p:custDataLst>
           </p:nvPr>
         </p:nvSpPr>
@@ -12328,7 +14241,7 @@
           <p:cNvSpPr/>
           <p:nvPr userDrawn="1">
             <p:custDataLst>
-              <p:custData r:id="rId17"/>
+              <p:custData r:id="rId19"/>
             </p:custDataLst>
           </p:nvPr>
         </p:nvSpPr>
@@ -12398,7 +14311,7 @@
           <p:cNvSpPr/>
           <p:nvPr userDrawn="1">
             <p:custDataLst>
-              <p:custData r:id="rId18"/>
+              <p:custData r:id="rId20"/>
             </p:custDataLst>
           </p:nvPr>
         </p:nvSpPr>
@@ -12468,7 +14381,7 @@
           <p:cNvSpPr/>
           <p:nvPr userDrawn="1">
             <p:custDataLst>
-              <p:custData r:id="rId19"/>
+              <p:custData r:id="rId21"/>
             </p:custDataLst>
           </p:nvPr>
         </p:nvSpPr>
@@ -12529,7 +14442,7 @@
           <p:cNvSpPr/>
           <p:nvPr userDrawn="1">
             <p:custDataLst>
-              <p:custData r:id="rId20"/>
+              <p:custData r:id="rId22"/>
             </p:custDataLst>
           </p:nvPr>
         </p:nvSpPr>
@@ -12607,7 +14520,7 @@
           <p:cNvGrpSpPr/>
           <p:nvPr userDrawn="1">
             <p:custDataLst>
-              <p:custData r:id="rId21"/>
+              <p:custData r:id="rId23"/>
             </p:custDataLst>
           </p:nvPr>
         </p:nvGrpSpPr>
@@ -12796,7 +14709,7 @@
           <p:cNvSpPr/>
           <p:nvPr userDrawn="1">
             <p:custDataLst>
-              <p:custData r:id="rId22"/>
+              <p:custData r:id="rId24"/>
             </p:custDataLst>
           </p:nvPr>
         </p:nvSpPr>
@@ -12871,6 +14784,8 @@
     <p:sldLayoutId id="2147483665" r:id="rId6"/>
     <p:sldLayoutId id="2147483666" r:id="rId7"/>
     <p:sldLayoutId id="2147483668" r:id="rId8"/>
+    <p:sldLayoutId id="2147483669" r:id="rId9"/>
+    <p:sldLayoutId id="2147483670" r:id="rId10"/>
   </p:sldLayoutIdLst>
   <p:txStyles>
     <p:titleStyle>
@@ -13293,6 +15208,36 @@
     <p:extLst>
       <p:ext uri="{BB962C8B-B14F-4D97-AF65-F5344CB8AC3E}">
         <p14:creationId xmlns:p14="http://schemas.microsoft.com/office/powerpoint/2010/main" val="1094529717"/>
+      </p:ext>
+    </p:extLst>
+  </p:cSld>
+  <p:clrMapOvr>
+    <a:masterClrMapping/>
+  </p:clrMapOvr>
+</p:sld>
+</file>
+
+<file path=ppt/slides/slide4.xml><?xml version="1.0" encoding="utf-8"?>
+<p:sld xmlns:a="http://schemas.openxmlformats.org/drawingml/2006/main" xmlns:r="http://schemas.openxmlformats.org/officeDocument/2006/relationships" xmlns:p="http://schemas.openxmlformats.org/presentationml/2006/main">
+  <p:cSld>
+    <p:spTree>
+      <p:nvGrpSpPr>
+        <p:cNvPr id="1" name=""/>
+        <p:cNvGrpSpPr/>
+        <p:nvPr/>
+      </p:nvGrpSpPr>
+      <p:grpSpPr>
+        <a:xfrm>
+          <a:off x="0" y="0"/>
+          <a:ext cx="0" cy="0"/>
+          <a:chOff x="0" y="0"/>
+          <a:chExt cx="0" cy="0"/>
+        </a:xfrm>
+      </p:grpSpPr>
+    </p:spTree>
+    <p:extLst>
+      <p:ext uri="{BB962C8B-B14F-4D97-AF65-F5344CB8AC3E}">
+        <p14:creationId xmlns:p14="http://schemas.microsoft.com/office/powerpoint/2010/main" val="3151496283"/>
       </p:ext>
     </p:extLst>
   </p:cSld>
@@ -13880,7 +15825,7 @@
 
 <file path=customXml/item1.xml><?xml version="1.0" encoding="utf-8"?>
 <Control xmlns="http://schemas.microsoft.com/VisualStudio/2011/storyboarding/control">
-  <Id Name="System.Storyboarding.Common.Hyperlink" Revision="1" Stencil="System.Storyboarding.Common" StencilVersion="0.1"/>
+  <Id Name="System.Storyboarding.Common.TextInput" Revision="1" Stencil="System.Storyboarding.Common" StencilVersion="0.1"/>
 </Control>
 </file>
 
@@ -13892,109 +15837,109 @@
 
 <file path=customXml/item100.xml><?xml version="1.0" encoding="utf-8"?>
 <Control xmlns="http://schemas.microsoft.com/VisualStudio/2011/storyboarding/control">
-  <Id Name="System.Storyboarding.WindowsApps.WindowsAppsMediumWideTile" Revision="1" Stencil="System.Storyboarding.WindowsApps" StencilVersion="0.1"/>
+  <Id Name="System.Storyboarding.Media.PieChart" Revision="1" Stencil="System.Storyboarding.Media" StencilVersion="0.1"/>
 </Control>
 </file>
 
 <file path=customXml/item101.xml><?xml version="1.0" encoding="utf-8"?>
 <Control xmlns="http://schemas.microsoft.com/VisualStudio/2011/storyboarding/control">
-  <Id Name="System.Storyboarding.Common.ScrollbarVertical" Revision="1" Stencil="System.Storyboarding.Common" StencilVersion="0.1"/>
+  <Id Name="System.Storyboarding.Backgrounds.WebBrowser" Revision="1" Stencil="System.Storyboarding.Backgrounds" StencilVersion="0.1"/>
 </Control>
 </file>
 
 <file path=customXml/item102.xml><?xml version="1.0" encoding="utf-8"?>
+<Control xmlns="http://schemas.microsoft.com/VisualStudio/2011/storyboarding/control">
+  <Id Name="System.Storyboarding.WindowsApps.WindowsAppsEditBox" Revision="1" Stencil="System.Storyboarding.WindowsApps" StencilVersion="0.1"/>
+</Control>
+</file>
+
+<file path=customXml/item103.xml><?xml version="1.0" encoding="utf-8"?>
+<Control xmlns="http://schemas.microsoft.com/VisualStudio/2011/storyboarding/control">
+  <Id Name="System.Storyboarding.Common.RadioButtonSelected" Revision="1" Stencil="System.Storyboarding.Common" StencilVersion="0.1"/>
+</Control>
+</file>
+
+<file path=customXml/item104.xml><?xml version="1.0" encoding="utf-8"?>
+<Control xmlns="http://schemas.microsoft.com/VisualStudio/2011/storyboarding/control">
+  <Id Name="System.Storyboarding.Common.CheckBoxUnchecked" Revision="1" Stencil="System.Storyboarding.Common" StencilVersion="0.1"/>
+</Control>
+</file>
+
+<file path=customXml/item105.xml><?xml version="1.0" encoding="utf-8"?>
 <Control xmlns="http://schemas.microsoft.com/VisualStudio/2011/storyboarding/control">
   <Id Name="System.Storyboarding.WindowsApps.WindowsAppsTileWideSmall" Revision="1" Stencil="System.Storyboarding.WindowsApps" StencilVersion="0.1"/>
 </Control>
 </file>
 
-<file path=customXml/item103.xml><?xml version="1.0" encoding="utf-8"?>
-<Control xmlns="http://schemas.microsoft.com/VisualStudio/2011/storyboarding/control">
-  <Id Name="System.Storyboarding.Common.Button" Revision="1" Stencil="System.Storyboarding.Common" StencilVersion="0.1"/>
-</Control>
-</file>
-
-<file path=customXml/item104.xml><?xml version="1.0" encoding="utf-8"?>
-<Control xmlns="http://schemas.microsoft.com/VisualStudio/2011/storyboarding/control">
-  <Id Name="91f9215f-48a3-4bce-9856-a1c79d18b395" RevisionId="54383394-c8b8-40b0-9c4b-42c6089a8ac7" Stencil="172d6d98-e5c9-42e9-a209-79f7a94bbd38" StencilRevisionId="00000000-0000-0000-0000-000000000000" StencilVersion="0.0"/>
-</Control>
-</file>
-
-<file path=customXml/item105.xml><?xml version="1.0" encoding="utf-8"?>
-<Control xmlns="http://schemas.microsoft.com/VisualStudio/2011/storyboarding/control">
-  <Id Name="32035d07-bc66-4a79-8001-2507012193e3" RevisionId="7f6cc906-8fab-4878-8f41-90bcdc4e860e" Stencil="172d6d98-e5c9-42e9-a209-79f7a94bbd38" StencilRevisionId="00000000-0000-0000-0000-000000000000" StencilVersion="0.0"/>
-</Control>
-</file>
-
 <file path=customXml/item106.xml><?xml version="1.0" encoding="utf-8"?>
-<Control xmlns="http://schemas.microsoft.com/VisualStudio/2011/storyboarding/control">
-  <Id Name="System.Storyboarding.Backgrounds.DesktopTaskbar" Revision="1" Stencil="System.Storyboarding.Backgrounds" StencilVersion="0.1"/>
-</Control>
-</file>
-
-<file path=customXml/item107.xml><?xml version="1.0" encoding="utf-8"?>
 <Control xmlns="http://schemas.microsoft.com/VisualStudio/2011/storyboarding/control">
   <Id Name="System.Storyboarding.Common.Text" Revision="1" Stencil="System.Storyboarding.Common" StencilVersion="0.1"/>
 </Control>
 </file>
 
+<file path=customXml/item107.xml><?xml version="1.0" encoding="utf-8"?>
+<Control xmlns="http://schemas.microsoft.com/VisualStudio/2011/storyboarding/control">
+  <Id Name="System.Storyboarding.Common.TextArea" Revision="1" Stencil="System.Storyboarding.Common" StencilVersion="0.1"/>
+</Control>
+</file>
+
 <file path=customXml/item108.xml><?xml version="1.0" encoding="utf-8"?>
+<Control xmlns="http://schemas.microsoft.com/VisualStudio/2011/storyboarding/control">
+  <Id Name="System.Storyboarding.Icons.Star" Revision="1" Stencil="System.Storyboarding.Icons" StencilVersion="0.1"/>
+</Control>
+</file>
+
+<file path=customXml/item109.xml><?xml version="1.0" encoding="utf-8"?>
+<Control xmlns="http://schemas.microsoft.com/VisualStudio/2011/storyboarding/control">
+  <Id Name="System.Storyboarding.Icons.Star" Revision="1" Stencil="System.Storyboarding.Icons" StencilVersion="0.1"/>
+</Control>
+</file>
+
+<file path=customXml/item11.xml><?xml version="1.0" encoding="utf-8"?>
+<Control xmlns="http://schemas.microsoft.com/VisualStudio/2011/storyboarding/control">
+  <Id Name="System.Storyboarding.Icons.Star" Revision="1" Stencil="System.Storyboarding.Icons" StencilVersion="0.1"/>
+</Control>
+</file>
+
+<file path=customXml/item110.xml><?xml version="1.0" encoding="utf-8"?>
+<Control xmlns="http://schemas.microsoft.com/VisualStudio/2011/storyboarding/control">
+  <Id Name="System.Storyboarding.WindowsApps.WindowsAppsTileMedium" Revision="1" Stencil="System.Storyboarding.WindowsApps" StencilVersion="0.1"/>
+</Control>
+</file>
+
+<file path=customXml/item111.xml><?xml version="1.0" encoding="utf-8"?>
+<Control xmlns="http://schemas.microsoft.com/VisualStudio/2011/storyboarding/control">
+  <Id Name="System.Storyboarding.Common.TextInput" Revision="1" Stencil="System.Storyboarding.Common" StencilVersion="0.1"/>
+</Control>
+</file>
+
+<file path=customXml/item112.xml><?xml version="1.0" encoding="utf-8"?>
+<Control xmlns="http://schemas.microsoft.com/VisualStudio/2011/storyboarding/control">
+  <Id Name="System.Storyboarding.WindowsApps.WindowsAppsMediumWideTile" Revision="1" Stencil="System.Storyboarding.WindowsApps" StencilVersion="0.1"/>
+</Control>
+</file>
+
+<file path=customXml/item113.xml><?xml version="1.0" encoding="utf-8"?>
+<Control xmlns="http://schemas.microsoft.com/VisualStudio/2011/storyboarding/control">
+  <Id Name="System.Storyboarding.Common.TextInput" Revision="1" Stencil="System.Storyboarding.Common" StencilVersion="0.1"/>
+</Control>
+</file>
+
+<file path=customXml/item114.xml><?xml version="1.0" encoding="utf-8"?>
+<Control xmlns="http://schemas.microsoft.com/VisualStudio/2011/storyboarding/control">
+  <Id Name="System.Storyboarding.WindowsApps.WindowsAppsButton" Revision="1" Stencil="System.Storyboarding.WindowsApps" StencilVersion="0.1"/>
+</Control>
+</file>
+
+<file path=customXml/item115.xml><?xml version="1.0" encoding="utf-8"?>
 <Control xmlns="http://schemas.microsoft.com/VisualStudio/2011/storyboarding/control">
   <Id Name="System.Storyboarding.Common.DatePicker" Revision="1" Stencil="System.Storyboarding.Common" StencilVersion="0.1"/>
 </Control>
 </file>
 
-<file path=customXml/item109.xml><?xml version="1.0" encoding="utf-8"?>
-<Control xmlns="http://schemas.microsoft.com/VisualStudio/2011/storyboarding/control">
-  <Id Name="System.Storyboarding.Common.Text" Revision="1" Stencil="System.Storyboarding.Common" StencilVersion="0.1"/>
-</Control>
-</file>
-
-<file path=customXml/item11.xml><?xml version="1.0" encoding="utf-8"?>
-<Control xmlns="http://schemas.microsoft.com/VisualStudio/2011/storyboarding/control">
-  <Id Name="System.Storyboarding.WindowsApps.WindowsAppsTileWideSmall" Revision="1" Stencil="System.Storyboarding.WindowsApps" StencilVersion="0.1"/>
-</Control>
-</file>
-
-<file path=customXml/item110.xml><?xml version="1.0" encoding="utf-8"?>
-<Control xmlns="http://schemas.microsoft.com/VisualStudio/2011/storyboarding/control">
-  <Id Name="System.Storyboarding.Common.Text" Revision="1" Stencil="System.Storyboarding.Common" StencilVersion="0.1"/>
-</Control>
-</file>
-
-<file path=customXml/item111.xml><?xml version="1.0" encoding="utf-8"?>
-<Control xmlns="http://schemas.microsoft.com/VisualStudio/2011/storyboarding/control">
-  <Id Name="System.Storyboarding.Media.PieChart" Revision="1" Stencil="System.Storyboarding.Media" StencilVersion="0.1"/>
-</Control>
-</file>
-
-<file path=customXml/item112.xml><?xml version="1.0" encoding="utf-8"?>
+<file path=customXml/item116.xml><?xml version="1.0" encoding="utf-8"?>
 <Control xmlns="http://schemas.microsoft.com/VisualStudio/2011/storyboarding/control">
   <Id Name="System.Storyboarding.Media.Image" Revision="1" Stencil="System.Storyboarding.Media" StencilVersion="0.1"/>
-</Control>
-</file>
-
-<file path=customXml/item113.xml><?xml version="1.0" encoding="utf-8"?>
-<Control xmlns="http://schemas.microsoft.com/VisualStudio/2011/storyboarding/control">
-  <Id Name="System.Storyboarding.Common.Button" Revision="1" Stencil="System.Storyboarding.Common" StencilVersion="0.1"/>
-</Control>
-</file>
-
-<file path=customXml/item114.xml><?xml version="1.0" encoding="utf-8"?>
-<Control xmlns="http://schemas.microsoft.com/VisualStudio/2011/storyboarding/control">
-  <Id Name="System.Storyboarding.WindowsAppIcons.Check" Revision="1" Stencil="System.Storyboarding.WindowsAppIcons" StencilVersion="0.1"/>
-</Control>
-</file>
-
-<file path=customXml/item115.xml><?xml version="1.0" encoding="utf-8"?>
-<Control xmlns="http://schemas.microsoft.com/VisualStudio/2011/storyboarding/control">
-  <Id Name="System.Storyboarding.Common.TextArea" Revision="1" Stencil="System.Storyboarding.Common" StencilVersion="0.1"/>
-</Control>
-</file>
-
-<file path=customXml/item116.xml><?xml version="1.0" encoding="utf-8"?>
-<Control xmlns="http://schemas.microsoft.com/VisualStudio/2011/storyboarding/control">
-  <Id Name="System.Storyboarding.Common.Text" Revision="1" Stencil="System.Storyboarding.Common" StencilVersion="0.1"/>
 </Control>
 </file>
 
@@ -14012,25 +15957,25 @@
 
 <file path=customXml/item119.xml><?xml version="1.0" encoding="utf-8"?>
 <Control xmlns="http://schemas.microsoft.com/VisualStudio/2011/storyboarding/control">
-  <Id Name="System.Storyboarding.Common.TextInput" Revision="1" Stencil="System.Storyboarding.Common" StencilVersion="0.1"/>
+  <Id Name="System.Storyboarding.Common.Text" Revision="1" Stencil="System.Storyboarding.Common" StencilVersion="0.1"/>
 </Control>
 </file>
 
 <file path=customXml/item12.xml><?xml version="1.0" encoding="utf-8"?>
 <Control xmlns="http://schemas.microsoft.com/VisualStudio/2011/storyboarding/control">
-  <Id Name="System.Storyboarding.Common.TextInput" Revision="1" Stencil="System.Storyboarding.Common" StencilVersion="0.1"/>
+  <Id Name="System.Storyboarding.Icons.Star" Revision="1" Stencil="System.Storyboarding.Icons" StencilVersion="0.1"/>
 </Control>
 </file>
 
 <file path=customXml/item120.xml><?xml version="1.0" encoding="utf-8"?>
 <Control xmlns="http://schemas.microsoft.com/VisualStudio/2011/storyboarding/control">
-  <Id Name="System.Storyboarding.Icons.Lock" Revision="1" Stencil="System.Storyboarding.Icons" StencilVersion="0.1"/>
+  <Id Name="System.Storyboarding.WindowsApps.WindowsAppsMediumWideTile" Revision="1" Stencil="System.Storyboarding.WindowsApps" StencilVersion="0.1"/>
 </Control>
 </file>
 
 <file path=customXml/item121.xml><?xml version="1.0" encoding="utf-8"?>
 <Control xmlns="http://schemas.microsoft.com/VisualStudio/2011/storyboarding/control">
-  <Id Name="System.Storyboarding.Common.Text" Revision="1" Stencil="System.Storyboarding.Common" StencilVersion="0.1"/>
+  <Id Name="32035d07-bc66-4a79-8001-2507012193e3" RevisionId="7f6cc906-8fab-4878-8f41-90bcdc4e860e" Stencil="172d6d98-e5c9-42e9-a209-79f7a94bbd38" StencilRevisionId="00000000-0000-0000-0000-000000000000" StencilVersion="0.0"/>
 </Control>
 </file>
 
@@ -14042,85 +15987,85 @@
 
 <file path=customXml/item123.xml><?xml version="1.0" encoding="utf-8"?>
 <Control xmlns="http://schemas.microsoft.com/VisualStudio/2011/storyboarding/control">
-  <Id Name="System.Storyboarding.Icons.Star" Revision="1" Stencil="System.Storyboarding.Icons" StencilVersion="0.1"/>
+  <Id Name="System.Storyboarding.Common.Text" Revision="1" Stencil="System.Storyboarding.Common" StencilVersion="0.1"/>
 </Control>
 </file>
 
 <file path=customXml/item124.xml><?xml version="1.0" encoding="utf-8"?>
 <Control xmlns="http://schemas.microsoft.com/VisualStudio/2011/storyboarding/control">
-  <Id Name="System.Storyboarding.Icons.Star" Revision="1" Stencil="System.Storyboarding.Icons" StencilVersion="0.1"/>
+  <Id Name="System.Storyboarding.Common.RadioButtonSelected" Revision="1" Stencil="System.Storyboarding.Common" StencilVersion="0.1"/>
 </Control>
 </file>
 
 <file path=customXml/item125.xml><?xml version="1.0" encoding="utf-8"?>
 <Control xmlns="http://schemas.microsoft.com/VisualStudio/2011/storyboarding/control">
-  <Id Name="System.Storyboarding.Icons.Star" Revision="1" Stencil="System.Storyboarding.Icons" StencilVersion="0.1"/>
+  <Id Name="System.Storyboarding.Common.TextInput" Revision="1" Stencil="System.Storyboarding.Common" StencilVersion="0.1"/>
 </Control>
 </file>
 
 <file path=customXml/item126.xml><?xml version="1.0" encoding="utf-8"?>
 <Control xmlns="http://schemas.microsoft.com/VisualStudio/2011/storyboarding/control">
-  <Id Name="System.Storyboarding.Icons.Star" Revision="1" Stencil="System.Storyboarding.Icons" StencilVersion="0.1"/>
+  <Id Name="System.Storyboarding.WindowsAppIcons.Hyperlink" Revision="1" Stencil="System.Storyboarding.WindowsAppIcons" StencilVersion="0.1"/>
 </Control>
 </file>
 
 <file path=customXml/item127.xml><?xml version="1.0" encoding="utf-8"?>
+<Control xmlns="http://schemas.microsoft.com/VisualStudio/2011/storyboarding/control">
+  <Id Name="System.Storyboarding.Common.CheckBoxUnchecked" Revision="1" Stencil="System.Storyboarding.Common" StencilVersion="0.1"/>
+</Control>
+</file>
+
+<file path=customXml/item128.xml><?xml version="1.0" encoding="utf-8"?>
+<Control xmlns="http://schemas.microsoft.com/VisualStudio/2011/storyboarding/control">
+  <Id Name="System.Storyboarding.Common.MousePointer" Revision="1" Stencil="System.Storyboarding.Common" StencilVersion="0.1"/>
+</Control>
+</file>
+
+<file path=customXml/item129.xml><?xml version="1.0" encoding="utf-8"?>
+<Control xmlns="http://schemas.microsoft.com/VisualStudio/2011/storyboarding/control">
+  <Id Name="System.Storyboarding.Common.Text" Revision="1" Stencil="System.Storyboarding.Common" StencilVersion="0.1"/>
+</Control>
+</file>
+
+<file path=customXml/item13.xml><?xml version="1.0" encoding="utf-8"?>
+<Control xmlns="http://schemas.microsoft.com/VisualStudio/2011/storyboarding/control">
+  <Id Name="System.Storyboarding.Common.Text" Revision="1" Stencil="System.Storyboarding.Common" StencilVersion="0.1"/>
+</Control>
+</file>
+
+<file path=customXml/item130.xml><?xml version="1.0" encoding="utf-8"?>
 <Control xmlns="http://schemas.microsoft.com/VisualStudio/2011/storyboarding/control">
   <Id Name="System.Storyboarding.Common.DataGrid" Revision="1" Stencil="System.Storyboarding.Common" StencilVersion="0.1"/>
 </Control>
 </file>
 
-<file path=customXml/item128.xml><?xml version="1.0" encoding="utf-8"?>
-<Control xmlns="http://schemas.microsoft.com/VisualStudio/2011/storyboarding/control">
-  <Id Name="System.Storyboarding.Icons.Star" Revision="1" Stencil="System.Storyboarding.Icons" StencilVersion="0.1"/>
-</Control>
-</file>
-
-<file path=customXml/item129.xml><?xml version="1.0" encoding="utf-8"?>
-<Control xmlns="http://schemas.microsoft.com/VisualStudio/2011/storyboarding/control">
-  <Id Name="System.Storyboarding.Icons.Star" Revision="1" Stencil="System.Storyboarding.Icons" StencilVersion="0.1"/>
-</Control>
-</file>
-
-<file path=customXml/item13.xml><?xml version="1.0" encoding="utf-8"?>
-<Control xmlns="http://schemas.microsoft.com/VisualStudio/2011/storyboarding/control">
-  <Id Name="System.Storyboarding.WindowsApps.WindowsAppsMediumWideTile" Revision="1" Stencil="System.Storyboarding.WindowsApps" StencilVersion="0.1"/>
-</Control>
-</file>
-
-<file path=customXml/item130.xml><?xml version="1.0" encoding="utf-8"?>
-<Control xmlns="http://schemas.microsoft.com/VisualStudio/2011/storyboarding/control">
-  <Id Name="System.Storyboarding.Icons.Star" Revision="1" Stencil="System.Storyboarding.Icons" StencilVersion="0.1"/>
-</Control>
-</file>
-
 <file path=customXml/item131.xml><?xml version="1.0" encoding="utf-8"?>
 <Control xmlns="http://schemas.microsoft.com/VisualStudio/2011/storyboarding/control">
-  <Id Name="System.Storyboarding.Icons.Star" Revision="1" Stencil="System.Storyboarding.Icons" StencilVersion="0.1"/>
+  <Id Name="System.Storyboarding.WindowsAppIcons.Like" Revision="1" Stencil="System.Storyboarding.WindowsAppIcons" StencilVersion="0.1"/>
 </Control>
 </file>
 
 <file path=customXml/item132.xml><?xml version="1.0" encoding="utf-8"?>
 <Control xmlns="http://schemas.microsoft.com/VisualStudio/2011/storyboarding/control">
-  <Id Name="System.Storyboarding.Icons.Star" Revision="1" Stencil="System.Storyboarding.Icons" StencilVersion="0.1"/>
+  <Id Name="System.Storyboarding.Common.MousePointer" Revision="1" Stencil="System.Storyboarding.Common" StencilVersion="0.1"/>
 </Control>
 </file>
 
 <file path=customXml/item133.xml><?xml version="1.0" encoding="utf-8"?>
 <Control xmlns="http://schemas.microsoft.com/VisualStudio/2011/storyboarding/control">
-  <Id Name="System.Storyboarding.Icons.Star" Revision="1" Stencil="System.Storyboarding.Icons" StencilVersion="0.1"/>
+  <Id Name="System.Storyboarding.WindowsApps.WindowsAppsTileWideSmall" Revision="1" Stencil="System.Storyboarding.WindowsApps" StencilVersion="0.1"/>
 </Control>
 </file>
 
 <file path=customXml/item134.xml><?xml version="1.0" encoding="utf-8"?>
 <Control xmlns="http://schemas.microsoft.com/VisualStudio/2011/storyboarding/control">
-  <Id Name="System.Storyboarding.Icons.Star" Revision="1" Stencil="System.Storyboarding.Icons" StencilVersion="0.1"/>
+  <Id Name="System.Storyboarding.Common.TextInput" Revision="1" Stencil="System.Storyboarding.Common" StencilVersion="0.1"/>
 </Control>
 </file>
 
 <file path=customXml/item135.xml><?xml version="1.0" encoding="utf-8"?>
 <Control xmlns="http://schemas.microsoft.com/VisualStudio/2011/storyboarding/control">
-  <Id Name="System.Storyboarding.Icons.Star" Revision="1" Stencil="System.Storyboarding.Icons" StencilVersion="0.1"/>
+  <Id Name="System.Storyboarding.Common.Text" Revision="1" Stencil="System.Storyboarding.Common" StencilVersion="0.1"/>
 </Control>
 </file>
 
@@ -14132,61 +16077,61 @@
 
 <file path=customXml/item137.xml><?xml version="1.0" encoding="utf-8"?>
 <Control xmlns="http://schemas.microsoft.com/VisualStudio/2011/storyboarding/control">
-  <Id Name="System.Storyboarding.Icons.Star" Revision="1" Stencil="System.Storyboarding.Icons" StencilVersion="0.1"/>
+  <Id Name="System.Storyboarding.Media.HorizontalBarChart" Revision="1" Stencil="System.Storyboarding.Media" StencilVersion="0.1"/>
 </Control>
 </file>
 
 <file path=customXml/item138.xml><?xml version="1.0" encoding="utf-8"?>
+<Control xmlns="http://schemas.microsoft.com/VisualStudio/2011/storyboarding/control">
+  <Id Name="32035d07-bc66-4a79-8001-2507012193e3" RevisionId="7f6cc906-8fab-4878-8f41-90bcdc4e860e" Stencil="172d6d98-e5c9-42e9-a209-79f7a94bbd38" StencilRevisionId="00000000-0000-0000-0000-000000000000" StencilVersion="0.0"/>
+</Control>
+</file>
+
+<file path=customXml/item139.xml><?xml version="1.0" encoding="utf-8"?>
+<Control xmlns="http://schemas.microsoft.com/VisualStudio/2011/storyboarding/control">
+  <Id Name="System.Storyboarding.Common.DatePicker" Revision="1" Stencil="System.Storyboarding.Common" StencilVersion="0.1"/>
+</Control>
+</file>
+
+<file path=customXml/item14.xml><?xml version="1.0" encoding="utf-8"?>
+<Control xmlns="http://schemas.microsoft.com/VisualStudio/2011/storyboarding/control">
+  <Id Name="System.Storyboarding.Common.TextInput" Revision="1" Stencil="System.Storyboarding.Common" StencilVersion="0.1"/>
+</Control>
+</file>
+
+<file path=customXml/item140.xml><?xml version="1.0" encoding="utf-8"?>
+<Control xmlns="http://schemas.microsoft.com/VisualStudio/2011/storyboarding/control">
+  <Id Name="System.Storyboarding.Common.ScrollbarVertical" Revision="1" Stencil="System.Storyboarding.Common" StencilVersion="0.1"/>
+</Control>
+</file>
+
+<file path=customXml/item141.xml><?xml version="1.0" encoding="utf-8"?>
+<Control xmlns="http://schemas.microsoft.com/VisualStudio/2011/storyboarding/control">
+  <Id Name="System.Storyboarding.WindowsApps.WindowsAppsTileWideSmall" Revision="1" Stencil="System.Storyboarding.WindowsApps" StencilVersion="0.1"/>
+</Control>
+</file>
+
+<file path=customXml/item142.xml><?xml version="1.0" encoding="utf-8"?>
+<Control xmlns="http://schemas.microsoft.com/VisualStudio/2011/storyboarding/control">
+  <Id Name="System.Storyboarding.Media.PieChart" Revision="1" Stencil="System.Storyboarding.Media" StencilVersion="0.1"/>
+</Control>
+</file>
+
+<file path=customXml/item143.xml><?xml version="1.0" encoding="utf-8"?>
 <Control xmlns="http://schemas.microsoft.com/VisualStudio/2011/storyboarding/control">
   <Id Name="System.Storyboarding.Icons.Star" Revision="1" Stencil="System.Storyboarding.Icons" StencilVersion="0.1"/>
 </Control>
 </file>
 
-<file path=customXml/item139.xml><?xml version="1.0" encoding="utf-8"?>
-<Control xmlns="http://schemas.microsoft.com/VisualStudio/2011/storyboarding/control">
-  <Id Name="System.Storyboarding.Icons.Star" Revision="1" Stencil="System.Storyboarding.Icons" StencilVersion="0.1"/>
-</Control>
-</file>
-
-<file path=customXml/item14.xml><?xml version="1.0" encoding="utf-8"?>
-<Control xmlns="http://schemas.microsoft.com/VisualStudio/2011/storyboarding/control">
-  <Id Name="System.Storyboarding.Common.DatePicker" Revision="1" Stencil="System.Storyboarding.Common" StencilVersion="0.1"/>
-</Control>
-</file>
-
-<file path=customXml/item140.xml><?xml version="1.0" encoding="utf-8"?>
-<Control xmlns="http://schemas.microsoft.com/VisualStudio/2011/storyboarding/control">
-  <Id Name="System.Storyboarding.Icons.Star" Revision="1" Stencil="System.Storyboarding.Icons" StencilVersion="0.1"/>
-</Control>
-</file>
-
-<file path=customXml/item141.xml><?xml version="1.0" encoding="utf-8"?>
-<Control xmlns="http://schemas.microsoft.com/VisualStudio/2011/storyboarding/control">
-  <Id Name="System.Storyboarding.Icons.Star" Revision="1" Stencil="System.Storyboarding.Icons" StencilVersion="0.1"/>
-</Control>
-</file>
-
-<file path=customXml/item142.xml><?xml version="1.0" encoding="utf-8"?>
-<Control xmlns="http://schemas.microsoft.com/VisualStudio/2011/storyboarding/control">
-  <Id Name="System.Storyboarding.Common.DataGrid" Revision="1" Stencil="System.Storyboarding.Common" StencilVersion="0.1"/>
-</Control>
-</file>
-
-<file path=customXml/item143.xml><?xml version="1.0" encoding="utf-8"?>
-<Control xmlns="http://schemas.microsoft.com/VisualStudio/2011/storyboarding/control">
-  <Id Name="System.Storyboarding.WindowsAppIcons.Check" Revision="1" Stencil="System.Storyboarding.WindowsAppIcons" StencilVersion="0.1"/>
-</Control>
-</file>
-
 <file path=customXml/item144.xml><?xml version="1.0" encoding="utf-8"?>
 <Control xmlns="http://schemas.microsoft.com/VisualStudio/2011/storyboarding/control">
-  <Id Name="System.Storyboarding.Common.Text" Revision="1" Stencil="System.Storyboarding.Common" StencilVersion="0.1"/>
+  <Id Name="System.Storyboarding.Common.Button" Revision="1" Stencil="System.Storyboarding.Common" StencilVersion="0.1"/>
 </Control>
 </file>
 
 <file path=customXml/item145.xml><?xml version="1.0" encoding="utf-8"?>
 <Control xmlns="http://schemas.microsoft.com/VisualStudio/2011/storyboarding/control">
-  <Id Name="System.Storyboarding.Common.Text" Revision="1" Stencil="System.Storyboarding.Common" StencilVersion="0.1"/>
+  <Id Name="System.Storyboarding.Common.TextInput" Revision="1" Stencil="System.Storyboarding.Common" StencilVersion="0.1"/>
 </Control>
 </file>
 
@@ -14198,31 +16143,31 @@
 
 <file path=customXml/item147.xml><?xml version="1.0" encoding="utf-8"?>
 <Control xmlns="http://schemas.microsoft.com/VisualStudio/2011/storyboarding/control">
-  <Id Name="System.Storyboarding.Common.Text" Revision="1" Stencil="System.Storyboarding.Common" StencilVersion="0.1"/>
+  <Id Name="System.Storyboarding.Common.DatePicker" Revision="1" Stencil="System.Storyboarding.Common" StencilVersion="0.1"/>
 </Control>
 </file>
 
 <file path=customXml/item148.xml><?xml version="1.0" encoding="utf-8"?>
+<Control xmlns="http://schemas.microsoft.com/VisualStudio/2011/storyboarding/control">
+  <Id Name="System.Storyboarding.Common.Button" Revision="1" Stencil="System.Storyboarding.Common" StencilVersion="0.1"/>
+</Control>
+</file>
+
+<file path=customXml/item149.xml><?xml version="1.0" encoding="utf-8"?>
 <Control xmlns="http://schemas.microsoft.com/VisualStudio/2011/storyboarding/control">
   <Id Name="System.Storyboarding.Common.Text" Revision="1" Stencil="System.Storyboarding.Common" StencilVersion="0.1"/>
 </Control>
 </file>
 
-<file path=customXml/item149.xml><?xml version="1.0" encoding="utf-8"?>
+<file path=customXml/item15.xml><?xml version="1.0" encoding="utf-8"?>
 <Control xmlns="http://schemas.microsoft.com/VisualStudio/2011/storyboarding/control">
   <Id Name="System.Storyboarding.Common.TextInput" Revision="1" Stencil="System.Storyboarding.Common" StencilVersion="0.1"/>
 </Control>
 </file>
 
-<file path=customXml/item15.xml><?xml version="1.0" encoding="utf-8"?>
-<Control xmlns="http://schemas.microsoft.com/VisualStudio/2011/storyboarding/control">
-  <Id Name="System.Storyboarding.WindowsApps.WindowsAppsTileWideSmall" Revision="1" Stencil="System.Storyboarding.WindowsApps" StencilVersion="0.1"/>
-</Control>
-</file>
-
 <file path=customXml/item150.xml><?xml version="1.0" encoding="utf-8"?>
 <Control xmlns="http://schemas.microsoft.com/VisualStudio/2011/storyboarding/control">
-  <Id Name="System.Storyboarding.Common.TextInput" Revision="1" Stencil="System.Storyboarding.Common" StencilVersion="0.1"/>
+  <Id Name="System.Storyboarding.WindowsApps.WindowsAppsButton" Revision="1" Stencil="System.Storyboarding.WindowsApps" StencilVersion="0.1"/>
 </Control>
 </file>
 
@@ -14234,37 +16179,49 @@
 
 <file path=customXml/item152.xml><?xml version="1.0" encoding="utf-8"?>
 <Control xmlns="http://schemas.microsoft.com/VisualStudio/2011/storyboarding/control">
+  <Id Name="System.Storyboarding.WindowsApps.WindowsAppsContextMenu" Revision="1" Stencil="System.Storyboarding.WindowsApps" StencilVersion="0.1"/>
+</Control>
+</file>
+
+<file path=customXml/item153.xml><?xml version="1.0" encoding="utf-8"?>
+<Control xmlns="http://schemas.microsoft.com/VisualStudio/2011/storyboarding/control">
   <Id Name="System.Storyboarding.Common.TextInput" Revision="1" Stencil="System.Storyboarding.Common" StencilVersion="0.1"/>
 </Control>
 </file>
 
-<file path=customXml/item153.xml><?xml version="1.0" encoding="utf-8"?>
+<file path=customXml/item154.xml><?xml version="1.0" encoding="utf-8"?>
 <Control xmlns="http://schemas.microsoft.com/VisualStudio/2011/storyboarding/control">
-  <Id Name="System.Storyboarding.Common.Button" Revision="1" Stencil="System.Storyboarding.Common" StencilVersion="0.1"/>
+  <Id Name="System.Storyboarding.Media.Image" Revision="1" Stencil="System.Storyboarding.Media" StencilVersion="0.1"/>
 </Control>
 </file>
 
-<file path=customXml/item154.xml><?xml version="1.0" encoding="utf-8"?>
+<file path=customXml/item155.xml><?xml version="1.0" encoding="utf-8"?>
+<Control xmlns="http://schemas.microsoft.com/VisualStudio/2011/storyboarding/control">
+  <Id Name="System.Storyboarding.Icons.Star" Revision="1" Stencil="System.Storyboarding.Icons" StencilVersion="0.1"/>
+</Control>
+</file>
+
+<file path=customXml/item156.xml><?xml version="1.0" encoding="utf-8"?>
+<Control xmlns="http://schemas.microsoft.com/VisualStudio/2011/storyboarding/control">
+  <Id Name="System.Storyboarding.Icons.Star" Revision="1" Stencil="System.Storyboarding.Icons" StencilVersion="0.1"/>
+</Control>
+</file>
+
+<file path=customXml/item157.xml><?xml version="1.0" encoding="utf-8"?>
 <Control xmlns="http://schemas.microsoft.com/VisualStudio/2011/storyboarding/control">
   <Id Name="System.Storyboarding.WindowsApps.WindowsAppsTileMediumSelected" Revision="1" Stencil="System.Storyboarding.WindowsApps" StencilVersion="0.1"/>
 </Control>
 </file>
 
-<file path=customXml/item155.xml><?xml version="1.0" encoding="utf-8"?>
+<file path=customXml/item158.xml><?xml version="1.0" encoding="utf-8"?>
 <Control xmlns="http://schemas.microsoft.com/VisualStudio/2011/storyboarding/control">
-  <Id Name="System.Storyboarding.WindowsApps.WindowsAppsTileMedium" Revision="1" Stencil="System.Storyboarding.WindowsApps" StencilVersion="0.1"/>
+  <Id Name="System.Storyboarding.Common.Text" Revision="1" Stencil="System.Storyboarding.Common" StencilVersion="0.1"/>
 </Control>
 </file>
 
-<file path=customXml/item156.xml><?xml version="1.0" encoding="utf-8"?>
+<file path=customXml/item159.xml><?xml version="1.0" encoding="utf-8"?>
 <Control xmlns="http://schemas.microsoft.com/VisualStudio/2011/storyboarding/control">
-  <Id Name="System.Storyboarding.WindowsApps.WindowsAppsTileMediumText" Revision="1" Stencil="System.Storyboarding.WindowsApps" StencilVersion="0.1"/>
-</Control>
-</file>
-
-<file path=customXml/item157.xml><?xml version="1.0" encoding="utf-8"?>
-<Control xmlns="http://schemas.microsoft.com/VisualStudio/2011/storyboarding/control">
-  <Id Name="System.Storyboarding.WindowsApps.WindowsAppsTileMedium" Revision="1" Stencil="System.Storyboarding.WindowsApps" StencilVersion="0.1"/>
+  <Id Name="System.Storyboarding.Common.Text" Revision="1" Stencil="System.Storyboarding.Common" StencilVersion="0.1"/>
 </Control>
 </file>
 
@@ -14274,123 +16231,201 @@
 </Control>
 </file>
 
+<file path=customXml/item160.xml><?xml version="1.0" encoding="utf-8"?>
+<Control xmlns="http://schemas.microsoft.com/VisualStudio/2011/storyboarding/control">
+  <Id Name="System.Storyboarding.Common.TextInput" Revision="1" Stencil="System.Storyboarding.Common" StencilVersion="0.1"/>
+</Control>
+</file>
+
+<file path=customXml/item161.xml><?xml version="1.0" encoding="utf-8"?>
+<Control xmlns="http://schemas.microsoft.com/VisualStudio/2011/storyboarding/control">
+  <Id Name="System.Storyboarding.Common.Text" Revision="1" Stencil="System.Storyboarding.Common" StencilVersion="0.1"/>
+</Control>
+</file>
+
+<file path=customXml/item162.xml><?xml version="1.0" encoding="utf-8"?>
+<Control xmlns="http://schemas.microsoft.com/VisualStudio/2011/storyboarding/control">
+  <Id Name="System.Storyboarding.Common.TextInput" Revision="1" Stencil="System.Storyboarding.Common" StencilVersion="0.1"/>
+</Control>
+</file>
+
+<file path=customXml/item163.xml><?xml version="1.0" encoding="utf-8"?>
+<Control xmlns="http://schemas.microsoft.com/VisualStudio/2011/storyboarding/control">
+  <Id Name="System.Storyboarding.Common.DataGrid" Revision="1" Stencil="System.Storyboarding.Common" StencilVersion="0.1"/>
+</Control>
+</file>
+
+<file path=customXml/item164.xml><?xml version="1.0" encoding="utf-8"?>
+<Control xmlns="http://schemas.microsoft.com/VisualStudio/2011/storyboarding/control">
+  <Id Name="System.Storyboarding.Common.Text" Revision="1" Stencil="System.Storyboarding.Common" StencilVersion="0.1"/>
+</Control>
+</file>
+
+<file path=customXml/item165.xml><?xml version="1.0" encoding="utf-8"?>
+<Control xmlns="http://schemas.microsoft.com/VisualStudio/2011/storyboarding/control">
+  <Id Name="System.Storyboarding.Icons.Star" Revision="1" Stencil="System.Storyboarding.Icons" StencilVersion="0.1"/>
+</Control>
+</file>
+
+<file path=customXml/item166.xml><?xml version="1.0" encoding="utf-8"?>
+<Control xmlns="http://schemas.microsoft.com/VisualStudio/2011/storyboarding/control">
+  <Id Name="System.Storyboarding.Icons.Star" Revision="1" Stencil="System.Storyboarding.Icons" StencilVersion="0.1"/>
+</Control>
+</file>
+
+<file path=customXml/item167.xml><?xml version="1.0" encoding="utf-8"?>
+<Control xmlns="http://schemas.microsoft.com/VisualStudio/2011/storyboarding/control">
+  <Id Name="System.Storyboarding.Icons.Star" Revision="1" Stencil="System.Storyboarding.Icons" StencilVersion="0.1"/>
+</Control>
+</file>
+
+<file path=customXml/item168.xml><?xml version="1.0" encoding="utf-8"?>
+<Control xmlns="http://schemas.microsoft.com/VisualStudio/2011/storyboarding/control">
+  <Id Name="System.Storyboarding.Icons.Star" Revision="1" Stencil="System.Storyboarding.Icons" StencilVersion="0.1"/>
+</Control>
+</file>
+
+<file path=customXml/item169.xml><?xml version="1.0" encoding="utf-8"?>
+<Control xmlns="http://schemas.microsoft.com/VisualStudio/2011/storyboarding/control">
+  <Id Name="System.Storyboarding.Icons.Star" Revision="1" Stencil="System.Storyboarding.Icons" StencilVersion="0.1"/>
+</Control>
+</file>
+
 <file path=customXml/item17.xml><?xml version="1.0" encoding="utf-8"?>
 <Control xmlns="http://schemas.microsoft.com/VisualStudio/2011/storyboarding/control">
   <Id Name="System.Storyboarding.Common.Text" Revision="1" Stencil="System.Storyboarding.Common" StencilVersion="0.1"/>
 </Control>
 </file>
 
+<file path=customXml/item170.xml><?xml version="1.0" encoding="utf-8"?>
+<Control xmlns="http://schemas.microsoft.com/VisualStudio/2011/storyboarding/control">
+  <Id Name="System.Storyboarding.Common.Button" Revision="1" Stencil="System.Storyboarding.Common" StencilVersion="0.1"/>
+</Control>
+</file>
+
+<file path=customXml/item171.xml><?xml version="1.0" encoding="utf-8"?>
+<Control xmlns="http://schemas.microsoft.com/VisualStudio/2011/storyboarding/control">
+  <Id Name="System.Storyboarding.Common.Button" Revision="1" Stencil="System.Storyboarding.Common" StencilVersion="0.1"/>
+</Control>
+</file>
+
+<file path=customXml/item172.xml><?xml version="1.0" encoding="utf-8"?>
+<Control xmlns="http://schemas.microsoft.com/VisualStudio/2011/storyboarding/control">
+  <Id Name="System.Storyboarding.WindowsAppIcons.Copy" Revision="1" Stencil="System.Storyboarding.WindowsAppIcons" StencilVersion="0.1"/>
+</Control>
+</file>
+
 <file path=customXml/item18.xml><?xml version="1.0" encoding="utf-8"?>
 <Control xmlns="http://schemas.microsoft.com/VisualStudio/2011/storyboarding/control">
-  <Id Name="System.Storyboarding.WindowsApps.WindowsAppsContextMenu" Revision="1" Stencil="System.Storyboarding.WindowsApps" StencilVersion="0.1"/>
+  <Id Name="System.Storyboarding.Media.VerticalBarChart" Revision="1" Stencil="System.Storyboarding.Media" StencilVersion="0.1"/>
 </Control>
 </file>
 
 <file path=customXml/item19.xml><?xml version="1.0" encoding="utf-8"?>
 <Control xmlns="http://schemas.microsoft.com/VisualStudio/2011/storyboarding/control">
-  <Id Name="System.Storyboarding.WindowsApps.WindowsAppsButton" Revision="1" Stencil="System.Storyboarding.WindowsApps" StencilVersion="0.1"/>
+  <Id Name="System.Storyboarding.Common.Text" Revision="1" Stencil="System.Storyboarding.Common" StencilVersion="0.1"/>
 </Control>
 </file>
 
 <file path=customXml/item2.xml><?xml version="1.0" encoding="utf-8"?>
+<Control xmlns="http://schemas.microsoft.com/VisualStudio/2011/storyboarding/control">
+  <Id Name="System.Storyboarding.Common.Text" Revision="1" Stencil="System.Storyboarding.Common" StencilVersion="0.1"/>
+</Control>
+</file>
+
+<file path=customXml/item20.xml><?xml version="1.0" encoding="utf-8"?>
+<Control xmlns="http://schemas.microsoft.com/VisualStudio/2011/storyboarding/control">
+  <Id Name="System.Storyboarding.Common.Text" Revision="1" Stencil="System.Storyboarding.Common" StencilVersion="0.1"/>
+</Control>
+</file>
+
+<file path=customXml/item21.xml><?xml version="1.0" encoding="utf-8"?>
+<Control xmlns="http://schemas.microsoft.com/VisualStudio/2011/storyboarding/control">
+  <Id Name="System.Storyboarding.WindowsAppIcons.Plus" Revision="1" Stencil="System.Storyboarding.WindowsAppIcons" StencilVersion="0.1"/>
+</Control>
+</file>
+
+<file path=customXml/item22.xml><?xml version="1.0" encoding="utf-8"?>
+<Control xmlns="http://schemas.microsoft.com/VisualStudio/2011/storyboarding/control">
+  <Id Name="System.Storyboarding.Common.TextInput" Revision="1" Stencil="System.Storyboarding.Common" StencilVersion="0.1"/>
+</Control>
+</file>
+
+<file path=customXml/item23.xml><?xml version="1.0" encoding="utf-8"?>
+<Control xmlns="http://schemas.microsoft.com/VisualStudio/2011/storyboarding/control">
+  <Id Name="System.Storyboarding.Common.RadioButtonSelected" Revision="1" Stencil="System.Storyboarding.Common" StencilVersion="0.1"/>
+</Control>
+</file>
+
+<file path=customXml/item24.xml><?xml version="1.0" encoding="utf-8"?>
+<Control xmlns="http://schemas.microsoft.com/VisualStudio/2011/storyboarding/control">
+  <Id Name="System.Storyboarding.Common.Button" Revision="1" Stencil="System.Storyboarding.Common" StencilVersion="0.1"/>
+</Control>
+</file>
+
+<file path=customXml/item25.xml><?xml version="1.0" encoding="utf-8"?>
+<Control xmlns="http://schemas.microsoft.com/VisualStudio/2011/storyboarding/control">
+  <Id Name="System.Storyboarding.Common.Text" Revision="1" Stencil="System.Storyboarding.Common" StencilVersion="0.1"/>
+</Control>
+</file>
+
+<file path=customXml/item26.xml><?xml version="1.0" encoding="utf-8"?>
+<Control xmlns="http://schemas.microsoft.com/VisualStudio/2011/storyboarding/control">
+  <Id Name="System.Storyboarding.Icons.Star" Revision="1" Stencil="System.Storyboarding.Icons" StencilVersion="0.1"/>
+</Control>
+</file>
+
+<file path=customXml/item27.xml><?xml version="1.0" encoding="utf-8"?>
+<Control xmlns="http://schemas.microsoft.com/VisualStudio/2011/storyboarding/control">
+  <Id Name="System.Storyboarding.Icons.Star" Revision="1" Stencil="System.Storyboarding.Icons" StencilVersion="0.1"/>
+</Control>
+</file>
+
+<file path=customXml/item28.xml><?xml version="1.0" encoding="utf-8"?>
+<Control xmlns="http://schemas.microsoft.com/VisualStudio/2011/storyboarding/control">
+  <Id Name="System.Storyboarding.Icons.Copy" Revision="1" Stencil="System.Storyboarding.Icons" StencilVersion="0.1"/>
+</Control>
+</file>
+
+<file path=customXml/item29.xml><?xml version="1.0" encoding="utf-8"?>
+<Control xmlns="http://schemas.microsoft.com/VisualStudio/2011/storyboarding/control">
+  <Id Name="System.Storyboarding.WindowsAppIcons.Plus" Revision="1" Stencil="System.Storyboarding.WindowsAppIcons" StencilVersion="0.1"/>
+</Control>
+</file>
+
+<file path=customXml/item3.xml><?xml version="1.0" encoding="utf-8"?>
+<Control xmlns="http://schemas.microsoft.com/VisualStudio/2011/storyboarding/control">
+  <Id Name="System.Storyboarding.WindowsApps.WindowsAppsTileWideSmall" Revision="1" Stencil="System.Storyboarding.WindowsApps" StencilVersion="0.1"/>
+</Control>
+</file>
+
+<file path=customXml/item30.xml><?xml version="1.0" encoding="utf-8"?>
+<Control xmlns="http://schemas.microsoft.com/VisualStudio/2011/storyboarding/control">
+  <Id Name="System.Storyboarding.Common.TextInput" Revision="1" Stencil="System.Storyboarding.Common" StencilVersion="0.1"/>
+</Control>
+</file>
+
+<file path=customXml/item31.xml><?xml version="1.0" encoding="utf-8"?>
 <Control xmlns="http://schemas.microsoft.com/VisualStudio/2011/storyboarding/control">
   <Id Name="System.Storyboarding.WindowsApps.WindowsAppsTileMedium" Revision="1" Stencil="System.Storyboarding.WindowsApps" StencilVersion="0.1"/>
 </Control>
 </file>
 
-<file path=customXml/item20.xml><?xml version="1.0" encoding="utf-8"?>
-<Control xmlns="http://schemas.microsoft.com/VisualStudio/2011/storyboarding/control">
-  <Id Name="System.Storyboarding.Media.HorizontalBarChart" Revision="1" Stencil="System.Storyboarding.Media" StencilVersion="0.1"/>
-</Control>
-</file>
-
-<file path=customXml/item21.xml><?xml version="1.0" encoding="utf-8"?>
-<Control xmlns="http://schemas.microsoft.com/VisualStudio/2011/storyboarding/control">
-  <Id Name="System.Storyboarding.Common.DatePicker" Revision="1" Stencil="System.Storyboarding.Common" StencilVersion="0.1"/>
-</Control>
-</file>
-
-<file path=customXml/item22.xml><?xml version="1.0" encoding="utf-8"?>
-<Control xmlns="http://schemas.microsoft.com/VisualStudio/2011/storyboarding/control">
-  <Id Name="System.Storyboarding.Media.VerticalBarChart" Revision="1" Stencil="System.Storyboarding.Media" StencilVersion="0.1"/>
-</Control>
-</file>
-
-<file path=customXml/item23.xml><?xml version="1.0" encoding="utf-8"?>
-<Control xmlns="http://schemas.microsoft.com/VisualStudio/2011/storyboarding/control">
-  <Id Name="System.Storyboarding.WindowsAppIcons.Heart" Revision="1" Stencil="System.Storyboarding.WindowsAppIcons" StencilVersion="0.1"/>
-</Control>
-</file>
-
-<file path=customXml/item24.xml><?xml version="1.0" encoding="utf-8"?>
-<Control xmlns="http://schemas.microsoft.com/VisualStudio/2011/storyboarding/control">
-  <Id Name="System.Storyboarding.Backgrounds.WebBrowser" Revision="1" Stencil="System.Storyboarding.Backgrounds" StencilVersion="0.1"/>
-</Control>
-</file>
-
-<file path=customXml/item25.xml><?xml version="1.0" encoding="utf-8"?>
-<Control xmlns="http://schemas.microsoft.com/VisualStudio/2011/storyboarding/control">
-  <Id Name="System.Storyboarding.Common.MousePointer" Revision="1" Stencil="System.Storyboarding.Common" StencilVersion="0.1"/>
-</Control>
-</file>
-
-<file path=customXml/item26.xml><?xml version="1.0" encoding="utf-8"?>
+<file path=customXml/item32.xml><?xml version="1.0" encoding="utf-8"?>
 <Control xmlns="http://schemas.microsoft.com/VisualStudio/2011/storyboarding/control">
   <Id Name="System.Storyboarding.Common.TextInput" Revision="1" Stencil="System.Storyboarding.Common" StencilVersion="0.1"/>
 </Control>
 </file>
 
-<file path=customXml/item27.xml><?xml version="1.0" encoding="utf-8"?>
+<file path=customXml/item33.xml><?xml version="1.0" encoding="utf-8"?>
 <Control xmlns="http://schemas.microsoft.com/VisualStudio/2011/storyboarding/control">
   <Id Name="System.Storyboarding.Common.Text" Revision="1" Stencil="System.Storyboarding.Common" StencilVersion="0.1"/>
 </Control>
 </file>
 
-<file path=customXml/item28.xml><?xml version="1.0" encoding="utf-8"?>
-<Control xmlns="http://schemas.microsoft.com/VisualStudio/2011/storyboarding/control">
-  <Id Name="System.Storyboarding.Common.RadioButtonSelected" Revision="1" Stencil="System.Storyboarding.Common" StencilVersion="0.1"/>
-</Control>
-</file>
-
-<file path=customXml/item29.xml><?xml version="1.0" encoding="utf-8"?>
-<Control xmlns="http://schemas.microsoft.com/VisualStudio/2011/storyboarding/control">
-  <Id Name="System.Storyboarding.Media.PieChart" Revision="1" Stencil="System.Storyboarding.Media" StencilVersion="0.1"/>
-</Control>
-</file>
-
-<file path=customXml/item3.xml><?xml version="1.0" encoding="utf-8"?>
-<Control xmlns="http://schemas.microsoft.com/VisualStudio/2011/storyboarding/control">
-  <Id Name="System.Storyboarding.WindowsAppIcons.Like" Revision="1" Stencil="System.Storyboarding.WindowsAppIcons" StencilVersion="0.1"/>
-</Control>
-</file>
-
-<file path=customXml/item30.xml><?xml version="1.0" encoding="utf-8"?>
-<Control xmlns="http://schemas.microsoft.com/VisualStudio/2011/storyboarding/control">
-  <Id Name="System.Storyboarding.Media.Image" Revision="1" Stencil="System.Storyboarding.Media" StencilVersion="0.1"/>
-</Control>
-</file>
-
-<file path=customXml/item31.xml><?xml version="1.0" encoding="utf-8"?>
-<Control xmlns="http://schemas.microsoft.com/VisualStudio/2011/storyboarding/control">
-  <Id Name="System.Storyboarding.Common.CheckBoxUnchecked" Revision="1" Stencil="System.Storyboarding.Common" StencilVersion="0.1"/>
-</Control>
-</file>
-
-<file path=customXml/item32.xml><?xml version="1.0" encoding="utf-8"?>
-<Control xmlns="http://schemas.microsoft.com/VisualStudio/2011/storyboarding/control">
-  <Id Name="System.Storyboarding.Common.RadioButtonSelected" Revision="1" Stencil="System.Storyboarding.Common" StencilVersion="0.1"/>
-</Control>
-</file>
-
-<file path=customXml/item33.xml><?xml version="1.0" encoding="utf-8"?>
+<file path=customXml/item34.xml><?xml version="1.0" encoding="utf-8"?>
 <Control xmlns="http://schemas.microsoft.com/VisualStudio/2011/storyboarding/control">
   <Id Name="System.Storyboarding.Icons.Copy" Revision="1" Stencil="System.Storyboarding.Icons" StencilVersion="0.1"/>
-</Control>
-</file>
-
-<file path=customXml/item34.xml><?xml version="1.0" encoding="utf-8"?>
-<Control xmlns="http://schemas.microsoft.com/VisualStudio/2011/storyboarding/control">
-  <Id Name="System.Storyboarding.WindowsApps.WindowsAppsTileMedium" Revision="1" Stencil="System.Storyboarding.WindowsApps" StencilVersion="0.1"/>
 </Control>
 </file>
 
@@ -14402,73 +16437,73 @@
 
 <file path=customXml/item36.xml><?xml version="1.0" encoding="utf-8"?>
 <Control xmlns="http://schemas.microsoft.com/VisualStudio/2011/storyboarding/control">
-  <Id Name="System.Storyboarding.WindowsApps.WindowsAppsTileWideSmall" Revision="1" Stencil="System.Storyboarding.WindowsApps" StencilVersion="0.1"/>
+  <Id Name="System.Storyboarding.Backgrounds.WebBrowser" Revision="1" Stencil="System.Storyboarding.Backgrounds" StencilVersion="0.1"/>
 </Control>
 </file>
 
 <file path=customXml/item37.xml><?xml version="1.0" encoding="utf-8"?>
 <Control xmlns="http://schemas.microsoft.com/VisualStudio/2011/storyboarding/control">
-  <Id Name="System.Storyboarding.Common.Text" Revision="1" Stencil="System.Storyboarding.Common" StencilVersion="0.1"/>
+  <Id Name="System.Storyboarding.Common.Button" Revision="1" Stencil="System.Storyboarding.Common" StencilVersion="0.1"/>
 </Control>
 </file>
 
 <file path=customXml/item38.xml><?xml version="1.0" encoding="utf-8"?>
 <Control xmlns="http://schemas.microsoft.com/VisualStudio/2011/storyboarding/control">
-  <Id Name="System.Storyboarding.Common.Text" Revision="1" Stencil="System.Storyboarding.Common" StencilVersion="0.1"/>
+  <Id Name="System.Storyboarding.Common.DatePicker" Revision="1" Stencil="System.Storyboarding.Common" StencilVersion="0.1"/>
 </Control>
 </file>
 
 <file path=customXml/item39.xml><?xml version="1.0" encoding="utf-8"?>
 <Control xmlns="http://schemas.microsoft.com/VisualStudio/2011/storyboarding/control">
-  <Id Name="System.Storyboarding.Common.Hyperlink" Revision="1" Stencil="System.Storyboarding.Common" StencilVersion="0.1"/>
+  <Id Name="System.Storyboarding.Icons.Star" Revision="1" Stencil="System.Storyboarding.Icons" StencilVersion="0.1"/>
 </Control>
 </file>
 
 <file path=customXml/item4.xml><?xml version="1.0" encoding="utf-8"?>
+<Control xmlns="http://schemas.microsoft.com/VisualStudio/2011/storyboarding/control">
+  <Id Name="System.Storyboarding.Common.RadioButtonSelected" Revision="1" Stencil="System.Storyboarding.Common" StencilVersion="0.1"/>
+</Control>
+</file>
+
+<file path=customXml/item40.xml><?xml version="1.0" encoding="utf-8"?>
+<Control xmlns="http://schemas.microsoft.com/VisualStudio/2011/storyboarding/control">
+  <Id Name="System.Storyboarding.Icons.Star" Revision="1" Stencil="System.Storyboarding.Icons" StencilVersion="0.1"/>
+</Control>
+</file>
+
+<file path=customXml/item41.xml><?xml version="1.0" encoding="utf-8"?>
+<Control xmlns="http://schemas.microsoft.com/VisualStudio/2011/storyboarding/control">
+  <Id Name="System.Storyboarding.WindowsApps.WindowsAppsTileMedium" Revision="1" Stencil="System.Storyboarding.WindowsApps" StencilVersion="0.1"/>
+</Control>
+</file>
+
+<file path=customXml/item42.xml><?xml version="1.0" encoding="utf-8"?>
+<Control xmlns="http://schemas.microsoft.com/VisualStudio/2011/storyboarding/control">
+  <Id Name="System.Storyboarding.Common.TextInput" Revision="1" Stencil="System.Storyboarding.Common" StencilVersion="0.1"/>
+</Control>
+</file>
+
+<file path=customXml/item43.xml><?xml version="1.0" encoding="utf-8"?>
 <Control xmlns="http://schemas.microsoft.com/VisualStudio/2011/storyboarding/control">
   <Id Name="System.Storyboarding.WindowsApps.WindowsAppsTileWideSmall" Revision="1" Stencil="System.Storyboarding.WindowsApps" StencilVersion="0.1"/>
 </Control>
 </file>
 
-<file path=customXml/item40.xml><?xml version="1.0" encoding="utf-8"?>
+<file path=customXml/item44.xml><?xml version="1.0" encoding="utf-8"?>
 <Control xmlns="http://schemas.microsoft.com/VisualStudio/2011/storyboarding/control">
-  <Id Name="System.Storyboarding.WindowsApps.WindowsAppsEditBox" Revision="1" Stencil="System.Storyboarding.WindowsApps" StencilVersion="0.1"/>
+  <Id Name="System.Storyboarding.Common.TextInput" Revision="1" Stencil="System.Storyboarding.Common" StencilVersion="0.1"/>
 </Control>
 </file>
 
-<file path=customXml/item41.xml><?xml version="1.0" encoding="utf-8"?>
-<Control xmlns="http://schemas.microsoft.com/VisualStudio/2011/storyboarding/control">
-  <Id Name="32035d07-bc66-4a79-8001-2507012193e3" RevisionId="7f6cc906-8fab-4878-8f41-90bcdc4e860e" Stencil="172d6d98-e5c9-42e9-a209-79f7a94bbd38" StencilRevisionId="00000000-0000-0000-0000-000000000000" StencilVersion="0.0"/>
-</Control>
-</file>
-
-<file path=customXml/item42.xml><?xml version="1.0" encoding="utf-8"?>
+<file path=customXml/item45.xml><?xml version="1.0" encoding="utf-8"?>
 <Control xmlns="http://schemas.microsoft.com/VisualStudio/2011/storyboarding/control">
   <Id Name="System.Storyboarding.Common.Button" Revision="1" Stencil="System.Storyboarding.Common" StencilVersion="0.1"/>
 </Control>
 </file>
 
-<file path=customXml/item43.xml><?xml version="1.0" encoding="utf-8"?>
-<Control xmlns="http://schemas.microsoft.com/VisualStudio/2011/storyboarding/control">
-  <Id Name="System.Storyboarding.Common.Text" Revision="1" Stencil="System.Storyboarding.Common" StencilVersion="0.1"/>
-</Control>
-</file>
-
-<file path=customXml/item44.xml><?xml version="1.0" encoding="utf-8"?>
-<Control xmlns="http://schemas.microsoft.com/VisualStudio/2011/storyboarding/control">
-  <Id Name="System.Storyboarding.Common.ScrollbarVertical" Revision="1" Stencil="System.Storyboarding.Common" StencilVersion="0.1"/>
-</Control>
-</file>
-
-<file path=customXml/item45.xml><?xml version="1.0" encoding="utf-8"?>
-<Control xmlns="http://schemas.microsoft.com/VisualStudio/2011/storyboarding/control">
-  <Id Name="System.Storyboarding.Common.RadioButtonSelected" Revision="1" Stencil="System.Storyboarding.Common" StencilVersion="0.1"/>
-</Control>
-</file>
-
 <file path=customXml/item46.xml><?xml version="1.0" encoding="utf-8"?>
 <Control xmlns="http://schemas.microsoft.com/VisualStudio/2011/storyboarding/control">
-  <Id Name="System.Storyboarding.WindowsApps.WindowsAppsTileWideSmall" Revision="1" Stencil="System.Storyboarding.WindowsApps" StencilVersion="0.1"/>
+  <Id Name="System.Storyboarding.Icons.Star" Revision="1" Stencil="System.Storyboarding.Icons" StencilVersion="0.1"/>
 </Control>
 </file>
 
@@ -14480,115 +16515,115 @@
 
 <file path=customXml/item48.xml><?xml version="1.0" encoding="utf-8"?>
 <Control xmlns="http://schemas.microsoft.com/VisualStudio/2011/storyboarding/control">
-  <Id Name="System.Storyboarding.WindowsAppIcons.Plus" Revision="1" Stencil="System.Storyboarding.WindowsAppIcons" StencilVersion="0.1"/>
+  <Id Name="System.Storyboarding.Common.Hyperlink" Revision="1" Stencil="System.Storyboarding.Common" StencilVersion="0.1"/>
 </Control>
 </file>
 
 <file path=customXml/item49.xml><?xml version="1.0" encoding="utf-8"?>
+<Control xmlns="http://schemas.microsoft.com/VisualStudio/2011/storyboarding/control">
+  <Id Name="System.Storyboarding.Backgrounds.DesktopTaskbar" Revision="1" Stencil="System.Storyboarding.Backgrounds" StencilVersion="0.1"/>
+</Control>
+</file>
+
+<file path=customXml/item5.xml><?xml version="1.0" encoding="utf-8"?>
+<Control xmlns="http://schemas.microsoft.com/VisualStudio/2011/storyboarding/control">
+  <Id Name="System.Storyboarding.Common.Text" Revision="1" Stencil="System.Storyboarding.Common" StencilVersion="0.1"/>
+</Control>
+</file>
+
+<file path=customXml/item50.xml><?xml version="1.0" encoding="utf-8"?>
+<Control xmlns="http://schemas.microsoft.com/VisualStudio/2011/storyboarding/control">
+  <Id Name="System.Storyboarding.WindowsApps.WindowsAppsTileWideSmall" Revision="1" Stencil="System.Storyboarding.WindowsApps" StencilVersion="0.1"/>
+</Control>
+</file>
+
+<file path=customXml/item51.xml><?xml version="1.0" encoding="utf-8"?>
+<Control xmlns="http://schemas.microsoft.com/VisualStudio/2011/storyboarding/control">
+  <Id Name="System.Storyboarding.WindowsAppIcons.Heart" Revision="1" Stencil="System.Storyboarding.WindowsAppIcons" StencilVersion="0.1"/>
+</Control>
+</file>
+
+<file path=customXml/item52.xml><?xml version="1.0" encoding="utf-8"?>
+<Control xmlns="http://schemas.microsoft.com/VisualStudio/2011/storyboarding/control">
+  <Id Name="System.Storyboarding.Common.RadioButtonSelected" Revision="1" Stencil="System.Storyboarding.Common" StencilVersion="0.1"/>
+</Control>
+</file>
+
+<file path=customXml/item53.xml><?xml version="1.0" encoding="utf-8"?>
+<Control xmlns="http://schemas.microsoft.com/VisualStudio/2011/storyboarding/control">
+  <Id Name="System.Storyboarding.WindowsApps.WindowsAppsTileWideSmall" Revision="1" Stencil="System.Storyboarding.WindowsApps" StencilVersion="0.1"/>
+</Control>
+</file>
+
+<file path=customXml/item54.xml><?xml version="1.0" encoding="utf-8"?>
 <Control xmlns="http://schemas.microsoft.com/VisualStudio/2011/storyboarding/control">
   <Id Name="System.Storyboarding.Common.Button" Revision="1" Stencil="System.Storyboarding.Common" StencilVersion="0.1"/>
 </Control>
 </file>
 
-<file path=customXml/item5.xml><?xml version="1.0" encoding="utf-8"?>
+<file path=customXml/item55.xml><?xml version="1.0" encoding="utf-8"?>
+<Control xmlns="http://schemas.microsoft.com/VisualStudio/2011/storyboarding/control">
+  <Id Name="System.Storyboarding.WindowsApps.WindowsAppsTileMedium" Revision="1" Stencil="System.Storyboarding.WindowsApps" StencilVersion="0.1"/>
+</Control>
+</file>
+
+<file path=customXml/item56.xml><?xml version="1.0" encoding="utf-8"?>
+<Control xmlns="http://schemas.microsoft.com/VisualStudio/2011/storyboarding/control">
+  <Id Name="System.Storyboarding.Backgrounds.DesktopTaskbar" Revision="1" Stencil="System.Storyboarding.Backgrounds" StencilVersion="0.1"/>
+</Control>
+</file>
+
+<file path=customXml/item57.xml><?xml version="1.0" encoding="utf-8"?>
+<Control xmlns="http://schemas.microsoft.com/VisualStudio/2011/storyboarding/control">
+  <Id Name="System.Storyboarding.WindowsAppIcons.Check" Revision="1" Stencil="System.Storyboarding.WindowsAppIcons" StencilVersion="0.1"/>
+</Control>
+</file>
+
+<file path=customXml/item58.xml><?xml version="1.0" encoding="utf-8"?>
 <Control xmlns="http://schemas.microsoft.com/VisualStudio/2011/storyboarding/control">
   <Id Name="System.Storyboarding.Common.TextInput" Revision="1" Stencil="System.Storyboarding.Common" StencilVersion="0.1"/>
 </Control>
 </file>
 
-<file path=customXml/item50.xml><?xml version="1.0" encoding="utf-8"?>
+<file path=customXml/item59.xml><?xml version="1.0" encoding="utf-8"?>
+<Control xmlns="http://schemas.microsoft.com/VisualStudio/2011/storyboarding/control">
+  <Id Name="System.Storyboarding.Common.DataGrid" Revision="1" Stencil="System.Storyboarding.Common" StencilVersion="0.1"/>
+</Control>
+</file>
+
+<file path=customXml/item6.xml><?xml version="1.0" encoding="utf-8"?>
+<Control xmlns="http://schemas.microsoft.com/VisualStudio/2011/storyboarding/control">
+  <Id Name="System.Storyboarding.Backgrounds.WebBrowser" Revision="1" Stencil="System.Storyboarding.Backgrounds" StencilVersion="0.1"/>
+</Control>
+</file>
+
+<file path=customXml/item60.xml><?xml version="1.0" encoding="utf-8"?>
+<Control xmlns="http://schemas.microsoft.com/VisualStudio/2011/storyboarding/control">
+  <Id Name="System.Storyboarding.WindowsApps.WindowsAppsTileWideSmall" Revision="1" Stencil="System.Storyboarding.WindowsApps" StencilVersion="0.1"/>
+</Control>
+</file>
+
+<file path=customXml/item61.xml><?xml version="1.0" encoding="utf-8"?>
 <Control xmlns="http://schemas.microsoft.com/VisualStudio/2011/storyboarding/control">
   <Id Name="System.Storyboarding.Common.CheckBoxUnchecked" Revision="1" Stencil="System.Storyboarding.Common" StencilVersion="0.1"/>
 </Control>
 </file>
 
-<file path=customXml/item51.xml><?xml version="1.0" encoding="utf-8"?>
+<file path=customXml/item62.xml><?xml version="1.0" encoding="utf-8"?>
 <Control xmlns="http://schemas.microsoft.com/VisualStudio/2011/storyboarding/control">
-  <Id Name="System.Storyboarding.Common.TextInput" Revision="1" Stencil="System.Storyboarding.Common" StencilVersion="0.1"/>
+  <Id Name="System.Storyboarding.Common.ScrollbarVertical" Revision="1" Stencil="System.Storyboarding.Common" StencilVersion="0.1"/>
 </Control>
 </file>
 
-<file path=customXml/item52.xml><?xml version="1.0" encoding="utf-8"?>
+<file path=customXml/item63.xml><?xml version="1.0" encoding="utf-8"?>
 <Control xmlns="http://schemas.microsoft.com/VisualStudio/2011/storyboarding/control">
   <Id Name="System.Storyboarding.Common.Button" Revision="1" Stencil="System.Storyboarding.Common" StencilVersion="0.1"/>
 </Control>
 </file>
 
-<file path=customXml/item53.xml><?xml version="1.0" encoding="utf-8"?>
-<Control xmlns="http://schemas.microsoft.com/VisualStudio/2011/storyboarding/control">
-  <Id Name="System.Storyboarding.Backgrounds.WebBrowser" Revision="1" Stencil="System.Storyboarding.Backgrounds" StencilVersion="0.1"/>
-</Control>
-</file>
-
-<file path=customXml/item54.xml><?xml version="1.0" encoding="utf-8"?>
-<Control xmlns="http://schemas.microsoft.com/VisualStudio/2011/storyboarding/control">
-  <Id Name="System.Storyboarding.WindowsApps.WindowsAppsTileMedium" Revision="1" Stencil="System.Storyboarding.WindowsApps" StencilVersion="0.1"/>
-</Control>
-</file>
-
-<file path=customXml/item55.xml><?xml version="1.0" encoding="utf-8"?>
-<Control xmlns="http://schemas.microsoft.com/VisualStudio/2011/storyboarding/control">
-  <Id Name="System.Storyboarding.Common.RadioButtonSelected" Revision="1" Stencil="System.Storyboarding.Common" StencilVersion="0.1"/>
-</Control>
-</file>
-
-<file path=customXml/item56.xml><?xml version="1.0" encoding="utf-8"?>
+<file path=customXml/item64.xml><?xml version="1.0" encoding="utf-8"?>
 <Control xmlns="http://schemas.microsoft.com/VisualStudio/2011/storyboarding/control">
   <Id Name="System.Storyboarding.Common.Text" Revision="1" Stencil="System.Storyboarding.Common" StencilVersion="0.1"/>
-</Control>
-</file>
-
-<file path=customXml/item57.xml><?xml version="1.0" encoding="utf-8"?>
-<Control xmlns="http://schemas.microsoft.com/VisualStudio/2011/storyboarding/control">
-  <Id Name="System.Storyboarding.WindowsApps.WindowsAppsTileMedium" Revision="1" Stencil="System.Storyboarding.WindowsApps" StencilVersion="0.1"/>
-</Control>
-</file>
-
-<file path=customXml/item58.xml><?xml version="1.0" encoding="utf-8"?>
-<Control xmlns="http://schemas.microsoft.com/VisualStudio/2011/storyboarding/control">
-  <Id Name="System.Storyboarding.Common.Text" Revision="1" Stencil="System.Storyboarding.Common" StencilVersion="0.1"/>
-</Control>
-</file>
-
-<file path=customXml/item59.xml><?xml version="1.0" encoding="utf-8"?>
-<Control xmlns="http://schemas.microsoft.com/VisualStudio/2011/storyboarding/control">
-  <Id Name="System.Storyboarding.Backgrounds.WebBrowser" Revision="1" Stencil="System.Storyboarding.Backgrounds" StencilVersion="0.1"/>
-</Control>
-</file>
-
-<file path=customXml/item6.xml><?xml version="1.0" encoding="utf-8"?>
-<Control xmlns="http://schemas.microsoft.com/VisualStudio/2011/storyboarding/control">
-  <Id Name="System.Storyboarding.Backgrounds.DesktopTaskbar" Revision="1" Stencil="System.Storyboarding.Backgrounds" StencilVersion="0.1"/>
-</Control>
-</file>
-
-<file path=customXml/item60.xml><?xml version="1.0" encoding="utf-8"?>
-<Control xmlns="http://schemas.microsoft.com/VisualStudio/2011/storyboarding/control">
-  <Id Name="System.Storyboarding.Common.Text" Revision="1" Stencil="System.Storyboarding.Common" StencilVersion="0.1"/>
-</Control>
-</file>
-
-<file path=customXml/item61.xml><?xml version="1.0" encoding="utf-8"?>
-<Control xmlns="http://schemas.microsoft.com/VisualStudio/2011/storyboarding/control">
-  <Id Name="System.Storyboarding.Common.TextInput" Revision="1" Stencil="System.Storyboarding.Common" StencilVersion="0.1"/>
-</Control>
-</file>
-
-<file path=customXml/item62.xml><?xml version="1.0" encoding="utf-8"?>
-<Control xmlns="http://schemas.microsoft.com/VisualStudio/2011/storyboarding/control">
-  <Id Name="System.Storyboarding.Common.DatePicker" Revision="1" Stencil="System.Storyboarding.Common" StencilVersion="0.1"/>
-</Control>
-</file>
-
-<file path=customXml/item63.xml><?xml version="1.0" encoding="utf-8"?>
-<Control xmlns="http://schemas.microsoft.com/VisualStudio/2011/storyboarding/control">
-  <Id Name="System.Storyboarding.WindowsApps.WindowsAppsButton" Revision="1" Stencil="System.Storyboarding.WindowsApps" StencilVersion="0.1"/>
-</Control>
-</file>
-
-<file path=customXml/item64.xml><?xml version="1.0" encoding="utf-8"?>
-<Control xmlns="http://schemas.microsoft.com/VisualStudio/2011/storyboarding/control">
-  <Id Name="System.Storyboarding.Common.TextInput" Revision="1" Stencil="System.Storyboarding.Common" StencilVersion="0.1"/>
 </Control>
 </file>
 
@@ -14600,25 +16635,25 @@
 
 <file path=customXml/item66.xml><?xml version="1.0" encoding="utf-8"?>
 <Control xmlns="http://schemas.microsoft.com/VisualStudio/2011/storyboarding/control">
-  <Id Name="System.Storyboarding.Common.CheckBoxUnchecked" Revision="1" Stencil="System.Storyboarding.Common" StencilVersion="0.1"/>
+  <Id Name="System.Storyboarding.Common.Text" Revision="1" Stencil="System.Storyboarding.Common" StencilVersion="0.1"/>
 </Control>
 </file>
 
 <file path=customXml/item67.xml><?xml version="1.0" encoding="utf-8"?>
 <Control xmlns="http://schemas.microsoft.com/VisualStudio/2011/storyboarding/control">
-  <Id Name="System.Storyboarding.Common.TextInput" Revision="1" Stencil="System.Storyboarding.Common" StencilVersion="0.1"/>
+  <Id Name="System.Storyboarding.WindowsPhone.PageTitle" Revision="1" Stencil="System.Storyboarding.WindowsPhone" StencilVersion="0.1"/>
 </Control>
 </file>
 
 <file path=customXml/item68.xml><?xml version="1.0" encoding="utf-8"?>
 <Control xmlns="http://schemas.microsoft.com/VisualStudio/2011/storyboarding/control">
-  <Id Name="System.Storyboarding.Common.TextInput" Revision="1" Stencil="System.Storyboarding.Common" StencilVersion="0.1"/>
+  <Id Name="System.Storyboarding.WindowsApps.WindowsAppsTileWideSmall" Revision="1" Stencil="System.Storyboarding.WindowsApps" StencilVersion="0.1"/>
 </Control>
 </file>
 
 <file path=customXml/item69.xml><?xml version="1.0" encoding="utf-8"?>
 <Control xmlns="http://schemas.microsoft.com/VisualStudio/2011/storyboarding/control">
-  <Id Name="System.Storyboarding.Common.RadioButtonSelected" Revision="1" Stencil="System.Storyboarding.Common" StencilVersion="0.1"/>
+  <Id Name="System.Storyboarding.Backgrounds.DesktopTaskbar" Revision="1" Stencil="System.Storyboarding.Backgrounds" StencilVersion="0.1"/>
 </Control>
 </file>
 
@@ -14630,43 +16665,43 @@
 
 <file path=customXml/item70.xml><?xml version="1.0" encoding="utf-8"?>
 <Control xmlns="http://schemas.microsoft.com/VisualStudio/2011/storyboarding/control">
-  <Id Name="System.Storyboarding.Common.TextInput" Revision="1" Stencil="System.Storyboarding.Common" StencilVersion="0.1"/>
+  <Id Name="System.Storyboarding.Common.CheckBoxUnchecked" Revision="1" Stencil="System.Storyboarding.Common" StencilVersion="0.1"/>
 </Control>
 </file>
 
 <file path=customXml/item71.xml><?xml version="1.0" encoding="utf-8"?>
-<Control xmlns="http://schemas.microsoft.com/VisualStudio/2011/storyboarding/control">
-  <Id Name="System.Storyboarding.Common.TextInput" Revision="1" Stencil="System.Storyboarding.Common" StencilVersion="0.1"/>
-</Control>
-</file>
-
-<file path=customXml/item72.xml><?xml version="1.0" encoding="utf-8"?>
-<Control xmlns="http://schemas.microsoft.com/VisualStudio/2011/storyboarding/control">
-  <Id Name="System.Storyboarding.WindowsAppIcons.Hyperlink" Revision="1" Stencil="System.Storyboarding.WindowsAppIcons" StencilVersion="0.1"/>
-</Control>
-</file>
-
-<file path=customXml/item73.xml><?xml version="1.0" encoding="utf-8"?>
-<Control xmlns="http://schemas.microsoft.com/VisualStudio/2011/storyboarding/control">
-  <Id Name="System.Storyboarding.Common.Text" Revision="1" Stencil="System.Storyboarding.Common" StencilVersion="0.1"/>
-</Control>
-</file>
-
-<file path=customXml/item74.xml><?xml version="1.0" encoding="utf-8"?>
-<Control xmlns="http://schemas.microsoft.com/VisualStudio/2011/storyboarding/control">
-  <Id Name="System.Storyboarding.Backgrounds.WebBrowser" Revision="1" Stencil="System.Storyboarding.Backgrounds" StencilVersion="0.1"/>
-</Control>
-</file>
-
-<file path=customXml/item75.xml><?xml version="1.0" encoding="utf-8"?>
 <Control xmlns="http://schemas.microsoft.com/VisualStudio/2011/storyboarding/control">
   <Id Name="System.Storyboarding.WindowsApps.WindowsAppsTileWideSmall" Revision="1" Stencil="System.Storyboarding.WindowsApps" StencilVersion="0.1"/>
 </Control>
 </file>
 
+<file path=customXml/item72.xml><?xml version="1.0" encoding="utf-8"?>
+<Control xmlns="http://schemas.microsoft.com/VisualStudio/2011/storyboarding/control">
+  <Id Name="System.Storyboarding.Common.ScrollbarVertical" Revision="1" Stencil="System.Storyboarding.Common" StencilVersion="0.1"/>
+</Control>
+</file>
+
+<file path=customXml/item73.xml><?xml version="1.0" encoding="utf-8"?>
+<Control xmlns="http://schemas.microsoft.com/VisualStudio/2011/storyboarding/control">
+  <Id Name="System.Storyboarding.Icons.Star" Revision="1" Stencil="System.Storyboarding.Icons" StencilVersion="0.1"/>
+</Control>
+</file>
+
+<file path=customXml/item74.xml><?xml version="1.0" encoding="utf-8"?>
+<Control xmlns="http://schemas.microsoft.com/VisualStudio/2011/storyboarding/control">
+  <Id Name="System.Storyboarding.Icons.Star" Revision="1" Stencil="System.Storyboarding.Icons" StencilVersion="0.1"/>
+</Control>
+</file>
+
+<file path=customXml/item75.xml><?xml version="1.0" encoding="utf-8"?>
+<Control xmlns="http://schemas.microsoft.com/VisualStudio/2011/storyboarding/control">
+  <Id Name="System.Storyboarding.Icons.Star" Revision="1" Stencil="System.Storyboarding.Icons" StencilVersion="0.1"/>
+</Control>
+</file>
+
 <file path=customXml/item76.xml><?xml version="1.0" encoding="utf-8"?>
 <Control xmlns="http://schemas.microsoft.com/VisualStudio/2011/storyboarding/control">
-  <Id Name="System.Storyboarding.Common.CheckBoxUnchecked" Revision="1" Stencil="System.Storyboarding.Common" StencilVersion="0.1"/>
+  <Id Name="System.Storyboarding.WindowsAppIcons.Check" Revision="1" Stencil="System.Storyboarding.WindowsAppIcons" StencilVersion="0.1"/>
 </Control>
 </file>
 
@@ -14678,31 +16713,31 @@
 
 <file path=customXml/item78.xml><?xml version="1.0" encoding="utf-8"?>
 <Control xmlns="http://schemas.microsoft.com/VisualStudio/2011/storyboarding/control">
-  <Id Name="System.Storyboarding.WindowsPhone.PageTitle" Revision="1" Stencil="System.Storyboarding.WindowsPhone" StencilVersion="0.1"/>
+  <Id Name="System.Storyboarding.Common.TextInput" Revision="1" Stencil="System.Storyboarding.Common" StencilVersion="0.1"/>
 </Control>
 </file>
 
 <file path=customXml/item79.xml><?xml version="1.0" encoding="utf-8"?>
+<Control xmlns="http://schemas.microsoft.com/VisualStudio/2011/storyboarding/control">
+  <Id Name="System.Storyboarding.WindowsApps.WindowsAppsTileMediumText" Revision="1" Stencil="System.Storyboarding.WindowsApps" StencilVersion="0.1"/>
+</Control>
+</file>
+
+<file path=customXml/item8.xml><?xml version="1.0" encoding="utf-8"?>
+<Control xmlns="http://schemas.microsoft.com/VisualStudio/2011/storyboarding/control">
+  <Id Name="System.Storyboarding.Backgrounds.WebBrowser" Revision="1" Stencil="System.Storyboarding.Backgrounds" StencilVersion="0.1"/>
+</Control>
+</file>
+
+<file path=customXml/item80.xml><?xml version="1.0" encoding="utf-8"?>
 <Control xmlns="http://schemas.microsoft.com/VisualStudio/2011/storyboarding/control">
   <Id Name="System.Storyboarding.WindowsApps.WindowsAppsTileWideSmall" Revision="1" Stencil="System.Storyboarding.WindowsApps" StencilVersion="0.1"/>
 </Control>
 </file>
 
-<file path=customXml/item8.xml><?xml version="1.0" encoding="utf-8"?>
-<Control xmlns="http://schemas.microsoft.com/VisualStudio/2011/storyboarding/control">
-  <Id Name="System.Storyboarding.Common.RadioButtonSelected" Revision="1" Stencil="System.Storyboarding.Common" StencilVersion="0.1"/>
-</Control>
-</file>
-
-<file path=customXml/item80.xml><?xml version="1.0" encoding="utf-8"?>
-<Control xmlns="http://schemas.microsoft.com/VisualStudio/2011/storyboarding/control">
-  <Id Name="System.Storyboarding.Icons.Copy" Revision="1" Stencil="System.Storyboarding.Icons" StencilVersion="0.1"/>
-</Control>
-</file>
-
 <file path=customXml/item81.xml><?xml version="1.0" encoding="utf-8"?>
 <Control xmlns="http://schemas.microsoft.com/VisualStudio/2011/storyboarding/control">
-  <Id Name="System.Storyboarding.WindowsApps.WindowsAppsTileWideSmall" Revision="1" Stencil="System.Storyboarding.WindowsApps" StencilVersion="0.1"/>
+  <Id Name="System.Storyboarding.Backgrounds.DesktopTaskbar" Revision="1" Stencil="System.Storyboarding.Backgrounds" StencilVersion="0.1"/>
 </Control>
 </file>
 
@@ -14714,79 +16749,79 @@
 
 <file path=customXml/item83.xml><?xml version="1.0" encoding="utf-8"?>
 <Control xmlns="http://schemas.microsoft.com/VisualStudio/2011/storyboarding/control">
-  <Id Name="System.Storyboarding.Common.ScrollbarVertical" Revision="1" Stencil="System.Storyboarding.Common" StencilVersion="0.1"/>
+  <Id Name="System.Storyboarding.WindowsApps.WindowsAppsContextMenu" Revision="1" Stencil="System.Storyboarding.WindowsApps" StencilVersion="0.1"/>
 </Control>
 </file>
 
 <file path=customXml/item84.xml><?xml version="1.0" encoding="utf-8"?>
 <Control xmlns="http://schemas.microsoft.com/VisualStudio/2011/storyboarding/control">
-  <Id Name="System.Storyboarding.WindowsApps.WindowsAppsContextMenu" Revision="1" Stencil="System.Storyboarding.WindowsApps" StencilVersion="0.1"/>
+  <Id Name="System.Storyboarding.Common.Hyperlink" Revision="1" Stencil="System.Storyboarding.Common" StencilVersion="0.1"/>
 </Control>
 </file>
 
 <file path=customXml/item85.xml><?xml version="1.0" encoding="utf-8"?>
 <Control xmlns="http://schemas.microsoft.com/VisualStudio/2011/storyboarding/control">
-  <Id Name="System.Storyboarding.WindowsAppIcons.Plus" Revision="1" Stencil="System.Storyboarding.WindowsAppIcons" StencilVersion="0.1"/>
+  <Id Name="System.Storyboarding.Common.Text" Revision="1" Stencil="System.Storyboarding.Common" StencilVersion="0.1"/>
 </Control>
 </file>
 
 <file path=customXml/item86.xml><?xml version="1.0" encoding="utf-8"?>
 <Control xmlns="http://schemas.microsoft.com/VisualStudio/2011/storyboarding/control">
-  <Id Name="System.Storyboarding.Backgrounds.DesktopTaskbar" Revision="1" Stencil="System.Storyboarding.Backgrounds" StencilVersion="0.1"/>
+  <Id Name="System.Storyboarding.WindowsApps.WindowsAppsTileMedium" Revision="1" Stencil="System.Storyboarding.WindowsApps" StencilVersion="0.1"/>
 </Control>
 </file>
 
 <file path=customXml/item87.xml><?xml version="1.0" encoding="utf-8"?>
+<Control xmlns="http://schemas.microsoft.com/VisualStudio/2011/storyboarding/control">
+  <Id Name="System.Storyboarding.Common.CheckBoxUnchecked" Revision="1" Stencil="System.Storyboarding.Common" StencilVersion="0.1"/>
+</Control>
+</file>
+
+<file path=customXml/item88.xml><?xml version="1.0" encoding="utf-8"?>
+<Control xmlns="http://schemas.microsoft.com/VisualStudio/2011/storyboarding/control">
+  <Id Name="System.Storyboarding.Common.RadioButtonSelected" Revision="1" Stencil="System.Storyboarding.Common" StencilVersion="0.1"/>
+</Control>
+</file>
+
+<file path=customXml/item89.xml><?xml version="1.0" encoding="utf-8"?>
+<Control xmlns="http://schemas.microsoft.com/VisualStudio/2011/storyboarding/control">
+  <Id Name="System.Storyboarding.Common.CheckBoxUnchecked" Revision="1" Stencil="System.Storyboarding.Common" StencilVersion="0.1"/>
+</Control>
+</file>
+
+<file path=customXml/item9.xml><?xml version="1.0" encoding="utf-8"?>
 <Control xmlns="http://schemas.microsoft.com/VisualStudio/2011/storyboarding/control">
   <Id Name="System.Storyboarding.WindowsApps.WindowsAppsTileWideSmall" Revision="1" Stencil="System.Storyboarding.WindowsApps" StencilVersion="0.1"/>
 </Control>
 </file>
 
-<file path=customXml/item88.xml><?xml version="1.0" encoding="utf-8"?>
-<Control xmlns="http://schemas.microsoft.com/VisualStudio/2011/storyboarding/control">
-  <Id Name="System.Storyboarding.WindowsApps.WindowsAppsTileWideSmall" Revision="1" Stencil="System.Storyboarding.WindowsApps" StencilVersion="0.1"/>
-</Control>
-</file>
-
-<file path=customXml/item89.xml><?xml version="1.0" encoding="utf-8"?>
-<Control xmlns="http://schemas.microsoft.com/VisualStudio/2011/storyboarding/control">
-  <Id Name="System.Storyboarding.Common.TextInput" Revision="1" Stencil="System.Storyboarding.Common" StencilVersion="0.1"/>
-</Control>
-</file>
-
-<file path=customXml/item9.xml><?xml version="1.0" encoding="utf-8"?>
-<Control xmlns="http://schemas.microsoft.com/VisualStudio/2011/storyboarding/control">
-  <Id Name="System.Storyboarding.Backgrounds.DesktopTaskbar" Revision="1" Stencil="System.Storyboarding.Backgrounds" StencilVersion="0.1"/>
-</Control>
-</file>
-
 <file path=customXml/item90.xml><?xml version="1.0" encoding="utf-8"?>
 <Control xmlns="http://schemas.microsoft.com/VisualStudio/2011/storyboarding/control">
-  <Id Name="System.Storyboarding.Common.TextInput" Revision="1" Stencil="System.Storyboarding.Common" StencilVersion="0.1"/>
+  <Id Name="System.Storyboarding.WindowsApps.WindowsAppsTileMedium" Revision="1" Stencil="System.Storyboarding.WindowsApps" StencilVersion="0.1"/>
 </Control>
 </file>
 
 <file path=customXml/item91.xml><?xml version="1.0" encoding="utf-8"?>
 <Control xmlns="http://schemas.microsoft.com/VisualStudio/2011/storyboarding/control">
-  <Id Name="System.Storyboarding.Common.TextInput" Revision="1" Stencil="System.Storyboarding.Common" StencilVersion="0.1"/>
+  <Id Name="91f9215f-48a3-4bce-9856-a1c79d18b395" RevisionId="54383394-c8b8-40b0-9c4b-42c6089a8ac7" Stencil="172d6d98-e5c9-42e9-a209-79f7a94bbd38" StencilRevisionId="00000000-0000-0000-0000-000000000000" StencilVersion="0.0"/>
 </Control>
 </file>
 
 <file path=customXml/item92.xml><?xml version="1.0" encoding="utf-8"?>
 <Control xmlns="http://schemas.microsoft.com/VisualStudio/2011/storyboarding/control">
-  <Id Name="System.Storyboarding.Common.Text" Revision="1" Stencil="System.Storyboarding.Common" StencilVersion="0.1"/>
+  <Id Name="System.Storyboarding.Icons.Lock" Revision="1" Stencil="System.Storyboarding.Icons" StencilVersion="0.1"/>
 </Control>
 </file>
 
 <file path=customXml/item93.xml><?xml version="1.0" encoding="utf-8"?>
 <Control xmlns="http://schemas.microsoft.com/VisualStudio/2011/storyboarding/control">
-  <Id Name="System.Storyboarding.Common.CheckBoxUnchecked" Revision="1" Stencil="System.Storyboarding.Common" StencilVersion="0.1"/>
+  <Id Name="System.Storyboarding.Icons.Star" Revision="1" Stencil="System.Storyboarding.Icons" StencilVersion="0.1"/>
 </Control>
 </file>
 
 <file path=customXml/item94.xml><?xml version="1.0" encoding="utf-8"?>
 <Control xmlns="http://schemas.microsoft.com/VisualStudio/2011/storyboarding/control">
-  <Id Name="System.Storyboarding.Common.CheckBoxUnchecked" Revision="1" Stencil="System.Storyboarding.Common" StencilVersion="0.1"/>
+  <Id Name="System.Storyboarding.Icons.Star" Revision="1" Stencil="System.Storyboarding.Icons" StencilVersion="0.1"/>
 </Control>
 </file>
 
@@ -14798,29 +16833,949 @@
 
 <file path=customXml/item96.xml><?xml version="1.0" encoding="utf-8"?>
 <Control xmlns="http://schemas.microsoft.com/VisualStudio/2011/storyboarding/control">
-  <Id Name="System.Storyboarding.Common.Button" Revision="1" Stencil="System.Storyboarding.Common" StencilVersion="0.1"/>
+  <Id Name="System.Storyboarding.Common.Text" Revision="1" Stencil="System.Storyboarding.Common" StencilVersion="0.1"/>
 </Control>
 </file>
 
 <file path=customXml/item97.xml><?xml version="1.0" encoding="utf-8"?>
+<Control xmlns="http://schemas.microsoft.com/VisualStudio/2011/storyboarding/control">
+  <Id Name="System.Storyboarding.Common.TextInput" Revision="1" Stencil="System.Storyboarding.Common" StencilVersion="0.1"/>
+</Control>
+</file>
+
+<file path=customXml/item98.xml><?xml version="1.0" encoding="utf-8"?>
+<Control xmlns="http://schemas.microsoft.com/VisualStudio/2011/storyboarding/control">
+  <Id Name="System.Storyboarding.Common.Text" Revision="1" Stencil="System.Storyboarding.Common" StencilVersion="0.1"/>
+</Control>
+</file>
+
+<file path=customXml/item99.xml><?xml version="1.0" encoding="utf-8"?>
 <Control xmlns="http://schemas.microsoft.com/VisualStudio/2011/storyboarding/control">
   <Id Name="System.Storyboarding.WindowsApps.WindowsAppsTileMedium" Revision="1" Stencil="System.Storyboarding.WindowsApps" StencilVersion="0.1"/>
 </Control>
 </file>
 
-<file path=customXml/item98.xml><?xml version="1.0" encoding="utf-8"?>
-<Control xmlns="http://schemas.microsoft.com/VisualStudio/2011/storyboarding/control">
-  <Id Name="System.Storyboarding.Common.MousePointer" Revision="1" Stencil="System.Storyboarding.Common" StencilVersion="0.1"/>
-</Control>
-</file>
-
-<file path=customXml/item99.xml><?xml version="1.0" encoding="utf-8"?>
-<Control xmlns="http://schemas.microsoft.com/VisualStudio/2011/storyboarding/control">
-  <Id Name="System.Storyboarding.WindowsApps.WindowsAppsTileWideSmall" Revision="1" Stencil="System.Storyboarding.WindowsApps" StencilVersion="0.1"/>
-</Control>
-</file>
-
 <file path=customXml/itemProps1.xml><?xml version="1.0" encoding="utf-8"?>
+<ds:datastoreItem xmlns:ds="http://schemas.openxmlformats.org/officeDocument/2006/customXml" ds:itemID="{AABACF0D-5384-4675-802C-4FFC55B3B83D}">
+  <ds:schemaRefs>
+    <ds:schemaRef ds:uri="http://schemas.microsoft.com/VisualStudio/2011/storyboarding/control"/>
+  </ds:schemaRefs>
+</ds:datastoreItem>
+</file>
+
+<file path=customXml/itemProps10.xml><?xml version="1.0" encoding="utf-8"?>
+<ds:datastoreItem xmlns:ds="http://schemas.openxmlformats.org/officeDocument/2006/customXml" ds:itemID="{8B3DF17E-302B-453F-A2FD-6CDC4C0170AA}">
+  <ds:schemaRefs>
+    <ds:schemaRef ds:uri="http://schemas.microsoft.com/VisualStudio/2011/storyboarding/control"/>
+  </ds:schemaRefs>
+</ds:datastoreItem>
+</file>
+
+<file path=customXml/itemProps100.xml><?xml version="1.0" encoding="utf-8"?>
+<ds:datastoreItem xmlns:ds="http://schemas.openxmlformats.org/officeDocument/2006/customXml" ds:itemID="{D76A8C43-D0E6-4D76-A639-72E580E29047}">
+  <ds:schemaRefs>
+    <ds:schemaRef ds:uri="http://schemas.microsoft.com/VisualStudio/2011/storyboarding/control"/>
+  </ds:schemaRefs>
+</ds:datastoreItem>
+</file>
+
+<file path=customXml/itemProps101.xml><?xml version="1.0" encoding="utf-8"?>
+<ds:datastoreItem xmlns:ds="http://schemas.openxmlformats.org/officeDocument/2006/customXml" ds:itemID="{7D3F1746-26F3-4D5F-8DB1-4CE59AC409F7}">
+  <ds:schemaRefs>
+    <ds:schemaRef ds:uri="http://schemas.microsoft.com/VisualStudio/2011/storyboarding/control"/>
+  </ds:schemaRefs>
+</ds:datastoreItem>
+</file>
+
+<file path=customXml/itemProps102.xml><?xml version="1.0" encoding="utf-8"?>
+<ds:datastoreItem xmlns:ds="http://schemas.openxmlformats.org/officeDocument/2006/customXml" ds:itemID="{AF40C17C-6E53-453B-B327-999FE0B7CF9E}">
+  <ds:schemaRefs>
+    <ds:schemaRef ds:uri="http://schemas.microsoft.com/VisualStudio/2011/storyboarding/control"/>
+  </ds:schemaRefs>
+</ds:datastoreItem>
+</file>
+
+<file path=customXml/itemProps103.xml><?xml version="1.0" encoding="utf-8"?>
+<ds:datastoreItem xmlns:ds="http://schemas.openxmlformats.org/officeDocument/2006/customXml" ds:itemID="{3E9518F8-52DB-4512-B6E1-D4B81EC47F8E}">
+  <ds:schemaRefs>
+    <ds:schemaRef ds:uri="http://schemas.microsoft.com/VisualStudio/2011/storyboarding/control"/>
+  </ds:schemaRefs>
+</ds:datastoreItem>
+</file>
+
+<file path=customXml/itemProps104.xml><?xml version="1.0" encoding="utf-8"?>
+<ds:datastoreItem xmlns:ds="http://schemas.openxmlformats.org/officeDocument/2006/customXml" ds:itemID="{FCFEC772-99A0-4E2F-BE46-6982F97F1BE9}">
+  <ds:schemaRefs>
+    <ds:schemaRef ds:uri="http://schemas.microsoft.com/VisualStudio/2011/storyboarding/control"/>
+  </ds:schemaRefs>
+</ds:datastoreItem>
+</file>
+
+<file path=customXml/itemProps105.xml><?xml version="1.0" encoding="utf-8"?>
+<ds:datastoreItem xmlns:ds="http://schemas.openxmlformats.org/officeDocument/2006/customXml" ds:itemID="{F09024E1-1C18-4E75-B068-E418EE7D2650}">
+  <ds:schemaRefs>
+    <ds:schemaRef ds:uri="http://schemas.microsoft.com/VisualStudio/2011/storyboarding/control"/>
+  </ds:schemaRefs>
+</ds:datastoreItem>
+</file>
+
+<file path=customXml/itemProps106.xml><?xml version="1.0" encoding="utf-8"?>
+<ds:datastoreItem xmlns:ds="http://schemas.openxmlformats.org/officeDocument/2006/customXml" ds:itemID="{623F5871-F525-4D45-8757-C0B70863AD81}">
+  <ds:schemaRefs>
+    <ds:schemaRef ds:uri="http://schemas.microsoft.com/VisualStudio/2011/storyboarding/control"/>
+  </ds:schemaRefs>
+</ds:datastoreItem>
+</file>
+
+<file path=customXml/itemProps107.xml><?xml version="1.0" encoding="utf-8"?>
+<ds:datastoreItem xmlns:ds="http://schemas.openxmlformats.org/officeDocument/2006/customXml" ds:itemID="{24046DC5-38AC-4C0E-A7BD-7BA62F64ED8D}">
+  <ds:schemaRefs>
+    <ds:schemaRef ds:uri="http://schemas.microsoft.com/VisualStudio/2011/storyboarding/control"/>
+  </ds:schemaRefs>
+</ds:datastoreItem>
+</file>
+
+<file path=customXml/itemProps108.xml><?xml version="1.0" encoding="utf-8"?>
+<ds:datastoreItem xmlns:ds="http://schemas.openxmlformats.org/officeDocument/2006/customXml" ds:itemID="{A6CB5F7F-1B30-4371-AA4A-C09705431B7C}">
+  <ds:schemaRefs>
+    <ds:schemaRef ds:uri="http://schemas.microsoft.com/VisualStudio/2011/storyboarding/control"/>
+  </ds:schemaRefs>
+</ds:datastoreItem>
+</file>
+
+<file path=customXml/itemProps109.xml><?xml version="1.0" encoding="utf-8"?>
+<ds:datastoreItem xmlns:ds="http://schemas.openxmlformats.org/officeDocument/2006/customXml" ds:itemID="{D9DDD41F-7524-4A14-A6F5-F6220B14545E}">
+  <ds:schemaRefs>
+    <ds:schemaRef ds:uri="http://schemas.microsoft.com/VisualStudio/2011/storyboarding/control"/>
+  </ds:schemaRefs>
+</ds:datastoreItem>
+</file>
+
+<file path=customXml/itemProps11.xml><?xml version="1.0" encoding="utf-8"?>
+<ds:datastoreItem xmlns:ds="http://schemas.openxmlformats.org/officeDocument/2006/customXml" ds:itemID="{03653E92-1616-42CD-8288-0A4EBB2CAA1C}">
+  <ds:schemaRefs>
+    <ds:schemaRef ds:uri="http://schemas.microsoft.com/VisualStudio/2011/storyboarding/control"/>
+  </ds:schemaRefs>
+</ds:datastoreItem>
+</file>
+
+<file path=customXml/itemProps110.xml><?xml version="1.0" encoding="utf-8"?>
+<ds:datastoreItem xmlns:ds="http://schemas.openxmlformats.org/officeDocument/2006/customXml" ds:itemID="{4500268E-82D2-458D-9B7A-1DAD9FBEA8F5}">
+  <ds:schemaRefs>
+    <ds:schemaRef ds:uri="http://schemas.microsoft.com/VisualStudio/2011/storyboarding/control"/>
+  </ds:schemaRefs>
+</ds:datastoreItem>
+</file>
+
+<file path=customXml/itemProps111.xml><?xml version="1.0" encoding="utf-8"?>
+<ds:datastoreItem xmlns:ds="http://schemas.openxmlformats.org/officeDocument/2006/customXml" ds:itemID="{55CA6769-99B0-4402-A536-C3C8E0221022}">
+  <ds:schemaRefs>
+    <ds:schemaRef ds:uri="http://schemas.microsoft.com/VisualStudio/2011/storyboarding/control"/>
+  </ds:schemaRefs>
+</ds:datastoreItem>
+</file>
+
+<file path=customXml/itemProps112.xml><?xml version="1.0" encoding="utf-8"?>
+<ds:datastoreItem xmlns:ds="http://schemas.openxmlformats.org/officeDocument/2006/customXml" ds:itemID="{29B37182-9887-4972-8113-B6FBFE59F94E}">
+  <ds:schemaRefs>
+    <ds:schemaRef ds:uri="http://schemas.microsoft.com/VisualStudio/2011/storyboarding/control"/>
+  </ds:schemaRefs>
+</ds:datastoreItem>
+</file>
+
+<file path=customXml/itemProps113.xml><?xml version="1.0" encoding="utf-8"?>
+<ds:datastoreItem xmlns:ds="http://schemas.openxmlformats.org/officeDocument/2006/customXml" ds:itemID="{2DE19DA7-14FB-4A73-97E6-83DF72E609E6}">
+  <ds:schemaRefs>
+    <ds:schemaRef ds:uri="http://schemas.microsoft.com/VisualStudio/2011/storyboarding/control"/>
+  </ds:schemaRefs>
+</ds:datastoreItem>
+</file>
+
+<file path=customXml/itemProps114.xml><?xml version="1.0" encoding="utf-8"?>
+<ds:datastoreItem xmlns:ds="http://schemas.openxmlformats.org/officeDocument/2006/customXml" ds:itemID="{AE608858-3A79-4E62-9586-14C746DF17FE}">
+  <ds:schemaRefs>
+    <ds:schemaRef ds:uri="http://schemas.microsoft.com/VisualStudio/2011/storyboarding/control"/>
+  </ds:schemaRefs>
+</ds:datastoreItem>
+</file>
+
+<file path=customXml/itemProps115.xml><?xml version="1.0" encoding="utf-8"?>
+<ds:datastoreItem xmlns:ds="http://schemas.openxmlformats.org/officeDocument/2006/customXml" ds:itemID="{033417FC-F4DF-440B-9750-AC9CEE9D4DD6}">
+  <ds:schemaRefs>
+    <ds:schemaRef ds:uri="http://schemas.microsoft.com/VisualStudio/2011/storyboarding/control"/>
+  </ds:schemaRefs>
+</ds:datastoreItem>
+</file>
+
+<file path=customXml/itemProps116.xml><?xml version="1.0" encoding="utf-8"?>
+<ds:datastoreItem xmlns:ds="http://schemas.openxmlformats.org/officeDocument/2006/customXml" ds:itemID="{13D229BA-F403-4DB5-940D-9A722C14A295}">
+  <ds:schemaRefs>
+    <ds:schemaRef ds:uri="http://schemas.microsoft.com/VisualStudio/2011/storyboarding/control"/>
+  </ds:schemaRefs>
+</ds:datastoreItem>
+</file>
+
+<file path=customXml/itemProps117.xml><?xml version="1.0" encoding="utf-8"?>
+<ds:datastoreItem xmlns:ds="http://schemas.openxmlformats.org/officeDocument/2006/customXml" ds:itemID="{F2AC79B3-EA47-4A60-8F32-62C9B6A4B730}">
+  <ds:schemaRefs>
+    <ds:schemaRef ds:uri="http://schemas.microsoft.com/VisualStudio/2011/storyboarding/control"/>
+  </ds:schemaRefs>
+</ds:datastoreItem>
+</file>
+
+<file path=customXml/itemProps118.xml><?xml version="1.0" encoding="utf-8"?>
+<ds:datastoreItem xmlns:ds="http://schemas.openxmlformats.org/officeDocument/2006/customXml" ds:itemID="{98F07B01-E4E8-4E44-B227-4A307E110F5E}">
+  <ds:schemaRefs>
+    <ds:schemaRef ds:uri="http://schemas.microsoft.com/VisualStudio/2011/storyboarding/control"/>
+  </ds:schemaRefs>
+</ds:datastoreItem>
+</file>
+
+<file path=customXml/itemProps119.xml><?xml version="1.0" encoding="utf-8"?>
+<ds:datastoreItem xmlns:ds="http://schemas.openxmlformats.org/officeDocument/2006/customXml" ds:itemID="{69C5573C-4D11-4ED5-8CA8-88391EEEF019}">
+  <ds:schemaRefs>
+    <ds:schemaRef ds:uri="http://schemas.microsoft.com/VisualStudio/2011/storyboarding/control"/>
+  </ds:schemaRefs>
+</ds:datastoreItem>
+</file>
+
+<file path=customXml/itemProps12.xml><?xml version="1.0" encoding="utf-8"?>
+<ds:datastoreItem xmlns:ds="http://schemas.openxmlformats.org/officeDocument/2006/customXml" ds:itemID="{D5754EE6-BC91-4A98-A9DF-8FF792B0AA43}">
+  <ds:schemaRefs>
+    <ds:schemaRef ds:uri="http://schemas.microsoft.com/VisualStudio/2011/storyboarding/control"/>
+  </ds:schemaRefs>
+</ds:datastoreItem>
+</file>
+
+<file path=customXml/itemProps120.xml><?xml version="1.0" encoding="utf-8"?>
+<ds:datastoreItem xmlns:ds="http://schemas.openxmlformats.org/officeDocument/2006/customXml" ds:itemID="{59AEDDE6-08CE-4516-9790-E1D7499AD12F}">
+  <ds:schemaRefs>
+    <ds:schemaRef ds:uri="http://schemas.microsoft.com/VisualStudio/2011/storyboarding/control"/>
+  </ds:schemaRefs>
+</ds:datastoreItem>
+</file>
+
+<file path=customXml/itemProps121.xml><?xml version="1.0" encoding="utf-8"?>
+<ds:datastoreItem xmlns:ds="http://schemas.openxmlformats.org/officeDocument/2006/customXml" ds:itemID="{A4C33EEA-7075-4651-97E3-4829E38E21EA}">
+  <ds:schemaRefs>
+    <ds:schemaRef ds:uri="http://schemas.microsoft.com/VisualStudio/2011/storyboarding/control"/>
+  </ds:schemaRefs>
+</ds:datastoreItem>
+</file>
+
+<file path=customXml/itemProps122.xml><?xml version="1.0" encoding="utf-8"?>
+<ds:datastoreItem xmlns:ds="http://schemas.openxmlformats.org/officeDocument/2006/customXml" ds:itemID="{A4CF0BF1-C47D-4DEC-B943-A1B6DFD73BA3}">
+  <ds:schemaRefs>
+    <ds:schemaRef ds:uri="http://schemas.microsoft.com/VisualStudio/2011/storyboarding/control"/>
+  </ds:schemaRefs>
+</ds:datastoreItem>
+</file>
+
+<file path=customXml/itemProps123.xml><?xml version="1.0" encoding="utf-8"?>
+<ds:datastoreItem xmlns:ds="http://schemas.openxmlformats.org/officeDocument/2006/customXml" ds:itemID="{47953D14-6ADC-4DA0-8BCD-D5FB70B1B04A}">
+  <ds:schemaRefs>
+    <ds:schemaRef ds:uri="http://schemas.microsoft.com/VisualStudio/2011/storyboarding/control"/>
+  </ds:schemaRefs>
+</ds:datastoreItem>
+</file>
+
+<file path=customXml/itemProps124.xml><?xml version="1.0" encoding="utf-8"?>
+<ds:datastoreItem xmlns:ds="http://schemas.openxmlformats.org/officeDocument/2006/customXml" ds:itemID="{AF01C7FC-A844-4EAB-9C49-C1EDCADB47C1}">
+  <ds:schemaRefs>
+    <ds:schemaRef ds:uri="http://schemas.microsoft.com/VisualStudio/2011/storyboarding/control"/>
+  </ds:schemaRefs>
+</ds:datastoreItem>
+</file>
+
+<file path=customXml/itemProps125.xml><?xml version="1.0" encoding="utf-8"?>
+<ds:datastoreItem xmlns:ds="http://schemas.openxmlformats.org/officeDocument/2006/customXml" ds:itemID="{8A555954-45BE-4EEE-9F3C-9C997F6D1BA3}">
+  <ds:schemaRefs>
+    <ds:schemaRef ds:uri="http://schemas.microsoft.com/VisualStudio/2011/storyboarding/control"/>
+  </ds:schemaRefs>
+</ds:datastoreItem>
+</file>
+
+<file path=customXml/itemProps126.xml><?xml version="1.0" encoding="utf-8"?>
+<ds:datastoreItem xmlns:ds="http://schemas.openxmlformats.org/officeDocument/2006/customXml" ds:itemID="{C4F6D4BE-A130-482B-BA98-1CB53DA976CA}">
+  <ds:schemaRefs>
+    <ds:schemaRef ds:uri="http://schemas.microsoft.com/VisualStudio/2011/storyboarding/control"/>
+  </ds:schemaRefs>
+</ds:datastoreItem>
+</file>
+
+<file path=customXml/itemProps127.xml><?xml version="1.0" encoding="utf-8"?>
+<ds:datastoreItem xmlns:ds="http://schemas.openxmlformats.org/officeDocument/2006/customXml" ds:itemID="{F753D4C8-6DCC-4D78-9E76-A20A021CFCD8}">
+  <ds:schemaRefs>
+    <ds:schemaRef ds:uri="http://schemas.microsoft.com/VisualStudio/2011/storyboarding/control"/>
+  </ds:schemaRefs>
+</ds:datastoreItem>
+</file>
+
+<file path=customXml/itemProps128.xml><?xml version="1.0" encoding="utf-8"?>
+<ds:datastoreItem xmlns:ds="http://schemas.openxmlformats.org/officeDocument/2006/customXml" ds:itemID="{10F0BDDE-4AA3-40EF-B2BC-ACF0382ED861}">
+  <ds:schemaRefs>
+    <ds:schemaRef ds:uri="http://schemas.microsoft.com/VisualStudio/2011/storyboarding/control"/>
+  </ds:schemaRefs>
+</ds:datastoreItem>
+</file>
+
+<file path=customXml/itemProps129.xml><?xml version="1.0" encoding="utf-8"?>
+<ds:datastoreItem xmlns:ds="http://schemas.openxmlformats.org/officeDocument/2006/customXml" ds:itemID="{952516C9-92F1-4F3E-8CAE-34A561EA713F}">
+  <ds:schemaRefs>
+    <ds:schemaRef ds:uri="http://schemas.microsoft.com/VisualStudio/2011/storyboarding/control"/>
+  </ds:schemaRefs>
+</ds:datastoreItem>
+</file>
+
+<file path=customXml/itemProps13.xml><?xml version="1.0" encoding="utf-8"?>
+<ds:datastoreItem xmlns:ds="http://schemas.openxmlformats.org/officeDocument/2006/customXml" ds:itemID="{2ADD045D-CBFF-4B66-B7D4-74533078AF4A}">
+  <ds:schemaRefs>
+    <ds:schemaRef ds:uri="http://schemas.microsoft.com/VisualStudio/2011/storyboarding/control"/>
+  </ds:schemaRefs>
+</ds:datastoreItem>
+</file>
+
+<file path=customXml/itemProps130.xml><?xml version="1.0" encoding="utf-8"?>
+<ds:datastoreItem xmlns:ds="http://schemas.openxmlformats.org/officeDocument/2006/customXml" ds:itemID="{DDE8CEAB-FAAF-46B5-9BC4-6BAA48DFB915}">
+  <ds:schemaRefs>
+    <ds:schemaRef ds:uri="http://schemas.microsoft.com/VisualStudio/2011/storyboarding/control"/>
+  </ds:schemaRefs>
+</ds:datastoreItem>
+</file>
+
+<file path=customXml/itemProps131.xml><?xml version="1.0" encoding="utf-8"?>
+<ds:datastoreItem xmlns:ds="http://schemas.openxmlformats.org/officeDocument/2006/customXml" ds:itemID="{FA631F3F-931D-4669-BD0B-F99571F5C429}">
+  <ds:schemaRefs>
+    <ds:schemaRef ds:uri="http://schemas.microsoft.com/VisualStudio/2011/storyboarding/control"/>
+  </ds:schemaRefs>
+</ds:datastoreItem>
+</file>
+
+<file path=customXml/itemProps132.xml><?xml version="1.0" encoding="utf-8"?>
+<ds:datastoreItem xmlns:ds="http://schemas.openxmlformats.org/officeDocument/2006/customXml" ds:itemID="{92C514EF-47C3-4A1E-8CC0-C426C540F0A1}">
+  <ds:schemaRefs>
+    <ds:schemaRef ds:uri="http://schemas.microsoft.com/VisualStudio/2011/storyboarding/control"/>
+  </ds:schemaRefs>
+</ds:datastoreItem>
+</file>
+
+<file path=customXml/itemProps133.xml><?xml version="1.0" encoding="utf-8"?>
+<ds:datastoreItem xmlns:ds="http://schemas.openxmlformats.org/officeDocument/2006/customXml" ds:itemID="{15112653-7036-4EB6-9E86-EDFCD1846E57}">
+  <ds:schemaRefs>
+    <ds:schemaRef ds:uri="http://schemas.microsoft.com/VisualStudio/2011/storyboarding/control"/>
+  </ds:schemaRefs>
+</ds:datastoreItem>
+</file>
+
+<file path=customXml/itemProps134.xml><?xml version="1.0" encoding="utf-8"?>
+<ds:datastoreItem xmlns:ds="http://schemas.openxmlformats.org/officeDocument/2006/customXml" ds:itemID="{E5DD84D4-A8CE-4783-AB20-E42165ABDFA7}">
+  <ds:schemaRefs>
+    <ds:schemaRef ds:uri="http://schemas.microsoft.com/VisualStudio/2011/storyboarding/control"/>
+  </ds:schemaRefs>
+</ds:datastoreItem>
+</file>
+
+<file path=customXml/itemProps135.xml><?xml version="1.0" encoding="utf-8"?>
+<ds:datastoreItem xmlns:ds="http://schemas.openxmlformats.org/officeDocument/2006/customXml" ds:itemID="{D321552F-2375-40A6-A02F-FC27787D42F1}">
+  <ds:schemaRefs>
+    <ds:schemaRef ds:uri="http://schemas.microsoft.com/VisualStudio/2011/storyboarding/control"/>
+  </ds:schemaRefs>
+</ds:datastoreItem>
+</file>
+
+<file path=customXml/itemProps136.xml><?xml version="1.0" encoding="utf-8"?>
+<ds:datastoreItem xmlns:ds="http://schemas.openxmlformats.org/officeDocument/2006/customXml" ds:itemID="{D9AA3C08-4DA4-4FFF-AE51-25D9FD5C0DBF}">
+  <ds:schemaRefs>
+    <ds:schemaRef ds:uri="http://schemas.microsoft.com/VisualStudio/2011/storyboarding/control"/>
+  </ds:schemaRefs>
+</ds:datastoreItem>
+</file>
+
+<file path=customXml/itemProps137.xml><?xml version="1.0" encoding="utf-8"?>
+<ds:datastoreItem xmlns:ds="http://schemas.openxmlformats.org/officeDocument/2006/customXml" ds:itemID="{F5B85250-01CA-403A-BFFD-EDEFCA9E38FF}">
+  <ds:schemaRefs>
+    <ds:schemaRef ds:uri="http://schemas.microsoft.com/VisualStudio/2011/storyboarding/control"/>
+  </ds:schemaRefs>
+</ds:datastoreItem>
+</file>
+
+<file path=customXml/itemProps138.xml><?xml version="1.0" encoding="utf-8"?>
+<ds:datastoreItem xmlns:ds="http://schemas.openxmlformats.org/officeDocument/2006/customXml" ds:itemID="{45D0D449-A17D-45A3-B4E7-E173226B985A}">
+  <ds:schemaRefs>
+    <ds:schemaRef ds:uri="http://schemas.microsoft.com/VisualStudio/2011/storyboarding/control"/>
+  </ds:schemaRefs>
+</ds:datastoreItem>
+</file>
+
+<file path=customXml/itemProps139.xml><?xml version="1.0" encoding="utf-8"?>
+<ds:datastoreItem xmlns:ds="http://schemas.openxmlformats.org/officeDocument/2006/customXml" ds:itemID="{F3241CCA-9602-4CB8-B6FA-D8222B14826C}">
+  <ds:schemaRefs>
+    <ds:schemaRef ds:uri="http://schemas.microsoft.com/VisualStudio/2011/storyboarding/control"/>
+  </ds:schemaRefs>
+</ds:datastoreItem>
+</file>
+
+<file path=customXml/itemProps14.xml><?xml version="1.0" encoding="utf-8"?>
+<ds:datastoreItem xmlns:ds="http://schemas.openxmlformats.org/officeDocument/2006/customXml" ds:itemID="{0D101840-8B5F-4665-97F6-B5669CAD36B7}">
+  <ds:schemaRefs>
+    <ds:schemaRef ds:uri="http://schemas.microsoft.com/VisualStudio/2011/storyboarding/control"/>
+  </ds:schemaRefs>
+</ds:datastoreItem>
+</file>
+
+<file path=customXml/itemProps140.xml><?xml version="1.0" encoding="utf-8"?>
+<ds:datastoreItem xmlns:ds="http://schemas.openxmlformats.org/officeDocument/2006/customXml" ds:itemID="{4ECEEF82-0B3C-4906-961B-AFB29BD1E6E3}">
+  <ds:schemaRefs>
+    <ds:schemaRef ds:uri="http://schemas.microsoft.com/VisualStudio/2011/storyboarding/control"/>
+  </ds:schemaRefs>
+</ds:datastoreItem>
+</file>
+
+<file path=customXml/itemProps141.xml><?xml version="1.0" encoding="utf-8"?>
+<ds:datastoreItem xmlns:ds="http://schemas.openxmlformats.org/officeDocument/2006/customXml" ds:itemID="{E475E16E-3D1A-4AA1-9265-74BC7689BD6B}">
+  <ds:schemaRefs>
+    <ds:schemaRef ds:uri="http://schemas.microsoft.com/VisualStudio/2011/storyboarding/control"/>
+  </ds:schemaRefs>
+</ds:datastoreItem>
+</file>
+
+<file path=customXml/itemProps142.xml><?xml version="1.0" encoding="utf-8"?>
+<ds:datastoreItem xmlns:ds="http://schemas.openxmlformats.org/officeDocument/2006/customXml" ds:itemID="{1C9E4718-660A-46FF-B326-15E4FE359C0C}">
+  <ds:schemaRefs>
+    <ds:schemaRef ds:uri="http://schemas.microsoft.com/VisualStudio/2011/storyboarding/control"/>
+  </ds:schemaRefs>
+</ds:datastoreItem>
+</file>
+
+<file path=customXml/itemProps143.xml><?xml version="1.0" encoding="utf-8"?>
+<ds:datastoreItem xmlns:ds="http://schemas.openxmlformats.org/officeDocument/2006/customXml" ds:itemID="{8034C046-287A-40CC-BFAD-DD9798F69203}">
+  <ds:schemaRefs>
+    <ds:schemaRef ds:uri="http://schemas.microsoft.com/VisualStudio/2011/storyboarding/control"/>
+  </ds:schemaRefs>
+</ds:datastoreItem>
+</file>
+
+<file path=customXml/itemProps144.xml><?xml version="1.0" encoding="utf-8"?>
+<ds:datastoreItem xmlns:ds="http://schemas.openxmlformats.org/officeDocument/2006/customXml" ds:itemID="{121618E6-4C26-48A5-8411-92B68242A304}">
+  <ds:schemaRefs>
+    <ds:schemaRef ds:uri="http://schemas.microsoft.com/VisualStudio/2011/storyboarding/control"/>
+  </ds:schemaRefs>
+</ds:datastoreItem>
+</file>
+
+<file path=customXml/itemProps145.xml><?xml version="1.0" encoding="utf-8"?>
+<ds:datastoreItem xmlns:ds="http://schemas.openxmlformats.org/officeDocument/2006/customXml" ds:itemID="{90E6BF7D-584A-485E-85F5-083945235CD7}">
+  <ds:schemaRefs>
+    <ds:schemaRef ds:uri="http://schemas.microsoft.com/VisualStudio/2011/storyboarding/control"/>
+  </ds:schemaRefs>
+</ds:datastoreItem>
+</file>
+
+<file path=customXml/itemProps146.xml><?xml version="1.0" encoding="utf-8"?>
+<ds:datastoreItem xmlns:ds="http://schemas.openxmlformats.org/officeDocument/2006/customXml" ds:itemID="{DD4B0EF4-5BAE-4815-B342-64E17EEBDB97}">
+  <ds:schemaRefs>
+    <ds:schemaRef ds:uri="http://schemas.microsoft.com/VisualStudio/2011/storyboarding/control"/>
+  </ds:schemaRefs>
+</ds:datastoreItem>
+</file>
+
+<file path=customXml/itemProps147.xml><?xml version="1.0" encoding="utf-8"?>
+<ds:datastoreItem xmlns:ds="http://schemas.openxmlformats.org/officeDocument/2006/customXml" ds:itemID="{CD29ED7C-7003-4640-8A56-61BBEE20B1F0}">
+  <ds:schemaRefs>
+    <ds:schemaRef ds:uri="http://schemas.microsoft.com/VisualStudio/2011/storyboarding/control"/>
+  </ds:schemaRefs>
+</ds:datastoreItem>
+</file>
+
+<file path=customXml/itemProps148.xml><?xml version="1.0" encoding="utf-8"?>
+<ds:datastoreItem xmlns:ds="http://schemas.openxmlformats.org/officeDocument/2006/customXml" ds:itemID="{CAA62E3A-E1D3-48E6-902C-72278FCF572B}">
+  <ds:schemaRefs>
+    <ds:schemaRef ds:uri="http://schemas.microsoft.com/VisualStudio/2011/storyboarding/control"/>
+  </ds:schemaRefs>
+</ds:datastoreItem>
+</file>
+
+<file path=customXml/itemProps149.xml><?xml version="1.0" encoding="utf-8"?>
+<ds:datastoreItem xmlns:ds="http://schemas.openxmlformats.org/officeDocument/2006/customXml" ds:itemID="{06C11E88-1615-4B77-96AD-4B8BA4A066E8}">
+  <ds:schemaRefs>
+    <ds:schemaRef ds:uri="http://schemas.microsoft.com/VisualStudio/2011/storyboarding/control"/>
+  </ds:schemaRefs>
+</ds:datastoreItem>
+</file>
+
+<file path=customXml/itemProps15.xml><?xml version="1.0" encoding="utf-8"?>
+<ds:datastoreItem xmlns:ds="http://schemas.openxmlformats.org/officeDocument/2006/customXml" ds:itemID="{59D0369F-25C4-46DE-8418-DF66EC3FEC68}">
+  <ds:schemaRefs>
+    <ds:schemaRef ds:uri="http://schemas.microsoft.com/VisualStudio/2011/storyboarding/control"/>
+  </ds:schemaRefs>
+</ds:datastoreItem>
+</file>
+
+<file path=customXml/itemProps150.xml><?xml version="1.0" encoding="utf-8"?>
+<ds:datastoreItem xmlns:ds="http://schemas.openxmlformats.org/officeDocument/2006/customXml" ds:itemID="{4A328889-52D6-47EA-AA7A-7178F57DFC2D}">
+  <ds:schemaRefs>
+    <ds:schemaRef ds:uri="http://schemas.microsoft.com/VisualStudio/2011/storyboarding/control"/>
+  </ds:schemaRefs>
+</ds:datastoreItem>
+</file>
+
+<file path=customXml/itemProps151.xml><?xml version="1.0" encoding="utf-8"?>
+<ds:datastoreItem xmlns:ds="http://schemas.openxmlformats.org/officeDocument/2006/customXml" ds:itemID="{CC0F0423-B11D-48BC-93CE-439535EE4340}">
+  <ds:schemaRefs>
+    <ds:schemaRef ds:uri="http://schemas.microsoft.com/VisualStudio/2011/storyboarding/control"/>
+  </ds:schemaRefs>
+</ds:datastoreItem>
+</file>
+
+<file path=customXml/itemProps152.xml><?xml version="1.0" encoding="utf-8"?>
+<ds:datastoreItem xmlns:ds="http://schemas.openxmlformats.org/officeDocument/2006/customXml" ds:itemID="{1CCD967A-A231-4443-B5CB-163865029EA0}">
+  <ds:schemaRefs>
+    <ds:schemaRef ds:uri="http://schemas.microsoft.com/VisualStudio/2011/storyboarding/control"/>
+  </ds:schemaRefs>
+</ds:datastoreItem>
+</file>
+
+<file path=customXml/itemProps153.xml><?xml version="1.0" encoding="utf-8"?>
+<ds:datastoreItem xmlns:ds="http://schemas.openxmlformats.org/officeDocument/2006/customXml" ds:itemID="{0B25F2DC-DA1F-428C-A9D6-1915EDEAA8DD}">
+  <ds:schemaRefs>
+    <ds:schemaRef ds:uri="http://schemas.microsoft.com/VisualStudio/2011/storyboarding/control"/>
+  </ds:schemaRefs>
+</ds:datastoreItem>
+</file>
+
+<file path=customXml/itemProps154.xml><?xml version="1.0" encoding="utf-8"?>
+<ds:datastoreItem xmlns:ds="http://schemas.openxmlformats.org/officeDocument/2006/customXml" ds:itemID="{FF00F683-10CA-4344-BB02-557AFC229713}">
+  <ds:schemaRefs>
+    <ds:schemaRef ds:uri="http://schemas.microsoft.com/VisualStudio/2011/storyboarding/control"/>
+  </ds:schemaRefs>
+</ds:datastoreItem>
+</file>
+
+<file path=customXml/itemProps155.xml><?xml version="1.0" encoding="utf-8"?>
+<ds:datastoreItem xmlns:ds="http://schemas.openxmlformats.org/officeDocument/2006/customXml" ds:itemID="{00D2AA4F-29E2-4A16-BE2A-B2E1781BC260}">
+  <ds:schemaRefs>
+    <ds:schemaRef ds:uri="http://schemas.microsoft.com/VisualStudio/2011/storyboarding/control"/>
+  </ds:schemaRefs>
+</ds:datastoreItem>
+</file>
+
+<file path=customXml/itemProps156.xml><?xml version="1.0" encoding="utf-8"?>
+<ds:datastoreItem xmlns:ds="http://schemas.openxmlformats.org/officeDocument/2006/customXml" ds:itemID="{6EF31828-B1D4-48CE-A1B2-9C0A5D142D1E}">
+  <ds:schemaRefs>
+    <ds:schemaRef ds:uri="http://schemas.microsoft.com/VisualStudio/2011/storyboarding/control"/>
+  </ds:schemaRefs>
+</ds:datastoreItem>
+</file>
+
+<file path=customXml/itemProps157.xml><?xml version="1.0" encoding="utf-8"?>
+<ds:datastoreItem xmlns:ds="http://schemas.openxmlformats.org/officeDocument/2006/customXml" ds:itemID="{14F53810-CFF1-4E60-9021-6AF4EA429CC7}">
+  <ds:schemaRefs>
+    <ds:schemaRef ds:uri="http://schemas.microsoft.com/VisualStudio/2011/storyboarding/control"/>
+  </ds:schemaRefs>
+</ds:datastoreItem>
+</file>
+
+<file path=customXml/itemProps158.xml><?xml version="1.0" encoding="utf-8"?>
+<ds:datastoreItem xmlns:ds="http://schemas.openxmlformats.org/officeDocument/2006/customXml" ds:itemID="{18CA7C37-7AF9-45BE-BBAE-D2D0584D8934}">
+  <ds:schemaRefs>
+    <ds:schemaRef ds:uri="http://schemas.microsoft.com/VisualStudio/2011/storyboarding/control"/>
+  </ds:schemaRefs>
+</ds:datastoreItem>
+</file>
+
+<file path=customXml/itemProps159.xml><?xml version="1.0" encoding="utf-8"?>
+<ds:datastoreItem xmlns:ds="http://schemas.openxmlformats.org/officeDocument/2006/customXml" ds:itemID="{F2948E7D-95F1-4C09-BF4C-141C6B60CBB5}">
+  <ds:schemaRefs>
+    <ds:schemaRef ds:uri="http://schemas.microsoft.com/VisualStudio/2011/storyboarding/control"/>
+  </ds:schemaRefs>
+</ds:datastoreItem>
+</file>
+
+<file path=customXml/itemProps16.xml><?xml version="1.0" encoding="utf-8"?>
+<ds:datastoreItem xmlns:ds="http://schemas.openxmlformats.org/officeDocument/2006/customXml" ds:itemID="{E56EDE5A-F97D-4AD1-8B27-19C05BC797E2}">
+  <ds:schemaRefs>
+    <ds:schemaRef ds:uri="http://schemas.microsoft.com/VisualStudio/2011/storyboarding/control"/>
+  </ds:schemaRefs>
+</ds:datastoreItem>
+</file>
+
+<file path=customXml/itemProps160.xml><?xml version="1.0" encoding="utf-8"?>
+<ds:datastoreItem xmlns:ds="http://schemas.openxmlformats.org/officeDocument/2006/customXml" ds:itemID="{66DA5703-DC74-4A5C-897F-77851F088467}">
+  <ds:schemaRefs>
+    <ds:schemaRef ds:uri="http://schemas.microsoft.com/VisualStudio/2011/storyboarding/control"/>
+  </ds:schemaRefs>
+</ds:datastoreItem>
+</file>
+
+<file path=customXml/itemProps161.xml><?xml version="1.0" encoding="utf-8"?>
+<ds:datastoreItem xmlns:ds="http://schemas.openxmlformats.org/officeDocument/2006/customXml" ds:itemID="{A3199E56-6304-4A04-BDD7-107FDE5731A4}">
+  <ds:schemaRefs>
+    <ds:schemaRef ds:uri="http://schemas.microsoft.com/VisualStudio/2011/storyboarding/control"/>
+  </ds:schemaRefs>
+</ds:datastoreItem>
+</file>
+
+<file path=customXml/itemProps162.xml><?xml version="1.0" encoding="utf-8"?>
+<ds:datastoreItem xmlns:ds="http://schemas.openxmlformats.org/officeDocument/2006/customXml" ds:itemID="{6A689C72-B170-4CC3-844E-7A992719660C}">
+  <ds:schemaRefs>
+    <ds:schemaRef ds:uri="http://schemas.microsoft.com/VisualStudio/2011/storyboarding/control"/>
+  </ds:schemaRefs>
+</ds:datastoreItem>
+</file>
+
+<file path=customXml/itemProps163.xml><?xml version="1.0" encoding="utf-8"?>
+<ds:datastoreItem xmlns:ds="http://schemas.openxmlformats.org/officeDocument/2006/customXml" ds:itemID="{71F7DD17-FE3B-45F0-BA26-7919E3FA2124}">
+  <ds:schemaRefs>
+    <ds:schemaRef ds:uri="http://schemas.microsoft.com/VisualStudio/2011/storyboarding/control"/>
+  </ds:schemaRefs>
+</ds:datastoreItem>
+</file>
+
+<file path=customXml/itemProps164.xml><?xml version="1.0" encoding="utf-8"?>
+<ds:datastoreItem xmlns:ds="http://schemas.openxmlformats.org/officeDocument/2006/customXml" ds:itemID="{CA9B1D84-8FAF-4BE3-BEDE-DAB5639D6F30}">
+  <ds:schemaRefs>
+    <ds:schemaRef ds:uri="http://schemas.microsoft.com/VisualStudio/2011/storyboarding/control"/>
+  </ds:schemaRefs>
+</ds:datastoreItem>
+</file>
+
+<file path=customXml/itemProps165.xml><?xml version="1.0" encoding="utf-8"?>
+<ds:datastoreItem xmlns:ds="http://schemas.openxmlformats.org/officeDocument/2006/customXml" ds:itemID="{7AB87D2A-44BC-4109-A9F6-0CF47E17DA7C}">
+  <ds:schemaRefs>
+    <ds:schemaRef ds:uri="http://schemas.microsoft.com/VisualStudio/2011/storyboarding/control"/>
+  </ds:schemaRefs>
+</ds:datastoreItem>
+</file>
+
+<file path=customXml/itemProps166.xml><?xml version="1.0" encoding="utf-8"?>
+<ds:datastoreItem xmlns:ds="http://schemas.openxmlformats.org/officeDocument/2006/customXml" ds:itemID="{7C8F0811-703B-42B0-A138-293B93790A1B}">
+  <ds:schemaRefs>
+    <ds:schemaRef ds:uri="http://schemas.microsoft.com/VisualStudio/2011/storyboarding/control"/>
+  </ds:schemaRefs>
+</ds:datastoreItem>
+</file>
+
+<file path=customXml/itemProps167.xml><?xml version="1.0" encoding="utf-8"?>
+<ds:datastoreItem xmlns:ds="http://schemas.openxmlformats.org/officeDocument/2006/customXml" ds:itemID="{02423611-8D04-4993-B0B1-97733309265C}">
+  <ds:schemaRefs>
+    <ds:schemaRef ds:uri="http://schemas.microsoft.com/VisualStudio/2011/storyboarding/control"/>
+  </ds:schemaRefs>
+</ds:datastoreItem>
+</file>
+
+<file path=customXml/itemProps168.xml><?xml version="1.0" encoding="utf-8"?>
+<ds:datastoreItem xmlns:ds="http://schemas.openxmlformats.org/officeDocument/2006/customXml" ds:itemID="{8FFADBCE-FF33-4102-8CD5-0FC7C119C312}">
+  <ds:schemaRefs>
+    <ds:schemaRef ds:uri="http://schemas.microsoft.com/VisualStudio/2011/storyboarding/control"/>
+  </ds:schemaRefs>
+</ds:datastoreItem>
+</file>
+
+<file path=customXml/itemProps169.xml><?xml version="1.0" encoding="utf-8"?>
+<ds:datastoreItem xmlns:ds="http://schemas.openxmlformats.org/officeDocument/2006/customXml" ds:itemID="{D22FC293-BAFF-43C9-B3DE-93B31F0E86BE}">
+  <ds:schemaRefs>
+    <ds:schemaRef ds:uri="http://schemas.microsoft.com/VisualStudio/2011/storyboarding/control"/>
+  </ds:schemaRefs>
+</ds:datastoreItem>
+</file>
+
+<file path=customXml/itemProps17.xml><?xml version="1.0" encoding="utf-8"?>
+<ds:datastoreItem xmlns:ds="http://schemas.openxmlformats.org/officeDocument/2006/customXml" ds:itemID="{40E6753A-8176-4C3D-A7AD-922499F48E12}">
+  <ds:schemaRefs>
+    <ds:schemaRef ds:uri="http://schemas.microsoft.com/VisualStudio/2011/storyboarding/control"/>
+  </ds:schemaRefs>
+</ds:datastoreItem>
+</file>
+
+<file path=customXml/itemProps170.xml><?xml version="1.0" encoding="utf-8"?>
+<ds:datastoreItem xmlns:ds="http://schemas.openxmlformats.org/officeDocument/2006/customXml" ds:itemID="{F7BABBE5-64CC-4B8F-B3B6-CF3FD810F8C7}">
+  <ds:schemaRefs>
+    <ds:schemaRef ds:uri="http://schemas.microsoft.com/VisualStudio/2011/storyboarding/control"/>
+  </ds:schemaRefs>
+</ds:datastoreItem>
+</file>
+
+<file path=customXml/itemProps171.xml><?xml version="1.0" encoding="utf-8"?>
+<ds:datastoreItem xmlns:ds="http://schemas.openxmlformats.org/officeDocument/2006/customXml" ds:itemID="{3587D983-5BF3-43F4-B7CC-0D3FCA927E45}">
+  <ds:schemaRefs>
+    <ds:schemaRef ds:uri="http://schemas.microsoft.com/VisualStudio/2011/storyboarding/control"/>
+  </ds:schemaRefs>
+</ds:datastoreItem>
+</file>
+
+<file path=customXml/itemProps172.xml><?xml version="1.0" encoding="utf-8"?>
+<ds:datastoreItem xmlns:ds="http://schemas.openxmlformats.org/officeDocument/2006/customXml" ds:itemID="{66DB2393-603D-49D1-8038-F976FE310B23}">
+  <ds:schemaRefs>
+    <ds:schemaRef ds:uri="http://schemas.microsoft.com/VisualStudio/2011/storyboarding/control"/>
+  </ds:schemaRefs>
+</ds:datastoreItem>
+</file>
+
+<file path=customXml/itemProps18.xml><?xml version="1.0" encoding="utf-8"?>
+<ds:datastoreItem xmlns:ds="http://schemas.openxmlformats.org/officeDocument/2006/customXml" ds:itemID="{E7741501-71C2-4C17-B4E1-815C0856C474}">
+  <ds:schemaRefs>
+    <ds:schemaRef ds:uri="http://schemas.microsoft.com/VisualStudio/2011/storyboarding/control"/>
+  </ds:schemaRefs>
+</ds:datastoreItem>
+</file>
+
+<file path=customXml/itemProps19.xml><?xml version="1.0" encoding="utf-8"?>
+<ds:datastoreItem xmlns:ds="http://schemas.openxmlformats.org/officeDocument/2006/customXml" ds:itemID="{34D70070-9632-4246-B25D-E396768C8F03}">
+  <ds:schemaRefs>
+    <ds:schemaRef ds:uri="http://schemas.microsoft.com/VisualStudio/2011/storyboarding/control"/>
+  </ds:schemaRefs>
+</ds:datastoreItem>
+</file>
+
+<file path=customXml/itemProps2.xml><?xml version="1.0" encoding="utf-8"?>
+<ds:datastoreItem xmlns:ds="http://schemas.openxmlformats.org/officeDocument/2006/customXml" ds:itemID="{BB9D8331-A5A0-4DC8-BED7-F17D94CE02E8}">
+  <ds:schemaRefs>
+    <ds:schemaRef ds:uri="http://schemas.microsoft.com/VisualStudio/2011/storyboarding/control"/>
+  </ds:schemaRefs>
+</ds:datastoreItem>
+</file>
+
+<file path=customXml/itemProps20.xml><?xml version="1.0" encoding="utf-8"?>
+<ds:datastoreItem xmlns:ds="http://schemas.openxmlformats.org/officeDocument/2006/customXml" ds:itemID="{D544E426-85A9-48AB-BB78-E3AD0590EC7C}">
+  <ds:schemaRefs>
+    <ds:schemaRef ds:uri="http://schemas.microsoft.com/VisualStudio/2011/storyboarding/control"/>
+  </ds:schemaRefs>
+</ds:datastoreItem>
+</file>
+
+<file path=customXml/itemProps21.xml><?xml version="1.0" encoding="utf-8"?>
+<ds:datastoreItem xmlns:ds="http://schemas.openxmlformats.org/officeDocument/2006/customXml" ds:itemID="{7F5E28FD-26FF-4A48-BAD7-50B55AB6208D}">
+  <ds:schemaRefs>
+    <ds:schemaRef ds:uri="http://schemas.microsoft.com/VisualStudio/2011/storyboarding/control"/>
+  </ds:schemaRefs>
+</ds:datastoreItem>
+</file>
+
+<file path=customXml/itemProps22.xml><?xml version="1.0" encoding="utf-8"?>
+<ds:datastoreItem xmlns:ds="http://schemas.openxmlformats.org/officeDocument/2006/customXml" ds:itemID="{394EADEA-3838-4D66-B77E-E5E9BD6A7AEA}">
+  <ds:schemaRefs>
+    <ds:schemaRef ds:uri="http://schemas.microsoft.com/VisualStudio/2011/storyboarding/control"/>
+  </ds:schemaRefs>
+</ds:datastoreItem>
+</file>
+
+<file path=customXml/itemProps23.xml><?xml version="1.0" encoding="utf-8"?>
+<ds:datastoreItem xmlns:ds="http://schemas.openxmlformats.org/officeDocument/2006/customXml" ds:itemID="{DDBF085A-1095-41CF-A0E2-F8212DFD4835}">
+  <ds:schemaRefs>
+    <ds:schemaRef ds:uri="http://schemas.microsoft.com/VisualStudio/2011/storyboarding/control"/>
+  </ds:schemaRefs>
+</ds:datastoreItem>
+</file>
+
+<file path=customXml/itemProps24.xml><?xml version="1.0" encoding="utf-8"?>
+<ds:datastoreItem xmlns:ds="http://schemas.openxmlformats.org/officeDocument/2006/customXml" ds:itemID="{51D515F3-5B60-4F94-84C8-4468FC08CD50}">
+  <ds:schemaRefs>
+    <ds:schemaRef ds:uri="http://schemas.microsoft.com/VisualStudio/2011/storyboarding/control"/>
+  </ds:schemaRefs>
+</ds:datastoreItem>
+</file>
+
+<file path=customXml/itemProps25.xml><?xml version="1.0" encoding="utf-8"?>
+<ds:datastoreItem xmlns:ds="http://schemas.openxmlformats.org/officeDocument/2006/customXml" ds:itemID="{33F9E1D4-170C-4DAF-A4E9-B2F1E33BDA51}">
+  <ds:schemaRefs>
+    <ds:schemaRef ds:uri="http://schemas.microsoft.com/VisualStudio/2011/storyboarding/control"/>
+  </ds:schemaRefs>
+</ds:datastoreItem>
+</file>
+
+<file path=customXml/itemProps26.xml><?xml version="1.0" encoding="utf-8"?>
+<ds:datastoreItem xmlns:ds="http://schemas.openxmlformats.org/officeDocument/2006/customXml" ds:itemID="{AA234BDC-12CC-4725-B78F-BD23529D0FB4}">
+  <ds:schemaRefs>
+    <ds:schemaRef ds:uri="http://schemas.microsoft.com/VisualStudio/2011/storyboarding/control"/>
+  </ds:schemaRefs>
+</ds:datastoreItem>
+</file>
+
+<file path=customXml/itemProps27.xml><?xml version="1.0" encoding="utf-8"?>
+<ds:datastoreItem xmlns:ds="http://schemas.openxmlformats.org/officeDocument/2006/customXml" ds:itemID="{BB503869-44CE-4F73-B2F9-2E68C6092DF4}">
+  <ds:schemaRefs>
+    <ds:schemaRef ds:uri="http://schemas.microsoft.com/VisualStudio/2011/storyboarding/control"/>
+  </ds:schemaRefs>
+</ds:datastoreItem>
+</file>
+
+<file path=customXml/itemProps28.xml><?xml version="1.0" encoding="utf-8"?>
+<ds:datastoreItem xmlns:ds="http://schemas.openxmlformats.org/officeDocument/2006/customXml" ds:itemID="{6D74F327-6332-4AC5-8084-6EBC78FC0812}">
+  <ds:schemaRefs>
+    <ds:schemaRef ds:uri="http://schemas.microsoft.com/VisualStudio/2011/storyboarding/control"/>
+  </ds:schemaRefs>
+</ds:datastoreItem>
+</file>
+
+<file path=customXml/itemProps29.xml><?xml version="1.0" encoding="utf-8"?>
+<ds:datastoreItem xmlns:ds="http://schemas.openxmlformats.org/officeDocument/2006/customXml" ds:itemID="{85F86E7D-DA49-4BE9-9097-1D50FB466B1E}">
+  <ds:schemaRefs>
+    <ds:schemaRef ds:uri="http://schemas.microsoft.com/VisualStudio/2011/storyboarding/control"/>
+  </ds:schemaRefs>
+</ds:datastoreItem>
+</file>
+
+<file path=customXml/itemProps3.xml><?xml version="1.0" encoding="utf-8"?>
+<ds:datastoreItem xmlns:ds="http://schemas.openxmlformats.org/officeDocument/2006/customXml" ds:itemID="{CF586D09-EEB6-4A49-AAE1-88E826EEDC73}">
+  <ds:schemaRefs>
+    <ds:schemaRef ds:uri="http://schemas.microsoft.com/VisualStudio/2011/storyboarding/control"/>
+  </ds:schemaRefs>
+</ds:datastoreItem>
+</file>
+
+<file path=customXml/itemProps30.xml><?xml version="1.0" encoding="utf-8"?>
+<ds:datastoreItem xmlns:ds="http://schemas.openxmlformats.org/officeDocument/2006/customXml" ds:itemID="{6BD98E41-6C2F-4D3F-B846-7455C55C7A43}">
+  <ds:schemaRefs>
+    <ds:schemaRef ds:uri="http://schemas.microsoft.com/VisualStudio/2011/storyboarding/control"/>
+  </ds:schemaRefs>
+</ds:datastoreItem>
+</file>
+
+<file path=customXml/itemProps31.xml><?xml version="1.0" encoding="utf-8"?>
+<ds:datastoreItem xmlns:ds="http://schemas.openxmlformats.org/officeDocument/2006/customXml" ds:itemID="{418E8FB6-E3E2-4A78-BD2C-0E4D84C7371E}">
+  <ds:schemaRefs>
+    <ds:schemaRef ds:uri="http://schemas.microsoft.com/VisualStudio/2011/storyboarding/control"/>
+  </ds:schemaRefs>
+</ds:datastoreItem>
+</file>
+
+<file path=customXml/itemProps32.xml><?xml version="1.0" encoding="utf-8"?>
+<ds:datastoreItem xmlns:ds="http://schemas.openxmlformats.org/officeDocument/2006/customXml" ds:itemID="{67BB8CBF-A728-42E4-ACB8-9EB900796758}">
+  <ds:schemaRefs>
+    <ds:schemaRef ds:uri="http://schemas.microsoft.com/VisualStudio/2011/storyboarding/control"/>
+  </ds:schemaRefs>
+</ds:datastoreItem>
+</file>
+
+<file path=customXml/itemProps33.xml><?xml version="1.0" encoding="utf-8"?>
+<ds:datastoreItem xmlns:ds="http://schemas.openxmlformats.org/officeDocument/2006/customXml" ds:itemID="{B2016F61-92F9-4E0F-A353-39F009FA0B01}">
+  <ds:schemaRefs>
+    <ds:schemaRef ds:uri="http://schemas.microsoft.com/VisualStudio/2011/storyboarding/control"/>
+  </ds:schemaRefs>
+</ds:datastoreItem>
+</file>
+
+<file path=customXml/itemProps34.xml><?xml version="1.0" encoding="utf-8"?>
+<ds:datastoreItem xmlns:ds="http://schemas.openxmlformats.org/officeDocument/2006/customXml" ds:itemID="{ADE0E0E1-3FB4-4764-85B1-A2581C94CFE9}">
+  <ds:schemaRefs>
+    <ds:schemaRef ds:uri="http://schemas.microsoft.com/VisualStudio/2011/storyboarding/control"/>
+  </ds:schemaRefs>
+</ds:datastoreItem>
+</file>
+
+<file path=customXml/itemProps35.xml><?xml version="1.0" encoding="utf-8"?>
+<ds:datastoreItem xmlns:ds="http://schemas.openxmlformats.org/officeDocument/2006/customXml" ds:itemID="{1EAEFE78-3E46-45E5-85DF-8CF35EFEFFEE}">
+  <ds:schemaRefs>
+    <ds:schemaRef ds:uri="http://schemas.microsoft.com/VisualStudio/2011/storyboarding/control"/>
+  </ds:schemaRefs>
+</ds:datastoreItem>
+</file>
+
+<file path=customXml/itemProps36.xml><?xml version="1.0" encoding="utf-8"?>
+<ds:datastoreItem xmlns:ds="http://schemas.openxmlformats.org/officeDocument/2006/customXml" ds:itemID="{48FCAF00-A9CA-4F0B-94B6-B06BD75E9807}">
+  <ds:schemaRefs>
+    <ds:schemaRef ds:uri="http://schemas.microsoft.com/VisualStudio/2011/storyboarding/control"/>
+  </ds:schemaRefs>
+</ds:datastoreItem>
+</file>
+
+<file path=customXml/itemProps37.xml><?xml version="1.0" encoding="utf-8"?>
+<ds:datastoreItem xmlns:ds="http://schemas.openxmlformats.org/officeDocument/2006/customXml" ds:itemID="{5EEABA33-0BE1-47F9-8437-631F1B84355A}">
+  <ds:schemaRefs>
+    <ds:schemaRef ds:uri="http://schemas.microsoft.com/VisualStudio/2011/storyboarding/control"/>
+  </ds:schemaRefs>
+</ds:datastoreItem>
+</file>
+
+<file path=customXml/itemProps38.xml><?xml version="1.0" encoding="utf-8"?>
+<ds:datastoreItem xmlns:ds="http://schemas.openxmlformats.org/officeDocument/2006/customXml" ds:itemID="{C7B0D7AD-32DF-4953-89C9-C834F6010560}">
+  <ds:schemaRefs>
+    <ds:schemaRef ds:uri="http://schemas.microsoft.com/VisualStudio/2011/storyboarding/control"/>
+  </ds:schemaRefs>
+</ds:datastoreItem>
+</file>
+
+<file path=customXml/itemProps39.xml><?xml version="1.0" encoding="utf-8"?>
+<ds:datastoreItem xmlns:ds="http://schemas.openxmlformats.org/officeDocument/2006/customXml" ds:itemID="{FE6E328A-6A73-4FA6-A99D-5520E55E5B7D}">
+  <ds:schemaRefs>
+    <ds:schemaRef ds:uri="http://schemas.microsoft.com/VisualStudio/2011/storyboarding/control"/>
+  </ds:schemaRefs>
+</ds:datastoreItem>
+</file>
+
+<file path=customXml/itemProps4.xml><?xml version="1.0" encoding="utf-8"?>
+<ds:datastoreItem xmlns:ds="http://schemas.openxmlformats.org/officeDocument/2006/customXml" ds:itemID="{1367878A-D08E-41A0-BE0F-87325A2CCFA2}">
+  <ds:schemaRefs>
+    <ds:schemaRef ds:uri="http://schemas.microsoft.com/VisualStudio/2011/storyboarding/control"/>
+  </ds:schemaRefs>
+</ds:datastoreItem>
+</file>
+
+<file path=customXml/itemProps40.xml><?xml version="1.0" encoding="utf-8"?>
+<ds:datastoreItem xmlns:ds="http://schemas.openxmlformats.org/officeDocument/2006/customXml" ds:itemID="{73ABD768-CB5D-46A4-A597-4A94DA70A531}">
+  <ds:schemaRefs>
+    <ds:schemaRef ds:uri="http://schemas.microsoft.com/VisualStudio/2011/storyboarding/control"/>
+  </ds:schemaRefs>
+</ds:datastoreItem>
+</file>
+
+<file path=customXml/itemProps41.xml><?xml version="1.0" encoding="utf-8"?>
+<ds:datastoreItem xmlns:ds="http://schemas.openxmlformats.org/officeDocument/2006/customXml" ds:itemID="{E029995E-6C1C-464C-B18A-588A9A373F13}">
+  <ds:schemaRefs>
+    <ds:schemaRef ds:uri="http://schemas.microsoft.com/VisualStudio/2011/storyboarding/control"/>
+  </ds:schemaRefs>
+</ds:datastoreItem>
+</file>
+
+<file path=customXml/itemProps42.xml><?xml version="1.0" encoding="utf-8"?>
+<ds:datastoreItem xmlns:ds="http://schemas.openxmlformats.org/officeDocument/2006/customXml" ds:itemID="{2A5F2F26-968C-4D10-A23C-7F7AB3C144F1}">
+  <ds:schemaRefs>
+    <ds:schemaRef ds:uri="http://schemas.microsoft.com/VisualStudio/2011/storyboarding/control"/>
+  </ds:schemaRefs>
+</ds:datastoreItem>
+</file>
+
+<file path=customXml/itemProps43.xml><?xml version="1.0" encoding="utf-8"?>
+<ds:datastoreItem xmlns:ds="http://schemas.openxmlformats.org/officeDocument/2006/customXml" ds:itemID="{5D43C5DF-C9CE-423E-ADD8-1AAE08E6145B}">
+  <ds:schemaRefs>
+    <ds:schemaRef ds:uri="http://schemas.microsoft.com/VisualStudio/2011/storyboarding/control"/>
+  </ds:schemaRefs>
+</ds:datastoreItem>
+</file>
+
+<file path=customXml/itemProps44.xml><?xml version="1.0" encoding="utf-8"?>
+<ds:datastoreItem xmlns:ds="http://schemas.openxmlformats.org/officeDocument/2006/customXml" ds:itemID="{C95B04FA-49D0-4922-A7EB-76ADF3F5F5D3}">
+  <ds:schemaRefs>
+    <ds:schemaRef ds:uri="http://schemas.microsoft.com/VisualStudio/2011/storyboarding/control"/>
+  </ds:schemaRefs>
+</ds:datastoreItem>
+</file>
+
+<file path=customXml/itemProps45.xml><?xml version="1.0" encoding="utf-8"?>
+<ds:datastoreItem xmlns:ds="http://schemas.openxmlformats.org/officeDocument/2006/customXml" ds:itemID="{554CEDA9-374E-4C76-B97B-7202606AC0BE}">
+  <ds:schemaRefs>
+    <ds:schemaRef ds:uri="http://schemas.microsoft.com/VisualStudio/2011/storyboarding/control"/>
+  </ds:schemaRefs>
+</ds:datastoreItem>
+</file>
+
+<file path=customXml/itemProps46.xml><?xml version="1.0" encoding="utf-8"?>
+<ds:datastoreItem xmlns:ds="http://schemas.openxmlformats.org/officeDocument/2006/customXml" ds:itemID="{33EA19CF-64F4-42CF-A3DD-7DE1682232E2}">
+  <ds:schemaRefs>
+    <ds:schemaRef ds:uri="http://schemas.microsoft.com/VisualStudio/2011/storyboarding/control"/>
+  </ds:schemaRefs>
+</ds:datastoreItem>
+</file>
+
+<file path=customXml/itemProps47.xml><?xml version="1.0" encoding="utf-8"?>
+<ds:datastoreItem xmlns:ds="http://schemas.openxmlformats.org/officeDocument/2006/customXml" ds:itemID="{327B6332-6001-4577-872B-DD19A445F5F2}">
+  <ds:schemaRefs>
+    <ds:schemaRef ds:uri="http://schemas.microsoft.com/VisualStudio/2011/storyboarding/control"/>
+  </ds:schemaRefs>
+</ds:datastoreItem>
+</file>
+
+<file path=customXml/itemProps48.xml><?xml version="1.0" encoding="utf-8"?>
 <ds:datastoreItem xmlns:ds="http://schemas.openxmlformats.org/officeDocument/2006/customXml" ds:itemID="{D2AAAC7E-0A85-448C-BEAF-FB2E1B4987CA}">
   <ds:schemaRefs>
     <ds:schemaRef ds:uri="http://schemas.microsoft.com/VisualStudio/2011/storyboarding/control"/>
@@ -14828,7 +17783,111 @@
 </ds:datastoreItem>
 </file>
 
-<file path=customXml/itemProps10.xml><?xml version="1.0" encoding="utf-8"?>
+<file path=customXml/itemProps49.xml><?xml version="1.0" encoding="utf-8"?>
+<ds:datastoreItem xmlns:ds="http://schemas.openxmlformats.org/officeDocument/2006/customXml" ds:itemID="{B1441669-2371-4AE4-A8B5-AFC09272AA93}">
+  <ds:schemaRefs>
+    <ds:schemaRef ds:uri="http://schemas.microsoft.com/VisualStudio/2011/storyboarding/control"/>
+  </ds:schemaRefs>
+</ds:datastoreItem>
+</file>
+
+<file path=customXml/itemProps5.xml><?xml version="1.0" encoding="utf-8"?>
+<ds:datastoreItem xmlns:ds="http://schemas.openxmlformats.org/officeDocument/2006/customXml" ds:itemID="{E44C9E77-1C35-4DBC-82DD-57E4D308EFBB}">
+  <ds:schemaRefs>
+    <ds:schemaRef ds:uri="http://schemas.microsoft.com/VisualStudio/2011/storyboarding/control"/>
+  </ds:schemaRefs>
+</ds:datastoreItem>
+</file>
+
+<file path=customXml/itemProps50.xml><?xml version="1.0" encoding="utf-8"?>
+<ds:datastoreItem xmlns:ds="http://schemas.openxmlformats.org/officeDocument/2006/customXml" ds:itemID="{5248BC68-ADE7-429D-B013-9195EF7419E9}">
+  <ds:schemaRefs>
+    <ds:schemaRef ds:uri="http://schemas.microsoft.com/VisualStudio/2011/storyboarding/control"/>
+  </ds:schemaRefs>
+</ds:datastoreItem>
+</file>
+
+<file path=customXml/itemProps51.xml><?xml version="1.0" encoding="utf-8"?>
+<ds:datastoreItem xmlns:ds="http://schemas.openxmlformats.org/officeDocument/2006/customXml" ds:itemID="{B33906A2-2468-4E50-8B7B-646E03FFEF2D}">
+  <ds:schemaRefs>
+    <ds:schemaRef ds:uri="http://schemas.microsoft.com/VisualStudio/2011/storyboarding/control"/>
+  </ds:schemaRefs>
+</ds:datastoreItem>
+</file>
+
+<file path=customXml/itemProps52.xml><?xml version="1.0" encoding="utf-8"?>
+<ds:datastoreItem xmlns:ds="http://schemas.openxmlformats.org/officeDocument/2006/customXml" ds:itemID="{0ACEBE80-DD25-46F5-ACB3-B9B1A4485D53}">
+  <ds:schemaRefs>
+    <ds:schemaRef ds:uri="http://schemas.microsoft.com/VisualStudio/2011/storyboarding/control"/>
+  </ds:schemaRefs>
+</ds:datastoreItem>
+</file>
+
+<file path=customXml/itemProps53.xml><?xml version="1.0" encoding="utf-8"?>
+<ds:datastoreItem xmlns:ds="http://schemas.openxmlformats.org/officeDocument/2006/customXml" ds:itemID="{89F8D00C-2482-4F3D-ACA1-B806B7E2C2EC}">
+  <ds:schemaRefs>
+    <ds:schemaRef ds:uri="http://schemas.microsoft.com/VisualStudio/2011/storyboarding/control"/>
+  </ds:schemaRefs>
+</ds:datastoreItem>
+</file>
+
+<file path=customXml/itemProps54.xml><?xml version="1.0" encoding="utf-8"?>
+<ds:datastoreItem xmlns:ds="http://schemas.openxmlformats.org/officeDocument/2006/customXml" ds:itemID="{2FCA7744-2BF3-4014-BEA7-E6EE6BE5E79E}">
+  <ds:schemaRefs>
+    <ds:schemaRef ds:uri="http://schemas.microsoft.com/VisualStudio/2011/storyboarding/control"/>
+  </ds:schemaRefs>
+</ds:datastoreItem>
+</file>
+
+<file path=customXml/itemProps55.xml><?xml version="1.0" encoding="utf-8"?>
+<ds:datastoreItem xmlns:ds="http://schemas.openxmlformats.org/officeDocument/2006/customXml" ds:itemID="{F9A8EA35-007A-40F9-AD73-68499C4EFDFA}">
+  <ds:schemaRefs>
+    <ds:schemaRef ds:uri="http://schemas.microsoft.com/VisualStudio/2011/storyboarding/control"/>
+  </ds:schemaRefs>
+</ds:datastoreItem>
+</file>
+
+<file path=customXml/itemProps56.xml><?xml version="1.0" encoding="utf-8"?>
+<ds:datastoreItem xmlns:ds="http://schemas.openxmlformats.org/officeDocument/2006/customXml" ds:itemID="{0AB71E67-FC2D-421E-B264-47BB552D5A5B}">
+  <ds:schemaRefs>
+    <ds:schemaRef ds:uri="http://schemas.microsoft.com/VisualStudio/2011/storyboarding/control"/>
+  </ds:schemaRefs>
+</ds:datastoreItem>
+</file>
+
+<file path=customXml/itemProps57.xml><?xml version="1.0" encoding="utf-8"?>
+<ds:datastoreItem xmlns:ds="http://schemas.openxmlformats.org/officeDocument/2006/customXml" ds:itemID="{4AA25D42-EDA7-4712-8354-F682B1D61ABE}">
+  <ds:schemaRefs>
+    <ds:schemaRef ds:uri="http://schemas.microsoft.com/VisualStudio/2011/storyboarding/control"/>
+  </ds:schemaRefs>
+</ds:datastoreItem>
+</file>
+
+<file path=customXml/itemProps58.xml><?xml version="1.0" encoding="utf-8"?>
+<ds:datastoreItem xmlns:ds="http://schemas.openxmlformats.org/officeDocument/2006/customXml" ds:itemID="{68BF0817-02E7-4175-AEC7-8477E7F612E9}">
+  <ds:schemaRefs>
+    <ds:schemaRef ds:uri="http://schemas.microsoft.com/VisualStudio/2011/storyboarding/control"/>
+  </ds:schemaRefs>
+</ds:datastoreItem>
+</file>
+
+<file path=customXml/itemProps59.xml><?xml version="1.0" encoding="utf-8"?>
+<ds:datastoreItem xmlns:ds="http://schemas.openxmlformats.org/officeDocument/2006/customXml" ds:itemID="{F106C237-6442-4C6C-BC17-BABD6E81E57F}">
+  <ds:schemaRefs>
+    <ds:schemaRef ds:uri="http://schemas.microsoft.com/VisualStudio/2011/storyboarding/control"/>
+  </ds:schemaRefs>
+</ds:datastoreItem>
+</file>
+
+<file path=customXml/itemProps6.xml><?xml version="1.0" encoding="utf-8"?>
+<ds:datastoreItem xmlns:ds="http://schemas.openxmlformats.org/officeDocument/2006/customXml" ds:itemID="{A2F6F20D-5D93-4163-A5E6-5A9B6AB49B35}">
+  <ds:schemaRefs>
+    <ds:schemaRef ds:uri="http://schemas.microsoft.com/VisualStudio/2011/storyboarding/control"/>
+  </ds:schemaRefs>
+</ds:datastoreItem>
+</file>
+
+<file path=customXml/itemProps60.xml><?xml version="1.0" encoding="utf-8"?>
 <ds:datastoreItem xmlns:ds="http://schemas.openxmlformats.org/officeDocument/2006/customXml" ds:itemID="{C5822030-9D10-4417-BB70-A547D778BA9D}">
   <ds:schemaRefs>
     <ds:schemaRef ds:uri="http://schemas.microsoft.com/VisualStudio/2011/storyboarding/control"/>
@@ -14836,647 +17895,7 @@
 </ds:datastoreItem>
 </file>
 
-<file path=customXml/itemProps100.xml><?xml version="1.0" encoding="utf-8"?>
-<ds:datastoreItem xmlns:ds="http://schemas.openxmlformats.org/officeDocument/2006/customXml" ds:itemID="{59AEDDE6-08CE-4516-9790-E1D7499AD12F}">
-  <ds:schemaRefs>
-    <ds:schemaRef ds:uri="http://schemas.microsoft.com/VisualStudio/2011/storyboarding/control"/>
-  </ds:schemaRefs>
-</ds:datastoreItem>
-</file>
-
-<file path=customXml/itemProps101.xml><?xml version="1.0" encoding="utf-8"?>
-<ds:datastoreItem xmlns:ds="http://schemas.openxmlformats.org/officeDocument/2006/customXml" ds:itemID="{D08605C4-AECB-4FFF-9D2C-98990B0DFFDA}">
-  <ds:schemaRefs>
-    <ds:schemaRef ds:uri="http://schemas.microsoft.com/VisualStudio/2011/storyboarding/control"/>
-  </ds:schemaRefs>
-</ds:datastoreItem>
-</file>
-
-<file path=customXml/itemProps102.xml><?xml version="1.0" encoding="utf-8"?>
-<ds:datastoreItem xmlns:ds="http://schemas.openxmlformats.org/officeDocument/2006/customXml" ds:itemID="{8B3DF17E-302B-453F-A2FD-6CDC4C0170AA}">
-  <ds:schemaRefs>
-    <ds:schemaRef ds:uri="http://schemas.microsoft.com/VisualStudio/2011/storyboarding/control"/>
-  </ds:schemaRefs>
-</ds:datastoreItem>
-</file>
-
-<file path=customXml/itemProps103.xml><?xml version="1.0" encoding="utf-8"?>
-<ds:datastoreItem xmlns:ds="http://schemas.openxmlformats.org/officeDocument/2006/customXml" ds:itemID="{5EEABA33-0BE1-47F9-8437-631F1B84355A}">
-  <ds:schemaRefs>
-    <ds:schemaRef ds:uri="http://schemas.microsoft.com/VisualStudio/2011/storyboarding/control"/>
-  </ds:schemaRefs>
-</ds:datastoreItem>
-</file>
-
-<file path=customXml/itemProps104.xml><?xml version="1.0" encoding="utf-8"?>
-<ds:datastoreItem xmlns:ds="http://schemas.openxmlformats.org/officeDocument/2006/customXml" ds:itemID="{AAE9B66C-C51E-45FF-A0AF-F87D4E76C603}">
-  <ds:schemaRefs>
-    <ds:schemaRef ds:uri="http://schemas.microsoft.com/VisualStudio/2011/storyboarding/control"/>
-  </ds:schemaRefs>
-</ds:datastoreItem>
-</file>
-
-<file path=customXml/itemProps105.xml><?xml version="1.0" encoding="utf-8"?>
-<ds:datastoreItem xmlns:ds="http://schemas.openxmlformats.org/officeDocument/2006/customXml" ds:itemID="{A4C33EEA-7075-4651-97E3-4829E38E21EA}">
-  <ds:schemaRefs>
-    <ds:schemaRef ds:uri="http://schemas.microsoft.com/VisualStudio/2011/storyboarding/control"/>
-  </ds:schemaRefs>
-</ds:datastoreItem>
-</file>
-
-<file path=customXml/itemProps106.xml><?xml version="1.0" encoding="utf-8"?>
-<ds:datastoreItem xmlns:ds="http://schemas.openxmlformats.org/officeDocument/2006/customXml" ds:itemID="{0AB71E67-FC2D-421E-B264-47BB552D5A5B}">
-  <ds:schemaRefs>
-    <ds:schemaRef ds:uri="http://schemas.microsoft.com/VisualStudio/2011/storyboarding/control"/>
-  </ds:schemaRefs>
-</ds:datastoreItem>
-</file>
-
-<file path=customXml/itemProps107.xml><?xml version="1.0" encoding="utf-8"?>
-<ds:datastoreItem xmlns:ds="http://schemas.openxmlformats.org/officeDocument/2006/customXml" ds:itemID="{BB9D8331-A5A0-4DC8-BED7-F17D94CE02E8}">
-  <ds:schemaRefs>
-    <ds:schemaRef ds:uri="http://schemas.microsoft.com/VisualStudio/2011/storyboarding/control"/>
-  </ds:schemaRefs>
-</ds:datastoreItem>
-</file>
-
-<file path=customXml/itemProps108.xml><?xml version="1.0" encoding="utf-8"?>
-<ds:datastoreItem xmlns:ds="http://schemas.openxmlformats.org/officeDocument/2006/customXml" ds:itemID="{C7B0D7AD-32DF-4953-89C9-C834F6010560}">
-  <ds:schemaRefs>
-    <ds:schemaRef ds:uri="http://schemas.microsoft.com/VisualStudio/2011/storyboarding/control"/>
-  </ds:schemaRefs>
-</ds:datastoreItem>
-</file>
-
-<file path=customXml/itemProps109.xml><?xml version="1.0" encoding="utf-8"?>
-<ds:datastoreItem xmlns:ds="http://schemas.openxmlformats.org/officeDocument/2006/customXml" ds:itemID="{790E7F39-81D7-4FDD-A0B5-0716A2AE74B2}">
-  <ds:schemaRefs>
-    <ds:schemaRef ds:uri="http://schemas.microsoft.com/VisualStudio/2011/storyboarding/control"/>
-  </ds:schemaRefs>
-</ds:datastoreItem>
-</file>
-
-<file path=customXml/itemProps11.xml><?xml version="1.0" encoding="utf-8"?>
-<ds:datastoreItem xmlns:ds="http://schemas.openxmlformats.org/officeDocument/2006/customXml" ds:itemID="{CF586D09-EEB6-4A49-AAE1-88E826EEDC73}">
-  <ds:schemaRefs>
-    <ds:schemaRef ds:uri="http://schemas.microsoft.com/VisualStudio/2011/storyboarding/control"/>
-  </ds:schemaRefs>
-</ds:datastoreItem>
-</file>
-
-<file path=customXml/itemProps110.xml><?xml version="1.0" encoding="utf-8"?>
-<ds:datastoreItem xmlns:ds="http://schemas.openxmlformats.org/officeDocument/2006/customXml" ds:itemID="{623F5871-F525-4D45-8757-C0B70863AD81}">
-  <ds:schemaRefs>
-    <ds:schemaRef ds:uri="http://schemas.microsoft.com/VisualStudio/2011/storyboarding/control"/>
-  </ds:schemaRefs>
-</ds:datastoreItem>
-</file>
-
-<file path=customXml/itemProps111.xml><?xml version="1.0" encoding="utf-8"?>
-<ds:datastoreItem xmlns:ds="http://schemas.openxmlformats.org/officeDocument/2006/customXml" ds:itemID="{1C9E4718-660A-46FF-B326-15E4FE359C0C}">
-  <ds:schemaRefs>
-    <ds:schemaRef ds:uri="http://schemas.microsoft.com/VisualStudio/2011/storyboarding/control"/>
-  </ds:schemaRefs>
-</ds:datastoreItem>
-</file>
-
-<file path=customXml/itemProps112.xml><?xml version="1.0" encoding="utf-8"?>
-<ds:datastoreItem xmlns:ds="http://schemas.openxmlformats.org/officeDocument/2006/customXml" ds:itemID="{FF00F683-10CA-4344-BB02-557AFC229713}">
-  <ds:schemaRefs>
-    <ds:schemaRef ds:uri="http://schemas.microsoft.com/VisualStudio/2011/storyboarding/control"/>
-  </ds:schemaRefs>
-</ds:datastoreItem>
-</file>
-
-<file path=customXml/itemProps113.xml><?xml version="1.0" encoding="utf-8"?>
-<ds:datastoreItem xmlns:ds="http://schemas.openxmlformats.org/officeDocument/2006/customXml" ds:itemID="{51D515F3-5B60-4F94-84C8-4468FC08CD50}">
-  <ds:schemaRefs>
-    <ds:schemaRef ds:uri="http://schemas.microsoft.com/VisualStudio/2011/storyboarding/control"/>
-  </ds:schemaRefs>
-</ds:datastoreItem>
-</file>
-
-<file path=customXml/itemProps114.xml><?xml version="1.0" encoding="utf-8"?>
-<ds:datastoreItem xmlns:ds="http://schemas.openxmlformats.org/officeDocument/2006/customXml" ds:itemID="{4AA25D42-EDA7-4712-8354-F682B1D61ABE}">
-  <ds:schemaRefs>
-    <ds:schemaRef ds:uri="http://schemas.microsoft.com/VisualStudio/2011/storyboarding/control"/>
-  </ds:schemaRefs>
-</ds:datastoreItem>
-</file>
-
-<file path=customXml/itemProps115.xml><?xml version="1.0" encoding="utf-8"?>
-<ds:datastoreItem xmlns:ds="http://schemas.openxmlformats.org/officeDocument/2006/customXml" ds:itemID="{24046DC5-38AC-4C0E-A7BD-7BA62F64ED8D}">
-  <ds:schemaRefs>
-    <ds:schemaRef ds:uri="http://schemas.microsoft.com/VisualStudio/2011/storyboarding/control"/>
-  </ds:schemaRefs>
-</ds:datastoreItem>
-</file>
-
-<file path=customXml/itemProps116.xml><?xml version="1.0" encoding="utf-8"?>
-<ds:datastoreItem xmlns:ds="http://schemas.openxmlformats.org/officeDocument/2006/customXml" ds:itemID="{D321552F-2375-40A6-A02F-FC27787D42F1}">
-  <ds:schemaRefs>
-    <ds:schemaRef ds:uri="http://schemas.microsoft.com/VisualStudio/2011/storyboarding/control"/>
-  </ds:schemaRefs>
-</ds:datastoreItem>
-</file>
-
-<file path=customXml/itemProps117.xml><?xml version="1.0" encoding="utf-8"?>
-<ds:datastoreItem xmlns:ds="http://schemas.openxmlformats.org/officeDocument/2006/customXml" ds:itemID="{DD4B0EF4-5BAE-4815-B342-64E17EEBDB97}">
-  <ds:schemaRefs>
-    <ds:schemaRef ds:uri="http://schemas.microsoft.com/VisualStudio/2011/storyboarding/control"/>
-  </ds:schemaRefs>
-</ds:datastoreItem>
-</file>
-
-<file path=customXml/itemProps118.xml><?xml version="1.0" encoding="utf-8"?>
-<ds:datastoreItem xmlns:ds="http://schemas.openxmlformats.org/officeDocument/2006/customXml" ds:itemID="{33F9E1D4-170C-4DAF-A4E9-B2F1E33BDA51}">
-  <ds:schemaRefs>
-    <ds:schemaRef ds:uri="http://schemas.microsoft.com/VisualStudio/2011/storyboarding/control"/>
-  </ds:schemaRefs>
-</ds:datastoreItem>
-</file>
-
-<file path=customXml/itemProps119.xml><?xml version="1.0" encoding="utf-8"?>
-<ds:datastoreItem xmlns:ds="http://schemas.openxmlformats.org/officeDocument/2006/customXml" ds:itemID="{68BF0817-02E7-4175-AEC7-8477E7F612E9}">
-  <ds:schemaRefs>
-    <ds:schemaRef ds:uri="http://schemas.microsoft.com/VisualStudio/2011/storyboarding/control"/>
-  </ds:schemaRefs>
-</ds:datastoreItem>
-</file>
-
-<file path=customXml/itemProps12.xml><?xml version="1.0" encoding="utf-8"?>
-<ds:datastoreItem xmlns:ds="http://schemas.openxmlformats.org/officeDocument/2006/customXml" ds:itemID="{67BB8CBF-A728-42E4-ACB8-9EB900796758}">
-  <ds:schemaRefs>
-    <ds:schemaRef ds:uri="http://schemas.microsoft.com/VisualStudio/2011/storyboarding/control"/>
-  </ds:schemaRefs>
-</ds:datastoreItem>
-</file>
-
-<file path=customXml/itemProps120.xml><?xml version="1.0" encoding="utf-8"?>
-<ds:datastoreItem xmlns:ds="http://schemas.openxmlformats.org/officeDocument/2006/customXml" ds:itemID="{19219105-B97A-44AD-8E8F-0F014E4D5F2F}">
-  <ds:schemaRefs>
-    <ds:schemaRef ds:uri="http://schemas.microsoft.com/VisualStudio/2011/storyboarding/control"/>
-  </ds:schemaRefs>
-</ds:datastoreItem>
-</file>
-
-<file path=customXml/itemProps121.xml><?xml version="1.0" encoding="utf-8"?>
-<ds:datastoreItem xmlns:ds="http://schemas.openxmlformats.org/officeDocument/2006/customXml" ds:itemID="{952516C9-92F1-4F3E-8CAE-34A561EA713F}">
-  <ds:schemaRefs>
-    <ds:schemaRef ds:uri="http://schemas.microsoft.com/VisualStudio/2011/storyboarding/control"/>
-  </ds:schemaRefs>
-</ds:datastoreItem>
-</file>
-
-<file path=customXml/itemProps122.xml><?xml version="1.0" encoding="utf-8"?>
-<ds:datastoreItem xmlns:ds="http://schemas.openxmlformats.org/officeDocument/2006/customXml" ds:itemID="{77104134-B524-4624-9201-ECD829C881BD}">
-  <ds:schemaRefs>
-    <ds:schemaRef ds:uri="http://schemas.microsoft.com/VisualStudio/2011/storyboarding/control"/>
-  </ds:schemaRefs>
-</ds:datastoreItem>
-</file>
-
-<file path=customXml/itemProps123.xml><?xml version="1.0" encoding="utf-8"?>
-<ds:datastoreItem xmlns:ds="http://schemas.openxmlformats.org/officeDocument/2006/customXml" ds:itemID="{03653E92-1616-42CD-8288-0A4EBB2CAA1C}">
-  <ds:schemaRefs>
-    <ds:schemaRef ds:uri="http://schemas.microsoft.com/VisualStudio/2011/storyboarding/control"/>
-  </ds:schemaRefs>
-</ds:datastoreItem>
-</file>
-
-<file path=customXml/itemProps124.xml><?xml version="1.0" encoding="utf-8"?>
-<ds:datastoreItem xmlns:ds="http://schemas.openxmlformats.org/officeDocument/2006/customXml" ds:itemID="{FE6E328A-6A73-4FA6-A99D-5520E55E5B7D}">
-  <ds:schemaRefs>
-    <ds:schemaRef ds:uri="http://schemas.microsoft.com/VisualStudio/2011/storyboarding/control"/>
-  </ds:schemaRefs>
-</ds:datastoreItem>
-</file>
-
-<file path=customXml/itemProps125.xml><?xml version="1.0" encoding="utf-8"?>
-<ds:datastoreItem xmlns:ds="http://schemas.openxmlformats.org/officeDocument/2006/customXml" ds:itemID="{FE87856E-EB9D-4E52-95E2-2A7B45AA4114}">
-  <ds:schemaRefs>
-    <ds:schemaRef ds:uri="http://schemas.microsoft.com/VisualStudio/2011/storyboarding/control"/>
-  </ds:schemaRefs>
-</ds:datastoreItem>
-</file>
-
-<file path=customXml/itemProps126.xml><?xml version="1.0" encoding="utf-8"?>
-<ds:datastoreItem xmlns:ds="http://schemas.openxmlformats.org/officeDocument/2006/customXml" ds:itemID="{A4CF0BF1-C47D-4DEC-B943-A1B6DFD73BA3}">
-  <ds:schemaRefs>
-    <ds:schemaRef ds:uri="http://schemas.microsoft.com/VisualStudio/2011/storyboarding/control"/>
-  </ds:schemaRefs>
-</ds:datastoreItem>
-</file>
-
-<file path=customXml/itemProps127.xml><?xml version="1.0" encoding="utf-8"?>
-<ds:datastoreItem xmlns:ds="http://schemas.openxmlformats.org/officeDocument/2006/customXml" ds:itemID="{F106C237-6442-4C6C-BC17-BABD6E81E57F}">
-  <ds:schemaRefs>
-    <ds:schemaRef ds:uri="http://schemas.microsoft.com/VisualStudio/2011/storyboarding/control"/>
-  </ds:schemaRefs>
-</ds:datastoreItem>
-</file>
-
-<file path=customXml/itemProps128.xml><?xml version="1.0" encoding="utf-8"?>
-<ds:datastoreItem xmlns:ds="http://schemas.openxmlformats.org/officeDocument/2006/customXml" ds:itemID="{D5754EE6-BC91-4A98-A9DF-8FF792B0AA43}">
-  <ds:schemaRefs>
-    <ds:schemaRef ds:uri="http://schemas.microsoft.com/VisualStudio/2011/storyboarding/control"/>
-  </ds:schemaRefs>
-</ds:datastoreItem>
-</file>
-
-<file path=customXml/itemProps129.xml><?xml version="1.0" encoding="utf-8"?>
-<ds:datastoreItem xmlns:ds="http://schemas.openxmlformats.org/officeDocument/2006/customXml" ds:itemID="{73ABD768-CB5D-46A4-A597-4A94DA70A531}">
-  <ds:schemaRefs>
-    <ds:schemaRef ds:uri="http://schemas.microsoft.com/VisualStudio/2011/storyboarding/control"/>
-  </ds:schemaRefs>
-</ds:datastoreItem>
-</file>
-
-<file path=customXml/itemProps13.xml><?xml version="1.0" encoding="utf-8"?>
-<ds:datastoreItem xmlns:ds="http://schemas.openxmlformats.org/officeDocument/2006/customXml" ds:itemID="{ED7BDB59-BF74-409B-8509-C9B8AF445363}">
-  <ds:schemaRefs>
-    <ds:schemaRef ds:uri="http://schemas.microsoft.com/VisualStudio/2011/storyboarding/control"/>
-  </ds:schemaRefs>
-</ds:datastoreItem>
-</file>
-
-<file path=customXml/itemProps130.xml><?xml version="1.0" encoding="utf-8"?>
-<ds:datastoreItem xmlns:ds="http://schemas.openxmlformats.org/officeDocument/2006/customXml" ds:itemID="{192B0C59-AF18-4932-A8CE-C28065725D2A}">
-  <ds:schemaRefs>
-    <ds:schemaRef ds:uri="http://schemas.microsoft.com/VisualStudio/2011/storyboarding/control"/>
-  </ds:schemaRefs>
-</ds:datastoreItem>
-</file>
-
-<file path=customXml/itemProps131.xml><?xml version="1.0" encoding="utf-8"?>
-<ds:datastoreItem xmlns:ds="http://schemas.openxmlformats.org/officeDocument/2006/customXml" ds:itemID="{A6CB5F7F-1B30-4371-AA4A-C09705431B7C}">
-  <ds:schemaRefs>
-    <ds:schemaRef ds:uri="http://schemas.microsoft.com/VisualStudio/2011/storyboarding/control"/>
-  </ds:schemaRefs>
-</ds:datastoreItem>
-</file>
-
-<file path=customXml/itemProps132.xml><?xml version="1.0" encoding="utf-8"?>
-<ds:datastoreItem xmlns:ds="http://schemas.openxmlformats.org/officeDocument/2006/customXml" ds:itemID="{8034C046-287A-40CC-BFAD-DD9798F69203}">
-  <ds:schemaRefs>
-    <ds:schemaRef ds:uri="http://schemas.microsoft.com/VisualStudio/2011/storyboarding/control"/>
-  </ds:schemaRefs>
-</ds:datastoreItem>
-</file>
-
-<file path=customXml/itemProps133.xml><?xml version="1.0" encoding="utf-8"?>
-<ds:datastoreItem xmlns:ds="http://schemas.openxmlformats.org/officeDocument/2006/customXml" ds:itemID="{00D2AA4F-29E2-4A16-BE2A-B2E1781BC260}">
-  <ds:schemaRefs>
-    <ds:schemaRef ds:uri="http://schemas.microsoft.com/VisualStudio/2011/storyboarding/control"/>
-  </ds:schemaRefs>
-</ds:datastoreItem>
-</file>
-
-<file path=customXml/itemProps134.xml><?xml version="1.0" encoding="utf-8"?>
-<ds:datastoreItem xmlns:ds="http://schemas.openxmlformats.org/officeDocument/2006/customXml" ds:itemID="{AA234BDC-12CC-4725-B78F-BD23529D0FB4}">
-  <ds:schemaRefs>
-    <ds:schemaRef ds:uri="http://schemas.microsoft.com/VisualStudio/2011/storyboarding/control"/>
-  </ds:schemaRefs>
-</ds:datastoreItem>
-</file>
-
-<file path=customXml/itemProps135.xml><?xml version="1.0" encoding="utf-8"?>
-<ds:datastoreItem xmlns:ds="http://schemas.openxmlformats.org/officeDocument/2006/customXml" ds:itemID="{7A89DD74-282D-41A7-98AD-61383871195E}">
-  <ds:schemaRefs>
-    <ds:schemaRef ds:uri="http://schemas.microsoft.com/VisualStudio/2011/storyboarding/control"/>
-  </ds:schemaRefs>
-</ds:datastoreItem>
-</file>
-
-<file path=customXml/itemProps136.xml><?xml version="1.0" encoding="utf-8"?>
-<ds:datastoreItem xmlns:ds="http://schemas.openxmlformats.org/officeDocument/2006/customXml" ds:itemID="{D9DDD41F-7524-4A14-A6F5-F6220B14545E}">
-  <ds:schemaRefs>
-    <ds:schemaRef ds:uri="http://schemas.microsoft.com/VisualStudio/2011/storyboarding/control"/>
-  </ds:schemaRefs>
-</ds:datastoreItem>
-</file>
-
-<file path=customXml/itemProps137.xml><?xml version="1.0" encoding="utf-8"?>
-<ds:datastoreItem xmlns:ds="http://schemas.openxmlformats.org/officeDocument/2006/customXml" ds:itemID="{D9AA3C08-4DA4-4FFF-AE51-25D9FD5C0DBF}">
-  <ds:schemaRefs>
-    <ds:schemaRef ds:uri="http://schemas.microsoft.com/VisualStudio/2011/storyboarding/control"/>
-  </ds:schemaRefs>
-</ds:datastoreItem>
-</file>
-
-<file path=customXml/itemProps138.xml><?xml version="1.0" encoding="utf-8"?>
-<ds:datastoreItem xmlns:ds="http://schemas.openxmlformats.org/officeDocument/2006/customXml" ds:itemID="{6EF31828-B1D4-48CE-A1B2-9C0A5D142D1E}">
-  <ds:schemaRefs>
-    <ds:schemaRef ds:uri="http://schemas.microsoft.com/VisualStudio/2011/storyboarding/control"/>
-  </ds:schemaRefs>
-</ds:datastoreItem>
-</file>
-
-<file path=customXml/itemProps139.xml><?xml version="1.0" encoding="utf-8"?>
-<ds:datastoreItem xmlns:ds="http://schemas.openxmlformats.org/officeDocument/2006/customXml" ds:itemID="{BB503869-44CE-4F73-B2F9-2E68C6092DF4}">
-  <ds:schemaRefs>
-    <ds:schemaRef ds:uri="http://schemas.microsoft.com/VisualStudio/2011/storyboarding/control"/>
-  </ds:schemaRefs>
-</ds:datastoreItem>
-</file>
-
-<file path=customXml/itemProps14.xml><?xml version="1.0" encoding="utf-8"?>
-<ds:datastoreItem xmlns:ds="http://schemas.openxmlformats.org/officeDocument/2006/customXml" ds:itemID="{033417FC-F4DF-440B-9750-AC9CEE9D4DD6}">
-  <ds:schemaRefs>
-    <ds:schemaRef ds:uri="http://schemas.microsoft.com/VisualStudio/2011/storyboarding/control"/>
-  </ds:schemaRefs>
-</ds:datastoreItem>
-</file>
-
-<file path=customXml/itemProps140.xml><?xml version="1.0" encoding="utf-8"?>
-<ds:datastoreItem xmlns:ds="http://schemas.openxmlformats.org/officeDocument/2006/customXml" ds:itemID="{33EA19CF-64F4-42CF-A3DD-7DE1682232E2}">
-  <ds:schemaRefs>
-    <ds:schemaRef ds:uri="http://schemas.microsoft.com/VisualStudio/2011/storyboarding/control"/>
-  </ds:schemaRefs>
-</ds:datastoreItem>
-</file>
-
-<file path=customXml/itemProps141.xml><?xml version="1.0" encoding="utf-8"?>
-<ds:datastoreItem xmlns:ds="http://schemas.openxmlformats.org/officeDocument/2006/customXml" ds:itemID="{E64EFAA4-8D4E-4E3D-90B4-CEBC661B0435}">
-  <ds:schemaRefs>
-    <ds:schemaRef ds:uri="http://schemas.microsoft.com/VisualStudio/2011/storyboarding/control"/>
-  </ds:schemaRefs>
-</ds:datastoreItem>
-</file>
-
-<file path=customXml/itemProps142.xml><?xml version="1.0" encoding="utf-8"?>
-<ds:datastoreItem xmlns:ds="http://schemas.openxmlformats.org/officeDocument/2006/customXml" ds:itemID="{DDE8CEAB-FAAF-46B5-9BC4-6BAA48DFB915}">
-  <ds:schemaRefs>
-    <ds:schemaRef ds:uri="http://schemas.microsoft.com/VisualStudio/2011/storyboarding/control"/>
-  </ds:schemaRefs>
-</ds:datastoreItem>
-</file>
-
-<file path=customXml/itemProps143.xml><?xml version="1.0" encoding="utf-8"?>
-<ds:datastoreItem xmlns:ds="http://schemas.openxmlformats.org/officeDocument/2006/customXml" ds:itemID="{4C95C4DB-91BC-4C29-B0A4-0A132577B473}">
-  <ds:schemaRefs>
-    <ds:schemaRef ds:uri="http://schemas.microsoft.com/VisualStudio/2011/storyboarding/control"/>
-  </ds:schemaRefs>
-</ds:datastoreItem>
-</file>
-
-<file path=customXml/itemProps144.xml><?xml version="1.0" encoding="utf-8"?>
-<ds:datastoreItem xmlns:ds="http://schemas.openxmlformats.org/officeDocument/2006/customXml" ds:itemID="{2ADD045D-CBFF-4B66-B7D4-74533078AF4A}">
-  <ds:schemaRefs>
-    <ds:schemaRef ds:uri="http://schemas.microsoft.com/VisualStudio/2011/storyboarding/control"/>
-  </ds:schemaRefs>
-</ds:datastoreItem>
-</file>
-
-<file path=customXml/itemProps145.xml><?xml version="1.0" encoding="utf-8"?>
-<ds:datastoreItem xmlns:ds="http://schemas.openxmlformats.org/officeDocument/2006/customXml" ds:itemID="{327B6332-6001-4577-872B-DD19A445F5F2}">
-  <ds:schemaRefs>
-    <ds:schemaRef ds:uri="http://schemas.microsoft.com/VisualStudio/2011/storyboarding/control"/>
-  </ds:schemaRefs>
-</ds:datastoreItem>
-</file>
-
-<file path=customXml/itemProps146.xml><?xml version="1.0" encoding="utf-8"?>
-<ds:datastoreItem xmlns:ds="http://schemas.openxmlformats.org/officeDocument/2006/customXml" ds:itemID="{7C8FE9CD-1324-4A90-8D4D-0C176F3BCA87}">
-  <ds:schemaRefs>
-    <ds:schemaRef ds:uri="http://schemas.microsoft.com/VisualStudio/2011/storyboarding/control"/>
-  </ds:schemaRefs>
-</ds:datastoreItem>
-</file>
-
-<file path=customXml/itemProps147.xml><?xml version="1.0" encoding="utf-8"?>
-<ds:datastoreItem xmlns:ds="http://schemas.openxmlformats.org/officeDocument/2006/customXml" ds:itemID="{47953D14-6ADC-4DA0-8BCD-D5FB70B1B04A}">
-  <ds:schemaRefs>
-    <ds:schemaRef ds:uri="http://schemas.microsoft.com/VisualStudio/2011/storyboarding/control"/>
-  </ds:schemaRefs>
-</ds:datastoreItem>
-</file>
-
-<file path=customXml/itemProps148.xml><?xml version="1.0" encoding="utf-8"?>
-<ds:datastoreItem xmlns:ds="http://schemas.openxmlformats.org/officeDocument/2006/customXml" ds:itemID="{0BDCEE85-95E9-41B6-B7EA-41FEC8A8955C}">
-  <ds:schemaRefs>
-    <ds:schemaRef ds:uri="http://schemas.microsoft.com/VisualStudio/2011/storyboarding/control"/>
-  </ds:schemaRefs>
-</ds:datastoreItem>
-</file>
-
-<file path=customXml/itemProps149.xml><?xml version="1.0" encoding="utf-8"?>
-<ds:datastoreItem xmlns:ds="http://schemas.openxmlformats.org/officeDocument/2006/customXml" ds:itemID="{0D101840-8B5F-4665-97F6-B5669CAD36B7}">
-  <ds:schemaRefs>
-    <ds:schemaRef ds:uri="http://schemas.microsoft.com/VisualStudio/2011/storyboarding/control"/>
-  </ds:schemaRefs>
-</ds:datastoreItem>
-</file>
-
-<file path=customXml/itemProps15.xml><?xml version="1.0" encoding="utf-8"?>
-<ds:datastoreItem xmlns:ds="http://schemas.openxmlformats.org/officeDocument/2006/customXml" ds:itemID="{5248BC68-ADE7-429D-B013-9195EF7419E9}">
-  <ds:schemaRefs>
-    <ds:schemaRef ds:uri="http://schemas.microsoft.com/VisualStudio/2011/storyboarding/control"/>
-  </ds:schemaRefs>
-</ds:datastoreItem>
-</file>
-
-<file path=customXml/itemProps150.xml><?xml version="1.0" encoding="utf-8"?>
-<ds:datastoreItem xmlns:ds="http://schemas.openxmlformats.org/officeDocument/2006/customXml" ds:itemID="{6BD98E41-6C2F-4D3F-B846-7455C55C7A43}">
-  <ds:schemaRefs>
-    <ds:schemaRef ds:uri="http://schemas.microsoft.com/VisualStudio/2011/storyboarding/control"/>
-  </ds:schemaRefs>
-</ds:datastoreItem>
-</file>
-
-<file path=customXml/itemProps151.xml><?xml version="1.0" encoding="utf-8"?>
-<ds:datastoreItem xmlns:ds="http://schemas.openxmlformats.org/officeDocument/2006/customXml" ds:itemID="{A5C9F535-848A-484D-BE9A-C7950B04C8EE}">
-  <ds:schemaRefs>
-    <ds:schemaRef ds:uri="http://schemas.microsoft.com/VisualStudio/2011/storyboarding/control"/>
-  </ds:schemaRefs>
-</ds:datastoreItem>
-</file>
-
-<file path=customXml/itemProps152.xml><?xml version="1.0" encoding="utf-8"?>
-<ds:datastoreItem xmlns:ds="http://schemas.openxmlformats.org/officeDocument/2006/customXml" ds:itemID="{2DE19DA7-14FB-4A73-97E6-83DF72E609E6}">
-  <ds:schemaRefs>
-    <ds:schemaRef ds:uri="http://schemas.microsoft.com/VisualStudio/2011/storyboarding/control"/>
-  </ds:schemaRefs>
-</ds:datastoreItem>
-</file>
-
-<file path=customXml/itemProps153.xml><?xml version="1.0" encoding="utf-8"?>
-<ds:datastoreItem xmlns:ds="http://schemas.openxmlformats.org/officeDocument/2006/customXml" ds:itemID="{121618E6-4C26-48A5-8411-92B68242A304}">
-  <ds:schemaRefs>
-    <ds:schemaRef ds:uri="http://schemas.microsoft.com/VisualStudio/2011/storyboarding/control"/>
-  </ds:schemaRefs>
-</ds:datastoreItem>
-</file>
-
-<file path=customXml/itemProps154.xml><?xml version="1.0" encoding="utf-8"?>
-<ds:datastoreItem xmlns:ds="http://schemas.openxmlformats.org/officeDocument/2006/customXml" ds:itemID="{14F53810-CFF1-4E60-9021-6AF4EA429CC7}">
-  <ds:schemaRefs>
-    <ds:schemaRef ds:uri="http://schemas.microsoft.com/VisualStudio/2011/storyboarding/control"/>
-  </ds:schemaRefs>
-</ds:datastoreItem>
-</file>
-
-<file path=customXml/itemProps155.xml><?xml version="1.0" encoding="utf-8"?>
-<ds:datastoreItem xmlns:ds="http://schemas.openxmlformats.org/officeDocument/2006/customXml" ds:itemID="{418E8FB6-E3E2-4A78-BD2C-0E4D84C7371E}">
-  <ds:schemaRefs>
-    <ds:schemaRef ds:uri="http://schemas.microsoft.com/VisualStudio/2011/storyboarding/control"/>
-  </ds:schemaRefs>
-</ds:datastoreItem>
-</file>
-
-<file path=customXml/itemProps156.xml><?xml version="1.0" encoding="utf-8"?>
-<ds:datastoreItem xmlns:ds="http://schemas.openxmlformats.org/officeDocument/2006/customXml" ds:itemID="{3390C89E-38DA-49C8-BD78-371C7CC2FE47}">
-  <ds:schemaRefs>
-    <ds:schemaRef ds:uri="http://schemas.microsoft.com/VisualStudio/2011/storyboarding/control"/>
-  </ds:schemaRefs>
-</ds:datastoreItem>
-</file>
-
-<file path=customXml/itemProps157.xml><?xml version="1.0" encoding="utf-8"?>
-<ds:datastoreItem xmlns:ds="http://schemas.openxmlformats.org/officeDocument/2006/customXml" ds:itemID="{4500268E-82D2-458D-9B7A-1DAD9FBEA8F5}">
-  <ds:schemaRefs>
-    <ds:schemaRef ds:uri="http://schemas.microsoft.com/VisualStudio/2011/storyboarding/control"/>
-  </ds:schemaRefs>
-</ds:datastoreItem>
-</file>
-
-<file path=customXml/itemProps16.xml><?xml version="1.0" encoding="utf-8"?>
-<ds:datastoreItem xmlns:ds="http://schemas.openxmlformats.org/officeDocument/2006/customXml" ds:itemID="{AABACF0D-5384-4675-802C-4FFC55B3B83D}">
-  <ds:schemaRefs>
-    <ds:schemaRef ds:uri="http://schemas.microsoft.com/VisualStudio/2011/storyboarding/control"/>
-  </ds:schemaRefs>
-</ds:datastoreItem>
-</file>
-
-<file path=customXml/itemProps17.xml><?xml version="1.0" encoding="utf-8"?>
-<ds:datastoreItem xmlns:ds="http://schemas.openxmlformats.org/officeDocument/2006/customXml" ds:itemID="{B2016F61-92F9-4E0F-A353-39F009FA0B01}">
-  <ds:schemaRefs>
-    <ds:schemaRef ds:uri="http://schemas.microsoft.com/VisualStudio/2011/storyboarding/control"/>
-  </ds:schemaRefs>
-</ds:datastoreItem>
-</file>
-
-<file path=customXml/itemProps18.xml><?xml version="1.0" encoding="utf-8"?>
-<ds:datastoreItem xmlns:ds="http://schemas.openxmlformats.org/officeDocument/2006/customXml" ds:itemID="{B02AE70D-AB27-4B64-9EAF-0217792EF7E1}">
-  <ds:schemaRefs>
-    <ds:schemaRef ds:uri="http://schemas.microsoft.com/VisualStudio/2011/storyboarding/control"/>
-  </ds:schemaRefs>
-</ds:datastoreItem>
-</file>
-
-<file path=customXml/itemProps19.xml><?xml version="1.0" encoding="utf-8"?>
-<ds:datastoreItem xmlns:ds="http://schemas.openxmlformats.org/officeDocument/2006/customXml" ds:itemID="{AE608858-3A79-4E62-9586-14C746DF17FE}">
-  <ds:schemaRefs>
-    <ds:schemaRef ds:uri="http://schemas.microsoft.com/VisualStudio/2011/storyboarding/control"/>
-  </ds:schemaRefs>
-</ds:datastoreItem>
-</file>
-
-<file path=customXml/itemProps2.xml><?xml version="1.0" encoding="utf-8"?>
-<ds:datastoreItem xmlns:ds="http://schemas.openxmlformats.org/officeDocument/2006/customXml" ds:itemID="{9A59C534-A299-402C-BDD6-F5443DFA7893}">
-  <ds:schemaRefs>
-    <ds:schemaRef ds:uri="http://schemas.microsoft.com/VisualStudio/2011/storyboarding/control"/>
-  </ds:schemaRefs>
-</ds:datastoreItem>
-</file>
-
-<file path=customXml/itemProps20.xml><?xml version="1.0" encoding="utf-8"?>
-<ds:datastoreItem xmlns:ds="http://schemas.openxmlformats.org/officeDocument/2006/customXml" ds:itemID="{F5B85250-01CA-403A-BFFD-EDEFCA9E38FF}">
-  <ds:schemaRefs>
-    <ds:schemaRef ds:uri="http://schemas.microsoft.com/VisualStudio/2011/storyboarding/control"/>
-  </ds:schemaRefs>
-</ds:datastoreItem>
-</file>
-
-<file path=customXml/itemProps21.xml><?xml version="1.0" encoding="utf-8"?>
-<ds:datastoreItem xmlns:ds="http://schemas.openxmlformats.org/officeDocument/2006/customXml" ds:itemID="{CD29ED7C-7003-4640-8A56-61BBEE20B1F0}">
-  <ds:schemaRefs>
-    <ds:schemaRef ds:uri="http://schemas.microsoft.com/VisualStudio/2011/storyboarding/control"/>
-  </ds:schemaRefs>
-</ds:datastoreItem>
-</file>
-
-<file path=customXml/itemProps22.xml><?xml version="1.0" encoding="utf-8"?>
-<ds:datastoreItem xmlns:ds="http://schemas.openxmlformats.org/officeDocument/2006/customXml" ds:itemID="{E7741501-71C2-4C17-B4E1-815C0856C474}">
-  <ds:schemaRefs>
-    <ds:schemaRef ds:uri="http://schemas.microsoft.com/VisualStudio/2011/storyboarding/control"/>
-  </ds:schemaRefs>
-</ds:datastoreItem>
-</file>
-
-<file path=customXml/itemProps23.xml><?xml version="1.0" encoding="utf-8"?>
-<ds:datastoreItem xmlns:ds="http://schemas.openxmlformats.org/officeDocument/2006/customXml" ds:itemID="{B33906A2-2468-4E50-8B7B-646E03FFEF2D}">
-  <ds:schemaRefs>
-    <ds:schemaRef ds:uri="http://schemas.microsoft.com/VisualStudio/2011/storyboarding/control"/>
-  </ds:schemaRefs>
-</ds:datastoreItem>
-</file>
-
-<file path=customXml/itemProps24.xml><?xml version="1.0" encoding="utf-8"?>
-<ds:datastoreItem xmlns:ds="http://schemas.openxmlformats.org/officeDocument/2006/customXml" ds:itemID="{7D3F1746-26F3-4D5F-8DB1-4CE59AC409F7}">
-  <ds:schemaRefs>
-    <ds:schemaRef ds:uri="http://schemas.microsoft.com/VisualStudio/2011/storyboarding/control"/>
-  </ds:schemaRefs>
-</ds:datastoreItem>
-</file>
-
-<file path=customXml/itemProps25.xml><?xml version="1.0" encoding="utf-8"?>
-<ds:datastoreItem xmlns:ds="http://schemas.openxmlformats.org/officeDocument/2006/customXml" ds:itemID="{92C514EF-47C3-4A1E-8CC0-C426C540F0A1}">
-  <ds:schemaRefs>
-    <ds:schemaRef ds:uri="http://schemas.microsoft.com/VisualStudio/2011/storyboarding/control"/>
-  </ds:schemaRefs>
-</ds:datastoreItem>
-</file>
-
-<file path=customXml/itemProps26.xml><?xml version="1.0" encoding="utf-8"?>
-<ds:datastoreItem xmlns:ds="http://schemas.openxmlformats.org/officeDocument/2006/customXml" ds:itemID="{90E6BF7D-584A-485E-85F5-083945235CD7}">
-  <ds:schemaRefs>
-    <ds:schemaRef ds:uri="http://schemas.microsoft.com/VisualStudio/2011/storyboarding/control"/>
-  </ds:schemaRefs>
-</ds:datastoreItem>
-</file>
-
-<file path=customXml/itemProps27.xml><?xml version="1.0" encoding="utf-8"?>
-<ds:datastoreItem xmlns:ds="http://schemas.openxmlformats.org/officeDocument/2006/customXml" ds:itemID="{34D70070-9632-4246-B25D-E396768C8F03}">
-  <ds:schemaRefs>
-    <ds:schemaRef ds:uri="http://schemas.microsoft.com/VisualStudio/2011/storyboarding/control"/>
-  </ds:schemaRefs>
-</ds:datastoreItem>
-</file>
-
-<file path=customXml/itemProps28.xml><?xml version="1.0" encoding="utf-8"?>
-<ds:datastoreItem xmlns:ds="http://schemas.openxmlformats.org/officeDocument/2006/customXml" ds:itemID="{0ACEBE80-DD25-46F5-ACB3-B9B1A4485D53}">
-  <ds:schemaRefs>
-    <ds:schemaRef ds:uri="http://schemas.microsoft.com/VisualStudio/2011/storyboarding/control"/>
-  </ds:schemaRefs>
-</ds:datastoreItem>
-</file>
-
-<file path=customXml/itemProps29.xml><?xml version="1.0" encoding="utf-8"?>
-<ds:datastoreItem xmlns:ds="http://schemas.openxmlformats.org/officeDocument/2006/customXml" ds:itemID="{D76A8C43-D0E6-4D76-A639-72E580E29047}">
-  <ds:schemaRefs>
-    <ds:schemaRef ds:uri="http://schemas.microsoft.com/VisualStudio/2011/storyboarding/control"/>
-  </ds:schemaRefs>
-</ds:datastoreItem>
-</file>
-
-<file path=customXml/itemProps3.xml><?xml version="1.0" encoding="utf-8"?>
-<ds:datastoreItem xmlns:ds="http://schemas.openxmlformats.org/officeDocument/2006/customXml" ds:itemID="{FA631F3F-931D-4669-BD0B-F99571F5C429}">
-  <ds:schemaRefs>
-    <ds:schemaRef ds:uri="http://schemas.microsoft.com/VisualStudio/2011/storyboarding/control"/>
-  </ds:schemaRefs>
-</ds:datastoreItem>
-</file>
-
-<file path=customXml/itemProps30.xml><?xml version="1.0" encoding="utf-8"?>
-<ds:datastoreItem xmlns:ds="http://schemas.openxmlformats.org/officeDocument/2006/customXml" ds:itemID="{13D229BA-F403-4DB5-940D-9A722C14A295}">
-  <ds:schemaRefs>
-    <ds:schemaRef ds:uri="http://schemas.microsoft.com/VisualStudio/2011/storyboarding/control"/>
-  </ds:schemaRefs>
-</ds:datastoreItem>
-</file>
-
-<file path=customXml/itemProps31.xml><?xml version="1.0" encoding="utf-8"?>
+<file path=customXml/itemProps61.xml><?xml version="1.0" encoding="utf-8"?>
 <ds:datastoreItem xmlns:ds="http://schemas.openxmlformats.org/officeDocument/2006/customXml" ds:itemID="{17816237-E86F-4608-B2AD-3D2E66C1B03B}">
   <ds:schemaRefs>
     <ds:schemaRef ds:uri="http://schemas.microsoft.com/VisualStudio/2011/storyboarding/control"/>
@@ -15484,111 +17903,7 @@
 </ds:datastoreItem>
 </file>
 
-<file path=customXml/itemProps32.xml><?xml version="1.0" encoding="utf-8"?>
-<ds:datastoreItem xmlns:ds="http://schemas.openxmlformats.org/officeDocument/2006/customXml" ds:itemID="{1367878A-D08E-41A0-BE0F-87325A2CCFA2}">
-  <ds:schemaRefs>
-    <ds:schemaRef ds:uri="http://schemas.microsoft.com/VisualStudio/2011/storyboarding/control"/>
-  </ds:schemaRefs>
-</ds:datastoreItem>
-</file>
-
-<file path=customXml/itemProps33.xml><?xml version="1.0" encoding="utf-8"?>
-<ds:datastoreItem xmlns:ds="http://schemas.openxmlformats.org/officeDocument/2006/customXml" ds:itemID="{ADE0E0E1-3FB4-4764-85B1-A2581C94CFE9}">
-  <ds:schemaRefs>
-    <ds:schemaRef ds:uri="http://schemas.microsoft.com/VisualStudio/2011/storyboarding/control"/>
-  </ds:schemaRefs>
-</ds:datastoreItem>
-</file>
-
-<file path=customXml/itemProps34.xml><?xml version="1.0" encoding="utf-8"?>
-<ds:datastoreItem xmlns:ds="http://schemas.openxmlformats.org/officeDocument/2006/customXml" ds:itemID="{2373FA59-A4C7-4E40-BF8A-FEF69ED346A4}">
-  <ds:schemaRefs>
-    <ds:schemaRef ds:uri="http://schemas.microsoft.com/VisualStudio/2011/storyboarding/control"/>
-  </ds:schemaRefs>
-</ds:datastoreItem>
-</file>
-
-<file path=customXml/itemProps35.xml><?xml version="1.0" encoding="utf-8"?>
-<ds:datastoreItem xmlns:ds="http://schemas.openxmlformats.org/officeDocument/2006/customXml" ds:itemID="{F2AC79B3-EA47-4A60-8F32-62C9B6A4B730}">
-  <ds:schemaRefs>
-    <ds:schemaRef ds:uri="http://schemas.microsoft.com/VisualStudio/2011/storyboarding/control"/>
-  </ds:schemaRefs>
-</ds:datastoreItem>
-</file>
-
-<file path=customXml/itemProps36.xml><?xml version="1.0" encoding="utf-8"?>
-<ds:datastoreItem xmlns:ds="http://schemas.openxmlformats.org/officeDocument/2006/customXml" ds:itemID="{89F8D00C-2482-4F3D-ACA1-B806B7E2C2EC}">
-  <ds:schemaRefs>
-    <ds:schemaRef ds:uri="http://schemas.microsoft.com/VisualStudio/2011/storyboarding/control"/>
-  </ds:schemaRefs>
-</ds:datastoreItem>
-</file>
-
-<file path=customXml/itemProps37.xml><?xml version="1.0" encoding="utf-8"?>
-<ds:datastoreItem xmlns:ds="http://schemas.openxmlformats.org/officeDocument/2006/customXml" ds:itemID="{E44C9E77-1C35-4DBC-82DD-57E4D308EFBB}">
-  <ds:schemaRefs>
-    <ds:schemaRef ds:uri="http://schemas.microsoft.com/VisualStudio/2011/storyboarding/control"/>
-  </ds:schemaRefs>
-</ds:datastoreItem>
-</file>
-
-<file path=customXml/itemProps38.xml><?xml version="1.0" encoding="utf-8"?>
-<ds:datastoreItem xmlns:ds="http://schemas.openxmlformats.org/officeDocument/2006/customXml" ds:itemID="{1EAEFE78-3E46-45E5-85DF-8CF35EFEFFEE}">
-  <ds:schemaRefs>
-    <ds:schemaRef ds:uri="http://schemas.microsoft.com/VisualStudio/2011/storyboarding/control"/>
-  </ds:schemaRefs>
-</ds:datastoreItem>
-</file>
-
-<file path=customXml/itemProps39.xml><?xml version="1.0" encoding="utf-8"?>
-<ds:datastoreItem xmlns:ds="http://schemas.openxmlformats.org/officeDocument/2006/customXml" ds:itemID="{F12E4822-BEA4-4C90-A23E-8C7DFCF7CDD6}">
-  <ds:schemaRefs>
-    <ds:schemaRef ds:uri="http://schemas.microsoft.com/VisualStudio/2011/storyboarding/control"/>
-  </ds:schemaRefs>
-</ds:datastoreItem>
-</file>
-
-<file path=customXml/itemProps4.xml><?xml version="1.0" encoding="utf-8"?>
-<ds:datastoreItem xmlns:ds="http://schemas.openxmlformats.org/officeDocument/2006/customXml" ds:itemID="{45B142F8-50A8-47EE-8945-EA0E8BEF71EB}">
-  <ds:schemaRefs>
-    <ds:schemaRef ds:uri="http://schemas.microsoft.com/VisualStudio/2011/storyboarding/control"/>
-  </ds:schemaRefs>
-</ds:datastoreItem>
-</file>
-
-<file path=customXml/itemProps40.xml><?xml version="1.0" encoding="utf-8"?>
-<ds:datastoreItem xmlns:ds="http://schemas.openxmlformats.org/officeDocument/2006/customXml" ds:itemID="{AF40C17C-6E53-453B-B327-999FE0B7CF9E}">
-  <ds:schemaRefs>
-    <ds:schemaRef ds:uri="http://schemas.microsoft.com/VisualStudio/2011/storyboarding/control"/>
-  </ds:schemaRefs>
-</ds:datastoreItem>
-</file>
-
-<file path=customXml/itemProps41.xml><?xml version="1.0" encoding="utf-8"?>
-<ds:datastoreItem xmlns:ds="http://schemas.openxmlformats.org/officeDocument/2006/customXml" ds:itemID="{45D0D449-A17D-45A3-B4E7-E173226B985A}">
-  <ds:schemaRefs>
-    <ds:schemaRef ds:uri="http://schemas.microsoft.com/VisualStudio/2011/storyboarding/control"/>
-  </ds:schemaRefs>
-</ds:datastoreItem>
-</file>
-
-<file path=customXml/itemProps42.xml><?xml version="1.0" encoding="utf-8"?>
-<ds:datastoreItem xmlns:ds="http://schemas.openxmlformats.org/officeDocument/2006/customXml" ds:itemID="{CAA62E3A-E1D3-48E6-902C-72278FCF572B}">
-  <ds:schemaRefs>
-    <ds:schemaRef ds:uri="http://schemas.microsoft.com/VisualStudio/2011/storyboarding/control"/>
-  </ds:schemaRefs>
-</ds:datastoreItem>
-</file>
-
-<file path=customXml/itemProps43.xml><?xml version="1.0" encoding="utf-8"?>
-<ds:datastoreItem xmlns:ds="http://schemas.openxmlformats.org/officeDocument/2006/customXml" ds:itemID="{D544E426-85A9-48AB-BB78-E3AD0590EC7C}">
-  <ds:schemaRefs>
-    <ds:schemaRef ds:uri="http://schemas.microsoft.com/VisualStudio/2011/storyboarding/control"/>
-  </ds:schemaRefs>
-</ds:datastoreItem>
-</file>
-
-<file path=customXml/itemProps44.xml><?xml version="1.0" encoding="utf-8"?>
+<file path=customXml/itemProps62.xml><?xml version="1.0" encoding="utf-8"?>
 <ds:datastoreItem xmlns:ds="http://schemas.openxmlformats.org/officeDocument/2006/customXml" ds:itemID="{7C7A195E-DFA7-4A05-9371-894B93FD1828}">
   <ds:schemaRefs>
     <ds:schemaRef ds:uri="http://schemas.microsoft.com/VisualStudio/2011/storyboarding/control"/>
@@ -15596,71 +17911,7 @@
 </ds:datastoreItem>
 </file>
 
-<file path=customXml/itemProps45.xml><?xml version="1.0" encoding="utf-8"?>
-<ds:datastoreItem xmlns:ds="http://schemas.openxmlformats.org/officeDocument/2006/customXml" ds:itemID="{3E9518F8-52DB-4512-B6E1-D4B81EC47F8E}">
-  <ds:schemaRefs>
-    <ds:schemaRef ds:uri="http://schemas.microsoft.com/VisualStudio/2011/storyboarding/control"/>
-  </ds:schemaRefs>
-</ds:datastoreItem>
-</file>
-
-<file path=customXml/itemProps46.xml><?xml version="1.0" encoding="utf-8"?>
-<ds:datastoreItem xmlns:ds="http://schemas.openxmlformats.org/officeDocument/2006/customXml" ds:itemID="{15112653-7036-4EB6-9E86-EDFCD1846E57}">
-  <ds:schemaRefs>
-    <ds:schemaRef ds:uri="http://schemas.microsoft.com/VisualStudio/2011/storyboarding/control"/>
-  </ds:schemaRefs>
-</ds:datastoreItem>
-</file>
-
-<file path=customXml/itemProps47.xml><?xml version="1.0" encoding="utf-8"?>
-<ds:datastoreItem xmlns:ds="http://schemas.openxmlformats.org/officeDocument/2006/customXml" ds:itemID="{06C11E88-1615-4B77-96AD-4B8BA4A066E8}">
-  <ds:schemaRefs>
-    <ds:schemaRef ds:uri="http://schemas.microsoft.com/VisualStudio/2011/storyboarding/control"/>
-  </ds:schemaRefs>
-</ds:datastoreItem>
-</file>
-
-<file path=customXml/itemProps48.xml><?xml version="1.0" encoding="utf-8"?>
-<ds:datastoreItem xmlns:ds="http://schemas.openxmlformats.org/officeDocument/2006/customXml" ds:itemID="{7F5E28FD-26FF-4A48-BAD7-50B55AB6208D}">
-  <ds:schemaRefs>
-    <ds:schemaRef ds:uri="http://schemas.microsoft.com/VisualStudio/2011/storyboarding/control"/>
-  </ds:schemaRefs>
-</ds:datastoreItem>
-</file>
-
-<file path=customXml/itemProps49.xml><?xml version="1.0" encoding="utf-8"?>
-<ds:datastoreItem xmlns:ds="http://schemas.openxmlformats.org/officeDocument/2006/customXml" ds:itemID="{2FCA7744-2BF3-4014-BEA7-E6EE6BE5E79E}">
-  <ds:schemaRefs>
-    <ds:schemaRef ds:uri="http://schemas.microsoft.com/VisualStudio/2011/storyboarding/control"/>
-  </ds:schemaRefs>
-</ds:datastoreItem>
-</file>
-
-<file path=customXml/itemProps5.xml><?xml version="1.0" encoding="utf-8"?>
-<ds:datastoreItem xmlns:ds="http://schemas.openxmlformats.org/officeDocument/2006/customXml" ds:itemID="{59D0369F-25C4-46DE-8418-DF66EC3FEC68}">
-  <ds:schemaRefs>
-    <ds:schemaRef ds:uri="http://schemas.microsoft.com/VisualStudio/2011/storyboarding/control"/>
-  </ds:schemaRefs>
-</ds:datastoreItem>
-</file>
-
-<file path=customXml/itemProps50.xml><?xml version="1.0" encoding="utf-8"?>
-<ds:datastoreItem xmlns:ds="http://schemas.openxmlformats.org/officeDocument/2006/customXml" ds:itemID="{4686712F-CBA4-47D3-833A-C2ADFEF753DD}">
-  <ds:schemaRefs>
-    <ds:schemaRef ds:uri="http://schemas.microsoft.com/VisualStudio/2011/storyboarding/control"/>
-  </ds:schemaRefs>
-</ds:datastoreItem>
-</file>
-
-<file path=customXml/itemProps51.xml><?xml version="1.0" encoding="utf-8"?>
-<ds:datastoreItem xmlns:ds="http://schemas.openxmlformats.org/officeDocument/2006/customXml" ds:itemID="{8A555954-45BE-4EEE-9F3C-9C997F6D1BA3}">
-  <ds:schemaRefs>
-    <ds:schemaRef ds:uri="http://schemas.microsoft.com/VisualStudio/2011/storyboarding/control"/>
-  </ds:schemaRefs>
-</ds:datastoreItem>
-</file>
-
-<file path=customXml/itemProps52.xml><?xml version="1.0" encoding="utf-8"?>
+<file path=customXml/itemProps63.xml><?xml version="1.0" encoding="utf-8"?>
 <ds:datastoreItem xmlns:ds="http://schemas.openxmlformats.org/officeDocument/2006/customXml" ds:itemID="{13867D15-2F58-4836-9D34-D0E88BF26D4C}">
   <ds:schemaRefs>
     <ds:schemaRef ds:uri="http://schemas.microsoft.com/VisualStudio/2011/storyboarding/control"/>
@@ -15668,104 +17919,8 @@
 </ds:datastoreItem>
 </file>
 
-<file path=customXml/itemProps53.xml><?xml version="1.0" encoding="utf-8"?>
-<ds:datastoreItem xmlns:ds="http://schemas.openxmlformats.org/officeDocument/2006/customXml" ds:itemID="{A2F6F20D-5D93-4163-A5E6-5A9B6AB49B35}">
-  <ds:schemaRefs>
-    <ds:schemaRef ds:uri="http://schemas.microsoft.com/VisualStudio/2011/storyboarding/control"/>
-  </ds:schemaRefs>
-</ds:datastoreItem>
-</file>
-
-<file path=customXml/itemProps54.xml><?xml version="1.0" encoding="utf-8"?>
-<ds:datastoreItem xmlns:ds="http://schemas.openxmlformats.org/officeDocument/2006/customXml" ds:itemID="{E029995E-6C1C-464C-B18A-588A9A373F13}">
-  <ds:schemaRefs>
-    <ds:schemaRef ds:uri="http://schemas.microsoft.com/VisualStudio/2011/storyboarding/control"/>
-  </ds:schemaRefs>
-</ds:datastoreItem>
-</file>
-
-<file path=customXml/itemProps55.xml><?xml version="1.0" encoding="utf-8"?>
-<ds:datastoreItem xmlns:ds="http://schemas.openxmlformats.org/officeDocument/2006/customXml" ds:itemID="{6DAC6C05-FAFB-4B89-BBD6-3A479BE450F0}">
-  <ds:schemaRefs>
-    <ds:schemaRef ds:uri="http://schemas.microsoft.com/VisualStudio/2011/storyboarding/control"/>
-  </ds:schemaRefs>
-</ds:datastoreItem>
-</file>
-
-<file path=customXml/itemProps56.xml><?xml version="1.0" encoding="utf-8"?>
-<ds:datastoreItem xmlns:ds="http://schemas.openxmlformats.org/officeDocument/2006/customXml" ds:itemID="{98F07B01-E4E8-4E44-B227-4A307E110F5E}">
-  <ds:schemaRefs>
-    <ds:schemaRef ds:uri="http://schemas.microsoft.com/VisualStudio/2011/storyboarding/control"/>
-  </ds:schemaRefs>
-</ds:datastoreItem>
-</file>
-
-<file path=customXml/itemProps57.xml><?xml version="1.0" encoding="utf-8"?>
-<ds:datastoreItem xmlns:ds="http://schemas.openxmlformats.org/officeDocument/2006/customXml" ds:itemID="{F9A8EA35-007A-40F9-AD73-68499C4EFDFA}">
-  <ds:schemaRefs>
-    <ds:schemaRef ds:uri="http://schemas.microsoft.com/VisualStudio/2011/storyboarding/control"/>
-  </ds:schemaRefs>
-</ds:datastoreItem>
-</file>
-
-<file path=customXml/itemProps58.xml><?xml version="1.0" encoding="utf-8"?>
-<ds:datastoreItem xmlns:ds="http://schemas.openxmlformats.org/officeDocument/2006/customXml" ds:itemID="{6F4A2862-C914-4127-9AA3-4EC971E05888}">
-  <ds:schemaRefs>
-    <ds:schemaRef ds:uri="http://schemas.microsoft.com/VisualStudio/2011/storyboarding/control"/>
-  </ds:schemaRefs>
-</ds:datastoreItem>
-</file>
-
-<file path=customXml/itemProps59.xml><?xml version="1.0" encoding="utf-8"?>
-<ds:datastoreItem xmlns:ds="http://schemas.openxmlformats.org/officeDocument/2006/customXml" ds:itemID="{48FCAF00-A9CA-4F0B-94B6-B06BD75E9807}">
-  <ds:schemaRefs>
-    <ds:schemaRef ds:uri="http://schemas.microsoft.com/VisualStudio/2011/storyboarding/control"/>
-  </ds:schemaRefs>
-</ds:datastoreItem>
-</file>
-
-<file path=customXml/itemProps6.xml><?xml version="1.0" encoding="utf-8"?>
-<ds:datastoreItem xmlns:ds="http://schemas.openxmlformats.org/officeDocument/2006/customXml" ds:itemID="{B1441669-2371-4AE4-A8B5-AFC09272AA93}">
-  <ds:schemaRefs>
-    <ds:schemaRef ds:uri="http://schemas.microsoft.com/VisualStudio/2011/storyboarding/control"/>
-  </ds:schemaRefs>
-</ds:datastoreItem>
-</file>
-
-<file path=customXml/itemProps60.xml><?xml version="1.0" encoding="utf-8"?>
+<file path=customXml/itemProps64.xml><?xml version="1.0" encoding="utf-8"?>
 <ds:datastoreItem xmlns:ds="http://schemas.openxmlformats.org/officeDocument/2006/customXml" ds:itemID="{FE51AC1B-1271-4746-867D-55554D78B5AE}">
-  <ds:schemaRefs>
-    <ds:schemaRef ds:uri="http://schemas.microsoft.com/VisualStudio/2011/storyboarding/control"/>
-  </ds:schemaRefs>
-</ds:datastoreItem>
-</file>
-
-<file path=customXml/itemProps61.xml><?xml version="1.0" encoding="utf-8"?>
-<ds:datastoreItem xmlns:ds="http://schemas.openxmlformats.org/officeDocument/2006/customXml" ds:itemID="{55CA6769-99B0-4402-A536-C3C8E0221022}">
-  <ds:schemaRefs>
-    <ds:schemaRef ds:uri="http://schemas.microsoft.com/VisualStudio/2011/storyboarding/control"/>
-  </ds:schemaRefs>
-</ds:datastoreItem>
-</file>
-
-<file path=customXml/itemProps62.xml><?xml version="1.0" encoding="utf-8"?>
-<ds:datastoreItem xmlns:ds="http://schemas.openxmlformats.org/officeDocument/2006/customXml" ds:itemID="{F3241CCA-9602-4CB8-B6FA-D8222B14826C}">
-  <ds:schemaRefs>
-    <ds:schemaRef ds:uri="http://schemas.microsoft.com/VisualStudio/2011/storyboarding/control"/>
-  </ds:schemaRefs>
-</ds:datastoreItem>
-</file>
-
-<file path=customXml/itemProps63.xml><?xml version="1.0" encoding="utf-8"?>
-<ds:datastoreItem xmlns:ds="http://schemas.openxmlformats.org/officeDocument/2006/customXml" ds:itemID="{4A328889-52D6-47EA-AA7A-7178F57DFC2D}">
-  <ds:schemaRefs>
-    <ds:schemaRef ds:uri="http://schemas.microsoft.com/VisualStudio/2011/storyboarding/control"/>
-  </ds:schemaRefs>
-</ds:datastoreItem>
-</file>
-
-<file path=customXml/itemProps64.xml><?xml version="1.0" encoding="utf-8"?>
-<ds:datastoreItem xmlns:ds="http://schemas.openxmlformats.org/officeDocument/2006/customXml" ds:itemID="{394EADEA-3838-4D66-B77E-E5E9BD6A7AEA}">
   <ds:schemaRefs>
     <ds:schemaRef ds:uri="http://schemas.microsoft.com/VisualStudio/2011/storyboarding/control"/>
   </ds:schemaRefs>
@@ -15781,7 +17936,7 @@
 </file>
 
 <file path=customXml/itemProps66.xml><?xml version="1.0" encoding="utf-8"?>
-<ds:datastoreItem xmlns:ds="http://schemas.openxmlformats.org/officeDocument/2006/customXml" ds:itemID="{FCFEC772-99A0-4E2F-BE46-6982F97F1BE9}">
+<ds:datastoreItem xmlns:ds="http://schemas.openxmlformats.org/officeDocument/2006/customXml" ds:itemID="{3E59668D-9D10-4C26-9CC7-C8295EEC02B7}">
   <ds:schemaRefs>
     <ds:schemaRef ds:uri="http://schemas.microsoft.com/VisualStudio/2011/storyboarding/control"/>
   </ds:schemaRefs>
@@ -15789,7 +17944,7 @@
 </file>
 
 <file path=customXml/itemProps67.xml><?xml version="1.0" encoding="utf-8"?>
-<ds:datastoreItem xmlns:ds="http://schemas.openxmlformats.org/officeDocument/2006/customXml" ds:itemID="{E5DD84D4-A8CE-4783-AB20-E42165ABDFA7}">
+<ds:datastoreItem xmlns:ds="http://schemas.openxmlformats.org/officeDocument/2006/customXml" ds:itemID="{6909E70A-4203-43FA-8666-1DA9A83FC55A}">
   <ds:schemaRefs>
     <ds:schemaRef ds:uri="http://schemas.microsoft.com/VisualStudio/2011/storyboarding/control"/>
   </ds:schemaRefs>
@@ -15797,7 +17952,7 @@
 </file>
 
 <file path=customXml/itemProps68.xml><?xml version="1.0" encoding="utf-8"?>
-<ds:datastoreItem xmlns:ds="http://schemas.openxmlformats.org/officeDocument/2006/customXml" ds:itemID="{CC0F0423-B11D-48BC-93CE-439535EE4340}">
+<ds:datastoreItem xmlns:ds="http://schemas.openxmlformats.org/officeDocument/2006/customXml" ds:itemID="{ED541B40-E3CF-47E9-8800-B673CC7C7D9E}">
   <ds:schemaRefs>
     <ds:schemaRef ds:uri="http://schemas.microsoft.com/VisualStudio/2011/storyboarding/control"/>
   </ds:schemaRefs>
@@ -15805,7 +17960,7 @@
 </file>
 
 <file path=customXml/itemProps69.xml><?xml version="1.0" encoding="utf-8"?>
-<ds:datastoreItem xmlns:ds="http://schemas.openxmlformats.org/officeDocument/2006/customXml" ds:itemID="{DDBF085A-1095-41CF-A0E2-F8212DFD4835}">
+<ds:datastoreItem xmlns:ds="http://schemas.openxmlformats.org/officeDocument/2006/customXml" ds:itemID="{9FC86F31-FEBD-4500-B558-3A9092EE01B0}">
   <ds:schemaRefs>
     <ds:schemaRef ds:uri="http://schemas.microsoft.com/VisualStudio/2011/storyboarding/control"/>
   </ds:schemaRefs>
@@ -15813,6 +17968,238 @@
 </file>
 
 <file path=customXml/itemProps7.xml><?xml version="1.0" encoding="utf-8"?>
+<ds:datastoreItem xmlns:ds="http://schemas.openxmlformats.org/officeDocument/2006/customXml" ds:itemID="{6F4A2862-C914-4127-9AA3-4EC971E05888}">
+  <ds:schemaRefs>
+    <ds:schemaRef ds:uri="http://schemas.microsoft.com/VisualStudio/2011/storyboarding/control"/>
+  </ds:schemaRefs>
+</ds:datastoreItem>
+</file>
+
+<file path=customXml/itemProps70.xml><?xml version="1.0" encoding="utf-8"?>
+<ds:datastoreItem xmlns:ds="http://schemas.openxmlformats.org/officeDocument/2006/customXml" ds:itemID="{9441CC7A-8DA1-4C19-B524-DD31C7A19972}">
+  <ds:schemaRefs>
+    <ds:schemaRef ds:uri="http://schemas.microsoft.com/VisualStudio/2011/storyboarding/control"/>
+  </ds:schemaRefs>
+</ds:datastoreItem>
+</file>
+
+<file path=customXml/itemProps71.xml><?xml version="1.0" encoding="utf-8"?>
+<ds:datastoreItem xmlns:ds="http://schemas.openxmlformats.org/officeDocument/2006/customXml" ds:itemID="{113ECE65-0514-4E2D-A5D7-CB73FBD23154}">
+  <ds:schemaRefs>
+    <ds:schemaRef ds:uri="http://schemas.microsoft.com/VisualStudio/2011/storyboarding/control"/>
+  </ds:schemaRefs>
+</ds:datastoreItem>
+</file>
+
+<file path=customXml/itemProps72.xml><?xml version="1.0" encoding="utf-8"?>
+<ds:datastoreItem xmlns:ds="http://schemas.openxmlformats.org/officeDocument/2006/customXml" ds:itemID="{D08605C4-AECB-4FFF-9D2C-98990B0DFFDA}">
+  <ds:schemaRefs>
+    <ds:schemaRef ds:uri="http://schemas.microsoft.com/VisualStudio/2011/storyboarding/control"/>
+  </ds:schemaRefs>
+</ds:datastoreItem>
+</file>
+
+<file path=customXml/itemProps73.xml><?xml version="1.0" encoding="utf-8"?>
+<ds:datastoreItem xmlns:ds="http://schemas.openxmlformats.org/officeDocument/2006/customXml" ds:itemID="{77104134-B524-4624-9201-ECD829C881BD}">
+  <ds:schemaRefs>
+    <ds:schemaRef ds:uri="http://schemas.microsoft.com/VisualStudio/2011/storyboarding/control"/>
+  </ds:schemaRefs>
+</ds:datastoreItem>
+</file>
+
+<file path=customXml/itemProps74.xml><?xml version="1.0" encoding="utf-8"?>
+<ds:datastoreItem xmlns:ds="http://schemas.openxmlformats.org/officeDocument/2006/customXml" ds:itemID="{192B0C59-AF18-4932-A8CE-C28065725D2A}">
+  <ds:schemaRefs>
+    <ds:schemaRef ds:uri="http://schemas.microsoft.com/VisualStudio/2011/storyboarding/control"/>
+  </ds:schemaRefs>
+</ds:datastoreItem>
+</file>
+
+<file path=customXml/itemProps75.xml><?xml version="1.0" encoding="utf-8"?>
+<ds:datastoreItem xmlns:ds="http://schemas.openxmlformats.org/officeDocument/2006/customXml" ds:itemID="{7A89DD74-282D-41A7-98AD-61383871195E}">
+  <ds:schemaRefs>
+    <ds:schemaRef ds:uri="http://schemas.microsoft.com/VisualStudio/2011/storyboarding/control"/>
+  </ds:schemaRefs>
+</ds:datastoreItem>
+</file>
+
+<file path=customXml/itemProps76.xml><?xml version="1.0" encoding="utf-8"?>
+<ds:datastoreItem xmlns:ds="http://schemas.openxmlformats.org/officeDocument/2006/customXml" ds:itemID="{4C95C4DB-91BC-4C29-B0A4-0A132577B473}">
+  <ds:schemaRefs>
+    <ds:schemaRef ds:uri="http://schemas.microsoft.com/VisualStudio/2011/storyboarding/control"/>
+  </ds:schemaRefs>
+</ds:datastoreItem>
+</file>
+
+<file path=customXml/itemProps77.xml><?xml version="1.0" encoding="utf-8"?>
+<ds:datastoreItem xmlns:ds="http://schemas.openxmlformats.org/officeDocument/2006/customXml" ds:itemID="{0BDCEE85-95E9-41B6-B7EA-41FEC8A8955C}">
+  <ds:schemaRefs>
+    <ds:schemaRef ds:uri="http://schemas.microsoft.com/VisualStudio/2011/storyboarding/control"/>
+  </ds:schemaRefs>
+</ds:datastoreItem>
+</file>
+
+<file path=customXml/itemProps78.xml><?xml version="1.0" encoding="utf-8"?>
+<ds:datastoreItem xmlns:ds="http://schemas.openxmlformats.org/officeDocument/2006/customXml" ds:itemID="{A5C9F535-848A-484D-BE9A-C7950B04C8EE}">
+  <ds:schemaRefs>
+    <ds:schemaRef ds:uri="http://schemas.microsoft.com/VisualStudio/2011/storyboarding/control"/>
+  </ds:schemaRefs>
+</ds:datastoreItem>
+</file>
+
+<file path=customXml/itemProps79.xml><?xml version="1.0" encoding="utf-8"?>
+<ds:datastoreItem xmlns:ds="http://schemas.openxmlformats.org/officeDocument/2006/customXml" ds:itemID="{3390C89E-38DA-49C8-BD78-371C7CC2FE47}">
+  <ds:schemaRefs>
+    <ds:schemaRef ds:uri="http://schemas.microsoft.com/VisualStudio/2011/storyboarding/control"/>
+  </ds:schemaRefs>
+</ds:datastoreItem>
+</file>
+
+<file path=customXml/itemProps8.xml><?xml version="1.0" encoding="utf-8"?>
+<ds:datastoreItem xmlns:ds="http://schemas.openxmlformats.org/officeDocument/2006/customXml" ds:itemID="{46C8095E-E543-4B44-84A5-7DF9215641EF}">
+  <ds:schemaRefs>
+    <ds:schemaRef ds:uri="http://schemas.microsoft.com/VisualStudio/2011/storyboarding/control"/>
+  </ds:schemaRefs>
+</ds:datastoreItem>
+</file>
+
+<file path=customXml/itemProps80.xml><?xml version="1.0" encoding="utf-8"?>
+<ds:datastoreItem xmlns:ds="http://schemas.openxmlformats.org/officeDocument/2006/customXml" ds:itemID="{45B142F8-50A8-47EE-8945-EA0E8BEF71EB}">
+  <ds:schemaRefs>
+    <ds:schemaRef ds:uri="http://schemas.microsoft.com/VisualStudio/2011/storyboarding/control"/>
+  </ds:schemaRefs>
+</ds:datastoreItem>
+</file>
+
+<file path=customXml/itemProps81.xml><?xml version="1.0" encoding="utf-8"?>
+<ds:datastoreItem xmlns:ds="http://schemas.openxmlformats.org/officeDocument/2006/customXml" ds:itemID="{9431BAA6-A458-4A16-B548-267B412E871D}">
+  <ds:schemaRefs>
+    <ds:schemaRef ds:uri="http://schemas.microsoft.com/VisualStudio/2011/storyboarding/control"/>
+  </ds:schemaRefs>
+</ds:datastoreItem>
+</file>
+
+<file path=customXml/itemProps82.xml><?xml version="1.0" encoding="utf-8"?>
+<ds:datastoreItem xmlns:ds="http://schemas.openxmlformats.org/officeDocument/2006/customXml" ds:itemID="{ED7BDB59-BF74-409B-8509-C9B8AF445363}">
+  <ds:schemaRefs>
+    <ds:schemaRef ds:uri="http://schemas.microsoft.com/VisualStudio/2011/storyboarding/control"/>
+  </ds:schemaRefs>
+</ds:datastoreItem>
+</file>
+
+<file path=customXml/itemProps83.xml><?xml version="1.0" encoding="utf-8"?>
+<ds:datastoreItem xmlns:ds="http://schemas.openxmlformats.org/officeDocument/2006/customXml" ds:itemID="{B02AE70D-AB27-4B64-9EAF-0217792EF7E1}">
+  <ds:schemaRefs>
+    <ds:schemaRef ds:uri="http://schemas.microsoft.com/VisualStudio/2011/storyboarding/control"/>
+  </ds:schemaRefs>
+</ds:datastoreItem>
+</file>
+
+<file path=customXml/itemProps84.xml><?xml version="1.0" encoding="utf-8"?>
+<ds:datastoreItem xmlns:ds="http://schemas.openxmlformats.org/officeDocument/2006/customXml" ds:itemID="{F12E4822-BEA4-4C90-A23E-8C7DFCF7CDD6}">
+  <ds:schemaRefs>
+    <ds:schemaRef ds:uri="http://schemas.microsoft.com/VisualStudio/2011/storyboarding/control"/>
+  </ds:schemaRefs>
+</ds:datastoreItem>
+</file>
+
+<file path=customXml/itemProps85.xml><?xml version="1.0" encoding="utf-8"?>
+<ds:datastoreItem xmlns:ds="http://schemas.openxmlformats.org/officeDocument/2006/customXml" ds:itemID="{790E7F39-81D7-4FDD-A0B5-0716A2AE74B2}">
+  <ds:schemaRefs>
+    <ds:schemaRef ds:uri="http://schemas.microsoft.com/VisualStudio/2011/storyboarding/control"/>
+  </ds:schemaRefs>
+</ds:datastoreItem>
+</file>
+
+<file path=customXml/itemProps86.xml><?xml version="1.0" encoding="utf-8"?>
+<ds:datastoreItem xmlns:ds="http://schemas.openxmlformats.org/officeDocument/2006/customXml" ds:itemID="{2373FA59-A4C7-4E40-BF8A-FEF69ED346A4}">
+  <ds:schemaRefs>
+    <ds:schemaRef ds:uri="http://schemas.microsoft.com/VisualStudio/2011/storyboarding/control"/>
+  </ds:schemaRefs>
+</ds:datastoreItem>
+</file>
+
+<file path=customXml/itemProps87.xml><?xml version="1.0" encoding="utf-8"?>
+<ds:datastoreItem xmlns:ds="http://schemas.openxmlformats.org/officeDocument/2006/customXml" ds:itemID="{4686712F-CBA4-47D3-833A-C2ADFEF753DD}">
+  <ds:schemaRefs>
+    <ds:schemaRef ds:uri="http://schemas.microsoft.com/VisualStudio/2011/storyboarding/control"/>
+  </ds:schemaRefs>
+</ds:datastoreItem>
+</file>
+
+<file path=customXml/itemProps88.xml><?xml version="1.0" encoding="utf-8"?>
+<ds:datastoreItem xmlns:ds="http://schemas.openxmlformats.org/officeDocument/2006/customXml" ds:itemID="{6DAC6C05-FAFB-4B89-BBD6-3A479BE450F0}">
+  <ds:schemaRefs>
+    <ds:schemaRef ds:uri="http://schemas.microsoft.com/VisualStudio/2011/storyboarding/control"/>
+  </ds:schemaRefs>
+</ds:datastoreItem>
+</file>
+
+<file path=customXml/itemProps89.xml><?xml version="1.0" encoding="utf-8"?>
+<ds:datastoreItem xmlns:ds="http://schemas.openxmlformats.org/officeDocument/2006/customXml" ds:itemID="{D8653A86-F184-47A6-A8EA-282F582C20DD}">
+  <ds:schemaRefs>
+    <ds:schemaRef ds:uri="http://schemas.microsoft.com/VisualStudio/2011/storyboarding/control"/>
+  </ds:schemaRefs>
+</ds:datastoreItem>
+</file>
+
+<file path=customXml/itemProps9.xml><?xml version="1.0" encoding="utf-8"?>
+<ds:datastoreItem xmlns:ds="http://schemas.openxmlformats.org/officeDocument/2006/customXml" ds:itemID="{1E27CC14-9852-42D8-9A73-828A1C767F65}">
+  <ds:schemaRefs>
+    <ds:schemaRef ds:uri="http://schemas.microsoft.com/VisualStudio/2011/storyboarding/control"/>
+  </ds:schemaRefs>
+</ds:datastoreItem>
+</file>
+
+<file path=customXml/itemProps90.xml><?xml version="1.0" encoding="utf-8"?>
+<ds:datastoreItem xmlns:ds="http://schemas.openxmlformats.org/officeDocument/2006/customXml" ds:itemID="{ACF586AD-3668-4E64-BB79-597B4E8D331A}">
+  <ds:schemaRefs>
+    <ds:schemaRef ds:uri="http://schemas.microsoft.com/VisualStudio/2011/storyboarding/control"/>
+  </ds:schemaRefs>
+</ds:datastoreItem>
+</file>
+
+<file path=customXml/itemProps91.xml><?xml version="1.0" encoding="utf-8"?>
+<ds:datastoreItem xmlns:ds="http://schemas.openxmlformats.org/officeDocument/2006/customXml" ds:itemID="{AAE9B66C-C51E-45FF-A0AF-F87D4E76C603}">
+  <ds:schemaRefs>
+    <ds:schemaRef ds:uri="http://schemas.microsoft.com/VisualStudio/2011/storyboarding/control"/>
+  </ds:schemaRefs>
+</ds:datastoreItem>
+</file>
+
+<file path=customXml/itemProps92.xml><?xml version="1.0" encoding="utf-8"?>
+<ds:datastoreItem xmlns:ds="http://schemas.openxmlformats.org/officeDocument/2006/customXml" ds:itemID="{19219105-B97A-44AD-8E8F-0F014E4D5F2F}">
+  <ds:schemaRefs>
+    <ds:schemaRef ds:uri="http://schemas.microsoft.com/VisualStudio/2011/storyboarding/control"/>
+  </ds:schemaRefs>
+</ds:datastoreItem>
+</file>
+
+<file path=customXml/itemProps93.xml><?xml version="1.0" encoding="utf-8"?>
+<ds:datastoreItem xmlns:ds="http://schemas.openxmlformats.org/officeDocument/2006/customXml" ds:itemID="{FE87856E-EB9D-4E52-95E2-2A7B45AA4114}">
+  <ds:schemaRefs>
+    <ds:schemaRef ds:uri="http://schemas.microsoft.com/VisualStudio/2011/storyboarding/control"/>
+  </ds:schemaRefs>
+</ds:datastoreItem>
+</file>
+
+<file path=customXml/itemProps94.xml><?xml version="1.0" encoding="utf-8"?>
+<ds:datastoreItem xmlns:ds="http://schemas.openxmlformats.org/officeDocument/2006/customXml" ds:itemID="{E64EFAA4-8D4E-4E3D-90B4-CEBC661B0435}">
+  <ds:schemaRefs>
+    <ds:schemaRef ds:uri="http://schemas.microsoft.com/VisualStudio/2011/storyboarding/control"/>
+  </ds:schemaRefs>
+</ds:datastoreItem>
+</file>
+
+<file path=customXml/itemProps95.xml><?xml version="1.0" encoding="utf-8"?>
+<ds:datastoreItem xmlns:ds="http://schemas.openxmlformats.org/officeDocument/2006/customXml" ds:itemID="{7C8FE9CD-1324-4A90-8D4D-0C176F3BCA87}">
+  <ds:schemaRefs>
+    <ds:schemaRef ds:uri="http://schemas.microsoft.com/VisualStudio/2011/storyboarding/control"/>
+  </ds:schemaRefs>
+</ds:datastoreItem>
+</file>
+
+<file path=customXml/itemProps96.xml><?xml version="1.0" encoding="utf-8"?>
 <ds:datastoreItem xmlns:ds="http://schemas.openxmlformats.org/officeDocument/2006/customXml" ds:itemID="{AA6A5E90-4733-4052-BD41-CDB87AFA6C57}">
   <ds:schemaRefs>
     <ds:schemaRef ds:uri="http://schemas.microsoft.com/VisualStudio/2011/storyboarding/control"/>
@@ -15820,15 +18207,7 @@
 </ds:datastoreItem>
 </file>
 
-<file path=customXml/itemProps70.xml><?xml version="1.0" encoding="utf-8"?>
-<ds:datastoreItem xmlns:ds="http://schemas.openxmlformats.org/officeDocument/2006/customXml" ds:itemID="{2A5F2F26-968C-4D10-A23C-7F7AB3C144F1}">
-  <ds:schemaRefs>
-    <ds:schemaRef ds:uri="http://schemas.microsoft.com/VisualStudio/2011/storyboarding/control"/>
-  </ds:schemaRefs>
-</ds:datastoreItem>
-</file>
-
-<file path=customXml/itemProps71.xml><?xml version="1.0" encoding="utf-8"?>
+<file path=customXml/itemProps97.xml><?xml version="1.0" encoding="utf-8"?>
 <ds:datastoreItem xmlns:ds="http://schemas.openxmlformats.org/officeDocument/2006/customXml" ds:itemID="{2C7E7D13-6875-4C07-A00F-CBDE5826D5D8}">
   <ds:schemaRefs>
     <ds:schemaRef ds:uri="http://schemas.microsoft.com/VisualStudio/2011/storyboarding/control"/>
@@ -15836,183 +18215,7 @@
 </ds:datastoreItem>
 </file>
 
-<file path=customXml/itemProps72.xml><?xml version="1.0" encoding="utf-8"?>
-<ds:datastoreItem xmlns:ds="http://schemas.openxmlformats.org/officeDocument/2006/customXml" ds:itemID="{C4F6D4BE-A130-482B-BA98-1CB53DA976CA}">
-  <ds:schemaRefs>
-    <ds:schemaRef ds:uri="http://schemas.microsoft.com/VisualStudio/2011/storyboarding/control"/>
-  </ds:schemaRefs>
-</ds:datastoreItem>
-</file>
-
-<file path=customXml/itemProps73.xml><?xml version="1.0" encoding="utf-8"?>
-<ds:datastoreItem xmlns:ds="http://schemas.openxmlformats.org/officeDocument/2006/customXml" ds:itemID="{3E59668D-9D10-4C26-9CC7-C8295EEC02B7}">
-  <ds:schemaRefs>
-    <ds:schemaRef ds:uri="http://schemas.microsoft.com/VisualStudio/2011/storyboarding/control"/>
-  </ds:schemaRefs>
-</ds:datastoreItem>
-</file>
-
-<file path=customXml/itemProps74.xml><?xml version="1.0" encoding="utf-8"?>
-<ds:datastoreItem xmlns:ds="http://schemas.openxmlformats.org/officeDocument/2006/customXml" ds:itemID="{46C8095E-E543-4B44-84A5-7DF9215641EF}">
-  <ds:schemaRefs>
-    <ds:schemaRef ds:uri="http://schemas.microsoft.com/VisualStudio/2011/storyboarding/control"/>
-  </ds:schemaRefs>
-</ds:datastoreItem>
-</file>
-
-<file path=customXml/itemProps75.xml><?xml version="1.0" encoding="utf-8"?>
-<ds:datastoreItem xmlns:ds="http://schemas.openxmlformats.org/officeDocument/2006/customXml" ds:itemID="{5D43C5DF-C9CE-423E-ADD8-1AAE08E6145B}">
-  <ds:schemaRefs>
-    <ds:schemaRef ds:uri="http://schemas.microsoft.com/VisualStudio/2011/storyboarding/control"/>
-  </ds:schemaRefs>
-</ds:datastoreItem>
-</file>
-
-<file path=customXml/itemProps76.xml><?xml version="1.0" encoding="utf-8"?>
-<ds:datastoreItem xmlns:ds="http://schemas.openxmlformats.org/officeDocument/2006/customXml" ds:itemID="{D8653A86-F184-47A6-A8EA-282F582C20DD}">
-  <ds:schemaRefs>
-    <ds:schemaRef ds:uri="http://schemas.microsoft.com/VisualStudio/2011/storyboarding/control"/>
-  </ds:schemaRefs>
-</ds:datastoreItem>
-</file>
-
-<file path=customXml/itemProps77.xml><?xml version="1.0" encoding="utf-8"?>
-<ds:datastoreItem xmlns:ds="http://schemas.openxmlformats.org/officeDocument/2006/customXml" ds:itemID="{69C5573C-4D11-4ED5-8CA8-88391EEEF019}">
-  <ds:schemaRefs>
-    <ds:schemaRef ds:uri="http://schemas.microsoft.com/VisualStudio/2011/storyboarding/control"/>
-  </ds:schemaRefs>
-</ds:datastoreItem>
-</file>
-
-<file path=customXml/itemProps78.xml><?xml version="1.0" encoding="utf-8"?>
-<ds:datastoreItem xmlns:ds="http://schemas.openxmlformats.org/officeDocument/2006/customXml" ds:itemID="{6909E70A-4203-43FA-8666-1DA9A83FC55A}">
-  <ds:schemaRefs>
-    <ds:schemaRef ds:uri="http://schemas.microsoft.com/VisualStudio/2011/storyboarding/control"/>
-  </ds:schemaRefs>
-</ds:datastoreItem>
-</file>
-
-<file path=customXml/itemProps79.xml><?xml version="1.0" encoding="utf-8"?>
-<ds:datastoreItem xmlns:ds="http://schemas.openxmlformats.org/officeDocument/2006/customXml" ds:itemID="{1E27CC14-9852-42D8-9A73-828A1C767F65}">
-  <ds:schemaRefs>
-    <ds:schemaRef ds:uri="http://schemas.microsoft.com/VisualStudio/2011/storyboarding/control"/>
-  </ds:schemaRefs>
-</ds:datastoreItem>
-</file>
-
-<file path=customXml/itemProps8.xml><?xml version="1.0" encoding="utf-8"?>
-<ds:datastoreItem xmlns:ds="http://schemas.openxmlformats.org/officeDocument/2006/customXml" ds:itemID="{AF01C7FC-A844-4EAB-9C49-C1EDCADB47C1}">
-  <ds:schemaRefs>
-    <ds:schemaRef ds:uri="http://schemas.microsoft.com/VisualStudio/2011/storyboarding/control"/>
-  </ds:schemaRefs>
-</ds:datastoreItem>
-</file>
-
-<file path=customXml/itemProps80.xml><?xml version="1.0" encoding="utf-8"?>
-<ds:datastoreItem xmlns:ds="http://schemas.openxmlformats.org/officeDocument/2006/customXml" ds:itemID="{6D74F327-6332-4AC5-8084-6EBC78FC0812}">
-  <ds:schemaRefs>
-    <ds:schemaRef ds:uri="http://schemas.microsoft.com/VisualStudio/2011/storyboarding/control"/>
-  </ds:schemaRefs>
-</ds:datastoreItem>
-</file>
-
-<file path=customXml/itemProps81.xml><?xml version="1.0" encoding="utf-8"?>
-<ds:datastoreItem xmlns:ds="http://schemas.openxmlformats.org/officeDocument/2006/customXml" ds:itemID="{ED541B40-E3CF-47E9-8800-B673CC7C7D9E}">
-  <ds:schemaRefs>
-    <ds:schemaRef ds:uri="http://schemas.microsoft.com/VisualStudio/2011/storyboarding/control"/>
-  </ds:schemaRefs>
-</ds:datastoreItem>
-</file>
-
-<file path=customXml/itemProps82.xml><?xml version="1.0" encoding="utf-8"?>
-<ds:datastoreItem xmlns:ds="http://schemas.openxmlformats.org/officeDocument/2006/customXml" ds:itemID="{29B37182-9887-4972-8113-B6FBFE59F94E}">
-  <ds:schemaRefs>
-    <ds:schemaRef ds:uri="http://schemas.microsoft.com/VisualStudio/2011/storyboarding/control"/>
-  </ds:schemaRefs>
-</ds:datastoreItem>
-</file>
-
-<file path=customXml/itemProps83.xml><?xml version="1.0" encoding="utf-8"?>
-<ds:datastoreItem xmlns:ds="http://schemas.openxmlformats.org/officeDocument/2006/customXml" ds:itemID="{4ECEEF82-0B3C-4906-961B-AFB29BD1E6E3}">
-  <ds:schemaRefs>
-    <ds:schemaRef ds:uri="http://schemas.microsoft.com/VisualStudio/2011/storyboarding/control"/>
-  </ds:schemaRefs>
-</ds:datastoreItem>
-</file>
-
-<file path=customXml/itemProps84.xml><?xml version="1.0" encoding="utf-8"?>
-<ds:datastoreItem xmlns:ds="http://schemas.openxmlformats.org/officeDocument/2006/customXml" ds:itemID="{1CCD967A-A231-4443-B5CB-163865029EA0}">
-  <ds:schemaRefs>
-    <ds:schemaRef ds:uri="http://schemas.microsoft.com/VisualStudio/2011/storyboarding/control"/>
-  </ds:schemaRefs>
-</ds:datastoreItem>
-</file>
-
-<file path=customXml/itemProps85.xml><?xml version="1.0" encoding="utf-8"?>
-<ds:datastoreItem xmlns:ds="http://schemas.openxmlformats.org/officeDocument/2006/customXml" ds:itemID="{85F86E7D-DA49-4BE9-9097-1D50FB466B1E}">
-  <ds:schemaRefs>
-    <ds:schemaRef ds:uri="http://schemas.microsoft.com/VisualStudio/2011/storyboarding/control"/>
-  </ds:schemaRefs>
-</ds:datastoreItem>
-</file>
-
-<file path=customXml/itemProps86.xml><?xml version="1.0" encoding="utf-8"?>
-<ds:datastoreItem xmlns:ds="http://schemas.openxmlformats.org/officeDocument/2006/customXml" ds:itemID="{9FC86F31-FEBD-4500-B558-3A9092EE01B0}">
-  <ds:schemaRefs>
-    <ds:schemaRef ds:uri="http://schemas.microsoft.com/VisualStudio/2011/storyboarding/control"/>
-  </ds:schemaRefs>
-</ds:datastoreItem>
-</file>
-
-<file path=customXml/itemProps87.xml><?xml version="1.0" encoding="utf-8"?>
-<ds:datastoreItem xmlns:ds="http://schemas.openxmlformats.org/officeDocument/2006/customXml" ds:itemID="{F09024E1-1C18-4E75-B068-E418EE7D2650}">
-  <ds:schemaRefs>
-    <ds:schemaRef ds:uri="http://schemas.microsoft.com/VisualStudio/2011/storyboarding/control"/>
-  </ds:schemaRefs>
-</ds:datastoreItem>
-</file>
-
-<file path=customXml/itemProps88.xml><?xml version="1.0" encoding="utf-8"?>
-<ds:datastoreItem xmlns:ds="http://schemas.openxmlformats.org/officeDocument/2006/customXml" ds:itemID="{E475E16E-3D1A-4AA1-9265-74BC7689BD6B}">
-  <ds:schemaRefs>
-    <ds:schemaRef ds:uri="http://schemas.microsoft.com/VisualStudio/2011/storyboarding/control"/>
-  </ds:schemaRefs>
-</ds:datastoreItem>
-</file>
-
-<file path=customXml/itemProps89.xml><?xml version="1.0" encoding="utf-8"?>
-<ds:datastoreItem xmlns:ds="http://schemas.openxmlformats.org/officeDocument/2006/customXml" ds:itemID="{0B25F2DC-DA1F-428C-A9D6-1915EDEAA8DD}">
-  <ds:schemaRefs>
-    <ds:schemaRef ds:uri="http://schemas.microsoft.com/VisualStudio/2011/storyboarding/control"/>
-  </ds:schemaRefs>
-</ds:datastoreItem>
-</file>
-
-<file path=customXml/itemProps9.xml><?xml version="1.0" encoding="utf-8"?>
-<ds:datastoreItem xmlns:ds="http://schemas.openxmlformats.org/officeDocument/2006/customXml" ds:itemID="{9431BAA6-A458-4A16-B548-267B412E871D}">
-  <ds:schemaRefs>
-    <ds:schemaRef ds:uri="http://schemas.microsoft.com/VisualStudio/2011/storyboarding/control"/>
-  </ds:schemaRefs>
-</ds:datastoreItem>
-</file>
-
-<file path=customXml/itemProps90.xml><?xml version="1.0" encoding="utf-8"?>
-<ds:datastoreItem xmlns:ds="http://schemas.openxmlformats.org/officeDocument/2006/customXml" ds:itemID="{E56EDE5A-F97D-4AD1-8B27-19C05BC797E2}">
-  <ds:schemaRefs>
-    <ds:schemaRef ds:uri="http://schemas.microsoft.com/VisualStudio/2011/storyboarding/control"/>
-  </ds:schemaRefs>
-</ds:datastoreItem>
-</file>
-
-<file path=customXml/itemProps91.xml><?xml version="1.0" encoding="utf-8"?>
-<ds:datastoreItem xmlns:ds="http://schemas.openxmlformats.org/officeDocument/2006/customXml" ds:itemID="{C95B04FA-49D0-4922-A7EB-76ADF3F5F5D3}">
-  <ds:schemaRefs>
-    <ds:schemaRef ds:uri="http://schemas.microsoft.com/VisualStudio/2011/storyboarding/control"/>
-  </ds:schemaRefs>
-</ds:datastoreItem>
-</file>
-
-<file path=customXml/itemProps92.xml><?xml version="1.0" encoding="utf-8"?>
+<file path=customXml/itemProps98.xml><?xml version="1.0" encoding="utf-8"?>
 <ds:datastoreItem xmlns:ds="http://schemas.openxmlformats.org/officeDocument/2006/customXml" ds:itemID="{0205D5B8-50E2-42A6-ADDD-577B72710484}">
   <ds:schemaRefs>
     <ds:schemaRef ds:uri="http://schemas.microsoft.com/VisualStudio/2011/storyboarding/control"/>
@@ -16020,56 +18223,8 @@
 </ds:datastoreItem>
 </file>
 
-<file path=customXml/itemProps93.xml><?xml version="1.0" encoding="utf-8"?>
-<ds:datastoreItem xmlns:ds="http://schemas.openxmlformats.org/officeDocument/2006/customXml" ds:itemID="{F753D4C8-6DCC-4D78-9E76-A20A021CFCD8}">
-  <ds:schemaRefs>
-    <ds:schemaRef ds:uri="http://schemas.microsoft.com/VisualStudio/2011/storyboarding/control"/>
-  </ds:schemaRefs>
-</ds:datastoreItem>
-</file>
-
-<file path=customXml/itemProps94.xml><?xml version="1.0" encoding="utf-8"?>
-<ds:datastoreItem xmlns:ds="http://schemas.openxmlformats.org/officeDocument/2006/customXml" ds:itemID="{9441CC7A-8DA1-4C19-B524-DD31C7A19972}">
-  <ds:schemaRefs>
-    <ds:schemaRef ds:uri="http://schemas.microsoft.com/VisualStudio/2011/storyboarding/control"/>
-  </ds:schemaRefs>
-</ds:datastoreItem>
-</file>
-
-<file path=customXml/itemProps95.xml><?xml version="1.0" encoding="utf-8"?>
-<ds:datastoreItem xmlns:ds="http://schemas.openxmlformats.org/officeDocument/2006/customXml" ds:itemID="{40E6753A-8176-4C3D-A7AD-922499F48E12}">
-  <ds:schemaRefs>
-    <ds:schemaRef ds:uri="http://schemas.microsoft.com/VisualStudio/2011/storyboarding/control"/>
-  </ds:schemaRefs>
-</ds:datastoreItem>
-</file>
-
-<file path=customXml/itemProps96.xml><?xml version="1.0" encoding="utf-8"?>
-<ds:datastoreItem xmlns:ds="http://schemas.openxmlformats.org/officeDocument/2006/customXml" ds:itemID="{554CEDA9-374E-4C76-B97B-7202606AC0BE}">
-  <ds:schemaRefs>
-    <ds:schemaRef ds:uri="http://schemas.microsoft.com/VisualStudio/2011/storyboarding/control"/>
-  </ds:schemaRefs>
-</ds:datastoreItem>
-</file>
-
-<file path=customXml/itemProps97.xml><?xml version="1.0" encoding="utf-8"?>
-<ds:datastoreItem xmlns:ds="http://schemas.openxmlformats.org/officeDocument/2006/customXml" ds:itemID="{ACF586AD-3668-4E64-BB79-597B4E8D331A}">
-  <ds:schemaRefs>
-    <ds:schemaRef ds:uri="http://schemas.microsoft.com/VisualStudio/2011/storyboarding/control"/>
-  </ds:schemaRefs>
-</ds:datastoreItem>
-</file>
-
-<file path=customXml/itemProps98.xml><?xml version="1.0" encoding="utf-8"?>
-<ds:datastoreItem xmlns:ds="http://schemas.openxmlformats.org/officeDocument/2006/customXml" ds:itemID="{10F0BDDE-4AA3-40EF-B2BC-ACF0382ED861}">
-  <ds:schemaRefs>
-    <ds:schemaRef ds:uri="http://schemas.microsoft.com/VisualStudio/2011/storyboarding/control"/>
-  </ds:schemaRefs>
-</ds:datastoreItem>
-</file>
-
 <file path=customXml/itemProps99.xml><?xml version="1.0" encoding="utf-8"?>
-<ds:datastoreItem xmlns:ds="http://schemas.openxmlformats.org/officeDocument/2006/customXml" ds:itemID="{113ECE65-0514-4E2D-A5D7-CB73FBD23154}">
+<ds:datastoreItem xmlns:ds="http://schemas.openxmlformats.org/officeDocument/2006/customXml" ds:itemID="{9A59C534-A299-402C-BDD6-F5443DFA7893}">
   <ds:schemaRefs>
     <ds:schemaRef ds:uri="http://schemas.microsoft.com/VisualStudio/2011/storyboarding/control"/>
   </ds:schemaRefs>

--- a/Maquettage.pptx
+++ b/Maquettage.pptx
@@ -5,10 +5,17 @@
     <p:sldMasterId id="2147483660" r:id="rId173"/>
   </p:sldMasterIdLst>
   <p:sldIdLst>
-    <p:sldId id="256" r:id="rId174"/>
-    <p:sldId id="257" r:id="rId175"/>
-    <p:sldId id="258" r:id="rId176"/>
-    <p:sldId id="259" r:id="rId177"/>
+    <p:sldId id="257" r:id="rId174"/>
+    <p:sldId id="259" r:id="rId175"/>
+    <p:sldId id="260" r:id="rId176"/>
+    <p:sldId id="256" r:id="rId177"/>
+    <p:sldId id="261" r:id="rId178"/>
+    <p:sldId id="262" r:id="rId179"/>
+    <p:sldId id="263" r:id="rId180"/>
+    <p:sldId id="264" r:id="rId181"/>
+    <p:sldId id="265" r:id="rId182"/>
+    <p:sldId id="266" r:id="rId183"/>
+    <p:sldId id="267" r:id="rId184"/>
   </p:sldIdLst>
   <p:sldSz cx="12192000" cy="6858000"/>
   <p:notesSz cx="6858000" cy="9144000"/>
@@ -2761,12 +2768,19 @@
   <p:clrMapOvr>
     <a:masterClrMapping/>
   </p:clrMapOvr>
+  <p:timing>
+    <p:tnLst>
+      <p:par>
+        <p:cTn id="1" dur="indefinite" restart="never" nodeType="tmRoot"/>
+      </p:par>
+    </p:tnLst>
+  </p:timing>
 </p:sldLayout>
 </file>
 
 <file path=ppt/slideLayouts/slideLayout10.xml><?xml version="1.0" encoding="utf-8"?>
 <p:sldLayout xmlns:a="http://schemas.openxmlformats.org/drawingml/2006/main" xmlns:r="http://schemas.openxmlformats.org/officeDocument/2006/relationships" xmlns:p="http://schemas.openxmlformats.org/presentationml/2006/main" preserve="1" userDrawn="1">
-  <p:cSld name="6_Disposition personnalisée">
+  <p:cSld name="Boîte à idées">
     <p:spTree>
       <p:nvGrpSpPr>
         <p:cNvPr id="1" name=""/>
@@ -4326,6 +4340,13 @@
   <p:clrMapOvr>
     <a:masterClrMapping/>
   </p:clrMapOvr>
+  <p:timing>
+    <p:tnLst>
+      <p:par>
+        <p:cTn id="1" dur="indefinite" restart="never" nodeType="tmRoot"/>
+      </p:par>
+    </p:tnLst>
+  </p:timing>
 </p:sldLayout>
 </file>
 
@@ -4833,6 +4854,13 @@
   <p:clrMapOvr>
     <a:masterClrMapping/>
   </p:clrMapOvr>
+  <p:timing>
+    <p:tnLst>
+      <p:par>
+        <p:cTn id="1" dur="indefinite" restart="never" nodeType="tmRoot"/>
+      </p:par>
+    </p:tnLst>
+  </p:timing>
 </p:sldLayout>
 </file>
 
@@ -4985,6 +5013,13 @@
   <p:clrMapOvr>
     <a:masterClrMapping/>
   </p:clrMapOvr>
+  <p:timing>
+    <p:tnLst>
+      <p:par>
+        <p:cTn id="1" dur="indefinite" restart="never" nodeType="tmRoot"/>
+      </p:par>
+    </p:tnLst>
+  </p:timing>
 </p:sldLayout>
 </file>
 
@@ -5218,642 +5253,171 @@
           </a:p>
         </p:txBody>
       </p:sp>
-      <p:grpSp>
-        <p:nvGrpSpPr>
-          <p:cNvPr id="67" name="RadioButtonSelected">
+      <p:sp>
+        <p:nvSpPr>
+          <p:cNvPr id="68" name="Content">
             <a:extLst>
               <a:ext uri="{FF2B5EF4-FFF2-40B4-BE49-F238E27FC236}">
-                <a16:creationId xmlns:a16="http://schemas.microsoft.com/office/drawing/2014/main" id="{68303141-1C0C-4CFE-9917-57834E5548D6}"/>
+                <a16:creationId xmlns:a16="http://schemas.microsoft.com/office/drawing/2014/main" id="{1B2A50DA-8F25-4004-BB79-0ABCDA2C77CA}"/>
               </a:ext>
             </a:extLst>
           </p:cNvPr>
-          <p:cNvGrpSpPr/>
-          <p:nvPr userDrawn="1">
-            <p:custDataLst>
-              <p:custData r:id="rId2"/>
-            </p:custDataLst>
-          </p:nvPr>
-        </p:nvGrpSpPr>
-        <p:grpSpPr>
+          <p:cNvSpPr txBox="1"/>
+          <p:nvPr/>
+        </p:nvSpPr>
+        <p:spPr>
           <a:xfrm>
             <a:off x="5116075" y="3357298"/>
             <a:ext cx="1433854" cy="230832"/>
-            <a:chOff x="4356895" y="3334651"/>
-            <a:chExt cx="1433854" cy="230832"/>
           </a:xfrm>
-        </p:grpSpPr>
-        <p:sp>
-          <p:nvSpPr>
-            <p:cNvPr id="68" name="Content">
-              <a:extLst>
-                <a:ext uri="{FF2B5EF4-FFF2-40B4-BE49-F238E27FC236}">
-                  <a16:creationId xmlns:a16="http://schemas.microsoft.com/office/drawing/2014/main" id="{1B2A50DA-8F25-4004-BB79-0ABCDA2C77CA}"/>
-                </a:ext>
-              </a:extLst>
-            </p:cNvPr>
-            <p:cNvSpPr txBox="1"/>
-            <p:nvPr/>
-          </p:nvSpPr>
-          <p:spPr>
-            <a:xfrm>
-              <a:off x="4356895" y="3334651"/>
-              <a:ext cx="1433854" cy="230832"/>
-            </a:xfrm>
-            <a:prstGeom prst="rect">
-              <a:avLst/>
-            </a:prstGeom>
-            <a:noFill/>
-          </p:spPr>
-          <p:txBody>
-            <a:bodyPr wrap="none" lIns="164592" tIns="18288" rIns="45720" bIns="27432" rtlCol="0" anchor="ctr" anchorCtr="0">
-              <a:spAutoFit/>
-            </a:bodyPr>
-            <a:lstStyle/>
-            <a:p>
-              <a:r>
-                <a:rPr lang="en-US" sz="1200" dirty="0">
-                  <a:latin typeface="Segoe UI" pitchFamily="34" charset="0"/>
-                  <a:ea typeface="Segoe UI" pitchFamily="34" charset="0"/>
-                  <a:cs typeface="Segoe UI" pitchFamily="34" charset="0"/>
-                </a:rPr>
-                <a:t>Option </a:t>
-              </a:r>
-              <a:r>
-                <a:rPr lang="en-US" sz="1200" dirty="0" err="1">
-                  <a:latin typeface="Segoe UI" pitchFamily="34" charset="0"/>
-                  <a:ea typeface="Segoe UI" pitchFamily="34" charset="0"/>
-                  <a:cs typeface="Segoe UI" pitchFamily="34" charset="0"/>
-                </a:rPr>
-                <a:t>sondage</a:t>
-              </a:r>
-              <a:r>
-                <a:rPr lang="en-US" sz="1200" dirty="0">
-                  <a:latin typeface="Segoe UI" pitchFamily="34" charset="0"/>
-                  <a:ea typeface="Segoe UI" pitchFamily="34" charset="0"/>
-                  <a:cs typeface="Segoe UI" pitchFamily="34" charset="0"/>
-                </a:rPr>
-                <a:t> 3</a:t>
-              </a:r>
-            </a:p>
-          </p:txBody>
-        </p:sp>
-        <p:grpSp>
-          <p:nvGrpSpPr>
-            <p:cNvPr id="69" name="Group 3">
-              <a:extLst>
-                <a:ext uri="{FF2B5EF4-FFF2-40B4-BE49-F238E27FC236}">
-                  <a16:creationId xmlns:a16="http://schemas.microsoft.com/office/drawing/2014/main" id="{9DEBF3D7-29EE-4122-BC52-94D6A256ADCD}"/>
-                </a:ext>
-              </a:extLst>
-            </p:cNvPr>
-            <p:cNvGrpSpPr/>
-            <p:nvPr/>
-          </p:nvGrpSpPr>
-          <p:grpSpPr>
-            <a:xfrm>
-              <a:off x="4356895" y="3374807"/>
-              <a:ext cx="119960" cy="119922"/>
-              <a:chOff x="4356895" y="3374807"/>
-              <a:chExt cx="119960" cy="119922"/>
-            </a:xfrm>
-          </p:grpSpPr>
-          <p:sp>
-            <p:nvSpPr>
-              <p:cNvPr id="70" name="Circle">
-                <a:extLst>
-                  <a:ext uri="{FF2B5EF4-FFF2-40B4-BE49-F238E27FC236}">
-                    <a16:creationId xmlns:a16="http://schemas.microsoft.com/office/drawing/2014/main" id="{10DD758A-4752-4603-8186-3379D7487017}"/>
-                  </a:ext>
-                </a:extLst>
-              </p:cNvPr>
-              <p:cNvSpPr/>
-              <p:nvPr/>
-            </p:nvSpPr>
-            <p:spPr>
-              <a:xfrm>
-                <a:off x="4356895" y="3374807"/>
-                <a:ext cx="119960" cy="119922"/>
-              </a:xfrm>
-              <a:prstGeom prst="ellipse">
-                <a:avLst/>
-              </a:prstGeom>
-              <a:solidFill>
-                <a:srgbClr val="FFFFFF"/>
-              </a:solidFill>
-              <a:ln w="3175">
-                <a:solidFill>
-                  <a:srgbClr val="FFFFFF">
-                    <a:lumMod val="50000"/>
-                  </a:srgbClr>
-                </a:solidFill>
-              </a:ln>
-              <a:effectLst/>
-            </p:spPr>
-            <p:style>
-              <a:lnRef idx="2">
-                <a:srgbClr val="4F81BD">
-                  <a:shade val="50000"/>
-                </a:srgbClr>
-              </a:lnRef>
-              <a:fillRef idx="1">
-                <a:srgbClr val="4F81BD"/>
-              </a:fillRef>
-              <a:effectRef idx="0">
-                <a:srgbClr val="4F81BD"/>
-              </a:effectRef>
-              <a:fontRef idx="minor">
-                <a:srgbClr val="000000"/>
-              </a:fontRef>
-            </p:style>
-            <p:txBody>
-              <a:bodyPr rtlCol="0" anchor="ctr"/>
-              <a:lstStyle/>
-              <a:p>
-                <a:pPr algn="ctr"/>
-                <a:endParaRPr lang="en-US" dirty="0"/>
-              </a:p>
-            </p:txBody>
-          </p:sp>
-          <p:sp>
-            <p:nvSpPr>
-              <p:cNvPr id="71" name="InnerCircle">
-                <a:extLst>
-                  <a:ext uri="{FF2B5EF4-FFF2-40B4-BE49-F238E27FC236}">
-                    <a16:creationId xmlns:a16="http://schemas.microsoft.com/office/drawing/2014/main" id="{5F178854-54CA-47FE-871E-C23F90887A6A}"/>
-                  </a:ext>
-                </a:extLst>
-              </p:cNvPr>
-              <p:cNvSpPr/>
-              <p:nvPr/>
-            </p:nvSpPr>
-            <p:spPr>
-              <a:xfrm>
-                <a:off x="4390432" y="3407093"/>
-                <a:ext cx="58189" cy="58190"/>
-              </a:xfrm>
-              <a:prstGeom prst="ellipse">
-                <a:avLst/>
-              </a:prstGeom>
-              <a:solidFill>
-                <a:srgbClr val="FFFFFF">
-                  <a:lumMod val="50000"/>
-                </a:srgbClr>
-              </a:solidFill>
-              <a:ln>
-                <a:noFill/>
-              </a:ln>
-            </p:spPr>
-            <p:style>
-              <a:lnRef idx="2">
-                <a:srgbClr val="4F81BD">
-                  <a:shade val="50000"/>
-                </a:srgbClr>
-              </a:lnRef>
-              <a:fillRef idx="1">
-                <a:srgbClr val="4F81BD"/>
-              </a:fillRef>
-              <a:effectRef idx="0">
-                <a:srgbClr val="4F81BD"/>
-              </a:effectRef>
-              <a:fontRef idx="minor">
-                <a:srgbClr val="000000"/>
-              </a:fontRef>
-            </p:style>
-            <p:txBody>
-              <a:bodyPr rtlCol="0" anchor="ctr"/>
-              <a:lstStyle/>
-              <a:p>
-                <a:pPr algn="ctr"/>
-                <a:endParaRPr lang="en-US" dirty="0"/>
-              </a:p>
-            </p:txBody>
-          </p:sp>
-        </p:grpSp>
-      </p:grpSp>
-      <p:grpSp>
-        <p:nvGrpSpPr>
-          <p:cNvPr id="72" name="RadioButtonSelected">
+          <a:prstGeom prst="rect">
+            <a:avLst/>
+          </a:prstGeom>
+          <a:noFill/>
+        </p:spPr>
+        <p:txBody>
+          <a:bodyPr wrap="none" lIns="164592" tIns="18288" rIns="45720" bIns="27432" rtlCol="0" anchor="ctr" anchorCtr="0">
+            <a:spAutoFit/>
+          </a:bodyPr>
+          <a:lstStyle/>
+          <a:p>
+            <a:r>
+              <a:rPr lang="en-US" sz="1200" dirty="0">
+                <a:latin typeface="Segoe UI" pitchFamily="34" charset="0"/>
+                <a:ea typeface="Segoe UI" pitchFamily="34" charset="0"/>
+                <a:cs typeface="Segoe UI" pitchFamily="34" charset="0"/>
+              </a:rPr>
+              <a:t>Option </a:t>
+            </a:r>
+            <a:r>
+              <a:rPr lang="en-US" sz="1200" dirty="0" err="1">
+                <a:latin typeface="Segoe UI" pitchFamily="34" charset="0"/>
+                <a:ea typeface="Segoe UI" pitchFamily="34" charset="0"/>
+                <a:cs typeface="Segoe UI" pitchFamily="34" charset="0"/>
+              </a:rPr>
+              <a:t>sondage</a:t>
+            </a:r>
+            <a:r>
+              <a:rPr lang="en-US" sz="1200" dirty="0">
+                <a:latin typeface="Segoe UI" pitchFamily="34" charset="0"/>
+                <a:ea typeface="Segoe UI" pitchFamily="34" charset="0"/>
+                <a:cs typeface="Segoe UI" pitchFamily="34" charset="0"/>
+              </a:rPr>
+              <a:t> 3</a:t>
+            </a:r>
+          </a:p>
+        </p:txBody>
+      </p:sp>
+      <p:sp>
+        <p:nvSpPr>
+          <p:cNvPr id="73" name="Content">
             <a:extLst>
               <a:ext uri="{FF2B5EF4-FFF2-40B4-BE49-F238E27FC236}">
-                <a16:creationId xmlns:a16="http://schemas.microsoft.com/office/drawing/2014/main" id="{CC324D2A-CE93-40D4-8D6B-5D87ACCCD1EF}"/>
+                <a16:creationId xmlns:a16="http://schemas.microsoft.com/office/drawing/2014/main" id="{DA25E18C-B82F-45C0-980B-C7D44B12D47A}"/>
               </a:ext>
             </a:extLst>
           </p:cNvPr>
-          <p:cNvGrpSpPr/>
-          <p:nvPr userDrawn="1">
-            <p:custDataLst>
-              <p:custData r:id="rId3"/>
-            </p:custDataLst>
-          </p:nvPr>
-        </p:nvGrpSpPr>
-        <p:grpSpPr>
+          <p:cNvSpPr txBox="1"/>
+          <p:nvPr/>
+        </p:nvSpPr>
+        <p:spPr>
           <a:xfrm>
             <a:off x="5116075" y="3047760"/>
             <a:ext cx="1433854" cy="230832"/>
-            <a:chOff x="4356895" y="3334651"/>
-            <a:chExt cx="1433854" cy="230832"/>
           </a:xfrm>
-        </p:grpSpPr>
-        <p:sp>
-          <p:nvSpPr>
-            <p:cNvPr id="73" name="Content">
-              <a:extLst>
-                <a:ext uri="{FF2B5EF4-FFF2-40B4-BE49-F238E27FC236}">
-                  <a16:creationId xmlns:a16="http://schemas.microsoft.com/office/drawing/2014/main" id="{DA25E18C-B82F-45C0-980B-C7D44B12D47A}"/>
-                </a:ext>
-              </a:extLst>
-            </p:cNvPr>
-            <p:cNvSpPr txBox="1"/>
-            <p:nvPr/>
-          </p:nvSpPr>
-          <p:spPr>
-            <a:xfrm>
-              <a:off x="4356895" y="3334651"/>
-              <a:ext cx="1433854" cy="230832"/>
-            </a:xfrm>
-            <a:prstGeom prst="rect">
-              <a:avLst/>
-            </a:prstGeom>
-            <a:noFill/>
-          </p:spPr>
-          <p:txBody>
-            <a:bodyPr wrap="none" lIns="164592" tIns="18288" rIns="45720" bIns="27432" rtlCol="0" anchor="ctr" anchorCtr="0">
-              <a:spAutoFit/>
-            </a:bodyPr>
-            <a:lstStyle/>
-            <a:p>
-              <a:r>
-                <a:rPr lang="en-US" sz="1200" dirty="0">
-                  <a:latin typeface="Segoe UI" pitchFamily="34" charset="0"/>
-                  <a:ea typeface="Segoe UI" pitchFamily="34" charset="0"/>
-                  <a:cs typeface="Segoe UI" pitchFamily="34" charset="0"/>
-                </a:rPr>
-                <a:t>Option </a:t>
-              </a:r>
-              <a:r>
-                <a:rPr lang="en-US" sz="1200" dirty="0" err="1">
-                  <a:latin typeface="Segoe UI" pitchFamily="34" charset="0"/>
-                  <a:ea typeface="Segoe UI" pitchFamily="34" charset="0"/>
-                  <a:cs typeface="Segoe UI" pitchFamily="34" charset="0"/>
-                </a:rPr>
-                <a:t>sondage</a:t>
-              </a:r>
-              <a:r>
-                <a:rPr lang="en-US" sz="1200" dirty="0">
-                  <a:latin typeface="Segoe UI" pitchFamily="34" charset="0"/>
-                  <a:ea typeface="Segoe UI" pitchFamily="34" charset="0"/>
-                  <a:cs typeface="Segoe UI" pitchFamily="34" charset="0"/>
-                </a:rPr>
-                <a:t> 2</a:t>
-              </a:r>
-            </a:p>
-          </p:txBody>
-        </p:sp>
-        <p:grpSp>
-          <p:nvGrpSpPr>
-            <p:cNvPr id="74" name="Group 3">
-              <a:extLst>
-                <a:ext uri="{FF2B5EF4-FFF2-40B4-BE49-F238E27FC236}">
-                  <a16:creationId xmlns:a16="http://schemas.microsoft.com/office/drawing/2014/main" id="{A01987C6-A8A5-4B43-A266-404B5D0578F7}"/>
-                </a:ext>
-              </a:extLst>
-            </p:cNvPr>
-            <p:cNvGrpSpPr/>
-            <p:nvPr/>
-          </p:nvGrpSpPr>
-          <p:grpSpPr>
-            <a:xfrm>
-              <a:off x="4356895" y="3374807"/>
-              <a:ext cx="119960" cy="119922"/>
-              <a:chOff x="4356895" y="3374807"/>
-              <a:chExt cx="119960" cy="119922"/>
-            </a:xfrm>
-          </p:grpSpPr>
-          <p:sp>
-            <p:nvSpPr>
-              <p:cNvPr id="75" name="Circle">
-                <a:extLst>
-                  <a:ext uri="{FF2B5EF4-FFF2-40B4-BE49-F238E27FC236}">
-                    <a16:creationId xmlns:a16="http://schemas.microsoft.com/office/drawing/2014/main" id="{8FB2FF8D-EEE2-473F-9898-F436A414533C}"/>
-                  </a:ext>
-                </a:extLst>
-              </p:cNvPr>
-              <p:cNvSpPr/>
-              <p:nvPr/>
-            </p:nvSpPr>
-            <p:spPr>
-              <a:xfrm>
-                <a:off x="4356895" y="3374807"/>
-                <a:ext cx="119960" cy="119922"/>
-              </a:xfrm>
-              <a:prstGeom prst="ellipse">
-                <a:avLst/>
-              </a:prstGeom>
-              <a:solidFill>
-                <a:srgbClr val="FFFFFF"/>
-              </a:solidFill>
-              <a:ln w="3175">
-                <a:solidFill>
-                  <a:srgbClr val="FFFFFF">
-                    <a:lumMod val="50000"/>
-                  </a:srgbClr>
-                </a:solidFill>
-              </a:ln>
-              <a:effectLst/>
-            </p:spPr>
-            <p:style>
-              <a:lnRef idx="2">
-                <a:srgbClr val="4F81BD">
-                  <a:shade val="50000"/>
-                </a:srgbClr>
-              </a:lnRef>
-              <a:fillRef idx="1">
-                <a:srgbClr val="4F81BD"/>
-              </a:fillRef>
-              <a:effectRef idx="0">
-                <a:srgbClr val="4F81BD"/>
-              </a:effectRef>
-              <a:fontRef idx="minor">
-                <a:srgbClr val="000000"/>
-              </a:fontRef>
-            </p:style>
-            <p:txBody>
-              <a:bodyPr rtlCol="0" anchor="ctr"/>
-              <a:lstStyle/>
-              <a:p>
-                <a:pPr algn="ctr"/>
-                <a:endParaRPr lang="en-US" dirty="0"/>
-              </a:p>
-            </p:txBody>
-          </p:sp>
-          <p:sp>
-            <p:nvSpPr>
-              <p:cNvPr id="76" name="InnerCircle">
-                <a:extLst>
-                  <a:ext uri="{FF2B5EF4-FFF2-40B4-BE49-F238E27FC236}">
-                    <a16:creationId xmlns:a16="http://schemas.microsoft.com/office/drawing/2014/main" id="{D3ACB0F6-D123-45AC-8DDC-68CE3FA2D5B2}"/>
-                  </a:ext>
-                </a:extLst>
-              </p:cNvPr>
-              <p:cNvSpPr/>
-              <p:nvPr/>
-            </p:nvSpPr>
-            <p:spPr>
-              <a:xfrm>
-                <a:off x="4390432" y="3407093"/>
-                <a:ext cx="58189" cy="58190"/>
-              </a:xfrm>
-              <a:prstGeom prst="ellipse">
-                <a:avLst/>
-              </a:prstGeom>
-              <a:solidFill>
-                <a:srgbClr val="FFFFFF">
-                  <a:lumMod val="50000"/>
-                </a:srgbClr>
-              </a:solidFill>
-              <a:ln>
-                <a:noFill/>
-              </a:ln>
-            </p:spPr>
-            <p:style>
-              <a:lnRef idx="2">
-                <a:srgbClr val="4F81BD">
-                  <a:shade val="50000"/>
-                </a:srgbClr>
-              </a:lnRef>
-              <a:fillRef idx="1">
-                <a:srgbClr val="4F81BD"/>
-              </a:fillRef>
-              <a:effectRef idx="0">
-                <a:srgbClr val="4F81BD"/>
-              </a:effectRef>
-              <a:fontRef idx="minor">
-                <a:srgbClr val="000000"/>
-              </a:fontRef>
-            </p:style>
-            <p:txBody>
-              <a:bodyPr rtlCol="0" anchor="ctr"/>
-              <a:lstStyle/>
-              <a:p>
-                <a:pPr algn="ctr"/>
-                <a:endParaRPr lang="en-US" dirty="0"/>
-              </a:p>
-            </p:txBody>
-          </p:sp>
-        </p:grpSp>
-      </p:grpSp>
-      <p:grpSp>
-        <p:nvGrpSpPr>
-          <p:cNvPr id="77" name="RadioButtonSelected">
+          <a:prstGeom prst="rect">
+            <a:avLst/>
+          </a:prstGeom>
+          <a:noFill/>
+        </p:spPr>
+        <p:txBody>
+          <a:bodyPr wrap="none" lIns="164592" tIns="18288" rIns="45720" bIns="27432" rtlCol="0" anchor="ctr" anchorCtr="0">
+            <a:spAutoFit/>
+          </a:bodyPr>
+          <a:lstStyle/>
+          <a:p>
+            <a:r>
+              <a:rPr lang="en-US" sz="1200" dirty="0">
+                <a:latin typeface="Segoe UI" pitchFamily="34" charset="0"/>
+                <a:ea typeface="Segoe UI" pitchFamily="34" charset="0"/>
+                <a:cs typeface="Segoe UI" pitchFamily="34" charset="0"/>
+              </a:rPr>
+              <a:t>Option </a:t>
+            </a:r>
+            <a:r>
+              <a:rPr lang="en-US" sz="1200" dirty="0" err="1">
+                <a:latin typeface="Segoe UI" pitchFamily="34" charset="0"/>
+                <a:ea typeface="Segoe UI" pitchFamily="34" charset="0"/>
+                <a:cs typeface="Segoe UI" pitchFamily="34" charset="0"/>
+              </a:rPr>
+              <a:t>sondage</a:t>
+            </a:r>
+            <a:r>
+              <a:rPr lang="en-US" sz="1200" dirty="0">
+                <a:latin typeface="Segoe UI" pitchFamily="34" charset="0"/>
+                <a:ea typeface="Segoe UI" pitchFamily="34" charset="0"/>
+                <a:cs typeface="Segoe UI" pitchFamily="34" charset="0"/>
+              </a:rPr>
+              <a:t> 2</a:t>
+            </a:r>
+          </a:p>
+        </p:txBody>
+      </p:sp>
+      <p:sp>
+        <p:nvSpPr>
+          <p:cNvPr id="78" name="Content">
             <a:extLst>
               <a:ext uri="{FF2B5EF4-FFF2-40B4-BE49-F238E27FC236}">
-                <a16:creationId xmlns:a16="http://schemas.microsoft.com/office/drawing/2014/main" id="{232738C6-A756-40CC-B74D-D265A224CDF2}"/>
+                <a16:creationId xmlns:a16="http://schemas.microsoft.com/office/drawing/2014/main" id="{415F6F9F-C5D9-4709-83BB-B0CE4C577F27}"/>
               </a:ext>
             </a:extLst>
           </p:cNvPr>
-          <p:cNvGrpSpPr/>
-          <p:nvPr userDrawn="1">
-            <p:custDataLst>
-              <p:custData r:id="rId4"/>
-            </p:custDataLst>
-          </p:nvPr>
-        </p:nvGrpSpPr>
-        <p:grpSpPr>
+          <p:cNvSpPr txBox="1"/>
+          <p:nvPr/>
+        </p:nvSpPr>
+        <p:spPr>
           <a:xfrm>
             <a:off x="5116075" y="2734791"/>
             <a:ext cx="1433854" cy="230832"/>
-            <a:chOff x="4356895" y="3334651"/>
-            <a:chExt cx="1433854" cy="230832"/>
           </a:xfrm>
-        </p:grpSpPr>
-        <p:sp>
-          <p:nvSpPr>
-            <p:cNvPr id="78" name="Content">
-              <a:extLst>
-                <a:ext uri="{FF2B5EF4-FFF2-40B4-BE49-F238E27FC236}">
-                  <a16:creationId xmlns:a16="http://schemas.microsoft.com/office/drawing/2014/main" id="{415F6F9F-C5D9-4709-83BB-B0CE4C577F27}"/>
-                </a:ext>
-              </a:extLst>
-            </p:cNvPr>
-            <p:cNvSpPr txBox="1"/>
-            <p:nvPr/>
-          </p:nvSpPr>
-          <p:spPr>
-            <a:xfrm>
-              <a:off x="4356895" y="3334651"/>
-              <a:ext cx="1433854" cy="230832"/>
-            </a:xfrm>
-            <a:prstGeom prst="rect">
-              <a:avLst/>
-            </a:prstGeom>
-            <a:noFill/>
-          </p:spPr>
-          <p:txBody>
-            <a:bodyPr wrap="none" lIns="164592" tIns="18288" rIns="45720" bIns="27432" rtlCol="0" anchor="ctr" anchorCtr="0">
-              <a:spAutoFit/>
-            </a:bodyPr>
-            <a:lstStyle/>
-            <a:p>
-              <a:r>
-                <a:rPr lang="en-US" sz="1200" dirty="0">
-                  <a:latin typeface="Segoe UI" pitchFamily="34" charset="0"/>
-                  <a:ea typeface="Segoe UI" pitchFamily="34" charset="0"/>
-                  <a:cs typeface="Segoe UI" pitchFamily="34" charset="0"/>
-                </a:rPr>
-                <a:t>Option </a:t>
-              </a:r>
-              <a:r>
-                <a:rPr lang="en-US" sz="1200" dirty="0" err="1">
-                  <a:latin typeface="Segoe UI" pitchFamily="34" charset="0"/>
-                  <a:ea typeface="Segoe UI" pitchFamily="34" charset="0"/>
-                  <a:cs typeface="Segoe UI" pitchFamily="34" charset="0"/>
-                </a:rPr>
-                <a:t>sondage</a:t>
-              </a:r>
-              <a:r>
-                <a:rPr lang="en-US" sz="1200" dirty="0">
-                  <a:latin typeface="Segoe UI" pitchFamily="34" charset="0"/>
-                  <a:ea typeface="Segoe UI" pitchFamily="34" charset="0"/>
-                  <a:cs typeface="Segoe UI" pitchFamily="34" charset="0"/>
-                </a:rPr>
-                <a:t> 1</a:t>
-              </a:r>
-            </a:p>
-          </p:txBody>
-        </p:sp>
-        <p:grpSp>
-          <p:nvGrpSpPr>
-            <p:cNvPr id="79" name="Group 3">
-              <a:extLst>
-                <a:ext uri="{FF2B5EF4-FFF2-40B4-BE49-F238E27FC236}">
-                  <a16:creationId xmlns:a16="http://schemas.microsoft.com/office/drawing/2014/main" id="{8ADACB1A-06FE-43CA-841E-E2E3DAE3533F}"/>
-                </a:ext>
-              </a:extLst>
-            </p:cNvPr>
-            <p:cNvGrpSpPr/>
-            <p:nvPr/>
-          </p:nvGrpSpPr>
-          <p:grpSpPr>
-            <a:xfrm>
-              <a:off x="4356895" y="3374807"/>
-              <a:ext cx="119960" cy="119922"/>
-              <a:chOff x="4356895" y="3374807"/>
-              <a:chExt cx="119960" cy="119922"/>
-            </a:xfrm>
-          </p:grpSpPr>
-          <p:sp>
-            <p:nvSpPr>
-              <p:cNvPr id="80" name="Circle">
-                <a:extLst>
-                  <a:ext uri="{FF2B5EF4-FFF2-40B4-BE49-F238E27FC236}">
-                    <a16:creationId xmlns:a16="http://schemas.microsoft.com/office/drawing/2014/main" id="{6D9730A8-3A66-41D7-9916-7D3EEC77606B}"/>
-                  </a:ext>
-                </a:extLst>
-              </p:cNvPr>
-              <p:cNvSpPr/>
-              <p:nvPr/>
-            </p:nvSpPr>
-            <p:spPr>
-              <a:xfrm>
-                <a:off x="4356895" y="3374807"/>
-                <a:ext cx="119960" cy="119922"/>
-              </a:xfrm>
-              <a:prstGeom prst="ellipse">
-                <a:avLst/>
-              </a:prstGeom>
-              <a:solidFill>
-                <a:srgbClr val="FFFFFF"/>
-              </a:solidFill>
-              <a:ln w="3175">
-                <a:solidFill>
-                  <a:srgbClr val="FFFFFF">
-                    <a:lumMod val="50000"/>
-                  </a:srgbClr>
-                </a:solidFill>
-              </a:ln>
-              <a:effectLst/>
-            </p:spPr>
-            <p:style>
-              <a:lnRef idx="2">
-                <a:srgbClr val="4F81BD">
-                  <a:shade val="50000"/>
-                </a:srgbClr>
-              </a:lnRef>
-              <a:fillRef idx="1">
-                <a:srgbClr val="4F81BD"/>
-              </a:fillRef>
-              <a:effectRef idx="0">
-                <a:srgbClr val="4F81BD"/>
-              </a:effectRef>
-              <a:fontRef idx="minor">
-                <a:srgbClr val="000000"/>
-              </a:fontRef>
-            </p:style>
-            <p:txBody>
-              <a:bodyPr rtlCol="0" anchor="ctr"/>
-              <a:lstStyle/>
-              <a:p>
-                <a:pPr algn="ctr"/>
-                <a:endParaRPr lang="en-US" dirty="0"/>
-              </a:p>
-            </p:txBody>
-          </p:sp>
-          <p:sp>
-            <p:nvSpPr>
-              <p:cNvPr id="81" name="InnerCircle">
-                <a:extLst>
-                  <a:ext uri="{FF2B5EF4-FFF2-40B4-BE49-F238E27FC236}">
-                    <a16:creationId xmlns:a16="http://schemas.microsoft.com/office/drawing/2014/main" id="{3BFBBCC4-DC0F-4A99-A797-233552AB66E7}"/>
-                  </a:ext>
-                </a:extLst>
-              </p:cNvPr>
-              <p:cNvSpPr/>
-              <p:nvPr/>
-            </p:nvSpPr>
-            <p:spPr>
-              <a:xfrm>
-                <a:off x="4390432" y="3407093"/>
-                <a:ext cx="58189" cy="58190"/>
-              </a:xfrm>
-              <a:prstGeom prst="ellipse">
-                <a:avLst/>
-              </a:prstGeom>
-              <a:solidFill>
-                <a:srgbClr val="FFFFFF">
-                  <a:lumMod val="50000"/>
-                </a:srgbClr>
-              </a:solidFill>
-              <a:ln>
-                <a:noFill/>
-              </a:ln>
-            </p:spPr>
-            <p:style>
-              <a:lnRef idx="2">
-                <a:srgbClr val="4F81BD">
-                  <a:shade val="50000"/>
-                </a:srgbClr>
-              </a:lnRef>
-              <a:fillRef idx="1">
-                <a:srgbClr val="4F81BD"/>
-              </a:fillRef>
-              <a:effectRef idx="0">
-                <a:srgbClr val="4F81BD"/>
-              </a:effectRef>
-              <a:fontRef idx="minor">
-                <a:srgbClr val="000000"/>
-              </a:fontRef>
-            </p:style>
-            <p:txBody>
-              <a:bodyPr rtlCol="0" anchor="ctr"/>
-              <a:lstStyle/>
-              <a:p>
-                <a:pPr algn="ctr"/>
-                <a:endParaRPr lang="en-US" dirty="0"/>
-              </a:p>
-            </p:txBody>
-          </p:sp>
-        </p:grpSp>
-      </p:grpSp>
+          <a:prstGeom prst="rect">
+            <a:avLst/>
+          </a:prstGeom>
+          <a:noFill/>
+        </p:spPr>
+        <p:txBody>
+          <a:bodyPr wrap="none" lIns="164592" tIns="18288" rIns="45720" bIns="27432" rtlCol="0" anchor="ctr" anchorCtr="0">
+            <a:spAutoFit/>
+          </a:bodyPr>
+          <a:lstStyle/>
+          <a:p>
+            <a:r>
+              <a:rPr lang="en-US" sz="1200" dirty="0">
+                <a:latin typeface="Segoe UI" pitchFamily="34" charset="0"/>
+                <a:ea typeface="Segoe UI" pitchFamily="34" charset="0"/>
+                <a:cs typeface="Segoe UI" pitchFamily="34" charset="0"/>
+              </a:rPr>
+              <a:t>Option </a:t>
+            </a:r>
+            <a:r>
+              <a:rPr lang="en-US" sz="1200" dirty="0" err="1">
+                <a:latin typeface="Segoe UI" pitchFamily="34" charset="0"/>
+                <a:ea typeface="Segoe UI" pitchFamily="34" charset="0"/>
+                <a:cs typeface="Segoe UI" pitchFamily="34" charset="0"/>
+              </a:rPr>
+              <a:t>sondage</a:t>
+            </a:r>
+            <a:r>
+              <a:rPr lang="en-US" sz="1200" dirty="0">
+                <a:latin typeface="Segoe UI" pitchFamily="34" charset="0"/>
+                <a:ea typeface="Segoe UI" pitchFamily="34" charset="0"/>
+                <a:cs typeface="Segoe UI" pitchFamily="34" charset="0"/>
+              </a:rPr>
+              <a:t> 1</a:t>
+            </a:r>
+          </a:p>
+        </p:txBody>
+      </p:sp>
       <p:sp>
         <p:nvSpPr>
           <p:cNvPr id="82" name="Content">
@@ -5866,7 +5430,7 @@
           <p:cNvSpPr txBox="1"/>
           <p:nvPr userDrawn="1">
             <p:custDataLst>
-              <p:custData r:id="rId5"/>
+              <p:custData r:id="rId2"/>
             </p:custDataLst>
           </p:nvPr>
         </p:nvSpPr>
@@ -5917,7 +5481,7 @@
           <p:cNvSpPr/>
           <p:nvPr userDrawn="1">
             <p:custDataLst>
-              <p:custData r:id="rId6"/>
+              <p:custData r:id="rId3"/>
             </p:custDataLst>
           </p:nvPr>
         </p:nvSpPr>
@@ -6009,7 +5573,7 @@
           <p:cNvSpPr txBox="1"/>
           <p:nvPr userDrawn="1">
             <p:custDataLst>
-              <p:custData r:id="rId7"/>
+              <p:custData r:id="rId4"/>
             </p:custDataLst>
           </p:nvPr>
         </p:nvSpPr>
@@ -6078,7 +5642,7 @@
           <p:cNvSpPr/>
           <p:nvPr userDrawn="1">
             <p:custDataLst>
-              <p:custData r:id="rId8"/>
+              <p:custData r:id="rId5"/>
             </p:custDataLst>
           </p:nvPr>
         </p:nvSpPr>
@@ -6157,7 +5721,7 @@
           <p:cNvSpPr/>
           <p:nvPr userDrawn="1">
             <p:custDataLst>
-              <p:custData r:id="rId9"/>
+              <p:custData r:id="rId6"/>
             </p:custDataLst>
           </p:nvPr>
         </p:nvSpPr>
@@ -6247,6 +5811,336 @@
           </a:p>
         </p:txBody>
       </p:sp>
+      <p:grpSp>
+        <p:nvGrpSpPr>
+          <p:cNvPr id="23" name="CheckBoxUnchecked"/>
+          <p:cNvGrpSpPr/>
+          <p:nvPr userDrawn="1">
+            <p:custDataLst>
+              <p:custData r:id="rId7"/>
+            </p:custDataLst>
+          </p:nvPr>
+        </p:nvGrpSpPr>
+        <p:grpSpPr>
+          <a:xfrm>
+            <a:off x="5073492" y="2734791"/>
+            <a:ext cx="143644" cy="230832"/>
+            <a:chOff x="5179832" y="2087449"/>
+            <a:chExt cx="199105" cy="216403"/>
+          </a:xfrm>
+        </p:grpSpPr>
+        <p:sp>
+          <p:nvSpPr>
+            <p:cNvPr id="24" name="Content"/>
+            <p:cNvSpPr txBox="1">
+              <a:spLocks/>
+            </p:cNvSpPr>
+            <p:nvPr/>
+          </p:nvSpPr>
+          <p:spPr>
+            <a:xfrm>
+              <a:off x="5179850" y="2087449"/>
+              <a:ext cx="199087" cy="216403"/>
+            </a:xfrm>
+            <a:prstGeom prst="rect">
+              <a:avLst/>
+            </a:prstGeom>
+            <a:noFill/>
+          </p:spPr>
+          <p:txBody>
+            <a:bodyPr wrap="none" lIns="164592" tIns="18288" rIns="45720" bIns="27432" rtlCol="0" anchor="ctr" anchorCtr="0">
+              <a:spAutoFit/>
+            </a:bodyPr>
+            <a:lstStyle/>
+            <a:p>
+              <a:endParaRPr lang="en-US" sz="1200" dirty="0" smtClean="0">
+                <a:latin typeface="Segoe UI" pitchFamily="34" charset="0"/>
+                <a:ea typeface="Segoe UI" pitchFamily="34" charset="0"/>
+                <a:cs typeface="Segoe UI" pitchFamily="34" charset="0"/>
+              </a:endParaRPr>
+            </a:p>
+          </p:txBody>
+        </p:sp>
+        <p:sp>
+          <p:nvSpPr>
+            <p:cNvPr id="25" name="CheckBox"/>
+            <p:cNvSpPr>
+              <a:spLocks/>
+            </p:cNvSpPr>
+            <p:nvPr/>
+          </p:nvSpPr>
+          <p:spPr>
+            <a:xfrm>
+              <a:off x="5179832" y="2146835"/>
+              <a:ext cx="147916" cy="97631"/>
+            </a:xfrm>
+            <a:prstGeom prst="rect">
+              <a:avLst/>
+            </a:prstGeom>
+            <a:solidFill>
+              <a:srgbClr val="FFFFFF"/>
+            </a:solidFill>
+            <a:ln w="3175">
+              <a:solidFill>
+                <a:srgbClr val="FFFFFF">
+                  <a:lumMod val="65000"/>
+                </a:srgbClr>
+              </a:solidFill>
+            </a:ln>
+            <a:effectLst>
+              <a:innerShdw blurRad="63500">
+                <a:prstClr val="black">
+                  <a:alpha val="17000"/>
+                </a:prstClr>
+              </a:innerShdw>
+            </a:effectLst>
+          </p:spPr>
+          <p:style>
+            <a:lnRef idx="2">
+              <a:srgbClr val="4F81BD">
+                <a:shade val="50000"/>
+              </a:srgbClr>
+            </a:lnRef>
+            <a:fillRef idx="1">
+              <a:srgbClr val="4F81BD"/>
+            </a:fillRef>
+            <a:effectRef idx="0">
+              <a:srgbClr val="4F81BD"/>
+            </a:effectRef>
+            <a:fontRef idx="minor">
+              <a:srgbClr val="000000"/>
+            </a:fontRef>
+          </p:style>
+          <p:txBody>
+            <a:bodyPr rtlCol="0" anchor="ctr"/>
+            <a:lstStyle/>
+            <a:p>
+              <a:pPr algn="ctr"/>
+              <a:endParaRPr lang="en-US" dirty="0"/>
+            </a:p>
+          </p:txBody>
+        </p:sp>
+      </p:grpSp>
+      <p:grpSp>
+        <p:nvGrpSpPr>
+          <p:cNvPr id="26" name="CheckBoxUnchecked"/>
+          <p:cNvGrpSpPr/>
+          <p:nvPr userDrawn="1">
+            <p:custDataLst>
+              <p:custData r:id="rId8"/>
+            </p:custDataLst>
+          </p:nvPr>
+        </p:nvGrpSpPr>
+        <p:grpSpPr>
+          <a:xfrm>
+            <a:off x="5073498" y="3047760"/>
+            <a:ext cx="143644" cy="230832"/>
+            <a:chOff x="5179832" y="2087449"/>
+            <a:chExt cx="199105" cy="216403"/>
+          </a:xfrm>
+        </p:grpSpPr>
+        <p:sp>
+          <p:nvSpPr>
+            <p:cNvPr id="27" name="Content"/>
+            <p:cNvSpPr txBox="1">
+              <a:spLocks/>
+            </p:cNvSpPr>
+            <p:nvPr/>
+          </p:nvSpPr>
+          <p:spPr>
+            <a:xfrm>
+              <a:off x="5179850" y="2087449"/>
+              <a:ext cx="199087" cy="216403"/>
+            </a:xfrm>
+            <a:prstGeom prst="rect">
+              <a:avLst/>
+            </a:prstGeom>
+            <a:noFill/>
+          </p:spPr>
+          <p:txBody>
+            <a:bodyPr wrap="none" lIns="164592" tIns="18288" rIns="45720" bIns="27432" rtlCol="0" anchor="ctr" anchorCtr="0">
+              <a:spAutoFit/>
+            </a:bodyPr>
+            <a:lstStyle/>
+            <a:p>
+              <a:endParaRPr lang="en-US" sz="1200" dirty="0" smtClean="0">
+                <a:latin typeface="Segoe UI" pitchFamily="34" charset="0"/>
+                <a:ea typeface="Segoe UI" pitchFamily="34" charset="0"/>
+                <a:cs typeface="Segoe UI" pitchFamily="34" charset="0"/>
+              </a:endParaRPr>
+            </a:p>
+          </p:txBody>
+        </p:sp>
+        <p:sp>
+          <p:nvSpPr>
+            <p:cNvPr id="28" name="CheckBox"/>
+            <p:cNvSpPr>
+              <a:spLocks/>
+            </p:cNvSpPr>
+            <p:nvPr/>
+          </p:nvSpPr>
+          <p:spPr>
+            <a:xfrm>
+              <a:off x="5179832" y="2146835"/>
+              <a:ext cx="147916" cy="97631"/>
+            </a:xfrm>
+            <a:prstGeom prst="rect">
+              <a:avLst/>
+            </a:prstGeom>
+            <a:solidFill>
+              <a:srgbClr val="FFFFFF"/>
+            </a:solidFill>
+            <a:ln w="3175">
+              <a:solidFill>
+                <a:srgbClr val="FFFFFF">
+                  <a:lumMod val="65000"/>
+                </a:srgbClr>
+              </a:solidFill>
+            </a:ln>
+            <a:effectLst>
+              <a:innerShdw blurRad="63500">
+                <a:prstClr val="black">
+                  <a:alpha val="17000"/>
+                </a:prstClr>
+              </a:innerShdw>
+            </a:effectLst>
+          </p:spPr>
+          <p:style>
+            <a:lnRef idx="2">
+              <a:srgbClr val="4F81BD">
+                <a:shade val="50000"/>
+              </a:srgbClr>
+            </a:lnRef>
+            <a:fillRef idx="1">
+              <a:srgbClr val="4F81BD"/>
+            </a:fillRef>
+            <a:effectRef idx="0">
+              <a:srgbClr val="4F81BD"/>
+            </a:effectRef>
+            <a:fontRef idx="minor">
+              <a:srgbClr val="000000"/>
+            </a:fontRef>
+          </p:style>
+          <p:txBody>
+            <a:bodyPr rtlCol="0" anchor="ctr"/>
+            <a:lstStyle/>
+            <a:p>
+              <a:pPr algn="ctr"/>
+              <a:endParaRPr lang="en-US" dirty="0"/>
+            </a:p>
+          </p:txBody>
+        </p:sp>
+      </p:grpSp>
+      <p:grpSp>
+        <p:nvGrpSpPr>
+          <p:cNvPr id="29" name="CheckBoxUnchecked"/>
+          <p:cNvGrpSpPr/>
+          <p:nvPr userDrawn="1">
+            <p:custDataLst>
+              <p:custData r:id="rId9"/>
+            </p:custDataLst>
+          </p:nvPr>
+        </p:nvGrpSpPr>
+        <p:grpSpPr>
+          <a:xfrm>
+            <a:off x="5075888" y="3362501"/>
+            <a:ext cx="143644" cy="230832"/>
+            <a:chOff x="5179832" y="2087449"/>
+            <a:chExt cx="199105" cy="216403"/>
+          </a:xfrm>
+        </p:grpSpPr>
+        <p:sp>
+          <p:nvSpPr>
+            <p:cNvPr id="30" name="Content"/>
+            <p:cNvSpPr txBox="1">
+              <a:spLocks/>
+            </p:cNvSpPr>
+            <p:nvPr/>
+          </p:nvSpPr>
+          <p:spPr>
+            <a:xfrm>
+              <a:off x="5179850" y="2087449"/>
+              <a:ext cx="199087" cy="216403"/>
+            </a:xfrm>
+            <a:prstGeom prst="rect">
+              <a:avLst/>
+            </a:prstGeom>
+            <a:noFill/>
+          </p:spPr>
+          <p:txBody>
+            <a:bodyPr wrap="none" lIns="164592" tIns="18288" rIns="45720" bIns="27432" rtlCol="0" anchor="ctr" anchorCtr="0">
+              <a:spAutoFit/>
+            </a:bodyPr>
+            <a:lstStyle/>
+            <a:p>
+              <a:endParaRPr lang="en-US" sz="1200" dirty="0" smtClean="0">
+                <a:latin typeface="Segoe UI" pitchFamily="34" charset="0"/>
+                <a:ea typeface="Segoe UI" pitchFamily="34" charset="0"/>
+                <a:cs typeface="Segoe UI" pitchFamily="34" charset="0"/>
+              </a:endParaRPr>
+            </a:p>
+          </p:txBody>
+        </p:sp>
+        <p:sp>
+          <p:nvSpPr>
+            <p:cNvPr id="31" name="CheckBox"/>
+            <p:cNvSpPr>
+              <a:spLocks/>
+            </p:cNvSpPr>
+            <p:nvPr/>
+          </p:nvSpPr>
+          <p:spPr>
+            <a:xfrm>
+              <a:off x="5179832" y="2146835"/>
+              <a:ext cx="147916" cy="97631"/>
+            </a:xfrm>
+            <a:prstGeom prst="rect">
+              <a:avLst/>
+            </a:prstGeom>
+            <a:solidFill>
+              <a:srgbClr val="FFFFFF"/>
+            </a:solidFill>
+            <a:ln w="3175">
+              <a:solidFill>
+                <a:srgbClr val="FFFFFF">
+                  <a:lumMod val="65000"/>
+                </a:srgbClr>
+              </a:solidFill>
+            </a:ln>
+            <a:effectLst>
+              <a:innerShdw blurRad="63500">
+                <a:prstClr val="black">
+                  <a:alpha val="17000"/>
+                </a:prstClr>
+              </a:innerShdw>
+            </a:effectLst>
+          </p:spPr>
+          <p:style>
+            <a:lnRef idx="2">
+              <a:srgbClr val="4F81BD">
+                <a:shade val="50000"/>
+              </a:srgbClr>
+            </a:lnRef>
+            <a:fillRef idx="1">
+              <a:srgbClr val="4F81BD"/>
+            </a:fillRef>
+            <a:effectRef idx="0">
+              <a:srgbClr val="4F81BD"/>
+            </a:effectRef>
+            <a:fontRef idx="minor">
+              <a:srgbClr val="000000"/>
+            </a:fontRef>
+          </p:style>
+          <p:txBody>
+            <a:bodyPr rtlCol="0" anchor="ctr"/>
+            <a:lstStyle/>
+            <a:p>
+              <a:pPr algn="ctr"/>
+              <a:endParaRPr lang="en-US" dirty="0"/>
+            </a:p>
+          </p:txBody>
+        </p:sp>
+      </p:grpSp>
     </p:spTree>
     <p:extLst>
       <p:ext uri="{BB962C8B-B14F-4D97-AF65-F5344CB8AC3E}">
@@ -6257,6 +6151,13 @@
   <p:clrMapOvr>
     <a:masterClrMapping/>
   </p:clrMapOvr>
+  <p:timing>
+    <p:tnLst>
+      <p:par>
+        <p:cTn id="1" dur="indefinite" restart="never" nodeType="tmRoot"/>
+      </p:par>
+    </p:tnLst>
+  </p:timing>
 </p:sldLayout>
 </file>
 
@@ -7396,12 +7297,19 @@
   <p:clrMapOvr>
     <a:masterClrMapping/>
   </p:clrMapOvr>
+  <p:timing>
+    <p:tnLst>
+      <p:par>
+        <p:cTn id="1" dur="indefinite" restart="never" nodeType="tmRoot"/>
+      </p:par>
+    </p:tnLst>
+  </p:timing>
 </p:sldLayout>
 </file>
 
 <file path=ppt/slideLayouts/slideLayout6.xml><?xml version="1.0" encoding="utf-8"?>
 <p:sldLayout xmlns:a="http://schemas.openxmlformats.org/drawingml/2006/main" xmlns:r="http://schemas.openxmlformats.org/officeDocument/2006/relationships" xmlns:p="http://schemas.openxmlformats.org/presentationml/2006/main" preserve="1" userDrawn="1">
-  <p:cSld name="2_Disposition personnalisée">
+  <p:cSld name="Sondages populaires">
     <p:spTree>
       <p:nvGrpSpPr>
         <p:cNvPr id="1" name=""/>
@@ -8568,12 +8476,19 @@
   <p:clrMapOvr>
     <a:masterClrMapping/>
   </p:clrMapOvr>
+  <p:timing>
+    <p:tnLst>
+      <p:par>
+        <p:cTn id="1" dur="indefinite" restart="never" nodeType="tmRoot"/>
+      </p:par>
+    </p:tnLst>
+  </p:timing>
 </p:sldLayout>
 </file>
 
 <file path=ppt/slideLayouts/slideLayout7.xml><?xml version="1.0" encoding="utf-8"?>
 <p:sldLayout xmlns:a="http://schemas.openxmlformats.org/drawingml/2006/main" xmlns:r="http://schemas.openxmlformats.org/officeDocument/2006/relationships" xmlns:p="http://schemas.openxmlformats.org/presentationml/2006/main" preserve="1" userDrawn="1">
-  <p:cSld name="1_Disposition personnalisée">
+  <p:cSld name="Sondages Récents">
     <p:spTree>
       <p:nvGrpSpPr>
         <p:cNvPr id="1" name=""/>
@@ -9485,12 +9400,19 @@
   <p:clrMapOvr>
     <a:masterClrMapping/>
   </p:clrMapOvr>
+  <p:timing>
+    <p:tnLst>
+      <p:par>
+        <p:cTn id="1" dur="indefinite" restart="never" nodeType="tmRoot"/>
+      </p:par>
+    </p:tnLst>
+  </p:timing>
 </p:sldLayout>
 </file>
 
 <file path=ppt/slideLayouts/slideLayout8.xml><?xml version="1.0" encoding="utf-8"?>
 <p:sldLayout xmlns:a="http://schemas.openxmlformats.org/drawingml/2006/main" xmlns:r="http://schemas.openxmlformats.org/officeDocument/2006/relationships" xmlns:p="http://schemas.openxmlformats.org/presentationml/2006/main" preserve="1" userDrawn="1">
-  <p:cSld name="4_Disposition personnalisée">
+  <p:cSld name="Contact">
     <p:spTree>
       <p:nvGrpSpPr>
         <p:cNvPr id="1" name=""/>
@@ -10119,12 +10041,19 @@
   <p:clrMapOvr>
     <a:masterClrMapping/>
   </p:clrMapOvr>
+  <p:timing>
+    <p:tnLst>
+      <p:par>
+        <p:cTn id="1" dur="indefinite" restart="never" nodeType="tmRoot"/>
+      </p:par>
+    </p:tnLst>
+  </p:timing>
 </p:sldLayout>
 </file>
 
 <file path=ppt/slideLayouts/slideLayout9.xml><?xml version="1.0" encoding="utf-8"?>
 <p:sldLayout xmlns:a="http://schemas.openxmlformats.org/drawingml/2006/main" xmlns:r="http://schemas.openxmlformats.org/officeDocument/2006/relationships" xmlns:p="http://schemas.openxmlformats.org/presentationml/2006/main" preserve="1" userDrawn="1">
-  <p:cSld name="5_Disposition personnalisée">
+  <p:cSld name="Soumettre Idees">
     <p:spTree>
       <p:nvGrpSpPr>
         <p:cNvPr id="1" name=""/>
@@ -10426,6 +10355,13 @@
   <p:clrMapOvr>
     <a:masterClrMapping/>
   </p:clrMapOvr>
+  <p:timing>
+    <p:tnLst>
+      <p:par>
+        <p:cTn id="1" dur="indefinite" restart="never" nodeType="tmRoot"/>
+      </p:par>
+    </p:tnLst>
+  </p:timing>
 </p:sldLayout>
 </file>
 
@@ -14787,6 +14723,13 @@
     <p:sldLayoutId id="2147483669" r:id="rId9"/>
     <p:sldLayoutId id="2147483670" r:id="rId10"/>
   </p:sldLayoutIdLst>
+  <p:timing>
+    <p:tnLst>
+      <p:par>
+        <p:cTn id="1" dur="indefinite" restart="never" nodeType="tmRoot"/>
+      </p:par>
+    </p:tnLst>
+  </p:timing>
   <p:txStyles>
     <p:titleStyle>
       <a:lvl1pPr algn="l" defTabSz="914400" rtl="0" eaLnBrk="1" latinLnBrk="0" hangingPunct="1">
@@ -15090,17 +15033,24 @@
     </p:spTree>
     <p:extLst>
       <p:ext uri="{BB962C8B-B14F-4D97-AF65-F5344CB8AC3E}">
-        <p14:creationId xmlns:p14="http://schemas.microsoft.com/office/powerpoint/2010/main" val="2076856556"/>
+        <p14:creationId xmlns:p14="http://schemas.microsoft.com/office/powerpoint/2010/main" val="2276739870"/>
       </p:ext>
     </p:extLst>
   </p:cSld>
   <p:clrMapOvr>
     <a:masterClrMapping/>
   </p:clrMapOvr>
+  <p:timing>
+    <p:tnLst>
+      <p:par>
+        <p:cTn id="1" dur="indefinite" restart="never" nodeType="tmRoot"/>
+      </p:par>
+    </p:tnLst>
+  </p:timing>
 </p:sld>
 </file>
 
-<file path=ppt/slides/slide2.xml><?xml version="1.0" encoding="utf-8"?>
+<file path=ppt/slides/slide10.xml><?xml version="1.0" encoding="utf-8"?>
 <p:sld xmlns:a="http://schemas.openxmlformats.org/drawingml/2006/main" xmlns:r="http://schemas.openxmlformats.org/officeDocument/2006/relationships" xmlns:p="http://schemas.openxmlformats.org/presentationml/2006/main">
   <p:cSld>
     <p:spTree>
@@ -15120,17 +15070,24 @@
     </p:spTree>
     <p:extLst>
       <p:ext uri="{BB962C8B-B14F-4D97-AF65-F5344CB8AC3E}">
-        <p14:creationId xmlns:p14="http://schemas.microsoft.com/office/powerpoint/2010/main" val="2276739870"/>
+        <p14:creationId xmlns:p14="http://schemas.microsoft.com/office/powerpoint/2010/main" val="1138111888"/>
       </p:ext>
     </p:extLst>
   </p:cSld>
   <p:clrMapOvr>
     <a:masterClrMapping/>
   </p:clrMapOvr>
+  <p:timing>
+    <p:tnLst>
+      <p:par>
+        <p:cTn id="1" dur="indefinite" restart="never" nodeType="tmRoot"/>
+      </p:par>
+    </p:tnLst>
+  </p:timing>
 </p:sld>
 </file>
 
-<file path=ppt/slides/slide3.xml><?xml version="1.0" encoding="utf-8"?>
+<file path=ppt/slides/slide11.xml><?xml version="1.0" encoding="utf-8"?>
 <p:sld xmlns:a="http://schemas.openxmlformats.org/drawingml/2006/main" xmlns:r="http://schemas.openxmlformats.org/officeDocument/2006/relationships" xmlns:p="http://schemas.openxmlformats.org/presentationml/2006/main">
   <p:cSld>
     <p:spTree>
@@ -15147,77 +15104,27 @@
           <a:chExt cx="0" cy="0"/>
         </a:xfrm>
       </p:grpSpPr>
-      <p:sp>
-        <p:nvSpPr>
-          <p:cNvPr id="4" name="Circle">
-            <a:extLst>
-              <a:ext uri="{FF2B5EF4-FFF2-40B4-BE49-F238E27FC236}">
-                <a16:creationId xmlns:a16="http://schemas.microsoft.com/office/drawing/2014/main" id="{718F697B-C448-452B-B41C-B1B7E1CE3558}"/>
-              </a:ext>
-            </a:extLst>
-          </p:cNvPr>
-          <p:cNvSpPr/>
-          <p:nvPr/>
-        </p:nvSpPr>
-        <p:spPr>
-          <a:xfrm>
-            <a:off x="254000" y="294156"/>
-            <a:ext cx="119960" cy="119922"/>
-          </a:xfrm>
-          <a:prstGeom prst="ellipse">
-            <a:avLst/>
-          </a:prstGeom>
-          <a:solidFill>
-            <a:srgbClr val="FFFFFF"/>
-          </a:solidFill>
-          <a:ln w="3175">
-            <a:solidFill>
-              <a:srgbClr val="FFFFFF">
-                <a:lumMod val="50000"/>
-              </a:srgbClr>
-            </a:solidFill>
-          </a:ln>
-          <a:effectLst/>
-        </p:spPr>
-        <p:style>
-          <a:lnRef idx="2">
-            <a:srgbClr val="4F81BD">
-              <a:shade val="50000"/>
-            </a:srgbClr>
-          </a:lnRef>
-          <a:fillRef idx="1">
-            <a:srgbClr val="4F81BD"/>
-          </a:fillRef>
-          <a:effectRef idx="0">
-            <a:srgbClr val="4F81BD"/>
-          </a:effectRef>
-          <a:fontRef idx="minor">
-            <a:srgbClr val="000000"/>
-          </a:fontRef>
-        </p:style>
-        <p:txBody>
-          <a:bodyPr rtlCol="0" anchor="ctr"/>
-          <a:lstStyle/>
-          <a:p>
-            <a:pPr algn="ctr"/>
-            <a:endParaRPr lang="en-US" dirty="0"/>
-          </a:p>
-        </p:txBody>
-      </p:sp>
     </p:spTree>
     <p:extLst>
       <p:ext uri="{BB962C8B-B14F-4D97-AF65-F5344CB8AC3E}">
-        <p14:creationId xmlns:p14="http://schemas.microsoft.com/office/powerpoint/2010/main" val="1094529717"/>
+        <p14:creationId xmlns:p14="http://schemas.microsoft.com/office/powerpoint/2010/main" val="1066237789"/>
       </p:ext>
     </p:extLst>
   </p:cSld>
   <p:clrMapOvr>
     <a:masterClrMapping/>
   </p:clrMapOvr>
+  <p:timing>
+    <p:tnLst>
+      <p:par>
+        <p:cTn id="1" dur="indefinite" restart="never" nodeType="tmRoot"/>
+      </p:par>
+    </p:tnLst>
+  </p:timing>
 </p:sld>
 </file>
 
-<file path=ppt/slides/slide4.xml><?xml version="1.0" encoding="utf-8"?>
+<file path=ppt/slides/slide2.xml><?xml version="1.0" encoding="utf-8"?>
 <p:sld xmlns:a="http://schemas.openxmlformats.org/drawingml/2006/main" xmlns:r="http://schemas.openxmlformats.org/officeDocument/2006/relationships" xmlns:p="http://schemas.openxmlformats.org/presentationml/2006/main">
   <p:cSld>
     <p:spTree>
@@ -15244,6 +15151,272 @@
   <p:clrMapOvr>
     <a:masterClrMapping/>
   </p:clrMapOvr>
+  <p:timing>
+    <p:tnLst>
+      <p:par>
+        <p:cTn id="1" dur="indefinite" restart="never" nodeType="tmRoot"/>
+      </p:par>
+    </p:tnLst>
+  </p:timing>
+</p:sld>
+</file>
+
+<file path=ppt/slides/slide3.xml><?xml version="1.0" encoding="utf-8"?>
+<p:sld xmlns:a="http://schemas.openxmlformats.org/drawingml/2006/main" xmlns:r="http://schemas.openxmlformats.org/officeDocument/2006/relationships" xmlns:p="http://schemas.openxmlformats.org/presentationml/2006/main">
+  <p:cSld>
+    <p:spTree>
+      <p:nvGrpSpPr>
+        <p:cNvPr id="1" name=""/>
+        <p:cNvGrpSpPr/>
+        <p:nvPr/>
+      </p:nvGrpSpPr>
+      <p:grpSpPr>
+        <a:xfrm>
+          <a:off x="0" y="0"/>
+          <a:ext cx="0" cy="0"/>
+          <a:chOff x="0" y="0"/>
+          <a:chExt cx="0" cy="0"/>
+        </a:xfrm>
+      </p:grpSpPr>
+    </p:spTree>
+    <p:extLst>
+      <p:ext uri="{BB962C8B-B14F-4D97-AF65-F5344CB8AC3E}">
+        <p14:creationId xmlns:p14="http://schemas.microsoft.com/office/powerpoint/2010/main" val="3901604339"/>
+      </p:ext>
+    </p:extLst>
+  </p:cSld>
+  <p:clrMapOvr>
+    <a:masterClrMapping/>
+  </p:clrMapOvr>
+  <p:timing>
+    <p:tnLst>
+      <p:par>
+        <p:cTn id="1" dur="indefinite" restart="never" nodeType="tmRoot"/>
+      </p:par>
+    </p:tnLst>
+  </p:timing>
+</p:sld>
+</file>
+
+<file path=ppt/slides/slide4.xml><?xml version="1.0" encoding="utf-8"?>
+<p:sld xmlns:a="http://schemas.openxmlformats.org/drawingml/2006/main" xmlns:r="http://schemas.openxmlformats.org/officeDocument/2006/relationships" xmlns:p="http://schemas.openxmlformats.org/presentationml/2006/main">
+  <p:cSld>
+    <p:spTree>
+      <p:nvGrpSpPr>
+        <p:cNvPr id="1" name=""/>
+        <p:cNvGrpSpPr/>
+        <p:nvPr/>
+      </p:nvGrpSpPr>
+      <p:grpSpPr>
+        <a:xfrm>
+          <a:off x="0" y="0"/>
+          <a:ext cx="0" cy="0"/>
+          <a:chOff x="0" y="0"/>
+          <a:chExt cx="0" cy="0"/>
+        </a:xfrm>
+      </p:grpSpPr>
+    </p:spTree>
+    <p:extLst>
+      <p:ext uri="{BB962C8B-B14F-4D97-AF65-F5344CB8AC3E}">
+        <p14:creationId xmlns:p14="http://schemas.microsoft.com/office/powerpoint/2010/main" val="2076856556"/>
+      </p:ext>
+    </p:extLst>
+  </p:cSld>
+  <p:clrMapOvr>
+    <a:masterClrMapping/>
+  </p:clrMapOvr>
+  <p:timing>
+    <p:tnLst>
+      <p:par>
+        <p:cTn id="1" dur="indefinite" restart="never" nodeType="tmRoot"/>
+      </p:par>
+    </p:tnLst>
+  </p:timing>
+</p:sld>
+</file>
+
+<file path=ppt/slides/slide5.xml><?xml version="1.0" encoding="utf-8"?>
+<p:sld xmlns:a="http://schemas.openxmlformats.org/drawingml/2006/main" xmlns:r="http://schemas.openxmlformats.org/officeDocument/2006/relationships" xmlns:p="http://schemas.openxmlformats.org/presentationml/2006/main">
+  <p:cSld>
+    <p:spTree>
+      <p:nvGrpSpPr>
+        <p:cNvPr id="1" name=""/>
+        <p:cNvGrpSpPr/>
+        <p:nvPr/>
+      </p:nvGrpSpPr>
+      <p:grpSpPr>
+        <a:xfrm>
+          <a:off x="0" y="0"/>
+          <a:ext cx="0" cy="0"/>
+          <a:chOff x="0" y="0"/>
+          <a:chExt cx="0" cy="0"/>
+        </a:xfrm>
+      </p:grpSpPr>
+    </p:spTree>
+    <p:extLst>
+      <p:ext uri="{BB962C8B-B14F-4D97-AF65-F5344CB8AC3E}">
+        <p14:creationId xmlns:p14="http://schemas.microsoft.com/office/powerpoint/2010/main" val="438586282"/>
+      </p:ext>
+    </p:extLst>
+  </p:cSld>
+  <p:clrMapOvr>
+    <a:masterClrMapping/>
+  </p:clrMapOvr>
+  <p:timing>
+    <p:tnLst>
+      <p:par>
+        <p:cTn id="1" dur="indefinite" restart="never" nodeType="tmRoot"/>
+      </p:par>
+    </p:tnLst>
+  </p:timing>
+</p:sld>
+</file>
+
+<file path=ppt/slides/slide6.xml><?xml version="1.0" encoding="utf-8"?>
+<p:sld xmlns:a="http://schemas.openxmlformats.org/drawingml/2006/main" xmlns:r="http://schemas.openxmlformats.org/officeDocument/2006/relationships" xmlns:p="http://schemas.openxmlformats.org/presentationml/2006/main">
+  <p:cSld>
+    <p:spTree>
+      <p:nvGrpSpPr>
+        <p:cNvPr id="1" name=""/>
+        <p:cNvGrpSpPr/>
+        <p:nvPr/>
+      </p:nvGrpSpPr>
+      <p:grpSpPr>
+        <a:xfrm>
+          <a:off x="0" y="0"/>
+          <a:ext cx="0" cy="0"/>
+          <a:chOff x="0" y="0"/>
+          <a:chExt cx="0" cy="0"/>
+        </a:xfrm>
+      </p:grpSpPr>
+    </p:spTree>
+    <p:extLst>
+      <p:ext uri="{BB962C8B-B14F-4D97-AF65-F5344CB8AC3E}">
+        <p14:creationId xmlns:p14="http://schemas.microsoft.com/office/powerpoint/2010/main" val="2444231557"/>
+      </p:ext>
+    </p:extLst>
+  </p:cSld>
+  <p:clrMapOvr>
+    <a:masterClrMapping/>
+  </p:clrMapOvr>
+  <p:timing>
+    <p:tnLst>
+      <p:par>
+        <p:cTn id="1" dur="indefinite" restart="never" nodeType="tmRoot"/>
+      </p:par>
+    </p:tnLst>
+  </p:timing>
+</p:sld>
+</file>
+
+<file path=ppt/slides/slide7.xml><?xml version="1.0" encoding="utf-8"?>
+<p:sld xmlns:a="http://schemas.openxmlformats.org/drawingml/2006/main" xmlns:r="http://schemas.openxmlformats.org/officeDocument/2006/relationships" xmlns:p="http://schemas.openxmlformats.org/presentationml/2006/main">
+  <p:cSld>
+    <p:spTree>
+      <p:nvGrpSpPr>
+        <p:cNvPr id="1" name=""/>
+        <p:cNvGrpSpPr/>
+        <p:nvPr/>
+      </p:nvGrpSpPr>
+      <p:grpSpPr>
+        <a:xfrm>
+          <a:off x="0" y="0"/>
+          <a:ext cx="0" cy="0"/>
+          <a:chOff x="0" y="0"/>
+          <a:chExt cx="0" cy="0"/>
+        </a:xfrm>
+      </p:grpSpPr>
+    </p:spTree>
+    <p:extLst>
+      <p:ext uri="{BB962C8B-B14F-4D97-AF65-F5344CB8AC3E}">
+        <p14:creationId xmlns:p14="http://schemas.microsoft.com/office/powerpoint/2010/main" val="2298517875"/>
+      </p:ext>
+    </p:extLst>
+  </p:cSld>
+  <p:clrMapOvr>
+    <a:masterClrMapping/>
+  </p:clrMapOvr>
+  <p:timing>
+    <p:tnLst>
+      <p:par>
+        <p:cTn id="1" dur="indefinite" restart="never" nodeType="tmRoot"/>
+      </p:par>
+    </p:tnLst>
+  </p:timing>
+</p:sld>
+</file>
+
+<file path=ppt/slides/slide8.xml><?xml version="1.0" encoding="utf-8"?>
+<p:sld xmlns:a="http://schemas.openxmlformats.org/drawingml/2006/main" xmlns:r="http://schemas.openxmlformats.org/officeDocument/2006/relationships" xmlns:p="http://schemas.openxmlformats.org/presentationml/2006/main">
+  <p:cSld>
+    <p:spTree>
+      <p:nvGrpSpPr>
+        <p:cNvPr id="1" name=""/>
+        <p:cNvGrpSpPr/>
+        <p:nvPr/>
+      </p:nvGrpSpPr>
+      <p:grpSpPr>
+        <a:xfrm>
+          <a:off x="0" y="0"/>
+          <a:ext cx="0" cy="0"/>
+          <a:chOff x="0" y="0"/>
+          <a:chExt cx="0" cy="0"/>
+        </a:xfrm>
+      </p:grpSpPr>
+    </p:spTree>
+    <p:extLst>
+      <p:ext uri="{BB962C8B-B14F-4D97-AF65-F5344CB8AC3E}">
+        <p14:creationId xmlns:p14="http://schemas.microsoft.com/office/powerpoint/2010/main" val="3990414249"/>
+      </p:ext>
+    </p:extLst>
+  </p:cSld>
+  <p:clrMapOvr>
+    <a:masterClrMapping/>
+  </p:clrMapOvr>
+  <p:timing>
+    <p:tnLst>
+      <p:par>
+        <p:cTn id="1" dur="indefinite" restart="never" nodeType="tmRoot"/>
+      </p:par>
+    </p:tnLst>
+  </p:timing>
+</p:sld>
+</file>
+
+<file path=ppt/slides/slide9.xml><?xml version="1.0" encoding="utf-8"?>
+<p:sld xmlns:a="http://schemas.openxmlformats.org/drawingml/2006/main" xmlns:r="http://schemas.openxmlformats.org/officeDocument/2006/relationships" xmlns:p="http://schemas.openxmlformats.org/presentationml/2006/main">
+  <p:cSld>
+    <p:spTree>
+      <p:nvGrpSpPr>
+        <p:cNvPr id="1" name=""/>
+        <p:cNvGrpSpPr/>
+        <p:nvPr/>
+      </p:nvGrpSpPr>
+      <p:grpSpPr>
+        <a:xfrm>
+          <a:off x="0" y="0"/>
+          <a:ext cx="0" cy="0"/>
+          <a:chOff x="0" y="0"/>
+          <a:chExt cx="0" cy="0"/>
+        </a:xfrm>
+      </p:grpSpPr>
+    </p:spTree>
+    <p:extLst>
+      <p:ext uri="{BB962C8B-B14F-4D97-AF65-F5344CB8AC3E}">
+        <p14:creationId xmlns:p14="http://schemas.microsoft.com/office/powerpoint/2010/main" val="2391155916"/>
+      </p:ext>
+    </p:extLst>
+  </p:cSld>
+  <p:clrMapOvr>
+    <a:masterClrMapping/>
+  </p:clrMapOvr>
+  <p:timing>
+    <p:tnLst>
+      <p:par>
+        <p:cTn id="1" dur="indefinite" restart="never" nodeType="tmRoot"/>
+      </p:par>
+    </p:tnLst>
+  </p:timing>
 </p:sld>
 </file>
 
@@ -15825,73 +15998,73 @@
 
 <file path=customXml/item1.xml><?xml version="1.0" encoding="utf-8"?>
 <Control xmlns="http://schemas.microsoft.com/VisualStudio/2011/storyboarding/control">
-  <Id Name="System.Storyboarding.Common.TextInput" Revision="1" Stencil="System.Storyboarding.Common" StencilVersion="0.1"/>
+  <Id Name="System.Storyboarding.WindowsApps.WindowsAppsTileWideSmall" Revision="1" Stencil="System.Storyboarding.WindowsApps" StencilVersion="0.1"/>
 </Control>
 </file>
 
 <file path=customXml/item10.xml><?xml version="1.0" encoding="utf-8"?>
+<Control xmlns="http://schemas.microsoft.com/VisualStudio/2011/storyboarding/control">
+  <Id Name="System.Storyboarding.Common.Button" Revision="1" Stencil="System.Storyboarding.Common" StencilVersion="0.1"/>
+</Control>
+</file>
+
+<file path=customXml/item100.xml><?xml version="1.0" encoding="utf-8"?>
+<Control xmlns="http://schemas.microsoft.com/VisualStudio/2011/storyboarding/control">
+  <Id Name="System.Storyboarding.Common.Text" Revision="1" Stencil="System.Storyboarding.Common" StencilVersion="0.1"/>
+</Control>
+</file>
+
+<file path=customXml/item101.xml><?xml version="1.0" encoding="utf-8"?>
+<Control xmlns="http://schemas.microsoft.com/VisualStudio/2011/storyboarding/control">
+  <Id Name="System.Storyboarding.WindowsApps.WindowsAppsMediumWideTile" Revision="1" Stencil="System.Storyboarding.WindowsApps" StencilVersion="0.1"/>
+</Control>
+</file>
+
+<file path=customXml/item102.xml><?xml version="1.0" encoding="utf-8"?>
+<Control xmlns="http://schemas.microsoft.com/VisualStudio/2011/storyboarding/control">
+  <Id Name="System.Storyboarding.Common.DataGrid" Revision="1" Stencil="System.Storyboarding.Common" StencilVersion="0.1"/>
+</Control>
+</file>
+
+<file path=customXml/item103.xml><?xml version="1.0" encoding="utf-8"?>
+<Control xmlns="http://schemas.microsoft.com/VisualStudio/2011/storyboarding/control">
+  <Id Name="System.Storyboarding.Common.Text" Revision="1" Stencil="System.Storyboarding.Common" StencilVersion="0.1"/>
+</Control>
+</file>
+
+<file path=customXml/item104.xml><?xml version="1.0" encoding="utf-8"?>
+<Control xmlns="http://schemas.microsoft.com/VisualStudio/2011/storyboarding/control">
+  <Id Name="System.Storyboarding.Common.Text" Revision="1" Stencil="System.Storyboarding.Common" StencilVersion="0.1"/>
+</Control>
+</file>
+
+<file path=customXml/item105.xml><?xml version="1.0" encoding="utf-8"?>
+<Control xmlns="http://schemas.microsoft.com/VisualStudio/2011/storyboarding/control">
+  <Id Name="System.Storyboarding.Icons.Lock" Revision="1" Stencil="System.Storyboarding.Icons" StencilVersion="0.1"/>
+</Control>
+</file>
+
+<file path=customXml/item106.xml><?xml version="1.0" encoding="utf-8"?>
+<Control xmlns="http://schemas.microsoft.com/VisualStudio/2011/storyboarding/control">
+  <Id Name="System.Storyboarding.Common.MousePointer" Revision="1" Stencil="System.Storyboarding.Common" StencilVersion="0.1"/>
+</Control>
+</file>
+
+<file path=customXml/item107.xml><?xml version="1.0" encoding="utf-8"?>
 <Control xmlns="http://schemas.microsoft.com/VisualStudio/2011/storyboarding/control">
   <Id Name="System.Storyboarding.WindowsApps.WindowsAppsTileWideSmall" Revision="1" Stencil="System.Storyboarding.WindowsApps" StencilVersion="0.1"/>
 </Control>
 </file>
 
-<file path=customXml/item100.xml><?xml version="1.0" encoding="utf-8"?>
+<file path=customXml/item108.xml><?xml version="1.0" encoding="utf-8"?>
 <Control xmlns="http://schemas.microsoft.com/VisualStudio/2011/storyboarding/control">
-  <Id Name="System.Storyboarding.Media.PieChart" Revision="1" Stencil="System.Storyboarding.Media" StencilVersion="0.1"/>
+  <Id Name="System.Storyboarding.Common.TextInput" Revision="1" Stencil="System.Storyboarding.Common" StencilVersion="0.1"/>
 </Control>
 </file>
 
-<file path=customXml/item101.xml><?xml version="1.0" encoding="utf-8"?>
-<Control xmlns="http://schemas.microsoft.com/VisualStudio/2011/storyboarding/control">
-  <Id Name="System.Storyboarding.Backgrounds.WebBrowser" Revision="1" Stencil="System.Storyboarding.Backgrounds" StencilVersion="0.1"/>
-</Control>
-</file>
-
-<file path=customXml/item102.xml><?xml version="1.0" encoding="utf-8"?>
-<Control xmlns="http://schemas.microsoft.com/VisualStudio/2011/storyboarding/control">
-  <Id Name="System.Storyboarding.WindowsApps.WindowsAppsEditBox" Revision="1" Stencil="System.Storyboarding.WindowsApps" StencilVersion="0.1"/>
-</Control>
-</file>
-
-<file path=customXml/item103.xml><?xml version="1.0" encoding="utf-8"?>
-<Control xmlns="http://schemas.microsoft.com/VisualStudio/2011/storyboarding/control">
-  <Id Name="System.Storyboarding.Common.RadioButtonSelected" Revision="1" Stencil="System.Storyboarding.Common" StencilVersion="0.1"/>
-</Control>
-</file>
-
-<file path=customXml/item104.xml><?xml version="1.0" encoding="utf-8"?>
-<Control xmlns="http://schemas.microsoft.com/VisualStudio/2011/storyboarding/control">
-  <Id Name="System.Storyboarding.Common.CheckBoxUnchecked" Revision="1" Stencil="System.Storyboarding.Common" StencilVersion="0.1"/>
-</Control>
-</file>
-
-<file path=customXml/item105.xml><?xml version="1.0" encoding="utf-8"?>
+<file path=customXml/item109.xml><?xml version="1.0" encoding="utf-8"?>
 <Control xmlns="http://schemas.microsoft.com/VisualStudio/2011/storyboarding/control">
   <Id Name="System.Storyboarding.WindowsApps.WindowsAppsTileWideSmall" Revision="1" Stencil="System.Storyboarding.WindowsApps" StencilVersion="0.1"/>
-</Control>
-</file>
-
-<file path=customXml/item106.xml><?xml version="1.0" encoding="utf-8"?>
-<Control xmlns="http://schemas.microsoft.com/VisualStudio/2011/storyboarding/control">
-  <Id Name="System.Storyboarding.Common.Text" Revision="1" Stencil="System.Storyboarding.Common" StencilVersion="0.1"/>
-</Control>
-</file>
-
-<file path=customXml/item107.xml><?xml version="1.0" encoding="utf-8"?>
-<Control xmlns="http://schemas.microsoft.com/VisualStudio/2011/storyboarding/control">
-  <Id Name="System.Storyboarding.Common.TextArea" Revision="1" Stencil="System.Storyboarding.Common" StencilVersion="0.1"/>
-</Control>
-</file>
-
-<file path=customXml/item108.xml><?xml version="1.0" encoding="utf-8"?>
-<Control xmlns="http://schemas.microsoft.com/VisualStudio/2011/storyboarding/control">
-  <Id Name="System.Storyboarding.Icons.Star" Revision="1" Stencil="System.Storyboarding.Icons" StencilVersion="0.1"/>
-</Control>
-</file>
-
-<file path=customXml/item109.xml><?xml version="1.0" encoding="utf-8"?>
-<Control xmlns="http://schemas.microsoft.com/VisualStudio/2011/storyboarding/control">
-  <Id Name="System.Storyboarding.Icons.Star" Revision="1" Stencil="System.Storyboarding.Icons" StencilVersion="0.1"/>
 </Control>
 </file>
 
@@ -15903,55 +16076,55 @@
 
 <file path=customXml/item110.xml><?xml version="1.0" encoding="utf-8"?>
 <Control xmlns="http://schemas.microsoft.com/VisualStudio/2011/storyboarding/control">
-  <Id Name="System.Storyboarding.WindowsApps.WindowsAppsTileMedium" Revision="1" Stencil="System.Storyboarding.WindowsApps" StencilVersion="0.1"/>
+  <Id Name="System.Storyboarding.WindowsApps.WindowsAppsTileWideSmall" Revision="1" Stencil="System.Storyboarding.WindowsApps" StencilVersion="0.1"/>
 </Control>
 </file>
 
 <file path=customXml/item111.xml><?xml version="1.0" encoding="utf-8"?>
 <Control xmlns="http://schemas.microsoft.com/VisualStudio/2011/storyboarding/control">
-  <Id Name="System.Storyboarding.Common.TextInput" Revision="1" Stencil="System.Storyboarding.Common" StencilVersion="0.1"/>
+  <Id Name="System.Storyboarding.WindowsApps.WindowsAppsContextMenu" Revision="1" Stencil="System.Storyboarding.WindowsApps" StencilVersion="0.1"/>
 </Control>
 </file>
 
 <file path=customXml/item112.xml><?xml version="1.0" encoding="utf-8"?>
 <Control xmlns="http://schemas.microsoft.com/VisualStudio/2011/storyboarding/control">
-  <Id Name="System.Storyboarding.WindowsApps.WindowsAppsMediumWideTile" Revision="1" Stencil="System.Storyboarding.WindowsApps" StencilVersion="0.1"/>
+  <Id Name="System.Storyboarding.Backgrounds.DesktopTaskbar" Revision="1" Stencil="System.Storyboarding.Backgrounds" StencilVersion="0.1"/>
 </Control>
 </file>
 
 <file path=customXml/item113.xml><?xml version="1.0" encoding="utf-8"?>
-<Control xmlns="http://schemas.microsoft.com/VisualStudio/2011/storyboarding/control">
-  <Id Name="System.Storyboarding.Common.TextInput" Revision="1" Stencil="System.Storyboarding.Common" StencilVersion="0.1"/>
-</Control>
-</file>
-
-<file path=customXml/item114.xml><?xml version="1.0" encoding="utf-8"?>
-<Control xmlns="http://schemas.microsoft.com/VisualStudio/2011/storyboarding/control">
-  <Id Name="System.Storyboarding.WindowsApps.WindowsAppsButton" Revision="1" Stencil="System.Storyboarding.WindowsApps" StencilVersion="0.1"/>
-</Control>
-</file>
-
-<file path=customXml/item115.xml><?xml version="1.0" encoding="utf-8"?>
-<Control xmlns="http://schemas.microsoft.com/VisualStudio/2011/storyboarding/control">
-  <Id Name="System.Storyboarding.Common.DatePicker" Revision="1" Stencil="System.Storyboarding.Common" StencilVersion="0.1"/>
-</Control>
-</file>
-
-<file path=customXml/item116.xml><?xml version="1.0" encoding="utf-8"?>
-<Control xmlns="http://schemas.microsoft.com/VisualStudio/2011/storyboarding/control">
-  <Id Name="System.Storyboarding.Media.Image" Revision="1" Stencil="System.Storyboarding.Media" StencilVersion="0.1"/>
-</Control>
-</file>
-
-<file path=customXml/item117.xml><?xml version="1.0" encoding="utf-8"?>
 <Control xmlns="http://schemas.microsoft.com/VisualStudio/2011/storyboarding/control">
   <Id Name="System.Storyboarding.Common.Text" Revision="1" Stencil="System.Storyboarding.Common" StencilVersion="0.1"/>
 </Control>
 </file>
 
+<file path=customXml/item114.xml><?xml version="1.0" encoding="utf-8"?>
+<Control xmlns="http://schemas.microsoft.com/VisualStudio/2011/storyboarding/control">
+  <Id Name="System.Storyboarding.Common.Text" Revision="1" Stencil="System.Storyboarding.Common" StencilVersion="0.1"/>
+</Control>
+</file>
+
+<file path=customXml/item115.xml><?xml version="1.0" encoding="utf-8"?>
+<Control xmlns="http://schemas.microsoft.com/VisualStudio/2011/storyboarding/control">
+  <Id Name="System.Storyboarding.WindowsApps.WindowsAppsTileMedium" Revision="1" Stencil="System.Storyboarding.WindowsApps" StencilVersion="0.1"/>
+</Control>
+</file>
+
+<file path=customXml/item116.xml><?xml version="1.0" encoding="utf-8"?>
+<Control xmlns="http://schemas.microsoft.com/VisualStudio/2011/storyboarding/control">
+  <Id Name="System.Storyboarding.Icons.Star" Revision="1" Stencil="System.Storyboarding.Icons" StencilVersion="0.1"/>
+</Control>
+</file>
+
+<file path=customXml/item117.xml><?xml version="1.0" encoding="utf-8"?>
+<Control xmlns="http://schemas.microsoft.com/VisualStudio/2011/storyboarding/control">
+  <Id Name="System.Storyboarding.Icons.Star" Revision="1" Stencil="System.Storyboarding.Icons" StencilVersion="0.1"/>
+</Control>
+</file>
+
 <file path=customXml/item118.xml><?xml version="1.0" encoding="utf-8"?>
 <Control xmlns="http://schemas.microsoft.com/VisualStudio/2011/storyboarding/control">
-  <Id Name="System.Storyboarding.Common.Text" Revision="1" Stencil="System.Storyboarding.Common" StencilVersion="0.1"/>
+  <Id Name="System.Storyboarding.Common.TextInput" Revision="1" Stencil="System.Storyboarding.Common" StencilVersion="0.1"/>
 </Control>
 </file>
 
@@ -15963,25 +16136,25 @@
 
 <file path=customXml/item12.xml><?xml version="1.0" encoding="utf-8"?>
 <Control xmlns="http://schemas.microsoft.com/VisualStudio/2011/storyboarding/control">
-  <Id Name="System.Storyboarding.Icons.Star" Revision="1" Stencil="System.Storyboarding.Icons" StencilVersion="0.1"/>
+  <Id Name="System.Storyboarding.Common.Text" Revision="1" Stencil="System.Storyboarding.Common" StencilVersion="0.1"/>
 </Control>
 </file>
 
 <file path=customXml/item120.xml><?xml version="1.0" encoding="utf-8"?>
-<Control xmlns="http://schemas.microsoft.com/VisualStudio/2011/storyboarding/control">
-  <Id Name="System.Storyboarding.WindowsApps.WindowsAppsMediumWideTile" Revision="1" Stencil="System.Storyboarding.WindowsApps" StencilVersion="0.1"/>
-</Control>
-</file>
-
-<file path=customXml/item121.xml><?xml version="1.0" encoding="utf-8"?>
 <Control xmlns="http://schemas.microsoft.com/VisualStudio/2011/storyboarding/control">
   <Id Name="32035d07-bc66-4a79-8001-2507012193e3" RevisionId="7f6cc906-8fab-4878-8f41-90bcdc4e860e" Stencil="172d6d98-e5c9-42e9-a209-79f7a94bbd38" StencilRevisionId="00000000-0000-0000-0000-000000000000" StencilVersion="0.0"/>
 </Control>
 </file>
 
+<file path=customXml/item121.xml><?xml version="1.0" encoding="utf-8"?>
+<Control xmlns="http://schemas.microsoft.com/VisualStudio/2011/storyboarding/control">
+  <Id Name="System.Storyboarding.Icons.Star" Revision="1" Stencil="System.Storyboarding.Icons" StencilVersion="0.1"/>
+</Control>
+</file>
+
 <file path=customXml/item122.xml><?xml version="1.0" encoding="utf-8"?>
 <Control xmlns="http://schemas.microsoft.com/VisualStudio/2011/storyboarding/control">
-  <Id Name="System.Storyboarding.Icons.Star" Revision="1" Stencil="System.Storyboarding.Icons" StencilVersion="0.1"/>
+  <Id Name="System.Storyboarding.Common.TextInput" Revision="1" Stencil="System.Storyboarding.Common" StencilVersion="0.1"/>
 </Control>
 </file>
 
@@ -15993,19 +16166,19 @@
 
 <file path=customXml/item124.xml><?xml version="1.0" encoding="utf-8"?>
 <Control xmlns="http://schemas.microsoft.com/VisualStudio/2011/storyboarding/control">
-  <Id Name="System.Storyboarding.Common.RadioButtonSelected" Revision="1" Stencil="System.Storyboarding.Common" StencilVersion="0.1"/>
+  <Id Name="System.Storyboarding.WindowsAppIcons.Check" Revision="1" Stencil="System.Storyboarding.WindowsAppIcons" StencilVersion="0.1"/>
 </Control>
 </file>
 
 <file path=customXml/item125.xml><?xml version="1.0" encoding="utf-8"?>
 <Control xmlns="http://schemas.microsoft.com/VisualStudio/2011/storyboarding/control">
-  <Id Name="System.Storyboarding.Common.TextInput" Revision="1" Stencil="System.Storyboarding.Common" StencilVersion="0.1"/>
+  <Id Name="System.Storyboarding.WindowsAppIcons.Like" Revision="1" Stencil="System.Storyboarding.WindowsAppIcons" StencilVersion="0.1"/>
 </Control>
 </file>
 
 <file path=customXml/item126.xml><?xml version="1.0" encoding="utf-8"?>
 <Control xmlns="http://schemas.microsoft.com/VisualStudio/2011/storyboarding/control">
-  <Id Name="System.Storyboarding.WindowsAppIcons.Hyperlink" Revision="1" Stencil="System.Storyboarding.WindowsAppIcons" StencilVersion="0.1"/>
+  <Id Name="System.Storyboarding.Common.Text" Revision="1" Stencil="System.Storyboarding.Common" StencilVersion="0.1"/>
 </Control>
 </file>
 
@@ -16017,55 +16190,55 @@
 
 <file path=customXml/item128.xml><?xml version="1.0" encoding="utf-8"?>
 <Control xmlns="http://schemas.microsoft.com/VisualStudio/2011/storyboarding/control">
-  <Id Name="System.Storyboarding.Common.MousePointer" Revision="1" Stencil="System.Storyboarding.Common" StencilVersion="0.1"/>
+  <Id Name="System.Storyboarding.WindowsApps.WindowsAppsTileWideSmall" Revision="1" Stencil="System.Storyboarding.WindowsApps" StencilVersion="0.1"/>
 </Control>
 </file>
 
 <file path=customXml/item129.xml><?xml version="1.0" encoding="utf-8"?>
+<Control xmlns="http://schemas.microsoft.com/VisualStudio/2011/storyboarding/control">
+  <Id Name="System.Storyboarding.Common.RadioButtonSelected" Revision="1" Stencil="System.Storyboarding.Common" StencilVersion="0.1"/>
+</Control>
+</file>
+
+<file path=customXml/item13.xml><?xml version="1.0" encoding="utf-8"?>
+<Control xmlns="http://schemas.microsoft.com/VisualStudio/2011/storyboarding/control">
+  <Id Name="System.Storyboarding.Icons.Star" Revision="1" Stencil="System.Storyboarding.Icons" StencilVersion="0.1"/>
+</Control>
+</file>
+
+<file path=customXml/item130.xml><?xml version="1.0" encoding="utf-8"?>
+<Control xmlns="http://schemas.microsoft.com/VisualStudio/2011/storyboarding/control">
+  <Id Name="System.Storyboarding.WindowsApps.WindowsAppsButton" Revision="1" Stencil="System.Storyboarding.WindowsApps" StencilVersion="0.1"/>
+</Control>
+</file>
+
+<file path=customXml/item131.xml><?xml version="1.0" encoding="utf-8"?>
+<Control xmlns="http://schemas.microsoft.com/VisualStudio/2011/storyboarding/control">
+  <Id Name="System.Storyboarding.Common.TextInput" Revision="1" Stencil="System.Storyboarding.Common" StencilVersion="0.1"/>
+</Control>
+</file>
+
+<file path=customXml/item132.xml><?xml version="1.0" encoding="utf-8"?>
+<Control xmlns="http://schemas.microsoft.com/VisualStudio/2011/storyboarding/control">
+  <Id Name="System.Storyboarding.Common.TextInput" Revision="1" Stencil="System.Storyboarding.Common" StencilVersion="0.1"/>
+</Control>
+</file>
+
+<file path=customXml/item133.xml><?xml version="1.0" encoding="utf-8"?>
 <Control xmlns="http://schemas.microsoft.com/VisualStudio/2011/storyboarding/control">
   <Id Name="System.Storyboarding.Common.Text" Revision="1" Stencil="System.Storyboarding.Common" StencilVersion="0.1"/>
 </Control>
 </file>
 
-<file path=customXml/item13.xml><?xml version="1.0" encoding="utf-8"?>
-<Control xmlns="http://schemas.microsoft.com/VisualStudio/2011/storyboarding/control">
-  <Id Name="System.Storyboarding.Common.Text" Revision="1" Stencil="System.Storyboarding.Common" StencilVersion="0.1"/>
-</Control>
-</file>
-
-<file path=customXml/item130.xml><?xml version="1.0" encoding="utf-8"?>
-<Control xmlns="http://schemas.microsoft.com/VisualStudio/2011/storyboarding/control">
-  <Id Name="System.Storyboarding.Common.DataGrid" Revision="1" Stencil="System.Storyboarding.Common" StencilVersion="0.1"/>
-</Control>
-</file>
-
-<file path=customXml/item131.xml><?xml version="1.0" encoding="utf-8"?>
-<Control xmlns="http://schemas.microsoft.com/VisualStudio/2011/storyboarding/control">
-  <Id Name="System.Storyboarding.WindowsAppIcons.Like" Revision="1" Stencil="System.Storyboarding.WindowsAppIcons" StencilVersion="0.1"/>
-</Control>
-</file>
-
-<file path=customXml/item132.xml><?xml version="1.0" encoding="utf-8"?>
-<Control xmlns="http://schemas.microsoft.com/VisualStudio/2011/storyboarding/control">
-  <Id Name="System.Storyboarding.Common.MousePointer" Revision="1" Stencil="System.Storyboarding.Common" StencilVersion="0.1"/>
-</Control>
-</file>
-
-<file path=customXml/item133.xml><?xml version="1.0" encoding="utf-8"?>
-<Control xmlns="http://schemas.microsoft.com/VisualStudio/2011/storyboarding/control">
-  <Id Name="System.Storyboarding.WindowsApps.WindowsAppsTileWideSmall" Revision="1" Stencil="System.Storyboarding.WindowsApps" StencilVersion="0.1"/>
-</Control>
-</file>
-
 <file path=customXml/item134.xml><?xml version="1.0" encoding="utf-8"?>
 <Control xmlns="http://schemas.microsoft.com/VisualStudio/2011/storyboarding/control">
-  <Id Name="System.Storyboarding.Common.TextInput" Revision="1" Stencil="System.Storyboarding.Common" StencilVersion="0.1"/>
+  <Id Name="System.Storyboarding.Common.ScrollbarVertical" Revision="1" Stencil="System.Storyboarding.Common" StencilVersion="0.1"/>
 </Control>
 </file>
 
 <file path=customXml/item135.xml><?xml version="1.0" encoding="utf-8"?>
 <Control xmlns="http://schemas.microsoft.com/VisualStudio/2011/storyboarding/control">
-  <Id Name="System.Storyboarding.Common.Text" Revision="1" Stencil="System.Storyboarding.Common" StencilVersion="0.1"/>
+  <Id Name="System.Storyboarding.Common.Button" Revision="1" Stencil="System.Storyboarding.Common" StencilVersion="0.1"/>
 </Control>
 </file>
 
@@ -16077,79 +16250,79 @@
 
 <file path=customXml/item137.xml><?xml version="1.0" encoding="utf-8"?>
 <Control xmlns="http://schemas.microsoft.com/VisualStudio/2011/storyboarding/control">
-  <Id Name="System.Storyboarding.Media.HorizontalBarChart" Revision="1" Stencil="System.Storyboarding.Media" StencilVersion="0.1"/>
+  <Id Name="32035d07-bc66-4a79-8001-2507012193e3" RevisionId="7f6cc906-8fab-4878-8f41-90bcdc4e860e" Stencil="172d6d98-e5c9-42e9-a209-79f7a94bbd38" StencilRevisionId="00000000-0000-0000-0000-000000000000" StencilVersion="0.0"/>
 </Control>
 </file>
 
 <file path=customXml/item138.xml><?xml version="1.0" encoding="utf-8"?>
 <Control xmlns="http://schemas.microsoft.com/VisualStudio/2011/storyboarding/control">
-  <Id Name="32035d07-bc66-4a79-8001-2507012193e3" RevisionId="7f6cc906-8fab-4878-8f41-90bcdc4e860e" Stencil="172d6d98-e5c9-42e9-a209-79f7a94bbd38" StencilRevisionId="00000000-0000-0000-0000-000000000000" StencilVersion="0.0"/>
+  <Id Name="System.Storyboarding.WindowsAppIcons.Plus" Revision="1" Stencil="System.Storyboarding.WindowsAppIcons" StencilVersion="0.1"/>
 </Control>
 </file>
 
 <file path=customXml/item139.xml><?xml version="1.0" encoding="utf-8"?>
 <Control xmlns="http://schemas.microsoft.com/VisualStudio/2011/storyboarding/control">
-  <Id Name="System.Storyboarding.Common.DatePicker" Revision="1" Stencil="System.Storyboarding.Common" StencilVersion="0.1"/>
+  <Id Name="System.Storyboarding.Backgrounds.WebBrowser" Revision="1" Stencil="System.Storyboarding.Backgrounds" StencilVersion="0.1"/>
 </Control>
 </file>
 
 <file path=customXml/item14.xml><?xml version="1.0" encoding="utf-8"?>
+<Control xmlns="http://schemas.microsoft.com/VisualStudio/2011/storyboarding/control">
+  <Id Name="System.Storyboarding.WindowsApps.WindowsAppsEditBox" Revision="1" Stencil="System.Storyboarding.WindowsApps" StencilVersion="0.1"/>
+</Control>
+</file>
+
+<file path=customXml/item140.xml><?xml version="1.0" encoding="utf-8"?>
 <Control xmlns="http://schemas.microsoft.com/VisualStudio/2011/storyboarding/control">
   <Id Name="System.Storyboarding.Common.TextInput" Revision="1" Stencil="System.Storyboarding.Common" StencilVersion="0.1"/>
 </Control>
 </file>
 
-<file path=customXml/item140.xml><?xml version="1.0" encoding="utf-8"?>
+<file path=customXml/item141.xml><?xml version="1.0" encoding="utf-8"?>
 <Control xmlns="http://schemas.microsoft.com/VisualStudio/2011/storyboarding/control">
-  <Id Name="System.Storyboarding.Common.ScrollbarVertical" Revision="1" Stencil="System.Storyboarding.Common" StencilVersion="0.1"/>
+  <Id Name="System.Storyboarding.Icons.Star" Revision="1" Stencil="System.Storyboarding.Icons" StencilVersion="0.1"/>
 </Control>
 </file>
 
-<file path=customXml/item141.xml><?xml version="1.0" encoding="utf-8"?>
+<file path=customXml/item142.xml><?xml version="1.0" encoding="utf-8"?>
 <Control xmlns="http://schemas.microsoft.com/VisualStudio/2011/storyboarding/control">
   <Id Name="System.Storyboarding.WindowsApps.WindowsAppsTileWideSmall" Revision="1" Stencil="System.Storyboarding.WindowsApps" StencilVersion="0.1"/>
 </Control>
 </file>
 
-<file path=customXml/item142.xml><?xml version="1.0" encoding="utf-8"?>
+<file path=customXml/item143.xml><?xml version="1.0" encoding="utf-8"?>
+<Control xmlns="http://schemas.microsoft.com/VisualStudio/2011/storyboarding/control">
+  <Id Name="System.Storyboarding.Media.Image" Revision="1" Stencil="System.Storyboarding.Media" StencilVersion="0.1"/>
+</Control>
+</file>
+
+<file path=customXml/item144.xml><?xml version="1.0" encoding="utf-8"?>
 <Control xmlns="http://schemas.microsoft.com/VisualStudio/2011/storyboarding/control">
   <Id Name="System.Storyboarding.Media.PieChart" Revision="1" Stencil="System.Storyboarding.Media" StencilVersion="0.1"/>
 </Control>
 </file>
 
-<file path=customXml/item143.xml><?xml version="1.0" encoding="utf-8"?>
+<file path=customXml/item145.xml><?xml version="1.0" encoding="utf-8"?>
+<Control xmlns="http://schemas.microsoft.com/VisualStudio/2011/storyboarding/control">
+  <Id Name="System.Storyboarding.Common.Button" Revision="1" Stencil="System.Storyboarding.Common" StencilVersion="0.1"/>
+</Control>
+</file>
+
+<file path=customXml/item146.xml><?xml version="1.0" encoding="utf-8"?>
 <Control xmlns="http://schemas.microsoft.com/VisualStudio/2011/storyboarding/control">
   <Id Name="System.Storyboarding.Icons.Star" Revision="1" Stencil="System.Storyboarding.Icons" StencilVersion="0.1"/>
 </Control>
 </file>
 
-<file path=customXml/item144.xml><?xml version="1.0" encoding="utf-8"?>
-<Control xmlns="http://schemas.microsoft.com/VisualStudio/2011/storyboarding/control">
-  <Id Name="System.Storyboarding.Common.Button" Revision="1" Stencil="System.Storyboarding.Common" StencilVersion="0.1"/>
-</Control>
-</file>
-
-<file path=customXml/item145.xml><?xml version="1.0" encoding="utf-8"?>
-<Control xmlns="http://schemas.microsoft.com/VisualStudio/2011/storyboarding/control">
-  <Id Name="System.Storyboarding.Common.TextInput" Revision="1" Stencil="System.Storyboarding.Common" StencilVersion="0.1"/>
-</Control>
-</file>
-
-<file path=customXml/item146.xml><?xml version="1.0" encoding="utf-8"?>
+<file path=customXml/item147.xml><?xml version="1.0" encoding="utf-8"?>
 <Control xmlns="http://schemas.microsoft.com/VisualStudio/2011/storyboarding/control">
   <Id Name="System.Storyboarding.Common.Text" Revision="1" Stencil="System.Storyboarding.Common" StencilVersion="0.1"/>
 </Control>
 </file>
 
-<file path=customXml/item147.xml><?xml version="1.0" encoding="utf-8"?>
-<Control xmlns="http://schemas.microsoft.com/VisualStudio/2011/storyboarding/control">
-  <Id Name="System.Storyboarding.Common.DatePicker" Revision="1" Stencil="System.Storyboarding.Common" StencilVersion="0.1"/>
-</Control>
-</file>
-
 <file path=customXml/item148.xml><?xml version="1.0" encoding="utf-8"?>
 <Control xmlns="http://schemas.microsoft.com/VisualStudio/2011/storyboarding/control">
-  <Id Name="System.Storyboarding.Common.Button" Revision="1" Stencil="System.Storyboarding.Common" StencilVersion="0.1"/>
+  <Id Name="System.Storyboarding.WindowsApps.WindowsAppsContextMenu" Revision="1" Stencil="System.Storyboarding.WindowsApps" StencilVersion="0.1"/>
 </Control>
 </file>
 
@@ -16161,25 +16334,25 @@
 
 <file path=customXml/item15.xml><?xml version="1.0" encoding="utf-8"?>
 <Control xmlns="http://schemas.microsoft.com/VisualStudio/2011/storyboarding/control">
-  <Id Name="System.Storyboarding.Common.TextInput" Revision="1" Stencil="System.Storyboarding.Common" StencilVersion="0.1"/>
+  <Id Name="System.Storyboarding.Backgrounds.WebBrowser" Revision="1" Stencil="System.Storyboarding.Backgrounds" StencilVersion="0.1"/>
 </Control>
 </file>
 
 <file path=customXml/item150.xml><?xml version="1.0" encoding="utf-8"?>
 <Control xmlns="http://schemas.microsoft.com/VisualStudio/2011/storyboarding/control">
-  <Id Name="System.Storyboarding.WindowsApps.WindowsAppsButton" Revision="1" Stencil="System.Storyboarding.WindowsApps" StencilVersion="0.1"/>
+  <Id Name="System.Storyboarding.WindowsApps.WindowsAppsTileMediumSelected" Revision="1" Stencil="System.Storyboarding.WindowsApps" StencilVersion="0.1"/>
 </Control>
 </file>
 
 <file path=customXml/item151.xml><?xml version="1.0" encoding="utf-8"?>
 <Control xmlns="http://schemas.microsoft.com/VisualStudio/2011/storyboarding/control">
-  <Id Name="System.Storyboarding.Common.TextInput" Revision="1" Stencil="System.Storyboarding.Common" StencilVersion="0.1"/>
+  <Id Name="System.Storyboarding.Media.PieChart" Revision="1" Stencil="System.Storyboarding.Media" StencilVersion="0.1"/>
 </Control>
 </file>
 
 <file path=customXml/item152.xml><?xml version="1.0" encoding="utf-8"?>
 <Control xmlns="http://schemas.microsoft.com/VisualStudio/2011/storyboarding/control">
-  <Id Name="System.Storyboarding.WindowsApps.WindowsAppsContextMenu" Revision="1" Stencil="System.Storyboarding.WindowsApps" StencilVersion="0.1"/>
+  <Id Name="System.Storyboarding.Common.Hyperlink" Revision="1" Stencil="System.Storyboarding.Common" StencilVersion="0.1"/>
 </Control>
 </file>
 
@@ -16191,73 +16364,73 @@
 
 <file path=customXml/item154.xml><?xml version="1.0" encoding="utf-8"?>
 <Control xmlns="http://schemas.microsoft.com/VisualStudio/2011/storyboarding/control">
-  <Id Name="System.Storyboarding.Media.Image" Revision="1" Stencil="System.Storyboarding.Media" StencilVersion="0.1"/>
+  <Id Name="System.Storyboarding.Icons.Star" Revision="1" Stencil="System.Storyboarding.Icons" StencilVersion="0.1"/>
 </Control>
 </file>
 
 <file path=customXml/item155.xml><?xml version="1.0" encoding="utf-8"?>
+<Control xmlns="http://schemas.microsoft.com/VisualStudio/2011/storyboarding/control">
+  <Id Name="System.Storyboarding.Common.CheckBoxUnchecked" Revision="1" Stencil="System.Storyboarding.Common" StencilVersion="0.1"/>
+</Control>
+</file>
+
+<file path=customXml/item156.xml><?xml version="1.0" encoding="utf-8"?>
+<Control xmlns="http://schemas.microsoft.com/VisualStudio/2011/storyboarding/control">
+  <Id Name="System.Storyboarding.WindowsApps.WindowsAppsTileMedium" Revision="1" Stencil="System.Storyboarding.WindowsApps" StencilVersion="0.1"/>
+</Control>
+</file>
+
+<file path=customXml/item157.xml><?xml version="1.0" encoding="utf-8"?>
+<Control xmlns="http://schemas.microsoft.com/VisualStudio/2011/storyboarding/control">
+  <Id Name="System.Storyboarding.WindowsAppIcons.Plus" Revision="1" Stencil="System.Storyboarding.WindowsAppIcons" StencilVersion="0.1"/>
+</Control>
+</file>
+
+<file path=customXml/item158.xml><?xml version="1.0" encoding="utf-8"?>
+<Control xmlns="http://schemas.microsoft.com/VisualStudio/2011/storyboarding/control">
+  <Id Name="System.Storyboarding.WindowsApps.WindowsAppsTileWideSmall" Revision="1" Stencil="System.Storyboarding.WindowsApps" StencilVersion="0.1"/>
+</Control>
+</file>
+
+<file path=customXml/item159.xml><?xml version="1.0" encoding="utf-8"?>
+<Control xmlns="http://schemas.microsoft.com/VisualStudio/2011/storyboarding/control">
+  <Id Name="System.Storyboarding.Common.TextInput" Revision="1" Stencil="System.Storyboarding.Common" StencilVersion="0.1"/>
+</Control>
+</file>
+
+<file path=customXml/item16.xml><?xml version="1.0" encoding="utf-8"?>
 <Control xmlns="http://schemas.microsoft.com/VisualStudio/2011/storyboarding/control">
   <Id Name="System.Storyboarding.Icons.Star" Revision="1" Stencil="System.Storyboarding.Icons" StencilVersion="0.1"/>
 </Control>
 </file>
 
-<file path=customXml/item156.xml><?xml version="1.0" encoding="utf-8"?>
+<file path=customXml/item160.xml><?xml version="1.0" encoding="utf-8"?>
+<Control xmlns="http://schemas.microsoft.com/VisualStudio/2011/storyboarding/control">
+  <Id Name="System.Storyboarding.Common.CheckBoxUnchecked" Revision="1" Stencil="System.Storyboarding.Common" StencilVersion="0.1"/>
+</Control>
+</file>
+
+<file path=customXml/item161.xml><?xml version="1.0" encoding="utf-8"?>
+<Control xmlns="http://schemas.microsoft.com/VisualStudio/2011/storyboarding/control">
+  <Id Name="System.Storyboarding.Common.TextInput" Revision="1" Stencil="System.Storyboarding.Common" StencilVersion="0.1"/>
+</Control>
+</file>
+
+<file path=customXml/item162.xml><?xml version="1.0" encoding="utf-8"?>
+<Control xmlns="http://schemas.microsoft.com/VisualStudio/2011/storyboarding/control">
+  <Id Name="System.Storyboarding.Common.Text" Revision="1" Stencil="System.Storyboarding.Common" StencilVersion="0.1"/>
+</Control>
+</file>
+
+<file path=customXml/item163.xml><?xml version="1.0" encoding="utf-8"?>
 <Control xmlns="http://schemas.microsoft.com/VisualStudio/2011/storyboarding/control">
   <Id Name="System.Storyboarding.Icons.Star" Revision="1" Stencil="System.Storyboarding.Icons" StencilVersion="0.1"/>
 </Control>
 </file>
 
-<file path=customXml/item157.xml><?xml version="1.0" encoding="utf-8"?>
-<Control xmlns="http://schemas.microsoft.com/VisualStudio/2011/storyboarding/control">
-  <Id Name="System.Storyboarding.WindowsApps.WindowsAppsTileMediumSelected" Revision="1" Stencil="System.Storyboarding.WindowsApps" StencilVersion="0.1"/>
-</Control>
-</file>
-
-<file path=customXml/item158.xml><?xml version="1.0" encoding="utf-8"?>
-<Control xmlns="http://schemas.microsoft.com/VisualStudio/2011/storyboarding/control">
-  <Id Name="System.Storyboarding.Common.Text" Revision="1" Stencil="System.Storyboarding.Common" StencilVersion="0.1"/>
-</Control>
-</file>
-
-<file path=customXml/item159.xml><?xml version="1.0" encoding="utf-8"?>
-<Control xmlns="http://schemas.microsoft.com/VisualStudio/2011/storyboarding/control">
-  <Id Name="System.Storyboarding.Common.Text" Revision="1" Stencil="System.Storyboarding.Common" StencilVersion="0.1"/>
-</Control>
-</file>
-
-<file path=customXml/item16.xml><?xml version="1.0" encoding="utf-8"?>
-<Control xmlns="http://schemas.microsoft.com/VisualStudio/2011/storyboarding/control">
-  <Id Name="System.Storyboarding.Common.TextInput" Revision="1" Stencil="System.Storyboarding.Common" StencilVersion="0.1"/>
-</Control>
-</file>
-
-<file path=customXml/item160.xml><?xml version="1.0" encoding="utf-8"?>
-<Control xmlns="http://schemas.microsoft.com/VisualStudio/2011/storyboarding/control">
-  <Id Name="System.Storyboarding.Common.TextInput" Revision="1" Stencil="System.Storyboarding.Common" StencilVersion="0.1"/>
-</Control>
-</file>
-
-<file path=customXml/item161.xml><?xml version="1.0" encoding="utf-8"?>
-<Control xmlns="http://schemas.microsoft.com/VisualStudio/2011/storyboarding/control">
-  <Id Name="System.Storyboarding.Common.Text" Revision="1" Stencil="System.Storyboarding.Common" StencilVersion="0.1"/>
-</Control>
-</file>
-
-<file path=customXml/item162.xml><?xml version="1.0" encoding="utf-8"?>
-<Control xmlns="http://schemas.microsoft.com/VisualStudio/2011/storyboarding/control">
-  <Id Name="System.Storyboarding.Common.TextInput" Revision="1" Stencil="System.Storyboarding.Common" StencilVersion="0.1"/>
-</Control>
-</file>
-
-<file path=customXml/item163.xml><?xml version="1.0" encoding="utf-8"?>
-<Control xmlns="http://schemas.microsoft.com/VisualStudio/2011/storyboarding/control">
-  <Id Name="System.Storyboarding.Common.DataGrid" Revision="1" Stencil="System.Storyboarding.Common" StencilVersion="0.1"/>
-</Control>
-</file>
-
 <file path=customXml/item164.xml><?xml version="1.0" encoding="utf-8"?>
 <Control xmlns="http://schemas.microsoft.com/VisualStudio/2011/storyboarding/control">
-  <Id Name="System.Storyboarding.Common.Text" Revision="1" Stencil="System.Storyboarding.Common" StencilVersion="0.1"/>
+  <Id Name="System.Storyboarding.Common.Button" Revision="1" Stencil="System.Storyboarding.Common" StencilVersion="0.1"/>
 </Control>
 </file>
 
@@ -16269,7 +16442,7 @@
 
 <file path=customXml/item166.xml><?xml version="1.0" encoding="utf-8"?>
 <Control xmlns="http://schemas.microsoft.com/VisualStudio/2011/storyboarding/control">
-  <Id Name="System.Storyboarding.Icons.Star" Revision="1" Stencil="System.Storyboarding.Icons" StencilVersion="0.1"/>
+  <Id Name="System.Storyboarding.WindowsApps.WindowsAppsTileMediumText" Revision="1" Stencil="System.Storyboarding.WindowsApps" StencilVersion="0.1"/>
 </Control>
 </file>
 
@@ -16281,85 +16454,85 @@
 
 <file path=customXml/item168.xml><?xml version="1.0" encoding="utf-8"?>
 <Control xmlns="http://schemas.microsoft.com/VisualStudio/2011/storyboarding/control">
-  <Id Name="System.Storyboarding.Icons.Star" Revision="1" Stencil="System.Storyboarding.Icons" StencilVersion="0.1"/>
+  <Id Name="System.Storyboarding.Common.Text" Revision="1" Stencil="System.Storyboarding.Common" StencilVersion="0.1"/>
 </Control>
 </file>
 
 <file path=customXml/item169.xml><?xml version="1.0" encoding="utf-8"?>
+<Control xmlns="http://schemas.microsoft.com/VisualStudio/2011/storyboarding/control">
+  <Id Name="System.Storyboarding.Common.TextInput" Revision="1" Stencil="System.Storyboarding.Common" StencilVersion="0.1"/>
+</Control>
+</file>
+
+<file path=customXml/item17.xml><?xml version="1.0" encoding="utf-8"?>
+<Control xmlns="http://schemas.microsoft.com/VisualStudio/2011/storyboarding/control">
+  <Id Name="System.Storyboarding.Common.Button" Revision="1" Stencil="System.Storyboarding.Common" StencilVersion="0.1"/>
+</Control>
+</file>
+
+<file path=customXml/item170.xml><?xml version="1.0" encoding="utf-8"?>
+<Control xmlns="http://schemas.microsoft.com/VisualStudio/2011/storyboarding/control">
+  <Id Name="System.Storyboarding.Common.CheckBoxUnchecked" Revision="1" Stencil="System.Storyboarding.Common" StencilVersion="0.1"/>
+</Control>
+</file>
+
+<file path=customXml/item171.xml><?xml version="1.0" encoding="utf-8"?>
+<Control xmlns="http://schemas.microsoft.com/VisualStudio/2011/storyboarding/control">
+  <Id Name="System.Storyboarding.Common.CheckBoxUnchecked" Revision="1" Stencil="System.Storyboarding.Common" StencilVersion="0.1"/>
+</Control>
+</file>
+
+<file path=customXml/item172.xml><?xml version="1.0" encoding="utf-8"?>
+<Control xmlns="http://schemas.microsoft.com/VisualStudio/2011/storyboarding/control">
+  <Id Name="System.Storyboarding.Common.CheckBoxUnchecked" Revision="1" Stencil="System.Storyboarding.Common" StencilVersion="0.1"/>
+</Control>
+</file>
+
+<file path=customXml/item18.xml><?xml version="1.0" encoding="utf-8"?>
+<Control xmlns="http://schemas.microsoft.com/VisualStudio/2011/storyboarding/control">
+  <Id Name="System.Storyboarding.Common.Text" Revision="1" Stencil="System.Storyboarding.Common" StencilVersion="0.1"/>
+</Control>
+</file>
+
+<file path=customXml/item19.xml><?xml version="1.0" encoding="utf-8"?>
+<Control xmlns="http://schemas.microsoft.com/VisualStudio/2011/storyboarding/control">
+  <Id Name="System.Storyboarding.Backgrounds.DesktopTaskbar" Revision="1" Stencil="System.Storyboarding.Backgrounds" StencilVersion="0.1"/>
+</Control>
+</file>
+
+<file path=customXml/item2.xml><?xml version="1.0" encoding="utf-8"?>
+<Control xmlns="http://schemas.microsoft.com/VisualStudio/2011/storyboarding/control">
+  <Id Name="System.Storyboarding.Common.RadioButtonUnselected" Revision="1" Stencil="System.Storyboarding.Common" StencilVersion="0.1"/>
+</Control>
+</file>
+
+<file path=customXml/item20.xml><?xml version="1.0" encoding="utf-8"?>
+<Control xmlns="http://schemas.microsoft.com/VisualStudio/2011/storyboarding/control">
+  <Id Name="System.Storyboarding.Common.TextInput" Revision="1" Stencil="System.Storyboarding.Common" StencilVersion="0.1"/>
+</Control>
+</file>
+
+<file path=customXml/item21.xml><?xml version="1.0" encoding="utf-8"?>
+<Control xmlns="http://schemas.microsoft.com/VisualStudio/2011/storyboarding/control">
+  <Id Name="System.Storyboarding.Common.Text" Revision="1" Stencil="System.Storyboarding.Common" StencilVersion="0.1"/>
+</Control>
+</file>
+
+<file path=customXml/item22.xml><?xml version="1.0" encoding="utf-8"?>
 <Control xmlns="http://schemas.microsoft.com/VisualStudio/2011/storyboarding/control">
   <Id Name="System.Storyboarding.Icons.Star" Revision="1" Stencil="System.Storyboarding.Icons" StencilVersion="0.1"/>
 </Control>
 </file>
 
-<file path=customXml/item17.xml><?xml version="1.0" encoding="utf-8"?>
-<Control xmlns="http://schemas.microsoft.com/VisualStudio/2011/storyboarding/control">
-  <Id Name="System.Storyboarding.Common.Text" Revision="1" Stencil="System.Storyboarding.Common" StencilVersion="0.1"/>
-</Control>
-</file>
-
-<file path=customXml/item170.xml><?xml version="1.0" encoding="utf-8"?>
-<Control xmlns="http://schemas.microsoft.com/VisualStudio/2011/storyboarding/control">
-  <Id Name="System.Storyboarding.Common.Button" Revision="1" Stencil="System.Storyboarding.Common" StencilVersion="0.1"/>
-</Control>
-</file>
-
-<file path=customXml/item171.xml><?xml version="1.0" encoding="utf-8"?>
-<Control xmlns="http://schemas.microsoft.com/VisualStudio/2011/storyboarding/control">
-  <Id Name="System.Storyboarding.Common.Button" Revision="1" Stencil="System.Storyboarding.Common" StencilVersion="0.1"/>
-</Control>
-</file>
-
-<file path=customXml/item172.xml><?xml version="1.0" encoding="utf-8"?>
-<Control xmlns="http://schemas.microsoft.com/VisualStudio/2011/storyboarding/control">
-  <Id Name="System.Storyboarding.WindowsAppIcons.Copy" Revision="1" Stencil="System.Storyboarding.WindowsAppIcons" StencilVersion="0.1"/>
-</Control>
-</file>
-
-<file path=customXml/item18.xml><?xml version="1.0" encoding="utf-8"?>
-<Control xmlns="http://schemas.microsoft.com/VisualStudio/2011/storyboarding/control">
-  <Id Name="System.Storyboarding.Media.VerticalBarChart" Revision="1" Stencil="System.Storyboarding.Media" StencilVersion="0.1"/>
-</Control>
-</file>
-
-<file path=customXml/item19.xml><?xml version="1.0" encoding="utf-8"?>
-<Control xmlns="http://schemas.microsoft.com/VisualStudio/2011/storyboarding/control">
-  <Id Name="System.Storyboarding.Common.Text" Revision="1" Stencil="System.Storyboarding.Common" StencilVersion="0.1"/>
-</Control>
-</file>
-
-<file path=customXml/item2.xml><?xml version="1.0" encoding="utf-8"?>
-<Control xmlns="http://schemas.microsoft.com/VisualStudio/2011/storyboarding/control">
-  <Id Name="System.Storyboarding.Common.Text" Revision="1" Stencil="System.Storyboarding.Common" StencilVersion="0.1"/>
-</Control>
-</file>
-
-<file path=customXml/item20.xml><?xml version="1.0" encoding="utf-8"?>
-<Control xmlns="http://schemas.microsoft.com/VisualStudio/2011/storyboarding/control">
-  <Id Name="System.Storyboarding.Common.Text" Revision="1" Stencil="System.Storyboarding.Common" StencilVersion="0.1"/>
-</Control>
-</file>
-
-<file path=customXml/item21.xml><?xml version="1.0" encoding="utf-8"?>
-<Control xmlns="http://schemas.microsoft.com/VisualStudio/2011/storyboarding/control">
-  <Id Name="System.Storyboarding.WindowsAppIcons.Plus" Revision="1" Stencil="System.Storyboarding.WindowsAppIcons" StencilVersion="0.1"/>
-</Control>
-</file>
-
-<file path=customXml/item22.xml><?xml version="1.0" encoding="utf-8"?>
+<file path=customXml/item23.xml><?xml version="1.0" encoding="utf-8"?>
 <Control xmlns="http://schemas.microsoft.com/VisualStudio/2011/storyboarding/control">
   <Id Name="System.Storyboarding.Common.TextInput" Revision="1" Stencil="System.Storyboarding.Common" StencilVersion="0.1"/>
 </Control>
 </file>
 
-<file path=customXml/item23.xml><?xml version="1.0" encoding="utf-8"?>
-<Control xmlns="http://schemas.microsoft.com/VisualStudio/2011/storyboarding/control">
-  <Id Name="System.Storyboarding.Common.RadioButtonSelected" Revision="1" Stencil="System.Storyboarding.Common" StencilVersion="0.1"/>
-</Control>
-</file>
-
 <file path=customXml/item24.xml><?xml version="1.0" encoding="utf-8"?>
 <Control xmlns="http://schemas.microsoft.com/VisualStudio/2011/storyboarding/control">
-  <Id Name="System.Storyboarding.Common.Button" Revision="1" Stencil="System.Storyboarding.Common" StencilVersion="0.1"/>
+  <Id Name="System.Storyboarding.WindowsPhone.PageTitle" Revision="1" Stencil="System.Storyboarding.WindowsPhone" StencilVersion="0.1"/>
 </Control>
 </file>
 
@@ -16371,151 +16544,151 @@
 
 <file path=customXml/item26.xml><?xml version="1.0" encoding="utf-8"?>
 <Control xmlns="http://schemas.microsoft.com/VisualStudio/2011/storyboarding/control">
-  <Id Name="System.Storyboarding.Icons.Star" Revision="1" Stencil="System.Storyboarding.Icons" StencilVersion="0.1"/>
+  <Id Name="System.Storyboarding.Icons.Copy" Revision="1" Stencil="System.Storyboarding.Icons" StencilVersion="0.1"/>
 </Control>
 </file>
 
 <file path=customXml/item27.xml><?xml version="1.0" encoding="utf-8"?>
+<Control xmlns="http://schemas.microsoft.com/VisualStudio/2011/storyboarding/control">
+  <Id Name="System.Storyboarding.Common.Text" Revision="1" Stencil="System.Storyboarding.Common" StencilVersion="0.1"/>
+</Control>
+</file>
+
+<file path=customXml/item28.xml><?xml version="1.0" encoding="utf-8"?>
 <Control xmlns="http://schemas.microsoft.com/VisualStudio/2011/storyboarding/control">
   <Id Name="System.Storyboarding.Icons.Star" Revision="1" Stencil="System.Storyboarding.Icons" StencilVersion="0.1"/>
 </Control>
 </file>
 
-<file path=customXml/item28.xml><?xml version="1.0" encoding="utf-8"?>
+<file path=customXml/item29.xml><?xml version="1.0" encoding="utf-8"?>
+<Control xmlns="http://schemas.microsoft.com/VisualStudio/2011/storyboarding/control">
+  <Id Name="System.Storyboarding.WindowsApps.WindowsAppsTileMedium" Revision="1" Stencil="System.Storyboarding.WindowsApps" StencilVersion="0.1"/>
+</Control>
+</file>
+
+<file path=customXml/item3.xml><?xml version="1.0" encoding="utf-8"?>
+<Control xmlns="http://schemas.microsoft.com/VisualStudio/2011/storyboarding/control">
+  <Id Name="System.Storyboarding.Common.Text" Revision="1" Stencil="System.Storyboarding.Common" StencilVersion="0.1"/>
+</Control>
+</file>
+
+<file path=customXml/item30.xml><?xml version="1.0" encoding="utf-8"?>
 <Control xmlns="http://schemas.microsoft.com/VisualStudio/2011/storyboarding/control">
   <Id Name="System.Storyboarding.Icons.Copy" Revision="1" Stencil="System.Storyboarding.Icons" StencilVersion="0.1"/>
 </Control>
 </file>
 
-<file path=customXml/item29.xml><?xml version="1.0" encoding="utf-8"?>
+<file path=customXml/item31.xml><?xml version="1.0" encoding="utf-8"?>
 <Control xmlns="http://schemas.microsoft.com/VisualStudio/2011/storyboarding/control">
-  <Id Name="System.Storyboarding.WindowsAppIcons.Plus" Revision="1" Stencil="System.Storyboarding.WindowsAppIcons" StencilVersion="0.1"/>
+  <Id Name="System.Storyboarding.Common.CheckBoxUnchecked" Revision="1" Stencil="System.Storyboarding.Common" StencilVersion="0.1"/>
 </Control>
 </file>
 
-<file path=customXml/item3.xml><?xml version="1.0" encoding="utf-8"?>
+<file path=customXml/item32.xml><?xml version="1.0" encoding="utf-8"?>
+<Control xmlns="http://schemas.microsoft.com/VisualStudio/2011/storyboarding/control">
+  <Id Name="System.Storyboarding.WindowsAppIcons.Heart" Revision="1" Stencil="System.Storyboarding.WindowsAppIcons" StencilVersion="0.1"/>
+</Control>
+</file>
+
+<file path=customXml/item33.xml><?xml version="1.0" encoding="utf-8"?>
 <Control xmlns="http://schemas.microsoft.com/VisualStudio/2011/storyboarding/control">
   <Id Name="System.Storyboarding.WindowsApps.WindowsAppsTileWideSmall" Revision="1" Stencil="System.Storyboarding.WindowsApps" StencilVersion="0.1"/>
 </Control>
 </file>
 
-<file path=customXml/item30.xml><?xml version="1.0" encoding="utf-8"?>
+<file path=customXml/item34.xml><?xml version="1.0" encoding="utf-8"?>
+<Control xmlns="http://schemas.microsoft.com/VisualStudio/2011/storyboarding/control">
+  <Id Name="System.Storyboarding.Common.Text" Revision="1" Stencil="System.Storyboarding.Common" StencilVersion="0.1"/>
+</Control>
+</file>
+
+<file path=customXml/item35.xml><?xml version="1.0" encoding="utf-8"?>
+<Control xmlns="http://schemas.microsoft.com/VisualStudio/2011/storyboarding/control">
+  <Id Name="System.Storyboarding.Common.TextArea" Revision="1" Stencil="System.Storyboarding.Common" StencilVersion="0.1"/>
+</Control>
+</file>
+
+<file path=customXml/item36.xml><?xml version="1.0" encoding="utf-8"?>
+<Control xmlns="http://schemas.microsoft.com/VisualStudio/2011/storyboarding/control">
+  <Id Name="System.Storyboarding.Common.Text" Revision="1" Stencil="System.Storyboarding.Common" StencilVersion="0.1"/>
+</Control>
+</file>
+
+<file path=customXml/item37.xml><?xml version="1.0" encoding="utf-8"?>
+<Control xmlns="http://schemas.microsoft.com/VisualStudio/2011/storyboarding/control">
+  <Id Name="System.Storyboarding.Icons.Star" Revision="1" Stencil="System.Storyboarding.Icons" StencilVersion="0.1"/>
+</Control>
+</file>
+
+<file path=customXml/item38.xml><?xml version="1.0" encoding="utf-8"?>
+<Control xmlns="http://schemas.microsoft.com/VisualStudio/2011/storyboarding/control">
+  <Id Name="System.Storyboarding.WindowsAppIcons.Copy" Revision="1" Stencil="System.Storyboarding.WindowsAppIcons" StencilVersion="0.1"/>
+</Control>
+</file>
+
+<file path=customXml/item39.xml><?xml version="1.0" encoding="utf-8"?>
+<Control xmlns="http://schemas.microsoft.com/VisualStudio/2011/storyboarding/control">
+  <Id Name="System.Storyboarding.Backgrounds.WebBrowser" Revision="1" Stencil="System.Storyboarding.Backgrounds" StencilVersion="0.1"/>
+</Control>
+</file>
+
+<file path=customXml/item4.xml><?xml version="1.0" encoding="utf-8"?>
+<Control xmlns="http://schemas.microsoft.com/VisualStudio/2011/storyboarding/control">
+  <Id Name="System.Storyboarding.Common.Text" Revision="1" Stencil="System.Storyboarding.Common" StencilVersion="0.1"/>
+</Control>
+</file>
+
+<file path=customXml/item40.xml><?xml version="1.0" encoding="utf-8"?>
+<Control xmlns="http://schemas.microsoft.com/VisualStudio/2011/storyboarding/control">
+  <Id Name="System.Storyboarding.WindowsApps.WindowsAppsTileMedium" Revision="1" Stencil="System.Storyboarding.WindowsApps" StencilVersion="0.1"/>
+</Control>
+</file>
+
+<file path=customXml/item41.xml><?xml version="1.0" encoding="utf-8"?>
+<Control xmlns="http://schemas.microsoft.com/VisualStudio/2011/storyboarding/control">
+  <Id Name="System.Storyboarding.WindowsApps.WindowsAppsMediumWideTile" Revision="1" Stencil="System.Storyboarding.WindowsApps" StencilVersion="0.1"/>
+</Control>
+</file>
+
+<file path=customXml/item42.xml><?xml version="1.0" encoding="utf-8"?>
+<Control xmlns="http://schemas.microsoft.com/VisualStudio/2011/storyboarding/control">
+  <Id Name="System.Storyboarding.Common.Text" Revision="1" Stencil="System.Storyboarding.Common" StencilVersion="0.1"/>
+</Control>
+</file>
+
+<file path=customXml/item43.xml><?xml version="1.0" encoding="utf-8"?>
 <Control xmlns="http://schemas.microsoft.com/VisualStudio/2011/storyboarding/control">
   <Id Name="System.Storyboarding.Common.TextInput" Revision="1" Stencil="System.Storyboarding.Common" StencilVersion="0.1"/>
 </Control>
 </file>
 
-<file path=customXml/item31.xml><?xml version="1.0" encoding="utf-8"?>
+<file path=customXml/item44.xml><?xml version="1.0" encoding="utf-8"?>
 <Control xmlns="http://schemas.microsoft.com/VisualStudio/2011/storyboarding/control">
-  <Id Name="System.Storyboarding.WindowsApps.WindowsAppsTileMedium" Revision="1" Stencil="System.Storyboarding.WindowsApps" StencilVersion="0.1"/>
+  <Id Name="System.Storyboarding.Media.Image" Revision="1" Stencil="System.Storyboarding.Media" StencilVersion="0.1"/>
 </Control>
 </file>
 
-<file path=customXml/item32.xml><?xml version="1.0" encoding="utf-8"?>
+<file path=customXml/item45.xml><?xml version="1.0" encoding="utf-8"?>
 <Control xmlns="http://schemas.microsoft.com/VisualStudio/2011/storyboarding/control">
-  <Id Name="System.Storyboarding.Common.TextInput" Revision="1" Stencil="System.Storyboarding.Common" StencilVersion="0.1"/>
+  <Id Name="System.Storyboarding.Common.RadioButtonSelected" Revision="1" Stencil="System.Storyboarding.Common" StencilVersion="0.1"/>
 </Control>
 </file>
 
-<file path=customXml/item33.xml><?xml version="1.0" encoding="utf-8"?>
-<Control xmlns="http://schemas.microsoft.com/VisualStudio/2011/storyboarding/control">
-  <Id Name="System.Storyboarding.Common.Text" Revision="1" Stencil="System.Storyboarding.Common" StencilVersion="0.1"/>
-</Control>
-</file>
-
-<file path=customXml/item34.xml><?xml version="1.0" encoding="utf-8"?>
-<Control xmlns="http://schemas.microsoft.com/VisualStudio/2011/storyboarding/control">
-  <Id Name="System.Storyboarding.Icons.Copy" Revision="1" Stencil="System.Storyboarding.Icons" StencilVersion="0.1"/>
-</Control>
-</file>
-
-<file path=customXml/item35.xml><?xml version="1.0" encoding="utf-8"?>
-<Control xmlns="http://schemas.microsoft.com/VisualStudio/2011/storyboarding/control">
-  <Id Name="System.Storyboarding.Common.Text" Revision="1" Stencil="System.Storyboarding.Common" StencilVersion="0.1"/>
-</Control>
-</file>
-
-<file path=customXml/item36.xml><?xml version="1.0" encoding="utf-8"?>
+<file path=customXml/item46.xml><?xml version="1.0" encoding="utf-8"?>
 <Control xmlns="http://schemas.microsoft.com/VisualStudio/2011/storyboarding/control">
   <Id Name="System.Storyboarding.Backgrounds.WebBrowser" Revision="1" Stencil="System.Storyboarding.Backgrounds" StencilVersion="0.1"/>
 </Control>
 </file>
 
-<file path=customXml/item37.xml><?xml version="1.0" encoding="utf-8"?>
-<Control xmlns="http://schemas.microsoft.com/VisualStudio/2011/storyboarding/control">
-  <Id Name="System.Storyboarding.Common.Button" Revision="1" Stencil="System.Storyboarding.Common" StencilVersion="0.1"/>
-</Control>
-</file>
-
-<file path=customXml/item38.xml><?xml version="1.0" encoding="utf-8"?>
-<Control xmlns="http://schemas.microsoft.com/VisualStudio/2011/storyboarding/control">
-  <Id Name="System.Storyboarding.Common.DatePicker" Revision="1" Stencil="System.Storyboarding.Common" StencilVersion="0.1"/>
-</Control>
-</file>
-
-<file path=customXml/item39.xml><?xml version="1.0" encoding="utf-8"?>
+<file path=customXml/item47.xml><?xml version="1.0" encoding="utf-8"?>
 <Control xmlns="http://schemas.microsoft.com/VisualStudio/2011/storyboarding/control">
   <Id Name="System.Storyboarding.Icons.Star" Revision="1" Stencil="System.Storyboarding.Icons" StencilVersion="0.1"/>
 </Control>
 </file>
 
-<file path=customXml/item4.xml><?xml version="1.0" encoding="utf-8"?>
-<Control xmlns="http://schemas.microsoft.com/VisualStudio/2011/storyboarding/control">
-  <Id Name="System.Storyboarding.Common.RadioButtonSelected" Revision="1" Stencil="System.Storyboarding.Common" StencilVersion="0.1"/>
-</Control>
-</file>
-
-<file path=customXml/item40.xml><?xml version="1.0" encoding="utf-8"?>
-<Control xmlns="http://schemas.microsoft.com/VisualStudio/2011/storyboarding/control">
-  <Id Name="System.Storyboarding.Icons.Star" Revision="1" Stencil="System.Storyboarding.Icons" StencilVersion="0.1"/>
-</Control>
-</file>
-
-<file path=customXml/item41.xml><?xml version="1.0" encoding="utf-8"?>
-<Control xmlns="http://schemas.microsoft.com/VisualStudio/2011/storyboarding/control">
-  <Id Name="System.Storyboarding.WindowsApps.WindowsAppsTileMedium" Revision="1" Stencil="System.Storyboarding.WindowsApps" StencilVersion="0.1"/>
-</Control>
-</file>
-
-<file path=customXml/item42.xml><?xml version="1.0" encoding="utf-8"?>
-<Control xmlns="http://schemas.microsoft.com/VisualStudio/2011/storyboarding/control">
-  <Id Name="System.Storyboarding.Common.TextInput" Revision="1" Stencil="System.Storyboarding.Common" StencilVersion="0.1"/>
-</Control>
-</file>
-
-<file path=customXml/item43.xml><?xml version="1.0" encoding="utf-8"?>
-<Control xmlns="http://schemas.microsoft.com/VisualStudio/2011/storyboarding/control">
-  <Id Name="System.Storyboarding.WindowsApps.WindowsAppsTileWideSmall" Revision="1" Stencil="System.Storyboarding.WindowsApps" StencilVersion="0.1"/>
-</Control>
-</file>
-
-<file path=customXml/item44.xml><?xml version="1.0" encoding="utf-8"?>
-<Control xmlns="http://schemas.microsoft.com/VisualStudio/2011/storyboarding/control">
-  <Id Name="System.Storyboarding.Common.TextInput" Revision="1" Stencil="System.Storyboarding.Common" StencilVersion="0.1"/>
-</Control>
-</file>
-
-<file path=customXml/item45.xml><?xml version="1.0" encoding="utf-8"?>
+<file path=customXml/item48.xml><?xml version="1.0" encoding="utf-8"?>
 <Control xmlns="http://schemas.microsoft.com/VisualStudio/2011/storyboarding/control">
   <Id Name="System.Storyboarding.Common.Button" Revision="1" Stencil="System.Storyboarding.Common" StencilVersion="0.1"/>
-</Control>
-</file>
-
-<file path=customXml/item46.xml><?xml version="1.0" encoding="utf-8"?>
-<Control xmlns="http://schemas.microsoft.com/VisualStudio/2011/storyboarding/control">
-  <Id Name="System.Storyboarding.Icons.Star" Revision="1" Stencil="System.Storyboarding.Icons" StencilVersion="0.1"/>
-</Control>
-</file>
-
-<file path=customXml/item47.xml><?xml version="1.0" encoding="utf-8"?>
-<Control xmlns="http://schemas.microsoft.com/VisualStudio/2011/storyboarding/control">
-  <Id Name="System.Storyboarding.Common.Text" Revision="1" Stencil="System.Storyboarding.Common" StencilVersion="0.1"/>
-</Control>
-</file>
-
-<file path=customXml/item48.xml><?xml version="1.0" encoding="utf-8"?>
-<Control xmlns="http://schemas.microsoft.com/VisualStudio/2011/storyboarding/control">
-  <Id Name="System.Storyboarding.Common.Hyperlink" Revision="1" Stencil="System.Storyboarding.Common" StencilVersion="0.1"/>
 </Control>
 </file>
 
@@ -16527,187 +16700,187 @@
 
 <file path=customXml/item5.xml><?xml version="1.0" encoding="utf-8"?>
 <Control xmlns="http://schemas.microsoft.com/VisualStudio/2011/storyboarding/control">
+  <Id Name="System.Storyboarding.Icons.Star" Revision="1" Stencil="System.Storyboarding.Icons" StencilVersion="0.1"/>
+</Control>
+</file>
+
+<file path=customXml/item50.xml><?xml version="1.0" encoding="utf-8"?>
+<Control xmlns="http://schemas.microsoft.com/VisualStudio/2011/storyboarding/control">
+  <Id Name="System.Storyboarding.Common.Button" Revision="1" Stencil="System.Storyboarding.Common" StencilVersion="0.1"/>
+</Control>
+</file>
+
+<file path=customXml/item51.xml><?xml version="1.0" encoding="utf-8"?>
+<Control xmlns="http://schemas.microsoft.com/VisualStudio/2011/storyboarding/control">
   <Id Name="System.Storyboarding.Common.Text" Revision="1" Stencil="System.Storyboarding.Common" StencilVersion="0.1"/>
 </Control>
 </file>
 
-<file path=customXml/item50.xml><?xml version="1.0" encoding="utf-8"?>
+<file path=customXml/item52.xml><?xml version="1.0" encoding="utf-8"?>
+<Control xmlns="http://schemas.microsoft.com/VisualStudio/2011/storyboarding/control">
+  <Id Name="System.Storyboarding.Common.CheckBoxUnchecked" Revision="1" Stencil="System.Storyboarding.Common" StencilVersion="0.1"/>
+</Control>
+</file>
+
+<file path=customXml/item53.xml><?xml version="1.0" encoding="utf-8"?>
+<Control xmlns="http://schemas.microsoft.com/VisualStudio/2011/storyboarding/control">
+  <Id Name="System.Storyboarding.Common.DataGrid" Revision="1" Stencil="System.Storyboarding.Common" StencilVersion="0.1"/>
+</Control>
+</file>
+
+<file path=customXml/item54.xml><?xml version="1.0" encoding="utf-8"?>
+<Control xmlns="http://schemas.microsoft.com/VisualStudio/2011/storyboarding/control">
+  <Id Name="System.Storyboarding.Backgrounds.DesktopTaskbar" Revision="1" Stencil="System.Storyboarding.Backgrounds" StencilVersion="0.1"/>
+</Control>
+</file>
+
+<file path=customXml/item55.xml><?xml version="1.0" encoding="utf-8"?>
+<Control xmlns="http://schemas.microsoft.com/VisualStudio/2011/storyboarding/control">
+  <Id Name="System.Storyboarding.Common.TextInput" Revision="1" Stencil="System.Storyboarding.Common" StencilVersion="0.1"/>
+</Control>
+</file>
+
+<file path=customXml/item56.xml><?xml version="1.0" encoding="utf-8"?>
+<Control xmlns="http://schemas.microsoft.com/VisualStudio/2011/storyboarding/control">
+  <Id Name="System.Storyboarding.Common.Text" Revision="1" Stencil="System.Storyboarding.Common" StencilVersion="0.1"/>
+</Control>
+</file>
+
+<file path=customXml/item57.xml><?xml version="1.0" encoding="utf-8"?>
+<Control xmlns="http://schemas.microsoft.com/VisualStudio/2011/storyboarding/control">
+  <Id Name="System.Storyboarding.Common.Text" Revision="1" Stencil="System.Storyboarding.Common" StencilVersion="0.1"/>
+</Control>
+</file>
+
+<file path=customXml/item58.xml><?xml version="1.0" encoding="utf-8"?>
+<Control xmlns="http://schemas.microsoft.com/VisualStudio/2011/storyboarding/control">
+  <Id Name="System.Storyboarding.Common.Text" Revision="1" Stencil="System.Storyboarding.Common" StencilVersion="0.1"/>
+</Control>
+</file>
+
+<file path=customXml/item59.xml><?xml version="1.0" encoding="utf-8"?>
 <Control xmlns="http://schemas.microsoft.com/VisualStudio/2011/storyboarding/control">
   <Id Name="System.Storyboarding.WindowsApps.WindowsAppsTileWideSmall" Revision="1" Stencil="System.Storyboarding.WindowsApps" StencilVersion="0.1"/>
 </Control>
 </file>
 
-<file path=customXml/item51.xml><?xml version="1.0" encoding="utf-8"?>
-<Control xmlns="http://schemas.microsoft.com/VisualStudio/2011/storyboarding/control">
-  <Id Name="System.Storyboarding.WindowsAppIcons.Heart" Revision="1" Stencil="System.Storyboarding.WindowsAppIcons" StencilVersion="0.1"/>
-</Control>
-</file>
-
-<file path=customXml/item52.xml><?xml version="1.0" encoding="utf-8"?>
-<Control xmlns="http://schemas.microsoft.com/VisualStudio/2011/storyboarding/control">
-  <Id Name="System.Storyboarding.Common.RadioButtonSelected" Revision="1" Stencil="System.Storyboarding.Common" StencilVersion="0.1"/>
-</Control>
-</file>
-
-<file path=customXml/item53.xml><?xml version="1.0" encoding="utf-8"?>
+<file path=customXml/item6.xml><?xml version="1.0" encoding="utf-8"?>
 <Control xmlns="http://schemas.microsoft.com/VisualStudio/2011/storyboarding/control">
   <Id Name="System.Storyboarding.WindowsApps.WindowsAppsTileWideSmall" Revision="1" Stencil="System.Storyboarding.WindowsApps" StencilVersion="0.1"/>
 </Control>
 </file>
 
-<file path=customXml/item54.xml><?xml version="1.0" encoding="utf-8"?>
+<file path=customXml/item60.xml><?xml version="1.0" encoding="utf-8"?>
+<Control xmlns="http://schemas.microsoft.com/VisualStudio/2011/storyboarding/control">
+  <Id Name="System.Storyboarding.WindowsApps.WindowsAppsTileMedium" Revision="1" Stencil="System.Storyboarding.WindowsApps" StencilVersion="0.1"/>
+</Control>
+</file>
+
+<file path=customXml/item61.xml><?xml version="1.0" encoding="utf-8"?>
+<Control xmlns="http://schemas.microsoft.com/VisualStudio/2011/storyboarding/control">
+  <Id Name="System.Storyboarding.Common.ScrollbarVertical" Revision="1" Stencil="System.Storyboarding.Common" StencilVersion="0.1"/>
+</Control>
+</file>
+
+<file path=customXml/item62.xml><?xml version="1.0" encoding="utf-8"?>
+<Control xmlns="http://schemas.microsoft.com/VisualStudio/2011/storyboarding/control">
+  <Id Name="System.Storyboarding.WindowsAppIcons.Check" Revision="1" Stencil="System.Storyboarding.WindowsAppIcons" StencilVersion="0.1"/>
+</Control>
+</file>
+
+<file path=customXml/item63.xml><?xml version="1.0" encoding="utf-8"?>
+<Control xmlns="http://schemas.microsoft.com/VisualStudio/2011/storyboarding/control">
+  <Id Name="System.Storyboarding.Common.CheckBoxUnchecked" Revision="1" Stencil="System.Storyboarding.Common" StencilVersion="0.1"/>
+</Control>
+</file>
+
+<file path=customXml/item64.xml><?xml version="1.0" encoding="utf-8"?>
 <Control xmlns="http://schemas.microsoft.com/VisualStudio/2011/storyboarding/control">
   <Id Name="System.Storyboarding.Common.Button" Revision="1" Stencil="System.Storyboarding.Common" StencilVersion="0.1"/>
 </Control>
 </file>
 
-<file path=customXml/item55.xml><?xml version="1.0" encoding="utf-8"?>
+<file path=customXml/item65.xml><?xml version="1.0" encoding="utf-8"?>
 <Control xmlns="http://schemas.microsoft.com/VisualStudio/2011/storyboarding/control">
-  <Id Name="System.Storyboarding.WindowsApps.WindowsAppsTileMedium" Revision="1" Stencil="System.Storyboarding.WindowsApps" StencilVersion="0.1"/>
+  <Id Name="91f9215f-48a3-4bce-9856-a1c79d18b395" RevisionId="54383394-c8b8-40b0-9c4b-42c6089a8ac7" Stencil="172d6d98-e5c9-42e9-a209-79f7a94bbd38" StencilRevisionId="00000000-0000-0000-0000-000000000000" StencilVersion="0.0"/>
 </Control>
 </file>
 
-<file path=customXml/item56.xml><?xml version="1.0" encoding="utf-8"?>
+<file path=customXml/item66.xml><?xml version="1.0" encoding="utf-8"?>
 <Control xmlns="http://schemas.microsoft.com/VisualStudio/2011/storyboarding/control">
-  <Id Name="System.Storyboarding.Backgrounds.DesktopTaskbar" Revision="1" Stencil="System.Storyboarding.Backgrounds" StencilVersion="0.1"/>
+  <Id Name="System.Storyboarding.Common.Button" Revision="1" Stencil="System.Storyboarding.Common" StencilVersion="0.1"/>
 </Control>
 </file>
 
-<file path=customXml/item57.xml><?xml version="1.0" encoding="utf-8"?>
+<file path=customXml/item67.xml><?xml version="1.0" encoding="utf-8"?>
 <Control xmlns="http://schemas.microsoft.com/VisualStudio/2011/storyboarding/control">
-  <Id Name="System.Storyboarding.WindowsAppIcons.Check" Revision="1" Stencil="System.Storyboarding.WindowsAppIcons" StencilVersion="0.1"/>
+  <Id Name="System.Storyboarding.WindowsAppIcons.Hyperlink" Revision="1" Stencil="System.Storyboarding.WindowsAppIcons" StencilVersion="0.1"/>
 </Control>
 </file>
 
-<file path=customXml/item58.xml><?xml version="1.0" encoding="utf-8"?>
+<file path=customXml/item68.xml><?xml version="1.0" encoding="utf-8"?>
+<Control xmlns="http://schemas.microsoft.com/VisualStudio/2011/storyboarding/control">
+  <Id Name="System.Storyboarding.Common.DatePicker" Revision="1" Stencil="System.Storyboarding.Common" StencilVersion="0.1"/>
+</Control>
+</file>
+
+<file path=customXml/item69.xml><?xml version="1.0" encoding="utf-8"?>
+<Control xmlns="http://schemas.microsoft.com/VisualStudio/2011/storyboarding/control">
+  <Id Name="System.Storyboarding.Common.Text" Revision="1" Stencil="System.Storyboarding.Common" StencilVersion="0.1"/>
+</Control>
+</file>
+
+<file path=customXml/item7.xml><?xml version="1.0" encoding="utf-8"?>
+<Control xmlns="http://schemas.microsoft.com/VisualStudio/2011/storyboarding/control">
+  <Id Name="System.Storyboarding.Common.MousePointer" Revision="1" Stencil="System.Storyboarding.Common" StencilVersion="0.1"/>
+</Control>
+</file>
+
+<file path=customXml/item70.xml><?xml version="1.0" encoding="utf-8"?>
+<Control xmlns="http://schemas.microsoft.com/VisualStudio/2011/storyboarding/control">
+  <Id Name="System.Storyboarding.Common.DatePicker" Revision="1" Stencil="System.Storyboarding.Common" StencilVersion="0.1"/>
+</Control>
+</file>
+
+<file path=customXml/item71.xml><?xml version="1.0" encoding="utf-8"?>
 <Control xmlns="http://schemas.microsoft.com/VisualStudio/2011/storyboarding/control">
   <Id Name="System.Storyboarding.Common.TextInput" Revision="1" Stencil="System.Storyboarding.Common" StencilVersion="0.1"/>
 </Control>
 </file>
 
-<file path=customXml/item59.xml><?xml version="1.0" encoding="utf-8"?>
+<file path=customXml/item72.xml><?xml version="1.0" encoding="utf-8"?>
 <Control xmlns="http://schemas.microsoft.com/VisualStudio/2011/storyboarding/control">
   <Id Name="System.Storyboarding.Common.DataGrid" Revision="1" Stencil="System.Storyboarding.Common" StencilVersion="0.1"/>
 </Control>
 </file>
 
-<file path=customXml/item6.xml><?xml version="1.0" encoding="utf-8"?>
-<Control xmlns="http://schemas.microsoft.com/VisualStudio/2011/storyboarding/control">
-  <Id Name="System.Storyboarding.Backgrounds.WebBrowser" Revision="1" Stencil="System.Storyboarding.Backgrounds" StencilVersion="0.1"/>
-</Control>
-</file>
-
-<file path=customXml/item60.xml><?xml version="1.0" encoding="utf-8"?>
+<file path=customXml/item73.xml><?xml version="1.0" encoding="utf-8"?>
 <Control xmlns="http://schemas.microsoft.com/VisualStudio/2011/storyboarding/control">
   <Id Name="System.Storyboarding.WindowsApps.WindowsAppsTileWideSmall" Revision="1" Stencil="System.Storyboarding.WindowsApps" StencilVersion="0.1"/>
 </Control>
 </file>
 
-<file path=customXml/item61.xml><?xml version="1.0" encoding="utf-8"?>
-<Control xmlns="http://schemas.microsoft.com/VisualStudio/2011/storyboarding/control">
-  <Id Name="System.Storyboarding.Common.CheckBoxUnchecked" Revision="1" Stencil="System.Storyboarding.Common" StencilVersion="0.1"/>
-</Control>
-</file>
-
-<file path=customXml/item62.xml><?xml version="1.0" encoding="utf-8"?>
-<Control xmlns="http://schemas.microsoft.com/VisualStudio/2011/storyboarding/control">
-  <Id Name="System.Storyboarding.Common.ScrollbarVertical" Revision="1" Stencil="System.Storyboarding.Common" StencilVersion="0.1"/>
-</Control>
-</file>
-
-<file path=customXml/item63.xml><?xml version="1.0" encoding="utf-8"?>
-<Control xmlns="http://schemas.microsoft.com/VisualStudio/2011/storyboarding/control">
-  <Id Name="System.Storyboarding.Common.Button" Revision="1" Stencil="System.Storyboarding.Common" StencilVersion="0.1"/>
-</Control>
-</file>
-
-<file path=customXml/item64.xml><?xml version="1.0" encoding="utf-8"?>
+<file path=customXml/item74.xml><?xml version="1.0" encoding="utf-8"?>
 <Control xmlns="http://schemas.microsoft.com/VisualStudio/2011/storyboarding/control">
   <Id Name="System.Storyboarding.Common.Text" Revision="1" Stencil="System.Storyboarding.Common" StencilVersion="0.1"/>
 </Control>
 </file>
 
-<file path=customXml/item65.xml><?xml version="1.0" encoding="utf-8"?>
-<Control xmlns="http://schemas.microsoft.com/VisualStudio/2011/storyboarding/control">
-  <Id Name="System.Storyboarding.Common.RadioButtonUnselected" Revision="1" Stencil="System.Storyboarding.Common" StencilVersion="0.1"/>
-</Control>
-</file>
-
-<file path=customXml/item66.xml><?xml version="1.0" encoding="utf-8"?>
+<file path=customXml/item75.xml><?xml version="1.0" encoding="utf-8"?>
 <Control xmlns="http://schemas.microsoft.com/VisualStudio/2011/storyboarding/control">
   <Id Name="System.Storyboarding.Common.Text" Revision="1" Stencil="System.Storyboarding.Common" StencilVersion="0.1"/>
 </Control>
 </file>
 
-<file path=customXml/item67.xml><?xml version="1.0" encoding="utf-8"?>
-<Control xmlns="http://schemas.microsoft.com/VisualStudio/2011/storyboarding/control">
-  <Id Name="System.Storyboarding.WindowsPhone.PageTitle" Revision="1" Stencil="System.Storyboarding.WindowsPhone" StencilVersion="0.1"/>
-</Control>
-</file>
-
-<file path=customXml/item68.xml><?xml version="1.0" encoding="utf-8"?>
-<Control xmlns="http://schemas.microsoft.com/VisualStudio/2011/storyboarding/control">
-  <Id Name="System.Storyboarding.WindowsApps.WindowsAppsTileWideSmall" Revision="1" Stencil="System.Storyboarding.WindowsApps" StencilVersion="0.1"/>
-</Control>
-</file>
-
-<file path=customXml/item69.xml><?xml version="1.0" encoding="utf-8"?>
-<Control xmlns="http://schemas.microsoft.com/VisualStudio/2011/storyboarding/control">
-  <Id Name="System.Storyboarding.Backgrounds.DesktopTaskbar" Revision="1" Stencil="System.Storyboarding.Backgrounds" StencilVersion="0.1"/>
-</Control>
-</file>
-
-<file path=customXml/item7.xml><?xml version="1.0" encoding="utf-8"?>
-<Control xmlns="http://schemas.microsoft.com/VisualStudio/2011/storyboarding/control">
-  <Id Name="System.Storyboarding.Common.Text" Revision="1" Stencil="System.Storyboarding.Common" StencilVersion="0.1"/>
-</Control>
-</file>
-
-<file path=customXml/item70.xml><?xml version="1.0" encoding="utf-8"?>
-<Control xmlns="http://schemas.microsoft.com/VisualStudio/2011/storyboarding/control">
-  <Id Name="System.Storyboarding.Common.CheckBoxUnchecked" Revision="1" Stencil="System.Storyboarding.Common" StencilVersion="0.1"/>
-</Control>
-</file>
-
-<file path=customXml/item71.xml><?xml version="1.0" encoding="utf-8"?>
-<Control xmlns="http://schemas.microsoft.com/VisualStudio/2011/storyboarding/control">
-  <Id Name="System.Storyboarding.WindowsApps.WindowsAppsTileWideSmall" Revision="1" Stencil="System.Storyboarding.WindowsApps" StencilVersion="0.1"/>
-</Control>
-</file>
-
-<file path=customXml/item72.xml><?xml version="1.0" encoding="utf-8"?>
-<Control xmlns="http://schemas.microsoft.com/VisualStudio/2011/storyboarding/control">
-  <Id Name="System.Storyboarding.Common.ScrollbarVertical" Revision="1" Stencil="System.Storyboarding.Common" StencilVersion="0.1"/>
-</Control>
-</file>
-
-<file path=customXml/item73.xml><?xml version="1.0" encoding="utf-8"?>
-<Control xmlns="http://schemas.microsoft.com/VisualStudio/2011/storyboarding/control">
-  <Id Name="System.Storyboarding.Icons.Star" Revision="1" Stencil="System.Storyboarding.Icons" StencilVersion="0.1"/>
-</Control>
-</file>
-
-<file path=customXml/item74.xml><?xml version="1.0" encoding="utf-8"?>
-<Control xmlns="http://schemas.microsoft.com/VisualStudio/2011/storyboarding/control">
-  <Id Name="System.Storyboarding.Icons.Star" Revision="1" Stencil="System.Storyboarding.Icons" StencilVersion="0.1"/>
-</Control>
-</file>
-
-<file path=customXml/item75.xml><?xml version="1.0" encoding="utf-8"?>
-<Control xmlns="http://schemas.microsoft.com/VisualStudio/2011/storyboarding/control">
-  <Id Name="System.Storyboarding.Icons.Star" Revision="1" Stencil="System.Storyboarding.Icons" StencilVersion="0.1"/>
-</Control>
-</file>
-
 <file path=customXml/item76.xml><?xml version="1.0" encoding="utf-8"?>
 <Control xmlns="http://schemas.microsoft.com/VisualStudio/2011/storyboarding/control">
-  <Id Name="System.Storyboarding.WindowsAppIcons.Check" Revision="1" Stencil="System.Storyboarding.WindowsAppIcons" StencilVersion="0.1"/>
+  <Id Name="System.Storyboarding.Common.TextInput" Revision="1" Stencil="System.Storyboarding.Common" StencilVersion="0.1"/>
 </Control>
 </file>
 
 <file path=customXml/item77.xml><?xml version="1.0" encoding="utf-8"?>
 <Control xmlns="http://schemas.microsoft.com/VisualStudio/2011/storyboarding/control">
-  <Id Name="System.Storyboarding.Common.Text" Revision="1" Stencil="System.Storyboarding.Common" StencilVersion="0.1"/>
+  <Id Name="System.Storyboarding.Common.RadioButtonSelected" Revision="1" Stencil="System.Storyboarding.Common" StencilVersion="0.1"/>
 </Control>
 </file>
 
@@ -16719,25 +16892,25 @@
 
 <file path=customXml/item79.xml><?xml version="1.0" encoding="utf-8"?>
 <Control xmlns="http://schemas.microsoft.com/VisualStudio/2011/storyboarding/control">
-  <Id Name="System.Storyboarding.WindowsApps.WindowsAppsTileMediumText" Revision="1" Stencil="System.Storyboarding.WindowsApps" StencilVersion="0.1"/>
+  <Id Name="System.Storyboarding.Common.Hyperlink" Revision="1" Stencil="System.Storyboarding.Common" StencilVersion="0.1"/>
 </Control>
 </file>
 
 <file path=customXml/item8.xml><?xml version="1.0" encoding="utf-8"?>
 <Control xmlns="http://schemas.microsoft.com/VisualStudio/2011/storyboarding/control">
-  <Id Name="System.Storyboarding.Backgrounds.WebBrowser" Revision="1" Stencil="System.Storyboarding.Backgrounds" StencilVersion="0.1"/>
+  <Id Name="System.Storyboarding.Icons.Star" Revision="1" Stencil="System.Storyboarding.Icons" StencilVersion="0.1"/>
 </Control>
 </file>
 
 <file path=customXml/item80.xml><?xml version="1.0" encoding="utf-8"?>
 <Control xmlns="http://schemas.microsoft.com/VisualStudio/2011/storyboarding/control">
-  <Id Name="System.Storyboarding.WindowsApps.WindowsAppsTileWideSmall" Revision="1" Stencil="System.Storyboarding.WindowsApps" StencilVersion="0.1"/>
+  <Id Name="System.Storyboarding.Common.Text" Revision="1" Stencil="System.Storyboarding.Common" StencilVersion="0.1"/>
 </Control>
 </file>
 
 <file path=customXml/item81.xml><?xml version="1.0" encoding="utf-8"?>
 <Control xmlns="http://schemas.microsoft.com/VisualStudio/2011/storyboarding/control">
-  <Id Name="System.Storyboarding.Backgrounds.DesktopTaskbar" Revision="1" Stencil="System.Storyboarding.Backgrounds" StencilVersion="0.1"/>
+  <Id Name="System.Storyboarding.Common.TextInput" Revision="1" Stencil="System.Storyboarding.Common" StencilVersion="0.1"/>
 </Control>
 </file>
 
@@ -16749,19 +16922,19 @@
 
 <file path=customXml/item83.xml><?xml version="1.0" encoding="utf-8"?>
 <Control xmlns="http://schemas.microsoft.com/VisualStudio/2011/storyboarding/control">
-  <Id Name="System.Storyboarding.WindowsApps.WindowsAppsContextMenu" Revision="1" Stencil="System.Storyboarding.WindowsApps" StencilVersion="0.1"/>
+  <Id Name="System.Storyboarding.WindowsApps.WindowsAppsTileWideSmall" Revision="1" Stencil="System.Storyboarding.WindowsApps" StencilVersion="0.1"/>
 </Control>
 </file>
 
 <file path=customXml/item84.xml><?xml version="1.0" encoding="utf-8"?>
 <Control xmlns="http://schemas.microsoft.com/VisualStudio/2011/storyboarding/control">
-  <Id Name="System.Storyboarding.Common.Hyperlink" Revision="1" Stencil="System.Storyboarding.Common" StencilVersion="0.1"/>
+  <Id Name="System.Storyboarding.Media.HorizontalBarChart" Revision="1" Stencil="System.Storyboarding.Media" StencilVersion="0.1"/>
 </Control>
 </file>
 
 <file path=customXml/item85.xml><?xml version="1.0" encoding="utf-8"?>
 <Control xmlns="http://schemas.microsoft.com/VisualStudio/2011/storyboarding/control">
-  <Id Name="System.Storyboarding.Common.Text" Revision="1" Stencil="System.Storyboarding.Common" StencilVersion="0.1"/>
+  <Id Name="System.Storyboarding.Icons.Star" Revision="1" Stencil="System.Storyboarding.Icons" StencilVersion="0.1"/>
 </Control>
 </file>
 
@@ -16773,25 +16946,25 @@
 
 <file path=customXml/item87.xml><?xml version="1.0" encoding="utf-8"?>
 <Control xmlns="http://schemas.microsoft.com/VisualStudio/2011/storyboarding/control">
-  <Id Name="System.Storyboarding.Common.CheckBoxUnchecked" Revision="1" Stencil="System.Storyboarding.Common" StencilVersion="0.1"/>
+  <Id Name="System.Storyboarding.WindowsApps.WindowsAppsButton" Revision="1" Stencil="System.Storyboarding.WindowsApps" StencilVersion="0.1"/>
 </Control>
 </file>
 
 <file path=customXml/item88.xml><?xml version="1.0" encoding="utf-8"?>
 <Control xmlns="http://schemas.microsoft.com/VisualStudio/2011/storyboarding/control">
-  <Id Name="System.Storyboarding.Common.RadioButtonSelected" Revision="1" Stencil="System.Storyboarding.Common" StencilVersion="0.1"/>
+  <Id Name="System.Storyboarding.WindowsApps.WindowsAppsTileWideSmall" Revision="1" Stencil="System.Storyboarding.WindowsApps" StencilVersion="0.1"/>
 </Control>
 </file>
 
 <file path=customXml/item89.xml><?xml version="1.0" encoding="utf-8"?>
 <Control xmlns="http://schemas.microsoft.com/VisualStudio/2011/storyboarding/control">
-  <Id Name="System.Storyboarding.Common.CheckBoxUnchecked" Revision="1" Stencil="System.Storyboarding.Common" StencilVersion="0.1"/>
+  <Id Name="System.Storyboarding.Common.ScrollbarVertical" Revision="1" Stencil="System.Storyboarding.Common" StencilVersion="0.1"/>
 </Control>
 </file>
 
 <file path=customXml/item9.xml><?xml version="1.0" encoding="utf-8"?>
 <Control xmlns="http://schemas.microsoft.com/VisualStudio/2011/storyboarding/control">
-  <Id Name="System.Storyboarding.WindowsApps.WindowsAppsTileWideSmall" Revision="1" Stencil="System.Storyboarding.WindowsApps" StencilVersion="0.1"/>
+  <Id Name="System.Storyboarding.Common.TextInput" Revision="1" Stencil="System.Storyboarding.Common" StencilVersion="0.1"/>
 </Control>
 </file>
 
@@ -16803,60 +16976,60 @@
 
 <file path=customXml/item91.xml><?xml version="1.0" encoding="utf-8"?>
 <Control xmlns="http://schemas.microsoft.com/VisualStudio/2011/storyboarding/control">
-  <Id Name="91f9215f-48a3-4bce-9856-a1c79d18b395" RevisionId="54383394-c8b8-40b0-9c4b-42c6089a8ac7" Stencil="172d6d98-e5c9-42e9-a209-79f7a94bbd38" StencilRevisionId="00000000-0000-0000-0000-000000000000" StencilVersion="0.0"/>
+  <Id Name="System.Storyboarding.Common.DatePicker" Revision="1" Stencil="System.Storyboarding.Common" StencilVersion="0.1"/>
 </Control>
 </file>
 
 <file path=customXml/item92.xml><?xml version="1.0" encoding="utf-8"?>
-<Control xmlns="http://schemas.microsoft.com/VisualStudio/2011/storyboarding/control">
-  <Id Name="System.Storyboarding.Icons.Lock" Revision="1" Stencil="System.Storyboarding.Icons" StencilVersion="0.1"/>
-</Control>
-</file>
-
-<file path=customXml/item93.xml><?xml version="1.0" encoding="utf-8"?>
 <Control xmlns="http://schemas.microsoft.com/VisualStudio/2011/storyboarding/control">
   <Id Name="System.Storyboarding.Icons.Star" Revision="1" Stencil="System.Storyboarding.Icons" StencilVersion="0.1"/>
 </Control>
 </file>
 
+<file path=customXml/item93.xml><?xml version="1.0" encoding="utf-8"?>
+<Control xmlns="http://schemas.microsoft.com/VisualStudio/2011/storyboarding/control">
+  <Id Name="System.Storyboarding.Common.TextInput" Revision="1" Stencil="System.Storyboarding.Common" StencilVersion="0.1"/>
+</Control>
+</file>
+
 <file path=customXml/item94.xml><?xml version="1.0" encoding="utf-8"?>
+<Control xmlns="http://schemas.microsoft.com/VisualStudio/2011/storyboarding/control">
+  <Id Name="System.Storyboarding.Common.TextInput" Revision="1" Stencil="System.Storyboarding.Common" StencilVersion="0.1"/>
+</Control>
+</file>
+
+<file path=customXml/item95.xml><?xml version="1.0" encoding="utf-8"?>
 <Control xmlns="http://schemas.microsoft.com/VisualStudio/2011/storyboarding/control">
   <Id Name="System.Storyboarding.Icons.Star" Revision="1" Stencil="System.Storyboarding.Icons" StencilVersion="0.1"/>
 </Control>
 </file>
 
-<file path=customXml/item95.xml><?xml version="1.0" encoding="utf-8"?>
-<Control xmlns="http://schemas.microsoft.com/VisualStudio/2011/storyboarding/control">
-  <Id Name="System.Storyboarding.Common.Text" Revision="1" Stencil="System.Storyboarding.Common" StencilVersion="0.1"/>
-</Control>
-</file>
-
 <file path=customXml/item96.xml><?xml version="1.0" encoding="utf-8"?>
 <Control xmlns="http://schemas.microsoft.com/VisualStudio/2011/storyboarding/control">
-  <Id Name="System.Storyboarding.Common.Text" Revision="1" Stencil="System.Storyboarding.Common" StencilVersion="0.1"/>
+  <Id Name="System.Storyboarding.Media.VerticalBarChart" Revision="1" Stencil="System.Storyboarding.Media" StencilVersion="0.1"/>
 </Control>
 </file>
 
 <file path=customXml/item97.xml><?xml version="1.0" encoding="utf-8"?>
 <Control xmlns="http://schemas.microsoft.com/VisualStudio/2011/storyboarding/control">
-  <Id Name="System.Storyboarding.Common.TextInput" Revision="1" Stencil="System.Storyboarding.Common" StencilVersion="0.1"/>
+  <Id Name="System.Storyboarding.Icons.Star" Revision="1" Stencil="System.Storyboarding.Icons" StencilVersion="0.1"/>
 </Control>
 </file>
 
 <file path=customXml/item98.xml><?xml version="1.0" encoding="utf-8"?>
 <Control xmlns="http://schemas.microsoft.com/VisualStudio/2011/storyboarding/control">
-  <Id Name="System.Storyboarding.Common.Text" Revision="1" Stencil="System.Storyboarding.Common" StencilVersion="0.1"/>
+  <Id Name="System.Storyboarding.Common.DatePicker" Revision="1" Stencil="System.Storyboarding.Common" StencilVersion="0.1"/>
 </Control>
 </file>
 
 <file path=customXml/item99.xml><?xml version="1.0" encoding="utf-8"?>
 <Control xmlns="http://schemas.microsoft.com/VisualStudio/2011/storyboarding/control">
-  <Id Name="System.Storyboarding.WindowsApps.WindowsAppsTileMedium" Revision="1" Stencil="System.Storyboarding.WindowsApps" StencilVersion="0.1"/>
+  <Id Name="System.Storyboarding.Icons.Star" Revision="1" Stencil="System.Storyboarding.Icons" StencilVersion="0.1"/>
 </Control>
 </file>
 
 <file path=customXml/itemProps1.xml><?xml version="1.0" encoding="utf-8"?>
-<ds:datastoreItem xmlns:ds="http://schemas.openxmlformats.org/officeDocument/2006/customXml" ds:itemID="{AABACF0D-5384-4675-802C-4FFC55B3B83D}">
+<ds:datastoreItem xmlns:ds="http://schemas.openxmlformats.org/officeDocument/2006/customXml" ds:itemID="{5D43C5DF-C9CE-423E-ADD8-1AAE08E6145B}">
   <ds:schemaRefs>
     <ds:schemaRef ds:uri="http://schemas.microsoft.com/VisualStudio/2011/storyboarding/control"/>
   </ds:schemaRefs>
@@ -16864,7 +17037,7 @@
 </file>
 
 <file path=customXml/itemProps10.xml><?xml version="1.0" encoding="utf-8"?>
-<ds:datastoreItem xmlns:ds="http://schemas.openxmlformats.org/officeDocument/2006/customXml" ds:itemID="{8B3DF17E-302B-453F-A2FD-6CDC4C0170AA}">
+<ds:datastoreItem xmlns:ds="http://schemas.openxmlformats.org/officeDocument/2006/customXml" ds:itemID="{2FCA7744-2BF3-4014-BEA7-E6EE6BE5E79E}">
   <ds:schemaRefs>
     <ds:schemaRef ds:uri="http://schemas.microsoft.com/VisualStudio/2011/storyboarding/control"/>
   </ds:schemaRefs>
@@ -16872,54 +17045,6 @@
 </file>
 
 <file path=customXml/itemProps100.xml><?xml version="1.0" encoding="utf-8"?>
-<ds:datastoreItem xmlns:ds="http://schemas.openxmlformats.org/officeDocument/2006/customXml" ds:itemID="{D76A8C43-D0E6-4D76-A639-72E580E29047}">
-  <ds:schemaRefs>
-    <ds:schemaRef ds:uri="http://schemas.microsoft.com/VisualStudio/2011/storyboarding/control"/>
-  </ds:schemaRefs>
-</ds:datastoreItem>
-</file>
-
-<file path=customXml/itemProps101.xml><?xml version="1.0" encoding="utf-8"?>
-<ds:datastoreItem xmlns:ds="http://schemas.openxmlformats.org/officeDocument/2006/customXml" ds:itemID="{7D3F1746-26F3-4D5F-8DB1-4CE59AC409F7}">
-  <ds:schemaRefs>
-    <ds:schemaRef ds:uri="http://schemas.microsoft.com/VisualStudio/2011/storyboarding/control"/>
-  </ds:schemaRefs>
-</ds:datastoreItem>
-</file>
-
-<file path=customXml/itemProps102.xml><?xml version="1.0" encoding="utf-8"?>
-<ds:datastoreItem xmlns:ds="http://schemas.openxmlformats.org/officeDocument/2006/customXml" ds:itemID="{AF40C17C-6E53-453B-B327-999FE0B7CF9E}">
-  <ds:schemaRefs>
-    <ds:schemaRef ds:uri="http://schemas.microsoft.com/VisualStudio/2011/storyboarding/control"/>
-  </ds:schemaRefs>
-</ds:datastoreItem>
-</file>
-
-<file path=customXml/itemProps103.xml><?xml version="1.0" encoding="utf-8"?>
-<ds:datastoreItem xmlns:ds="http://schemas.openxmlformats.org/officeDocument/2006/customXml" ds:itemID="{3E9518F8-52DB-4512-B6E1-D4B81EC47F8E}">
-  <ds:schemaRefs>
-    <ds:schemaRef ds:uri="http://schemas.microsoft.com/VisualStudio/2011/storyboarding/control"/>
-  </ds:schemaRefs>
-</ds:datastoreItem>
-</file>
-
-<file path=customXml/itemProps104.xml><?xml version="1.0" encoding="utf-8"?>
-<ds:datastoreItem xmlns:ds="http://schemas.openxmlformats.org/officeDocument/2006/customXml" ds:itemID="{FCFEC772-99A0-4E2F-BE46-6982F97F1BE9}">
-  <ds:schemaRefs>
-    <ds:schemaRef ds:uri="http://schemas.microsoft.com/VisualStudio/2011/storyboarding/control"/>
-  </ds:schemaRefs>
-</ds:datastoreItem>
-</file>
-
-<file path=customXml/itemProps105.xml><?xml version="1.0" encoding="utf-8"?>
-<ds:datastoreItem xmlns:ds="http://schemas.openxmlformats.org/officeDocument/2006/customXml" ds:itemID="{F09024E1-1C18-4E75-B068-E418EE7D2650}">
-  <ds:schemaRefs>
-    <ds:schemaRef ds:uri="http://schemas.microsoft.com/VisualStudio/2011/storyboarding/control"/>
-  </ds:schemaRefs>
-</ds:datastoreItem>
-</file>
-
-<file path=customXml/itemProps106.xml><?xml version="1.0" encoding="utf-8"?>
 <ds:datastoreItem xmlns:ds="http://schemas.openxmlformats.org/officeDocument/2006/customXml" ds:itemID="{623F5871-F525-4D45-8757-C0B70863AD81}">
   <ds:schemaRefs>
     <ds:schemaRef ds:uri="http://schemas.microsoft.com/VisualStudio/2011/storyboarding/control"/>
@@ -16927,23 +17052,79 @@
 </ds:datastoreItem>
 </file>
 
-<file path=customXml/itemProps107.xml><?xml version="1.0" encoding="utf-8"?>
-<ds:datastoreItem xmlns:ds="http://schemas.openxmlformats.org/officeDocument/2006/customXml" ds:itemID="{24046DC5-38AC-4C0E-A7BD-7BA62F64ED8D}">
+<file path=customXml/itemProps101.xml><?xml version="1.0" encoding="utf-8"?>
+<ds:datastoreItem xmlns:ds="http://schemas.openxmlformats.org/officeDocument/2006/customXml" ds:itemID="{29B37182-9887-4972-8113-B6FBFE59F94E}">
   <ds:schemaRefs>
     <ds:schemaRef ds:uri="http://schemas.microsoft.com/VisualStudio/2011/storyboarding/control"/>
   </ds:schemaRefs>
 </ds:datastoreItem>
 </file>
 
-<file path=customXml/itemProps108.xml><?xml version="1.0" encoding="utf-8"?>
-<ds:datastoreItem xmlns:ds="http://schemas.openxmlformats.org/officeDocument/2006/customXml" ds:itemID="{A6CB5F7F-1B30-4371-AA4A-C09705431B7C}">
+<file path=customXml/itemProps102.xml><?xml version="1.0" encoding="utf-8"?>
+<ds:datastoreItem xmlns:ds="http://schemas.openxmlformats.org/officeDocument/2006/customXml" ds:itemID="{F106C237-6442-4C6C-BC17-BABD6E81E57F}">
   <ds:schemaRefs>
     <ds:schemaRef ds:uri="http://schemas.microsoft.com/VisualStudio/2011/storyboarding/control"/>
   </ds:schemaRefs>
 </ds:datastoreItem>
 </file>
 
+<file path=customXml/itemProps103.xml><?xml version="1.0" encoding="utf-8"?>
+<ds:datastoreItem xmlns:ds="http://schemas.openxmlformats.org/officeDocument/2006/customXml" ds:itemID="{790E7F39-81D7-4FDD-A0B5-0716A2AE74B2}">
+  <ds:schemaRefs>
+    <ds:schemaRef ds:uri="http://schemas.microsoft.com/VisualStudio/2011/storyboarding/control"/>
+  </ds:schemaRefs>
+</ds:datastoreItem>
+</file>
+
+<file path=customXml/itemProps104.xml><?xml version="1.0" encoding="utf-8"?>
+<ds:datastoreItem xmlns:ds="http://schemas.openxmlformats.org/officeDocument/2006/customXml" ds:itemID="{D321552F-2375-40A6-A02F-FC27787D42F1}">
+  <ds:schemaRefs>
+    <ds:schemaRef ds:uri="http://schemas.microsoft.com/VisualStudio/2011/storyboarding/control"/>
+  </ds:schemaRefs>
+</ds:datastoreItem>
+</file>
+
+<file path=customXml/itemProps105.xml><?xml version="1.0" encoding="utf-8"?>
+<ds:datastoreItem xmlns:ds="http://schemas.openxmlformats.org/officeDocument/2006/customXml" ds:itemID="{19219105-B97A-44AD-8E8F-0F014E4D5F2F}">
+  <ds:schemaRefs>
+    <ds:schemaRef ds:uri="http://schemas.microsoft.com/VisualStudio/2011/storyboarding/control"/>
+  </ds:schemaRefs>
+</ds:datastoreItem>
+</file>
+
+<file path=customXml/itemProps106.xml><?xml version="1.0" encoding="utf-8"?>
+<ds:datastoreItem xmlns:ds="http://schemas.openxmlformats.org/officeDocument/2006/customXml" ds:itemID="{92C514EF-47C3-4A1E-8CC0-C426C540F0A1}">
+  <ds:schemaRefs>
+    <ds:schemaRef ds:uri="http://schemas.microsoft.com/VisualStudio/2011/storyboarding/control"/>
+  </ds:schemaRefs>
+</ds:datastoreItem>
+</file>
+
+<file path=customXml/itemProps107.xml><?xml version="1.0" encoding="utf-8"?>
+<ds:datastoreItem xmlns:ds="http://schemas.openxmlformats.org/officeDocument/2006/customXml" ds:itemID="{1E27CC14-9852-42D8-9A73-828A1C767F65}">
+  <ds:schemaRefs>
+    <ds:schemaRef ds:uri="http://schemas.microsoft.com/VisualStudio/2011/storyboarding/control"/>
+  </ds:schemaRefs>
+</ds:datastoreItem>
+</file>
+
+<file path=customXml/itemProps108.xml><?xml version="1.0" encoding="utf-8"?>
+<ds:datastoreItem xmlns:ds="http://schemas.openxmlformats.org/officeDocument/2006/customXml" ds:itemID="{394EADEA-3838-4D66-B77E-E5E9BD6A7AEA}">
+  <ds:schemaRefs>
+    <ds:schemaRef ds:uri="http://schemas.microsoft.com/VisualStudio/2011/storyboarding/control"/>
+  </ds:schemaRefs>
+</ds:datastoreItem>
+</file>
+
 <file path=customXml/itemProps109.xml><?xml version="1.0" encoding="utf-8"?>
+<ds:datastoreItem xmlns:ds="http://schemas.openxmlformats.org/officeDocument/2006/customXml" ds:itemID="{C5822030-9D10-4417-BB70-A547D778BA9D}">
+  <ds:schemaRefs>
+    <ds:schemaRef ds:uri="http://schemas.microsoft.com/VisualStudio/2011/storyboarding/control"/>
+  </ds:schemaRefs>
+</ds:datastoreItem>
+</file>
+
+<file path=customXml/itemProps11.xml><?xml version="1.0" encoding="utf-8"?>
 <ds:datastoreItem xmlns:ds="http://schemas.openxmlformats.org/officeDocument/2006/customXml" ds:itemID="{D9DDD41F-7524-4A14-A6F5-F6220B14545E}">
   <ds:schemaRefs>
     <ds:schemaRef ds:uri="http://schemas.microsoft.com/VisualStudio/2011/storyboarding/control"/>
@@ -16951,71 +17132,79 @@
 </ds:datastoreItem>
 </file>
 
-<file path=customXml/itemProps11.xml><?xml version="1.0" encoding="utf-8"?>
-<ds:datastoreItem xmlns:ds="http://schemas.openxmlformats.org/officeDocument/2006/customXml" ds:itemID="{03653E92-1616-42CD-8288-0A4EBB2CAA1C}">
+<file path=customXml/itemProps110.xml><?xml version="1.0" encoding="utf-8"?>
+<ds:datastoreItem xmlns:ds="http://schemas.openxmlformats.org/officeDocument/2006/customXml" ds:itemID="{E475E16E-3D1A-4AA1-9265-74BC7689BD6B}">
   <ds:schemaRefs>
     <ds:schemaRef ds:uri="http://schemas.microsoft.com/VisualStudio/2011/storyboarding/control"/>
   </ds:schemaRefs>
 </ds:datastoreItem>
 </file>
 
-<file path=customXml/itemProps110.xml><?xml version="1.0" encoding="utf-8"?>
-<ds:datastoreItem xmlns:ds="http://schemas.openxmlformats.org/officeDocument/2006/customXml" ds:itemID="{4500268E-82D2-458D-9B7A-1DAD9FBEA8F5}">
+<file path=customXml/itemProps111.xml><?xml version="1.0" encoding="utf-8"?>
+<ds:datastoreItem xmlns:ds="http://schemas.openxmlformats.org/officeDocument/2006/customXml" ds:itemID="{1CCD967A-A231-4443-B5CB-163865029EA0}">
   <ds:schemaRefs>
     <ds:schemaRef ds:uri="http://schemas.microsoft.com/VisualStudio/2011/storyboarding/control"/>
   </ds:schemaRefs>
 </ds:datastoreItem>
 </file>
 
-<file path=customXml/itemProps111.xml><?xml version="1.0" encoding="utf-8"?>
-<ds:datastoreItem xmlns:ds="http://schemas.openxmlformats.org/officeDocument/2006/customXml" ds:itemID="{55CA6769-99B0-4402-A536-C3C8E0221022}">
+<file path=customXml/itemProps112.xml><?xml version="1.0" encoding="utf-8"?>
+<ds:datastoreItem xmlns:ds="http://schemas.openxmlformats.org/officeDocument/2006/customXml" ds:itemID="{0AB71E67-FC2D-421E-B264-47BB552D5A5B}">
   <ds:schemaRefs>
     <ds:schemaRef ds:uri="http://schemas.microsoft.com/VisualStudio/2011/storyboarding/control"/>
   </ds:schemaRefs>
 </ds:datastoreItem>
 </file>
 
-<file path=customXml/itemProps112.xml><?xml version="1.0" encoding="utf-8"?>
-<ds:datastoreItem xmlns:ds="http://schemas.openxmlformats.org/officeDocument/2006/customXml" ds:itemID="{29B37182-9887-4972-8113-B6FBFE59F94E}">
+<file path=customXml/itemProps113.xml><?xml version="1.0" encoding="utf-8"?>
+<ds:datastoreItem xmlns:ds="http://schemas.openxmlformats.org/officeDocument/2006/customXml" ds:itemID="{33F9E1D4-170C-4DAF-A4E9-B2F1E33BDA51}">
   <ds:schemaRefs>
     <ds:schemaRef ds:uri="http://schemas.microsoft.com/VisualStudio/2011/storyboarding/control"/>
   </ds:schemaRefs>
 </ds:datastoreItem>
 </file>
 
-<file path=customXml/itemProps113.xml><?xml version="1.0" encoding="utf-8"?>
-<ds:datastoreItem xmlns:ds="http://schemas.openxmlformats.org/officeDocument/2006/customXml" ds:itemID="{2DE19DA7-14FB-4A73-97E6-83DF72E609E6}">
+<file path=customXml/itemProps114.xml><?xml version="1.0" encoding="utf-8"?>
+<ds:datastoreItem xmlns:ds="http://schemas.openxmlformats.org/officeDocument/2006/customXml" ds:itemID="{18CA7C37-7AF9-45BE-BBAE-D2D0584D8934}">
   <ds:schemaRefs>
     <ds:schemaRef ds:uri="http://schemas.microsoft.com/VisualStudio/2011/storyboarding/control"/>
   </ds:schemaRefs>
 </ds:datastoreItem>
 </file>
 
-<file path=customXml/itemProps114.xml><?xml version="1.0" encoding="utf-8"?>
-<ds:datastoreItem xmlns:ds="http://schemas.openxmlformats.org/officeDocument/2006/customXml" ds:itemID="{AE608858-3A79-4E62-9586-14C746DF17FE}">
+<file path=customXml/itemProps115.xml><?xml version="1.0" encoding="utf-8"?>
+<ds:datastoreItem xmlns:ds="http://schemas.openxmlformats.org/officeDocument/2006/customXml" ds:itemID="{E029995E-6C1C-464C-B18A-588A9A373F13}">
   <ds:schemaRefs>
     <ds:schemaRef ds:uri="http://schemas.microsoft.com/VisualStudio/2011/storyboarding/control"/>
   </ds:schemaRefs>
 </ds:datastoreItem>
 </file>
 
-<file path=customXml/itemProps115.xml><?xml version="1.0" encoding="utf-8"?>
-<ds:datastoreItem xmlns:ds="http://schemas.openxmlformats.org/officeDocument/2006/customXml" ds:itemID="{033417FC-F4DF-440B-9750-AC9CEE9D4DD6}">
+<file path=customXml/itemProps116.xml><?xml version="1.0" encoding="utf-8"?>
+<ds:datastoreItem xmlns:ds="http://schemas.openxmlformats.org/officeDocument/2006/customXml" ds:itemID="{8034C046-287A-40CC-BFAD-DD9798F69203}">
   <ds:schemaRefs>
     <ds:schemaRef ds:uri="http://schemas.microsoft.com/VisualStudio/2011/storyboarding/control"/>
   </ds:schemaRefs>
 </ds:datastoreItem>
 </file>
 
-<file path=customXml/itemProps116.xml><?xml version="1.0" encoding="utf-8"?>
-<ds:datastoreItem xmlns:ds="http://schemas.openxmlformats.org/officeDocument/2006/customXml" ds:itemID="{13D229BA-F403-4DB5-940D-9A722C14A295}">
+<file path=customXml/itemProps117.xml><?xml version="1.0" encoding="utf-8"?>
+<ds:datastoreItem xmlns:ds="http://schemas.openxmlformats.org/officeDocument/2006/customXml" ds:itemID="{7AB87D2A-44BC-4109-A9F6-0CF47E17DA7C}">
   <ds:schemaRefs>
     <ds:schemaRef ds:uri="http://schemas.microsoft.com/VisualStudio/2011/storyboarding/control"/>
   </ds:schemaRefs>
 </ds:datastoreItem>
 </file>
 
-<file path=customXml/itemProps117.xml><?xml version="1.0" encoding="utf-8"?>
+<file path=customXml/itemProps118.xml><?xml version="1.0" encoding="utf-8"?>
+<ds:datastoreItem xmlns:ds="http://schemas.openxmlformats.org/officeDocument/2006/customXml" ds:itemID="{E5DD84D4-A8CE-4783-AB20-E42165ABDFA7}">
+  <ds:schemaRefs>
+    <ds:schemaRef ds:uri="http://schemas.microsoft.com/VisualStudio/2011/storyboarding/control"/>
+  </ds:schemaRefs>
+</ds:datastoreItem>
+</file>
+
+<file path=customXml/itemProps119.xml><?xml version="1.0" encoding="utf-8"?>
 <ds:datastoreItem xmlns:ds="http://schemas.openxmlformats.org/officeDocument/2006/customXml" ds:itemID="{F2AC79B3-EA47-4A60-8F32-62C9B6A4B730}">
   <ds:schemaRefs>
     <ds:schemaRef ds:uri="http://schemas.microsoft.com/VisualStudio/2011/storyboarding/control"/>
@@ -17023,80 +17212,64 @@
 </ds:datastoreItem>
 </file>
 
-<file path=customXml/itemProps118.xml><?xml version="1.0" encoding="utf-8"?>
-<ds:datastoreItem xmlns:ds="http://schemas.openxmlformats.org/officeDocument/2006/customXml" ds:itemID="{98F07B01-E4E8-4E44-B227-4A307E110F5E}">
+<file path=customXml/itemProps12.xml><?xml version="1.0" encoding="utf-8"?>
+<ds:datastoreItem xmlns:ds="http://schemas.openxmlformats.org/officeDocument/2006/customXml" ds:itemID="{3E59668D-9D10-4C26-9CC7-C8295EEC02B7}">
   <ds:schemaRefs>
     <ds:schemaRef ds:uri="http://schemas.microsoft.com/VisualStudio/2011/storyboarding/control"/>
   </ds:schemaRefs>
 </ds:datastoreItem>
 </file>
 
-<file path=customXml/itemProps119.xml><?xml version="1.0" encoding="utf-8"?>
-<ds:datastoreItem xmlns:ds="http://schemas.openxmlformats.org/officeDocument/2006/customXml" ds:itemID="{69C5573C-4D11-4ED5-8CA8-88391EEEF019}">
+<file path=customXml/itemProps120.xml><?xml version="1.0" encoding="utf-8"?>
+<ds:datastoreItem xmlns:ds="http://schemas.openxmlformats.org/officeDocument/2006/customXml" ds:itemID="{45D0D449-A17D-45A3-B4E7-E173226B985A}">
   <ds:schemaRefs>
     <ds:schemaRef ds:uri="http://schemas.microsoft.com/VisualStudio/2011/storyboarding/control"/>
   </ds:schemaRefs>
 </ds:datastoreItem>
 </file>
 
-<file path=customXml/itemProps12.xml><?xml version="1.0" encoding="utf-8"?>
-<ds:datastoreItem xmlns:ds="http://schemas.openxmlformats.org/officeDocument/2006/customXml" ds:itemID="{D5754EE6-BC91-4A98-A9DF-8FF792B0AA43}">
+<file path=customXml/itemProps121.xml><?xml version="1.0" encoding="utf-8"?>
+<ds:datastoreItem xmlns:ds="http://schemas.openxmlformats.org/officeDocument/2006/customXml" ds:itemID="{192B0C59-AF18-4932-A8CE-C28065725D2A}">
   <ds:schemaRefs>
     <ds:schemaRef ds:uri="http://schemas.microsoft.com/VisualStudio/2011/storyboarding/control"/>
   </ds:schemaRefs>
 </ds:datastoreItem>
 </file>
 
-<file path=customXml/itemProps120.xml><?xml version="1.0" encoding="utf-8"?>
-<ds:datastoreItem xmlns:ds="http://schemas.openxmlformats.org/officeDocument/2006/customXml" ds:itemID="{59AEDDE6-08CE-4516-9790-E1D7499AD12F}">
+<file path=customXml/itemProps122.xml><?xml version="1.0" encoding="utf-8"?>
+<ds:datastoreItem xmlns:ds="http://schemas.openxmlformats.org/officeDocument/2006/customXml" ds:itemID="{66DA5703-DC74-4A5C-897F-77851F088467}">
   <ds:schemaRefs>
     <ds:schemaRef ds:uri="http://schemas.microsoft.com/VisualStudio/2011/storyboarding/control"/>
   </ds:schemaRefs>
 </ds:datastoreItem>
 </file>
 
-<file path=customXml/itemProps121.xml><?xml version="1.0" encoding="utf-8"?>
-<ds:datastoreItem xmlns:ds="http://schemas.openxmlformats.org/officeDocument/2006/customXml" ds:itemID="{A4C33EEA-7075-4651-97E3-4829E38E21EA}">
+<file path=customXml/itemProps123.xml><?xml version="1.0" encoding="utf-8"?>
+<ds:datastoreItem xmlns:ds="http://schemas.openxmlformats.org/officeDocument/2006/customXml" ds:itemID="{A3199E56-6304-4A04-BDD7-107FDE5731A4}">
   <ds:schemaRefs>
     <ds:schemaRef ds:uri="http://schemas.microsoft.com/VisualStudio/2011/storyboarding/control"/>
   </ds:schemaRefs>
 </ds:datastoreItem>
 </file>
 
-<file path=customXml/itemProps122.xml><?xml version="1.0" encoding="utf-8"?>
-<ds:datastoreItem xmlns:ds="http://schemas.openxmlformats.org/officeDocument/2006/customXml" ds:itemID="{A4CF0BF1-C47D-4DEC-B943-A1B6DFD73BA3}">
+<file path=customXml/itemProps124.xml><?xml version="1.0" encoding="utf-8"?>
+<ds:datastoreItem xmlns:ds="http://schemas.openxmlformats.org/officeDocument/2006/customXml" ds:itemID="{4C95C4DB-91BC-4C29-B0A4-0A132577B473}">
   <ds:schemaRefs>
     <ds:schemaRef ds:uri="http://schemas.microsoft.com/VisualStudio/2011/storyboarding/control"/>
   </ds:schemaRefs>
 </ds:datastoreItem>
 </file>
 
-<file path=customXml/itemProps123.xml><?xml version="1.0" encoding="utf-8"?>
-<ds:datastoreItem xmlns:ds="http://schemas.openxmlformats.org/officeDocument/2006/customXml" ds:itemID="{47953D14-6ADC-4DA0-8BCD-D5FB70B1B04A}">
+<file path=customXml/itemProps125.xml><?xml version="1.0" encoding="utf-8"?>
+<ds:datastoreItem xmlns:ds="http://schemas.openxmlformats.org/officeDocument/2006/customXml" ds:itemID="{FA631F3F-931D-4669-BD0B-F99571F5C429}">
   <ds:schemaRefs>
     <ds:schemaRef ds:uri="http://schemas.microsoft.com/VisualStudio/2011/storyboarding/control"/>
   </ds:schemaRefs>
 </ds:datastoreItem>
 </file>
 
-<file path=customXml/itemProps124.xml><?xml version="1.0" encoding="utf-8"?>
-<ds:datastoreItem xmlns:ds="http://schemas.openxmlformats.org/officeDocument/2006/customXml" ds:itemID="{AF01C7FC-A844-4EAB-9C49-C1EDCADB47C1}">
-  <ds:schemaRefs>
-    <ds:schemaRef ds:uri="http://schemas.microsoft.com/VisualStudio/2011/storyboarding/control"/>
-  </ds:schemaRefs>
-</ds:datastoreItem>
-</file>
-
-<file path=customXml/itemProps125.xml><?xml version="1.0" encoding="utf-8"?>
-<ds:datastoreItem xmlns:ds="http://schemas.openxmlformats.org/officeDocument/2006/customXml" ds:itemID="{8A555954-45BE-4EEE-9F3C-9C997F6D1BA3}">
-  <ds:schemaRefs>
-    <ds:schemaRef ds:uri="http://schemas.microsoft.com/VisualStudio/2011/storyboarding/control"/>
-  </ds:schemaRefs>
-</ds:datastoreItem>
-</file>
-
 <file path=customXml/itemProps126.xml><?xml version="1.0" encoding="utf-8"?>
-<ds:datastoreItem xmlns:ds="http://schemas.openxmlformats.org/officeDocument/2006/customXml" ds:itemID="{C4F6D4BE-A130-482B-BA98-1CB53DA976CA}">
+<ds:datastoreItem xmlns:ds="http://schemas.openxmlformats.org/officeDocument/2006/customXml" ds:itemID="{0205D5B8-50E2-42A6-ADDD-577B72710484}">
   <ds:schemaRefs>
     <ds:schemaRef ds:uri="http://schemas.microsoft.com/VisualStudio/2011/storyboarding/control"/>
   </ds:schemaRefs>
@@ -17112,6 +17285,862 @@
 </file>
 
 <file path=customXml/itemProps128.xml><?xml version="1.0" encoding="utf-8"?>
+<ds:datastoreItem xmlns:ds="http://schemas.openxmlformats.org/officeDocument/2006/customXml" ds:itemID="{15112653-7036-4EB6-9E86-EDFCD1846E57}">
+  <ds:schemaRefs>
+    <ds:schemaRef ds:uri="http://schemas.microsoft.com/VisualStudio/2011/storyboarding/control"/>
+  </ds:schemaRefs>
+</ds:datastoreItem>
+</file>
+
+<file path=customXml/itemProps129.xml><?xml version="1.0" encoding="utf-8"?>
+<ds:datastoreItem xmlns:ds="http://schemas.openxmlformats.org/officeDocument/2006/customXml" ds:itemID="{3E9518F8-52DB-4512-B6E1-D4B81EC47F8E}">
+  <ds:schemaRefs>
+    <ds:schemaRef ds:uri="http://schemas.microsoft.com/VisualStudio/2011/storyboarding/control"/>
+  </ds:schemaRefs>
+</ds:datastoreItem>
+</file>
+
+<file path=customXml/itemProps13.xml><?xml version="1.0" encoding="utf-8"?>
+<ds:datastoreItem xmlns:ds="http://schemas.openxmlformats.org/officeDocument/2006/customXml" ds:itemID="{E64EFAA4-8D4E-4E3D-90B4-CEBC661B0435}">
+  <ds:schemaRefs>
+    <ds:schemaRef ds:uri="http://schemas.microsoft.com/VisualStudio/2011/storyboarding/control"/>
+  </ds:schemaRefs>
+</ds:datastoreItem>
+</file>
+
+<file path=customXml/itemProps130.xml><?xml version="1.0" encoding="utf-8"?>
+<ds:datastoreItem xmlns:ds="http://schemas.openxmlformats.org/officeDocument/2006/customXml" ds:itemID="{4A328889-52D6-47EA-AA7A-7178F57DFC2D}">
+  <ds:schemaRefs>
+    <ds:schemaRef ds:uri="http://schemas.microsoft.com/VisualStudio/2011/storyboarding/control"/>
+  </ds:schemaRefs>
+</ds:datastoreItem>
+</file>
+
+<file path=customXml/itemProps131.xml><?xml version="1.0" encoding="utf-8"?>
+<ds:datastoreItem xmlns:ds="http://schemas.openxmlformats.org/officeDocument/2006/customXml" ds:itemID="{CC0F0423-B11D-48BC-93CE-439535EE4340}">
+  <ds:schemaRefs>
+    <ds:schemaRef ds:uri="http://schemas.microsoft.com/VisualStudio/2011/storyboarding/control"/>
+  </ds:schemaRefs>
+</ds:datastoreItem>
+</file>
+
+<file path=customXml/itemProps132.xml><?xml version="1.0" encoding="utf-8"?>
+<ds:datastoreItem xmlns:ds="http://schemas.openxmlformats.org/officeDocument/2006/customXml" ds:itemID="{6A689C72-B170-4CC3-844E-7A992719660C}">
+  <ds:schemaRefs>
+    <ds:schemaRef ds:uri="http://schemas.microsoft.com/VisualStudio/2011/storyboarding/control"/>
+  </ds:schemaRefs>
+</ds:datastoreItem>
+</file>
+
+<file path=customXml/itemProps133.xml><?xml version="1.0" encoding="utf-8"?>
+<ds:datastoreItem xmlns:ds="http://schemas.openxmlformats.org/officeDocument/2006/customXml" ds:itemID="{0BDCEE85-95E9-41B6-B7EA-41FEC8A8955C}">
+  <ds:schemaRefs>
+    <ds:schemaRef ds:uri="http://schemas.microsoft.com/VisualStudio/2011/storyboarding/control"/>
+  </ds:schemaRefs>
+</ds:datastoreItem>
+</file>
+
+<file path=customXml/itemProps134.xml><?xml version="1.0" encoding="utf-8"?>
+<ds:datastoreItem xmlns:ds="http://schemas.openxmlformats.org/officeDocument/2006/customXml" ds:itemID="{7C7A195E-DFA7-4A05-9371-894B93FD1828}">
+  <ds:schemaRefs>
+    <ds:schemaRef ds:uri="http://schemas.microsoft.com/VisualStudio/2011/storyboarding/control"/>
+  </ds:schemaRefs>
+</ds:datastoreItem>
+</file>
+
+<file path=customXml/itemProps135.xml><?xml version="1.0" encoding="utf-8"?>
+<ds:datastoreItem xmlns:ds="http://schemas.openxmlformats.org/officeDocument/2006/customXml" ds:itemID="{CAA62E3A-E1D3-48E6-902C-72278FCF572B}">
+  <ds:schemaRefs>
+    <ds:schemaRef ds:uri="http://schemas.microsoft.com/VisualStudio/2011/storyboarding/control"/>
+  </ds:schemaRefs>
+</ds:datastoreItem>
+</file>
+
+<file path=customXml/itemProps136.xml><?xml version="1.0" encoding="utf-8"?>
+<ds:datastoreItem xmlns:ds="http://schemas.openxmlformats.org/officeDocument/2006/customXml" ds:itemID="{BB503869-44CE-4F73-B2F9-2E68C6092DF4}">
+  <ds:schemaRefs>
+    <ds:schemaRef ds:uri="http://schemas.microsoft.com/VisualStudio/2011/storyboarding/control"/>
+  </ds:schemaRefs>
+</ds:datastoreItem>
+</file>
+
+<file path=customXml/itemProps137.xml><?xml version="1.0" encoding="utf-8"?>
+<ds:datastoreItem xmlns:ds="http://schemas.openxmlformats.org/officeDocument/2006/customXml" ds:itemID="{A4C33EEA-7075-4651-97E3-4829E38E21EA}">
+  <ds:schemaRefs>
+    <ds:schemaRef ds:uri="http://schemas.microsoft.com/VisualStudio/2011/storyboarding/control"/>
+  </ds:schemaRefs>
+</ds:datastoreItem>
+</file>
+
+<file path=customXml/itemProps138.xml><?xml version="1.0" encoding="utf-8"?>
+<ds:datastoreItem xmlns:ds="http://schemas.openxmlformats.org/officeDocument/2006/customXml" ds:itemID="{7F5E28FD-26FF-4A48-BAD7-50B55AB6208D}">
+  <ds:schemaRefs>
+    <ds:schemaRef ds:uri="http://schemas.microsoft.com/VisualStudio/2011/storyboarding/control"/>
+  </ds:schemaRefs>
+</ds:datastoreItem>
+</file>
+
+<file path=customXml/itemProps139.xml><?xml version="1.0" encoding="utf-8"?>
+<ds:datastoreItem xmlns:ds="http://schemas.openxmlformats.org/officeDocument/2006/customXml" ds:itemID="{A2F6F20D-5D93-4163-A5E6-5A9B6AB49B35}">
+  <ds:schemaRefs>
+    <ds:schemaRef ds:uri="http://schemas.microsoft.com/VisualStudio/2011/storyboarding/control"/>
+  </ds:schemaRefs>
+</ds:datastoreItem>
+</file>
+
+<file path=customXml/itemProps14.xml><?xml version="1.0" encoding="utf-8"?>
+<ds:datastoreItem xmlns:ds="http://schemas.openxmlformats.org/officeDocument/2006/customXml" ds:itemID="{AF40C17C-6E53-453B-B327-999FE0B7CF9E}">
+  <ds:schemaRefs>
+    <ds:schemaRef ds:uri="http://schemas.microsoft.com/VisualStudio/2011/storyboarding/control"/>
+  </ds:schemaRefs>
+</ds:datastoreItem>
+</file>
+
+<file path=customXml/itemProps140.xml><?xml version="1.0" encoding="utf-8"?>
+<ds:datastoreItem xmlns:ds="http://schemas.openxmlformats.org/officeDocument/2006/customXml" ds:itemID="{2C7E7D13-6875-4C07-A00F-CBDE5826D5D8}">
+  <ds:schemaRefs>
+    <ds:schemaRef ds:uri="http://schemas.microsoft.com/VisualStudio/2011/storyboarding/control"/>
+  </ds:schemaRefs>
+</ds:datastoreItem>
+</file>
+
+<file path=customXml/itemProps141.xml><?xml version="1.0" encoding="utf-8"?>
+<ds:datastoreItem xmlns:ds="http://schemas.openxmlformats.org/officeDocument/2006/customXml" ds:itemID="{D9AA3C08-4DA4-4FFF-AE51-25D9FD5C0DBF}">
+  <ds:schemaRefs>
+    <ds:schemaRef ds:uri="http://schemas.microsoft.com/VisualStudio/2011/storyboarding/control"/>
+  </ds:schemaRefs>
+</ds:datastoreItem>
+</file>
+
+<file path=customXml/itemProps142.xml><?xml version="1.0" encoding="utf-8"?>
+<ds:datastoreItem xmlns:ds="http://schemas.openxmlformats.org/officeDocument/2006/customXml" ds:itemID="{8B3DF17E-302B-453F-A2FD-6CDC4C0170AA}">
+  <ds:schemaRefs>
+    <ds:schemaRef ds:uri="http://schemas.microsoft.com/VisualStudio/2011/storyboarding/control"/>
+  </ds:schemaRefs>
+</ds:datastoreItem>
+</file>
+
+<file path=customXml/itemProps143.xml><?xml version="1.0" encoding="utf-8"?>
+<ds:datastoreItem xmlns:ds="http://schemas.openxmlformats.org/officeDocument/2006/customXml" ds:itemID="{FF00F683-10CA-4344-BB02-557AFC229713}">
+  <ds:schemaRefs>
+    <ds:schemaRef ds:uri="http://schemas.microsoft.com/VisualStudio/2011/storyboarding/control"/>
+  </ds:schemaRefs>
+</ds:datastoreItem>
+</file>
+
+<file path=customXml/itemProps144.xml><?xml version="1.0" encoding="utf-8"?>
+<ds:datastoreItem xmlns:ds="http://schemas.openxmlformats.org/officeDocument/2006/customXml" ds:itemID="{D76A8C43-D0E6-4D76-A639-72E580E29047}">
+  <ds:schemaRefs>
+    <ds:schemaRef ds:uri="http://schemas.microsoft.com/VisualStudio/2011/storyboarding/control"/>
+  </ds:schemaRefs>
+</ds:datastoreItem>
+</file>
+
+<file path=customXml/itemProps145.xml><?xml version="1.0" encoding="utf-8"?>
+<ds:datastoreItem xmlns:ds="http://schemas.openxmlformats.org/officeDocument/2006/customXml" ds:itemID="{3587D983-5BF3-43F4-B7CC-0D3FCA927E45}">
+  <ds:schemaRefs>
+    <ds:schemaRef ds:uri="http://schemas.microsoft.com/VisualStudio/2011/storyboarding/control"/>
+  </ds:schemaRefs>
+</ds:datastoreItem>
+</file>
+
+<file path=customXml/itemProps146.xml><?xml version="1.0" encoding="utf-8"?>
+<ds:datastoreItem xmlns:ds="http://schemas.openxmlformats.org/officeDocument/2006/customXml" ds:itemID="{6EF31828-B1D4-48CE-A1B2-9C0A5D142D1E}">
+  <ds:schemaRefs>
+    <ds:schemaRef ds:uri="http://schemas.microsoft.com/VisualStudio/2011/storyboarding/control"/>
+  </ds:schemaRefs>
+</ds:datastoreItem>
+</file>
+
+<file path=customXml/itemProps147.xml><?xml version="1.0" encoding="utf-8"?>
+<ds:datastoreItem xmlns:ds="http://schemas.openxmlformats.org/officeDocument/2006/customXml" ds:itemID="{BB9D8331-A5A0-4DC8-BED7-F17D94CE02E8}">
+  <ds:schemaRefs>
+    <ds:schemaRef ds:uri="http://schemas.microsoft.com/VisualStudio/2011/storyboarding/control"/>
+  </ds:schemaRefs>
+</ds:datastoreItem>
+</file>
+
+<file path=customXml/itemProps148.xml><?xml version="1.0" encoding="utf-8"?>
+<ds:datastoreItem xmlns:ds="http://schemas.openxmlformats.org/officeDocument/2006/customXml" ds:itemID="{B02AE70D-AB27-4B64-9EAF-0217792EF7E1}">
+  <ds:schemaRefs>
+    <ds:schemaRef ds:uri="http://schemas.microsoft.com/VisualStudio/2011/storyboarding/control"/>
+  </ds:schemaRefs>
+</ds:datastoreItem>
+</file>
+
+<file path=customXml/itemProps149.xml><?xml version="1.0" encoding="utf-8"?>
+<ds:datastoreItem xmlns:ds="http://schemas.openxmlformats.org/officeDocument/2006/customXml" ds:itemID="{CA9B1D84-8FAF-4BE3-BEDE-DAB5639D6F30}">
+  <ds:schemaRefs>
+    <ds:schemaRef ds:uri="http://schemas.microsoft.com/VisualStudio/2011/storyboarding/control"/>
+  </ds:schemaRefs>
+</ds:datastoreItem>
+</file>
+
+<file path=customXml/itemProps15.xml><?xml version="1.0" encoding="utf-8"?>
+<ds:datastoreItem xmlns:ds="http://schemas.openxmlformats.org/officeDocument/2006/customXml" ds:itemID="{46C8095E-E543-4B44-84A5-7DF9215641EF}">
+  <ds:schemaRefs>
+    <ds:schemaRef ds:uri="http://schemas.microsoft.com/VisualStudio/2011/storyboarding/control"/>
+  </ds:schemaRefs>
+</ds:datastoreItem>
+</file>
+
+<file path=customXml/itemProps150.xml><?xml version="1.0" encoding="utf-8"?>
+<ds:datastoreItem xmlns:ds="http://schemas.openxmlformats.org/officeDocument/2006/customXml" ds:itemID="{14F53810-CFF1-4E60-9021-6AF4EA429CC7}">
+  <ds:schemaRefs>
+    <ds:schemaRef ds:uri="http://schemas.microsoft.com/VisualStudio/2011/storyboarding/control"/>
+  </ds:schemaRefs>
+</ds:datastoreItem>
+</file>
+
+<file path=customXml/itemProps151.xml><?xml version="1.0" encoding="utf-8"?>
+<ds:datastoreItem xmlns:ds="http://schemas.openxmlformats.org/officeDocument/2006/customXml" ds:itemID="{1C9E4718-660A-46FF-B326-15E4FE359C0C}">
+  <ds:schemaRefs>
+    <ds:schemaRef ds:uri="http://schemas.microsoft.com/VisualStudio/2011/storyboarding/control"/>
+  </ds:schemaRefs>
+</ds:datastoreItem>
+</file>
+
+<file path=customXml/itemProps152.xml><?xml version="1.0" encoding="utf-8"?>
+<ds:datastoreItem xmlns:ds="http://schemas.openxmlformats.org/officeDocument/2006/customXml" ds:itemID="{D2AAAC7E-0A85-448C-BEAF-FB2E1B4987CA}">
+  <ds:schemaRefs>
+    <ds:schemaRef ds:uri="http://schemas.microsoft.com/VisualStudio/2011/storyboarding/control"/>
+  </ds:schemaRefs>
+</ds:datastoreItem>
+</file>
+
+<file path=customXml/itemProps153.xml><?xml version="1.0" encoding="utf-8"?>
+<ds:datastoreItem xmlns:ds="http://schemas.openxmlformats.org/officeDocument/2006/customXml" ds:itemID="{2A5F2F26-968C-4D10-A23C-7F7AB3C144F1}">
+  <ds:schemaRefs>
+    <ds:schemaRef ds:uri="http://schemas.microsoft.com/VisualStudio/2011/storyboarding/control"/>
+  </ds:schemaRefs>
+</ds:datastoreItem>
+</file>
+
+<file path=customXml/itemProps154.xml><?xml version="1.0" encoding="utf-8"?>
+<ds:datastoreItem xmlns:ds="http://schemas.openxmlformats.org/officeDocument/2006/customXml" ds:itemID="{03653E92-1616-42CD-8288-0A4EBB2CAA1C}">
+  <ds:schemaRefs>
+    <ds:schemaRef ds:uri="http://schemas.microsoft.com/VisualStudio/2011/storyboarding/control"/>
+  </ds:schemaRefs>
+</ds:datastoreItem>
+</file>
+
+<file path=customXml/itemProps155.xml><?xml version="1.0" encoding="utf-8"?>
+<ds:datastoreItem xmlns:ds="http://schemas.openxmlformats.org/officeDocument/2006/customXml" ds:itemID="{FCFEC772-99A0-4E2F-BE46-6982F97F1BE9}">
+  <ds:schemaRefs>
+    <ds:schemaRef ds:uri="http://schemas.microsoft.com/VisualStudio/2011/storyboarding/control"/>
+  </ds:schemaRefs>
+</ds:datastoreItem>
+</file>
+
+<file path=customXml/itemProps156.xml><?xml version="1.0" encoding="utf-8"?>
+<ds:datastoreItem xmlns:ds="http://schemas.openxmlformats.org/officeDocument/2006/customXml" ds:itemID="{418E8FB6-E3E2-4A78-BD2C-0E4D84C7371E}">
+  <ds:schemaRefs>
+    <ds:schemaRef ds:uri="http://schemas.microsoft.com/VisualStudio/2011/storyboarding/control"/>
+  </ds:schemaRefs>
+</ds:datastoreItem>
+</file>
+
+<file path=customXml/itemProps157.xml><?xml version="1.0" encoding="utf-8"?>
+<ds:datastoreItem xmlns:ds="http://schemas.openxmlformats.org/officeDocument/2006/customXml" ds:itemID="{85F86E7D-DA49-4BE9-9097-1D50FB466B1E}">
+  <ds:schemaRefs>
+    <ds:schemaRef ds:uri="http://schemas.microsoft.com/VisualStudio/2011/storyboarding/control"/>
+  </ds:schemaRefs>
+</ds:datastoreItem>
+</file>
+
+<file path=customXml/itemProps158.xml><?xml version="1.0" encoding="utf-8"?>
+<ds:datastoreItem xmlns:ds="http://schemas.openxmlformats.org/officeDocument/2006/customXml" ds:itemID="{F09024E1-1C18-4E75-B068-E418EE7D2650}">
+  <ds:schemaRefs>
+    <ds:schemaRef ds:uri="http://schemas.microsoft.com/VisualStudio/2011/storyboarding/control"/>
+  </ds:schemaRefs>
+</ds:datastoreItem>
+</file>
+
+<file path=customXml/itemProps159.xml><?xml version="1.0" encoding="utf-8"?>
+<ds:datastoreItem xmlns:ds="http://schemas.openxmlformats.org/officeDocument/2006/customXml" ds:itemID="{E56EDE5A-F97D-4AD1-8B27-19C05BC797E2}">
+  <ds:schemaRefs>
+    <ds:schemaRef ds:uri="http://schemas.microsoft.com/VisualStudio/2011/storyboarding/control"/>
+  </ds:schemaRefs>
+</ds:datastoreItem>
+</file>
+
+<file path=customXml/itemProps16.xml><?xml version="1.0" encoding="utf-8"?>
+<ds:datastoreItem xmlns:ds="http://schemas.openxmlformats.org/officeDocument/2006/customXml" ds:itemID="{00D2AA4F-29E2-4A16-BE2A-B2E1781BC260}">
+  <ds:schemaRefs>
+    <ds:schemaRef ds:uri="http://schemas.microsoft.com/VisualStudio/2011/storyboarding/control"/>
+  </ds:schemaRefs>
+</ds:datastoreItem>
+</file>
+
+<file path=customXml/itemProps160.xml><?xml version="1.0" encoding="utf-8"?>
+<ds:datastoreItem xmlns:ds="http://schemas.openxmlformats.org/officeDocument/2006/customXml" ds:itemID="{9441CC7A-8DA1-4C19-B524-DD31C7A19972}">
+  <ds:schemaRefs>
+    <ds:schemaRef ds:uri="http://schemas.microsoft.com/VisualStudio/2011/storyboarding/control"/>
+  </ds:schemaRefs>
+</ds:datastoreItem>
+</file>
+
+<file path=customXml/itemProps161.xml><?xml version="1.0" encoding="utf-8"?>
+<ds:datastoreItem xmlns:ds="http://schemas.openxmlformats.org/officeDocument/2006/customXml" ds:itemID="{A5C9F535-848A-484D-BE9A-C7950B04C8EE}">
+  <ds:schemaRefs>
+    <ds:schemaRef ds:uri="http://schemas.microsoft.com/VisualStudio/2011/storyboarding/control"/>
+  </ds:schemaRefs>
+</ds:datastoreItem>
+</file>
+
+<file path=customXml/itemProps162.xml><?xml version="1.0" encoding="utf-8"?>
+<ds:datastoreItem xmlns:ds="http://schemas.openxmlformats.org/officeDocument/2006/customXml" ds:itemID="{952516C9-92F1-4F3E-8CAE-34A561EA713F}">
+  <ds:schemaRefs>
+    <ds:schemaRef ds:uri="http://schemas.microsoft.com/VisualStudio/2011/storyboarding/control"/>
+  </ds:schemaRefs>
+</ds:datastoreItem>
+</file>
+
+<file path=customXml/itemProps163.xml><?xml version="1.0" encoding="utf-8"?>
+<ds:datastoreItem xmlns:ds="http://schemas.openxmlformats.org/officeDocument/2006/customXml" ds:itemID="{FE6E328A-6A73-4FA6-A99D-5520E55E5B7D}">
+  <ds:schemaRefs>
+    <ds:schemaRef ds:uri="http://schemas.microsoft.com/VisualStudio/2011/storyboarding/control"/>
+  </ds:schemaRefs>
+</ds:datastoreItem>
+</file>
+
+<file path=customXml/itemProps164.xml><?xml version="1.0" encoding="utf-8"?>
+<ds:datastoreItem xmlns:ds="http://schemas.openxmlformats.org/officeDocument/2006/customXml" ds:itemID="{554CEDA9-374E-4C76-B97B-7202606AC0BE}">
+  <ds:schemaRefs>
+    <ds:schemaRef ds:uri="http://schemas.microsoft.com/VisualStudio/2011/storyboarding/control"/>
+  </ds:schemaRefs>
+</ds:datastoreItem>
+</file>
+
+<file path=customXml/itemProps165.xml><?xml version="1.0" encoding="utf-8"?>
+<ds:datastoreItem xmlns:ds="http://schemas.openxmlformats.org/officeDocument/2006/customXml" ds:itemID="{8FFADBCE-FF33-4102-8CD5-0FC7C119C312}">
+  <ds:schemaRefs>
+    <ds:schemaRef ds:uri="http://schemas.microsoft.com/VisualStudio/2011/storyboarding/control"/>
+  </ds:schemaRefs>
+</ds:datastoreItem>
+</file>
+
+<file path=customXml/itemProps166.xml><?xml version="1.0" encoding="utf-8"?>
+<ds:datastoreItem xmlns:ds="http://schemas.openxmlformats.org/officeDocument/2006/customXml" ds:itemID="{3390C89E-38DA-49C8-BD78-371C7CC2FE47}">
+  <ds:schemaRefs>
+    <ds:schemaRef ds:uri="http://schemas.microsoft.com/VisualStudio/2011/storyboarding/control"/>
+  </ds:schemaRefs>
+</ds:datastoreItem>
+</file>
+
+<file path=customXml/itemProps167.xml><?xml version="1.0" encoding="utf-8"?>
+<ds:datastoreItem xmlns:ds="http://schemas.openxmlformats.org/officeDocument/2006/customXml" ds:itemID="{7C8F0811-703B-42B0-A138-293B93790A1B}">
+  <ds:schemaRefs>
+    <ds:schemaRef ds:uri="http://schemas.microsoft.com/VisualStudio/2011/storyboarding/control"/>
+  </ds:schemaRefs>
+</ds:datastoreItem>
+</file>
+
+<file path=customXml/itemProps168.xml><?xml version="1.0" encoding="utf-8"?>
+<ds:datastoreItem xmlns:ds="http://schemas.openxmlformats.org/officeDocument/2006/customXml" ds:itemID="{F2948E7D-95F1-4C09-BF4C-141C6B60CBB5}">
+  <ds:schemaRefs>
+    <ds:schemaRef ds:uri="http://schemas.microsoft.com/VisualStudio/2011/storyboarding/control"/>
+  </ds:schemaRefs>
+</ds:datastoreItem>
+</file>
+
+<file path=customXml/itemProps169.xml><?xml version="1.0" encoding="utf-8"?>
+<ds:datastoreItem xmlns:ds="http://schemas.openxmlformats.org/officeDocument/2006/customXml" ds:itemID="{0B25F2DC-DA1F-428C-A9D6-1915EDEAA8DD}">
+  <ds:schemaRefs>
+    <ds:schemaRef ds:uri="http://schemas.microsoft.com/VisualStudio/2011/storyboarding/control"/>
+  </ds:schemaRefs>
+</ds:datastoreItem>
+</file>
+
+<file path=customXml/itemProps17.xml><?xml version="1.0" encoding="utf-8"?>
+<ds:datastoreItem xmlns:ds="http://schemas.openxmlformats.org/officeDocument/2006/customXml" ds:itemID="{F7BABBE5-64CC-4B8F-B3B6-CF3FD810F8C7}">
+  <ds:schemaRefs>
+    <ds:schemaRef ds:uri="http://schemas.microsoft.com/VisualStudio/2011/storyboarding/control"/>
+  </ds:schemaRefs>
+</ds:datastoreItem>
+</file>
+
+<file path=customXml/itemProps170.xml><?xml version="1.0" encoding="utf-8"?>
+<ds:datastoreItem xmlns:ds="http://schemas.openxmlformats.org/officeDocument/2006/customXml" ds:itemID="{8C7C7B8E-5451-4DAE-8DA4-7B210EC29FF3}">
+  <ds:schemaRefs>
+    <ds:schemaRef ds:uri="http://schemas.microsoft.com/VisualStudio/2011/storyboarding/control"/>
+  </ds:schemaRefs>
+</ds:datastoreItem>
+</file>
+
+<file path=customXml/itemProps171.xml><?xml version="1.0" encoding="utf-8"?>
+<ds:datastoreItem xmlns:ds="http://schemas.openxmlformats.org/officeDocument/2006/customXml" ds:itemID="{2160DE35-41EF-449D-8F30-BD715A7380BC}">
+  <ds:schemaRefs>
+    <ds:schemaRef ds:uri="http://schemas.microsoft.com/VisualStudio/2011/storyboarding/control"/>
+  </ds:schemaRefs>
+</ds:datastoreItem>
+</file>
+
+<file path=customXml/itemProps172.xml><?xml version="1.0" encoding="utf-8"?>
+<ds:datastoreItem xmlns:ds="http://schemas.openxmlformats.org/officeDocument/2006/customXml" ds:itemID="{3F44ADFA-C7D2-4102-9298-3583F06E2549}">
+  <ds:schemaRefs>
+    <ds:schemaRef ds:uri="http://schemas.microsoft.com/VisualStudio/2011/storyboarding/control"/>
+  </ds:schemaRefs>
+</ds:datastoreItem>
+</file>
+
+<file path=customXml/itemProps18.xml><?xml version="1.0" encoding="utf-8"?>
+<ds:datastoreItem xmlns:ds="http://schemas.openxmlformats.org/officeDocument/2006/customXml" ds:itemID="{FE51AC1B-1271-4746-867D-55554D78B5AE}">
+  <ds:schemaRefs>
+    <ds:schemaRef ds:uri="http://schemas.microsoft.com/VisualStudio/2011/storyboarding/control"/>
+  </ds:schemaRefs>
+</ds:datastoreItem>
+</file>
+
+<file path=customXml/itemProps19.xml><?xml version="1.0" encoding="utf-8"?>
+<ds:datastoreItem xmlns:ds="http://schemas.openxmlformats.org/officeDocument/2006/customXml" ds:itemID="{9431BAA6-A458-4A16-B548-267B412E871D}">
+  <ds:schemaRefs>
+    <ds:schemaRef ds:uri="http://schemas.microsoft.com/VisualStudio/2011/storyboarding/control"/>
+  </ds:schemaRefs>
+</ds:datastoreItem>
+</file>
+
+<file path=customXml/itemProps2.xml><?xml version="1.0" encoding="utf-8"?>
+<ds:datastoreItem xmlns:ds="http://schemas.openxmlformats.org/officeDocument/2006/customXml" ds:itemID="{6A447DBB-2C85-4597-A0DB-C9A2322BAC8D}">
+  <ds:schemaRefs>
+    <ds:schemaRef ds:uri="http://schemas.microsoft.com/VisualStudio/2011/storyboarding/control"/>
+  </ds:schemaRefs>
+</ds:datastoreItem>
+</file>
+
+<file path=customXml/itemProps20.xml><?xml version="1.0" encoding="utf-8"?>
+<ds:datastoreItem xmlns:ds="http://schemas.openxmlformats.org/officeDocument/2006/customXml" ds:itemID="{59D0369F-25C4-46DE-8418-DF66EC3FEC68}">
+  <ds:schemaRefs>
+    <ds:schemaRef ds:uri="http://schemas.microsoft.com/VisualStudio/2011/storyboarding/control"/>
+  </ds:schemaRefs>
+</ds:datastoreItem>
+</file>
+
+<file path=customXml/itemProps21.xml><?xml version="1.0" encoding="utf-8"?>
+<ds:datastoreItem xmlns:ds="http://schemas.openxmlformats.org/officeDocument/2006/customXml" ds:itemID="{327B6332-6001-4577-872B-DD19A445F5F2}">
+  <ds:schemaRefs>
+    <ds:schemaRef ds:uri="http://schemas.microsoft.com/VisualStudio/2011/storyboarding/control"/>
+  </ds:schemaRefs>
+</ds:datastoreItem>
+</file>
+
+<file path=customXml/itemProps22.xml><?xml version="1.0" encoding="utf-8"?>
+<ds:datastoreItem xmlns:ds="http://schemas.openxmlformats.org/officeDocument/2006/customXml" ds:itemID="{02423611-8D04-4993-B0B1-97733309265C}">
+  <ds:schemaRefs>
+    <ds:schemaRef ds:uri="http://schemas.microsoft.com/VisualStudio/2011/storyboarding/control"/>
+  </ds:schemaRefs>
+</ds:datastoreItem>
+</file>
+
+<file path=customXml/itemProps23.xml><?xml version="1.0" encoding="utf-8"?>
+<ds:datastoreItem xmlns:ds="http://schemas.openxmlformats.org/officeDocument/2006/customXml" ds:itemID="{0D101840-8B5F-4665-97F6-B5669CAD36B7}">
+  <ds:schemaRefs>
+    <ds:schemaRef ds:uri="http://schemas.microsoft.com/VisualStudio/2011/storyboarding/control"/>
+  </ds:schemaRefs>
+</ds:datastoreItem>
+</file>
+
+<file path=customXml/itemProps24.xml><?xml version="1.0" encoding="utf-8"?>
+<ds:datastoreItem xmlns:ds="http://schemas.openxmlformats.org/officeDocument/2006/customXml" ds:itemID="{6909E70A-4203-43FA-8666-1DA9A83FC55A}">
+  <ds:schemaRefs>
+    <ds:schemaRef ds:uri="http://schemas.microsoft.com/VisualStudio/2011/storyboarding/control"/>
+  </ds:schemaRefs>
+</ds:datastoreItem>
+</file>
+
+<file path=customXml/itemProps25.xml><?xml version="1.0" encoding="utf-8"?>
+<ds:datastoreItem xmlns:ds="http://schemas.openxmlformats.org/officeDocument/2006/customXml" ds:itemID="{47953D14-6ADC-4DA0-8BCD-D5FB70B1B04A}">
+  <ds:schemaRefs>
+    <ds:schemaRef ds:uri="http://schemas.microsoft.com/VisualStudio/2011/storyboarding/control"/>
+  </ds:schemaRefs>
+</ds:datastoreItem>
+</file>
+
+<file path=customXml/itemProps26.xml><?xml version="1.0" encoding="utf-8"?>
+<ds:datastoreItem xmlns:ds="http://schemas.openxmlformats.org/officeDocument/2006/customXml" ds:itemID="{6D74F327-6332-4AC5-8084-6EBC78FC0812}">
+  <ds:schemaRefs>
+    <ds:schemaRef ds:uri="http://schemas.microsoft.com/VisualStudio/2011/storyboarding/control"/>
+  </ds:schemaRefs>
+</ds:datastoreItem>
+</file>
+
+<file path=customXml/itemProps27.xml><?xml version="1.0" encoding="utf-8"?>
+<ds:datastoreItem xmlns:ds="http://schemas.openxmlformats.org/officeDocument/2006/customXml" ds:itemID="{06C11E88-1615-4B77-96AD-4B8BA4A066E8}">
+  <ds:schemaRefs>
+    <ds:schemaRef ds:uri="http://schemas.microsoft.com/VisualStudio/2011/storyboarding/control"/>
+  </ds:schemaRefs>
+</ds:datastoreItem>
+</file>
+
+<file path=customXml/itemProps28.xml><?xml version="1.0" encoding="utf-8"?>
+<ds:datastoreItem xmlns:ds="http://schemas.openxmlformats.org/officeDocument/2006/customXml" ds:itemID="{7A89DD74-282D-41A7-98AD-61383871195E}">
+  <ds:schemaRefs>
+    <ds:schemaRef ds:uri="http://schemas.microsoft.com/VisualStudio/2011/storyboarding/control"/>
+  </ds:schemaRefs>
+</ds:datastoreItem>
+</file>
+
+<file path=customXml/itemProps29.xml><?xml version="1.0" encoding="utf-8"?>
+<ds:datastoreItem xmlns:ds="http://schemas.openxmlformats.org/officeDocument/2006/customXml" ds:itemID="{9A59C534-A299-402C-BDD6-F5443DFA7893}">
+  <ds:schemaRefs>
+    <ds:schemaRef ds:uri="http://schemas.microsoft.com/VisualStudio/2011/storyboarding/control"/>
+  </ds:schemaRefs>
+</ds:datastoreItem>
+</file>
+
+<file path=customXml/itemProps3.xml><?xml version="1.0" encoding="utf-8"?>
+<ds:datastoreItem xmlns:ds="http://schemas.openxmlformats.org/officeDocument/2006/customXml" ds:itemID="{DD4B0EF4-5BAE-4815-B342-64E17EEBDB97}">
+  <ds:schemaRefs>
+    <ds:schemaRef ds:uri="http://schemas.microsoft.com/VisualStudio/2011/storyboarding/control"/>
+  </ds:schemaRefs>
+</ds:datastoreItem>
+</file>
+
+<file path=customXml/itemProps30.xml><?xml version="1.0" encoding="utf-8"?>
+<ds:datastoreItem xmlns:ds="http://schemas.openxmlformats.org/officeDocument/2006/customXml" ds:itemID="{ADE0E0E1-3FB4-4764-85B1-A2581C94CFE9}">
+  <ds:schemaRefs>
+    <ds:schemaRef ds:uri="http://schemas.microsoft.com/VisualStudio/2011/storyboarding/control"/>
+  </ds:schemaRefs>
+</ds:datastoreItem>
+</file>
+
+<file path=customXml/itemProps31.xml><?xml version="1.0" encoding="utf-8"?>
+<ds:datastoreItem xmlns:ds="http://schemas.openxmlformats.org/officeDocument/2006/customXml" ds:itemID="{4686712F-CBA4-47D3-833A-C2ADFEF753DD}">
+  <ds:schemaRefs>
+    <ds:schemaRef ds:uri="http://schemas.microsoft.com/VisualStudio/2011/storyboarding/control"/>
+  </ds:schemaRefs>
+</ds:datastoreItem>
+</file>
+
+<file path=customXml/itemProps32.xml><?xml version="1.0" encoding="utf-8"?>
+<ds:datastoreItem xmlns:ds="http://schemas.openxmlformats.org/officeDocument/2006/customXml" ds:itemID="{B33906A2-2468-4E50-8B7B-646E03FFEF2D}">
+  <ds:schemaRefs>
+    <ds:schemaRef ds:uri="http://schemas.microsoft.com/VisualStudio/2011/storyboarding/control"/>
+  </ds:schemaRefs>
+</ds:datastoreItem>
+</file>
+
+<file path=customXml/itemProps33.xml><?xml version="1.0" encoding="utf-8"?>
+<ds:datastoreItem xmlns:ds="http://schemas.openxmlformats.org/officeDocument/2006/customXml" ds:itemID="{ED541B40-E3CF-47E9-8800-B673CC7C7D9E}">
+  <ds:schemaRefs>
+    <ds:schemaRef ds:uri="http://schemas.microsoft.com/VisualStudio/2011/storyboarding/control"/>
+  </ds:schemaRefs>
+</ds:datastoreItem>
+</file>
+
+<file path=customXml/itemProps34.xml><?xml version="1.0" encoding="utf-8"?>
+<ds:datastoreItem xmlns:ds="http://schemas.openxmlformats.org/officeDocument/2006/customXml" ds:itemID="{40E6753A-8176-4C3D-A7AD-922499F48E12}">
+  <ds:schemaRefs>
+    <ds:schemaRef ds:uri="http://schemas.microsoft.com/VisualStudio/2011/storyboarding/control"/>
+  </ds:schemaRefs>
+</ds:datastoreItem>
+</file>
+
+<file path=customXml/itemProps35.xml><?xml version="1.0" encoding="utf-8"?>
+<ds:datastoreItem xmlns:ds="http://schemas.openxmlformats.org/officeDocument/2006/customXml" ds:itemID="{24046DC5-38AC-4C0E-A7BD-7BA62F64ED8D}">
+  <ds:schemaRefs>
+    <ds:schemaRef ds:uri="http://schemas.microsoft.com/VisualStudio/2011/storyboarding/control"/>
+  </ds:schemaRefs>
+</ds:datastoreItem>
+</file>
+
+<file path=customXml/itemProps36.xml><?xml version="1.0" encoding="utf-8"?>
+<ds:datastoreItem xmlns:ds="http://schemas.openxmlformats.org/officeDocument/2006/customXml" ds:itemID="{98F07B01-E4E8-4E44-B227-4A307E110F5E}">
+  <ds:schemaRefs>
+    <ds:schemaRef ds:uri="http://schemas.microsoft.com/VisualStudio/2011/storyboarding/control"/>
+  </ds:schemaRefs>
+</ds:datastoreItem>
+</file>
+
+<file path=customXml/itemProps37.xml><?xml version="1.0" encoding="utf-8"?>
+<ds:datastoreItem xmlns:ds="http://schemas.openxmlformats.org/officeDocument/2006/customXml" ds:itemID="{D5754EE6-BC91-4A98-A9DF-8FF792B0AA43}">
+  <ds:schemaRefs>
+    <ds:schemaRef ds:uri="http://schemas.microsoft.com/VisualStudio/2011/storyboarding/control"/>
+  </ds:schemaRefs>
+</ds:datastoreItem>
+</file>
+
+<file path=customXml/itemProps38.xml><?xml version="1.0" encoding="utf-8"?>
+<ds:datastoreItem xmlns:ds="http://schemas.openxmlformats.org/officeDocument/2006/customXml" ds:itemID="{66DB2393-603D-49D1-8038-F976FE310B23}">
+  <ds:schemaRefs>
+    <ds:schemaRef ds:uri="http://schemas.microsoft.com/VisualStudio/2011/storyboarding/control"/>
+  </ds:schemaRefs>
+</ds:datastoreItem>
+</file>
+
+<file path=customXml/itemProps39.xml><?xml version="1.0" encoding="utf-8"?>
+<ds:datastoreItem xmlns:ds="http://schemas.openxmlformats.org/officeDocument/2006/customXml" ds:itemID="{48FCAF00-A9CA-4F0B-94B6-B06BD75E9807}">
+  <ds:schemaRefs>
+    <ds:schemaRef ds:uri="http://schemas.microsoft.com/VisualStudio/2011/storyboarding/control"/>
+  </ds:schemaRefs>
+</ds:datastoreItem>
+</file>
+
+<file path=customXml/itemProps4.xml><?xml version="1.0" encoding="utf-8"?>
+<ds:datastoreItem xmlns:ds="http://schemas.openxmlformats.org/officeDocument/2006/customXml" ds:itemID="{34D70070-9632-4246-B25D-E396768C8F03}">
+  <ds:schemaRefs>
+    <ds:schemaRef ds:uri="http://schemas.microsoft.com/VisualStudio/2011/storyboarding/control"/>
+  </ds:schemaRefs>
+</ds:datastoreItem>
+</file>
+
+<file path=customXml/itemProps40.xml><?xml version="1.0" encoding="utf-8"?>
+<ds:datastoreItem xmlns:ds="http://schemas.openxmlformats.org/officeDocument/2006/customXml" ds:itemID="{2373FA59-A4C7-4E40-BF8A-FEF69ED346A4}">
+  <ds:schemaRefs>
+    <ds:schemaRef ds:uri="http://schemas.microsoft.com/VisualStudio/2011/storyboarding/control"/>
+  </ds:schemaRefs>
+</ds:datastoreItem>
+</file>
+
+<file path=customXml/itemProps41.xml><?xml version="1.0" encoding="utf-8"?>
+<ds:datastoreItem xmlns:ds="http://schemas.openxmlformats.org/officeDocument/2006/customXml" ds:itemID="{59AEDDE6-08CE-4516-9790-E1D7499AD12F}">
+  <ds:schemaRefs>
+    <ds:schemaRef ds:uri="http://schemas.microsoft.com/VisualStudio/2011/storyboarding/control"/>
+  </ds:schemaRefs>
+</ds:datastoreItem>
+</file>
+
+<file path=customXml/itemProps42.xml><?xml version="1.0" encoding="utf-8"?>
+<ds:datastoreItem xmlns:ds="http://schemas.openxmlformats.org/officeDocument/2006/customXml" ds:itemID="{6F4A2862-C914-4127-9AA3-4EC971E05888}">
+  <ds:schemaRefs>
+    <ds:schemaRef ds:uri="http://schemas.microsoft.com/VisualStudio/2011/storyboarding/control"/>
+  </ds:schemaRefs>
+</ds:datastoreItem>
+</file>
+
+<file path=customXml/itemProps43.xml><?xml version="1.0" encoding="utf-8"?>
+<ds:datastoreItem xmlns:ds="http://schemas.openxmlformats.org/officeDocument/2006/customXml" ds:itemID="{6BD98E41-6C2F-4D3F-B846-7455C55C7A43}">
+  <ds:schemaRefs>
+    <ds:schemaRef ds:uri="http://schemas.microsoft.com/VisualStudio/2011/storyboarding/control"/>
+  </ds:schemaRefs>
+</ds:datastoreItem>
+</file>
+
+<file path=customXml/itemProps44.xml><?xml version="1.0" encoding="utf-8"?>
+<ds:datastoreItem xmlns:ds="http://schemas.openxmlformats.org/officeDocument/2006/customXml" ds:itemID="{13D229BA-F403-4DB5-940D-9A722C14A295}">
+  <ds:schemaRefs>
+    <ds:schemaRef ds:uri="http://schemas.microsoft.com/VisualStudio/2011/storyboarding/control"/>
+  </ds:schemaRefs>
+</ds:datastoreItem>
+</file>
+
+<file path=customXml/itemProps45.xml><?xml version="1.0" encoding="utf-8"?>
+<ds:datastoreItem xmlns:ds="http://schemas.openxmlformats.org/officeDocument/2006/customXml" ds:itemID="{6DAC6C05-FAFB-4B89-BBD6-3A479BE450F0}">
+  <ds:schemaRefs>
+    <ds:schemaRef ds:uri="http://schemas.microsoft.com/VisualStudio/2011/storyboarding/control"/>
+  </ds:schemaRefs>
+</ds:datastoreItem>
+</file>
+
+<file path=customXml/itemProps46.xml><?xml version="1.0" encoding="utf-8"?>
+<ds:datastoreItem xmlns:ds="http://schemas.openxmlformats.org/officeDocument/2006/customXml" ds:itemID="{7D3F1746-26F3-4D5F-8DB1-4CE59AC409F7}">
+  <ds:schemaRefs>
+    <ds:schemaRef ds:uri="http://schemas.microsoft.com/VisualStudio/2011/storyboarding/control"/>
+  </ds:schemaRefs>
+</ds:datastoreItem>
+</file>
+
+<file path=customXml/itemProps47.xml><?xml version="1.0" encoding="utf-8"?>
+<ds:datastoreItem xmlns:ds="http://schemas.openxmlformats.org/officeDocument/2006/customXml" ds:itemID="{D22FC293-BAFF-43C9-B3DE-93B31F0E86BE}">
+  <ds:schemaRefs>
+    <ds:schemaRef ds:uri="http://schemas.microsoft.com/VisualStudio/2011/storyboarding/control"/>
+  </ds:schemaRefs>
+</ds:datastoreItem>
+</file>
+
+<file path=customXml/itemProps48.xml><?xml version="1.0" encoding="utf-8"?>
+<ds:datastoreItem xmlns:ds="http://schemas.openxmlformats.org/officeDocument/2006/customXml" ds:itemID="{121618E6-4C26-48A5-8411-92B68242A304}">
+  <ds:schemaRefs>
+    <ds:schemaRef ds:uri="http://schemas.microsoft.com/VisualStudio/2011/storyboarding/control"/>
+  </ds:schemaRefs>
+</ds:datastoreItem>
+</file>
+
+<file path=customXml/itemProps49.xml><?xml version="1.0" encoding="utf-8"?>
+<ds:datastoreItem xmlns:ds="http://schemas.openxmlformats.org/officeDocument/2006/customXml" ds:itemID="{9FC86F31-FEBD-4500-B558-3A9092EE01B0}">
+  <ds:schemaRefs>
+    <ds:schemaRef ds:uri="http://schemas.microsoft.com/VisualStudio/2011/storyboarding/control"/>
+  </ds:schemaRefs>
+</ds:datastoreItem>
+</file>
+
+<file path=customXml/itemProps5.xml><?xml version="1.0" encoding="utf-8"?>
+<ds:datastoreItem xmlns:ds="http://schemas.openxmlformats.org/officeDocument/2006/customXml" ds:itemID="{AA234BDC-12CC-4725-B78F-BD23529D0FB4}">
+  <ds:schemaRefs>
+    <ds:schemaRef ds:uri="http://schemas.microsoft.com/VisualStudio/2011/storyboarding/control"/>
+  </ds:schemaRefs>
+</ds:datastoreItem>
+</file>
+
+<file path=customXml/itemProps50.xml><?xml version="1.0" encoding="utf-8"?>
+<ds:datastoreItem xmlns:ds="http://schemas.openxmlformats.org/officeDocument/2006/customXml" ds:itemID="{13867D15-2F58-4836-9D34-D0E88BF26D4C}">
+  <ds:schemaRefs>
+    <ds:schemaRef ds:uri="http://schemas.microsoft.com/VisualStudio/2011/storyboarding/control"/>
+  </ds:schemaRefs>
+</ds:datastoreItem>
+</file>
+
+<file path=customXml/itemProps51.xml><?xml version="1.0" encoding="utf-8"?>
+<ds:datastoreItem xmlns:ds="http://schemas.openxmlformats.org/officeDocument/2006/customXml" ds:itemID="{E44C9E77-1C35-4DBC-82DD-57E4D308EFBB}">
+  <ds:schemaRefs>
+    <ds:schemaRef ds:uri="http://schemas.microsoft.com/VisualStudio/2011/storyboarding/control"/>
+  </ds:schemaRefs>
+</ds:datastoreItem>
+</file>
+
+<file path=customXml/itemProps52.xml><?xml version="1.0" encoding="utf-8"?>
+<ds:datastoreItem xmlns:ds="http://schemas.openxmlformats.org/officeDocument/2006/customXml" ds:itemID="{17816237-E86F-4608-B2AD-3D2E66C1B03B}">
+  <ds:schemaRefs>
+    <ds:schemaRef ds:uri="http://schemas.microsoft.com/VisualStudio/2011/storyboarding/control"/>
+  </ds:schemaRefs>
+</ds:datastoreItem>
+</file>
+
+<file path=customXml/itemProps53.xml><?xml version="1.0" encoding="utf-8"?>
+<ds:datastoreItem xmlns:ds="http://schemas.openxmlformats.org/officeDocument/2006/customXml" ds:itemID="{71F7DD17-FE3B-45F0-BA26-7919E3FA2124}">
+  <ds:schemaRefs>
+    <ds:schemaRef ds:uri="http://schemas.microsoft.com/VisualStudio/2011/storyboarding/control"/>
+  </ds:schemaRefs>
+</ds:datastoreItem>
+</file>
+
+<file path=customXml/itemProps54.xml><?xml version="1.0" encoding="utf-8"?>
+<ds:datastoreItem xmlns:ds="http://schemas.openxmlformats.org/officeDocument/2006/customXml" ds:itemID="{B1441669-2371-4AE4-A8B5-AFC09272AA93}">
+  <ds:schemaRefs>
+    <ds:schemaRef ds:uri="http://schemas.microsoft.com/VisualStudio/2011/storyboarding/control"/>
+  </ds:schemaRefs>
+</ds:datastoreItem>
+</file>
+
+<file path=customXml/itemProps55.xml><?xml version="1.0" encoding="utf-8"?>
+<ds:datastoreItem xmlns:ds="http://schemas.openxmlformats.org/officeDocument/2006/customXml" ds:itemID="{67BB8CBF-A728-42E4-ACB8-9EB900796758}">
+  <ds:schemaRefs>
+    <ds:schemaRef ds:uri="http://schemas.microsoft.com/VisualStudio/2011/storyboarding/control"/>
+  </ds:schemaRefs>
+</ds:datastoreItem>
+</file>
+
+<file path=customXml/itemProps56.xml><?xml version="1.0" encoding="utf-8"?>
+<ds:datastoreItem xmlns:ds="http://schemas.openxmlformats.org/officeDocument/2006/customXml" ds:itemID="{69C5573C-4D11-4ED5-8CA8-88391EEEF019}">
+  <ds:schemaRefs>
+    <ds:schemaRef ds:uri="http://schemas.microsoft.com/VisualStudio/2011/storyboarding/control"/>
+  </ds:schemaRefs>
+</ds:datastoreItem>
+</file>
+
+<file path=customXml/itemProps57.xml><?xml version="1.0" encoding="utf-8"?>
+<ds:datastoreItem xmlns:ds="http://schemas.openxmlformats.org/officeDocument/2006/customXml" ds:itemID="{AA6A5E90-4733-4052-BD41-CDB87AFA6C57}">
+  <ds:schemaRefs>
+    <ds:schemaRef ds:uri="http://schemas.microsoft.com/VisualStudio/2011/storyboarding/control"/>
+  </ds:schemaRefs>
+</ds:datastoreItem>
+</file>
+
+<file path=customXml/itemProps58.xml><?xml version="1.0" encoding="utf-8"?>
+<ds:datastoreItem xmlns:ds="http://schemas.openxmlformats.org/officeDocument/2006/customXml" ds:itemID="{2ADD045D-CBFF-4B66-B7D4-74533078AF4A}">
+  <ds:schemaRefs>
+    <ds:schemaRef ds:uri="http://schemas.microsoft.com/VisualStudio/2011/storyboarding/control"/>
+  </ds:schemaRefs>
+</ds:datastoreItem>
+</file>
+
+<file path=customXml/itemProps59.xml><?xml version="1.0" encoding="utf-8"?>
+<ds:datastoreItem xmlns:ds="http://schemas.openxmlformats.org/officeDocument/2006/customXml" ds:itemID="{5248BC68-ADE7-429D-B013-9195EF7419E9}">
+  <ds:schemaRefs>
+    <ds:schemaRef ds:uri="http://schemas.microsoft.com/VisualStudio/2011/storyboarding/control"/>
+  </ds:schemaRefs>
+</ds:datastoreItem>
+</file>
+
+<file path=customXml/itemProps6.xml><?xml version="1.0" encoding="utf-8"?>
+<ds:datastoreItem xmlns:ds="http://schemas.openxmlformats.org/officeDocument/2006/customXml" ds:itemID="{45B142F8-50A8-47EE-8945-EA0E8BEF71EB}">
+  <ds:schemaRefs>
+    <ds:schemaRef ds:uri="http://schemas.microsoft.com/VisualStudio/2011/storyboarding/control"/>
+  </ds:schemaRefs>
+</ds:datastoreItem>
+</file>
+
+<file path=customXml/itemProps60.xml><?xml version="1.0" encoding="utf-8"?>
+<ds:datastoreItem xmlns:ds="http://schemas.openxmlformats.org/officeDocument/2006/customXml" ds:itemID="{4500268E-82D2-458D-9B7A-1DAD9FBEA8F5}">
+  <ds:schemaRefs>
+    <ds:schemaRef ds:uri="http://schemas.microsoft.com/VisualStudio/2011/storyboarding/control"/>
+  </ds:schemaRefs>
+</ds:datastoreItem>
+</file>
+
+<file path=customXml/itemProps61.xml><?xml version="1.0" encoding="utf-8"?>
+<ds:datastoreItem xmlns:ds="http://schemas.openxmlformats.org/officeDocument/2006/customXml" ds:itemID="{D08605C4-AECB-4FFF-9D2C-98990B0DFFDA}">
+  <ds:schemaRefs>
+    <ds:schemaRef ds:uri="http://schemas.microsoft.com/VisualStudio/2011/storyboarding/control"/>
+  </ds:schemaRefs>
+</ds:datastoreItem>
+</file>
+
+<file path=customXml/itemProps62.xml><?xml version="1.0" encoding="utf-8"?>
+<ds:datastoreItem xmlns:ds="http://schemas.openxmlformats.org/officeDocument/2006/customXml" ds:itemID="{4AA25D42-EDA7-4712-8354-F682B1D61ABE}">
+  <ds:schemaRefs>
+    <ds:schemaRef ds:uri="http://schemas.microsoft.com/VisualStudio/2011/storyboarding/control"/>
+  </ds:schemaRefs>
+</ds:datastoreItem>
+</file>
+
+<file path=customXml/itemProps63.xml><?xml version="1.0" encoding="utf-8"?>
+<ds:datastoreItem xmlns:ds="http://schemas.openxmlformats.org/officeDocument/2006/customXml" ds:itemID="{D8653A86-F184-47A6-A8EA-282F582C20DD}">
+  <ds:schemaRefs>
+    <ds:schemaRef ds:uri="http://schemas.microsoft.com/VisualStudio/2011/storyboarding/control"/>
+  </ds:schemaRefs>
+</ds:datastoreItem>
+</file>
+
+<file path=customXml/itemProps64.xml><?xml version="1.0" encoding="utf-8"?>
+<ds:datastoreItem xmlns:ds="http://schemas.openxmlformats.org/officeDocument/2006/customXml" ds:itemID="{5EEABA33-0BE1-47F9-8437-631F1B84355A}">
+  <ds:schemaRefs>
+    <ds:schemaRef ds:uri="http://schemas.microsoft.com/VisualStudio/2011/storyboarding/control"/>
+  </ds:schemaRefs>
+</ds:datastoreItem>
+</file>
+
+<file path=customXml/itemProps65.xml><?xml version="1.0" encoding="utf-8"?>
+<ds:datastoreItem xmlns:ds="http://schemas.openxmlformats.org/officeDocument/2006/customXml" ds:itemID="{AAE9B66C-C51E-45FF-A0AF-F87D4E76C603}">
+  <ds:schemaRefs>
+    <ds:schemaRef ds:uri="http://schemas.microsoft.com/VisualStudio/2011/storyboarding/control"/>
+  </ds:schemaRefs>
+</ds:datastoreItem>
+</file>
+
+<file path=customXml/itemProps66.xml><?xml version="1.0" encoding="utf-8"?>
+<ds:datastoreItem xmlns:ds="http://schemas.openxmlformats.org/officeDocument/2006/customXml" ds:itemID="{51D515F3-5B60-4F94-84C8-4468FC08CD50}">
+  <ds:schemaRefs>
+    <ds:schemaRef ds:uri="http://schemas.microsoft.com/VisualStudio/2011/storyboarding/control"/>
+  </ds:schemaRefs>
+</ds:datastoreItem>
+</file>
+
+<file path=customXml/itemProps67.xml><?xml version="1.0" encoding="utf-8"?>
+<ds:datastoreItem xmlns:ds="http://schemas.openxmlformats.org/officeDocument/2006/customXml" ds:itemID="{C4F6D4BE-A130-482B-BA98-1CB53DA976CA}">
+  <ds:schemaRefs>
+    <ds:schemaRef ds:uri="http://schemas.microsoft.com/VisualStudio/2011/storyboarding/control"/>
+  </ds:schemaRefs>
+</ds:datastoreItem>
+</file>
+
+<file path=customXml/itemProps68.xml><?xml version="1.0" encoding="utf-8"?>
+<ds:datastoreItem xmlns:ds="http://schemas.openxmlformats.org/officeDocument/2006/customXml" ds:itemID="{C7B0D7AD-32DF-4953-89C9-C834F6010560}">
+  <ds:schemaRefs>
+    <ds:schemaRef ds:uri="http://schemas.microsoft.com/VisualStudio/2011/storyboarding/control"/>
+  </ds:schemaRefs>
+</ds:datastoreItem>
+</file>
+
+<file path=customXml/itemProps69.xml><?xml version="1.0" encoding="utf-8"?>
+<ds:datastoreItem xmlns:ds="http://schemas.openxmlformats.org/officeDocument/2006/customXml" ds:itemID="{B2016F61-92F9-4E0F-A353-39F009FA0B01}">
+  <ds:schemaRefs>
+    <ds:schemaRef ds:uri="http://schemas.microsoft.com/VisualStudio/2011/storyboarding/control"/>
+  </ds:schemaRefs>
+</ds:datastoreItem>
+</file>
+
+<file path=customXml/itemProps7.xml><?xml version="1.0" encoding="utf-8"?>
 <ds:datastoreItem xmlns:ds="http://schemas.openxmlformats.org/officeDocument/2006/customXml" ds:itemID="{10F0BDDE-4AA3-40EF-B2BC-ACF0382ED861}">
   <ds:schemaRefs>
     <ds:schemaRef ds:uri="http://schemas.microsoft.com/VisualStudio/2011/storyboarding/control"/>
@@ -17119,23 +18148,23 @@
 </ds:datastoreItem>
 </file>
 
-<file path=customXml/itemProps129.xml><?xml version="1.0" encoding="utf-8"?>
-<ds:datastoreItem xmlns:ds="http://schemas.openxmlformats.org/officeDocument/2006/customXml" ds:itemID="{952516C9-92F1-4F3E-8CAE-34A561EA713F}">
+<file path=customXml/itemProps70.xml><?xml version="1.0" encoding="utf-8"?>
+<ds:datastoreItem xmlns:ds="http://schemas.openxmlformats.org/officeDocument/2006/customXml" ds:itemID="{F3241CCA-9602-4CB8-B6FA-D8222B14826C}">
   <ds:schemaRefs>
     <ds:schemaRef ds:uri="http://schemas.microsoft.com/VisualStudio/2011/storyboarding/control"/>
   </ds:schemaRefs>
 </ds:datastoreItem>
 </file>
 
-<file path=customXml/itemProps13.xml><?xml version="1.0" encoding="utf-8"?>
-<ds:datastoreItem xmlns:ds="http://schemas.openxmlformats.org/officeDocument/2006/customXml" ds:itemID="{2ADD045D-CBFF-4B66-B7D4-74533078AF4A}">
+<file path=customXml/itemProps71.xml><?xml version="1.0" encoding="utf-8"?>
+<ds:datastoreItem xmlns:ds="http://schemas.openxmlformats.org/officeDocument/2006/customXml" ds:itemID="{C95B04FA-49D0-4922-A7EB-76ADF3F5F5D3}">
   <ds:schemaRefs>
     <ds:schemaRef ds:uri="http://schemas.microsoft.com/VisualStudio/2011/storyboarding/control"/>
   </ds:schemaRefs>
 </ds:datastoreItem>
 </file>
 
-<file path=customXml/itemProps130.xml><?xml version="1.0" encoding="utf-8"?>
+<file path=customXml/itemProps72.xml><?xml version="1.0" encoding="utf-8"?>
 <ds:datastoreItem xmlns:ds="http://schemas.openxmlformats.org/officeDocument/2006/customXml" ds:itemID="{DDE8CEAB-FAAF-46B5-9BC4-6BAA48DFB915}">
   <ds:schemaRefs>
     <ds:schemaRef ds:uri="http://schemas.microsoft.com/VisualStudio/2011/storyboarding/control"/>
@@ -17143,399 +18172,23 @@
 </ds:datastoreItem>
 </file>
 
-<file path=customXml/itemProps131.xml><?xml version="1.0" encoding="utf-8"?>
-<ds:datastoreItem xmlns:ds="http://schemas.openxmlformats.org/officeDocument/2006/customXml" ds:itemID="{FA631F3F-931D-4669-BD0B-F99571F5C429}">
+<file path=customXml/itemProps73.xml><?xml version="1.0" encoding="utf-8"?>
+<ds:datastoreItem xmlns:ds="http://schemas.openxmlformats.org/officeDocument/2006/customXml" ds:itemID="{113ECE65-0514-4E2D-A5D7-CB73FBD23154}">
   <ds:schemaRefs>
     <ds:schemaRef ds:uri="http://schemas.microsoft.com/VisualStudio/2011/storyboarding/control"/>
   </ds:schemaRefs>
 </ds:datastoreItem>
 </file>
 
-<file path=customXml/itemProps132.xml><?xml version="1.0" encoding="utf-8"?>
-<ds:datastoreItem xmlns:ds="http://schemas.openxmlformats.org/officeDocument/2006/customXml" ds:itemID="{92C514EF-47C3-4A1E-8CC0-C426C540F0A1}">
+<file path=customXml/itemProps74.xml><?xml version="1.0" encoding="utf-8"?>
+<ds:datastoreItem xmlns:ds="http://schemas.openxmlformats.org/officeDocument/2006/customXml" ds:itemID="{1EAEFE78-3E46-45E5-85DF-8CF35EFEFFEE}">
   <ds:schemaRefs>
     <ds:schemaRef ds:uri="http://schemas.microsoft.com/VisualStudio/2011/storyboarding/control"/>
   </ds:schemaRefs>
 </ds:datastoreItem>
 </file>
 
-<file path=customXml/itemProps133.xml><?xml version="1.0" encoding="utf-8"?>
-<ds:datastoreItem xmlns:ds="http://schemas.openxmlformats.org/officeDocument/2006/customXml" ds:itemID="{15112653-7036-4EB6-9E86-EDFCD1846E57}">
-  <ds:schemaRefs>
-    <ds:schemaRef ds:uri="http://schemas.microsoft.com/VisualStudio/2011/storyboarding/control"/>
-  </ds:schemaRefs>
-</ds:datastoreItem>
-</file>
-
-<file path=customXml/itemProps134.xml><?xml version="1.0" encoding="utf-8"?>
-<ds:datastoreItem xmlns:ds="http://schemas.openxmlformats.org/officeDocument/2006/customXml" ds:itemID="{E5DD84D4-A8CE-4783-AB20-E42165ABDFA7}">
-  <ds:schemaRefs>
-    <ds:schemaRef ds:uri="http://schemas.microsoft.com/VisualStudio/2011/storyboarding/control"/>
-  </ds:schemaRefs>
-</ds:datastoreItem>
-</file>
-
-<file path=customXml/itemProps135.xml><?xml version="1.0" encoding="utf-8"?>
-<ds:datastoreItem xmlns:ds="http://schemas.openxmlformats.org/officeDocument/2006/customXml" ds:itemID="{D321552F-2375-40A6-A02F-FC27787D42F1}">
-  <ds:schemaRefs>
-    <ds:schemaRef ds:uri="http://schemas.microsoft.com/VisualStudio/2011/storyboarding/control"/>
-  </ds:schemaRefs>
-</ds:datastoreItem>
-</file>
-
-<file path=customXml/itemProps136.xml><?xml version="1.0" encoding="utf-8"?>
-<ds:datastoreItem xmlns:ds="http://schemas.openxmlformats.org/officeDocument/2006/customXml" ds:itemID="{D9AA3C08-4DA4-4FFF-AE51-25D9FD5C0DBF}">
-  <ds:schemaRefs>
-    <ds:schemaRef ds:uri="http://schemas.microsoft.com/VisualStudio/2011/storyboarding/control"/>
-  </ds:schemaRefs>
-</ds:datastoreItem>
-</file>
-
-<file path=customXml/itemProps137.xml><?xml version="1.0" encoding="utf-8"?>
-<ds:datastoreItem xmlns:ds="http://schemas.openxmlformats.org/officeDocument/2006/customXml" ds:itemID="{F5B85250-01CA-403A-BFFD-EDEFCA9E38FF}">
-  <ds:schemaRefs>
-    <ds:schemaRef ds:uri="http://schemas.microsoft.com/VisualStudio/2011/storyboarding/control"/>
-  </ds:schemaRefs>
-</ds:datastoreItem>
-</file>
-
-<file path=customXml/itemProps138.xml><?xml version="1.0" encoding="utf-8"?>
-<ds:datastoreItem xmlns:ds="http://schemas.openxmlformats.org/officeDocument/2006/customXml" ds:itemID="{45D0D449-A17D-45A3-B4E7-E173226B985A}">
-  <ds:schemaRefs>
-    <ds:schemaRef ds:uri="http://schemas.microsoft.com/VisualStudio/2011/storyboarding/control"/>
-  </ds:schemaRefs>
-</ds:datastoreItem>
-</file>
-
-<file path=customXml/itemProps139.xml><?xml version="1.0" encoding="utf-8"?>
-<ds:datastoreItem xmlns:ds="http://schemas.openxmlformats.org/officeDocument/2006/customXml" ds:itemID="{F3241CCA-9602-4CB8-B6FA-D8222B14826C}">
-  <ds:schemaRefs>
-    <ds:schemaRef ds:uri="http://schemas.microsoft.com/VisualStudio/2011/storyboarding/control"/>
-  </ds:schemaRefs>
-</ds:datastoreItem>
-</file>
-
-<file path=customXml/itemProps14.xml><?xml version="1.0" encoding="utf-8"?>
-<ds:datastoreItem xmlns:ds="http://schemas.openxmlformats.org/officeDocument/2006/customXml" ds:itemID="{0D101840-8B5F-4665-97F6-B5669CAD36B7}">
-  <ds:schemaRefs>
-    <ds:schemaRef ds:uri="http://schemas.microsoft.com/VisualStudio/2011/storyboarding/control"/>
-  </ds:schemaRefs>
-</ds:datastoreItem>
-</file>
-
-<file path=customXml/itemProps140.xml><?xml version="1.0" encoding="utf-8"?>
-<ds:datastoreItem xmlns:ds="http://schemas.openxmlformats.org/officeDocument/2006/customXml" ds:itemID="{4ECEEF82-0B3C-4906-961B-AFB29BD1E6E3}">
-  <ds:schemaRefs>
-    <ds:schemaRef ds:uri="http://schemas.microsoft.com/VisualStudio/2011/storyboarding/control"/>
-  </ds:schemaRefs>
-</ds:datastoreItem>
-</file>
-
-<file path=customXml/itemProps141.xml><?xml version="1.0" encoding="utf-8"?>
-<ds:datastoreItem xmlns:ds="http://schemas.openxmlformats.org/officeDocument/2006/customXml" ds:itemID="{E475E16E-3D1A-4AA1-9265-74BC7689BD6B}">
-  <ds:schemaRefs>
-    <ds:schemaRef ds:uri="http://schemas.microsoft.com/VisualStudio/2011/storyboarding/control"/>
-  </ds:schemaRefs>
-</ds:datastoreItem>
-</file>
-
-<file path=customXml/itemProps142.xml><?xml version="1.0" encoding="utf-8"?>
-<ds:datastoreItem xmlns:ds="http://schemas.openxmlformats.org/officeDocument/2006/customXml" ds:itemID="{1C9E4718-660A-46FF-B326-15E4FE359C0C}">
-  <ds:schemaRefs>
-    <ds:schemaRef ds:uri="http://schemas.microsoft.com/VisualStudio/2011/storyboarding/control"/>
-  </ds:schemaRefs>
-</ds:datastoreItem>
-</file>
-
-<file path=customXml/itemProps143.xml><?xml version="1.0" encoding="utf-8"?>
-<ds:datastoreItem xmlns:ds="http://schemas.openxmlformats.org/officeDocument/2006/customXml" ds:itemID="{8034C046-287A-40CC-BFAD-DD9798F69203}">
-  <ds:schemaRefs>
-    <ds:schemaRef ds:uri="http://schemas.microsoft.com/VisualStudio/2011/storyboarding/control"/>
-  </ds:schemaRefs>
-</ds:datastoreItem>
-</file>
-
-<file path=customXml/itemProps144.xml><?xml version="1.0" encoding="utf-8"?>
-<ds:datastoreItem xmlns:ds="http://schemas.openxmlformats.org/officeDocument/2006/customXml" ds:itemID="{121618E6-4C26-48A5-8411-92B68242A304}">
-  <ds:schemaRefs>
-    <ds:schemaRef ds:uri="http://schemas.microsoft.com/VisualStudio/2011/storyboarding/control"/>
-  </ds:schemaRefs>
-</ds:datastoreItem>
-</file>
-
-<file path=customXml/itemProps145.xml><?xml version="1.0" encoding="utf-8"?>
-<ds:datastoreItem xmlns:ds="http://schemas.openxmlformats.org/officeDocument/2006/customXml" ds:itemID="{90E6BF7D-584A-485E-85F5-083945235CD7}">
-  <ds:schemaRefs>
-    <ds:schemaRef ds:uri="http://schemas.microsoft.com/VisualStudio/2011/storyboarding/control"/>
-  </ds:schemaRefs>
-</ds:datastoreItem>
-</file>
-
-<file path=customXml/itemProps146.xml><?xml version="1.0" encoding="utf-8"?>
-<ds:datastoreItem xmlns:ds="http://schemas.openxmlformats.org/officeDocument/2006/customXml" ds:itemID="{DD4B0EF4-5BAE-4815-B342-64E17EEBDB97}">
-  <ds:schemaRefs>
-    <ds:schemaRef ds:uri="http://schemas.microsoft.com/VisualStudio/2011/storyboarding/control"/>
-  </ds:schemaRefs>
-</ds:datastoreItem>
-</file>
-
-<file path=customXml/itemProps147.xml><?xml version="1.0" encoding="utf-8"?>
-<ds:datastoreItem xmlns:ds="http://schemas.openxmlformats.org/officeDocument/2006/customXml" ds:itemID="{CD29ED7C-7003-4640-8A56-61BBEE20B1F0}">
-  <ds:schemaRefs>
-    <ds:schemaRef ds:uri="http://schemas.microsoft.com/VisualStudio/2011/storyboarding/control"/>
-  </ds:schemaRefs>
-</ds:datastoreItem>
-</file>
-
-<file path=customXml/itemProps148.xml><?xml version="1.0" encoding="utf-8"?>
-<ds:datastoreItem xmlns:ds="http://schemas.openxmlformats.org/officeDocument/2006/customXml" ds:itemID="{CAA62E3A-E1D3-48E6-902C-72278FCF572B}">
-  <ds:schemaRefs>
-    <ds:schemaRef ds:uri="http://schemas.microsoft.com/VisualStudio/2011/storyboarding/control"/>
-  </ds:schemaRefs>
-</ds:datastoreItem>
-</file>
-
-<file path=customXml/itemProps149.xml><?xml version="1.0" encoding="utf-8"?>
-<ds:datastoreItem xmlns:ds="http://schemas.openxmlformats.org/officeDocument/2006/customXml" ds:itemID="{06C11E88-1615-4B77-96AD-4B8BA4A066E8}">
-  <ds:schemaRefs>
-    <ds:schemaRef ds:uri="http://schemas.microsoft.com/VisualStudio/2011/storyboarding/control"/>
-  </ds:schemaRefs>
-</ds:datastoreItem>
-</file>
-
-<file path=customXml/itemProps15.xml><?xml version="1.0" encoding="utf-8"?>
-<ds:datastoreItem xmlns:ds="http://schemas.openxmlformats.org/officeDocument/2006/customXml" ds:itemID="{59D0369F-25C4-46DE-8418-DF66EC3FEC68}">
-  <ds:schemaRefs>
-    <ds:schemaRef ds:uri="http://schemas.microsoft.com/VisualStudio/2011/storyboarding/control"/>
-  </ds:schemaRefs>
-</ds:datastoreItem>
-</file>
-
-<file path=customXml/itemProps150.xml><?xml version="1.0" encoding="utf-8"?>
-<ds:datastoreItem xmlns:ds="http://schemas.openxmlformats.org/officeDocument/2006/customXml" ds:itemID="{4A328889-52D6-47EA-AA7A-7178F57DFC2D}">
-  <ds:schemaRefs>
-    <ds:schemaRef ds:uri="http://schemas.microsoft.com/VisualStudio/2011/storyboarding/control"/>
-  </ds:schemaRefs>
-</ds:datastoreItem>
-</file>
-
-<file path=customXml/itemProps151.xml><?xml version="1.0" encoding="utf-8"?>
-<ds:datastoreItem xmlns:ds="http://schemas.openxmlformats.org/officeDocument/2006/customXml" ds:itemID="{CC0F0423-B11D-48BC-93CE-439535EE4340}">
-  <ds:schemaRefs>
-    <ds:schemaRef ds:uri="http://schemas.microsoft.com/VisualStudio/2011/storyboarding/control"/>
-  </ds:schemaRefs>
-</ds:datastoreItem>
-</file>
-
-<file path=customXml/itemProps152.xml><?xml version="1.0" encoding="utf-8"?>
-<ds:datastoreItem xmlns:ds="http://schemas.openxmlformats.org/officeDocument/2006/customXml" ds:itemID="{1CCD967A-A231-4443-B5CB-163865029EA0}">
-  <ds:schemaRefs>
-    <ds:schemaRef ds:uri="http://schemas.microsoft.com/VisualStudio/2011/storyboarding/control"/>
-  </ds:schemaRefs>
-</ds:datastoreItem>
-</file>
-
-<file path=customXml/itemProps153.xml><?xml version="1.0" encoding="utf-8"?>
-<ds:datastoreItem xmlns:ds="http://schemas.openxmlformats.org/officeDocument/2006/customXml" ds:itemID="{0B25F2DC-DA1F-428C-A9D6-1915EDEAA8DD}">
-  <ds:schemaRefs>
-    <ds:schemaRef ds:uri="http://schemas.microsoft.com/VisualStudio/2011/storyboarding/control"/>
-  </ds:schemaRefs>
-</ds:datastoreItem>
-</file>
-
-<file path=customXml/itemProps154.xml><?xml version="1.0" encoding="utf-8"?>
-<ds:datastoreItem xmlns:ds="http://schemas.openxmlformats.org/officeDocument/2006/customXml" ds:itemID="{FF00F683-10CA-4344-BB02-557AFC229713}">
-  <ds:schemaRefs>
-    <ds:schemaRef ds:uri="http://schemas.microsoft.com/VisualStudio/2011/storyboarding/control"/>
-  </ds:schemaRefs>
-</ds:datastoreItem>
-</file>
-
-<file path=customXml/itemProps155.xml><?xml version="1.0" encoding="utf-8"?>
-<ds:datastoreItem xmlns:ds="http://schemas.openxmlformats.org/officeDocument/2006/customXml" ds:itemID="{00D2AA4F-29E2-4A16-BE2A-B2E1781BC260}">
-  <ds:schemaRefs>
-    <ds:schemaRef ds:uri="http://schemas.microsoft.com/VisualStudio/2011/storyboarding/control"/>
-  </ds:schemaRefs>
-</ds:datastoreItem>
-</file>
-
-<file path=customXml/itemProps156.xml><?xml version="1.0" encoding="utf-8"?>
-<ds:datastoreItem xmlns:ds="http://schemas.openxmlformats.org/officeDocument/2006/customXml" ds:itemID="{6EF31828-B1D4-48CE-A1B2-9C0A5D142D1E}">
-  <ds:schemaRefs>
-    <ds:schemaRef ds:uri="http://schemas.microsoft.com/VisualStudio/2011/storyboarding/control"/>
-  </ds:schemaRefs>
-</ds:datastoreItem>
-</file>
-
-<file path=customXml/itemProps157.xml><?xml version="1.0" encoding="utf-8"?>
-<ds:datastoreItem xmlns:ds="http://schemas.openxmlformats.org/officeDocument/2006/customXml" ds:itemID="{14F53810-CFF1-4E60-9021-6AF4EA429CC7}">
-  <ds:schemaRefs>
-    <ds:schemaRef ds:uri="http://schemas.microsoft.com/VisualStudio/2011/storyboarding/control"/>
-  </ds:schemaRefs>
-</ds:datastoreItem>
-</file>
-
-<file path=customXml/itemProps158.xml><?xml version="1.0" encoding="utf-8"?>
-<ds:datastoreItem xmlns:ds="http://schemas.openxmlformats.org/officeDocument/2006/customXml" ds:itemID="{18CA7C37-7AF9-45BE-BBAE-D2D0584D8934}">
-  <ds:schemaRefs>
-    <ds:schemaRef ds:uri="http://schemas.microsoft.com/VisualStudio/2011/storyboarding/control"/>
-  </ds:schemaRefs>
-</ds:datastoreItem>
-</file>
-
-<file path=customXml/itemProps159.xml><?xml version="1.0" encoding="utf-8"?>
-<ds:datastoreItem xmlns:ds="http://schemas.openxmlformats.org/officeDocument/2006/customXml" ds:itemID="{F2948E7D-95F1-4C09-BF4C-141C6B60CBB5}">
-  <ds:schemaRefs>
-    <ds:schemaRef ds:uri="http://schemas.microsoft.com/VisualStudio/2011/storyboarding/control"/>
-  </ds:schemaRefs>
-</ds:datastoreItem>
-</file>
-
-<file path=customXml/itemProps16.xml><?xml version="1.0" encoding="utf-8"?>
-<ds:datastoreItem xmlns:ds="http://schemas.openxmlformats.org/officeDocument/2006/customXml" ds:itemID="{E56EDE5A-F97D-4AD1-8B27-19C05BC797E2}">
-  <ds:schemaRefs>
-    <ds:schemaRef ds:uri="http://schemas.microsoft.com/VisualStudio/2011/storyboarding/control"/>
-  </ds:schemaRefs>
-</ds:datastoreItem>
-</file>
-
-<file path=customXml/itemProps160.xml><?xml version="1.0" encoding="utf-8"?>
-<ds:datastoreItem xmlns:ds="http://schemas.openxmlformats.org/officeDocument/2006/customXml" ds:itemID="{66DA5703-DC74-4A5C-897F-77851F088467}">
-  <ds:schemaRefs>
-    <ds:schemaRef ds:uri="http://schemas.microsoft.com/VisualStudio/2011/storyboarding/control"/>
-  </ds:schemaRefs>
-</ds:datastoreItem>
-</file>
-
-<file path=customXml/itemProps161.xml><?xml version="1.0" encoding="utf-8"?>
-<ds:datastoreItem xmlns:ds="http://schemas.openxmlformats.org/officeDocument/2006/customXml" ds:itemID="{A3199E56-6304-4A04-BDD7-107FDE5731A4}">
-  <ds:schemaRefs>
-    <ds:schemaRef ds:uri="http://schemas.microsoft.com/VisualStudio/2011/storyboarding/control"/>
-  </ds:schemaRefs>
-</ds:datastoreItem>
-</file>
-
-<file path=customXml/itemProps162.xml><?xml version="1.0" encoding="utf-8"?>
-<ds:datastoreItem xmlns:ds="http://schemas.openxmlformats.org/officeDocument/2006/customXml" ds:itemID="{6A689C72-B170-4CC3-844E-7A992719660C}">
-  <ds:schemaRefs>
-    <ds:schemaRef ds:uri="http://schemas.microsoft.com/VisualStudio/2011/storyboarding/control"/>
-  </ds:schemaRefs>
-</ds:datastoreItem>
-</file>
-
-<file path=customXml/itemProps163.xml><?xml version="1.0" encoding="utf-8"?>
-<ds:datastoreItem xmlns:ds="http://schemas.openxmlformats.org/officeDocument/2006/customXml" ds:itemID="{71F7DD17-FE3B-45F0-BA26-7919E3FA2124}">
-  <ds:schemaRefs>
-    <ds:schemaRef ds:uri="http://schemas.microsoft.com/VisualStudio/2011/storyboarding/control"/>
-  </ds:schemaRefs>
-</ds:datastoreItem>
-</file>
-
-<file path=customXml/itemProps164.xml><?xml version="1.0" encoding="utf-8"?>
-<ds:datastoreItem xmlns:ds="http://schemas.openxmlformats.org/officeDocument/2006/customXml" ds:itemID="{CA9B1D84-8FAF-4BE3-BEDE-DAB5639D6F30}">
-  <ds:schemaRefs>
-    <ds:schemaRef ds:uri="http://schemas.microsoft.com/VisualStudio/2011/storyboarding/control"/>
-  </ds:schemaRefs>
-</ds:datastoreItem>
-</file>
-
-<file path=customXml/itemProps165.xml><?xml version="1.0" encoding="utf-8"?>
-<ds:datastoreItem xmlns:ds="http://schemas.openxmlformats.org/officeDocument/2006/customXml" ds:itemID="{7AB87D2A-44BC-4109-A9F6-0CF47E17DA7C}">
-  <ds:schemaRefs>
-    <ds:schemaRef ds:uri="http://schemas.microsoft.com/VisualStudio/2011/storyboarding/control"/>
-  </ds:schemaRefs>
-</ds:datastoreItem>
-</file>
-
-<file path=customXml/itemProps166.xml><?xml version="1.0" encoding="utf-8"?>
-<ds:datastoreItem xmlns:ds="http://schemas.openxmlformats.org/officeDocument/2006/customXml" ds:itemID="{7C8F0811-703B-42B0-A138-293B93790A1B}">
-  <ds:schemaRefs>
-    <ds:schemaRef ds:uri="http://schemas.microsoft.com/VisualStudio/2011/storyboarding/control"/>
-  </ds:schemaRefs>
-</ds:datastoreItem>
-</file>
-
-<file path=customXml/itemProps167.xml><?xml version="1.0" encoding="utf-8"?>
-<ds:datastoreItem xmlns:ds="http://schemas.openxmlformats.org/officeDocument/2006/customXml" ds:itemID="{02423611-8D04-4993-B0B1-97733309265C}">
-  <ds:schemaRefs>
-    <ds:schemaRef ds:uri="http://schemas.microsoft.com/VisualStudio/2011/storyboarding/control"/>
-  </ds:schemaRefs>
-</ds:datastoreItem>
-</file>
-
-<file path=customXml/itemProps168.xml><?xml version="1.0" encoding="utf-8"?>
-<ds:datastoreItem xmlns:ds="http://schemas.openxmlformats.org/officeDocument/2006/customXml" ds:itemID="{8FFADBCE-FF33-4102-8CD5-0FC7C119C312}">
-  <ds:schemaRefs>
-    <ds:schemaRef ds:uri="http://schemas.microsoft.com/VisualStudio/2011/storyboarding/control"/>
-  </ds:schemaRefs>
-</ds:datastoreItem>
-</file>
-
-<file path=customXml/itemProps169.xml><?xml version="1.0" encoding="utf-8"?>
-<ds:datastoreItem xmlns:ds="http://schemas.openxmlformats.org/officeDocument/2006/customXml" ds:itemID="{D22FC293-BAFF-43C9-B3DE-93B31F0E86BE}">
-  <ds:schemaRefs>
-    <ds:schemaRef ds:uri="http://schemas.microsoft.com/VisualStudio/2011/storyboarding/control"/>
-  </ds:schemaRefs>
-</ds:datastoreItem>
-</file>
-
-<file path=customXml/itemProps17.xml><?xml version="1.0" encoding="utf-8"?>
-<ds:datastoreItem xmlns:ds="http://schemas.openxmlformats.org/officeDocument/2006/customXml" ds:itemID="{40E6753A-8176-4C3D-A7AD-922499F48E12}">
-  <ds:schemaRefs>
-    <ds:schemaRef ds:uri="http://schemas.microsoft.com/VisualStudio/2011/storyboarding/control"/>
-  </ds:schemaRefs>
-</ds:datastoreItem>
-</file>
-
-<file path=customXml/itemProps170.xml><?xml version="1.0" encoding="utf-8"?>
-<ds:datastoreItem xmlns:ds="http://schemas.openxmlformats.org/officeDocument/2006/customXml" ds:itemID="{F7BABBE5-64CC-4B8F-B3B6-CF3FD810F8C7}">
-  <ds:schemaRefs>
-    <ds:schemaRef ds:uri="http://schemas.microsoft.com/VisualStudio/2011/storyboarding/control"/>
-  </ds:schemaRefs>
-</ds:datastoreItem>
-</file>
-
-<file path=customXml/itemProps171.xml><?xml version="1.0" encoding="utf-8"?>
-<ds:datastoreItem xmlns:ds="http://schemas.openxmlformats.org/officeDocument/2006/customXml" ds:itemID="{3587D983-5BF3-43F4-B7CC-0D3FCA927E45}">
-  <ds:schemaRefs>
-    <ds:schemaRef ds:uri="http://schemas.microsoft.com/VisualStudio/2011/storyboarding/control"/>
-  </ds:schemaRefs>
-</ds:datastoreItem>
-</file>
-
-<file path=customXml/itemProps172.xml><?xml version="1.0" encoding="utf-8"?>
-<ds:datastoreItem xmlns:ds="http://schemas.openxmlformats.org/officeDocument/2006/customXml" ds:itemID="{66DB2393-603D-49D1-8038-F976FE310B23}">
-  <ds:schemaRefs>
-    <ds:schemaRef ds:uri="http://schemas.microsoft.com/VisualStudio/2011/storyboarding/control"/>
-  </ds:schemaRefs>
-</ds:datastoreItem>
-</file>
-
-<file path=customXml/itemProps18.xml><?xml version="1.0" encoding="utf-8"?>
-<ds:datastoreItem xmlns:ds="http://schemas.openxmlformats.org/officeDocument/2006/customXml" ds:itemID="{E7741501-71C2-4C17-B4E1-815C0856C474}">
-  <ds:schemaRefs>
-    <ds:schemaRef ds:uri="http://schemas.microsoft.com/VisualStudio/2011/storyboarding/control"/>
-  </ds:schemaRefs>
-</ds:datastoreItem>
-</file>
-
-<file path=customXml/itemProps19.xml><?xml version="1.0" encoding="utf-8"?>
-<ds:datastoreItem xmlns:ds="http://schemas.openxmlformats.org/officeDocument/2006/customXml" ds:itemID="{34D70070-9632-4246-B25D-E396768C8F03}">
-  <ds:schemaRefs>
-    <ds:schemaRef ds:uri="http://schemas.microsoft.com/VisualStudio/2011/storyboarding/control"/>
-  </ds:schemaRefs>
-</ds:datastoreItem>
-</file>
-
-<file path=customXml/itemProps2.xml><?xml version="1.0" encoding="utf-8"?>
-<ds:datastoreItem xmlns:ds="http://schemas.openxmlformats.org/officeDocument/2006/customXml" ds:itemID="{BB9D8331-A5A0-4DC8-BED7-F17D94CE02E8}">
-  <ds:schemaRefs>
-    <ds:schemaRef ds:uri="http://schemas.microsoft.com/VisualStudio/2011/storyboarding/control"/>
-  </ds:schemaRefs>
-</ds:datastoreItem>
-</file>
-
-<file path=customXml/itemProps20.xml><?xml version="1.0" encoding="utf-8"?>
+<file path=customXml/itemProps75.xml><?xml version="1.0" encoding="utf-8"?>
 <ds:datastoreItem xmlns:ds="http://schemas.openxmlformats.org/officeDocument/2006/customXml" ds:itemID="{D544E426-85A9-48AB-BB78-E3AD0590EC7C}">
   <ds:schemaRefs>
     <ds:schemaRef ds:uri="http://schemas.microsoft.com/VisualStudio/2011/storyboarding/control"/>
@@ -17543,167 +18196,15 @@
 </ds:datastoreItem>
 </file>
 
-<file path=customXml/itemProps21.xml><?xml version="1.0" encoding="utf-8"?>
-<ds:datastoreItem xmlns:ds="http://schemas.openxmlformats.org/officeDocument/2006/customXml" ds:itemID="{7F5E28FD-26FF-4A48-BAD7-50B55AB6208D}">
+<file path=customXml/itemProps76.xml><?xml version="1.0" encoding="utf-8"?>
+<ds:datastoreItem xmlns:ds="http://schemas.openxmlformats.org/officeDocument/2006/customXml" ds:itemID="{55CA6769-99B0-4402-A536-C3C8E0221022}">
   <ds:schemaRefs>
     <ds:schemaRef ds:uri="http://schemas.microsoft.com/VisualStudio/2011/storyboarding/control"/>
   </ds:schemaRefs>
 </ds:datastoreItem>
 </file>
 
-<file path=customXml/itemProps22.xml><?xml version="1.0" encoding="utf-8"?>
-<ds:datastoreItem xmlns:ds="http://schemas.openxmlformats.org/officeDocument/2006/customXml" ds:itemID="{394EADEA-3838-4D66-B77E-E5E9BD6A7AEA}">
-  <ds:schemaRefs>
-    <ds:schemaRef ds:uri="http://schemas.microsoft.com/VisualStudio/2011/storyboarding/control"/>
-  </ds:schemaRefs>
-</ds:datastoreItem>
-</file>
-
-<file path=customXml/itemProps23.xml><?xml version="1.0" encoding="utf-8"?>
-<ds:datastoreItem xmlns:ds="http://schemas.openxmlformats.org/officeDocument/2006/customXml" ds:itemID="{DDBF085A-1095-41CF-A0E2-F8212DFD4835}">
-  <ds:schemaRefs>
-    <ds:schemaRef ds:uri="http://schemas.microsoft.com/VisualStudio/2011/storyboarding/control"/>
-  </ds:schemaRefs>
-</ds:datastoreItem>
-</file>
-
-<file path=customXml/itemProps24.xml><?xml version="1.0" encoding="utf-8"?>
-<ds:datastoreItem xmlns:ds="http://schemas.openxmlformats.org/officeDocument/2006/customXml" ds:itemID="{51D515F3-5B60-4F94-84C8-4468FC08CD50}">
-  <ds:schemaRefs>
-    <ds:schemaRef ds:uri="http://schemas.microsoft.com/VisualStudio/2011/storyboarding/control"/>
-  </ds:schemaRefs>
-</ds:datastoreItem>
-</file>
-
-<file path=customXml/itemProps25.xml><?xml version="1.0" encoding="utf-8"?>
-<ds:datastoreItem xmlns:ds="http://schemas.openxmlformats.org/officeDocument/2006/customXml" ds:itemID="{33F9E1D4-170C-4DAF-A4E9-B2F1E33BDA51}">
-  <ds:schemaRefs>
-    <ds:schemaRef ds:uri="http://schemas.microsoft.com/VisualStudio/2011/storyboarding/control"/>
-  </ds:schemaRefs>
-</ds:datastoreItem>
-</file>
-
-<file path=customXml/itemProps26.xml><?xml version="1.0" encoding="utf-8"?>
-<ds:datastoreItem xmlns:ds="http://schemas.openxmlformats.org/officeDocument/2006/customXml" ds:itemID="{AA234BDC-12CC-4725-B78F-BD23529D0FB4}">
-  <ds:schemaRefs>
-    <ds:schemaRef ds:uri="http://schemas.microsoft.com/VisualStudio/2011/storyboarding/control"/>
-  </ds:schemaRefs>
-</ds:datastoreItem>
-</file>
-
-<file path=customXml/itemProps27.xml><?xml version="1.0" encoding="utf-8"?>
-<ds:datastoreItem xmlns:ds="http://schemas.openxmlformats.org/officeDocument/2006/customXml" ds:itemID="{BB503869-44CE-4F73-B2F9-2E68C6092DF4}">
-  <ds:schemaRefs>
-    <ds:schemaRef ds:uri="http://schemas.microsoft.com/VisualStudio/2011/storyboarding/control"/>
-  </ds:schemaRefs>
-</ds:datastoreItem>
-</file>
-
-<file path=customXml/itemProps28.xml><?xml version="1.0" encoding="utf-8"?>
-<ds:datastoreItem xmlns:ds="http://schemas.openxmlformats.org/officeDocument/2006/customXml" ds:itemID="{6D74F327-6332-4AC5-8084-6EBC78FC0812}">
-  <ds:schemaRefs>
-    <ds:schemaRef ds:uri="http://schemas.microsoft.com/VisualStudio/2011/storyboarding/control"/>
-  </ds:schemaRefs>
-</ds:datastoreItem>
-</file>
-
-<file path=customXml/itemProps29.xml><?xml version="1.0" encoding="utf-8"?>
-<ds:datastoreItem xmlns:ds="http://schemas.openxmlformats.org/officeDocument/2006/customXml" ds:itemID="{85F86E7D-DA49-4BE9-9097-1D50FB466B1E}">
-  <ds:schemaRefs>
-    <ds:schemaRef ds:uri="http://schemas.microsoft.com/VisualStudio/2011/storyboarding/control"/>
-  </ds:schemaRefs>
-</ds:datastoreItem>
-</file>
-
-<file path=customXml/itemProps3.xml><?xml version="1.0" encoding="utf-8"?>
-<ds:datastoreItem xmlns:ds="http://schemas.openxmlformats.org/officeDocument/2006/customXml" ds:itemID="{CF586D09-EEB6-4A49-AAE1-88E826EEDC73}">
-  <ds:schemaRefs>
-    <ds:schemaRef ds:uri="http://schemas.microsoft.com/VisualStudio/2011/storyboarding/control"/>
-  </ds:schemaRefs>
-</ds:datastoreItem>
-</file>
-
-<file path=customXml/itemProps30.xml><?xml version="1.0" encoding="utf-8"?>
-<ds:datastoreItem xmlns:ds="http://schemas.openxmlformats.org/officeDocument/2006/customXml" ds:itemID="{6BD98E41-6C2F-4D3F-B846-7455C55C7A43}">
-  <ds:schemaRefs>
-    <ds:schemaRef ds:uri="http://schemas.microsoft.com/VisualStudio/2011/storyboarding/control"/>
-  </ds:schemaRefs>
-</ds:datastoreItem>
-</file>
-
-<file path=customXml/itemProps31.xml><?xml version="1.0" encoding="utf-8"?>
-<ds:datastoreItem xmlns:ds="http://schemas.openxmlformats.org/officeDocument/2006/customXml" ds:itemID="{418E8FB6-E3E2-4A78-BD2C-0E4D84C7371E}">
-  <ds:schemaRefs>
-    <ds:schemaRef ds:uri="http://schemas.microsoft.com/VisualStudio/2011/storyboarding/control"/>
-  </ds:schemaRefs>
-</ds:datastoreItem>
-</file>
-
-<file path=customXml/itemProps32.xml><?xml version="1.0" encoding="utf-8"?>
-<ds:datastoreItem xmlns:ds="http://schemas.openxmlformats.org/officeDocument/2006/customXml" ds:itemID="{67BB8CBF-A728-42E4-ACB8-9EB900796758}">
-  <ds:schemaRefs>
-    <ds:schemaRef ds:uri="http://schemas.microsoft.com/VisualStudio/2011/storyboarding/control"/>
-  </ds:schemaRefs>
-</ds:datastoreItem>
-</file>
-
-<file path=customXml/itemProps33.xml><?xml version="1.0" encoding="utf-8"?>
-<ds:datastoreItem xmlns:ds="http://schemas.openxmlformats.org/officeDocument/2006/customXml" ds:itemID="{B2016F61-92F9-4E0F-A353-39F009FA0B01}">
-  <ds:schemaRefs>
-    <ds:schemaRef ds:uri="http://schemas.microsoft.com/VisualStudio/2011/storyboarding/control"/>
-  </ds:schemaRefs>
-</ds:datastoreItem>
-</file>
-
-<file path=customXml/itemProps34.xml><?xml version="1.0" encoding="utf-8"?>
-<ds:datastoreItem xmlns:ds="http://schemas.openxmlformats.org/officeDocument/2006/customXml" ds:itemID="{ADE0E0E1-3FB4-4764-85B1-A2581C94CFE9}">
-  <ds:schemaRefs>
-    <ds:schemaRef ds:uri="http://schemas.microsoft.com/VisualStudio/2011/storyboarding/control"/>
-  </ds:schemaRefs>
-</ds:datastoreItem>
-</file>
-
-<file path=customXml/itemProps35.xml><?xml version="1.0" encoding="utf-8"?>
-<ds:datastoreItem xmlns:ds="http://schemas.openxmlformats.org/officeDocument/2006/customXml" ds:itemID="{1EAEFE78-3E46-45E5-85DF-8CF35EFEFFEE}">
-  <ds:schemaRefs>
-    <ds:schemaRef ds:uri="http://schemas.microsoft.com/VisualStudio/2011/storyboarding/control"/>
-  </ds:schemaRefs>
-</ds:datastoreItem>
-</file>
-
-<file path=customXml/itemProps36.xml><?xml version="1.0" encoding="utf-8"?>
-<ds:datastoreItem xmlns:ds="http://schemas.openxmlformats.org/officeDocument/2006/customXml" ds:itemID="{48FCAF00-A9CA-4F0B-94B6-B06BD75E9807}">
-  <ds:schemaRefs>
-    <ds:schemaRef ds:uri="http://schemas.microsoft.com/VisualStudio/2011/storyboarding/control"/>
-  </ds:schemaRefs>
-</ds:datastoreItem>
-</file>
-
-<file path=customXml/itemProps37.xml><?xml version="1.0" encoding="utf-8"?>
-<ds:datastoreItem xmlns:ds="http://schemas.openxmlformats.org/officeDocument/2006/customXml" ds:itemID="{5EEABA33-0BE1-47F9-8437-631F1B84355A}">
-  <ds:schemaRefs>
-    <ds:schemaRef ds:uri="http://schemas.microsoft.com/VisualStudio/2011/storyboarding/control"/>
-  </ds:schemaRefs>
-</ds:datastoreItem>
-</file>
-
-<file path=customXml/itemProps38.xml><?xml version="1.0" encoding="utf-8"?>
-<ds:datastoreItem xmlns:ds="http://schemas.openxmlformats.org/officeDocument/2006/customXml" ds:itemID="{C7B0D7AD-32DF-4953-89C9-C834F6010560}">
-  <ds:schemaRefs>
-    <ds:schemaRef ds:uri="http://schemas.microsoft.com/VisualStudio/2011/storyboarding/control"/>
-  </ds:schemaRefs>
-</ds:datastoreItem>
-</file>
-
-<file path=customXml/itemProps39.xml><?xml version="1.0" encoding="utf-8"?>
-<ds:datastoreItem xmlns:ds="http://schemas.openxmlformats.org/officeDocument/2006/customXml" ds:itemID="{FE6E328A-6A73-4FA6-A99D-5520E55E5B7D}">
-  <ds:schemaRefs>
-    <ds:schemaRef ds:uri="http://schemas.microsoft.com/VisualStudio/2011/storyboarding/control"/>
-  </ds:schemaRefs>
-</ds:datastoreItem>
-</file>
-
-<file path=customXml/itemProps4.xml><?xml version="1.0" encoding="utf-8"?>
+<file path=customXml/itemProps77.xml><?xml version="1.0" encoding="utf-8"?>
 <ds:datastoreItem xmlns:ds="http://schemas.openxmlformats.org/officeDocument/2006/customXml" ds:itemID="{1367878A-D08E-41A0-BE0F-87325A2CCFA2}">
   <ds:schemaRefs>
     <ds:schemaRef ds:uri="http://schemas.microsoft.com/VisualStudio/2011/storyboarding/control"/>
@@ -17711,55 +18212,23 @@
 </ds:datastoreItem>
 </file>
 
-<file path=customXml/itemProps40.xml><?xml version="1.0" encoding="utf-8"?>
-<ds:datastoreItem xmlns:ds="http://schemas.openxmlformats.org/officeDocument/2006/customXml" ds:itemID="{73ABD768-CB5D-46A4-A597-4A94DA70A531}">
+<file path=customXml/itemProps78.xml><?xml version="1.0" encoding="utf-8"?>
+<ds:datastoreItem xmlns:ds="http://schemas.openxmlformats.org/officeDocument/2006/customXml" ds:itemID="{2DE19DA7-14FB-4A73-97E6-83DF72E609E6}">
   <ds:schemaRefs>
     <ds:schemaRef ds:uri="http://schemas.microsoft.com/VisualStudio/2011/storyboarding/control"/>
   </ds:schemaRefs>
 </ds:datastoreItem>
 </file>
 
-<file path=customXml/itemProps41.xml><?xml version="1.0" encoding="utf-8"?>
-<ds:datastoreItem xmlns:ds="http://schemas.openxmlformats.org/officeDocument/2006/customXml" ds:itemID="{E029995E-6C1C-464C-B18A-588A9A373F13}">
+<file path=customXml/itemProps79.xml><?xml version="1.0" encoding="utf-8"?>
+<ds:datastoreItem xmlns:ds="http://schemas.openxmlformats.org/officeDocument/2006/customXml" ds:itemID="{F12E4822-BEA4-4C90-A23E-8C7DFCF7CDD6}">
   <ds:schemaRefs>
     <ds:schemaRef ds:uri="http://schemas.microsoft.com/VisualStudio/2011/storyboarding/control"/>
   </ds:schemaRefs>
 </ds:datastoreItem>
 </file>
 
-<file path=customXml/itemProps42.xml><?xml version="1.0" encoding="utf-8"?>
-<ds:datastoreItem xmlns:ds="http://schemas.openxmlformats.org/officeDocument/2006/customXml" ds:itemID="{2A5F2F26-968C-4D10-A23C-7F7AB3C144F1}">
-  <ds:schemaRefs>
-    <ds:schemaRef ds:uri="http://schemas.microsoft.com/VisualStudio/2011/storyboarding/control"/>
-  </ds:schemaRefs>
-</ds:datastoreItem>
-</file>
-
-<file path=customXml/itemProps43.xml><?xml version="1.0" encoding="utf-8"?>
-<ds:datastoreItem xmlns:ds="http://schemas.openxmlformats.org/officeDocument/2006/customXml" ds:itemID="{5D43C5DF-C9CE-423E-ADD8-1AAE08E6145B}">
-  <ds:schemaRefs>
-    <ds:schemaRef ds:uri="http://schemas.microsoft.com/VisualStudio/2011/storyboarding/control"/>
-  </ds:schemaRefs>
-</ds:datastoreItem>
-</file>
-
-<file path=customXml/itemProps44.xml><?xml version="1.0" encoding="utf-8"?>
-<ds:datastoreItem xmlns:ds="http://schemas.openxmlformats.org/officeDocument/2006/customXml" ds:itemID="{C95B04FA-49D0-4922-A7EB-76ADF3F5F5D3}">
-  <ds:schemaRefs>
-    <ds:schemaRef ds:uri="http://schemas.microsoft.com/VisualStudio/2011/storyboarding/control"/>
-  </ds:schemaRefs>
-</ds:datastoreItem>
-</file>
-
-<file path=customXml/itemProps45.xml><?xml version="1.0" encoding="utf-8"?>
-<ds:datastoreItem xmlns:ds="http://schemas.openxmlformats.org/officeDocument/2006/customXml" ds:itemID="{554CEDA9-374E-4C76-B97B-7202606AC0BE}">
-  <ds:schemaRefs>
-    <ds:schemaRef ds:uri="http://schemas.microsoft.com/VisualStudio/2011/storyboarding/control"/>
-  </ds:schemaRefs>
-</ds:datastoreItem>
-</file>
-
-<file path=customXml/itemProps46.xml><?xml version="1.0" encoding="utf-8"?>
+<file path=customXml/itemProps8.xml><?xml version="1.0" encoding="utf-8"?>
 <ds:datastoreItem xmlns:ds="http://schemas.openxmlformats.org/officeDocument/2006/customXml" ds:itemID="{33EA19CF-64F4-42CF-A3DD-7DE1682232E2}">
   <ds:schemaRefs>
     <ds:schemaRef ds:uri="http://schemas.microsoft.com/VisualStudio/2011/storyboarding/control"/>
@@ -17767,312 +18236,16 @@
 </ds:datastoreItem>
 </file>
 
-<file path=customXml/itemProps47.xml><?xml version="1.0" encoding="utf-8"?>
-<ds:datastoreItem xmlns:ds="http://schemas.openxmlformats.org/officeDocument/2006/customXml" ds:itemID="{327B6332-6001-4577-872B-DD19A445F5F2}">
+<file path=customXml/itemProps80.xml><?xml version="1.0" encoding="utf-8"?>
+<ds:datastoreItem xmlns:ds="http://schemas.openxmlformats.org/officeDocument/2006/customXml" ds:itemID="{7C8FE9CD-1324-4A90-8D4D-0C176F3BCA87}">
   <ds:schemaRefs>
     <ds:schemaRef ds:uri="http://schemas.microsoft.com/VisualStudio/2011/storyboarding/control"/>
   </ds:schemaRefs>
 </ds:datastoreItem>
 </file>
 
-<file path=customXml/itemProps48.xml><?xml version="1.0" encoding="utf-8"?>
-<ds:datastoreItem xmlns:ds="http://schemas.openxmlformats.org/officeDocument/2006/customXml" ds:itemID="{D2AAAC7E-0A85-448C-BEAF-FB2E1B4987CA}">
-  <ds:schemaRefs>
-    <ds:schemaRef ds:uri="http://schemas.microsoft.com/VisualStudio/2011/storyboarding/control"/>
-  </ds:schemaRefs>
-</ds:datastoreItem>
-</file>
-
-<file path=customXml/itemProps49.xml><?xml version="1.0" encoding="utf-8"?>
-<ds:datastoreItem xmlns:ds="http://schemas.openxmlformats.org/officeDocument/2006/customXml" ds:itemID="{B1441669-2371-4AE4-A8B5-AFC09272AA93}">
-  <ds:schemaRefs>
-    <ds:schemaRef ds:uri="http://schemas.microsoft.com/VisualStudio/2011/storyboarding/control"/>
-  </ds:schemaRefs>
-</ds:datastoreItem>
-</file>
-
-<file path=customXml/itemProps5.xml><?xml version="1.0" encoding="utf-8"?>
-<ds:datastoreItem xmlns:ds="http://schemas.openxmlformats.org/officeDocument/2006/customXml" ds:itemID="{E44C9E77-1C35-4DBC-82DD-57E4D308EFBB}">
-  <ds:schemaRefs>
-    <ds:schemaRef ds:uri="http://schemas.microsoft.com/VisualStudio/2011/storyboarding/control"/>
-  </ds:schemaRefs>
-</ds:datastoreItem>
-</file>
-
-<file path=customXml/itemProps50.xml><?xml version="1.0" encoding="utf-8"?>
-<ds:datastoreItem xmlns:ds="http://schemas.openxmlformats.org/officeDocument/2006/customXml" ds:itemID="{5248BC68-ADE7-429D-B013-9195EF7419E9}">
-  <ds:schemaRefs>
-    <ds:schemaRef ds:uri="http://schemas.microsoft.com/VisualStudio/2011/storyboarding/control"/>
-  </ds:schemaRefs>
-</ds:datastoreItem>
-</file>
-
-<file path=customXml/itemProps51.xml><?xml version="1.0" encoding="utf-8"?>
-<ds:datastoreItem xmlns:ds="http://schemas.openxmlformats.org/officeDocument/2006/customXml" ds:itemID="{B33906A2-2468-4E50-8B7B-646E03FFEF2D}">
-  <ds:schemaRefs>
-    <ds:schemaRef ds:uri="http://schemas.microsoft.com/VisualStudio/2011/storyboarding/control"/>
-  </ds:schemaRefs>
-</ds:datastoreItem>
-</file>
-
-<file path=customXml/itemProps52.xml><?xml version="1.0" encoding="utf-8"?>
-<ds:datastoreItem xmlns:ds="http://schemas.openxmlformats.org/officeDocument/2006/customXml" ds:itemID="{0ACEBE80-DD25-46F5-ACB3-B9B1A4485D53}">
-  <ds:schemaRefs>
-    <ds:schemaRef ds:uri="http://schemas.microsoft.com/VisualStudio/2011/storyboarding/control"/>
-  </ds:schemaRefs>
-</ds:datastoreItem>
-</file>
-
-<file path=customXml/itemProps53.xml><?xml version="1.0" encoding="utf-8"?>
-<ds:datastoreItem xmlns:ds="http://schemas.openxmlformats.org/officeDocument/2006/customXml" ds:itemID="{89F8D00C-2482-4F3D-ACA1-B806B7E2C2EC}">
-  <ds:schemaRefs>
-    <ds:schemaRef ds:uri="http://schemas.microsoft.com/VisualStudio/2011/storyboarding/control"/>
-  </ds:schemaRefs>
-</ds:datastoreItem>
-</file>
-
-<file path=customXml/itemProps54.xml><?xml version="1.0" encoding="utf-8"?>
-<ds:datastoreItem xmlns:ds="http://schemas.openxmlformats.org/officeDocument/2006/customXml" ds:itemID="{2FCA7744-2BF3-4014-BEA7-E6EE6BE5E79E}">
-  <ds:schemaRefs>
-    <ds:schemaRef ds:uri="http://schemas.microsoft.com/VisualStudio/2011/storyboarding/control"/>
-  </ds:schemaRefs>
-</ds:datastoreItem>
-</file>
-
-<file path=customXml/itemProps55.xml><?xml version="1.0" encoding="utf-8"?>
-<ds:datastoreItem xmlns:ds="http://schemas.openxmlformats.org/officeDocument/2006/customXml" ds:itemID="{F9A8EA35-007A-40F9-AD73-68499C4EFDFA}">
-  <ds:schemaRefs>
-    <ds:schemaRef ds:uri="http://schemas.microsoft.com/VisualStudio/2011/storyboarding/control"/>
-  </ds:schemaRefs>
-</ds:datastoreItem>
-</file>
-
-<file path=customXml/itemProps56.xml><?xml version="1.0" encoding="utf-8"?>
-<ds:datastoreItem xmlns:ds="http://schemas.openxmlformats.org/officeDocument/2006/customXml" ds:itemID="{0AB71E67-FC2D-421E-B264-47BB552D5A5B}">
-  <ds:schemaRefs>
-    <ds:schemaRef ds:uri="http://schemas.microsoft.com/VisualStudio/2011/storyboarding/control"/>
-  </ds:schemaRefs>
-</ds:datastoreItem>
-</file>
-
-<file path=customXml/itemProps57.xml><?xml version="1.0" encoding="utf-8"?>
-<ds:datastoreItem xmlns:ds="http://schemas.openxmlformats.org/officeDocument/2006/customXml" ds:itemID="{4AA25D42-EDA7-4712-8354-F682B1D61ABE}">
-  <ds:schemaRefs>
-    <ds:schemaRef ds:uri="http://schemas.microsoft.com/VisualStudio/2011/storyboarding/control"/>
-  </ds:schemaRefs>
-</ds:datastoreItem>
-</file>
-
-<file path=customXml/itemProps58.xml><?xml version="1.0" encoding="utf-8"?>
-<ds:datastoreItem xmlns:ds="http://schemas.openxmlformats.org/officeDocument/2006/customXml" ds:itemID="{68BF0817-02E7-4175-AEC7-8477E7F612E9}">
-  <ds:schemaRefs>
-    <ds:schemaRef ds:uri="http://schemas.microsoft.com/VisualStudio/2011/storyboarding/control"/>
-  </ds:schemaRefs>
-</ds:datastoreItem>
-</file>
-
-<file path=customXml/itemProps59.xml><?xml version="1.0" encoding="utf-8"?>
-<ds:datastoreItem xmlns:ds="http://schemas.openxmlformats.org/officeDocument/2006/customXml" ds:itemID="{F106C237-6442-4C6C-BC17-BABD6E81E57F}">
-  <ds:schemaRefs>
-    <ds:schemaRef ds:uri="http://schemas.microsoft.com/VisualStudio/2011/storyboarding/control"/>
-  </ds:schemaRefs>
-</ds:datastoreItem>
-</file>
-
-<file path=customXml/itemProps6.xml><?xml version="1.0" encoding="utf-8"?>
-<ds:datastoreItem xmlns:ds="http://schemas.openxmlformats.org/officeDocument/2006/customXml" ds:itemID="{A2F6F20D-5D93-4163-A5E6-5A9B6AB49B35}">
-  <ds:schemaRefs>
-    <ds:schemaRef ds:uri="http://schemas.microsoft.com/VisualStudio/2011/storyboarding/control"/>
-  </ds:schemaRefs>
-</ds:datastoreItem>
-</file>
-
-<file path=customXml/itemProps60.xml><?xml version="1.0" encoding="utf-8"?>
-<ds:datastoreItem xmlns:ds="http://schemas.openxmlformats.org/officeDocument/2006/customXml" ds:itemID="{C5822030-9D10-4417-BB70-A547D778BA9D}">
-  <ds:schemaRefs>
-    <ds:schemaRef ds:uri="http://schemas.microsoft.com/VisualStudio/2011/storyboarding/control"/>
-  </ds:schemaRefs>
-</ds:datastoreItem>
-</file>
-
-<file path=customXml/itemProps61.xml><?xml version="1.0" encoding="utf-8"?>
-<ds:datastoreItem xmlns:ds="http://schemas.openxmlformats.org/officeDocument/2006/customXml" ds:itemID="{17816237-E86F-4608-B2AD-3D2E66C1B03B}">
-  <ds:schemaRefs>
-    <ds:schemaRef ds:uri="http://schemas.microsoft.com/VisualStudio/2011/storyboarding/control"/>
-  </ds:schemaRefs>
-</ds:datastoreItem>
-</file>
-
-<file path=customXml/itemProps62.xml><?xml version="1.0" encoding="utf-8"?>
-<ds:datastoreItem xmlns:ds="http://schemas.openxmlformats.org/officeDocument/2006/customXml" ds:itemID="{7C7A195E-DFA7-4A05-9371-894B93FD1828}">
-  <ds:schemaRefs>
-    <ds:schemaRef ds:uri="http://schemas.microsoft.com/VisualStudio/2011/storyboarding/control"/>
-  </ds:schemaRefs>
-</ds:datastoreItem>
-</file>
-
-<file path=customXml/itemProps63.xml><?xml version="1.0" encoding="utf-8"?>
-<ds:datastoreItem xmlns:ds="http://schemas.openxmlformats.org/officeDocument/2006/customXml" ds:itemID="{13867D15-2F58-4836-9D34-D0E88BF26D4C}">
-  <ds:schemaRefs>
-    <ds:schemaRef ds:uri="http://schemas.microsoft.com/VisualStudio/2011/storyboarding/control"/>
-  </ds:schemaRefs>
-</ds:datastoreItem>
-</file>
-
-<file path=customXml/itemProps64.xml><?xml version="1.0" encoding="utf-8"?>
-<ds:datastoreItem xmlns:ds="http://schemas.openxmlformats.org/officeDocument/2006/customXml" ds:itemID="{FE51AC1B-1271-4746-867D-55554D78B5AE}">
-  <ds:schemaRefs>
-    <ds:schemaRef ds:uri="http://schemas.microsoft.com/VisualStudio/2011/storyboarding/control"/>
-  </ds:schemaRefs>
-</ds:datastoreItem>
-</file>
-
-<file path=customXml/itemProps65.xml><?xml version="1.0" encoding="utf-8"?>
-<ds:datastoreItem xmlns:ds="http://schemas.openxmlformats.org/officeDocument/2006/customXml" ds:itemID="{6A447DBB-2C85-4597-A0DB-C9A2322BAC8D}">
-  <ds:schemaRefs>
-    <ds:schemaRef ds:uri="http://schemas.microsoft.com/VisualStudio/2011/storyboarding/control"/>
-  </ds:schemaRefs>
-</ds:datastoreItem>
-</file>
-
-<file path=customXml/itemProps66.xml><?xml version="1.0" encoding="utf-8"?>
-<ds:datastoreItem xmlns:ds="http://schemas.openxmlformats.org/officeDocument/2006/customXml" ds:itemID="{3E59668D-9D10-4C26-9CC7-C8295EEC02B7}">
-  <ds:schemaRefs>
-    <ds:schemaRef ds:uri="http://schemas.microsoft.com/VisualStudio/2011/storyboarding/control"/>
-  </ds:schemaRefs>
-</ds:datastoreItem>
-</file>
-
-<file path=customXml/itemProps67.xml><?xml version="1.0" encoding="utf-8"?>
-<ds:datastoreItem xmlns:ds="http://schemas.openxmlformats.org/officeDocument/2006/customXml" ds:itemID="{6909E70A-4203-43FA-8666-1DA9A83FC55A}">
-  <ds:schemaRefs>
-    <ds:schemaRef ds:uri="http://schemas.microsoft.com/VisualStudio/2011/storyboarding/control"/>
-  </ds:schemaRefs>
-</ds:datastoreItem>
-</file>
-
-<file path=customXml/itemProps68.xml><?xml version="1.0" encoding="utf-8"?>
-<ds:datastoreItem xmlns:ds="http://schemas.openxmlformats.org/officeDocument/2006/customXml" ds:itemID="{ED541B40-E3CF-47E9-8800-B673CC7C7D9E}">
-  <ds:schemaRefs>
-    <ds:schemaRef ds:uri="http://schemas.microsoft.com/VisualStudio/2011/storyboarding/control"/>
-  </ds:schemaRefs>
-</ds:datastoreItem>
-</file>
-
-<file path=customXml/itemProps69.xml><?xml version="1.0" encoding="utf-8"?>
-<ds:datastoreItem xmlns:ds="http://schemas.openxmlformats.org/officeDocument/2006/customXml" ds:itemID="{9FC86F31-FEBD-4500-B558-3A9092EE01B0}">
-  <ds:schemaRefs>
-    <ds:schemaRef ds:uri="http://schemas.microsoft.com/VisualStudio/2011/storyboarding/control"/>
-  </ds:schemaRefs>
-</ds:datastoreItem>
-</file>
-
-<file path=customXml/itemProps7.xml><?xml version="1.0" encoding="utf-8"?>
-<ds:datastoreItem xmlns:ds="http://schemas.openxmlformats.org/officeDocument/2006/customXml" ds:itemID="{6F4A2862-C914-4127-9AA3-4EC971E05888}">
-  <ds:schemaRefs>
-    <ds:schemaRef ds:uri="http://schemas.microsoft.com/VisualStudio/2011/storyboarding/control"/>
-  </ds:schemaRefs>
-</ds:datastoreItem>
-</file>
-
-<file path=customXml/itemProps70.xml><?xml version="1.0" encoding="utf-8"?>
-<ds:datastoreItem xmlns:ds="http://schemas.openxmlformats.org/officeDocument/2006/customXml" ds:itemID="{9441CC7A-8DA1-4C19-B524-DD31C7A19972}">
-  <ds:schemaRefs>
-    <ds:schemaRef ds:uri="http://schemas.microsoft.com/VisualStudio/2011/storyboarding/control"/>
-  </ds:schemaRefs>
-</ds:datastoreItem>
-</file>
-
-<file path=customXml/itemProps71.xml><?xml version="1.0" encoding="utf-8"?>
-<ds:datastoreItem xmlns:ds="http://schemas.openxmlformats.org/officeDocument/2006/customXml" ds:itemID="{113ECE65-0514-4E2D-A5D7-CB73FBD23154}">
-  <ds:schemaRefs>
-    <ds:schemaRef ds:uri="http://schemas.microsoft.com/VisualStudio/2011/storyboarding/control"/>
-  </ds:schemaRefs>
-</ds:datastoreItem>
-</file>
-
-<file path=customXml/itemProps72.xml><?xml version="1.0" encoding="utf-8"?>
-<ds:datastoreItem xmlns:ds="http://schemas.openxmlformats.org/officeDocument/2006/customXml" ds:itemID="{D08605C4-AECB-4FFF-9D2C-98990B0DFFDA}">
-  <ds:schemaRefs>
-    <ds:schemaRef ds:uri="http://schemas.microsoft.com/VisualStudio/2011/storyboarding/control"/>
-  </ds:schemaRefs>
-</ds:datastoreItem>
-</file>
-
-<file path=customXml/itemProps73.xml><?xml version="1.0" encoding="utf-8"?>
-<ds:datastoreItem xmlns:ds="http://schemas.openxmlformats.org/officeDocument/2006/customXml" ds:itemID="{77104134-B524-4624-9201-ECD829C881BD}">
-  <ds:schemaRefs>
-    <ds:schemaRef ds:uri="http://schemas.microsoft.com/VisualStudio/2011/storyboarding/control"/>
-  </ds:schemaRefs>
-</ds:datastoreItem>
-</file>
-
-<file path=customXml/itemProps74.xml><?xml version="1.0" encoding="utf-8"?>
-<ds:datastoreItem xmlns:ds="http://schemas.openxmlformats.org/officeDocument/2006/customXml" ds:itemID="{192B0C59-AF18-4932-A8CE-C28065725D2A}">
-  <ds:schemaRefs>
-    <ds:schemaRef ds:uri="http://schemas.microsoft.com/VisualStudio/2011/storyboarding/control"/>
-  </ds:schemaRefs>
-</ds:datastoreItem>
-</file>
-
-<file path=customXml/itemProps75.xml><?xml version="1.0" encoding="utf-8"?>
-<ds:datastoreItem xmlns:ds="http://schemas.openxmlformats.org/officeDocument/2006/customXml" ds:itemID="{7A89DD74-282D-41A7-98AD-61383871195E}">
-  <ds:schemaRefs>
-    <ds:schemaRef ds:uri="http://schemas.microsoft.com/VisualStudio/2011/storyboarding/control"/>
-  </ds:schemaRefs>
-</ds:datastoreItem>
-</file>
-
-<file path=customXml/itemProps76.xml><?xml version="1.0" encoding="utf-8"?>
-<ds:datastoreItem xmlns:ds="http://schemas.openxmlformats.org/officeDocument/2006/customXml" ds:itemID="{4C95C4DB-91BC-4C29-B0A4-0A132577B473}">
-  <ds:schemaRefs>
-    <ds:schemaRef ds:uri="http://schemas.microsoft.com/VisualStudio/2011/storyboarding/control"/>
-  </ds:schemaRefs>
-</ds:datastoreItem>
-</file>
-
-<file path=customXml/itemProps77.xml><?xml version="1.0" encoding="utf-8"?>
-<ds:datastoreItem xmlns:ds="http://schemas.openxmlformats.org/officeDocument/2006/customXml" ds:itemID="{0BDCEE85-95E9-41B6-B7EA-41FEC8A8955C}">
-  <ds:schemaRefs>
-    <ds:schemaRef ds:uri="http://schemas.microsoft.com/VisualStudio/2011/storyboarding/control"/>
-  </ds:schemaRefs>
-</ds:datastoreItem>
-</file>
-
-<file path=customXml/itemProps78.xml><?xml version="1.0" encoding="utf-8"?>
-<ds:datastoreItem xmlns:ds="http://schemas.openxmlformats.org/officeDocument/2006/customXml" ds:itemID="{A5C9F535-848A-484D-BE9A-C7950B04C8EE}">
-  <ds:schemaRefs>
-    <ds:schemaRef ds:uri="http://schemas.microsoft.com/VisualStudio/2011/storyboarding/control"/>
-  </ds:schemaRefs>
-</ds:datastoreItem>
-</file>
-
-<file path=customXml/itemProps79.xml><?xml version="1.0" encoding="utf-8"?>
-<ds:datastoreItem xmlns:ds="http://schemas.openxmlformats.org/officeDocument/2006/customXml" ds:itemID="{3390C89E-38DA-49C8-BD78-371C7CC2FE47}">
-  <ds:schemaRefs>
-    <ds:schemaRef ds:uri="http://schemas.microsoft.com/VisualStudio/2011/storyboarding/control"/>
-  </ds:schemaRefs>
-</ds:datastoreItem>
-</file>
-
-<file path=customXml/itemProps8.xml><?xml version="1.0" encoding="utf-8"?>
-<ds:datastoreItem xmlns:ds="http://schemas.openxmlformats.org/officeDocument/2006/customXml" ds:itemID="{46C8095E-E543-4B44-84A5-7DF9215641EF}">
-  <ds:schemaRefs>
-    <ds:schemaRef ds:uri="http://schemas.microsoft.com/VisualStudio/2011/storyboarding/control"/>
-  </ds:schemaRefs>
-</ds:datastoreItem>
-</file>
-
-<file path=customXml/itemProps80.xml><?xml version="1.0" encoding="utf-8"?>
-<ds:datastoreItem xmlns:ds="http://schemas.openxmlformats.org/officeDocument/2006/customXml" ds:itemID="{45B142F8-50A8-47EE-8945-EA0E8BEF71EB}">
-  <ds:schemaRefs>
-    <ds:schemaRef ds:uri="http://schemas.microsoft.com/VisualStudio/2011/storyboarding/control"/>
-  </ds:schemaRefs>
-</ds:datastoreItem>
-</file>
-
 <file path=customXml/itemProps81.xml><?xml version="1.0" encoding="utf-8"?>
-<ds:datastoreItem xmlns:ds="http://schemas.openxmlformats.org/officeDocument/2006/customXml" ds:itemID="{9431BAA6-A458-4A16-B548-267B412E871D}">
+<ds:datastoreItem xmlns:ds="http://schemas.openxmlformats.org/officeDocument/2006/customXml" ds:itemID="{8A555954-45BE-4EEE-9F3C-9C997F6D1BA3}">
   <ds:schemaRefs>
     <ds:schemaRef ds:uri="http://schemas.microsoft.com/VisualStudio/2011/storyboarding/control"/>
   </ds:schemaRefs>
@@ -18088,7 +18261,7 @@
 </file>
 
 <file path=customXml/itemProps83.xml><?xml version="1.0" encoding="utf-8"?>
-<ds:datastoreItem xmlns:ds="http://schemas.openxmlformats.org/officeDocument/2006/customXml" ds:itemID="{B02AE70D-AB27-4B64-9EAF-0217792EF7E1}">
+<ds:datastoreItem xmlns:ds="http://schemas.openxmlformats.org/officeDocument/2006/customXml" ds:itemID="{CF586D09-EEB6-4A49-AAE1-88E826EEDC73}">
   <ds:schemaRefs>
     <ds:schemaRef ds:uri="http://schemas.microsoft.com/VisualStudio/2011/storyboarding/control"/>
   </ds:schemaRefs>
@@ -18096,7 +18269,7 @@
 </file>
 
 <file path=customXml/itemProps84.xml><?xml version="1.0" encoding="utf-8"?>
-<ds:datastoreItem xmlns:ds="http://schemas.openxmlformats.org/officeDocument/2006/customXml" ds:itemID="{F12E4822-BEA4-4C90-A23E-8C7DFCF7CDD6}">
+<ds:datastoreItem xmlns:ds="http://schemas.openxmlformats.org/officeDocument/2006/customXml" ds:itemID="{F5B85250-01CA-403A-BFFD-EDEFCA9E38FF}">
   <ds:schemaRefs>
     <ds:schemaRef ds:uri="http://schemas.microsoft.com/VisualStudio/2011/storyboarding/control"/>
   </ds:schemaRefs>
@@ -18104,7 +18277,7 @@
 </file>
 
 <file path=customXml/itemProps85.xml><?xml version="1.0" encoding="utf-8"?>
-<ds:datastoreItem xmlns:ds="http://schemas.openxmlformats.org/officeDocument/2006/customXml" ds:itemID="{790E7F39-81D7-4FDD-A0B5-0716A2AE74B2}">
+<ds:datastoreItem xmlns:ds="http://schemas.openxmlformats.org/officeDocument/2006/customXml" ds:itemID="{A4CF0BF1-C47D-4DEC-B943-A1B6DFD73BA3}">
   <ds:schemaRefs>
     <ds:schemaRef ds:uri="http://schemas.microsoft.com/VisualStudio/2011/storyboarding/control"/>
   </ds:schemaRefs>
@@ -18112,46 +18285,6 @@
 </file>
 
 <file path=customXml/itemProps86.xml><?xml version="1.0" encoding="utf-8"?>
-<ds:datastoreItem xmlns:ds="http://schemas.openxmlformats.org/officeDocument/2006/customXml" ds:itemID="{2373FA59-A4C7-4E40-BF8A-FEF69ED346A4}">
-  <ds:schemaRefs>
-    <ds:schemaRef ds:uri="http://schemas.microsoft.com/VisualStudio/2011/storyboarding/control"/>
-  </ds:schemaRefs>
-</ds:datastoreItem>
-</file>
-
-<file path=customXml/itemProps87.xml><?xml version="1.0" encoding="utf-8"?>
-<ds:datastoreItem xmlns:ds="http://schemas.openxmlformats.org/officeDocument/2006/customXml" ds:itemID="{4686712F-CBA4-47D3-833A-C2ADFEF753DD}">
-  <ds:schemaRefs>
-    <ds:schemaRef ds:uri="http://schemas.microsoft.com/VisualStudio/2011/storyboarding/control"/>
-  </ds:schemaRefs>
-</ds:datastoreItem>
-</file>
-
-<file path=customXml/itemProps88.xml><?xml version="1.0" encoding="utf-8"?>
-<ds:datastoreItem xmlns:ds="http://schemas.openxmlformats.org/officeDocument/2006/customXml" ds:itemID="{6DAC6C05-FAFB-4B89-BBD6-3A479BE450F0}">
-  <ds:schemaRefs>
-    <ds:schemaRef ds:uri="http://schemas.microsoft.com/VisualStudio/2011/storyboarding/control"/>
-  </ds:schemaRefs>
-</ds:datastoreItem>
-</file>
-
-<file path=customXml/itemProps89.xml><?xml version="1.0" encoding="utf-8"?>
-<ds:datastoreItem xmlns:ds="http://schemas.openxmlformats.org/officeDocument/2006/customXml" ds:itemID="{D8653A86-F184-47A6-A8EA-282F582C20DD}">
-  <ds:schemaRefs>
-    <ds:schemaRef ds:uri="http://schemas.microsoft.com/VisualStudio/2011/storyboarding/control"/>
-  </ds:schemaRefs>
-</ds:datastoreItem>
-</file>
-
-<file path=customXml/itemProps9.xml><?xml version="1.0" encoding="utf-8"?>
-<ds:datastoreItem xmlns:ds="http://schemas.openxmlformats.org/officeDocument/2006/customXml" ds:itemID="{1E27CC14-9852-42D8-9A73-828A1C767F65}">
-  <ds:schemaRefs>
-    <ds:schemaRef ds:uri="http://schemas.microsoft.com/VisualStudio/2011/storyboarding/control"/>
-  </ds:schemaRefs>
-</ds:datastoreItem>
-</file>
-
-<file path=customXml/itemProps90.xml><?xml version="1.0" encoding="utf-8"?>
 <ds:datastoreItem xmlns:ds="http://schemas.openxmlformats.org/officeDocument/2006/customXml" ds:itemID="{ACF586AD-3668-4E64-BB79-597B4E8D331A}">
   <ds:schemaRefs>
     <ds:schemaRef ds:uri="http://schemas.microsoft.com/VisualStudio/2011/storyboarding/control"/>
@@ -18159,74 +18292,114 @@
 </ds:datastoreItem>
 </file>
 
-<file path=customXml/itemProps91.xml><?xml version="1.0" encoding="utf-8"?>
-<ds:datastoreItem xmlns:ds="http://schemas.openxmlformats.org/officeDocument/2006/customXml" ds:itemID="{AAE9B66C-C51E-45FF-A0AF-F87D4E76C603}">
+<file path=customXml/itemProps87.xml><?xml version="1.0" encoding="utf-8"?>
+<ds:datastoreItem xmlns:ds="http://schemas.openxmlformats.org/officeDocument/2006/customXml" ds:itemID="{AE608858-3A79-4E62-9586-14C746DF17FE}">
   <ds:schemaRefs>
     <ds:schemaRef ds:uri="http://schemas.microsoft.com/VisualStudio/2011/storyboarding/control"/>
   </ds:schemaRefs>
 </ds:datastoreItem>
 </file>
 
-<file path=customXml/itemProps92.xml><?xml version="1.0" encoding="utf-8"?>
-<ds:datastoreItem xmlns:ds="http://schemas.openxmlformats.org/officeDocument/2006/customXml" ds:itemID="{19219105-B97A-44AD-8E8F-0F014E4D5F2F}">
+<file path=customXml/itemProps88.xml><?xml version="1.0" encoding="utf-8"?>
+<ds:datastoreItem xmlns:ds="http://schemas.openxmlformats.org/officeDocument/2006/customXml" ds:itemID="{89F8D00C-2482-4F3D-ACA1-B806B7E2C2EC}">
   <ds:schemaRefs>
     <ds:schemaRef ds:uri="http://schemas.microsoft.com/VisualStudio/2011/storyboarding/control"/>
   </ds:schemaRefs>
 </ds:datastoreItem>
 </file>
 
+<file path=customXml/itemProps89.xml><?xml version="1.0" encoding="utf-8"?>
+<ds:datastoreItem xmlns:ds="http://schemas.openxmlformats.org/officeDocument/2006/customXml" ds:itemID="{4ECEEF82-0B3C-4906-961B-AFB29BD1E6E3}">
+  <ds:schemaRefs>
+    <ds:schemaRef ds:uri="http://schemas.microsoft.com/VisualStudio/2011/storyboarding/control"/>
+  </ds:schemaRefs>
+</ds:datastoreItem>
+</file>
+
+<file path=customXml/itemProps9.xml><?xml version="1.0" encoding="utf-8"?>
+<ds:datastoreItem xmlns:ds="http://schemas.openxmlformats.org/officeDocument/2006/customXml" ds:itemID="{AABACF0D-5384-4675-802C-4FFC55B3B83D}">
+  <ds:schemaRefs>
+    <ds:schemaRef ds:uri="http://schemas.microsoft.com/VisualStudio/2011/storyboarding/control"/>
+  </ds:schemaRefs>
+</ds:datastoreItem>
+</file>
+
+<file path=customXml/itemProps90.xml><?xml version="1.0" encoding="utf-8"?>
+<ds:datastoreItem xmlns:ds="http://schemas.openxmlformats.org/officeDocument/2006/customXml" ds:itemID="{F9A8EA35-007A-40F9-AD73-68499C4EFDFA}">
+  <ds:schemaRefs>
+    <ds:schemaRef ds:uri="http://schemas.microsoft.com/VisualStudio/2011/storyboarding/control"/>
+  </ds:schemaRefs>
+</ds:datastoreItem>
+</file>
+
+<file path=customXml/itemProps91.xml><?xml version="1.0" encoding="utf-8"?>
+<ds:datastoreItem xmlns:ds="http://schemas.openxmlformats.org/officeDocument/2006/customXml" ds:itemID="{033417FC-F4DF-440B-9750-AC9CEE9D4DD6}">
+  <ds:schemaRefs>
+    <ds:schemaRef ds:uri="http://schemas.microsoft.com/VisualStudio/2011/storyboarding/control"/>
+  </ds:schemaRefs>
+</ds:datastoreItem>
+</file>
+
+<file path=customXml/itemProps92.xml><?xml version="1.0" encoding="utf-8"?>
+<ds:datastoreItem xmlns:ds="http://schemas.openxmlformats.org/officeDocument/2006/customXml" ds:itemID="{77104134-B524-4624-9201-ECD829C881BD}">
+  <ds:schemaRefs>
+    <ds:schemaRef ds:uri="http://schemas.microsoft.com/VisualStudio/2011/storyboarding/control"/>
+  </ds:schemaRefs>
+</ds:datastoreItem>
+</file>
+
 <file path=customXml/itemProps93.xml><?xml version="1.0" encoding="utf-8"?>
+<ds:datastoreItem xmlns:ds="http://schemas.openxmlformats.org/officeDocument/2006/customXml" ds:itemID="{68BF0817-02E7-4175-AEC7-8477E7F612E9}">
+  <ds:schemaRefs>
+    <ds:schemaRef ds:uri="http://schemas.microsoft.com/VisualStudio/2011/storyboarding/control"/>
+  </ds:schemaRefs>
+</ds:datastoreItem>
+</file>
+
+<file path=customXml/itemProps94.xml><?xml version="1.0" encoding="utf-8"?>
+<ds:datastoreItem xmlns:ds="http://schemas.openxmlformats.org/officeDocument/2006/customXml" ds:itemID="{90E6BF7D-584A-485E-85F5-083945235CD7}">
+  <ds:schemaRefs>
+    <ds:schemaRef ds:uri="http://schemas.microsoft.com/VisualStudio/2011/storyboarding/control"/>
+  </ds:schemaRefs>
+</ds:datastoreItem>
+</file>
+
+<file path=customXml/itemProps95.xml><?xml version="1.0" encoding="utf-8"?>
+<ds:datastoreItem xmlns:ds="http://schemas.openxmlformats.org/officeDocument/2006/customXml" ds:itemID="{A6CB5F7F-1B30-4371-AA4A-C09705431B7C}">
+  <ds:schemaRefs>
+    <ds:schemaRef ds:uri="http://schemas.microsoft.com/VisualStudio/2011/storyboarding/control"/>
+  </ds:schemaRefs>
+</ds:datastoreItem>
+</file>
+
+<file path=customXml/itemProps96.xml><?xml version="1.0" encoding="utf-8"?>
+<ds:datastoreItem xmlns:ds="http://schemas.openxmlformats.org/officeDocument/2006/customXml" ds:itemID="{E7741501-71C2-4C17-B4E1-815C0856C474}">
+  <ds:schemaRefs>
+    <ds:schemaRef ds:uri="http://schemas.microsoft.com/VisualStudio/2011/storyboarding/control"/>
+  </ds:schemaRefs>
+</ds:datastoreItem>
+</file>
+
+<file path=customXml/itemProps97.xml><?xml version="1.0" encoding="utf-8"?>
+<ds:datastoreItem xmlns:ds="http://schemas.openxmlformats.org/officeDocument/2006/customXml" ds:itemID="{73ABD768-CB5D-46A4-A597-4A94DA70A531}">
+  <ds:schemaRefs>
+    <ds:schemaRef ds:uri="http://schemas.microsoft.com/VisualStudio/2011/storyboarding/control"/>
+  </ds:schemaRefs>
+</ds:datastoreItem>
+</file>
+
+<file path=customXml/itemProps98.xml><?xml version="1.0" encoding="utf-8"?>
+<ds:datastoreItem xmlns:ds="http://schemas.openxmlformats.org/officeDocument/2006/customXml" ds:itemID="{CD29ED7C-7003-4640-8A56-61BBEE20B1F0}">
+  <ds:schemaRefs>
+    <ds:schemaRef ds:uri="http://schemas.microsoft.com/VisualStudio/2011/storyboarding/control"/>
+  </ds:schemaRefs>
+</ds:datastoreItem>
+</file>
+
+<file path=customXml/itemProps99.xml><?xml version="1.0" encoding="utf-8"?>
 <ds:datastoreItem xmlns:ds="http://schemas.openxmlformats.org/officeDocument/2006/customXml" ds:itemID="{FE87856E-EB9D-4E52-95E2-2A7B45AA4114}">
   <ds:schemaRefs>
     <ds:schemaRef ds:uri="http://schemas.microsoft.com/VisualStudio/2011/storyboarding/control"/>
   </ds:schemaRefs>
 </ds:datastoreItem>
-</file>
-
-<file path=customXml/itemProps94.xml><?xml version="1.0" encoding="utf-8"?>
-<ds:datastoreItem xmlns:ds="http://schemas.openxmlformats.org/officeDocument/2006/customXml" ds:itemID="{E64EFAA4-8D4E-4E3D-90B4-CEBC661B0435}">
-  <ds:schemaRefs>
-    <ds:schemaRef ds:uri="http://schemas.microsoft.com/VisualStudio/2011/storyboarding/control"/>
-  </ds:schemaRefs>
-</ds:datastoreItem>
-</file>
-
-<file path=customXml/itemProps95.xml><?xml version="1.0" encoding="utf-8"?>
-<ds:datastoreItem xmlns:ds="http://schemas.openxmlformats.org/officeDocument/2006/customXml" ds:itemID="{7C8FE9CD-1324-4A90-8D4D-0C176F3BCA87}">
-  <ds:schemaRefs>
-    <ds:schemaRef ds:uri="http://schemas.microsoft.com/VisualStudio/2011/storyboarding/control"/>
-  </ds:schemaRefs>
-</ds:datastoreItem>
-</file>
-
-<file path=customXml/itemProps96.xml><?xml version="1.0" encoding="utf-8"?>
-<ds:datastoreItem xmlns:ds="http://schemas.openxmlformats.org/officeDocument/2006/customXml" ds:itemID="{AA6A5E90-4733-4052-BD41-CDB87AFA6C57}">
-  <ds:schemaRefs>
-    <ds:schemaRef ds:uri="http://schemas.microsoft.com/VisualStudio/2011/storyboarding/control"/>
-  </ds:schemaRefs>
-</ds:datastoreItem>
-</file>
-
-<file path=customXml/itemProps97.xml><?xml version="1.0" encoding="utf-8"?>
-<ds:datastoreItem xmlns:ds="http://schemas.openxmlformats.org/officeDocument/2006/customXml" ds:itemID="{2C7E7D13-6875-4C07-A00F-CBDE5826D5D8}">
-  <ds:schemaRefs>
-    <ds:schemaRef ds:uri="http://schemas.microsoft.com/VisualStudio/2011/storyboarding/control"/>
-  </ds:schemaRefs>
-</ds:datastoreItem>
-</file>
-
-<file path=customXml/itemProps98.xml><?xml version="1.0" encoding="utf-8"?>
-<ds:datastoreItem xmlns:ds="http://schemas.openxmlformats.org/officeDocument/2006/customXml" ds:itemID="{0205D5B8-50E2-42A6-ADDD-577B72710484}">
-  <ds:schemaRefs>
-    <ds:schemaRef ds:uri="http://schemas.microsoft.com/VisualStudio/2011/storyboarding/control"/>
-  </ds:schemaRefs>
-</ds:datastoreItem>
-</file>
-
-<file path=customXml/itemProps99.xml><?xml version="1.0" encoding="utf-8"?>
-<ds:datastoreItem xmlns:ds="http://schemas.openxmlformats.org/officeDocument/2006/customXml" ds:itemID="{9A59C534-A299-402C-BDD6-F5443DFA7893}">
-  <ds:schemaRefs>
-    <ds:schemaRef ds:uri="http://schemas.microsoft.com/VisualStudio/2011/storyboarding/control"/>
-  </ds:schemaRefs>
-</ds:datastoreItem>
 </file>
--- a/Maquettage.pptx
+++ b/Maquettage.pptx
@@ -8,14 +8,13 @@
     <p:sldId id="257" r:id="rId174"/>
     <p:sldId id="259" r:id="rId175"/>
     <p:sldId id="260" r:id="rId176"/>
-    <p:sldId id="256" r:id="rId177"/>
-    <p:sldId id="261" r:id="rId178"/>
-    <p:sldId id="262" r:id="rId179"/>
-    <p:sldId id="263" r:id="rId180"/>
-    <p:sldId id="264" r:id="rId181"/>
-    <p:sldId id="265" r:id="rId182"/>
-    <p:sldId id="266" r:id="rId183"/>
-    <p:sldId id="267" r:id="rId184"/>
+    <p:sldId id="261" r:id="rId177"/>
+    <p:sldId id="262" r:id="rId178"/>
+    <p:sldId id="263" r:id="rId179"/>
+    <p:sldId id="264" r:id="rId180"/>
+    <p:sldId id="265" r:id="rId181"/>
+    <p:sldId id="266" r:id="rId182"/>
+    <p:sldId id="267" r:id="rId183"/>
   </p:sldIdLst>
   <p:sldSz cx="12192000" cy="6858000"/>
   <p:notesSz cx="6858000" cy="9144000"/>
@@ -15070,43 +15069,6 @@
     </p:spTree>
     <p:extLst>
       <p:ext uri="{BB962C8B-B14F-4D97-AF65-F5344CB8AC3E}">
-        <p14:creationId xmlns:p14="http://schemas.microsoft.com/office/powerpoint/2010/main" val="1138111888"/>
-      </p:ext>
-    </p:extLst>
-  </p:cSld>
-  <p:clrMapOvr>
-    <a:masterClrMapping/>
-  </p:clrMapOvr>
-  <p:timing>
-    <p:tnLst>
-      <p:par>
-        <p:cTn id="1" dur="indefinite" restart="never" nodeType="tmRoot"/>
-      </p:par>
-    </p:tnLst>
-  </p:timing>
-</p:sld>
-</file>
-
-<file path=ppt/slides/slide11.xml><?xml version="1.0" encoding="utf-8"?>
-<p:sld xmlns:a="http://schemas.openxmlformats.org/drawingml/2006/main" xmlns:r="http://schemas.openxmlformats.org/officeDocument/2006/relationships" xmlns:p="http://schemas.openxmlformats.org/presentationml/2006/main">
-  <p:cSld>
-    <p:spTree>
-      <p:nvGrpSpPr>
-        <p:cNvPr id="1" name=""/>
-        <p:cNvGrpSpPr/>
-        <p:nvPr/>
-      </p:nvGrpSpPr>
-      <p:grpSpPr>
-        <a:xfrm>
-          <a:off x="0" y="0"/>
-          <a:ext cx="0" cy="0"/>
-          <a:chOff x="0" y="0"/>
-          <a:chExt cx="0" cy="0"/>
-        </a:xfrm>
-      </p:grpSpPr>
-    </p:spTree>
-    <p:extLst>
-      <p:ext uri="{BB962C8B-B14F-4D97-AF65-F5344CB8AC3E}">
         <p14:creationId xmlns:p14="http://schemas.microsoft.com/office/powerpoint/2010/main" val="1066237789"/>
       </p:ext>
     </p:extLst>
@@ -15218,43 +15180,6 @@
     </p:spTree>
     <p:extLst>
       <p:ext uri="{BB962C8B-B14F-4D97-AF65-F5344CB8AC3E}">
-        <p14:creationId xmlns:p14="http://schemas.microsoft.com/office/powerpoint/2010/main" val="2076856556"/>
-      </p:ext>
-    </p:extLst>
-  </p:cSld>
-  <p:clrMapOvr>
-    <a:masterClrMapping/>
-  </p:clrMapOvr>
-  <p:timing>
-    <p:tnLst>
-      <p:par>
-        <p:cTn id="1" dur="indefinite" restart="never" nodeType="tmRoot"/>
-      </p:par>
-    </p:tnLst>
-  </p:timing>
-</p:sld>
-</file>
-
-<file path=ppt/slides/slide5.xml><?xml version="1.0" encoding="utf-8"?>
-<p:sld xmlns:a="http://schemas.openxmlformats.org/drawingml/2006/main" xmlns:r="http://schemas.openxmlformats.org/officeDocument/2006/relationships" xmlns:p="http://schemas.openxmlformats.org/presentationml/2006/main">
-  <p:cSld>
-    <p:spTree>
-      <p:nvGrpSpPr>
-        <p:cNvPr id="1" name=""/>
-        <p:cNvGrpSpPr/>
-        <p:nvPr/>
-      </p:nvGrpSpPr>
-      <p:grpSpPr>
-        <a:xfrm>
-          <a:off x="0" y="0"/>
-          <a:ext cx="0" cy="0"/>
-          <a:chOff x="0" y="0"/>
-          <a:chExt cx="0" cy="0"/>
-        </a:xfrm>
-      </p:grpSpPr>
-    </p:spTree>
-    <p:extLst>
-      <p:ext uri="{BB962C8B-B14F-4D97-AF65-F5344CB8AC3E}">
         <p14:creationId xmlns:p14="http://schemas.microsoft.com/office/powerpoint/2010/main" val="438586282"/>
       </p:ext>
     </p:extLst>
@@ -15272,7 +15197,7 @@
 </p:sld>
 </file>
 
-<file path=ppt/slides/slide6.xml><?xml version="1.0" encoding="utf-8"?>
+<file path=ppt/slides/slide5.xml><?xml version="1.0" encoding="utf-8"?>
 <p:sld xmlns:a="http://schemas.openxmlformats.org/drawingml/2006/main" xmlns:r="http://schemas.openxmlformats.org/officeDocument/2006/relationships" xmlns:p="http://schemas.openxmlformats.org/presentationml/2006/main">
   <p:cSld>
     <p:spTree>
@@ -15309,7 +15234,7 @@
 </p:sld>
 </file>
 
-<file path=ppt/slides/slide7.xml><?xml version="1.0" encoding="utf-8"?>
+<file path=ppt/slides/slide6.xml><?xml version="1.0" encoding="utf-8"?>
 <p:sld xmlns:a="http://schemas.openxmlformats.org/drawingml/2006/main" xmlns:r="http://schemas.openxmlformats.org/officeDocument/2006/relationships" xmlns:p="http://schemas.openxmlformats.org/presentationml/2006/main">
   <p:cSld>
     <p:spTree>
@@ -15346,7 +15271,7 @@
 </p:sld>
 </file>
 
-<file path=ppt/slides/slide8.xml><?xml version="1.0" encoding="utf-8"?>
+<file path=ppt/slides/slide7.xml><?xml version="1.0" encoding="utf-8"?>
 <p:sld xmlns:a="http://schemas.openxmlformats.org/drawingml/2006/main" xmlns:r="http://schemas.openxmlformats.org/officeDocument/2006/relationships" xmlns:p="http://schemas.openxmlformats.org/presentationml/2006/main">
   <p:cSld>
     <p:spTree>
@@ -15383,6 +15308,43 @@
 </p:sld>
 </file>
 
+<file path=ppt/slides/slide8.xml><?xml version="1.0" encoding="utf-8"?>
+<p:sld xmlns:a="http://schemas.openxmlformats.org/drawingml/2006/main" xmlns:r="http://schemas.openxmlformats.org/officeDocument/2006/relationships" xmlns:p="http://schemas.openxmlformats.org/presentationml/2006/main">
+  <p:cSld>
+    <p:spTree>
+      <p:nvGrpSpPr>
+        <p:cNvPr id="1" name=""/>
+        <p:cNvGrpSpPr/>
+        <p:nvPr/>
+      </p:nvGrpSpPr>
+      <p:grpSpPr>
+        <a:xfrm>
+          <a:off x="0" y="0"/>
+          <a:ext cx="0" cy="0"/>
+          <a:chOff x="0" y="0"/>
+          <a:chExt cx="0" cy="0"/>
+        </a:xfrm>
+      </p:grpSpPr>
+    </p:spTree>
+    <p:extLst>
+      <p:ext uri="{BB962C8B-B14F-4D97-AF65-F5344CB8AC3E}">
+        <p14:creationId xmlns:p14="http://schemas.microsoft.com/office/powerpoint/2010/main" val="2391155916"/>
+      </p:ext>
+    </p:extLst>
+  </p:cSld>
+  <p:clrMapOvr>
+    <a:masterClrMapping/>
+  </p:clrMapOvr>
+  <p:timing>
+    <p:tnLst>
+      <p:par>
+        <p:cTn id="1" dur="indefinite" restart="never" nodeType="tmRoot"/>
+      </p:par>
+    </p:tnLst>
+  </p:timing>
+</p:sld>
+</file>
+
 <file path=ppt/slides/slide9.xml><?xml version="1.0" encoding="utf-8"?>
 <p:sld xmlns:a="http://schemas.openxmlformats.org/drawingml/2006/main" xmlns:r="http://schemas.openxmlformats.org/officeDocument/2006/relationships" xmlns:p="http://schemas.openxmlformats.org/presentationml/2006/main">
   <p:cSld>
@@ -15403,7 +15365,7 @@
     </p:spTree>
     <p:extLst>
       <p:ext uri="{BB962C8B-B14F-4D97-AF65-F5344CB8AC3E}">
-        <p14:creationId xmlns:p14="http://schemas.microsoft.com/office/powerpoint/2010/main" val="2391155916"/>
+        <p14:creationId xmlns:p14="http://schemas.microsoft.com/office/powerpoint/2010/main" val="1138111888"/>
       </p:ext>
     </p:extLst>
   </p:cSld>
@@ -15998,229 +15960,229 @@
 
 <file path=customXml/item1.xml><?xml version="1.0" encoding="utf-8"?>
 <Control xmlns="http://schemas.microsoft.com/VisualStudio/2011/storyboarding/control">
+  <Id Name="System.Storyboarding.Icons.Star" Revision="1" Stencil="System.Storyboarding.Icons" StencilVersion="0.1"/>
+</Control>
+</file>
+
+<file path=customXml/item10.xml><?xml version="1.0" encoding="utf-8"?>
+<Control xmlns="http://schemas.microsoft.com/VisualStudio/2011/storyboarding/control">
+  <Id Name="System.Storyboarding.Icons.Star" Revision="1" Stencil="System.Storyboarding.Icons" StencilVersion="0.1"/>
+</Control>
+</file>
+
+<file path=customXml/item100.xml><?xml version="1.0" encoding="utf-8"?>
+<Control xmlns="http://schemas.microsoft.com/VisualStudio/2011/storyboarding/control">
   <Id Name="System.Storyboarding.WindowsApps.WindowsAppsTileWideSmall" Revision="1" Stencil="System.Storyboarding.WindowsApps" StencilVersion="0.1"/>
 </Control>
 </file>
 
-<file path=customXml/item10.xml><?xml version="1.0" encoding="utf-8"?>
+<file path=customXml/item101.xml><?xml version="1.0" encoding="utf-8"?>
+<Control xmlns="http://schemas.microsoft.com/VisualStudio/2011/storyboarding/control">
+  <Id Name="System.Storyboarding.WindowsApps.WindowsAppsContextMenu" Revision="1" Stencil="System.Storyboarding.WindowsApps" StencilVersion="0.1"/>
+</Control>
+</file>
+
+<file path=customXml/item102.xml><?xml version="1.0" encoding="utf-8"?>
+<Control xmlns="http://schemas.microsoft.com/VisualStudio/2011/storyboarding/control">
+  <Id Name="System.Storyboarding.Common.TextInput" Revision="1" Stencil="System.Storyboarding.Common" StencilVersion="0.1"/>
+</Control>
+</file>
+
+<file path=customXml/item103.xml><?xml version="1.0" encoding="utf-8"?>
+<Control xmlns="http://schemas.microsoft.com/VisualStudio/2011/storyboarding/control">
+  <Id Name="System.Storyboarding.Common.TextInput" Revision="1" Stencil="System.Storyboarding.Common" StencilVersion="0.1"/>
+</Control>
+</file>
+
+<file path=customXml/item104.xml><?xml version="1.0" encoding="utf-8"?>
+<Control xmlns="http://schemas.microsoft.com/VisualStudio/2011/storyboarding/control">
+  <Id Name="System.Storyboarding.Backgrounds.WebBrowser" Revision="1" Stencil="System.Storyboarding.Backgrounds" StencilVersion="0.1"/>
+</Control>
+</file>
+
+<file path=customXml/item105.xml><?xml version="1.0" encoding="utf-8"?>
+<Control xmlns="http://schemas.microsoft.com/VisualStudio/2011/storyboarding/control">
+  <Id Name="System.Storyboarding.Common.Text" Revision="1" Stencil="System.Storyboarding.Common" StencilVersion="0.1"/>
+</Control>
+</file>
+
+<file path=customXml/item106.xml><?xml version="1.0" encoding="utf-8"?>
+<Control xmlns="http://schemas.microsoft.com/VisualStudio/2011/storyboarding/control">
+  <Id Name="System.Storyboarding.Common.Text" Revision="1" Stencil="System.Storyboarding.Common" StencilVersion="0.1"/>
+</Control>
+</file>
+
+<file path=customXml/item107.xml><?xml version="1.0" encoding="utf-8"?>
+<Control xmlns="http://schemas.microsoft.com/VisualStudio/2011/storyboarding/control">
+  <Id Name="System.Storyboarding.Common.MousePointer" Revision="1" Stencil="System.Storyboarding.Common" StencilVersion="0.1"/>
+</Control>
+</file>
+
+<file path=customXml/item108.xml><?xml version="1.0" encoding="utf-8"?>
+<Control xmlns="http://schemas.microsoft.com/VisualStudio/2011/storyboarding/control">
+  <Id Name="System.Storyboarding.Common.CheckBoxUnchecked" Revision="1" Stencil="System.Storyboarding.Common" StencilVersion="0.1"/>
+</Control>
+</file>
+
+<file path=customXml/item109.xml><?xml version="1.0" encoding="utf-8"?>
 <Control xmlns="http://schemas.microsoft.com/VisualStudio/2011/storyboarding/control">
   <Id Name="System.Storyboarding.Common.Button" Revision="1" Stencil="System.Storyboarding.Common" StencilVersion="0.1"/>
 </Control>
 </file>
 
-<file path=customXml/item100.xml><?xml version="1.0" encoding="utf-8"?>
+<file path=customXml/item11.xml><?xml version="1.0" encoding="utf-8"?>
+<Control xmlns="http://schemas.microsoft.com/VisualStudio/2011/storyboarding/control">
+  <Id Name="System.Storyboarding.Common.TextInput" Revision="1" Stencil="System.Storyboarding.Common" StencilVersion="0.1"/>
+</Control>
+</file>
+
+<file path=customXml/item110.xml><?xml version="1.0" encoding="utf-8"?>
+<Control xmlns="http://schemas.microsoft.com/VisualStudio/2011/storyboarding/control">
+  <Id Name="System.Storyboarding.Common.CheckBoxUnchecked" Revision="1" Stencil="System.Storyboarding.Common" StencilVersion="0.1"/>
+</Control>
+</file>
+
+<file path=customXml/item111.xml><?xml version="1.0" encoding="utf-8"?>
+<Control xmlns="http://schemas.microsoft.com/VisualStudio/2011/storyboarding/control">
+  <Id Name="System.Storyboarding.Common.CheckBoxUnchecked" Revision="1" Stencil="System.Storyboarding.Common" StencilVersion="0.1"/>
+</Control>
+</file>
+
+<file path=customXml/item112.xml><?xml version="1.0" encoding="utf-8"?>
+<Control xmlns="http://schemas.microsoft.com/VisualStudio/2011/storyboarding/control">
+  <Id Name="System.Storyboarding.WindowsApps.WindowsAppsTileWideSmall" Revision="1" Stencil="System.Storyboarding.WindowsApps" StencilVersion="0.1"/>
+</Control>
+</file>
+
+<file path=customXml/item113.xml><?xml version="1.0" encoding="utf-8"?>
+<Control xmlns="http://schemas.microsoft.com/VisualStudio/2011/storyboarding/control">
+  <Id Name="System.Storyboarding.Common.TextInput" Revision="1" Stencil="System.Storyboarding.Common" StencilVersion="0.1"/>
+</Control>
+</file>
+
+<file path=customXml/item114.xml><?xml version="1.0" encoding="utf-8"?>
+<Control xmlns="http://schemas.microsoft.com/VisualStudio/2011/storyboarding/control">
+  <Id Name="System.Storyboarding.Common.TextInput" Revision="1" Stencil="System.Storyboarding.Common" StencilVersion="0.1"/>
+</Control>
+</file>
+
+<file path=customXml/item115.xml><?xml version="1.0" encoding="utf-8"?>
+<Control xmlns="http://schemas.microsoft.com/VisualStudio/2011/storyboarding/control">
+  <Id Name="System.Storyboarding.Icons.Star" Revision="1" Stencil="System.Storyboarding.Icons" StencilVersion="0.1"/>
+</Control>
+</file>
+
+<file path=customXml/item116.xml><?xml version="1.0" encoding="utf-8"?>
+<Control xmlns="http://schemas.microsoft.com/VisualStudio/2011/storyboarding/control">
+  <Id Name="System.Storyboarding.WindowsApps.WindowsAppsMediumWideTile" Revision="1" Stencil="System.Storyboarding.WindowsApps" StencilVersion="0.1"/>
+</Control>
+</file>
+
+<file path=customXml/item117.xml><?xml version="1.0" encoding="utf-8"?>
+<Control xmlns="http://schemas.microsoft.com/VisualStudio/2011/storyboarding/control">
+  <Id Name="System.Storyboarding.Common.TextInput" Revision="1" Stencil="System.Storyboarding.Common" StencilVersion="0.1"/>
+</Control>
+</file>
+
+<file path=customXml/item118.xml><?xml version="1.0" encoding="utf-8"?>
+<Control xmlns="http://schemas.microsoft.com/VisualStudio/2011/storyboarding/control">
+  <Id Name="System.Storyboarding.Media.Image" Revision="1" Stencil="System.Storyboarding.Media" StencilVersion="0.1"/>
+</Control>
+</file>
+
+<file path=customXml/item119.xml><?xml version="1.0" encoding="utf-8"?>
+<Control xmlns="http://schemas.microsoft.com/VisualStudio/2011/storyboarding/control">
+  <Id Name="System.Storyboarding.WindowsApps.WindowsAppsContextMenu" Revision="1" Stencil="System.Storyboarding.WindowsApps" StencilVersion="0.1"/>
+</Control>
+</file>
+
+<file path=customXml/item12.xml><?xml version="1.0" encoding="utf-8"?>
+<Control xmlns="http://schemas.microsoft.com/VisualStudio/2011/storyboarding/control">
+  <Id Name="System.Storyboarding.Common.Button" Revision="1" Stencil="System.Storyboarding.Common" StencilVersion="0.1"/>
+</Control>
+</file>
+
+<file path=customXml/item120.xml><?xml version="1.0" encoding="utf-8"?>
+<Control xmlns="http://schemas.microsoft.com/VisualStudio/2011/storyboarding/control">
+  <Id Name="System.Storyboarding.Common.Button" Revision="1" Stencil="System.Storyboarding.Common" StencilVersion="0.1"/>
+</Control>
+</file>
+
+<file path=customXml/item121.xml><?xml version="1.0" encoding="utf-8"?>
+<Control xmlns="http://schemas.microsoft.com/VisualStudio/2011/storyboarding/control">
+  <Id Name="System.Storyboarding.Common.TextInput" Revision="1" Stencil="System.Storyboarding.Common" StencilVersion="0.1"/>
+</Control>
+</file>
+
+<file path=customXml/item122.xml><?xml version="1.0" encoding="utf-8"?>
 <Control xmlns="http://schemas.microsoft.com/VisualStudio/2011/storyboarding/control">
   <Id Name="System.Storyboarding.Common.Text" Revision="1" Stencil="System.Storyboarding.Common" StencilVersion="0.1"/>
 </Control>
 </file>
 
-<file path=customXml/item101.xml><?xml version="1.0" encoding="utf-8"?>
+<file path=customXml/item123.xml><?xml version="1.0" encoding="utf-8"?>
 <Control xmlns="http://schemas.microsoft.com/VisualStudio/2011/storyboarding/control">
-  <Id Name="System.Storyboarding.WindowsApps.WindowsAppsMediumWideTile" Revision="1" Stencil="System.Storyboarding.WindowsApps" StencilVersion="0.1"/>
+  <Id Name="System.Storyboarding.Common.TextInput" Revision="1" Stencil="System.Storyboarding.Common" StencilVersion="0.1"/>
 </Control>
 </file>
 
-<file path=customXml/item102.xml><?xml version="1.0" encoding="utf-8"?>
+<file path=customXml/item124.xml><?xml version="1.0" encoding="utf-8"?>
 <Control xmlns="http://schemas.microsoft.com/VisualStudio/2011/storyboarding/control">
-  <Id Name="System.Storyboarding.Common.DataGrid" Revision="1" Stencil="System.Storyboarding.Common" StencilVersion="0.1"/>
+  <Id Name="System.Storyboarding.Icons.Copy" Revision="1" Stencil="System.Storyboarding.Icons" StencilVersion="0.1"/>
 </Control>
 </file>
 
-<file path=customXml/item103.xml><?xml version="1.0" encoding="utf-8"?>
+<file path=customXml/item125.xml><?xml version="1.0" encoding="utf-8"?>
+<Control xmlns="http://schemas.microsoft.com/VisualStudio/2011/storyboarding/control">
+  <Id Name="System.Storyboarding.Icons.Star" Revision="1" Stencil="System.Storyboarding.Icons" StencilVersion="0.1"/>
+</Control>
+</file>
+
+<file path=customXml/item126.xml><?xml version="1.0" encoding="utf-8"?>
+<Control xmlns="http://schemas.microsoft.com/VisualStudio/2011/storyboarding/control">
+  <Id Name="System.Storyboarding.Common.DatePicker" Revision="1" Stencil="System.Storyboarding.Common" StencilVersion="0.1"/>
+</Control>
+</file>
+
+<file path=customXml/item127.xml><?xml version="1.0" encoding="utf-8"?>
+<Control xmlns="http://schemas.microsoft.com/VisualStudio/2011/storyboarding/control">
+  <Id Name="System.Storyboarding.Common.ScrollbarVertical" Revision="1" Stencil="System.Storyboarding.Common" StencilVersion="0.1"/>
+</Control>
+</file>
+
+<file path=customXml/item128.xml><?xml version="1.0" encoding="utf-8"?>
+<Control xmlns="http://schemas.microsoft.com/VisualStudio/2011/storyboarding/control">
+  <Id Name="System.Storyboarding.Backgrounds.DesktopTaskbar" Revision="1" Stencil="System.Storyboarding.Backgrounds" StencilVersion="0.1"/>
+</Control>
+</file>
+
+<file path=customXml/item129.xml><?xml version="1.0" encoding="utf-8"?>
 <Control xmlns="http://schemas.microsoft.com/VisualStudio/2011/storyboarding/control">
   <Id Name="System.Storyboarding.Common.Text" Revision="1" Stencil="System.Storyboarding.Common" StencilVersion="0.1"/>
 </Control>
 </file>
 
-<file path=customXml/item104.xml><?xml version="1.0" encoding="utf-8"?>
-<Control xmlns="http://schemas.microsoft.com/VisualStudio/2011/storyboarding/control">
-  <Id Name="System.Storyboarding.Common.Text" Revision="1" Stencil="System.Storyboarding.Common" StencilVersion="0.1"/>
-</Control>
-</file>
-
-<file path=customXml/item105.xml><?xml version="1.0" encoding="utf-8"?>
-<Control xmlns="http://schemas.microsoft.com/VisualStudio/2011/storyboarding/control">
-  <Id Name="System.Storyboarding.Icons.Lock" Revision="1" Stencil="System.Storyboarding.Icons" StencilVersion="0.1"/>
-</Control>
-</file>
-
-<file path=customXml/item106.xml><?xml version="1.0" encoding="utf-8"?>
-<Control xmlns="http://schemas.microsoft.com/VisualStudio/2011/storyboarding/control">
-  <Id Name="System.Storyboarding.Common.MousePointer" Revision="1" Stencil="System.Storyboarding.Common" StencilVersion="0.1"/>
-</Control>
-</file>
-
-<file path=customXml/item107.xml><?xml version="1.0" encoding="utf-8"?>
-<Control xmlns="http://schemas.microsoft.com/VisualStudio/2011/storyboarding/control">
-  <Id Name="System.Storyboarding.WindowsApps.WindowsAppsTileWideSmall" Revision="1" Stencil="System.Storyboarding.WindowsApps" StencilVersion="0.1"/>
-</Control>
-</file>
-
-<file path=customXml/item108.xml><?xml version="1.0" encoding="utf-8"?>
+<file path=customXml/item13.xml><?xml version="1.0" encoding="utf-8"?>
 <Control xmlns="http://schemas.microsoft.com/VisualStudio/2011/storyboarding/control">
   <Id Name="System.Storyboarding.Common.TextInput" Revision="1" Stencil="System.Storyboarding.Common" StencilVersion="0.1"/>
 </Control>
 </file>
 
-<file path=customXml/item109.xml><?xml version="1.0" encoding="utf-8"?>
-<Control xmlns="http://schemas.microsoft.com/VisualStudio/2011/storyboarding/control">
-  <Id Name="System.Storyboarding.WindowsApps.WindowsAppsTileWideSmall" Revision="1" Stencil="System.Storyboarding.WindowsApps" StencilVersion="0.1"/>
-</Control>
-</file>
-
-<file path=customXml/item11.xml><?xml version="1.0" encoding="utf-8"?>
+<file path=customXml/item130.xml><?xml version="1.0" encoding="utf-8"?>
 <Control xmlns="http://schemas.microsoft.com/VisualStudio/2011/storyboarding/control">
   <Id Name="System.Storyboarding.Icons.Star" Revision="1" Stencil="System.Storyboarding.Icons" StencilVersion="0.1"/>
 </Control>
 </file>
 
-<file path=customXml/item110.xml><?xml version="1.0" encoding="utf-8"?>
-<Control xmlns="http://schemas.microsoft.com/VisualStudio/2011/storyboarding/control">
-  <Id Name="System.Storyboarding.WindowsApps.WindowsAppsTileWideSmall" Revision="1" Stencil="System.Storyboarding.WindowsApps" StencilVersion="0.1"/>
-</Control>
-</file>
-
-<file path=customXml/item111.xml><?xml version="1.0" encoding="utf-8"?>
-<Control xmlns="http://schemas.microsoft.com/VisualStudio/2011/storyboarding/control">
-  <Id Name="System.Storyboarding.WindowsApps.WindowsAppsContextMenu" Revision="1" Stencil="System.Storyboarding.WindowsApps" StencilVersion="0.1"/>
-</Control>
-</file>
-
-<file path=customXml/item112.xml><?xml version="1.0" encoding="utf-8"?>
-<Control xmlns="http://schemas.microsoft.com/VisualStudio/2011/storyboarding/control">
-  <Id Name="System.Storyboarding.Backgrounds.DesktopTaskbar" Revision="1" Stencil="System.Storyboarding.Backgrounds" StencilVersion="0.1"/>
-</Control>
-</file>
-
-<file path=customXml/item113.xml><?xml version="1.0" encoding="utf-8"?>
-<Control xmlns="http://schemas.microsoft.com/VisualStudio/2011/storyboarding/control">
-  <Id Name="System.Storyboarding.Common.Text" Revision="1" Stencil="System.Storyboarding.Common" StencilVersion="0.1"/>
-</Control>
-</file>
-
-<file path=customXml/item114.xml><?xml version="1.0" encoding="utf-8"?>
-<Control xmlns="http://schemas.microsoft.com/VisualStudio/2011/storyboarding/control">
-  <Id Name="System.Storyboarding.Common.Text" Revision="1" Stencil="System.Storyboarding.Common" StencilVersion="0.1"/>
-</Control>
-</file>
-
-<file path=customXml/item115.xml><?xml version="1.0" encoding="utf-8"?>
-<Control xmlns="http://schemas.microsoft.com/VisualStudio/2011/storyboarding/control">
-  <Id Name="System.Storyboarding.WindowsApps.WindowsAppsTileMedium" Revision="1" Stencil="System.Storyboarding.WindowsApps" StencilVersion="0.1"/>
-</Control>
-</file>
-
-<file path=customXml/item116.xml><?xml version="1.0" encoding="utf-8"?>
+<file path=customXml/item131.xml><?xml version="1.0" encoding="utf-8"?>
 <Control xmlns="http://schemas.microsoft.com/VisualStudio/2011/storyboarding/control">
   <Id Name="System.Storyboarding.Icons.Star" Revision="1" Stencil="System.Storyboarding.Icons" StencilVersion="0.1"/>
 </Control>
 </file>
 
-<file path=customXml/item117.xml><?xml version="1.0" encoding="utf-8"?>
+<file path=customXml/item132.xml><?xml version="1.0" encoding="utf-8"?>
 <Control xmlns="http://schemas.microsoft.com/VisualStudio/2011/storyboarding/control">
   <Id Name="System.Storyboarding.Icons.Star" Revision="1" Stencil="System.Storyboarding.Icons" StencilVersion="0.1"/>
-</Control>
-</file>
-
-<file path=customXml/item118.xml><?xml version="1.0" encoding="utf-8"?>
-<Control xmlns="http://schemas.microsoft.com/VisualStudio/2011/storyboarding/control">
-  <Id Name="System.Storyboarding.Common.TextInput" Revision="1" Stencil="System.Storyboarding.Common" StencilVersion="0.1"/>
-</Control>
-</file>
-
-<file path=customXml/item119.xml><?xml version="1.0" encoding="utf-8"?>
-<Control xmlns="http://schemas.microsoft.com/VisualStudio/2011/storyboarding/control">
-  <Id Name="System.Storyboarding.Common.Text" Revision="1" Stencil="System.Storyboarding.Common" StencilVersion="0.1"/>
-</Control>
-</file>
-
-<file path=customXml/item12.xml><?xml version="1.0" encoding="utf-8"?>
-<Control xmlns="http://schemas.microsoft.com/VisualStudio/2011/storyboarding/control">
-  <Id Name="System.Storyboarding.Common.Text" Revision="1" Stencil="System.Storyboarding.Common" StencilVersion="0.1"/>
-</Control>
-</file>
-
-<file path=customXml/item120.xml><?xml version="1.0" encoding="utf-8"?>
-<Control xmlns="http://schemas.microsoft.com/VisualStudio/2011/storyboarding/control">
-  <Id Name="32035d07-bc66-4a79-8001-2507012193e3" RevisionId="7f6cc906-8fab-4878-8f41-90bcdc4e860e" Stencil="172d6d98-e5c9-42e9-a209-79f7a94bbd38" StencilRevisionId="00000000-0000-0000-0000-000000000000" StencilVersion="0.0"/>
-</Control>
-</file>
-
-<file path=customXml/item121.xml><?xml version="1.0" encoding="utf-8"?>
-<Control xmlns="http://schemas.microsoft.com/VisualStudio/2011/storyboarding/control">
-  <Id Name="System.Storyboarding.Icons.Star" Revision="1" Stencil="System.Storyboarding.Icons" StencilVersion="0.1"/>
-</Control>
-</file>
-
-<file path=customXml/item122.xml><?xml version="1.0" encoding="utf-8"?>
-<Control xmlns="http://schemas.microsoft.com/VisualStudio/2011/storyboarding/control">
-  <Id Name="System.Storyboarding.Common.TextInput" Revision="1" Stencil="System.Storyboarding.Common" StencilVersion="0.1"/>
-</Control>
-</file>
-
-<file path=customXml/item123.xml><?xml version="1.0" encoding="utf-8"?>
-<Control xmlns="http://schemas.microsoft.com/VisualStudio/2011/storyboarding/control">
-  <Id Name="System.Storyboarding.Common.Text" Revision="1" Stencil="System.Storyboarding.Common" StencilVersion="0.1"/>
-</Control>
-</file>
-
-<file path=customXml/item124.xml><?xml version="1.0" encoding="utf-8"?>
-<Control xmlns="http://schemas.microsoft.com/VisualStudio/2011/storyboarding/control">
-  <Id Name="System.Storyboarding.WindowsAppIcons.Check" Revision="1" Stencil="System.Storyboarding.WindowsAppIcons" StencilVersion="0.1"/>
-</Control>
-</file>
-
-<file path=customXml/item125.xml><?xml version="1.0" encoding="utf-8"?>
-<Control xmlns="http://schemas.microsoft.com/VisualStudio/2011/storyboarding/control">
-  <Id Name="System.Storyboarding.WindowsAppIcons.Like" Revision="1" Stencil="System.Storyboarding.WindowsAppIcons" StencilVersion="0.1"/>
-</Control>
-</file>
-
-<file path=customXml/item126.xml><?xml version="1.0" encoding="utf-8"?>
-<Control xmlns="http://schemas.microsoft.com/VisualStudio/2011/storyboarding/control">
-  <Id Name="System.Storyboarding.Common.Text" Revision="1" Stencil="System.Storyboarding.Common" StencilVersion="0.1"/>
-</Control>
-</file>
-
-<file path=customXml/item127.xml><?xml version="1.0" encoding="utf-8"?>
-<Control xmlns="http://schemas.microsoft.com/VisualStudio/2011/storyboarding/control">
-  <Id Name="System.Storyboarding.Common.CheckBoxUnchecked" Revision="1" Stencil="System.Storyboarding.Common" StencilVersion="0.1"/>
-</Control>
-</file>
-
-<file path=customXml/item128.xml><?xml version="1.0" encoding="utf-8"?>
-<Control xmlns="http://schemas.microsoft.com/VisualStudio/2011/storyboarding/control">
-  <Id Name="System.Storyboarding.WindowsApps.WindowsAppsTileWideSmall" Revision="1" Stencil="System.Storyboarding.WindowsApps" StencilVersion="0.1"/>
-</Control>
-</file>
-
-<file path=customXml/item129.xml><?xml version="1.0" encoding="utf-8"?>
-<Control xmlns="http://schemas.microsoft.com/VisualStudio/2011/storyboarding/control">
-  <Id Name="System.Storyboarding.Common.RadioButtonSelected" Revision="1" Stencil="System.Storyboarding.Common" StencilVersion="0.1"/>
-</Control>
-</file>
-
-<file path=customXml/item13.xml><?xml version="1.0" encoding="utf-8"?>
-<Control xmlns="http://schemas.microsoft.com/VisualStudio/2011/storyboarding/control">
-  <Id Name="System.Storyboarding.Icons.Star" Revision="1" Stencil="System.Storyboarding.Icons" StencilVersion="0.1"/>
-</Control>
-</file>
-
-<file path=customXml/item130.xml><?xml version="1.0" encoding="utf-8"?>
-<Control xmlns="http://schemas.microsoft.com/VisualStudio/2011/storyboarding/control">
-  <Id Name="System.Storyboarding.WindowsApps.WindowsAppsButton" Revision="1" Stencil="System.Storyboarding.WindowsApps" StencilVersion="0.1"/>
-</Control>
-</file>
-
-<file path=customXml/item131.xml><?xml version="1.0" encoding="utf-8"?>
-<Control xmlns="http://schemas.microsoft.com/VisualStudio/2011/storyboarding/control">
-  <Id Name="System.Storyboarding.Common.TextInput" Revision="1" Stencil="System.Storyboarding.Common" StencilVersion="0.1"/>
-</Control>
-</file>
-
-<file path=customXml/item132.xml><?xml version="1.0" encoding="utf-8"?>
-<Control xmlns="http://schemas.microsoft.com/VisualStudio/2011/storyboarding/control">
-  <Id Name="System.Storyboarding.Common.TextInput" Revision="1" Stencil="System.Storyboarding.Common" StencilVersion="0.1"/>
 </Control>
 </file>
 
@@ -16232,181 +16194,181 @@
 
 <file path=customXml/item134.xml><?xml version="1.0" encoding="utf-8"?>
 <Control xmlns="http://schemas.microsoft.com/VisualStudio/2011/storyboarding/control">
-  <Id Name="System.Storyboarding.Common.ScrollbarVertical" Revision="1" Stencil="System.Storyboarding.Common" StencilVersion="0.1"/>
+  <Id Name="System.Storyboarding.Common.Hyperlink" Revision="1" Stencil="System.Storyboarding.Common" StencilVersion="0.1"/>
 </Control>
 </file>
 
 <file path=customXml/item135.xml><?xml version="1.0" encoding="utf-8"?>
+<Control xmlns="http://schemas.microsoft.com/VisualStudio/2011/storyboarding/control">
+  <Id Name="System.Storyboarding.Common.DataGrid" Revision="1" Stencil="System.Storyboarding.Common" StencilVersion="0.1"/>
+</Control>
+</file>
+
+<file path=customXml/item136.xml><?xml version="1.0" encoding="utf-8"?>
+<Control xmlns="http://schemas.microsoft.com/VisualStudio/2011/storyboarding/control">
+  <Id Name="System.Storyboarding.Common.Text" Revision="1" Stencil="System.Storyboarding.Common" StencilVersion="0.1"/>
+</Control>
+</file>
+
+<file path=customXml/item137.xml><?xml version="1.0" encoding="utf-8"?>
+<Control xmlns="http://schemas.microsoft.com/VisualStudio/2011/storyboarding/control">
+  <Id Name="System.Storyboarding.Media.PieChart" Revision="1" Stencil="System.Storyboarding.Media" StencilVersion="0.1"/>
+</Control>
+</file>
+
+<file path=customXml/item138.xml><?xml version="1.0" encoding="utf-8"?>
+<Control xmlns="http://schemas.microsoft.com/VisualStudio/2011/storyboarding/control">
+  <Id Name="System.Storyboarding.WindowsApps.WindowsAppsTileMedium" Revision="1" Stencil="System.Storyboarding.WindowsApps" StencilVersion="0.1"/>
+</Control>
+</file>
+
+<file path=customXml/item139.xml><?xml version="1.0" encoding="utf-8"?>
+<Control xmlns="http://schemas.microsoft.com/VisualStudio/2011/storyboarding/control">
+  <Id Name="System.Storyboarding.Icons.Star" Revision="1" Stencil="System.Storyboarding.Icons" StencilVersion="0.1"/>
+</Control>
+</file>
+
+<file path=customXml/item14.xml><?xml version="1.0" encoding="utf-8"?>
+<Control xmlns="http://schemas.microsoft.com/VisualStudio/2011/storyboarding/control">
+  <Id Name="System.Storyboarding.Backgrounds.WebBrowser" Revision="1" Stencil="System.Storyboarding.Backgrounds" StencilVersion="0.1"/>
+</Control>
+</file>
+
+<file path=customXml/item140.xml><?xml version="1.0" encoding="utf-8"?>
+<Control xmlns="http://schemas.microsoft.com/VisualStudio/2011/storyboarding/control">
+  <Id Name="System.Storyboarding.Common.Text" Revision="1" Stencil="System.Storyboarding.Common" StencilVersion="0.1"/>
+</Control>
+</file>
+
+<file path=customXml/item141.xml><?xml version="1.0" encoding="utf-8"?>
 <Control xmlns="http://schemas.microsoft.com/VisualStudio/2011/storyboarding/control">
   <Id Name="System.Storyboarding.Common.Button" Revision="1" Stencil="System.Storyboarding.Common" StencilVersion="0.1"/>
 </Control>
 </file>
 
-<file path=customXml/item136.xml><?xml version="1.0" encoding="utf-8"?>
+<file path=customXml/item142.xml><?xml version="1.0" encoding="utf-8"?>
+<Control xmlns="http://schemas.microsoft.com/VisualStudio/2011/storyboarding/control">
+  <Id Name="System.Storyboarding.Common.Text" Revision="1" Stencil="System.Storyboarding.Common" StencilVersion="0.1"/>
+</Control>
+</file>
+
+<file path=customXml/item143.xml><?xml version="1.0" encoding="utf-8"?>
+<Control xmlns="http://schemas.microsoft.com/VisualStudio/2011/storyboarding/control">
+  <Id Name="System.Storyboarding.Common.Text" Revision="1" Stencil="System.Storyboarding.Common" StencilVersion="0.1"/>
+</Control>
+</file>
+
+<file path=customXml/item144.xml><?xml version="1.0" encoding="utf-8"?>
+<Control xmlns="http://schemas.microsoft.com/VisualStudio/2011/storyboarding/control">
+  <Id Name="System.Storyboarding.Common.ScrollbarVertical" Revision="1" Stencil="System.Storyboarding.Common" StencilVersion="0.1"/>
+</Control>
+</file>
+
+<file path=customXml/item145.xml><?xml version="1.0" encoding="utf-8"?>
+<Control xmlns="http://schemas.microsoft.com/VisualStudio/2011/storyboarding/control">
+  <Id Name="System.Storyboarding.Common.Text" Revision="1" Stencil="System.Storyboarding.Common" StencilVersion="0.1"/>
+</Control>
+</file>
+
+<file path=customXml/item146.xml><?xml version="1.0" encoding="utf-8"?>
+<Control xmlns="http://schemas.microsoft.com/VisualStudio/2011/storyboarding/control">
+  <Id Name="System.Storyboarding.Common.CheckBoxUnchecked" Revision="1" Stencil="System.Storyboarding.Common" StencilVersion="0.1"/>
+</Control>
+</file>
+
+<file path=customXml/item147.xml><?xml version="1.0" encoding="utf-8"?>
+<Control xmlns="http://schemas.microsoft.com/VisualStudio/2011/storyboarding/control">
+  <Id Name="System.Storyboarding.Common.Button" Revision="1" Stencil="System.Storyboarding.Common" StencilVersion="0.1"/>
+</Control>
+</file>
+
+<file path=customXml/item148.xml><?xml version="1.0" encoding="utf-8"?>
+<Control xmlns="http://schemas.microsoft.com/VisualStudio/2011/storyboarding/control">
+  <Id Name="System.Storyboarding.WindowsAppIcons.Copy" Revision="1" Stencil="System.Storyboarding.WindowsAppIcons" StencilVersion="0.1"/>
+</Control>
+</file>
+
+<file path=customXml/item149.xml><?xml version="1.0" encoding="utf-8"?>
+<Control xmlns="http://schemas.microsoft.com/VisualStudio/2011/storyboarding/control">
+  <Id Name="System.Storyboarding.WindowsApps.WindowsAppsTileWideSmall" Revision="1" Stencil="System.Storyboarding.WindowsApps" StencilVersion="0.1"/>
+</Control>
+</file>
+
+<file path=customXml/item15.xml><?xml version="1.0" encoding="utf-8"?>
 <Control xmlns="http://schemas.microsoft.com/VisualStudio/2011/storyboarding/control">
   <Id Name="System.Storyboarding.Icons.Star" Revision="1" Stencil="System.Storyboarding.Icons" StencilVersion="0.1"/>
 </Control>
 </file>
 
-<file path=customXml/item137.xml><?xml version="1.0" encoding="utf-8"?>
+<file path=customXml/item150.xml><?xml version="1.0" encoding="utf-8"?>
 <Control xmlns="http://schemas.microsoft.com/VisualStudio/2011/storyboarding/control">
-  <Id Name="32035d07-bc66-4a79-8001-2507012193e3" RevisionId="7f6cc906-8fab-4878-8f41-90bcdc4e860e" Stencil="172d6d98-e5c9-42e9-a209-79f7a94bbd38" StencilRevisionId="00000000-0000-0000-0000-000000000000" StencilVersion="0.0"/>
+  <Id Name="System.Storyboarding.Common.Text" Revision="1" Stencil="System.Storyboarding.Common" StencilVersion="0.1"/>
 </Control>
 </file>
 
-<file path=customXml/item138.xml><?xml version="1.0" encoding="utf-8"?>
+<file path=customXml/item151.xml><?xml version="1.0" encoding="utf-8"?>
 <Control xmlns="http://schemas.microsoft.com/VisualStudio/2011/storyboarding/control">
-  <Id Name="System.Storyboarding.WindowsAppIcons.Plus" Revision="1" Stencil="System.Storyboarding.WindowsAppIcons" StencilVersion="0.1"/>
+  <Id Name="System.Storyboarding.WindowsAppIcons.Check" Revision="1" Stencil="System.Storyboarding.WindowsAppIcons" StencilVersion="0.1"/>
 </Control>
 </file>
 
-<file path=customXml/item139.xml><?xml version="1.0" encoding="utf-8"?>
+<file path=customXml/item152.xml><?xml version="1.0" encoding="utf-8"?>
 <Control xmlns="http://schemas.microsoft.com/VisualStudio/2011/storyboarding/control">
-  <Id Name="System.Storyboarding.Backgrounds.WebBrowser" Revision="1" Stencil="System.Storyboarding.Backgrounds" StencilVersion="0.1"/>
+  <Id Name="System.Storyboarding.Common.DatePicker" Revision="1" Stencil="System.Storyboarding.Common" StencilVersion="0.1"/>
 </Control>
 </file>
 
-<file path=customXml/item14.xml><?xml version="1.0" encoding="utf-8"?>
+<file path=customXml/item153.xml><?xml version="1.0" encoding="utf-8"?>
 <Control xmlns="http://schemas.microsoft.com/VisualStudio/2011/storyboarding/control">
-  <Id Name="System.Storyboarding.WindowsApps.WindowsAppsEditBox" Revision="1" Stencil="System.Storyboarding.WindowsApps" StencilVersion="0.1"/>
+  <Id Name="System.Storyboarding.Common.DatePicker" Revision="1" Stencil="System.Storyboarding.Common" StencilVersion="0.1"/>
 </Control>
 </file>
 
-<file path=customXml/item140.xml><?xml version="1.0" encoding="utf-8"?>
+<file path=customXml/item154.xml><?xml version="1.0" encoding="utf-8"?>
 <Control xmlns="http://schemas.microsoft.com/VisualStudio/2011/storyboarding/control">
-  <Id Name="System.Storyboarding.Common.TextInput" Revision="1" Stencil="System.Storyboarding.Common" StencilVersion="0.1"/>
+  <Id Name="System.Storyboarding.Common.Button" Revision="1" Stencil="System.Storyboarding.Common" StencilVersion="0.1"/>
 </Control>
 </file>
 
-<file path=customXml/item141.xml><?xml version="1.0" encoding="utf-8"?>
+<file path=customXml/item155.xml><?xml version="1.0" encoding="utf-8"?>
+<Control xmlns="http://schemas.microsoft.com/VisualStudio/2011/storyboarding/control">
+  <Id Name="System.Storyboarding.WindowsApps.WindowsAppsTileMediumText" Revision="1" Stencil="System.Storyboarding.WindowsApps" StencilVersion="0.1"/>
+</Control>
+</file>
+
+<file path=customXml/item156.xml><?xml version="1.0" encoding="utf-8"?>
+<Control xmlns="http://schemas.microsoft.com/VisualStudio/2011/storyboarding/control">
+  <Id Name="System.Storyboarding.WindowsApps.WindowsAppsTileWideSmall" Revision="1" Stencil="System.Storyboarding.WindowsApps" StencilVersion="0.1"/>
+</Control>
+</file>
+
+<file path=customXml/item157.xml><?xml version="1.0" encoding="utf-8"?>
 <Control xmlns="http://schemas.microsoft.com/VisualStudio/2011/storyboarding/control">
   <Id Name="System.Storyboarding.Icons.Star" Revision="1" Stencil="System.Storyboarding.Icons" StencilVersion="0.1"/>
 </Control>
 </file>
 
-<file path=customXml/item142.xml><?xml version="1.0" encoding="utf-8"?>
+<file path=customXml/item158.xml><?xml version="1.0" encoding="utf-8"?>
 <Control xmlns="http://schemas.microsoft.com/VisualStudio/2011/storyboarding/control">
-  <Id Name="System.Storyboarding.WindowsApps.WindowsAppsTileWideSmall" Revision="1" Stencil="System.Storyboarding.WindowsApps" StencilVersion="0.1"/>
+  <Id Name="System.Storyboarding.Backgrounds.DesktopTaskbar" Revision="1" Stencil="System.Storyboarding.Backgrounds" StencilVersion="0.1"/>
 </Control>
 </file>
 
-<file path=customXml/item143.xml><?xml version="1.0" encoding="utf-8"?>
-<Control xmlns="http://schemas.microsoft.com/VisualStudio/2011/storyboarding/control">
-  <Id Name="System.Storyboarding.Media.Image" Revision="1" Stencil="System.Storyboarding.Media" StencilVersion="0.1"/>
-</Control>
-</file>
-
-<file path=customXml/item144.xml><?xml version="1.0" encoding="utf-8"?>
-<Control xmlns="http://schemas.microsoft.com/VisualStudio/2011/storyboarding/control">
-  <Id Name="System.Storyboarding.Media.PieChart" Revision="1" Stencil="System.Storyboarding.Media" StencilVersion="0.1"/>
-</Control>
-</file>
-
-<file path=customXml/item145.xml><?xml version="1.0" encoding="utf-8"?>
-<Control xmlns="http://schemas.microsoft.com/VisualStudio/2011/storyboarding/control">
-  <Id Name="System.Storyboarding.Common.Button" Revision="1" Stencil="System.Storyboarding.Common" StencilVersion="0.1"/>
-</Control>
-</file>
-
-<file path=customXml/item146.xml><?xml version="1.0" encoding="utf-8"?>
-<Control xmlns="http://schemas.microsoft.com/VisualStudio/2011/storyboarding/control">
-  <Id Name="System.Storyboarding.Icons.Star" Revision="1" Stencil="System.Storyboarding.Icons" StencilVersion="0.1"/>
-</Control>
-</file>
-
-<file path=customXml/item147.xml><?xml version="1.0" encoding="utf-8"?>
+<file path=customXml/item159.xml><?xml version="1.0" encoding="utf-8"?>
 <Control xmlns="http://schemas.microsoft.com/VisualStudio/2011/storyboarding/control">
   <Id Name="System.Storyboarding.Common.Text" Revision="1" Stencil="System.Storyboarding.Common" StencilVersion="0.1"/>
 </Control>
 </file>
 
-<file path=customXml/item148.xml><?xml version="1.0" encoding="utf-8"?>
-<Control xmlns="http://schemas.microsoft.com/VisualStudio/2011/storyboarding/control">
-  <Id Name="System.Storyboarding.WindowsApps.WindowsAppsContextMenu" Revision="1" Stencil="System.Storyboarding.WindowsApps" StencilVersion="0.1"/>
-</Control>
-</file>
-
-<file path=customXml/item149.xml><?xml version="1.0" encoding="utf-8"?>
-<Control xmlns="http://schemas.microsoft.com/VisualStudio/2011/storyboarding/control">
-  <Id Name="System.Storyboarding.Common.Text" Revision="1" Stencil="System.Storyboarding.Common" StencilVersion="0.1"/>
-</Control>
-</file>
-
-<file path=customXml/item15.xml><?xml version="1.0" encoding="utf-8"?>
-<Control xmlns="http://schemas.microsoft.com/VisualStudio/2011/storyboarding/control">
-  <Id Name="System.Storyboarding.Backgrounds.WebBrowser" Revision="1" Stencil="System.Storyboarding.Backgrounds" StencilVersion="0.1"/>
-</Control>
-</file>
-
-<file path=customXml/item150.xml><?xml version="1.0" encoding="utf-8"?>
+<file path=customXml/item16.xml><?xml version="1.0" encoding="utf-8"?>
 <Control xmlns="http://schemas.microsoft.com/VisualStudio/2011/storyboarding/control">
   <Id Name="System.Storyboarding.WindowsApps.WindowsAppsTileMediumSelected" Revision="1" Stencil="System.Storyboarding.WindowsApps" StencilVersion="0.1"/>
 </Control>
 </file>
 
-<file path=customXml/item151.xml><?xml version="1.0" encoding="utf-8"?>
-<Control xmlns="http://schemas.microsoft.com/VisualStudio/2011/storyboarding/control">
-  <Id Name="System.Storyboarding.Media.PieChart" Revision="1" Stencil="System.Storyboarding.Media" StencilVersion="0.1"/>
-</Control>
-</file>
-
-<file path=customXml/item152.xml><?xml version="1.0" encoding="utf-8"?>
-<Control xmlns="http://schemas.microsoft.com/VisualStudio/2011/storyboarding/control">
-  <Id Name="System.Storyboarding.Common.Hyperlink" Revision="1" Stencil="System.Storyboarding.Common" StencilVersion="0.1"/>
-</Control>
-</file>
-
-<file path=customXml/item153.xml><?xml version="1.0" encoding="utf-8"?>
-<Control xmlns="http://schemas.microsoft.com/VisualStudio/2011/storyboarding/control">
-  <Id Name="System.Storyboarding.Common.TextInput" Revision="1" Stencil="System.Storyboarding.Common" StencilVersion="0.1"/>
-</Control>
-</file>
-
-<file path=customXml/item154.xml><?xml version="1.0" encoding="utf-8"?>
-<Control xmlns="http://schemas.microsoft.com/VisualStudio/2011/storyboarding/control">
-  <Id Name="System.Storyboarding.Icons.Star" Revision="1" Stencil="System.Storyboarding.Icons" StencilVersion="0.1"/>
-</Control>
-</file>
-
-<file path=customXml/item155.xml><?xml version="1.0" encoding="utf-8"?>
-<Control xmlns="http://schemas.microsoft.com/VisualStudio/2011/storyboarding/control">
-  <Id Name="System.Storyboarding.Common.CheckBoxUnchecked" Revision="1" Stencil="System.Storyboarding.Common" StencilVersion="0.1"/>
-</Control>
-</file>
-
-<file path=customXml/item156.xml><?xml version="1.0" encoding="utf-8"?>
+<file path=customXml/item160.xml><?xml version="1.0" encoding="utf-8"?>
 <Control xmlns="http://schemas.microsoft.com/VisualStudio/2011/storyboarding/control">
   <Id Name="System.Storyboarding.WindowsApps.WindowsAppsTileMedium" Revision="1" Stencil="System.Storyboarding.WindowsApps" StencilVersion="0.1"/>
-</Control>
-</file>
-
-<file path=customXml/item157.xml><?xml version="1.0" encoding="utf-8"?>
-<Control xmlns="http://schemas.microsoft.com/VisualStudio/2011/storyboarding/control">
-  <Id Name="System.Storyboarding.WindowsAppIcons.Plus" Revision="1" Stencil="System.Storyboarding.WindowsAppIcons" StencilVersion="0.1"/>
-</Control>
-</file>
-
-<file path=customXml/item158.xml><?xml version="1.0" encoding="utf-8"?>
-<Control xmlns="http://schemas.microsoft.com/VisualStudio/2011/storyboarding/control">
-  <Id Name="System.Storyboarding.WindowsApps.WindowsAppsTileWideSmall" Revision="1" Stencil="System.Storyboarding.WindowsApps" StencilVersion="0.1"/>
-</Control>
-</file>
-
-<file path=customXml/item159.xml><?xml version="1.0" encoding="utf-8"?>
-<Control xmlns="http://schemas.microsoft.com/VisualStudio/2011/storyboarding/control">
-  <Id Name="System.Storyboarding.Common.TextInput" Revision="1" Stencil="System.Storyboarding.Common" StencilVersion="0.1"/>
-</Control>
-</file>
-
-<file path=customXml/item16.xml><?xml version="1.0" encoding="utf-8"?>
-<Control xmlns="http://schemas.microsoft.com/VisualStudio/2011/storyboarding/control">
-  <Id Name="System.Storyboarding.Icons.Star" Revision="1" Stencil="System.Storyboarding.Icons" StencilVersion="0.1"/>
-</Control>
-</file>
-
-<file path=customXml/item160.xml><?xml version="1.0" encoding="utf-8"?>
-<Control xmlns="http://schemas.microsoft.com/VisualStudio/2011/storyboarding/control">
-  <Id Name="System.Storyboarding.Common.CheckBoxUnchecked" Revision="1" Stencil="System.Storyboarding.Common" StencilVersion="0.1"/>
 </Control>
 </file>
 
@@ -16418,61 +16380,61 @@
 
 <file path=customXml/item162.xml><?xml version="1.0" encoding="utf-8"?>
 <Control xmlns="http://schemas.microsoft.com/VisualStudio/2011/storyboarding/control">
-  <Id Name="System.Storyboarding.Common.Text" Revision="1" Stencil="System.Storyboarding.Common" StencilVersion="0.1"/>
+  <Id Name="System.Storyboarding.Common.Button" Revision="1" Stencil="System.Storyboarding.Common" StencilVersion="0.1"/>
 </Control>
 </file>
 
 <file path=customXml/item163.xml><?xml version="1.0" encoding="utf-8"?>
+<Control xmlns="http://schemas.microsoft.com/VisualStudio/2011/storyboarding/control">
+  <Id Name="System.Storyboarding.WindowsApps.WindowsAppsTileMedium" Revision="1" Stencil="System.Storyboarding.WindowsApps" StencilVersion="0.1"/>
+</Control>
+</file>
+
+<file path=customXml/item164.xml><?xml version="1.0" encoding="utf-8"?>
 <Control xmlns="http://schemas.microsoft.com/VisualStudio/2011/storyboarding/control">
   <Id Name="System.Storyboarding.Icons.Star" Revision="1" Stencil="System.Storyboarding.Icons" StencilVersion="0.1"/>
 </Control>
 </file>
 
-<file path=customXml/item164.xml><?xml version="1.0" encoding="utf-8"?>
-<Control xmlns="http://schemas.microsoft.com/VisualStudio/2011/storyboarding/control">
-  <Id Name="System.Storyboarding.Common.Button" Revision="1" Stencil="System.Storyboarding.Common" StencilVersion="0.1"/>
-</Control>
-</file>
-
 <file path=customXml/item165.xml><?xml version="1.0" encoding="utf-8"?>
-<Control xmlns="http://schemas.microsoft.com/VisualStudio/2011/storyboarding/control">
-  <Id Name="System.Storyboarding.Icons.Star" Revision="1" Stencil="System.Storyboarding.Icons" StencilVersion="0.1"/>
-</Control>
-</file>
-
-<file path=customXml/item166.xml><?xml version="1.0" encoding="utf-8"?>
-<Control xmlns="http://schemas.microsoft.com/VisualStudio/2011/storyboarding/control">
-  <Id Name="System.Storyboarding.WindowsApps.WindowsAppsTileMediumText" Revision="1" Stencil="System.Storyboarding.WindowsApps" StencilVersion="0.1"/>
-</Control>
-</file>
-
-<file path=customXml/item167.xml><?xml version="1.0" encoding="utf-8"?>
-<Control xmlns="http://schemas.microsoft.com/VisualStudio/2011/storyboarding/control">
-  <Id Name="System.Storyboarding.Icons.Star" Revision="1" Stencil="System.Storyboarding.Icons" StencilVersion="0.1"/>
-</Control>
-</file>
-
-<file path=customXml/item168.xml><?xml version="1.0" encoding="utf-8"?>
 <Control xmlns="http://schemas.microsoft.com/VisualStudio/2011/storyboarding/control">
   <Id Name="System.Storyboarding.Common.Text" Revision="1" Stencil="System.Storyboarding.Common" StencilVersion="0.1"/>
 </Control>
 </file>
 
+<file path=customXml/item166.xml><?xml version="1.0" encoding="utf-8"?>
+<Control xmlns="http://schemas.microsoft.com/VisualStudio/2011/storyboarding/control">
+  <Id Name="System.Storyboarding.Common.Text" Revision="1" Stencil="System.Storyboarding.Common" StencilVersion="0.1"/>
+</Control>
+</file>
+
+<file path=customXml/item167.xml><?xml version="1.0" encoding="utf-8"?>
+<Control xmlns="http://schemas.microsoft.com/VisualStudio/2011/storyboarding/control">
+  <Id Name="System.Storyboarding.Common.CheckBoxUnchecked" Revision="1" Stencil="System.Storyboarding.Common" StencilVersion="0.1"/>
+</Control>
+</file>
+
+<file path=customXml/item168.xml><?xml version="1.0" encoding="utf-8"?>
+<Control xmlns="http://schemas.microsoft.com/VisualStudio/2011/storyboarding/control">
+  <Id Name="System.Storyboarding.Media.HorizontalBarChart" Revision="1" Stencil="System.Storyboarding.Media" StencilVersion="0.1"/>
+</Control>
+</file>
+
 <file path=customXml/item169.xml><?xml version="1.0" encoding="utf-8"?>
 <Control xmlns="http://schemas.microsoft.com/VisualStudio/2011/storyboarding/control">
-  <Id Name="System.Storyboarding.Common.TextInput" Revision="1" Stencil="System.Storyboarding.Common" StencilVersion="0.1"/>
+  <Id Name="System.Storyboarding.WindowsAppIcons.Plus" Revision="1" Stencil="System.Storyboarding.WindowsAppIcons" StencilVersion="0.1"/>
 </Control>
 </file>
 
 <file path=customXml/item17.xml><?xml version="1.0" encoding="utf-8"?>
 <Control xmlns="http://schemas.microsoft.com/VisualStudio/2011/storyboarding/control">
-  <Id Name="System.Storyboarding.Common.Button" Revision="1" Stencil="System.Storyboarding.Common" StencilVersion="0.1"/>
+  <Id Name="System.Storyboarding.Common.CheckBoxUnchecked" Revision="1" Stencil="System.Storyboarding.Common" StencilVersion="0.1"/>
 </Control>
 </file>
 
 <file path=customXml/item170.xml><?xml version="1.0" encoding="utf-8"?>
 <Control xmlns="http://schemas.microsoft.com/VisualStudio/2011/storyboarding/control">
-  <Id Name="System.Storyboarding.Common.CheckBoxUnchecked" Revision="1" Stencil="System.Storyboarding.Common" StencilVersion="0.1"/>
+  <Id Name="System.Storyboarding.Common.TextInput" Revision="1" Stencil="System.Storyboarding.Common" StencilVersion="0.1"/>
 </Control>
 </file>
 
@@ -16484,7 +16446,7 @@
 
 <file path=customXml/item172.xml><?xml version="1.0" encoding="utf-8"?>
 <Control xmlns="http://schemas.microsoft.com/VisualStudio/2011/storyboarding/control">
-  <Id Name="System.Storyboarding.Common.CheckBoxUnchecked" Revision="1" Stencil="System.Storyboarding.Common" StencilVersion="0.1"/>
+  <Id Name="System.Storyboarding.WindowsApps.WindowsAppsTileWideSmall" Revision="1" Stencil="System.Storyboarding.WindowsApps" StencilVersion="0.1"/>
 </Control>
 </file>
 
@@ -16496,13 +16458,13 @@
 
 <file path=customXml/item19.xml><?xml version="1.0" encoding="utf-8"?>
 <Control xmlns="http://schemas.microsoft.com/VisualStudio/2011/storyboarding/control">
-  <Id Name="System.Storyboarding.Backgrounds.DesktopTaskbar" Revision="1" Stencil="System.Storyboarding.Backgrounds" StencilVersion="0.1"/>
+  <Id Name="System.Storyboarding.WindowsApps.WindowsAppsTileWideSmall" Revision="1" Stencil="System.Storyboarding.WindowsApps" StencilVersion="0.1"/>
 </Control>
 </file>
 
 <file path=customXml/item2.xml><?xml version="1.0" encoding="utf-8"?>
 <Control xmlns="http://schemas.microsoft.com/VisualStudio/2011/storyboarding/control">
-  <Id Name="System.Storyboarding.Common.RadioButtonUnselected" Revision="1" Stencil="System.Storyboarding.Common" StencilVersion="0.1"/>
+  <Id Name="System.Storyboarding.WindowsAppIcons.Heart" Revision="1" Stencil="System.Storyboarding.WindowsAppIcons" StencilVersion="0.1"/>
 </Control>
 </file>
 
@@ -16514,121 +16476,121 @@
 
 <file path=customXml/item21.xml><?xml version="1.0" encoding="utf-8"?>
 <Control xmlns="http://schemas.microsoft.com/VisualStudio/2011/storyboarding/control">
+  <Id Name="System.Storyboarding.Common.RadioButtonSelected" Revision="1" Stencil="System.Storyboarding.Common" StencilVersion="0.1"/>
+</Control>
+</file>
+
+<file path=customXml/item22.xml><?xml version="1.0" encoding="utf-8"?>
+<Control xmlns="http://schemas.microsoft.com/VisualStudio/2011/storyboarding/control">
+  <Id Name="System.Storyboarding.Backgrounds.DesktopTaskbar" Revision="1" Stencil="System.Storyboarding.Backgrounds" StencilVersion="0.1"/>
+</Control>
+</file>
+
+<file path=customXml/item23.xml><?xml version="1.0" encoding="utf-8"?>
+<Control xmlns="http://schemas.microsoft.com/VisualStudio/2011/storyboarding/control">
   <Id Name="System.Storyboarding.Common.Text" Revision="1" Stencil="System.Storyboarding.Common" StencilVersion="0.1"/>
 </Control>
 </file>
 
-<file path=customXml/item22.xml><?xml version="1.0" encoding="utf-8"?>
+<file path=customXml/item24.xml><?xml version="1.0" encoding="utf-8"?>
+<Control xmlns="http://schemas.microsoft.com/VisualStudio/2011/storyboarding/control">
+  <Id Name="System.Storyboarding.Media.VerticalBarChart" Revision="1" Stencil="System.Storyboarding.Media" StencilVersion="0.1"/>
+</Control>
+</file>
+
+<file path=customXml/item25.xml><?xml version="1.0" encoding="utf-8"?>
+<Control xmlns="http://schemas.microsoft.com/VisualStudio/2011/storyboarding/control">
+  <Id Name="System.Storyboarding.Common.TextInput" Revision="1" Stencil="System.Storyboarding.Common" StencilVersion="0.1"/>
+</Control>
+</file>
+
+<file path=customXml/item26.xml><?xml version="1.0" encoding="utf-8"?>
+<Control xmlns="http://schemas.microsoft.com/VisualStudio/2011/storyboarding/control">
+  <Id Name="System.Storyboarding.Common.TextInput" Revision="1" Stencil="System.Storyboarding.Common" StencilVersion="0.1"/>
+</Control>
+</file>
+
+<file path=customXml/item27.xml><?xml version="1.0" encoding="utf-8"?>
+<Control xmlns="http://schemas.microsoft.com/VisualStudio/2011/storyboarding/control">
+  <Id Name="System.Storyboarding.WindowsApps.WindowsAppsTileWideSmall" Revision="1" Stencil="System.Storyboarding.WindowsApps" StencilVersion="0.1"/>
+</Control>
+</file>
+
+<file path=customXml/item28.xml><?xml version="1.0" encoding="utf-8"?>
+<Control xmlns="http://schemas.microsoft.com/VisualStudio/2011/storyboarding/control">
+  <Id Name="System.Storyboarding.Common.TextInput" Revision="1" Stencil="System.Storyboarding.Common" StencilVersion="0.1"/>
+</Control>
+</file>
+
+<file path=customXml/item29.xml><?xml version="1.0" encoding="utf-8"?>
+<Control xmlns="http://schemas.microsoft.com/VisualStudio/2011/storyboarding/control">
+  <Id Name="System.Storyboarding.Common.Text" Revision="1" Stencil="System.Storyboarding.Common" StencilVersion="0.1"/>
+</Control>
+</file>
+
+<file path=customXml/item3.xml><?xml version="1.0" encoding="utf-8"?>
+<Control xmlns="http://schemas.microsoft.com/VisualStudio/2011/storyboarding/control">
+  <Id Name="System.Storyboarding.Common.DataGrid" Revision="1" Stencil="System.Storyboarding.Common" StencilVersion="0.1"/>
+</Control>
+</file>
+
+<file path=customXml/item30.xml><?xml version="1.0" encoding="utf-8"?>
+<Control xmlns="http://schemas.microsoft.com/VisualStudio/2011/storyboarding/control">
+  <Id Name="System.Storyboarding.Media.Image" Revision="1" Stencil="System.Storyboarding.Media" StencilVersion="0.1"/>
+</Control>
+</file>
+
+<file path=customXml/item31.xml><?xml version="1.0" encoding="utf-8"?>
+<Control xmlns="http://schemas.microsoft.com/VisualStudio/2011/storyboarding/control">
+  <Id Name="91f9215f-48a3-4bce-9856-a1c79d18b395" RevisionId="54383394-c8b8-40b0-9c4b-42c6089a8ac7" Stencil="172d6d98-e5c9-42e9-a209-79f7a94bbd38" StencilRevisionId="00000000-0000-0000-0000-000000000000" StencilVersion="0.0"/>
+</Control>
+</file>
+
+<file path=customXml/item32.xml><?xml version="1.0" encoding="utf-8"?>
+<Control xmlns="http://schemas.microsoft.com/VisualStudio/2011/storyboarding/control">
+  <Id Name="System.Storyboarding.WindowsApps.WindowsAppsTileMedium" Revision="1" Stencil="System.Storyboarding.WindowsApps" StencilVersion="0.1"/>
+</Control>
+</file>
+
+<file path=customXml/item33.xml><?xml version="1.0" encoding="utf-8"?>
+<Control xmlns="http://schemas.microsoft.com/VisualStudio/2011/storyboarding/control">
+  <Id Name="System.Storyboarding.WindowsApps.WindowsAppsButton" Revision="1" Stencil="System.Storyboarding.WindowsApps" StencilVersion="0.1"/>
+</Control>
+</file>
+
+<file path=customXml/item34.xml><?xml version="1.0" encoding="utf-8"?>
+<Control xmlns="http://schemas.microsoft.com/VisualStudio/2011/storyboarding/control">
+  <Id Name="System.Storyboarding.Media.PieChart" Revision="1" Stencil="System.Storyboarding.Media" StencilVersion="0.1"/>
+</Control>
+</file>
+
+<file path=customXml/item35.xml><?xml version="1.0" encoding="utf-8"?>
+<Control xmlns="http://schemas.microsoft.com/VisualStudio/2011/storyboarding/control">
+  <Id Name="System.Storyboarding.Common.CheckBoxUnchecked" Revision="1" Stencil="System.Storyboarding.Common" StencilVersion="0.1"/>
+</Control>
+</file>
+
+<file path=customXml/item36.xml><?xml version="1.0" encoding="utf-8"?>
 <Control xmlns="http://schemas.microsoft.com/VisualStudio/2011/storyboarding/control">
   <Id Name="System.Storyboarding.Icons.Star" Revision="1" Stencil="System.Storyboarding.Icons" StencilVersion="0.1"/>
 </Control>
 </file>
 
-<file path=customXml/item23.xml><?xml version="1.0" encoding="utf-8"?>
-<Control xmlns="http://schemas.microsoft.com/VisualStudio/2011/storyboarding/control">
-  <Id Name="System.Storyboarding.Common.TextInput" Revision="1" Stencil="System.Storyboarding.Common" StencilVersion="0.1"/>
-</Control>
-</file>
-
-<file path=customXml/item24.xml><?xml version="1.0" encoding="utf-8"?>
-<Control xmlns="http://schemas.microsoft.com/VisualStudio/2011/storyboarding/control">
-  <Id Name="System.Storyboarding.WindowsPhone.PageTitle" Revision="1" Stencil="System.Storyboarding.WindowsPhone" StencilVersion="0.1"/>
-</Control>
-</file>
-
-<file path=customXml/item25.xml><?xml version="1.0" encoding="utf-8"?>
+<file path=customXml/item37.xml><?xml version="1.0" encoding="utf-8"?>
 <Control xmlns="http://schemas.microsoft.com/VisualStudio/2011/storyboarding/control">
   <Id Name="System.Storyboarding.Common.Text" Revision="1" Stencil="System.Storyboarding.Common" StencilVersion="0.1"/>
 </Control>
 </file>
 
-<file path=customXml/item26.xml><?xml version="1.0" encoding="utf-8"?>
+<file path=customXml/item38.xml><?xml version="1.0" encoding="utf-8"?>
 <Control xmlns="http://schemas.microsoft.com/VisualStudio/2011/storyboarding/control">
-  <Id Name="System.Storyboarding.Icons.Copy" Revision="1" Stencil="System.Storyboarding.Icons" StencilVersion="0.1"/>
+  <Id Name="System.Storyboarding.Backgrounds.WebBrowser" Revision="1" Stencil="System.Storyboarding.Backgrounds" StencilVersion="0.1"/>
 </Control>
 </file>
 
-<file path=customXml/item27.xml><?xml version="1.0" encoding="utf-8"?>
-<Control xmlns="http://schemas.microsoft.com/VisualStudio/2011/storyboarding/control">
-  <Id Name="System.Storyboarding.Common.Text" Revision="1" Stencil="System.Storyboarding.Common" StencilVersion="0.1"/>
-</Control>
-</file>
-
-<file path=customXml/item28.xml><?xml version="1.0" encoding="utf-8"?>
-<Control xmlns="http://schemas.microsoft.com/VisualStudio/2011/storyboarding/control">
-  <Id Name="System.Storyboarding.Icons.Star" Revision="1" Stencil="System.Storyboarding.Icons" StencilVersion="0.1"/>
-</Control>
-</file>
-
-<file path=customXml/item29.xml><?xml version="1.0" encoding="utf-8"?>
-<Control xmlns="http://schemas.microsoft.com/VisualStudio/2011/storyboarding/control">
-  <Id Name="System.Storyboarding.WindowsApps.WindowsAppsTileMedium" Revision="1" Stencil="System.Storyboarding.WindowsApps" StencilVersion="0.1"/>
-</Control>
-</file>
-
-<file path=customXml/item3.xml><?xml version="1.0" encoding="utf-8"?>
-<Control xmlns="http://schemas.microsoft.com/VisualStudio/2011/storyboarding/control">
-  <Id Name="System.Storyboarding.Common.Text" Revision="1" Stencil="System.Storyboarding.Common" StencilVersion="0.1"/>
-</Control>
-</file>
-
-<file path=customXml/item30.xml><?xml version="1.0" encoding="utf-8"?>
-<Control xmlns="http://schemas.microsoft.com/VisualStudio/2011/storyboarding/control">
-  <Id Name="System.Storyboarding.Icons.Copy" Revision="1" Stencil="System.Storyboarding.Icons" StencilVersion="0.1"/>
-</Control>
-</file>
-
-<file path=customXml/item31.xml><?xml version="1.0" encoding="utf-8"?>
-<Control xmlns="http://schemas.microsoft.com/VisualStudio/2011/storyboarding/control">
-  <Id Name="System.Storyboarding.Common.CheckBoxUnchecked" Revision="1" Stencil="System.Storyboarding.Common" StencilVersion="0.1"/>
-</Control>
-</file>
-
-<file path=customXml/item32.xml><?xml version="1.0" encoding="utf-8"?>
-<Control xmlns="http://schemas.microsoft.com/VisualStudio/2011/storyboarding/control">
-  <Id Name="System.Storyboarding.WindowsAppIcons.Heart" Revision="1" Stencil="System.Storyboarding.WindowsAppIcons" StencilVersion="0.1"/>
-</Control>
-</file>
-
-<file path=customXml/item33.xml><?xml version="1.0" encoding="utf-8"?>
+<file path=customXml/item39.xml><?xml version="1.0" encoding="utf-8"?>
 <Control xmlns="http://schemas.microsoft.com/VisualStudio/2011/storyboarding/control">
   <Id Name="System.Storyboarding.WindowsApps.WindowsAppsTileWideSmall" Revision="1" Stencil="System.Storyboarding.WindowsApps" StencilVersion="0.1"/>
-</Control>
-</file>
-
-<file path=customXml/item34.xml><?xml version="1.0" encoding="utf-8"?>
-<Control xmlns="http://schemas.microsoft.com/VisualStudio/2011/storyboarding/control">
-  <Id Name="System.Storyboarding.Common.Text" Revision="1" Stencil="System.Storyboarding.Common" StencilVersion="0.1"/>
-</Control>
-</file>
-
-<file path=customXml/item35.xml><?xml version="1.0" encoding="utf-8"?>
-<Control xmlns="http://schemas.microsoft.com/VisualStudio/2011/storyboarding/control">
-  <Id Name="System.Storyboarding.Common.TextArea" Revision="1" Stencil="System.Storyboarding.Common" StencilVersion="0.1"/>
-</Control>
-</file>
-
-<file path=customXml/item36.xml><?xml version="1.0" encoding="utf-8"?>
-<Control xmlns="http://schemas.microsoft.com/VisualStudio/2011/storyboarding/control">
-  <Id Name="System.Storyboarding.Common.Text" Revision="1" Stencil="System.Storyboarding.Common" StencilVersion="0.1"/>
-</Control>
-</file>
-
-<file path=customXml/item37.xml><?xml version="1.0" encoding="utf-8"?>
-<Control xmlns="http://schemas.microsoft.com/VisualStudio/2011/storyboarding/control">
-  <Id Name="System.Storyboarding.Icons.Star" Revision="1" Stencil="System.Storyboarding.Icons" StencilVersion="0.1"/>
-</Control>
-</file>
-
-<file path=customXml/item38.xml><?xml version="1.0" encoding="utf-8"?>
-<Control xmlns="http://schemas.microsoft.com/VisualStudio/2011/storyboarding/control">
-  <Id Name="System.Storyboarding.WindowsAppIcons.Copy" Revision="1" Stencil="System.Storyboarding.WindowsAppIcons" StencilVersion="0.1"/>
-</Control>
-</file>
-
-<file path=customXml/item39.xml><?xml version="1.0" encoding="utf-8"?>
-<Control xmlns="http://schemas.microsoft.com/VisualStudio/2011/storyboarding/control">
-  <Id Name="System.Storyboarding.Backgrounds.WebBrowser" Revision="1" Stencil="System.Storyboarding.Backgrounds" StencilVersion="0.1"/>
 </Control>
 </file>
 
@@ -16640,19 +16602,19 @@
 
 <file path=customXml/item40.xml><?xml version="1.0" encoding="utf-8"?>
 <Control xmlns="http://schemas.microsoft.com/VisualStudio/2011/storyboarding/control">
-  <Id Name="System.Storyboarding.WindowsApps.WindowsAppsTileMedium" Revision="1" Stencil="System.Storyboarding.WindowsApps" StencilVersion="0.1"/>
+  <Id Name="System.Storyboarding.Common.Text" Revision="1" Stencil="System.Storyboarding.Common" StencilVersion="0.1"/>
 </Control>
 </file>
 
 <file path=customXml/item41.xml><?xml version="1.0" encoding="utf-8"?>
 <Control xmlns="http://schemas.microsoft.com/VisualStudio/2011/storyboarding/control">
-  <Id Name="System.Storyboarding.WindowsApps.WindowsAppsMediumWideTile" Revision="1" Stencil="System.Storyboarding.WindowsApps" StencilVersion="0.1"/>
+  <Id Name="System.Storyboarding.Common.Button" Revision="1" Stencil="System.Storyboarding.Common" StencilVersion="0.1"/>
 </Control>
 </file>
 
 <file path=customXml/item42.xml><?xml version="1.0" encoding="utf-8"?>
 <Control xmlns="http://schemas.microsoft.com/VisualStudio/2011/storyboarding/control">
-  <Id Name="System.Storyboarding.Common.Text" Revision="1" Stencil="System.Storyboarding.Common" StencilVersion="0.1"/>
+  <Id Name="System.Storyboarding.Common.TextInput" Revision="1" Stencil="System.Storyboarding.Common" StencilVersion="0.1"/>
 </Control>
 </file>
 
@@ -16664,199 +16626,199 @@
 
 <file path=customXml/item44.xml><?xml version="1.0" encoding="utf-8"?>
 <Control xmlns="http://schemas.microsoft.com/VisualStudio/2011/storyboarding/control">
-  <Id Name="System.Storyboarding.Media.Image" Revision="1" Stencil="System.Storyboarding.Media" StencilVersion="0.1"/>
+  <Id Name="System.Storyboarding.Icons.Star" Revision="1" Stencil="System.Storyboarding.Icons" StencilVersion="0.1"/>
 </Control>
 </file>
 
 <file path=customXml/item45.xml><?xml version="1.0" encoding="utf-8"?>
+<Control xmlns="http://schemas.microsoft.com/VisualStudio/2011/storyboarding/control">
+  <Id Name="System.Storyboarding.Common.Text" Revision="1" Stencil="System.Storyboarding.Common" StencilVersion="0.1"/>
+</Control>
+</file>
+
+<file path=customXml/item46.xml><?xml version="1.0" encoding="utf-8"?>
+<Control xmlns="http://schemas.microsoft.com/VisualStudio/2011/storyboarding/control">
+  <Id Name="32035d07-bc66-4a79-8001-2507012193e3" RevisionId="7f6cc906-8fab-4878-8f41-90bcdc4e860e" Stencil="172d6d98-e5c9-42e9-a209-79f7a94bbd38" StencilRevisionId="00000000-0000-0000-0000-000000000000" StencilVersion="0.0"/>
+</Control>
+</file>
+
+<file path=customXml/item47.xml><?xml version="1.0" encoding="utf-8"?>
+<Control xmlns="http://schemas.microsoft.com/VisualStudio/2011/storyboarding/control">
+  <Id Name="System.Storyboarding.WindowsAppIcons.Like" Revision="1" Stencil="System.Storyboarding.WindowsAppIcons" StencilVersion="0.1"/>
+</Control>
+</file>
+
+<file path=customXml/item48.xml><?xml version="1.0" encoding="utf-8"?>
+<Control xmlns="http://schemas.microsoft.com/VisualStudio/2011/storyboarding/control">
+  <Id Name="System.Storyboarding.Icons.Star" Revision="1" Stencil="System.Storyboarding.Icons" StencilVersion="0.1"/>
+</Control>
+</file>
+
+<file path=customXml/item49.xml><?xml version="1.0" encoding="utf-8"?>
+<Control xmlns="http://schemas.microsoft.com/VisualStudio/2011/storyboarding/control">
+  <Id Name="System.Storyboarding.Icons.Star" Revision="1" Stencil="System.Storyboarding.Icons" StencilVersion="0.1"/>
+</Control>
+</file>
+
+<file path=customXml/item5.xml><?xml version="1.0" encoding="utf-8"?>
+<Control xmlns="http://schemas.microsoft.com/VisualStudio/2011/storyboarding/control">
+  <Id Name="System.Storyboarding.WindowsApps.WindowsAppsTileWideSmall" Revision="1" Stencil="System.Storyboarding.WindowsApps" StencilVersion="0.1"/>
+</Control>
+</file>
+
+<file path=customXml/item50.xml><?xml version="1.0" encoding="utf-8"?>
+<Control xmlns="http://schemas.microsoft.com/VisualStudio/2011/storyboarding/control">
+  <Id Name="System.Storyboarding.Icons.Star" Revision="1" Stencil="System.Storyboarding.Icons" StencilVersion="0.1"/>
+</Control>
+</file>
+
+<file path=customXml/item51.xml><?xml version="1.0" encoding="utf-8"?>
+<Control xmlns="http://schemas.microsoft.com/VisualStudio/2011/storyboarding/control">
+  <Id Name="System.Storyboarding.Common.MousePointer" Revision="1" Stencil="System.Storyboarding.Common" StencilVersion="0.1"/>
+</Control>
+</file>
+
+<file path=customXml/item52.xml><?xml version="1.0" encoding="utf-8"?>
+<Control xmlns="http://schemas.microsoft.com/VisualStudio/2011/storyboarding/control">
+  <Id Name="System.Storyboarding.Common.TextInput" Revision="1" Stencil="System.Storyboarding.Common" StencilVersion="0.1"/>
+</Control>
+</file>
+
+<file path=customXml/item53.xml><?xml version="1.0" encoding="utf-8"?>
+<Control xmlns="http://schemas.microsoft.com/VisualStudio/2011/storyboarding/control">
+  <Id Name="System.Storyboarding.Icons.Star" Revision="1" Stencil="System.Storyboarding.Icons" StencilVersion="0.1"/>
+</Control>
+</file>
+
+<file path=customXml/item54.xml><?xml version="1.0" encoding="utf-8"?>
+<Control xmlns="http://schemas.microsoft.com/VisualStudio/2011/storyboarding/control">
+  <Id Name="System.Storyboarding.Common.Text" Revision="1" Stencil="System.Storyboarding.Common" StencilVersion="0.1"/>
+</Control>
+</file>
+
+<file path=customXml/item55.xml><?xml version="1.0" encoding="utf-8"?>
+<Control xmlns="http://schemas.microsoft.com/VisualStudio/2011/storyboarding/control">
+  <Id Name="System.Storyboarding.Common.RadioButtonUnselected" Revision="1" Stencil="System.Storyboarding.Common" StencilVersion="0.1"/>
+</Control>
+</file>
+
+<file path=customXml/item56.xml><?xml version="1.0" encoding="utf-8"?>
+<Control xmlns="http://schemas.microsoft.com/VisualStudio/2011/storyboarding/control">
+  <Id Name="System.Storyboarding.WindowsApps.WindowsAppsTileMedium" Revision="1" Stencil="System.Storyboarding.WindowsApps" StencilVersion="0.1"/>
+</Control>
+</file>
+
+<file path=customXml/item57.xml><?xml version="1.0" encoding="utf-8"?>
+<Control xmlns="http://schemas.microsoft.com/VisualStudio/2011/storyboarding/control">
+  <Id Name="System.Storyboarding.WindowsPhone.PageTitle" Revision="1" Stencil="System.Storyboarding.WindowsPhone" StencilVersion="0.1"/>
+</Control>
+</file>
+
+<file path=customXml/item58.xml><?xml version="1.0" encoding="utf-8"?>
+<Control xmlns="http://schemas.microsoft.com/VisualStudio/2011/storyboarding/control">
+  <Id Name="System.Storyboarding.WindowsApps.WindowsAppsTileMedium" Revision="1" Stencil="System.Storyboarding.WindowsApps" StencilVersion="0.1"/>
+</Control>
+</file>
+
+<file path=customXml/item59.xml><?xml version="1.0" encoding="utf-8"?>
 <Control xmlns="http://schemas.microsoft.com/VisualStudio/2011/storyboarding/control">
   <Id Name="System.Storyboarding.Common.RadioButtonSelected" Revision="1" Stencil="System.Storyboarding.Common" StencilVersion="0.1"/>
 </Control>
 </file>
 
-<file path=customXml/item46.xml><?xml version="1.0" encoding="utf-8"?>
+<file path=customXml/item6.xml><?xml version="1.0" encoding="utf-8"?>
 <Control xmlns="http://schemas.microsoft.com/VisualStudio/2011/storyboarding/control">
-  <Id Name="System.Storyboarding.Backgrounds.WebBrowser" Revision="1" Stencil="System.Storyboarding.Backgrounds" StencilVersion="0.1"/>
+  <Id Name="System.Storyboarding.Common.Text" Revision="1" Stencil="System.Storyboarding.Common" StencilVersion="0.1"/>
 </Control>
 </file>
 
-<file path=customXml/item47.xml><?xml version="1.0" encoding="utf-8"?>
+<file path=customXml/item60.xml><?xml version="1.0" encoding="utf-8"?>
+<Control xmlns="http://schemas.microsoft.com/VisualStudio/2011/storyboarding/control">
+  <Id Name="System.Storyboarding.Common.Button" Revision="1" Stencil="System.Storyboarding.Common" StencilVersion="0.1"/>
+</Control>
+</file>
+
+<file path=customXml/item61.xml><?xml version="1.0" encoding="utf-8"?>
+<Control xmlns="http://schemas.microsoft.com/VisualStudio/2011/storyboarding/control">
+  <Id Name="System.Storyboarding.WindowsApps.WindowsAppsButton" Revision="1" Stencil="System.Storyboarding.WindowsApps" StencilVersion="0.1"/>
+</Control>
+</file>
+
+<file path=customXml/item62.xml><?xml version="1.0" encoding="utf-8"?>
+<Control xmlns="http://schemas.microsoft.com/VisualStudio/2011/storyboarding/control">
+  <Id Name="System.Storyboarding.WindowsApps.WindowsAppsTileWideSmall" Revision="1" Stencil="System.Storyboarding.WindowsApps" StencilVersion="0.1"/>
+</Control>
+</file>
+
+<file path=customXml/item63.xml><?xml version="1.0" encoding="utf-8"?>
+<Control xmlns="http://schemas.microsoft.com/VisualStudio/2011/storyboarding/control">
+  <Id Name="System.Storyboarding.WindowsApps.WindowsAppsTileMedium" Revision="1" Stencil="System.Storyboarding.WindowsApps" StencilVersion="0.1"/>
+</Control>
+</file>
+
+<file path=customXml/item64.xml><?xml version="1.0" encoding="utf-8"?>
+<Control xmlns="http://schemas.microsoft.com/VisualStudio/2011/storyboarding/control">
+  <Id Name="System.Storyboarding.Common.TextInput" Revision="1" Stencil="System.Storyboarding.Common" StencilVersion="0.1"/>
+</Control>
+</file>
+
+<file path=customXml/item65.xml><?xml version="1.0" encoding="utf-8"?>
 <Control xmlns="http://schemas.microsoft.com/VisualStudio/2011/storyboarding/control">
   <Id Name="System.Storyboarding.Icons.Star" Revision="1" Stencil="System.Storyboarding.Icons" StencilVersion="0.1"/>
 </Control>
 </file>
 
-<file path=customXml/item48.xml><?xml version="1.0" encoding="utf-8"?>
+<file path=customXml/item66.xml><?xml version="1.0" encoding="utf-8"?>
 <Control xmlns="http://schemas.microsoft.com/VisualStudio/2011/storyboarding/control">
-  <Id Name="System.Storyboarding.Common.Button" Revision="1" Stencil="System.Storyboarding.Common" StencilVersion="0.1"/>
+  <Id Name="System.Storyboarding.WindowsAppIcons.Plus" Revision="1" Stencil="System.Storyboarding.WindowsAppIcons" StencilVersion="0.1"/>
 </Control>
 </file>
 
-<file path=customXml/item49.xml><?xml version="1.0" encoding="utf-8"?>
+<file path=customXml/item67.xml><?xml version="1.0" encoding="utf-8"?>
+<Control xmlns="http://schemas.microsoft.com/VisualStudio/2011/storyboarding/control">
+  <Id Name="System.Storyboarding.Common.ScrollbarVertical" Revision="1" Stencil="System.Storyboarding.Common" StencilVersion="0.1"/>
+</Control>
+</file>
+
+<file path=customXml/item68.xml><?xml version="1.0" encoding="utf-8"?>
+<Control xmlns="http://schemas.microsoft.com/VisualStudio/2011/storyboarding/control">
+  <Id Name="System.Storyboarding.WindowsApps.WindowsAppsMediumWideTile" Revision="1" Stencil="System.Storyboarding.WindowsApps" StencilVersion="0.1"/>
+</Control>
+</file>
+
+<file path=customXml/item69.xml><?xml version="1.0" encoding="utf-8"?>
+<Control xmlns="http://schemas.microsoft.com/VisualStudio/2011/storyboarding/control">
+  <Id Name="System.Storyboarding.Common.Hyperlink" Revision="1" Stencil="System.Storyboarding.Common" StencilVersion="0.1"/>
+</Control>
+</file>
+
+<file path=customXml/item7.xml><?xml version="1.0" encoding="utf-8"?>
+<Control xmlns="http://schemas.microsoft.com/VisualStudio/2011/storyboarding/control">
+  <Id Name="System.Storyboarding.Icons.Star" Revision="1" Stencil="System.Storyboarding.Icons" StencilVersion="0.1"/>
+</Control>
+</file>
+
+<file path=customXml/item70.xml><?xml version="1.0" encoding="utf-8"?>
 <Control xmlns="http://schemas.microsoft.com/VisualStudio/2011/storyboarding/control">
   <Id Name="System.Storyboarding.Backgrounds.DesktopTaskbar" Revision="1" Stencil="System.Storyboarding.Backgrounds" StencilVersion="0.1"/>
 </Control>
 </file>
 
-<file path=customXml/item5.xml><?xml version="1.0" encoding="utf-8"?>
-<Control xmlns="http://schemas.microsoft.com/VisualStudio/2011/storyboarding/control">
-  <Id Name="System.Storyboarding.Icons.Star" Revision="1" Stencil="System.Storyboarding.Icons" StencilVersion="0.1"/>
-</Control>
-</file>
-
-<file path=customXml/item50.xml><?xml version="1.0" encoding="utf-8"?>
-<Control xmlns="http://schemas.microsoft.com/VisualStudio/2011/storyboarding/control">
-  <Id Name="System.Storyboarding.Common.Button" Revision="1" Stencil="System.Storyboarding.Common" StencilVersion="0.1"/>
-</Control>
-</file>
-
-<file path=customXml/item51.xml><?xml version="1.0" encoding="utf-8"?>
-<Control xmlns="http://schemas.microsoft.com/VisualStudio/2011/storyboarding/control">
-  <Id Name="System.Storyboarding.Common.Text" Revision="1" Stencil="System.Storyboarding.Common" StencilVersion="0.1"/>
-</Control>
-</file>
-
-<file path=customXml/item52.xml><?xml version="1.0" encoding="utf-8"?>
-<Control xmlns="http://schemas.microsoft.com/VisualStudio/2011/storyboarding/control">
-  <Id Name="System.Storyboarding.Common.CheckBoxUnchecked" Revision="1" Stencil="System.Storyboarding.Common" StencilVersion="0.1"/>
-</Control>
-</file>
-
-<file path=customXml/item53.xml><?xml version="1.0" encoding="utf-8"?>
-<Control xmlns="http://schemas.microsoft.com/VisualStudio/2011/storyboarding/control">
-  <Id Name="System.Storyboarding.Common.DataGrid" Revision="1" Stencil="System.Storyboarding.Common" StencilVersion="0.1"/>
-</Control>
-</file>
-
-<file path=customXml/item54.xml><?xml version="1.0" encoding="utf-8"?>
-<Control xmlns="http://schemas.microsoft.com/VisualStudio/2011/storyboarding/control">
-  <Id Name="System.Storyboarding.Backgrounds.DesktopTaskbar" Revision="1" Stencil="System.Storyboarding.Backgrounds" StencilVersion="0.1"/>
-</Control>
-</file>
-
-<file path=customXml/item55.xml><?xml version="1.0" encoding="utf-8"?>
-<Control xmlns="http://schemas.microsoft.com/VisualStudio/2011/storyboarding/control">
-  <Id Name="System.Storyboarding.Common.TextInput" Revision="1" Stencil="System.Storyboarding.Common" StencilVersion="0.1"/>
-</Control>
-</file>
-
-<file path=customXml/item56.xml><?xml version="1.0" encoding="utf-8"?>
-<Control xmlns="http://schemas.microsoft.com/VisualStudio/2011/storyboarding/control">
-  <Id Name="System.Storyboarding.Common.Text" Revision="1" Stencil="System.Storyboarding.Common" StencilVersion="0.1"/>
-</Control>
-</file>
-
-<file path=customXml/item57.xml><?xml version="1.0" encoding="utf-8"?>
-<Control xmlns="http://schemas.microsoft.com/VisualStudio/2011/storyboarding/control">
-  <Id Name="System.Storyboarding.Common.Text" Revision="1" Stencil="System.Storyboarding.Common" StencilVersion="0.1"/>
-</Control>
-</file>
-
-<file path=customXml/item58.xml><?xml version="1.0" encoding="utf-8"?>
-<Control xmlns="http://schemas.microsoft.com/VisualStudio/2011/storyboarding/control">
-  <Id Name="System.Storyboarding.Common.Text" Revision="1" Stencil="System.Storyboarding.Common" StencilVersion="0.1"/>
-</Control>
-</file>
-
-<file path=customXml/item59.xml><?xml version="1.0" encoding="utf-8"?>
-<Control xmlns="http://schemas.microsoft.com/VisualStudio/2011/storyboarding/control">
-  <Id Name="System.Storyboarding.WindowsApps.WindowsAppsTileWideSmall" Revision="1" Stencil="System.Storyboarding.WindowsApps" StencilVersion="0.1"/>
-</Control>
-</file>
-
-<file path=customXml/item6.xml><?xml version="1.0" encoding="utf-8"?>
-<Control xmlns="http://schemas.microsoft.com/VisualStudio/2011/storyboarding/control">
-  <Id Name="System.Storyboarding.WindowsApps.WindowsAppsTileWideSmall" Revision="1" Stencil="System.Storyboarding.WindowsApps" StencilVersion="0.1"/>
-</Control>
-</file>
-
-<file path=customXml/item60.xml><?xml version="1.0" encoding="utf-8"?>
-<Control xmlns="http://schemas.microsoft.com/VisualStudio/2011/storyboarding/control">
-  <Id Name="System.Storyboarding.WindowsApps.WindowsAppsTileMedium" Revision="1" Stencil="System.Storyboarding.WindowsApps" StencilVersion="0.1"/>
-</Control>
-</file>
-
-<file path=customXml/item61.xml><?xml version="1.0" encoding="utf-8"?>
-<Control xmlns="http://schemas.microsoft.com/VisualStudio/2011/storyboarding/control">
-  <Id Name="System.Storyboarding.Common.ScrollbarVertical" Revision="1" Stencil="System.Storyboarding.Common" StencilVersion="0.1"/>
-</Control>
-</file>
-
-<file path=customXml/item62.xml><?xml version="1.0" encoding="utf-8"?>
-<Control xmlns="http://schemas.microsoft.com/VisualStudio/2011/storyboarding/control">
-  <Id Name="System.Storyboarding.WindowsAppIcons.Check" Revision="1" Stencil="System.Storyboarding.WindowsAppIcons" StencilVersion="0.1"/>
-</Control>
-</file>
-
-<file path=customXml/item63.xml><?xml version="1.0" encoding="utf-8"?>
-<Control xmlns="http://schemas.microsoft.com/VisualStudio/2011/storyboarding/control">
-  <Id Name="System.Storyboarding.Common.CheckBoxUnchecked" Revision="1" Stencil="System.Storyboarding.Common" StencilVersion="0.1"/>
-</Control>
-</file>
-
-<file path=customXml/item64.xml><?xml version="1.0" encoding="utf-8"?>
-<Control xmlns="http://schemas.microsoft.com/VisualStudio/2011/storyboarding/control">
-  <Id Name="System.Storyboarding.Common.Button" Revision="1" Stencil="System.Storyboarding.Common" StencilVersion="0.1"/>
-</Control>
-</file>
-
-<file path=customXml/item65.xml><?xml version="1.0" encoding="utf-8"?>
-<Control xmlns="http://schemas.microsoft.com/VisualStudio/2011/storyboarding/control">
-  <Id Name="91f9215f-48a3-4bce-9856-a1c79d18b395" RevisionId="54383394-c8b8-40b0-9c4b-42c6089a8ac7" Stencil="172d6d98-e5c9-42e9-a209-79f7a94bbd38" StencilRevisionId="00000000-0000-0000-0000-000000000000" StencilVersion="0.0"/>
-</Control>
-</file>
-
-<file path=customXml/item66.xml><?xml version="1.0" encoding="utf-8"?>
-<Control xmlns="http://schemas.microsoft.com/VisualStudio/2011/storyboarding/control">
-  <Id Name="System.Storyboarding.Common.Button" Revision="1" Stencil="System.Storyboarding.Common" StencilVersion="0.1"/>
-</Control>
-</file>
-
-<file path=customXml/item67.xml><?xml version="1.0" encoding="utf-8"?>
-<Control xmlns="http://schemas.microsoft.com/VisualStudio/2011/storyboarding/control">
-  <Id Name="System.Storyboarding.WindowsAppIcons.Hyperlink" Revision="1" Stencil="System.Storyboarding.WindowsAppIcons" StencilVersion="0.1"/>
-</Control>
-</file>
-
-<file path=customXml/item68.xml><?xml version="1.0" encoding="utf-8"?>
-<Control xmlns="http://schemas.microsoft.com/VisualStudio/2011/storyboarding/control">
-  <Id Name="System.Storyboarding.Common.DatePicker" Revision="1" Stencil="System.Storyboarding.Common" StencilVersion="0.1"/>
-</Control>
-</file>
-
-<file path=customXml/item69.xml><?xml version="1.0" encoding="utf-8"?>
-<Control xmlns="http://schemas.microsoft.com/VisualStudio/2011/storyboarding/control">
-  <Id Name="System.Storyboarding.Common.Text" Revision="1" Stencil="System.Storyboarding.Common" StencilVersion="0.1"/>
-</Control>
-</file>
-
-<file path=customXml/item7.xml><?xml version="1.0" encoding="utf-8"?>
-<Control xmlns="http://schemas.microsoft.com/VisualStudio/2011/storyboarding/control">
-  <Id Name="System.Storyboarding.Common.MousePointer" Revision="1" Stencil="System.Storyboarding.Common" StencilVersion="0.1"/>
-</Control>
-</file>
-
-<file path=customXml/item70.xml><?xml version="1.0" encoding="utf-8"?>
-<Control xmlns="http://schemas.microsoft.com/VisualStudio/2011/storyboarding/control">
-  <Id Name="System.Storyboarding.Common.DatePicker" Revision="1" Stencil="System.Storyboarding.Common" StencilVersion="0.1"/>
-</Control>
-</file>
-
 <file path=customXml/item71.xml><?xml version="1.0" encoding="utf-8"?>
 <Control xmlns="http://schemas.microsoft.com/VisualStudio/2011/storyboarding/control">
-  <Id Name="System.Storyboarding.Common.TextInput" Revision="1" Stencil="System.Storyboarding.Common" StencilVersion="0.1"/>
+  <Id Name="System.Storyboarding.WindowsApps.WindowsAppsEditBox" Revision="1" Stencil="System.Storyboarding.WindowsApps" StencilVersion="0.1"/>
 </Control>
 </file>
 
 <file path=customXml/item72.xml><?xml version="1.0" encoding="utf-8"?>
 <Control xmlns="http://schemas.microsoft.com/VisualStudio/2011/storyboarding/control">
-  <Id Name="System.Storyboarding.Common.DataGrid" Revision="1" Stencil="System.Storyboarding.Common" StencilVersion="0.1"/>
+  <Id Name="System.Storyboarding.Icons.Copy" Revision="1" Stencil="System.Storyboarding.Icons" StencilVersion="0.1"/>
 </Control>
 </file>
 
 <file path=customXml/item73.xml><?xml version="1.0" encoding="utf-8"?>
 <Control xmlns="http://schemas.microsoft.com/VisualStudio/2011/storyboarding/control">
-  <Id Name="System.Storyboarding.WindowsApps.WindowsAppsTileWideSmall" Revision="1" Stencil="System.Storyboarding.WindowsApps" StencilVersion="0.1"/>
+  <Id Name="System.Storyboarding.Common.TextArea" Revision="1" Stencil="System.Storyboarding.Common" StencilVersion="0.1"/>
 </Control>
 </file>
 
@@ -16868,31 +16830,31 @@
 
 <file path=customXml/item75.xml><?xml version="1.0" encoding="utf-8"?>
 <Control xmlns="http://schemas.microsoft.com/VisualStudio/2011/storyboarding/control">
+  <Id Name="System.Storyboarding.Common.RadioButtonSelected" Revision="1" Stencil="System.Storyboarding.Common" StencilVersion="0.1"/>
+</Control>
+</file>
+
+<file path=customXml/item76.xml><?xml version="1.0" encoding="utf-8"?>
+<Control xmlns="http://schemas.microsoft.com/VisualStudio/2011/storyboarding/control">
   <Id Name="System.Storyboarding.Common.Text" Revision="1" Stencil="System.Storyboarding.Common" StencilVersion="0.1"/>
 </Control>
 </file>
 
-<file path=customXml/item76.xml><?xml version="1.0" encoding="utf-8"?>
-<Control xmlns="http://schemas.microsoft.com/VisualStudio/2011/storyboarding/control">
-  <Id Name="System.Storyboarding.Common.TextInput" Revision="1" Stencil="System.Storyboarding.Common" StencilVersion="0.1"/>
-</Control>
-</file>
-
 <file path=customXml/item77.xml><?xml version="1.0" encoding="utf-8"?>
 <Control xmlns="http://schemas.microsoft.com/VisualStudio/2011/storyboarding/control">
-  <Id Name="System.Storyboarding.Common.RadioButtonSelected" Revision="1" Stencil="System.Storyboarding.Common" StencilVersion="0.1"/>
+  <Id Name="System.Storyboarding.Icons.Lock" Revision="1" Stencil="System.Storyboarding.Icons" StencilVersion="0.1"/>
 </Control>
 </file>
 
 <file path=customXml/item78.xml><?xml version="1.0" encoding="utf-8"?>
 <Control xmlns="http://schemas.microsoft.com/VisualStudio/2011/storyboarding/control">
-  <Id Name="System.Storyboarding.Common.TextInput" Revision="1" Stencil="System.Storyboarding.Common" StencilVersion="0.1"/>
+  <Id Name="System.Storyboarding.Common.Text" Revision="1" Stencil="System.Storyboarding.Common" StencilVersion="0.1"/>
 </Control>
 </file>
 
 <file path=customXml/item79.xml><?xml version="1.0" encoding="utf-8"?>
 <Control xmlns="http://schemas.microsoft.com/VisualStudio/2011/storyboarding/control">
-  <Id Name="System.Storyboarding.Common.Hyperlink" Revision="1" Stencil="System.Storyboarding.Common" StencilVersion="0.1"/>
+  <Id Name="System.Storyboarding.Common.Text" Revision="1" Stencil="System.Storyboarding.Common" StencilVersion="0.1"/>
 </Control>
 </file>
 
@@ -16910,125 +16872,629 @@
 
 <file path=customXml/item81.xml><?xml version="1.0" encoding="utf-8"?>
 <Control xmlns="http://schemas.microsoft.com/VisualStudio/2011/storyboarding/control">
+  <Id Name="System.Storyboarding.Icons.Star" Revision="1" Stencil="System.Storyboarding.Icons" StencilVersion="0.1"/>
+</Control>
+</file>
+
+<file path=customXml/item82.xml><?xml version="1.0" encoding="utf-8"?>
+<Control xmlns="http://schemas.microsoft.com/VisualStudio/2011/storyboarding/control">
+  <Id Name="System.Storyboarding.Common.Text" Revision="1" Stencil="System.Storyboarding.Common" StencilVersion="0.1"/>
+</Control>
+</file>
+
+<file path=customXml/item83.xml><?xml version="1.0" encoding="utf-8"?>
+<Control xmlns="http://schemas.microsoft.com/VisualStudio/2011/storyboarding/control">
+  <Id Name="System.Storyboarding.Common.DataGrid" Revision="1" Stencil="System.Storyboarding.Common" StencilVersion="0.1"/>
+</Control>
+</file>
+
+<file path=customXml/item84.xml><?xml version="1.0" encoding="utf-8"?>
+<Control xmlns="http://schemas.microsoft.com/VisualStudio/2011/storyboarding/control">
   <Id Name="System.Storyboarding.Common.TextInput" Revision="1" Stencil="System.Storyboarding.Common" StencilVersion="0.1"/>
 </Control>
 </file>
 
-<file path=customXml/item82.xml><?xml version="1.0" encoding="utf-8"?>
+<file path=customXml/item85.xml><?xml version="1.0" encoding="utf-8"?>
+<Control xmlns="http://schemas.microsoft.com/VisualStudio/2011/storyboarding/control">
+  <Id Name="System.Storyboarding.Common.DatePicker" Revision="1" Stencil="System.Storyboarding.Common" StencilVersion="0.1"/>
+</Control>
+</file>
+
+<file path=customXml/item86.xml><?xml version="1.0" encoding="utf-8"?>
+<Control xmlns="http://schemas.microsoft.com/VisualStudio/2011/storyboarding/control">
+  <Id Name="System.Storyboarding.Icons.Star" Revision="1" Stencil="System.Storyboarding.Icons" StencilVersion="0.1"/>
+</Control>
+</file>
+
+<file path=customXml/item87.xml><?xml version="1.0" encoding="utf-8"?>
+<Control xmlns="http://schemas.microsoft.com/VisualStudio/2011/storyboarding/control">
+  <Id Name="System.Storyboarding.WindowsApps.WindowsAppsTileWideSmall" Revision="1" Stencil="System.Storyboarding.WindowsApps" StencilVersion="0.1"/>
+</Control>
+</file>
+
+<file path=customXml/item88.xml><?xml version="1.0" encoding="utf-8"?>
+<Control xmlns="http://schemas.microsoft.com/VisualStudio/2011/storyboarding/control">
+  <Id Name="System.Storyboarding.Icons.Star" Revision="1" Stencil="System.Storyboarding.Icons" StencilVersion="0.1"/>
+</Control>
+</file>
+
+<file path=customXml/item89.xml><?xml version="1.0" encoding="utf-8"?>
+<Control xmlns="http://schemas.microsoft.com/VisualStudio/2011/storyboarding/control">
+  <Id Name="System.Storyboarding.Common.Text" Revision="1" Stencil="System.Storyboarding.Common" StencilVersion="0.1"/>
+</Control>
+</file>
+
+<file path=customXml/item9.xml><?xml version="1.0" encoding="utf-8"?>
+<Control xmlns="http://schemas.microsoft.com/VisualStudio/2011/storyboarding/control">
+  <Id Name="System.Storyboarding.Common.CheckBoxUnchecked" Revision="1" Stencil="System.Storyboarding.Common" StencilVersion="0.1"/>
+</Control>
+</file>
+
+<file path=customXml/item90.xml><?xml version="1.0" encoding="utf-8"?>
+<Control xmlns="http://schemas.microsoft.com/VisualStudio/2011/storyboarding/control">
+  <Id Name="System.Storyboarding.Common.Text" Revision="1" Stencil="System.Storyboarding.Common" StencilVersion="0.1"/>
+</Control>
+</file>
+
+<file path=customXml/item91.xml><?xml version="1.0" encoding="utf-8"?>
+<Control xmlns="http://schemas.microsoft.com/VisualStudio/2011/storyboarding/control">
+  <Id Name="System.Storyboarding.Backgrounds.WebBrowser" Revision="1" Stencil="System.Storyboarding.Backgrounds" StencilVersion="0.1"/>
+</Control>
+</file>
+
+<file path=customXml/item92.xml><?xml version="1.0" encoding="utf-8"?>
+<Control xmlns="http://schemas.microsoft.com/VisualStudio/2011/storyboarding/control">
+  <Id Name="System.Storyboarding.WindowsAppIcons.Hyperlink" Revision="1" Stencil="System.Storyboarding.WindowsAppIcons" StencilVersion="0.1"/>
+</Control>
+</file>
+
+<file path=customXml/item93.xml><?xml version="1.0" encoding="utf-8"?>
+<Control xmlns="http://schemas.microsoft.com/VisualStudio/2011/storyboarding/control">
+  <Id Name="System.Storyboarding.Icons.Star" Revision="1" Stencil="System.Storyboarding.Icons" StencilVersion="0.1"/>
+</Control>
+</file>
+
+<file path=customXml/item94.xml><?xml version="1.0" encoding="utf-8"?>
+<Control xmlns="http://schemas.microsoft.com/VisualStudio/2011/storyboarding/control">
+  <Id Name="32035d07-bc66-4a79-8001-2507012193e3" RevisionId="7f6cc906-8fab-4878-8f41-90bcdc4e860e" Stencil="172d6d98-e5c9-42e9-a209-79f7a94bbd38" StencilRevisionId="00000000-0000-0000-0000-000000000000" StencilVersion="0.0"/>
+</Control>
+</file>
+
+<file path=customXml/item95.xml><?xml version="1.0" encoding="utf-8"?>
+<Control xmlns="http://schemas.microsoft.com/VisualStudio/2011/storyboarding/control">
+  <Id Name="System.Storyboarding.WindowsApps.WindowsAppsTileWideSmall" Revision="1" Stencil="System.Storyboarding.WindowsApps" StencilVersion="0.1"/>
+</Control>
+</file>
+
+<file path=customXml/item96.xml><?xml version="1.0" encoding="utf-8"?>
+<Control xmlns="http://schemas.microsoft.com/VisualStudio/2011/storyboarding/control">
+  <Id Name="System.Storyboarding.Common.TextInput" Revision="1" Stencil="System.Storyboarding.Common" StencilVersion="0.1"/>
+</Control>
+</file>
+
+<file path=customXml/item97.xml><?xml version="1.0" encoding="utf-8"?>
 <Control xmlns="http://schemas.microsoft.com/VisualStudio/2011/storyboarding/control">
   <Id Name="System.Storyboarding.WindowsApps.WindowsAppsMediumWideTile" Revision="1" Stencil="System.Storyboarding.WindowsApps" StencilVersion="0.1"/>
 </Control>
 </file>
 
-<file path=customXml/item83.xml><?xml version="1.0" encoding="utf-8"?>
+<file path=customXml/item98.xml><?xml version="1.0" encoding="utf-8"?>
+<Control xmlns="http://schemas.microsoft.com/VisualStudio/2011/storyboarding/control">
+  <Id Name="System.Storyboarding.WindowsAppIcons.Check" Revision="1" Stencil="System.Storyboarding.WindowsAppIcons" StencilVersion="0.1"/>
+</Control>
+</file>
+
+<file path=customXml/item99.xml><?xml version="1.0" encoding="utf-8"?>
 <Control xmlns="http://schemas.microsoft.com/VisualStudio/2011/storyboarding/control">
   <Id Name="System.Storyboarding.WindowsApps.WindowsAppsTileWideSmall" Revision="1" Stencil="System.Storyboarding.WindowsApps" StencilVersion="0.1"/>
 </Control>
 </file>
 
-<file path=customXml/item84.xml><?xml version="1.0" encoding="utf-8"?>
-<Control xmlns="http://schemas.microsoft.com/VisualStudio/2011/storyboarding/control">
-  <Id Name="System.Storyboarding.Media.HorizontalBarChart" Revision="1" Stencil="System.Storyboarding.Media" StencilVersion="0.1"/>
-</Control>
-</file>
-
-<file path=customXml/item85.xml><?xml version="1.0" encoding="utf-8"?>
-<Control xmlns="http://schemas.microsoft.com/VisualStudio/2011/storyboarding/control">
-  <Id Name="System.Storyboarding.Icons.Star" Revision="1" Stencil="System.Storyboarding.Icons" StencilVersion="0.1"/>
-</Control>
-</file>
-
-<file path=customXml/item86.xml><?xml version="1.0" encoding="utf-8"?>
-<Control xmlns="http://schemas.microsoft.com/VisualStudio/2011/storyboarding/control">
-  <Id Name="System.Storyboarding.WindowsApps.WindowsAppsTileMedium" Revision="1" Stencil="System.Storyboarding.WindowsApps" StencilVersion="0.1"/>
-</Control>
-</file>
-
-<file path=customXml/item87.xml><?xml version="1.0" encoding="utf-8"?>
-<Control xmlns="http://schemas.microsoft.com/VisualStudio/2011/storyboarding/control">
-  <Id Name="System.Storyboarding.WindowsApps.WindowsAppsButton" Revision="1" Stencil="System.Storyboarding.WindowsApps" StencilVersion="0.1"/>
-</Control>
-</file>
-
-<file path=customXml/item88.xml><?xml version="1.0" encoding="utf-8"?>
-<Control xmlns="http://schemas.microsoft.com/VisualStudio/2011/storyboarding/control">
-  <Id Name="System.Storyboarding.WindowsApps.WindowsAppsTileWideSmall" Revision="1" Stencil="System.Storyboarding.WindowsApps" StencilVersion="0.1"/>
-</Control>
-</file>
-
-<file path=customXml/item89.xml><?xml version="1.0" encoding="utf-8"?>
-<Control xmlns="http://schemas.microsoft.com/VisualStudio/2011/storyboarding/control">
-  <Id Name="System.Storyboarding.Common.ScrollbarVertical" Revision="1" Stencil="System.Storyboarding.Common" StencilVersion="0.1"/>
-</Control>
-</file>
-
-<file path=customXml/item9.xml><?xml version="1.0" encoding="utf-8"?>
-<Control xmlns="http://schemas.microsoft.com/VisualStudio/2011/storyboarding/control">
-  <Id Name="System.Storyboarding.Common.TextInput" Revision="1" Stencil="System.Storyboarding.Common" StencilVersion="0.1"/>
-</Control>
-</file>
-
-<file path=customXml/item90.xml><?xml version="1.0" encoding="utf-8"?>
-<Control xmlns="http://schemas.microsoft.com/VisualStudio/2011/storyboarding/control">
-  <Id Name="System.Storyboarding.WindowsApps.WindowsAppsTileMedium" Revision="1" Stencil="System.Storyboarding.WindowsApps" StencilVersion="0.1"/>
-</Control>
-</file>
-
-<file path=customXml/item91.xml><?xml version="1.0" encoding="utf-8"?>
-<Control xmlns="http://schemas.microsoft.com/VisualStudio/2011/storyboarding/control">
-  <Id Name="System.Storyboarding.Common.DatePicker" Revision="1" Stencil="System.Storyboarding.Common" StencilVersion="0.1"/>
-</Control>
-</file>
-
-<file path=customXml/item92.xml><?xml version="1.0" encoding="utf-8"?>
-<Control xmlns="http://schemas.microsoft.com/VisualStudio/2011/storyboarding/control">
-  <Id Name="System.Storyboarding.Icons.Star" Revision="1" Stencil="System.Storyboarding.Icons" StencilVersion="0.1"/>
-</Control>
-</file>
-
-<file path=customXml/item93.xml><?xml version="1.0" encoding="utf-8"?>
-<Control xmlns="http://schemas.microsoft.com/VisualStudio/2011/storyboarding/control">
-  <Id Name="System.Storyboarding.Common.TextInput" Revision="1" Stencil="System.Storyboarding.Common" StencilVersion="0.1"/>
-</Control>
-</file>
-
-<file path=customXml/item94.xml><?xml version="1.0" encoding="utf-8"?>
-<Control xmlns="http://schemas.microsoft.com/VisualStudio/2011/storyboarding/control">
-  <Id Name="System.Storyboarding.Common.TextInput" Revision="1" Stencil="System.Storyboarding.Common" StencilVersion="0.1"/>
-</Control>
-</file>
-
-<file path=customXml/item95.xml><?xml version="1.0" encoding="utf-8"?>
-<Control xmlns="http://schemas.microsoft.com/VisualStudio/2011/storyboarding/control">
-  <Id Name="System.Storyboarding.Icons.Star" Revision="1" Stencil="System.Storyboarding.Icons" StencilVersion="0.1"/>
-</Control>
-</file>
-
-<file path=customXml/item96.xml><?xml version="1.0" encoding="utf-8"?>
-<Control xmlns="http://schemas.microsoft.com/VisualStudio/2011/storyboarding/control">
-  <Id Name="System.Storyboarding.Media.VerticalBarChart" Revision="1" Stencil="System.Storyboarding.Media" StencilVersion="0.1"/>
-</Control>
-</file>
-
-<file path=customXml/item97.xml><?xml version="1.0" encoding="utf-8"?>
-<Control xmlns="http://schemas.microsoft.com/VisualStudio/2011/storyboarding/control">
-  <Id Name="System.Storyboarding.Icons.Star" Revision="1" Stencil="System.Storyboarding.Icons" StencilVersion="0.1"/>
-</Control>
-</file>
-
-<file path=customXml/item98.xml><?xml version="1.0" encoding="utf-8"?>
-<Control xmlns="http://schemas.microsoft.com/VisualStudio/2011/storyboarding/control">
-  <Id Name="System.Storyboarding.Common.DatePicker" Revision="1" Stencil="System.Storyboarding.Common" StencilVersion="0.1"/>
-</Control>
-</file>
-
-<file path=customXml/item99.xml><?xml version="1.0" encoding="utf-8"?>
-<Control xmlns="http://schemas.microsoft.com/VisualStudio/2011/storyboarding/control">
-  <Id Name="System.Storyboarding.Icons.Star" Revision="1" Stencil="System.Storyboarding.Icons" StencilVersion="0.1"/>
-</Control>
-</file>
-
 <file path=customXml/itemProps1.xml><?xml version="1.0" encoding="utf-8"?>
+<ds:datastoreItem xmlns:ds="http://schemas.openxmlformats.org/officeDocument/2006/customXml" ds:itemID="{D9DDD41F-7524-4A14-A6F5-F6220B14545E}">
+  <ds:schemaRefs>
+    <ds:schemaRef ds:uri="http://schemas.microsoft.com/VisualStudio/2011/storyboarding/control"/>
+  </ds:schemaRefs>
+</ds:datastoreItem>
+</file>
+
+<file path=customXml/itemProps10.xml><?xml version="1.0" encoding="utf-8"?>
+<ds:datastoreItem xmlns:ds="http://schemas.openxmlformats.org/officeDocument/2006/customXml" ds:itemID="{02423611-8D04-4993-B0B1-97733309265C}">
+  <ds:schemaRefs>
+    <ds:schemaRef ds:uri="http://schemas.microsoft.com/VisualStudio/2011/storyboarding/control"/>
+  </ds:schemaRefs>
+</ds:datastoreItem>
+</file>
+
+<file path=customXml/itemProps100.xml><?xml version="1.0" encoding="utf-8"?>
+<ds:datastoreItem xmlns:ds="http://schemas.openxmlformats.org/officeDocument/2006/customXml" ds:itemID="{89F8D00C-2482-4F3D-ACA1-B806B7E2C2EC}">
+  <ds:schemaRefs>
+    <ds:schemaRef ds:uri="http://schemas.microsoft.com/VisualStudio/2011/storyboarding/control"/>
+  </ds:schemaRefs>
+</ds:datastoreItem>
+</file>
+
+<file path=customXml/itemProps101.xml><?xml version="1.0" encoding="utf-8"?>
+<ds:datastoreItem xmlns:ds="http://schemas.openxmlformats.org/officeDocument/2006/customXml" ds:itemID="{1CCD967A-A231-4443-B5CB-163865029EA0}">
+  <ds:schemaRefs>
+    <ds:schemaRef ds:uri="http://schemas.microsoft.com/VisualStudio/2011/storyboarding/control"/>
+  </ds:schemaRefs>
+</ds:datastoreItem>
+</file>
+
+<file path=customXml/itemProps102.xml><?xml version="1.0" encoding="utf-8"?>
+<ds:datastoreItem xmlns:ds="http://schemas.openxmlformats.org/officeDocument/2006/customXml" ds:itemID="{6A689C72-B170-4CC3-844E-7A992719660C}">
+  <ds:schemaRefs>
+    <ds:schemaRef ds:uri="http://schemas.microsoft.com/VisualStudio/2011/storyboarding/control"/>
+  </ds:schemaRefs>
+</ds:datastoreItem>
+</file>
+
+<file path=customXml/itemProps103.xml><?xml version="1.0" encoding="utf-8"?>
+<ds:datastoreItem xmlns:ds="http://schemas.openxmlformats.org/officeDocument/2006/customXml" ds:itemID="{2A5F2F26-968C-4D10-A23C-7F7AB3C144F1}">
+  <ds:schemaRefs>
+    <ds:schemaRef ds:uri="http://schemas.microsoft.com/VisualStudio/2011/storyboarding/control"/>
+  </ds:schemaRefs>
+</ds:datastoreItem>
+</file>
+
+<file path=customXml/itemProps104.xml><?xml version="1.0" encoding="utf-8"?>
+<ds:datastoreItem xmlns:ds="http://schemas.openxmlformats.org/officeDocument/2006/customXml" ds:itemID="{46C8095E-E543-4B44-84A5-7DF9215641EF}">
+  <ds:schemaRefs>
+    <ds:schemaRef ds:uri="http://schemas.microsoft.com/VisualStudio/2011/storyboarding/control"/>
+  </ds:schemaRefs>
+</ds:datastoreItem>
+</file>
+
+<file path=customXml/itemProps105.xml><?xml version="1.0" encoding="utf-8"?>
+<ds:datastoreItem xmlns:ds="http://schemas.openxmlformats.org/officeDocument/2006/customXml" ds:itemID="{98F07B01-E4E8-4E44-B227-4A307E110F5E}">
+  <ds:schemaRefs>
+    <ds:schemaRef ds:uri="http://schemas.microsoft.com/VisualStudio/2011/storyboarding/control"/>
+  </ds:schemaRefs>
+</ds:datastoreItem>
+</file>
+
+<file path=customXml/itemProps106.xml><?xml version="1.0" encoding="utf-8"?>
+<ds:datastoreItem xmlns:ds="http://schemas.openxmlformats.org/officeDocument/2006/customXml" ds:itemID="{AA6A5E90-4733-4052-BD41-CDB87AFA6C57}">
+  <ds:schemaRefs>
+    <ds:schemaRef ds:uri="http://schemas.microsoft.com/VisualStudio/2011/storyboarding/control"/>
+  </ds:schemaRefs>
+</ds:datastoreItem>
+</file>
+
+<file path=customXml/itemProps107.xml><?xml version="1.0" encoding="utf-8"?>
+<ds:datastoreItem xmlns:ds="http://schemas.openxmlformats.org/officeDocument/2006/customXml" ds:itemID="{92C514EF-47C3-4A1E-8CC0-C426C540F0A1}">
+  <ds:schemaRefs>
+    <ds:schemaRef ds:uri="http://schemas.microsoft.com/VisualStudio/2011/storyboarding/control"/>
+  </ds:schemaRefs>
+</ds:datastoreItem>
+</file>
+
+<file path=customXml/itemProps108.xml><?xml version="1.0" encoding="utf-8"?>
+<ds:datastoreItem xmlns:ds="http://schemas.openxmlformats.org/officeDocument/2006/customXml" ds:itemID="{F753D4C8-6DCC-4D78-9E76-A20A021CFCD8}">
+  <ds:schemaRefs>
+    <ds:schemaRef ds:uri="http://schemas.microsoft.com/VisualStudio/2011/storyboarding/control"/>
+  </ds:schemaRefs>
+</ds:datastoreItem>
+</file>
+
+<file path=customXml/itemProps109.xml><?xml version="1.0" encoding="utf-8"?>
+<ds:datastoreItem xmlns:ds="http://schemas.openxmlformats.org/officeDocument/2006/customXml" ds:itemID="{2FCA7744-2BF3-4014-BEA7-E6EE6BE5E79E}">
+  <ds:schemaRefs>
+    <ds:schemaRef ds:uri="http://schemas.microsoft.com/VisualStudio/2011/storyboarding/control"/>
+  </ds:schemaRefs>
+</ds:datastoreItem>
+</file>
+
+<file path=customXml/itemProps11.xml><?xml version="1.0" encoding="utf-8"?>
+<ds:datastoreItem xmlns:ds="http://schemas.openxmlformats.org/officeDocument/2006/customXml" ds:itemID="{6BD98E41-6C2F-4D3F-B846-7455C55C7A43}">
+  <ds:schemaRefs>
+    <ds:schemaRef ds:uri="http://schemas.microsoft.com/VisualStudio/2011/storyboarding/control"/>
+  </ds:schemaRefs>
+</ds:datastoreItem>
+</file>
+
+<file path=customXml/itemProps110.xml><?xml version="1.0" encoding="utf-8"?>
+<ds:datastoreItem xmlns:ds="http://schemas.openxmlformats.org/officeDocument/2006/customXml" ds:itemID="{4686712F-CBA4-47D3-833A-C2ADFEF753DD}">
+  <ds:schemaRefs>
+    <ds:schemaRef ds:uri="http://schemas.microsoft.com/VisualStudio/2011/storyboarding/control"/>
+  </ds:schemaRefs>
+</ds:datastoreItem>
+</file>
+
+<file path=customXml/itemProps111.xml><?xml version="1.0" encoding="utf-8"?>
+<ds:datastoreItem xmlns:ds="http://schemas.openxmlformats.org/officeDocument/2006/customXml" ds:itemID="{17816237-E86F-4608-B2AD-3D2E66C1B03B}">
+  <ds:schemaRefs>
+    <ds:schemaRef ds:uri="http://schemas.microsoft.com/VisualStudio/2011/storyboarding/control"/>
+  </ds:schemaRefs>
+</ds:datastoreItem>
+</file>
+
+<file path=customXml/itemProps112.xml><?xml version="1.0" encoding="utf-8"?>
+<ds:datastoreItem xmlns:ds="http://schemas.openxmlformats.org/officeDocument/2006/customXml" ds:itemID="{113ECE65-0514-4E2D-A5D7-CB73FBD23154}">
+  <ds:schemaRefs>
+    <ds:schemaRef ds:uri="http://schemas.microsoft.com/VisualStudio/2011/storyboarding/control"/>
+  </ds:schemaRefs>
+</ds:datastoreItem>
+</file>
+
+<file path=customXml/itemProps113.xml><?xml version="1.0" encoding="utf-8"?>
+<ds:datastoreItem xmlns:ds="http://schemas.openxmlformats.org/officeDocument/2006/customXml" ds:itemID="{2DE19DA7-14FB-4A73-97E6-83DF72E609E6}">
+  <ds:schemaRefs>
+    <ds:schemaRef ds:uri="http://schemas.microsoft.com/VisualStudio/2011/storyboarding/control"/>
+  </ds:schemaRefs>
+</ds:datastoreItem>
+</file>
+
+<file path=customXml/itemProps114.xml><?xml version="1.0" encoding="utf-8"?>
+<ds:datastoreItem xmlns:ds="http://schemas.openxmlformats.org/officeDocument/2006/customXml" ds:itemID="{90E6BF7D-584A-485E-85F5-083945235CD7}">
+  <ds:schemaRefs>
+    <ds:schemaRef ds:uri="http://schemas.microsoft.com/VisualStudio/2011/storyboarding/control"/>
+  </ds:schemaRefs>
+</ds:datastoreItem>
+</file>
+
+<file path=customXml/itemProps115.xml><?xml version="1.0" encoding="utf-8"?>
+<ds:datastoreItem xmlns:ds="http://schemas.openxmlformats.org/officeDocument/2006/customXml" ds:itemID="{FE87856E-EB9D-4E52-95E2-2A7B45AA4114}">
+  <ds:schemaRefs>
+    <ds:schemaRef ds:uri="http://schemas.microsoft.com/VisualStudio/2011/storyboarding/control"/>
+  </ds:schemaRefs>
+</ds:datastoreItem>
+</file>
+
+<file path=customXml/itemProps116.xml><?xml version="1.0" encoding="utf-8"?>
+<ds:datastoreItem xmlns:ds="http://schemas.openxmlformats.org/officeDocument/2006/customXml" ds:itemID="{29B37182-9887-4972-8113-B6FBFE59F94E}">
+  <ds:schemaRefs>
+    <ds:schemaRef ds:uri="http://schemas.microsoft.com/VisualStudio/2011/storyboarding/control"/>
+  </ds:schemaRefs>
+</ds:datastoreItem>
+</file>
+
+<file path=customXml/itemProps117.xml><?xml version="1.0" encoding="utf-8"?>
+<ds:datastoreItem xmlns:ds="http://schemas.openxmlformats.org/officeDocument/2006/customXml" ds:itemID="{66DA5703-DC74-4A5C-897F-77851F088467}">
+  <ds:schemaRefs>
+    <ds:schemaRef ds:uri="http://schemas.microsoft.com/VisualStudio/2011/storyboarding/control"/>
+  </ds:schemaRefs>
+</ds:datastoreItem>
+</file>
+
+<file path=customXml/itemProps118.xml><?xml version="1.0" encoding="utf-8"?>
+<ds:datastoreItem xmlns:ds="http://schemas.openxmlformats.org/officeDocument/2006/customXml" ds:itemID="{FF00F683-10CA-4344-BB02-557AFC229713}">
+  <ds:schemaRefs>
+    <ds:schemaRef ds:uri="http://schemas.microsoft.com/VisualStudio/2011/storyboarding/control"/>
+  </ds:schemaRefs>
+</ds:datastoreItem>
+</file>
+
+<file path=customXml/itemProps119.xml><?xml version="1.0" encoding="utf-8"?>
+<ds:datastoreItem xmlns:ds="http://schemas.openxmlformats.org/officeDocument/2006/customXml" ds:itemID="{B02AE70D-AB27-4B64-9EAF-0217792EF7E1}">
+  <ds:schemaRefs>
+    <ds:schemaRef ds:uri="http://schemas.microsoft.com/VisualStudio/2011/storyboarding/control"/>
+  </ds:schemaRefs>
+</ds:datastoreItem>
+</file>
+
+<file path=customXml/itemProps12.xml><?xml version="1.0" encoding="utf-8"?>
+<ds:datastoreItem xmlns:ds="http://schemas.openxmlformats.org/officeDocument/2006/customXml" ds:itemID="{5EEABA33-0BE1-47F9-8437-631F1B84355A}">
+  <ds:schemaRefs>
+    <ds:schemaRef ds:uri="http://schemas.microsoft.com/VisualStudio/2011/storyboarding/control"/>
+  </ds:schemaRefs>
+</ds:datastoreItem>
+</file>
+
+<file path=customXml/itemProps120.xml><?xml version="1.0" encoding="utf-8"?>
+<ds:datastoreItem xmlns:ds="http://schemas.openxmlformats.org/officeDocument/2006/customXml" ds:itemID="{554CEDA9-374E-4C76-B97B-7202606AC0BE}">
+  <ds:schemaRefs>
+    <ds:schemaRef ds:uri="http://schemas.microsoft.com/VisualStudio/2011/storyboarding/control"/>
+  </ds:schemaRefs>
+</ds:datastoreItem>
+</file>
+
+<file path=customXml/itemProps121.xml><?xml version="1.0" encoding="utf-8"?>
+<ds:datastoreItem xmlns:ds="http://schemas.openxmlformats.org/officeDocument/2006/customXml" ds:itemID="{0B25F2DC-DA1F-428C-A9D6-1915EDEAA8DD}">
+  <ds:schemaRefs>
+    <ds:schemaRef ds:uri="http://schemas.microsoft.com/VisualStudio/2011/storyboarding/control"/>
+  </ds:schemaRefs>
+</ds:datastoreItem>
+</file>
+
+<file path=customXml/itemProps122.xml><?xml version="1.0" encoding="utf-8"?>
+<ds:datastoreItem xmlns:ds="http://schemas.openxmlformats.org/officeDocument/2006/customXml" ds:itemID="{34D70070-9632-4246-B25D-E396768C8F03}">
+  <ds:schemaRefs>
+    <ds:schemaRef ds:uri="http://schemas.microsoft.com/VisualStudio/2011/storyboarding/control"/>
+  </ds:schemaRefs>
+</ds:datastoreItem>
+</file>
+
+<file path=customXml/itemProps123.xml><?xml version="1.0" encoding="utf-8"?>
+<ds:datastoreItem xmlns:ds="http://schemas.openxmlformats.org/officeDocument/2006/customXml" ds:itemID="{AABACF0D-5384-4675-802C-4FFC55B3B83D}">
+  <ds:schemaRefs>
+    <ds:schemaRef ds:uri="http://schemas.microsoft.com/VisualStudio/2011/storyboarding/control"/>
+  </ds:schemaRefs>
+</ds:datastoreItem>
+</file>
+
+<file path=customXml/itemProps124.xml><?xml version="1.0" encoding="utf-8"?>
+<ds:datastoreItem xmlns:ds="http://schemas.openxmlformats.org/officeDocument/2006/customXml" ds:itemID="{6D74F327-6332-4AC5-8084-6EBC78FC0812}">
+  <ds:schemaRefs>
+    <ds:schemaRef ds:uri="http://schemas.microsoft.com/VisualStudio/2011/storyboarding/control"/>
+  </ds:schemaRefs>
+</ds:datastoreItem>
+</file>
+
+<file path=customXml/itemProps125.xml><?xml version="1.0" encoding="utf-8"?>
+<ds:datastoreItem xmlns:ds="http://schemas.openxmlformats.org/officeDocument/2006/customXml" ds:itemID="{D22FC293-BAFF-43C9-B3DE-93B31F0E86BE}">
+  <ds:schemaRefs>
+    <ds:schemaRef ds:uri="http://schemas.microsoft.com/VisualStudio/2011/storyboarding/control"/>
+  </ds:schemaRefs>
+</ds:datastoreItem>
+</file>
+
+<file path=customXml/itemProps126.xml><?xml version="1.0" encoding="utf-8"?>
+<ds:datastoreItem xmlns:ds="http://schemas.openxmlformats.org/officeDocument/2006/customXml" ds:itemID="{C7B0D7AD-32DF-4953-89C9-C834F6010560}">
+  <ds:schemaRefs>
+    <ds:schemaRef ds:uri="http://schemas.microsoft.com/VisualStudio/2011/storyboarding/control"/>
+  </ds:schemaRefs>
+</ds:datastoreItem>
+</file>
+
+<file path=customXml/itemProps127.xml><?xml version="1.0" encoding="utf-8"?>
+<ds:datastoreItem xmlns:ds="http://schemas.openxmlformats.org/officeDocument/2006/customXml" ds:itemID="{4ECEEF82-0B3C-4906-961B-AFB29BD1E6E3}">
+  <ds:schemaRefs>
+    <ds:schemaRef ds:uri="http://schemas.microsoft.com/VisualStudio/2011/storyboarding/control"/>
+  </ds:schemaRefs>
+</ds:datastoreItem>
+</file>
+
+<file path=customXml/itemProps128.xml><?xml version="1.0" encoding="utf-8"?>
+<ds:datastoreItem xmlns:ds="http://schemas.openxmlformats.org/officeDocument/2006/customXml" ds:itemID="{0AB71E67-FC2D-421E-B264-47BB552D5A5B}">
+  <ds:schemaRefs>
+    <ds:schemaRef ds:uri="http://schemas.microsoft.com/VisualStudio/2011/storyboarding/control"/>
+  </ds:schemaRefs>
+</ds:datastoreItem>
+</file>
+
+<file path=customXml/itemProps129.xml><?xml version="1.0" encoding="utf-8"?>
+<ds:datastoreItem xmlns:ds="http://schemas.openxmlformats.org/officeDocument/2006/customXml" ds:itemID="{0BDCEE85-95E9-41B6-B7EA-41FEC8A8955C}">
+  <ds:schemaRefs>
+    <ds:schemaRef ds:uri="http://schemas.microsoft.com/VisualStudio/2011/storyboarding/control"/>
+  </ds:schemaRefs>
+</ds:datastoreItem>
+</file>
+
+<file path=customXml/itemProps13.xml><?xml version="1.0" encoding="utf-8"?>
+<ds:datastoreItem xmlns:ds="http://schemas.openxmlformats.org/officeDocument/2006/customXml" ds:itemID="{E5DD84D4-A8CE-4783-AB20-E42165ABDFA7}">
+  <ds:schemaRefs>
+    <ds:schemaRef ds:uri="http://schemas.microsoft.com/VisualStudio/2011/storyboarding/control"/>
+  </ds:schemaRefs>
+</ds:datastoreItem>
+</file>
+
+<file path=customXml/itemProps130.xml><?xml version="1.0" encoding="utf-8"?>
+<ds:datastoreItem xmlns:ds="http://schemas.openxmlformats.org/officeDocument/2006/customXml" ds:itemID="{03653E92-1616-42CD-8288-0A4EBB2CAA1C}">
+  <ds:schemaRefs>
+    <ds:schemaRef ds:uri="http://schemas.microsoft.com/VisualStudio/2011/storyboarding/control"/>
+  </ds:schemaRefs>
+</ds:datastoreItem>
+</file>
+
+<file path=customXml/itemProps131.xml><?xml version="1.0" encoding="utf-8"?>
+<ds:datastoreItem xmlns:ds="http://schemas.openxmlformats.org/officeDocument/2006/customXml" ds:itemID="{00D2AA4F-29E2-4A16-BE2A-B2E1781BC260}">
+  <ds:schemaRefs>
+    <ds:schemaRef ds:uri="http://schemas.microsoft.com/VisualStudio/2011/storyboarding/control"/>
+  </ds:schemaRefs>
+</ds:datastoreItem>
+</file>
+
+<file path=customXml/itemProps132.xml><?xml version="1.0" encoding="utf-8"?>
+<ds:datastoreItem xmlns:ds="http://schemas.openxmlformats.org/officeDocument/2006/customXml" ds:itemID="{D5754EE6-BC91-4A98-A9DF-8FF792B0AA43}">
+  <ds:schemaRefs>
+    <ds:schemaRef ds:uri="http://schemas.microsoft.com/VisualStudio/2011/storyboarding/control"/>
+  </ds:schemaRefs>
+</ds:datastoreItem>
+</file>
+
+<file path=customXml/itemProps133.xml><?xml version="1.0" encoding="utf-8"?>
+<ds:datastoreItem xmlns:ds="http://schemas.openxmlformats.org/officeDocument/2006/customXml" ds:itemID="{2ADD045D-CBFF-4B66-B7D4-74533078AF4A}">
+  <ds:schemaRefs>
+    <ds:schemaRef ds:uri="http://schemas.microsoft.com/VisualStudio/2011/storyboarding/control"/>
+  </ds:schemaRefs>
+</ds:datastoreItem>
+</file>
+
+<file path=customXml/itemProps134.xml><?xml version="1.0" encoding="utf-8"?>
+<ds:datastoreItem xmlns:ds="http://schemas.openxmlformats.org/officeDocument/2006/customXml" ds:itemID="{F12E4822-BEA4-4C90-A23E-8C7DFCF7CDD6}">
+  <ds:schemaRefs>
+    <ds:schemaRef ds:uri="http://schemas.microsoft.com/VisualStudio/2011/storyboarding/control"/>
+  </ds:schemaRefs>
+</ds:datastoreItem>
+</file>
+
+<file path=customXml/itemProps135.xml><?xml version="1.0" encoding="utf-8"?>
+<ds:datastoreItem xmlns:ds="http://schemas.openxmlformats.org/officeDocument/2006/customXml" ds:itemID="{F106C237-6442-4C6C-BC17-BABD6E81E57F}">
+  <ds:schemaRefs>
+    <ds:schemaRef ds:uri="http://schemas.microsoft.com/VisualStudio/2011/storyboarding/control"/>
+  </ds:schemaRefs>
+</ds:datastoreItem>
+</file>
+
+<file path=customXml/itemProps136.xml><?xml version="1.0" encoding="utf-8"?>
+<ds:datastoreItem xmlns:ds="http://schemas.openxmlformats.org/officeDocument/2006/customXml" ds:itemID="{A3199E56-6304-4A04-BDD7-107FDE5731A4}">
+  <ds:schemaRefs>
+    <ds:schemaRef ds:uri="http://schemas.microsoft.com/VisualStudio/2011/storyboarding/control"/>
+  </ds:schemaRefs>
+</ds:datastoreItem>
+</file>
+
+<file path=customXml/itemProps137.xml><?xml version="1.0" encoding="utf-8"?>
+<ds:datastoreItem xmlns:ds="http://schemas.openxmlformats.org/officeDocument/2006/customXml" ds:itemID="{D76A8C43-D0E6-4D76-A639-72E580E29047}">
+  <ds:schemaRefs>
+    <ds:schemaRef ds:uri="http://schemas.microsoft.com/VisualStudio/2011/storyboarding/control"/>
+  </ds:schemaRefs>
+</ds:datastoreItem>
+</file>
+
+<file path=customXml/itemProps138.xml><?xml version="1.0" encoding="utf-8"?>
+<ds:datastoreItem xmlns:ds="http://schemas.openxmlformats.org/officeDocument/2006/customXml" ds:itemID="{F9A8EA35-007A-40F9-AD73-68499C4EFDFA}">
+  <ds:schemaRefs>
+    <ds:schemaRef ds:uri="http://schemas.microsoft.com/VisualStudio/2011/storyboarding/control"/>
+  </ds:schemaRefs>
+</ds:datastoreItem>
+</file>
+
+<file path=customXml/itemProps139.xml><?xml version="1.0" encoding="utf-8"?>
+<ds:datastoreItem xmlns:ds="http://schemas.openxmlformats.org/officeDocument/2006/customXml" ds:itemID="{8FFADBCE-FF33-4102-8CD5-0FC7C119C312}">
+  <ds:schemaRefs>
+    <ds:schemaRef ds:uri="http://schemas.microsoft.com/VisualStudio/2011/storyboarding/control"/>
+  </ds:schemaRefs>
+</ds:datastoreItem>
+</file>
+
+<file path=customXml/itemProps14.xml><?xml version="1.0" encoding="utf-8"?>
+<ds:datastoreItem xmlns:ds="http://schemas.openxmlformats.org/officeDocument/2006/customXml" ds:itemID="{A2F6F20D-5D93-4163-A5E6-5A9B6AB49B35}">
+  <ds:schemaRefs>
+    <ds:schemaRef ds:uri="http://schemas.microsoft.com/VisualStudio/2011/storyboarding/control"/>
+  </ds:schemaRefs>
+</ds:datastoreItem>
+</file>
+
+<file path=customXml/itemProps140.xml><?xml version="1.0" encoding="utf-8"?>
+<ds:datastoreItem xmlns:ds="http://schemas.openxmlformats.org/officeDocument/2006/customXml" ds:itemID="{06C11E88-1615-4B77-96AD-4B8BA4A066E8}">
+  <ds:schemaRefs>
+    <ds:schemaRef ds:uri="http://schemas.microsoft.com/VisualStudio/2011/storyboarding/control"/>
+  </ds:schemaRefs>
+</ds:datastoreItem>
+</file>
+
+<file path=customXml/itemProps141.xml><?xml version="1.0" encoding="utf-8"?>
+<ds:datastoreItem xmlns:ds="http://schemas.openxmlformats.org/officeDocument/2006/customXml" ds:itemID="{121618E6-4C26-48A5-8411-92B68242A304}">
+  <ds:schemaRefs>
+    <ds:schemaRef ds:uri="http://schemas.microsoft.com/VisualStudio/2011/storyboarding/control"/>
+  </ds:schemaRefs>
+</ds:datastoreItem>
+</file>
+
+<file path=customXml/itemProps142.xml><?xml version="1.0" encoding="utf-8"?>
+<ds:datastoreItem xmlns:ds="http://schemas.openxmlformats.org/officeDocument/2006/customXml" ds:itemID="{B2016F61-92F9-4E0F-A353-39F009FA0B01}">
+  <ds:schemaRefs>
+    <ds:schemaRef ds:uri="http://schemas.microsoft.com/VisualStudio/2011/storyboarding/control"/>
+  </ds:schemaRefs>
+</ds:datastoreItem>
+</file>
+
+<file path=customXml/itemProps143.xml><?xml version="1.0" encoding="utf-8"?>
+<ds:datastoreItem xmlns:ds="http://schemas.openxmlformats.org/officeDocument/2006/customXml" ds:itemID="{33F9E1D4-170C-4DAF-A4E9-B2F1E33BDA51}">
+  <ds:schemaRefs>
+    <ds:schemaRef ds:uri="http://schemas.microsoft.com/VisualStudio/2011/storyboarding/control"/>
+  </ds:schemaRefs>
+</ds:datastoreItem>
+</file>
+
+<file path=customXml/itemProps144.xml><?xml version="1.0" encoding="utf-8"?>
+<ds:datastoreItem xmlns:ds="http://schemas.openxmlformats.org/officeDocument/2006/customXml" ds:itemID="{7C7A195E-DFA7-4A05-9371-894B93FD1828}">
+  <ds:schemaRefs>
+    <ds:schemaRef ds:uri="http://schemas.microsoft.com/VisualStudio/2011/storyboarding/control"/>
+  </ds:schemaRefs>
+</ds:datastoreItem>
+</file>
+
+<file path=customXml/itemProps145.xml><?xml version="1.0" encoding="utf-8"?>
+<ds:datastoreItem xmlns:ds="http://schemas.openxmlformats.org/officeDocument/2006/customXml" ds:itemID="{7C8FE9CD-1324-4A90-8D4D-0C176F3BCA87}">
+  <ds:schemaRefs>
+    <ds:schemaRef ds:uri="http://schemas.microsoft.com/VisualStudio/2011/storyboarding/control"/>
+  </ds:schemaRefs>
+</ds:datastoreItem>
+</file>
+
+<file path=customXml/itemProps146.xml><?xml version="1.0" encoding="utf-8"?>
+<ds:datastoreItem xmlns:ds="http://schemas.openxmlformats.org/officeDocument/2006/customXml" ds:itemID="{FCFEC772-99A0-4E2F-BE46-6982F97F1BE9}">
+  <ds:schemaRefs>
+    <ds:schemaRef ds:uri="http://schemas.microsoft.com/VisualStudio/2011/storyboarding/control"/>
+  </ds:schemaRefs>
+</ds:datastoreItem>
+</file>
+
+<file path=customXml/itemProps147.xml><?xml version="1.0" encoding="utf-8"?>
+<ds:datastoreItem xmlns:ds="http://schemas.openxmlformats.org/officeDocument/2006/customXml" ds:itemID="{F7BABBE5-64CC-4B8F-B3B6-CF3FD810F8C7}">
+  <ds:schemaRefs>
+    <ds:schemaRef ds:uri="http://schemas.microsoft.com/VisualStudio/2011/storyboarding/control"/>
+  </ds:schemaRefs>
+</ds:datastoreItem>
+</file>
+
+<file path=customXml/itemProps148.xml><?xml version="1.0" encoding="utf-8"?>
+<ds:datastoreItem xmlns:ds="http://schemas.openxmlformats.org/officeDocument/2006/customXml" ds:itemID="{66DB2393-603D-49D1-8038-F976FE310B23}">
+  <ds:schemaRefs>
+    <ds:schemaRef ds:uri="http://schemas.microsoft.com/VisualStudio/2011/storyboarding/control"/>
+  </ds:schemaRefs>
+</ds:datastoreItem>
+</file>
+
+<file path=customXml/itemProps149.xml><?xml version="1.0" encoding="utf-8"?>
+<ds:datastoreItem xmlns:ds="http://schemas.openxmlformats.org/officeDocument/2006/customXml" ds:itemID="{5248BC68-ADE7-429D-B013-9195EF7419E9}">
+  <ds:schemaRefs>
+    <ds:schemaRef ds:uri="http://schemas.microsoft.com/VisualStudio/2011/storyboarding/control"/>
+  </ds:schemaRefs>
+</ds:datastoreItem>
+</file>
+
+<file path=customXml/itemProps15.xml><?xml version="1.0" encoding="utf-8"?>
+<ds:datastoreItem xmlns:ds="http://schemas.openxmlformats.org/officeDocument/2006/customXml" ds:itemID="{A4CF0BF1-C47D-4DEC-B943-A1B6DFD73BA3}">
+  <ds:schemaRefs>
+    <ds:schemaRef ds:uri="http://schemas.microsoft.com/VisualStudio/2011/storyboarding/control"/>
+  </ds:schemaRefs>
+</ds:datastoreItem>
+</file>
+
+<file path=customXml/itemProps150.xml><?xml version="1.0" encoding="utf-8"?>
+<ds:datastoreItem xmlns:ds="http://schemas.openxmlformats.org/officeDocument/2006/customXml" ds:itemID="{790E7F39-81D7-4FDD-A0B5-0716A2AE74B2}">
+  <ds:schemaRefs>
+    <ds:schemaRef ds:uri="http://schemas.microsoft.com/VisualStudio/2011/storyboarding/control"/>
+  </ds:schemaRefs>
+</ds:datastoreItem>
+</file>
+
+<file path=customXml/itemProps151.xml><?xml version="1.0" encoding="utf-8"?>
+<ds:datastoreItem xmlns:ds="http://schemas.openxmlformats.org/officeDocument/2006/customXml" ds:itemID="{4C95C4DB-91BC-4C29-B0A4-0A132577B473}">
+  <ds:schemaRefs>
+    <ds:schemaRef ds:uri="http://schemas.microsoft.com/VisualStudio/2011/storyboarding/control"/>
+  </ds:schemaRefs>
+</ds:datastoreItem>
+</file>
+
+<file path=customXml/itemProps152.xml><?xml version="1.0" encoding="utf-8"?>
+<ds:datastoreItem xmlns:ds="http://schemas.openxmlformats.org/officeDocument/2006/customXml" ds:itemID="{F3241CCA-9602-4CB8-B6FA-D8222B14826C}">
+  <ds:schemaRefs>
+    <ds:schemaRef ds:uri="http://schemas.microsoft.com/VisualStudio/2011/storyboarding/control"/>
+  </ds:schemaRefs>
+</ds:datastoreItem>
+</file>
+
+<file path=customXml/itemProps153.xml><?xml version="1.0" encoding="utf-8"?>
+<ds:datastoreItem xmlns:ds="http://schemas.openxmlformats.org/officeDocument/2006/customXml" ds:itemID="{033417FC-F4DF-440B-9750-AC9CEE9D4DD6}">
+  <ds:schemaRefs>
+    <ds:schemaRef ds:uri="http://schemas.microsoft.com/VisualStudio/2011/storyboarding/control"/>
+  </ds:schemaRefs>
+</ds:datastoreItem>
+</file>
+
+<file path=customXml/itemProps154.xml><?xml version="1.0" encoding="utf-8"?>
+<ds:datastoreItem xmlns:ds="http://schemas.openxmlformats.org/officeDocument/2006/customXml" ds:itemID="{3587D983-5BF3-43F4-B7CC-0D3FCA927E45}">
+  <ds:schemaRefs>
+    <ds:schemaRef ds:uri="http://schemas.microsoft.com/VisualStudio/2011/storyboarding/control"/>
+  </ds:schemaRefs>
+</ds:datastoreItem>
+</file>
+
+<file path=customXml/itemProps155.xml><?xml version="1.0" encoding="utf-8"?>
+<ds:datastoreItem xmlns:ds="http://schemas.openxmlformats.org/officeDocument/2006/customXml" ds:itemID="{3390C89E-38DA-49C8-BD78-371C7CC2FE47}">
+  <ds:schemaRefs>
+    <ds:schemaRef ds:uri="http://schemas.microsoft.com/VisualStudio/2011/storyboarding/control"/>
+  </ds:schemaRefs>
+</ds:datastoreItem>
+</file>
+
+<file path=customXml/itemProps156.xml><?xml version="1.0" encoding="utf-8"?>
 <ds:datastoreItem xmlns:ds="http://schemas.openxmlformats.org/officeDocument/2006/customXml" ds:itemID="{5D43C5DF-C9CE-423E-ADD8-1AAE08E6145B}">
   <ds:schemaRefs>
     <ds:schemaRef ds:uri="http://schemas.microsoft.com/VisualStudio/2011/storyboarding/control"/>
@@ -17036,15 +17502,663 @@
 </ds:datastoreItem>
 </file>
 
-<file path=customXml/itemProps10.xml><?xml version="1.0" encoding="utf-8"?>
-<ds:datastoreItem xmlns:ds="http://schemas.openxmlformats.org/officeDocument/2006/customXml" ds:itemID="{2FCA7744-2BF3-4014-BEA7-E6EE6BE5E79E}">
+<file path=customXml/itemProps157.xml><?xml version="1.0" encoding="utf-8"?>
+<ds:datastoreItem xmlns:ds="http://schemas.openxmlformats.org/officeDocument/2006/customXml" ds:itemID="{7A89DD74-282D-41A7-98AD-61383871195E}">
   <ds:schemaRefs>
     <ds:schemaRef ds:uri="http://schemas.microsoft.com/VisualStudio/2011/storyboarding/control"/>
   </ds:schemaRefs>
 </ds:datastoreItem>
 </file>
 
-<file path=customXml/itemProps100.xml><?xml version="1.0" encoding="utf-8"?>
+<file path=customXml/itemProps158.xml><?xml version="1.0" encoding="utf-8"?>
+<ds:datastoreItem xmlns:ds="http://schemas.openxmlformats.org/officeDocument/2006/customXml" ds:itemID="{9FC86F31-FEBD-4500-B558-3A9092EE01B0}">
+  <ds:schemaRefs>
+    <ds:schemaRef ds:uri="http://schemas.microsoft.com/VisualStudio/2011/storyboarding/control"/>
+  </ds:schemaRefs>
+</ds:datastoreItem>
+</file>
+
+<file path=customXml/itemProps159.xml><?xml version="1.0" encoding="utf-8"?>
+<ds:datastoreItem xmlns:ds="http://schemas.openxmlformats.org/officeDocument/2006/customXml" ds:itemID="{18CA7C37-7AF9-45BE-BBAE-D2D0584D8934}">
+  <ds:schemaRefs>
+    <ds:schemaRef ds:uri="http://schemas.microsoft.com/VisualStudio/2011/storyboarding/control"/>
+  </ds:schemaRefs>
+</ds:datastoreItem>
+</file>
+
+<file path=customXml/itemProps16.xml><?xml version="1.0" encoding="utf-8"?>
+<ds:datastoreItem xmlns:ds="http://schemas.openxmlformats.org/officeDocument/2006/customXml" ds:itemID="{14F53810-CFF1-4E60-9021-6AF4EA429CC7}">
+  <ds:schemaRefs>
+    <ds:schemaRef ds:uri="http://schemas.microsoft.com/VisualStudio/2011/storyboarding/control"/>
+  </ds:schemaRefs>
+</ds:datastoreItem>
+</file>
+
+<file path=customXml/itemProps160.xml><?xml version="1.0" encoding="utf-8"?>
+<ds:datastoreItem xmlns:ds="http://schemas.openxmlformats.org/officeDocument/2006/customXml" ds:itemID="{4500268E-82D2-458D-9B7A-1DAD9FBEA8F5}">
+  <ds:schemaRefs>
+    <ds:schemaRef ds:uri="http://schemas.microsoft.com/VisualStudio/2011/storyboarding/control"/>
+  </ds:schemaRefs>
+</ds:datastoreItem>
+</file>
+
+<file path=customXml/itemProps161.xml><?xml version="1.0" encoding="utf-8"?>
+<ds:datastoreItem xmlns:ds="http://schemas.openxmlformats.org/officeDocument/2006/customXml" ds:itemID="{8A555954-45BE-4EEE-9F3C-9C997F6D1BA3}">
+  <ds:schemaRefs>
+    <ds:schemaRef ds:uri="http://schemas.microsoft.com/VisualStudio/2011/storyboarding/control"/>
+  </ds:schemaRefs>
+</ds:datastoreItem>
+</file>
+
+<file path=customXml/itemProps162.xml><?xml version="1.0" encoding="utf-8"?>
+<ds:datastoreItem xmlns:ds="http://schemas.openxmlformats.org/officeDocument/2006/customXml" ds:itemID="{CAA62E3A-E1D3-48E6-902C-72278FCF572B}">
+  <ds:schemaRefs>
+    <ds:schemaRef ds:uri="http://schemas.microsoft.com/VisualStudio/2011/storyboarding/control"/>
+  </ds:schemaRefs>
+</ds:datastoreItem>
+</file>
+
+<file path=customXml/itemProps163.xml><?xml version="1.0" encoding="utf-8"?>
+<ds:datastoreItem xmlns:ds="http://schemas.openxmlformats.org/officeDocument/2006/customXml" ds:itemID="{418E8FB6-E3E2-4A78-BD2C-0E4D84C7371E}">
+  <ds:schemaRefs>
+    <ds:schemaRef ds:uri="http://schemas.microsoft.com/VisualStudio/2011/storyboarding/control"/>
+  </ds:schemaRefs>
+</ds:datastoreItem>
+</file>
+
+<file path=customXml/itemProps164.xml><?xml version="1.0" encoding="utf-8"?>
+<ds:datastoreItem xmlns:ds="http://schemas.openxmlformats.org/officeDocument/2006/customXml" ds:itemID="{7AB87D2A-44BC-4109-A9F6-0CF47E17DA7C}">
+  <ds:schemaRefs>
+    <ds:schemaRef ds:uri="http://schemas.microsoft.com/VisualStudio/2011/storyboarding/control"/>
+  </ds:schemaRefs>
+</ds:datastoreItem>
+</file>
+
+<file path=customXml/itemProps165.xml><?xml version="1.0" encoding="utf-8"?>
+<ds:datastoreItem xmlns:ds="http://schemas.openxmlformats.org/officeDocument/2006/customXml" ds:itemID="{327B6332-6001-4577-872B-DD19A445F5F2}">
+  <ds:schemaRefs>
+    <ds:schemaRef ds:uri="http://schemas.microsoft.com/VisualStudio/2011/storyboarding/control"/>
+  </ds:schemaRefs>
+</ds:datastoreItem>
+</file>
+
+<file path=customXml/itemProps166.xml><?xml version="1.0" encoding="utf-8"?>
+<ds:datastoreItem xmlns:ds="http://schemas.openxmlformats.org/officeDocument/2006/customXml" ds:itemID="{6F4A2862-C914-4127-9AA3-4EC971E05888}">
+  <ds:schemaRefs>
+    <ds:schemaRef ds:uri="http://schemas.microsoft.com/VisualStudio/2011/storyboarding/control"/>
+  </ds:schemaRefs>
+</ds:datastoreItem>
+</file>
+
+<file path=customXml/itemProps167.xml><?xml version="1.0" encoding="utf-8"?>
+<ds:datastoreItem xmlns:ds="http://schemas.openxmlformats.org/officeDocument/2006/customXml" ds:itemID="{D8653A86-F184-47A6-A8EA-282F582C20DD}">
+  <ds:schemaRefs>
+    <ds:schemaRef ds:uri="http://schemas.microsoft.com/VisualStudio/2011/storyboarding/control"/>
+  </ds:schemaRefs>
+</ds:datastoreItem>
+</file>
+
+<file path=customXml/itemProps168.xml><?xml version="1.0" encoding="utf-8"?>
+<ds:datastoreItem xmlns:ds="http://schemas.openxmlformats.org/officeDocument/2006/customXml" ds:itemID="{F5B85250-01CA-403A-BFFD-EDEFCA9E38FF}">
+  <ds:schemaRefs>
+    <ds:schemaRef ds:uri="http://schemas.microsoft.com/VisualStudio/2011/storyboarding/control"/>
+  </ds:schemaRefs>
+</ds:datastoreItem>
+</file>
+
+<file path=customXml/itemProps169.xml><?xml version="1.0" encoding="utf-8"?>
+<ds:datastoreItem xmlns:ds="http://schemas.openxmlformats.org/officeDocument/2006/customXml" ds:itemID="{7F5E28FD-26FF-4A48-BAD7-50B55AB6208D}">
+  <ds:schemaRefs>
+    <ds:schemaRef ds:uri="http://schemas.microsoft.com/VisualStudio/2011/storyboarding/control"/>
+  </ds:schemaRefs>
+</ds:datastoreItem>
+</file>
+
+<file path=customXml/itemProps17.xml><?xml version="1.0" encoding="utf-8"?>
+<ds:datastoreItem xmlns:ds="http://schemas.openxmlformats.org/officeDocument/2006/customXml" ds:itemID="{2160DE35-41EF-449D-8F30-BD715A7380BC}">
+  <ds:schemaRefs>
+    <ds:schemaRef ds:uri="http://schemas.microsoft.com/VisualStudio/2011/storyboarding/control"/>
+  </ds:schemaRefs>
+</ds:datastoreItem>
+</file>
+
+<file path=customXml/itemProps170.xml><?xml version="1.0" encoding="utf-8"?>
+<ds:datastoreItem xmlns:ds="http://schemas.openxmlformats.org/officeDocument/2006/customXml" ds:itemID="{E56EDE5A-F97D-4AD1-8B27-19C05BC797E2}">
+  <ds:schemaRefs>
+    <ds:schemaRef ds:uri="http://schemas.microsoft.com/VisualStudio/2011/storyboarding/control"/>
+  </ds:schemaRefs>
+</ds:datastoreItem>
+</file>
+
+<file path=customXml/itemProps171.xml><?xml version="1.0" encoding="utf-8"?>
+<ds:datastoreItem xmlns:ds="http://schemas.openxmlformats.org/officeDocument/2006/customXml" ds:itemID="{8C7C7B8E-5451-4DAE-8DA4-7B210EC29FF3}">
+  <ds:schemaRefs>
+    <ds:schemaRef ds:uri="http://schemas.microsoft.com/VisualStudio/2011/storyboarding/control"/>
+  </ds:schemaRefs>
+</ds:datastoreItem>
+</file>
+
+<file path=customXml/itemProps172.xml><?xml version="1.0" encoding="utf-8"?>
+<ds:datastoreItem xmlns:ds="http://schemas.openxmlformats.org/officeDocument/2006/customXml" ds:itemID="{1E27CC14-9852-42D8-9A73-828A1C767F65}">
+  <ds:schemaRefs>
+    <ds:schemaRef ds:uri="http://schemas.microsoft.com/VisualStudio/2011/storyboarding/control"/>
+  </ds:schemaRefs>
+</ds:datastoreItem>
+</file>
+
+<file path=customXml/itemProps18.xml><?xml version="1.0" encoding="utf-8"?>
+<ds:datastoreItem xmlns:ds="http://schemas.openxmlformats.org/officeDocument/2006/customXml" ds:itemID="{3E59668D-9D10-4C26-9CC7-C8295EEC02B7}">
+  <ds:schemaRefs>
+    <ds:schemaRef ds:uri="http://schemas.microsoft.com/VisualStudio/2011/storyboarding/control"/>
+  </ds:schemaRefs>
+</ds:datastoreItem>
+</file>
+
+<file path=customXml/itemProps19.xml><?xml version="1.0" encoding="utf-8"?>
+<ds:datastoreItem xmlns:ds="http://schemas.openxmlformats.org/officeDocument/2006/customXml" ds:itemID="{ED541B40-E3CF-47E9-8800-B673CC7C7D9E}">
+  <ds:schemaRefs>
+    <ds:schemaRef ds:uri="http://schemas.microsoft.com/VisualStudio/2011/storyboarding/control"/>
+  </ds:schemaRefs>
+</ds:datastoreItem>
+</file>
+
+<file path=customXml/itemProps2.xml><?xml version="1.0" encoding="utf-8"?>
+<ds:datastoreItem xmlns:ds="http://schemas.openxmlformats.org/officeDocument/2006/customXml" ds:itemID="{B33906A2-2468-4E50-8B7B-646E03FFEF2D}">
+  <ds:schemaRefs>
+    <ds:schemaRef ds:uri="http://schemas.microsoft.com/VisualStudio/2011/storyboarding/control"/>
+  </ds:schemaRefs>
+</ds:datastoreItem>
+</file>
+
+<file path=customXml/itemProps20.xml><?xml version="1.0" encoding="utf-8"?>
+<ds:datastoreItem xmlns:ds="http://schemas.openxmlformats.org/officeDocument/2006/customXml" ds:itemID="{394EADEA-3838-4D66-B77E-E5E9BD6A7AEA}">
+  <ds:schemaRefs>
+    <ds:schemaRef ds:uri="http://schemas.microsoft.com/VisualStudio/2011/storyboarding/control"/>
+  </ds:schemaRefs>
+</ds:datastoreItem>
+</file>
+
+<file path=customXml/itemProps21.xml><?xml version="1.0" encoding="utf-8"?>
+<ds:datastoreItem xmlns:ds="http://schemas.openxmlformats.org/officeDocument/2006/customXml" ds:itemID="{3E9518F8-52DB-4512-B6E1-D4B81EC47F8E}">
+  <ds:schemaRefs>
+    <ds:schemaRef ds:uri="http://schemas.microsoft.com/VisualStudio/2011/storyboarding/control"/>
+  </ds:schemaRefs>
+</ds:datastoreItem>
+</file>
+
+<file path=customXml/itemProps22.xml><?xml version="1.0" encoding="utf-8"?>
+<ds:datastoreItem xmlns:ds="http://schemas.openxmlformats.org/officeDocument/2006/customXml" ds:itemID="{B1441669-2371-4AE4-A8B5-AFC09272AA93}">
+  <ds:schemaRefs>
+    <ds:schemaRef ds:uri="http://schemas.microsoft.com/VisualStudio/2011/storyboarding/control"/>
+  </ds:schemaRefs>
+</ds:datastoreItem>
+</file>
+
+<file path=customXml/itemProps23.xml><?xml version="1.0" encoding="utf-8"?>
+<ds:datastoreItem xmlns:ds="http://schemas.openxmlformats.org/officeDocument/2006/customXml" ds:itemID="{D544E426-85A9-48AB-BB78-E3AD0590EC7C}">
+  <ds:schemaRefs>
+    <ds:schemaRef ds:uri="http://schemas.microsoft.com/VisualStudio/2011/storyboarding/control"/>
+  </ds:schemaRefs>
+</ds:datastoreItem>
+</file>
+
+<file path=customXml/itemProps24.xml><?xml version="1.0" encoding="utf-8"?>
+<ds:datastoreItem xmlns:ds="http://schemas.openxmlformats.org/officeDocument/2006/customXml" ds:itemID="{E7741501-71C2-4C17-B4E1-815C0856C474}">
+  <ds:schemaRefs>
+    <ds:schemaRef ds:uri="http://schemas.microsoft.com/VisualStudio/2011/storyboarding/control"/>
+  </ds:schemaRefs>
+</ds:datastoreItem>
+</file>
+
+<file path=customXml/itemProps25.xml><?xml version="1.0" encoding="utf-8"?>
+<ds:datastoreItem xmlns:ds="http://schemas.openxmlformats.org/officeDocument/2006/customXml" ds:itemID="{2C7E7D13-6875-4C07-A00F-CBDE5826D5D8}">
+  <ds:schemaRefs>
+    <ds:schemaRef ds:uri="http://schemas.microsoft.com/VisualStudio/2011/storyboarding/control"/>
+  </ds:schemaRefs>
+</ds:datastoreItem>
+</file>
+
+<file path=customXml/itemProps26.xml><?xml version="1.0" encoding="utf-8"?>
+<ds:datastoreItem xmlns:ds="http://schemas.openxmlformats.org/officeDocument/2006/customXml" ds:itemID="{A5C9F535-848A-484D-BE9A-C7950B04C8EE}">
+  <ds:schemaRefs>
+    <ds:schemaRef ds:uri="http://schemas.microsoft.com/VisualStudio/2011/storyboarding/control"/>
+  </ds:schemaRefs>
+</ds:datastoreItem>
+</file>
+
+<file path=customXml/itemProps27.xml><?xml version="1.0" encoding="utf-8"?>
+<ds:datastoreItem xmlns:ds="http://schemas.openxmlformats.org/officeDocument/2006/customXml" ds:itemID="{45B142F8-50A8-47EE-8945-EA0E8BEF71EB}">
+  <ds:schemaRefs>
+    <ds:schemaRef ds:uri="http://schemas.microsoft.com/VisualStudio/2011/storyboarding/control"/>
+  </ds:schemaRefs>
+</ds:datastoreItem>
+</file>
+
+<file path=customXml/itemProps28.xml><?xml version="1.0" encoding="utf-8"?>
+<ds:datastoreItem xmlns:ds="http://schemas.openxmlformats.org/officeDocument/2006/customXml" ds:itemID="{0D101840-8B5F-4665-97F6-B5669CAD36B7}">
+  <ds:schemaRefs>
+    <ds:schemaRef ds:uri="http://schemas.microsoft.com/VisualStudio/2011/storyboarding/control"/>
+  </ds:schemaRefs>
+</ds:datastoreItem>
+</file>
+
+<file path=customXml/itemProps29.xml><?xml version="1.0" encoding="utf-8"?>
+<ds:datastoreItem xmlns:ds="http://schemas.openxmlformats.org/officeDocument/2006/customXml" ds:itemID="{F2AC79B3-EA47-4A60-8F32-62C9B6A4B730}">
+  <ds:schemaRefs>
+    <ds:schemaRef ds:uri="http://schemas.microsoft.com/VisualStudio/2011/storyboarding/control"/>
+  </ds:schemaRefs>
+</ds:datastoreItem>
+</file>
+
+<file path=customXml/itemProps3.xml><?xml version="1.0" encoding="utf-8"?>
+<ds:datastoreItem xmlns:ds="http://schemas.openxmlformats.org/officeDocument/2006/customXml" ds:itemID="{71F7DD17-FE3B-45F0-BA26-7919E3FA2124}">
+  <ds:schemaRefs>
+    <ds:schemaRef ds:uri="http://schemas.microsoft.com/VisualStudio/2011/storyboarding/control"/>
+  </ds:schemaRefs>
+</ds:datastoreItem>
+</file>
+
+<file path=customXml/itemProps30.xml><?xml version="1.0" encoding="utf-8"?>
+<ds:datastoreItem xmlns:ds="http://schemas.openxmlformats.org/officeDocument/2006/customXml" ds:itemID="{13D229BA-F403-4DB5-940D-9A722C14A295}">
+  <ds:schemaRefs>
+    <ds:schemaRef ds:uri="http://schemas.microsoft.com/VisualStudio/2011/storyboarding/control"/>
+  </ds:schemaRefs>
+</ds:datastoreItem>
+</file>
+
+<file path=customXml/itemProps31.xml><?xml version="1.0" encoding="utf-8"?>
+<ds:datastoreItem xmlns:ds="http://schemas.openxmlformats.org/officeDocument/2006/customXml" ds:itemID="{AAE9B66C-C51E-45FF-A0AF-F87D4E76C603}">
+  <ds:schemaRefs>
+    <ds:schemaRef ds:uri="http://schemas.microsoft.com/VisualStudio/2011/storyboarding/control"/>
+  </ds:schemaRefs>
+</ds:datastoreItem>
+</file>
+
+<file path=customXml/itemProps32.xml><?xml version="1.0" encoding="utf-8"?>
+<ds:datastoreItem xmlns:ds="http://schemas.openxmlformats.org/officeDocument/2006/customXml" ds:itemID="{ACF586AD-3668-4E64-BB79-597B4E8D331A}">
+  <ds:schemaRefs>
+    <ds:schemaRef ds:uri="http://schemas.microsoft.com/VisualStudio/2011/storyboarding/control"/>
+  </ds:schemaRefs>
+</ds:datastoreItem>
+</file>
+
+<file path=customXml/itemProps33.xml><?xml version="1.0" encoding="utf-8"?>
+<ds:datastoreItem xmlns:ds="http://schemas.openxmlformats.org/officeDocument/2006/customXml" ds:itemID="{4A328889-52D6-47EA-AA7A-7178F57DFC2D}">
+  <ds:schemaRefs>
+    <ds:schemaRef ds:uri="http://schemas.microsoft.com/VisualStudio/2011/storyboarding/control"/>
+  </ds:schemaRefs>
+</ds:datastoreItem>
+</file>
+
+<file path=customXml/itemProps34.xml><?xml version="1.0" encoding="utf-8"?>
+<ds:datastoreItem xmlns:ds="http://schemas.openxmlformats.org/officeDocument/2006/customXml" ds:itemID="{1C9E4718-660A-46FF-B326-15E4FE359C0C}">
+  <ds:schemaRefs>
+    <ds:schemaRef ds:uri="http://schemas.microsoft.com/VisualStudio/2011/storyboarding/control"/>
+  </ds:schemaRefs>
+</ds:datastoreItem>
+</file>
+
+<file path=customXml/itemProps35.xml><?xml version="1.0" encoding="utf-8"?>
+<ds:datastoreItem xmlns:ds="http://schemas.openxmlformats.org/officeDocument/2006/customXml" ds:itemID="{3F44ADFA-C7D2-4102-9298-3583F06E2549}">
+  <ds:schemaRefs>
+    <ds:schemaRef ds:uri="http://schemas.microsoft.com/VisualStudio/2011/storyboarding/control"/>
+  </ds:schemaRefs>
+</ds:datastoreItem>
+</file>
+
+<file path=customXml/itemProps36.xml><?xml version="1.0" encoding="utf-8"?>
+<ds:datastoreItem xmlns:ds="http://schemas.openxmlformats.org/officeDocument/2006/customXml" ds:itemID="{E64EFAA4-8D4E-4E3D-90B4-CEBC661B0435}">
+  <ds:schemaRefs>
+    <ds:schemaRef ds:uri="http://schemas.microsoft.com/VisualStudio/2011/storyboarding/control"/>
+  </ds:schemaRefs>
+</ds:datastoreItem>
+</file>
+
+<file path=customXml/itemProps37.xml><?xml version="1.0" encoding="utf-8"?>
+<ds:datastoreItem xmlns:ds="http://schemas.openxmlformats.org/officeDocument/2006/customXml" ds:itemID="{FE51AC1B-1271-4746-867D-55554D78B5AE}">
+  <ds:schemaRefs>
+    <ds:schemaRef ds:uri="http://schemas.microsoft.com/VisualStudio/2011/storyboarding/control"/>
+  </ds:schemaRefs>
+</ds:datastoreItem>
+</file>
+
+<file path=customXml/itemProps38.xml><?xml version="1.0" encoding="utf-8"?>
+<ds:datastoreItem xmlns:ds="http://schemas.openxmlformats.org/officeDocument/2006/customXml" ds:itemID="{48FCAF00-A9CA-4F0B-94B6-B06BD75E9807}">
+  <ds:schemaRefs>
+    <ds:schemaRef ds:uri="http://schemas.microsoft.com/VisualStudio/2011/storyboarding/control"/>
+  </ds:schemaRefs>
+</ds:datastoreItem>
+</file>
+
+<file path=customXml/itemProps39.xml><?xml version="1.0" encoding="utf-8"?>
+<ds:datastoreItem xmlns:ds="http://schemas.openxmlformats.org/officeDocument/2006/customXml" ds:itemID="{C5822030-9D10-4417-BB70-A547D778BA9D}">
+  <ds:schemaRefs>
+    <ds:schemaRef ds:uri="http://schemas.microsoft.com/VisualStudio/2011/storyboarding/control"/>
+  </ds:schemaRefs>
+</ds:datastoreItem>
+</file>
+
+<file path=customXml/itemProps4.xml><?xml version="1.0" encoding="utf-8"?>
+<ds:datastoreItem xmlns:ds="http://schemas.openxmlformats.org/officeDocument/2006/customXml" ds:itemID="{1EAEFE78-3E46-45E5-85DF-8CF35EFEFFEE}">
+  <ds:schemaRefs>
+    <ds:schemaRef ds:uri="http://schemas.microsoft.com/VisualStudio/2011/storyboarding/control"/>
+  </ds:schemaRefs>
+</ds:datastoreItem>
+</file>
+
+<file path=customXml/itemProps40.xml><?xml version="1.0" encoding="utf-8"?>
+<ds:datastoreItem xmlns:ds="http://schemas.openxmlformats.org/officeDocument/2006/customXml" ds:itemID="{40E6753A-8176-4C3D-A7AD-922499F48E12}">
+  <ds:schemaRefs>
+    <ds:schemaRef ds:uri="http://schemas.microsoft.com/VisualStudio/2011/storyboarding/control"/>
+  </ds:schemaRefs>
+</ds:datastoreItem>
+</file>
+
+<file path=customXml/itemProps41.xml><?xml version="1.0" encoding="utf-8"?>
+<ds:datastoreItem xmlns:ds="http://schemas.openxmlformats.org/officeDocument/2006/customXml" ds:itemID="{13867D15-2F58-4836-9D34-D0E88BF26D4C}">
+  <ds:schemaRefs>
+    <ds:schemaRef ds:uri="http://schemas.microsoft.com/VisualStudio/2011/storyboarding/control"/>
+  </ds:schemaRefs>
+</ds:datastoreItem>
+</file>
+
+<file path=customXml/itemProps42.xml><?xml version="1.0" encoding="utf-8"?>
+<ds:datastoreItem xmlns:ds="http://schemas.openxmlformats.org/officeDocument/2006/customXml" ds:itemID="{67BB8CBF-A728-42E4-ACB8-9EB900796758}">
+  <ds:schemaRefs>
+    <ds:schemaRef ds:uri="http://schemas.microsoft.com/VisualStudio/2011/storyboarding/control"/>
+  </ds:schemaRefs>
+</ds:datastoreItem>
+</file>
+
+<file path=customXml/itemProps43.xml><?xml version="1.0" encoding="utf-8"?>
+<ds:datastoreItem xmlns:ds="http://schemas.openxmlformats.org/officeDocument/2006/customXml" ds:itemID="{55CA6769-99B0-4402-A536-C3C8E0221022}">
+  <ds:schemaRefs>
+    <ds:schemaRef ds:uri="http://schemas.microsoft.com/VisualStudio/2011/storyboarding/control"/>
+  </ds:schemaRefs>
+</ds:datastoreItem>
+</file>
+
+<file path=customXml/itemProps44.xml><?xml version="1.0" encoding="utf-8"?>
+<ds:datastoreItem xmlns:ds="http://schemas.openxmlformats.org/officeDocument/2006/customXml" ds:itemID="{73ABD768-CB5D-46A4-A597-4A94DA70A531}">
+  <ds:schemaRefs>
+    <ds:schemaRef ds:uri="http://schemas.microsoft.com/VisualStudio/2011/storyboarding/control"/>
+  </ds:schemaRefs>
+</ds:datastoreItem>
+</file>
+
+<file path=customXml/itemProps45.xml><?xml version="1.0" encoding="utf-8"?>
+<ds:datastoreItem xmlns:ds="http://schemas.openxmlformats.org/officeDocument/2006/customXml" ds:itemID="{D321552F-2375-40A6-A02F-FC27787D42F1}">
+  <ds:schemaRefs>
+    <ds:schemaRef ds:uri="http://schemas.microsoft.com/VisualStudio/2011/storyboarding/control"/>
+  </ds:schemaRefs>
+</ds:datastoreItem>
+</file>
+
+<file path=customXml/itemProps46.xml><?xml version="1.0" encoding="utf-8"?>
+<ds:datastoreItem xmlns:ds="http://schemas.openxmlformats.org/officeDocument/2006/customXml" ds:itemID="{45D0D449-A17D-45A3-B4E7-E173226B985A}">
+  <ds:schemaRefs>
+    <ds:schemaRef ds:uri="http://schemas.microsoft.com/VisualStudio/2011/storyboarding/control"/>
+  </ds:schemaRefs>
+</ds:datastoreItem>
+</file>
+
+<file path=customXml/itemProps47.xml><?xml version="1.0" encoding="utf-8"?>
+<ds:datastoreItem xmlns:ds="http://schemas.openxmlformats.org/officeDocument/2006/customXml" ds:itemID="{FA631F3F-931D-4669-BD0B-F99571F5C429}">
+  <ds:schemaRefs>
+    <ds:schemaRef ds:uri="http://schemas.microsoft.com/VisualStudio/2011/storyboarding/control"/>
+  </ds:schemaRefs>
+</ds:datastoreItem>
+</file>
+
+<file path=customXml/itemProps48.xml><?xml version="1.0" encoding="utf-8"?>
+<ds:datastoreItem xmlns:ds="http://schemas.openxmlformats.org/officeDocument/2006/customXml" ds:itemID="{D9AA3C08-4DA4-4FFF-AE51-25D9FD5C0DBF}">
+  <ds:schemaRefs>
+    <ds:schemaRef ds:uri="http://schemas.microsoft.com/VisualStudio/2011/storyboarding/control"/>
+  </ds:schemaRefs>
+</ds:datastoreItem>
+</file>
+
+<file path=customXml/itemProps49.xml><?xml version="1.0" encoding="utf-8"?>
+<ds:datastoreItem xmlns:ds="http://schemas.openxmlformats.org/officeDocument/2006/customXml" ds:itemID="{6EF31828-B1D4-48CE-A1B2-9C0A5D142D1E}">
+  <ds:schemaRefs>
+    <ds:schemaRef ds:uri="http://schemas.microsoft.com/VisualStudio/2011/storyboarding/control"/>
+  </ds:schemaRefs>
+</ds:datastoreItem>
+</file>
+
+<file path=customXml/itemProps5.xml><?xml version="1.0" encoding="utf-8"?>
+<ds:datastoreItem xmlns:ds="http://schemas.openxmlformats.org/officeDocument/2006/customXml" ds:itemID="{15112653-7036-4EB6-9E86-EDFCD1846E57}">
+  <ds:schemaRefs>
+    <ds:schemaRef ds:uri="http://schemas.microsoft.com/VisualStudio/2011/storyboarding/control"/>
+  </ds:schemaRefs>
+</ds:datastoreItem>
+</file>
+
+<file path=customXml/itemProps50.xml><?xml version="1.0" encoding="utf-8"?>
+<ds:datastoreItem xmlns:ds="http://schemas.openxmlformats.org/officeDocument/2006/customXml" ds:itemID="{7C8F0811-703B-42B0-A138-293B93790A1B}">
+  <ds:schemaRefs>
+    <ds:schemaRef ds:uri="http://schemas.microsoft.com/VisualStudio/2011/storyboarding/control"/>
+  </ds:schemaRefs>
+</ds:datastoreItem>
+</file>
+
+<file path=customXml/itemProps51.xml><?xml version="1.0" encoding="utf-8"?>
+<ds:datastoreItem xmlns:ds="http://schemas.openxmlformats.org/officeDocument/2006/customXml" ds:itemID="{10F0BDDE-4AA3-40EF-B2BC-ACF0382ED861}">
+  <ds:schemaRefs>
+    <ds:schemaRef ds:uri="http://schemas.microsoft.com/VisualStudio/2011/storyboarding/control"/>
+  </ds:schemaRefs>
+</ds:datastoreItem>
+</file>
+
+<file path=customXml/itemProps52.xml><?xml version="1.0" encoding="utf-8"?>
+<ds:datastoreItem xmlns:ds="http://schemas.openxmlformats.org/officeDocument/2006/customXml" ds:itemID="{C95B04FA-49D0-4922-A7EB-76ADF3F5F5D3}">
+  <ds:schemaRefs>
+    <ds:schemaRef ds:uri="http://schemas.microsoft.com/VisualStudio/2011/storyboarding/control"/>
+  </ds:schemaRefs>
+</ds:datastoreItem>
+</file>
+
+<file path=customXml/itemProps53.xml><?xml version="1.0" encoding="utf-8"?>
+<ds:datastoreItem xmlns:ds="http://schemas.openxmlformats.org/officeDocument/2006/customXml" ds:itemID="{77104134-B524-4624-9201-ECD829C881BD}">
+  <ds:schemaRefs>
+    <ds:schemaRef ds:uri="http://schemas.microsoft.com/VisualStudio/2011/storyboarding/control"/>
+  </ds:schemaRefs>
+</ds:datastoreItem>
+</file>
+
+<file path=customXml/itemProps54.xml><?xml version="1.0" encoding="utf-8"?>
+<ds:datastoreItem xmlns:ds="http://schemas.openxmlformats.org/officeDocument/2006/customXml" ds:itemID="{952516C9-92F1-4F3E-8CAE-34A561EA713F}">
+  <ds:schemaRefs>
+    <ds:schemaRef ds:uri="http://schemas.microsoft.com/VisualStudio/2011/storyboarding/control"/>
+  </ds:schemaRefs>
+</ds:datastoreItem>
+</file>
+
+<file path=customXml/itemProps55.xml><?xml version="1.0" encoding="utf-8"?>
+<ds:datastoreItem xmlns:ds="http://schemas.openxmlformats.org/officeDocument/2006/customXml" ds:itemID="{6A447DBB-2C85-4597-A0DB-C9A2322BAC8D}">
+  <ds:schemaRefs>
+    <ds:schemaRef ds:uri="http://schemas.microsoft.com/VisualStudio/2011/storyboarding/control"/>
+  </ds:schemaRefs>
+</ds:datastoreItem>
+</file>
+
+<file path=customXml/itemProps56.xml><?xml version="1.0" encoding="utf-8"?>
+<ds:datastoreItem xmlns:ds="http://schemas.openxmlformats.org/officeDocument/2006/customXml" ds:itemID="{9A59C534-A299-402C-BDD6-F5443DFA7893}">
+  <ds:schemaRefs>
+    <ds:schemaRef ds:uri="http://schemas.microsoft.com/VisualStudio/2011/storyboarding/control"/>
+  </ds:schemaRefs>
+</ds:datastoreItem>
+</file>
+
+<file path=customXml/itemProps57.xml><?xml version="1.0" encoding="utf-8"?>
+<ds:datastoreItem xmlns:ds="http://schemas.openxmlformats.org/officeDocument/2006/customXml" ds:itemID="{6909E70A-4203-43FA-8666-1DA9A83FC55A}">
+  <ds:schemaRefs>
+    <ds:schemaRef ds:uri="http://schemas.microsoft.com/VisualStudio/2011/storyboarding/control"/>
+  </ds:schemaRefs>
+</ds:datastoreItem>
+</file>
+
+<file path=customXml/itemProps58.xml><?xml version="1.0" encoding="utf-8"?>
+<ds:datastoreItem xmlns:ds="http://schemas.openxmlformats.org/officeDocument/2006/customXml" ds:itemID="{2373FA59-A4C7-4E40-BF8A-FEF69ED346A4}">
+  <ds:schemaRefs>
+    <ds:schemaRef ds:uri="http://schemas.microsoft.com/VisualStudio/2011/storyboarding/control"/>
+  </ds:schemaRefs>
+</ds:datastoreItem>
+</file>
+
+<file path=customXml/itemProps59.xml><?xml version="1.0" encoding="utf-8"?>
+<ds:datastoreItem xmlns:ds="http://schemas.openxmlformats.org/officeDocument/2006/customXml" ds:itemID="{6DAC6C05-FAFB-4B89-BBD6-3A479BE450F0}">
+  <ds:schemaRefs>
+    <ds:schemaRef ds:uri="http://schemas.microsoft.com/VisualStudio/2011/storyboarding/control"/>
+  </ds:schemaRefs>
+</ds:datastoreItem>
+</file>
+
+<file path=customXml/itemProps6.xml><?xml version="1.0" encoding="utf-8"?>
+<ds:datastoreItem xmlns:ds="http://schemas.openxmlformats.org/officeDocument/2006/customXml" ds:itemID="{CA9B1D84-8FAF-4BE3-BEDE-DAB5639D6F30}">
+  <ds:schemaRefs>
+    <ds:schemaRef ds:uri="http://schemas.microsoft.com/VisualStudio/2011/storyboarding/control"/>
+  </ds:schemaRefs>
+</ds:datastoreItem>
+</file>
+
+<file path=customXml/itemProps60.xml><?xml version="1.0" encoding="utf-8"?>
+<ds:datastoreItem xmlns:ds="http://schemas.openxmlformats.org/officeDocument/2006/customXml" ds:itemID="{51D515F3-5B60-4F94-84C8-4468FC08CD50}">
+  <ds:schemaRefs>
+    <ds:schemaRef ds:uri="http://schemas.microsoft.com/VisualStudio/2011/storyboarding/control"/>
+  </ds:schemaRefs>
+</ds:datastoreItem>
+</file>
+
+<file path=customXml/itemProps61.xml><?xml version="1.0" encoding="utf-8"?>
+<ds:datastoreItem xmlns:ds="http://schemas.openxmlformats.org/officeDocument/2006/customXml" ds:itemID="{AE608858-3A79-4E62-9586-14C746DF17FE}">
+  <ds:schemaRefs>
+    <ds:schemaRef ds:uri="http://schemas.microsoft.com/VisualStudio/2011/storyboarding/control"/>
+  </ds:schemaRefs>
+</ds:datastoreItem>
+</file>
+
+<file path=customXml/itemProps62.xml><?xml version="1.0" encoding="utf-8"?>
+<ds:datastoreItem xmlns:ds="http://schemas.openxmlformats.org/officeDocument/2006/customXml" ds:itemID="{E475E16E-3D1A-4AA1-9265-74BC7689BD6B}">
+  <ds:schemaRefs>
+    <ds:schemaRef ds:uri="http://schemas.microsoft.com/VisualStudio/2011/storyboarding/control"/>
+  </ds:schemaRefs>
+</ds:datastoreItem>
+</file>
+
+<file path=customXml/itemProps63.xml><?xml version="1.0" encoding="utf-8"?>
+<ds:datastoreItem xmlns:ds="http://schemas.openxmlformats.org/officeDocument/2006/customXml" ds:itemID="{E029995E-6C1C-464C-B18A-588A9A373F13}">
+  <ds:schemaRefs>
+    <ds:schemaRef ds:uri="http://schemas.microsoft.com/VisualStudio/2011/storyboarding/control"/>
+  </ds:schemaRefs>
+</ds:datastoreItem>
+</file>
+
+<file path=customXml/itemProps64.xml><?xml version="1.0" encoding="utf-8"?>
+<ds:datastoreItem xmlns:ds="http://schemas.openxmlformats.org/officeDocument/2006/customXml" ds:itemID="{CC0F0423-B11D-48BC-93CE-439535EE4340}">
+  <ds:schemaRefs>
+    <ds:schemaRef ds:uri="http://schemas.microsoft.com/VisualStudio/2011/storyboarding/control"/>
+  </ds:schemaRefs>
+</ds:datastoreItem>
+</file>
+
+<file path=customXml/itemProps65.xml><?xml version="1.0" encoding="utf-8"?>
+<ds:datastoreItem xmlns:ds="http://schemas.openxmlformats.org/officeDocument/2006/customXml" ds:itemID="{BB503869-44CE-4F73-B2F9-2E68C6092DF4}">
+  <ds:schemaRefs>
+    <ds:schemaRef ds:uri="http://schemas.microsoft.com/VisualStudio/2011/storyboarding/control"/>
+  </ds:schemaRefs>
+</ds:datastoreItem>
+</file>
+
+<file path=customXml/itemProps66.xml><?xml version="1.0" encoding="utf-8"?>
+<ds:datastoreItem xmlns:ds="http://schemas.openxmlformats.org/officeDocument/2006/customXml" ds:itemID="{85F86E7D-DA49-4BE9-9097-1D50FB466B1E}">
+  <ds:schemaRefs>
+    <ds:schemaRef ds:uri="http://schemas.microsoft.com/VisualStudio/2011/storyboarding/control"/>
+  </ds:schemaRefs>
+</ds:datastoreItem>
+</file>
+
+<file path=customXml/itemProps67.xml><?xml version="1.0" encoding="utf-8"?>
+<ds:datastoreItem xmlns:ds="http://schemas.openxmlformats.org/officeDocument/2006/customXml" ds:itemID="{D08605C4-AECB-4FFF-9D2C-98990B0DFFDA}">
+  <ds:schemaRefs>
+    <ds:schemaRef ds:uri="http://schemas.microsoft.com/VisualStudio/2011/storyboarding/control"/>
+  </ds:schemaRefs>
+</ds:datastoreItem>
+</file>
+
+<file path=customXml/itemProps68.xml><?xml version="1.0" encoding="utf-8"?>
+<ds:datastoreItem xmlns:ds="http://schemas.openxmlformats.org/officeDocument/2006/customXml" ds:itemID="{ED7BDB59-BF74-409B-8509-C9B8AF445363}">
+  <ds:schemaRefs>
+    <ds:schemaRef ds:uri="http://schemas.microsoft.com/VisualStudio/2011/storyboarding/control"/>
+  </ds:schemaRefs>
+</ds:datastoreItem>
+</file>
+
+<file path=customXml/itemProps69.xml><?xml version="1.0" encoding="utf-8"?>
+<ds:datastoreItem xmlns:ds="http://schemas.openxmlformats.org/officeDocument/2006/customXml" ds:itemID="{D2AAAC7E-0A85-448C-BEAF-FB2E1B4987CA}">
+  <ds:schemaRefs>
+    <ds:schemaRef ds:uri="http://schemas.microsoft.com/VisualStudio/2011/storyboarding/control"/>
+  </ds:schemaRefs>
+</ds:datastoreItem>
+</file>
+
+<file path=customXml/itemProps7.xml><?xml version="1.0" encoding="utf-8"?>
+<ds:datastoreItem xmlns:ds="http://schemas.openxmlformats.org/officeDocument/2006/customXml" ds:itemID="{AA234BDC-12CC-4725-B78F-BD23529D0FB4}">
+  <ds:schemaRefs>
+    <ds:schemaRef ds:uri="http://schemas.microsoft.com/VisualStudio/2011/storyboarding/control"/>
+  </ds:schemaRefs>
+</ds:datastoreItem>
+</file>
+
+<file path=customXml/itemProps70.xml><?xml version="1.0" encoding="utf-8"?>
+<ds:datastoreItem xmlns:ds="http://schemas.openxmlformats.org/officeDocument/2006/customXml" ds:itemID="{9431BAA6-A458-4A16-B548-267B412E871D}">
+  <ds:schemaRefs>
+    <ds:schemaRef ds:uri="http://schemas.microsoft.com/VisualStudio/2011/storyboarding/control"/>
+  </ds:schemaRefs>
+</ds:datastoreItem>
+</file>
+
+<file path=customXml/itemProps71.xml><?xml version="1.0" encoding="utf-8"?>
+<ds:datastoreItem xmlns:ds="http://schemas.openxmlformats.org/officeDocument/2006/customXml" ds:itemID="{AF40C17C-6E53-453B-B327-999FE0B7CF9E}">
+  <ds:schemaRefs>
+    <ds:schemaRef ds:uri="http://schemas.microsoft.com/VisualStudio/2011/storyboarding/control"/>
+  </ds:schemaRefs>
+</ds:datastoreItem>
+</file>
+
+<file path=customXml/itemProps72.xml><?xml version="1.0" encoding="utf-8"?>
+<ds:datastoreItem xmlns:ds="http://schemas.openxmlformats.org/officeDocument/2006/customXml" ds:itemID="{ADE0E0E1-3FB4-4764-85B1-A2581C94CFE9}">
+  <ds:schemaRefs>
+    <ds:schemaRef ds:uri="http://schemas.microsoft.com/VisualStudio/2011/storyboarding/control"/>
+  </ds:schemaRefs>
+</ds:datastoreItem>
+</file>
+
+<file path=customXml/itemProps73.xml><?xml version="1.0" encoding="utf-8"?>
+<ds:datastoreItem xmlns:ds="http://schemas.openxmlformats.org/officeDocument/2006/customXml" ds:itemID="{24046DC5-38AC-4C0E-A7BD-7BA62F64ED8D}">
+  <ds:schemaRefs>
+    <ds:schemaRef ds:uri="http://schemas.microsoft.com/VisualStudio/2011/storyboarding/control"/>
+  </ds:schemaRefs>
+</ds:datastoreItem>
+</file>
+
+<file path=customXml/itemProps74.xml><?xml version="1.0" encoding="utf-8"?>
+<ds:datastoreItem xmlns:ds="http://schemas.openxmlformats.org/officeDocument/2006/customXml" ds:itemID="{69C5573C-4D11-4ED5-8CA8-88391EEEF019}">
+  <ds:schemaRefs>
+    <ds:schemaRef ds:uri="http://schemas.microsoft.com/VisualStudio/2011/storyboarding/control"/>
+  </ds:schemaRefs>
+</ds:datastoreItem>
+</file>
+
+<file path=customXml/itemProps75.xml><?xml version="1.0" encoding="utf-8"?>
+<ds:datastoreItem xmlns:ds="http://schemas.openxmlformats.org/officeDocument/2006/customXml" ds:itemID="{1367878A-D08E-41A0-BE0F-87325A2CCFA2}">
+  <ds:schemaRefs>
+    <ds:schemaRef ds:uri="http://schemas.microsoft.com/VisualStudio/2011/storyboarding/control"/>
+  </ds:schemaRefs>
+</ds:datastoreItem>
+</file>
+
+<file path=customXml/itemProps76.xml><?xml version="1.0" encoding="utf-8"?>
 <ds:datastoreItem xmlns:ds="http://schemas.openxmlformats.org/officeDocument/2006/customXml" ds:itemID="{623F5871-F525-4D45-8757-C0B70863AD81}">
   <ds:schemaRefs>
     <ds:schemaRef ds:uri="http://schemas.microsoft.com/VisualStudio/2011/storyboarding/control"/>
@@ -17052,39 +18166,7 @@
 </ds:datastoreItem>
 </file>
 
-<file path=customXml/itemProps101.xml><?xml version="1.0" encoding="utf-8"?>
-<ds:datastoreItem xmlns:ds="http://schemas.openxmlformats.org/officeDocument/2006/customXml" ds:itemID="{29B37182-9887-4972-8113-B6FBFE59F94E}">
-  <ds:schemaRefs>
-    <ds:schemaRef ds:uri="http://schemas.microsoft.com/VisualStudio/2011/storyboarding/control"/>
-  </ds:schemaRefs>
-</ds:datastoreItem>
-</file>
-
-<file path=customXml/itemProps102.xml><?xml version="1.0" encoding="utf-8"?>
-<ds:datastoreItem xmlns:ds="http://schemas.openxmlformats.org/officeDocument/2006/customXml" ds:itemID="{F106C237-6442-4C6C-BC17-BABD6E81E57F}">
-  <ds:schemaRefs>
-    <ds:schemaRef ds:uri="http://schemas.microsoft.com/VisualStudio/2011/storyboarding/control"/>
-  </ds:schemaRefs>
-</ds:datastoreItem>
-</file>
-
-<file path=customXml/itemProps103.xml><?xml version="1.0" encoding="utf-8"?>
-<ds:datastoreItem xmlns:ds="http://schemas.openxmlformats.org/officeDocument/2006/customXml" ds:itemID="{790E7F39-81D7-4FDD-A0B5-0716A2AE74B2}">
-  <ds:schemaRefs>
-    <ds:schemaRef ds:uri="http://schemas.microsoft.com/VisualStudio/2011/storyboarding/control"/>
-  </ds:schemaRefs>
-</ds:datastoreItem>
-</file>
-
-<file path=customXml/itemProps104.xml><?xml version="1.0" encoding="utf-8"?>
-<ds:datastoreItem xmlns:ds="http://schemas.openxmlformats.org/officeDocument/2006/customXml" ds:itemID="{D321552F-2375-40A6-A02F-FC27787D42F1}">
-  <ds:schemaRefs>
-    <ds:schemaRef ds:uri="http://schemas.microsoft.com/VisualStudio/2011/storyboarding/control"/>
-  </ds:schemaRefs>
-</ds:datastoreItem>
-</file>
-
-<file path=customXml/itemProps105.xml><?xml version="1.0" encoding="utf-8"?>
+<file path=customXml/itemProps77.xml><?xml version="1.0" encoding="utf-8"?>
 <ds:datastoreItem xmlns:ds="http://schemas.openxmlformats.org/officeDocument/2006/customXml" ds:itemID="{19219105-B97A-44AD-8E8F-0F014E4D5F2F}">
   <ds:schemaRefs>
     <ds:schemaRef ds:uri="http://schemas.microsoft.com/VisualStudio/2011/storyboarding/control"/>
@@ -17092,95 +18174,143 @@
 </ds:datastoreItem>
 </file>
 
-<file path=customXml/itemProps106.xml><?xml version="1.0" encoding="utf-8"?>
-<ds:datastoreItem xmlns:ds="http://schemas.openxmlformats.org/officeDocument/2006/customXml" ds:itemID="{92C514EF-47C3-4A1E-8CC0-C426C540F0A1}">
+<file path=customXml/itemProps78.xml><?xml version="1.0" encoding="utf-8"?>
+<ds:datastoreItem xmlns:ds="http://schemas.openxmlformats.org/officeDocument/2006/customXml" ds:itemID="{0205D5B8-50E2-42A6-ADDD-577B72710484}">
   <ds:schemaRefs>
     <ds:schemaRef ds:uri="http://schemas.microsoft.com/VisualStudio/2011/storyboarding/control"/>
   </ds:schemaRefs>
 </ds:datastoreItem>
 </file>
 
-<file path=customXml/itemProps107.xml><?xml version="1.0" encoding="utf-8"?>
-<ds:datastoreItem xmlns:ds="http://schemas.openxmlformats.org/officeDocument/2006/customXml" ds:itemID="{1E27CC14-9852-42D8-9A73-828A1C767F65}">
+<file path=customXml/itemProps79.xml><?xml version="1.0" encoding="utf-8"?>
+<ds:datastoreItem xmlns:ds="http://schemas.openxmlformats.org/officeDocument/2006/customXml" ds:itemID="{BB9D8331-A5A0-4DC8-BED7-F17D94CE02E8}">
   <ds:schemaRefs>
     <ds:schemaRef ds:uri="http://schemas.microsoft.com/VisualStudio/2011/storyboarding/control"/>
   </ds:schemaRefs>
 </ds:datastoreItem>
 </file>
 
-<file path=customXml/itemProps108.xml><?xml version="1.0" encoding="utf-8"?>
-<ds:datastoreItem xmlns:ds="http://schemas.openxmlformats.org/officeDocument/2006/customXml" ds:itemID="{394EADEA-3838-4D66-B77E-E5E9BD6A7AEA}">
+<file path=customXml/itemProps8.xml><?xml version="1.0" encoding="utf-8"?>
+<ds:datastoreItem xmlns:ds="http://schemas.openxmlformats.org/officeDocument/2006/customXml" ds:itemID="{A6CB5F7F-1B30-4371-AA4A-C09705431B7C}">
   <ds:schemaRefs>
     <ds:schemaRef ds:uri="http://schemas.microsoft.com/VisualStudio/2011/storyboarding/control"/>
   </ds:schemaRefs>
 </ds:datastoreItem>
 </file>
 
-<file path=customXml/itemProps109.xml><?xml version="1.0" encoding="utf-8"?>
-<ds:datastoreItem xmlns:ds="http://schemas.openxmlformats.org/officeDocument/2006/customXml" ds:itemID="{C5822030-9D10-4417-BB70-A547D778BA9D}">
+<file path=customXml/itemProps80.xml><?xml version="1.0" encoding="utf-8"?>
+<ds:datastoreItem xmlns:ds="http://schemas.openxmlformats.org/officeDocument/2006/customXml" ds:itemID="{F2948E7D-95F1-4C09-BF4C-141C6B60CBB5}">
   <ds:schemaRefs>
     <ds:schemaRef ds:uri="http://schemas.microsoft.com/VisualStudio/2011/storyboarding/control"/>
   </ds:schemaRefs>
 </ds:datastoreItem>
 </file>
 
-<file path=customXml/itemProps11.xml><?xml version="1.0" encoding="utf-8"?>
-<ds:datastoreItem xmlns:ds="http://schemas.openxmlformats.org/officeDocument/2006/customXml" ds:itemID="{D9DDD41F-7524-4A14-A6F5-F6220B14545E}">
+<file path=customXml/itemProps81.xml><?xml version="1.0" encoding="utf-8"?>
+<ds:datastoreItem xmlns:ds="http://schemas.openxmlformats.org/officeDocument/2006/customXml" ds:itemID="{33EA19CF-64F4-42CF-A3DD-7DE1682232E2}">
   <ds:schemaRefs>
     <ds:schemaRef ds:uri="http://schemas.microsoft.com/VisualStudio/2011/storyboarding/control"/>
   </ds:schemaRefs>
 </ds:datastoreItem>
 </file>
 
-<file path=customXml/itemProps110.xml><?xml version="1.0" encoding="utf-8"?>
-<ds:datastoreItem xmlns:ds="http://schemas.openxmlformats.org/officeDocument/2006/customXml" ds:itemID="{E475E16E-3D1A-4AA1-9265-74BC7689BD6B}">
+<file path=customXml/itemProps82.xml><?xml version="1.0" encoding="utf-8"?>
+<ds:datastoreItem xmlns:ds="http://schemas.openxmlformats.org/officeDocument/2006/customXml" ds:itemID="{E44C9E77-1C35-4DBC-82DD-57E4D308EFBB}">
   <ds:schemaRefs>
     <ds:schemaRef ds:uri="http://schemas.microsoft.com/VisualStudio/2011/storyboarding/control"/>
   </ds:schemaRefs>
 </ds:datastoreItem>
 </file>
 
-<file path=customXml/itemProps111.xml><?xml version="1.0" encoding="utf-8"?>
-<ds:datastoreItem xmlns:ds="http://schemas.openxmlformats.org/officeDocument/2006/customXml" ds:itemID="{1CCD967A-A231-4443-B5CB-163865029EA0}">
+<file path=customXml/itemProps83.xml><?xml version="1.0" encoding="utf-8"?>
+<ds:datastoreItem xmlns:ds="http://schemas.openxmlformats.org/officeDocument/2006/customXml" ds:itemID="{DDE8CEAB-FAAF-46B5-9BC4-6BAA48DFB915}">
   <ds:schemaRefs>
     <ds:schemaRef ds:uri="http://schemas.microsoft.com/VisualStudio/2011/storyboarding/control"/>
   </ds:schemaRefs>
 </ds:datastoreItem>
 </file>
 
-<file path=customXml/itemProps112.xml><?xml version="1.0" encoding="utf-8"?>
-<ds:datastoreItem xmlns:ds="http://schemas.openxmlformats.org/officeDocument/2006/customXml" ds:itemID="{0AB71E67-FC2D-421E-B264-47BB552D5A5B}">
+<file path=customXml/itemProps84.xml><?xml version="1.0" encoding="utf-8"?>
+<ds:datastoreItem xmlns:ds="http://schemas.openxmlformats.org/officeDocument/2006/customXml" ds:itemID="{68BF0817-02E7-4175-AEC7-8477E7F612E9}">
   <ds:schemaRefs>
     <ds:schemaRef ds:uri="http://schemas.microsoft.com/VisualStudio/2011/storyboarding/control"/>
   </ds:schemaRefs>
 </ds:datastoreItem>
 </file>
 
-<file path=customXml/itemProps113.xml><?xml version="1.0" encoding="utf-8"?>
-<ds:datastoreItem xmlns:ds="http://schemas.openxmlformats.org/officeDocument/2006/customXml" ds:itemID="{33F9E1D4-170C-4DAF-A4E9-B2F1E33BDA51}">
+<file path=customXml/itemProps85.xml><?xml version="1.0" encoding="utf-8"?>
+<ds:datastoreItem xmlns:ds="http://schemas.openxmlformats.org/officeDocument/2006/customXml" ds:itemID="{CD29ED7C-7003-4640-8A56-61BBEE20B1F0}">
   <ds:schemaRefs>
     <ds:schemaRef ds:uri="http://schemas.microsoft.com/VisualStudio/2011/storyboarding/control"/>
   </ds:schemaRefs>
 </ds:datastoreItem>
 </file>
 
-<file path=customXml/itemProps114.xml><?xml version="1.0" encoding="utf-8"?>
-<ds:datastoreItem xmlns:ds="http://schemas.openxmlformats.org/officeDocument/2006/customXml" ds:itemID="{18CA7C37-7AF9-45BE-BBAE-D2D0584D8934}">
+<file path=customXml/itemProps86.xml><?xml version="1.0" encoding="utf-8"?>
+<ds:datastoreItem xmlns:ds="http://schemas.openxmlformats.org/officeDocument/2006/customXml" ds:itemID="{192B0C59-AF18-4932-A8CE-C28065725D2A}">
   <ds:schemaRefs>
     <ds:schemaRef ds:uri="http://schemas.microsoft.com/VisualStudio/2011/storyboarding/control"/>
   </ds:schemaRefs>
 </ds:datastoreItem>
 </file>
 
-<file path=customXml/itemProps115.xml><?xml version="1.0" encoding="utf-8"?>
-<ds:datastoreItem xmlns:ds="http://schemas.openxmlformats.org/officeDocument/2006/customXml" ds:itemID="{E029995E-6C1C-464C-B18A-588A9A373F13}">
+<file path=customXml/itemProps87.xml><?xml version="1.0" encoding="utf-8"?>
+<ds:datastoreItem xmlns:ds="http://schemas.openxmlformats.org/officeDocument/2006/customXml" ds:itemID="{8B3DF17E-302B-453F-A2FD-6CDC4C0170AA}">
   <ds:schemaRefs>
     <ds:schemaRef ds:uri="http://schemas.microsoft.com/VisualStudio/2011/storyboarding/control"/>
   </ds:schemaRefs>
 </ds:datastoreItem>
 </file>
 
-<file path=customXml/itemProps116.xml><?xml version="1.0" encoding="utf-8"?>
+<file path=customXml/itemProps88.xml><?xml version="1.0" encoding="utf-8"?>
+<ds:datastoreItem xmlns:ds="http://schemas.openxmlformats.org/officeDocument/2006/customXml" ds:itemID="{FE6E328A-6A73-4FA6-A99D-5520E55E5B7D}">
+  <ds:schemaRefs>
+    <ds:schemaRef ds:uri="http://schemas.microsoft.com/VisualStudio/2011/storyboarding/control"/>
+  </ds:schemaRefs>
+</ds:datastoreItem>
+</file>
+
+<file path=customXml/itemProps89.xml><?xml version="1.0" encoding="utf-8"?>
+<ds:datastoreItem xmlns:ds="http://schemas.openxmlformats.org/officeDocument/2006/customXml" ds:itemID="{DD4B0EF4-5BAE-4815-B342-64E17EEBDB97}">
+  <ds:schemaRefs>
+    <ds:schemaRef ds:uri="http://schemas.microsoft.com/VisualStudio/2011/storyboarding/control"/>
+  </ds:schemaRefs>
+</ds:datastoreItem>
+</file>
+
+<file path=customXml/itemProps9.xml><?xml version="1.0" encoding="utf-8"?>
+<ds:datastoreItem xmlns:ds="http://schemas.openxmlformats.org/officeDocument/2006/customXml" ds:itemID="{9441CC7A-8DA1-4C19-B524-DD31C7A19972}">
+  <ds:schemaRefs>
+    <ds:schemaRef ds:uri="http://schemas.microsoft.com/VisualStudio/2011/storyboarding/control"/>
+  </ds:schemaRefs>
+</ds:datastoreItem>
+</file>
+
+<file path=customXml/itemProps90.xml><?xml version="1.0" encoding="utf-8"?>
+<ds:datastoreItem xmlns:ds="http://schemas.openxmlformats.org/officeDocument/2006/customXml" ds:itemID="{47953D14-6ADC-4DA0-8BCD-D5FB70B1B04A}">
+  <ds:schemaRefs>
+    <ds:schemaRef ds:uri="http://schemas.microsoft.com/VisualStudio/2011/storyboarding/control"/>
+  </ds:schemaRefs>
+</ds:datastoreItem>
+</file>
+
+<file path=customXml/itemProps91.xml><?xml version="1.0" encoding="utf-8"?>
+<ds:datastoreItem xmlns:ds="http://schemas.openxmlformats.org/officeDocument/2006/customXml" ds:itemID="{7D3F1746-26F3-4D5F-8DB1-4CE59AC409F7}">
+  <ds:schemaRefs>
+    <ds:schemaRef ds:uri="http://schemas.microsoft.com/VisualStudio/2011/storyboarding/control"/>
+  </ds:schemaRefs>
+</ds:datastoreItem>
+</file>
+
+<file path=customXml/itemProps92.xml><?xml version="1.0" encoding="utf-8"?>
+<ds:datastoreItem xmlns:ds="http://schemas.openxmlformats.org/officeDocument/2006/customXml" ds:itemID="{C4F6D4BE-A130-482B-BA98-1CB53DA976CA}">
+  <ds:schemaRefs>
+    <ds:schemaRef ds:uri="http://schemas.microsoft.com/VisualStudio/2011/storyboarding/control"/>
+  </ds:schemaRefs>
+</ds:datastoreItem>
+</file>
+
+<file path=customXml/itemProps93.xml><?xml version="1.0" encoding="utf-8"?>
 <ds:datastoreItem xmlns:ds="http://schemas.openxmlformats.org/officeDocument/2006/customXml" ds:itemID="{8034C046-287A-40CC-BFAD-DD9798F69203}">
   <ds:schemaRefs>
     <ds:schemaRef ds:uri="http://schemas.microsoft.com/VisualStudio/2011/storyboarding/control"/>
@@ -17188,183 +18318,7 @@
 </ds:datastoreItem>
 </file>
 
-<file path=customXml/itemProps117.xml><?xml version="1.0" encoding="utf-8"?>
-<ds:datastoreItem xmlns:ds="http://schemas.openxmlformats.org/officeDocument/2006/customXml" ds:itemID="{7AB87D2A-44BC-4109-A9F6-0CF47E17DA7C}">
-  <ds:schemaRefs>
-    <ds:schemaRef ds:uri="http://schemas.microsoft.com/VisualStudio/2011/storyboarding/control"/>
-  </ds:schemaRefs>
-</ds:datastoreItem>
-</file>
-
-<file path=customXml/itemProps118.xml><?xml version="1.0" encoding="utf-8"?>
-<ds:datastoreItem xmlns:ds="http://schemas.openxmlformats.org/officeDocument/2006/customXml" ds:itemID="{E5DD84D4-A8CE-4783-AB20-E42165ABDFA7}">
-  <ds:schemaRefs>
-    <ds:schemaRef ds:uri="http://schemas.microsoft.com/VisualStudio/2011/storyboarding/control"/>
-  </ds:schemaRefs>
-</ds:datastoreItem>
-</file>
-
-<file path=customXml/itemProps119.xml><?xml version="1.0" encoding="utf-8"?>
-<ds:datastoreItem xmlns:ds="http://schemas.openxmlformats.org/officeDocument/2006/customXml" ds:itemID="{F2AC79B3-EA47-4A60-8F32-62C9B6A4B730}">
-  <ds:schemaRefs>
-    <ds:schemaRef ds:uri="http://schemas.microsoft.com/VisualStudio/2011/storyboarding/control"/>
-  </ds:schemaRefs>
-</ds:datastoreItem>
-</file>
-
-<file path=customXml/itemProps12.xml><?xml version="1.0" encoding="utf-8"?>
-<ds:datastoreItem xmlns:ds="http://schemas.openxmlformats.org/officeDocument/2006/customXml" ds:itemID="{3E59668D-9D10-4C26-9CC7-C8295EEC02B7}">
-  <ds:schemaRefs>
-    <ds:schemaRef ds:uri="http://schemas.microsoft.com/VisualStudio/2011/storyboarding/control"/>
-  </ds:schemaRefs>
-</ds:datastoreItem>
-</file>
-
-<file path=customXml/itemProps120.xml><?xml version="1.0" encoding="utf-8"?>
-<ds:datastoreItem xmlns:ds="http://schemas.openxmlformats.org/officeDocument/2006/customXml" ds:itemID="{45D0D449-A17D-45A3-B4E7-E173226B985A}">
-  <ds:schemaRefs>
-    <ds:schemaRef ds:uri="http://schemas.microsoft.com/VisualStudio/2011/storyboarding/control"/>
-  </ds:schemaRefs>
-</ds:datastoreItem>
-</file>
-
-<file path=customXml/itemProps121.xml><?xml version="1.0" encoding="utf-8"?>
-<ds:datastoreItem xmlns:ds="http://schemas.openxmlformats.org/officeDocument/2006/customXml" ds:itemID="{192B0C59-AF18-4932-A8CE-C28065725D2A}">
-  <ds:schemaRefs>
-    <ds:schemaRef ds:uri="http://schemas.microsoft.com/VisualStudio/2011/storyboarding/control"/>
-  </ds:schemaRefs>
-</ds:datastoreItem>
-</file>
-
-<file path=customXml/itemProps122.xml><?xml version="1.0" encoding="utf-8"?>
-<ds:datastoreItem xmlns:ds="http://schemas.openxmlformats.org/officeDocument/2006/customXml" ds:itemID="{66DA5703-DC74-4A5C-897F-77851F088467}">
-  <ds:schemaRefs>
-    <ds:schemaRef ds:uri="http://schemas.microsoft.com/VisualStudio/2011/storyboarding/control"/>
-  </ds:schemaRefs>
-</ds:datastoreItem>
-</file>
-
-<file path=customXml/itemProps123.xml><?xml version="1.0" encoding="utf-8"?>
-<ds:datastoreItem xmlns:ds="http://schemas.openxmlformats.org/officeDocument/2006/customXml" ds:itemID="{A3199E56-6304-4A04-BDD7-107FDE5731A4}">
-  <ds:schemaRefs>
-    <ds:schemaRef ds:uri="http://schemas.microsoft.com/VisualStudio/2011/storyboarding/control"/>
-  </ds:schemaRefs>
-</ds:datastoreItem>
-</file>
-
-<file path=customXml/itemProps124.xml><?xml version="1.0" encoding="utf-8"?>
-<ds:datastoreItem xmlns:ds="http://schemas.openxmlformats.org/officeDocument/2006/customXml" ds:itemID="{4C95C4DB-91BC-4C29-B0A4-0A132577B473}">
-  <ds:schemaRefs>
-    <ds:schemaRef ds:uri="http://schemas.microsoft.com/VisualStudio/2011/storyboarding/control"/>
-  </ds:schemaRefs>
-</ds:datastoreItem>
-</file>
-
-<file path=customXml/itemProps125.xml><?xml version="1.0" encoding="utf-8"?>
-<ds:datastoreItem xmlns:ds="http://schemas.openxmlformats.org/officeDocument/2006/customXml" ds:itemID="{FA631F3F-931D-4669-BD0B-F99571F5C429}">
-  <ds:schemaRefs>
-    <ds:schemaRef ds:uri="http://schemas.microsoft.com/VisualStudio/2011/storyboarding/control"/>
-  </ds:schemaRefs>
-</ds:datastoreItem>
-</file>
-
-<file path=customXml/itemProps126.xml><?xml version="1.0" encoding="utf-8"?>
-<ds:datastoreItem xmlns:ds="http://schemas.openxmlformats.org/officeDocument/2006/customXml" ds:itemID="{0205D5B8-50E2-42A6-ADDD-577B72710484}">
-  <ds:schemaRefs>
-    <ds:schemaRef ds:uri="http://schemas.microsoft.com/VisualStudio/2011/storyboarding/control"/>
-  </ds:schemaRefs>
-</ds:datastoreItem>
-</file>
-
-<file path=customXml/itemProps127.xml><?xml version="1.0" encoding="utf-8"?>
-<ds:datastoreItem xmlns:ds="http://schemas.openxmlformats.org/officeDocument/2006/customXml" ds:itemID="{F753D4C8-6DCC-4D78-9E76-A20A021CFCD8}">
-  <ds:schemaRefs>
-    <ds:schemaRef ds:uri="http://schemas.microsoft.com/VisualStudio/2011/storyboarding/control"/>
-  </ds:schemaRefs>
-</ds:datastoreItem>
-</file>
-
-<file path=customXml/itemProps128.xml><?xml version="1.0" encoding="utf-8"?>
-<ds:datastoreItem xmlns:ds="http://schemas.openxmlformats.org/officeDocument/2006/customXml" ds:itemID="{15112653-7036-4EB6-9E86-EDFCD1846E57}">
-  <ds:schemaRefs>
-    <ds:schemaRef ds:uri="http://schemas.microsoft.com/VisualStudio/2011/storyboarding/control"/>
-  </ds:schemaRefs>
-</ds:datastoreItem>
-</file>
-
-<file path=customXml/itemProps129.xml><?xml version="1.0" encoding="utf-8"?>
-<ds:datastoreItem xmlns:ds="http://schemas.openxmlformats.org/officeDocument/2006/customXml" ds:itemID="{3E9518F8-52DB-4512-B6E1-D4B81EC47F8E}">
-  <ds:schemaRefs>
-    <ds:schemaRef ds:uri="http://schemas.microsoft.com/VisualStudio/2011/storyboarding/control"/>
-  </ds:schemaRefs>
-</ds:datastoreItem>
-</file>
-
-<file path=customXml/itemProps13.xml><?xml version="1.0" encoding="utf-8"?>
-<ds:datastoreItem xmlns:ds="http://schemas.openxmlformats.org/officeDocument/2006/customXml" ds:itemID="{E64EFAA4-8D4E-4E3D-90B4-CEBC661B0435}">
-  <ds:schemaRefs>
-    <ds:schemaRef ds:uri="http://schemas.microsoft.com/VisualStudio/2011/storyboarding/control"/>
-  </ds:schemaRefs>
-</ds:datastoreItem>
-</file>
-
-<file path=customXml/itemProps130.xml><?xml version="1.0" encoding="utf-8"?>
-<ds:datastoreItem xmlns:ds="http://schemas.openxmlformats.org/officeDocument/2006/customXml" ds:itemID="{4A328889-52D6-47EA-AA7A-7178F57DFC2D}">
-  <ds:schemaRefs>
-    <ds:schemaRef ds:uri="http://schemas.microsoft.com/VisualStudio/2011/storyboarding/control"/>
-  </ds:schemaRefs>
-</ds:datastoreItem>
-</file>
-
-<file path=customXml/itemProps131.xml><?xml version="1.0" encoding="utf-8"?>
-<ds:datastoreItem xmlns:ds="http://schemas.openxmlformats.org/officeDocument/2006/customXml" ds:itemID="{CC0F0423-B11D-48BC-93CE-439535EE4340}">
-  <ds:schemaRefs>
-    <ds:schemaRef ds:uri="http://schemas.microsoft.com/VisualStudio/2011/storyboarding/control"/>
-  </ds:schemaRefs>
-</ds:datastoreItem>
-</file>
-
-<file path=customXml/itemProps132.xml><?xml version="1.0" encoding="utf-8"?>
-<ds:datastoreItem xmlns:ds="http://schemas.openxmlformats.org/officeDocument/2006/customXml" ds:itemID="{6A689C72-B170-4CC3-844E-7A992719660C}">
-  <ds:schemaRefs>
-    <ds:schemaRef ds:uri="http://schemas.microsoft.com/VisualStudio/2011/storyboarding/control"/>
-  </ds:schemaRefs>
-</ds:datastoreItem>
-</file>
-
-<file path=customXml/itemProps133.xml><?xml version="1.0" encoding="utf-8"?>
-<ds:datastoreItem xmlns:ds="http://schemas.openxmlformats.org/officeDocument/2006/customXml" ds:itemID="{0BDCEE85-95E9-41B6-B7EA-41FEC8A8955C}">
-  <ds:schemaRefs>
-    <ds:schemaRef ds:uri="http://schemas.microsoft.com/VisualStudio/2011/storyboarding/control"/>
-  </ds:schemaRefs>
-</ds:datastoreItem>
-</file>
-
-<file path=customXml/itemProps134.xml><?xml version="1.0" encoding="utf-8"?>
-<ds:datastoreItem xmlns:ds="http://schemas.openxmlformats.org/officeDocument/2006/customXml" ds:itemID="{7C7A195E-DFA7-4A05-9371-894B93FD1828}">
-  <ds:schemaRefs>
-    <ds:schemaRef ds:uri="http://schemas.microsoft.com/VisualStudio/2011/storyboarding/control"/>
-  </ds:schemaRefs>
-</ds:datastoreItem>
-</file>
-
-<file path=customXml/itemProps135.xml><?xml version="1.0" encoding="utf-8"?>
-<ds:datastoreItem xmlns:ds="http://schemas.openxmlformats.org/officeDocument/2006/customXml" ds:itemID="{CAA62E3A-E1D3-48E6-902C-72278FCF572B}">
-  <ds:schemaRefs>
-    <ds:schemaRef ds:uri="http://schemas.microsoft.com/VisualStudio/2011/storyboarding/control"/>
-  </ds:schemaRefs>
-</ds:datastoreItem>
-</file>
-
-<file path=customXml/itemProps136.xml><?xml version="1.0" encoding="utf-8"?>
-<ds:datastoreItem xmlns:ds="http://schemas.openxmlformats.org/officeDocument/2006/customXml" ds:itemID="{BB503869-44CE-4F73-B2F9-2E68C6092DF4}">
-  <ds:schemaRefs>
-    <ds:schemaRef ds:uri="http://schemas.microsoft.com/VisualStudio/2011/storyboarding/control"/>
-  </ds:schemaRefs>
-</ds:datastoreItem>
-</file>
-
-<file path=customXml/itemProps137.xml><?xml version="1.0" encoding="utf-8"?>
+<file path=customXml/itemProps94.xml><?xml version="1.0" encoding="utf-8"?>
 <ds:datastoreItem xmlns:ds="http://schemas.openxmlformats.org/officeDocument/2006/customXml" ds:itemID="{A4C33EEA-7075-4651-97E3-4829E38E21EA}">
   <ds:schemaRefs>
     <ds:schemaRef ds:uri="http://schemas.microsoft.com/VisualStudio/2011/storyboarding/control"/>
@@ -17372,183 +18326,7 @@
 </ds:datastoreItem>
 </file>
 
-<file path=customXml/itemProps138.xml><?xml version="1.0" encoding="utf-8"?>
-<ds:datastoreItem xmlns:ds="http://schemas.openxmlformats.org/officeDocument/2006/customXml" ds:itemID="{7F5E28FD-26FF-4A48-BAD7-50B55AB6208D}">
-  <ds:schemaRefs>
-    <ds:schemaRef ds:uri="http://schemas.microsoft.com/VisualStudio/2011/storyboarding/control"/>
-  </ds:schemaRefs>
-</ds:datastoreItem>
-</file>
-
-<file path=customXml/itemProps139.xml><?xml version="1.0" encoding="utf-8"?>
-<ds:datastoreItem xmlns:ds="http://schemas.openxmlformats.org/officeDocument/2006/customXml" ds:itemID="{A2F6F20D-5D93-4163-A5E6-5A9B6AB49B35}">
-  <ds:schemaRefs>
-    <ds:schemaRef ds:uri="http://schemas.microsoft.com/VisualStudio/2011/storyboarding/control"/>
-  </ds:schemaRefs>
-</ds:datastoreItem>
-</file>
-
-<file path=customXml/itemProps14.xml><?xml version="1.0" encoding="utf-8"?>
-<ds:datastoreItem xmlns:ds="http://schemas.openxmlformats.org/officeDocument/2006/customXml" ds:itemID="{AF40C17C-6E53-453B-B327-999FE0B7CF9E}">
-  <ds:schemaRefs>
-    <ds:schemaRef ds:uri="http://schemas.microsoft.com/VisualStudio/2011/storyboarding/control"/>
-  </ds:schemaRefs>
-</ds:datastoreItem>
-</file>
-
-<file path=customXml/itemProps140.xml><?xml version="1.0" encoding="utf-8"?>
-<ds:datastoreItem xmlns:ds="http://schemas.openxmlformats.org/officeDocument/2006/customXml" ds:itemID="{2C7E7D13-6875-4C07-A00F-CBDE5826D5D8}">
-  <ds:schemaRefs>
-    <ds:schemaRef ds:uri="http://schemas.microsoft.com/VisualStudio/2011/storyboarding/control"/>
-  </ds:schemaRefs>
-</ds:datastoreItem>
-</file>
-
-<file path=customXml/itemProps141.xml><?xml version="1.0" encoding="utf-8"?>
-<ds:datastoreItem xmlns:ds="http://schemas.openxmlformats.org/officeDocument/2006/customXml" ds:itemID="{D9AA3C08-4DA4-4FFF-AE51-25D9FD5C0DBF}">
-  <ds:schemaRefs>
-    <ds:schemaRef ds:uri="http://schemas.microsoft.com/VisualStudio/2011/storyboarding/control"/>
-  </ds:schemaRefs>
-</ds:datastoreItem>
-</file>
-
-<file path=customXml/itemProps142.xml><?xml version="1.0" encoding="utf-8"?>
-<ds:datastoreItem xmlns:ds="http://schemas.openxmlformats.org/officeDocument/2006/customXml" ds:itemID="{8B3DF17E-302B-453F-A2FD-6CDC4C0170AA}">
-  <ds:schemaRefs>
-    <ds:schemaRef ds:uri="http://schemas.microsoft.com/VisualStudio/2011/storyboarding/control"/>
-  </ds:schemaRefs>
-</ds:datastoreItem>
-</file>
-
-<file path=customXml/itemProps143.xml><?xml version="1.0" encoding="utf-8"?>
-<ds:datastoreItem xmlns:ds="http://schemas.openxmlformats.org/officeDocument/2006/customXml" ds:itemID="{FF00F683-10CA-4344-BB02-557AFC229713}">
-  <ds:schemaRefs>
-    <ds:schemaRef ds:uri="http://schemas.microsoft.com/VisualStudio/2011/storyboarding/control"/>
-  </ds:schemaRefs>
-</ds:datastoreItem>
-</file>
-
-<file path=customXml/itemProps144.xml><?xml version="1.0" encoding="utf-8"?>
-<ds:datastoreItem xmlns:ds="http://schemas.openxmlformats.org/officeDocument/2006/customXml" ds:itemID="{D76A8C43-D0E6-4D76-A639-72E580E29047}">
-  <ds:schemaRefs>
-    <ds:schemaRef ds:uri="http://schemas.microsoft.com/VisualStudio/2011/storyboarding/control"/>
-  </ds:schemaRefs>
-</ds:datastoreItem>
-</file>
-
-<file path=customXml/itemProps145.xml><?xml version="1.0" encoding="utf-8"?>
-<ds:datastoreItem xmlns:ds="http://schemas.openxmlformats.org/officeDocument/2006/customXml" ds:itemID="{3587D983-5BF3-43F4-B7CC-0D3FCA927E45}">
-  <ds:schemaRefs>
-    <ds:schemaRef ds:uri="http://schemas.microsoft.com/VisualStudio/2011/storyboarding/control"/>
-  </ds:schemaRefs>
-</ds:datastoreItem>
-</file>
-
-<file path=customXml/itemProps146.xml><?xml version="1.0" encoding="utf-8"?>
-<ds:datastoreItem xmlns:ds="http://schemas.openxmlformats.org/officeDocument/2006/customXml" ds:itemID="{6EF31828-B1D4-48CE-A1B2-9C0A5D142D1E}">
-  <ds:schemaRefs>
-    <ds:schemaRef ds:uri="http://schemas.microsoft.com/VisualStudio/2011/storyboarding/control"/>
-  </ds:schemaRefs>
-</ds:datastoreItem>
-</file>
-
-<file path=customXml/itemProps147.xml><?xml version="1.0" encoding="utf-8"?>
-<ds:datastoreItem xmlns:ds="http://schemas.openxmlformats.org/officeDocument/2006/customXml" ds:itemID="{BB9D8331-A5A0-4DC8-BED7-F17D94CE02E8}">
-  <ds:schemaRefs>
-    <ds:schemaRef ds:uri="http://schemas.microsoft.com/VisualStudio/2011/storyboarding/control"/>
-  </ds:schemaRefs>
-</ds:datastoreItem>
-</file>
-
-<file path=customXml/itemProps148.xml><?xml version="1.0" encoding="utf-8"?>
-<ds:datastoreItem xmlns:ds="http://schemas.openxmlformats.org/officeDocument/2006/customXml" ds:itemID="{B02AE70D-AB27-4B64-9EAF-0217792EF7E1}">
-  <ds:schemaRefs>
-    <ds:schemaRef ds:uri="http://schemas.microsoft.com/VisualStudio/2011/storyboarding/control"/>
-  </ds:schemaRefs>
-</ds:datastoreItem>
-</file>
-
-<file path=customXml/itemProps149.xml><?xml version="1.0" encoding="utf-8"?>
-<ds:datastoreItem xmlns:ds="http://schemas.openxmlformats.org/officeDocument/2006/customXml" ds:itemID="{CA9B1D84-8FAF-4BE3-BEDE-DAB5639D6F30}">
-  <ds:schemaRefs>
-    <ds:schemaRef ds:uri="http://schemas.microsoft.com/VisualStudio/2011/storyboarding/control"/>
-  </ds:schemaRefs>
-</ds:datastoreItem>
-</file>
-
-<file path=customXml/itemProps15.xml><?xml version="1.0" encoding="utf-8"?>
-<ds:datastoreItem xmlns:ds="http://schemas.openxmlformats.org/officeDocument/2006/customXml" ds:itemID="{46C8095E-E543-4B44-84A5-7DF9215641EF}">
-  <ds:schemaRefs>
-    <ds:schemaRef ds:uri="http://schemas.microsoft.com/VisualStudio/2011/storyboarding/control"/>
-  </ds:schemaRefs>
-</ds:datastoreItem>
-</file>
-
-<file path=customXml/itemProps150.xml><?xml version="1.0" encoding="utf-8"?>
-<ds:datastoreItem xmlns:ds="http://schemas.openxmlformats.org/officeDocument/2006/customXml" ds:itemID="{14F53810-CFF1-4E60-9021-6AF4EA429CC7}">
-  <ds:schemaRefs>
-    <ds:schemaRef ds:uri="http://schemas.microsoft.com/VisualStudio/2011/storyboarding/control"/>
-  </ds:schemaRefs>
-</ds:datastoreItem>
-</file>
-
-<file path=customXml/itemProps151.xml><?xml version="1.0" encoding="utf-8"?>
-<ds:datastoreItem xmlns:ds="http://schemas.openxmlformats.org/officeDocument/2006/customXml" ds:itemID="{1C9E4718-660A-46FF-B326-15E4FE359C0C}">
-  <ds:schemaRefs>
-    <ds:schemaRef ds:uri="http://schemas.microsoft.com/VisualStudio/2011/storyboarding/control"/>
-  </ds:schemaRefs>
-</ds:datastoreItem>
-</file>
-
-<file path=customXml/itemProps152.xml><?xml version="1.0" encoding="utf-8"?>
-<ds:datastoreItem xmlns:ds="http://schemas.openxmlformats.org/officeDocument/2006/customXml" ds:itemID="{D2AAAC7E-0A85-448C-BEAF-FB2E1B4987CA}">
-  <ds:schemaRefs>
-    <ds:schemaRef ds:uri="http://schemas.microsoft.com/VisualStudio/2011/storyboarding/control"/>
-  </ds:schemaRefs>
-</ds:datastoreItem>
-</file>
-
-<file path=customXml/itemProps153.xml><?xml version="1.0" encoding="utf-8"?>
-<ds:datastoreItem xmlns:ds="http://schemas.openxmlformats.org/officeDocument/2006/customXml" ds:itemID="{2A5F2F26-968C-4D10-A23C-7F7AB3C144F1}">
-  <ds:schemaRefs>
-    <ds:schemaRef ds:uri="http://schemas.microsoft.com/VisualStudio/2011/storyboarding/control"/>
-  </ds:schemaRefs>
-</ds:datastoreItem>
-</file>
-
-<file path=customXml/itemProps154.xml><?xml version="1.0" encoding="utf-8"?>
-<ds:datastoreItem xmlns:ds="http://schemas.openxmlformats.org/officeDocument/2006/customXml" ds:itemID="{03653E92-1616-42CD-8288-0A4EBB2CAA1C}">
-  <ds:schemaRefs>
-    <ds:schemaRef ds:uri="http://schemas.microsoft.com/VisualStudio/2011/storyboarding/control"/>
-  </ds:schemaRefs>
-</ds:datastoreItem>
-</file>
-
-<file path=customXml/itemProps155.xml><?xml version="1.0" encoding="utf-8"?>
-<ds:datastoreItem xmlns:ds="http://schemas.openxmlformats.org/officeDocument/2006/customXml" ds:itemID="{FCFEC772-99A0-4E2F-BE46-6982F97F1BE9}">
-  <ds:schemaRefs>
-    <ds:schemaRef ds:uri="http://schemas.microsoft.com/VisualStudio/2011/storyboarding/control"/>
-  </ds:schemaRefs>
-</ds:datastoreItem>
-</file>
-
-<file path=customXml/itemProps156.xml><?xml version="1.0" encoding="utf-8"?>
-<ds:datastoreItem xmlns:ds="http://schemas.openxmlformats.org/officeDocument/2006/customXml" ds:itemID="{418E8FB6-E3E2-4A78-BD2C-0E4D84C7371E}">
-  <ds:schemaRefs>
-    <ds:schemaRef ds:uri="http://schemas.microsoft.com/VisualStudio/2011/storyboarding/control"/>
-  </ds:schemaRefs>
-</ds:datastoreItem>
-</file>
-
-<file path=customXml/itemProps157.xml><?xml version="1.0" encoding="utf-8"?>
-<ds:datastoreItem xmlns:ds="http://schemas.openxmlformats.org/officeDocument/2006/customXml" ds:itemID="{85F86E7D-DA49-4BE9-9097-1D50FB466B1E}">
-  <ds:schemaRefs>
-    <ds:schemaRef ds:uri="http://schemas.microsoft.com/VisualStudio/2011/storyboarding/control"/>
-  </ds:schemaRefs>
-</ds:datastoreItem>
-</file>
-
-<file path=customXml/itemProps158.xml><?xml version="1.0" encoding="utf-8"?>
+<file path=customXml/itemProps95.xml><?xml version="1.0" encoding="utf-8"?>
 <ds:datastoreItem xmlns:ds="http://schemas.openxmlformats.org/officeDocument/2006/customXml" ds:itemID="{F09024E1-1C18-4E75-B068-E418EE7D2650}">
   <ds:schemaRefs>
     <ds:schemaRef ds:uri="http://schemas.microsoft.com/VisualStudio/2011/storyboarding/control"/>
@@ -17556,159 +18334,7 @@
 </ds:datastoreItem>
 </file>
 
-<file path=customXml/itemProps159.xml><?xml version="1.0" encoding="utf-8"?>
-<ds:datastoreItem xmlns:ds="http://schemas.openxmlformats.org/officeDocument/2006/customXml" ds:itemID="{E56EDE5A-F97D-4AD1-8B27-19C05BC797E2}">
-  <ds:schemaRefs>
-    <ds:schemaRef ds:uri="http://schemas.microsoft.com/VisualStudio/2011/storyboarding/control"/>
-  </ds:schemaRefs>
-</ds:datastoreItem>
-</file>
-
-<file path=customXml/itemProps16.xml><?xml version="1.0" encoding="utf-8"?>
-<ds:datastoreItem xmlns:ds="http://schemas.openxmlformats.org/officeDocument/2006/customXml" ds:itemID="{00D2AA4F-29E2-4A16-BE2A-B2E1781BC260}">
-  <ds:schemaRefs>
-    <ds:schemaRef ds:uri="http://schemas.microsoft.com/VisualStudio/2011/storyboarding/control"/>
-  </ds:schemaRefs>
-</ds:datastoreItem>
-</file>
-
-<file path=customXml/itemProps160.xml><?xml version="1.0" encoding="utf-8"?>
-<ds:datastoreItem xmlns:ds="http://schemas.openxmlformats.org/officeDocument/2006/customXml" ds:itemID="{9441CC7A-8DA1-4C19-B524-DD31C7A19972}">
-  <ds:schemaRefs>
-    <ds:schemaRef ds:uri="http://schemas.microsoft.com/VisualStudio/2011/storyboarding/control"/>
-  </ds:schemaRefs>
-</ds:datastoreItem>
-</file>
-
-<file path=customXml/itemProps161.xml><?xml version="1.0" encoding="utf-8"?>
-<ds:datastoreItem xmlns:ds="http://schemas.openxmlformats.org/officeDocument/2006/customXml" ds:itemID="{A5C9F535-848A-484D-BE9A-C7950B04C8EE}">
-  <ds:schemaRefs>
-    <ds:schemaRef ds:uri="http://schemas.microsoft.com/VisualStudio/2011/storyboarding/control"/>
-  </ds:schemaRefs>
-</ds:datastoreItem>
-</file>
-
-<file path=customXml/itemProps162.xml><?xml version="1.0" encoding="utf-8"?>
-<ds:datastoreItem xmlns:ds="http://schemas.openxmlformats.org/officeDocument/2006/customXml" ds:itemID="{952516C9-92F1-4F3E-8CAE-34A561EA713F}">
-  <ds:schemaRefs>
-    <ds:schemaRef ds:uri="http://schemas.microsoft.com/VisualStudio/2011/storyboarding/control"/>
-  </ds:schemaRefs>
-</ds:datastoreItem>
-</file>
-
-<file path=customXml/itemProps163.xml><?xml version="1.0" encoding="utf-8"?>
-<ds:datastoreItem xmlns:ds="http://schemas.openxmlformats.org/officeDocument/2006/customXml" ds:itemID="{FE6E328A-6A73-4FA6-A99D-5520E55E5B7D}">
-  <ds:schemaRefs>
-    <ds:schemaRef ds:uri="http://schemas.microsoft.com/VisualStudio/2011/storyboarding/control"/>
-  </ds:schemaRefs>
-</ds:datastoreItem>
-</file>
-
-<file path=customXml/itemProps164.xml><?xml version="1.0" encoding="utf-8"?>
-<ds:datastoreItem xmlns:ds="http://schemas.openxmlformats.org/officeDocument/2006/customXml" ds:itemID="{554CEDA9-374E-4C76-B97B-7202606AC0BE}">
-  <ds:schemaRefs>
-    <ds:schemaRef ds:uri="http://schemas.microsoft.com/VisualStudio/2011/storyboarding/control"/>
-  </ds:schemaRefs>
-</ds:datastoreItem>
-</file>
-
-<file path=customXml/itemProps165.xml><?xml version="1.0" encoding="utf-8"?>
-<ds:datastoreItem xmlns:ds="http://schemas.openxmlformats.org/officeDocument/2006/customXml" ds:itemID="{8FFADBCE-FF33-4102-8CD5-0FC7C119C312}">
-  <ds:schemaRefs>
-    <ds:schemaRef ds:uri="http://schemas.microsoft.com/VisualStudio/2011/storyboarding/control"/>
-  </ds:schemaRefs>
-</ds:datastoreItem>
-</file>
-
-<file path=customXml/itemProps166.xml><?xml version="1.0" encoding="utf-8"?>
-<ds:datastoreItem xmlns:ds="http://schemas.openxmlformats.org/officeDocument/2006/customXml" ds:itemID="{3390C89E-38DA-49C8-BD78-371C7CC2FE47}">
-  <ds:schemaRefs>
-    <ds:schemaRef ds:uri="http://schemas.microsoft.com/VisualStudio/2011/storyboarding/control"/>
-  </ds:schemaRefs>
-</ds:datastoreItem>
-</file>
-
-<file path=customXml/itemProps167.xml><?xml version="1.0" encoding="utf-8"?>
-<ds:datastoreItem xmlns:ds="http://schemas.openxmlformats.org/officeDocument/2006/customXml" ds:itemID="{7C8F0811-703B-42B0-A138-293B93790A1B}">
-  <ds:schemaRefs>
-    <ds:schemaRef ds:uri="http://schemas.microsoft.com/VisualStudio/2011/storyboarding/control"/>
-  </ds:schemaRefs>
-</ds:datastoreItem>
-</file>
-
-<file path=customXml/itemProps168.xml><?xml version="1.0" encoding="utf-8"?>
-<ds:datastoreItem xmlns:ds="http://schemas.openxmlformats.org/officeDocument/2006/customXml" ds:itemID="{F2948E7D-95F1-4C09-BF4C-141C6B60CBB5}">
-  <ds:schemaRefs>
-    <ds:schemaRef ds:uri="http://schemas.microsoft.com/VisualStudio/2011/storyboarding/control"/>
-  </ds:schemaRefs>
-</ds:datastoreItem>
-</file>
-
-<file path=customXml/itemProps169.xml><?xml version="1.0" encoding="utf-8"?>
-<ds:datastoreItem xmlns:ds="http://schemas.openxmlformats.org/officeDocument/2006/customXml" ds:itemID="{0B25F2DC-DA1F-428C-A9D6-1915EDEAA8DD}">
-  <ds:schemaRefs>
-    <ds:schemaRef ds:uri="http://schemas.microsoft.com/VisualStudio/2011/storyboarding/control"/>
-  </ds:schemaRefs>
-</ds:datastoreItem>
-</file>
-
-<file path=customXml/itemProps17.xml><?xml version="1.0" encoding="utf-8"?>
-<ds:datastoreItem xmlns:ds="http://schemas.openxmlformats.org/officeDocument/2006/customXml" ds:itemID="{F7BABBE5-64CC-4B8F-B3B6-CF3FD810F8C7}">
-  <ds:schemaRefs>
-    <ds:schemaRef ds:uri="http://schemas.microsoft.com/VisualStudio/2011/storyboarding/control"/>
-  </ds:schemaRefs>
-</ds:datastoreItem>
-</file>
-
-<file path=customXml/itemProps170.xml><?xml version="1.0" encoding="utf-8"?>
-<ds:datastoreItem xmlns:ds="http://schemas.openxmlformats.org/officeDocument/2006/customXml" ds:itemID="{8C7C7B8E-5451-4DAE-8DA4-7B210EC29FF3}">
-  <ds:schemaRefs>
-    <ds:schemaRef ds:uri="http://schemas.microsoft.com/VisualStudio/2011/storyboarding/control"/>
-  </ds:schemaRefs>
-</ds:datastoreItem>
-</file>
-
-<file path=customXml/itemProps171.xml><?xml version="1.0" encoding="utf-8"?>
-<ds:datastoreItem xmlns:ds="http://schemas.openxmlformats.org/officeDocument/2006/customXml" ds:itemID="{2160DE35-41EF-449D-8F30-BD715A7380BC}">
-  <ds:schemaRefs>
-    <ds:schemaRef ds:uri="http://schemas.microsoft.com/VisualStudio/2011/storyboarding/control"/>
-  </ds:schemaRefs>
-</ds:datastoreItem>
-</file>
-
-<file path=customXml/itemProps172.xml><?xml version="1.0" encoding="utf-8"?>
-<ds:datastoreItem xmlns:ds="http://schemas.openxmlformats.org/officeDocument/2006/customXml" ds:itemID="{3F44ADFA-C7D2-4102-9298-3583F06E2549}">
-  <ds:schemaRefs>
-    <ds:schemaRef ds:uri="http://schemas.microsoft.com/VisualStudio/2011/storyboarding/control"/>
-  </ds:schemaRefs>
-</ds:datastoreItem>
-</file>
-
-<file path=customXml/itemProps18.xml><?xml version="1.0" encoding="utf-8"?>
-<ds:datastoreItem xmlns:ds="http://schemas.openxmlformats.org/officeDocument/2006/customXml" ds:itemID="{FE51AC1B-1271-4746-867D-55554D78B5AE}">
-  <ds:schemaRefs>
-    <ds:schemaRef ds:uri="http://schemas.microsoft.com/VisualStudio/2011/storyboarding/control"/>
-  </ds:schemaRefs>
-</ds:datastoreItem>
-</file>
-
-<file path=customXml/itemProps19.xml><?xml version="1.0" encoding="utf-8"?>
-<ds:datastoreItem xmlns:ds="http://schemas.openxmlformats.org/officeDocument/2006/customXml" ds:itemID="{9431BAA6-A458-4A16-B548-267B412E871D}">
-  <ds:schemaRefs>
-    <ds:schemaRef ds:uri="http://schemas.microsoft.com/VisualStudio/2011/storyboarding/control"/>
-  </ds:schemaRefs>
-</ds:datastoreItem>
-</file>
-
-<file path=customXml/itemProps2.xml><?xml version="1.0" encoding="utf-8"?>
-<ds:datastoreItem xmlns:ds="http://schemas.openxmlformats.org/officeDocument/2006/customXml" ds:itemID="{6A447DBB-2C85-4597-A0DB-C9A2322BAC8D}">
-  <ds:schemaRefs>
-    <ds:schemaRef ds:uri="http://schemas.microsoft.com/VisualStudio/2011/storyboarding/control"/>
-  </ds:schemaRefs>
-</ds:datastoreItem>
-</file>
-
-<file path=customXml/itemProps20.xml><?xml version="1.0" encoding="utf-8"?>
+<file path=customXml/itemProps96.xml><?xml version="1.0" encoding="utf-8"?>
 <ds:datastoreItem xmlns:ds="http://schemas.openxmlformats.org/officeDocument/2006/customXml" ds:itemID="{59D0369F-25C4-46DE-8418-DF66EC3FEC68}">
   <ds:schemaRefs>
     <ds:schemaRef ds:uri="http://schemas.microsoft.com/VisualStudio/2011/storyboarding/control"/>
@@ -17716,183 +18342,7 @@
 </ds:datastoreItem>
 </file>
 
-<file path=customXml/itemProps21.xml><?xml version="1.0" encoding="utf-8"?>
-<ds:datastoreItem xmlns:ds="http://schemas.openxmlformats.org/officeDocument/2006/customXml" ds:itemID="{327B6332-6001-4577-872B-DD19A445F5F2}">
-  <ds:schemaRefs>
-    <ds:schemaRef ds:uri="http://schemas.microsoft.com/VisualStudio/2011/storyboarding/control"/>
-  </ds:schemaRefs>
-</ds:datastoreItem>
-</file>
-
-<file path=customXml/itemProps22.xml><?xml version="1.0" encoding="utf-8"?>
-<ds:datastoreItem xmlns:ds="http://schemas.openxmlformats.org/officeDocument/2006/customXml" ds:itemID="{02423611-8D04-4993-B0B1-97733309265C}">
-  <ds:schemaRefs>
-    <ds:schemaRef ds:uri="http://schemas.microsoft.com/VisualStudio/2011/storyboarding/control"/>
-  </ds:schemaRefs>
-</ds:datastoreItem>
-</file>
-
-<file path=customXml/itemProps23.xml><?xml version="1.0" encoding="utf-8"?>
-<ds:datastoreItem xmlns:ds="http://schemas.openxmlformats.org/officeDocument/2006/customXml" ds:itemID="{0D101840-8B5F-4665-97F6-B5669CAD36B7}">
-  <ds:schemaRefs>
-    <ds:schemaRef ds:uri="http://schemas.microsoft.com/VisualStudio/2011/storyboarding/control"/>
-  </ds:schemaRefs>
-</ds:datastoreItem>
-</file>
-
-<file path=customXml/itemProps24.xml><?xml version="1.0" encoding="utf-8"?>
-<ds:datastoreItem xmlns:ds="http://schemas.openxmlformats.org/officeDocument/2006/customXml" ds:itemID="{6909E70A-4203-43FA-8666-1DA9A83FC55A}">
-  <ds:schemaRefs>
-    <ds:schemaRef ds:uri="http://schemas.microsoft.com/VisualStudio/2011/storyboarding/control"/>
-  </ds:schemaRefs>
-</ds:datastoreItem>
-</file>
-
-<file path=customXml/itemProps25.xml><?xml version="1.0" encoding="utf-8"?>
-<ds:datastoreItem xmlns:ds="http://schemas.openxmlformats.org/officeDocument/2006/customXml" ds:itemID="{47953D14-6ADC-4DA0-8BCD-D5FB70B1B04A}">
-  <ds:schemaRefs>
-    <ds:schemaRef ds:uri="http://schemas.microsoft.com/VisualStudio/2011/storyboarding/control"/>
-  </ds:schemaRefs>
-</ds:datastoreItem>
-</file>
-
-<file path=customXml/itemProps26.xml><?xml version="1.0" encoding="utf-8"?>
-<ds:datastoreItem xmlns:ds="http://schemas.openxmlformats.org/officeDocument/2006/customXml" ds:itemID="{6D74F327-6332-4AC5-8084-6EBC78FC0812}">
-  <ds:schemaRefs>
-    <ds:schemaRef ds:uri="http://schemas.microsoft.com/VisualStudio/2011/storyboarding/control"/>
-  </ds:schemaRefs>
-</ds:datastoreItem>
-</file>
-
-<file path=customXml/itemProps27.xml><?xml version="1.0" encoding="utf-8"?>
-<ds:datastoreItem xmlns:ds="http://schemas.openxmlformats.org/officeDocument/2006/customXml" ds:itemID="{06C11E88-1615-4B77-96AD-4B8BA4A066E8}">
-  <ds:schemaRefs>
-    <ds:schemaRef ds:uri="http://schemas.microsoft.com/VisualStudio/2011/storyboarding/control"/>
-  </ds:schemaRefs>
-</ds:datastoreItem>
-</file>
-
-<file path=customXml/itemProps28.xml><?xml version="1.0" encoding="utf-8"?>
-<ds:datastoreItem xmlns:ds="http://schemas.openxmlformats.org/officeDocument/2006/customXml" ds:itemID="{7A89DD74-282D-41A7-98AD-61383871195E}">
-  <ds:schemaRefs>
-    <ds:schemaRef ds:uri="http://schemas.microsoft.com/VisualStudio/2011/storyboarding/control"/>
-  </ds:schemaRefs>
-</ds:datastoreItem>
-</file>
-
-<file path=customXml/itemProps29.xml><?xml version="1.0" encoding="utf-8"?>
-<ds:datastoreItem xmlns:ds="http://schemas.openxmlformats.org/officeDocument/2006/customXml" ds:itemID="{9A59C534-A299-402C-BDD6-F5443DFA7893}">
-  <ds:schemaRefs>
-    <ds:schemaRef ds:uri="http://schemas.microsoft.com/VisualStudio/2011/storyboarding/control"/>
-  </ds:schemaRefs>
-</ds:datastoreItem>
-</file>
-
-<file path=customXml/itemProps3.xml><?xml version="1.0" encoding="utf-8"?>
-<ds:datastoreItem xmlns:ds="http://schemas.openxmlformats.org/officeDocument/2006/customXml" ds:itemID="{DD4B0EF4-5BAE-4815-B342-64E17EEBDB97}">
-  <ds:schemaRefs>
-    <ds:schemaRef ds:uri="http://schemas.microsoft.com/VisualStudio/2011/storyboarding/control"/>
-  </ds:schemaRefs>
-</ds:datastoreItem>
-</file>
-
-<file path=customXml/itemProps30.xml><?xml version="1.0" encoding="utf-8"?>
-<ds:datastoreItem xmlns:ds="http://schemas.openxmlformats.org/officeDocument/2006/customXml" ds:itemID="{ADE0E0E1-3FB4-4764-85B1-A2581C94CFE9}">
-  <ds:schemaRefs>
-    <ds:schemaRef ds:uri="http://schemas.microsoft.com/VisualStudio/2011/storyboarding/control"/>
-  </ds:schemaRefs>
-</ds:datastoreItem>
-</file>
-
-<file path=customXml/itemProps31.xml><?xml version="1.0" encoding="utf-8"?>
-<ds:datastoreItem xmlns:ds="http://schemas.openxmlformats.org/officeDocument/2006/customXml" ds:itemID="{4686712F-CBA4-47D3-833A-C2ADFEF753DD}">
-  <ds:schemaRefs>
-    <ds:schemaRef ds:uri="http://schemas.microsoft.com/VisualStudio/2011/storyboarding/control"/>
-  </ds:schemaRefs>
-</ds:datastoreItem>
-</file>
-
-<file path=customXml/itemProps32.xml><?xml version="1.0" encoding="utf-8"?>
-<ds:datastoreItem xmlns:ds="http://schemas.openxmlformats.org/officeDocument/2006/customXml" ds:itemID="{B33906A2-2468-4E50-8B7B-646E03FFEF2D}">
-  <ds:schemaRefs>
-    <ds:schemaRef ds:uri="http://schemas.microsoft.com/VisualStudio/2011/storyboarding/control"/>
-  </ds:schemaRefs>
-</ds:datastoreItem>
-</file>
-
-<file path=customXml/itemProps33.xml><?xml version="1.0" encoding="utf-8"?>
-<ds:datastoreItem xmlns:ds="http://schemas.openxmlformats.org/officeDocument/2006/customXml" ds:itemID="{ED541B40-E3CF-47E9-8800-B673CC7C7D9E}">
-  <ds:schemaRefs>
-    <ds:schemaRef ds:uri="http://schemas.microsoft.com/VisualStudio/2011/storyboarding/control"/>
-  </ds:schemaRefs>
-</ds:datastoreItem>
-</file>
-
-<file path=customXml/itemProps34.xml><?xml version="1.0" encoding="utf-8"?>
-<ds:datastoreItem xmlns:ds="http://schemas.openxmlformats.org/officeDocument/2006/customXml" ds:itemID="{40E6753A-8176-4C3D-A7AD-922499F48E12}">
-  <ds:schemaRefs>
-    <ds:schemaRef ds:uri="http://schemas.microsoft.com/VisualStudio/2011/storyboarding/control"/>
-  </ds:schemaRefs>
-</ds:datastoreItem>
-</file>
-
-<file path=customXml/itemProps35.xml><?xml version="1.0" encoding="utf-8"?>
-<ds:datastoreItem xmlns:ds="http://schemas.openxmlformats.org/officeDocument/2006/customXml" ds:itemID="{24046DC5-38AC-4C0E-A7BD-7BA62F64ED8D}">
-  <ds:schemaRefs>
-    <ds:schemaRef ds:uri="http://schemas.microsoft.com/VisualStudio/2011/storyboarding/control"/>
-  </ds:schemaRefs>
-</ds:datastoreItem>
-</file>
-
-<file path=customXml/itemProps36.xml><?xml version="1.0" encoding="utf-8"?>
-<ds:datastoreItem xmlns:ds="http://schemas.openxmlformats.org/officeDocument/2006/customXml" ds:itemID="{98F07B01-E4E8-4E44-B227-4A307E110F5E}">
-  <ds:schemaRefs>
-    <ds:schemaRef ds:uri="http://schemas.microsoft.com/VisualStudio/2011/storyboarding/control"/>
-  </ds:schemaRefs>
-</ds:datastoreItem>
-</file>
-
-<file path=customXml/itemProps37.xml><?xml version="1.0" encoding="utf-8"?>
-<ds:datastoreItem xmlns:ds="http://schemas.openxmlformats.org/officeDocument/2006/customXml" ds:itemID="{D5754EE6-BC91-4A98-A9DF-8FF792B0AA43}">
-  <ds:schemaRefs>
-    <ds:schemaRef ds:uri="http://schemas.microsoft.com/VisualStudio/2011/storyboarding/control"/>
-  </ds:schemaRefs>
-</ds:datastoreItem>
-</file>
-
-<file path=customXml/itemProps38.xml><?xml version="1.0" encoding="utf-8"?>
-<ds:datastoreItem xmlns:ds="http://schemas.openxmlformats.org/officeDocument/2006/customXml" ds:itemID="{66DB2393-603D-49D1-8038-F976FE310B23}">
-  <ds:schemaRefs>
-    <ds:schemaRef ds:uri="http://schemas.microsoft.com/VisualStudio/2011/storyboarding/control"/>
-  </ds:schemaRefs>
-</ds:datastoreItem>
-</file>
-
-<file path=customXml/itemProps39.xml><?xml version="1.0" encoding="utf-8"?>
-<ds:datastoreItem xmlns:ds="http://schemas.openxmlformats.org/officeDocument/2006/customXml" ds:itemID="{48FCAF00-A9CA-4F0B-94B6-B06BD75E9807}">
-  <ds:schemaRefs>
-    <ds:schemaRef ds:uri="http://schemas.microsoft.com/VisualStudio/2011/storyboarding/control"/>
-  </ds:schemaRefs>
-</ds:datastoreItem>
-</file>
-
-<file path=customXml/itemProps4.xml><?xml version="1.0" encoding="utf-8"?>
-<ds:datastoreItem xmlns:ds="http://schemas.openxmlformats.org/officeDocument/2006/customXml" ds:itemID="{34D70070-9632-4246-B25D-E396768C8F03}">
-  <ds:schemaRefs>
-    <ds:schemaRef ds:uri="http://schemas.microsoft.com/VisualStudio/2011/storyboarding/control"/>
-  </ds:schemaRefs>
-</ds:datastoreItem>
-</file>
-
-<file path=customXml/itemProps40.xml><?xml version="1.0" encoding="utf-8"?>
-<ds:datastoreItem xmlns:ds="http://schemas.openxmlformats.org/officeDocument/2006/customXml" ds:itemID="{2373FA59-A4C7-4E40-BF8A-FEF69ED346A4}">
-  <ds:schemaRefs>
-    <ds:schemaRef ds:uri="http://schemas.microsoft.com/VisualStudio/2011/storyboarding/control"/>
-  </ds:schemaRefs>
-</ds:datastoreItem>
-</file>
-
-<file path=customXml/itemProps41.xml><?xml version="1.0" encoding="utf-8"?>
+<file path=customXml/itemProps97.xml><?xml version="1.0" encoding="utf-8"?>
 <ds:datastoreItem xmlns:ds="http://schemas.openxmlformats.org/officeDocument/2006/customXml" ds:itemID="{59AEDDE6-08CE-4516-9790-E1D7499AD12F}">
   <ds:schemaRefs>
     <ds:schemaRef ds:uri="http://schemas.microsoft.com/VisualStudio/2011/storyboarding/control"/>
@@ -17900,183 +18350,7 @@
 </ds:datastoreItem>
 </file>
 
-<file path=customXml/itemProps42.xml><?xml version="1.0" encoding="utf-8"?>
-<ds:datastoreItem xmlns:ds="http://schemas.openxmlformats.org/officeDocument/2006/customXml" ds:itemID="{6F4A2862-C914-4127-9AA3-4EC971E05888}">
-  <ds:schemaRefs>
-    <ds:schemaRef ds:uri="http://schemas.microsoft.com/VisualStudio/2011/storyboarding/control"/>
-  </ds:schemaRefs>
-</ds:datastoreItem>
-</file>
-
-<file path=customXml/itemProps43.xml><?xml version="1.0" encoding="utf-8"?>
-<ds:datastoreItem xmlns:ds="http://schemas.openxmlformats.org/officeDocument/2006/customXml" ds:itemID="{6BD98E41-6C2F-4D3F-B846-7455C55C7A43}">
-  <ds:schemaRefs>
-    <ds:schemaRef ds:uri="http://schemas.microsoft.com/VisualStudio/2011/storyboarding/control"/>
-  </ds:schemaRefs>
-</ds:datastoreItem>
-</file>
-
-<file path=customXml/itemProps44.xml><?xml version="1.0" encoding="utf-8"?>
-<ds:datastoreItem xmlns:ds="http://schemas.openxmlformats.org/officeDocument/2006/customXml" ds:itemID="{13D229BA-F403-4DB5-940D-9A722C14A295}">
-  <ds:schemaRefs>
-    <ds:schemaRef ds:uri="http://schemas.microsoft.com/VisualStudio/2011/storyboarding/control"/>
-  </ds:schemaRefs>
-</ds:datastoreItem>
-</file>
-
-<file path=customXml/itemProps45.xml><?xml version="1.0" encoding="utf-8"?>
-<ds:datastoreItem xmlns:ds="http://schemas.openxmlformats.org/officeDocument/2006/customXml" ds:itemID="{6DAC6C05-FAFB-4B89-BBD6-3A479BE450F0}">
-  <ds:schemaRefs>
-    <ds:schemaRef ds:uri="http://schemas.microsoft.com/VisualStudio/2011/storyboarding/control"/>
-  </ds:schemaRefs>
-</ds:datastoreItem>
-</file>
-
-<file path=customXml/itemProps46.xml><?xml version="1.0" encoding="utf-8"?>
-<ds:datastoreItem xmlns:ds="http://schemas.openxmlformats.org/officeDocument/2006/customXml" ds:itemID="{7D3F1746-26F3-4D5F-8DB1-4CE59AC409F7}">
-  <ds:schemaRefs>
-    <ds:schemaRef ds:uri="http://schemas.microsoft.com/VisualStudio/2011/storyboarding/control"/>
-  </ds:schemaRefs>
-</ds:datastoreItem>
-</file>
-
-<file path=customXml/itemProps47.xml><?xml version="1.0" encoding="utf-8"?>
-<ds:datastoreItem xmlns:ds="http://schemas.openxmlformats.org/officeDocument/2006/customXml" ds:itemID="{D22FC293-BAFF-43C9-B3DE-93B31F0E86BE}">
-  <ds:schemaRefs>
-    <ds:schemaRef ds:uri="http://schemas.microsoft.com/VisualStudio/2011/storyboarding/control"/>
-  </ds:schemaRefs>
-</ds:datastoreItem>
-</file>
-
-<file path=customXml/itemProps48.xml><?xml version="1.0" encoding="utf-8"?>
-<ds:datastoreItem xmlns:ds="http://schemas.openxmlformats.org/officeDocument/2006/customXml" ds:itemID="{121618E6-4C26-48A5-8411-92B68242A304}">
-  <ds:schemaRefs>
-    <ds:schemaRef ds:uri="http://schemas.microsoft.com/VisualStudio/2011/storyboarding/control"/>
-  </ds:schemaRefs>
-</ds:datastoreItem>
-</file>
-
-<file path=customXml/itemProps49.xml><?xml version="1.0" encoding="utf-8"?>
-<ds:datastoreItem xmlns:ds="http://schemas.openxmlformats.org/officeDocument/2006/customXml" ds:itemID="{9FC86F31-FEBD-4500-B558-3A9092EE01B0}">
-  <ds:schemaRefs>
-    <ds:schemaRef ds:uri="http://schemas.microsoft.com/VisualStudio/2011/storyboarding/control"/>
-  </ds:schemaRefs>
-</ds:datastoreItem>
-</file>
-
-<file path=customXml/itemProps5.xml><?xml version="1.0" encoding="utf-8"?>
-<ds:datastoreItem xmlns:ds="http://schemas.openxmlformats.org/officeDocument/2006/customXml" ds:itemID="{AA234BDC-12CC-4725-B78F-BD23529D0FB4}">
-  <ds:schemaRefs>
-    <ds:schemaRef ds:uri="http://schemas.microsoft.com/VisualStudio/2011/storyboarding/control"/>
-  </ds:schemaRefs>
-</ds:datastoreItem>
-</file>
-
-<file path=customXml/itemProps50.xml><?xml version="1.0" encoding="utf-8"?>
-<ds:datastoreItem xmlns:ds="http://schemas.openxmlformats.org/officeDocument/2006/customXml" ds:itemID="{13867D15-2F58-4836-9D34-D0E88BF26D4C}">
-  <ds:schemaRefs>
-    <ds:schemaRef ds:uri="http://schemas.microsoft.com/VisualStudio/2011/storyboarding/control"/>
-  </ds:schemaRefs>
-</ds:datastoreItem>
-</file>
-
-<file path=customXml/itemProps51.xml><?xml version="1.0" encoding="utf-8"?>
-<ds:datastoreItem xmlns:ds="http://schemas.openxmlformats.org/officeDocument/2006/customXml" ds:itemID="{E44C9E77-1C35-4DBC-82DD-57E4D308EFBB}">
-  <ds:schemaRefs>
-    <ds:schemaRef ds:uri="http://schemas.microsoft.com/VisualStudio/2011/storyboarding/control"/>
-  </ds:schemaRefs>
-</ds:datastoreItem>
-</file>
-
-<file path=customXml/itemProps52.xml><?xml version="1.0" encoding="utf-8"?>
-<ds:datastoreItem xmlns:ds="http://schemas.openxmlformats.org/officeDocument/2006/customXml" ds:itemID="{17816237-E86F-4608-B2AD-3D2E66C1B03B}">
-  <ds:schemaRefs>
-    <ds:schemaRef ds:uri="http://schemas.microsoft.com/VisualStudio/2011/storyboarding/control"/>
-  </ds:schemaRefs>
-</ds:datastoreItem>
-</file>
-
-<file path=customXml/itemProps53.xml><?xml version="1.0" encoding="utf-8"?>
-<ds:datastoreItem xmlns:ds="http://schemas.openxmlformats.org/officeDocument/2006/customXml" ds:itemID="{71F7DD17-FE3B-45F0-BA26-7919E3FA2124}">
-  <ds:schemaRefs>
-    <ds:schemaRef ds:uri="http://schemas.microsoft.com/VisualStudio/2011/storyboarding/control"/>
-  </ds:schemaRefs>
-</ds:datastoreItem>
-</file>
-
-<file path=customXml/itemProps54.xml><?xml version="1.0" encoding="utf-8"?>
-<ds:datastoreItem xmlns:ds="http://schemas.openxmlformats.org/officeDocument/2006/customXml" ds:itemID="{B1441669-2371-4AE4-A8B5-AFC09272AA93}">
-  <ds:schemaRefs>
-    <ds:schemaRef ds:uri="http://schemas.microsoft.com/VisualStudio/2011/storyboarding/control"/>
-  </ds:schemaRefs>
-</ds:datastoreItem>
-</file>
-
-<file path=customXml/itemProps55.xml><?xml version="1.0" encoding="utf-8"?>
-<ds:datastoreItem xmlns:ds="http://schemas.openxmlformats.org/officeDocument/2006/customXml" ds:itemID="{67BB8CBF-A728-42E4-ACB8-9EB900796758}">
-  <ds:schemaRefs>
-    <ds:schemaRef ds:uri="http://schemas.microsoft.com/VisualStudio/2011/storyboarding/control"/>
-  </ds:schemaRefs>
-</ds:datastoreItem>
-</file>
-
-<file path=customXml/itemProps56.xml><?xml version="1.0" encoding="utf-8"?>
-<ds:datastoreItem xmlns:ds="http://schemas.openxmlformats.org/officeDocument/2006/customXml" ds:itemID="{69C5573C-4D11-4ED5-8CA8-88391EEEF019}">
-  <ds:schemaRefs>
-    <ds:schemaRef ds:uri="http://schemas.microsoft.com/VisualStudio/2011/storyboarding/control"/>
-  </ds:schemaRefs>
-</ds:datastoreItem>
-</file>
-
-<file path=customXml/itemProps57.xml><?xml version="1.0" encoding="utf-8"?>
-<ds:datastoreItem xmlns:ds="http://schemas.openxmlformats.org/officeDocument/2006/customXml" ds:itemID="{AA6A5E90-4733-4052-BD41-CDB87AFA6C57}">
-  <ds:schemaRefs>
-    <ds:schemaRef ds:uri="http://schemas.microsoft.com/VisualStudio/2011/storyboarding/control"/>
-  </ds:schemaRefs>
-</ds:datastoreItem>
-</file>
-
-<file path=customXml/itemProps58.xml><?xml version="1.0" encoding="utf-8"?>
-<ds:datastoreItem xmlns:ds="http://schemas.openxmlformats.org/officeDocument/2006/customXml" ds:itemID="{2ADD045D-CBFF-4B66-B7D4-74533078AF4A}">
-  <ds:schemaRefs>
-    <ds:schemaRef ds:uri="http://schemas.microsoft.com/VisualStudio/2011/storyboarding/control"/>
-  </ds:schemaRefs>
-</ds:datastoreItem>
-</file>
-
-<file path=customXml/itemProps59.xml><?xml version="1.0" encoding="utf-8"?>
-<ds:datastoreItem xmlns:ds="http://schemas.openxmlformats.org/officeDocument/2006/customXml" ds:itemID="{5248BC68-ADE7-429D-B013-9195EF7419E9}">
-  <ds:schemaRefs>
-    <ds:schemaRef ds:uri="http://schemas.microsoft.com/VisualStudio/2011/storyboarding/control"/>
-  </ds:schemaRefs>
-</ds:datastoreItem>
-</file>
-
-<file path=customXml/itemProps6.xml><?xml version="1.0" encoding="utf-8"?>
-<ds:datastoreItem xmlns:ds="http://schemas.openxmlformats.org/officeDocument/2006/customXml" ds:itemID="{45B142F8-50A8-47EE-8945-EA0E8BEF71EB}">
-  <ds:schemaRefs>
-    <ds:schemaRef ds:uri="http://schemas.microsoft.com/VisualStudio/2011/storyboarding/control"/>
-  </ds:schemaRefs>
-</ds:datastoreItem>
-</file>
-
-<file path=customXml/itemProps60.xml><?xml version="1.0" encoding="utf-8"?>
-<ds:datastoreItem xmlns:ds="http://schemas.openxmlformats.org/officeDocument/2006/customXml" ds:itemID="{4500268E-82D2-458D-9B7A-1DAD9FBEA8F5}">
-  <ds:schemaRefs>
-    <ds:schemaRef ds:uri="http://schemas.microsoft.com/VisualStudio/2011/storyboarding/control"/>
-  </ds:schemaRefs>
-</ds:datastoreItem>
-</file>
-
-<file path=customXml/itemProps61.xml><?xml version="1.0" encoding="utf-8"?>
-<ds:datastoreItem xmlns:ds="http://schemas.openxmlformats.org/officeDocument/2006/customXml" ds:itemID="{D08605C4-AECB-4FFF-9D2C-98990B0DFFDA}">
-  <ds:schemaRefs>
-    <ds:schemaRef ds:uri="http://schemas.microsoft.com/VisualStudio/2011/storyboarding/control"/>
-  </ds:schemaRefs>
-</ds:datastoreItem>
-</file>
-
-<file path=customXml/itemProps62.xml><?xml version="1.0" encoding="utf-8"?>
+<file path=customXml/itemProps98.xml><?xml version="1.0" encoding="utf-8"?>
 <ds:datastoreItem xmlns:ds="http://schemas.openxmlformats.org/officeDocument/2006/customXml" ds:itemID="{4AA25D42-EDA7-4712-8354-F682B1D61ABE}">
   <ds:schemaRefs>
     <ds:schemaRef ds:uri="http://schemas.microsoft.com/VisualStudio/2011/storyboarding/control"/>
@@ -18084,322 +18358,10 @@
 </ds:datastoreItem>
 </file>
 
-<file path=customXml/itemProps63.xml><?xml version="1.0" encoding="utf-8"?>
-<ds:datastoreItem xmlns:ds="http://schemas.openxmlformats.org/officeDocument/2006/customXml" ds:itemID="{D8653A86-F184-47A6-A8EA-282F582C20DD}">
-  <ds:schemaRefs>
-    <ds:schemaRef ds:uri="http://schemas.microsoft.com/VisualStudio/2011/storyboarding/control"/>
-  </ds:schemaRefs>
-</ds:datastoreItem>
-</file>
-
-<file path=customXml/itemProps64.xml><?xml version="1.0" encoding="utf-8"?>
-<ds:datastoreItem xmlns:ds="http://schemas.openxmlformats.org/officeDocument/2006/customXml" ds:itemID="{5EEABA33-0BE1-47F9-8437-631F1B84355A}">
-  <ds:schemaRefs>
-    <ds:schemaRef ds:uri="http://schemas.microsoft.com/VisualStudio/2011/storyboarding/control"/>
-  </ds:schemaRefs>
-</ds:datastoreItem>
-</file>
-
-<file path=customXml/itemProps65.xml><?xml version="1.0" encoding="utf-8"?>
-<ds:datastoreItem xmlns:ds="http://schemas.openxmlformats.org/officeDocument/2006/customXml" ds:itemID="{AAE9B66C-C51E-45FF-A0AF-F87D4E76C603}">
-  <ds:schemaRefs>
-    <ds:schemaRef ds:uri="http://schemas.microsoft.com/VisualStudio/2011/storyboarding/control"/>
-  </ds:schemaRefs>
-</ds:datastoreItem>
-</file>
-
-<file path=customXml/itemProps66.xml><?xml version="1.0" encoding="utf-8"?>
-<ds:datastoreItem xmlns:ds="http://schemas.openxmlformats.org/officeDocument/2006/customXml" ds:itemID="{51D515F3-5B60-4F94-84C8-4468FC08CD50}">
-  <ds:schemaRefs>
-    <ds:schemaRef ds:uri="http://schemas.microsoft.com/VisualStudio/2011/storyboarding/control"/>
-  </ds:schemaRefs>
-</ds:datastoreItem>
-</file>
-
-<file path=customXml/itemProps67.xml><?xml version="1.0" encoding="utf-8"?>
-<ds:datastoreItem xmlns:ds="http://schemas.openxmlformats.org/officeDocument/2006/customXml" ds:itemID="{C4F6D4BE-A130-482B-BA98-1CB53DA976CA}">
-  <ds:schemaRefs>
-    <ds:schemaRef ds:uri="http://schemas.microsoft.com/VisualStudio/2011/storyboarding/control"/>
-  </ds:schemaRefs>
-</ds:datastoreItem>
-</file>
-
-<file path=customXml/itemProps68.xml><?xml version="1.0" encoding="utf-8"?>
-<ds:datastoreItem xmlns:ds="http://schemas.openxmlformats.org/officeDocument/2006/customXml" ds:itemID="{C7B0D7AD-32DF-4953-89C9-C834F6010560}">
-  <ds:schemaRefs>
-    <ds:schemaRef ds:uri="http://schemas.microsoft.com/VisualStudio/2011/storyboarding/control"/>
-  </ds:schemaRefs>
-</ds:datastoreItem>
-</file>
-
-<file path=customXml/itemProps69.xml><?xml version="1.0" encoding="utf-8"?>
-<ds:datastoreItem xmlns:ds="http://schemas.openxmlformats.org/officeDocument/2006/customXml" ds:itemID="{B2016F61-92F9-4E0F-A353-39F009FA0B01}">
-  <ds:schemaRefs>
-    <ds:schemaRef ds:uri="http://schemas.microsoft.com/VisualStudio/2011/storyboarding/control"/>
-  </ds:schemaRefs>
-</ds:datastoreItem>
-</file>
-
-<file path=customXml/itemProps7.xml><?xml version="1.0" encoding="utf-8"?>
-<ds:datastoreItem xmlns:ds="http://schemas.openxmlformats.org/officeDocument/2006/customXml" ds:itemID="{10F0BDDE-4AA3-40EF-B2BC-ACF0382ED861}">
-  <ds:schemaRefs>
-    <ds:schemaRef ds:uri="http://schemas.microsoft.com/VisualStudio/2011/storyboarding/control"/>
-  </ds:schemaRefs>
-</ds:datastoreItem>
-</file>
-
-<file path=customXml/itemProps70.xml><?xml version="1.0" encoding="utf-8"?>
-<ds:datastoreItem xmlns:ds="http://schemas.openxmlformats.org/officeDocument/2006/customXml" ds:itemID="{F3241CCA-9602-4CB8-B6FA-D8222B14826C}">
-  <ds:schemaRefs>
-    <ds:schemaRef ds:uri="http://schemas.microsoft.com/VisualStudio/2011/storyboarding/control"/>
-  </ds:schemaRefs>
-</ds:datastoreItem>
-</file>
-
-<file path=customXml/itemProps71.xml><?xml version="1.0" encoding="utf-8"?>
-<ds:datastoreItem xmlns:ds="http://schemas.openxmlformats.org/officeDocument/2006/customXml" ds:itemID="{C95B04FA-49D0-4922-A7EB-76ADF3F5F5D3}">
-  <ds:schemaRefs>
-    <ds:schemaRef ds:uri="http://schemas.microsoft.com/VisualStudio/2011/storyboarding/control"/>
-  </ds:schemaRefs>
-</ds:datastoreItem>
-</file>
-
-<file path=customXml/itemProps72.xml><?xml version="1.0" encoding="utf-8"?>
-<ds:datastoreItem xmlns:ds="http://schemas.openxmlformats.org/officeDocument/2006/customXml" ds:itemID="{DDE8CEAB-FAAF-46B5-9BC4-6BAA48DFB915}">
-  <ds:schemaRefs>
-    <ds:schemaRef ds:uri="http://schemas.microsoft.com/VisualStudio/2011/storyboarding/control"/>
-  </ds:schemaRefs>
-</ds:datastoreItem>
-</file>
-
-<file path=customXml/itemProps73.xml><?xml version="1.0" encoding="utf-8"?>
-<ds:datastoreItem xmlns:ds="http://schemas.openxmlformats.org/officeDocument/2006/customXml" ds:itemID="{113ECE65-0514-4E2D-A5D7-CB73FBD23154}">
-  <ds:schemaRefs>
-    <ds:schemaRef ds:uri="http://schemas.microsoft.com/VisualStudio/2011/storyboarding/control"/>
-  </ds:schemaRefs>
-</ds:datastoreItem>
-</file>
-
-<file path=customXml/itemProps74.xml><?xml version="1.0" encoding="utf-8"?>
-<ds:datastoreItem xmlns:ds="http://schemas.openxmlformats.org/officeDocument/2006/customXml" ds:itemID="{1EAEFE78-3E46-45E5-85DF-8CF35EFEFFEE}">
-  <ds:schemaRefs>
-    <ds:schemaRef ds:uri="http://schemas.microsoft.com/VisualStudio/2011/storyboarding/control"/>
-  </ds:schemaRefs>
-</ds:datastoreItem>
-</file>
-
-<file path=customXml/itemProps75.xml><?xml version="1.0" encoding="utf-8"?>
-<ds:datastoreItem xmlns:ds="http://schemas.openxmlformats.org/officeDocument/2006/customXml" ds:itemID="{D544E426-85A9-48AB-BB78-E3AD0590EC7C}">
-  <ds:schemaRefs>
-    <ds:schemaRef ds:uri="http://schemas.microsoft.com/VisualStudio/2011/storyboarding/control"/>
-  </ds:schemaRefs>
-</ds:datastoreItem>
-</file>
-
-<file path=customXml/itemProps76.xml><?xml version="1.0" encoding="utf-8"?>
-<ds:datastoreItem xmlns:ds="http://schemas.openxmlformats.org/officeDocument/2006/customXml" ds:itemID="{55CA6769-99B0-4402-A536-C3C8E0221022}">
-  <ds:schemaRefs>
-    <ds:schemaRef ds:uri="http://schemas.microsoft.com/VisualStudio/2011/storyboarding/control"/>
-  </ds:schemaRefs>
-</ds:datastoreItem>
-</file>
-
-<file path=customXml/itemProps77.xml><?xml version="1.0" encoding="utf-8"?>
-<ds:datastoreItem xmlns:ds="http://schemas.openxmlformats.org/officeDocument/2006/customXml" ds:itemID="{1367878A-D08E-41A0-BE0F-87325A2CCFA2}">
-  <ds:schemaRefs>
-    <ds:schemaRef ds:uri="http://schemas.microsoft.com/VisualStudio/2011/storyboarding/control"/>
-  </ds:schemaRefs>
-</ds:datastoreItem>
-</file>
-
-<file path=customXml/itemProps78.xml><?xml version="1.0" encoding="utf-8"?>
-<ds:datastoreItem xmlns:ds="http://schemas.openxmlformats.org/officeDocument/2006/customXml" ds:itemID="{2DE19DA7-14FB-4A73-97E6-83DF72E609E6}">
-  <ds:schemaRefs>
-    <ds:schemaRef ds:uri="http://schemas.microsoft.com/VisualStudio/2011/storyboarding/control"/>
-  </ds:schemaRefs>
-</ds:datastoreItem>
-</file>
-
-<file path=customXml/itemProps79.xml><?xml version="1.0" encoding="utf-8"?>
-<ds:datastoreItem xmlns:ds="http://schemas.openxmlformats.org/officeDocument/2006/customXml" ds:itemID="{F12E4822-BEA4-4C90-A23E-8C7DFCF7CDD6}">
-  <ds:schemaRefs>
-    <ds:schemaRef ds:uri="http://schemas.microsoft.com/VisualStudio/2011/storyboarding/control"/>
-  </ds:schemaRefs>
-</ds:datastoreItem>
-</file>
-
-<file path=customXml/itemProps8.xml><?xml version="1.0" encoding="utf-8"?>
-<ds:datastoreItem xmlns:ds="http://schemas.openxmlformats.org/officeDocument/2006/customXml" ds:itemID="{33EA19CF-64F4-42CF-A3DD-7DE1682232E2}">
-  <ds:schemaRefs>
-    <ds:schemaRef ds:uri="http://schemas.microsoft.com/VisualStudio/2011/storyboarding/control"/>
-  </ds:schemaRefs>
-</ds:datastoreItem>
-</file>
-
-<file path=customXml/itemProps80.xml><?xml version="1.0" encoding="utf-8"?>
-<ds:datastoreItem xmlns:ds="http://schemas.openxmlformats.org/officeDocument/2006/customXml" ds:itemID="{7C8FE9CD-1324-4A90-8D4D-0C176F3BCA87}">
-  <ds:schemaRefs>
-    <ds:schemaRef ds:uri="http://schemas.microsoft.com/VisualStudio/2011/storyboarding/control"/>
-  </ds:schemaRefs>
-</ds:datastoreItem>
-</file>
-
-<file path=customXml/itemProps81.xml><?xml version="1.0" encoding="utf-8"?>
-<ds:datastoreItem xmlns:ds="http://schemas.openxmlformats.org/officeDocument/2006/customXml" ds:itemID="{8A555954-45BE-4EEE-9F3C-9C997F6D1BA3}">
-  <ds:schemaRefs>
-    <ds:schemaRef ds:uri="http://schemas.microsoft.com/VisualStudio/2011/storyboarding/control"/>
-  </ds:schemaRefs>
-</ds:datastoreItem>
-</file>
-
-<file path=customXml/itemProps82.xml><?xml version="1.0" encoding="utf-8"?>
-<ds:datastoreItem xmlns:ds="http://schemas.openxmlformats.org/officeDocument/2006/customXml" ds:itemID="{ED7BDB59-BF74-409B-8509-C9B8AF445363}">
-  <ds:schemaRefs>
-    <ds:schemaRef ds:uri="http://schemas.microsoft.com/VisualStudio/2011/storyboarding/control"/>
-  </ds:schemaRefs>
-</ds:datastoreItem>
-</file>
-
-<file path=customXml/itemProps83.xml><?xml version="1.0" encoding="utf-8"?>
+<file path=customXml/itemProps99.xml><?xml version="1.0" encoding="utf-8"?>
 <ds:datastoreItem xmlns:ds="http://schemas.openxmlformats.org/officeDocument/2006/customXml" ds:itemID="{CF586D09-EEB6-4A49-AAE1-88E826EEDC73}">
   <ds:schemaRefs>
     <ds:schemaRef ds:uri="http://schemas.microsoft.com/VisualStudio/2011/storyboarding/control"/>
   </ds:schemaRefs>
 </ds:datastoreItem>
-</file>
-
-<file path=customXml/itemProps84.xml><?xml version="1.0" encoding="utf-8"?>
-<ds:datastoreItem xmlns:ds="http://schemas.openxmlformats.org/officeDocument/2006/customXml" ds:itemID="{F5B85250-01CA-403A-BFFD-EDEFCA9E38FF}">
-  <ds:schemaRefs>
-    <ds:schemaRef ds:uri="http://schemas.microsoft.com/VisualStudio/2011/storyboarding/control"/>
-  </ds:schemaRefs>
-</ds:datastoreItem>
-</file>
-
-<file path=customXml/itemProps85.xml><?xml version="1.0" encoding="utf-8"?>
-<ds:datastoreItem xmlns:ds="http://schemas.openxmlformats.org/officeDocument/2006/customXml" ds:itemID="{A4CF0BF1-C47D-4DEC-B943-A1B6DFD73BA3}">
-  <ds:schemaRefs>
-    <ds:schemaRef ds:uri="http://schemas.microsoft.com/VisualStudio/2011/storyboarding/control"/>
-  </ds:schemaRefs>
-</ds:datastoreItem>
-</file>
-
-<file path=customXml/itemProps86.xml><?xml version="1.0" encoding="utf-8"?>
-<ds:datastoreItem xmlns:ds="http://schemas.openxmlformats.org/officeDocument/2006/customXml" ds:itemID="{ACF586AD-3668-4E64-BB79-597B4E8D331A}">
-  <ds:schemaRefs>
-    <ds:schemaRef ds:uri="http://schemas.microsoft.com/VisualStudio/2011/storyboarding/control"/>
-  </ds:schemaRefs>
-</ds:datastoreItem>
-</file>
-
-<file path=customXml/itemProps87.xml><?xml version="1.0" encoding="utf-8"?>
-<ds:datastoreItem xmlns:ds="http://schemas.openxmlformats.org/officeDocument/2006/customXml" ds:itemID="{AE608858-3A79-4E62-9586-14C746DF17FE}">
-  <ds:schemaRefs>
-    <ds:schemaRef ds:uri="http://schemas.microsoft.com/VisualStudio/2011/storyboarding/control"/>
-  </ds:schemaRefs>
-</ds:datastoreItem>
-</file>
-
-<file path=customXml/itemProps88.xml><?xml version="1.0" encoding="utf-8"?>
-<ds:datastoreItem xmlns:ds="http://schemas.openxmlformats.org/officeDocument/2006/customXml" ds:itemID="{89F8D00C-2482-4F3D-ACA1-B806B7E2C2EC}">
-  <ds:schemaRefs>
-    <ds:schemaRef ds:uri="http://schemas.microsoft.com/VisualStudio/2011/storyboarding/control"/>
-  </ds:schemaRefs>
-</ds:datastoreItem>
-</file>
-
-<file path=customXml/itemProps89.xml><?xml version="1.0" encoding="utf-8"?>
-<ds:datastoreItem xmlns:ds="http://schemas.openxmlformats.org/officeDocument/2006/customXml" ds:itemID="{4ECEEF82-0B3C-4906-961B-AFB29BD1E6E3}">
-  <ds:schemaRefs>
-    <ds:schemaRef ds:uri="http://schemas.microsoft.com/VisualStudio/2011/storyboarding/control"/>
-  </ds:schemaRefs>
-</ds:datastoreItem>
-</file>
-
-<file path=customXml/itemProps9.xml><?xml version="1.0" encoding="utf-8"?>
-<ds:datastoreItem xmlns:ds="http://schemas.openxmlformats.org/officeDocument/2006/customXml" ds:itemID="{AABACF0D-5384-4675-802C-4FFC55B3B83D}">
-  <ds:schemaRefs>
-    <ds:schemaRef ds:uri="http://schemas.microsoft.com/VisualStudio/2011/storyboarding/control"/>
-  </ds:schemaRefs>
-</ds:datastoreItem>
-</file>
-
-<file path=customXml/itemProps90.xml><?xml version="1.0" encoding="utf-8"?>
-<ds:datastoreItem xmlns:ds="http://schemas.openxmlformats.org/officeDocument/2006/customXml" ds:itemID="{F9A8EA35-007A-40F9-AD73-68499C4EFDFA}">
-  <ds:schemaRefs>
-    <ds:schemaRef ds:uri="http://schemas.microsoft.com/VisualStudio/2011/storyboarding/control"/>
-  </ds:schemaRefs>
-</ds:datastoreItem>
-</file>
-
-<file path=customXml/itemProps91.xml><?xml version="1.0" encoding="utf-8"?>
-<ds:datastoreItem xmlns:ds="http://schemas.openxmlformats.org/officeDocument/2006/customXml" ds:itemID="{033417FC-F4DF-440B-9750-AC9CEE9D4DD6}">
-  <ds:schemaRefs>
-    <ds:schemaRef ds:uri="http://schemas.microsoft.com/VisualStudio/2011/storyboarding/control"/>
-  </ds:schemaRefs>
-</ds:datastoreItem>
-</file>
-
-<file path=customXml/itemProps92.xml><?xml version="1.0" encoding="utf-8"?>
-<ds:datastoreItem xmlns:ds="http://schemas.openxmlformats.org/officeDocument/2006/customXml" ds:itemID="{77104134-B524-4624-9201-ECD829C881BD}">
-  <ds:schemaRefs>
-    <ds:schemaRef ds:uri="http://schemas.microsoft.com/VisualStudio/2011/storyboarding/control"/>
-  </ds:schemaRefs>
-</ds:datastoreItem>
-</file>
-
-<file path=customXml/itemProps93.xml><?xml version="1.0" encoding="utf-8"?>
-<ds:datastoreItem xmlns:ds="http://schemas.openxmlformats.org/officeDocument/2006/customXml" ds:itemID="{68BF0817-02E7-4175-AEC7-8477E7F612E9}">
-  <ds:schemaRefs>
-    <ds:schemaRef ds:uri="http://schemas.microsoft.com/VisualStudio/2011/storyboarding/control"/>
-  </ds:schemaRefs>
-</ds:datastoreItem>
-</file>
-
-<file path=customXml/itemProps94.xml><?xml version="1.0" encoding="utf-8"?>
-<ds:datastoreItem xmlns:ds="http://schemas.openxmlformats.org/officeDocument/2006/customXml" ds:itemID="{90E6BF7D-584A-485E-85F5-083945235CD7}">
-  <ds:schemaRefs>
-    <ds:schemaRef ds:uri="http://schemas.microsoft.com/VisualStudio/2011/storyboarding/control"/>
-  </ds:schemaRefs>
-</ds:datastoreItem>
-</file>
-
-<file path=customXml/itemProps95.xml><?xml version="1.0" encoding="utf-8"?>
-<ds:datastoreItem xmlns:ds="http://schemas.openxmlformats.org/officeDocument/2006/customXml" ds:itemID="{A6CB5F7F-1B30-4371-AA4A-C09705431B7C}">
-  <ds:schemaRefs>
-    <ds:schemaRef ds:uri="http://schemas.microsoft.com/VisualStudio/2011/storyboarding/control"/>
-  </ds:schemaRefs>
-</ds:datastoreItem>
-</file>
-
-<file path=customXml/itemProps96.xml><?xml version="1.0" encoding="utf-8"?>
-<ds:datastoreItem xmlns:ds="http://schemas.openxmlformats.org/officeDocument/2006/customXml" ds:itemID="{E7741501-71C2-4C17-B4E1-815C0856C474}">
-  <ds:schemaRefs>
-    <ds:schemaRef ds:uri="http://schemas.microsoft.com/VisualStudio/2011/storyboarding/control"/>
-  </ds:schemaRefs>
-</ds:datastoreItem>
-</file>
-
-<file path=customXml/itemProps97.xml><?xml version="1.0" encoding="utf-8"?>
-<ds:datastoreItem xmlns:ds="http://schemas.openxmlformats.org/officeDocument/2006/customXml" ds:itemID="{73ABD768-CB5D-46A4-A597-4A94DA70A531}">
-  <ds:schemaRefs>
-    <ds:schemaRef ds:uri="http://schemas.microsoft.com/VisualStudio/2011/storyboarding/control"/>
-  </ds:schemaRefs>
-</ds:datastoreItem>
-</file>
-
-<file path=customXml/itemProps98.xml><?xml version="1.0" encoding="utf-8"?>
-<ds:datastoreItem xmlns:ds="http://schemas.openxmlformats.org/officeDocument/2006/customXml" ds:itemID="{CD29ED7C-7003-4640-8A56-61BBEE20B1F0}">
-  <ds:schemaRefs>
-    <ds:schemaRef ds:uri="http://schemas.microsoft.com/VisualStudio/2011/storyboarding/control"/>
-  </ds:schemaRefs>
-</ds:datastoreItem>
-</file>
-
-<file path=customXml/itemProps99.xml><?xml version="1.0" encoding="utf-8"?>
-<ds:datastoreItem xmlns:ds="http://schemas.openxmlformats.org/officeDocument/2006/customXml" ds:itemID="{FE87856E-EB9D-4E52-95E2-2A7B45AA4114}">
-  <ds:schemaRefs>
-    <ds:schemaRef ds:uri="http://schemas.microsoft.com/VisualStudio/2011/storyboarding/control"/>
-  </ds:schemaRefs>
-</ds:datastoreItem>
 </file>
--- a/Maquettage.pptx
+++ b/Maquettage.pptx
@@ -1445,6 +1445,7 @@
       <p:sp>
         <p:nvSpPr>
           <p:cNvPr id="79" name="Content">
+            <a:hlinkClick r:id="rId24" action="ppaction://hlinksldjump"/>
             <a:extLst>
               <a:ext uri="{FF2B5EF4-FFF2-40B4-BE49-F238E27FC236}">
                 <a16:creationId xmlns:a16="http://schemas.microsoft.com/office/drawing/2014/main" id="{54E9A32C-AB8E-40DA-A296-19EC497957B5}"/>
@@ -2292,7 +2293,7 @@
             <p:nvPr/>
           </p:nvPicPr>
           <p:blipFill>
-            <a:blip r:embed="rId24" cstate="print">
+            <a:blip r:embed="rId25" cstate="print">
               <a:extLst>
                 <a:ext uri="{28A0092B-C50C-407E-A947-70E740481C1C}">
                   <a14:useLocalDpi xmlns:a14="http://schemas.microsoft.com/office/drawing/2010/main" val="0"/>
@@ -2430,7 +2431,7 @@
             <p:nvPr/>
           </p:nvPicPr>
           <p:blipFill>
-            <a:blip r:embed="rId24" cstate="print">
+            <a:blip r:embed="rId25" cstate="print">
               <a:extLst>
                 <a:ext uri="{28A0092B-C50C-407E-A947-70E740481C1C}">
                   <a14:useLocalDpi xmlns:a14="http://schemas.microsoft.com/office/drawing/2010/main" val="0"/>
@@ -2767,13 +2768,6 @@
   <p:clrMapOvr>
     <a:masterClrMapping/>
   </p:clrMapOvr>
-  <p:timing>
-    <p:tnLst>
-      <p:par>
-        <p:cTn id="1" dur="indefinite" restart="never" nodeType="tmRoot"/>
-      </p:par>
-    </p:tnLst>
-  </p:timing>
 </p:sldLayout>
 </file>
 
@@ -4257,6 +4251,7 @@
       <p:sp>
         <p:nvSpPr>
           <p:cNvPr id="10" name="Content">
+            <a:hlinkClick r:id="rId11" action="ppaction://hlinksldjump"/>
             <a:extLst>
               <a:ext uri="{FF2B5EF4-FFF2-40B4-BE49-F238E27FC236}">
                 <a16:creationId xmlns:a16="http://schemas.microsoft.com/office/drawing/2014/main" id="{2D80DF93-94FE-4188-B1F3-E0252A276528}"/>
@@ -4339,13 +4334,6 @@
   <p:clrMapOvr>
     <a:masterClrMapping/>
   </p:clrMapOvr>
-  <p:timing>
-    <p:tnLst>
-      <p:par>
-        <p:cTn id="1" dur="indefinite" restart="never" nodeType="tmRoot"/>
-      </p:par>
-    </p:tnLst>
-  </p:timing>
 </p:sldLayout>
 </file>
 
@@ -4675,6 +4663,7 @@
       <p:sp>
         <p:nvSpPr>
           <p:cNvPr id="11" name="Content">
+            <a:hlinkClick r:id="rId12" action="ppaction://hlinksldjump"/>
             <a:extLst>
               <a:ext uri="{FF2B5EF4-FFF2-40B4-BE49-F238E27FC236}">
                 <a16:creationId xmlns:a16="http://schemas.microsoft.com/office/drawing/2014/main" id="{1CF2DEEC-EF3D-4B29-B5FE-847F995420E3}"/>
@@ -4738,7 +4727,7 @@
                 </a:solidFill>
                 <a:latin typeface="Segoe UI" pitchFamily="34" charset="0"/>
                 <a:cs typeface="Segoe UI" pitchFamily="34" charset="0"/>
-                <a:hlinkClick r:id="rId12"/>
+                <a:hlinkClick r:id="rId13"/>
               </a:rPr>
               <a:t>http://sond-agedepierre.fr/clesecurisealeatoire</a:t>
             </a:r>
@@ -4771,7 +4760,7 @@
           </p:nvPr>
         </p:nvPicPr>
         <p:blipFill>
-          <a:blip r:embed="rId13" cstate="print">
+          <a:blip r:embed="rId14" cstate="print">
             <a:extLst>
               <a:ext uri="{28A0092B-C50C-407E-A947-70E740481C1C}">
                 <a14:useLocalDpi xmlns:a14="http://schemas.microsoft.com/office/drawing/2010/main" val="0"/>
@@ -4822,7 +4811,7 @@
           </p:nvPr>
         </p:nvPicPr>
         <p:blipFill>
-          <a:blip r:embed="rId14">
+          <a:blip r:embed="rId15">
             <a:extLst>
               <a:ext uri="{28A0092B-C50C-407E-A947-70E740481C1C}">
                 <a14:useLocalDpi xmlns:a14="http://schemas.microsoft.com/office/drawing/2010/main" val="0"/>
@@ -4853,13 +4842,6 @@
   <p:clrMapOvr>
     <a:masterClrMapping/>
   </p:clrMapOvr>
-  <p:timing>
-    <p:tnLst>
-      <p:par>
-        <p:cTn id="1" dur="indefinite" restart="never" nodeType="tmRoot"/>
-      </p:par>
-    </p:tnLst>
-  </p:timing>
 </p:sldLayout>
 </file>
 
@@ -5012,13 +4994,6 @@
   <p:clrMapOvr>
     <a:masterClrMapping/>
   </p:clrMapOvr>
-  <p:timing>
-    <p:tnLst>
-      <p:par>
-        <p:cTn id="1" dur="indefinite" restart="never" nodeType="tmRoot"/>
-      </p:par>
-    </p:tnLst>
-  </p:timing>
 </p:sldLayout>
 </file>
 
@@ -5852,7 +5827,7 @@
             </a:bodyPr>
             <a:lstStyle/>
             <a:p>
-              <a:endParaRPr lang="en-US" sz="1200" dirty="0" smtClean="0">
+              <a:endParaRPr lang="en-US" sz="1200" dirty="0">
                 <a:latin typeface="Segoe UI" pitchFamily="34" charset="0"/>
                 <a:ea typeface="Segoe UI" pitchFamily="34" charset="0"/>
                 <a:cs typeface="Segoe UI" pitchFamily="34" charset="0"/>
@@ -5962,7 +5937,7 @@
             </a:bodyPr>
             <a:lstStyle/>
             <a:p>
-              <a:endParaRPr lang="en-US" sz="1200" dirty="0" smtClean="0">
+              <a:endParaRPr lang="en-US" sz="1200" dirty="0">
                 <a:latin typeface="Segoe UI" pitchFamily="34" charset="0"/>
                 <a:ea typeface="Segoe UI" pitchFamily="34" charset="0"/>
                 <a:cs typeface="Segoe UI" pitchFamily="34" charset="0"/>
@@ -6072,7 +6047,7 @@
             </a:bodyPr>
             <a:lstStyle/>
             <a:p>
-              <a:endParaRPr lang="en-US" sz="1200" dirty="0" smtClean="0">
+              <a:endParaRPr lang="en-US" sz="1200" dirty="0">
                 <a:latin typeface="Segoe UI" pitchFamily="34" charset="0"/>
                 <a:ea typeface="Segoe UI" pitchFamily="34" charset="0"/>
                 <a:cs typeface="Segoe UI" pitchFamily="34" charset="0"/>
@@ -6150,13 +6125,6 @@
   <p:clrMapOvr>
     <a:masterClrMapping/>
   </p:clrMapOvr>
-  <p:timing>
-    <p:tnLst>
-      <p:par>
-        <p:cTn id="1" dur="indefinite" restart="never" nodeType="tmRoot"/>
-      </p:par>
-    </p:tnLst>
-  </p:timing>
 </p:sldLayout>
 </file>
 
@@ -7296,13 +7264,6 @@
   <p:clrMapOvr>
     <a:masterClrMapping/>
   </p:clrMapOvr>
-  <p:timing>
-    <p:tnLst>
-      <p:par>
-        <p:cTn id="1" dur="indefinite" restart="never" nodeType="tmRoot"/>
-      </p:par>
-    </p:tnLst>
-  </p:timing>
 </p:sldLayout>
 </file>
 
@@ -8475,13 +8436,6 @@
   <p:clrMapOvr>
     <a:masterClrMapping/>
   </p:clrMapOvr>
-  <p:timing>
-    <p:tnLst>
-      <p:par>
-        <p:cTn id="1" dur="indefinite" restart="never" nodeType="tmRoot"/>
-      </p:par>
-    </p:tnLst>
-  </p:timing>
 </p:sldLayout>
 </file>
 
@@ -9399,13 +9353,6 @@
   <p:clrMapOvr>
     <a:masterClrMapping/>
   </p:clrMapOvr>
-  <p:timing>
-    <p:tnLst>
-      <p:par>
-        <p:cTn id="1" dur="indefinite" restart="never" nodeType="tmRoot"/>
-      </p:par>
-    </p:tnLst>
-  </p:timing>
 </p:sldLayout>
 </file>
 
@@ -10040,13 +9987,6 @@
   <p:clrMapOvr>
     <a:masterClrMapping/>
   </p:clrMapOvr>
-  <p:timing>
-    <p:tnLst>
-      <p:par>
-        <p:cTn id="1" dur="indefinite" restart="never" nodeType="tmRoot"/>
-      </p:par>
-    </p:tnLst>
-  </p:timing>
 </p:sldLayout>
 </file>
 
@@ -10354,13 +10294,6 @@
   <p:clrMapOvr>
     <a:masterClrMapping/>
   </p:clrMapOvr>
-  <p:timing>
-    <p:tnLst>
-      <p:par>
-        <p:cTn id="1" dur="indefinite" restart="never" nodeType="tmRoot"/>
-      </p:par>
-    </p:tnLst>
-  </p:timing>
 </p:sldLayout>
 </file>
 
@@ -11968,7 +11901,7 @@
               <a:lstStyle/>
               <a:p>
                 <a:pPr algn="ctr"/>
-                <a:endParaRPr lang="en-US"/>
+                <a:endParaRPr lang="en-US" dirty="0"/>
               </a:p>
             </p:txBody>
           </p:sp>
@@ -12050,7 +11983,7 @@
               <a:lstStyle/>
               <a:p>
                 <a:pPr algn="ctr"/>
-                <a:endParaRPr lang="en-US"/>
+                <a:endParaRPr lang="en-US" dirty="0"/>
               </a:p>
             </p:txBody>
           </p:sp>
@@ -12148,7 +12081,7 @@
               <a:lstStyle/>
               <a:p>
                 <a:pPr algn="ctr"/>
-                <a:endParaRPr lang="en-US"/>
+                <a:endParaRPr lang="en-US" dirty="0"/>
               </a:p>
             </p:txBody>
           </p:sp>
@@ -12230,7 +12163,7 @@
               <a:lstStyle/>
               <a:p>
                 <a:pPr algn="ctr"/>
-                <a:endParaRPr lang="en-US"/>
+                <a:endParaRPr lang="en-US" dirty="0"/>
               </a:p>
             </p:txBody>
           </p:sp>
@@ -12543,7 +12476,7 @@
               <a:lstStyle/>
               <a:p>
                 <a:pPr algn="ctr"/>
-                <a:endParaRPr lang="en-US"/>
+                <a:endParaRPr lang="en-US" dirty="0"/>
               </a:p>
             </p:txBody>
           </p:sp>
@@ -12625,7 +12558,7 @@
               <a:lstStyle/>
               <a:p>
                 <a:pPr algn="ctr"/>
-                <a:endParaRPr lang="en-US"/>
+                <a:endParaRPr lang="en-US" dirty="0"/>
               </a:p>
             </p:txBody>
           </p:sp>
@@ -12708,7 +12641,7 @@
             <a:lstStyle/>
             <a:p>
               <a:pPr algn="ctr"/>
-              <a:endParaRPr lang="en-US"/>
+              <a:endParaRPr lang="en-US" dirty="0"/>
             </a:p>
           </p:txBody>
         </p:sp>
@@ -12790,7 +12723,7 @@
             <a:lstStyle/>
             <a:p>
               <a:pPr algn="ctr"/>
-              <a:endParaRPr lang="en-US"/>
+              <a:endParaRPr lang="en-US" dirty="0"/>
             </a:p>
           </p:txBody>
         </p:sp>
@@ -13133,7 +13066,7 @@
               <a:lstStyle/>
               <a:p>
                 <a:pPr algn="ctr"/>
-                <a:endParaRPr lang="en-US"/>
+                <a:endParaRPr lang="en-US" dirty="0"/>
               </a:p>
             </p:txBody>
           </p:sp>
@@ -13215,7 +13148,7 @@
               <a:lstStyle/>
               <a:p>
                 <a:pPr algn="ctr"/>
-                <a:endParaRPr lang="en-US"/>
+                <a:endParaRPr lang="en-US" dirty="0"/>
               </a:p>
             </p:txBody>
           </p:sp>
@@ -13431,7 +13364,7 @@
             <a:lstStyle/>
             <a:p>
               <a:pPr algn="ctr"/>
-              <a:endParaRPr lang="en-US"/>
+              <a:endParaRPr lang="en-US" dirty="0"/>
             </a:p>
           </p:txBody>
         </p:sp>
@@ -13503,7 +13436,7 @@
               <a:lstStyle/>
               <a:p>
                 <a:pPr algn="ctr"/>
-                <a:endParaRPr lang="en-US" u="sng">
+                <a:endParaRPr lang="en-US" u="sng" dirty="0">
                   <a:solidFill>
                     <a:prstClr val="white"/>
                   </a:solidFill>
@@ -13559,7 +13492,7 @@
               <a:lstStyle/>
               <a:p>
                 <a:pPr algn="ctr"/>
-                <a:endParaRPr lang="en-US" u="sng">
+                <a:endParaRPr lang="en-US" u="sng" dirty="0">
                   <a:solidFill>
                     <a:prstClr val="white"/>
                   </a:solidFill>
@@ -13615,7 +13548,7 @@
               <a:lstStyle/>
               <a:p>
                 <a:pPr algn="ctr"/>
-                <a:endParaRPr lang="en-US" u="sng">
+                <a:endParaRPr lang="en-US" u="sng" dirty="0">
                   <a:solidFill>
                     <a:prstClr val="white"/>
                   </a:solidFill>
@@ -13671,7 +13604,7 @@
               <a:lstStyle/>
               <a:p>
                 <a:pPr algn="ctr"/>
-                <a:endParaRPr lang="en-US" u="sng">
+                <a:endParaRPr lang="en-US" u="sng" dirty="0">
                   <a:solidFill>
                     <a:prstClr val="white"/>
                   </a:solidFill>
@@ -13759,7 +13692,7 @@
             <a:lstStyle/>
             <a:p>
               <a:pPr algn="ctr"/>
-              <a:endParaRPr lang="en-US"/>
+              <a:endParaRPr lang="en-US" dirty="0"/>
             </a:p>
           </p:txBody>
         </p:sp>
@@ -13814,7 +13747,7 @@
             <a:lstStyle/>
             <a:p>
               <a:pPr algn="ctr"/>
-              <a:endParaRPr lang="en-US"/>
+              <a:endParaRPr lang="en-US" dirty="0"/>
             </a:p>
           </p:txBody>
         </p:sp>
@@ -14090,13 +14023,14 @@
           <a:lstStyle/>
           <a:p>
             <a:pPr algn="ctr"/>
-            <a:endParaRPr lang="en-US"/>
+            <a:endParaRPr lang="en-US" dirty="0"/>
           </a:p>
         </p:txBody>
       </p:sp>
       <p:sp>
         <p:nvSpPr>
           <p:cNvPr id="72" name="Tile">
+            <a:hlinkClick r:id="rId32" action="ppaction://hlinksldjump"/>
             <a:extLst>
               <a:ext uri="{FF2B5EF4-FFF2-40B4-BE49-F238E27FC236}">
                 <a16:creationId xmlns:a16="http://schemas.microsoft.com/office/drawing/2014/main" id="{75B020CB-4996-4FAB-BD5A-BA07C10E94FE}"/>
@@ -14112,7 +14046,7 @@
         </p:nvSpPr>
         <p:spPr>
           <a:xfrm>
-            <a:off x="1660695" y="1453753"/>
+            <a:off x="150866" y="1467548"/>
             <a:ext cx="1570333" cy="325045"/>
           </a:xfrm>
           <a:prstGeom prst="rect">
@@ -14149,7 +14083,7 @@
           <a:p>
             <a:pPr algn="ctr"/>
             <a:r>
-              <a:rPr lang="en-US" sz="1400" dirty="0" err="1"/>
+              <a:rPr lang="fr-FR" sz="1400" noProof="0" dirty="0"/>
               <a:t>Sondages</a:t>
             </a:r>
             <a:r>
@@ -14167,6 +14101,7 @@
       <p:sp>
         <p:nvSpPr>
           <p:cNvPr id="73" name="Tile">
+            <a:hlinkClick r:id="rId33" action="ppaction://hlinksldjump"/>
             <a:extLst>
               <a:ext uri="{FF2B5EF4-FFF2-40B4-BE49-F238E27FC236}">
                 <a16:creationId xmlns:a16="http://schemas.microsoft.com/office/drawing/2014/main" id="{864FB0A0-06A1-44DB-A80A-61CE6BD846F4}"/>
@@ -14182,7 +14117,7 @@
         </p:nvSpPr>
         <p:spPr>
           <a:xfrm>
-            <a:off x="3290270" y="1451156"/>
+            <a:off x="1874791" y="1479335"/>
             <a:ext cx="1817772" cy="317729"/>
           </a:xfrm>
           <a:prstGeom prst="rect">
@@ -14237,6 +14172,7 @@
       <p:sp>
         <p:nvSpPr>
           <p:cNvPr id="74" name="Tile">
+            <a:hlinkClick r:id="rId34" action="ppaction://hlinksldjump"/>
             <a:extLst>
               <a:ext uri="{FF2B5EF4-FFF2-40B4-BE49-F238E27FC236}">
                 <a16:creationId xmlns:a16="http://schemas.microsoft.com/office/drawing/2014/main" id="{0374338C-9C14-4CC0-A080-6154FC9B4B1F}"/>
@@ -14252,7 +14188,7 @@
         </p:nvSpPr>
         <p:spPr>
           <a:xfrm>
-            <a:off x="60902" y="1453753"/>
+            <a:off x="5493970" y="1479335"/>
             <a:ext cx="1529787" cy="317729"/>
           </a:xfrm>
           <a:prstGeom prst="rect">
@@ -14307,6 +14243,7 @@
       <p:sp>
         <p:nvSpPr>
           <p:cNvPr id="75" name="Tile">
+            <a:hlinkClick r:id="rId35" action="ppaction://hlinksldjump"/>
             <a:extLst>
               <a:ext uri="{FF2B5EF4-FFF2-40B4-BE49-F238E27FC236}">
                 <a16:creationId xmlns:a16="http://schemas.microsoft.com/office/drawing/2014/main" id="{73FE1FF2-7B22-4080-BC16-0483435448A2}"/>
@@ -14368,6 +14305,7 @@
       <p:sp>
         <p:nvSpPr>
           <p:cNvPr id="76" name="Tile">
+            <a:hlinkClick r:id="rId36" action="ppaction://hlinksldjump"/>
             <a:extLst>
               <a:ext uri="{FF2B5EF4-FFF2-40B4-BE49-F238E27FC236}">
                 <a16:creationId xmlns:a16="http://schemas.microsoft.com/office/drawing/2014/main" id="{CD7361B5-B6B0-4E78-9875-A7CD3497A3C0}"/>
@@ -14635,6 +14573,7 @@
       <p:sp>
         <p:nvSpPr>
           <p:cNvPr id="88" name="Tile">
+            <a:hlinkClick r:id="rId37" action="ppaction://hlinksldjump"/>
             <a:extLst>
               <a:ext uri="{FF2B5EF4-FFF2-40B4-BE49-F238E27FC236}">
                 <a16:creationId xmlns:a16="http://schemas.microsoft.com/office/drawing/2014/main" id="{20BD5839-D135-4BEB-801B-A226130EEF20}"/>
@@ -14650,7 +14589,7 @@
         </p:nvSpPr>
         <p:spPr>
           <a:xfrm>
-            <a:off x="5167284" y="1452505"/>
+            <a:off x="3833776" y="1480009"/>
             <a:ext cx="1507692" cy="316380"/>
           </a:xfrm>
           <a:prstGeom prst="rect">
@@ -14722,13 +14661,6 @@
     <p:sldLayoutId id="2147483669" r:id="rId9"/>
     <p:sldLayoutId id="2147483670" r:id="rId10"/>
   </p:sldLayoutIdLst>
-  <p:timing>
-    <p:tnLst>
-      <p:par>
-        <p:cTn id="1" dur="indefinite" restart="never" nodeType="tmRoot"/>
-      </p:par>
-    </p:tnLst>
-  </p:timing>
   <p:txStyles>
     <p:titleStyle>
       <a:lvl1pPr algn="l" defTabSz="914400" rtl="0" eaLnBrk="1" latinLnBrk="0" hangingPunct="1">
@@ -15039,13 +14971,6 @@
   <p:clrMapOvr>
     <a:masterClrMapping/>
   </p:clrMapOvr>
-  <p:timing>
-    <p:tnLst>
-      <p:par>
-        <p:cTn id="1" dur="indefinite" restart="never" nodeType="tmRoot"/>
-      </p:par>
-    </p:tnLst>
-  </p:timing>
 </p:sld>
 </file>
 
@@ -15076,13 +15001,6 @@
   <p:clrMapOvr>
     <a:masterClrMapping/>
   </p:clrMapOvr>
-  <p:timing>
-    <p:tnLst>
-      <p:par>
-        <p:cTn id="1" dur="indefinite" restart="never" nodeType="tmRoot"/>
-      </p:par>
-    </p:tnLst>
-  </p:timing>
 </p:sld>
 </file>
 
@@ -15113,13 +15031,6 @@
   <p:clrMapOvr>
     <a:masterClrMapping/>
   </p:clrMapOvr>
-  <p:timing>
-    <p:tnLst>
-      <p:par>
-        <p:cTn id="1" dur="indefinite" restart="never" nodeType="tmRoot"/>
-      </p:par>
-    </p:tnLst>
-  </p:timing>
 </p:sld>
 </file>
 
@@ -15150,13 +15061,6 @@
   <p:clrMapOvr>
     <a:masterClrMapping/>
   </p:clrMapOvr>
-  <p:timing>
-    <p:tnLst>
-      <p:par>
-        <p:cTn id="1" dur="indefinite" restart="never" nodeType="tmRoot"/>
-      </p:par>
-    </p:tnLst>
-  </p:timing>
 </p:sld>
 </file>
 
@@ -15187,13 +15091,6 @@
   <p:clrMapOvr>
     <a:masterClrMapping/>
   </p:clrMapOvr>
-  <p:timing>
-    <p:tnLst>
-      <p:par>
-        <p:cTn id="1" dur="indefinite" restart="never" nodeType="tmRoot"/>
-      </p:par>
-    </p:tnLst>
-  </p:timing>
 </p:sld>
 </file>
 
@@ -15224,13 +15121,6 @@
   <p:clrMapOvr>
     <a:masterClrMapping/>
   </p:clrMapOvr>
-  <p:timing>
-    <p:tnLst>
-      <p:par>
-        <p:cTn id="1" dur="indefinite" restart="never" nodeType="tmRoot"/>
-      </p:par>
-    </p:tnLst>
-  </p:timing>
 </p:sld>
 </file>
 
@@ -15261,13 +15151,6 @@
   <p:clrMapOvr>
     <a:masterClrMapping/>
   </p:clrMapOvr>
-  <p:timing>
-    <p:tnLst>
-      <p:par>
-        <p:cTn id="1" dur="indefinite" restart="never" nodeType="tmRoot"/>
-      </p:par>
-    </p:tnLst>
-  </p:timing>
 </p:sld>
 </file>
 
@@ -15298,13 +15181,6 @@
   <p:clrMapOvr>
     <a:masterClrMapping/>
   </p:clrMapOvr>
-  <p:timing>
-    <p:tnLst>
-      <p:par>
-        <p:cTn id="1" dur="indefinite" restart="never" nodeType="tmRoot"/>
-      </p:par>
-    </p:tnLst>
-  </p:timing>
 </p:sld>
 </file>
 
@@ -15335,13 +15211,6 @@
   <p:clrMapOvr>
     <a:masterClrMapping/>
   </p:clrMapOvr>
-  <p:timing>
-    <p:tnLst>
-      <p:par>
-        <p:cTn id="1" dur="indefinite" restart="never" nodeType="tmRoot"/>
-      </p:par>
-    </p:tnLst>
-  </p:timing>
 </p:sld>
 </file>
 
@@ -15372,13 +15241,6 @@
   <p:clrMapOvr>
     <a:masterClrMapping/>
   </p:clrMapOvr>
-  <p:timing>
-    <p:tnLst>
-      <p:par>
-        <p:cTn id="1" dur="indefinite" restart="never" nodeType="tmRoot"/>
-      </p:par>
-    </p:tnLst>
-  </p:timing>
 </p:sld>
 </file>
 
@@ -15960,43 +15822,43 @@
 
 <file path=customXml/item1.xml><?xml version="1.0" encoding="utf-8"?>
 <Control xmlns="http://schemas.microsoft.com/VisualStudio/2011/storyboarding/control">
-  <Id Name="System.Storyboarding.Icons.Star" Revision="1" Stencil="System.Storyboarding.Icons" StencilVersion="0.1"/>
+  <Id Name="System.Storyboarding.WindowsApps.WindowsAppsMediumWideTile" Revision="1" Stencil="System.Storyboarding.WindowsApps" StencilVersion="0.1"/>
 </Control>
 </file>
 
 <file path=customXml/item10.xml><?xml version="1.0" encoding="utf-8"?>
+<Control xmlns="http://schemas.microsoft.com/VisualStudio/2011/storyboarding/control">
+  <Id Name="System.Storyboarding.WindowsApps.WindowsAppsTileMedium" Revision="1" Stencil="System.Storyboarding.WindowsApps" StencilVersion="0.1"/>
+</Control>
+</file>
+
+<file path=customXml/item100.xml><?xml version="1.0" encoding="utf-8"?>
+<Control xmlns="http://schemas.microsoft.com/VisualStudio/2011/storyboarding/control">
+  <Id Name="System.Storyboarding.WindowsAppIcons.Plus" Revision="1" Stencil="System.Storyboarding.WindowsAppIcons" StencilVersion="0.1"/>
+</Control>
+</file>
+
+<file path=customXml/item101.xml><?xml version="1.0" encoding="utf-8"?>
+<Control xmlns="http://schemas.microsoft.com/VisualStudio/2011/storyboarding/control">
+  <Id Name="System.Storyboarding.WindowsApps.WindowsAppsTileWideSmall" Revision="1" Stencil="System.Storyboarding.WindowsApps" StencilVersion="0.1"/>
+</Control>
+</file>
+
+<file path=customXml/item102.xml><?xml version="1.0" encoding="utf-8"?>
+<Control xmlns="http://schemas.microsoft.com/VisualStudio/2011/storyboarding/control">
+  <Id Name="System.Storyboarding.Common.CheckBoxUnchecked" Revision="1" Stencil="System.Storyboarding.Common" StencilVersion="0.1"/>
+</Control>
+</file>
+
+<file path=customXml/item103.xml><?xml version="1.0" encoding="utf-8"?>
 <Control xmlns="http://schemas.microsoft.com/VisualStudio/2011/storyboarding/control">
   <Id Name="System.Storyboarding.Icons.Star" Revision="1" Stencil="System.Storyboarding.Icons" StencilVersion="0.1"/>
 </Control>
 </file>
 
-<file path=customXml/item100.xml><?xml version="1.0" encoding="utf-8"?>
-<Control xmlns="http://schemas.microsoft.com/VisualStudio/2011/storyboarding/control">
-  <Id Name="System.Storyboarding.WindowsApps.WindowsAppsTileWideSmall" Revision="1" Stencil="System.Storyboarding.WindowsApps" StencilVersion="0.1"/>
-</Control>
-</file>
-
-<file path=customXml/item101.xml><?xml version="1.0" encoding="utf-8"?>
-<Control xmlns="http://schemas.microsoft.com/VisualStudio/2011/storyboarding/control">
-  <Id Name="System.Storyboarding.WindowsApps.WindowsAppsContextMenu" Revision="1" Stencil="System.Storyboarding.WindowsApps" StencilVersion="0.1"/>
-</Control>
-</file>
-
-<file path=customXml/item102.xml><?xml version="1.0" encoding="utf-8"?>
-<Control xmlns="http://schemas.microsoft.com/VisualStudio/2011/storyboarding/control">
-  <Id Name="System.Storyboarding.Common.TextInput" Revision="1" Stencil="System.Storyboarding.Common" StencilVersion="0.1"/>
-</Control>
-</file>
-
-<file path=customXml/item103.xml><?xml version="1.0" encoding="utf-8"?>
-<Control xmlns="http://schemas.microsoft.com/VisualStudio/2011/storyboarding/control">
-  <Id Name="System.Storyboarding.Common.TextInput" Revision="1" Stencil="System.Storyboarding.Common" StencilVersion="0.1"/>
-</Control>
-</file>
-
 <file path=customXml/item104.xml><?xml version="1.0" encoding="utf-8"?>
 <Control xmlns="http://schemas.microsoft.com/VisualStudio/2011/storyboarding/control">
-  <Id Name="System.Storyboarding.Backgrounds.WebBrowser" Revision="1" Stencil="System.Storyboarding.Backgrounds" StencilVersion="0.1"/>
+  <Id Name="System.Storyboarding.Icons.Star" Revision="1" Stencil="System.Storyboarding.Icons" StencilVersion="0.1"/>
 </Control>
 </file>
 
@@ -16008,511 +15870,511 @@
 
 <file path=customXml/item106.xml><?xml version="1.0" encoding="utf-8"?>
 <Control xmlns="http://schemas.microsoft.com/VisualStudio/2011/storyboarding/control">
+  <Id Name="System.Storyboarding.Icons.Star" Revision="1" Stencil="System.Storyboarding.Icons" StencilVersion="0.1"/>
+</Control>
+</file>
+
+<file path=customXml/item107.xml><?xml version="1.0" encoding="utf-8"?>
+<Control xmlns="http://schemas.microsoft.com/VisualStudio/2011/storyboarding/control">
+  <Id Name="System.Storyboarding.WindowsApps.WindowsAppsButton" Revision="1" Stencil="System.Storyboarding.WindowsApps" StencilVersion="0.1"/>
+</Control>
+</file>
+
+<file path=customXml/item108.xml><?xml version="1.0" encoding="utf-8"?>
+<Control xmlns="http://schemas.microsoft.com/VisualStudio/2011/storyboarding/control">
   <Id Name="System.Storyboarding.Common.Text" Revision="1" Stencil="System.Storyboarding.Common" StencilVersion="0.1"/>
 </Control>
 </file>
 
-<file path=customXml/item107.xml><?xml version="1.0" encoding="utf-8"?>
+<file path=customXml/item109.xml><?xml version="1.0" encoding="utf-8"?>
+<Control xmlns="http://schemas.microsoft.com/VisualStudio/2011/storyboarding/control">
+  <Id Name="System.Storyboarding.Common.DatePicker" Revision="1" Stencil="System.Storyboarding.Common" StencilVersion="0.1"/>
+</Control>
+</file>
+
+<file path=customXml/item11.xml><?xml version="1.0" encoding="utf-8"?>
+<Control xmlns="http://schemas.microsoft.com/VisualStudio/2011/storyboarding/control">
+  <Id Name="System.Storyboarding.Icons.Star" Revision="1" Stencil="System.Storyboarding.Icons" StencilVersion="0.1"/>
+</Control>
+</file>
+
+<file path=customXml/item110.xml><?xml version="1.0" encoding="utf-8"?>
+<Control xmlns="http://schemas.microsoft.com/VisualStudio/2011/storyboarding/control">
+  <Id Name="System.Storyboarding.WindowsApps.WindowsAppsTileWideSmall" Revision="1" Stencil="System.Storyboarding.WindowsApps" StencilVersion="0.1"/>
+</Control>
+</file>
+
+<file path=customXml/item111.xml><?xml version="1.0" encoding="utf-8"?>
+<Control xmlns="http://schemas.microsoft.com/VisualStudio/2011/storyboarding/control">
+  <Id Name="System.Storyboarding.Backgrounds.WebBrowser" Revision="1" Stencil="System.Storyboarding.Backgrounds" StencilVersion="0.1"/>
+</Control>
+</file>
+
+<file path=customXml/item112.xml><?xml version="1.0" encoding="utf-8"?>
+<Control xmlns="http://schemas.microsoft.com/VisualStudio/2011/storyboarding/control">
+  <Id Name="System.Storyboarding.Media.Image" Revision="1" Stencil="System.Storyboarding.Media" StencilVersion="0.1"/>
+</Control>
+</file>
+
+<file path=customXml/item113.xml><?xml version="1.0" encoding="utf-8"?>
+<Control xmlns="http://schemas.microsoft.com/VisualStudio/2011/storyboarding/control">
+  <Id Name="System.Storyboarding.Common.CheckBoxUnchecked" Revision="1" Stencil="System.Storyboarding.Common" StencilVersion="0.1"/>
+</Control>
+</file>
+
+<file path=customXml/item114.xml><?xml version="1.0" encoding="utf-8"?>
+<Control xmlns="http://schemas.microsoft.com/VisualStudio/2011/storyboarding/control">
+  <Id Name="System.Storyboarding.WindowsApps.WindowsAppsTileMedium" Revision="1" Stencil="System.Storyboarding.WindowsApps" StencilVersion="0.1"/>
+</Control>
+</file>
+
+<file path=customXml/item115.xml><?xml version="1.0" encoding="utf-8"?>
+<Control xmlns="http://schemas.microsoft.com/VisualStudio/2011/storyboarding/control">
+  <Id Name="System.Storyboarding.Icons.Lock" Revision="1" Stencil="System.Storyboarding.Icons" StencilVersion="0.1"/>
+</Control>
+</file>
+
+<file path=customXml/item116.xml><?xml version="1.0" encoding="utf-8"?>
+<Control xmlns="http://schemas.microsoft.com/VisualStudio/2011/storyboarding/control">
+  <Id Name="System.Storyboarding.WindowsApps.WindowsAppsTileWideSmall" Revision="1" Stencil="System.Storyboarding.WindowsApps" StencilVersion="0.1"/>
+</Control>
+</file>
+
+<file path=customXml/item117.xml><?xml version="1.0" encoding="utf-8"?>
+<Control xmlns="http://schemas.microsoft.com/VisualStudio/2011/storyboarding/control">
+  <Id Name="System.Storyboarding.Common.Text" Revision="1" Stencil="System.Storyboarding.Common" StencilVersion="0.1"/>
+</Control>
+</file>
+
+<file path=customXml/item118.xml><?xml version="1.0" encoding="utf-8"?>
+<Control xmlns="http://schemas.microsoft.com/VisualStudio/2011/storyboarding/control">
+  <Id Name="System.Storyboarding.Common.DatePicker" Revision="1" Stencil="System.Storyboarding.Common" StencilVersion="0.1"/>
+</Control>
+</file>
+
+<file path=customXml/item119.xml><?xml version="1.0" encoding="utf-8"?>
+<Control xmlns="http://schemas.microsoft.com/VisualStudio/2011/storyboarding/control">
+  <Id Name="System.Storyboarding.Common.Button" Revision="1" Stencil="System.Storyboarding.Common" StencilVersion="0.1"/>
+</Control>
+</file>
+
+<file path=customXml/item12.xml><?xml version="1.0" encoding="utf-8"?>
+<Control xmlns="http://schemas.microsoft.com/VisualStudio/2011/storyboarding/control">
+  <Id Name="System.Storyboarding.Common.Text" Revision="1" Stencil="System.Storyboarding.Common" StencilVersion="0.1"/>
+</Control>
+</file>
+
+<file path=customXml/item120.xml><?xml version="1.0" encoding="utf-8"?>
+<Control xmlns="http://schemas.microsoft.com/VisualStudio/2011/storyboarding/control">
+  <Id Name="System.Storyboarding.Media.HorizontalBarChart" Revision="1" Stencil="System.Storyboarding.Media" StencilVersion="0.1"/>
+</Control>
+</file>
+
+<file path=customXml/item121.xml><?xml version="1.0" encoding="utf-8"?>
+<Control xmlns="http://schemas.microsoft.com/VisualStudio/2011/storyboarding/control">
+  <Id Name="System.Storyboarding.Icons.Star" Revision="1" Stencil="System.Storyboarding.Icons" StencilVersion="0.1"/>
+</Control>
+</file>
+
+<file path=customXml/item122.xml><?xml version="1.0" encoding="utf-8"?>
 <Control xmlns="http://schemas.microsoft.com/VisualStudio/2011/storyboarding/control">
   <Id Name="System.Storyboarding.Common.MousePointer" Revision="1" Stencil="System.Storyboarding.Common" StencilVersion="0.1"/>
 </Control>
 </file>
 
-<file path=customXml/item108.xml><?xml version="1.0" encoding="utf-8"?>
+<file path=customXml/item123.xml><?xml version="1.0" encoding="utf-8"?>
+<Control xmlns="http://schemas.microsoft.com/VisualStudio/2011/storyboarding/control">
+  <Id Name="System.Storyboarding.Icons.Copy" Revision="1" Stencil="System.Storyboarding.Icons" StencilVersion="0.1"/>
+</Control>
+</file>
+
+<file path=customXml/item124.xml><?xml version="1.0" encoding="utf-8"?>
+<Control xmlns="http://schemas.microsoft.com/VisualStudio/2011/storyboarding/control">
+  <Id Name="System.Storyboarding.Icons.Star" Revision="1" Stencil="System.Storyboarding.Icons" StencilVersion="0.1"/>
+</Control>
+</file>
+
+<file path=customXml/item125.xml><?xml version="1.0" encoding="utf-8"?>
+<Control xmlns="http://schemas.microsoft.com/VisualStudio/2011/storyboarding/control">
+  <Id Name="System.Storyboarding.WindowsAppIcons.Check" Revision="1" Stencil="System.Storyboarding.WindowsAppIcons" StencilVersion="0.1"/>
+</Control>
+</file>
+
+<file path=customXml/item126.xml><?xml version="1.0" encoding="utf-8"?>
+<Control xmlns="http://schemas.microsoft.com/VisualStudio/2011/storyboarding/control">
+  <Id Name="System.Storyboarding.Common.TextInput" Revision="1" Stencil="System.Storyboarding.Common" StencilVersion="0.1"/>
+</Control>
+</file>
+
+<file path=customXml/item127.xml><?xml version="1.0" encoding="utf-8"?>
+<Control xmlns="http://schemas.microsoft.com/VisualStudio/2011/storyboarding/control">
+  <Id Name="System.Storyboarding.Common.Text" Revision="1" Stencil="System.Storyboarding.Common" StencilVersion="0.1"/>
+</Control>
+</file>
+
+<file path=customXml/item128.xml><?xml version="1.0" encoding="utf-8"?>
+<Control xmlns="http://schemas.microsoft.com/VisualStudio/2011/storyboarding/control">
+  <Id Name="System.Storyboarding.WindowsApps.WindowsAppsTileMedium" Revision="1" Stencil="System.Storyboarding.WindowsApps" StencilVersion="0.1"/>
+</Control>
+</file>
+
+<file path=customXml/item129.xml><?xml version="1.0" encoding="utf-8"?>
+<Control xmlns="http://schemas.microsoft.com/VisualStudio/2011/storyboarding/control">
+  <Id Name="System.Storyboarding.Common.DataGrid" Revision="1" Stencil="System.Storyboarding.Common" StencilVersion="0.1"/>
+</Control>
+</file>
+
+<file path=customXml/item13.xml><?xml version="1.0" encoding="utf-8"?>
+<Control xmlns="http://schemas.microsoft.com/VisualStudio/2011/storyboarding/control">
+  <Id Name="System.Storyboarding.Backgrounds.DesktopTaskbar" Revision="1" Stencil="System.Storyboarding.Backgrounds" StencilVersion="0.1"/>
+</Control>
+</file>
+
+<file path=customXml/item130.xml><?xml version="1.0" encoding="utf-8"?>
+<Control xmlns="http://schemas.microsoft.com/VisualStudio/2011/storyboarding/control">
+  <Id Name="System.Storyboarding.Common.TextInput" Revision="1" Stencil="System.Storyboarding.Common" StencilVersion="0.1"/>
+</Control>
+</file>
+
+<file path=customXml/item131.xml><?xml version="1.0" encoding="utf-8"?>
+<Control xmlns="http://schemas.microsoft.com/VisualStudio/2011/storyboarding/control">
+  <Id Name="32035d07-bc66-4a79-8001-2507012193e3" RevisionId="7f6cc906-8fab-4878-8f41-90bcdc4e860e" Stencil="172d6d98-e5c9-42e9-a209-79f7a94bbd38" StencilRevisionId="00000000-0000-0000-0000-000000000000" StencilVersion="0.0"/>
+</Control>
+</file>
+
+<file path=customXml/item132.xml><?xml version="1.0" encoding="utf-8"?>
+<Control xmlns="http://schemas.microsoft.com/VisualStudio/2011/storyboarding/control">
+  <Id Name="System.Storyboarding.Common.ScrollbarVertical" Revision="1" Stencil="System.Storyboarding.Common" StencilVersion="0.1"/>
+</Control>
+</file>
+
+<file path=customXml/item133.xml><?xml version="1.0" encoding="utf-8"?>
+<Control xmlns="http://schemas.microsoft.com/VisualStudio/2011/storyboarding/control">
+  <Id Name="System.Storyboarding.WindowsApps.WindowsAppsMediumWideTile" Revision="1" Stencil="System.Storyboarding.WindowsApps" StencilVersion="0.1"/>
+</Control>
+</file>
+
+<file path=customXml/item134.xml><?xml version="1.0" encoding="utf-8"?>
+<Control xmlns="http://schemas.microsoft.com/VisualStudio/2011/storyboarding/control">
+  <Id Name="System.Storyboarding.Media.PieChart" Revision="1" Stencil="System.Storyboarding.Media" StencilVersion="0.1"/>
+</Control>
+</file>
+
+<file path=customXml/item135.xml><?xml version="1.0" encoding="utf-8"?>
+<Control xmlns="http://schemas.microsoft.com/VisualStudio/2011/storyboarding/control">
+  <Id Name="System.Storyboarding.Backgrounds.DesktopTaskbar" Revision="1" Stencil="System.Storyboarding.Backgrounds" StencilVersion="0.1"/>
+</Control>
+</file>
+
+<file path=customXml/item136.xml><?xml version="1.0" encoding="utf-8"?>
+<Control xmlns="http://schemas.microsoft.com/VisualStudio/2011/storyboarding/control">
+  <Id Name="System.Storyboarding.Common.TextInput" Revision="1" Stencil="System.Storyboarding.Common" StencilVersion="0.1"/>
+</Control>
+</file>
+
+<file path=customXml/item137.xml><?xml version="1.0" encoding="utf-8"?>
+<Control xmlns="http://schemas.microsoft.com/VisualStudio/2011/storyboarding/control">
+  <Id Name="System.Storyboarding.Common.Button" Revision="1" Stencil="System.Storyboarding.Common" StencilVersion="0.1"/>
+</Control>
+</file>
+
+<file path=customXml/item138.xml><?xml version="1.0" encoding="utf-8"?>
+<Control xmlns="http://schemas.microsoft.com/VisualStudio/2011/storyboarding/control">
+  <Id Name="System.Storyboarding.WindowsApps.WindowsAppsTileWideSmall" Revision="1" Stencil="System.Storyboarding.WindowsApps" StencilVersion="0.1"/>
+</Control>
+</file>
+
+<file path=customXml/item139.xml><?xml version="1.0" encoding="utf-8"?>
+<Control xmlns="http://schemas.microsoft.com/VisualStudio/2011/storyboarding/control">
+  <Id Name="System.Storyboarding.Common.DataGrid" Revision="1" Stencil="System.Storyboarding.Common" StencilVersion="0.1"/>
+</Control>
+</file>
+
+<file path=customXml/item14.xml><?xml version="1.0" encoding="utf-8"?>
+<Control xmlns="http://schemas.microsoft.com/VisualStudio/2011/storyboarding/control">
+  <Id Name="System.Storyboarding.WindowsApps.WindowsAppsTileWideSmall" Revision="1" Stencil="System.Storyboarding.WindowsApps" StencilVersion="0.1"/>
+</Control>
+</file>
+
+<file path=customXml/item140.xml><?xml version="1.0" encoding="utf-8"?>
+<Control xmlns="http://schemas.microsoft.com/VisualStudio/2011/storyboarding/control">
+  <Id Name="System.Storyboarding.Icons.Star" Revision="1" Stencil="System.Storyboarding.Icons" StencilVersion="0.1"/>
+</Control>
+</file>
+
+<file path=customXml/item141.xml><?xml version="1.0" encoding="utf-8"?>
 <Control xmlns="http://schemas.microsoft.com/VisualStudio/2011/storyboarding/control">
   <Id Name="System.Storyboarding.Common.CheckBoxUnchecked" Revision="1" Stencil="System.Storyboarding.Common" StencilVersion="0.1"/>
 </Control>
 </file>
 
-<file path=customXml/item109.xml><?xml version="1.0" encoding="utf-8"?>
+<file path=customXml/item142.xml><?xml version="1.0" encoding="utf-8"?>
 <Control xmlns="http://schemas.microsoft.com/VisualStudio/2011/storyboarding/control">
-  <Id Name="System.Storyboarding.Common.Button" Revision="1" Stencil="System.Storyboarding.Common" StencilVersion="0.1"/>
+  <Id Name="System.Storyboarding.Icons.Star" Revision="1" Stencil="System.Storyboarding.Icons" StencilVersion="0.1"/>
 </Control>
 </file>
 
-<file path=customXml/item11.xml><?xml version="1.0" encoding="utf-8"?>
+<file path=customXml/item143.xml><?xml version="1.0" encoding="utf-8"?>
+<Control xmlns="http://schemas.microsoft.com/VisualStudio/2011/storyboarding/control">
+  <Id Name="System.Storyboarding.Common.DatePicker" Revision="1" Stencil="System.Storyboarding.Common" StencilVersion="0.1"/>
+</Control>
+</file>
+
+<file path=customXml/item144.xml><?xml version="1.0" encoding="utf-8"?>
+<Control xmlns="http://schemas.microsoft.com/VisualStudio/2011/storyboarding/control">
+  <Id Name="System.Storyboarding.Icons.Star" Revision="1" Stencil="System.Storyboarding.Icons" StencilVersion="0.1"/>
+</Control>
+</file>
+
+<file path=customXml/item145.xml><?xml version="1.0" encoding="utf-8"?>
+<Control xmlns="http://schemas.microsoft.com/VisualStudio/2011/storyboarding/control">
+  <Id Name="System.Storyboarding.Icons.Star" Revision="1" Stencil="System.Storyboarding.Icons" StencilVersion="0.1"/>
+</Control>
+</file>
+
+<file path=customXml/item146.xml><?xml version="1.0" encoding="utf-8"?>
+<Control xmlns="http://schemas.microsoft.com/VisualStudio/2011/storyboarding/control">
+  <Id Name="System.Storyboarding.WindowsPhone.PageTitle" Revision="1" Stencil="System.Storyboarding.WindowsPhone" StencilVersion="0.1"/>
+</Control>
+</file>
+
+<file path=customXml/item147.xml><?xml version="1.0" encoding="utf-8"?>
+<Control xmlns="http://schemas.microsoft.com/VisualStudio/2011/storyboarding/control">
+  <Id Name="System.Storyboarding.Common.Text" Revision="1" Stencil="System.Storyboarding.Common" StencilVersion="0.1"/>
+</Control>
+</file>
+
+<file path=customXml/item148.xml><?xml version="1.0" encoding="utf-8"?>
+<Control xmlns="http://schemas.microsoft.com/VisualStudio/2011/storyboarding/control">
+  <Id Name="System.Storyboarding.Common.ScrollbarVertical" Revision="1" Stencil="System.Storyboarding.Common" StencilVersion="0.1"/>
+</Control>
+</file>
+
+<file path=customXml/item149.xml><?xml version="1.0" encoding="utf-8"?>
+<Control xmlns="http://schemas.microsoft.com/VisualStudio/2011/storyboarding/control">
+  <Id Name="System.Storyboarding.Icons.Star" Revision="1" Stencil="System.Storyboarding.Icons" StencilVersion="0.1"/>
+</Control>
+</file>
+
+<file path=customXml/item15.xml><?xml version="1.0" encoding="utf-8"?>
+<Control xmlns="http://schemas.microsoft.com/VisualStudio/2011/storyboarding/control">
+  <Id Name="System.Storyboarding.Common.Text" Revision="1" Stencil="System.Storyboarding.Common" StencilVersion="0.1"/>
+</Control>
+</file>
+
+<file path=customXml/item150.xml><?xml version="1.0" encoding="utf-8"?>
+<Control xmlns="http://schemas.microsoft.com/VisualStudio/2011/storyboarding/control">
+  <Id Name="91f9215f-48a3-4bce-9856-a1c79d18b395" RevisionId="54383394-c8b8-40b0-9c4b-42c6089a8ac7" Stencil="172d6d98-e5c9-42e9-a209-79f7a94bbd38" StencilRevisionId="00000000-0000-0000-0000-000000000000" StencilVersion="0.0"/>
+</Control>
+</file>
+
+<file path=customXml/item151.xml><?xml version="1.0" encoding="utf-8"?>
 <Control xmlns="http://schemas.microsoft.com/VisualStudio/2011/storyboarding/control">
   <Id Name="System.Storyboarding.Common.TextInput" Revision="1" Stencil="System.Storyboarding.Common" StencilVersion="0.1"/>
 </Control>
 </file>
 
-<file path=customXml/item110.xml><?xml version="1.0" encoding="utf-8"?>
+<file path=customXml/item152.xml><?xml version="1.0" encoding="utf-8"?>
+<Control xmlns="http://schemas.microsoft.com/VisualStudio/2011/storyboarding/control">
+  <Id Name="System.Storyboarding.Common.TextArea" Revision="1" Stencil="System.Storyboarding.Common" StencilVersion="0.1"/>
+</Control>
+</file>
+
+<file path=customXml/item153.xml><?xml version="1.0" encoding="utf-8"?>
+<Control xmlns="http://schemas.microsoft.com/VisualStudio/2011/storyboarding/control">
+  <Id Name="System.Storyboarding.Common.Text" Revision="1" Stencil="System.Storyboarding.Common" StencilVersion="0.1"/>
+</Control>
+</file>
+
+<file path=customXml/item154.xml><?xml version="1.0" encoding="utf-8"?>
+<Control xmlns="http://schemas.microsoft.com/VisualStudio/2011/storyboarding/control">
+  <Id Name="32035d07-bc66-4a79-8001-2507012193e3" RevisionId="7f6cc906-8fab-4878-8f41-90bcdc4e860e" Stencil="172d6d98-e5c9-42e9-a209-79f7a94bbd38" StencilRevisionId="00000000-0000-0000-0000-000000000000" StencilVersion="0.0"/>
+</Control>
+</file>
+
+<file path=customXml/item155.xml><?xml version="1.0" encoding="utf-8"?>
+<Control xmlns="http://schemas.microsoft.com/VisualStudio/2011/storyboarding/control">
+  <Id Name="System.Storyboarding.WindowsApps.WindowsAppsTileWideSmall" Revision="1" Stencil="System.Storyboarding.WindowsApps" StencilVersion="0.1"/>
+</Control>
+</file>
+
+<file path=customXml/item156.xml><?xml version="1.0" encoding="utf-8"?>
+<Control xmlns="http://schemas.microsoft.com/VisualStudio/2011/storyboarding/control">
+  <Id Name="System.Storyboarding.WindowsApps.WindowsAppsContextMenu" Revision="1" Stencil="System.Storyboarding.WindowsApps" StencilVersion="0.1"/>
+</Control>
+</file>
+
+<file path=customXml/item157.xml><?xml version="1.0" encoding="utf-8"?>
+<Control xmlns="http://schemas.microsoft.com/VisualStudio/2011/storyboarding/control">
+  <Id Name="System.Storyboarding.Common.Text" Revision="1" Stencil="System.Storyboarding.Common" StencilVersion="0.1"/>
+</Control>
+</file>
+
+<file path=customXml/item158.xml><?xml version="1.0" encoding="utf-8"?>
+<Control xmlns="http://schemas.microsoft.com/VisualStudio/2011/storyboarding/control">
+  <Id Name="System.Storyboarding.Common.Text" Revision="1" Stencil="System.Storyboarding.Common" StencilVersion="0.1"/>
+</Control>
+</file>
+
+<file path=customXml/item159.xml><?xml version="1.0" encoding="utf-8"?>
+<Control xmlns="http://schemas.microsoft.com/VisualStudio/2011/storyboarding/control">
+  <Id Name="System.Storyboarding.WindowsAppIcons.Copy" Revision="1" Stencil="System.Storyboarding.WindowsAppIcons" StencilVersion="0.1"/>
+</Control>
+</file>
+
+<file path=customXml/item16.xml><?xml version="1.0" encoding="utf-8"?>
+<Control xmlns="http://schemas.microsoft.com/VisualStudio/2011/storyboarding/control">
+  <Id Name="System.Storyboarding.WindowsApps.WindowsAppsTileMedium" Revision="1" Stencil="System.Storyboarding.WindowsApps" StencilVersion="0.1"/>
+</Control>
+</file>
+
+<file path=customXml/item160.xml><?xml version="1.0" encoding="utf-8"?>
+<Control xmlns="http://schemas.microsoft.com/VisualStudio/2011/storyboarding/control">
+  <Id Name="System.Storyboarding.Icons.Star" Revision="1" Stencil="System.Storyboarding.Icons" StencilVersion="0.1"/>
+</Control>
+</file>
+
+<file path=customXml/item161.xml><?xml version="1.0" encoding="utf-8"?>
+<Control xmlns="http://schemas.microsoft.com/VisualStudio/2011/storyboarding/control">
+  <Id Name="System.Storyboarding.WindowsAppIcons.Plus" Revision="1" Stencil="System.Storyboarding.WindowsAppIcons" StencilVersion="0.1"/>
+</Control>
+</file>
+
+<file path=customXml/item162.xml><?xml version="1.0" encoding="utf-8"?>
+<Control xmlns="http://schemas.microsoft.com/VisualStudio/2011/storyboarding/control">
+  <Id Name="System.Storyboarding.Common.Text" Revision="1" Stencil="System.Storyboarding.Common" StencilVersion="0.1"/>
+</Control>
+</file>
+
+<file path=customXml/item163.xml><?xml version="1.0" encoding="utf-8"?>
 <Control xmlns="http://schemas.microsoft.com/VisualStudio/2011/storyboarding/control">
   <Id Name="System.Storyboarding.Common.CheckBoxUnchecked" Revision="1" Stencil="System.Storyboarding.Common" StencilVersion="0.1"/>
 </Control>
 </file>
 
-<file path=customXml/item111.xml><?xml version="1.0" encoding="utf-8"?>
+<file path=customXml/item164.xml><?xml version="1.0" encoding="utf-8"?>
 <Control xmlns="http://schemas.microsoft.com/VisualStudio/2011/storyboarding/control">
-  <Id Name="System.Storyboarding.Common.CheckBoxUnchecked" Revision="1" Stencil="System.Storyboarding.Common" StencilVersion="0.1"/>
+  <Id Name="System.Storyboarding.Common.TextInput" Revision="1" Stencil="System.Storyboarding.Common" StencilVersion="0.1"/>
 </Control>
 </file>
 
-<file path=customXml/item112.xml><?xml version="1.0" encoding="utf-8"?>
+<file path=customXml/item165.xml><?xml version="1.0" encoding="utf-8"?>
+<Control xmlns="http://schemas.microsoft.com/VisualStudio/2011/storyboarding/control">
+  <Id Name="System.Storyboarding.Common.TextInput" Revision="1" Stencil="System.Storyboarding.Common" StencilVersion="0.1"/>
+</Control>
+</file>
+
+<file path=customXml/item166.xml><?xml version="1.0" encoding="utf-8"?>
+<Control xmlns="http://schemas.microsoft.com/VisualStudio/2011/storyboarding/control">
+  <Id Name="System.Storyboarding.Common.RadioButtonSelected" Revision="1" Stencil="System.Storyboarding.Common" StencilVersion="0.1"/>
+</Control>
+</file>
+
+<file path=customXml/item167.xml><?xml version="1.0" encoding="utf-8"?>
+<Control xmlns="http://schemas.microsoft.com/VisualStudio/2011/storyboarding/control">
+  <Id Name="System.Storyboarding.Common.TextInput" Revision="1" Stencil="System.Storyboarding.Common" StencilVersion="0.1"/>
+</Control>
+</file>
+
+<file path=customXml/item168.xml><?xml version="1.0" encoding="utf-8"?>
+<Control xmlns="http://schemas.microsoft.com/VisualStudio/2011/storyboarding/control">
+  <Id Name="System.Storyboarding.WindowsApps.WindowsAppsTileMedium" Revision="1" Stencil="System.Storyboarding.WindowsApps" StencilVersion="0.1"/>
+</Control>
+</file>
+
+<file path=customXml/item169.xml><?xml version="1.0" encoding="utf-8"?>
+<Control xmlns="http://schemas.microsoft.com/VisualStudio/2011/storyboarding/control">
+  <Id Name="System.Storyboarding.Common.TextInput" Revision="1" Stencil="System.Storyboarding.Common" StencilVersion="0.1"/>
+</Control>
+</file>
+
+<file path=customXml/item17.xml><?xml version="1.0" encoding="utf-8"?>
+<Control xmlns="http://schemas.microsoft.com/VisualStudio/2011/storyboarding/control">
+  <Id Name="System.Storyboarding.Common.Text" Revision="1" Stencil="System.Storyboarding.Common" StencilVersion="0.1"/>
+</Control>
+</file>
+
+<file path=customXml/item170.xml><?xml version="1.0" encoding="utf-8"?>
+<Control xmlns="http://schemas.microsoft.com/VisualStudio/2011/storyboarding/control">
+  <Id Name="System.Storyboarding.WindowsApps.WindowsAppsTileMedium" Revision="1" Stencil="System.Storyboarding.WindowsApps" StencilVersion="0.1"/>
+</Control>
+</file>
+
+<file path=customXml/item171.xml><?xml version="1.0" encoding="utf-8"?>
+<Control xmlns="http://schemas.microsoft.com/VisualStudio/2011/storyboarding/control">
+  <Id Name="System.Storyboarding.Common.Text" Revision="1" Stencil="System.Storyboarding.Common" StencilVersion="0.1"/>
+</Control>
+</file>
+
+<file path=customXml/item172.xml><?xml version="1.0" encoding="utf-8"?>
+<Control xmlns="http://schemas.microsoft.com/VisualStudio/2011/storyboarding/control">
+  <Id Name="System.Storyboarding.WindowsAppIcons.Like" Revision="1" Stencil="System.Storyboarding.WindowsAppIcons" StencilVersion="0.1"/>
+</Control>
+</file>
+
+<file path=customXml/item18.xml><?xml version="1.0" encoding="utf-8"?>
+<Control xmlns="http://schemas.microsoft.com/VisualStudio/2011/storyboarding/control">
+  <Id Name="System.Storyboarding.Common.TextInput" Revision="1" Stencil="System.Storyboarding.Common" StencilVersion="0.1"/>
+</Control>
+</file>
+
+<file path=customXml/item19.xml><?xml version="1.0" encoding="utf-8"?>
+<Control xmlns="http://schemas.microsoft.com/VisualStudio/2011/storyboarding/control">
+  <Id Name="System.Storyboarding.Common.TextInput" Revision="1" Stencil="System.Storyboarding.Common" StencilVersion="0.1"/>
+</Control>
+</file>
+
+<file path=customXml/item2.xml><?xml version="1.0" encoding="utf-8"?>
+<Control xmlns="http://schemas.microsoft.com/VisualStudio/2011/storyboarding/control">
+  <Id Name="System.Storyboarding.Common.Text" Revision="1" Stencil="System.Storyboarding.Common" StencilVersion="0.1"/>
+</Control>
+</file>
+
+<file path=customXml/item20.xml><?xml version="1.0" encoding="utf-8"?>
+<Control xmlns="http://schemas.microsoft.com/VisualStudio/2011/storyboarding/control">
+  <Id Name="System.Storyboarding.Common.ScrollbarVertical" Revision="1" Stencil="System.Storyboarding.Common" StencilVersion="0.1"/>
+</Control>
+</file>
+
+<file path=customXml/item21.xml><?xml version="1.0" encoding="utf-8"?>
 <Control xmlns="http://schemas.microsoft.com/VisualStudio/2011/storyboarding/control">
   <Id Name="System.Storyboarding.WindowsApps.WindowsAppsTileWideSmall" Revision="1" Stencil="System.Storyboarding.WindowsApps" StencilVersion="0.1"/>
 </Control>
 </file>
 
-<file path=customXml/item113.xml><?xml version="1.0" encoding="utf-8"?>
+<file path=customXml/item22.xml><?xml version="1.0" encoding="utf-8"?>
 <Control xmlns="http://schemas.microsoft.com/VisualStudio/2011/storyboarding/control">
-  <Id Name="System.Storyboarding.Common.TextInput" Revision="1" Stencil="System.Storyboarding.Common" StencilVersion="0.1"/>
+  <Id Name="System.Storyboarding.WindowsApps.WindowsAppsTileWideSmall" Revision="1" Stencil="System.Storyboarding.WindowsApps" StencilVersion="0.1"/>
 </Control>
 </file>
 
-<file path=customXml/item114.xml><?xml version="1.0" encoding="utf-8"?>
+<file path=customXml/item23.xml><?xml version="1.0" encoding="utf-8"?>
 <Control xmlns="http://schemas.microsoft.com/VisualStudio/2011/storyboarding/control">
-  <Id Name="System.Storyboarding.Common.TextInput" Revision="1" Stencil="System.Storyboarding.Common" StencilVersion="0.1"/>
+  <Id Name="System.Storyboarding.WindowsApps.WindowsAppsTileMedium" Revision="1" Stencil="System.Storyboarding.WindowsApps" StencilVersion="0.1"/>
 </Control>
 </file>
 
-<file path=customXml/item115.xml><?xml version="1.0" encoding="utf-8"?>
-<Control xmlns="http://schemas.microsoft.com/VisualStudio/2011/storyboarding/control">
-  <Id Name="System.Storyboarding.Icons.Star" Revision="1" Stencil="System.Storyboarding.Icons" StencilVersion="0.1"/>
-</Control>
-</file>
-
-<file path=customXml/item116.xml><?xml version="1.0" encoding="utf-8"?>
-<Control xmlns="http://schemas.microsoft.com/VisualStudio/2011/storyboarding/control">
-  <Id Name="System.Storyboarding.WindowsApps.WindowsAppsMediumWideTile" Revision="1" Stencil="System.Storyboarding.WindowsApps" StencilVersion="0.1"/>
-</Control>
-</file>
-
-<file path=customXml/item117.xml><?xml version="1.0" encoding="utf-8"?>
-<Control xmlns="http://schemas.microsoft.com/VisualStudio/2011/storyboarding/control">
-  <Id Name="System.Storyboarding.Common.TextInput" Revision="1" Stencil="System.Storyboarding.Common" StencilVersion="0.1"/>
-</Control>
-</file>
-
-<file path=customXml/item118.xml><?xml version="1.0" encoding="utf-8"?>
-<Control xmlns="http://schemas.microsoft.com/VisualStudio/2011/storyboarding/control">
-  <Id Name="System.Storyboarding.Media.Image" Revision="1" Stencil="System.Storyboarding.Media" StencilVersion="0.1"/>
-</Control>
-</file>
-
-<file path=customXml/item119.xml><?xml version="1.0" encoding="utf-8"?>
-<Control xmlns="http://schemas.microsoft.com/VisualStudio/2011/storyboarding/control">
-  <Id Name="System.Storyboarding.WindowsApps.WindowsAppsContextMenu" Revision="1" Stencil="System.Storyboarding.WindowsApps" StencilVersion="0.1"/>
-</Control>
-</file>
-
-<file path=customXml/item12.xml><?xml version="1.0" encoding="utf-8"?>
-<Control xmlns="http://schemas.microsoft.com/VisualStudio/2011/storyboarding/control">
-  <Id Name="System.Storyboarding.Common.Button" Revision="1" Stencil="System.Storyboarding.Common" StencilVersion="0.1"/>
-</Control>
-</file>
-
-<file path=customXml/item120.xml><?xml version="1.0" encoding="utf-8"?>
-<Control xmlns="http://schemas.microsoft.com/VisualStudio/2011/storyboarding/control">
-  <Id Name="System.Storyboarding.Common.Button" Revision="1" Stencil="System.Storyboarding.Common" StencilVersion="0.1"/>
-</Control>
-</file>
-
-<file path=customXml/item121.xml><?xml version="1.0" encoding="utf-8"?>
-<Control xmlns="http://schemas.microsoft.com/VisualStudio/2011/storyboarding/control">
-  <Id Name="System.Storyboarding.Common.TextInput" Revision="1" Stencil="System.Storyboarding.Common" StencilVersion="0.1"/>
-</Control>
-</file>
-
-<file path=customXml/item122.xml><?xml version="1.0" encoding="utf-8"?>
+<file path=customXml/item24.xml><?xml version="1.0" encoding="utf-8"?>
 <Control xmlns="http://schemas.microsoft.com/VisualStudio/2011/storyboarding/control">
   <Id Name="System.Storyboarding.Common.Text" Revision="1" Stencil="System.Storyboarding.Common" StencilVersion="0.1"/>
 </Control>
 </file>
 
-<file path=customXml/item123.xml><?xml version="1.0" encoding="utf-8"?>
+<file path=customXml/item25.xml><?xml version="1.0" encoding="utf-8"?>
 <Control xmlns="http://schemas.microsoft.com/VisualStudio/2011/storyboarding/control">
-  <Id Name="System.Storyboarding.Common.TextInput" Revision="1" Stencil="System.Storyboarding.Common" StencilVersion="0.1"/>
+  <Id Name="System.Storyboarding.Common.Text" Revision="1" Stencil="System.Storyboarding.Common" StencilVersion="0.1"/>
 </Control>
 </file>
 
-<file path=customXml/item124.xml><?xml version="1.0" encoding="utf-8"?>
-<Control xmlns="http://schemas.microsoft.com/VisualStudio/2011/storyboarding/control">
-  <Id Name="System.Storyboarding.Icons.Copy" Revision="1" Stencil="System.Storyboarding.Icons" StencilVersion="0.1"/>
-</Control>
-</file>
-
-<file path=customXml/item125.xml><?xml version="1.0" encoding="utf-8"?>
-<Control xmlns="http://schemas.microsoft.com/VisualStudio/2011/storyboarding/control">
-  <Id Name="System.Storyboarding.Icons.Star" Revision="1" Stencil="System.Storyboarding.Icons" StencilVersion="0.1"/>
-</Control>
-</file>
-
-<file path=customXml/item126.xml><?xml version="1.0" encoding="utf-8"?>
-<Control xmlns="http://schemas.microsoft.com/VisualStudio/2011/storyboarding/control">
-  <Id Name="System.Storyboarding.Common.DatePicker" Revision="1" Stencil="System.Storyboarding.Common" StencilVersion="0.1"/>
-</Control>
-</file>
-
-<file path=customXml/item127.xml><?xml version="1.0" encoding="utf-8"?>
-<Control xmlns="http://schemas.microsoft.com/VisualStudio/2011/storyboarding/control">
-  <Id Name="System.Storyboarding.Common.ScrollbarVertical" Revision="1" Stencil="System.Storyboarding.Common" StencilVersion="0.1"/>
-</Control>
-</file>
-
-<file path=customXml/item128.xml><?xml version="1.0" encoding="utf-8"?>
+<file path=customXml/item26.xml><?xml version="1.0" encoding="utf-8"?>
 <Control xmlns="http://schemas.microsoft.com/VisualStudio/2011/storyboarding/control">
   <Id Name="System.Storyboarding.Backgrounds.DesktopTaskbar" Revision="1" Stencil="System.Storyboarding.Backgrounds" StencilVersion="0.1"/>
 </Control>
 </file>
 
-<file path=customXml/item129.xml><?xml version="1.0" encoding="utf-8"?>
-<Control xmlns="http://schemas.microsoft.com/VisualStudio/2011/storyboarding/control">
-  <Id Name="System.Storyboarding.Common.Text" Revision="1" Stencil="System.Storyboarding.Common" StencilVersion="0.1"/>
-</Control>
-</file>
-
-<file path=customXml/item13.xml><?xml version="1.0" encoding="utf-8"?>
+<file path=customXml/item27.xml><?xml version="1.0" encoding="utf-8"?>
 <Control xmlns="http://schemas.microsoft.com/VisualStudio/2011/storyboarding/control">
   <Id Name="System.Storyboarding.Common.TextInput" Revision="1" Stencil="System.Storyboarding.Common" StencilVersion="0.1"/>
-</Control>
-</file>
-
-<file path=customXml/item130.xml><?xml version="1.0" encoding="utf-8"?>
-<Control xmlns="http://schemas.microsoft.com/VisualStudio/2011/storyboarding/control">
-  <Id Name="System.Storyboarding.Icons.Star" Revision="1" Stencil="System.Storyboarding.Icons" StencilVersion="0.1"/>
-</Control>
-</file>
-
-<file path=customXml/item131.xml><?xml version="1.0" encoding="utf-8"?>
-<Control xmlns="http://schemas.microsoft.com/VisualStudio/2011/storyboarding/control">
-  <Id Name="System.Storyboarding.Icons.Star" Revision="1" Stencil="System.Storyboarding.Icons" StencilVersion="0.1"/>
-</Control>
-</file>
-
-<file path=customXml/item132.xml><?xml version="1.0" encoding="utf-8"?>
-<Control xmlns="http://schemas.microsoft.com/VisualStudio/2011/storyboarding/control">
-  <Id Name="System.Storyboarding.Icons.Star" Revision="1" Stencil="System.Storyboarding.Icons" StencilVersion="0.1"/>
-</Control>
-</file>
-
-<file path=customXml/item133.xml><?xml version="1.0" encoding="utf-8"?>
-<Control xmlns="http://schemas.microsoft.com/VisualStudio/2011/storyboarding/control">
-  <Id Name="System.Storyboarding.Common.Text" Revision="1" Stencil="System.Storyboarding.Common" StencilVersion="0.1"/>
-</Control>
-</file>
-
-<file path=customXml/item134.xml><?xml version="1.0" encoding="utf-8"?>
-<Control xmlns="http://schemas.microsoft.com/VisualStudio/2011/storyboarding/control">
-  <Id Name="System.Storyboarding.Common.Hyperlink" Revision="1" Stencil="System.Storyboarding.Common" StencilVersion="0.1"/>
-</Control>
-</file>
-
-<file path=customXml/item135.xml><?xml version="1.0" encoding="utf-8"?>
-<Control xmlns="http://schemas.microsoft.com/VisualStudio/2011/storyboarding/control">
-  <Id Name="System.Storyboarding.Common.DataGrid" Revision="1" Stencil="System.Storyboarding.Common" StencilVersion="0.1"/>
-</Control>
-</file>
-
-<file path=customXml/item136.xml><?xml version="1.0" encoding="utf-8"?>
-<Control xmlns="http://schemas.microsoft.com/VisualStudio/2011/storyboarding/control">
-  <Id Name="System.Storyboarding.Common.Text" Revision="1" Stencil="System.Storyboarding.Common" StencilVersion="0.1"/>
-</Control>
-</file>
-
-<file path=customXml/item137.xml><?xml version="1.0" encoding="utf-8"?>
-<Control xmlns="http://schemas.microsoft.com/VisualStudio/2011/storyboarding/control">
-  <Id Name="System.Storyboarding.Media.PieChart" Revision="1" Stencil="System.Storyboarding.Media" StencilVersion="0.1"/>
-</Control>
-</file>
-
-<file path=customXml/item138.xml><?xml version="1.0" encoding="utf-8"?>
-<Control xmlns="http://schemas.microsoft.com/VisualStudio/2011/storyboarding/control">
-  <Id Name="System.Storyboarding.WindowsApps.WindowsAppsTileMedium" Revision="1" Stencil="System.Storyboarding.WindowsApps" StencilVersion="0.1"/>
-</Control>
-</file>
-
-<file path=customXml/item139.xml><?xml version="1.0" encoding="utf-8"?>
-<Control xmlns="http://schemas.microsoft.com/VisualStudio/2011/storyboarding/control">
-  <Id Name="System.Storyboarding.Icons.Star" Revision="1" Stencil="System.Storyboarding.Icons" StencilVersion="0.1"/>
-</Control>
-</file>
-
-<file path=customXml/item14.xml><?xml version="1.0" encoding="utf-8"?>
-<Control xmlns="http://schemas.microsoft.com/VisualStudio/2011/storyboarding/control">
-  <Id Name="System.Storyboarding.Backgrounds.WebBrowser" Revision="1" Stencil="System.Storyboarding.Backgrounds" StencilVersion="0.1"/>
-</Control>
-</file>
-
-<file path=customXml/item140.xml><?xml version="1.0" encoding="utf-8"?>
-<Control xmlns="http://schemas.microsoft.com/VisualStudio/2011/storyboarding/control">
-  <Id Name="System.Storyboarding.Common.Text" Revision="1" Stencil="System.Storyboarding.Common" StencilVersion="0.1"/>
-</Control>
-</file>
-
-<file path=customXml/item141.xml><?xml version="1.0" encoding="utf-8"?>
-<Control xmlns="http://schemas.microsoft.com/VisualStudio/2011/storyboarding/control">
-  <Id Name="System.Storyboarding.Common.Button" Revision="1" Stencil="System.Storyboarding.Common" StencilVersion="0.1"/>
-</Control>
-</file>
-
-<file path=customXml/item142.xml><?xml version="1.0" encoding="utf-8"?>
-<Control xmlns="http://schemas.microsoft.com/VisualStudio/2011/storyboarding/control">
-  <Id Name="System.Storyboarding.Common.Text" Revision="1" Stencil="System.Storyboarding.Common" StencilVersion="0.1"/>
-</Control>
-</file>
-
-<file path=customXml/item143.xml><?xml version="1.0" encoding="utf-8"?>
-<Control xmlns="http://schemas.microsoft.com/VisualStudio/2011/storyboarding/control">
-  <Id Name="System.Storyboarding.Common.Text" Revision="1" Stencil="System.Storyboarding.Common" StencilVersion="0.1"/>
-</Control>
-</file>
-
-<file path=customXml/item144.xml><?xml version="1.0" encoding="utf-8"?>
-<Control xmlns="http://schemas.microsoft.com/VisualStudio/2011/storyboarding/control">
-  <Id Name="System.Storyboarding.Common.ScrollbarVertical" Revision="1" Stencil="System.Storyboarding.Common" StencilVersion="0.1"/>
-</Control>
-</file>
-
-<file path=customXml/item145.xml><?xml version="1.0" encoding="utf-8"?>
-<Control xmlns="http://schemas.microsoft.com/VisualStudio/2011/storyboarding/control">
-  <Id Name="System.Storyboarding.Common.Text" Revision="1" Stencil="System.Storyboarding.Common" StencilVersion="0.1"/>
-</Control>
-</file>
-
-<file path=customXml/item146.xml><?xml version="1.0" encoding="utf-8"?>
-<Control xmlns="http://schemas.microsoft.com/VisualStudio/2011/storyboarding/control">
-  <Id Name="System.Storyboarding.Common.CheckBoxUnchecked" Revision="1" Stencil="System.Storyboarding.Common" StencilVersion="0.1"/>
-</Control>
-</file>
-
-<file path=customXml/item147.xml><?xml version="1.0" encoding="utf-8"?>
-<Control xmlns="http://schemas.microsoft.com/VisualStudio/2011/storyboarding/control">
-  <Id Name="System.Storyboarding.Common.Button" Revision="1" Stencil="System.Storyboarding.Common" StencilVersion="0.1"/>
-</Control>
-</file>
-
-<file path=customXml/item148.xml><?xml version="1.0" encoding="utf-8"?>
-<Control xmlns="http://schemas.microsoft.com/VisualStudio/2011/storyboarding/control">
-  <Id Name="System.Storyboarding.WindowsAppIcons.Copy" Revision="1" Stencil="System.Storyboarding.WindowsAppIcons" StencilVersion="0.1"/>
-</Control>
-</file>
-
-<file path=customXml/item149.xml><?xml version="1.0" encoding="utf-8"?>
-<Control xmlns="http://schemas.microsoft.com/VisualStudio/2011/storyboarding/control">
-  <Id Name="System.Storyboarding.WindowsApps.WindowsAppsTileWideSmall" Revision="1" Stencil="System.Storyboarding.WindowsApps" StencilVersion="0.1"/>
-</Control>
-</file>
-
-<file path=customXml/item15.xml><?xml version="1.0" encoding="utf-8"?>
-<Control xmlns="http://schemas.microsoft.com/VisualStudio/2011/storyboarding/control">
-  <Id Name="System.Storyboarding.Icons.Star" Revision="1" Stencil="System.Storyboarding.Icons" StencilVersion="0.1"/>
-</Control>
-</file>
-
-<file path=customXml/item150.xml><?xml version="1.0" encoding="utf-8"?>
-<Control xmlns="http://schemas.microsoft.com/VisualStudio/2011/storyboarding/control">
-  <Id Name="System.Storyboarding.Common.Text" Revision="1" Stencil="System.Storyboarding.Common" StencilVersion="0.1"/>
-</Control>
-</file>
-
-<file path=customXml/item151.xml><?xml version="1.0" encoding="utf-8"?>
-<Control xmlns="http://schemas.microsoft.com/VisualStudio/2011/storyboarding/control">
-  <Id Name="System.Storyboarding.WindowsAppIcons.Check" Revision="1" Stencil="System.Storyboarding.WindowsAppIcons" StencilVersion="0.1"/>
-</Control>
-</file>
-
-<file path=customXml/item152.xml><?xml version="1.0" encoding="utf-8"?>
-<Control xmlns="http://schemas.microsoft.com/VisualStudio/2011/storyboarding/control">
-  <Id Name="System.Storyboarding.Common.DatePicker" Revision="1" Stencil="System.Storyboarding.Common" StencilVersion="0.1"/>
-</Control>
-</file>
-
-<file path=customXml/item153.xml><?xml version="1.0" encoding="utf-8"?>
-<Control xmlns="http://schemas.microsoft.com/VisualStudio/2011/storyboarding/control">
-  <Id Name="System.Storyboarding.Common.DatePicker" Revision="1" Stencil="System.Storyboarding.Common" StencilVersion="0.1"/>
-</Control>
-</file>
-
-<file path=customXml/item154.xml><?xml version="1.0" encoding="utf-8"?>
-<Control xmlns="http://schemas.microsoft.com/VisualStudio/2011/storyboarding/control">
-  <Id Name="System.Storyboarding.Common.Button" Revision="1" Stencil="System.Storyboarding.Common" StencilVersion="0.1"/>
-</Control>
-</file>
-
-<file path=customXml/item155.xml><?xml version="1.0" encoding="utf-8"?>
-<Control xmlns="http://schemas.microsoft.com/VisualStudio/2011/storyboarding/control">
-  <Id Name="System.Storyboarding.WindowsApps.WindowsAppsTileMediumText" Revision="1" Stencil="System.Storyboarding.WindowsApps" StencilVersion="0.1"/>
-</Control>
-</file>
-
-<file path=customXml/item156.xml><?xml version="1.0" encoding="utf-8"?>
-<Control xmlns="http://schemas.microsoft.com/VisualStudio/2011/storyboarding/control">
-  <Id Name="System.Storyboarding.WindowsApps.WindowsAppsTileWideSmall" Revision="1" Stencil="System.Storyboarding.WindowsApps" StencilVersion="0.1"/>
-</Control>
-</file>
-
-<file path=customXml/item157.xml><?xml version="1.0" encoding="utf-8"?>
-<Control xmlns="http://schemas.microsoft.com/VisualStudio/2011/storyboarding/control">
-  <Id Name="System.Storyboarding.Icons.Star" Revision="1" Stencil="System.Storyboarding.Icons" StencilVersion="0.1"/>
-</Control>
-</file>
-
-<file path=customXml/item158.xml><?xml version="1.0" encoding="utf-8"?>
-<Control xmlns="http://schemas.microsoft.com/VisualStudio/2011/storyboarding/control">
-  <Id Name="System.Storyboarding.Backgrounds.DesktopTaskbar" Revision="1" Stencil="System.Storyboarding.Backgrounds" StencilVersion="0.1"/>
-</Control>
-</file>
-
-<file path=customXml/item159.xml><?xml version="1.0" encoding="utf-8"?>
-<Control xmlns="http://schemas.microsoft.com/VisualStudio/2011/storyboarding/control">
-  <Id Name="System.Storyboarding.Common.Text" Revision="1" Stencil="System.Storyboarding.Common" StencilVersion="0.1"/>
-</Control>
-</file>
-
-<file path=customXml/item16.xml><?xml version="1.0" encoding="utf-8"?>
-<Control xmlns="http://schemas.microsoft.com/VisualStudio/2011/storyboarding/control">
-  <Id Name="System.Storyboarding.WindowsApps.WindowsAppsTileMediumSelected" Revision="1" Stencil="System.Storyboarding.WindowsApps" StencilVersion="0.1"/>
-</Control>
-</file>
-
-<file path=customXml/item160.xml><?xml version="1.0" encoding="utf-8"?>
-<Control xmlns="http://schemas.microsoft.com/VisualStudio/2011/storyboarding/control">
-  <Id Name="System.Storyboarding.WindowsApps.WindowsAppsTileMedium" Revision="1" Stencil="System.Storyboarding.WindowsApps" StencilVersion="0.1"/>
-</Control>
-</file>
-
-<file path=customXml/item161.xml><?xml version="1.0" encoding="utf-8"?>
-<Control xmlns="http://schemas.microsoft.com/VisualStudio/2011/storyboarding/control">
-  <Id Name="System.Storyboarding.Common.TextInput" Revision="1" Stencil="System.Storyboarding.Common" StencilVersion="0.1"/>
-</Control>
-</file>
-
-<file path=customXml/item162.xml><?xml version="1.0" encoding="utf-8"?>
-<Control xmlns="http://schemas.microsoft.com/VisualStudio/2011/storyboarding/control">
-  <Id Name="System.Storyboarding.Common.Button" Revision="1" Stencil="System.Storyboarding.Common" StencilVersion="0.1"/>
-</Control>
-</file>
-
-<file path=customXml/item163.xml><?xml version="1.0" encoding="utf-8"?>
-<Control xmlns="http://schemas.microsoft.com/VisualStudio/2011/storyboarding/control">
-  <Id Name="System.Storyboarding.WindowsApps.WindowsAppsTileMedium" Revision="1" Stencil="System.Storyboarding.WindowsApps" StencilVersion="0.1"/>
-</Control>
-</file>
-
-<file path=customXml/item164.xml><?xml version="1.0" encoding="utf-8"?>
-<Control xmlns="http://schemas.microsoft.com/VisualStudio/2011/storyboarding/control">
-  <Id Name="System.Storyboarding.Icons.Star" Revision="1" Stencil="System.Storyboarding.Icons" StencilVersion="0.1"/>
-</Control>
-</file>
-
-<file path=customXml/item165.xml><?xml version="1.0" encoding="utf-8"?>
-<Control xmlns="http://schemas.microsoft.com/VisualStudio/2011/storyboarding/control">
-  <Id Name="System.Storyboarding.Common.Text" Revision="1" Stencil="System.Storyboarding.Common" StencilVersion="0.1"/>
-</Control>
-</file>
-
-<file path=customXml/item166.xml><?xml version="1.0" encoding="utf-8"?>
-<Control xmlns="http://schemas.microsoft.com/VisualStudio/2011/storyboarding/control">
-  <Id Name="System.Storyboarding.Common.Text" Revision="1" Stencil="System.Storyboarding.Common" StencilVersion="0.1"/>
-</Control>
-</file>
-
-<file path=customXml/item167.xml><?xml version="1.0" encoding="utf-8"?>
-<Control xmlns="http://schemas.microsoft.com/VisualStudio/2011/storyboarding/control">
-  <Id Name="System.Storyboarding.Common.CheckBoxUnchecked" Revision="1" Stencil="System.Storyboarding.Common" StencilVersion="0.1"/>
-</Control>
-</file>
-
-<file path=customXml/item168.xml><?xml version="1.0" encoding="utf-8"?>
-<Control xmlns="http://schemas.microsoft.com/VisualStudio/2011/storyboarding/control">
-  <Id Name="System.Storyboarding.Media.HorizontalBarChart" Revision="1" Stencil="System.Storyboarding.Media" StencilVersion="0.1"/>
-</Control>
-</file>
-
-<file path=customXml/item169.xml><?xml version="1.0" encoding="utf-8"?>
-<Control xmlns="http://schemas.microsoft.com/VisualStudio/2011/storyboarding/control">
-  <Id Name="System.Storyboarding.WindowsAppIcons.Plus" Revision="1" Stencil="System.Storyboarding.WindowsAppIcons" StencilVersion="0.1"/>
-</Control>
-</file>
-
-<file path=customXml/item17.xml><?xml version="1.0" encoding="utf-8"?>
-<Control xmlns="http://schemas.microsoft.com/VisualStudio/2011/storyboarding/control">
-  <Id Name="System.Storyboarding.Common.CheckBoxUnchecked" Revision="1" Stencil="System.Storyboarding.Common" StencilVersion="0.1"/>
-</Control>
-</file>
-
-<file path=customXml/item170.xml><?xml version="1.0" encoding="utf-8"?>
-<Control xmlns="http://schemas.microsoft.com/VisualStudio/2011/storyboarding/control">
-  <Id Name="System.Storyboarding.Common.TextInput" Revision="1" Stencil="System.Storyboarding.Common" StencilVersion="0.1"/>
-</Control>
-</file>
-
-<file path=customXml/item171.xml><?xml version="1.0" encoding="utf-8"?>
-<Control xmlns="http://schemas.microsoft.com/VisualStudio/2011/storyboarding/control">
-  <Id Name="System.Storyboarding.Common.CheckBoxUnchecked" Revision="1" Stencil="System.Storyboarding.Common" StencilVersion="0.1"/>
-</Control>
-</file>
-
-<file path=customXml/item172.xml><?xml version="1.0" encoding="utf-8"?>
-<Control xmlns="http://schemas.microsoft.com/VisualStudio/2011/storyboarding/control">
-  <Id Name="System.Storyboarding.WindowsApps.WindowsAppsTileWideSmall" Revision="1" Stencil="System.Storyboarding.WindowsApps" StencilVersion="0.1"/>
-</Control>
-</file>
-
-<file path=customXml/item18.xml><?xml version="1.0" encoding="utf-8"?>
-<Control xmlns="http://schemas.microsoft.com/VisualStudio/2011/storyboarding/control">
-  <Id Name="System.Storyboarding.Common.Text" Revision="1" Stencil="System.Storyboarding.Common" StencilVersion="0.1"/>
-</Control>
-</file>
-
-<file path=customXml/item19.xml><?xml version="1.0" encoding="utf-8"?>
-<Control xmlns="http://schemas.microsoft.com/VisualStudio/2011/storyboarding/control">
-  <Id Name="System.Storyboarding.WindowsApps.WindowsAppsTileWideSmall" Revision="1" Stencil="System.Storyboarding.WindowsApps" StencilVersion="0.1"/>
-</Control>
-</file>
-
-<file path=customXml/item2.xml><?xml version="1.0" encoding="utf-8"?>
-<Control xmlns="http://schemas.microsoft.com/VisualStudio/2011/storyboarding/control">
-  <Id Name="System.Storyboarding.WindowsAppIcons.Heart" Revision="1" Stencil="System.Storyboarding.WindowsAppIcons" StencilVersion="0.1"/>
-</Control>
-</file>
-
-<file path=customXml/item20.xml><?xml version="1.0" encoding="utf-8"?>
-<Control xmlns="http://schemas.microsoft.com/VisualStudio/2011/storyboarding/control">
-  <Id Name="System.Storyboarding.Common.TextInput" Revision="1" Stencil="System.Storyboarding.Common" StencilVersion="0.1"/>
-</Control>
-</file>
-
-<file path=customXml/item21.xml><?xml version="1.0" encoding="utf-8"?>
-<Control xmlns="http://schemas.microsoft.com/VisualStudio/2011/storyboarding/control">
-  <Id Name="System.Storyboarding.Common.RadioButtonSelected" Revision="1" Stencil="System.Storyboarding.Common" StencilVersion="0.1"/>
-</Control>
-</file>
-
-<file path=customXml/item22.xml><?xml version="1.0" encoding="utf-8"?>
-<Control xmlns="http://schemas.microsoft.com/VisualStudio/2011/storyboarding/control">
-  <Id Name="System.Storyboarding.Backgrounds.DesktopTaskbar" Revision="1" Stencil="System.Storyboarding.Backgrounds" StencilVersion="0.1"/>
-</Control>
-</file>
-
-<file path=customXml/item23.xml><?xml version="1.0" encoding="utf-8"?>
-<Control xmlns="http://schemas.microsoft.com/VisualStudio/2011/storyboarding/control">
-  <Id Name="System.Storyboarding.Common.Text" Revision="1" Stencil="System.Storyboarding.Common" StencilVersion="0.1"/>
-</Control>
-</file>
-
-<file path=customXml/item24.xml><?xml version="1.0" encoding="utf-8"?>
-<Control xmlns="http://schemas.microsoft.com/VisualStudio/2011/storyboarding/control">
-  <Id Name="System.Storyboarding.Media.VerticalBarChart" Revision="1" Stencil="System.Storyboarding.Media" StencilVersion="0.1"/>
-</Control>
-</file>
-
-<file path=customXml/item25.xml><?xml version="1.0" encoding="utf-8"?>
-<Control xmlns="http://schemas.microsoft.com/VisualStudio/2011/storyboarding/control">
-  <Id Name="System.Storyboarding.Common.TextInput" Revision="1" Stencil="System.Storyboarding.Common" StencilVersion="0.1"/>
-</Control>
-</file>
-
-<file path=customXml/item26.xml><?xml version="1.0" encoding="utf-8"?>
-<Control xmlns="http://schemas.microsoft.com/VisualStudio/2011/storyboarding/control">
-  <Id Name="System.Storyboarding.Common.TextInput" Revision="1" Stencil="System.Storyboarding.Common" StencilVersion="0.1"/>
-</Control>
-</file>
-
-<file path=customXml/item27.xml><?xml version="1.0" encoding="utf-8"?>
-<Control xmlns="http://schemas.microsoft.com/VisualStudio/2011/storyboarding/control">
-  <Id Name="System.Storyboarding.WindowsApps.WindowsAppsTileWideSmall" Revision="1" Stencil="System.Storyboarding.WindowsApps" StencilVersion="0.1"/>
 </Control>
 </file>
 
@@ -16524,55 +16386,55 @@
 
 <file path=customXml/item29.xml><?xml version="1.0" encoding="utf-8"?>
 <Control xmlns="http://schemas.microsoft.com/VisualStudio/2011/storyboarding/control">
-  <Id Name="System.Storyboarding.Common.Text" Revision="1" Stencil="System.Storyboarding.Common" StencilVersion="0.1"/>
+  <Id Name="System.Storyboarding.Media.Image" Revision="1" Stencil="System.Storyboarding.Media" StencilVersion="0.1"/>
 </Control>
 </file>
 
 <file path=customXml/item3.xml><?xml version="1.0" encoding="utf-8"?>
 <Control xmlns="http://schemas.microsoft.com/VisualStudio/2011/storyboarding/control">
-  <Id Name="System.Storyboarding.Common.DataGrid" Revision="1" Stencil="System.Storyboarding.Common" StencilVersion="0.1"/>
+  <Id Name="System.Storyboarding.WindowsApps.WindowsAppsTileWideSmall" Revision="1" Stencil="System.Storyboarding.WindowsApps" StencilVersion="0.1"/>
 </Control>
 </file>
 
 <file path=customXml/item30.xml><?xml version="1.0" encoding="utf-8"?>
 <Control xmlns="http://schemas.microsoft.com/VisualStudio/2011/storyboarding/control">
-  <Id Name="System.Storyboarding.Media.Image" Revision="1" Stencil="System.Storyboarding.Media" StencilVersion="0.1"/>
+  <Id Name="System.Storyboarding.Icons.Star" Revision="1" Stencil="System.Storyboarding.Icons" StencilVersion="0.1"/>
 </Control>
 </file>
 
 <file path=customXml/item31.xml><?xml version="1.0" encoding="utf-8"?>
 <Control xmlns="http://schemas.microsoft.com/VisualStudio/2011/storyboarding/control">
-  <Id Name="91f9215f-48a3-4bce-9856-a1c79d18b395" RevisionId="54383394-c8b8-40b0-9c4b-42c6089a8ac7" Stencil="172d6d98-e5c9-42e9-a209-79f7a94bbd38" StencilRevisionId="00000000-0000-0000-0000-000000000000" StencilVersion="0.0"/>
+  <Id Name="System.Storyboarding.WindowsApps.WindowsAppsTileWideSmall" Revision="1" Stencil="System.Storyboarding.WindowsApps" StencilVersion="0.1"/>
 </Control>
 </file>
 
 <file path=customXml/item32.xml><?xml version="1.0" encoding="utf-8"?>
 <Control xmlns="http://schemas.microsoft.com/VisualStudio/2011/storyboarding/control">
-  <Id Name="System.Storyboarding.WindowsApps.WindowsAppsTileMedium" Revision="1" Stencil="System.Storyboarding.WindowsApps" StencilVersion="0.1"/>
+  <Id Name="System.Storyboarding.Icons.Star" Revision="1" Stencil="System.Storyboarding.Icons" StencilVersion="0.1"/>
 </Control>
 </file>
 
 <file path=customXml/item33.xml><?xml version="1.0" encoding="utf-8"?>
 <Control xmlns="http://schemas.microsoft.com/VisualStudio/2011/storyboarding/control">
-  <Id Name="System.Storyboarding.WindowsApps.WindowsAppsButton" Revision="1" Stencil="System.Storyboarding.WindowsApps" StencilVersion="0.1"/>
+  <Id Name="System.Storyboarding.Common.Hyperlink" Revision="1" Stencil="System.Storyboarding.Common" StencilVersion="0.1"/>
 </Control>
 </file>
 
 <file path=customXml/item34.xml><?xml version="1.0" encoding="utf-8"?>
 <Control xmlns="http://schemas.microsoft.com/VisualStudio/2011/storyboarding/control">
-  <Id Name="System.Storyboarding.Media.PieChart" Revision="1" Stencil="System.Storyboarding.Media" StencilVersion="0.1"/>
+  <Id Name="System.Storyboarding.Common.TextInput" Revision="1" Stencil="System.Storyboarding.Common" StencilVersion="0.1"/>
 </Control>
 </file>
 
 <file path=customXml/item35.xml><?xml version="1.0" encoding="utf-8"?>
 <Control xmlns="http://schemas.microsoft.com/VisualStudio/2011/storyboarding/control">
-  <Id Name="System.Storyboarding.Common.CheckBoxUnchecked" Revision="1" Stencil="System.Storyboarding.Common" StencilVersion="0.1"/>
+  <Id Name="System.Storyboarding.Common.Hyperlink" Revision="1" Stencil="System.Storyboarding.Common" StencilVersion="0.1"/>
 </Control>
 </file>
 
 <file path=customXml/item36.xml><?xml version="1.0" encoding="utf-8"?>
 <Control xmlns="http://schemas.microsoft.com/VisualStudio/2011/storyboarding/control">
-  <Id Name="System.Storyboarding.Icons.Star" Revision="1" Stencil="System.Storyboarding.Icons" StencilVersion="0.1"/>
+  <Id Name="System.Storyboarding.Common.DatePicker" Revision="1" Stencil="System.Storyboarding.Common" StencilVersion="0.1"/>
 </Control>
 </file>
 
@@ -16584,13 +16446,13 @@
 
 <file path=customXml/item38.xml><?xml version="1.0" encoding="utf-8"?>
 <Control xmlns="http://schemas.microsoft.com/VisualStudio/2011/storyboarding/control">
-  <Id Name="System.Storyboarding.Backgrounds.WebBrowser" Revision="1" Stencil="System.Storyboarding.Backgrounds" StencilVersion="0.1"/>
+  <Id Name="System.Storyboarding.Common.CheckBoxUnchecked" Revision="1" Stencil="System.Storyboarding.Common" StencilVersion="0.1"/>
 </Control>
 </file>
 
 <file path=customXml/item39.xml><?xml version="1.0" encoding="utf-8"?>
 <Control xmlns="http://schemas.microsoft.com/VisualStudio/2011/storyboarding/control">
-  <Id Name="System.Storyboarding.WindowsApps.WindowsAppsTileWideSmall" Revision="1" Stencil="System.Storyboarding.WindowsApps" StencilVersion="0.1"/>
+  <Id Name="System.Storyboarding.Common.Text" Revision="1" Stencil="System.Storyboarding.Common" StencilVersion="0.1"/>
 </Control>
 </file>
 
@@ -16602,7 +16464,7 @@
 
 <file path=customXml/item40.xml><?xml version="1.0" encoding="utf-8"?>
 <Control xmlns="http://schemas.microsoft.com/VisualStudio/2011/storyboarding/control">
-  <Id Name="System.Storyboarding.Common.Text" Revision="1" Stencil="System.Storyboarding.Common" StencilVersion="0.1"/>
+  <Id Name="System.Storyboarding.WindowsApps.WindowsAppsTileMediumText" Revision="1" Stencil="System.Storyboarding.WindowsApps" StencilVersion="0.1"/>
 </Control>
 </file>
 
@@ -16614,67 +16476,67 @@
 
 <file path=customXml/item42.xml><?xml version="1.0" encoding="utf-8"?>
 <Control xmlns="http://schemas.microsoft.com/VisualStudio/2011/storyboarding/control">
-  <Id Name="System.Storyboarding.Common.TextInput" Revision="1" Stencil="System.Storyboarding.Common" StencilVersion="0.1"/>
+  <Id Name="System.Storyboarding.WindowsApps.WindowsAppsButton" Revision="1" Stencil="System.Storyboarding.WindowsApps" StencilVersion="0.1"/>
 </Control>
 </file>
 
 <file path=customXml/item43.xml><?xml version="1.0" encoding="utf-8"?>
+<Control xmlns="http://schemas.microsoft.com/VisualStudio/2011/storyboarding/control">
+  <Id Name="System.Storyboarding.Common.CheckBoxUnchecked" Revision="1" Stencil="System.Storyboarding.Common" StencilVersion="0.1"/>
+</Control>
+</file>
+
+<file path=customXml/item44.xml><?xml version="1.0" encoding="utf-8"?>
+<Control xmlns="http://schemas.microsoft.com/VisualStudio/2011/storyboarding/control">
+  <Id Name="System.Storyboarding.Common.Text" Revision="1" Stencil="System.Storyboarding.Common" StencilVersion="0.1"/>
+</Control>
+</file>
+
+<file path=customXml/item45.xml><?xml version="1.0" encoding="utf-8"?>
+<Control xmlns="http://schemas.microsoft.com/VisualStudio/2011/storyboarding/control">
+  <Id Name="System.Storyboarding.Common.CheckBoxUnchecked" Revision="1" Stencil="System.Storyboarding.Common" StencilVersion="0.1"/>
+</Control>
+</file>
+
+<file path=customXml/item46.xml><?xml version="1.0" encoding="utf-8"?>
+<Control xmlns="http://schemas.microsoft.com/VisualStudio/2011/storyboarding/control">
+  <Id Name="System.Storyboarding.Backgrounds.WebBrowser" Revision="1" Stencil="System.Storyboarding.Backgrounds" StencilVersion="0.1"/>
+</Control>
+</file>
+
+<file path=customXml/item47.xml><?xml version="1.0" encoding="utf-8"?>
+<Control xmlns="http://schemas.microsoft.com/VisualStudio/2011/storyboarding/control">
+  <Id Name="System.Storyboarding.Common.RadioButtonSelected" Revision="1" Stencil="System.Storyboarding.Common" StencilVersion="0.1"/>
+</Control>
+</file>
+
+<file path=customXml/item48.xml><?xml version="1.0" encoding="utf-8"?>
 <Control xmlns="http://schemas.microsoft.com/VisualStudio/2011/storyboarding/control">
   <Id Name="System.Storyboarding.Common.TextInput" Revision="1" Stencil="System.Storyboarding.Common" StencilVersion="0.1"/>
 </Control>
 </file>
 
-<file path=customXml/item44.xml><?xml version="1.0" encoding="utf-8"?>
+<file path=customXml/item49.xml><?xml version="1.0" encoding="utf-8"?>
 <Control xmlns="http://schemas.microsoft.com/VisualStudio/2011/storyboarding/control">
-  <Id Name="System.Storyboarding.Icons.Star" Revision="1" Stencil="System.Storyboarding.Icons" StencilVersion="0.1"/>
+  <Id Name="System.Storyboarding.Icons.Copy" Revision="1" Stencil="System.Storyboarding.Icons" StencilVersion="0.1"/>
 </Control>
 </file>
 
-<file path=customXml/item45.xml><?xml version="1.0" encoding="utf-8"?>
+<file path=customXml/item5.xml><?xml version="1.0" encoding="utf-8"?>
+<Control xmlns="http://schemas.microsoft.com/VisualStudio/2011/storyboarding/control">
+  <Id Name="System.Storyboarding.Common.Button" Revision="1" Stencil="System.Storyboarding.Common" StencilVersion="0.1"/>
+</Control>
+</file>
+
+<file path=customXml/item50.xml><?xml version="1.0" encoding="utf-8"?>
 <Control xmlns="http://schemas.microsoft.com/VisualStudio/2011/storyboarding/control">
   <Id Name="System.Storyboarding.Common.Text" Revision="1" Stencil="System.Storyboarding.Common" StencilVersion="0.1"/>
 </Control>
 </file>
 
-<file path=customXml/item46.xml><?xml version="1.0" encoding="utf-8"?>
-<Control xmlns="http://schemas.microsoft.com/VisualStudio/2011/storyboarding/control">
-  <Id Name="32035d07-bc66-4a79-8001-2507012193e3" RevisionId="7f6cc906-8fab-4878-8f41-90bcdc4e860e" Stencil="172d6d98-e5c9-42e9-a209-79f7a94bbd38" StencilRevisionId="00000000-0000-0000-0000-000000000000" StencilVersion="0.0"/>
-</Control>
-</file>
-
-<file path=customXml/item47.xml><?xml version="1.0" encoding="utf-8"?>
-<Control xmlns="http://schemas.microsoft.com/VisualStudio/2011/storyboarding/control">
-  <Id Name="System.Storyboarding.WindowsAppIcons.Like" Revision="1" Stencil="System.Storyboarding.WindowsAppIcons" StencilVersion="0.1"/>
-</Control>
-</file>
-
-<file path=customXml/item48.xml><?xml version="1.0" encoding="utf-8"?>
-<Control xmlns="http://schemas.microsoft.com/VisualStudio/2011/storyboarding/control">
-  <Id Name="System.Storyboarding.Icons.Star" Revision="1" Stencil="System.Storyboarding.Icons" StencilVersion="0.1"/>
-</Control>
-</file>
-
-<file path=customXml/item49.xml><?xml version="1.0" encoding="utf-8"?>
-<Control xmlns="http://schemas.microsoft.com/VisualStudio/2011/storyboarding/control">
-  <Id Name="System.Storyboarding.Icons.Star" Revision="1" Stencil="System.Storyboarding.Icons" StencilVersion="0.1"/>
-</Control>
-</file>
-
-<file path=customXml/item5.xml><?xml version="1.0" encoding="utf-8"?>
-<Control xmlns="http://schemas.microsoft.com/VisualStudio/2011/storyboarding/control">
-  <Id Name="System.Storyboarding.WindowsApps.WindowsAppsTileWideSmall" Revision="1" Stencil="System.Storyboarding.WindowsApps" StencilVersion="0.1"/>
-</Control>
-</file>
-
-<file path=customXml/item50.xml><?xml version="1.0" encoding="utf-8"?>
-<Control xmlns="http://schemas.microsoft.com/VisualStudio/2011/storyboarding/control">
-  <Id Name="System.Storyboarding.Icons.Star" Revision="1" Stencil="System.Storyboarding.Icons" StencilVersion="0.1"/>
-</Control>
-</file>
-
 <file path=customXml/item51.xml><?xml version="1.0" encoding="utf-8"?>
 <Control xmlns="http://schemas.microsoft.com/VisualStudio/2011/storyboarding/control">
-  <Id Name="System.Storyboarding.Common.MousePointer" Revision="1" Stencil="System.Storyboarding.Common" StencilVersion="0.1"/>
+  <Id Name="System.Storyboarding.Common.RadioButtonSelected" Revision="1" Stencil="System.Storyboarding.Common" StencilVersion="0.1"/>
 </Control>
 </file>
 
@@ -16686,187 +16548,187 @@
 
 <file path=customXml/item53.xml><?xml version="1.0" encoding="utf-8"?>
 <Control xmlns="http://schemas.microsoft.com/VisualStudio/2011/storyboarding/control">
-  <Id Name="System.Storyboarding.Icons.Star" Revision="1" Stencil="System.Storyboarding.Icons" StencilVersion="0.1"/>
+  <Id Name="System.Storyboarding.Common.Text" Revision="1" Stencil="System.Storyboarding.Common" StencilVersion="0.1"/>
 </Control>
 </file>
 
 <file path=customXml/item54.xml><?xml version="1.0" encoding="utf-8"?>
+<Control xmlns="http://schemas.microsoft.com/VisualStudio/2011/storyboarding/control">
+  <Id Name="System.Storyboarding.Common.TextInput" Revision="1" Stencil="System.Storyboarding.Common" StencilVersion="0.1"/>
+</Control>
+</file>
+
+<file path=customXml/item55.xml><?xml version="1.0" encoding="utf-8"?>
+<Control xmlns="http://schemas.microsoft.com/VisualStudio/2011/storyboarding/control">
+  <Id Name="System.Storyboarding.Backgrounds.DesktopTaskbar" Revision="1" Stencil="System.Storyboarding.Backgrounds" StencilVersion="0.1"/>
+</Control>
+</file>
+
+<file path=customXml/item56.xml><?xml version="1.0" encoding="utf-8"?>
+<Control xmlns="http://schemas.microsoft.com/VisualStudio/2011/storyboarding/control">
+  <Id Name="System.Storyboarding.Backgrounds.WebBrowser" Revision="1" Stencil="System.Storyboarding.Backgrounds" StencilVersion="0.1"/>
+</Control>
+</file>
+
+<file path=customXml/item57.xml><?xml version="1.0" encoding="utf-8"?>
 <Control xmlns="http://schemas.microsoft.com/VisualStudio/2011/storyboarding/control">
   <Id Name="System.Storyboarding.Common.Text" Revision="1" Stencil="System.Storyboarding.Common" StencilVersion="0.1"/>
 </Control>
 </file>
 
-<file path=customXml/item55.xml><?xml version="1.0" encoding="utf-8"?>
-<Control xmlns="http://schemas.microsoft.com/VisualStudio/2011/storyboarding/control">
-  <Id Name="System.Storyboarding.Common.RadioButtonUnselected" Revision="1" Stencil="System.Storyboarding.Common" StencilVersion="0.1"/>
-</Control>
-</file>
-
-<file path=customXml/item56.xml><?xml version="1.0" encoding="utf-8"?>
-<Control xmlns="http://schemas.microsoft.com/VisualStudio/2011/storyboarding/control">
-  <Id Name="System.Storyboarding.WindowsApps.WindowsAppsTileMedium" Revision="1" Stencil="System.Storyboarding.WindowsApps" StencilVersion="0.1"/>
-</Control>
-</file>
-
-<file path=customXml/item57.xml><?xml version="1.0" encoding="utf-8"?>
-<Control xmlns="http://schemas.microsoft.com/VisualStudio/2011/storyboarding/control">
-  <Id Name="System.Storyboarding.WindowsPhone.PageTitle" Revision="1" Stencil="System.Storyboarding.WindowsPhone" StencilVersion="0.1"/>
-</Control>
-</file>
-
 <file path=customXml/item58.xml><?xml version="1.0" encoding="utf-8"?>
-<Control xmlns="http://schemas.microsoft.com/VisualStudio/2011/storyboarding/control">
-  <Id Name="System.Storyboarding.WindowsApps.WindowsAppsTileMedium" Revision="1" Stencil="System.Storyboarding.WindowsApps" StencilVersion="0.1"/>
-</Control>
-</file>
-
-<file path=customXml/item59.xml><?xml version="1.0" encoding="utf-8"?>
-<Control xmlns="http://schemas.microsoft.com/VisualStudio/2011/storyboarding/control">
-  <Id Name="System.Storyboarding.Common.RadioButtonSelected" Revision="1" Stencil="System.Storyboarding.Common" StencilVersion="0.1"/>
-</Control>
-</file>
-
-<file path=customXml/item6.xml><?xml version="1.0" encoding="utf-8"?>
 <Control xmlns="http://schemas.microsoft.com/VisualStudio/2011/storyboarding/control">
   <Id Name="System.Storyboarding.Common.Text" Revision="1" Stencil="System.Storyboarding.Common" StencilVersion="0.1"/>
 </Control>
 </file>
 
+<file path=customXml/item59.xml><?xml version="1.0" encoding="utf-8"?>
+<Control xmlns="http://schemas.microsoft.com/VisualStudio/2011/storyboarding/control">
+  <Id Name="System.Storyboarding.Common.Text" Revision="1" Stencil="System.Storyboarding.Common" StencilVersion="0.1"/>
+</Control>
+</file>
+
+<file path=customXml/item6.xml><?xml version="1.0" encoding="utf-8"?>
+<Control xmlns="http://schemas.microsoft.com/VisualStudio/2011/storyboarding/control">
+  <Id Name="System.Storyboarding.Common.TextInput" Revision="1" Stencil="System.Storyboarding.Common" StencilVersion="0.1"/>
+</Control>
+</file>
+
 <file path=customXml/item60.xml><?xml version="1.0" encoding="utf-8"?>
+<Control xmlns="http://schemas.microsoft.com/VisualStudio/2011/storyboarding/control">
+  <Id Name="System.Storyboarding.Icons.Star" Revision="1" Stencil="System.Storyboarding.Icons" StencilVersion="0.1"/>
+</Control>
+</file>
+
+<file path=customXml/item61.xml><?xml version="1.0" encoding="utf-8"?>
+<Control xmlns="http://schemas.microsoft.com/VisualStudio/2011/storyboarding/control">
+  <Id Name="System.Storyboarding.Common.Text" Revision="1" Stencil="System.Storyboarding.Common" StencilVersion="0.1"/>
+</Control>
+</file>
+
+<file path=customXml/item62.xml><?xml version="1.0" encoding="utf-8"?>
+<Control xmlns="http://schemas.microsoft.com/VisualStudio/2011/storyboarding/control">
+  <Id Name="System.Storyboarding.WindowsApps.WindowsAppsContextMenu" Revision="1" Stencil="System.Storyboarding.WindowsApps" StencilVersion="0.1"/>
+</Control>
+</file>
+
+<file path=customXml/item63.xml><?xml version="1.0" encoding="utf-8"?>
+<Control xmlns="http://schemas.microsoft.com/VisualStudio/2011/storyboarding/control">
+  <Id Name="System.Storyboarding.Common.TextInput" Revision="1" Stencil="System.Storyboarding.Common" StencilVersion="0.1"/>
+</Control>
+</file>
+
+<file path=customXml/item64.xml><?xml version="1.0" encoding="utf-8"?>
+<Control xmlns="http://schemas.microsoft.com/VisualStudio/2011/storyboarding/control">
+  <Id Name="System.Storyboarding.Icons.Star" Revision="1" Stencil="System.Storyboarding.Icons" StencilVersion="0.1"/>
+</Control>
+</file>
+
+<file path=customXml/item65.xml><?xml version="1.0" encoding="utf-8"?>
+<Control xmlns="http://schemas.microsoft.com/VisualStudio/2011/storyboarding/control">
+  <Id Name="System.Storyboarding.Common.TextInput" Revision="1" Stencil="System.Storyboarding.Common" StencilVersion="0.1"/>
+</Control>
+</file>
+
+<file path=customXml/item66.xml><?xml version="1.0" encoding="utf-8"?>
+<Control xmlns="http://schemas.microsoft.com/VisualStudio/2011/storyboarding/control">
+  <Id Name="System.Storyboarding.Icons.Star" Revision="1" Stencil="System.Storyboarding.Icons" StencilVersion="0.1"/>
+</Control>
+</file>
+
+<file path=customXml/item67.xml><?xml version="1.0" encoding="utf-8"?>
+<Control xmlns="http://schemas.microsoft.com/VisualStudio/2011/storyboarding/control">
+  <Id Name="System.Storyboarding.Icons.Star" Revision="1" Stencil="System.Storyboarding.Icons" StencilVersion="0.1"/>
+</Control>
+</file>
+
+<file path=customXml/item68.xml><?xml version="1.0" encoding="utf-8"?>
+<Control xmlns="http://schemas.microsoft.com/VisualStudio/2011/storyboarding/control">
+  <Id Name="System.Storyboarding.Icons.Star" Revision="1" Stencil="System.Storyboarding.Icons" StencilVersion="0.1"/>
+</Control>
+</file>
+
+<file path=customXml/item69.xml><?xml version="1.0" encoding="utf-8"?>
+<Control xmlns="http://schemas.microsoft.com/VisualStudio/2011/storyboarding/control">
+  <Id Name="System.Storyboarding.Icons.Star" Revision="1" Stencil="System.Storyboarding.Icons" StencilVersion="0.1"/>
+</Control>
+</file>
+
+<file path=customXml/item7.xml><?xml version="1.0" encoding="utf-8"?>
+<Control xmlns="http://schemas.microsoft.com/VisualStudio/2011/storyboarding/control">
+  <Id Name="System.Storyboarding.Common.MousePointer" Revision="1" Stencil="System.Storyboarding.Common" StencilVersion="0.1"/>
+</Control>
+</file>
+
+<file path=customXml/item70.xml><?xml version="1.0" encoding="utf-8"?>
+<Control xmlns="http://schemas.microsoft.com/VisualStudio/2011/storyboarding/control">
+  <Id Name="System.Storyboarding.WindowsAppIcons.Check" Revision="1" Stencil="System.Storyboarding.WindowsAppIcons" StencilVersion="0.1"/>
+</Control>
+</file>
+
+<file path=customXml/item71.xml><?xml version="1.0" encoding="utf-8"?>
 <Control xmlns="http://schemas.microsoft.com/VisualStudio/2011/storyboarding/control">
   <Id Name="System.Storyboarding.Common.Button" Revision="1" Stencil="System.Storyboarding.Common" StencilVersion="0.1"/>
 </Control>
 </file>
 
-<file path=customXml/item61.xml><?xml version="1.0" encoding="utf-8"?>
+<file path=customXml/item72.xml><?xml version="1.0" encoding="utf-8"?>
 <Control xmlns="http://schemas.microsoft.com/VisualStudio/2011/storyboarding/control">
-  <Id Name="System.Storyboarding.WindowsApps.WindowsAppsButton" Revision="1" Stencil="System.Storyboarding.WindowsApps" StencilVersion="0.1"/>
+  <Id Name="System.Storyboarding.Icons.Star" Revision="1" Stencil="System.Storyboarding.Icons" StencilVersion="0.1"/>
 </Control>
 </file>
 
-<file path=customXml/item62.xml><?xml version="1.0" encoding="utf-8"?>
+<file path=customXml/item73.xml><?xml version="1.0" encoding="utf-8"?>
+<Control xmlns="http://schemas.microsoft.com/VisualStudio/2011/storyboarding/control">
+  <Id Name="System.Storyboarding.Common.DataGrid" Revision="1" Stencil="System.Storyboarding.Common" StencilVersion="0.1"/>
+</Control>
+</file>
+
+<file path=customXml/item74.xml><?xml version="1.0" encoding="utf-8"?>
 <Control xmlns="http://schemas.microsoft.com/VisualStudio/2011/storyboarding/control">
   <Id Name="System.Storyboarding.WindowsApps.WindowsAppsTileWideSmall" Revision="1" Stencil="System.Storyboarding.WindowsApps" StencilVersion="0.1"/>
 </Control>
 </file>
 
-<file path=customXml/item63.xml><?xml version="1.0" encoding="utf-8"?>
+<file path=customXml/item75.xml><?xml version="1.0" encoding="utf-8"?>
 <Control xmlns="http://schemas.microsoft.com/VisualStudio/2011/storyboarding/control">
-  <Id Name="System.Storyboarding.WindowsApps.WindowsAppsTileMedium" Revision="1" Stencil="System.Storyboarding.WindowsApps" StencilVersion="0.1"/>
+  <Id Name="System.Storyboarding.WindowsApps.WindowsAppsTileWideSmall" Revision="1" Stencil="System.Storyboarding.WindowsApps" StencilVersion="0.1"/>
 </Control>
 </file>
 
-<file path=customXml/item64.xml><?xml version="1.0" encoding="utf-8"?>
+<file path=customXml/item76.xml><?xml version="1.0" encoding="utf-8"?>
 <Control xmlns="http://schemas.microsoft.com/VisualStudio/2011/storyboarding/control">
   <Id Name="System.Storyboarding.Common.TextInput" Revision="1" Stencil="System.Storyboarding.Common" StencilVersion="0.1"/>
 </Control>
 </file>
 
-<file path=customXml/item65.xml><?xml version="1.0" encoding="utf-8"?>
-<Control xmlns="http://schemas.microsoft.com/VisualStudio/2011/storyboarding/control">
-  <Id Name="System.Storyboarding.Icons.Star" Revision="1" Stencil="System.Storyboarding.Icons" StencilVersion="0.1"/>
-</Control>
-</file>
-
-<file path=customXml/item66.xml><?xml version="1.0" encoding="utf-8"?>
-<Control xmlns="http://schemas.microsoft.com/VisualStudio/2011/storyboarding/control">
-  <Id Name="System.Storyboarding.WindowsAppIcons.Plus" Revision="1" Stencil="System.Storyboarding.WindowsAppIcons" StencilVersion="0.1"/>
-</Control>
-</file>
-
-<file path=customXml/item67.xml><?xml version="1.0" encoding="utf-8"?>
-<Control xmlns="http://schemas.microsoft.com/VisualStudio/2011/storyboarding/control">
-  <Id Name="System.Storyboarding.Common.ScrollbarVertical" Revision="1" Stencil="System.Storyboarding.Common" StencilVersion="0.1"/>
-</Control>
-</file>
-
-<file path=customXml/item68.xml><?xml version="1.0" encoding="utf-8"?>
-<Control xmlns="http://schemas.microsoft.com/VisualStudio/2011/storyboarding/control">
-  <Id Name="System.Storyboarding.WindowsApps.WindowsAppsMediumWideTile" Revision="1" Stencil="System.Storyboarding.WindowsApps" StencilVersion="0.1"/>
-</Control>
-</file>
-
-<file path=customXml/item69.xml><?xml version="1.0" encoding="utf-8"?>
-<Control xmlns="http://schemas.microsoft.com/VisualStudio/2011/storyboarding/control">
-  <Id Name="System.Storyboarding.Common.Hyperlink" Revision="1" Stencil="System.Storyboarding.Common" StencilVersion="0.1"/>
-</Control>
-</file>
-
-<file path=customXml/item7.xml><?xml version="1.0" encoding="utf-8"?>
-<Control xmlns="http://schemas.microsoft.com/VisualStudio/2011/storyboarding/control">
-  <Id Name="System.Storyboarding.Icons.Star" Revision="1" Stencil="System.Storyboarding.Icons" StencilVersion="0.1"/>
-</Control>
-</file>
-
-<file path=customXml/item70.xml><?xml version="1.0" encoding="utf-8"?>
-<Control xmlns="http://schemas.microsoft.com/VisualStudio/2011/storyboarding/control">
-  <Id Name="System.Storyboarding.Backgrounds.DesktopTaskbar" Revision="1" Stencil="System.Storyboarding.Backgrounds" StencilVersion="0.1"/>
-</Control>
-</file>
-
-<file path=customXml/item71.xml><?xml version="1.0" encoding="utf-8"?>
-<Control xmlns="http://schemas.microsoft.com/VisualStudio/2011/storyboarding/control">
-  <Id Name="System.Storyboarding.WindowsApps.WindowsAppsEditBox" Revision="1" Stencil="System.Storyboarding.WindowsApps" StencilVersion="0.1"/>
-</Control>
-</file>
-
-<file path=customXml/item72.xml><?xml version="1.0" encoding="utf-8"?>
-<Control xmlns="http://schemas.microsoft.com/VisualStudio/2011/storyboarding/control">
-  <Id Name="System.Storyboarding.Icons.Copy" Revision="1" Stencil="System.Storyboarding.Icons" StencilVersion="0.1"/>
-</Control>
-</file>
-
-<file path=customXml/item73.xml><?xml version="1.0" encoding="utf-8"?>
-<Control xmlns="http://schemas.microsoft.com/VisualStudio/2011/storyboarding/control">
-  <Id Name="System.Storyboarding.Common.TextArea" Revision="1" Stencil="System.Storyboarding.Common" StencilVersion="0.1"/>
-</Control>
-</file>
-
-<file path=customXml/item74.xml><?xml version="1.0" encoding="utf-8"?>
+<file path=customXml/item77.xml><?xml version="1.0" encoding="utf-8"?>
 <Control xmlns="http://schemas.microsoft.com/VisualStudio/2011/storyboarding/control">
   <Id Name="System.Storyboarding.Common.Text" Revision="1" Stencil="System.Storyboarding.Common" StencilVersion="0.1"/>
 </Control>
 </file>
 
-<file path=customXml/item75.xml><?xml version="1.0" encoding="utf-8"?>
-<Control xmlns="http://schemas.microsoft.com/VisualStudio/2011/storyboarding/control">
-  <Id Name="System.Storyboarding.Common.RadioButtonSelected" Revision="1" Stencil="System.Storyboarding.Common" StencilVersion="0.1"/>
-</Control>
-</file>
-
-<file path=customXml/item76.xml><?xml version="1.0" encoding="utf-8"?>
-<Control xmlns="http://schemas.microsoft.com/VisualStudio/2011/storyboarding/control">
-  <Id Name="System.Storyboarding.Common.Text" Revision="1" Stencil="System.Storyboarding.Common" StencilVersion="0.1"/>
-</Control>
-</file>
-
-<file path=customXml/item77.xml><?xml version="1.0" encoding="utf-8"?>
-<Control xmlns="http://schemas.microsoft.com/VisualStudio/2011/storyboarding/control">
-  <Id Name="System.Storyboarding.Icons.Lock" Revision="1" Stencil="System.Storyboarding.Icons" StencilVersion="0.1"/>
-</Control>
-</file>
-
 <file path=customXml/item78.xml><?xml version="1.0" encoding="utf-8"?>
 <Control xmlns="http://schemas.microsoft.com/VisualStudio/2011/storyboarding/control">
-  <Id Name="System.Storyboarding.Common.Text" Revision="1" Stencil="System.Storyboarding.Common" StencilVersion="0.1"/>
+  <Id Name="System.Storyboarding.WindowsApps.WindowsAppsTileWideSmall" Revision="1" Stencil="System.Storyboarding.WindowsApps" StencilVersion="0.1"/>
 </Control>
 </file>
 
 <file path=customXml/item79.xml><?xml version="1.0" encoding="utf-8"?>
 <Control xmlns="http://schemas.microsoft.com/VisualStudio/2011/storyboarding/control">
-  <Id Name="System.Storyboarding.Common.Text" Revision="1" Stencil="System.Storyboarding.Common" StencilVersion="0.1"/>
+  <Id Name="System.Storyboarding.Common.Button" Revision="1" Stencil="System.Storyboarding.Common" StencilVersion="0.1"/>
 </Control>
 </file>
 
 <file path=customXml/item8.xml><?xml version="1.0" encoding="utf-8"?>
 <Control xmlns="http://schemas.microsoft.com/VisualStudio/2011/storyboarding/control">
-  <Id Name="System.Storyboarding.Icons.Star" Revision="1" Stencil="System.Storyboarding.Icons" StencilVersion="0.1"/>
+  <Id Name="System.Storyboarding.WindowsApps.WindowsAppsTileMediumSelected" Revision="1" Stencil="System.Storyboarding.WindowsApps" StencilVersion="0.1"/>
 </Control>
 </file>
 
 <file path=customXml/item80.xml><?xml version="1.0" encoding="utf-8"?>
 <Control xmlns="http://schemas.microsoft.com/VisualStudio/2011/storyboarding/control">
-  <Id Name="System.Storyboarding.Common.Text" Revision="1" Stencil="System.Storyboarding.Common" StencilVersion="0.1"/>
+  <Id Name="System.Storyboarding.Media.PieChart" Revision="1" Stencil="System.Storyboarding.Media" StencilVersion="0.1"/>
 </Control>
 </file>
 
@@ -16878,119 +16740,1151 @@
 
 <file path=customXml/item82.xml><?xml version="1.0" encoding="utf-8"?>
 <Control xmlns="http://schemas.microsoft.com/VisualStudio/2011/storyboarding/control">
+  <Id Name="System.Storyboarding.Common.RadioButtonUnselected" Revision="1" Stencil="System.Storyboarding.Common" StencilVersion="0.1"/>
+</Control>
+</file>
+
+<file path=customXml/item83.xml><?xml version="1.0" encoding="utf-8"?>
+<Control xmlns="http://schemas.microsoft.com/VisualStudio/2011/storyboarding/control">
   <Id Name="System.Storyboarding.Common.Text" Revision="1" Stencil="System.Storyboarding.Common" StencilVersion="0.1"/>
 </Control>
 </file>
 
-<file path=customXml/item83.xml><?xml version="1.0" encoding="utf-8"?>
+<file path=customXml/item84.xml><?xml version="1.0" encoding="utf-8"?>
 <Control xmlns="http://schemas.microsoft.com/VisualStudio/2011/storyboarding/control">
-  <Id Name="System.Storyboarding.Common.DataGrid" Revision="1" Stencil="System.Storyboarding.Common" StencilVersion="0.1"/>
+  <Id Name="System.Storyboarding.WindowsApps.WindowsAppsMediumWideTile" Revision="1" Stencil="System.Storyboarding.WindowsApps" StencilVersion="0.1"/>
 </Control>
 </file>
 
-<file path=customXml/item84.xml><?xml version="1.0" encoding="utf-8"?>
+<file path=customXml/item85.xml><?xml version="1.0" encoding="utf-8"?>
+<Control xmlns="http://schemas.microsoft.com/VisualStudio/2011/storyboarding/control">
+  <Id Name="System.Storyboarding.Backgrounds.WebBrowser" Revision="1" Stencil="System.Storyboarding.Backgrounds" StencilVersion="0.1"/>
+</Control>
+</file>
+
+<file path=customXml/item86.xml><?xml version="1.0" encoding="utf-8"?>
+<Control xmlns="http://schemas.microsoft.com/VisualStudio/2011/storyboarding/control">
+  <Id Name="System.Storyboarding.Common.Button" Revision="1" Stencil="System.Storyboarding.Common" StencilVersion="0.1"/>
+</Control>
+</file>
+
+<file path=customXml/item87.xml><?xml version="1.0" encoding="utf-8"?>
+<Control xmlns="http://schemas.microsoft.com/VisualStudio/2011/storyboarding/control">
+  <Id Name="System.Storyboarding.Icons.Star" Revision="1" Stencil="System.Storyboarding.Icons" StencilVersion="0.1"/>
+</Control>
+</file>
+
+<file path=customXml/item88.xml><?xml version="1.0" encoding="utf-8"?>
+<Control xmlns="http://schemas.microsoft.com/VisualStudio/2011/storyboarding/control">
+  <Id Name="System.Storyboarding.Common.Button" Revision="1" Stencil="System.Storyboarding.Common" StencilVersion="0.1"/>
+</Control>
+</file>
+
+<file path=customXml/item89.xml><?xml version="1.0" encoding="utf-8"?>
+<Control xmlns="http://schemas.microsoft.com/VisualStudio/2011/storyboarding/control">
+  <Id Name="System.Storyboarding.Common.CheckBoxUnchecked" Revision="1" Stencil="System.Storyboarding.Common" StencilVersion="0.1"/>
+</Control>
+</file>
+
+<file path=customXml/item9.xml><?xml version="1.0" encoding="utf-8"?>
 <Control xmlns="http://schemas.microsoft.com/VisualStudio/2011/storyboarding/control">
   <Id Name="System.Storyboarding.Common.TextInput" Revision="1" Stencil="System.Storyboarding.Common" StencilVersion="0.1"/>
 </Control>
 </file>
 
-<file path=customXml/item85.xml><?xml version="1.0" encoding="utf-8"?>
+<file path=customXml/item90.xml><?xml version="1.0" encoding="utf-8"?>
 <Control xmlns="http://schemas.microsoft.com/VisualStudio/2011/storyboarding/control">
-  <Id Name="System.Storyboarding.Common.DatePicker" Revision="1" Stencil="System.Storyboarding.Common" StencilVersion="0.1"/>
+  <Id Name="System.Storyboarding.Common.CheckBoxUnchecked" Revision="1" Stencil="System.Storyboarding.Common" StencilVersion="0.1"/>
 </Control>
 </file>
 
-<file path=customXml/item86.xml><?xml version="1.0" encoding="utf-8"?>
+<file path=customXml/item91.xml><?xml version="1.0" encoding="utf-8"?>
 <Control xmlns="http://schemas.microsoft.com/VisualStudio/2011/storyboarding/control">
   <Id Name="System.Storyboarding.Icons.Star" Revision="1" Stencil="System.Storyboarding.Icons" StencilVersion="0.1"/>
 </Control>
 </file>
 
-<file path=customXml/item87.xml><?xml version="1.0" encoding="utf-8"?>
+<file path=customXml/item92.xml><?xml version="1.0" encoding="utf-8"?>
 <Control xmlns="http://schemas.microsoft.com/VisualStudio/2011/storyboarding/control">
-  <Id Name="System.Storyboarding.WindowsApps.WindowsAppsTileWideSmall" Revision="1" Stencil="System.Storyboarding.WindowsApps" StencilVersion="0.1"/>
+  <Id Name="System.Storyboarding.WindowsApps.WindowsAppsEditBox" Revision="1" Stencil="System.Storyboarding.WindowsApps" StencilVersion="0.1"/>
 </Control>
 </file>
 
-<file path=customXml/item88.xml><?xml version="1.0" encoding="utf-8"?>
+<file path=customXml/item93.xml><?xml version="1.0" encoding="utf-8"?>
 <Control xmlns="http://schemas.microsoft.com/VisualStudio/2011/storyboarding/control">
-  <Id Name="System.Storyboarding.Icons.Star" Revision="1" Stencil="System.Storyboarding.Icons" StencilVersion="0.1"/>
+  <Id Name="System.Storyboarding.WindowsAppIcons.Hyperlink" Revision="1" Stencil="System.Storyboarding.WindowsAppIcons" StencilVersion="0.1"/>
 </Control>
 </file>
 
-<file path=customXml/item89.xml><?xml version="1.0" encoding="utf-8"?>
+<file path=customXml/item94.xml><?xml version="1.0" encoding="utf-8"?>
+<Control xmlns="http://schemas.microsoft.com/VisualStudio/2011/storyboarding/control">
+  <Id Name="System.Storyboarding.Common.Button" Revision="1" Stencil="System.Storyboarding.Common" StencilVersion="0.1"/>
+</Control>
+</file>
+
+<file path=customXml/item95.xml><?xml version="1.0" encoding="utf-8"?>
+<Control xmlns="http://schemas.microsoft.com/VisualStudio/2011/storyboarding/control">
+  <Id Name="System.Storyboarding.WindowsAppIcons.Heart" Revision="1" Stencil="System.Storyboarding.WindowsAppIcons" StencilVersion="0.1"/>
+</Control>
+</file>
+
+<file path=customXml/item96.xml><?xml version="1.0" encoding="utf-8"?>
 <Control xmlns="http://schemas.microsoft.com/VisualStudio/2011/storyboarding/control">
   <Id Name="System.Storyboarding.Common.Text" Revision="1" Stencil="System.Storyboarding.Common" StencilVersion="0.1"/>
 </Control>
 </file>
 
-<file path=customXml/item9.xml><?xml version="1.0" encoding="utf-8"?>
+<file path=customXml/item97.xml><?xml version="1.0" encoding="utf-8"?>
 <Control xmlns="http://schemas.microsoft.com/VisualStudio/2011/storyboarding/control">
-  <Id Name="System.Storyboarding.Common.CheckBoxUnchecked" Revision="1" Stencil="System.Storyboarding.Common" StencilVersion="0.1"/>
+  <Id Name="System.Storyboarding.Media.VerticalBarChart" Revision="1" Stencil="System.Storyboarding.Media" StencilVersion="0.1"/>
 </Control>
 </file>
 
-<file path=customXml/item90.xml><?xml version="1.0" encoding="utf-8"?>
+<file path=customXml/item98.xml><?xml version="1.0" encoding="utf-8"?>
 <Control xmlns="http://schemas.microsoft.com/VisualStudio/2011/storyboarding/control">
   <Id Name="System.Storyboarding.Common.Text" Revision="1" Stencil="System.Storyboarding.Common" StencilVersion="0.1"/>
 </Control>
 </file>
 
-<file path=customXml/item91.xml><?xml version="1.0" encoding="utf-8"?>
-<Control xmlns="http://schemas.microsoft.com/VisualStudio/2011/storyboarding/control">
-  <Id Name="System.Storyboarding.Backgrounds.WebBrowser" Revision="1" Stencil="System.Storyboarding.Backgrounds" StencilVersion="0.1"/>
-</Control>
-</file>
-
-<file path=customXml/item92.xml><?xml version="1.0" encoding="utf-8"?>
-<Control xmlns="http://schemas.microsoft.com/VisualStudio/2011/storyboarding/control">
-  <Id Name="System.Storyboarding.WindowsAppIcons.Hyperlink" Revision="1" Stencil="System.Storyboarding.WindowsAppIcons" StencilVersion="0.1"/>
-</Control>
-</file>
-
-<file path=customXml/item93.xml><?xml version="1.0" encoding="utf-8"?>
-<Control xmlns="http://schemas.microsoft.com/VisualStudio/2011/storyboarding/control">
-  <Id Name="System.Storyboarding.Icons.Star" Revision="1" Stencil="System.Storyboarding.Icons" StencilVersion="0.1"/>
-</Control>
-</file>
-
-<file path=customXml/item94.xml><?xml version="1.0" encoding="utf-8"?>
-<Control xmlns="http://schemas.microsoft.com/VisualStudio/2011/storyboarding/control">
-  <Id Name="32035d07-bc66-4a79-8001-2507012193e3" RevisionId="7f6cc906-8fab-4878-8f41-90bcdc4e860e" Stencil="172d6d98-e5c9-42e9-a209-79f7a94bbd38" StencilRevisionId="00000000-0000-0000-0000-000000000000" StencilVersion="0.0"/>
-</Control>
-</file>
-
-<file path=customXml/item95.xml><?xml version="1.0" encoding="utf-8"?>
-<Control xmlns="http://schemas.microsoft.com/VisualStudio/2011/storyboarding/control">
-  <Id Name="System.Storyboarding.WindowsApps.WindowsAppsTileWideSmall" Revision="1" Stencil="System.Storyboarding.WindowsApps" StencilVersion="0.1"/>
-</Control>
-</file>
-
-<file path=customXml/item96.xml><?xml version="1.0" encoding="utf-8"?>
-<Control xmlns="http://schemas.microsoft.com/VisualStudio/2011/storyboarding/control">
-  <Id Name="System.Storyboarding.Common.TextInput" Revision="1" Stencil="System.Storyboarding.Common" StencilVersion="0.1"/>
-</Control>
-</file>
-
-<file path=customXml/item97.xml><?xml version="1.0" encoding="utf-8"?>
-<Control xmlns="http://schemas.microsoft.com/VisualStudio/2011/storyboarding/control">
-  <Id Name="System.Storyboarding.WindowsApps.WindowsAppsMediumWideTile" Revision="1" Stencil="System.Storyboarding.WindowsApps" StencilVersion="0.1"/>
-</Control>
-</file>
-
-<file path=customXml/item98.xml><?xml version="1.0" encoding="utf-8"?>
-<Control xmlns="http://schemas.microsoft.com/VisualStudio/2011/storyboarding/control">
-  <Id Name="System.Storyboarding.WindowsAppIcons.Check" Revision="1" Stencil="System.Storyboarding.WindowsAppIcons" StencilVersion="0.1"/>
-</Control>
-</file>
-
 <file path=customXml/item99.xml><?xml version="1.0" encoding="utf-8"?>
 <Control xmlns="http://schemas.microsoft.com/VisualStudio/2011/storyboarding/control">
-  <Id Name="System.Storyboarding.WindowsApps.WindowsAppsTileWideSmall" Revision="1" Stencil="System.Storyboarding.WindowsApps" StencilVersion="0.1"/>
+  <Id Name="System.Storyboarding.Common.Text" Revision="1" Stencil="System.Storyboarding.Common" StencilVersion="0.1"/>
 </Control>
 </file>
 
 <file path=customXml/itemProps1.xml><?xml version="1.0" encoding="utf-8"?>
+<ds:datastoreItem xmlns:ds="http://schemas.openxmlformats.org/officeDocument/2006/customXml" ds:itemID="{ED7BDB59-BF74-409B-8509-C9B8AF445363}">
+  <ds:schemaRefs>
+    <ds:schemaRef ds:uri="http://schemas.microsoft.com/VisualStudio/2011/storyboarding/control"/>
+  </ds:schemaRefs>
+</ds:datastoreItem>
+</file>
+
+<file path=customXml/itemProps10.xml><?xml version="1.0" encoding="utf-8"?>
+<ds:datastoreItem xmlns:ds="http://schemas.openxmlformats.org/officeDocument/2006/customXml" ds:itemID="{ACF586AD-3668-4E64-BB79-597B4E8D331A}">
+  <ds:schemaRefs>
+    <ds:schemaRef ds:uri="http://schemas.microsoft.com/VisualStudio/2011/storyboarding/control"/>
+  </ds:schemaRefs>
+</ds:datastoreItem>
+</file>
+
+<file path=customXml/itemProps100.xml><?xml version="1.0" encoding="utf-8"?>
+<ds:datastoreItem xmlns:ds="http://schemas.openxmlformats.org/officeDocument/2006/customXml" ds:itemID="{85F86E7D-DA49-4BE9-9097-1D50FB466B1E}">
+  <ds:schemaRefs>
+    <ds:schemaRef ds:uri="http://schemas.microsoft.com/VisualStudio/2011/storyboarding/control"/>
+  </ds:schemaRefs>
+</ds:datastoreItem>
+</file>
+
+<file path=customXml/itemProps101.xml><?xml version="1.0" encoding="utf-8"?>
+<ds:datastoreItem xmlns:ds="http://schemas.openxmlformats.org/officeDocument/2006/customXml" ds:itemID="{8B3DF17E-302B-453F-A2FD-6CDC4C0170AA}">
+  <ds:schemaRefs>
+    <ds:schemaRef ds:uri="http://schemas.microsoft.com/VisualStudio/2011/storyboarding/control"/>
+  </ds:schemaRefs>
+</ds:datastoreItem>
+</file>
+
+<file path=customXml/itemProps102.xml><?xml version="1.0" encoding="utf-8"?>
+<ds:datastoreItem xmlns:ds="http://schemas.openxmlformats.org/officeDocument/2006/customXml" ds:itemID="{4686712F-CBA4-47D3-833A-C2ADFEF753DD}">
+  <ds:schemaRefs>
+    <ds:schemaRef ds:uri="http://schemas.microsoft.com/VisualStudio/2011/storyboarding/control"/>
+  </ds:schemaRefs>
+</ds:datastoreItem>
+</file>
+
+<file path=customXml/itemProps103.xml><?xml version="1.0" encoding="utf-8"?>
+<ds:datastoreItem xmlns:ds="http://schemas.openxmlformats.org/officeDocument/2006/customXml" ds:itemID="{FE87856E-EB9D-4E52-95E2-2A7B45AA4114}">
+  <ds:schemaRefs>
+    <ds:schemaRef ds:uri="http://schemas.microsoft.com/VisualStudio/2011/storyboarding/control"/>
+  </ds:schemaRefs>
+</ds:datastoreItem>
+</file>
+
+<file path=customXml/itemProps104.xml><?xml version="1.0" encoding="utf-8"?>
+<ds:datastoreItem xmlns:ds="http://schemas.openxmlformats.org/officeDocument/2006/customXml" ds:itemID="{00D2AA4F-29E2-4A16-BE2A-B2E1781BC260}">
+  <ds:schemaRefs>
+    <ds:schemaRef ds:uri="http://schemas.microsoft.com/VisualStudio/2011/storyboarding/control"/>
+  </ds:schemaRefs>
+</ds:datastoreItem>
+</file>
+
+<file path=customXml/itemProps105.xml><?xml version="1.0" encoding="utf-8"?>
+<ds:datastoreItem xmlns:ds="http://schemas.openxmlformats.org/officeDocument/2006/customXml" ds:itemID="{A3199E56-6304-4A04-BDD7-107FDE5731A4}">
+  <ds:schemaRefs>
+    <ds:schemaRef ds:uri="http://schemas.microsoft.com/VisualStudio/2011/storyboarding/control"/>
+  </ds:schemaRefs>
+</ds:datastoreItem>
+</file>
+
+<file path=customXml/itemProps106.xml><?xml version="1.0" encoding="utf-8"?>
+<ds:datastoreItem xmlns:ds="http://schemas.openxmlformats.org/officeDocument/2006/customXml" ds:itemID="{7A89DD74-282D-41A7-98AD-61383871195E}">
+  <ds:schemaRefs>
+    <ds:schemaRef ds:uri="http://schemas.microsoft.com/VisualStudio/2011/storyboarding/control"/>
+  </ds:schemaRefs>
+</ds:datastoreItem>
+</file>
+
+<file path=customXml/itemProps107.xml><?xml version="1.0" encoding="utf-8"?>
+<ds:datastoreItem xmlns:ds="http://schemas.openxmlformats.org/officeDocument/2006/customXml" ds:itemID="{AE608858-3A79-4E62-9586-14C746DF17FE}">
+  <ds:schemaRefs>
+    <ds:schemaRef ds:uri="http://schemas.microsoft.com/VisualStudio/2011/storyboarding/control"/>
+  </ds:schemaRefs>
+</ds:datastoreItem>
+</file>
+
+<file path=customXml/itemProps108.xml><?xml version="1.0" encoding="utf-8"?>
+<ds:datastoreItem xmlns:ds="http://schemas.openxmlformats.org/officeDocument/2006/customXml" ds:itemID="{E44C9E77-1C35-4DBC-82DD-57E4D308EFBB}">
+  <ds:schemaRefs>
+    <ds:schemaRef ds:uri="http://schemas.microsoft.com/VisualStudio/2011/storyboarding/control"/>
+  </ds:schemaRefs>
+</ds:datastoreItem>
+</file>
+
+<file path=customXml/itemProps109.xml><?xml version="1.0" encoding="utf-8"?>
+<ds:datastoreItem xmlns:ds="http://schemas.openxmlformats.org/officeDocument/2006/customXml" ds:itemID="{F3241CCA-9602-4CB8-B6FA-D8222B14826C}">
+  <ds:schemaRefs>
+    <ds:schemaRef ds:uri="http://schemas.microsoft.com/VisualStudio/2011/storyboarding/control"/>
+  </ds:schemaRefs>
+</ds:datastoreItem>
+</file>
+
+<file path=customXml/itemProps11.xml><?xml version="1.0" encoding="utf-8"?>
+<ds:datastoreItem xmlns:ds="http://schemas.openxmlformats.org/officeDocument/2006/customXml" ds:itemID="{77104134-B524-4624-9201-ECD829C881BD}">
+  <ds:schemaRefs>
+    <ds:schemaRef ds:uri="http://schemas.microsoft.com/VisualStudio/2011/storyboarding/control"/>
+  </ds:schemaRefs>
+</ds:datastoreItem>
+</file>
+
+<file path=customXml/itemProps110.xml><?xml version="1.0" encoding="utf-8"?>
+<ds:datastoreItem xmlns:ds="http://schemas.openxmlformats.org/officeDocument/2006/customXml" ds:itemID="{ED541B40-E3CF-47E9-8800-B673CC7C7D9E}">
+  <ds:schemaRefs>
+    <ds:schemaRef ds:uri="http://schemas.microsoft.com/VisualStudio/2011/storyboarding/control"/>
+  </ds:schemaRefs>
+</ds:datastoreItem>
+</file>
+
+<file path=customXml/itemProps111.xml><?xml version="1.0" encoding="utf-8"?>
+<ds:datastoreItem xmlns:ds="http://schemas.openxmlformats.org/officeDocument/2006/customXml" ds:itemID="{A2F6F20D-5D93-4163-A5E6-5A9B6AB49B35}">
+  <ds:schemaRefs>
+    <ds:schemaRef ds:uri="http://schemas.microsoft.com/VisualStudio/2011/storyboarding/control"/>
+  </ds:schemaRefs>
+</ds:datastoreItem>
+</file>
+
+<file path=customXml/itemProps112.xml><?xml version="1.0" encoding="utf-8"?>
+<ds:datastoreItem xmlns:ds="http://schemas.openxmlformats.org/officeDocument/2006/customXml" ds:itemID="{13D229BA-F403-4DB5-940D-9A722C14A295}">
+  <ds:schemaRefs>
+    <ds:schemaRef ds:uri="http://schemas.microsoft.com/VisualStudio/2011/storyboarding/control"/>
+  </ds:schemaRefs>
+</ds:datastoreItem>
+</file>
+
+<file path=customXml/itemProps113.xml><?xml version="1.0" encoding="utf-8"?>
+<ds:datastoreItem xmlns:ds="http://schemas.openxmlformats.org/officeDocument/2006/customXml" ds:itemID="{3F44ADFA-C7D2-4102-9298-3583F06E2549}">
+  <ds:schemaRefs>
+    <ds:schemaRef ds:uri="http://schemas.microsoft.com/VisualStudio/2011/storyboarding/control"/>
+  </ds:schemaRefs>
+</ds:datastoreItem>
+</file>
+
+<file path=customXml/itemProps114.xml><?xml version="1.0" encoding="utf-8"?>
+<ds:datastoreItem xmlns:ds="http://schemas.openxmlformats.org/officeDocument/2006/customXml" ds:itemID="{9A59C534-A299-402C-BDD6-F5443DFA7893}">
+  <ds:schemaRefs>
+    <ds:schemaRef ds:uri="http://schemas.microsoft.com/VisualStudio/2011/storyboarding/control"/>
+  </ds:schemaRefs>
+</ds:datastoreItem>
+</file>
+
+<file path=customXml/itemProps115.xml><?xml version="1.0" encoding="utf-8"?>
+<ds:datastoreItem xmlns:ds="http://schemas.openxmlformats.org/officeDocument/2006/customXml" ds:itemID="{19219105-B97A-44AD-8E8F-0F014E4D5F2F}">
+  <ds:schemaRefs>
+    <ds:schemaRef ds:uri="http://schemas.microsoft.com/VisualStudio/2011/storyboarding/control"/>
+  </ds:schemaRefs>
+</ds:datastoreItem>
+</file>
+
+<file path=customXml/itemProps116.xml><?xml version="1.0" encoding="utf-8"?>
+<ds:datastoreItem xmlns:ds="http://schemas.openxmlformats.org/officeDocument/2006/customXml" ds:itemID="{89F8D00C-2482-4F3D-ACA1-B806B7E2C2EC}">
+  <ds:schemaRefs>
+    <ds:schemaRef ds:uri="http://schemas.microsoft.com/VisualStudio/2011/storyboarding/control"/>
+  </ds:schemaRefs>
+</ds:datastoreItem>
+</file>
+
+<file path=customXml/itemProps117.xml><?xml version="1.0" encoding="utf-8"?>
+<ds:datastoreItem xmlns:ds="http://schemas.openxmlformats.org/officeDocument/2006/customXml" ds:itemID="{98F07B01-E4E8-4E44-B227-4A307E110F5E}">
+  <ds:schemaRefs>
+    <ds:schemaRef ds:uri="http://schemas.microsoft.com/VisualStudio/2011/storyboarding/control"/>
+  </ds:schemaRefs>
+</ds:datastoreItem>
+</file>
+
+<file path=customXml/itemProps118.xml><?xml version="1.0" encoding="utf-8"?>
+<ds:datastoreItem xmlns:ds="http://schemas.openxmlformats.org/officeDocument/2006/customXml" ds:itemID="{C7B0D7AD-32DF-4953-89C9-C834F6010560}">
+  <ds:schemaRefs>
+    <ds:schemaRef ds:uri="http://schemas.microsoft.com/VisualStudio/2011/storyboarding/control"/>
+  </ds:schemaRefs>
+</ds:datastoreItem>
+</file>
+
+<file path=customXml/itemProps119.xml><?xml version="1.0" encoding="utf-8"?>
+<ds:datastoreItem xmlns:ds="http://schemas.openxmlformats.org/officeDocument/2006/customXml" ds:itemID="{F7BABBE5-64CC-4B8F-B3B6-CF3FD810F8C7}">
+  <ds:schemaRefs>
+    <ds:schemaRef ds:uri="http://schemas.microsoft.com/VisualStudio/2011/storyboarding/control"/>
+  </ds:schemaRefs>
+</ds:datastoreItem>
+</file>
+
+<file path=customXml/itemProps12.xml><?xml version="1.0" encoding="utf-8"?>
+<ds:datastoreItem xmlns:ds="http://schemas.openxmlformats.org/officeDocument/2006/customXml" ds:itemID="{69C5573C-4D11-4ED5-8CA8-88391EEEF019}">
+  <ds:schemaRefs>
+    <ds:schemaRef ds:uri="http://schemas.microsoft.com/VisualStudio/2011/storyboarding/control"/>
+  </ds:schemaRefs>
+</ds:datastoreItem>
+</file>
+
+<file path=customXml/itemProps120.xml><?xml version="1.0" encoding="utf-8"?>
+<ds:datastoreItem xmlns:ds="http://schemas.openxmlformats.org/officeDocument/2006/customXml" ds:itemID="{F5B85250-01CA-403A-BFFD-EDEFCA9E38FF}">
+  <ds:schemaRefs>
+    <ds:schemaRef ds:uri="http://schemas.microsoft.com/VisualStudio/2011/storyboarding/control"/>
+  </ds:schemaRefs>
+</ds:datastoreItem>
+</file>
+
+<file path=customXml/itemProps121.xml><?xml version="1.0" encoding="utf-8"?>
+<ds:datastoreItem xmlns:ds="http://schemas.openxmlformats.org/officeDocument/2006/customXml" ds:itemID="{A6CB5F7F-1B30-4371-AA4A-C09705431B7C}">
+  <ds:schemaRefs>
+    <ds:schemaRef ds:uri="http://schemas.microsoft.com/VisualStudio/2011/storyboarding/control"/>
+  </ds:schemaRefs>
+</ds:datastoreItem>
+</file>
+
+<file path=customXml/itemProps122.xml><?xml version="1.0" encoding="utf-8"?>
+<ds:datastoreItem xmlns:ds="http://schemas.openxmlformats.org/officeDocument/2006/customXml" ds:itemID="{10F0BDDE-4AA3-40EF-B2BC-ACF0382ED861}">
+  <ds:schemaRefs>
+    <ds:schemaRef ds:uri="http://schemas.microsoft.com/VisualStudio/2011/storyboarding/control"/>
+  </ds:schemaRefs>
+</ds:datastoreItem>
+</file>
+
+<file path=customXml/itemProps123.xml><?xml version="1.0" encoding="utf-8"?>
+<ds:datastoreItem xmlns:ds="http://schemas.openxmlformats.org/officeDocument/2006/customXml" ds:itemID="{ADE0E0E1-3FB4-4764-85B1-A2581C94CFE9}">
+  <ds:schemaRefs>
+    <ds:schemaRef ds:uri="http://schemas.microsoft.com/VisualStudio/2011/storyboarding/control"/>
+  </ds:schemaRefs>
+</ds:datastoreItem>
+</file>
+
+<file path=customXml/itemProps124.xml><?xml version="1.0" encoding="utf-8"?>
+<ds:datastoreItem xmlns:ds="http://schemas.openxmlformats.org/officeDocument/2006/customXml" ds:itemID="{8034C046-287A-40CC-BFAD-DD9798F69203}">
+  <ds:schemaRefs>
+    <ds:schemaRef ds:uri="http://schemas.microsoft.com/VisualStudio/2011/storyboarding/control"/>
+  </ds:schemaRefs>
+</ds:datastoreItem>
+</file>
+
+<file path=customXml/itemProps125.xml><?xml version="1.0" encoding="utf-8"?>
+<ds:datastoreItem xmlns:ds="http://schemas.openxmlformats.org/officeDocument/2006/customXml" ds:itemID="{4AA25D42-EDA7-4712-8354-F682B1D61ABE}">
+  <ds:schemaRefs>
+    <ds:schemaRef ds:uri="http://schemas.microsoft.com/VisualStudio/2011/storyboarding/control"/>
+  </ds:schemaRefs>
+</ds:datastoreItem>
+</file>
+
+<file path=customXml/itemProps126.xml><?xml version="1.0" encoding="utf-8"?>
+<ds:datastoreItem xmlns:ds="http://schemas.openxmlformats.org/officeDocument/2006/customXml" ds:itemID="{0B25F2DC-DA1F-428C-A9D6-1915EDEAA8DD}">
+  <ds:schemaRefs>
+    <ds:schemaRef ds:uri="http://schemas.microsoft.com/VisualStudio/2011/storyboarding/control"/>
+  </ds:schemaRefs>
+</ds:datastoreItem>
+</file>
+
+<file path=customXml/itemProps127.xml><?xml version="1.0" encoding="utf-8"?>
+<ds:datastoreItem xmlns:ds="http://schemas.openxmlformats.org/officeDocument/2006/customXml" ds:itemID="{B2016F61-92F9-4E0F-A353-39F009FA0B01}">
+  <ds:schemaRefs>
+    <ds:schemaRef ds:uri="http://schemas.microsoft.com/VisualStudio/2011/storyboarding/control"/>
+  </ds:schemaRefs>
+</ds:datastoreItem>
+</file>
+
+<file path=customXml/itemProps128.xml><?xml version="1.0" encoding="utf-8"?>
+<ds:datastoreItem xmlns:ds="http://schemas.openxmlformats.org/officeDocument/2006/customXml" ds:itemID="{418E8FB6-E3E2-4A78-BD2C-0E4D84C7371E}">
+  <ds:schemaRefs>
+    <ds:schemaRef ds:uri="http://schemas.microsoft.com/VisualStudio/2011/storyboarding/control"/>
+  </ds:schemaRefs>
+</ds:datastoreItem>
+</file>
+
+<file path=customXml/itemProps129.xml><?xml version="1.0" encoding="utf-8"?>
+<ds:datastoreItem xmlns:ds="http://schemas.openxmlformats.org/officeDocument/2006/customXml" ds:itemID="{71F7DD17-FE3B-45F0-BA26-7919E3FA2124}">
+  <ds:schemaRefs>
+    <ds:schemaRef ds:uri="http://schemas.microsoft.com/VisualStudio/2011/storyboarding/control"/>
+  </ds:schemaRefs>
+</ds:datastoreItem>
+</file>
+
+<file path=customXml/itemProps13.xml><?xml version="1.0" encoding="utf-8"?>
+<ds:datastoreItem xmlns:ds="http://schemas.openxmlformats.org/officeDocument/2006/customXml" ds:itemID="{0AB71E67-FC2D-421E-B264-47BB552D5A5B}">
+  <ds:schemaRefs>
+    <ds:schemaRef ds:uri="http://schemas.microsoft.com/VisualStudio/2011/storyboarding/control"/>
+  </ds:schemaRefs>
+</ds:datastoreItem>
+</file>
+
+<file path=customXml/itemProps130.xml><?xml version="1.0" encoding="utf-8"?>
+<ds:datastoreItem xmlns:ds="http://schemas.openxmlformats.org/officeDocument/2006/customXml" ds:itemID="{2C7E7D13-6875-4C07-A00F-CBDE5826D5D8}">
+  <ds:schemaRefs>
+    <ds:schemaRef ds:uri="http://schemas.microsoft.com/VisualStudio/2011/storyboarding/control"/>
+  </ds:schemaRefs>
+</ds:datastoreItem>
+</file>
+
+<file path=customXml/itemProps131.xml><?xml version="1.0" encoding="utf-8"?>
+<ds:datastoreItem xmlns:ds="http://schemas.openxmlformats.org/officeDocument/2006/customXml" ds:itemID="{45D0D449-A17D-45A3-B4E7-E173226B985A}">
+  <ds:schemaRefs>
+    <ds:schemaRef ds:uri="http://schemas.microsoft.com/VisualStudio/2011/storyboarding/control"/>
+  </ds:schemaRefs>
+</ds:datastoreItem>
+</file>
+
+<file path=customXml/itemProps132.xml><?xml version="1.0" encoding="utf-8"?>
+<ds:datastoreItem xmlns:ds="http://schemas.openxmlformats.org/officeDocument/2006/customXml" ds:itemID="{D08605C4-AECB-4FFF-9D2C-98990B0DFFDA}">
+  <ds:schemaRefs>
+    <ds:schemaRef ds:uri="http://schemas.microsoft.com/VisualStudio/2011/storyboarding/control"/>
+  </ds:schemaRefs>
+</ds:datastoreItem>
+</file>
+
+<file path=customXml/itemProps133.xml><?xml version="1.0" encoding="utf-8"?>
+<ds:datastoreItem xmlns:ds="http://schemas.openxmlformats.org/officeDocument/2006/customXml" ds:itemID="{29B37182-9887-4972-8113-B6FBFE59F94E}">
+  <ds:schemaRefs>
+    <ds:schemaRef ds:uri="http://schemas.microsoft.com/VisualStudio/2011/storyboarding/control"/>
+  </ds:schemaRefs>
+</ds:datastoreItem>
+</file>
+
+<file path=customXml/itemProps134.xml><?xml version="1.0" encoding="utf-8"?>
+<ds:datastoreItem xmlns:ds="http://schemas.openxmlformats.org/officeDocument/2006/customXml" ds:itemID="{D76A8C43-D0E6-4D76-A639-72E580E29047}">
+  <ds:schemaRefs>
+    <ds:schemaRef ds:uri="http://schemas.microsoft.com/VisualStudio/2011/storyboarding/control"/>
+  </ds:schemaRefs>
+</ds:datastoreItem>
+</file>
+
+<file path=customXml/itemProps135.xml><?xml version="1.0" encoding="utf-8"?>
+<ds:datastoreItem xmlns:ds="http://schemas.openxmlformats.org/officeDocument/2006/customXml" ds:itemID="{9FC86F31-FEBD-4500-B558-3A9092EE01B0}">
+  <ds:schemaRefs>
+    <ds:schemaRef ds:uri="http://schemas.microsoft.com/VisualStudio/2011/storyboarding/control"/>
+  </ds:schemaRefs>
+</ds:datastoreItem>
+</file>
+
+<file path=customXml/itemProps136.xml><?xml version="1.0" encoding="utf-8"?>
+<ds:datastoreItem xmlns:ds="http://schemas.openxmlformats.org/officeDocument/2006/customXml" ds:itemID="{394EADEA-3838-4D66-B77E-E5E9BD6A7AEA}">
+  <ds:schemaRefs>
+    <ds:schemaRef ds:uri="http://schemas.microsoft.com/VisualStudio/2011/storyboarding/control"/>
+  </ds:schemaRefs>
+</ds:datastoreItem>
+</file>
+
+<file path=customXml/itemProps137.xml><?xml version="1.0" encoding="utf-8"?>
+<ds:datastoreItem xmlns:ds="http://schemas.openxmlformats.org/officeDocument/2006/customXml" ds:itemID="{13867D15-2F58-4836-9D34-D0E88BF26D4C}">
+  <ds:schemaRefs>
+    <ds:schemaRef ds:uri="http://schemas.microsoft.com/VisualStudio/2011/storyboarding/control"/>
+  </ds:schemaRefs>
+</ds:datastoreItem>
+</file>
+
+<file path=customXml/itemProps138.xml><?xml version="1.0" encoding="utf-8"?>
+<ds:datastoreItem xmlns:ds="http://schemas.openxmlformats.org/officeDocument/2006/customXml" ds:itemID="{E475E16E-3D1A-4AA1-9265-74BC7689BD6B}">
+  <ds:schemaRefs>
+    <ds:schemaRef ds:uri="http://schemas.microsoft.com/VisualStudio/2011/storyboarding/control"/>
+  </ds:schemaRefs>
+</ds:datastoreItem>
+</file>
+
+<file path=customXml/itemProps139.xml><?xml version="1.0" encoding="utf-8"?>
+<ds:datastoreItem xmlns:ds="http://schemas.openxmlformats.org/officeDocument/2006/customXml" ds:itemID="{DDE8CEAB-FAAF-46B5-9BC4-6BAA48DFB915}">
+  <ds:schemaRefs>
+    <ds:schemaRef ds:uri="http://schemas.microsoft.com/VisualStudio/2011/storyboarding/control"/>
+  </ds:schemaRefs>
+</ds:datastoreItem>
+</file>
+
+<file path=customXml/itemProps14.xml><?xml version="1.0" encoding="utf-8"?>
+<ds:datastoreItem xmlns:ds="http://schemas.openxmlformats.org/officeDocument/2006/customXml" ds:itemID="{5248BC68-ADE7-429D-B013-9195EF7419E9}">
+  <ds:schemaRefs>
+    <ds:schemaRef ds:uri="http://schemas.microsoft.com/VisualStudio/2011/storyboarding/control"/>
+  </ds:schemaRefs>
+</ds:datastoreItem>
+</file>
+
+<file path=customXml/itemProps140.xml><?xml version="1.0" encoding="utf-8"?>
+<ds:datastoreItem xmlns:ds="http://schemas.openxmlformats.org/officeDocument/2006/customXml" ds:itemID="{FE6E328A-6A73-4FA6-A99D-5520E55E5B7D}">
+  <ds:schemaRefs>
+    <ds:schemaRef ds:uri="http://schemas.microsoft.com/VisualStudio/2011/storyboarding/control"/>
+  </ds:schemaRefs>
+</ds:datastoreItem>
+</file>
+
+<file path=customXml/itemProps141.xml><?xml version="1.0" encoding="utf-8"?>
+<ds:datastoreItem xmlns:ds="http://schemas.openxmlformats.org/officeDocument/2006/customXml" ds:itemID="{17816237-E86F-4608-B2AD-3D2E66C1B03B}">
+  <ds:schemaRefs>
+    <ds:schemaRef ds:uri="http://schemas.microsoft.com/VisualStudio/2011/storyboarding/control"/>
+  </ds:schemaRefs>
+</ds:datastoreItem>
+</file>
+
+<file path=customXml/itemProps142.xml><?xml version="1.0" encoding="utf-8"?>
+<ds:datastoreItem xmlns:ds="http://schemas.openxmlformats.org/officeDocument/2006/customXml" ds:itemID="{D5754EE6-BC91-4A98-A9DF-8FF792B0AA43}">
+  <ds:schemaRefs>
+    <ds:schemaRef ds:uri="http://schemas.microsoft.com/VisualStudio/2011/storyboarding/control"/>
+  </ds:schemaRefs>
+</ds:datastoreItem>
+</file>
+
+<file path=customXml/itemProps143.xml><?xml version="1.0" encoding="utf-8"?>
+<ds:datastoreItem xmlns:ds="http://schemas.openxmlformats.org/officeDocument/2006/customXml" ds:itemID="{033417FC-F4DF-440B-9750-AC9CEE9D4DD6}">
+  <ds:schemaRefs>
+    <ds:schemaRef ds:uri="http://schemas.microsoft.com/VisualStudio/2011/storyboarding/control"/>
+  </ds:schemaRefs>
+</ds:datastoreItem>
+</file>
+
+<file path=customXml/itemProps144.xml><?xml version="1.0" encoding="utf-8"?>
+<ds:datastoreItem xmlns:ds="http://schemas.openxmlformats.org/officeDocument/2006/customXml" ds:itemID="{A4CF0BF1-C47D-4DEC-B943-A1B6DFD73BA3}">
+  <ds:schemaRefs>
+    <ds:schemaRef ds:uri="http://schemas.microsoft.com/VisualStudio/2011/storyboarding/control"/>
+  </ds:schemaRefs>
+</ds:datastoreItem>
+</file>
+
+<file path=customXml/itemProps145.xml><?xml version="1.0" encoding="utf-8"?>
+<ds:datastoreItem xmlns:ds="http://schemas.openxmlformats.org/officeDocument/2006/customXml" ds:itemID="{E64EFAA4-8D4E-4E3D-90B4-CEBC661B0435}">
+  <ds:schemaRefs>
+    <ds:schemaRef ds:uri="http://schemas.microsoft.com/VisualStudio/2011/storyboarding/control"/>
+  </ds:schemaRefs>
+</ds:datastoreItem>
+</file>
+
+<file path=customXml/itemProps146.xml><?xml version="1.0" encoding="utf-8"?>
+<ds:datastoreItem xmlns:ds="http://schemas.openxmlformats.org/officeDocument/2006/customXml" ds:itemID="{6909E70A-4203-43FA-8666-1DA9A83FC55A}">
+  <ds:schemaRefs>
+    <ds:schemaRef ds:uri="http://schemas.microsoft.com/VisualStudio/2011/storyboarding/control"/>
+  </ds:schemaRefs>
+</ds:datastoreItem>
+</file>
+
+<file path=customXml/itemProps147.xml><?xml version="1.0" encoding="utf-8"?>
+<ds:datastoreItem xmlns:ds="http://schemas.openxmlformats.org/officeDocument/2006/customXml" ds:itemID="{AA6A5E90-4733-4052-BD41-CDB87AFA6C57}">
+  <ds:schemaRefs>
+    <ds:schemaRef ds:uri="http://schemas.microsoft.com/VisualStudio/2011/storyboarding/control"/>
+  </ds:schemaRefs>
+</ds:datastoreItem>
+</file>
+
+<file path=customXml/itemProps148.xml><?xml version="1.0" encoding="utf-8"?>
+<ds:datastoreItem xmlns:ds="http://schemas.openxmlformats.org/officeDocument/2006/customXml" ds:itemID="{4ECEEF82-0B3C-4906-961B-AFB29BD1E6E3}">
+  <ds:schemaRefs>
+    <ds:schemaRef ds:uri="http://schemas.microsoft.com/VisualStudio/2011/storyboarding/control"/>
+  </ds:schemaRefs>
+</ds:datastoreItem>
+</file>
+
+<file path=customXml/itemProps149.xml><?xml version="1.0" encoding="utf-8"?>
+<ds:datastoreItem xmlns:ds="http://schemas.openxmlformats.org/officeDocument/2006/customXml" ds:itemID="{02423611-8D04-4993-B0B1-97733309265C}">
+  <ds:schemaRefs>
+    <ds:schemaRef ds:uri="http://schemas.microsoft.com/VisualStudio/2011/storyboarding/control"/>
+  </ds:schemaRefs>
+</ds:datastoreItem>
+</file>
+
+<file path=customXml/itemProps15.xml><?xml version="1.0" encoding="utf-8"?>
+<ds:datastoreItem xmlns:ds="http://schemas.openxmlformats.org/officeDocument/2006/customXml" ds:itemID="{FE51AC1B-1271-4746-867D-55554D78B5AE}">
+  <ds:schemaRefs>
+    <ds:schemaRef ds:uri="http://schemas.microsoft.com/VisualStudio/2011/storyboarding/control"/>
+  </ds:schemaRefs>
+</ds:datastoreItem>
+</file>
+
+<file path=customXml/itemProps150.xml><?xml version="1.0" encoding="utf-8"?>
+<ds:datastoreItem xmlns:ds="http://schemas.openxmlformats.org/officeDocument/2006/customXml" ds:itemID="{AAE9B66C-C51E-45FF-A0AF-F87D4E76C603}">
+  <ds:schemaRefs>
+    <ds:schemaRef ds:uri="http://schemas.microsoft.com/VisualStudio/2011/storyboarding/control"/>
+  </ds:schemaRefs>
+</ds:datastoreItem>
+</file>
+
+<file path=customXml/itemProps151.xml><?xml version="1.0" encoding="utf-8"?>
+<ds:datastoreItem xmlns:ds="http://schemas.openxmlformats.org/officeDocument/2006/customXml" ds:itemID="{C95B04FA-49D0-4922-A7EB-76ADF3F5F5D3}">
+  <ds:schemaRefs>
+    <ds:schemaRef ds:uri="http://schemas.microsoft.com/VisualStudio/2011/storyboarding/control"/>
+  </ds:schemaRefs>
+</ds:datastoreItem>
+</file>
+
+<file path=customXml/itemProps152.xml><?xml version="1.0" encoding="utf-8"?>
+<ds:datastoreItem xmlns:ds="http://schemas.openxmlformats.org/officeDocument/2006/customXml" ds:itemID="{24046DC5-38AC-4C0E-A7BD-7BA62F64ED8D}">
+  <ds:schemaRefs>
+    <ds:schemaRef ds:uri="http://schemas.microsoft.com/VisualStudio/2011/storyboarding/control"/>
+  </ds:schemaRefs>
+</ds:datastoreItem>
+</file>
+
+<file path=customXml/itemProps153.xml><?xml version="1.0" encoding="utf-8"?>
+<ds:datastoreItem xmlns:ds="http://schemas.openxmlformats.org/officeDocument/2006/customXml" ds:itemID="{0205D5B8-50E2-42A6-ADDD-577B72710484}">
+  <ds:schemaRefs>
+    <ds:schemaRef ds:uri="http://schemas.microsoft.com/VisualStudio/2011/storyboarding/control"/>
+  </ds:schemaRefs>
+</ds:datastoreItem>
+</file>
+
+<file path=customXml/itemProps154.xml><?xml version="1.0" encoding="utf-8"?>
+<ds:datastoreItem xmlns:ds="http://schemas.openxmlformats.org/officeDocument/2006/customXml" ds:itemID="{A4C33EEA-7075-4651-97E3-4829E38E21EA}">
+  <ds:schemaRefs>
+    <ds:schemaRef ds:uri="http://schemas.microsoft.com/VisualStudio/2011/storyboarding/control"/>
+  </ds:schemaRefs>
+</ds:datastoreItem>
+</file>
+
+<file path=customXml/itemProps155.xml><?xml version="1.0" encoding="utf-8"?>
+<ds:datastoreItem xmlns:ds="http://schemas.openxmlformats.org/officeDocument/2006/customXml" ds:itemID="{CF586D09-EEB6-4A49-AAE1-88E826EEDC73}">
+  <ds:schemaRefs>
+    <ds:schemaRef ds:uri="http://schemas.microsoft.com/VisualStudio/2011/storyboarding/control"/>
+  </ds:schemaRefs>
+</ds:datastoreItem>
+</file>
+
+<file path=customXml/itemProps156.xml><?xml version="1.0" encoding="utf-8"?>
+<ds:datastoreItem xmlns:ds="http://schemas.openxmlformats.org/officeDocument/2006/customXml" ds:itemID="{1CCD967A-A231-4443-B5CB-163865029EA0}">
+  <ds:schemaRefs>
+    <ds:schemaRef ds:uri="http://schemas.microsoft.com/VisualStudio/2011/storyboarding/control"/>
+  </ds:schemaRefs>
+</ds:datastoreItem>
+</file>
+
+<file path=customXml/itemProps157.xml><?xml version="1.0" encoding="utf-8"?>
+<ds:datastoreItem xmlns:ds="http://schemas.openxmlformats.org/officeDocument/2006/customXml" ds:itemID="{34D70070-9632-4246-B25D-E396768C8F03}">
+  <ds:schemaRefs>
+    <ds:schemaRef ds:uri="http://schemas.microsoft.com/VisualStudio/2011/storyboarding/control"/>
+  </ds:schemaRefs>
+</ds:datastoreItem>
+</file>
+
+<file path=customXml/itemProps158.xml><?xml version="1.0" encoding="utf-8"?>
+<ds:datastoreItem xmlns:ds="http://schemas.openxmlformats.org/officeDocument/2006/customXml" ds:itemID="{33F9E1D4-170C-4DAF-A4E9-B2F1E33BDA51}">
+  <ds:schemaRefs>
+    <ds:schemaRef ds:uri="http://schemas.microsoft.com/VisualStudio/2011/storyboarding/control"/>
+  </ds:schemaRefs>
+</ds:datastoreItem>
+</file>
+
+<file path=customXml/itemProps159.xml><?xml version="1.0" encoding="utf-8"?>
+<ds:datastoreItem xmlns:ds="http://schemas.openxmlformats.org/officeDocument/2006/customXml" ds:itemID="{66DB2393-603D-49D1-8038-F976FE310B23}">
+  <ds:schemaRefs>
+    <ds:schemaRef ds:uri="http://schemas.microsoft.com/VisualStudio/2011/storyboarding/control"/>
+  </ds:schemaRefs>
+</ds:datastoreItem>
+</file>
+
+<file path=customXml/itemProps16.xml><?xml version="1.0" encoding="utf-8"?>
+<ds:datastoreItem xmlns:ds="http://schemas.openxmlformats.org/officeDocument/2006/customXml" ds:itemID="{2373FA59-A4C7-4E40-BF8A-FEF69ED346A4}">
+  <ds:schemaRefs>
+    <ds:schemaRef ds:uri="http://schemas.microsoft.com/VisualStudio/2011/storyboarding/control"/>
+  </ds:schemaRefs>
+</ds:datastoreItem>
+</file>
+
+<file path=customXml/itemProps160.xml><?xml version="1.0" encoding="utf-8"?>
+<ds:datastoreItem xmlns:ds="http://schemas.openxmlformats.org/officeDocument/2006/customXml" ds:itemID="{7AB87D2A-44BC-4109-A9F6-0CF47E17DA7C}">
+  <ds:schemaRefs>
+    <ds:schemaRef ds:uri="http://schemas.microsoft.com/VisualStudio/2011/storyboarding/control"/>
+  </ds:schemaRefs>
+</ds:datastoreItem>
+</file>
+
+<file path=customXml/itemProps161.xml><?xml version="1.0" encoding="utf-8"?>
+<ds:datastoreItem xmlns:ds="http://schemas.openxmlformats.org/officeDocument/2006/customXml" ds:itemID="{7F5E28FD-26FF-4A48-BAD7-50B55AB6208D}">
+  <ds:schemaRefs>
+    <ds:schemaRef ds:uri="http://schemas.microsoft.com/VisualStudio/2011/storyboarding/control"/>
+  </ds:schemaRefs>
+</ds:datastoreItem>
+</file>
+
+<file path=customXml/itemProps162.xml><?xml version="1.0" encoding="utf-8"?>
+<ds:datastoreItem xmlns:ds="http://schemas.openxmlformats.org/officeDocument/2006/customXml" ds:itemID="{1EAEFE78-3E46-45E5-85DF-8CF35EFEFFEE}">
+  <ds:schemaRefs>
+    <ds:schemaRef ds:uri="http://schemas.microsoft.com/VisualStudio/2011/storyboarding/control"/>
+  </ds:schemaRefs>
+</ds:datastoreItem>
+</file>
+
+<file path=customXml/itemProps163.xml><?xml version="1.0" encoding="utf-8"?>
+<ds:datastoreItem xmlns:ds="http://schemas.openxmlformats.org/officeDocument/2006/customXml" ds:itemID="{9441CC7A-8DA1-4C19-B524-DD31C7A19972}">
+  <ds:schemaRefs>
+    <ds:schemaRef ds:uri="http://schemas.microsoft.com/VisualStudio/2011/storyboarding/control"/>
+  </ds:schemaRefs>
+</ds:datastoreItem>
+</file>
+
+<file path=customXml/itemProps164.xml><?xml version="1.0" encoding="utf-8"?>
+<ds:datastoreItem xmlns:ds="http://schemas.openxmlformats.org/officeDocument/2006/customXml" ds:itemID="{66DA5703-DC74-4A5C-897F-77851F088467}">
+  <ds:schemaRefs>
+    <ds:schemaRef ds:uri="http://schemas.microsoft.com/VisualStudio/2011/storyboarding/control"/>
+  </ds:schemaRefs>
+</ds:datastoreItem>
+</file>
+
+<file path=customXml/itemProps165.xml><?xml version="1.0" encoding="utf-8"?>
+<ds:datastoreItem xmlns:ds="http://schemas.openxmlformats.org/officeDocument/2006/customXml" ds:itemID="{A5C9F535-848A-484D-BE9A-C7950B04C8EE}">
+  <ds:schemaRefs>
+    <ds:schemaRef ds:uri="http://schemas.microsoft.com/VisualStudio/2011/storyboarding/control"/>
+  </ds:schemaRefs>
+</ds:datastoreItem>
+</file>
+
+<file path=customXml/itemProps166.xml><?xml version="1.0" encoding="utf-8"?>
+<ds:datastoreItem xmlns:ds="http://schemas.openxmlformats.org/officeDocument/2006/customXml" ds:itemID="{3E9518F8-52DB-4512-B6E1-D4B81EC47F8E}">
+  <ds:schemaRefs>
+    <ds:schemaRef ds:uri="http://schemas.microsoft.com/VisualStudio/2011/storyboarding/control"/>
+  </ds:schemaRefs>
+</ds:datastoreItem>
+</file>
+
+<file path=customXml/itemProps167.xml><?xml version="1.0" encoding="utf-8"?>
+<ds:datastoreItem xmlns:ds="http://schemas.openxmlformats.org/officeDocument/2006/customXml" ds:itemID="{67BB8CBF-A728-42E4-ACB8-9EB900796758}">
+  <ds:schemaRefs>
+    <ds:schemaRef ds:uri="http://schemas.microsoft.com/VisualStudio/2011/storyboarding/control"/>
+  </ds:schemaRefs>
+</ds:datastoreItem>
+</file>
+
+<file path=customXml/itemProps168.xml><?xml version="1.0" encoding="utf-8"?>
+<ds:datastoreItem xmlns:ds="http://schemas.openxmlformats.org/officeDocument/2006/customXml" ds:itemID="{E029995E-6C1C-464C-B18A-588A9A373F13}">
+  <ds:schemaRefs>
+    <ds:schemaRef ds:uri="http://schemas.microsoft.com/VisualStudio/2011/storyboarding/control"/>
+  </ds:schemaRefs>
+</ds:datastoreItem>
+</file>
+
+<file path=customXml/itemProps169.xml><?xml version="1.0" encoding="utf-8"?>
+<ds:datastoreItem xmlns:ds="http://schemas.openxmlformats.org/officeDocument/2006/customXml" ds:itemID="{68BF0817-02E7-4175-AEC7-8477E7F612E9}">
+  <ds:schemaRefs>
+    <ds:schemaRef ds:uri="http://schemas.microsoft.com/VisualStudio/2011/storyboarding/control"/>
+  </ds:schemaRefs>
+</ds:datastoreItem>
+</file>
+
+<file path=customXml/itemProps17.xml><?xml version="1.0" encoding="utf-8"?>
+<ds:datastoreItem xmlns:ds="http://schemas.openxmlformats.org/officeDocument/2006/customXml" ds:itemID="{BB9D8331-A5A0-4DC8-BED7-F17D94CE02E8}">
+  <ds:schemaRefs>
+    <ds:schemaRef ds:uri="http://schemas.microsoft.com/VisualStudio/2011/storyboarding/control"/>
+  </ds:schemaRefs>
+</ds:datastoreItem>
+</file>
+
+<file path=customXml/itemProps170.xml><?xml version="1.0" encoding="utf-8"?>
+<ds:datastoreItem xmlns:ds="http://schemas.openxmlformats.org/officeDocument/2006/customXml" ds:itemID="{F9A8EA35-007A-40F9-AD73-68499C4EFDFA}">
+  <ds:schemaRefs>
+    <ds:schemaRef ds:uri="http://schemas.microsoft.com/VisualStudio/2011/storyboarding/control"/>
+  </ds:schemaRefs>
+</ds:datastoreItem>
+</file>
+
+<file path=customXml/itemProps171.xml><?xml version="1.0" encoding="utf-8"?>
+<ds:datastoreItem xmlns:ds="http://schemas.openxmlformats.org/officeDocument/2006/customXml" ds:itemID="{18CA7C37-7AF9-45BE-BBAE-D2D0584D8934}">
+  <ds:schemaRefs>
+    <ds:schemaRef ds:uri="http://schemas.microsoft.com/VisualStudio/2011/storyboarding/control"/>
+  </ds:schemaRefs>
+</ds:datastoreItem>
+</file>
+
+<file path=customXml/itemProps172.xml><?xml version="1.0" encoding="utf-8"?>
+<ds:datastoreItem xmlns:ds="http://schemas.openxmlformats.org/officeDocument/2006/customXml" ds:itemID="{FA631F3F-931D-4669-BD0B-F99571F5C429}">
+  <ds:schemaRefs>
+    <ds:schemaRef ds:uri="http://schemas.microsoft.com/VisualStudio/2011/storyboarding/control"/>
+  </ds:schemaRefs>
+</ds:datastoreItem>
+</file>
+
+<file path=customXml/itemProps18.xml><?xml version="1.0" encoding="utf-8"?>
+<ds:datastoreItem xmlns:ds="http://schemas.openxmlformats.org/officeDocument/2006/customXml" ds:itemID="{6A689C72-B170-4CC3-844E-7A992719660C}">
+  <ds:schemaRefs>
+    <ds:schemaRef ds:uri="http://schemas.microsoft.com/VisualStudio/2011/storyboarding/control"/>
+  </ds:schemaRefs>
+</ds:datastoreItem>
+</file>
+
+<file path=customXml/itemProps19.xml><?xml version="1.0" encoding="utf-8"?>
+<ds:datastoreItem xmlns:ds="http://schemas.openxmlformats.org/officeDocument/2006/customXml" ds:itemID="{AABACF0D-5384-4675-802C-4FFC55B3B83D}">
+  <ds:schemaRefs>
+    <ds:schemaRef ds:uri="http://schemas.microsoft.com/VisualStudio/2011/storyboarding/control"/>
+  </ds:schemaRefs>
+</ds:datastoreItem>
+</file>
+
+<file path=customXml/itemProps2.xml><?xml version="1.0" encoding="utf-8"?>
+<ds:datastoreItem xmlns:ds="http://schemas.openxmlformats.org/officeDocument/2006/customXml" ds:itemID="{DD4B0EF4-5BAE-4815-B342-64E17EEBDB97}">
+  <ds:schemaRefs>
+    <ds:schemaRef ds:uri="http://schemas.microsoft.com/VisualStudio/2011/storyboarding/control"/>
+  </ds:schemaRefs>
+</ds:datastoreItem>
+</file>
+
+<file path=customXml/itemProps20.xml><?xml version="1.0" encoding="utf-8"?>
+<ds:datastoreItem xmlns:ds="http://schemas.openxmlformats.org/officeDocument/2006/customXml" ds:itemID="{7C7A195E-DFA7-4A05-9371-894B93FD1828}">
+  <ds:schemaRefs>
+    <ds:schemaRef ds:uri="http://schemas.microsoft.com/VisualStudio/2011/storyboarding/control"/>
+  </ds:schemaRefs>
+</ds:datastoreItem>
+</file>
+
+<file path=customXml/itemProps21.xml><?xml version="1.0" encoding="utf-8"?>
+<ds:datastoreItem xmlns:ds="http://schemas.openxmlformats.org/officeDocument/2006/customXml" ds:itemID="{15112653-7036-4EB6-9E86-EDFCD1846E57}">
+  <ds:schemaRefs>
+    <ds:schemaRef ds:uri="http://schemas.microsoft.com/VisualStudio/2011/storyboarding/control"/>
+  </ds:schemaRefs>
+</ds:datastoreItem>
+</file>
+
+<file path=customXml/itemProps22.xml><?xml version="1.0" encoding="utf-8"?>
+<ds:datastoreItem xmlns:ds="http://schemas.openxmlformats.org/officeDocument/2006/customXml" ds:itemID="{F09024E1-1C18-4E75-B068-E418EE7D2650}">
+  <ds:schemaRefs>
+    <ds:schemaRef ds:uri="http://schemas.microsoft.com/VisualStudio/2011/storyboarding/control"/>
+  </ds:schemaRefs>
+</ds:datastoreItem>
+</file>
+
+<file path=customXml/itemProps23.xml><?xml version="1.0" encoding="utf-8"?>
+<ds:datastoreItem xmlns:ds="http://schemas.openxmlformats.org/officeDocument/2006/customXml" ds:itemID="{4500268E-82D2-458D-9B7A-1DAD9FBEA8F5}">
+  <ds:schemaRefs>
+    <ds:schemaRef ds:uri="http://schemas.microsoft.com/VisualStudio/2011/storyboarding/control"/>
+  </ds:schemaRefs>
+</ds:datastoreItem>
+</file>
+
+<file path=customXml/itemProps24.xml><?xml version="1.0" encoding="utf-8"?>
+<ds:datastoreItem xmlns:ds="http://schemas.openxmlformats.org/officeDocument/2006/customXml" ds:itemID="{47953D14-6ADC-4DA0-8BCD-D5FB70B1B04A}">
+  <ds:schemaRefs>
+    <ds:schemaRef ds:uri="http://schemas.microsoft.com/VisualStudio/2011/storyboarding/control"/>
+  </ds:schemaRefs>
+</ds:datastoreItem>
+</file>
+
+<file path=customXml/itemProps25.xml><?xml version="1.0" encoding="utf-8"?>
+<ds:datastoreItem xmlns:ds="http://schemas.openxmlformats.org/officeDocument/2006/customXml" ds:itemID="{327B6332-6001-4577-872B-DD19A445F5F2}">
+  <ds:schemaRefs>
+    <ds:schemaRef ds:uri="http://schemas.microsoft.com/VisualStudio/2011/storyboarding/control"/>
+  </ds:schemaRefs>
+</ds:datastoreItem>
+</file>
+
+<file path=customXml/itemProps26.xml><?xml version="1.0" encoding="utf-8"?>
+<ds:datastoreItem xmlns:ds="http://schemas.openxmlformats.org/officeDocument/2006/customXml" ds:itemID="{B1441669-2371-4AE4-A8B5-AFC09272AA93}">
+  <ds:schemaRefs>
+    <ds:schemaRef ds:uri="http://schemas.microsoft.com/VisualStudio/2011/storyboarding/control"/>
+  </ds:schemaRefs>
+</ds:datastoreItem>
+</file>
+
+<file path=customXml/itemProps27.xml><?xml version="1.0" encoding="utf-8"?>
+<ds:datastoreItem xmlns:ds="http://schemas.openxmlformats.org/officeDocument/2006/customXml" ds:itemID="{55CA6769-99B0-4402-A536-C3C8E0221022}">
+  <ds:schemaRefs>
+    <ds:schemaRef ds:uri="http://schemas.microsoft.com/VisualStudio/2011/storyboarding/control"/>
+  </ds:schemaRefs>
+</ds:datastoreItem>
+</file>
+
+<file path=customXml/itemProps28.xml><?xml version="1.0" encoding="utf-8"?>
+<ds:datastoreItem xmlns:ds="http://schemas.openxmlformats.org/officeDocument/2006/customXml" ds:itemID="{CC0F0423-B11D-48BC-93CE-439535EE4340}">
+  <ds:schemaRefs>
+    <ds:schemaRef ds:uri="http://schemas.microsoft.com/VisualStudio/2011/storyboarding/control"/>
+  </ds:schemaRefs>
+</ds:datastoreItem>
+</file>
+
+<file path=customXml/itemProps29.xml><?xml version="1.0" encoding="utf-8"?>
+<ds:datastoreItem xmlns:ds="http://schemas.openxmlformats.org/officeDocument/2006/customXml" ds:itemID="{FF00F683-10CA-4344-BB02-557AFC229713}">
+  <ds:schemaRefs>
+    <ds:schemaRef ds:uri="http://schemas.microsoft.com/VisualStudio/2011/storyboarding/control"/>
+  </ds:schemaRefs>
+</ds:datastoreItem>
+</file>
+
+<file path=customXml/itemProps3.xml><?xml version="1.0" encoding="utf-8"?>
+<ds:datastoreItem xmlns:ds="http://schemas.openxmlformats.org/officeDocument/2006/customXml" ds:itemID="{113ECE65-0514-4E2D-A5D7-CB73FBD23154}">
+  <ds:schemaRefs>
+    <ds:schemaRef ds:uri="http://schemas.microsoft.com/VisualStudio/2011/storyboarding/control"/>
+  </ds:schemaRefs>
+</ds:datastoreItem>
+</file>
+
+<file path=customXml/itemProps30.xml><?xml version="1.0" encoding="utf-8"?>
+<ds:datastoreItem xmlns:ds="http://schemas.openxmlformats.org/officeDocument/2006/customXml" ds:itemID="{8FFADBCE-FF33-4102-8CD5-0FC7C119C312}">
+  <ds:schemaRefs>
+    <ds:schemaRef ds:uri="http://schemas.microsoft.com/VisualStudio/2011/storyboarding/control"/>
+  </ds:schemaRefs>
+</ds:datastoreItem>
+</file>
+
+<file path=customXml/itemProps31.xml><?xml version="1.0" encoding="utf-8"?>
+<ds:datastoreItem xmlns:ds="http://schemas.openxmlformats.org/officeDocument/2006/customXml" ds:itemID="{45B142F8-50A8-47EE-8945-EA0E8BEF71EB}">
+  <ds:schemaRefs>
+    <ds:schemaRef ds:uri="http://schemas.microsoft.com/VisualStudio/2011/storyboarding/control"/>
+  </ds:schemaRefs>
+</ds:datastoreItem>
+</file>
+
+<file path=customXml/itemProps32.xml><?xml version="1.0" encoding="utf-8"?>
+<ds:datastoreItem xmlns:ds="http://schemas.openxmlformats.org/officeDocument/2006/customXml" ds:itemID="{D9AA3C08-4DA4-4FFF-AE51-25D9FD5C0DBF}">
+  <ds:schemaRefs>
+    <ds:schemaRef ds:uri="http://schemas.microsoft.com/VisualStudio/2011/storyboarding/control"/>
+  </ds:schemaRefs>
+</ds:datastoreItem>
+</file>
+
+<file path=customXml/itemProps33.xml><?xml version="1.0" encoding="utf-8"?>
+<ds:datastoreItem xmlns:ds="http://schemas.openxmlformats.org/officeDocument/2006/customXml" ds:itemID="{D2AAAC7E-0A85-448C-BEAF-FB2E1B4987CA}">
+  <ds:schemaRefs>
+    <ds:schemaRef ds:uri="http://schemas.microsoft.com/VisualStudio/2011/storyboarding/control"/>
+  </ds:schemaRefs>
+</ds:datastoreItem>
+</file>
+
+<file path=customXml/itemProps34.xml><?xml version="1.0" encoding="utf-8"?>
+<ds:datastoreItem xmlns:ds="http://schemas.openxmlformats.org/officeDocument/2006/customXml" ds:itemID="{2DE19DA7-14FB-4A73-97E6-83DF72E609E6}">
+  <ds:schemaRefs>
+    <ds:schemaRef ds:uri="http://schemas.microsoft.com/VisualStudio/2011/storyboarding/control"/>
+  </ds:schemaRefs>
+</ds:datastoreItem>
+</file>
+
+<file path=customXml/itemProps35.xml><?xml version="1.0" encoding="utf-8"?>
+<ds:datastoreItem xmlns:ds="http://schemas.openxmlformats.org/officeDocument/2006/customXml" ds:itemID="{F12E4822-BEA4-4C90-A23E-8C7DFCF7CDD6}">
+  <ds:schemaRefs>
+    <ds:schemaRef ds:uri="http://schemas.microsoft.com/VisualStudio/2011/storyboarding/control"/>
+  </ds:schemaRefs>
+</ds:datastoreItem>
+</file>
+
+<file path=customXml/itemProps36.xml><?xml version="1.0" encoding="utf-8"?>
+<ds:datastoreItem xmlns:ds="http://schemas.openxmlformats.org/officeDocument/2006/customXml" ds:itemID="{CD29ED7C-7003-4640-8A56-61BBEE20B1F0}">
+  <ds:schemaRefs>
+    <ds:schemaRef ds:uri="http://schemas.microsoft.com/VisualStudio/2011/storyboarding/control"/>
+  </ds:schemaRefs>
+</ds:datastoreItem>
+</file>
+
+<file path=customXml/itemProps37.xml><?xml version="1.0" encoding="utf-8"?>
+<ds:datastoreItem xmlns:ds="http://schemas.openxmlformats.org/officeDocument/2006/customXml" ds:itemID="{790E7F39-81D7-4FDD-A0B5-0716A2AE74B2}">
+  <ds:schemaRefs>
+    <ds:schemaRef ds:uri="http://schemas.microsoft.com/VisualStudio/2011/storyboarding/control"/>
+  </ds:schemaRefs>
+</ds:datastoreItem>
+</file>
+
+<file path=customXml/itemProps38.xml><?xml version="1.0" encoding="utf-8"?>
+<ds:datastoreItem xmlns:ds="http://schemas.openxmlformats.org/officeDocument/2006/customXml" ds:itemID="{8C7C7B8E-5451-4DAE-8DA4-7B210EC29FF3}">
+  <ds:schemaRefs>
+    <ds:schemaRef ds:uri="http://schemas.microsoft.com/VisualStudio/2011/storyboarding/control"/>
+  </ds:schemaRefs>
+</ds:datastoreItem>
+</file>
+
+<file path=customXml/itemProps39.xml><?xml version="1.0" encoding="utf-8"?>
+<ds:datastoreItem xmlns:ds="http://schemas.openxmlformats.org/officeDocument/2006/customXml" ds:itemID="{F2948E7D-95F1-4C09-BF4C-141C6B60CBB5}">
+  <ds:schemaRefs>
+    <ds:schemaRef ds:uri="http://schemas.microsoft.com/VisualStudio/2011/storyboarding/control"/>
+  </ds:schemaRefs>
+</ds:datastoreItem>
+</file>
+
+<file path=customXml/itemProps4.xml><?xml version="1.0" encoding="utf-8"?>
+<ds:datastoreItem xmlns:ds="http://schemas.openxmlformats.org/officeDocument/2006/customXml" ds:itemID="{2ADD045D-CBFF-4B66-B7D4-74533078AF4A}">
+  <ds:schemaRefs>
+    <ds:schemaRef ds:uri="http://schemas.microsoft.com/VisualStudio/2011/storyboarding/control"/>
+  </ds:schemaRefs>
+</ds:datastoreItem>
+</file>
+
+<file path=customXml/itemProps40.xml><?xml version="1.0" encoding="utf-8"?>
+<ds:datastoreItem xmlns:ds="http://schemas.openxmlformats.org/officeDocument/2006/customXml" ds:itemID="{3390C89E-38DA-49C8-BD78-371C7CC2FE47}">
+  <ds:schemaRefs>
+    <ds:schemaRef ds:uri="http://schemas.microsoft.com/VisualStudio/2011/storyboarding/control"/>
+  </ds:schemaRefs>
+</ds:datastoreItem>
+</file>
+
+<file path=customXml/itemProps41.xml><?xml version="1.0" encoding="utf-8"?>
+<ds:datastoreItem xmlns:ds="http://schemas.openxmlformats.org/officeDocument/2006/customXml" ds:itemID="{5EEABA33-0BE1-47F9-8437-631F1B84355A}">
+  <ds:schemaRefs>
+    <ds:schemaRef ds:uri="http://schemas.microsoft.com/VisualStudio/2011/storyboarding/control"/>
+  </ds:schemaRefs>
+</ds:datastoreItem>
+</file>
+
+<file path=customXml/itemProps42.xml><?xml version="1.0" encoding="utf-8"?>
+<ds:datastoreItem xmlns:ds="http://schemas.openxmlformats.org/officeDocument/2006/customXml" ds:itemID="{4A328889-52D6-47EA-AA7A-7178F57DFC2D}">
+  <ds:schemaRefs>
+    <ds:schemaRef ds:uri="http://schemas.microsoft.com/VisualStudio/2011/storyboarding/control"/>
+  </ds:schemaRefs>
+</ds:datastoreItem>
+</file>
+
+<file path=customXml/itemProps43.xml><?xml version="1.0" encoding="utf-8"?>
+<ds:datastoreItem xmlns:ds="http://schemas.openxmlformats.org/officeDocument/2006/customXml" ds:itemID="{F753D4C8-6DCC-4D78-9E76-A20A021CFCD8}">
+  <ds:schemaRefs>
+    <ds:schemaRef ds:uri="http://schemas.microsoft.com/VisualStudio/2011/storyboarding/control"/>
+  </ds:schemaRefs>
+</ds:datastoreItem>
+</file>
+
+<file path=customXml/itemProps44.xml><?xml version="1.0" encoding="utf-8"?>
+<ds:datastoreItem xmlns:ds="http://schemas.openxmlformats.org/officeDocument/2006/customXml" ds:itemID="{0BDCEE85-95E9-41B6-B7EA-41FEC8A8955C}">
+  <ds:schemaRefs>
+    <ds:schemaRef ds:uri="http://schemas.microsoft.com/VisualStudio/2011/storyboarding/control"/>
+  </ds:schemaRefs>
+</ds:datastoreItem>
+</file>
+
+<file path=customXml/itemProps45.xml><?xml version="1.0" encoding="utf-8"?>
+<ds:datastoreItem xmlns:ds="http://schemas.openxmlformats.org/officeDocument/2006/customXml" ds:itemID="{2160DE35-41EF-449D-8F30-BD715A7380BC}">
+  <ds:schemaRefs>
+    <ds:schemaRef ds:uri="http://schemas.microsoft.com/VisualStudio/2011/storyboarding/control"/>
+  </ds:schemaRefs>
+</ds:datastoreItem>
+</file>
+
+<file path=customXml/itemProps46.xml><?xml version="1.0" encoding="utf-8"?>
+<ds:datastoreItem xmlns:ds="http://schemas.openxmlformats.org/officeDocument/2006/customXml" ds:itemID="{48FCAF00-A9CA-4F0B-94B6-B06BD75E9807}">
+  <ds:schemaRefs>
+    <ds:schemaRef ds:uri="http://schemas.microsoft.com/VisualStudio/2011/storyboarding/control"/>
+  </ds:schemaRefs>
+</ds:datastoreItem>
+</file>
+
+<file path=customXml/itemProps47.xml><?xml version="1.0" encoding="utf-8"?>
+<ds:datastoreItem xmlns:ds="http://schemas.openxmlformats.org/officeDocument/2006/customXml" ds:itemID="{6DAC6C05-FAFB-4B89-BBD6-3A479BE450F0}">
+  <ds:schemaRefs>
+    <ds:schemaRef ds:uri="http://schemas.microsoft.com/VisualStudio/2011/storyboarding/control"/>
+  </ds:schemaRefs>
+</ds:datastoreItem>
+</file>
+
+<file path=customXml/itemProps48.xml><?xml version="1.0" encoding="utf-8"?>
+<ds:datastoreItem xmlns:ds="http://schemas.openxmlformats.org/officeDocument/2006/customXml" ds:itemID="{2A5F2F26-968C-4D10-A23C-7F7AB3C144F1}">
+  <ds:schemaRefs>
+    <ds:schemaRef ds:uri="http://schemas.microsoft.com/VisualStudio/2011/storyboarding/control"/>
+  </ds:schemaRefs>
+</ds:datastoreItem>
+</file>
+
+<file path=customXml/itemProps49.xml><?xml version="1.0" encoding="utf-8"?>
+<ds:datastoreItem xmlns:ds="http://schemas.openxmlformats.org/officeDocument/2006/customXml" ds:itemID="{6D74F327-6332-4AC5-8084-6EBC78FC0812}">
+  <ds:schemaRefs>
+    <ds:schemaRef ds:uri="http://schemas.microsoft.com/VisualStudio/2011/storyboarding/control"/>
+  </ds:schemaRefs>
+</ds:datastoreItem>
+</file>
+
+<file path=customXml/itemProps5.xml><?xml version="1.0" encoding="utf-8"?>
+<ds:datastoreItem xmlns:ds="http://schemas.openxmlformats.org/officeDocument/2006/customXml" ds:itemID="{3587D983-5BF3-43F4-B7CC-0D3FCA927E45}">
+  <ds:schemaRefs>
+    <ds:schemaRef ds:uri="http://schemas.microsoft.com/VisualStudio/2011/storyboarding/control"/>
+  </ds:schemaRefs>
+</ds:datastoreItem>
+</file>
+
+<file path=customXml/itemProps50.xml><?xml version="1.0" encoding="utf-8"?>
+<ds:datastoreItem xmlns:ds="http://schemas.openxmlformats.org/officeDocument/2006/customXml" ds:itemID="{952516C9-92F1-4F3E-8CAE-34A561EA713F}">
+  <ds:schemaRefs>
+    <ds:schemaRef ds:uri="http://schemas.microsoft.com/VisualStudio/2011/storyboarding/control"/>
+  </ds:schemaRefs>
+</ds:datastoreItem>
+</file>
+
+<file path=customXml/itemProps51.xml><?xml version="1.0" encoding="utf-8"?>
+<ds:datastoreItem xmlns:ds="http://schemas.openxmlformats.org/officeDocument/2006/customXml" ds:itemID="{1367878A-D08E-41A0-BE0F-87325A2CCFA2}">
+  <ds:schemaRefs>
+    <ds:schemaRef ds:uri="http://schemas.microsoft.com/VisualStudio/2011/storyboarding/control"/>
+  </ds:schemaRefs>
+</ds:datastoreItem>
+</file>
+
+<file path=customXml/itemProps52.xml><?xml version="1.0" encoding="utf-8"?>
+<ds:datastoreItem xmlns:ds="http://schemas.openxmlformats.org/officeDocument/2006/customXml" ds:itemID="{59D0369F-25C4-46DE-8418-DF66EC3FEC68}">
+  <ds:schemaRefs>
+    <ds:schemaRef ds:uri="http://schemas.microsoft.com/VisualStudio/2011/storyboarding/control"/>
+  </ds:schemaRefs>
+</ds:datastoreItem>
+</file>
+
+<file path=customXml/itemProps53.xml><?xml version="1.0" encoding="utf-8"?>
+<ds:datastoreItem xmlns:ds="http://schemas.openxmlformats.org/officeDocument/2006/customXml" ds:itemID="{06C11E88-1615-4B77-96AD-4B8BA4A066E8}">
+  <ds:schemaRefs>
+    <ds:schemaRef ds:uri="http://schemas.microsoft.com/VisualStudio/2011/storyboarding/control"/>
+  </ds:schemaRefs>
+</ds:datastoreItem>
+</file>
+
+<file path=customXml/itemProps54.xml><?xml version="1.0" encoding="utf-8"?>
+<ds:datastoreItem xmlns:ds="http://schemas.openxmlformats.org/officeDocument/2006/customXml" ds:itemID="{8A555954-45BE-4EEE-9F3C-9C997F6D1BA3}">
+  <ds:schemaRefs>
+    <ds:schemaRef ds:uri="http://schemas.microsoft.com/VisualStudio/2011/storyboarding/control"/>
+  </ds:schemaRefs>
+</ds:datastoreItem>
+</file>
+
+<file path=customXml/itemProps55.xml><?xml version="1.0" encoding="utf-8"?>
+<ds:datastoreItem xmlns:ds="http://schemas.openxmlformats.org/officeDocument/2006/customXml" ds:itemID="{9431BAA6-A458-4A16-B548-267B412E871D}">
+  <ds:schemaRefs>
+    <ds:schemaRef ds:uri="http://schemas.microsoft.com/VisualStudio/2011/storyboarding/control"/>
+  </ds:schemaRefs>
+</ds:datastoreItem>
+</file>
+
+<file path=customXml/itemProps56.xml><?xml version="1.0" encoding="utf-8"?>
+<ds:datastoreItem xmlns:ds="http://schemas.openxmlformats.org/officeDocument/2006/customXml" ds:itemID="{7D3F1746-26F3-4D5F-8DB1-4CE59AC409F7}">
+  <ds:schemaRefs>
+    <ds:schemaRef ds:uri="http://schemas.microsoft.com/VisualStudio/2011/storyboarding/control"/>
+  </ds:schemaRefs>
+</ds:datastoreItem>
+</file>
+
+<file path=customXml/itemProps57.xml><?xml version="1.0" encoding="utf-8"?>
+<ds:datastoreItem xmlns:ds="http://schemas.openxmlformats.org/officeDocument/2006/customXml" ds:itemID="{7C8FE9CD-1324-4A90-8D4D-0C176F3BCA87}">
+  <ds:schemaRefs>
+    <ds:schemaRef ds:uri="http://schemas.microsoft.com/VisualStudio/2011/storyboarding/control"/>
+  </ds:schemaRefs>
+</ds:datastoreItem>
+</file>
+
+<file path=customXml/itemProps58.xml><?xml version="1.0" encoding="utf-8"?>
+<ds:datastoreItem xmlns:ds="http://schemas.openxmlformats.org/officeDocument/2006/customXml" ds:itemID="{6F4A2862-C914-4127-9AA3-4EC971E05888}">
+  <ds:schemaRefs>
+    <ds:schemaRef ds:uri="http://schemas.microsoft.com/VisualStudio/2011/storyboarding/control"/>
+  </ds:schemaRefs>
+</ds:datastoreItem>
+</file>
+
+<file path=customXml/itemProps59.xml><?xml version="1.0" encoding="utf-8"?>
+<ds:datastoreItem xmlns:ds="http://schemas.openxmlformats.org/officeDocument/2006/customXml" ds:itemID="{CA9B1D84-8FAF-4BE3-BEDE-DAB5639D6F30}">
+  <ds:schemaRefs>
+    <ds:schemaRef ds:uri="http://schemas.microsoft.com/VisualStudio/2011/storyboarding/control"/>
+  </ds:schemaRefs>
+</ds:datastoreItem>
+</file>
+
+<file path=customXml/itemProps6.xml><?xml version="1.0" encoding="utf-8"?>
+<ds:datastoreItem xmlns:ds="http://schemas.openxmlformats.org/officeDocument/2006/customXml" ds:itemID="{E56EDE5A-F97D-4AD1-8B27-19C05BC797E2}">
+  <ds:schemaRefs>
+    <ds:schemaRef ds:uri="http://schemas.microsoft.com/VisualStudio/2011/storyboarding/control"/>
+  </ds:schemaRefs>
+</ds:datastoreItem>
+</file>
+
+<file path=customXml/itemProps60.xml><?xml version="1.0" encoding="utf-8"?>
 <ds:datastoreItem xmlns:ds="http://schemas.openxmlformats.org/officeDocument/2006/customXml" ds:itemID="{D9DDD41F-7524-4A14-A6F5-F6220B14545E}">
   <ds:schemaRefs>
     <ds:schemaRef ds:uri="http://schemas.microsoft.com/VisualStudio/2011/storyboarding/control"/>
@@ -16998,47 +17892,215 @@
 </ds:datastoreItem>
 </file>
 
-<file path=customXml/itemProps10.xml><?xml version="1.0" encoding="utf-8"?>
-<ds:datastoreItem xmlns:ds="http://schemas.openxmlformats.org/officeDocument/2006/customXml" ds:itemID="{02423611-8D04-4993-B0B1-97733309265C}">
+<file path=customXml/itemProps61.xml><?xml version="1.0" encoding="utf-8"?>
+<ds:datastoreItem xmlns:ds="http://schemas.openxmlformats.org/officeDocument/2006/customXml" ds:itemID="{D544E426-85A9-48AB-BB78-E3AD0590EC7C}">
   <ds:schemaRefs>
     <ds:schemaRef ds:uri="http://schemas.microsoft.com/VisualStudio/2011/storyboarding/control"/>
   </ds:schemaRefs>
 </ds:datastoreItem>
 </file>
 
-<file path=customXml/itemProps100.xml><?xml version="1.0" encoding="utf-8"?>
-<ds:datastoreItem xmlns:ds="http://schemas.openxmlformats.org/officeDocument/2006/customXml" ds:itemID="{89F8D00C-2482-4F3D-ACA1-B806B7E2C2EC}">
+<file path=customXml/itemProps62.xml><?xml version="1.0" encoding="utf-8"?>
+<ds:datastoreItem xmlns:ds="http://schemas.openxmlformats.org/officeDocument/2006/customXml" ds:itemID="{B02AE70D-AB27-4B64-9EAF-0217792EF7E1}">
   <ds:schemaRefs>
     <ds:schemaRef ds:uri="http://schemas.microsoft.com/VisualStudio/2011/storyboarding/control"/>
   </ds:schemaRefs>
 </ds:datastoreItem>
 </file>
 
-<file path=customXml/itemProps101.xml><?xml version="1.0" encoding="utf-8"?>
-<ds:datastoreItem xmlns:ds="http://schemas.openxmlformats.org/officeDocument/2006/customXml" ds:itemID="{1CCD967A-A231-4443-B5CB-163865029EA0}">
+<file path=customXml/itemProps63.xml><?xml version="1.0" encoding="utf-8"?>
+<ds:datastoreItem xmlns:ds="http://schemas.openxmlformats.org/officeDocument/2006/customXml" ds:itemID="{0D101840-8B5F-4665-97F6-B5669CAD36B7}">
   <ds:schemaRefs>
     <ds:schemaRef ds:uri="http://schemas.microsoft.com/VisualStudio/2011/storyboarding/control"/>
   </ds:schemaRefs>
 </ds:datastoreItem>
 </file>
 
-<file path=customXml/itemProps102.xml><?xml version="1.0" encoding="utf-8"?>
-<ds:datastoreItem xmlns:ds="http://schemas.openxmlformats.org/officeDocument/2006/customXml" ds:itemID="{6A689C72-B170-4CC3-844E-7A992719660C}">
+<file path=customXml/itemProps64.xml><?xml version="1.0" encoding="utf-8"?>
+<ds:datastoreItem xmlns:ds="http://schemas.openxmlformats.org/officeDocument/2006/customXml" ds:itemID="{6EF31828-B1D4-48CE-A1B2-9C0A5D142D1E}">
   <ds:schemaRefs>
     <ds:schemaRef ds:uri="http://schemas.microsoft.com/VisualStudio/2011/storyboarding/control"/>
   </ds:schemaRefs>
 </ds:datastoreItem>
 </file>
 
-<file path=customXml/itemProps103.xml><?xml version="1.0" encoding="utf-8"?>
-<ds:datastoreItem xmlns:ds="http://schemas.openxmlformats.org/officeDocument/2006/customXml" ds:itemID="{2A5F2F26-968C-4D10-A23C-7F7AB3C144F1}">
+<file path=customXml/itemProps65.xml><?xml version="1.0" encoding="utf-8"?>
+<ds:datastoreItem xmlns:ds="http://schemas.openxmlformats.org/officeDocument/2006/customXml" ds:itemID="{90E6BF7D-584A-485E-85F5-083945235CD7}">
   <ds:schemaRefs>
     <ds:schemaRef ds:uri="http://schemas.microsoft.com/VisualStudio/2011/storyboarding/control"/>
   </ds:schemaRefs>
 </ds:datastoreItem>
 </file>
 
-<file path=customXml/itemProps104.xml><?xml version="1.0" encoding="utf-8"?>
+<file path=customXml/itemProps66.xml><?xml version="1.0" encoding="utf-8"?>
+<ds:datastoreItem xmlns:ds="http://schemas.openxmlformats.org/officeDocument/2006/customXml" ds:itemID="{73ABD768-CB5D-46A4-A597-4A94DA70A531}">
+  <ds:schemaRefs>
+    <ds:schemaRef ds:uri="http://schemas.microsoft.com/VisualStudio/2011/storyboarding/control"/>
+  </ds:schemaRefs>
+</ds:datastoreItem>
+</file>
+
+<file path=customXml/itemProps67.xml><?xml version="1.0" encoding="utf-8"?>
+<ds:datastoreItem xmlns:ds="http://schemas.openxmlformats.org/officeDocument/2006/customXml" ds:itemID="{BB503869-44CE-4F73-B2F9-2E68C6092DF4}">
+  <ds:schemaRefs>
+    <ds:schemaRef ds:uri="http://schemas.microsoft.com/VisualStudio/2011/storyboarding/control"/>
+  </ds:schemaRefs>
+</ds:datastoreItem>
+</file>
+
+<file path=customXml/itemProps68.xml><?xml version="1.0" encoding="utf-8"?>
+<ds:datastoreItem xmlns:ds="http://schemas.openxmlformats.org/officeDocument/2006/customXml" ds:itemID="{192B0C59-AF18-4932-A8CE-C28065725D2A}">
+  <ds:schemaRefs>
+    <ds:schemaRef ds:uri="http://schemas.microsoft.com/VisualStudio/2011/storyboarding/control"/>
+  </ds:schemaRefs>
+</ds:datastoreItem>
+</file>
+
+<file path=customXml/itemProps69.xml><?xml version="1.0" encoding="utf-8"?>
+<ds:datastoreItem xmlns:ds="http://schemas.openxmlformats.org/officeDocument/2006/customXml" ds:itemID="{03653E92-1616-42CD-8288-0A4EBB2CAA1C}">
+  <ds:schemaRefs>
+    <ds:schemaRef ds:uri="http://schemas.microsoft.com/VisualStudio/2011/storyboarding/control"/>
+  </ds:schemaRefs>
+</ds:datastoreItem>
+</file>
+
+<file path=customXml/itemProps7.xml><?xml version="1.0" encoding="utf-8"?>
+<ds:datastoreItem xmlns:ds="http://schemas.openxmlformats.org/officeDocument/2006/customXml" ds:itemID="{92C514EF-47C3-4A1E-8CC0-C426C540F0A1}">
+  <ds:schemaRefs>
+    <ds:schemaRef ds:uri="http://schemas.microsoft.com/VisualStudio/2011/storyboarding/control"/>
+  </ds:schemaRefs>
+</ds:datastoreItem>
+</file>
+
+<file path=customXml/itemProps70.xml><?xml version="1.0" encoding="utf-8"?>
+<ds:datastoreItem xmlns:ds="http://schemas.openxmlformats.org/officeDocument/2006/customXml" ds:itemID="{4C95C4DB-91BC-4C29-B0A4-0A132577B473}">
+  <ds:schemaRefs>
+    <ds:schemaRef ds:uri="http://schemas.microsoft.com/VisualStudio/2011/storyboarding/control"/>
+  </ds:schemaRefs>
+</ds:datastoreItem>
+</file>
+
+<file path=customXml/itemProps71.xml><?xml version="1.0" encoding="utf-8"?>
+<ds:datastoreItem xmlns:ds="http://schemas.openxmlformats.org/officeDocument/2006/customXml" ds:itemID="{51D515F3-5B60-4F94-84C8-4468FC08CD50}">
+  <ds:schemaRefs>
+    <ds:schemaRef ds:uri="http://schemas.microsoft.com/VisualStudio/2011/storyboarding/control"/>
+  </ds:schemaRefs>
+</ds:datastoreItem>
+</file>
+
+<file path=customXml/itemProps72.xml><?xml version="1.0" encoding="utf-8"?>
+<ds:datastoreItem xmlns:ds="http://schemas.openxmlformats.org/officeDocument/2006/customXml" ds:itemID="{33EA19CF-64F4-42CF-A3DD-7DE1682232E2}">
+  <ds:schemaRefs>
+    <ds:schemaRef ds:uri="http://schemas.microsoft.com/VisualStudio/2011/storyboarding/control"/>
+  </ds:schemaRefs>
+</ds:datastoreItem>
+</file>
+
+<file path=customXml/itemProps73.xml><?xml version="1.0" encoding="utf-8"?>
+<ds:datastoreItem xmlns:ds="http://schemas.openxmlformats.org/officeDocument/2006/customXml" ds:itemID="{F106C237-6442-4C6C-BC17-BABD6E81E57F}">
+  <ds:schemaRefs>
+    <ds:schemaRef ds:uri="http://schemas.microsoft.com/VisualStudio/2011/storyboarding/control"/>
+  </ds:schemaRefs>
+</ds:datastoreItem>
+</file>
+
+<file path=customXml/itemProps74.xml><?xml version="1.0" encoding="utf-8"?>
+<ds:datastoreItem xmlns:ds="http://schemas.openxmlformats.org/officeDocument/2006/customXml" ds:itemID="{5D43C5DF-C9CE-423E-ADD8-1AAE08E6145B}">
+  <ds:schemaRefs>
+    <ds:schemaRef ds:uri="http://schemas.microsoft.com/VisualStudio/2011/storyboarding/control"/>
+  </ds:schemaRefs>
+</ds:datastoreItem>
+</file>
+
+<file path=customXml/itemProps75.xml><?xml version="1.0" encoding="utf-8"?>
+<ds:datastoreItem xmlns:ds="http://schemas.openxmlformats.org/officeDocument/2006/customXml" ds:itemID="{1E27CC14-9852-42D8-9A73-828A1C767F65}">
+  <ds:schemaRefs>
+    <ds:schemaRef ds:uri="http://schemas.microsoft.com/VisualStudio/2011/storyboarding/control"/>
+  </ds:schemaRefs>
+</ds:datastoreItem>
+</file>
+
+<file path=customXml/itemProps76.xml><?xml version="1.0" encoding="utf-8"?>
+<ds:datastoreItem xmlns:ds="http://schemas.openxmlformats.org/officeDocument/2006/customXml" ds:itemID="{E5DD84D4-A8CE-4783-AB20-E42165ABDFA7}">
+  <ds:schemaRefs>
+    <ds:schemaRef ds:uri="http://schemas.microsoft.com/VisualStudio/2011/storyboarding/control"/>
+  </ds:schemaRefs>
+</ds:datastoreItem>
+</file>
+
+<file path=customXml/itemProps77.xml><?xml version="1.0" encoding="utf-8"?>
+<ds:datastoreItem xmlns:ds="http://schemas.openxmlformats.org/officeDocument/2006/customXml" ds:itemID="{3E59668D-9D10-4C26-9CC7-C8295EEC02B7}">
+  <ds:schemaRefs>
+    <ds:schemaRef ds:uri="http://schemas.microsoft.com/VisualStudio/2011/storyboarding/control"/>
+  </ds:schemaRefs>
+</ds:datastoreItem>
+</file>
+
+<file path=customXml/itemProps78.xml><?xml version="1.0" encoding="utf-8"?>
+<ds:datastoreItem xmlns:ds="http://schemas.openxmlformats.org/officeDocument/2006/customXml" ds:itemID="{C5822030-9D10-4417-BB70-A547D778BA9D}">
+  <ds:schemaRefs>
+    <ds:schemaRef ds:uri="http://schemas.microsoft.com/VisualStudio/2011/storyboarding/control"/>
+  </ds:schemaRefs>
+</ds:datastoreItem>
+</file>
+
+<file path=customXml/itemProps79.xml><?xml version="1.0" encoding="utf-8"?>
+<ds:datastoreItem xmlns:ds="http://schemas.openxmlformats.org/officeDocument/2006/customXml" ds:itemID="{2FCA7744-2BF3-4014-BEA7-E6EE6BE5E79E}">
+  <ds:schemaRefs>
+    <ds:schemaRef ds:uri="http://schemas.microsoft.com/VisualStudio/2011/storyboarding/control"/>
+  </ds:schemaRefs>
+</ds:datastoreItem>
+</file>
+
+<file path=customXml/itemProps8.xml><?xml version="1.0" encoding="utf-8"?>
+<ds:datastoreItem xmlns:ds="http://schemas.openxmlformats.org/officeDocument/2006/customXml" ds:itemID="{14F53810-CFF1-4E60-9021-6AF4EA429CC7}">
+  <ds:schemaRefs>
+    <ds:schemaRef ds:uri="http://schemas.microsoft.com/VisualStudio/2011/storyboarding/control"/>
+  </ds:schemaRefs>
+</ds:datastoreItem>
+</file>
+
+<file path=customXml/itemProps80.xml><?xml version="1.0" encoding="utf-8"?>
+<ds:datastoreItem xmlns:ds="http://schemas.openxmlformats.org/officeDocument/2006/customXml" ds:itemID="{1C9E4718-660A-46FF-B326-15E4FE359C0C}">
+  <ds:schemaRefs>
+    <ds:schemaRef ds:uri="http://schemas.microsoft.com/VisualStudio/2011/storyboarding/control"/>
+  </ds:schemaRefs>
+</ds:datastoreItem>
+</file>
+
+<file path=customXml/itemProps81.xml><?xml version="1.0" encoding="utf-8"?>
+<ds:datastoreItem xmlns:ds="http://schemas.openxmlformats.org/officeDocument/2006/customXml" ds:itemID="{7C8F0811-703B-42B0-A138-293B93790A1B}">
+  <ds:schemaRefs>
+    <ds:schemaRef ds:uri="http://schemas.microsoft.com/VisualStudio/2011/storyboarding/control"/>
+  </ds:schemaRefs>
+</ds:datastoreItem>
+</file>
+
+<file path=customXml/itemProps82.xml><?xml version="1.0" encoding="utf-8"?>
+<ds:datastoreItem xmlns:ds="http://schemas.openxmlformats.org/officeDocument/2006/customXml" ds:itemID="{6A447DBB-2C85-4597-A0DB-C9A2322BAC8D}">
+  <ds:schemaRefs>
+    <ds:schemaRef ds:uri="http://schemas.microsoft.com/VisualStudio/2011/storyboarding/control"/>
+  </ds:schemaRefs>
+</ds:datastoreItem>
+</file>
+
+<file path=customXml/itemProps83.xml><?xml version="1.0" encoding="utf-8"?>
+<ds:datastoreItem xmlns:ds="http://schemas.openxmlformats.org/officeDocument/2006/customXml" ds:itemID="{623F5871-F525-4D45-8757-C0B70863AD81}">
+  <ds:schemaRefs>
+    <ds:schemaRef ds:uri="http://schemas.microsoft.com/VisualStudio/2011/storyboarding/control"/>
+  </ds:schemaRefs>
+</ds:datastoreItem>
+</file>
+
+<file path=customXml/itemProps84.xml><?xml version="1.0" encoding="utf-8"?>
+<ds:datastoreItem xmlns:ds="http://schemas.openxmlformats.org/officeDocument/2006/customXml" ds:itemID="{59AEDDE6-08CE-4516-9790-E1D7499AD12F}">
+  <ds:schemaRefs>
+    <ds:schemaRef ds:uri="http://schemas.microsoft.com/VisualStudio/2011/storyboarding/control"/>
+  </ds:schemaRefs>
+</ds:datastoreItem>
+</file>
+
+<file path=customXml/itemProps85.xml><?xml version="1.0" encoding="utf-8"?>
 <ds:datastoreItem xmlns:ds="http://schemas.openxmlformats.org/officeDocument/2006/customXml" ds:itemID="{46C8095E-E543-4B44-84A5-7DF9215641EF}">
   <ds:schemaRefs>
     <ds:schemaRef ds:uri="http://schemas.microsoft.com/VisualStudio/2011/storyboarding/control"/>
@@ -17046,47 +18108,39 @@
 </ds:datastoreItem>
 </file>
 
-<file path=customXml/itemProps105.xml><?xml version="1.0" encoding="utf-8"?>
-<ds:datastoreItem xmlns:ds="http://schemas.openxmlformats.org/officeDocument/2006/customXml" ds:itemID="{98F07B01-E4E8-4E44-B227-4A307E110F5E}">
+<file path=customXml/itemProps86.xml><?xml version="1.0" encoding="utf-8"?>
+<ds:datastoreItem xmlns:ds="http://schemas.openxmlformats.org/officeDocument/2006/customXml" ds:itemID="{554CEDA9-374E-4C76-B97B-7202606AC0BE}">
   <ds:schemaRefs>
     <ds:schemaRef ds:uri="http://schemas.microsoft.com/VisualStudio/2011/storyboarding/control"/>
   </ds:schemaRefs>
 </ds:datastoreItem>
 </file>
 
-<file path=customXml/itemProps106.xml><?xml version="1.0" encoding="utf-8"?>
-<ds:datastoreItem xmlns:ds="http://schemas.openxmlformats.org/officeDocument/2006/customXml" ds:itemID="{AA6A5E90-4733-4052-BD41-CDB87AFA6C57}">
+<file path=customXml/itemProps87.xml><?xml version="1.0" encoding="utf-8"?>
+<ds:datastoreItem xmlns:ds="http://schemas.openxmlformats.org/officeDocument/2006/customXml" ds:itemID="{D22FC293-BAFF-43C9-B3DE-93B31F0E86BE}">
   <ds:schemaRefs>
     <ds:schemaRef ds:uri="http://schemas.microsoft.com/VisualStudio/2011/storyboarding/control"/>
   </ds:schemaRefs>
 </ds:datastoreItem>
 </file>
 
-<file path=customXml/itemProps107.xml><?xml version="1.0" encoding="utf-8"?>
-<ds:datastoreItem xmlns:ds="http://schemas.openxmlformats.org/officeDocument/2006/customXml" ds:itemID="{92C514EF-47C3-4A1E-8CC0-C426C540F0A1}">
+<file path=customXml/itemProps88.xml><?xml version="1.0" encoding="utf-8"?>
+<ds:datastoreItem xmlns:ds="http://schemas.openxmlformats.org/officeDocument/2006/customXml" ds:itemID="{121618E6-4C26-48A5-8411-92B68242A304}">
   <ds:schemaRefs>
     <ds:schemaRef ds:uri="http://schemas.microsoft.com/VisualStudio/2011/storyboarding/control"/>
   </ds:schemaRefs>
 </ds:datastoreItem>
 </file>
 
-<file path=customXml/itemProps108.xml><?xml version="1.0" encoding="utf-8"?>
-<ds:datastoreItem xmlns:ds="http://schemas.openxmlformats.org/officeDocument/2006/customXml" ds:itemID="{F753D4C8-6DCC-4D78-9E76-A20A021CFCD8}">
+<file path=customXml/itemProps89.xml><?xml version="1.0" encoding="utf-8"?>
+<ds:datastoreItem xmlns:ds="http://schemas.openxmlformats.org/officeDocument/2006/customXml" ds:itemID="{FCFEC772-99A0-4E2F-BE46-6982F97F1BE9}">
   <ds:schemaRefs>
     <ds:schemaRef ds:uri="http://schemas.microsoft.com/VisualStudio/2011/storyboarding/control"/>
   </ds:schemaRefs>
 </ds:datastoreItem>
 </file>
 
-<file path=customXml/itemProps109.xml><?xml version="1.0" encoding="utf-8"?>
-<ds:datastoreItem xmlns:ds="http://schemas.openxmlformats.org/officeDocument/2006/customXml" ds:itemID="{2FCA7744-2BF3-4014-BEA7-E6EE6BE5E79E}">
-  <ds:schemaRefs>
-    <ds:schemaRef ds:uri="http://schemas.microsoft.com/VisualStudio/2011/storyboarding/control"/>
-  </ds:schemaRefs>
-</ds:datastoreItem>
-</file>
-
-<file path=customXml/itemProps11.xml><?xml version="1.0" encoding="utf-8"?>
+<file path=customXml/itemProps9.xml><?xml version="1.0" encoding="utf-8"?>
 <ds:datastoreItem xmlns:ds="http://schemas.openxmlformats.org/officeDocument/2006/customXml" ds:itemID="{6BD98E41-6C2F-4D3F-B846-7455C55C7A43}">
   <ds:schemaRefs>
     <ds:schemaRef ds:uri="http://schemas.microsoft.com/VisualStudio/2011/storyboarding/control"/>
@@ -17094,463 +18148,39 @@
 </ds:datastoreItem>
 </file>
 
-<file path=customXml/itemProps110.xml><?xml version="1.0" encoding="utf-8"?>
-<ds:datastoreItem xmlns:ds="http://schemas.openxmlformats.org/officeDocument/2006/customXml" ds:itemID="{4686712F-CBA4-47D3-833A-C2ADFEF753DD}">
+<file path=customXml/itemProps90.xml><?xml version="1.0" encoding="utf-8"?>
+<ds:datastoreItem xmlns:ds="http://schemas.openxmlformats.org/officeDocument/2006/customXml" ds:itemID="{D8653A86-F184-47A6-A8EA-282F582C20DD}">
   <ds:schemaRefs>
     <ds:schemaRef ds:uri="http://schemas.microsoft.com/VisualStudio/2011/storyboarding/control"/>
   </ds:schemaRefs>
 </ds:datastoreItem>
 </file>
 
-<file path=customXml/itemProps111.xml><?xml version="1.0" encoding="utf-8"?>
-<ds:datastoreItem xmlns:ds="http://schemas.openxmlformats.org/officeDocument/2006/customXml" ds:itemID="{17816237-E86F-4608-B2AD-3D2E66C1B03B}">
+<file path=customXml/itemProps91.xml><?xml version="1.0" encoding="utf-8"?>
+<ds:datastoreItem xmlns:ds="http://schemas.openxmlformats.org/officeDocument/2006/customXml" ds:itemID="{AA234BDC-12CC-4725-B78F-BD23529D0FB4}">
   <ds:schemaRefs>
     <ds:schemaRef ds:uri="http://schemas.microsoft.com/VisualStudio/2011/storyboarding/control"/>
   </ds:schemaRefs>
 </ds:datastoreItem>
 </file>
 
-<file path=customXml/itemProps112.xml><?xml version="1.0" encoding="utf-8"?>
-<ds:datastoreItem xmlns:ds="http://schemas.openxmlformats.org/officeDocument/2006/customXml" ds:itemID="{113ECE65-0514-4E2D-A5D7-CB73FBD23154}">
+<file path=customXml/itemProps92.xml><?xml version="1.0" encoding="utf-8"?>
+<ds:datastoreItem xmlns:ds="http://schemas.openxmlformats.org/officeDocument/2006/customXml" ds:itemID="{AF40C17C-6E53-453B-B327-999FE0B7CF9E}">
   <ds:schemaRefs>
     <ds:schemaRef ds:uri="http://schemas.microsoft.com/VisualStudio/2011/storyboarding/control"/>
   </ds:schemaRefs>
 </ds:datastoreItem>
 </file>
 
-<file path=customXml/itemProps113.xml><?xml version="1.0" encoding="utf-8"?>
-<ds:datastoreItem xmlns:ds="http://schemas.openxmlformats.org/officeDocument/2006/customXml" ds:itemID="{2DE19DA7-14FB-4A73-97E6-83DF72E609E6}">
+<file path=customXml/itemProps93.xml><?xml version="1.0" encoding="utf-8"?>
+<ds:datastoreItem xmlns:ds="http://schemas.openxmlformats.org/officeDocument/2006/customXml" ds:itemID="{C4F6D4BE-A130-482B-BA98-1CB53DA976CA}">
   <ds:schemaRefs>
     <ds:schemaRef ds:uri="http://schemas.microsoft.com/VisualStudio/2011/storyboarding/control"/>
   </ds:schemaRefs>
 </ds:datastoreItem>
 </file>
 
-<file path=customXml/itemProps114.xml><?xml version="1.0" encoding="utf-8"?>
-<ds:datastoreItem xmlns:ds="http://schemas.openxmlformats.org/officeDocument/2006/customXml" ds:itemID="{90E6BF7D-584A-485E-85F5-083945235CD7}">
-  <ds:schemaRefs>
-    <ds:schemaRef ds:uri="http://schemas.microsoft.com/VisualStudio/2011/storyboarding/control"/>
-  </ds:schemaRefs>
-</ds:datastoreItem>
-</file>
-
-<file path=customXml/itemProps115.xml><?xml version="1.0" encoding="utf-8"?>
-<ds:datastoreItem xmlns:ds="http://schemas.openxmlformats.org/officeDocument/2006/customXml" ds:itemID="{FE87856E-EB9D-4E52-95E2-2A7B45AA4114}">
-  <ds:schemaRefs>
-    <ds:schemaRef ds:uri="http://schemas.microsoft.com/VisualStudio/2011/storyboarding/control"/>
-  </ds:schemaRefs>
-</ds:datastoreItem>
-</file>
-
-<file path=customXml/itemProps116.xml><?xml version="1.0" encoding="utf-8"?>
-<ds:datastoreItem xmlns:ds="http://schemas.openxmlformats.org/officeDocument/2006/customXml" ds:itemID="{29B37182-9887-4972-8113-B6FBFE59F94E}">
-  <ds:schemaRefs>
-    <ds:schemaRef ds:uri="http://schemas.microsoft.com/VisualStudio/2011/storyboarding/control"/>
-  </ds:schemaRefs>
-</ds:datastoreItem>
-</file>
-
-<file path=customXml/itemProps117.xml><?xml version="1.0" encoding="utf-8"?>
-<ds:datastoreItem xmlns:ds="http://schemas.openxmlformats.org/officeDocument/2006/customXml" ds:itemID="{66DA5703-DC74-4A5C-897F-77851F088467}">
-  <ds:schemaRefs>
-    <ds:schemaRef ds:uri="http://schemas.microsoft.com/VisualStudio/2011/storyboarding/control"/>
-  </ds:schemaRefs>
-</ds:datastoreItem>
-</file>
-
-<file path=customXml/itemProps118.xml><?xml version="1.0" encoding="utf-8"?>
-<ds:datastoreItem xmlns:ds="http://schemas.openxmlformats.org/officeDocument/2006/customXml" ds:itemID="{FF00F683-10CA-4344-BB02-557AFC229713}">
-  <ds:schemaRefs>
-    <ds:schemaRef ds:uri="http://schemas.microsoft.com/VisualStudio/2011/storyboarding/control"/>
-  </ds:schemaRefs>
-</ds:datastoreItem>
-</file>
-
-<file path=customXml/itemProps119.xml><?xml version="1.0" encoding="utf-8"?>
-<ds:datastoreItem xmlns:ds="http://schemas.openxmlformats.org/officeDocument/2006/customXml" ds:itemID="{B02AE70D-AB27-4B64-9EAF-0217792EF7E1}">
-  <ds:schemaRefs>
-    <ds:schemaRef ds:uri="http://schemas.microsoft.com/VisualStudio/2011/storyboarding/control"/>
-  </ds:schemaRefs>
-</ds:datastoreItem>
-</file>
-
-<file path=customXml/itemProps12.xml><?xml version="1.0" encoding="utf-8"?>
-<ds:datastoreItem xmlns:ds="http://schemas.openxmlformats.org/officeDocument/2006/customXml" ds:itemID="{5EEABA33-0BE1-47F9-8437-631F1B84355A}">
-  <ds:schemaRefs>
-    <ds:schemaRef ds:uri="http://schemas.microsoft.com/VisualStudio/2011/storyboarding/control"/>
-  </ds:schemaRefs>
-</ds:datastoreItem>
-</file>
-
-<file path=customXml/itemProps120.xml><?xml version="1.0" encoding="utf-8"?>
-<ds:datastoreItem xmlns:ds="http://schemas.openxmlformats.org/officeDocument/2006/customXml" ds:itemID="{554CEDA9-374E-4C76-B97B-7202606AC0BE}">
-  <ds:schemaRefs>
-    <ds:schemaRef ds:uri="http://schemas.microsoft.com/VisualStudio/2011/storyboarding/control"/>
-  </ds:schemaRefs>
-</ds:datastoreItem>
-</file>
-
-<file path=customXml/itemProps121.xml><?xml version="1.0" encoding="utf-8"?>
-<ds:datastoreItem xmlns:ds="http://schemas.openxmlformats.org/officeDocument/2006/customXml" ds:itemID="{0B25F2DC-DA1F-428C-A9D6-1915EDEAA8DD}">
-  <ds:schemaRefs>
-    <ds:schemaRef ds:uri="http://schemas.microsoft.com/VisualStudio/2011/storyboarding/control"/>
-  </ds:schemaRefs>
-</ds:datastoreItem>
-</file>
-
-<file path=customXml/itemProps122.xml><?xml version="1.0" encoding="utf-8"?>
-<ds:datastoreItem xmlns:ds="http://schemas.openxmlformats.org/officeDocument/2006/customXml" ds:itemID="{34D70070-9632-4246-B25D-E396768C8F03}">
-  <ds:schemaRefs>
-    <ds:schemaRef ds:uri="http://schemas.microsoft.com/VisualStudio/2011/storyboarding/control"/>
-  </ds:schemaRefs>
-</ds:datastoreItem>
-</file>
-
-<file path=customXml/itemProps123.xml><?xml version="1.0" encoding="utf-8"?>
-<ds:datastoreItem xmlns:ds="http://schemas.openxmlformats.org/officeDocument/2006/customXml" ds:itemID="{AABACF0D-5384-4675-802C-4FFC55B3B83D}">
-  <ds:schemaRefs>
-    <ds:schemaRef ds:uri="http://schemas.microsoft.com/VisualStudio/2011/storyboarding/control"/>
-  </ds:schemaRefs>
-</ds:datastoreItem>
-</file>
-
-<file path=customXml/itemProps124.xml><?xml version="1.0" encoding="utf-8"?>
-<ds:datastoreItem xmlns:ds="http://schemas.openxmlformats.org/officeDocument/2006/customXml" ds:itemID="{6D74F327-6332-4AC5-8084-6EBC78FC0812}">
-  <ds:schemaRefs>
-    <ds:schemaRef ds:uri="http://schemas.microsoft.com/VisualStudio/2011/storyboarding/control"/>
-  </ds:schemaRefs>
-</ds:datastoreItem>
-</file>
-
-<file path=customXml/itemProps125.xml><?xml version="1.0" encoding="utf-8"?>
-<ds:datastoreItem xmlns:ds="http://schemas.openxmlformats.org/officeDocument/2006/customXml" ds:itemID="{D22FC293-BAFF-43C9-B3DE-93B31F0E86BE}">
-  <ds:schemaRefs>
-    <ds:schemaRef ds:uri="http://schemas.microsoft.com/VisualStudio/2011/storyboarding/control"/>
-  </ds:schemaRefs>
-</ds:datastoreItem>
-</file>
-
-<file path=customXml/itemProps126.xml><?xml version="1.0" encoding="utf-8"?>
-<ds:datastoreItem xmlns:ds="http://schemas.openxmlformats.org/officeDocument/2006/customXml" ds:itemID="{C7B0D7AD-32DF-4953-89C9-C834F6010560}">
-  <ds:schemaRefs>
-    <ds:schemaRef ds:uri="http://schemas.microsoft.com/VisualStudio/2011/storyboarding/control"/>
-  </ds:schemaRefs>
-</ds:datastoreItem>
-</file>
-
-<file path=customXml/itemProps127.xml><?xml version="1.0" encoding="utf-8"?>
-<ds:datastoreItem xmlns:ds="http://schemas.openxmlformats.org/officeDocument/2006/customXml" ds:itemID="{4ECEEF82-0B3C-4906-961B-AFB29BD1E6E3}">
-  <ds:schemaRefs>
-    <ds:schemaRef ds:uri="http://schemas.microsoft.com/VisualStudio/2011/storyboarding/control"/>
-  </ds:schemaRefs>
-</ds:datastoreItem>
-</file>
-
-<file path=customXml/itemProps128.xml><?xml version="1.0" encoding="utf-8"?>
-<ds:datastoreItem xmlns:ds="http://schemas.openxmlformats.org/officeDocument/2006/customXml" ds:itemID="{0AB71E67-FC2D-421E-B264-47BB552D5A5B}">
-  <ds:schemaRefs>
-    <ds:schemaRef ds:uri="http://schemas.microsoft.com/VisualStudio/2011/storyboarding/control"/>
-  </ds:schemaRefs>
-</ds:datastoreItem>
-</file>
-
-<file path=customXml/itemProps129.xml><?xml version="1.0" encoding="utf-8"?>
-<ds:datastoreItem xmlns:ds="http://schemas.openxmlformats.org/officeDocument/2006/customXml" ds:itemID="{0BDCEE85-95E9-41B6-B7EA-41FEC8A8955C}">
-  <ds:schemaRefs>
-    <ds:schemaRef ds:uri="http://schemas.microsoft.com/VisualStudio/2011/storyboarding/control"/>
-  </ds:schemaRefs>
-</ds:datastoreItem>
-</file>
-
-<file path=customXml/itemProps13.xml><?xml version="1.0" encoding="utf-8"?>
-<ds:datastoreItem xmlns:ds="http://schemas.openxmlformats.org/officeDocument/2006/customXml" ds:itemID="{E5DD84D4-A8CE-4783-AB20-E42165ABDFA7}">
-  <ds:schemaRefs>
-    <ds:schemaRef ds:uri="http://schemas.microsoft.com/VisualStudio/2011/storyboarding/control"/>
-  </ds:schemaRefs>
-</ds:datastoreItem>
-</file>
-
-<file path=customXml/itemProps130.xml><?xml version="1.0" encoding="utf-8"?>
-<ds:datastoreItem xmlns:ds="http://schemas.openxmlformats.org/officeDocument/2006/customXml" ds:itemID="{03653E92-1616-42CD-8288-0A4EBB2CAA1C}">
-  <ds:schemaRefs>
-    <ds:schemaRef ds:uri="http://schemas.microsoft.com/VisualStudio/2011/storyboarding/control"/>
-  </ds:schemaRefs>
-</ds:datastoreItem>
-</file>
-
-<file path=customXml/itemProps131.xml><?xml version="1.0" encoding="utf-8"?>
-<ds:datastoreItem xmlns:ds="http://schemas.openxmlformats.org/officeDocument/2006/customXml" ds:itemID="{00D2AA4F-29E2-4A16-BE2A-B2E1781BC260}">
-  <ds:schemaRefs>
-    <ds:schemaRef ds:uri="http://schemas.microsoft.com/VisualStudio/2011/storyboarding/control"/>
-  </ds:schemaRefs>
-</ds:datastoreItem>
-</file>
-
-<file path=customXml/itemProps132.xml><?xml version="1.0" encoding="utf-8"?>
-<ds:datastoreItem xmlns:ds="http://schemas.openxmlformats.org/officeDocument/2006/customXml" ds:itemID="{D5754EE6-BC91-4A98-A9DF-8FF792B0AA43}">
-  <ds:schemaRefs>
-    <ds:schemaRef ds:uri="http://schemas.microsoft.com/VisualStudio/2011/storyboarding/control"/>
-  </ds:schemaRefs>
-</ds:datastoreItem>
-</file>
-
-<file path=customXml/itemProps133.xml><?xml version="1.0" encoding="utf-8"?>
-<ds:datastoreItem xmlns:ds="http://schemas.openxmlformats.org/officeDocument/2006/customXml" ds:itemID="{2ADD045D-CBFF-4B66-B7D4-74533078AF4A}">
-  <ds:schemaRefs>
-    <ds:schemaRef ds:uri="http://schemas.microsoft.com/VisualStudio/2011/storyboarding/control"/>
-  </ds:schemaRefs>
-</ds:datastoreItem>
-</file>
-
-<file path=customXml/itemProps134.xml><?xml version="1.0" encoding="utf-8"?>
-<ds:datastoreItem xmlns:ds="http://schemas.openxmlformats.org/officeDocument/2006/customXml" ds:itemID="{F12E4822-BEA4-4C90-A23E-8C7DFCF7CDD6}">
-  <ds:schemaRefs>
-    <ds:schemaRef ds:uri="http://schemas.microsoft.com/VisualStudio/2011/storyboarding/control"/>
-  </ds:schemaRefs>
-</ds:datastoreItem>
-</file>
-
-<file path=customXml/itemProps135.xml><?xml version="1.0" encoding="utf-8"?>
-<ds:datastoreItem xmlns:ds="http://schemas.openxmlformats.org/officeDocument/2006/customXml" ds:itemID="{F106C237-6442-4C6C-BC17-BABD6E81E57F}">
-  <ds:schemaRefs>
-    <ds:schemaRef ds:uri="http://schemas.microsoft.com/VisualStudio/2011/storyboarding/control"/>
-  </ds:schemaRefs>
-</ds:datastoreItem>
-</file>
-
-<file path=customXml/itemProps136.xml><?xml version="1.0" encoding="utf-8"?>
-<ds:datastoreItem xmlns:ds="http://schemas.openxmlformats.org/officeDocument/2006/customXml" ds:itemID="{A3199E56-6304-4A04-BDD7-107FDE5731A4}">
-  <ds:schemaRefs>
-    <ds:schemaRef ds:uri="http://schemas.microsoft.com/VisualStudio/2011/storyboarding/control"/>
-  </ds:schemaRefs>
-</ds:datastoreItem>
-</file>
-
-<file path=customXml/itemProps137.xml><?xml version="1.0" encoding="utf-8"?>
-<ds:datastoreItem xmlns:ds="http://schemas.openxmlformats.org/officeDocument/2006/customXml" ds:itemID="{D76A8C43-D0E6-4D76-A639-72E580E29047}">
-  <ds:schemaRefs>
-    <ds:schemaRef ds:uri="http://schemas.microsoft.com/VisualStudio/2011/storyboarding/control"/>
-  </ds:schemaRefs>
-</ds:datastoreItem>
-</file>
-
-<file path=customXml/itemProps138.xml><?xml version="1.0" encoding="utf-8"?>
-<ds:datastoreItem xmlns:ds="http://schemas.openxmlformats.org/officeDocument/2006/customXml" ds:itemID="{F9A8EA35-007A-40F9-AD73-68499C4EFDFA}">
-  <ds:schemaRefs>
-    <ds:schemaRef ds:uri="http://schemas.microsoft.com/VisualStudio/2011/storyboarding/control"/>
-  </ds:schemaRefs>
-</ds:datastoreItem>
-</file>
-
-<file path=customXml/itemProps139.xml><?xml version="1.0" encoding="utf-8"?>
-<ds:datastoreItem xmlns:ds="http://schemas.openxmlformats.org/officeDocument/2006/customXml" ds:itemID="{8FFADBCE-FF33-4102-8CD5-0FC7C119C312}">
-  <ds:schemaRefs>
-    <ds:schemaRef ds:uri="http://schemas.microsoft.com/VisualStudio/2011/storyboarding/control"/>
-  </ds:schemaRefs>
-</ds:datastoreItem>
-</file>
-
-<file path=customXml/itemProps14.xml><?xml version="1.0" encoding="utf-8"?>
-<ds:datastoreItem xmlns:ds="http://schemas.openxmlformats.org/officeDocument/2006/customXml" ds:itemID="{A2F6F20D-5D93-4163-A5E6-5A9B6AB49B35}">
-  <ds:schemaRefs>
-    <ds:schemaRef ds:uri="http://schemas.microsoft.com/VisualStudio/2011/storyboarding/control"/>
-  </ds:schemaRefs>
-</ds:datastoreItem>
-</file>
-
-<file path=customXml/itemProps140.xml><?xml version="1.0" encoding="utf-8"?>
-<ds:datastoreItem xmlns:ds="http://schemas.openxmlformats.org/officeDocument/2006/customXml" ds:itemID="{06C11E88-1615-4B77-96AD-4B8BA4A066E8}">
-  <ds:schemaRefs>
-    <ds:schemaRef ds:uri="http://schemas.microsoft.com/VisualStudio/2011/storyboarding/control"/>
-  </ds:schemaRefs>
-</ds:datastoreItem>
-</file>
-
-<file path=customXml/itemProps141.xml><?xml version="1.0" encoding="utf-8"?>
-<ds:datastoreItem xmlns:ds="http://schemas.openxmlformats.org/officeDocument/2006/customXml" ds:itemID="{121618E6-4C26-48A5-8411-92B68242A304}">
-  <ds:schemaRefs>
-    <ds:schemaRef ds:uri="http://schemas.microsoft.com/VisualStudio/2011/storyboarding/control"/>
-  </ds:schemaRefs>
-</ds:datastoreItem>
-</file>
-
-<file path=customXml/itemProps142.xml><?xml version="1.0" encoding="utf-8"?>
-<ds:datastoreItem xmlns:ds="http://schemas.openxmlformats.org/officeDocument/2006/customXml" ds:itemID="{B2016F61-92F9-4E0F-A353-39F009FA0B01}">
-  <ds:schemaRefs>
-    <ds:schemaRef ds:uri="http://schemas.microsoft.com/VisualStudio/2011/storyboarding/control"/>
-  </ds:schemaRefs>
-</ds:datastoreItem>
-</file>
-
-<file path=customXml/itemProps143.xml><?xml version="1.0" encoding="utf-8"?>
-<ds:datastoreItem xmlns:ds="http://schemas.openxmlformats.org/officeDocument/2006/customXml" ds:itemID="{33F9E1D4-170C-4DAF-A4E9-B2F1E33BDA51}">
-  <ds:schemaRefs>
-    <ds:schemaRef ds:uri="http://schemas.microsoft.com/VisualStudio/2011/storyboarding/control"/>
-  </ds:schemaRefs>
-</ds:datastoreItem>
-</file>
-
-<file path=customXml/itemProps144.xml><?xml version="1.0" encoding="utf-8"?>
-<ds:datastoreItem xmlns:ds="http://schemas.openxmlformats.org/officeDocument/2006/customXml" ds:itemID="{7C7A195E-DFA7-4A05-9371-894B93FD1828}">
-  <ds:schemaRefs>
-    <ds:schemaRef ds:uri="http://schemas.microsoft.com/VisualStudio/2011/storyboarding/control"/>
-  </ds:schemaRefs>
-</ds:datastoreItem>
-</file>
-
-<file path=customXml/itemProps145.xml><?xml version="1.0" encoding="utf-8"?>
-<ds:datastoreItem xmlns:ds="http://schemas.openxmlformats.org/officeDocument/2006/customXml" ds:itemID="{7C8FE9CD-1324-4A90-8D4D-0C176F3BCA87}">
-  <ds:schemaRefs>
-    <ds:schemaRef ds:uri="http://schemas.microsoft.com/VisualStudio/2011/storyboarding/control"/>
-  </ds:schemaRefs>
-</ds:datastoreItem>
-</file>
-
-<file path=customXml/itemProps146.xml><?xml version="1.0" encoding="utf-8"?>
-<ds:datastoreItem xmlns:ds="http://schemas.openxmlformats.org/officeDocument/2006/customXml" ds:itemID="{FCFEC772-99A0-4E2F-BE46-6982F97F1BE9}">
-  <ds:schemaRefs>
-    <ds:schemaRef ds:uri="http://schemas.microsoft.com/VisualStudio/2011/storyboarding/control"/>
-  </ds:schemaRefs>
-</ds:datastoreItem>
-</file>
-
-<file path=customXml/itemProps147.xml><?xml version="1.0" encoding="utf-8"?>
-<ds:datastoreItem xmlns:ds="http://schemas.openxmlformats.org/officeDocument/2006/customXml" ds:itemID="{F7BABBE5-64CC-4B8F-B3B6-CF3FD810F8C7}">
-  <ds:schemaRefs>
-    <ds:schemaRef ds:uri="http://schemas.microsoft.com/VisualStudio/2011/storyboarding/control"/>
-  </ds:schemaRefs>
-</ds:datastoreItem>
-</file>
-
-<file path=customXml/itemProps148.xml><?xml version="1.0" encoding="utf-8"?>
-<ds:datastoreItem xmlns:ds="http://schemas.openxmlformats.org/officeDocument/2006/customXml" ds:itemID="{66DB2393-603D-49D1-8038-F976FE310B23}">
-  <ds:schemaRefs>
-    <ds:schemaRef ds:uri="http://schemas.microsoft.com/VisualStudio/2011/storyboarding/control"/>
-  </ds:schemaRefs>
-</ds:datastoreItem>
-</file>
-
-<file path=customXml/itemProps149.xml><?xml version="1.0" encoding="utf-8"?>
-<ds:datastoreItem xmlns:ds="http://schemas.openxmlformats.org/officeDocument/2006/customXml" ds:itemID="{5248BC68-ADE7-429D-B013-9195EF7419E9}">
-  <ds:schemaRefs>
-    <ds:schemaRef ds:uri="http://schemas.microsoft.com/VisualStudio/2011/storyboarding/control"/>
-  </ds:schemaRefs>
-</ds:datastoreItem>
-</file>
-
-<file path=customXml/itemProps15.xml><?xml version="1.0" encoding="utf-8"?>
-<ds:datastoreItem xmlns:ds="http://schemas.openxmlformats.org/officeDocument/2006/customXml" ds:itemID="{A4CF0BF1-C47D-4DEC-B943-A1B6DFD73BA3}">
-  <ds:schemaRefs>
-    <ds:schemaRef ds:uri="http://schemas.microsoft.com/VisualStudio/2011/storyboarding/control"/>
-  </ds:schemaRefs>
-</ds:datastoreItem>
-</file>
-
-<file path=customXml/itemProps150.xml><?xml version="1.0" encoding="utf-8"?>
-<ds:datastoreItem xmlns:ds="http://schemas.openxmlformats.org/officeDocument/2006/customXml" ds:itemID="{790E7F39-81D7-4FDD-A0B5-0716A2AE74B2}">
-  <ds:schemaRefs>
-    <ds:schemaRef ds:uri="http://schemas.microsoft.com/VisualStudio/2011/storyboarding/control"/>
-  </ds:schemaRefs>
-</ds:datastoreItem>
-</file>
-
-<file path=customXml/itemProps151.xml><?xml version="1.0" encoding="utf-8"?>
-<ds:datastoreItem xmlns:ds="http://schemas.openxmlformats.org/officeDocument/2006/customXml" ds:itemID="{4C95C4DB-91BC-4C29-B0A4-0A132577B473}">
-  <ds:schemaRefs>
-    <ds:schemaRef ds:uri="http://schemas.microsoft.com/VisualStudio/2011/storyboarding/control"/>
-  </ds:schemaRefs>
-</ds:datastoreItem>
-</file>
-
-<file path=customXml/itemProps152.xml><?xml version="1.0" encoding="utf-8"?>
-<ds:datastoreItem xmlns:ds="http://schemas.openxmlformats.org/officeDocument/2006/customXml" ds:itemID="{F3241CCA-9602-4CB8-B6FA-D8222B14826C}">
-  <ds:schemaRefs>
-    <ds:schemaRef ds:uri="http://schemas.microsoft.com/VisualStudio/2011/storyboarding/control"/>
-  </ds:schemaRefs>
-</ds:datastoreItem>
-</file>
-
-<file path=customXml/itemProps153.xml><?xml version="1.0" encoding="utf-8"?>
-<ds:datastoreItem xmlns:ds="http://schemas.openxmlformats.org/officeDocument/2006/customXml" ds:itemID="{033417FC-F4DF-440B-9750-AC9CEE9D4DD6}">
-  <ds:schemaRefs>
-    <ds:schemaRef ds:uri="http://schemas.microsoft.com/VisualStudio/2011/storyboarding/control"/>
-  </ds:schemaRefs>
-</ds:datastoreItem>
-</file>
-
-<file path=customXml/itemProps154.xml><?xml version="1.0" encoding="utf-8"?>
-<ds:datastoreItem xmlns:ds="http://schemas.openxmlformats.org/officeDocument/2006/customXml" ds:itemID="{3587D983-5BF3-43F4-B7CC-0D3FCA927E45}">
-  <ds:schemaRefs>
-    <ds:schemaRef ds:uri="http://schemas.microsoft.com/VisualStudio/2011/storyboarding/control"/>
-  </ds:schemaRefs>
-</ds:datastoreItem>
-</file>
-
-<file path=customXml/itemProps155.xml><?xml version="1.0" encoding="utf-8"?>
-<ds:datastoreItem xmlns:ds="http://schemas.openxmlformats.org/officeDocument/2006/customXml" ds:itemID="{3390C89E-38DA-49C8-BD78-371C7CC2FE47}">
-  <ds:schemaRefs>
-    <ds:schemaRef ds:uri="http://schemas.microsoft.com/VisualStudio/2011/storyboarding/control"/>
-  </ds:schemaRefs>
-</ds:datastoreItem>
-</file>
-
-<file path=customXml/itemProps156.xml><?xml version="1.0" encoding="utf-8"?>
-<ds:datastoreItem xmlns:ds="http://schemas.openxmlformats.org/officeDocument/2006/customXml" ds:itemID="{5D43C5DF-C9CE-423E-ADD8-1AAE08E6145B}">
-  <ds:schemaRefs>
-    <ds:schemaRef ds:uri="http://schemas.microsoft.com/VisualStudio/2011/storyboarding/control"/>
-  </ds:schemaRefs>
-</ds:datastoreItem>
-</file>
-
-<file path=customXml/itemProps157.xml><?xml version="1.0" encoding="utf-8"?>
-<ds:datastoreItem xmlns:ds="http://schemas.openxmlformats.org/officeDocument/2006/customXml" ds:itemID="{7A89DD74-282D-41A7-98AD-61383871195E}">
-  <ds:schemaRefs>
-    <ds:schemaRef ds:uri="http://schemas.microsoft.com/VisualStudio/2011/storyboarding/control"/>
-  </ds:schemaRefs>
-</ds:datastoreItem>
-</file>
-
-<file path=customXml/itemProps158.xml><?xml version="1.0" encoding="utf-8"?>
-<ds:datastoreItem xmlns:ds="http://schemas.openxmlformats.org/officeDocument/2006/customXml" ds:itemID="{9FC86F31-FEBD-4500-B558-3A9092EE01B0}">
-  <ds:schemaRefs>
-    <ds:schemaRef ds:uri="http://schemas.microsoft.com/VisualStudio/2011/storyboarding/control"/>
-  </ds:schemaRefs>
-</ds:datastoreItem>
-</file>
-
-<file path=customXml/itemProps159.xml><?xml version="1.0" encoding="utf-8"?>
-<ds:datastoreItem xmlns:ds="http://schemas.openxmlformats.org/officeDocument/2006/customXml" ds:itemID="{18CA7C37-7AF9-45BE-BBAE-D2D0584D8934}">
-  <ds:schemaRefs>
-    <ds:schemaRef ds:uri="http://schemas.microsoft.com/VisualStudio/2011/storyboarding/control"/>
-  </ds:schemaRefs>
-</ds:datastoreItem>
-</file>
-
-<file path=customXml/itemProps16.xml><?xml version="1.0" encoding="utf-8"?>
-<ds:datastoreItem xmlns:ds="http://schemas.openxmlformats.org/officeDocument/2006/customXml" ds:itemID="{14F53810-CFF1-4E60-9021-6AF4EA429CC7}">
-  <ds:schemaRefs>
-    <ds:schemaRef ds:uri="http://schemas.microsoft.com/VisualStudio/2011/storyboarding/control"/>
-  </ds:schemaRefs>
-</ds:datastoreItem>
-</file>
-
-<file path=customXml/itemProps160.xml><?xml version="1.0" encoding="utf-8"?>
-<ds:datastoreItem xmlns:ds="http://schemas.openxmlformats.org/officeDocument/2006/customXml" ds:itemID="{4500268E-82D2-458D-9B7A-1DAD9FBEA8F5}">
-  <ds:schemaRefs>
-    <ds:schemaRef ds:uri="http://schemas.microsoft.com/VisualStudio/2011/storyboarding/control"/>
-  </ds:schemaRefs>
-</ds:datastoreItem>
-</file>
-
-<file path=customXml/itemProps161.xml><?xml version="1.0" encoding="utf-8"?>
-<ds:datastoreItem xmlns:ds="http://schemas.openxmlformats.org/officeDocument/2006/customXml" ds:itemID="{8A555954-45BE-4EEE-9F3C-9C997F6D1BA3}">
-  <ds:schemaRefs>
-    <ds:schemaRef ds:uri="http://schemas.microsoft.com/VisualStudio/2011/storyboarding/control"/>
-  </ds:schemaRefs>
-</ds:datastoreItem>
-</file>
-
-<file path=customXml/itemProps162.xml><?xml version="1.0" encoding="utf-8"?>
+<file path=customXml/itemProps94.xml><?xml version="1.0" encoding="utf-8"?>
 <ds:datastoreItem xmlns:ds="http://schemas.openxmlformats.org/officeDocument/2006/customXml" ds:itemID="{CAA62E3A-E1D3-48E6-902C-72278FCF572B}">
   <ds:schemaRefs>
     <ds:schemaRef ds:uri="http://schemas.microsoft.com/VisualStudio/2011/storyboarding/control"/>
@@ -17558,111 +18188,7 @@
 </ds:datastoreItem>
 </file>
 
-<file path=customXml/itemProps163.xml><?xml version="1.0" encoding="utf-8"?>
-<ds:datastoreItem xmlns:ds="http://schemas.openxmlformats.org/officeDocument/2006/customXml" ds:itemID="{418E8FB6-E3E2-4A78-BD2C-0E4D84C7371E}">
-  <ds:schemaRefs>
-    <ds:schemaRef ds:uri="http://schemas.microsoft.com/VisualStudio/2011/storyboarding/control"/>
-  </ds:schemaRefs>
-</ds:datastoreItem>
-</file>
-
-<file path=customXml/itemProps164.xml><?xml version="1.0" encoding="utf-8"?>
-<ds:datastoreItem xmlns:ds="http://schemas.openxmlformats.org/officeDocument/2006/customXml" ds:itemID="{7AB87D2A-44BC-4109-A9F6-0CF47E17DA7C}">
-  <ds:schemaRefs>
-    <ds:schemaRef ds:uri="http://schemas.microsoft.com/VisualStudio/2011/storyboarding/control"/>
-  </ds:schemaRefs>
-</ds:datastoreItem>
-</file>
-
-<file path=customXml/itemProps165.xml><?xml version="1.0" encoding="utf-8"?>
-<ds:datastoreItem xmlns:ds="http://schemas.openxmlformats.org/officeDocument/2006/customXml" ds:itemID="{327B6332-6001-4577-872B-DD19A445F5F2}">
-  <ds:schemaRefs>
-    <ds:schemaRef ds:uri="http://schemas.microsoft.com/VisualStudio/2011/storyboarding/control"/>
-  </ds:schemaRefs>
-</ds:datastoreItem>
-</file>
-
-<file path=customXml/itemProps166.xml><?xml version="1.0" encoding="utf-8"?>
-<ds:datastoreItem xmlns:ds="http://schemas.openxmlformats.org/officeDocument/2006/customXml" ds:itemID="{6F4A2862-C914-4127-9AA3-4EC971E05888}">
-  <ds:schemaRefs>
-    <ds:schemaRef ds:uri="http://schemas.microsoft.com/VisualStudio/2011/storyboarding/control"/>
-  </ds:schemaRefs>
-</ds:datastoreItem>
-</file>
-
-<file path=customXml/itemProps167.xml><?xml version="1.0" encoding="utf-8"?>
-<ds:datastoreItem xmlns:ds="http://schemas.openxmlformats.org/officeDocument/2006/customXml" ds:itemID="{D8653A86-F184-47A6-A8EA-282F582C20DD}">
-  <ds:schemaRefs>
-    <ds:schemaRef ds:uri="http://schemas.microsoft.com/VisualStudio/2011/storyboarding/control"/>
-  </ds:schemaRefs>
-</ds:datastoreItem>
-</file>
-
-<file path=customXml/itemProps168.xml><?xml version="1.0" encoding="utf-8"?>
-<ds:datastoreItem xmlns:ds="http://schemas.openxmlformats.org/officeDocument/2006/customXml" ds:itemID="{F5B85250-01CA-403A-BFFD-EDEFCA9E38FF}">
-  <ds:schemaRefs>
-    <ds:schemaRef ds:uri="http://schemas.microsoft.com/VisualStudio/2011/storyboarding/control"/>
-  </ds:schemaRefs>
-</ds:datastoreItem>
-</file>
-
-<file path=customXml/itemProps169.xml><?xml version="1.0" encoding="utf-8"?>
-<ds:datastoreItem xmlns:ds="http://schemas.openxmlformats.org/officeDocument/2006/customXml" ds:itemID="{7F5E28FD-26FF-4A48-BAD7-50B55AB6208D}">
-  <ds:schemaRefs>
-    <ds:schemaRef ds:uri="http://schemas.microsoft.com/VisualStudio/2011/storyboarding/control"/>
-  </ds:schemaRefs>
-</ds:datastoreItem>
-</file>
-
-<file path=customXml/itemProps17.xml><?xml version="1.0" encoding="utf-8"?>
-<ds:datastoreItem xmlns:ds="http://schemas.openxmlformats.org/officeDocument/2006/customXml" ds:itemID="{2160DE35-41EF-449D-8F30-BD715A7380BC}">
-  <ds:schemaRefs>
-    <ds:schemaRef ds:uri="http://schemas.microsoft.com/VisualStudio/2011/storyboarding/control"/>
-  </ds:schemaRefs>
-</ds:datastoreItem>
-</file>
-
-<file path=customXml/itemProps170.xml><?xml version="1.0" encoding="utf-8"?>
-<ds:datastoreItem xmlns:ds="http://schemas.openxmlformats.org/officeDocument/2006/customXml" ds:itemID="{E56EDE5A-F97D-4AD1-8B27-19C05BC797E2}">
-  <ds:schemaRefs>
-    <ds:schemaRef ds:uri="http://schemas.microsoft.com/VisualStudio/2011/storyboarding/control"/>
-  </ds:schemaRefs>
-</ds:datastoreItem>
-</file>
-
-<file path=customXml/itemProps171.xml><?xml version="1.0" encoding="utf-8"?>
-<ds:datastoreItem xmlns:ds="http://schemas.openxmlformats.org/officeDocument/2006/customXml" ds:itemID="{8C7C7B8E-5451-4DAE-8DA4-7B210EC29FF3}">
-  <ds:schemaRefs>
-    <ds:schemaRef ds:uri="http://schemas.microsoft.com/VisualStudio/2011/storyboarding/control"/>
-  </ds:schemaRefs>
-</ds:datastoreItem>
-</file>
-
-<file path=customXml/itemProps172.xml><?xml version="1.0" encoding="utf-8"?>
-<ds:datastoreItem xmlns:ds="http://schemas.openxmlformats.org/officeDocument/2006/customXml" ds:itemID="{1E27CC14-9852-42D8-9A73-828A1C767F65}">
-  <ds:schemaRefs>
-    <ds:schemaRef ds:uri="http://schemas.microsoft.com/VisualStudio/2011/storyboarding/control"/>
-  </ds:schemaRefs>
-</ds:datastoreItem>
-</file>
-
-<file path=customXml/itemProps18.xml><?xml version="1.0" encoding="utf-8"?>
-<ds:datastoreItem xmlns:ds="http://schemas.openxmlformats.org/officeDocument/2006/customXml" ds:itemID="{3E59668D-9D10-4C26-9CC7-C8295EEC02B7}">
-  <ds:schemaRefs>
-    <ds:schemaRef ds:uri="http://schemas.microsoft.com/VisualStudio/2011/storyboarding/control"/>
-  </ds:schemaRefs>
-</ds:datastoreItem>
-</file>
-
-<file path=customXml/itemProps19.xml><?xml version="1.0" encoding="utf-8"?>
-<ds:datastoreItem xmlns:ds="http://schemas.openxmlformats.org/officeDocument/2006/customXml" ds:itemID="{ED541B40-E3CF-47E9-8800-B673CC7C7D9E}">
-  <ds:schemaRefs>
-    <ds:schemaRef ds:uri="http://schemas.microsoft.com/VisualStudio/2011/storyboarding/control"/>
-  </ds:schemaRefs>
-</ds:datastoreItem>
-</file>
-
-<file path=customXml/itemProps2.xml><?xml version="1.0" encoding="utf-8"?>
+<file path=customXml/itemProps95.xml><?xml version="1.0" encoding="utf-8"?>
 <ds:datastoreItem xmlns:ds="http://schemas.openxmlformats.org/officeDocument/2006/customXml" ds:itemID="{B33906A2-2468-4E50-8B7B-646E03FFEF2D}">
   <ds:schemaRefs>
     <ds:schemaRef ds:uri="http://schemas.microsoft.com/VisualStudio/2011/storyboarding/control"/>
@@ -17670,39 +18196,15 @@
 </ds:datastoreItem>
 </file>
 
-<file path=customXml/itemProps20.xml><?xml version="1.0" encoding="utf-8"?>
-<ds:datastoreItem xmlns:ds="http://schemas.openxmlformats.org/officeDocument/2006/customXml" ds:itemID="{394EADEA-3838-4D66-B77E-E5E9BD6A7AEA}">
+<file path=customXml/itemProps96.xml><?xml version="1.0" encoding="utf-8"?>
+<ds:datastoreItem xmlns:ds="http://schemas.openxmlformats.org/officeDocument/2006/customXml" ds:itemID="{F2AC79B3-EA47-4A60-8F32-62C9B6A4B730}">
   <ds:schemaRefs>
     <ds:schemaRef ds:uri="http://schemas.microsoft.com/VisualStudio/2011/storyboarding/control"/>
   </ds:schemaRefs>
 </ds:datastoreItem>
 </file>
 
-<file path=customXml/itemProps21.xml><?xml version="1.0" encoding="utf-8"?>
-<ds:datastoreItem xmlns:ds="http://schemas.openxmlformats.org/officeDocument/2006/customXml" ds:itemID="{3E9518F8-52DB-4512-B6E1-D4B81EC47F8E}">
-  <ds:schemaRefs>
-    <ds:schemaRef ds:uri="http://schemas.microsoft.com/VisualStudio/2011/storyboarding/control"/>
-  </ds:schemaRefs>
-</ds:datastoreItem>
-</file>
-
-<file path=customXml/itemProps22.xml><?xml version="1.0" encoding="utf-8"?>
-<ds:datastoreItem xmlns:ds="http://schemas.openxmlformats.org/officeDocument/2006/customXml" ds:itemID="{B1441669-2371-4AE4-A8B5-AFC09272AA93}">
-  <ds:schemaRefs>
-    <ds:schemaRef ds:uri="http://schemas.microsoft.com/VisualStudio/2011/storyboarding/control"/>
-  </ds:schemaRefs>
-</ds:datastoreItem>
-</file>
-
-<file path=customXml/itemProps23.xml><?xml version="1.0" encoding="utf-8"?>
-<ds:datastoreItem xmlns:ds="http://schemas.openxmlformats.org/officeDocument/2006/customXml" ds:itemID="{D544E426-85A9-48AB-BB78-E3AD0590EC7C}">
-  <ds:schemaRefs>
-    <ds:schemaRef ds:uri="http://schemas.microsoft.com/VisualStudio/2011/storyboarding/control"/>
-  </ds:schemaRefs>
-</ds:datastoreItem>
-</file>
-
-<file path=customXml/itemProps24.xml><?xml version="1.0" encoding="utf-8"?>
+<file path=customXml/itemProps97.xml><?xml version="1.0" encoding="utf-8"?>
 <ds:datastoreItem xmlns:ds="http://schemas.openxmlformats.org/officeDocument/2006/customXml" ds:itemID="{E7741501-71C2-4C17-B4E1-815C0856C474}">
   <ds:schemaRefs>
     <ds:schemaRef ds:uri="http://schemas.microsoft.com/VisualStudio/2011/storyboarding/control"/>
@@ -17710,143 +18212,7 @@
 </ds:datastoreItem>
 </file>
 
-<file path=customXml/itemProps25.xml><?xml version="1.0" encoding="utf-8"?>
-<ds:datastoreItem xmlns:ds="http://schemas.openxmlformats.org/officeDocument/2006/customXml" ds:itemID="{2C7E7D13-6875-4C07-A00F-CBDE5826D5D8}">
-  <ds:schemaRefs>
-    <ds:schemaRef ds:uri="http://schemas.microsoft.com/VisualStudio/2011/storyboarding/control"/>
-  </ds:schemaRefs>
-</ds:datastoreItem>
-</file>
-
-<file path=customXml/itemProps26.xml><?xml version="1.0" encoding="utf-8"?>
-<ds:datastoreItem xmlns:ds="http://schemas.openxmlformats.org/officeDocument/2006/customXml" ds:itemID="{A5C9F535-848A-484D-BE9A-C7950B04C8EE}">
-  <ds:schemaRefs>
-    <ds:schemaRef ds:uri="http://schemas.microsoft.com/VisualStudio/2011/storyboarding/control"/>
-  </ds:schemaRefs>
-</ds:datastoreItem>
-</file>
-
-<file path=customXml/itemProps27.xml><?xml version="1.0" encoding="utf-8"?>
-<ds:datastoreItem xmlns:ds="http://schemas.openxmlformats.org/officeDocument/2006/customXml" ds:itemID="{45B142F8-50A8-47EE-8945-EA0E8BEF71EB}">
-  <ds:schemaRefs>
-    <ds:schemaRef ds:uri="http://schemas.microsoft.com/VisualStudio/2011/storyboarding/control"/>
-  </ds:schemaRefs>
-</ds:datastoreItem>
-</file>
-
-<file path=customXml/itemProps28.xml><?xml version="1.0" encoding="utf-8"?>
-<ds:datastoreItem xmlns:ds="http://schemas.openxmlformats.org/officeDocument/2006/customXml" ds:itemID="{0D101840-8B5F-4665-97F6-B5669CAD36B7}">
-  <ds:schemaRefs>
-    <ds:schemaRef ds:uri="http://schemas.microsoft.com/VisualStudio/2011/storyboarding/control"/>
-  </ds:schemaRefs>
-</ds:datastoreItem>
-</file>
-
-<file path=customXml/itemProps29.xml><?xml version="1.0" encoding="utf-8"?>
-<ds:datastoreItem xmlns:ds="http://schemas.openxmlformats.org/officeDocument/2006/customXml" ds:itemID="{F2AC79B3-EA47-4A60-8F32-62C9B6A4B730}">
-  <ds:schemaRefs>
-    <ds:schemaRef ds:uri="http://schemas.microsoft.com/VisualStudio/2011/storyboarding/control"/>
-  </ds:schemaRefs>
-</ds:datastoreItem>
-</file>
-
-<file path=customXml/itemProps3.xml><?xml version="1.0" encoding="utf-8"?>
-<ds:datastoreItem xmlns:ds="http://schemas.openxmlformats.org/officeDocument/2006/customXml" ds:itemID="{71F7DD17-FE3B-45F0-BA26-7919E3FA2124}">
-  <ds:schemaRefs>
-    <ds:schemaRef ds:uri="http://schemas.microsoft.com/VisualStudio/2011/storyboarding/control"/>
-  </ds:schemaRefs>
-</ds:datastoreItem>
-</file>
-
-<file path=customXml/itemProps30.xml><?xml version="1.0" encoding="utf-8"?>
-<ds:datastoreItem xmlns:ds="http://schemas.openxmlformats.org/officeDocument/2006/customXml" ds:itemID="{13D229BA-F403-4DB5-940D-9A722C14A295}">
-  <ds:schemaRefs>
-    <ds:schemaRef ds:uri="http://schemas.microsoft.com/VisualStudio/2011/storyboarding/control"/>
-  </ds:schemaRefs>
-</ds:datastoreItem>
-</file>
-
-<file path=customXml/itemProps31.xml><?xml version="1.0" encoding="utf-8"?>
-<ds:datastoreItem xmlns:ds="http://schemas.openxmlformats.org/officeDocument/2006/customXml" ds:itemID="{AAE9B66C-C51E-45FF-A0AF-F87D4E76C603}">
-  <ds:schemaRefs>
-    <ds:schemaRef ds:uri="http://schemas.microsoft.com/VisualStudio/2011/storyboarding/control"/>
-  </ds:schemaRefs>
-</ds:datastoreItem>
-</file>
-
-<file path=customXml/itemProps32.xml><?xml version="1.0" encoding="utf-8"?>
-<ds:datastoreItem xmlns:ds="http://schemas.openxmlformats.org/officeDocument/2006/customXml" ds:itemID="{ACF586AD-3668-4E64-BB79-597B4E8D331A}">
-  <ds:schemaRefs>
-    <ds:schemaRef ds:uri="http://schemas.microsoft.com/VisualStudio/2011/storyboarding/control"/>
-  </ds:schemaRefs>
-</ds:datastoreItem>
-</file>
-
-<file path=customXml/itemProps33.xml><?xml version="1.0" encoding="utf-8"?>
-<ds:datastoreItem xmlns:ds="http://schemas.openxmlformats.org/officeDocument/2006/customXml" ds:itemID="{4A328889-52D6-47EA-AA7A-7178F57DFC2D}">
-  <ds:schemaRefs>
-    <ds:schemaRef ds:uri="http://schemas.microsoft.com/VisualStudio/2011/storyboarding/control"/>
-  </ds:schemaRefs>
-</ds:datastoreItem>
-</file>
-
-<file path=customXml/itemProps34.xml><?xml version="1.0" encoding="utf-8"?>
-<ds:datastoreItem xmlns:ds="http://schemas.openxmlformats.org/officeDocument/2006/customXml" ds:itemID="{1C9E4718-660A-46FF-B326-15E4FE359C0C}">
-  <ds:schemaRefs>
-    <ds:schemaRef ds:uri="http://schemas.microsoft.com/VisualStudio/2011/storyboarding/control"/>
-  </ds:schemaRefs>
-</ds:datastoreItem>
-</file>
-
-<file path=customXml/itemProps35.xml><?xml version="1.0" encoding="utf-8"?>
-<ds:datastoreItem xmlns:ds="http://schemas.openxmlformats.org/officeDocument/2006/customXml" ds:itemID="{3F44ADFA-C7D2-4102-9298-3583F06E2549}">
-  <ds:schemaRefs>
-    <ds:schemaRef ds:uri="http://schemas.microsoft.com/VisualStudio/2011/storyboarding/control"/>
-  </ds:schemaRefs>
-</ds:datastoreItem>
-</file>
-
-<file path=customXml/itemProps36.xml><?xml version="1.0" encoding="utf-8"?>
-<ds:datastoreItem xmlns:ds="http://schemas.openxmlformats.org/officeDocument/2006/customXml" ds:itemID="{E64EFAA4-8D4E-4E3D-90B4-CEBC661B0435}">
-  <ds:schemaRefs>
-    <ds:schemaRef ds:uri="http://schemas.microsoft.com/VisualStudio/2011/storyboarding/control"/>
-  </ds:schemaRefs>
-</ds:datastoreItem>
-</file>
-
-<file path=customXml/itemProps37.xml><?xml version="1.0" encoding="utf-8"?>
-<ds:datastoreItem xmlns:ds="http://schemas.openxmlformats.org/officeDocument/2006/customXml" ds:itemID="{FE51AC1B-1271-4746-867D-55554D78B5AE}">
-  <ds:schemaRefs>
-    <ds:schemaRef ds:uri="http://schemas.microsoft.com/VisualStudio/2011/storyboarding/control"/>
-  </ds:schemaRefs>
-</ds:datastoreItem>
-</file>
-
-<file path=customXml/itemProps38.xml><?xml version="1.0" encoding="utf-8"?>
-<ds:datastoreItem xmlns:ds="http://schemas.openxmlformats.org/officeDocument/2006/customXml" ds:itemID="{48FCAF00-A9CA-4F0B-94B6-B06BD75E9807}">
-  <ds:schemaRefs>
-    <ds:schemaRef ds:uri="http://schemas.microsoft.com/VisualStudio/2011/storyboarding/control"/>
-  </ds:schemaRefs>
-</ds:datastoreItem>
-</file>
-
-<file path=customXml/itemProps39.xml><?xml version="1.0" encoding="utf-8"?>
-<ds:datastoreItem xmlns:ds="http://schemas.openxmlformats.org/officeDocument/2006/customXml" ds:itemID="{C5822030-9D10-4417-BB70-A547D778BA9D}">
-  <ds:schemaRefs>
-    <ds:schemaRef ds:uri="http://schemas.microsoft.com/VisualStudio/2011/storyboarding/control"/>
-  </ds:schemaRefs>
-</ds:datastoreItem>
-</file>
-
-<file path=customXml/itemProps4.xml><?xml version="1.0" encoding="utf-8"?>
-<ds:datastoreItem xmlns:ds="http://schemas.openxmlformats.org/officeDocument/2006/customXml" ds:itemID="{1EAEFE78-3E46-45E5-85DF-8CF35EFEFFEE}">
-  <ds:schemaRefs>
-    <ds:schemaRef ds:uri="http://schemas.microsoft.com/VisualStudio/2011/storyboarding/control"/>
-  </ds:schemaRefs>
-</ds:datastoreItem>
-</file>
-
-<file path=customXml/itemProps40.xml><?xml version="1.0" encoding="utf-8"?>
+<file path=customXml/itemProps98.xml><?xml version="1.0" encoding="utf-8"?>
 <ds:datastoreItem xmlns:ds="http://schemas.openxmlformats.org/officeDocument/2006/customXml" ds:itemID="{40E6753A-8176-4C3D-A7AD-922499F48E12}">
   <ds:schemaRefs>
     <ds:schemaRef ds:uri="http://schemas.microsoft.com/VisualStudio/2011/storyboarding/control"/>
@@ -17854,514 +18220,10 @@
 </ds:datastoreItem>
 </file>
 
-<file path=customXml/itemProps41.xml><?xml version="1.0" encoding="utf-8"?>
-<ds:datastoreItem xmlns:ds="http://schemas.openxmlformats.org/officeDocument/2006/customXml" ds:itemID="{13867D15-2F58-4836-9D34-D0E88BF26D4C}">
-  <ds:schemaRefs>
-    <ds:schemaRef ds:uri="http://schemas.microsoft.com/VisualStudio/2011/storyboarding/control"/>
-  </ds:schemaRefs>
-</ds:datastoreItem>
-</file>
-
-<file path=customXml/itemProps42.xml><?xml version="1.0" encoding="utf-8"?>
-<ds:datastoreItem xmlns:ds="http://schemas.openxmlformats.org/officeDocument/2006/customXml" ds:itemID="{67BB8CBF-A728-42E4-ACB8-9EB900796758}">
-  <ds:schemaRefs>
-    <ds:schemaRef ds:uri="http://schemas.microsoft.com/VisualStudio/2011/storyboarding/control"/>
-  </ds:schemaRefs>
-</ds:datastoreItem>
-</file>
-
-<file path=customXml/itemProps43.xml><?xml version="1.0" encoding="utf-8"?>
-<ds:datastoreItem xmlns:ds="http://schemas.openxmlformats.org/officeDocument/2006/customXml" ds:itemID="{55CA6769-99B0-4402-A536-C3C8E0221022}">
-  <ds:schemaRefs>
-    <ds:schemaRef ds:uri="http://schemas.microsoft.com/VisualStudio/2011/storyboarding/control"/>
-  </ds:schemaRefs>
-</ds:datastoreItem>
-</file>
-
-<file path=customXml/itemProps44.xml><?xml version="1.0" encoding="utf-8"?>
-<ds:datastoreItem xmlns:ds="http://schemas.openxmlformats.org/officeDocument/2006/customXml" ds:itemID="{73ABD768-CB5D-46A4-A597-4A94DA70A531}">
-  <ds:schemaRefs>
-    <ds:schemaRef ds:uri="http://schemas.microsoft.com/VisualStudio/2011/storyboarding/control"/>
-  </ds:schemaRefs>
-</ds:datastoreItem>
-</file>
-
-<file path=customXml/itemProps45.xml><?xml version="1.0" encoding="utf-8"?>
+<file path=customXml/itemProps99.xml><?xml version="1.0" encoding="utf-8"?>
 <ds:datastoreItem xmlns:ds="http://schemas.openxmlformats.org/officeDocument/2006/customXml" ds:itemID="{D321552F-2375-40A6-A02F-FC27787D42F1}">
   <ds:schemaRefs>
     <ds:schemaRef ds:uri="http://schemas.microsoft.com/VisualStudio/2011/storyboarding/control"/>
   </ds:schemaRefs>
 </ds:datastoreItem>
-</file>
-
-<file path=customXml/itemProps46.xml><?xml version="1.0" encoding="utf-8"?>
-<ds:datastoreItem xmlns:ds="http://schemas.openxmlformats.org/officeDocument/2006/customXml" ds:itemID="{45D0D449-A17D-45A3-B4E7-E173226B985A}">
-  <ds:schemaRefs>
-    <ds:schemaRef ds:uri="http://schemas.microsoft.com/VisualStudio/2011/storyboarding/control"/>
-  </ds:schemaRefs>
-</ds:datastoreItem>
-</file>
-
-<file path=customXml/itemProps47.xml><?xml version="1.0" encoding="utf-8"?>
-<ds:datastoreItem xmlns:ds="http://schemas.openxmlformats.org/officeDocument/2006/customXml" ds:itemID="{FA631F3F-931D-4669-BD0B-F99571F5C429}">
-  <ds:schemaRefs>
-    <ds:schemaRef ds:uri="http://schemas.microsoft.com/VisualStudio/2011/storyboarding/control"/>
-  </ds:schemaRefs>
-</ds:datastoreItem>
-</file>
-
-<file path=customXml/itemProps48.xml><?xml version="1.0" encoding="utf-8"?>
-<ds:datastoreItem xmlns:ds="http://schemas.openxmlformats.org/officeDocument/2006/customXml" ds:itemID="{D9AA3C08-4DA4-4FFF-AE51-25D9FD5C0DBF}">
-  <ds:schemaRefs>
-    <ds:schemaRef ds:uri="http://schemas.microsoft.com/VisualStudio/2011/storyboarding/control"/>
-  </ds:schemaRefs>
-</ds:datastoreItem>
-</file>
-
-<file path=customXml/itemProps49.xml><?xml version="1.0" encoding="utf-8"?>
-<ds:datastoreItem xmlns:ds="http://schemas.openxmlformats.org/officeDocument/2006/customXml" ds:itemID="{6EF31828-B1D4-48CE-A1B2-9C0A5D142D1E}">
-  <ds:schemaRefs>
-    <ds:schemaRef ds:uri="http://schemas.microsoft.com/VisualStudio/2011/storyboarding/control"/>
-  </ds:schemaRefs>
-</ds:datastoreItem>
-</file>
-
-<file path=customXml/itemProps5.xml><?xml version="1.0" encoding="utf-8"?>
-<ds:datastoreItem xmlns:ds="http://schemas.openxmlformats.org/officeDocument/2006/customXml" ds:itemID="{15112653-7036-4EB6-9E86-EDFCD1846E57}">
-  <ds:schemaRefs>
-    <ds:schemaRef ds:uri="http://schemas.microsoft.com/VisualStudio/2011/storyboarding/control"/>
-  </ds:schemaRefs>
-</ds:datastoreItem>
-</file>
-
-<file path=customXml/itemProps50.xml><?xml version="1.0" encoding="utf-8"?>
-<ds:datastoreItem xmlns:ds="http://schemas.openxmlformats.org/officeDocument/2006/customXml" ds:itemID="{7C8F0811-703B-42B0-A138-293B93790A1B}">
-  <ds:schemaRefs>
-    <ds:schemaRef ds:uri="http://schemas.microsoft.com/VisualStudio/2011/storyboarding/control"/>
-  </ds:schemaRefs>
-</ds:datastoreItem>
-</file>
-
-<file path=customXml/itemProps51.xml><?xml version="1.0" encoding="utf-8"?>
-<ds:datastoreItem xmlns:ds="http://schemas.openxmlformats.org/officeDocument/2006/customXml" ds:itemID="{10F0BDDE-4AA3-40EF-B2BC-ACF0382ED861}">
-  <ds:schemaRefs>
-    <ds:schemaRef ds:uri="http://schemas.microsoft.com/VisualStudio/2011/storyboarding/control"/>
-  </ds:schemaRefs>
-</ds:datastoreItem>
-</file>
-
-<file path=customXml/itemProps52.xml><?xml version="1.0" encoding="utf-8"?>
-<ds:datastoreItem xmlns:ds="http://schemas.openxmlformats.org/officeDocument/2006/customXml" ds:itemID="{C95B04FA-49D0-4922-A7EB-76ADF3F5F5D3}">
-  <ds:schemaRefs>
-    <ds:schemaRef ds:uri="http://schemas.microsoft.com/VisualStudio/2011/storyboarding/control"/>
-  </ds:schemaRefs>
-</ds:datastoreItem>
-</file>
-
-<file path=customXml/itemProps53.xml><?xml version="1.0" encoding="utf-8"?>
-<ds:datastoreItem xmlns:ds="http://schemas.openxmlformats.org/officeDocument/2006/customXml" ds:itemID="{77104134-B524-4624-9201-ECD829C881BD}">
-  <ds:schemaRefs>
-    <ds:schemaRef ds:uri="http://schemas.microsoft.com/VisualStudio/2011/storyboarding/control"/>
-  </ds:schemaRefs>
-</ds:datastoreItem>
-</file>
-
-<file path=customXml/itemProps54.xml><?xml version="1.0" encoding="utf-8"?>
-<ds:datastoreItem xmlns:ds="http://schemas.openxmlformats.org/officeDocument/2006/customXml" ds:itemID="{952516C9-92F1-4F3E-8CAE-34A561EA713F}">
-  <ds:schemaRefs>
-    <ds:schemaRef ds:uri="http://schemas.microsoft.com/VisualStudio/2011/storyboarding/control"/>
-  </ds:schemaRefs>
-</ds:datastoreItem>
-</file>
-
-<file path=customXml/itemProps55.xml><?xml version="1.0" encoding="utf-8"?>
-<ds:datastoreItem xmlns:ds="http://schemas.openxmlformats.org/officeDocument/2006/customXml" ds:itemID="{6A447DBB-2C85-4597-A0DB-C9A2322BAC8D}">
-  <ds:schemaRefs>
-    <ds:schemaRef ds:uri="http://schemas.microsoft.com/VisualStudio/2011/storyboarding/control"/>
-  </ds:schemaRefs>
-</ds:datastoreItem>
-</file>
-
-<file path=customXml/itemProps56.xml><?xml version="1.0" encoding="utf-8"?>
-<ds:datastoreItem xmlns:ds="http://schemas.openxmlformats.org/officeDocument/2006/customXml" ds:itemID="{9A59C534-A299-402C-BDD6-F5443DFA7893}">
-  <ds:schemaRefs>
-    <ds:schemaRef ds:uri="http://schemas.microsoft.com/VisualStudio/2011/storyboarding/control"/>
-  </ds:schemaRefs>
-</ds:datastoreItem>
-</file>
-
-<file path=customXml/itemProps57.xml><?xml version="1.0" encoding="utf-8"?>
-<ds:datastoreItem xmlns:ds="http://schemas.openxmlformats.org/officeDocument/2006/customXml" ds:itemID="{6909E70A-4203-43FA-8666-1DA9A83FC55A}">
-  <ds:schemaRefs>
-    <ds:schemaRef ds:uri="http://schemas.microsoft.com/VisualStudio/2011/storyboarding/control"/>
-  </ds:schemaRefs>
-</ds:datastoreItem>
-</file>
-
-<file path=customXml/itemProps58.xml><?xml version="1.0" encoding="utf-8"?>
-<ds:datastoreItem xmlns:ds="http://schemas.openxmlformats.org/officeDocument/2006/customXml" ds:itemID="{2373FA59-A4C7-4E40-BF8A-FEF69ED346A4}">
-  <ds:schemaRefs>
-    <ds:schemaRef ds:uri="http://schemas.microsoft.com/VisualStudio/2011/storyboarding/control"/>
-  </ds:schemaRefs>
-</ds:datastoreItem>
-</file>
-
-<file path=customXml/itemProps59.xml><?xml version="1.0" encoding="utf-8"?>
-<ds:datastoreItem xmlns:ds="http://schemas.openxmlformats.org/officeDocument/2006/customXml" ds:itemID="{6DAC6C05-FAFB-4B89-BBD6-3A479BE450F0}">
-  <ds:schemaRefs>
-    <ds:schemaRef ds:uri="http://schemas.microsoft.com/VisualStudio/2011/storyboarding/control"/>
-  </ds:schemaRefs>
-</ds:datastoreItem>
-</file>
-
-<file path=customXml/itemProps6.xml><?xml version="1.0" encoding="utf-8"?>
-<ds:datastoreItem xmlns:ds="http://schemas.openxmlformats.org/officeDocument/2006/customXml" ds:itemID="{CA9B1D84-8FAF-4BE3-BEDE-DAB5639D6F30}">
-  <ds:schemaRefs>
-    <ds:schemaRef ds:uri="http://schemas.microsoft.com/VisualStudio/2011/storyboarding/control"/>
-  </ds:schemaRefs>
-</ds:datastoreItem>
-</file>
-
-<file path=customXml/itemProps60.xml><?xml version="1.0" encoding="utf-8"?>
-<ds:datastoreItem xmlns:ds="http://schemas.openxmlformats.org/officeDocument/2006/customXml" ds:itemID="{51D515F3-5B60-4F94-84C8-4468FC08CD50}">
-  <ds:schemaRefs>
-    <ds:schemaRef ds:uri="http://schemas.microsoft.com/VisualStudio/2011/storyboarding/control"/>
-  </ds:schemaRefs>
-</ds:datastoreItem>
-</file>
-
-<file path=customXml/itemProps61.xml><?xml version="1.0" encoding="utf-8"?>
-<ds:datastoreItem xmlns:ds="http://schemas.openxmlformats.org/officeDocument/2006/customXml" ds:itemID="{AE608858-3A79-4E62-9586-14C746DF17FE}">
-  <ds:schemaRefs>
-    <ds:schemaRef ds:uri="http://schemas.microsoft.com/VisualStudio/2011/storyboarding/control"/>
-  </ds:schemaRefs>
-</ds:datastoreItem>
-</file>
-
-<file path=customXml/itemProps62.xml><?xml version="1.0" encoding="utf-8"?>
-<ds:datastoreItem xmlns:ds="http://schemas.openxmlformats.org/officeDocument/2006/customXml" ds:itemID="{E475E16E-3D1A-4AA1-9265-74BC7689BD6B}">
-  <ds:schemaRefs>
-    <ds:schemaRef ds:uri="http://schemas.microsoft.com/VisualStudio/2011/storyboarding/control"/>
-  </ds:schemaRefs>
-</ds:datastoreItem>
-</file>
-
-<file path=customXml/itemProps63.xml><?xml version="1.0" encoding="utf-8"?>
-<ds:datastoreItem xmlns:ds="http://schemas.openxmlformats.org/officeDocument/2006/customXml" ds:itemID="{E029995E-6C1C-464C-B18A-588A9A373F13}">
-  <ds:schemaRefs>
-    <ds:schemaRef ds:uri="http://schemas.microsoft.com/VisualStudio/2011/storyboarding/control"/>
-  </ds:schemaRefs>
-</ds:datastoreItem>
-</file>
-
-<file path=customXml/itemProps64.xml><?xml version="1.0" encoding="utf-8"?>
-<ds:datastoreItem xmlns:ds="http://schemas.openxmlformats.org/officeDocument/2006/customXml" ds:itemID="{CC0F0423-B11D-48BC-93CE-439535EE4340}">
-  <ds:schemaRefs>
-    <ds:schemaRef ds:uri="http://schemas.microsoft.com/VisualStudio/2011/storyboarding/control"/>
-  </ds:schemaRefs>
-</ds:datastoreItem>
-</file>
-
-<file path=customXml/itemProps65.xml><?xml version="1.0" encoding="utf-8"?>
-<ds:datastoreItem xmlns:ds="http://schemas.openxmlformats.org/officeDocument/2006/customXml" ds:itemID="{BB503869-44CE-4F73-B2F9-2E68C6092DF4}">
-  <ds:schemaRefs>
-    <ds:schemaRef ds:uri="http://schemas.microsoft.com/VisualStudio/2011/storyboarding/control"/>
-  </ds:schemaRefs>
-</ds:datastoreItem>
-</file>
-
-<file path=customXml/itemProps66.xml><?xml version="1.0" encoding="utf-8"?>
-<ds:datastoreItem xmlns:ds="http://schemas.openxmlformats.org/officeDocument/2006/customXml" ds:itemID="{85F86E7D-DA49-4BE9-9097-1D50FB466B1E}">
-  <ds:schemaRefs>
-    <ds:schemaRef ds:uri="http://schemas.microsoft.com/VisualStudio/2011/storyboarding/control"/>
-  </ds:schemaRefs>
-</ds:datastoreItem>
-</file>
-
-<file path=customXml/itemProps67.xml><?xml version="1.0" encoding="utf-8"?>
-<ds:datastoreItem xmlns:ds="http://schemas.openxmlformats.org/officeDocument/2006/customXml" ds:itemID="{D08605C4-AECB-4FFF-9D2C-98990B0DFFDA}">
-  <ds:schemaRefs>
-    <ds:schemaRef ds:uri="http://schemas.microsoft.com/VisualStudio/2011/storyboarding/control"/>
-  </ds:schemaRefs>
-</ds:datastoreItem>
-</file>
-
-<file path=customXml/itemProps68.xml><?xml version="1.0" encoding="utf-8"?>
-<ds:datastoreItem xmlns:ds="http://schemas.openxmlformats.org/officeDocument/2006/customXml" ds:itemID="{ED7BDB59-BF74-409B-8509-C9B8AF445363}">
-  <ds:schemaRefs>
-    <ds:schemaRef ds:uri="http://schemas.microsoft.com/VisualStudio/2011/storyboarding/control"/>
-  </ds:schemaRefs>
-</ds:datastoreItem>
-</file>
-
-<file path=customXml/itemProps69.xml><?xml version="1.0" encoding="utf-8"?>
-<ds:datastoreItem xmlns:ds="http://schemas.openxmlformats.org/officeDocument/2006/customXml" ds:itemID="{D2AAAC7E-0A85-448C-BEAF-FB2E1B4987CA}">
-  <ds:schemaRefs>
-    <ds:schemaRef ds:uri="http://schemas.microsoft.com/VisualStudio/2011/storyboarding/control"/>
-  </ds:schemaRefs>
-</ds:datastoreItem>
-</file>
-
-<file path=customXml/itemProps7.xml><?xml version="1.0" encoding="utf-8"?>
-<ds:datastoreItem xmlns:ds="http://schemas.openxmlformats.org/officeDocument/2006/customXml" ds:itemID="{AA234BDC-12CC-4725-B78F-BD23529D0FB4}">
-  <ds:schemaRefs>
-    <ds:schemaRef ds:uri="http://schemas.microsoft.com/VisualStudio/2011/storyboarding/control"/>
-  </ds:schemaRefs>
-</ds:datastoreItem>
-</file>
-
-<file path=customXml/itemProps70.xml><?xml version="1.0" encoding="utf-8"?>
-<ds:datastoreItem xmlns:ds="http://schemas.openxmlformats.org/officeDocument/2006/customXml" ds:itemID="{9431BAA6-A458-4A16-B548-267B412E871D}">
-  <ds:schemaRefs>
-    <ds:schemaRef ds:uri="http://schemas.microsoft.com/VisualStudio/2011/storyboarding/control"/>
-  </ds:schemaRefs>
-</ds:datastoreItem>
-</file>
-
-<file path=customXml/itemProps71.xml><?xml version="1.0" encoding="utf-8"?>
-<ds:datastoreItem xmlns:ds="http://schemas.openxmlformats.org/officeDocument/2006/customXml" ds:itemID="{AF40C17C-6E53-453B-B327-999FE0B7CF9E}">
-  <ds:schemaRefs>
-    <ds:schemaRef ds:uri="http://schemas.microsoft.com/VisualStudio/2011/storyboarding/control"/>
-  </ds:schemaRefs>
-</ds:datastoreItem>
-</file>
-
-<file path=customXml/itemProps72.xml><?xml version="1.0" encoding="utf-8"?>
-<ds:datastoreItem xmlns:ds="http://schemas.openxmlformats.org/officeDocument/2006/customXml" ds:itemID="{ADE0E0E1-3FB4-4764-85B1-A2581C94CFE9}">
-  <ds:schemaRefs>
-    <ds:schemaRef ds:uri="http://schemas.microsoft.com/VisualStudio/2011/storyboarding/control"/>
-  </ds:schemaRefs>
-</ds:datastoreItem>
-</file>
-
-<file path=customXml/itemProps73.xml><?xml version="1.0" encoding="utf-8"?>
-<ds:datastoreItem xmlns:ds="http://schemas.openxmlformats.org/officeDocument/2006/customXml" ds:itemID="{24046DC5-38AC-4C0E-A7BD-7BA62F64ED8D}">
-  <ds:schemaRefs>
-    <ds:schemaRef ds:uri="http://schemas.microsoft.com/VisualStudio/2011/storyboarding/control"/>
-  </ds:schemaRefs>
-</ds:datastoreItem>
-</file>
-
-<file path=customXml/itemProps74.xml><?xml version="1.0" encoding="utf-8"?>
-<ds:datastoreItem xmlns:ds="http://schemas.openxmlformats.org/officeDocument/2006/customXml" ds:itemID="{69C5573C-4D11-4ED5-8CA8-88391EEEF019}">
-  <ds:schemaRefs>
-    <ds:schemaRef ds:uri="http://schemas.microsoft.com/VisualStudio/2011/storyboarding/control"/>
-  </ds:schemaRefs>
-</ds:datastoreItem>
-</file>
-
-<file path=customXml/itemProps75.xml><?xml version="1.0" encoding="utf-8"?>
-<ds:datastoreItem xmlns:ds="http://schemas.openxmlformats.org/officeDocument/2006/customXml" ds:itemID="{1367878A-D08E-41A0-BE0F-87325A2CCFA2}">
-  <ds:schemaRefs>
-    <ds:schemaRef ds:uri="http://schemas.microsoft.com/VisualStudio/2011/storyboarding/control"/>
-  </ds:schemaRefs>
-</ds:datastoreItem>
-</file>
-
-<file path=customXml/itemProps76.xml><?xml version="1.0" encoding="utf-8"?>
-<ds:datastoreItem xmlns:ds="http://schemas.openxmlformats.org/officeDocument/2006/customXml" ds:itemID="{623F5871-F525-4D45-8757-C0B70863AD81}">
-  <ds:schemaRefs>
-    <ds:schemaRef ds:uri="http://schemas.microsoft.com/VisualStudio/2011/storyboarding/control"/>
-  </ds:schemaRefs>
-</ds:datastoreItem>
-</file>
-
-<file path=customXml/itemProps77.xml><?xml version="1.0" encoding="utf-8"?>
-<ds:datastoreItem xmlns:ds="http://schemas.openxmlformats.org/officeDocument/2006/customXml" ds:itemID="{19219105-B97A-44AD-8E8F-0F014E4D5F2F}">
-  <ds:schemaRefs>
-    <ds:schemaRef ds:uri="http://schemas.microsoft.com/VisualStudio/2011/storyboarding/control"/>
-  </ds:schemaRefs>
-</ds:datastoreItem>
-</file>
-
-<file path=customXml/itemProps78.xml><?xml version="1.0" encoding="utf-8"?>
-<ds:datastoreItem xmlns:ds="http://schemas.openxmlformats.org/officeDocument/2006/customXml" ds:itemID="{0205D5B8-50E2-42A6-ADDD-577B72710484}">
-  <ds:schemaRefs>
-    <ds:schemaRef ds:uri="http://schemas.microsoft.com/VisualStudio/2011/storyboarding/control"/>
-  </ds:schemaRefs>
-</ds:datastoreItem>
-</file>
-
-<file path=customXml/itemProps79.xml><?xml version="1.0" encoding="utf-8"?>
-<ds:datastoreItem xmlns:ds="http://schemas.openxmlformats.org/officeDocument/2006/customXml" ds:itemID="{BB9D8331-A5A0-4DC8-BED7-F17D94CE02E8}">
-  <ds:schemaRefs>
-    <ds:schemaRef ds:uri="http://schemas.microsoft.com/VisualStudio/2011/storyboarding/control"/>
-  </ds:schemaRefs>
-</ds:datastoreItem>
-</file>
-
-<file path=customXml/itemProps8.xml><?xml version="1.0" encoding="utf-8"?>
-<ds:datastoreItem xmlns:ds="http://schemas.openxmlformats.org/officeDocument/2006/customXml" ds:itemID="{A6CB5F7F-1B30-4371-AA4A-C09705431B7C}">
-  <ds:schemaRefs>
-    <ds:schemaRef ds:uri="http://schemas.microsoft.com/VisualStudio/2011/storyboarding/control"/>
-  </ds:schemaRefs>
-</ds:datastoreItem>
-</file>
-
-<file path=customXml/itemProps80.xml><?xml version="1.0" encoding="utf-8"?>
-<ds:datastoreItem xmlns:ds="http://schemas.openxmlformats.org/officeDocument/2006/customXml" ds:itemID="{F2948E7D-95F1-4C09-BF4C-141C6B60CBB5}">
-  <ds:schemaRefs>
-    <ds:schemaRef ds:uri="http://schemas.microsoft.com/VisualStudio/2011/storyboarding/control"/>
-  </ds:schemaRefs>
-</ds:datastoreItem>
-</file>
-
-<file path=customXml/itemProps81.xml><?xml version="1.0" encoding="utf-8"?>
-<ds:datastoreItem xmlns:ds="http://schemas.openxmlformats.org/officeDocument/2006/customXml" ds:itemID="{33EA19CF-64F4-42CF-A3DD-7DE1682232E2}">
-  <ds:schemaRefs>
-    <ds:schemaRef ds:uri="http://schemas.microsoft.com/VisualStudio/2011/storyboarding/control"/>
-  </ds:schemaRefs>
-</ds:datastoreItem>
-</file>
-
-<file path=customXml/itemProps82.xml><?xml version="1.0" encoding="utf-8"?>
-<ds:datastoreItem xmlns:ds="http://schemas.openxmlformats.org/officeDocument/2006/customXml" ds:itemID="{E44C9E77-1C35-4DBC-82DD-57E4D308EFBB}">
-  <ds:schemaRefs>
-    <ds:schemaRef ds:uri="http://schemas.microsoft.com/VisualStudio/2011/storyboarding/control"/>
-  </ds:schemaRefs>
-</ds:datastoreItem>
-</file>
-
-<file path=customXml/itemProps83.xml><?xml version="1.0" encoding="utf-8"?>
-<ds:datastoreItem xmlns:ds="http://schemas.openxmlformats.org/officeDocument/2006/customXml" ds:itemID="{DDE8CEAB-FAAF-46B5-9BC4-6BAA48DFB915}">
-  <ds:schemaRefs>
-    <ds:schemaRef ds:uri="http://schemas.microsoft.com/VisualStudio/2011/storyboarding/control"/>
-  </ds:schemaRefs>
-</ds:datastoreItem>
-</file>
-
-<file path=customXml/itemProps84.xml><?xml version="1.0" encoding="utf-8"?>
-<ds:datastoreItem xmlns:ds="http://schemas.openxmlformats.org/officeDocument/2006/customXml" ds:itemID="{68BF0817-02E7-4175-AEC7-8477E7F612E9}">
-  <ds:schemaRefs>
-    <ds:schemaRef ds:uri="http://schemas.microsoft.com/VisualStudio/2011/storyboarding/control"/>
-  </ds:schemaRefs>
-</ds:datastoreItem>
-</file>
-
-<file path=customXml/itemProps85.xml><?xml version="1.0" encoding="utf-8"?>
-<ds:datastoreItem xmlns:ds="http://schemas.openxmlformats.org/officeDocument/2006/customXml" ds:itemID="{CD29ED7C-7003-4640-8A56-61BBEE20B1F0}">
-  <ds:schemaRefs>
-    <ds:schemaRef ds:uri="http://schemas.microsoft.com/VisualStudio/2011/storyboarding/control"/>
-  </ds:schemaRefs>
-</ds:datastoreItem>
-</file>
-
-<file path=customXml/itemProps86.xml><?xml version="1.0" encoding="utf-8"?>
-<ds:datastoreItem xmlns:ds="http://schemas.openxmlformats.org/officeDocument/2006/customXml" ds:itemID="{192B0C59-AF18-4932-A8CE-C28065725D2A}">
-  <ds:schemaRefs>
-    <ds:schemaRef ds:uri="http://schemas.microsoft.com/VisualStudio/2011/storyboarding/control"/>
-  </ds:schemaRefs>
-</ds:datastoreItem>
-</file>
-
-<file path=customXml/itemProps87.xml><?xml version="1.0" encoding="utf-8"?>
-<ds:datastoreItem xmlns:ds="http://schemas.openxmlformats.org/officeDocument/2006/customXml" ds:itemID="{8B3DF17E-302B-453F-A2FD-6CDC4C0170AA}">
-  <ds:schemaRefs>
-    <ds:schemaRef ds:uri="http://schemas.microsoft.com/VisualStudio/2011/storyboarding/control"/>
-  </ds:schemaRefs>
-</ds:datastoreItem>
-</file>
-
-<file path=customXml/itemProps88.xml><?xml version="1.0" encoding="utf-8"?>
-<ds:datastoreItem xmlns:ds="http://schemas.openxmlformats.org/officeDocument/2006/customXml" ds:itemID="{FE6E328A-6A73-4FA6-A99D-5520E55E5B7D}">
-  <ds:schemaRefs>
-    <ds:schemaRef ds:uri="http://schemas.microsoft.com/VisualStudio/2011/storyboarding/control"/>
-  </ds:schemaRefs>
-</ds:datastoreItem>
-</file>
-
-<file path=customXml/itemProps89.xml><?xml version="1.0" encoding="utf-8"?>
-<ds:datastoreItem xmlns:ds="http://schemas.openxmlformats.org/officeDocument/2006/customXml" ds:itemID="{DD4B0EF4-5BAE-4815-B342-64E17EEBDB97}">
-  <ds:schemaRefs>
-    <ds:schemaRef ds:uri="http://schemas.microsoft.com/VisualStudio/2011/storyboarding/control"/>
-  </ds:schemaRefs>
-</ds:datastoreItem>
-</file>
-
-<file path=customXml/itemProps9.xml><?xml version="1.0" encoding="utf-8"?>
-<ds:datastoreItem xmlns:ds="http://schemas.openxmlformats.org/officeDocument/2006/customXml" ds:itemID="{9441CC7A-8DA1-4C19-B524-DD31C7A19972}">
-  <ds:schemaRefs>
-    <ds:schemaRef ds:uri="http://schemas.microsoft.com/VisualStudio/2011/storyboarding/control"/>
-  </ds:schemaRefs>
-</ds:datastoreItem>
-</file>
-
-<file path=customXml/itemProps90.xml><?xml version="1.0" encoding="utf-8"?>
-<ds:datastoreItem xmlns:ds="http://schemas.openxmlformats.org/officeDocument/2006/customXml" ds:itemID="{47953D14-6ADC-4DA0-8BCD-D5FB70B1B04A}">
-  <ds:schemaRefs>
-    <ds:schemaRef ds:uri="http://schemas.microsoft.com/VisualStudio/2011/storyboarding/control"/>
-  </ds:schemaRefs>
-</ds:datastoreItem>
-</file>
-
-<file path=customXml/itemProps91.xml><?xml version="1.0" encoding="utf-8"?>
-<ds:datastoreItem xmlns:ds="http://schemas.openxmlformats.org/officeDocument/2006/customXml" ds:itemID="{7D3F1746-26F3-4D5F-8DB1-4CE59AC409F7}">
-  <ds:schemaRefs>
-    <ds:schemaRef ds:uri="http://schemas.microsoft.com/VisualStudio/2011/storyboarding/control"/>
-  </ds:schemaRefs>
-</ds:datastoreItem>
-</file>
-
-<file path=customXml/itemProps92.xml><?xml version="1.0" encoding="utf-8"?>
-<ds:datastoreItem xmlns:ds="http://schemas.openxmlformats.org/officeDocument/2006/customXml" ds:itemID="{C4F6D4BE-A130-482B-BA98-1CB53DA976CA}">
-  <ds:schemaRefs>
-    <ds:schemaRef ds:uri="http://schemas.microsoft.com/VisualStudio/2011/storyboarding/control"/>
-  </ds:schemaRefs>
-</ds:datastoreItem>
-</file>
-
-<file path=customXml/itemProps93.xml><?xml version="1.0" encoding="utf-8"?>
-<ds:datastoreItem xmlns:ds="http://schemas.openxmlformats.org/officeDocument/2006/customXml" ds:itemID="{8034C046-287A-40CC-BFAD-DD9798F69203}">
-  <ds:schemaRefs>
-    <ds:schemaRef ds:uri="http://schemas.microsoft.com/VisualStudio/2011/storyboarding/control"/>
-  </ds:schemaRefs>
-</ds:datastoreItem>
-</file>
-
-<file path=customXml/itemProps94.xml><?xml version="1.0" encoding="utf-8"?>
-<ds:datastoreItem xmlns:ds="http://schemas.openxmlformats.org/officeDocument/2006/customXml" ds:itemID="{A4C33EEA-7075-4651-97E3-4829E38E21EA}">
-  <ds:schemaRefs>
-    <ds:schemaRef ds:uri="http://schemas.microsoft.com/VisualStudio/2011/storyboarding/control"/>
-  </ds:schemaRefs>
-</ds:datastoreItem>
-</file>
-
-<file path=customXml/itemProps95.xml><?xml version="1.0" encoding="utf-8"?>
-<ds:datastoreItem xmlns:ds="http://schemas.openxmlformats.org/officeDocument/2006/customXml" ds:itemID="{F09024E1-1C18-4E75-B068-E418EE7D2650}">
-  <ds:schemaRefs>
-    <ds:schemaRef ds:uri="http://schemas.microsoft.com/VisualStudio/2011/storyboarding/control"/>
-  </ds:schemaRefs>
-</ds:datastoreItem>
-</file>
-
-<file path=customXml/itemProps96.xml><?xml version="1.0" encoding="utf-8"?>
-<ds:datastoreItem xmlns:ds="http://schemas.openxmlformats.org/officeDocument/2006/customXml" ds:itemID="{59D0369F-25C4-46DE-8418-DF66EC3FEC68}">
-  <ds:schemaRefs>
-    <ds:schemaRef ds:uri="http://schemas.microsoft.com/VisualStudio/2011/storyboarding/control"/>
-  </ds:schemaRefs>
-</ds:datastoreItem>
-</file>
-
-<file path=customXml/itemProps97.xml><?xml version="1.0" encoding="utf-8"?>
-<ds:datastoreItem xmlns:ds="http://schemas.openxmlformats.org/officeDocument/2006/customXml" ds:itemID="{59AEDDE6-08CE-4516-9790-E1D7499AD12F}">
-  <ds:schemaRefs>
-    <ds:schemaRef ds:uri="http://schemas.microsoft.com/VisualStudio/2011/storyboarding/control"/>
-  </ds:schemaRefs>
-</ds:datastoreItem>
-</file>
-
-<file path=customXml/itemProps98.xml><?xml version="1.0" encoding="utf-8"?>
-<ds:datastoreItem xmlns:ds="http://schemas.openxmlformats.org/officeDocument/2006/customXml" ds:itemID="{4AA25D42-EDA7-4712-8354-F682B1D61ABE}">
-  <ds:schemaRefs>
-    <ds:schemaRef ds:uri="http://schemas.microsoft.com/VisualStudio/2011/storyboarding/control"/>
-  </ds:schemaRefs>
-</ds:datastoreItem>
-</file>
-
-<file path=customXml/itemProps99.xml><?xml version="1.0" encoding="utf-8"?>
-<ds:datastoreItem xmlns:ds="http://schemas.openxmlformats.org/officeDocument/2006/customXml" ds:itemID="{CF586D09-EEB6-4A49-AAE1-88E826EEDC73}">
-  <ds:schemaRefs>
-    <ds:schemaRef ds:uri="http://schemas.microsoft.com/VisualStudio/2011/storyboarding/control"/>
-  </ds:schemaRefs>
-</ds:datastoreItem>
 </file>
--- a/Maquettage.pptx
+++ b/Maquettage.pptx
@@ -2,19 +2,19 @@
 <file path=ppt/presentation.xml><?xml version="1.0" encoding="utf-8"?>
 <p:presentation xmlns:a="http://schemas.openxmlformats.org/drawingml/2006/main" xmlns:r="http://schemas.openxmlformats.org/officeDocument/2006/relationships" xmlns:p="http://schemas.openxmlformats.org/presentationml/2006/main" saveSubsetFonts="1">
   <p:sldMasterIdLst>
-    <p:sldMasterId id="2147483660" r:id="rId211"/>
+    <p:sldMasterId id="2147483660" r:id="rId213"/>
   </p:sldMasterIdLst>
   <p:sldIdLst>
-    <p:sldId id="268" r:id="rId212"/>
-    <p:sldId id="259" r:id="rId213"/>
-    <p:sldId id="260" r:id="rId214"/>
-    <p:sldId id="261" r:id="rId215"/>
-    <p:sldId id="262" r:id="rId216"/>
-    <p:sldId id="263" r:id="rId217"/>
-    <p:sldId id="264" r:id="rId218"/>
-    <p:sldId id="265" r:id="rId219"/>
-    <p:sldId id="266" r:id="rId220"/>
-    <p:sldId id="267" r:id="rId221"/>
+    <p:sldId id="268" r:id="rId214"/>
+    <p:sldId id="259" r:id="rId215"/>
+    <p:sldId id="260" r:id="rId216"/>
+    <p:sldId id="261" r:id="rId217"/>
+    <p:sldId id="262" r:id="rId218"/>
+    <p:sldId id="263" r:id="rId219"/>
+    <p:sldId id="264" r:id="rId220"/>
+    <p:sldId id="265" r:id="rId221"/>
+    <p:sldId id="266" r:id="rId222"/>
+    <p:sldId id="267" r:id="rId223"/>
   </p:sldIdLst>
   <p:sldSz cx="12192000" cy="6858000"/>
   <p:notesSz cx="6858000" cy="9144000"/>
@@ -9773,7 +9773,7 @@
         <p:grpSpPr>
           <a:xfrm>
             <a:off x="0" y="-938202"/>
-            <a:ext cx="12192000" cy="9567851"/>
+            <a:ext cx="12192000" cy="8722980"/>
             <a:chOff x="0" y="43508"/>
             <a:chExt cx="9144000" cy="6814491"/>
           </a:xfrm>
@@ -10343,8 +10343,8 @@
           </p:nvSpPr>
           <p:spPr>
             <a:xfrm>
-              <a:off x="76200" y="685159"/>
-              <a:ext cx="8991600" cy="6066801"/>
+              <a:off x="76200" y="685160"/>
+              <a:ext cx="8991600" cy="6088580"/>
             </a:xfrm>
             <a:prstGeom prst="rect">
               <a:avLst/>
@@ -10368,7 +10368,7 @@
             <a:lstStyle/>
             <a:p>
               <a:pPr algn="ctr"/>
-              <a:endParaRPr lang="en-US" sz="1050" kern="0" dirty="0">
+              <a:endParaRPr lang="fr-FR" sz="1050" kern="0" noProof="0" dirty="0">
                 <a:solidFill>
                   <a:prstClr val="white"/>
                 </a:solidFill>
@@ -10412,7 +10412,7 @@
               <p:nvPr/>
             </p:nvPicPr>
             <p:blipFill>
-              <a:blip r:embed="rId25" cstate="print">
+              <a:blip r:embed="rId26" cstate="print">
                 <a:extLst>
                   <a:ext uri="{28A0092B-C50C-407E-A947-70E740481C1C}">
                     <a14:useLocalDpi xmlns:a14="http://schemas.microsoft.com/office/drawing/2010/main" val="0"/>
@@ -10459,7 +10459,7 @@
               <p:nvPr/>
             </p:nvPicPr>
             <p:blipFill rotWithShape="1">
-              <a:blip r:embed="rId26" cstate="print">
+              <a:blip r:embed="rId27" cstate="print">
                 <a:extLst>
                   <a:ext uri="{28A0092B-C50C-407E-A947-70E740481C1C}">
                     <a14:useLocalDpi xmlns:a14="http://schemas.microsoft.com/office/drawing/2010/main" val="0"/>
@@ -10504,7 +10504,7 @@
               <p:nvPr/>
             </p:nvPicPr>
             <p:blipFill>
-              <a:blip r:embed="rId27" cstate="print">
+              <a:blip r:embed="rId28" cstate="print">
                 <a:extLst>
                   <a:ext uri="{28A0092B-C50C-407E-A947-70E740481C1C}">
                     <a14:useLocalDpi xmlns:a14="http://schemas.microsoft.com/office/drawing/2010/main" val="0"/>
@@ -10645,7 +10645,7 @@
                 <p:nvPr/>
               </p:nvPicPr>
               <p:blipFill>
-                <a:blip r:embed="rId28" cstate="print">
+                <a:blip r:embed="rId29" cstate="print">
                   <a:extLst>
                     <a:ext uri="{28A0092B-C50C-407E-A947-70E740481C1C}">
                       <a14:useLocalDpi xmlns:a14="http://schemas.microsoft.com/office/drawing/2010/main" val="0"/>
@@ -10692,7 +10692,7 @@
                 <p:nvPr/>
               </p:nvPicPr>
               <p:blipFill>
-                <a:blip r:embed="rId29" cstate="print">
+                <a:blip r:embed="rId30" cstate="print">
                   <a:extLst>
                     <a:ext uri="{28A0092B-C50C-407E-A947-70E740481C1C}">
                       <a14:useLocalDpi xmlns:a14="http://schemas.microsoft.com/office/drawing/2010/main" val="0"/>
@@ -10739,7 +10739,7 @@
                 <p:nvPr/>
               </p:nvPicPr>
               <p:blipFill>
-                <a:blip r:embed="rId30" cstate="print">
+                <a:blip r:embed="rId31" cstate="print">
                   <a:extLst>
                     <a:ext uri="{28A0092B-C50C-407E-A947-70E740481C1C}">
                       <a14:useLocalDpi xmlns:a14="http://schemas.microsoft.com/office/drawing/2010/main" val="0"/>
@@ -10896,7 +10896,7 @@
           <p:nvPr userDrawn="1"/>
         </p:nvPicPr>
         <p:blipFill>
-          <a:blip r:embed="rId31"/>
+          <a:blip r:embed="rId32"/>
           <a:stretch>
             <a:fillRect/>
           </a:stretch>
@@ -10929,8 +10929,8 @@
         </p:nvGrpSpPr>
         <p:grpSpPr>
           <a:xfrm>
-            <a:off x="101600" y="8120481"/>
-            <a:ext cx="11988315" cy="344497"/>
+            <a:off x="0" y="7795217"/>
+            <a:ext cx="12192000" cy="344497"/>
             <a:chOff x="0" y="6472934"/>
             <a:chExt cx="9142195" cy="386081"/>
           </a:xfrm>
@@ -13049,6 +13049,842 @@
           </p:sp>
         </p:grpSp>
       </p:grpSp>
+      <p:sp>
+        <p:nvSpPr>
+          <p:cNvPr id="69" name="Tile">
+            <a:extLst>
+              <a:ext uri="{FF2B5EF4-FFF2-40B4-BE49-F238E27FC236}">
+                <a16:creationId xmlns:a16="http://schemas.microsoft.com/office/drawing/2014/main" id="{09528970-871B-46EF-A6EE-4DC9CA1E8EA2}"/>
+              </a:ext>
+            </a:extLst>
+          </p:cNvPr>
+          <p:cNvSpPr/>
+          <p:nvPr userDrawn="1">
+            <p:custDataLst>
+              <p:custData r:id="rId14"/>
+            </p:custDataLst>
+          </p:nvPr>
+        </p:nvSpPr>
+        <p:spPr>
+          <a:xfrm>
+            <a:off x="101600" y="7435545"/>
+            <a:ext cx="11988315" cy="253442"/>
+          </a:xfrm>
+          <a:prstGeom prst="rect">
+            <a:avLst/>
+          </a:prstGeom>
+          <a:solidFill>
+            <a:srgbClr val="FFFFFF">
+              <a:lumMod val="85000"/>
+            </a:srgbClr>
+          </a:solidFill>
+          <a:ln>
+            <a:noFill/>
+          </a:ln>
+        </p:spPr>
+        <p:style>
+          <a:lnRef idx="2">
+            <a:srgbClr val="4F81BD">
+              <a:shade val="50000"/>
+            </a:srgbClr>
+          </a:lnRef>
+          <a:fillRef idx="1">
+            <a:srgbClr val="4F81BD"/>
+          </a:fillRef>
+          <a:effectRef idx="0">
+            <a:srgbClr val="4F81BD"/>
+          </a:effectRef>
+          <a:fontRef idx="minor">
+            <a:srgbClr val="000000"/>
+          </a:fontRef>
+        </p:style>
+        <p:txBody>
+          <a:bodyPr rtlCol="0" anchor="ctr"/>
+          <a:lstStyle/>
+          <a:p>
+            <a:pPr algn="ctr"/>
+            <a:endParaRPr lang="en-US" dirty="0"/>
+          </a:p>
+        </p:txBody>
+      </p:sp>
+      <p:sp>
+        <p:nvSpPr>
+          <p:cNvPr id="70" name="Content">
+            <a:extLst>
+              <a:ext uri="{FF2B5EF4-FFF2-40B4-BE49-F238E27FC236}">
+                <a16:creationId xmlns:a16="http://schemas.microsoft.com/office/drawing/2014/main" id="{28B44F1E-CBA7-4461-AA1C-87506A467715}"/>
+              </a:ext>
+            </a:extLst>
+          </p:cNvPr>
+          <p:cNvSpPr txBox="1"/>
+          <p:nvPr userDrawn="1">
+            <p:custDataLst>
+              <p:custData r:id="rId15"/>
+            </p:custDataLst>
+          </p:nvPr>
+        </p:nvSpPr>
+        <p:spPr>
+          <a:xfrm>
+            <a:off x="60902" y="0"/>
+            <a:ext cx="3371958" cy="415498"/>
+          </a:xfrm>
+          <a:prstGeom prst="rect">
+            <a:avLst/>
+          </a:prstGeom>
+          <a:noFill/>
+        </p:spPr>
+        <p:txBody>
+          <a:bodyPr wrap="square" lIns="91440" tIns="18288" rIns="91440" bIns="27432" rtlCol="0" anchor="ctr" anchorCtr="0">
+            <a:spAutoFit/>
+          </a:bodyPr>
+          <a:lstStyle/>
+          <a:p>
+            <a:r>
+              <a:rPr lang="en-US" sz="2400" dirty="0">
+                <a:solidFill>
+                  <a:srgbClr val="000000"/>
+                </a:solidFill>
+                <a:latin typeface="Segoe UI" pitchFamily="34" charset="0"/>
+                <a:ea typeface="Segoe UI" pitchFamily="34" charset="0"/>
+                <a:cs typeface="Segoe UI" pitchFamily="34" charset="0"/>
+              </a:rPr>
+              <a:t>SOND-AGE DE PIERRE</a:t>
+            </a:r>
+          </a:p>
+        </p:txBody>
+      </p:sp>
+      <p:sp>
+        <p:nvSpPr>
+          <p:cNvPr id="71" name="Tile">
+            <a:extLst>
+              <a:ext uri="{FF2B5EF4-FFF2-40B4-BE49-F238E27FC236}">
+                <a16:creationId xmlns:a16="http://schemas.microsoft.com/office/drawing/2014/main" id="{97024598-2560-4521-AADA-61D89D1DA3F5}"/>
+              </a:ext>
+            </a:extLst>
+          </p:cNvPr>
+          <p:cNvSpPr/>
+          <p:nvPr userDrawn="1">
+            <p:custDataLst>
+              <p:custData r:id="rId16"/>
+            </p:custDataLst>
+          </p:nvPr>
+        </p:nvSpPr>
+        <p:spPr>
+          <a:xfrm>
+            <a:off x="115797" y="1403840"/>
+            <a:ext cx="11682851" cy="452462"/>
+          </a:xfrm>
+          <a:prstGeom prst="rect">
+            <a:avLst/>
+          </a:prstGeom>
+          <a:solidFill>
+            <a:srgbClr val="FFFFFF">
+              <a:lumMod val="85000"/>
+            </a:srgbClr>
+          </a:solidFill>
+          <a:ln>
+            <a:noFill/>
+          </a:ln>
+        </p:spPr>
+        <p:style>
+          <a:lnRef idx="2">
+            <a:srgbClr val="4F81BD">
+              <a:shade val="50000"/>
+            </a:srgbClr>
+          </a:lnRef>
+          <a:fillRef idx="1">
+            <a:srgbClr val="4F81BD"/>
+          </a:fillRef>
+          <a:effectRef idx="0">
+            <a:srgbClr val="4F81BD"/>
+          </a:effectRef>
+          <a:fontRef idx="minor">
+            <a:srgbClr val="000000"/>
+          </a:fontRef>
+        </p:style>
+        <p:txBody>
+          <a:bodyPr rtlCol="0" anchor="ctr"/>
+          <a:lstStyle/>
+          <a:p>
+            <a:pPr algn="ctr"/>
+            <a:endParaRPr lang="en-US" dirty="0"/>
+          </a:p>
+        </p:txBody>
+      </p:sp>
+      <p:sp>
+        <p:nvSpPr>
+          <p:cNvPr id="72" name="Tile">
+            <a:hlinkClick r:id="rId33" action="ppaction://hlinksldjump"/>
+            <a:extLst>
+              <a:ext uri="{FF2B5EF4-FFF2-40B4-BE49-F238E27FC236}">
+                <a16:creationId xmlns:a16="http://schemas.microsoft.com/office/drawing/2014/main" id="{75B020CB-4996-4FAB-BD5A-BA07C10E94FE}"/>
+              </a:ext>
+            </a:extLst>
+          </p:cNvPr>
+          <p:cNvSpPr/>
+          <p:nvPr userDrawn="1">
+            <p:custDataLst>
+              <p:custData r:id="rId17"/>
+            </p:custDataLst>
+          </p:nvPr>
+        </p:nvSpPr>
+        <p:spPr>
+          <a:xfrm>
+            <a:off x="212060" y="1479335"/>
+            <a:ext cx="1570333" cy="325045"/>
+          </a:xfrm>
+          <a:prstGeom prst="rect">
+            <a:avLst/>
+          </a:prstGeom>
+          <a:solidFill>
+            <a:schemeClr val="bg2">
+              <a:lumMod val="75000"/>
+            </a:schemeClr>
+          </a:solidFill>
+          <a:ln>
+            <a:noFill/>
+          </a:ln>
+        </p:spPr>
+        <p:style>
+          <a:lnRef idx="2">
+            <a:srgbClr val="4F81BD">
+              <a:shade val="50000"/>
+            </a:srgbClr>
+          </a:lnRef>
+          <a:fillRef idx="1">
+            <a:srgbClr val="4F81BD"/>
+          </a:fillRef>
+          <a:effectRef idx="0">
+            <a:srgbClr val="4F81BD"/>
+          </a:effectRef>
+          <a:fontRef idx="minor">
+            <a:srgbClr val="000000"/>
+          </a:fontRef>
+        </p:style>
+        <p:txBody>
+          <a:bodyPr rtlCol="0" anchor="ctr"/>
+          <a:lstStyle/>
+          <a:p>
+            <a:pPr algn="ctr"/>
+            <a:r>
+              <a:rPr lang="fr-FR" sz="1400" noProof="0" dirty="0"/>
+              <a:t>Sondages</a:t>
+            </a:r>
+            <a:r>
+              <a:rPr lang="en-US" sz="1400" dirty="0"/>
+              <a:t> </a:t>
+            </a:r>
+            <a:r>
+              <a:rPr lang="fr-FR" sz="1400" noProof="0" dirty="0"/>
+              <a:t>récents</a:t>
+            </a:r>
+          </a:p>
+        </p:txBody>
+      </p:sp>
+      <p:sp>
+        <p:nvSpPr>
+          <p:cNvPr id="73" name="Tile">
+            <a:hlinkClick r:id="rId34" action="ppaction://hlinksldjump"/>
+            <a:extLst>
+              <a:ext uri="{FF2B5EF4-FFF2-40B4-BE49-F238E27FC236}">
+                <a16:creationId xmlns:a16="http://schemas.microsoft.com/office/drawing/2014/main" id="{864FB0A0-06A1-44DB-A80A-61CE6BD846F4}"/>
+              </a:ext>
+            </a:extLst>
+          </p:cNvPr>
+          <p:cNvSpPr/>
+          <p:nvPr userDrawn="1">
+            <p:custDataLst>
+              <p:custData r:id="rId18"/>
+            </p:custDataLst>
+          </p:nvPr>
+        </p:nvSpPr>
+        <p:spPr>
+          <a:xfrm>
+            <a:off x="1885224" y="1467849"/>
+            <a:ext cx="1817772" cy="336531"/>
+          </a:xfrm>
+          <a:prstGeom prst="rect">
+            <a:avLst/>
+          </a:prstGeom>
+          <a:solidFill>
+            <a:schemeClr val="bg2">
+              <a:lumMod val="75000"/>
+            </a:schemeClr>
+          </a:solidFill>
+          <a:ln>
+            <a:noFill/>
+          </a:ln>
+        </p:spPr>
+        <p:style>
+          <a:lnRef idx="2">
+            <a:srgbClr val="4F81BD">
+              <a:shade val="50000"/>
+            </a:srgbClr>
+          </a:lnRef>
+          <a:fillRef idx="1">
+            <a:srgbClr val="4F81BD"/>
+          </a:fillRef>
+          <a:effectRef idx="0">
+            <a:srgbClr val="4F81BD"/>
+          </a:effectRef>
+          <a:fontRef idx="minor">
+            <a:srgbClr val="000000"/>
+          </a:fontRef>
+        </p:style>
+        <p:txBody>
+          <a:bodyPr rtlCol="0" anchor="ctr"/>
+          <a:lstStyle/>
+          <a:p>
+            <a:pPr algn="ctr"/>
+            <a:r>
+              <a:rPr lang="en-US" sz="1400" dirty="0" err="1"/>
+              <a:t>Sondages</a:t>
+            </a:r>
+            <a:r>
+              <a:rPr lang="en-US" sz="1400" dirty="0"/>
+              <a:t> </a:t>
+            </a:r>
+            <a:r>
+              <a:rPr lang="en-US" sz="1400" dirty="0" err="1"/>
+              <a:t>populaires</a:t>
+            </a:r>
+            <a:endParaRPr lang="en-US" sz="1400" dirty="0"/>
+          </a:p>
+        </p:txBody>
+      </p:sp>
+      <p:sp>
+        <p:nvSpPr>
+          <p:cNvPr id="74" name="Tile">
+            <a:hlinkClick r:id="rId35" action="ppaction://hlinksldjump"/>
+            <a:extLst>
+              <a:ext uri="{FF2B5EF4-FFF2-40B4-BE49-F238E27FC236}">
+                <a16:creationId xmlns:a16="http://schemas.microsoft.com/office/drawing/2014/main" id="{0374338C-9C14-4CC0-A080-6154FC9B4B1F}"/>
+              </a:ext>
+            </a:extLst>
+          </p:cNvPr>
+          <p:cNvSpPr/>
+          <p:nvPr userDrawn="1">
+            <p:custDataLst>
+              <p:custData r:id="rId19"/>
+            </p:custDataLst>
+          </p:nvPr>
+        </p:nvSpPr>
+        <p:spPr>
+          <a:xfrm>
+            <a:off x="5403795" y="1479335"/>
+            <a:ext cx="1529787" cy="317729"/>
+          </a:xfrm>
+          <a:prstGeom prst="rect">
+            <a:avLst/>
+          </a:prstGeom>
+          <a:solidFill>
+            <a:schemeClr val="bg2">
+              <a:lumMod val="75000"/>
+            </a:schemeClr>
+          </a:solidFill>
+          <a:ln>
+            <a:noFill/>
+          </a:ln>
+        </p:spPr>
+        <p:style>
+          <a:lnRef idx="2">
+            <a:srgbClr val="4F81BD">
+              <a:shade val="50000"/>
+            </a:srgbClr>
+          </a:lnRef>
+          <a:fillRef idx="1">
+            <a:srgbClr val="4F81BD"/>
+          </a:fillRef>
+          <a:effectRef idx="0">
+            <a:srgbClr val="4F81BD"/>
+          </a:effectRef>
+          <a:fontRef idx="minor">
+            <a:srgbClr val="000000"/>
+          </a:fontRef>
+        </p:style>
+        <p:txBody>
+          <a:bodyPr rtlCol="0" anchor="ctr"/>
+          <a:lstStyle/>
+          <a:p>
+            <a:pPr algn="ctr"/>
+            <a:r>
+              <a:rPr lang="en-US" sz="1400" dirty="0" err="1"/>
+              <a:t>Créer</a:t>
+            </a:r>
+            <a:r>
+              <a:rPr lang="en-US" sz="1400" dirty="0"/>
+              <a:t> un </a:t>
+            </a:r>
+            <a:r>
+              <a:rPr lang="en-US" sz="1400" dirty="0" err="1"/>
+              <a:t>sondage</a:t>
+            </a:r>
+            <a:endParaRPr lang="en-US" sz="1400" dirty="0"/>
+          </a:p>
+        </p:txBody>
+      </p:sp>
+      <p:sp>
+        <p:nvSpPr>
+          <p:cNvPr id="75" name="Tile">
+            <a:hlinkClick r:id="rId36" action="ppaction://hlinksldjump"/>
+            <a:extLst>
+              <a:ext uri="{FF2B5EF4-FFF2-40B4-BE49-F238E27FC236}">
+                <a16:creationId xmlns:a16="http://schemas.microsoft.com/office/drawing/2014/main" id="{73FE1FF2-7B22-4080-BC16-0483435448A2}"/>
+              </a:ext>
+            </a:extLst>
+          </p:cNvPr>
+          <p:cNvSpPr/>
+          <p:nvPr userDrawn="1">
+            <p:custDataLst>
+              <p:custData r:id="rId20"/>
+            </p:custDataLst>
+          </p:nvPr>
+        </p:nvSpPr>
+        <p:spPr>
+          <a:xfrm>
+            <a:off x="11007034" y="7483002"/>
+            <a:ext cx="731694" cy="158344"/>
+          </a:xfrm>
+          <a:prstGeom prst="rect">
+            <a:avLst/>
+          </a:prstGeom>
+          <a:solidFill>
+            <a:schemeClr val="bg2">
+              <a:lumMod val="75000"/>
+            </a:schemeClr>
+          </a:solidFill>
+          <a:ln>
+            <a:noFill/>
+          </a:ln>
+        </p:spPr>
+        <p:style>
+          <a:lnRef idx="2">
+            <a:srgbClr val="4F81BD">
+              <a:shade val="50000"/>
+            </a:srgbClr>
+          </a:lnRef>
+          <a:fillRef idx="1">
+            <a:srgbClr val="4F81BD"/>
+          </a:fillRef>
+          <a:effectRef idx="0">
+            <a:srgbClr val="4F81BD"/>
+          </a:effectRef>
+          <a:fontRef idx="minor">
+            <a:srgbClr val="000000"/>
+          </a:fontRef>
+        </p:style>
+        <p:txBody>
+          <a:bodyPr rtlCol="0" anchor="ctr"/>
+          <a:lstStyle/>
+          <a:p>
+            <a:pPr algn="ctr"/>
+            <a:r>
+              <a:rPr lang="en-US" sz="1200" dirty="0"/>
+              <a:t>Contact</a:t>
+            </a:r>
+          </a:p>
+        </p:txBody>
+      </p:sp>
+      <p:grpSp>
+        <p:nvGrpSpPr>
+          <p:cNvPr id="77" name="Image">
+            <a:extLst>
+              <a:ext uri="{FF2B5EF4-FFF2-40B4-BE49-F238E27FC236}">
+                <a16:creationId xmlns:a16="http://schemas.microsoft.com/office/drawing/2014/main" id="{6F6BAEE9-EB79-4A76-8C99-86DAB4BAA707}"/>
+              </a:ext>
+            </a:extLst>
+          </p:cNvPr>
+          <p:cNvGrpSpPr/>
+          <p:nvPr userDrawn="1">
+            <p:custDataLst>
+              <p:custData r:id="rId21"/>
+            </p:custDataLst>
+          </p:nvPr>
+        </p:nvGrpSpPr>
+        <p:grpSpPr>
+          <a:xfrm>
+            <a:off x="3854098" y="-32283"/>
+            <a:ext cx="7938035" cy="1381657"/>
+            <a:chOff x="4037608" y="2896991"/>
+            <a:chExt cx="1059255" cy="1059255"/>
+          </a:xfrm>
+        </p:grpSpPr>
+        <p:sp>
+          <p:nvSpPr>
+            <p:cNvPr id="78" name="Rectangle 77">
+              <a:extLst>
+                <a:ext uri="{FF2B5EF4-FFF2-40B4-BE49-F238E27FC236}">
+                  <a16:creationId xmlns:a16="http://schemas.microsoft.com/office/drawing/2014/main" id="{EE9133E3-8D0B-4A3A-8761-58131BFF2F99}"/>
+                </a:ext>
+              </a:extLst>
+            </p:cNvPr>
+            <p:cNvSpPr/>
+            <p:nvPr/>
+          </p:nvSpPr>
+          <p:spPr>
+            <a:xfrm>
+              <a:off x="4037608" y="2896991"/>
+              <a:ext cx="1059255" cy="1059255"/>
+            </a:xfrm>
+            <a:prstGeom prst="rect">
+              <a:avLst/>
+            </a:prstGeom>
+            <a:solidFill>
+              <a:sysClr val="window" lastClr="FFFFFF"/>
+            </a:solidFill>
+            <a:ln w="3175" cap="flat" cmpd="sng" algn="ctr">
+              <a:solidFill>
+                <a:srgbClr val="FFFFFF">
+                  <a:lumMod val="50000"/>
+                </a:srgbClr>
+              </a:solidFill>
+              <a:prstDash val="solid"/>
+            </a:ln>
+            <a:effectLst/>
+          </p:spPr>
+          <p:txBody>
+            <a:bodyPr rot="0" spcFirstLastPara="0" vertOverflow="overflow" horzOverflow="overflow" vert="horz" wrap="square" lIns="45720" tIns="45720" rIns="91440" bIns="45720" numCol="1" spcCol="0" rtlCol="0" fromWordArt="0" anchor="ctr" anchorCtr="0" forceAA="0" compatLnSpc="1">
+              <a:prstTxWarp prst="textNoShape">
+                <a:avLst/>
+              </a:prstTxWarp>
+              <a:noAutofit/>
+            </a:bodyPr>
+            <a:lstStyle/>
+            <a:p>
+              <a:pPr marL="0" marR="0" indent="0" algn="ctr" defTabSz="914400" eaLnBrk="1" fontAlgn="auto" latinLnBrk="0" hangingPunct="1">
+                <a:lnSpc>
+                  <a:spcPct val="100000"/>
+                </a:lnSpc>
+                <a:spcBef>
+                  <a:spcPts val="0"/>
+                </a:spcBef>
+                <a:spcAft>
+                  <a:spcPts val="0"/>
+                </a:spcAft>
+                <a:buClrTx/>
+                <a:buSzTx/>
+                <a:buFontTx/>
+                <a:buNone/>
+                <a:tabLst/>
+              </a:pPr>
+              <a:endParaRPr kumimoji="0" lang="en-US" sz="800" b="0" i="0" u="none" strike="noStrike" kern="0" cap="none" spc="0" normalizeH="0" baseline="0" noProof="0" dirty="0">
+                <a:ln>
+                  <a:noFill/>
+                </a:ln>
+                <a:solidFill>
+                  <a:srgbClr val="000000">
+                    <a:lumMod val="75000"/>
+                    <a:lumOff val="25000"/>
+                  </a:srgbClr>
+                </a:solidFill>
+                <a:effectLst/>
+                <a:uLnTx/>
+                <a:uFillTx/>
+                <a:latin typeface="Segoe UI"/>
+                <a:ea typeface="+mn-ea"/>
+                <a:cs typeface="+mn-cs"/>
+              </a:endParaRPr>
+            </a:p>
+          </p:txBody>
+        </p:sp>
+        <p:cxnSp>
+          <p:nvCxnSpPr>
+            <p:cNvPr id="79" name="Straight Connector 3">
+              <a:extLst>
+                <a:ext uri="{FF2B5EF4-FFF2-40B4-BE49-F238E27FC236}">
+                  <a16:creationId xmlns:a16="http://schemas.microsoft.com/office/drawing/2014/main" id="{A9A30391-DDAC-469C-8A6D-7AAD39C8C711}"/>
+                </a:ext>
+              </a:extLst>
+            </p:cNvPr>
+            <p:cNvCxnSpPr/>
+            <p:nvPr/>
+          </p:nvCxnSpPr>
+          <p:spPr>
+            <a:xfrm>
+              <a:off x="4037608" y="2896991"/>
+              <a:ext cx="1059255" cy="1059255"/>
+            </a:xfrm>
+            <a:prstGeom prst="line">
+              <a:avLst/>
+            </a:prstGeom>
+            <a:ln w="3175">
+              <a:solidFill>
+                <a:srgbClr val="FFFFFF">
+                  <a:lumMod val="50000"/>
+                </a:srgbClr>
+              </a:solidFill>
+            </a:ln>
+          </p:spPr>
+          <p:style>
+            <a:lnRef idx="1">
+              <a:srgbClr val="FFFFFF"/>
+            </a:lnRef>
+            <a:fillRef idx="0">
+              <a:srgbClr val="FFFFFF"/>
+            </a:fillRef>
+            <a:effectRef idx="0">
+              <a:srgbClr val="FFFFFF"/>
+            </a:effectRef>
+            <a:fontRef idx="minor">
+              <a:srgbClr val="000000"/>
+            </a:fontRef>
+          </p:style>
+        </p:cxnSp>
+        <p:cxnSp>
+          <p:nvCxnSpPr>
+            <p:cNvPr id="80" name="Straight Connector 4">
+              <a:extLst>
+                <a:ext uri="{FF2B5EF4-FFF2-40B4-BE49-F238E27FC236}">
+                  <a16:creationId xmlns:a16="http://schemas.microsoft.com/office/drawing/2014/main" id="{FF0B974F-663B-4F32-9FE8-97F30B9F74C2}"/>
+                </a:ext>
+              </a:extLst>
+            </p:cNvPr>
+            <p:cNvCxnSpPr/>
+            <p:nvPr/>
+          </p:nvCxnSpPr>
+          <p:spPr>
+            <a:xfrm flipV="1">
+              <a:off x="4037608" y="2896991"/>
+              <a:ext cx="1059255" cy="1059255"/>
+            </a:xfrm>
+            <a:prstGeom prst="line">
+              <a:avLst/>
+            </a:prstGeom>
+            <a:ln w="3175">
+              <a:solidFill>
+                <a:srgbClr val="FFFFFF">
+                  <a:lumMod val="50000"/>
+                </a:srgbClr>
+              </a:solidFill>
+            </a:ln>
+          </p:spPr>
+          <p:style>
+            <a:lnRef idx="1">
+              <a:srgbClr val="FFFFFF"/>
+            </a:lnRef>
+            <a:fillRef idx="0">
+              <a:srgbClr val="FFFFFF"/>
+            </a:fillRef>
+            <a:effectRef idx="0">
+              <a:srgbClr val="FFFFFF"/>
+            </a:effectRef>
+            <a:fontRef idx="minor">
+              <a:srgbClr val="000000"/>
+            </a:fontRef>
+          </p:style>
+        </p:cxnSp>
+      </p:grpSp>
+      <p:sp>
+        <p:nvSpPr>
+          <p:cNvPr id="88" name="Tile">
+            <a:hlinkClick r:id="rId37" action="ppaction://hlinksldjump"/>
+            <a:extLst>
+              <a:ext uri="{FF2B5EF4-FFF2-40B4-BE49-F238E27FC236}">
+                <a16:creationId xmlns:a16="http://schemas.microsoft.com/office/drawing/2014/main" id="{20BD5839-D135-4BEB-801B-A226130EEF20}"/>
+              </a:ext>
+            </a:extLst>
+          </p:cNvPr>
+          <p:cNvSpPr/>
+          <p:nvPr userDrawn="1">
+            <p:custDataLst>
+              <p:custData r:id="rId22"/>
+            </p:custDataLst>
+          </p:nvPr>
+        </p:nvSpPr>
+        <p:spPr>
+          <a:xfrm>
+            <a:off x="3794503" y="1472019"/>
+            <a:ext cx="1507692" cy="325045"/>
+          </a:xfrm>
+          <a:prstGeom prst="rect">
+            <a:avLst/>
+          </a:prstGeom>
+          <a:solidFill>
+            <a:schemeClr val="bg2">
+              <a:lumMod val="75000"/>
+            </a:schemeClr>
+          </a:solidFill>
+          <a:ln>
+            <a:noFill/>
+          </a:ln>
+        </p:spPr>
+        <p:style>
+          <a:lnRef idx="2">
+            <a:srgbClr val="4F81BD">
+              <a:shade val="50000"/>
+            </a:srgbClr>
+          </a:lnRef>
+          <a:fillRef idx="1">
+            <a:srgbClr val="4F81BD"/>
+          </a:fillRef>
+          <a:effectRef idx="0">
+            <a:srgbClr val="4F81BD"/>
+          </a:effectRef>
+          <a:fontRef idx="minor">
+            <a:srgbClr val="000000"/>
+          </a:fontRef>
+        </p:style>
+        <p:txBody>
+          <a:bodyPr rtlCol="0" anchor="ctr"/>
+          <a:lstStyle/>
+          <a:p>
+            <a:pPr algn="ctr"/>
+            <a:r>
+              <a:rPr lang="en-US" sz="1400" dirty="0" err="1"/>
+              <a:t>Boite</a:t>
+            </a:r>
+            <a:r>
+              <a:rPr lang="en-US" sz="1400" dirty="0"/>
+              <a:t> à </a:t>
+            </a:r>
+            <a:r>
+              <a:rPr lang="en-US" sz="1400" dirty="0" err="1"/>
+              <a:t>idées</a:t>
+            </a:r>
+            <a:endParaRPr lang="en-US" sz="1400" dirty="0"/>
+          </a:p>
+        </p:txBody>
+      </p:sp>
+      <p:sp>
+        <p:nvSpPr>
+          <p:cNvPr id="82" name="Content">
+            <a:extLst>
+              <a:ext uri="{FF2B5EF4-FFF2-40B4-BE49-F238E27FC236}">
+                <a16:creationId xmlns:a16="http://schemas.microsoft.com/office/drawing/2014/main" id="{8EA157BD-68C4-4515-8569-AF1C4CABD455}"/>
+              </a:ext>
+            </a:extLst>
+          </p:cNvPr>
+          <p:cNvSpPr/>
+          <p:nvPr userDrawn="1">
+            <p:custDataLst>
+              <p:custData r:id="rId23"/>
+            </p:custDataLst>
+          </p:nvPr>
+        </p:nvSpPr>
+        <p:spPr>
+          <a:xfrm>
+            <a:off x="10327193" y="1537496"/>
+            <a:ext cx="1349980" cy="221987"/>
+          </a:xfrm>
+          <a:prstGeom prst="rect">
+            <a:avLst/>
+          </a:prstGeom>
+          <a:solidFill>
+            <a:srgbClr val="CCCCCC"/>
+          </a:solidFill>
+          <a:ln>
+            <a:noFill/>
+          </a:ln>
+        </p:spPr>
+        <p:style>
+          <a:lnRef idx="2">
+            <a:srgbClr val="4F81BD">
+              <a:shade val="50000"/>
+            </a:srgbClr>
+          </a:lnRef>
+          <a:fillRef idx="1">
+            <a:srgbClr val="4F81BD"/>
+          </a:fillRef>
+          <a:effectRef idx="0">
+            <a:srgbClr val="4F81BD"/>
+          </a:effectRef>
+          <a:fontRef idx="minor">
+            <a:srgbClr val="000000"/>
+          </a:fontRef>
+        </p:style>
+        <p:txBody>
+          <a:bodyPr rtlCol="0" anchor="ctr"/>
+          <a:lstStyle/>
+          <a:p>
+            <a:pPr algn="ctr"/>
+            <a:r>
+              <a:rPr lang="en-US" sz="1100" dirty="0" err="1">
+                <a:solidFill>
+                  <a:srgbClr val="000000"/>
+                </a:solidFill>
+                <a:latin typeface="Segoe UI Semibold" pitchFamily="34" charset="0"/>
+                <a:ea typeface="Segoe UI Semibold" pitchFamily="34" charset="0"/>
+                <a:cs typeface="Segoe UI Semibold" pitchFamily="34" charset="0"/>
+              </a:rPr>
+              <a:t>S’inscrire</a:t>
+            </a:r>
+            <a:endParaRPr lang="en-US" sz="1100" dirty="0">
+              <a:solidFill>
+                <a:srgbClr val="000000"/>
+              </a:solidFill>
+              <a:latin typeface="Segoe UI Semibold" pitchFamily="34" charset="0"/>
+              <a:ea typeface="Segoe UI Semibold" pitchFamily="34" charset="0"/>
+              <a:cs typeface="Segoe UI Semibold" pitchFamily="34" charset="0"/>
+            </a:endParaRPr>
+          </a:p>
+        </p:txBody>
+      </p:sp>
+      <p:sp>
+        <p:nvSpPr>
+          <p:cNvPr id="83" name="Content">
+            <a:extLst>
+              <a:ext uri="{FF2B5EF4-FFF2-40B4-BE49-F238E27FC236}">
+                <a16:creationId xmlns:a16="http://schemas.microsoft.com/office/drawing/2014/main" id="{48E320D8-4D6D-4E4E-B8B8-CDAAE5379054}"/>
+              </a:ext>
+            </a:extLst>
+          </p:cNvPr>
+          <p:cNvSpPr/>
+          <p:nvPr userDrawn="1">
+            <p:custDataLst>
+              <p:custData r:id="rId24"/>
+            </p:custDataLst>
+          </p:nvPr>
+        </p:nvSpPr>
+        <p:spPr>
+          <a:xfrm>
+            <a:off x="9084801" y="1537496"/>
+            <a:ext cx="1191331" cy="221986"/>
+          </a:xfrm>
+          <a:prstGeom prst="rect">
+            <a:avLst/>
+          </a:prstGeom>
+          <a:solidFill>
+            <a:srgbClr val="CCCCCC"/>
+          </a:solidFill>
+          <a:ln>
+            <a:noFill/>
+          </a:ln>
+        </p:spPr>
+        <p:style>
+          <a:lnRef idx="2">
+            <a:srgbClr val="4F81BD">
+              <a:shade val="50000"/>
+            </a:srgbClr>
+          </a:lnRef>
+          <a:fillRef idx="1">
+            <a:srgbClr val="4F81BD"/>
+          </a:fillRef>
+          <a:effectRef idx="0">
+            <a:srgbClr val="4F81BD"/>
+          </a:effectRef>
+          <a:fontRef idx="minor">
+            <a:srgbClr val="000000"/>
+          </a:fontRef>
+        </p:style>
+        <p:txBody>
+          <a:bodyPr rtlCol="0" anchor="ctr"/>
+          <a:lstStyle/>
+          <a:p>
+            <a:pPr algn="ctr"/>
+            <a:r>
+              <a:rPr lang="en-US" sz="1100" dirty="0">
+                <a:solidFill>
+                  <a:srgbClr val="000000"/>
+                </a:solidFill>
+                <a:latin typeface="Segoe UI Semibold" pitchFamily="34" charset="0"/>
+                <a:ea typeface="Segoe UI Semibold" pitchFamily="34" charset="0"/>
+                <a:cs typeface="Segoe UI Semibold" pitchFamily="34" charset="0"/>
+              </a:rPr>
+              <a:t>Connection</a:t>
+            </a:r>
+          </a:p>
+        </p:txBody>
+      </p:sp>
       <p:grpSp>
         <p:nvGrpSpPr>
           <p:cNvPr id="30" name="ScrollbarVertical">
@@ -13061,14 +13897,14 @@
           <p:cNvGrpSpPr/>
           <p:nvPr userDrawn="1">
             <p:custDataLst>
-              <p:custData r:id="rId14"/>
+              <p:custData r:id="rId25"/>
             </p:custDataLst>
           </p:nvPr>
         </p:nvGrpSpPr>
         <p:grpSpPr>
           <a:xfrm>
-            <a:off x="11778773" y="-36551"/>
-            <a:ext cx="297782" cy="8157032"/>
+            <a:off x="11798648" y="-116848"/>
+            <a:ext cx="274654" cy="7552392"/>
             <a:chOff x="4496659" y="1543109"/>
             <a:chExt cx="147992" cy="3562291"/>
           </a:xfrm>
@@ -13300,782 +14136,6 @@
           </p:txBody>
         </p:sp>
       </p:grpSp>
-      <p:sp>
-        <p:nvSpPr>
-          <p:cNvPr id="69" name="Tile">
-            <a:extLst>
-              <a:ext uri="{FF2B5EF4-FFF2-40B4-BE49-F238E27FC236}">
-                <a16:creationId xmlns:a16="http://schemas.microsoft.com/office/drawing/2014/main" id="{09528970-871B-46EF-A6EE-4DC9CA1E8EA2}"/>
-              </a:ext>
-            </a:extLst>
-          </p:cNvPr>
-          <p:cNvSpPr/>
-          <p:nvPr userDrawn="1">
-            <p:custDataLst>
-              <p:custData r:id="rId15"/>
-            </p:custDataLst>
-          </p:nvPr>
-        </p:nvSpPr>
-        <p:spPr>
-          <a:xfrm>
-            <a:off x="108765" y="7890349"/>
-            <a:ext cx="11662844" cy="231321"/>
-          </a:xfrm>
-          <a:prstGeom prst="rect">
-            <a:avLst/>
-          </a:prstGeom>
-          <a:solidFill>
-            <a:srgbClr val="FFFFFF">
-              <a:lumMod val="85000"/>
-            </a:srgbClr>
-          </a:solidFill>
-          <a:ln>
-            <a:noFill/>
-          </a:ln>
-        </p:spPr>
-        <p:style>
-          <a:lnRef idx="2">
-            <a:srgbClr val="4F81BD">
-              <a:shade val="50000"/>
-            </a:srgbClr>
-          </a:lnRef>
-          <a:fillRef idx="1">
-            <a:srgbClr val="4F81BD"/>
-          </a:fillRef>
-          <a:effectRef idx="0">
-            <a:srgbClr val="4F81BD"/>
-          </a:effectRef>
-          <a:fontRef idx="minor">
-            <a:srgbClr val="000000"/>
-          </a:fontRef>
-        </p:style>
-        <p:txBody>
-          <a:bodyPr rtlCol="0" anchor="ctr"/>
-          <a:lstStyle/>
-          <a:p>
-            <a:pPr algn="ctr"/>
-            <a:endParaRPr lang="en-US" dirty="0"/>
-          </a:p>
-        </p:txBody>
-      </p:sp>
-      <p:sp>
-        <p:nvSpPr>
-          <p:cNvPr id="70" name="Content">
-            <a:extLst>
-              <a:ext uri="{FF2B5EF4-FFF2-40B4-BE49-F238E27FC236}">
-                <a16:creationId xmlns:a16="http://schemas.microsoft.com/office/drawing/2014/main" id="{28B44F1E-CBA7-4461-AA1C-87506A467715}"/>
-              </a:ext>
-            </a:extLst>
-          </p:cNvPr>
-          <p:cNvSpPr txBox="1"/>
-          <p:nvPr userDrawn="1">
-            <p:custDataLst>
-              <p:custData r:id="rId16"/>
-            </p:custDataLst>
-          </p:nvPr>
-        </p:nvSpPr>
-        <p:spPr>
-          <a:xfrm>
-            <a:off x="60902" y="0"/>
-            <a:ext cx="3371958" cy="415498"/>
-          </a:xfrm>
-          <a:prstGeom prst="rect">
-            <a:avLst/>
-          </a:prstGeom>
-          <a:noFill/>
-        </p:spPr>
-        <p:txBody>
-          <a:bodyPr wrap="square" lIns="91440" tIns="18288" rIns="91440" bIns="27432" rtlCol="0" anchor="ctr" anchorCtr="0">
-            <a:spAutoFit/>
-          </a:bodyPr>
-          <a:lstStyle/>
-          <a:p>
-            <a:r>
-              <a:rPr lang="en-US" sz="2400" dirty="0">
-                <a:solidFill>
-                  <a:srgbClr val="000000"/>
-                </a:solidFill>
-                <a:latin typeface="Segoe UI" pitchFamily="34" charset="0"/>
-                <a:ea typeface="Segoe UI" pitchFamily="34" charset="0"/>
-                <a:cs typeface="Segoe UI" pitchFamily="34" charset="0"/>
-              </a:rPr>
-              <a:t>SOND-AGE DE PIERRE</a:t>
-            </a:r>
-          </a:p>
-        </p:txBody>
-      </p:sp>
-      <p:sp>
-        <p:nvSpPr>
-          <p:cNvPr id="71" name="Tile">
-            <a:extLst>
-              <a:ext uri="{FF2B5EF4-FFF2-40B4-BE49-F238E27FC236}">
-                <a16:creationId xmlns:a16="http://schemas.microsoft.com/office/drawing/2014/main" id="{97024598-2560-4521-AADA-61D89D1DA3F5}"/>
-              </a:ext>
-            </a:extLst>
-          </p:cNvPr>
-          <p:cNvSpPr/>
-          <p:nvPr userDrawn="1">
-            <p:custDataLst>
-              <p:custData r:id="rId17"/>
-            </p:custDataLst>
-          </p:nvPr>
-        </p:nvSpPr>
-        <p:spPr>
-          <a:xfrm>
-            <a:off x="115797" y="1403840"/>
-            <a:ext cx="11682851" cy="452462"/>
-          </a:xfrm>
-          <a:prstGeom prst="rect">
-            <a:avLst/>
-          </a:prstGeom>
-          <a:solidFill>
-            <a:srgbClr val="FFFFFF">
-              <a:lumMod val="85000"/>
-            </a:srgbClr>
-          </a:solidFill>
-          <a:ln>
-            <a:noFill/>
-          </a:ln>
-        </p:spPr>
-        <p:style>
-          <a:lnRef idx="2">
-            <a:srgbClr val="4F81BD">
-              <a:shade val="50000"/>
-            </a:srgbClr>
-          </a:lnRef>
-          <a:fillRef idx="1">
-            <a:srgbClr val="4F81BD"/>
-          </a:fillRef>
-          <a:effectRef idx="0">
-            <a:srgbClr val="4F81BD"/>
-          </a:effectRef>
-          <a:fontRef idx="minor">
-            <a:srgbClr val="000000"/>
-          </a:fontRef>
-        </p:style>
-        <p:txBody>
-          <a:bodyPr rtlCol="0" anchor="ctr"/>
-          <a:lstStyle/>
-          <a:p>
-            <a:pPr algn="ctr"/>
-            <a:endParaRPr lang="en-US" dirty="0"/>
-          </a:p>
-        </p:txBody>
-      </p:sp>
-      <p:sp>
-        <p:nvSpPr>
-          <p:cNvPr id="72" name="Tile">
-            <a:hlinkClick r:id="rId32" action="ppaction://hlinksldjump"/>
-            <a:extLst>
-              <a:ext uri="{FF2B5EF4-FFF2-40B4-BE49-F238E27FC236}">
-                <a16:creationId xmlns:a16="http://schemas.microsoft.com/office/drawing/2014/main" id="{75B020CB-4996-4FAB-BD5A-BA07C10E94FE}"/>
-              </a:ext>
-            </a:extLst>
-          </p:cNvPr>
-          <p:cNvSpPr/>
-          <p:nvPr userDrawn="1">
-            <p:custDataLst>
-              <p:custData r:id="rId18"/>
-            </p:custDataLst>
-          </p:nvPr>
-        </p:nvSpPr>
-        <p:spPr>
-          <a:xfrm>
-            <a:off x="150866" y="1467548"/>
-            <a:ext cx="1570333" cy="325045"/>
-          </a:xfrm>
-          <a:prstGeom prst="rect">
-            <a:avLst/>
-          </a:prstGeom>
-          <a:solidFill>
-            <a:schemeClr val="bg2">
-              <a:lumMod val="75000"/>
-            </a:schemeClr>
-          </a:solidFill>
-          <a:ln>
-            <a:noFill/>
-          </a:ln>
-        </p:spPr>
-        <p:style>
-          <a:lnRef idx="2">
-            <a:srgbClr val="4F81BD">
-              <a:shade val="50000"/>
-            </a:srgbClr>
-          </a:lnRef>
-          <a:fillRef idx="1">
-            <a:srgbClr val="4F81BD"/>
-          </a:fillRef>
-          <a:effectRef idx="0">
-            <a:srgbClr val="4F81BD"/>
-          </a:effectRef>
-          <a:fontRef idx="minor">
-            <a:srgbClr val="000000"/>
-          </a:fontRef>
-        </p:style>
-        <p:txBody>
-          <a:bodyPr rtlCol="0" anchor="ctr"/>
-          <a:lstStyle/>
-          <a:p>
-            <a:pPr algn="ctr"/>
-            <a:r>
-              <a:rPr lang="fr-FR" sz="1400" noProof="0" dirty="0"/>
-              <a:t>Sondages</a:t>
-            </a:r>
-            <a:r>
-              <a:rPr lang="en-US" sz="1400" dirty="0"/>
-              <a:t> </a:t>
-            </a:r>
-            <a:r>
-              <a:rPr lang="en-US" sz="1400" dirty="0" err="1"/>
-              <a:t>récents</a:t>
-            </a:r>
-            <a:endParaRPr lang="en-US" sz="1400" dirty="0"/>
-          </a:p>
-        </p:txBody>
-      </p:sp>
-      <p:sp>
-        <p:nvSpPr>
-          <p:cNvPr id="73" name="Tile">
-            <a:hlinkClick r:id="rId33" action="ppaction://hlinksldjump"/>
-            <a:extLst>
-              <a:ext uri="{FF2B5EF4-FFF2-40B4-BE49-F238E27FC236}">
-                <a16:creationId xmlns:a16="http://schemas.microsoft.com/office/drawing/2014/main" id="{864FB0A0-06A1-44DB-A80A-61CE6BD846F4}"/>
-              </a:ext>
-            </a:extLst>
-          </p:cNvPr>
-          <p:cNvSpPr/>
-          <p:nvPr userDrawn="1">
-            <p:custDataLst>
-              <p:custData r:id="rId19"/>
-            </p:custDataLst>
-          </p:nvPr>
-        </p:nvSpPr>
-        <p:spPr>
-          <a:xfrm>
-            <a:off x="1874791" y="1479335"/>
-            <a:ext cx="1817772" cy="317729"/>
-          </a:xfrm>
-          <a:prstGeom prst="rect">
-            <a:avLst/>
-          </a:prstGeom>
-          <a:solidFill>
-            <a:schemeClr val="bg2">
-              <a:lumMod val="75000"/>
-            </a:schemeClr>
-          </a:solidFill>
-          <a:ln>
-            <a:noFill/>
-          </a:ln>
-        </p:spPr>
-        <p:style>
-          <a:lnRef idx="2">
-            <a:srgbClr val="4F81BD">
-              <a:shade val="50000"/>
-            </a:srgbClr>
-          </a:lnRef>
-          <a:fillRef idx="1">
-            <a:srgbClr val="4F81BD"/>
-          </a:fillRef>
-          <a:effectRef idx="0">
-            <a:srgbClr val="4F81BD"/>
-          </a:effectRef>
-          <a:fontRef idx="minor">
-            <a:srgbClr val="000000"/>
-          </a:fontRef>
-        </p:style>
-        <p:txBody>
-          <a:bodyPr rtlCol="0" anchor="ctr"/>
-          <a:lstStyle/>
-          <a:p>
-            <a:pPr algn="ctr"/>
-            <a:r>
-              <a:rPr lang="en-US" sz="1400" dirty="0" err="1"/>
-              <a:t>Sondages</a:t>
-            </a:r>
-            <a:r>
-              <a:rPr lang="en-US" sz="1400" dirty="0"/>
-              <a:t> </a:t>
-            </a:r>
-            <a:r>
-              <a:rPr lang="en-US" sz="1400" dirty="0" err="1"/>
-              <a:t>populaires</a:t>
-            </a:r>
-            <a:endParaRPr lang="en-US" sz="1400" dirty="0"/>
-          </a:p>
-        </p:txBody>
-      </p:sp>
-      <p:sp>
-        <p:nvSpPr>
-          <p:cNvPr id="74" name="Tile">
-            <a:hlinkClick r:id="rId34" action="ppaction://hlinksldjump"/>
-            <a:extLst>
-              <a:ext uri="{FF2B5EF4-FFF2-40B4-BE49-F238E27FC236}">
-                <a16:creationId xmlns:a16="http://schemas.microsoft.com/office/drawing/2014/main" id="{0374338C-9C14-4CC0-A080-6154FC9B4B1F}"/>
-              </a:ext>
-            </a:extLst>
-          </p:cNvPr>
-          <p:cNvSpPr/>
-          <p:nvPr userDrawn="1">
-            <p:custDataLst>
-              <p:custData r:id="rId20"/>
-            </p:custDataLst>
-          </p:nvPr>
-        </p:nvSpPr>
-        <p:spPr>
-          <a:xfrm>
-            <a:off x="5493970" y="1479335"/>
-            <a:ext cx="1529787" cy="317729"/>
-          </a:xfrm>
-          <a:prstGeom prst="rect">
-            <a:avLst/>
-          </a:prstGeom>
-          <a:solidFill>
-            <a:schemeClr val="bg2">
-              <a:lumMod val="75000"/>
-            </a:schemeClr>
-          </a:solidFill>
-          <a:ln>
-            <a:noFill/>
-          </a:ln>
-        </p:spPr>
-        <p:style>
-          <a:lnRef idx="2">
-            <a:srgbClr val="4F81BD">
-              <a:shade val="50000"/>
-            </a:srgbClr>
-          </a:lnRef>
-          <a:fillRef idx="1">
-            <a:srgbClr val="4F81BD"/>
-          </a:fillRef>
-          <a:effectRef idx="0">
-            <a:srgbClr val="4F81BD"/>
-          </a:effectRef>
-          <a:fontRef idx="minor">
-            <a:srgbClr val="000000"/>
-          </a:fontRef>
-        </p:style>
-        <p:txBody>
-          <a:bodyPr rtlCol="0" anchor="ctr"/>
-          <a:lstStyle/>
-          <a:p>
-            <a:pPr algn="ctr"/>
-            <a:r>
-              <a:rPr lang="en-US" sz="1400" dirty="0" err="1"/>
-              <a:t>Créer</a:t>
-            </a:r>
-            <a:r>
-              <a:rPr lang="en-US" sz="1400" dirty="0"/>
-              <a:t> un </a:t>
-            </a:r>
-            <a:r>
-              <a:rPr lang="en-US" sz="1400" dirty="0" err="1"/>
-              <a:t>sondage</a:t>
-            </a:r>
-            <a:endParaRPr lang="en-US" sz="1400" dirty="0"/>
-          </a:p>
-        </p:txBody>
-      </p:sp>
-      <p:sp>
-        <p:nvSpPr>
-          <p:cNvPr id="75" name="Tile">
-            <a:hlinkClick r:id="rId35" action="ppaction://hlinksldjump"/>
-            <a:extLst>
-              <a:ext uri="{FF2B5EF4-FFF2-40B4-BE49-F238E27FC236}">
-                <a16:creationId xmlns:a16="http://schemas.microsoft.com/office/drawing/2014/main" id="{73FE1FF2-7B22-4080-BC16-0483435448A2}"/>
-              </a:ext>
-            </a:extLst>
-          </p:cNvPr>
-          <p:cNvSpPr/>
-          <p:nvPr userDrawn="1">
-            <p:custDataLst>
-              <p:custData r:id="rId21"/>
-            </p:custDataLst>
-          </p:nvPr>
-        </p:nvSpPr>
-        <p:spPr>
-          <a:xfrm>
-            <a:off x="9236506" y="7933455"/>
-            <a:ext cx="731694" cy="158344"/>
-          </a:xfrm>
-          <a:prstGeom prst="rect">
-            <a:avLst/>
-          </a:prstGeom>
-          <a:solidFill>
-            <a:schemeClr val="bg2">
-              <a:lumMod val="75000"/>
-            </a:schemeClr>
-          </a:solidFill>
-          <a:ln>
-            <a:noFill/>
-          </a:ln>
-        </p:spPr>
-        <p:style>
-          <a:lnRef idx="2">
-            <a:srgbClr val="4F81BD">
-              <a:shade val="50000"/>
-            </a:srgbClr>
-          </a:lnRef>
-          <a:fillRef idx="1">
-            <a:srgbClr val="4F81BD"/>
-          </a:fillRef>
-          <a:effectRef idx="0">
-            <a:srgbClr val="4F81BD"/>
-          </a:effectRef>
-          <a:fontRef idx="minor">
-            <a:srgbClr val="000000"/>
-          </a:fontRef>
-        </p:style>
-        <p:txBody>
-          <a:bodyPr rtlCol="0" anchor="ctr"/>
-          <a:lstStyle/>
-          <a:p>
-            <a:pPr algn="ctr"/>
-            <a:r>
-              <a:rPr lang="en-US" sz="1200" dirty="0"/>
-              <a:t>Contact</a:t>
-            </a:r>
-          </a:p>
-        </p:txBody>
-      </p:sp>
-      <p:sp>
-        <p:nvSpPr>
-          <p:cNvPr id="76" name="Tile">
-            <a:hlinkClick r:id="rId36" action="ppaction://hlinksldjump"/>
-            <a:extLst>
-              <a:ext uri="{FF2B5EF4-FFF2-40B4-BE49-F238E27FC236}">
-                <a16:creationId xmlns:a16="http://schemas.microsoft.com/office/drawing/2014/main" id="{CD7361B5-B6B0-4E78-9875-A7CD3497A3C0}"/>
-              </a:ext>
-            </a:extLst>
-          </p:cNvPr>
-          <p:cNvSpPr/>
-          <p:nvPr userDrawn="1">
-            <p:custDataLst>
-              <p:custData r:id="rId22"/>
-            </p:custDataLst>
-          </p:nvPr>
-        </p:nvSpPr>
-        <p:spPr>
-          <a:xfrm>
-            <a:off x="10090120" y="7933455"/>
-            <a:ext cx="1490329" cy="158344"/>
-          </a:xfrm>
-          <a:prstGeom prst="rect">
-            <a:avLst/>
-          </a:prstGeom>
-          <a:solidFill>
-            <a:schemeClr val="bg2">
-              <a:lumMod val="75000"/>
-            </a:schemeClr>
-          </a:solidFill>
-          <a:ln>
-            <a:noFill/>
-          </a:ln>
-        </p:spPr>
-        <p:style>
-          <a:lnRef idx="2">
-            <a:srgbClr val="4F81BD">
-              <a:shade val="50000"/>
-            </a:srgbClr>
-          </a:lnRef>
-          <a:fillRef idx="1">
-            <a:srgbClr val="4F81BD"/>
-          </a:fillRef>
-          <a:effectRef idx="0">
-            <a:srgbClr val="4F81BD"/>
-          </a:effectRef>
-          <a:fontRef idx="minor">
-            <a:srgbClr val="000000"/>
-          </a:fontRef>
-        </p:style>
-        <p:txBody>
-          <a:bodyPr rtlCol="0" anchor="ctr"/>
-          <a:lstStyle/>
-          <a:p>
-            <a:pPr algn="ctr"/>
-            <a:r>
-              <a:rPr lang="en-US" sz="1200" dirty="0" err="1"/>
-              <a:t>Soumettez</a:t>
-            </a:r>
-            <a:r>
-              <a:rPr lang="en-US" sz="1200" dirty="0"/>
-              <a:t> </a:t>
-            </a:r>
-            <a:r>
-              <a:rPr lang="en-US" sz="1200" dirty="0" err="1"/>
-              <a:t>vos</a:t>
-            </a:r>
-            <a:r>
-              <a:rPr lang="en-US" sz="1200" dirty="0"/>
-              <a:t> </a:t>
-            </a:r>
-            <a:r>
-              <a:rPr lang="en-US" sz="1200" dirty="0" err="1"/>
-              <a:t>idées</a:t>
-            </a:r>
-            <a:endParaRPr lang="en-US" sz="1200" dirty="0"/>
-          </a:p>
-        </p:txBody>
-      </p:sp>
-      <p:grpSp>
-        <p:nvGrpSpPr>
-          <p:cNvPr id="77" name="Image">
-            <a:extLst>
-              <a:ext uri="{FF2B5EF4-FFF2-40B4-BE49-F238E27FC236}">
-                <a16:creationId xmlns:a16="http://schemas.microsoft.com/office/drawing/2014/main" id="{6F6BAEE9-EB79-4A76-8C99-86DAB4BAA707}"/>
-              </a:ext>
-            </a:extLst>
-          </p:cNvPr>
-          <p:cNvGrpSpPr/>
-          <p:nvPr userDrawn="1">
-            <p:custDataLst>
-              <p:custData r:id="rId23"/>
-            </p:custDataLst>
-          </p:nvPr>
-        </p:nvGrpSpPr>
-        <p:grpSpPr>
-          <a:xfrm>
-            <a:off x="3854098" y="-32283"/>
-            <a:ext cx="7944550" cy="1381657"/>
-            <a:chOff x="4037608" y="2896991"/>
-            <a:chExt cx="1059255" cy="1059255"/>
-          </a:xfrm>
-        </p:grpSpPr>
-        <p:sp>
-          <p:nvSpPr>
-            <p:cNvPr id="78" name="Rectangle 77">
-              <a:extLst>
-                <a:ext uri="{FF2B5EF4-FFF2-40B4-BE49-F238E27FC236}">
-                  <a16:creationId xmlns:a16="http://schemas.microsoft.com/office/drawing/2014/main" id="{EE9133E3-8D0B-4A3A-8761-58131BFF2F99}"/>
-                </a:ext>
-              </a:extLst>
-            </p:cNvPr>
-            <p:cNvSpPr/>
-            <p:nvPr/>
-          </p:nvSpPr>
-          <p:spPr>
-            <a:xfrm>
-              <a:off x="4037608" y="2896991"/>
-              <a:ext cx="1059255" cy="1059255"/>
-            </a:xfrm>
-            <a:prstGeom prst="rect">
-              <a:avLst/>
-            </a:prstGeom>
-            <a:solidFill>
-              <a:sysClr val="window" lastClr="FFFFFF"/>
-            </a:solidFill>
-            <a:ln w="3175" cap="flat" cmpd="sng" algn="ctr">
-              <a:solidFill>
-                <a:srgbClr val="FFFFFF">
-                  <a:lumMod val="50000"/>
-                </a:srgbClr>
-              </a:solidFill>
-              <a:prstDash val="solid"/>
-            </a:ln>
-            <a:effectLst/>
-          </p:spPr>
-          <p:txBody>
-            <a:bodyPr rot="0" spcFirstLastPara="0" vertOverflow="overflow" horzOverflow="overflow" vert="horz" wrap="square" lIns="45720" tIns="45720" rIns="91440" bIns="45720" numCol="1" spcCol="0" rtlCol="0" fromWordArt="0" anchor="ctr" anchorCtr="0" forceAA="0" compatLnSpc="1">
-              <a:prstTxWarp prst="textNoShape">
-                <a:avLst/>
-              </a:prstTxWarp>
-              <a:noAutofit/>
-            </a:bodyPr>
-            <a:lstStyle/>
-            <a:p>
-              <a:pPr marL="0" marR="0" indent="0" algn="ctr" defTabSz="914400" eaLnBrk="1" fontAlgn="auto" latinLnBrk="0" hangingPunct="1">
-                <a:lnSpc>
-                  <a:spcPct val="100000"/>
-                </a:lnSpc>
-                <a:spcBef>
-                  <a:spcPts val="0"/>
-                </a:spcBef>
-                <a:spcAft>
-                  <a:spcPts val="0"/>
-                </a:spcAft>
-                <a:buClrTx/>
-                <a:buSzTx/>
-                <a:buFontTx/>
-                <a:buNone/>
-                <a:tabLst/>
-              </a:pPr>
-              <a:endParaRPr kumimoji="0" lang="en-US" sz="800" b="0" i="0" u="none" strike="noStrike" kern="0" cap="none" spc="0" normalizeH="0" baseline="0" noProof="0" dirty="0">
-                <a:ln>
-                  <a:noFill/>
-                </a:ln>
-                <a:solidFill>
-                  <a:srgbClr val="000000">
-                    <a:lumMod val="75000"/>
-                    <a:lumOff val="25000"/>
-                  </a:srgbClr>
-                </a:solidFill>
-                <a:effectLst/>
-                <a:uLnTx/>
-                <a:uFillTx/>
-                <a:latin typeface="Segoe UI"/>
-                <a:ea typeface="+mn-ea"/>
-                <a:cs typeface="+mn-cs"/>
-              </a:endParaRPr>
-            </a:p>
-          </p:txBody>
-        </p:sp>
-        <p:cxnSp>
-          <p:nvCxnSpPr>
-            <p:cNvPr id="79" name="Straight Connector 3">
-              <a:extLst>
-                <a:ext uri="{FF2B5EF4-FFF2-40B4-BE49-F238E27FC236}">
-                  <a16:creationId xmlns:a16="http://schemas.microsoft.com/office/drawing/2014/main" id="{A9A30391-DDAC-469C-8A6D-7AAD39C8C711}"/>
-                </a:ext>
-              </a:extLst>
-            </p:cNvPr>
-            <p:cNvCxnSpPr/>
-            <p:nvPr/>
-          </p:nvCxnSpPr>
-          <p:spPr>
-            <a:xfrm>
-              <a:off x="4037608" y="2896991"/>
-              <a:ext cx="1059255" cy="1059255"/>
-            </a:xfrm>
-            <a:prstGeom prst="line">
-              <a:avLst/>
-            </a:prstGeom>
-            <a:ln w="3175">
-              <a:solidFill>
-                <a:srgbClr val="FFFFFF">
-                  <a:lumMod val="50000"/>
-                </a:srgbClr>
-              </a:solidFill>
-            </a:ln>
-          </p:spPr>
-          <p:style>
-            <a:lnRef idx="1">
-              <a:srgbClr val="FFFFFF"/>
-            </a:lnRef>
-            <a:fillRef idx="0">
-              <a:srgbClr val="FFFFFF"/>
-            </a:fillRef>
-            <a:effectRef idx="0">
-              <a:srgbClr val="FFFFFF"/>
-            </a:effectRef>
-            <a:fontRef idx="minor">
-              <a:srgbClr val="000000"/>
-            </a:fontRef>
-          </p:style>
-        </p:cxnSp>
-        <p:cxnSp>
-          <p:nvCxnSpPr>
-            <p:cNvPr id="80" name="Straight Connector 4">
-              <a:extLst>
-                <a:ext uri="{FF2B5EF4-FFF2-40B4-BE49-F238E27FC236}">
-                  <a16:creationId xmlns:a16="http://schemas.microsoft.com/office/drawing/2014/main" id="{FF0B974F-663B-4F32-9FE8-97F30B9F74C2}"/>
-                </a:ext>
-              </a:extLst>
-            </p:cNvPr>
-            <p:cNvCxnSpPr/>
-            <p:nvPr/>
-          </p:nvCxnSpPr>
-          <p:spPr>
-            <a:xfrm flipV="1">
-              <a:off x="4037608" y="2896991"/>
-              <a:ext cx="1059255" cy="1059255"/>
-            </a:xfrm>
-            <a:prstGeom prst="line">
-              <a:avLst/>
-            </a:prstGeom>
-            <a:ln w="3175">
-              <a:solidFill>
-                <a:srgbClr val="FFFFFF">
-                  <a:lumMod val="50000"/>
-                </a:srgbClr>
-              </a:solidFill>
-            </a:ln>
-          </p:spPr>
-          <p:style>
-            <a:lnRef idx="1">
-              <a:srgbClr val="FFFFFF"/>
-            </a:lnRef>
-            <a:fillRef idx="0">
-              <a:srgbClr val="FFFFFF"/>
-            </a:fillRef>
-            <a:effectRef idx="0">
-              <a:srgbClr val="FFFFFF"/>
-            </a:effectRef>
-            <a:fontRef idx="minor">
-              <a:srgbClr val="000000"/>
-            </a:fontRef>
-          </p:style>
-        </p:cxnSp>
-      </p:grpSp>
-      <p:sp>
-        <p:nvSpPr>
-          <p:cNvPr id="88" name="Tile">
-            <a:hlinkClick r:id="rId37" action="ppaction://hlinksldjump"/>
-            <a:extLst>
-              <a:ext uri="{FF2B5EF4-FFF2-40B4-BE49-F238E27FC236}">
-                <a16:creationId xmlns:a16="http://schemas.microsoft.com/office/drawing/2014/main" id="{20BD5839-D135-4BEB-801B-A226130EEF20}"/>
-              </a:ext>
-            </a:extLst>
-          </p:cNvPr>
-          <p:cNvSpPr/>
-          <p:nvPr userDrawn="1">
-            <p:custDataLst>
-              <p:custData r:id="rId24"/>
-            </p:custDataLst>
-          </p:nvPr>
-        </p:nvSpPr>
-        <p:spPr>
-          <a:xfrm>
-            <a:off x="3833776" y="1480009"/>
-            <a:ext cx="1507692" cy="316380"/>
-          </a:xfrm>
-          <a:prstGeom prst="rect">
-            <a:avLst/>
-          </a:prstGeom>
-          <a:solidFill>
-            <a:schemeClr val="bg2">
-              <a:lumMod val="75000"/>
-            </a:schemeClr>
-          </a:solidFill>
-          <a:ln>
-            <a:noFill/>
-          </a:ln>
-        </p:spPr>
-        <p:style>
-          <a:lnRef idx="2">
-            <a:srgbClr val="4F81BD">
-              <a:shade val="50000"/>
-            </a:srgbClr>
-          </a:lnRef>
-          <a:fillRef idx="1">
-            <a:srgbClr val="4F81BD"/>
-          </a:fillRef>
-          <a:effectRef idx="0">
-            <a:srgbClr val="4F81BD"/>
-          </a:effectRef>
-          <a:fontRef idx="minor">
-            <a:srgbClr val="000000"/>
-          </a:fontRef>
-        </p:style>
-        <p:txBody>
-          <a:bodyPr rtlCol="0" anchor="ctr"/>
-          <a:lstStyle/>
-          <a:p>
-            <a:pPr algn="ctr"/>
-            <a:r>
-              <a:rPr lang="en-US" sz="1400" dirty="0" err="1"/>
-              <a:t>Boite</a:t>
-            </a:r>
-            <a:r>
-              <a:rPr lang="en-US" sz="1400" dirty="0"/>
-              <a:t> à </a:t>
-            </a:r>
-            <a:r>
-              <a:rPr lang="en-US" sz="1400" dirty="0" err="1"/>
-              <a:t>idées</a:t>
-            </a:r>
-            <a:endParaRPr lang="en-US" sz="1400" dirty="0"/>
-          </a:p>
-        </p:txBody>
-      </p:sp>
     </p:spTree>
     <p:extLst>
       <p:ext uri="{BB962C8B-B14F-4D97-AF65-F5344CB8AC3E}">
@@ -15257,1266 +15317,1278 @@
 
 <file path=customXml/item1.xml><?xml version="1.0" encoding="utf-8"?>
 <Control xmlns="http://schemas.microsoft.com/VisualStudio/2011/storyboarding/control">
+  <Id Name="System.Storyboarding.Common.DatePicker" Revision="1" Stencil="System.Storyboarding.Common" StencilVersion="0.1"/>
+</Control>
+</file>
+
+<file path=customXml/item10.xml><?xml version="1.0" encoding="utf-8"?>
+<Control xmlns="http://schemas.microsoft.com/VisualStudio/2011/storyboarding/control">
+  <Id Name="System.Storyboarding.Icons.Star" Revision="1" Stencil="System.Storyboarding.Icons" StencilVersion="0.1"/>
+</Control>
+</file>
+
+<file path=customXml/item100.xml><?xml version="1.0" encoding="utf-8"?>
+<Control xmlns="http://schemas.microsoft.com/VisualStudio/2011/storyboarding/control">
+  <Id Name="System.Storyboarding.Common.TextInput" Revision="1" Stencil="System.Storyboarding.Common" StencilVersion="0.1"/>
+</Control>
+</file>
+
+<file path=customXml/item101.xml><?xml version="1.0" encoding="utf-8"?>
+<Control xmlns="http://schemas.microsoft.com/VisualStudio/2011/storyboarding/control">
+  <Id Name="System.Storyboarding.Common.TextInput" Revision="1" Stencil="System.Storyboarding.Common" StencilVersion="0.1"/>
+</Control>
+</file>
+
+<file path=customXml/item102.xml><?xml version="1.0" encoding="utf-8"?>
+<Control xmlns="http://schemas.microsoft.com/VisualStudio/2011/storyboarding/control">
+  <Id Name="System.Storyboarding.Common.Button" Revision="1" Stencil="System.Storyboarding.Common" StencilVersion="0.1"/>
+</Control>
+</file>
+
+<file path=customXml/item103.xml><?xml version="1.0" encoding="utf-8"?>
+<Control xmlns="http://schemas.microsoft.com/VisualStudio/2011/storyboarding/control">
+  <Id Name="System.Storyboarding.Common.Text" Revision="1" Stencil="System.Storyboarding.Common" StencilVersion="0.1"/>
+</Control>
+</file>
+
+<file path=customXml/item104.xml><?xml version="1.0" encoding="utf-8"?>
+<Control xmlns="http://schemas.microsoft.com/VisualStudio/2011/storyboarding/control">
   <Id Name="System.Storyboarding.WindowsApps.WindowsAppsTileMedium" Revision="1" Stencil="System.Storyboarding.WindowsApps" StencilVersion="0.1"/>
 </Control>
 </file>
 
-<file path=customXml/item10.xml><?xml version="1.0" encoding="utf-8"?>
+<file path=customXml/item105.xml><?xml version="1.0" encoding="utf-8"?>
+<Control xmlns="http://schemas.microsoft.com/VisualStudio/2011/storyboarding/control">
+  <Id Name="System.Storyboarding.Common.ScrollbarVertical" Revision="1" Stencil="System.Storyboarding.Common" StencilVersion="0.1"/>
+</Control>
+</file>
+
+<file path=customXml/item106.xml><?xml version="1.0" encoding="utf-8"?>
+<Control xmlns="http://schemas.microsoft.com/VisualStudio/2011/storyboarding/control">
+  <Id Name="System.Storyboarding.Backgrounds.WebBrowser" Revision="1" Stencil="System.Storyboarding.Backgrounds" StencilVersion="0.1"/>
+</Control>
+</file>
+
+<file path=customXml/item107.xml><?xml version="1.0" encoding="utf-8"?>
+<Control xmlns="http://schemas.microsoft.com/VisualStudio/2011/storyboarding/control">
+  <Id Name="System.Storyboarding.Common.Text" Revision="1" Stencil="System.Storyboarding.Common" StencilVersion="0.1"/>
+</Control>
+</file>
+
+<file path=customXml/item108.xml><?xml version="1.0" encoding="utf-8"?>
 <Control xmlns="http://schemas.microsoft.com/VisualStudio/2011/storyboarding/control">
   <Id Name="System.Storyboarding.Common.Button" Revision="1" Stencil="System.Storyboarding.Common" StencilVersion="0.1"/>
 </Control>
 </file>
 
-<file path=customXml/item100.xml><?xml version="1.0" encoding="utf-8"?>
+<file path=customXml/item109.xml><?xml version="1.0" encoding="utf-8"?>
+<Control xmlns="http://schemas.microsoft.com/VisualStudio/2011/storyboarding/control">
+  <Id Name="System.Storyboarding.Common.Text" Revision="1" Stencil="System.Storyboarding.Common" StencilVersion="0.1"/>
+</Control>
+</file>
+
+<file path=customXml/item11.xml><?xml version="1.0" encoding="utf-8"?>
+<Control xmlns="http://schemas.microsoft.com/VisualStudio/2011/storyboarding/control">
+  <Id Name="System.Storyboarding.Common.Text" Revision="1" Stencil="System.Storyboarding.Common" StencilVersion="0.1"/>
+</Control>
+</file>
+
+<file path=customXml/item110.xml><?xml version="1.0" encoding="utf-8"?>
+<Control xmlns="http://schemas.microsoft.com/VisualStudio/2011/storyboarding/control">
+  <Id Name="System.Storyboarding.WindowsAppIcons.Check" Revision="1" Stencil="System.Storyboarding.WindowsAppIcons" StencilVersion="0.1"/>
+</Control>
+</file>
+
+<file path=customXml/item111.xml><?xml version="1.0" encoding="utf-8"?>
+<Control xmlns="http://schemas.microsoft.com/VisualStudio/2011/storyboarding/control">
+  <Id Name="System.Storyboarding.Common.MousePointer" Revision="1" Stencil="System.Storyboarding.Common" StencilVersion="0.1"/>
+</Control>
+</file>
+
+<file path=customXml/item112.xml><?xml version="1.0" encoding="utf-8"?>
+<Control xmlns="http://schemas.microsoft.com/VisualStudio/2011/storyboarding/control">
+  <Id Name="System.Storyboarding.Common.Text" Revision="1" Stencil="System.Storyboarding.Common" StencilVersion="0.1"/>
+</Control>
+</file>
+
+<file path=customXml/item113.xml><?xml version="1.0" encoding="utf-8"?>
+<Control xmlns="http://schemas.microsoft.com/VisualStudio/2011/storyboarding/control">
+  <Id Name="32035d07-bc66-4a79-8001-2507012193e3" RevisionId="7f6cc906-8fab-4878-8f41-90bcdc4e860e" Stencil="172d6d98-e5c9-42e9-a209-79f7a94bbd38" StencilRevisionId="00000000-0000-0000-0000-000000000000" StencilVersion="0.0"/>
+</Control>
+</file>
+
+<file path=customXml/item114.xml><?xml version="1.0" encoding="utf-8"?>
 <Control xmlns="http://schemas.microsoft.com/VisualStudio/2011/storyboarding/control">
   <Id Name="System.Storyboarding.Common.TextInput" Revision="1" Stencil="System.Storyboarding.Common" StencilVersion="0.1"/>
 </Control>
 </file>
 
-<file path=customXml/item101.xml><?xml version="1.0" encoding="utf-8"?>
+<file path=customXml/item115.xml><?xml version="1.0" encoding="utf-8"?>
+<Control xmlns="http://schemas.microsoft.com/VisualStudio/2011/storyboarding/control">
+  <Id Name="System.Storyboarding.Common.CheckBoxUnchecked" Revision="1" Stencil="System.Storyboarding.Common" StencilVersion="0.1"/>
+</Control>
+</file>
+
+<file path=customXml/item116.xml><?xml version="1.0" encoding="utf-8"?>
+<Control xmlns="http://schemas.microsoft.com/VisualStudio/2011/storyboarding/control">
+  <Id Name="System.Storyboarding.Common.Button" Revision="1" Stencil="System.Storyboarding.Common" StencilVersion="0.1"/>
+</Control>
+</file>
+
+<file path=customXml/item117.xml><?xml version="1.0" encoding="utf-8"?>
+<Control xmlns="http://schemas.microsoft.com/VisualStudio/2011/storyboarding/control">
+  <Id Name="System.Storyboarding.Icons.Star" Revision="1" Stencil="System.Storyboarding.Icons" StencilVersion="0.1"/>
+</Control>
+</file>
+
+<file path=customXml/item118.xml><?xml version="1.0" encoding="utf-8"?>
+<Control xmlns="http://schemas.microsoft.com/VisualStudio/2011/storyboarding/control">
+  <Id Name="System.Storyboarding.Icons.Star" Revision="1" Stencil="System.Storyboarding.Icons" StencilVersion="0.1"/>
+</Control>
+</file>
+
+<file path=customXml/item119.xml><?xml version="1.0" encoding="utf-8"?>
+<Control xmlns="http://schemas.microsoft.com/VisualStudio/2011/storyboarding/control">
+  <Id Name="System.Storyboarding.Common.DataGrid" Revision="1" Stencil="System.Storyboarding.Common" StencilVersion="0.1"/>
+</Control>
+</file>
+
+<file path=customXml/item12.xml><?xml version="1.0" encoding="utf-8"?>
+<Control xmlns="http://schemas.microsoft.com/VisualStudio/2011/storyboarding/control">
+  <Id Name="System.Storyboarding.WindowsApps.WindowsAppsMediumWideTile" Revision="1" Stencil="System.Storyboarding.WindowsApps" StencilVersion="0.1"/>
+</Control>
+</file>
+
+<file path=customXml/item120.xml><?xml version="1.0" encoding="utf-8"?>
 <Control xmlns="http://schemas.microsoft.com/VisualStudio/2011/storyboarding/control">
   <Id Name="System.Storyboarding.Common.Text" Revision="1" Stencil="System.Storyboarding.Common" StencilVersion="0.1"/>
 </Control>
 </file>
 
-<file path=customXml/item102.xml><?xml version="1.0" encoding="utf-8"?>
+<file path=customXml/item121.xml><?xml version="1.0" encoding="utf-8"?>
+<Control xmlns="http://schemas.microsoft.com/VisualStudio/2011/storyboarding/control">
+  <Id Name="System.Storyboarding.WindowsApps.WindowsAppsTileMedium" Revision="1" Stencil="System.Storyboarding.WindowsApps" StencilVersion="0.1"/>
+</Control>
+</file>
+
+<file path=customXml/item122.xml><?xml version="1.0" encoding="utf-8"?>
+<Control xmlns="http://schemas.microsoft.com/VisualStudio/2011/storyboarding/control">
+  <Id Name="System.Storyboarding.Backgrounds.DesktopTaskbar" Revision="1" Stencil="System.Storyboarding.Backgrounds" StencilVersion="0.1"/>
+</Control>
+</file>
+
+<file path=customXml/item123.xml><?xml version="1.0" encoding="utf-8"?>
+<Control xmlns="http://schemas.microsoft.com/VisualStudio/2011/storyboarding/control">
+  <Id Name="System.Storyboarding.Common.TextInput" Revision="1" Stencil="System.Storyboarding.Common" StencilVersion="0.1"/>
+</Control>
+</file>
+
+<file path=customXml/item124.xml><?xml version="1.0" encoding="utf-8"?>
+<Control xmlns="http://schemas.microsoft.com/VisualStudio/2011/storyboarding/control">
+  <Id Name="System.Storyboarding.Common.TextInput" Revision="1" Stencil="System.Storyboarding.Common" StencilVersion="0.1"/>
+</Control>
+</file>
+
+<file path=customXml/item125.xml><?xml version="1.0" encoding="utf-8"?>
+<Control xmlns="http://schemas.microsoft.com/VisualStudio/2011/storyboarding/control">
+  <Id Name="System.Storyboarding.Backgrounds.WebBrowser" Revision="1" Stencil="System.Storyboarding.Backgrounds" StencilVersion="0.1"/>
+</Control>
+</file>
+
+<file path=customXml/item126.xml><?xml version="1.0" encoding="utf-8"?>
+<Control xmlns="http://schemas.microsoft.com/VisualStudio/2011/storyboarding/control">
+  <Id Name="System.Storyboarding.Common.DataGrid" Revision="1" Stencil="System.Storyboarding.Common" StencilVersion="0.1"/>
+</Control>
+</file>
+
+<file path=customXml/item127.xml><?xml version="1.0" encoding="utf-8"?>
+<Control xmlns="http://schemas.microsoft.com/VisualStudio/2011/storyboarding/control">
+  <Id Name="System.Storyboarding.Media.Image" Revision="1" Stencil="System.Storyboarding.Media" StencilVersion="0.1"/>
+</Control>
+</file>
+
+<file path=customXml/item128.xml><?xml version="1.0" encoding="utf-8"?>
 <Control xmlns="http://schemas.microsoft.com/VisualStudio/2011/storyboarding/control">
   <Id Name="System.Storyboarding.Common.Text" Revision="1" Stencil="System.Storyboarding.Common" StencilVersion="0.1"/>
 </Control>
 </file>
 
-<file path=customXml/item103.xml><?xml version="1.0" encoding="utf-8"?>
+<file path=customXml/item129.xml><?xml version="1.0" encoding="utf-8"?>
+<Control xmlns="http://schemas.microsoft.com/VisualStudio/2011/storyboarding/control">
+  <Id Name="System.Storyboarding.Icons.Star" Revision="1" Stencil="System.Storyboarding.Icons" StencilVersion="0.1"/>
+</Control>
+</file>
+
+<file path=customXml/item13.xml><?xml version="1.0" encoding="utf-8"?>
+<Control xmlns="http://schemas.microsoft.com/VisualStudio/2011/storyboarding/control">
+  <Id Name="System.Storyboarding.Common.TextInput" Revision="1" Stencil="System.Storyboarding.Common" StencilVersion="0.1"/>
+</Control>
+</file>
+
+<file path=customXml/item130.xml><?xml version="1.0" encoding="utf-8"?>
+<Control xmlns="http://schemas.microsoft.com/VisualStudio/2011/storyboarding/control">
+  <Id Name="System.Storyboarding.Common.TextInput" Revision="1" Stencil="System.Storyboarding.Common" StencilVersion="0.1"/>
+</Control>
+</file>
+
+<file path=customXml/item131.xml><?xml version="1.0" encoding="utf-8"?>
+<Control xmlns="http://schemas.microsoft.com/VisualStudio/2011/storyboarding/control">
+  <Id Name="System.Storyboarding.WindowsApps.WindowsAppsTileMediumText" Revision="1" Stencil="System.Storyboarding.WindowsApps" StencilVersion="0.1"/>
+</Control>
+</file>
+
+<file path=customXml/item132.xml><?xml version="1.0" encoding="utf-8"?>
+<Control xmlns="http://schemas.microsoft.com/VisualStudio/2011/storyboarding/control">
+  <Id Name="System.Storyboarding.Icons.Lock" Revision="1" Stencil="System.Storyboarding.Icons" StencilVersion="0.1"/>
+</Control>
+</file>
+
+<file path=customXml/item133.xml><?xml version="1.0" encoding="utf-8"?>
+<Control xmlns="http://schemas.microsoft.com/VisualStudio/2011/storyboarding/control">
+  <Id Name="System.Storyboarding.Icons.Star" Revision="1" Stencil="System.Storyboarding.Icons" StencilVersion="0.1"/>
+</Control>
+</file>
+
+<file path=customXml/item134.xml><?xml version="1.0" encoding="utf-8"?>
+<Control xmlns="http://schemas.microsoft.com/VisualStudio/2011/storyboarding/control">
+  <Id Name="System.Storyboarding.Icons.Star" Revision="1" Stencil="System.Storyboarding.Icons" StencilVersion="0.1"/>
+</Control>
+</file>
+
+<file path=customXml/item135.xml><?xml version="1.0" encoding="utf-8"?>
+<Control xmlns="http://schemas.microsoft.com/VisualStudio/2011/storyboarding/control">
+  <Id Name="System.Storyboarding.Common.RadioButtonSelected" Revision="1" Stencil="System.Storyboarding.Common" StencilVersion="0.1"/>
+</Control>
+</file>
+
+<file path=customXml/item136.xml><?xml version="1.0" encoding="utf-8"?>
+<Control xmlns="http://schemas.microsoft.com/VisualStudio/2011/storyboarding/control">
+  <Id Name="System.Storyboarding.WindowsApps.WindowsAppsTileWideSmall" Revision="1" Stencil="System.Storyboarding.WindowsApps" StencilVersion="0.1"/>
+</Control>
+</file>
+
+<file path=customXml/item137.xml><?xml version="1.0" encoding="utf-8"?>
+<Control xmlns="http://schemas.microsoft.com/VisualStudio/2011/storyboarding/control">
+  <Id Name="System.Storyboarding.Common.DatePicker" Revision="1" Stencil="System.Storyboarding.Common" StencilVersion="0.1"/>
+</Control>
+</file>
+
+<file path=customXml/item138.xml><?xml version="1.0" encoding="utf-8"?>
+<Control xmlns="http://schemas.microsoft.com/VisualStudio/2011/storyboarding/control">
+  <Id Name="System.Storyboarding.WindowsApps.WindowsAppsButton" Revision="1" Stencil="System.Storyboarding.WindowsApps" StencilVersion="0.1"/>
+</Control>
+</file>
+
+<file path=customXml/item139.xml><?xml version="1.0" encoding="utf-8"?>
+<Control xmlns="http://schemas.microsoft.com/VisualStudio/2011/storyboarding/control">
+  <Id Name="System.Storyboarding.Icons.Star" Revision="1" Stencil="System.Storyboarding.Icons" StencilVersion="0.1"/>
+</Control>
+</file>
+
+<file path=customXml/item14.xml><?xml version="1.0" encoding="utf-8"?>
+<Control xmlns="http://schemas.microsoft.com/VisualStudio/2011/storyboarding/control">
+  <Id Name="System.Storyboarding.Common.CheckBoxUnchecked" Revision="1" Stencil="System.Storyboarding.Common" StencilVersion="0.1"/>
+</Control>
+</file>
+
+<file path=customXml/item140.xml><?xml version="1.0" encoding="utf-8"?>
+<Control xmlns="http://schemas.microsoft.com/VisualStudio/2011/storyboarding/control">
+  <Id Name="System.Storyboarding.WindowsAppIcons.Check" Revision="1" Stencil="System.Storyboarding.WindowsAppIcons" StencilVersion="0.1"/>
+</Control>
+</file>
+
+<file path=customXml/item141.xml><?xml version="1.0" encoding="utf-8"?>
+<Control xmlns="http://schemas.microsoft.com/VisualStudio/2011/storyboarding/control">
+  <Id Name="System.Storyboarding.Backgrounds.DesktopTaskbar" Revision="1" Stencil="System.Storyboarding.Backgrounds" StencilVersion="0.1"/>
+</Control>
+</file>
+
+<file path=customXml/item142.xml><?xml version="1.0" encoding="utf-8"?>
+<Control xmlns="http://schemas.microsoft.com/VisualStudio/2011/storyboarding/control">
+  <Id Name="System.Storyboarding.WindowsApps.WindowsAppsTileMediumSelected" Revision="1" Stencil="System.Storyboarding.WindowsApps" StencilVersion="0.1"/>
+</Control>
+</file>
+
+<file path=customXml/item143.xml><?xml version="1.0" encoding="utf-8"?>
+<Control xmlns="http://schemas.microsoft.com/VisualStudio/2011/storyboarding/control">
+  <Id Name="System.Storyboarding.Common.ScrollbarVertical" Revision="1" Stencil="System.Storyboarding.Common" StencilVersion="0.1"/>
+</Control>
+</file>
+
+<file path=customXml/item144.xml><?xml version="1.0" encoding="utf-8"?>
+<Control xmlns="http://schemas.microsoft.com/VisualStudio/2011/storyboarding/control">
+  <Id Name="System.Storyboarding.Common.TextInput" Revision="1" Stencil="System.Storyboarding.Common" StencilVersion="0.1"/>
+</Control>
+</file>
+
+<file path=customXml/item145.xml><?xml version="1.0" encoding="utf-8"?>
+<Control xmlns="http://schemas.microsoft.com/VisualStudio/2011/storyboarding/control">
+  <Id Name="System.Storyboarding.Common.TextInput" Revision="1" Stencil="System.Storyboarding.Common" StencilVersion="0.1"/>
+</Control>
+</file>
+
+<file path=customXml/item146.xml><?xml version="1.0" encoding="utf-8"?>
+<Control xmlns="http://schemas.microsoft.com/VisualStudio/2011/storyboarding/control">
+  <Id Name="System.Storyboarding.Icons.Star" Revision="1" Stencil="System.Storyboarding.Icons" StencilVersion="0.1"/>
+</Control>
+</file>
+
+<file path=customXml/item147.xml><?xml version="1.0" encoding="utf-8"?>
+<Control xmlns="http://schemas.microsoft.com/VisualStudio/2011/storyboarding/control">
+  <Id Name="System.Storyboarding.Icons.Star" Revision="1" Stencil="System.Storyboarding.Icons" StencilVersion="0.1"/>
+</Control>
+</file>
+
+<file path=customXml/item148.xml><?xml version="1.0" encoding="utf-8"?>
+<Control xmlns="http://schemas.microsoft.com/VisualStudio/2011/storyboarding/control">
+  <Id Name="System.Storyboarding.Common.CheckBoxUnchecked" Revision="1" Stencil="System.Storyboarding.Common" StencilVersion="0.1"/>
+</Control>
+</file>
+
+<file path=customXml/item149.xml><?xml version="1.0" encoding="utf-8"?>
+<Control xmlns="http://schemas.microsoft.com/VisualStudio/2011/storyboarding/control">
+  <Id Name="System.Storyboarding.WindowsApps.WindowsAppsEditBox" Revision="1" Stencil="System.Storyboarding.WindowsApps" StencilVersion="0.1"/>
+</Control>
+</file>
+
+<file path=customXml/item15.xml><?xml version="1.0" encoding="utf-8"?>
+<Control xmlns="http://schemas.microsoft.com/VisualStudio/2011/storyboarding/control">
+  <Id Name="System.Storyboarding.Icons.Star" Revision="1" Stencil="System.Storyboarding.Icons" StencilVersion="0.1"/>
+</Control>
+</file>
+
+<file path=customXml/item150.xml><?xml version="1.0" encoding="utf-8"?>
+<Control xmlns="http://schemas.microsoft.com/VisualStudio/2011/storyboarding/control">
+  <Id Name="System.Storyboarding.WindowsAppIcons.Plus" Revision="1" Stencil="System.Storyboarding.WindowsAppIcons" StencilVersion="0.1"/>
+</Control>
+</file>
+
+<file path=customXml/item151.xml><?xml version="1.0" encoding="utf-8"?>
+<Control xmlns="http://schemas.microsoft.com/VisualStudio/2011/storyboarding/control">
+  <Id Name="System.Storyboarding.Common.Button" Revision="1" Stencil="System.Storyboarding.Common" StencilVersion="0.1"/>
+</Control>
+</file>
+
+<file path=customXml/item152.xml><?xml version="1.0" encoding="utf-8"?>
+<Control xmlns="http://schemas.microsoft.com/VisualStudio/2011/storyboarding/control">
+  <Id Name="System.Storyboarding.Common.DatePicker" Revision="1" Stencil="System.Storyboarding.Common" StencilVersion="0.1"/>
+</Control>
+</file>
+
+<file path=customXml/item153.xml><?xml version="1.0" encoding="utf-8"?>
+<Control xmlns="http://schemas.microsoft.com/VisualStudio/2011/storyboarding/control">
+  <Id Name="System.Storyboarding.Common.TextInput" Revision="1" Stencil="System.Storyboarding.Common" StencilVersion="0.1"/>
+</Control>
+</file>
+
+<file path=customXml/item154.xml><?xml version="1.0" encoding="utf-8"?>
+<Control xmlns="http://schemas.microsoft.com/VisualStudio/2011/storyboarding/control">
+  <Id Name="System.Storyboarding.Common.ScrollbarVertical" Revision="1" Stencil="System.Storyboarding.Common" StencilVersion="0.1"/>
+</Control>
+</file>
+
+<file path=customXml/item155.xml><?xml version="1.0" encoding="utf-8"?>
+<Control xmlns="http://schemas.microsoft.com/VisualStudio/2011/storyboarding/control">
+  <Id Name="System.Storyboarding.Common.Text" Revision="1" Stencil="System.Storyboarding.Common" StencilVersion="0.1"/>
+</Control>
+</file>
+
+<file path=customXml/item156.xml><?xml version="1.0" encoding="utf-8"?>
+<Control xmlns="http://schemas.microsoft.com/VisualStudio/2011/storyboarding/control">
+  <Id Name="System.Storyboarding.WindowsAppIcons.Plus" Revision="1" Stencil="System.Storyboarding.WindowsAppIcons" StencilVersion="0.1"/>
+</Control>
+</file>
+
+<file path=customXml/item157.xml><?xml version="1.0" encoding="utf-8"?>
+<Control xmlns="http://schemas.microsoft.com/VisualStudio/2011/storyboarding/control">
+  <Id Name="System.Storyboarding.Common.DatePicker" Revision="1" Stencil="System.Storyboarding.Common" StencilVersion="0.1"/>
+</Control>
+</file>
+
+<file path=customXml/item158.xml><?xml version="1.0" encoding="utf-8"?>
+<Control xmlns="http://schemas.microsoft.com/VisualStudio/2011/storyboarding/control">
+  <Id Name="System.Storyboarding.Common.CheckBoxUnchecked" Revision="1" Stencil="System.Storyboarding.Common" StencilVersion="0.1"/>
+</Control>
+</file>
+
+<file path=customXml/item159.xml><?xml version="1.0" encoding="utf-8"?>
+<Control xmlns="http://schemas.microsoft.com/VisualStudio/2011/storyboarding/control">
+  <Id Name="System.Storyboarding.Icons.Star" Revision="1" Stencil="System.Storyboarding.Icons" StencilVersion="0.1"/>
+</Control>
+</file>
+
+<file path=customXml/item16.xml><?xml version="1.0" encoding="utf-8"?>
+<Control xmlns="http://schemas.microsoft.com/VisualStudio/2011/storyboarding/control">
+  <Id Name="System.Storyboarding.Icons.Star" Revision="1" Stencil="System.Storyboarding.Icons" StencilVersion="0.1"/>
+</Control>
+</file>
+
+<file path=customXml/item160.xml><?xml version="1.0" encoding="utf-8"?>
+<Control xmlns="http://schemas.microsoft.com/VisualStudio/2011/storyboarding/control">
+  <Id Name="System.Storyboarding.Common.Text" Revision="1" Stencil="System.Storyboarding.Common" StencilVersion="0.1"/>
+</Control>
+</file>
+
+<file path=customXml/item161.xml><?xml version="1.0" encoding="utf-8"?>
+<Control xmlns="http://schemas.microsoft.com/VisualStudio/2011/storyboarding/control">
+  <Id Name="System.Storyboarding.Common.TextInput" Revision="1" Stencil="System.Storyboarding.Common" StencilVersion="0.1"/>
+</Control>
+</file>
+
+<file path=customXml/item162.xml><?xml version="1.0" encoding="utf-8"?>
+<Control xmlns="http://schemas.microsoft.com/VisualStudio/2011/storyboarding/control">
+  <Id Name="System.Storyboarding.WindowsApps.WindowsAppsTileWideSmall" Revision="1" Stencil="System.Storyboarding.WindowsApps" StencilVersion="0.1"/>
+</Control>
+</file>
+
+<file path=customXml/item163.xml><?xml version="1.0" encoding="utf-8"?>
+<Control xmlns="http://schemas.microsoft.com/VisualStudio/2011/storyboarding/control">
+  <Id Name="System.Storyboarding.Icons.Star" Revision="1" Stencil="System.Storyboarding.Icons" StencilVersion="0.1"/>
+</Control>
+</file>
+
+<file path=customXml/item164.xml><?xml version="1.0" encoding="utf-8"?>
+<Control xmlns="http://schemas.microsoft.com/VisualStudio/2011/storyboarding/control">
+  <Id Name="System.Storyboarding.Common.Button" Revision="1" Stencil="System.Storyboarding.Common" StencilVersion="0.1"/>
+</Control>
+</file>
+
+<file path=customXml/item165.xml><?xml version="1.0" encoding="utf-8"?>
+<Control xmlns="http://schemas.microsoft.com/VisualStudio/2011/storyboarding/control">
+  <Id Name="System.Storyboarding.Media.PieChart" Revision="1" Stencil="System.Storyboarding.Media" StencilVersion="0.1"/>
+</Control>
+</file>
+
+<file path=customXml/item166.xml><?xml version="1.0" encoding="utf-8"?>
+<Control xmlns="http://schemas.microsoft.com/VisualStudio/2011/storyboarding/control">
+  <Id Name="System.Storyboarding.WindowsAppIcons.Plus" Revision="1" Stencil="System.Storyboarding.WindowsAppIcons" StencilVersion="0.1"/>
+</Control>
+</file>
+
+<file path=customXml/item167.xml><?xml version="1.0" encoding="utf-8"?>
+<Control xmlns="http://schemas.microsoft.com/VisualStudio/2011/storyboarding/control">
+  <Id Name="System.Storyboarding.Common.Text" Revision="1" Stencil="System.Storyboarding.Common" StencilVersion="0.1"/>
+</Control>
+</file>
+
+<file path=customXml/item168.xml><?xml version="1.0" encoding="utf-8"?>
+<Control xmlns="http://schemas.microsoft.com/VisualStudio/2011/storyboarding/control">
+  <Id Name="System.Storyboarding.Common.TextInput" Revision="1" Stencil="System.Storyboarding.Common" StencilVersion="0.1"/>
+</Control>
+</file>
+
+<file path=customXml/item169.xml><?xml version="1.0" encoding="utf-8"?>
+<Control xmlns="http://schemas.microsoft.com/VisualStudio/2011/storyboarding/control">
+  <Id Name="System.Storyboarding.Common.CheckBoxUnchecked" Revision="1" Stencil="System.Storyboarding.Common" StencilVersion="0.1"/>
+</Control>
+</file>
+
+<file path=customXml/item17.xml><?xml version="1.0" encoding="utf-8"?>
+<Control xmlns="http://schemas.microsoft.com/VisualStudio/2011/storyboarding/control">
+  <Id Name="System.Storyboarding.Icons.Star" Revision="1" Stencil="System.Storyboarding.Icons" StencilVersion="0.1"/>
+</Control>
+</file>
+
+<file path=customXml/item170.xml><?xml version="1.0" encoding="utf-8"?>
+<Control xmlns="http://schemas.microsoft.com/VisualStudio/2011/storyboarding/control">
+  <Id Name="32035d07-bc66-4a79-8001-2507012193e3" RevisionId="7f6cc906-8fab-4878-8f41-90bcdc4e860e" Stencil="172d6d98-e5c9-42e9-a209-79f7a94bbd38" StencilRevisionId="00000000-0000-0000-0000-000000000000" StencilVersion="0.0"/>
+</Control>
+</file>
+
+<file path=customXml/item171.xml><?xml version="1.0" encoding="utf-8"?>
+<Control xmlns="http://schemas.microsoft.com/VisualStudio/2011/storyboarding/control">
+  <Id Name="System.Storyboarding.Common.Text" Revision="1" Stencil="System.Storyboarding.Common" StencilVersion="0.1"/>
+</Control>
+</file>
+
+<file path=customXml/item172.xml><?xml version="1.0" encoding="utf-8"?>
+<Control xmlns="http://schemas.microsoft.com/VisualStudio/2011/storyboarding/control">
+  <Id Name="System.Storyboarding.Icons.Star" Revision="1" Stencil="System.Storyboarding.Icons" StencilVersion="0.1"/>
+</Control>
+</file>
+
+<file path=customXml/item173.xml><?xml version="1.0" encoding="utf-8"?>
+<Control xmlns="http://schemas.microsoft.com/VisualStudio/2011/storyboarding/control">
+  <Id Name="System.Storyboarding.Common.Text" Revision="1" Stencil="System.Storyboarding.Common" StencilVersion="0.1"/>
+</Control>
+</file>
+
+<file path=customXml/item174.xml><?xml version="1.0" encoding="utf-8"?>
+<Control xmlns="http://schemas.microsoft.com/VisualStudio/2011/storyboarding/control">
+  <Id Name="System.Storyboarding.WindowsApps.WindowsAppsTileWideSmall" Revision="1" Stencil="System.Storyboarding.WindowsApps" StencilVersion="0.1"/>
+</Control>
+</file>
+
+<file path=customXml/item175.xml><?xml version="1.0" encoding="utf-8"?>
+<Control xmlns="http://schemas.microsoft.com/VisualStudio/2011/storyboarding/control">
+  <Id Name="System.Storyboarding.Common.TextInput" Revision="1" Stencil="System.Storyboarding.Common" StencilVersion="0.1"/>
+</Control>
+</file>
+
+<file path=customXml/item176.xml><?xml version="1.0" encoding="utf-8"?>
+<Control xmlns="http://schemas.microsoft.com/VisualStudio/2011/storyboarding/control">
+  <Id Name="System.Storyboarding.WindowsApps.WindowsAppsMediumWideTile" Revision="1" Stencil="System.Storyboarding.WindowsApps" StencilVersion="0.1"/>
+</Control>
+</file>
+
+<file path=customXml/item177.xml><?xml version="1.0" encoding="utf-8"?>
+<Control xmlns="http://schemas.microsoft.com/VisualStudio/2011/storyboarding/control">
+  <Id Name="System.Storyboarding.WindowsApps.WindowsAppsTileWideSmall" Revision="1" Stencil="System.Storyboarding.WindowsApps" StencilVersion="0.1"/>
+</Control>
+</file>
+
+<file path=customXml/item178.xml><?xml version="1.0" encoding="utf-8"?>
+<Control xmlns="http://schemas.microsoft.com/VisualStudio/2011/storyboarding/control">
+  <Id Name="System.Storyboarding.Icons.Star" Revision="1" Stencil="System.Storyboarding.Icons" StencilVersion="0.1"/>
+</Control>
+</file>
+
+<file path=customXml/item179.xml><?xml version="1.0" encoding="utf-8"?>
+<Control xmlns="http://schemas.microsoft.com/VisualStudio/2011/storyboarding/control">
+  <Id Name="System.Storyboarding.WindowsApps.WindowsAppsTileWideSmall" Revision="1" Stencil="System.Storyboarding.WindowsApps" StencilVersion="0.1"/>
+</Control>
+</file>
+
+<file path=customXml/item18.xml><?xml version="1.0" encoding="utf-8"?>
+<Control xmlns="http://schemas.microsoft.com/VisualStudio/2011/storyboarding/control">
+  <Id Name="System.Storyboarding.WindowsApps.WindowsAppsContextMenu" Revision="1" Stencil="System.Storyboarding.WindowsApps" StencilVersion="0.1"/>
+</Control>
+</file>
+
+<file path=customXml/item180.xml><?xml version="1.0" encoding="utf-8"?>
+<Control xmlns="http://schemas.microsoft.com/VisualStudio/2011/storyboarding/control">
+  <Id Name="System.Storyboarding.Common.Text" Revision="1" Stencil="System.Storyboarding.Common" StencilVersion="0.1"/>
+</Control>
+</file>
+
+<file path=customXml/item181.xml><?xml version="1.0" encoding="utf-8"?>
+<Control xmlns="http://schemas.microsoft.com/VisualStudio/2011/storyboarding/control">
+  <Id Name="32035d07-bc66-4a79-8001-2507012193e3" RevisionId="7f6cc906-8fab-4878-8f41-90bcdc4e860e" Stencil="172d6d98-e5c9-42e9-a209-79f7a94bbd38" StencilRevisionId="00000000-0000-0000-0000-000000000000" StencilVersion="0.0"/>
+</Control>
+</file>
+
+<file path=customXml/item182.xml><?xml version="1.0" encoding="utf-8"?>
+<Control xmlns="http://schemas.microsoft.com/VisualStudio/2011/storyboarding/control">
+  <Id Name="System.Storyboarding.Icons.Star" Revision="1" Stencil="System.Storyboarding.Icons" StencilVersion="0.1"/>
+</Control>
+</file>
+
+<file path=customXml/item183.xml><?xml version="1.0" encoding="utf-8"?>
+<Control xmlns="http://schemas.microsoft.com/VisualStudio/2011/storyboarding/control">
+  <Id Name="System.Storyboarding.WindowsApps.WindowsAppsTileWideSmall" Revision="1" Stencil="System.Storyboarding.WindowsApps" StencilVersion="0.1"/>
+</Control>
+</file>
+
+<file path=customXml/item184.xml><?xml version="1.0" encoding="utf-8"?>
+<Control xmlns="http://schemas.microsoft.com/VisualStudio/2011/storyboarding/control">
+  <Id Name="System.Storyboarding.Common.TextInput" Revision="1" Stencil="System.Storyboarding.Common" StencilVersion="0.1"/>
+</Control>
+</file>
+
+<file path=customXml/item185.xml><?xml version="1.0" encoding="utf-8"?>
+<Control xmlns="http://schemas.microsoft.com/VisualStudio/2011/storyboarding/control">
+  <Id Name="System.Storyboarding.Common.Text" Revision="1" Stencil="System.Storyboarding.Common" StencilVersion="0.1"/>
+</Control>
+</file>
+
+<file path=customXml/item186.xml><?xml version="1.0" encoding="utf-8"?>
+<Control xmlns="http://schemas.microsoft.com/VisualStudio/2011/storyboarding/control">
+  <Id Name="System.Storyboarding.Common.Text" Revision="1" Stencil="System.Storyboarding.Common" StencilVersion="0.1"/>
+</Control>
+</file>
+
+<file path=customXml/item187.xml><?xml version="1.0" encoding="utf-8"?>
+<Control xmlns="http://schemas.microsoft.com/VisualStudio/2011/storyboarding/control">
+  <Id Name="System.Storyboarding.WindowsApps.WindowsAppsContextMenu" Revision="1" Stencil="System.Storyboarding.WindowsApps" StencilVersion="0.1"/>
+</Control>
+</file>
+
+<file path=customXml/item188.xml><?xml version="1.0" encoding="utf-8"?>
+<Control xmlns="http://schemas.microsoft.com/VisualStudio/2011/storyboarding/control">
+  <Id Name="System.Storyboarding.Common.ScrollbarVertical" Revision="1" Stencil="System.Storyboarding.Common" StencilVersion="0.1"/>
+</Control>
+</file>
+
+<file path=customXml/item189.xml><?xml version="1.0" encoding="utf-8"?>
+<Control xmlns="http://schemas.microsoft.com/VisualStudio/2011/storyboarding/control">
+  <Id Name="System.Storyboarding.Common.TextInput" Revision="1" Stencil="System.Storyboarding.Common" StencilVersion="0.1"/>
+</Control>
+</file>
+
+<file path=customXml/item19.xml><?xml version="1.0" encoding="utf-8"?>
+<Control xmlns="http://schemas.microsoft.com/VisualStudio/2011/storyboarding/control">
+  <Id Name="System.Storyboarding.Common.TextInput" Revision="1" Stencil="System.Storyboarding.Common" StencilVersion="0.1"/>
+</Control>
+</file>
+
+<file path=customXml/item190.xml><?xml version="1.0" encoding="utf-8"?>
+<Control xmlns="http://schemas.microsoft.com/VisualStudio/2011/storyboarding/control">
+  <Id Name="System.Storyboarding.Common.TextInput" Revision="1" Stencil="System.Storyboarding.Common" StencilVersion="0.1"/>
+</Control>
+</file>
+
+<file path=customXml/item191.xml><?xml version="1.0" encoding="utf-8"?>
+<Control xmlns="http://schemas.microsoft.com/VisualStudio/2011/storyboarding/control">
+  <Id Name="System.Storyboarding.Common.Button" Revision="1" Stencil="System.Storyboarding.Common" StencilVersion="0.1"/>
+</Control>
+</file>
+
+<file path=customXml/item192.xml><?xml version="1.0" encoding="utf-8"?>
+<Control xmlns="http://schemas.microsoft.com/VisualStudio/2011/storyboarding/control">
+  <Id Name="System.Storyboarding.Common.Button" Revision="1" Stencil="System.Storyboarding.Common" StencilVersion="0.1"/>
+</Control>
+</file>
+
+<file path=customXml/item193.xml><?xml version="1.0" encoding="utf-8"?>
+<Control xmlns="http://schemas.microsoft.com/VisualStudio/2011/storyboarding/control">
+  <Id Name="System.Storyboarding.Common.Text" Revision="1" Stencil="System.Storyboarding.Common" StencilVersion="0.1"/>
+</Control>
+</file>
+
+<file path=customXml/item194.xml><?xml version="1.0" encoding="utf-8"?>
+<Control xmlns="http://schemas.microsoft.com/VisualStudio/2011/storyboarding/control">
+  <Id Name="System.Storyboarding.Icons.Copy" Revision="1" Stencil="System.Storyboarding.Icons" StencilVersion="0.1"/>
+</Control>
+</file>
+
+<file path=customXml/item195.xml><?xml version="1.0" encoding="utf-8"?>
+<Control xmlns="http://schemas.microsoft.com/VisualStudio/2011/storyboarding/control">
+  <Id Name="System.Storyboarding.Media.VerticalBarChart" Revision="1" Stencil="System.Storyboarding.Media" StencilVersion="0.1"/>
+</Control>
+</file>
+
+<file path=customXml/item196.xml><?xml version="1.0" encoding="utf-8"?>
+<Control xmlns="http://schemas.microsoft.com/VisualStudio/2011/storyboarding/control">
+  <Id Name="System.Storyboarding.Common.Text" Revision="1" Stencil="System.Storyboarding.Common" StencilVersion="0.1"/>
+</Control>
+</file>
+
+<file path=customXml/item197.xml><?xml version="1.0" encoding="utf-8"?>
+<Control xmlns="http://schemas.microsoft.com/VisualStudio/2011/storyboarding/control">
+  <Id Name="System.Storyboarding.Common.CheckBoxUnchecked" Revision="1" Stencil="System.Storyboarding.Common" StencilVersion="0.1"/>
+</Control>
+</file>
+
+<file path=customXml/item198.xml><?xml version="1.0" encoding="utf-8"?>
+<Control xmlns="http://schemas.microsoft.com/VisualStudio/2011/storyboarding/control">
+  <Id Name="System.Storyboarding.WindowsApps.WindowsAppsTileMedium" Revision="1" Stencil="System.Storyboarding.WindowsApps" StencilVersion="0.1"/>
+</Control>
+</file>
+
+<file path=customXml/item199.xml><?xml version="1.0" encoding="utf-8"?>
+<Control xmlns="http://schemas.microsoft.com/VisualStudio/2011/storyboarding/control">
+  <Id Name="System.Storyboarding.Common.Text" Revision="1" Stencil="System.Storyboarding.Common" StencilVersion="0.1"/>
+</Control>
+</file>
+
+<file path=customXml/item2.xml><?xml version="1.0" encoding="utf-8"?>
+<Control xmlns="http://schemas.microsoft.com/VisualStudio/2011/storyboarding/control">
+  <Id Name="System.Storyboarding.Icons.Star" Revision="1" Stencil="System.Storyboarding.Icons" StencilVersion="0.1"/>
+</Control>
+</file>
+
+<file path=customXml/item20.xml><?xml version="1.0" encoding="utf-8"?>
+<Control xmlns="http://schemas.microsoft.com/VisualStudio/2011/storyboarding/control">
+  <Id Name="System.Storyboarding.Icons.Star" Revision="1" Stencil="System.Storyboarding.Icons" StencilVersion="0.1"/>
+</Control>
+</file>
+
+<file path=customXml/item200.xml><?xml version="1.0" encoding="utf-8"?>
+<Control xmlns="http://schemas.microsoft.com/VisualStudio/2011/storyboarding/control">
+  <Id Name="System.Storyboarding.Icons.Star" Revision="1" Stencil="System.Storyboarding.Icons" StencilVersion="0.1"/>
+</Control>
+</file>
+
+<file path=customXml/item201.xml><?xml version="1.0" encoding="utf-8"?>
+<Control xmlns="http://schemas.microsoft.com/VisualStudio/2011/storyboarding/control">
+  <Id Name="System.Storyboarding.Common.CheckBoxUnchecked" Revision="1" Stencil="System.Storyboarding.Common" StencilVersion="0.1"/>
+</Control>
+</file>
+
+<file path=customXml/item202.xml><?xml version="1.0" encoding="utf-8"?>
+<Control xmlns="http://schemas.microsoft.com/VisualStudio/2011/storyboarding/control">
+  <Id Name="System.Storyboarding.Common.RadioButtonSelected" Revision="1" Stencil="System.Storyboarding.Common" StencilVersion="0.1"/>
+</Control>
+</file>
+
+<file path=customXml/item203.xml><?xml version="1.0" encoding="utf-8"?>
+<Control xmlns="http://schemas.microsoft.com/VisualStudio/2011/storyboarding/control">
+  <Id Name="System.Storyboarding.WindowsApps.WindowsAppsTileWideSmall" Revision="1" Stencil="System.Storyboarding.WindowsApps" StencilVersion="0.1"/>
+</Control>
+</file>
+
+<file path=customXml/item204.xml><?xml version="1.0" encoding="utf-8"?>
+<Control xmlns="http://schemas.microsoft.com/VisualStudio/2011/storyboarding/control">
+  <Id Name="System.Storyboarding.Common.Text" Revision="1" Stencil="System.Storyboarding.Common" StencilVersion="0.1"/>
+</Control>
+</file>
+
+<file path=customXml/item205.xml><?xml version="1.0" encoding="utf-8"?>
+<Control xmlns="http://schemas.microsoft.com/VisualStudio/2011/storyboarding/control">
+  <Id Name="System.Storyboarding.Common.TextInput" Revision="1" Stencil="System.Storyboarding.Common" StencilVersion="0.1"/>
+</Control>
+</file>
+
+<file path=customXml/item206.xml><?xml version="1.0" encoding="utf-8"?>
+<Control xmlns="http://schemas.microsoft.com/VisualStudio/2011/storyboarding/control">
+  <Id Name="System.Storyboarding.WindowsPhone.PageTitle" Revision="1" Stencil="System.Storyboarding.WindowsPhone" StencilVersion="0.1"/>
+</Control>
+</file>
+
+<file path=customXml/item207.xml><?xml version="1.0" encoding="utf-8"?>
+<Control xmlns="http://schemas.microsoft.com/VisualStudio/2011/storyboarding/control">
+  <Id Name="System.Storyboarding.Common.Text" Revision="1" Stencil="System.Storyboarding.Common" StencilVersion="0.1"/>
+</Control>
+</file>
+
+<file path=customXml/item208.xml><?xml version="1.0" encoding="utf-8"?>
+<Control xmlns="http://schemas.microsoft.com/VisualStudio/2011/storyboarding/control">
+  <Id Name="System.Storyboarding.Backgrounds.DesktopTaskbar" Revision="1" Stencil="System.Storyboarding.Backgrounds" StencilVersion="0.1"/>
+</Control>
+</file>
+
+<file path=customXml/item209.xml><?xml version="1.0" encoding="utf-8"?>
+<Control xmlns="http://schemas.microsoft.com/VisualStudio/2011/storyboarding/control">
+  <Id Name="System.Storyboarding.WindowsApps.WindowsAppsTileWideSmall" Revision="1" Stencil="System.Storyboarding.WindowsApps" StencilVersion="0.1"/>
+</Control>
+</file>
+
+<file path=customXml/item21.xml><?xml version="1.0" encoding="utf-8"?>
+<Control xmlns="http://schemas.microsoft.com/VisualStudio/2011/storyboarding/control">
+  <Id Name="System.Storyboarding.Common.Text" Revision="1" Stencil="System.Storyboarding.Common" StencilVersion="0.1"/>
+</Control>
+</file>
+
+<file path=customXml/item210.xml><?xml version="1.0" encoding="utf-8"?>
+<Control xmlns="http://schemas.microsoft.com/VisualStudio/2011/storyboarding/control">
+  <Id Name="System.Storyboarding.Common.Text" Revision="1" Stencil="System.Storyboarding.Common" StencilVersion="0.1"/>
+</Control>
+</file>
+
+<file path=customXml/item211.xml><?xml version="1.0" encoding="utf-8"?>
+<Control xmlns="http://schemas.microsoft.com/VisualStudio/2011/storyboarding/control">
+  <Id Name="System.Storyboarding.WindowsApps.WindowsAppsButton" Revision="1" Stencil="System.Storyboarding.WindowsApps" StencilVersion="0.1"/>
+</Control>
+</file>
+
+<file path=customXml/item212.xml><?xml version="1.0" encoding="utf-8"?>
+<Control xmlns="http://schemas.microsoft.com/VisualStudio/2011/storyboarding/control">
+  <Id Name="System.Storyboarding.WindowsApps.WindowsAppsButton" Revision="1" Stencil="System.Storyboarding.WindowsApps" StencilVersion="0.1"/>
+</Control>
+</file>
+
+<file path=customXml/item22.xml><?xml version="1.0" encoding="utf-8"?>
+<Control xmlns="http://schemas.microsoft.com/VisualStudio/2011/storyboarding/control">
+  <Id Name="System.Storyboarding.Common.Text" Revision="1" Stencil="System.Storyboarding.Common" StencilVersion="0.1"/>
+</Control>
+</file>
+
+<file path=customXml/item23.xml><?xml version="1.0" encoding="utf-8"?>
+<Control xmlns="http://schemas.microsoft.com/VisualStudio/2011/storyboarding/control">
+  <Id Name="System.Storyboarding.Icons.Star" Revision="1" Stencil="System.Storyboarding.Icons" StencilVersion="0.1"/>
+</Control>
+</file>
+
+<file path=customXml/item24.xml><?xml version="1.0" encoding="utf-8"?>
+<Control xmlns="http://schemas.microsoft.com/VisualStudio/2011/storyboarding/control">
+  <Id Name="System.Storyboarding.Common.TextInput" Revision="1" Stencil="System.Storyboarding.Common" StencilVersion="0.1"/>
+</Control>
+</file>
+
+<file path=customXml/item25.xml><?xml version="1.0" encoding="utf-8"?>
+<Control xmlns="http://schemas.microsoft.com/VisualStudio/2011/storyboarding/control">
+  <Id Name="System.Storyboarding.Common.Text" Revision="1" Stencil="System.Storyboarding.Common" StencilVersion="0.1"/>
+</Control>
+</file>
+
+<file path=customXml/item26.xml><?xml version="1.0" encoding="utf-8"?>
+<Control xmlns="http://schemas.microsoft.com/VisualStudio/2011/storyboarding/control">
+  <Id Name="System.Storyboarding.Common.TextInput" Revision="1" Stencil="System.Storyboarding.Common" StencilVersion="0.1"/>
+</Control>
+</file>
+
+<file path=customXml/item27.xml><?xml version="1.0" encoding="utf-8"?>
+<Control xmlns="http://schemas.microsoft.com/VisualStudio/2011/storyboarding/control">
+  <Id Name="32035d07-bc66-4a79-8001-2507012193e3" RevisionId="7f6cc906-8fab-4878-8f41-90bcdc4e860e" Stencil="172d6d98-e5c9-42e9-a209-79f7a94bbd38" StencilRevisionId="00000000-0000-0000-0000-000000000000" StencilVersion="0.0"/>
+</Control>
+</file>
+
+<file path=customXml/item28.xml><?xml version="1.0" encoding="utf-8"?>
+<Control xmlns="http://schemas.microsoft.com/VisualStudio/2011/storyboarding/control">
+  <Id Name="System.Storyboarding.Common.TextInput" Revision="1" Stencil="System.Storyboarding.Common" StencilVersion="0.1"/>
+</Control>
+</file>
+
+<file path=customXml/item29.xml><?xml version="1.0" encoding="utf-8"?>
+<Control xmlns="http://schemas.microsoft.com/VisualStudio/2011/storyboarding/control">
+  <Id Name="System.Storyboarding.Common.Button" Revision="1" Stencil="System.Storyboarding.Common" StencilVersion="0.1"/>
+</Control>
+</file>
+
+<file path=customXml/item3.xml><?xml version="1.0" encoding="utf-8"?>
+<Control xmlns="http://schemas.microsoft.com/VisualStudio/2011/storyboarding/control">
+  <Id Name="System.Storyboarding.Common.CheckBoxUnchecked" Revision="1" Stencil="System.Storyboarding.Common" StencilVersion="0.1"/>
+</Control>
+</file>
+
+<file path=customXml/item30.xml><?xml version="1.0" encoding="utf-8"?>
+<Control xmlns="http://schemas.microsoft.com/VisualStudio/2011/storyboarding/control">
+  <Id Name="System.Storyboarding.Common.TextInput" Revision="1" Stencil="System.Storyboarding.Common" StencilVersion="0.1"/>
+</Control>
+</file>
+
+<file path=customXml/item31.xml><?xml version="1.0" encoding="utf-8"?>
+<Control xmlns="http://schemas.microsoft.com/VisualStudio/2011/storyboarding/control">
+  <Id Name="System.Storyboarding.Common.DatePicker" Revision="1" Stencil="System.Storyboarding.Common" StencilVersion="0.1"/>
+</Control>
+</file>
+
+<file path=customXml/item32.xml><?xml version="1.0" encoding="utf-8"?>
+<Control xmlns="http://schemas.microsoft.com/VisualStudio/2011/storyboarding/control">
+  <Id Name="System.Storyboarding.WindowsApps.WindowsAppsButton" Revision="1" Stencil="System.Storyboarding.WindowsApps" StencilVersion="0.1"/>
+</Control>
+</file>
+
+<file path=customXml/item33.xml><?xml version="1.0" encoding="utf-8"?>
+<Control xmlns="http://schemas.microsoft.com/VisualStudio/2011/storyboarding/control">
+  <Id Name="System.Storyboarding.Icons.Copy" Revision="1" Stencil="System.Storyboarding.Icons" StencilVersion="0.1"/>
+</Control>
+</file>
+
+<file path=customXml/item34.xml><?xml version="1.0" encoding="utf-8"?>
+<Control xmlns="http://schemas.microsoft.com/VisualStudio/2011/storyboarding/control">
+  <Id Name="System.Storyboarding.Common.CheckBoxUnchecked" Revision="1" Stencil="System.Storyboarding.Common" StencilVersion="0.1"/>
+</Control>
+</file>
+
+<file path=customXml/item35.xml><?xml version="1.0" encoding="utf-8"?>
+<Control xmlns="http://schemas.microsoft.com/VisualStudio/2011/storyboarding/control">
+  <Id Name="91f9215f-48a3-4bce-9856-a1c79d18b395" RevisionId="54383394-c8b8-40b0-9c4b-42c6089a8ac7" Stencil="172d6d98-e5c9-42e9-a209-79f7a94bbd38" StencilRevisionId="00000000-0000-0000-0000-000000000000" StencilVersion="0.0"/>
+</Control>
+</file>
+
+<file path=customXml/item36.xml><?xml version="1.0" encoding="utf-8"?>
+<Control xmlns="http://schemas.microsoft.com/VisualStudio/2011/storyboarding/control">
+  <Id Name="System.Storyboarding.Common.Hyperlink" Revision="1" Stencil="System.Storyboarding.Common" StencilVersion="0.1"/>
+</Control>
+</file>
+
+<file path=customXml/item37.xml><?xml version="1.0" encoding="utf-8"?>
+<Control xmlns="http://schemas.microsoft.com/VisualStudio/2011/storyboarding/control">
+  <Id Name="System.Storyboarding.WindowsApps.WindowsAppsTileMedium" Revision="1" Stencil="System.Storyboarding.WindowsApps" StencilVersion="0.1"/>
+</Control>
+</file>
+
+<file path=customXml/item38.xml><?xml version="1.0" encoding="utf-8"?>
 <Control xmlns="http://schemas.microsoft.com/VisualStudio/2011/storyboarding/control">
   <Id Name="System.Storyboarding.Common.RadioButtonUnselected" Revision="1" Stencil="System.Storyboarding.Common" StencilVersion="0.1"/>
 </Control>
 </file>
 
-<file path=customXml/item104.xml><?xml version="1.0" encoding="utf-8"?>
+<file path=customXml/item39.xml><?xml version="1.0" encoding="utf-8"?>
+<Control xmlns="http://schemas.microsoft.com/VisualStudio/2011/storyboarding/control">
+  <Id Name="System.Storyboarding.Common.Hyperlink" Revision="1" Stencil="System.Storyboarding.Common" StencilVersion="0.1"/>
+</Control>
+</file>
+
+<file path=customXml/item4.xml><?xml version="1.0" encoding="utf-8"?>
+<Control xmlns="http://schemas.microsoft.com/VisualStudio/2011/storyboarding/control">
+  <Id Name="System.Storyboarding.Backgrounds.WebBrowser" Revision="1" Stencil="System.Storyboarding.Backgrounds" StencilVersion="0.1"/>
+</Control>
+</file>
+
+<file path=customXml/item40.xml><?xml version="1.0" encoding="utf-8"?>
+<Control xmlns="http://schemas.microsoft.com/VisualStudio/2011/storyboarding/control">
+  <Id Name="System.Storyboarding.WindowsApps.WindowsAppsTileWideSmall" Revision="1" Stencil="System.Storyboarding.WindowsApps" StencilVersion="0.1"/>
+</Control>
+</file>
+
+<file path=customXml/item41.xml><?xml version="1.0" encoding="utf-8"?>
+<Control xmlns="http://schemas.microsoft.com/VisualStudio/2011/storyboarding/control">
+  <Id Name="System.Storyboarding.Common.Button" Revision="1" Stencil="System.Storyboarding.Common" StencilVersion="0.1"/>
+</Control>
+</file>
+
+<file path=customXml/item42.xml><?xml version="1.0" encoding="utf-8"?>
+<Control xmlns="http://schemas.microsoft.com/VisualStudio/2011/storyboarding/control">
+  <Id Name="System.Storyboarding.WindowsApps.WindowsAppsMediumWideTile" Revision="1" Stencil="System.Storyboarding.WindowsApps" StencilVersion="0.1"/>
+</Control>
+</file>
+
+<file path=customXml/item43.xml><?xml version="1.0" encoding="utf-8"?>
+<Control xmlns="http://schemas.microsoft.com/VisualStudio/2011/storyboarding/control">
+  <Id Name="System.Storyboarding.WindowsAppIcons.Like" Revision="1" Stencil="System.Storyboarding.WindowsAppIcons" StencilVersion="0.1"/>
+</Control>
+</file>
+
+<file path=customXml/item44.xml><?xml version="1.0" encoding="utf-8"?>
+<Control xmlns="http://schemas.microsoft.com/VisualStudio/2011/storyboarding/control">
+  <Id Name="System.Storyboarding.Common.TextInput" Revision="1" Stencil="System.Storyboarding.Common" StencilVersion="0.1"/>
+</Control>
+</file>
+
+<file path=customXml/item45.xml><?xml version="1.0" encoding="utf-8"?>
+<Control xmlns="http://schemas.microsoft.com/VisualStudio/2011/storyboarding/control">
+  <Id Name="System.Storyboarding.Media.Image" Revision="1" Stencil="System.Storyboarding.Media" StencilVersion="0.1"/>
+</Control>
+</file>
+
+<file path=customXml/item46.xml><?xml version="1.0" encoding="utf-8"?>
+<Control xmlns="http://schemas.microsoft.com/VisualStudio/2011/storyboarding/control">
+  <Id Name="System.Storyboarding.Icons.Star" Revision="1" Stencil="System.Storyboarding.Icons" StencilVersion="0.1"/>
+</Control>
+</file>
+
+<file path=customXml/item47.xml><?xml version="1.0" encoding="utf-8"?>
+<Control xmlns="http://schemas.microsoft.com/VisualStudio/2011/storyboarding/control">
+  <Id Name="System.Storyboarding.Common.DatePicker" Revision="1" Stencil="System.Storyboarding.Common" StencilVersion="0.1"/>
+</Control>
+</file>
+
+<file path=customXml/item48.xml><?xml version="1.0" encoding="utf-8"?>
+<Control xmlns="http://schemas.microsoft.com/VisualStudio/2011/storyboarding/control">
+  <Id Name="System.Storyboarding.WindowsApps.WindowsAppsTileWideSmall" Revision="1" Stencil="System.Storyboarding.WindowsApps" StencilVersion="0.1"/>
+</Control>
+</file>
+
+<file path=customXml/item49.xml><?xml version="1.0" encoding="utf-8"?>
+<Control xmlns="http://schemas.microsoft.com/VisualStudio/2011/storyboarding/control">
+  <Id Name="System.Storyboarding.WindowsApps.WindowsAppsTileWideSmall" Revision="1" Stencil="System.Storyboarding.WindowsApps" StencilVersion="0.1"/>
+</Control>
+</file>
+
+<file path=customXml/item5.xml><?xml version="1.0" encoding="utf-8"?>
+<Control xmlns="http://schemas.microsoft.com/VisualStudio/2011/storyboarding/control">
+  <Id Name="System.Storyboarding.Common.RadioButtonSelected" Revision="1" Stencil="System.Storyboarding.Common" StencilVersion="0.1"/>
+</Control>
+</file>
+
+<file path=customXml/item50.xml><?xml version="1.0" encoding="utf-8"?>
+<Control xmlns="http://schemas.microsoft.com/VisualStudio/2011/storyboarding/control">
+  <Id Name="System.Storyboarding.WindowsApps.WindowsAppsMediumWideTile" Revision="1" Stencil="System.Storyboarding.WindowsApps" StencilVersion="0.1"/>
+</Control>
+</file>
+
+<file path=customXml/item51.xml><?xml version="1.0" encoding="utf-8"?>
+<Control xmlns="http://schemas.microsoft.com/VisualStudio/2011/storyboarding/control">
+  <Id Name="System.Storyboarding.WindowsApps.WindowsAppsButton" Revision="1" Stencil="System.Storyboarding.WindowsApps" StencilVersion="0.1"/>
+</Control>
+</file>
+
+<file path=customXml/item52.xml><?xml version="1.0" encoding="utf-8"?>
+<Control xmlns="http://schemas.microsoft.com/VisualStudio/2011/storyboarding/control">
+  <Id Name="System.Storyboarding.Common.CheckBoxUnchecked" Revision="1" Stencil="System.Storyboarding.Common" StencilVersion="0.1"/>
+</Control>
+</file>
+
+<file path=customXml/item53.xml><?xml version="1.0" encoding="utf-8"?>
+<Control xmlns="http://schemas.microsoft.com/VisualStudio/2011/storyboarding/control">
+  <Id Name="System.Storyboarding.WindowsApps.WindowsAppsTileMedium" Revision="1" Stencil="System.Storyboarding.WindowsApps" StencilVersion="0.1"/>
+</Control>
+</file>
+
+<file path=customXml/item54.xml><?xml version="1.0" encoding="utf-8"?>
+<Control xmlns="http://schemas.microsoft.com/VisualStudio/2011/storyboarding/control">
+  <Id Name="System.Storyboarding.Common.Text" Revision="1" Stencil="System.Storyboarding.Common" StencilVersion="0.1"/>
+</Control>
+</file>
+
+<file path=customXml/item55.xml><?xml version="1.0" encoding="utf-8"?>
+<Control xmlns="http://schemas.microsoft.com/VisualStudio/2011/storyboarding/control">
+  <Id Name="System.Storyboarding.Common.CheckBoxUnchecked" Revision="1" Stencil="System.Storyboarding.Common" StencilVersion="0.1"/>
+</Control>
+</file>
+
+<file path=customXml/item56.xml><?xml version="1.0" encoding="utf-8"?>
+<Control xmlns="http://schemas.microsoft.com/VisualStudio/2011/storyboarding/control">
+  <Id Name="System.Storyboarding.Common.DatePicker" Revision="1" Stencil="System.Storyboarding.Common" StencilVersion="0.1"/>
+</Control>
+</file>
+
+<file path=customXml/item57.xml><?xml version="1.0" encoding="utf-8"?>
+<Control xmlns="http://schemas.microsoft.com/VisualStudio/2011/storyboarding/control">
+  <Id Name="System.Storyboarding.Common.Text" Revision="1" Stencil="System.Storyboarding.Common" StencilVersion="0.1"/>
+</Control>
+</file>
+
+<file path=customXml/item58.xml><?xml version="1.0" encoding="utf-8"?>
+<Control xmlns="http://schemas.microsoft.com/VisualStudio/2011/storyboarding/control">
+  <Id Name="System.Storyboarding.Common.Text" Revision="1" Stencil="System.Storyboarding.Common" StencilVersion="0.1"/>
+</Control>
+</file>
+
+<file path=customXml/item59.xml><?xml version="1.0" encoding="utf-8"?>
+<Control xmlns="http://schemas.microsoft.com/VisualStudio/2011/storyboarding/control">
+  <Id Name="System.Storyboarding.WindowsAppIcons.Hyperlink" Revision="1" Stencil="System.Storyboarding.WindowsAppIcons" StencilVersion="0.1"/>
+</Control>
+</file>
+
+<file path=customXml/item6.xml><?xml version="1.0" encoding="utf-8"?>
+<Control xmlns="http://schemas.microsoft.com/VisualStudio/2011/storyboarding/control">
+  <Id Name="System.Storyboarding.Common.DatePicker" Revision="1" Stencil="System.Storyboarding.Common" StencilVersion="0.1"/>
+</Control>
+</file>
+
+<file path=customXml/item60.xml><?xml version="1.0" encoding="utf-8"?>
+<Control xmlns="http://schemas.microsoft.com/VisualStudio/2011/storyboarding/control">
+  <Id Name="System.Storyboarding.Common.DataGrid" Revision="1" Stencil="System.Storyboarding.Common" StencilVersion="0.1"/>
+</Control>
+</file>
+
+<file path=customXml/item61.xml><?xml version="1.0" encoding="utf-8"?>
+<Control xmlns="http://schemas.microsoft.com/VisualStudio/2011/storyboarding/control">
+  <Id Name="System.Storyboarding.Common.Button" Revision="1" Stencil="System.Storyboarding.Common" StencilVersion="0.1"/>
+</Control>
+</file>
+
+<file path=customXml/item62.xml><?xml version="1.0" encoding="utf-8"?>
+<Control xmlns="http://schemas.microsoft.com/VisualStudio/2011/storyboarding/control">
+  <Id Name="System.Storyboarding.Common.Button" Revision="1" Stencil="System.Storyboarding.Common" StencilVersion="0.1"/>
+</Control>
+</file>
+
+<file path=customXml/item63.xml><?xml version="1.0" encoding="utf-8"?>
+<Control xmlns="http://schemas.microsoft.com/VisualStudio/2011/storyboarding/control">
+  <Id Name="System.Storyboarding.Media.HorizontalBarChart" Revision="1" Stencil="System.Storyboarding.Media" StencilVersion="0.1"/>
+</Control>
+</file>
+
+<file path=customXml/item64.xml><?xml version="1.0" encoding="utf-8"?>
+<Control xmlns="http://schemas.microsoft.com/VisualStudio/2011/storyboarding/control">
+  <Id Name="System.Storyboarding.Common.MousePointer" Revision="1" Stencil="System.Storyboarding.Common" StencilVersion="0.1"/>
+</Control>
+</file>
+
+<file path=customXml/item65.xml><?xml version="1.0" encoding="utf-8"?>
+<Control xmlns="http://schemas.microsoft.com/VisualStudio/2011/storyboarding/control">
+  <Id Name="System.Storyboarding.Common.Text" Revision="1" Stencil="System.Storyboarding.Common" StencilVersion="0.1"/>
+</Control>
+</file>
+
+<file path=customXml/item66.xml><?xml version="1.0" encoding="utf-8"?>
+<Control xmlns="http://schemas.microsoft.com/VisualStudio/2011/storyboarding/control">
+  <Id Name="System.Storyboarding.Common.Button" Revision="1" Stencil="System.Storyboarding.Common" StencilVersion="0.1"/>
+</Control>
+</file>
+
+<file path=customXml/item67.xml><?xml version="1.0" encoding="utf-8"?>
+<Control xmlns="http://schemas.microsoft.com/VisualStudio/2011/storyboarding/control">
+  <Id Name="System.Storyboarding.WindowsApps.WindowsAppsTileWideSmall" Revision="1" Stencil="System.Storyboarding.WindowsApps" StencilVersion="0.1"/>
+</Control>
+</file>
+
+<file path=customXml/item68.xml><?xml version="1.0" encoding="utf-8"?>
+<Control xmlns="http://schemas.microsoft.com/VisualStudio/2011/storyboarding/control">
+  <Id Name="System.Storyboarding.Common.TextInput" Revision="1" Stencil="System.Storyboarding.Common" StencilVersion="0.1"/>
+</Control>
+</file>
+
+<file path=customXml/item69.xml><?xml version="1.0" encoding="utf-8"?>
+<Control xmlns="http://schemas.microsoft.com/VisualStudio/2011/storyboarding/control">
+  <Id Name="System.Storyboarding.Common.TextInput" Revision="1" Stencil="System.Storyboarding.Common" StencilVersion="0.1"/>
+</Control>
+</file>
+
+<file path=customXml/item7.xml><?xml version="1.0" encoding="utf-8"?>
+<Control xmlns="http://schemas.microsoft.com/VisualStudio/2011/storyboarding/control">
+  <Id Name="System.Storyboarding.WindowsApps.WindowsAppsTileWideSmall" Revision="1" Stencil="System.Storyboarding.WindowsApps" StencilVersion="0.1"/>
+</Control>
+</file>
+
+<file path=customXml/item70.xml><?xml version="1.0" encoding="utf-8"?>
+<Control xmlns="http://schemas.microsoft.com/VisualStudio/2011/storyboarding/control">
+  <Id Name="System.Storyboarding.Common.TextInput" Revision="1" Stencil="System.Storyboarding.Common" StencilVersion="0.1"/>
+</Control>
+</file>
+
+<file path=customXml/item71.xml><?xml version="1.0" encoding="utf-8"?>
+<Control xmlns="http://schemas.microsoft.com/VisualStudio/2011/storyboarding/control">
+  <Id Name="System.Storyboarding.WindowsAppIcons.Copy" Revision="1" Stencil="System.Storyboarding.WindowsAppIcons" StencilVersion="0.1"/>
+</Control>
+</file>
+
+<file path=customXml/item72.xml><?xml version="1.0" encoding="utf-8"?>
+<Control xmlns="http://schemas.microsoft.com/VisualStudio/2011/storyboarding/control">
+  <Id Name="System.Storyboarding.WindowsAppIcons.Plus" Revision="1" Stencil="System.Storyboarding.WindowsAppIcons" StencilVersion="0.1"/>
+</Control>
+</file>
+
+<file path=customXml/item73.xml><?xml version="1.0" encoding="utf-8"?>
+<Control xmlns="http://schemas.microsoft.com/VisualStudio/2011/storyboarding/control">
+  <Id Name="System.Storyboarding.Common.CheckBoxUnchecked" Revision="1" Stencil="System.Storyboarding.Common" StencilVersion="0.1"/>
+</Control>
+</file>
+
+<file path=customXml/item74.xml><?xml version="1.0" encoding="utf-8"?>
+<Control xmlns="http://schemas.microsoft.com/VisualStudio/2011/storyboarding/control">
+  <Id Name="System.Storyboarding.Common.Text" Revision="1" Stencil="System.Storyboarding.Common" StencilVersion="0.1"/>
+</Control>
+</file>
+
+<file path=customXml/item75.xml><?xml version="1.0" encoding="utf-8"?>
+<Control xmlns="http://schemas.microsoft.com/VisualStudio/2011/storyboarding/control">
+  <Id Name="System.Storyboarding.WindowsApps.WindowsAppsTileMedium" Revision="1" Stencil="System.Storyboarding.WindowsApps" StencilVersion="0.1"/>
+</Control>
+</file>
+
+<file path=customXml/item76.xml><?xml version="1.0" encoding="utf-8"?>
+<Control xmlns="http://schemas.microsoft.com/VisualStudio/2011/storyboarding/control">
+  <Id Name="System.Storyboarding.WindowsAppIcons.Heart" Revision="1" Stencil="System.Storyboarding.WindowsAppIcons" StencilVersion="0.1"/>
+</Control>
+</file>
+
+<file path=customXml/item77.xml><?xml version="1.0" encoding="utf-8"?>
+<Control xmlns="http://schemas.microsoft.com/VisualStudio/2011/storyboarding/control">
+  <Id Name="System.Storyboarding.Common.CheckBoxUnchecked" Revision="1" Stencil="System.Storyboarding.Common" StencilVersion="0.1"/>
+</Control>
+</file>
+
+<file path=customXml/item78.xml><?xml version="1.0" encoding="utf-8"?>
+<Control xmlns="http://schemas.microsoft.com/VisualStudio/2011/storyboarding/control">
+  <Id Name="System.Storyboarding.Backgrounds.WebBrowser" Revision="1" Stencil="System.Storyboarding.Backgrounds" StencilVersion="0.1"/>
+</Control>
+</file>
+
+<file path=customXml/item79.xml><?xml version="1.0" encoding="utf-8"?>
+<Control xmlns="http://schemas.microsoft.com/VisualStudio/2011/storyboarding/control">
+  <Id Name="System.Storyboarding.WindowsApps.WindowsAppsTileWideSmall" Revision="1" Stencil="System.Storyboarding.WindowsApps" StencilVersion="0.1"/>
+</Control>
+</file>
+
+<file path=customXml/item8.xml><?xml version="1.0" encoding="utf-8"?>
+<Control xmlns="http://schemas.microsoft.com/VisualStudio/2011/storyboarding/control">
+  <Id Name="System.Storyboarding.Common.Button" Revision="1" Stencil="System.Storyboarding.Common" StencilVersion="0.1"/>
+</Control>
+</file>
+
+<file path=customXml/item80.xml><?xml version="1.0" encoding="utf-8"?>
+<Control xmlns="http://schemas.microsoft.com/VisualStudio/2011/storyboarding/control">
+  <Id Name="System.Storyboarding.Icons.Star" Revision="1" Stencil="System.Storyboarding.Icons" StencilVersion="0.1"/>
+</Control>
+</file>
+
+<file path=customXml/item81.xml><?xml version="1.0" encoding="utf-8"?>
+<Control xmlns="http://schemas.microsoft.com/VisualStudio/2011/storyboarding/control">
+  <Id Name="System.Storyboarding.Common.TextInput" Revision="1" Stencil="System.Storyboarding.Common" StencilVersion="0.1"/>
+</Control>
+</file>
+
+<file path=customXml/item82.xml><?xml version="1.0" encoding="utf-8"?>
+<Control xmlns="http://schemas.microsoft.com/VisualStudio/2011/storyboarding/control">
+  <Id Name="System.Storyboarding.Common.Text" Revision="1" Stencil="System.Storyboarding.Common" StencilVersion="0.1"/>
+</Control>
+</file>
+
+<file path=customXml/item83.xml><?xml version="1.0" encoding="utf-8"?>
+<Control xmlns="http://schemas.microsoft.com/VisualStudio/2011/storyboarding/control">
+  <Id Name="System.Storyboarding.WindowsApps.WindowsAppsTileWideSmall" Revision="1" Stencil="System.Storyboarding.WindowsApps" StencilVersion="0.1"/>
+</Control>
+</file>
+
+<file path=customXml/item84.xml><?xml version="1.0" encoding="utf-8"?>
 <Control xmlns="http://schemas.microsoft.com/VisualStudio/2011/storyboarding/control">
   <Id Name="System.Storyboarding.Common.TextArea" Revision="1" Stencil="System.Storyboarding.Common" StencilVersion="0.1"/>
 </Control>
 </file>
 
-<file path=customXml/item105.xml><?xml version="1.0" encoding="utf-8"?>
+<file path=customXml/item85.xml><?xml version="1.0" encoding="utf-8"?>
+<Control xmlns="http://schemas.microsoft.com/VisualStudio/2011/storyboarding/control">
+  <Id Name="System.Storyboarding.Common.Text" Revision="1" Stencil="System.Storyboarding.Common" StencilVersion="0.1"/>
+</Control>
+</file>
+
+<file path=customXml/item86.xml><?xml version="1.0" encoding="utf-8"?>
+<Control xmlns="http://schemas.microsoft.com/VisualStudio/2011/storyboarding/control">
+  <Id Name="System.Storyboarding.Common.Text" Revision="1" Stencil="System.Storyboarding.Common" StencilVersion="0.1"/>
+</Control>
+</file>
+
+<file path=customXml/item87.xml><?xml version="1.0" encoding="utf-8"?>
+<Control xmlns="http://schemas.microsoft.com/VisualStudio/2011/storyboarding/control">
+  <Id Name="System.Storyboarding.Common.Text" Revision="1" Stencil="System.Storyboarding.Common" StencilVersion="0.1"/>
+</Control>
+</file>
+
+<file path=customXml/item88.xml><?xml version="1.0" encoding="utf-8"?>
 <Control xmlns="http://schemas.microsoft.com/VisualStudio/2011/storyboarding/control">
   <Id Name="System.Storyboarding.Common.TextInput" Revision="1" Stencil="System.Storyboarding.Common" StencilVersion="0.1"/>
 </Control>
 </file>
 
-<file path=customXml/item106.xml><?xml version="1.0" encoding="utf-8"?>
+<file path=customXml/item89.xml><?xml version="1.0" encoding="utf-8"?>
+<Control xmlns="http://schemas.microsoft.com/VisualStudio/2011/storyboarding/control">
+  <Id Name="System.Storyboarding.Common.CheckBoxUnchecked" Revision="1" Stencil="System.Storyboarding.Common" StencilVersion="0.1"/>
+</Control>
+</file>
+
+<file path=customXml/item9.xml><?xml version="1.0" encoding="utf-8"?>
+<Control xmlns="http://schemas.microsoft.com/VisualStudio/2011/storyboarding/control">
+  <Id Name="System.Storyboarding.Icons.Star" Revision="1" Stencil="System.Storyboarding.Icons" StencilVersion="0.1"/>
+</Control>
+</file>
+
+<file path=customXml/item90.xml><?xml version="1.0" encoding="utf-8"?>
+<Control xmlns="http://schemas.microsoft.com/VisualStudio/2011/storyboarding/control">
+  <Id Name="System.Storyboarding.Common.CheckBoxUnchecked" Revision="1" Stencil="System.Storyboarding.Common" StencilVersion="0.1"/>
+</Control>
+</file>
+
+<file path=customXml/item91.xml><?xml version="1.0" encoding="utf-8"?>
+<Control xmlns="http://schemas.microsoft.com/VisualStudio/2011/storyboarding/control">
+  <Id Name="System.Storyboarding.Common.Text" Revision="1" Stencil="System.Storyboarding.Common" StencilVersion="0.1"/>
+</Control>
+</file>
+
+<file path=customXml/item92.xml><?xml version="1.0" encoding="utf-8"?>
+<Control xmlns="http://schemas.microsoft.com/VisualStudio/2011/storyboarding/control">
+  <Id Name="System.Storyboarding.Backgrounds.DesktopTaskbar" Revision="1" Stencil="System.Storyboarding.Backgrounds" StencilVersion="0.1"/>
+</Control>
+</file>
+
+<file path=customXml/item93.xml><?xml version="1.0" encoding="utf-8"?>
+<Control xmlns="http://schemas.microsoft.com/VisualStudio/2011/storyboarding/control">
+  <Id Name="System.Storyboarding.Common.Text" Revision="1" Stencil="System.Storyboarding.Common" StencilVersion="0.1"/>
+</Control>
+</file>
+
+<file path=customXml/item94.xml><?xml version="1.0" encoding="utf-8"?>
+<Control xmlns="http://schemas.microsoft.com/VisualStudio/2011/storyboarding/control">
+  <Id Name="System.Storyboarding.WindowsApps.WindowsAppsButton" Revision="1" Stencil="System.Storyboarding.WindowsApps" StencilVersion="0.1"/>
+</Control>
+</file>
+
+<file path=customXml/item95.xml><?xml version="1.0" encoding="utf-8"?>
 <Control xmlns="http://schemas.microsoft.com/VisualStudio/2011/storyboarding/control">
   <Id Name="System.Storyboarding.WindowsApps.WindowsAppsTileWideSmall" Revision="1" Stencil="System.Storyboarding.WindowsApps" StencilVersion="0.1"/>
 </Control>
 </file>
 
-<file path=customXml/item107.xml><?xml version="1.0" encoding="utf-8"?>
-<Control xmlns="http://schemas.microsoft.com/VisualStudio/2011/storyboarding/control">
-  <Id Name="System.Storyboarding.Icons.Star" Revision="1" Stencil="System.Storyboarding.Icons" StencilVersion="0.1"/>
-</Control>
-</file>
-
-<file path=customXml/item108.xml><?xml version="1.0" encoding="utf-8"?>
-<Control xmlns="http://schemas.microsoft.com/VisualStudio/2011/storyboarding/control">
-  <Id Name="System.Storyboarding.Common.Hyperlink" Revision="1" Stencil="System.Storyboarding.Common" StencilVersion="0.1"/>
-</Control>
-</file>
-
-<file path=customXml/item109.xml><?xml version="1.0" encoding="utf-8"?>
-<Control xmlns="http://schemas.microsoft.com/VisualStudio/2011/storyboarding/control">
-  <Id Name="System.Storyboarding.Backgrounds.WebBrowser" Revision="1" Stencil="System.Storyboarding.Backgrounds" StencilVersion="0.1"/>
-</Control>
-</file>
-
-<file path=customXml/item11.xml><?xml version="1.0" encoding="utf-8"?>
-<Control xmlns="http://schemas.microsoft.com/VisualStudio/2011/storyboarding/control">
-  <Id Name="System.Storyboarding.Common.CheckBoxUnchecked" Revision="1" Stencil="System.Storyboarding.Common" StencilVersion="0.1"/>
-</Control>
-</file>
-
-<file path=customXml/item110.xml><?xml version="1.0" encoding="utf-8"?>
+<file path=customXml/item96.xml><?xml version="1.0" encoding="utf-8"?>
+<Control xmlns="http://schemas.microsoft.com/VisualStudio/2011/storyboarding/control">
+  <Id Name="System.Storyboarding.WindowsApps.WindowsAppsTileMedium" Revision="1" Stencil="System.Storyboarding.WindowsApps" StencilVersion="0.1"/>
+</Control>
+</file>
+
+<file path=customXml/item97.xml><?xml version="1.0" encoding="utf-8"?>
+<Control xmlns="http://schemas.microsoft.com/VisualStudio/2011/storyboarding/control">
+  <Id Name="System.Storyboarding.Media.PieChart" Revision="1" Stencil="System.Storyboarding.Media" StencilVersion="0.1"/>
+</Control>
+</file>
+
+<file path=customXml/item98.xml><?xml version="1.0" encoding="utf-8"?>
+<Control xmlns="http://schemas.microsoft.com/VisualStudio/2011/storyboarding/control">
+  <Id Name="System.Storyboarding.Common.TextInput" Revision="1" Stencil="System.Storyboarding.Common" StencilVersion="0.1"/>
+</Control>
+</file>
+
+<file path=customXml/item99.xml><?xml version="1.0" encoding="utf-8"?>
 <Control xmlns="http://schemas.microsoft.com/VisualStudio/2011/storyboarding/control">
   <Id Name="System.Storyboarding.Common.Text" Revision="1" Stencil="System.Storyboarding.Common" StencilVersion="0.1"/>
 </Control>
 </file>
 
-<file path=customXml/item111.xml><?xml version="1.0" encoding="utf-8"?>
-<Control xmlns="http://schemas.microsoft.com/VisualStudio/2011/storyboarding/control">
-  <Id Name="System.Storyboarding.WindowsAppIcons.Plus" Revision="1" Stencil="System.Storyboarding.WindowsAppIcons" StencilVersion="0.1"/>
-</Control>
-</file>
-
-<file path=customXml/item112.xml><?xml version="1.0" encoding="utf-8"?>
-<Control xmlns="http://schemas.microsoft.com/VisualStudio/2011/storyboarding/control">
-  <Id Name="System.Storyboarding.Common.Text" Revision="1" Stencil="System.Storyboarding.Common" StencilVersion="0.1"/>
-</Control>
-</file>
-
-<file path=customXml/item113.xml><?xml version="1.0" encoding="utf-8"?>
-<Control xmlns="http://schemas.microsoft.com/VisualStudio/2011/storyboarding/control">
-  <Id Name="System.Storyboarding.Common.TextInput" Revision="1" Stencil="System.Storyboarding.Common" StencilVersion="0.1"/>
-</Control>
-</file>
-
-<file path=customXml/item114.xml><?xml version="1.0" encoding="utf-8"?>
-<Control xmlns="http://schemas.microsoft.com/VisualStudio/2011/storyboarding/control">
-  <Id Name="System.Storyboarding.Common.Text" Revision="1" Stencil="System.Storyboarding.Common" StencilVersion="0.1"/>
-</Control>
-</file>
-
-<file path=customXml/item115.xml><?xml version="1.0" encoding="utf-8"?>
-<Control xmlns="http://schemas.microsoft.com/VisualStudio/2011/storyboarding/control">
-  <Id Name="System.Storyboarding.WindowsApps.WindowsAppsTileMedium" Revision="1" Stencil="System.Storyboarding.WindowsApps" StencilVersion="0.1"/>
-</Control>
-</file>
-
-<file path=customXml/item116.xml><?xml version="1.0" encoding="utf-8"?>
-<Control xmlns="http://schemas.microsoft.com/VisualStudio/2011/storyboarding/control">
-  <Id Name="System.Storyboarding.WindowsApps.WindowsAppsTileMediumSelected" Revision="1" Stencil="System.Storyboarding.WindowsApps" StencilVersion="0.1"/>
-</Control>
-</file>
-
-<file path=customXml/item117.xml><?xml version="1.0" encoding="utf-8"?>
-<Control xmlns="http://schemas.microsoft.com/VisualStudio/2011/storyboarding/control">
-  <Id Name="System.Storyboarding.Common.RadioButtonSelected" Revision="1" Stencil="System.Storyboarding.Common" StencilVersion="0.1"/>
-</Control>
-</file>
-
-<file path=customXml/item118.xml><?xml version="1.0" encoding="utf-8"?>
-<Control xmlns="http://schemas.microsoft.com/VisualStudio/2011/storyboarding/control">
-  <Id Name="System.Storyboarding.Icons.Star" Revision="1" Stencil="System.Storyboarding.Icons" StencilVersion="0.1"/>
-</Control>
-</file>
-
-<file path=customXml/item119.xml><?xml version="1.0" encoding="utf-8"?>
-<Control xmlns="http://schemas.microsoft.com/VisualStudio/2011/storyboarding/control">
-  <Id Name="System.Storyboarding.WindowsAppIcons.Hyperlink" Revision="1" Stencil="System.Storyboarding.WindowsAppIcons" StencilVersion="0.1"/>
-</Control>
-</file>
-
-<file path=customXml/item12.xml><?xml version="1.0" encoding="utf-8"?>
-<Control xmlns="http://schemas.microsoft.com/VisualStudio/2011/storyboarding/control">
-  <Id Name="System.Storyboarding.Icons.Copy" Revision="1" Stencil="System.Storyboarding.Icons" StencilVersion="0.1"/>
-</Control>
-</file>
-
-<file path=customXml/item120.xml><?xml version="1.0" encoding="utf-8"?>
-<Control xmlns="http://schemas.microsoft.com/VisualStudio/2011/storyboarding/control">
-  <Id Name="System.Storyboarding.Common.Text" Revision="1" Stencil="System.Storyboarding.Common" StencilVersion="0.1"/>
-</Control>
-</file>
-
-<file path=customXml/item121.xml><?xml version="1.0" encoding="utf-8"?>
-<Control xmlns="http://schemas.microsoft.com/VisualStudio/2011/storyboarding/control">
-  <Id Name="System.Storyboarding.Icons.Star" Revision="1" Stencil="System.Storyboarding.Icons" StencilVersion="0.1"/>
-</Control>
-</file>
-
-<file path=customXml/item122.xml><?xml version="1.0" encoding="utf-8"?>
-<Control xmlns="http://schemas.microsoft.com/VisualStudio/2011/storyboarding/control">
-  <Id Name="System.Storyboarding.Icons.Star" Revision="1" Stencil="System.Storyboarding.Icons" StencilVersion="0.1"/>
-</Control>
-</file>
-
-<file path=customXml/item123.xml><?xml version="1.0" encoding="utf-8"?>
-<Control xmlns="http://schemas.microsoft.com/VisualStudio/2011/storyboarding/control">
-  <Id Name="System.Storyboarding.Common.CheckBoxUnchecked" Revision="1" Stencil="System.Storyboarding.Common" StencilVersion="0.1"/>
-</Control>
-</file>
-
-<file path=customXml/item124.xml><?xml version="1.0" encoding="utf-8"?>
-<Control xmlns="http://schemas.microsoft.com/VisualStudio/2011/storyboarding/control">
-  <Id Name="System.Storyboarding.WindowsApps.WindowsAppsTileWideSmall" Revision="1" Stencil="System.Storyboarding.WindowsApps" StencilVersion="0.1"/>
-</Control>
-</file>
-
-<file path=customXml/item125.xml><?xml version="1.0" encoding="utf-8"?>
-<Control xmlns="http://schemas.microsoft.com/VisualStudio/2011/storyboarding/control">
-  <Id Name="System.Storyboarding.Common.Text" Revision="1" Stencil="System.Storyboarding.Common" StencilVersion="0.1"/>
-</Control>
-</file>
-
-<file path=customXml/item126.xml><?xml version="1.0" encoding="utf-8"?>
-<Control xmlns="http://schemas.microsoft.com/VisualStudio/2011/storyboarding/control">
-  <Id Name="System.Storyboarding.Backgrounds.WebBrowser" Revision="1" Stencil="System.Storyboarding.Backgrounds" StencilVersion="0.1"/>
-</Control>
-</file>
-
-<file path=customXml/item127.xml><?xml version="1.0" encoding="utf-8"?>
-<Control xmlns="http://schemas.microsoft.com/VisualStudio/2011/storyboarding/control">
-  <Id Name="System.Storyboarding.Icons.Star" Revision="1" Stencil="System.Storyboarding.Icons" StencilVersion="0.1"/>
-</Control>
-</file>
-
-<file path=customXml/item128.xml><?xml version="1.0" encoding="utf-8"?>
-<Control xmlns="http://schemas.microsoft.com/VisualStudio/2011/storyboarding/control">
-  <Id Name="System.Storyboarding.WindowsApps.WindowsAppsTileWideSmall" Revision="1" Stencil="System.Storyboarding.WindowsApps" StencilVersion="0.1"/>
-</Control>
-</file>
-
-<file path=customXml/item129.xml><?xml version="1.0" encoding="utf-8"?>
-<Control xmlns="http://schemas.microsoft.com/VisualStudio/2011/storyboarding/control">
-  <Id Name="System.Storyboarding.Common.Button" Revision="1" Stencil="System.Storyboarding.Common" StencilVersion="0.1"/>
-</Control>
-</file>
-
-<file path=customXml/item13.xml><?xml version="1.0" encoding="utf-8"?>
-<Control xmlns="http://schemas.microsoft.com/VisualStudio/2011/storyboarding/control">
-  <Id Name="System.Storyboarding.WindowsApps.WindowsAppsTileMedium" Revision="1" Stencil="System.Storyboarding.WindowsApps" StencilVersion="0.1"/>
-</Control>
-</file>
-
-<file path=customXml/item130.xml><?xml version="1.0" encoding="utf-8"?>
-<Control xmlns="http://schemas.microsoft.com/VisualStudio/2011/storyboarding/control">
-  <Id Name="System.Storyboarding.Common.Text" Revision="1" Stencil="System.Storyboarding.Common" StencilVersion="0.1"/>
-</Control>
-</file>
-
-<file path=customXml/item131.xml><?xml version="1.0" encoding="utf-8"?>
-<Control xmlns="http://schemas.microsoft.com/VisualStudio/2011/storyboarding/control">
-  <Id Name="System.Storyboarding.Common.ScrollbarVertical" Revision="1" Stencil="System.Storyboarding.Common" StencilVersion="0.1"/>
-</Control>
-</file>
-
-<file path=customXml/item132.xml><?xml version="1.0" encoding="utf-8"?>
-<Control xmlns="http://schemas.microsoft.com/VisualStudio/2011/storyboarding/control">
-  <Id Name="System.Storyboarding.Common.Button" Revision="1" Stencil="System.Storyboarding.Common" StencilVersion="0.1"/>
-</Control>
-</file>
-
-<file path=customXml/item133.xml><?xml version="1.0" encoding="utf-8"?>
-<Control xmlns="http://schemas.microsoft.com/VisualStudio/2011/storyboarding/control">
-  <Id Name="System.Storyboarding.WindowsApps.WindowsAppsContextMenu" Revision="1" Stencil="System.Storyboarding.WindowsApps" StencilVersion="0.1"/>
-</Control>
-</file>
-
-<file path=customXml/item134.xml><?xml version="1.0" encoding="utf-8"?>
-<Control xmlns="http://schemas.microsoft.com/VisualStudio/2011/storyboarding/control">
-  <Id Name="System.Storyboarding.Common.Text" Revision="1" Stencil="System.Storyboarding.Common" StencilVersion="0.1"/>
-</Control>
-</file>
-
-<file path=customXml/item135.xml><?xml version="1.0" encoding="utf-8"?>
-<Control xmlns="http://schemas.microsoft.com/VisualStudio/2011/storyboarding/control">
-  <Id Name="System.Storyboarding.Common.Button" Revision="1" Stencil="System.Storyboarding.Common" StencilVersion="0.1"/>
-</Control>
-</file>
-
-<file path=customXml/item136.xml><?xml version="1.0" encoding="utf-8"?>
-<Control xmlns="http://schemas.microsoft.com/VisualStudio/2011/storyboarding/control">
-  <Id Name="System.Storyboarding.Backgrounds.WebBrowser" Revision="1" Stencil="System.Storyboarding.Backgrounds" StencilVersion="0.1"/>
-</Control>
-</file>
-
-<file path=customXml/item137.xml><?xml version="1.0" encoding="utf-8"?>
-<Control xmlns="http://schemas.microsoft.com/VisualStudio/2011/storyboarding/control">
-  <Id Name="System.Storyboarding.Common.ScrollbarVertical" Revision="1" Stencil="System.Storyboarding.Common" StencilVersion="0.1"/>
-</Control>
-</file>
-
-<file path=customXml/item138.xml><?xml version="1.0" encoding="utf-8"?>
-<Control xmlns="http://schemas.microsoft.com/VisualStudio/2011/storyboarding/control">
-  <Id Name="System.Storyboarding.Common.Text" Revision="1" Stencil="System.Storyboarding.Common" StencilVersion="0.1"/>
-</Control>
-</file>
-
-<file path=customXml/item139.xml><?xml version="1.0" encoding="utf-8"?>
-<Control xmlns="http://schemas.microsoft.com/VisualStudio/2011/storyboarding/control">
-  <Id Name="System.Storyboarding.Common.Text" Revision="1" Stencil="System.Storyboarding.Common" StencilVersion="0.1"/>
-</Control>
-</file>
-
-<file path=customXml/item14.xml><?xml version="1.0" encoding="utf-8"?>
-<Control xmlns="http://schemas.microsoft.com/VisualStudio/2011/storyboarding/control">
-  <Id Name="System.Storyboarding.Icons.Star" Revision="1" Stencil="System.Storyboarding.Icons" StencilVersion="0.1"/>
-</Control>
-</file>
-
-<file path=customXml/item140.xml><?xml version="1.0" encoding="utf-8"?>
-<Control xmlns="http://schemas.microsoft.com/VisualStudio/2011/storyboarding/control">
-  <Id Name="System.Storyboarding.Common.DatePicker" Revision="1" Stencil="System.Storyboarding.Common" StencilVersion="0.1"/>
-</Control>
-</file>
-
-<file path=customXml/item141.xml><?xml version="1.0" encoding="utf-8"?>
-<Control xmlns="http://schemas.microsoft.com/VisualStudio/2011/storyboarding/control">
-  <Id Name="System.Storyboarding.Common.Text" Revision="1" Stencil="System.Storyboarding.Common" StencilVersion="0.1"/>
-</Control>
-</file>
-
-<file path=customXml/item142.xml><?xml version="1.0" encoding="utf-8"?>
-<Control xmlns="http://schemas.microsoft.com/VisualStudio/2011/storyboarding/control">
-  <Id Name="System.Storyboarding.Icons.Star" Revision="1" Stencil="System.Storyboarding.Icons" StencilVersion="0.1"/>
-</Control>
-</file>
-
-<file path=customXml/item143.xml><?xml version="1.0" encoding="utf-8"?>
-<Control xmlns="http://schemas.microsoft.com/VisualStudio/2011/storyboarding/control">
-  <Id Name="System.Storyboarding.Common.Text" Revision="1" Stencil="System.Storyboarding.Common" StencilVersion="0.1"/>
-</Control>
-</file>
-
-<file path=customXml/item144.xml><?xml version="1.0" encoding="utf-8"?>
-<Control xmlns="http://schemas.microsoft.com/VisualStudio/2011/storyboarding/control">
-  <Id Name="System.Storyboarding.WindowsApps.WindowsAppsTileMedium" Revision="1" Stencil="System.Storyboarding.WindowsApps" StencilVersion="0.1"/>
-</Control>
-</file>
-
-<file path=customXml/item145.xml><?xml version="1.0" encoding="utf-8"?>
-<Control xmlns="http://schemas.microsoft.com/VisualStudio/2011/storyboarding/control">
-  <Id Name="System.Storyboarding.WindowsApps.WindowsAppsTileWideSmall" Revision="1" Stencil="System.Storyboarding.WindowsApps" StencilVersion="0.1"/>
-</Control>
-</file>
-
-<file path=customXml/item146.xml><?xml version="1.0" encoding="utf-8"?>
-<Control xmlns="http://schemas.microsoft.com/VisualStudio/2011/storyboarding/control">
-  <Id Name="System.Storyboarding.Common.TextInput" Revision="1" Stencil="System.Storyboarding.Common" StencilVersion="0.1"/>
-</Control>
-</file>
-
-<file path=customXml/item147.xml><?xml version="1.0" encoding="utf-8"?>
-<Control xmlns="http://schemas.microsoft.com/VisualStudio/2011/storyboarding/control">
-  <Id Name="System.Storyboarding.Common.DataGrid" Revision="1" Stencil="System.Storyboarding.Common" StencilVersion="0.1"/>
-</Control>
-</file>
-
-<file path=customXml/item148.xml><?xml version="1.0" encoding="utf-8"?>
-<Control xmlns="http://schemas.microsoft.com/VisualStudio/2011/storyboarding/control">
-  <Id Name="System.Storyboarding.WindowsApps.WindowsAppsTileWideSmall" Revision="1" Stencil="System.Storyboarding.WindowsApps" StencilVersion="0.1"/>
-</Control>
-</file>
-
-<file path=customXml/item149.xml><?xml version="1.0" encoding="utf-8"?>
-<Control xmlns="http://schemas.microsoft.com/VisualStudio/2011/storyboarding/control">
-  <Id Name="System.Storyboarding.Common.Button" Revision="1" Stencil="System.Storyboarding.Common" StencilVersion="0.1"/>
-</Control>
-</file>
-
-<file path=customXml/item15.xml><?xml version="1.0" encoding="utf-8"?>
-<Control xmlns="http://schemas.microsoft.com/VisualStudio/2011/storyboarding/control">
-  <Id Name="System.Storyboarding.Icons.Star" Revision="1" Stencil="System.Storyboarding.Icons" StencilVersion="0.1"/>
-</Control>
-</file>
-
-<file path=customXml/item150.xml><?xml version="1.0" encoding="utf-8"?>
-<Control xmlns="http://schemas.microsoft.com/VisualStudio/2011/storyboarding/control">
-  <Id Name="System.Storyboarding.Common.Text" Revision="1" Stencil="System.Storyboarding.Common" StencilVersion="0.1"/>
-</Control>
-</file>
-
-<file path=customXml/item151.xml><?xml version="1.0" encoding="utf-8"?>
-<Control xmlns="http://schemas.microsoft.com/VisualStudio/2011/storyboarding/control">
-  <Id Name="System.Storyboarding.WindowsApps.WindowsAppsTileWideSmall" Revision="1" Stencil="System.Storyboarding.WindowsApps" StencilVersion="0.1"/>
-</Control>
-</file>
-
-<file path=customXml/item152.xml><?xml version="1.0" encoding="utf-8"?>
-<Control xmlns="http://schemas.microsoft.com/VisualStudio/2011/storyboarding/control">
-  <Id Name="System.Storyboarding.Common.MousePointer" Revision="1" Stencil="System.Storyboarding.Common" StencilVersion="0.1"/>
-</Control>
-</file>
-
-<file path=customXml/item153.xml><?xml version="1.0" encoding="utf-8"?>
-<Control xmlns="http://schemas.microsoft.com/VisualStudio/2011/storyboarding/control">
-  <Id Name="System.Storyboarding.Common.DatePicker" Revision="1" Stencil="System.Storyboarding.Common" StencilVersion="0.1"/>
-</Control>
-</file>
-
-<file path=customXml/item154.xml><?xml version="1.0" encoding="utf-8"?>
-<Control xmlns="http://schemas.microsoft.com/VisualStudio/2011/storyboarding/control">
-  <Id Name="System.Storyboarding.Common.ScrollbarVertical" Revision="1" Stencil="System.Storyboarding.Common" StencilVersion="0.1"/>
-</Control>
-</file>
-
-<file path=customXml/item155.xml><?xml version="1.0" encoding="utf-8"?>
-<Control xmlns="http://schemas.microsoft.com/VisualStudio/2011/storyboarding/control">
-  <Id Name="System.Storyboarding.Common.TextInput" Revision="1" Stencil="System.Storyboarding.Common" StencilVersion="0.1"/>
-</Control>
-</file>
-
-<file path=customXml/item156.xml><?xml version="1.0" encoding="utf-8"?>
-<Control xmlns="http://schemas.microsoft.com/VisualStudio/2011/storyboarding/control">
-  <Id Name="System.Storyboarding.Common.TextInput" Revision="1" Stencil="System.Storyboarding.Common" StencilVersion="0.1"/>
-</Control>
-</file>
-
-<file path=customXml/item157.xml><?xml version="1.0" encoding="utf-8"?>
-<Control xmlns="http://schemas.microsoft.com/VisualStudio/2011/storyboarding/control">
-  <Id Name="System.Storyboarding.Common.Text" Revision="1" Stencil="System.Storyboarding.Common" StencilVersion="0.1"/>
-</Control>
-</file>
-
-<file path=customXml/item158.xml><?xml version="1.0" encoding="utf-8"?>
-<Control xmlns="http://schemas.microsoft.com/VisualStudio/2011/storyboarding/control">
-  <Id Name="System.Storyboarding.Common.TextInput" Revision="1" Stencil="System.Storyboarding.Common" StencilVersion="0.1"/>
-</Control>
-</file>
-
-<file path=customXml/item159.xml><?xml version="1.0" encoding="utf-8"?>
-<Control xmlns="http://schemas.microsoft.com/VisualStudio/2011/storyboarding/control">
-  <Id Name="System.Storyboarding.Backgrounds.DesktopTaskbar" Revision="1" Stencil="System.Storyboarding.Backgrounds" StencilVersion="0.1"/>
-</Control>
-</file>
-
-<file path=customXml/item16.xml><?xml version="1.0" encoding="utf-8"?>
-<Control xmlns="http://schemas.microsoft.com/VisualStudio/2011/storyboarding/control">
-  <Id Name="System.Storyboarding.Common.Button" Revision="1" Stencil="System.Storyboarding.Common" StencilVersion="0.1"/>
-</Control>
-</file>
-
-<file path=customXml/item160.xml><?xml version="1.0" encoding="utf-8"?>
-<Control xmlns="http://schemas.microsoft.com/VisualStudio/2011/storyboarding/control">
-  <Id Name="System.Storyboarding.Common.Text" Revision="1" Stencil="System.Storyboarding.Common" StencilVersion="0.1"/>
-</Control>
-</file>
-
-<file path=customXml/item161.xml><?xml version="1.0" encoding="utf-8"?>
-<Control xmlns="http://schemas.microsoft.com/VisualStudio/2011/storyboarding/control">
-  <Id Name="System.Storyboarding.WindowsApps.WindowsAppsTileWideSmall" Revision="1" Stencil="System.Storyboarding.WindowsApps" StencilVersion="0.1"/>
-</Control>
-</file>
-
-<file path=customXml/item162.xml><?xml version="1.0" encoding="utf-8"?>
-<Control xmlns="http://schemas.microsoft.com/VisualStudio/2011/storyboarding/control">
-  <Id Name="System.Storyboarding.WindowsApps.WindowsAppsButton" Revision="1" Stencil="System.Storyboarding.WindowsApps" StencilVersion="0.1"/>
-</Control>
-</file>
-
-<file path=customXml/item163.xml><?xml version="1.0" encoding="utf-8"?>
-<Control xmlns="http://schemas.microsoft.com/VisualStudio/2011/storyboarding/control">
-  <Id Name="System.Storyboarding.Common.RadioButtonSelected" Revision="1" Stencil="System.Storyboarding.Common" StencilVersion="0.1"/>
-</Control>
-</file>
-
-<file path=customXml/item164.xml><?xml version="1.0" encoding="utf-8"?>
-<Control xmlns="http://schemas.microsoft.com/VisualStudio/2011/storyboarding/control">
-  <Id Name="System.Storyboarding.Common.TextInput" Revision="1" Stencil="System.Storyboarding.Common" StencilVersion="0.1"/>
-</Control>
-</file>
-
-<file path=customXml/item165.xml><?xml version="1.0" encoding="utf-8"?>
-<Control xmlns="http://schemas.microsoft.com/VisualStudio/2011/storyboarding/control">
-  <Id Name="System.Storyboarding.Icons.Star" Revision="1" Stencil="System.Storyboarding.Icons" StencilVersion="0.1"/>
-</Control>
-</file>
-
-<file path=customXml/item166.xml><?xml version="1.0" encoding="utf-8"?>
-<Control xmlns="http://schemas.microsoft.com/VisualStudio/2011/storyboarding/control">
-  <Id Name="System.Storyboarding.WindowsApps.WindowsAppsMediumWideTile" Revision="1" Stencil="System.Storyboarding.WindowsApps" StencilVersion="0.1"/>
-</Control>
-</file>
-
-<file path=customXml/item167.xml><?xml version="1.0" encoding="utf-8"?>
-<Control xmlns="http://schemas.microsoft.com/VisualStudio/2011/storyboarding/control">
-  <Id Name="System.Storyboarding.Common.CheckBoxUnchecked" Revision="1" Stencil="System.Storyboarding.Common" StencilVersion="0.1"/>
-</Control>
-</file>
-
-<file path=customXml/item168.xml><?xml version="1.0" encoding="utf-8"?>
-<Control xmlns="http://schemas.microsoft.com/VisualStudio/2011/storyboarding/control">
-  <Id Name="System.Storyboarding.Media.Image" Revision="1" Stencil="System.Storyboarding.Media" StencilVersion="0.1"/>
-</Control>
-</file>
-
-<file path=customXml/item169.xml><?xml version="1.0" encoding="utf-8"?>
-<Control xmlns="http://schemas.microsoft.com/VisualStudio/2011/storyboarding/control">
-  <Id Name="System.Storyboarding.WindowsApps.WindowsAppsMediumWideTile" Revision="1" Stencil="System.Storyboarding.WindowsApps" StencilVersion="0.1"/>
-</Control>
-</file>
-
-<file path=customXml/item17.xml><?xml version="1.0" encoding="utf-8"?>
-<Control xmlns="http://schemas.microsoft.com/VisualStudio/2011/storyboarding/control">
-  <Id Name="System.Storyboarding.Common.CheckBoxUnchecked" Revision="1" Stencil="System.Storyboarding.Common" StencilVersion="0.1"/>
-</Control>
-</file>
-
-<file path=customXml/item170.xml><?xml version="1.0" encoding="utf-8"?>
-<Control xmlns="http://schemas.microsoft.com/VisualStudio/2011/storyboarding/control">
-  <Id Name="System.Storyboarding.WindowsApps.WindowsAppsTileWideSmall" Revision="1" Stencil="System.Storyboarding.WindowsApps" StencilVersion="0.1"/>
-</Control>
-</file>
-
-<file path=customXml/item171.xml><?xml version="1.0" encoding="utf-8"?>
-<Control xmlns="http://schemas.microsoft.com/VisualStudio/2011/storyboarding/control">
-  <Id Name="32035d07-bc66-4a79-8001-2507012193e3" RevisionId="7f6cc906-8fab-4878-8f41-90bcdc4e860e" Stencil="172d6d98-e5c9-42e9-a209-79f7a94bbd38" StencilRevisionId="00000000-0000-0000-0000-000000000000" StencilVersion="0.0"/>
-</Control>
-</file>
-
-<file path=customXml/item172.xml><?xml version="1.0" encoding="utf-8"?>
-<Control xmlns="http://schemas.microsoft.com/VisualStudio/2011/storyboarding/control">
-  <Id Name="System.Storyboarding.WindowsAppIcons.Copy" Revision="1" Stencil="System.Storyboarding.WindowsAppIcons" StencilVersion="0.1"/>
-</Control>
-</file>
-
-<file path=customXml/item173.xml><?xml version="1.0" encoding="utf-8"?>
-<Control xmlns="http://schemas.microsoft.com/VisualStudio/2011/storyboarding/control">
-  <Id Name="System.Storyboarding.Common.Text" Revision="1" Stencil="System.Storyboarding.Common" StencilVersion="0.1"/>
-</Control>
-</file>
-
-<file path=customXml/item174.xml><?xml version="1.0" encoding="utf-8"?>
-<Control xmlns="http://schemas.microsoft.com/VisualStudio/2011/storyboarding/control">
-  <Id Name="System.Storyboarding.Common.TextInput" Revision="1" Stencil="System.Storyboarding.Common" StencilVersion="0.1"/>
-</Control>
-</file>
-
-<file path=customXml/item175.xml><?xml version="1.0" encoding="utf-8"?>
-<Control xmlns="http://schemas.microsoft.com/VisualStudio/2011/storyboarding/control">
-  <Id Name="System.Storyboarding.Common.TextInput" Revision="1" Stencil="System.Storyboarding.Common" StencilVersion="0.1"/>
-</Control>
-</file>
-
-<file path=customXml/item176.xml><?xml version="1.0" encoding="utf-8"?>
-<Control xmlns="http://schemas.microsoft.com/VisualStudio/2011/storyboarding/control">
-  <Id Name="System.Storyboarding.Common.TextInput" Revision="1" Stencil="System.Storyboarding.Common" StencilVersion="0.1"/>
-</Control>
-</file>
-
-<file path=customXml/item177.xml><?xml version="1.0" encoding="utf-8"?>
-<Control xmlns="http://schemas.microsoft.com/VisualStudio/2011/storyboarding/control">
-  <Id Name="System.Storyboarding.Common.TextInput" Revision="1" Stencil="System.Storyboarding.Common" StencilVersion="0.1"/>
-</Control>
-</file>
-
-<file path=customXml/item178.xml><?xml version="1.0" encoding="utf-8"?>
-<Control xmlns="http://schemas.microsoft.com/VisualStudio/2011/storyboarding/control">
-  <Id Name="System.Storyboarding.Common.Button" Revision="1" Stencil="System.Storyboarding.Common" StencilVersion="0.1"/>
-</Control>
-</file>
-
-<file path=customXml/item179.xml><?xml version="1.0" encoding="utf-8"?>
-<Control xmlns="http://schemas.microsoft.com/VisualStudio/2011/storyboarding/control">
-  <Id Name="System.Storyboarding.Common.ScrollbarVertical" Revision="1" Stencil="System.Storyboarding.Common" StencilVersion="0.1"/>
-</Control>
-</file>
-
-<file path=customXml/item18.xml><?xml version="1.0" encoding="utf-8"?>
-<Control xmlns="http://schemas.microsoft.com/VisualStudio/2011/storyboarding/control">
-  <Id Name="System.Storyboarding.WindowsAppIcons.Heart" Revision="1" Stencil="System.Storyboarding.WindowsAppIcons" StencilVersion="0.1"/>
-</Control>
-</file>
-
-<file path=customXml/item180.xml><?xml version="1.0" encoding="utf-8"?>
-<Control xmlns="http://schemas.microsoft.com/VisualStudio/2011/storyboarding/control">
-  <Id Name="System.Storyboarding.Common.Text" Revision="1" Stencil="System.Storyboarding.Common" StencilVersion="0.1"/>
-</Control>
-</file>
-
-<file path=customXml/item181.xml><?xml version="1.0" encoding="utf-8"?>
-<Control xmlns="http://schemas.microsoft.com/VisualStudio/2011/storyboarding/control">
-  <Id Name="System.Storyboarding.WindowsApps.WindowsAppsMediumWideTile" Revision="1" Stencil="System.Storyboarding.WindowsApps" StencilVersion="0.1"/>
-</Control>
-</file>
-
-<file path=customXml/item182.xml><?xml version="1.0" encoding="utf-8"?>
-<Control xmlns="http://schemas.microsoft.com/VisualStudio/2011/storyboarding/control">
-  <Id Name="System.Storyboarding.WindowsApps.WindowsAppsButton" Revision="1" Stencil="System.Storyboarding.WindowsApps" StencilVersion="0.1"/>
-</Control>
-</file>
-
-<file path=customXml/item183.xml><?xml version="1.0" encoding="utf-8"?>
-<Control xmlns="http://schemas.microsoft.com/VisualStudio/2011/storyboarding/control">
-  <Id Name="System.Storyboarding.WindowsApps.WindowsAppsTileWideSmall" Revision="1" Stencil="System.Storyboarding.WindowsApps" StencilVersion="0.1"/>
-</Control>
-</file>
-
-<file path=customXml/item184.xml><?xml version="1.0" encoding="utf-8"?>
-<Control xmlns="http://schemas.microsoft.com/VisualStudio/2011/storyboarding/control">
-  <Id Name="System.Storyboarding.WindowsApps.WindowsAppsTileWideSmall" Revision="1" Stencil="System.Storyboarding.WindowsApps" StencilVersion="0.1"/>
-</Control>
-</file>
-
-<file path=customXml/item185.xml><?xml version="1.0" encoding="utf-8"?>
-<Control xmlns="http://schemas.microsoft.com/VisualStudio/2011/storyboarding/control">
-  <Id Name="System.Storyboarding.WindowsApps.WindowsAppsTileWideSmall" Revision="1" Stencil="System.Storyboarding.WindowsApps" StencilVersion="0.1"/>
-</Control>
-</file>
-
-<file path=customXml/item186.xml><?xml version="1.0" encoding="utf-8"?>
-<Control xmlns="http://schemas.microsoft.com/VisualStudio/2011/storyboarding/control">
-  <Id Name="System.Storyboarding.Common.CheckBoxUnchecked" Revision="1" Stencil="System.Storyboarding.Common" StencilVersion="0.1"/>
-</Control>
-</file>
-
-<file path=customXml/item187.xml><?xml version="1.0" encoding="utf-8"?>
-<Control xmlns="http://schemas.microsoft.com/VisualStudio/2011/storyboarding/control">
-  <Id Name="System.Storyboarding.Common.CheckBoxUnchecked" Revision="1" Stencil="System.Storyboarding.Common" StencilVersion="0.1"/>
-</Control>
-</file>
-
-<file path=customXml/item188.xml><?xml version="1.0" encoding="utf-8"?>
-<Control xmlns="http://schemas.microsoft.com/VisualStudio/2011/storyboarding/control">
-  <Id Name="System.Storyboarding.Common.CheckBoxUnchecked" Revision="1" Stencil="System.Storyboarding.Common" StencilVersion="0.1"/>
-</Control>
-</file>
-
-<file path=customXml/item189.xml><?xml version="1.0" encoding="utf-8"?>
-<Control xmlns="http://schemas.microsoft.com/VisualStudio/2011/storyboarding/control">
-  <Id Name="System.Storyboarding.Common.DatePicker" Revision="1" Stencil="System.Storyboarding.Common" StencilVersion="0.1"/>
-</Control>
-</file>
-
-<file path=customXml/item19.xml><?xml version="1.0" encoding="utf-8"?>
-<Control xmlns="http://schemas.microsoft.com/VisualStudio/2011/storyboarding/control">
-  <Id Name="System.Storyboarding.Icons.Star" Revision="1" Stencil="System.Storyboarding.Icons" StencilVersion="0.1"/>
-</Control>
-</file>
-
-<file path=customXml/item190.xml><?xml version="1.0" encoding="utf-8"?>
-<Control xmlns="http://schemas.microsoft.com/VisualStudio/2011/storyboarding/control">
-  <Id Name="System.Storyboarding.Common.DatePicker" Revision="1" Stencil="System.Storyboarding.Common" StencilVersion="0.1"/>
-</Control>
-</file>
-
-<file path=customXml/item191.xml><?xml version="1.0" encoding="utf-8"?>
-<Control xmlns="http://schemas.microsoft.com/VisualStudio/2011/storyboarding/control">
-  <Id Name="System.Storyboarding.Common.Text" Revision="1" Stencil="System.Storyboarding.Common" StencilVersion="0.1"/>
-</Control>
-</file>
-
-<file path=customXml/item192.xml><?xml version="1.0" encoding="utf-8"?>
-<Control xmlns="http://schemas.microsoft.com/VisualStudio/2011/storyboarding/control">
-  <Id Name="System.Storyboarding.Common.Button" Revision="1" Stencil="System.Storyboarding.Common" StencilVersion="0.1"/>
-</Control>
-</file>
-
-<file path=customXml/item193.xml><?xml version="1.0" encoding="utf-8"?>
-<Control xmlns="http://schemas.microsoft.com/VisualStudio/2011/storyboarding/control">
-  <Id Name="System.Storyboarding.WindowsAppIcons.Plus" Revision="1" Stencil="System.Storyboarding.WindowsAppIcons" StencilVersion="0.1"/>
-</Control>
-</file>
-
-<file path=customXml/item194.xml><?xml version="1.0" encoding="utf-8"?>
-<Control xmlns="http://schemas.microsoft.com/VisualStudio/2011/storyboarding/control">
-  <Id Name="32035d07-bc66-4a79-8001-2507012193e3" RevisionId="7f6cc906-8fab-4878-8f41-90bcdc4e860e" Stencil="172d6d98-e5c9-42e9-a209-79f7a94bbd38" StencilRevisionId="00000000-0000-0000-0000-000000000000" StencilVersion="0.0"/>
-</Control>
-</file>
-
-<file path=customXml/item195.xml><?xml version="1.0" encoding="utf-8"?>
-<Control xmlns="http://schemas.microsoft.com/VisualStudio/2011/storyboarding/control">
-  <Id Name="System.Storyboarding.Common.Text" Revision="1" Stencil="System.Storyboarding.Common" StencilVersion="0.1"/>
-</Control>
-</file>
-
-<file path=customXml/item196.xml><?xml version="1.0" encoding="utf-8"?>
-<Control xmlns="http://schemas.microsoft.com/VisualStudio/2011/storyboarding/control">
-  <Id Name="System.Storyboarding.Common.TextInput" Revision="1" Stencil="System.Storyboarding.Common" StencilVersion="0.1"/>
-</Control>
-</file>
-
-<file path=customXml/item197.xml><?xml version="1.0" encoding="utf-8"?>
-<Control xmlns="http://schemas.microsoft.com/VisualStudio/2011/storyboarding/control">
-  <Id Name="System.Storyboarding.Common.TextInput" Revision="1" Stencil="System.Storyboarding.Common" StencilVersion="0.1"/>
-</Control>
-</file>
-
-<file path=customXml/item198.xml><?xml version="1.0" encoding="utf-8"?>
-<Control xmlns="http://schemas.microsoft.com/VisualStudio/2011/storyboarding/control">
-  <Id Name="System.Storyboarding.Common.TextInput" Revision="1" Stencil="System.Storyboarding.Common" StencilVersion="0.1"/>
-</Control>
-</file>
-
-<file path=customXml/item199.xml><?xml version="1.0" encoding="utf-8"?>
-<Control xmlns="http://schemas.microsoft.com/VisualStudio/2011/storyboarding/control">
-  <Id Name="System.Storyboarding.Common.TextInput" Revision="1" Stencil="System.Storyboarding.Common" StencilVersion="0.1"/>
-</Control>
-</file>
-
-<file path=customXml/item2.xml><?xml version="1.0" encoding="utf-8"?>
-<Control xmlns="http://schemas.microsoft.com/VisualStudio/2011/storyboarding/control">
-  <Id Name="System.Storyboarding.WindowsApps.WindowsAppsTileMedium" Revision="1" Stencil="System.Storyboarding.WindowsApps" StencilVersion="0.1"/>
-</Control>
-</file>
-
-<file path=customXml/item20.xml><?xml version="1.0" encoding="utf-8"?>
-<Control xmlns="http://schemas.microsoft.com/VisualStudio/2011/storyboarding/control">
-  <Id Name="System.Storyboarding.Common.TextInput" Revision="1" Stencil="System.Storyboarding.Common" StencilVersion="0.1"/>
-</Control>
-</file>
-
-<file path=customXml/item200.xml><?xml version="1.0" encoding="utf-8"?>
-<Control xmlns="http://schemas.microsoft.com/VisualStudio/2011/storyboarding/control">
-  <Id Name="System.Storyboarding.Common.Button" Revision="1" Stencil="System.Storyboarding.Common" StencilVersion="0.1"/>
-</Control>
-</file>
-
-<file path=customXml/item201.xml><?xml version="1.0" encoding="utf-8"?>
-<Control xmlns="http://schemas.microsoft.com/VisualStudio/2011/storyboarding/control">
-  <Id Name="System.Storyboarding.WindowsApps.WindowsAppsButton" Revision="1" Stencil="System.Storyboarding.WindowsApps" StencilVersion="0.1"/>
-</Control>
-</file>
-
-<file path=customXml/item202.xml><?xml version="1.0" encoding="utf-8"?>
-<Control xmlns="http://schemas.microsoft.com/VisualStudio/2011/storyboarding/control">
-  <Id Name="System.Storyboarding.Common.CheckBoxUnchecked" Revision="1" Stencil="System.Storyboarding.Common" StencilVersion="0.1"/>
-</Control>
-</file>
-
-<file path=customXml/item203.xml><?xml version="1.0" encoding="utf-8"?>
-<Control xmlns="http://schemas.microsoft.com/VisualStudio/2011/storyboarding/control">
-  <Id Name="System.Storyboarding.Common.CheckBoxUnchecked" Revision="1" Stencil="System.Storyboarding.Common" StencilVersion="0.1"/>
-</Control>
-</file>
-
-<file path=customXml/item204.xml><?xml version="1.0" encoding="utf-8"?>
-<Control xmlns="http://schemas.microsoft.com/VisualStudio/2011/storyboarding/control">
-  <Id Name="System.Storyboarding.Common.CheckBoxUnchecked" Revision="1" Stencil="System.Storyboarding.Common" StencilVersion="0.1"/>
-</Control>
-</file>
-
-<file path=customXml/item205.xml><?xml version="1.0" encoding="utf-8"?>
-<Control xmlns="http://schemas.microsoft.com/VisualStudio/2011/storyboarding/control">
-  <Id Name="System.Storyboarding.Common.DatePicker" Revision="1" Stencil="System.Storyboarding.Common" StencilVersion="0.1"/>
-</Control>
-</file>
-
-<file path=customXml/item206.xml><?xml version="1.0" encoding="utf-8"?>
-<Control xmlns="http://schemas.microsoft.com/VisualStudio/2011/storyboarding/control">
-  <Id Name="System.Storyboarding.Common.DatePicker" Revision="1" Stencil="System.Storyboarding.Common" StencilVersion="0.1"/>
-</Control>
-</file>
-
-<file path=customXml/item207.xml><?xml version="1.0" encoding="utf-8"?>
-<Control xmlns="http://schemas.microsoft.com/VisualStudio/2011/storyboarding/control">
-  <Id Name="System.Storyboarding.Common.Text" Revision="1" Stencil="System.Storyboarding.Common" StencilVersion="0.1"/>
-</Control>
-</file>
-
-<file path=customXml/item208.xml><?xml version="1.0" encoding="utf-8"?>
-<Control xmlns="http://schemas.microsoft.com/VisualStudio/2011/storyboarding/control">
-  <Id Name="System.Storyboarding.Common.Button" Revision="1" Stencil="System.Storyboarding.Common" StencilVersion="0.1"/>
-</Control>
-</file>
-
-<file path=customXml/item209.xml><?xml version="1.0" encoding="utf-8"?>
-<Control xmlns="http://schemas.microsoft.com/VisualStudio/2011/storyboarding/control">
-  <Id Name="System.Storyboarding.WindowsAppIcons.Plus" Revision="1" Stencil="System.Storyboarding.WindowsAppIcons" StencilVersion="0.1"/>
-</Control>
-</file>
-
-<file path=customXml/item21.xml><?xml version="1.0" encoding="utf-8"?>
-<Control xmlns="http://schemas.microsoft.com/VisualStudio/2011/storyboarding/control">
-  <Id Name="System.Storyboarding.WindowsApps.WindowsAppsTileWideSmall" Revision="1" Stencil="System.Storyboarding.WindowsApps" StencilVersion="0.1"/>
-</Control>
-</file>
-
-<file path=customXml/item210.xml><?xml version="1.0" encoding="utf-8"?>
-<Control xmlns="http://schemas.microsoft.com/VisualStudio/2011/storyboarding/control">
-  <Id Name="32035d07-bc66-4a79-8001-2507012193e3" RevisionId="7f6cc906-8fab-4878-8f41-90bcdc4e860e" Stencil="172d6d98-e5c9-42e9-a209-79f7a94bbd38" StencilRevisionId="00000000-0000-0000-0000-000000000000" StencilVersion="0.0"/>
-</Control>
-</file>
-
-<file path=customXml/item22.xml><?xml version="1.0" encoding="utf-8"?>
-<Control xmlns="http://schemas.microsoft.com/VisualStudio/2011/storyboarding/control">
-  <Id Name="System.Storyboarding.Common.TextInput" Revision="1" Stencil="System.Storyboarding.Common" StencilVersion="0.1"/>
-</Control>
-</file>
-
-<file path=customXml/item23.xml><?xml version="1.0" encoding="utf-8"?>
-<Control xmlns="http://schemas.microsoft.com/VisualStudio/2011/storyboarding/control">
-  <Id Name="System.Storyboarding.Common.CheckBoxUnchecked" Revision="1" Stencil="System.Storyboarding.Common" StencilVersion="0.1"/>
-</Control>
-</file>
-
-<file path=customXml/item24.xml><?xml version="1.0" encoding="utf-8"?>
-<Control xmlns="http://schemas.microsoft.com/VisualStudio/2011/storyboarding/control">
-  <Id Name="System.Storyboarding.Common.TextInput" Revision="1" Stencil="System.Storyboarding.Common" StencilVersion="0.1"/>
-</Control>
-</file>
-
-<file path=customXml/item25.xml><?xml version="1.0" encoding="utf-8"?>
-<Control xmlns="http://schemas.microsoft.com/VisualStudio/2011/storyboarding/control">
-  <Id Name="System.Storyboarding.Icons.Star" Revision="1" Stencil="System.Storyboarding.Icons" StencilVersion="0.1"/>
-</Control>
-</file>
-
-<file path=customXml/item26.xml><?xml version="1.0" encoding="utf-8"?>
-<Control xmlns="http://schemas.microsoft.com/VisualStudio/2011/storyboarding/control">
-  <Id Name="System.Storyboarding.Icons.Star" Revision="1" Stencil="System.Storyboarding.Icons" StencilVersion="0.1"/>
-</Control>
-</file>
-
-<file path=customXml/item27.xml><?xml version="1.0" encoding="utf-8"?>
-<Control xmlns="http://schemas.microsoft.com/VisualStudio/2011/storyboarding/control">
-  <Id Name="System.Storyboarding.Common.CheckBoxUnchecked" Revision="1" Stencil="System.Storyboarding.Common" StencilVersion="0.1"/>
-</Control>
-</file>
-
-<file path=customXml/item28.xml><?xml version="1.0" encoding="utf-8"?>
-<Control xmlns="http://schemas.microsoft.com/VisualStudio/2011/storyboarding/control">
-  <Id Name="System.Storyboarding.Common.DatePicker" Revision="1" Stencil="System.Storyboarding.Common" StencilVersion="0.1"/>
-</Control>
-</file>
-
-<file path=customXml/item29.xml><?xml version="1.0" encoding="utf-8"?>
-<Control xmlns="http://schemas.microsoft.com/VisualStudio/2011/storyboarding/control">
-  <Id Name="System.Storyboarding.Media.PieChart" Revision="1" Stencil="System.Storyboarding.Media" StencilVersion="0.1"/>
-</Control>
-</file>
-
-<file path=customXml/item3.xml><?xml version="1.0" encoding="utf-8"?>
-<Control xmlns="http://schemas.microsoft.com/VisualStudio/2011/storyboarding/control">
-  <Id Name="System.Storyboarding.WindowsApps.WindowsAppsButton" Revision="1" Stencil="System.Storyboarding.WindowsApps" StencilVersion="0.1"/>
-</Control>
-</file>
-
-<file path=customXml/item30.xml><?xml version="1.0" encoding="utf-8"?>
-<Control xmlns="http://schemas.microsoft.com/VisualStudio/2011/storyboarding/control">
-  <Id Name="System.Storyboarding.Common.DataGrid" Revision="1" Stencil="System.Storyboarding.Common" StencilVersion="0.1"/>
-</Control>
-</file>
-
-<file path=customXml/item31.xml><?xml version="1.0" encoding="utf-8"?>
-<Control xmlns="http://schemas.microsoft.com/VisualStudio/2011/storyboarding/control">
-  <Id Name="System.Storyboarding.Media.PieChart" Revision="1" Stencil="System.Storyboarding.Media" StencilVersion="0.1"/>
-</Control>
-</file>
-
-<file path=customXml/item32.xml><?xml version="1.0" encoding="utf-8"?>
-<Control xmlns="http://schemas.microsoft.com/VisualStudio/2011/storyboarding/control">
-  <Id Name="System.Storyboarding.Backgrounds.WebBrowser" Revision="1" Stencil="System.Storyboarding.Backgrounds" StencilVersion="0.1"/>
-</Control>
-</file>
-
-<file path=customXml/item33.xml><?xml version="1.0" encoding="utf-8"?>
-<Control xmlns="http://schemas.microsoft.com/VisualStudio/2011/storyboarding/control">
-  <Id Name="91f9215f-48a3-4bce-9856-a1c79d18b395" RevisionId="54383394-c8b8-40b0-9c4b-42c6089a8ac7" Stencil="172d6d98-e5c9-42e9-a209-79f7a94bbd38" StencilRevisionId="00000000-0000-0000-0000-000000000000" StencilVersion="0.0"/>
-</Control>
-</file>
-
-<file path=customXml/item34.xml><?xml version="1.0" encoding="utf-8"?>
-<Control xmlns="http://schemas.microsoft.com/VisualStudio/2011/storyboarding/control">
-  <Id Name="System.Storyboarding.WindowsApps.WindowsAppsTileWideSmall" Revision="1" Stencil="System.Storyboarding.WindowsApps" StencilVersion="0.1"/>
-</Control>
-</file>
-
-<file path=customXml/item35.xml><?xml version="1.0" encoding="utf-8"?>
-<Control xmlns="http://schemas.microsoft.com/VisualStudio/2011/storyboarding/control">
-  <Id Name="System.Storyboarding.Common.Text" Revision="1" Stencil="System.Storyboarding.Common" StencilVersion="0.1"/>
-</Control>
-</file>
-
-<file path=customXml/item36.xml><?xml version="1.0" encoding="utf-8"?>
-<Control xmlns="http://schemas.microsoft.com/VisualStudio/2011/storyboarding/control">
-  <Id Name="System.Storyboarding.Common.Text" Revision="1" Stencil="System.Storyboarding.Common" StencilVersion="0.1"/>
-</Control>
-</file>
-
-<file path=customXml/item37.xml><?xml version="1.0" encoding="utf-8"?>
-<Control xmlns="http://schemas.microsoft.com/VisualStudio/2011/storyboarding/control">
-  <Id Name="System.Storyboarding.Common.Text" Revision="1" Stencil="System.Storyboarding.Common" StencilVersion="0.1"/>
-</Control>
-</file>
-
-<file path=customXml/item38.xml><?xml version="1.0" encoding="utf-8"?>
-<Control xmlns="http://schemas.microsoft.com/VisualStudio/2011/storyboarding/control">
-  <Id Name="System.Storyboarding.Common.Hyperlink" Revision="1" Stencil="System.Storyboarding.Common" StencilVersion="0.1"/>
-</Control>
-</file>
-
-<file path=customXml/item39.xml><?xml version="1.0" encoding="utf-8"?>
-<Control xmlns="http://schemas.microsoft.com/VisualStudio/2011/storyboarding/control">
-  <Id Name="System.Storyboarding.Common.CheckBoxUnchecked" Revision="1" Stencil="System.Storyboarding.Common" StencilVersion="0.1"/>
-</Control>
-</file>
-
-<file path=customXml/item4.xml><?xml version="1.0" encoding="utf-8"?>
-<Control xmlns="http://schemas.microsoft.com/VisualStudio/2011/storyboarding/control">
-  <Id Name="System.Storyboarding.Icons.Star" Revision="1" Stencil="System.Storyboarding.Icons" StencilVersion="0.1"/>
-</Control>
-</file>
-
-<file path=customXml/item40.xml><?xml version="1.0" encoding="utf-8"?>
-<Control xmlns="http://schemas.microsoft.com/VisualStudio/2011/storyboarding/control">
-  <Id Name="System.Storyboarding.Common.Text" Revision="1" Stencil="System.Storyboarding.Common" StencilVersion="0.1"/>
-</Control>
-</file>
-
-<file path=customXml/item41.xml><?xml version="1.0" encoding="utf-8"?>
-<Control xmlns="http://schemas.microsoft.com/VisualStudio/2011/storyboarding/control">
-  <Id Name="System.Storyboarding.Icons.Star" Revision="1" Stencil="System.Storyboarding.Icons" StencilVersion="0.1"/>
-</Control>
-</file>
-
-<file path=customXml/item42.xml><?xml version="1.0" encoding="utf-8"?>
-<Control xmlns="http://schemas.microsoft.com/VisualStudio/2011/storyboarding/control">
-  <Id Name="System.Storyboarding.Common.Text" Revision="1" Stencil="System.Storyboarding.Common" StencilVersion="0.1"/>
-</Control>
-</file>
-
-<file path=customXml/item43.xml><?xml version="1.0" encoding="utf-8"?>
-<Control xmlns="http://schemas.microsoft.com/VisualStudio/2011/storyboarding/control">
-  <Id Name="System.Storyboarding.Icons.Star" Revision="1" Stencil="System.Storyboarding.Icons" StencilVersion="0.1"/>
-</Control>
-</file>
-
-<file path=customXml/item44.xml><?xml version="1.0" encoding="utf-8"?>
-<Control xmlns="http://schemas.microsoft.com/VisualStudio/2011/storyboarding/control">
-  <Id Name="System.Storyboarding.Common.DataGrid" Revision="1" Stencil="System.Storyboarding.Common" StencilVersion="0.1"/>
-</Control>
-</file>
-
-<file path=customXml/item45.xml><?xml version="1.0" encoding="utf-8"?>
-<Control xmlns="http://schemas.microsoft.com/VisualStudio/2011/storyboarding/control">
-  <Id Name="System.Storyboarding.Common.TextInput" Revision="1" Stencil="System.Storyboarding.Common" StencilVersion="0.1"/>
-</Control>
-</file>
-
-<file path=customXml/item46.xml><?xml version="1.0" encoding="utf-8"?>
-<Control xmlns="http://schemas.microsoft.com/VisualStudio/2011/storyboarding/control">
-  <Id Name="System.Storyboarding.WindowsAppIcons.Check" Revision="1" Stencil="System.Storyboarding.WindowsAppIcons" StencilVersion="0.1"/>
-</Control>
-</file>
-
-<file path=customXml/item47.xml><?xml version="1.0" encoding="utf-8"?>
-<Control xmlns="http://schemas.microsoft.com/VisualStudio/2011/storyboarding/control">
-  <Id Name="System.Storyboarding.WindowsApps.WindowsAppsTileWideSmall" Revision="1" Stencil="System.Storyboarding.WindowsApps" StencilVersion="0.1"/>
-</Control>
-</file>
-
-<file path=customXml/item48.xml><?xml version="1.0" encoding="utf-8"?>
-<Control xmlns="http://schemas.microsoft.com/VisualStudio/2011/storyboarding/control">
-  <Id Name="System.Storyboarding.Icons.Star" Revision="1" Stencil="System.Storyboarding.Icons" StencilVersion="0.1"/>
-</Control>
-</file>
-
-<file path=customXml/item49.xml><?xml version="1.0" encoding="utf-8"?>
-<Control xmlns="http://schemas.microsoft.com/VisualStudio/2011/storyboarding/control">
-  <Id Name="System.Storyboarding.Common.Text" Revision="1" Stencil="System.Storyboarding.Common" StencilVersion="0.1"/>
-</Control>
-</file>
-
-<file path=customXml/item5.xml><?xml version="1.0" encoding="utf-8"?>
-<Control xmlns="http://schemas.microsoft.com/VisualStudio/2011/storyboarding/control">
-  <Id Name="System.Storyboarding.Icons.Star" Revision="1" Stencil="System.Storyboarding.Icons" StencilVersion="0.1"/>
-</Control>
-</file>
-
-<file path=customXml/item50.xml><?xml version="1.0" encoding="utf-8"?>
-<Control xmlns="http://schemas.microsoft.com/VisualStudio/2011/storyboarding/control">
-  <Id Name="System.Storyboarding.Icons.Star" Revision="1" Stencil="System.Storyboarding.Icons" StencilVersion="0.1"/>
-</Control>
-</file>
-
-<file path=customXml/item51.xml><?xml version="1.0" encoding="utf-8"?>
-<Control xmlns="http://schemas.microsoft.com/VisualStudio/2011/storyboarding/control">
-  <Id Name="System.Storyboarding.Icons.Star" Revision="1" Stencil="System.Storyboarding.Icons" StencilVersion="0.1"/>
-</Control>
-</file>
-
-<file path=customXml/item52.xml><?xml version="1.0" encoding="utf-8"?>
-<Control xmlns="http://schemas.microsoft.com/VisualStudio/2011/storyboarding/control">
-  <Id Name="System.Storyboarding.WindowsAppIcons.Plus" Revision="1" Stencil="System.Storyboarding.WindowsAppIcons" StencilVersion="0.1"/>
-</Control>
-</file>
-
-<file path=customXml/item53.xml><?xml version="1.0" encoding="utf-8"?>
-<Control xmlns="http://schemas.microsoft.com/VisualStudio/2011/storyboarding/control">
-  <Id Name="System.Storyboarding.Common.RadioButtonSelected" Revision="1" Stencil="System.Storyboarding.Common" StencilVersion="0.1"/>
-</Control>
-</file>
-
-<file path=customXml/item54.xml><?xml version="1.0" encoding="utf-8"?>
-<Control xmlns="http://schemas.microsoft.com/VisualStudio/2011/storyboarding/control">
-  <Id Name="System.Storyboarding.WindowsApps.WindowsAppsMediumWideTile" Revision="1" Stencil="System.Storyboarding.WindowsApps" StencilVersion="0.1"/>
-</Control>
-</file>
-
-<file path=customXml/item55.xml><?xml version="1.0" encoding="utf-8"?>
-<Control xmlns="http://schemas.microsoft.com/VisualStudio/2011/storyboarding/control">
-  <Id Name="System.Storyboarding.Common.TextInput" Revision="1" Stencil="System.Storyboarding.Common" StencilVersion="0.1"/>
-</Control>
-</file>
-
-<file path=customXml/item56.xml><?xml version="1.0" encoding="utf-8"?>
-<Control xmlns="http://schemas.microsoft.com/VisualStudio/2011/storyboarding/control">
-  <Id Name="System.Storyboarding.WindowsApps.WindowsAppsTileMedium" Revision="1" Stencil="System.Storyboarding.WindowsApps" StencilVersion="0.1"/>
-</Control>
-</file>
-
-<file path=customXml/item57.xml><?xml version="1.0" encoding="utf-8"?>
-<Control xmlns="http://schemas.microsoft.com/VisualStudio/2011/storyboarding/control">
-  <Id Name="System.Storyboarding.Common.TextInput" Revision="1" Stencil="System.Storyboarding.Common" StencilVersion="0.1"/>
-</Control>
-</file>
-
-<file path=customXml/item58.xml><?xml version="1.0" encoding="utf-8"?>
-<Control xmlns="http://schemas.microsoft.com/VisualStudio/2011/storyboarding/control">
-  <Id Name="System.Storyboarding.Icons.Copy" Revision="1" Stencil="System.Storyboarding.Icons" StencilVersion="0.1"/>
-</Control>
-</file>
-
-<file path=customXml/item59.xml><?xml version="1.0" encoding="utf-8"?>
-<Control xmlns="http://schemas.microsoft.com/VisualStudio/2011/storyboarding/control">
-  <Id Name="System.Storyboarding.WindowsApps.WindowsAppsTileMedium" Revision="1" Stencil="System.Storyboarding.WindowsApps" StencilVersion="0.1"/>
-</Control>
-</file>
-
-<file path=customXml/item6.xml><?xml version="1.0" encoding="utf-8"?>
-<Control xmlns="http://schemas.microsoft.com/VisualStudio/2011/storyboarding/control">
-  <Id Name="System.Storyboarding.Common.Text" Revision="1" Stencil="System.Storyboarding.Common" StencilVersion="0.1"/>
-</Control>
-</file>
-
-<file path=customXml/item60.xml><?xml version="1.0" encoding="utf-8"?>
-<Control xmlns="http://schemas.microsoft.com/VisualStudio/2011/storyboarding/control">
-  <Id Name="System.Storyboarding.Common.Button" Revision="1" Stencil="System.Storyboarding.Common" StencilVersion="0.1"/>
-</Control>
-</file>
-
-<file path=customXml/item61.xml><?xml version="1.0" encoding="utf-8"?>
-<Control xmlns="http://schemas.microsoft.com/VisualStudio/2011/storyboarding/control">
-  <Id Name="System.Storyboarding.Common.Text" Revision="1" Stencil="System.Storyboarding.Common" StencilVersion="0.1"/>
-</Control>
-</file>
-
-<file path=customXml/item62.xml><?xml version="1.0" encoding="utf-8"?>
-<Control xmlns="http://schemas.microsoft.com/VisualStudio/2011/storyboarding/control">
-  <Id Name="System.Storyboarding.Icons.Star" Revision="1" Stencil="System.Storyboarding.Icons" StencilVersion="0.1"/>
-</Control>
-</file>
-
-<file path=customXml/item63.xml><?xml version="1.0" encoding="utf-8"?>
-<Control xmlns="http://schemas.microsoft.com/VisualStudio/2011/storyboarding/control">
-  <Id Name="System.Storyboarding.Common.TextInput" Revision="1" Stencil="System.Storyboarding.Common" StencilVersion="0.1"/>
-</Control>
-</file>
-
-<file path=customXml/item64.xml><?xml version="1.0" encoding="utf-8"?>
-<Control xmlns="http://schemas.microsoft.com/VisualStudio/2011/storyboarding/control">
-  <Id Name="System.Storyboarding.Icons.Star" Revision="1" Stencil="System.Storyboarding.Icons" StencilVersion="0.1"/>
-</Control>
-</file>
-
-<file path=customXml/item65.xml><?xml version="1.0" encoding="utf-8"?>
-<Control xmlns="http://schemas.microsoft.com/VisualStudio/2011/storyboarding/control">
-  <Id Name="System.Storyboarding.Common.Button" Revision="1" Stencil="System.Storyboarding.Common" StencilVersion="0.1"/>
-</Control>
-</file>
-
-<file path=customXml/item66.xml><?xml version="1.0" encoding="utf-8"?>
-<Control xmlns="http://schemas.microsoft.com/VisualStudio/2011/storyboarding/control">
-  <Id Name="System.Storyboarding.Common.TextInput" Revision="1" Stencil="System.Storyboarding.Common" StencilVersion="0.1"/>
-</Control>
-</file>
-
-<file path=customXml/item67.xml><?xml version="1.0" encoding="utf-8"?>
-<Control xmlns="http://schemas.microsoft.com/VisualStudio/2011/storyboarding/control">
-  <Id Name="System.Storyboarding.Backgrounds.DesktopTaskbar" Revision="1" Stencil="System.Storyboarding.Backgrounds" StencilVersion="0.1"/>
-</Control>
-</file>
-
-<file path=customXml/item68.xml><?xml version="1.0" encoding="utf-8"?>
-<Control xmlns="http://schemas.microsoft.com/VisualStudio/2011/storyboarding/control">
-  <Id Name="System.Storyboarding.Common.TextInput" Revision="1" Stencil="System.Storyboarding.Common" StencilVersion="0.1"/>
-</Control>
-</file>
-
-<file path=customXml/item69.xml><?xml version="1.0" encoding="utf-8"?>
-<Control xmlns="http://schemas.microsoft.com/VisualStudio/2011/storyboarding/control">
-  <Id Name="System.Storyboarding.WindowsApps.WindowsAppsContextMenu" Revision="1" Stencil="System.Storyboarding.WindowsApps" StencilVersion="0.1"/>
-</Control>
-</file>
-
-<file path=customXml/item7.xml><?xml version="1.0" encoding="utf-8"?>
-<Control xmlns="http://schemas.microsoft.com/VisualStudio/2011/storyboarding/control">
-  <Id Name="System.Storyboarding.Common.Text" Revision="1" Stencil="System.Storyboarding.Common" StencilVersion="0.1"/>
-</Control>
-</file>
-
-<file path=customXml/item70.xml><?xml version="1.0" encoding="utf-8"?>
-<Control xmlns="http://schemas.microsoft.com/VisualStudio/2011/storyboarding/control">
-  <Id Name="System.Storyboarding.WindowsAppIcons.Like" Revision="1" Stencil="System.Storyboarding.WindowsAppIcons" StencilVersion="0.1"/>
-</Control>
-</file>
-
-<file path=customXml/item71.xml><?xml version="1.0" encoding="utf-8"?>
-<Control xmlns="http://schemas.microsoft.com/VisualStudio/2011/storyboarding/control">
-  <Id Name="System.Storyboarding.Backgrounds.DesktopTaskbar" Revision="1" Stencil="System.Storyboarding.Backgrounds" StencilVersion="0.1"/>
-</Control>
-</file>
-
-<file path=customXml/item72.xml><?xml version="1.0" encoding="utf-8"?>
-<Control xmlns="http://schemas.microsoft.com/VisualStudio/2011/storyboarding/control">
-  <Id Name="System.Storyboarding.Common.TextInput" Revision="1" Stencil="System.Storyboarding.Common" StencilVersion="0.1"/>
-</Control>
-</file>
-
-<file path=customXml/item73.xml><?xml version="1.0" encoding="utf-8"?>
-<Control xmlns="http://schemas.microsoft.com/VisualStudio/2011/storyboarding/control">
-  <Id Name="System.Storyboarding.Common.Text" Revision="1" Stencil="System.Storyboarding.Common" StencilVersion="0.1"/>
-</Control>
-</file>
-
-<file path=customXml/item74.xml><?xml version="1.0" encoding="utf-8"?>
-<Control xmlns="http://schemas.microsoft.com/VisualStudio/2011/storyboarding/control">
-  <Id Name="System.Storyboarding.Common.DatePicker" Revision="1" Stencil="System.Storyboarding.Common" StencilVersion="0.1"/>
-</Control>
-</file>
-
-<file path=customXml/item75.xml><?xml version="1.0" encoding="utf-8"?>
-<Control xmlns="http://schemas.microsoft.com/VisualStudio/2011/storyboarding/control">
-  <Id Name="System.Storyboarding.Common.TextInput" Revision="1" Stencil="System.Storyboarding.Common" StencilVersion="0.1"/>
-</Control>
-</file>
-
-<file path=customXml/item76.xml><?xml version="1.0" encoding="utf-8"?>
-<Control xmlns="http://schemas.microsoft.com/VisualStudio/2011/storyboarding/control">
-  <Id Name="System.Storyboarding.Common.Text" Revision="1" Stencil="System.Storyboarding.Common" StencilVersion="0.1"/>
-</Control>
-</file>
-
-<file path=customXml/item77.xml><?xml version="1.0" encoding="utf-8"?>
-<Control xmlns="http://schemas.microsoft.com/VisualStudio/2011/storyboarding/control">
-  <Id Name="System.Storyboarding.Backgrounds.DesktopTaskbar" Revision="1" Stencil="System.Storyboarding.Backgrounds" StencilVersion="0.1"/>
-</Control>
-</file>
-
-<file path=customXml/item78.xml><?xml version="1.0" encoding="utf-8"?>
-<Control xmlns="http://schemas.microsoft.com/VisualStudio/2011/storyboarding/control">
-  <Id Name="System.Storyboarding.Common.TextInput" Revision="1" Stencil="System.Storyboarding.Common" StencilVersion="0.1"/>
-</Control>
-</file>
-
-<file path=customXml/item79.xml><?xml version="1.0" encoding="utf-8"?>
-<Control xmlns="http://schemas.microsoft.com/VisualStudio/2011/storyboarding/control">
-  <Id Name="System.Storyboarding.Media.VerticalBarChart" Revision="1" Stencil="System.Storyboarding.Media" StencilVersion="0.1"/>
-</Control>
-</file>
-
-<file path=customXml/item8.xml><?xml version="1.0" encoding="utf-8"?>
-<Control xmlns="http://schemas.microsoft.com/VisualStudio/2011/storyboarding/control">
-  <Id Name="System.Storyboarding.Common.Text" Revision="1" Stencil="System.Storyboarding.Common" StencilVersion="0.1"/>
-</Control>
-</file>
-
-<file path=customXml/item80.xml><?xml version="1.0" encoding="utf-8"?>
-<Control xmlns="http://schemas.microsoft.com/VisualStudio/2011/storyboarding/control">
-  <Id Name="System.Storyboarding.Icons.Star" Revision="1" Stencil="System.Storyboarding.Icons" StencilVersion="0.1"/>
-</Control>
-</file>
-
-<file path=customXml/item81.xml><?xml version="1.0" encoding="utf-8"?>
-<Control xmlns="http://schemas.microsoft.com/VisualStudio/2011/storyboarding/control">
-  <Id Name="System.Storyboarding.Media.HorizontalBarChart" Revision="1" Stencil="System.Storyboarding.Media" StencilVersion="0.1"/>
-</Control>
-</file>
-
-<file path=customXml/item82.xml><?xml version="1.0" encoding="utf-8"?>
-<Control xmlns="http://schemas.microsoft.com/VisualStudio/2011/storyboarding/control">
-  <Id Name="System.Storyboarding.WindowsAppIcons.Check" Revision="1" Stencil="System.Storyboarding.WindowsAppIcons" StencilVersion="0.1"/>
-</Control>
-</file>
-
-<file path=customXml/item83.xml><?xml version="1.0" encoding="utf-8"?>
-<Control xmlns="http://schemas.microsoft.com/VisualStudio/2011/storyboarding/control">
-  <Id Name="System.Storyboarding.Common.CheckBoxUnchecked" Revision="1" Stencil="System.Storyboarding.Common" StencilVersion="0.1"/>
-</Control>
-</file>
-
-<file path=customXml/item84.xml><?xml version="1.0" encoding="utf-8"?>
-<Control xmlns="http://schemas.microsoft.com/VisualStudio/2011/storyboarding/control">
-  <Id Name="System.Storyboarding.WindowsPhone.PageTitle" Revision="1" Stencil="System.Storyboarding.WindowsPhone" StencilVersion="0.1"/>
-</Control>
-</file>
-
-<file path=customXml/item85.xml><?xml version="1.0" encoding="utf-8"?>
-<Control xmlns="http://schemas.microsoft.com/VisualStudio/2011/storyboarding/control">
-  <Id Name="System.Storyboarding.Common.TextInput" Revision="1" Stencil="System.Storyboarding.Common" StencilVersion="0.1"/>
-</Control>
-</file>
-
-<file path=customXml/item86.xml><?xml version="1.0" encoding="utf-8"?>
-<Control xmlns="http://schemas.microsoft.com/VisualStudio/2011/storyboarding/control">
-  <Id Name="System.Storyboarding.Common.MousePointer" Revision="1" Stencil="System.Storyboarding.Common" StencilVersion="0.1"/>
-</Control>
-</file>
-
-<file path=customXml/item87.xml><?xml version="1.0" encoding="utf-8"?>
-<Control xmlns="http://schemas.microsoft.com/VisualStudio/2011/storyboarding/control">
-  <Id Name="System.Storyboarding.Common.Button" Revision="1" Stencil="System.Storyboarding.Common" StencilVersion="0.1"/>
-</Control>
-</file>
-
-<file path=customXml/item88.xml><?xml version="1.0" encoding="utf-8"?>
-<Control xmlns="http://schemas.microsoft.com/VisualStudio/2011/storyboarding/control">
-  <Id Name="System.Storyboarding.WindowsApps.WindowsAppsEditBox" Revision="1" Stencil="System.Storyboarding.WindowsApps" StencilVersion="0.1"/>
-</Control>
-</file>
-
-<file path=customXml/item89.xml><?xml version="1.0" encoding="utf-8"?>
-<Control xmlns="http://schemas.microsoft.com/VisualStudio/2011/storyboarding/control">
-  <Id Name="System.Storyboarding.Common.Text" Revision="1" Stencil="System.Storyboarding.Common" StencilVersion="0.1"/>
-</Control>
-</file>
-
-<file path=customXml/item9.xml><?xml version="1.0" encoding="utf-8"?>
-<Control xmlns="http://schemas.microsoft.com/VisualStudio/2011/storyboarding/control">
-  <Id Name="System.Storyboarding.WindowsApps.WindowsAppsTileWideSmall" Revision="1" Stencil="System.Storyboarding.WindowsApps" StencilVersion="0.1"/>
-</Control>
-</file>
-
-<file path=customXml/item90.xml><?xml version="1.0" encoding="utf-8"?>
-<Control xmlns="http://schemas.microsoft.com/VisualStudio/2011/storyboarding/control">
-  <Id Name="System.Storyboarding.Common.Text" Revision="1" Stencil="System.Storyboarding.Common" StencilVersion="0.1"/>
-</Control>
-</file>
-
-<file path=customXml/item91.xml><?xml version="1.0" encoding="utf-8"?>
-<Control xmlns="http://schemas.microsoft.com/VisualStudio/2011/storyboarding/control">
-  <Id Name="System.Storyboarding.Media.Image" Revision="1" Stencil="System.Storyboarding.Media" StencilVersion="0.1"/>
-</Control>
-</file>
-
-<file path=customXml/item92.xml><?xml version="1.0" encoding="utf-8"?>
-<Control xmlns="http://schemas.microsoft.com/VisualStudio/2011/storyboarding/control">
-  <Id Name="System.Storyboarding.Common.Text" Revision="1" Stencil="System.Storyboarding.Common" StencilVersion="0.1"/>
-</Control>
-</file>
-
-<file path=customXml/item93.xml><?xml version="1.0" encoding="utf-8"?>
-<Control xmlns="http://schemas.microsoft.com/VisualStudio/2011/storyboarding/control">
-  <Id Name="System.Storyboarding.WindowsApps.WindowsAppsTileMediumText" Revision="1" Stencil="System.Storyboarding.WindowsApps" StencilVersion="0.1"/>
-</Control>
-</file>
-
-<file path=customXml/item94.xml><?xml version="1.0" encoding="utf-8"?>
-<Control xmlns="http://schemas.microsoft.com/VisualStudio/2011/storyboarding/control">
-  <Id Name="System.Storyboarding.Common.CheckBoxUnchecked" Revision="1" Stencil="System.Storyboarding.Common" StencilVersion="0.1"/>
-</Control>
-</file>
-
-<file path=customXml/item95.xml><?xml version="1.0" encoding="utf-8"?>
-<Control xmlns="http://schemas.microsoft.com/VisualStudio/2011/storyboarding/control">
-  <Id Name="System.Storyboarding.Icons.Star" Revision="1" Stencil="System.Storyboarding.Icons" StencilVersion="0.1"/>
-</Control>
-</file>
-
-<file path=customXml/item96.xml><?xml version="1.0" encoding="utf-8"?>
-<Control xmlns="http://schemas.microsoft.com/VisualStudio/2011/storyboarding/control">
-  <Id Name="System.Storyboarding.Icons.Star" Revision="1" Stencil="System.Storyboarding.Icons" StencilVersion="0.1"/>
-</Control>
-</file>
-
-<file path=customXml/item97.xml><?xml version="1.0" encoding="utf-8"?>
-<Control xmlns="http://schemas.microsoft.com/VisualStudio/2011/storyboarding/control">
-  <Id Name="System.Storyboarding.WindowsApps.WindowsAppsTileWideSmall" Revision="1" Stencil="System.Storyboarding.WindowsApps" StencilVersion="0.1"/>
-</Control>
-</file>
-
-<file path=customXml/item98.xml><?xml version="1.0" encoding="utf-8"?>
-<Control xmlns="http://schemas.microsoft.com/VisualStudio/2011/storyboarding/control">
-  <Id Name="System.Storyboarding.Icons.Lock" Revision="1" Stencil="System.Storyboarding.Icons" StencilVersion="0.1"/>
-</Control>
-</file>
-
-<file path=customXml/item99.xml><?xml version="1.0" encoding="utf-8"?>
-<Control xmlns="http://schemas.microsoft.com/VisualStudio/2011/storyboarding/control">
-  <Id Name="32035d07-bc66-4a79-8001-2507012193e3" RevisionId="7f6cc906-8fab-4878-8f41-90bcdc4e860e" Stencil="172d6d98-e5c9-42e9-a209-79f7a94bbd38" StencilRevisionId="00000000-0000-0000-0000-000000000000" StencilVersion="0.0"/>
-</Control>
-</file>
-
 <file path=customXml/itemProps1.xml><?xml version="1.0" encoding="utf-8"?>
-<ds:datastoreItem xmlns:ds="http://schemas.openxmlformats.org/officeDocument/2006/customXml" ds:itemID="{F9A8EA35-007A-40F9-AD73-68499C4EFDFA}">
+<ds:datastoreItem xmlns:ds="http://schemas.openxmlformats.org/officeDocument/2006/customXml" ds:itemID="{B3A32BF6-6F46-46AB-B97C-AB64DBA4198F}">
   <ds:schemaRefs>
     <ds:schemaRef ds:uri="http://schemas.microsoft.com/VisualStudio/2011/storyboarding/control"/>
   </ds:schemaRefs>
@@ -16524,6 +16596,574 @@
 </file>
 
 <file path=customXml/itemProps10.xml><?xml version="1.0" encoding="utf-8"?>
+<ds:datastoreItem xmlns:ds="http://schemas.openxmlformats.org/officeDocument/2006/customXml" ds:itemID="{73ABD768-CB5D-46A4-A597-4A94DA70A531}">
+  <ds:schemaRefs>
+    <ds:schemaRef ds:uri="http://schemas.microsoft.com/VisualStudio/2011/storyboarding/control"/>
+  </ds:schemaRefs>
+</ds:datastoreItem>
+</file>
+
+<file path=customXml/itemProps100.xml><?xml version="1.0" encoding="utf-8"?>
+<ds:datastoreItem xmlns:ds="http://schemas.openxmlformats.org/officeDocument/2006/customXml" ds:itemID="{8A555954-45BE-4EEE-9F3C-9C997F6D1BA3}">
+  <ds:schemaRefs>
+    <ds:schemaRef ds:uri="http://schemas.microsoft.com/VisualStudio/2011/storyboarding/control"/>
+  </ds:schemaRefs>
+</ds:datastoreItem>
+</file>
+
+<file path=customXml/itemProps101.xml><?xml version="1.0" encoding="utf-8"?>
+<ds:datastoreItem xmlns:ds="http://schemas.openxmlformats.org/officeDocument/2006/customXml" ds:itemID="{2C7E7D13-6875-4C07-A00F-CBDE5826D5D8}">
+  <ds:schemaRefs>
+    <ds:schemaRef ds:uri="http://schemas.microsoft.com/VisualStudio/2011/storyboarding/control"/>
+  </ds:schemaRefs>
+</ds:datastoreItem>
+</file>
+
+<file path=customXml/itemProps102.xml><?xml version="1.0" encoding="utf-8"?>
+<ds:datastoreItem xmlns:ds="http://schemas.openxmlformats.org/officeDocument/2006/customXml" ds:itemID="{51D515F3-5B60-4F94-84C8-4468FC08CD50}">
+  <ds:schemaRefs>
+    <ds:schemaRef ds:uri="http://schemas.microsoft.com/VisualStudio/2011/storyboarding/control"/>
+  </ds:schemaRefs>
+</ds:datastoreItem>
+</file>
+
+<file path=customXml/itemProps103.xml><?xml version="1.0" encoding="utf-8"?>
+<ds:datastoreItem xmlns:ds="http://schemas.openxmlformats.org/officeDocument/2006/customXml" ds:itemID="{3E59668D-9D10-4C26-9CC7-C8295EEC02B7}">
+  <ds:schemaRefs>
+    <ds:schemaRef ds:uri="http://schemas.microsoft.com/VisualStudio/2011/storyboarding/control"/>
+  </ds:schemaRefs>
+</ds:datastoreItem>
+</file>
+
+<file path=customXml/itemProps104.xml><?xml version="1.0" encoding="utf-8"?>
+<ds:datastoreItem xmlns:ds="http://schemas.openxmlformats.org/officeDocument/2006/customXml" ds:itemID="{E029995E-6C1C-464C-B18A-588A9A373F13}">
+  <ds:schemaRefs>
+    <ds:schemaRef ds:uri="http://schemas.microsoft.com/VisualStudio/2011/storyboarding/control"/>
+  </ds:schemaRefs>
+</ds:datastoreItem>
+</file>
+
+<file path=customXml/itemProps105.xml><?xml version="1.0" encoding="utf-8"?>
+<ds:datastoreItem xmlns:ds="http://schemas.openxmlformats.org/officeDocument/2006/customXml" ds:itemID="{7C7A195E-DFA7-4A05-9371-894B93FD1828}">
+  <ds:schemaRefs>
+    <ds:schemaRef ds:uri="http://schemas.microsoft.com/VisualStudio/2011/storyboarding/control"/>
+  </ds:schemaRefs>
+</ds:datastoreItem>
+</file>
+
+<file path=customXml/itemProps106.xml><?xml version="1.0" encoding="utf-8"?>
+<ds:datastoreItem xmlns:ds="http://schemas.openxmlformats.org/officeDocument/2006/customXml" ds:itemID="{A2F6F20D-5D93-4163-A5E6-5A9B6AB49B35}">
+  <ds:schemaRefs>
+    <ds:schemaRef ds:uri="http://schemas.microsoft.com/VisualStudio/2011/storyboarding/control"/>
+  </ds:schemaRefs>
+</ds:datastoreItem>
+</file>
+
+<file path=customXml/itemProps107.xml><?xml version="1.0" encoding="utf-8"?>
+<ds:datastoreItem xmlns:ds="http://schemas.openxmlformats.org/officeDocument/2006/customXml" ds:itemID="{2ADD045D-CBFF-4B66-B7D4-74533078AF4A}">
+  <ds:schemaRefs>
+    <ds:schemaRef ds:uri="http://schemas.microsoft.com/VisualStudio/2011/storyboarding/control"/>
+  </ds:schemaRefs>
+</ds:datastoreItem>
+</file>
+
+<file path=customXml/itemProps108.xml><?xml version="1.0" encoding="utf-8"?>
+<ds:datastoreItem xmlns:ds="http://schemas.openxmlformats.org/officeDocument/2006/customXml" ds:itemID="{87EC38D7-8568-41A5-8256-9FA05D5964DE}">
+  <ds:schemaRefs>
+    <ds:schemaRef ds:uri="http://schemas.microsoft.com/VisualStudio/2011/storyboarding/control"/>
+  </ds:schemaRefs>
+</ds:datastoreItem>
+</file>
+
+<file path=customXml/itemProps109.xml><?xml version="1.0" encoding="utf-8"?>
+<ds:datastoreItem xmlns:ds="http://schemas.openxmlformats.org/officeDocument/2006/customXml" ds:itemID="{0BDCEE85-95E9-41B6-B7EA-41FEC8A8955C}">
+  <ds:schemaRefs>
+    <ds:schemaRef ds:uri="http://schemas.microsoft.com/VisualStudio/2011/storyboarding/control"/>
+  </ds:schemaRefs>
+</ds:datastoreItem>
+</file>
+
+<file path=customXml/itemProps11.xml><?xml version="1.0" encoding="utf-8"?>
+<ds:datastoreItem xmlns:ds="http://schemas.openxmlformats.org/officeDocument/2006/customXml" ds:itemID="{98F07B01-E4E8-4E44-B227-4A307E110F5E}">
+  <ds:schemaRefs>
+    <ds:schemaRef ds:uri="http://schemas.microsoft.com/VisualStudio/2011/storyboarding/control"/>
+  </ds:schemaRefs>
+</ds:datastoreItem>
+</file>
+
+<file path=customXml/itemProps110.xml><?xml version="1.0" encoding="utf-8"?>
+<ds:datastoreItem xmlns:ds="http://schemas.openxmlformats.org/officeDocument/2006/customXml" ds:itemID="{4AA25D42-EDA7-4712-8354-F682B1D61ABE}">
+  <ds:schemaRefs>
+    <ds:schemaRef ds:uri="http://schemas.microsoft.com/VisualStudio/2011/storyboarding/control"/>
+  </ds:schemaRefs>
+</ds:datastoreItem>
+</file>
+
+<file path=customXml/itemProps111.xml><?xml version="1.0" encoding="utf-8"?>
+<ds:datastoreItem xmlns:ds="http://schemas.openxmlformats.org/officeDocument/2006/customXml" ds:itemID="{10F0BDDE-4AA3-40EF-B2BC-ACF0382ED861}">
+  <ds:schemaRefs>
+    <ds:schemaRef ds:uri="http://schemas.microsoft.com/VisualStudio/2011/storyboarding/control"/>
+  </ds:schemaRefs>
+</ds:datastoreItem>
+</file>
+
+<file path=customXml/itemProps112.xml><?xml version="1.0" encoding="utf-8"?>
+<ds:datastoreItem xmlns:ds="http://schemas.openxmlformats.org/officeDocument/2006/customXml" ds:itemID="{591D8B41-9267-402B-A57F-00DC296DA130}">
+  <ds:schemaRefs>
+    <ds:schemaRef ds:uri="http://schemas.microsoft.com/VisualStudio/2011/storyboarding/control"/>
+  </ds:schemaRefs>
+</ds:datastoreItem>
+</file>
+
+<file path=customXml/itemProps113.xml><?xml version="1.0" encoding="utf-8"?>
+<ds:datastoreItem xmlns:ds="http://schemas.openxmlformats.org/officeDocument/2006/customXml" ds:itemID="{66600691-9C08-40E0-A656-5EBB5F8FD76D}">
+  <ds:schemaRefs>
+    <ds:schemaRef ds:uri="http://schemas.microsoft.com/VisualStudio/2011/storyboarding/control"/>
+  </ds:schemaRefs>
+</ds:datastoreItem>
+</file>
+
+<file path=customXml/itemProps114.xml><?xml version="1.0" encoding="utf-8"?>
+<ds:datastoreItem xmlns:ds="http://schemas.openxmlformats.org/officeDocument/2006/customXml" ds:itemID="{0EAB0B6C-A303-4B13-AB5F-3E2C8058FA1B}">
+  <ds:schemaRefs>
+    <ds:schemaRef ds:uri="http://schemas.microsoft.com/VisualStudio/2011/storyboarding/control"/>
+  </ds:schemaRefs>
+</ds:datastoreItem>
+</file>
+
+<file path=customXml/itemProps115.xml><?xml version="1.0" encoding="utf-8"?>
+<ds:datastoreItem xmlns:ds="http://schemas.openxmlformats.org/officeDocument/2006/customXml" ds:itemID="{758C2469-4719-418F-86FF-D55EF85FB106}">
+  <ds:schemaRefs>
+    <ds:schemaRef ds:uri="http://schemas.microsoft.com/VisualStudio/2011/storyboarding/control"/>
+  </ds:schemaRefs>
+</ds:datastoreItem>
+</file>
+
+<file path=customXml/itemProps116.xml><?xml version="1.0" encoding="utf-8"?>
+<ds:datastoreItem xmlns:ds="http://schemas.openxmlformats.org/officeDocument/2006/customXml" ds:itemID="{13A1B88E-6976-4FB8-A22E-0831CD37A714}">
+  <ds:schemaRefs>
+    <ds:schemaRef ds:uri="http://schemas.microsoft.com/VisualStudio/2011/storyboarding/control"/>
+  </ds:schemaRefs>
+</ds:datastoreItem>
+</file>
+
+<file path=customXml/itemProps117.xml><?xml version="1.0" encoding="utf-8"?>
+<ds:datastoreItem xmlns:ds="http://schemas.openxmlformats.org/officeDocument/2006/customXml" ds:itemID="{7AB87D2A-44BC-4109-A9F6-0CF47E17DA7C}">
+  <ds:schemaRefs>
+    <ds:schemaRef ds:uri="http://schemas.microsoft.com/VisualStudio/2011/storyboarding/control"/>
+  </ds:schemaRefs>
+</ds:datastoreItem>
+</file>
+
+<file path=customXml/itemProps118.xml><?xml version="1.0" encoding="utf-8"?>
+<ds:datastoreItem xmlns:ds="http://schemas.openxmlformats.org/officeDocument/2006/customXml" ds:itemID="{A4CF0BF1-C47D-4DEC-B943-A1B6DFD73BA3}">
+  <ds:schemaRefs>
+    <ds:schemaRef ds:uri="http://schemas.microsoft.com/VisualStudio/2011/storyboarding/control"/>
+  </ds:schemaRefs>
+</ds:datastoreItem>
+</file>
+
+<file path=customXml/itemProps119.xml><?xml version="1.0" encoding="utf-8"?>
+<ds:datastoreItem xmlns:ds="http://schemas.openxmlformats.org/officeDocument/2006/customXml" ds:itemID="{DDE8CEAB-FAAF-46B5-9BC4-6BAA48DFB915}">
+  <ds:schemaRefs>
+    <ds:schemaRef ds:uri="http://schemas.microsoft.com/VisualStudio/2011/storyboarding/control"/>
+  </ds:schemaRefs>
+</ds:datastoreItem>
+</file>
+
+<file path=customXml/itemProps12.xml><?xml version="1.0" encoding="utf-8"?>
+<ds:datastoreItem xmlns:ds="http://schemas.openxmlformats.org/officeDocument/2006/customXml" ds:itemID="{5C9230CE-FE24-40CE-BB88-BEA42701E828}">
+  <ds:schemaRefs>
+    <ds:schemaRef ds:uri="http://schemas.microsoft.com/VisualStudio/2011/storyboarding/control"/>
+  </ds:schemaRefs>
+</ds:datastoreItem>
+</file>
+
+<file path=customXml/itemProps120.xml><?xml version="1.0" encoding="utf-8"?>
+<ds:datastoreItem xmlns:ds="http://schemas.openxmlformats.org/officeDocument/2006/customXml" ds:itemID="{18CA7C37-7AF9-45BE-BBAE-D2D0584D8934}">
+  <ds:schemaRefs>
+    <ds:schemaRef ds:uri="http://schemas.microsoft.com/VisualStudio/2011/storyboarding/control"/>
+  </ds:schemaRefs>
+</ds:datastoreItem>
+</file>
+
+<file path=customXml/itemProps121.xml><?xml version="1.0" encoding="utf-8"?>
+<ds:datastoreItem xmlns:ds="http://schemas.openxmlformats.org/officeDocument/2006/customXml" ds:itemID="{4500268E-82D2-458D-9B7A-1DAD9FBEA8F5}">
+  <ds:schemaRefs>
+    <ds:schemaRef ds:uri="http://schemas.microsoft.com/VisualStudio/2011/storyboarding/control"/>
+  </ds:schemaRefs>
+</ds:datastoreItem>
+</file>
+
+<file path=customXml/itemProps122.xml><?xml version="1.0" encoding="utf-8"?>
+<ds:datastoreItem xmlns:ds="http://schemas.openxmlformats.org/officeDocument/2006/customXml" ds:itemID="{9431BAA6-A458-4A16-B548-267B412E871D}">
+  <ds:schemaRefs>
+    <ds:schemaRef ds:uri="http://schemas.microsoft.com/VisualStudio/2011/storyboarding/control"/>
+  </ds:schemaRefs>
+</ds:datastoreItem>
+</file>
+
+<file path=customXml/itemProps123.xml><?xml version="1.0" encoding="utf-8"?>
+<ds:datastoreItem xmlns:ds="http://schemas.openxmlformats.org/officeDocument/2006/customXml" ds:itemID="{394EADEA-3838-4D66-B77E-E5E9BD6A7AEA}">
+  <ds:schemaRefs>
+    <ds:schemaRef ds:uri="http://schemas.microsoft.com/VisualStudio/2011/storyboarding/control"/>
+  </ds:schemaRefs>
+</ds:datastoreItem>
+</file>
+
+<file path=customXml/itemProps124.xml><?xml version="1.0" encoding="utf-8"?>
+<ds:datastoreItem xmlns:ds="http://schemas.openxmlformats.org/officeDocument/2006/customXml" ds:itemID="{AABACF0D-5384-4675-802C-4FFC55B3B83D}">
+  <ds:schemaRefs>
+    <ds:schemaRef ds:uri="http://schemas.microsoft.com/VisualStudio/2011/storyboarding/control"/>
+  </ds:schemaRefs>
+</ds:datastoreItem>
+</file>
+
+<file path=customXml/itemProps125.xml><?xml version="1.0" encoding="utf-8"?>
+<ds:datastoreItem xmlns:ds="http://schemas.openxmlformats.org/officeDocument/2006/customXml" ds:itemID="{48FCAF00-A9CA-4F0B-94B6-B06BD75E9807}">
+  <ds:schemaRefs>
+    <ds:schemaRef ds:uri="http://schemas.microsoft.com/VisualStudio/2011/storyboarding/control"/>
+  </ds:schemaRefs>
+</ds:datastoreItem>
+</file>
+
+<file path=customXml/itemProps126.xml><?xml version="1.0" encoding="utf-8"?>
+<ds:datastoreItem xmlns:ds="http://schemas.openxmlformats.org/officeDocument/2006/customXml" ds:itemID="{F106C237-6442-4C6C-BC17-BABD6E81E57F}">
+  <ds:schemaRefs>
+    <ds:schemaRef ds:uri="http://schemas.microsoft.com/VisualStudio/2011/storyboarding/control"/>
+  </ds:schemaRefs>
+</ds:datastoreItem>
+</file>
+
+<file path=customXml/itemProps127.xml><?xml version="1.0" encoding="utf-8"?>
+<ds:datastoreItem xmlns:ds="http://schemas.openxmlformats.org/officeDocument/2006/customXml" ds:itemID="{13D229BA-F403-4DB5-940D-9A722C14A295}">
+  <ds:schemaRefs>
+    <ds:schemaRef ds:uri="http://schemas.microsoft.com/VisualStudio/2011/storyboarding/control"/>
+  </ds:schemaRefs>
+</ds:datastoreItem>
+</file>
+
+<file path=customXml/itemProps128.xml><?xml version="1.0" encoding="utf-8"?>
+<ds:datastoreItem xmlns:ds="http://schemas.openxmlformats.org/officeDocument/2006/customXml" ds:itemID="{6F4A2862-C914-4127-9AA3-4EC971E05888}">
+  <ds:schemaRefs>
+    <ds:schemaRef ds:uri="http://schemas.microsoft.com/VisualStudio/2011/storyboarding/control"/>
+  </ds:schemaRefs>
+</ds:datastoreItem>
+</file>
+
+<file path=customXml/itemProps129.xml><?xml version="1.0" encoding="utf-8"?>
+<ds:datastoreItem xmlns:ds="http://schemas.openxmlformats.org/officeDocument/2006/customXml" ds:itemID="{E64EFAA4-8D4E-4E3D-90B4-CEBC661B0435}">
+  <ds:schemaRefs>
+    <ds:schemaRef ds:uri="http://schemas.microsoft.com/VisualStudio/2011/storyboarding/control"/>
+  </ds:schemaRefs>
+</ds:datastoreItem>
+</file>
+
+<file path=customXml/itemProps13.xml><?xml version="1.0" encoding="utf-8"?>
+<ds:datastoreItem xmlns:ds="http://schemas.openxmlformats.org/officeDocument/2006/customXml" ds:itemID="{55CA6769-99B0-4402-A536-C3C8E0221022}">
+  <ds:schemaRefs>
+    <ds:schemaRef ds:uri="http://schemas.microsoft.com/VisualStudio/2011/storyboarding/control"/>
+  </ds:schemaRefs>
+</ds:datastoreItem>
+</file>
+
+<file path=customXml/itemProps130.xml><?xml version="1.0" encoding="utf-8"?>
+<ds:datastoreItem xmlns:ds="http://schemas.openxmlformats.org/officeDocument/2006/customXml" ds:itemID="{6A689C72-B170-4CC3-844E-7A992719660C}">
+  <ds:schemaRefs>
+    <ds:schemaRef ds:uri="http://schemas.microsoft.com/VisualStudio/2011/storyboarding/control"/>
+  </ds:schemaRefs>
+</ds:datastoreItem>
+</file>
+
+<file path=customXml/itemProps131.xml><?xml version="1.0" encoding="utf-8"?>
+<ds:datastoreItem xmlns:ds="http://schemas.openxmlformats.org/officeDocument/2006/customXml" ds:itemID="{3390C89E-38DA-49C8-BD78-371C7CC2FE47}">
+  <ds:schemaRefs>
+    <ds:schemaRef ds:uri="http://schemas.microsoft.com/VisualStudio/2011/storyboarding/control"/>
+  </ds:schemaRefs>
+</ds:datastoreItem>
+</file>
+
+<file path=customXml/itemProps132.xml><?xml version="1.0" encoding="utf-8"?>
+<ds:datastoreItem xmlns:ds="http://schemas.openxmlformats.org/officeDocument/2006/customXml" ds:itemID="{19219105-B97A-44AD-8E8F-0F014E4D5F2F}">
+  <ds:schemaRefs>
+    <ds:schemaRef ds:uri="http://schemas.microsoft.com/VisualStudio/2011/storyboarding/control"/>
+  </ds:schemaRefs>
+</ds:datastoreItem>
+</file>
+
+<file path=customXml/itemProps133.xml><?xml version="1.0" encoding="utf-8"?>
+<ds:datastoreItem xmlns:ds="http://schemas.openxmlformats.org/officeDocument/2006/customXml" ds:itemID="{A6CB5F7F-1B30-4371-AA4A-C09705431B7C}">
+  <ds:schemaRefs>
+    <ds:schemaRef ds:uri="http://schemas.microsoft.com/VisualStudio/2011/storyboarding/control"/>
+  </ds:schemaRefs>
+</ds:datastoreItem>
+</file>
+
+<file path=customXml/itemProps134.xml><?xml version="1.0" encoding="utf-8"?>
+<ds:datastoreItem xmlns:ds="http://schemas.openxmlformats.org/officeDocument/2006/customXml" ds:itemID="{7A89DD74-282D-41A7-98AD-61383871195E}">
+  <ds:schemaRefs>
+    <ds:schemaRef ds:uri="http://schemas.microsoft.com/VisualStudio/2011/storyboarding/control"/>
+  </ds:schemaRefs>
+</ds:datastoreItem>
+</file>
+
+<file path=customXml/itemProps135.xml><?xml version="1.0" encoding="utf-8"?>
+<ds:datastoreItem xmlns:ds="http://schemas.openxmlformats.org/officeDocument/2006/customXml" ds:itemID="{6DAC6C05-FAFB-4B89-BBD6-3A479BE450F0}">
+  <ds:schemaRefs>
+    <ds:schemaRef ds:uri="http://schemas.microsoft.com/VisualStudio/2011/storyboarding/control"/>
+  </ds:schemaRefs>
+</ds:datastoreItem>
+</file>
+
+<file path=customXml/itemProps136.xml><?xml version="1.0" encoding="utf-8"?>
+<ds:datastoreItem xmlns:ds="http://schemas.openxmlformats.org/officeDocument/2006/customXml" ds:itemID="{75C5C63A-A896-4FBC-869E-FD9A15D59624}">
+  <ds:schemaRefs>
+    <ds:schemaRef ds:uri="http://schemas.microsoft.com/VisualStudio/2011/storyboarding/control"/>
+  </ds:schemaRefs>
+</ds:datastoreItem>
+</file>
+
+<file path=customXml/itemProps137.xml><?xml version="1.0" encoding="utf-8"?>
+<ds:datastoreItem xmlns:ds="http://schemas.openxmlformats.org/officeDocument/2006/customXml" ds:itemID="{DE2077E2-DC0E-4554-85CA-896CD8728B86}">
+  <ds:schemaRefs>
+    <ds:schemaRef ds:uri="http://schemas.microsoft.com/VisualStudio/2011/storyboarding/control"/>
+  </ds:schemaRefs>
+</ds:datastoreItem>
+</file>
+
+<file path=customXml/itemProps138.xml><?xml version="1.0" encoding="utf-8"?>
+<ds:datastoreItem xmlns:ds="http://schemas.openxmlformats.org/officeDocument/2006/customXml" ds:itemID="{AE608858-3A79-4E62-9586-14C746DF17FE}">
+  <ds:schemaRefs>
+    <ds:schemaRef ds:uri="http://schemas.microsoft.com/VisualStudio/2011/storyboarding/control"/>
+  </ds:schemaRefs>
+</ds:datastoreItem>
+</file>
+
+<file path=customXml/itemProps139.xml><?xml version="1.0" encoding="utf-8"?>
+<ds:datastoreItem xmlns:ds="http://schemas.openxmlformats.org/officeDocument/2006/customXml" ds:itemID="{6EF31828-B1D4-48CE-A1B2-9C0A5D142D1E}">
+  <ds:schemaRefs>
+    <ds:schemaRef ds:uri="http://schemas.microsoft.com/VisualStudio/2011/storyboarding/control"/>
+  </ds:schemaRefs>
+</ds:datastoreItem>
+</file>
+
+<file path=customXml/itemProps14.xml><?xml version="1.0" encoding="utf-8"?>
+<ds:datastoreItem xmlns:ds="http://schemas.openxmlformats.org/officeDocument/2006/customXml" ds:itemID="{3F44ADFA-C7D2-4102-9298-3583F06E2549}">
+  <ds:schemaRefs>
+    <ds:schemaRef ds:uri="http://schemas.microsoft.com/VisualStudio/2011/storyboarding/control"/>
+  </ds:schemaRefs>
+</ds:datastoreItem>
+</file>
+
+<file path=customXml/itemProps140.xml><?xml version="1.0" encoding="utf-8"?>
+<ds:datastoreItem xmlns:ds="http://schemas.openxmlformats.org/officeDocument/2006/customXml" ds:itemID="{4C95C4DB-91BC-4C29-B0A4-0A132577B473}">
+  <ds:schemaRefs>
+    <ds:schemaRef ds:uri="http://schemas.microsoft.com/VisualStudio/2011/storyboarding/control"/>
+  </ds:schemaRefs>
+</ds:datastoreItem>
+</file>
+
+<file path=customXml/itemProps141.xml><?xml version="1.0" encoding="utf-8"?>
+<ds:datastoreItem xmlns:ds="http://schemas.openxmlformats.org/officeDocument/2006/customXml" ds:itemID="{9FC86F31-FEBD-4500-B558-3A9092EE01B0}">
+  <ds:schemaRefs>
+    <ds:schemaRef ds:uri="http://schemas.microsoft.com/VisualStudio/2011/storyboarding/control"/>
+  </ds:schemaRefs>
+</ds:datastoreItem>
+</file>
+
+<file path=customXml/itemProps142.xml><?xml version="1.0" encoding="utf-8"?>
+<ds:datastoreItem xmlns:ds="http://schemas.openxmlformats.org/officeDocument/2006/customXml" ds:itemID="{14F53810-CFF1-4E60-9021-6AF4EA429CC7}">
+  <ds:schemaRefs>
+    <ds:schemaRef ds:uri="http://schemas.microsoft.com/VisualStudio/2011/storyboarding/control"/>
+  </ds:schemaRefs>
+</ds:datastoreItem>
+</file>
+
+<file path=customXml/itemProps143.xml><?xml version="1.0" encoding="utf-8"?>
+<ds:datastoreItem xmlns:ds="http://schemas.openxmlformats.org/officeDocument/2006/customXml" ds:itemID="{D08605C4-AECB-4FFF-9D2C-98990B0DFFDA}">
+  <ds:schemaRefs>
+    <ds:schemaRef ds:uri="http://schemas.microsoft.com/VisualStudio/2011/storyboarding/control"/>
+  </ds:schemaRefs>
+</ds:datastoreItem>
+</file>
+
+<file path=customXml/itemProps144.xml><?xml version="1.0" encoding="utf-8"?>
+<ds:datastoreItem xmlns:ds="http://schemas.openxmlformats.org/officeDocument/2006/customXml" ds:itemID="{6BD98E41-6C2F-4D3F-B846-7455C55C7A43}">
+  <ds:schemaRefs>
+    <ds:schemaRef ds:uri="http://schemas.microsoft.com/VisualStudio/2011/storyboarding/control"/>
+  </ds:schemaRefs>
+</ds:datastoreItem>
+</file>
+
+<file path=customXml/itemProps145.xml><?xml version="1.0" encoding="utf-8"?>
+<ds:datastoreItem xmlns:ds="http://schemas.openxmlformats.org/officeDocument/2006/customXml" ds:itemID="{A5C9F535-848A-484D-BE9A-C7950B04C8EE}">
+  <ds:schemaRefs>
+    <ds:schemaRef ds:uri="http://schemas.microsoft.com/VisualStudio/2011/storyboarding/control"/>
+  </ds:schemaRefs>
+</ds:datastoreItem>
+</file>
+
+<file path=customXml/itemProps146.xml><?xml version="1.0" encoding="utf-8"?>
+<ds:datastoreItem xmlns:ds="http://schemas.openxmlformats.org/officeDocument/2006/customXml" ds:itemID="{FE87856E-EB9D-4E52-95E2-2A7B45AA4114}">
+  <ds:schemaRefs>
+    <ds:schemaRef ds:uri="http://schemas.microsoft.com/VisualStudio/2011/storyboarding/control"/>
+  </ds:schemaRefs>
+</ds:datastoreItem>
+</file>
+
+<file path=customXml/itemProps147.xml><?xml version="1.0" encoding="utf-8"?>
+<ds:datastoreItem xmlns:ds="http://schemas.openxmlformats.org/officeDocument/2006/customXml" ds:itemID="{D9DDD41F-7524-4A14-A6F5-F6220B14545E}">
+  <ds:schemaRefs>
+    <ds:schemaRef ds:uri="http://schemas.microsoft.com/VisualStudio/2011/storyboarding/control"/>
+  </ds:schemaRefs>
+</ds:datastoreItem>
+</file>
+
+<file path=customXml/itemProps148.xml><?xml version="1.0" encoding="utf-8"?>
+<ds:datastoreItem xmlns:ds="http://schemas.openxmlformats.org/officeDocument/2006/customXml" ds:itemID="{17816237-E86F-4608-B2AD-3D2E66C1B03B}">
+  <ds:schemaRefs>
+    <ds:schemaRef ds:uri="http://schemas.microsoft.com/VisualStudio/2011/storyboarding/control"/>
+  </ds:schemaRefs>
+</ds:datastoreItem>
+</file>
+
+<file path=customXml/itemProps149.xml><?xml version="1.0" encoding="utf-8"?>
+<ds:datastoreItem xmlns:ds="http://schemas.openxmlformats.org/officeDocument/2006/customXml" ds:itemID="{AF40C17C-6E53-453B-B327-999FE0B7CF9E}">
+  <ds:schemaRefs>
+    <ds:schemaRef ds:uri="http://schemas.microsoft.com/VisualStudio/2011/storyboarding/control"/>
+  </ds:schemaRefs>
+</ds:datastoreItem>
+</file>
+
+<file path=customXml/itemProps15.xml><?xml version="1.0" encoding="utf-8"?>
+<ds:datastoreItem xmlns:ds="http://schemas.openxmlformats.org/officeDocument/2006/customXml" ds:itemID="{8034C046-287A-40CC-BFAD-DD9798F69203}">
+  <ds:schemaRefs>
+    <ds:schemaRef ds:uri="http://schemas.microsoft.com/VisualStudio/2011/storyboarding/control"/>
+  </ds:schemaRefs>
+</ds:datastoreItem>
+</file>
+
+<file path=customXml/itemProps150.xml><?xml version="1.0" encoding="utf-8"?>
+<ds:datastoreItem xmlns:ds="http://schemas.openxmlformats.org/officeDocument/2006/customXml" ds:itemID="{85F86E7D-DA49-4BE9-9097-1D50FB466B1E}">
+  <ds:schemaRefs>
+    <ds:schemaRef ds:uri="http://schemas.microsoft.com/VisualStudio/2011/storyboarding/control"/>
+  </ds:schemaRefs>
+</ds:datastoreItem>
+</file>
+
+<file path=customXml/itemProps151.xml><?xml version="1.0" encoding="utf-8"?>
+<ds:datastoreItem xmlns:ds="http://schemas.openxmlformats.org/officeDocument/2006/customXml" ds:itemID="{5EEABA33-0BE1-47F9-8437-631F1B84355A}">
+  <ds:schemaRefs>
+    <ds:schemaRef ds:uri="http://schemas.microsoft.com/VisualStudio/2011/storyboarding/control"/>
+  </ds:schemaRefs>
+</ds:datastoreItem>
+</file>
+
+<file path=customXml/itemProps152.xml><?xml version="1.0" encoding="utf-8"?>
+<ds:datastoreItem xmlns:ds="http://schemas.openxmlformats.org/officeDocument/2006/customXml" ds:itemID="{033417FC-F4DF-440B-9750-AC9CEE9D4DD6}">
+  <ds:schemaRefs>
+    <ds:schemaRef ds:uri="http://schemas.microsoft.com/VisualStudio/2011/storyboarding/control"/>
+  </ds:schemaRefs>
+</ds:datastoreItem>
+</file>
+
+<file path=customXml/itemProps153.xml><?xml version="1.0" encoding="utf-8"?>
+<ds:datastoreItem xmlns:ds="http://schemas.openxmlformats.org/officeDocument/2006/customXml" ds:itemID="{7220D24C-BD40-47D9-9B33-35DC7E895DFE}">
+  <ds:schemaRefs>
+    <ds:schemaRef ds:uri="http://schemas.microsoft.com/VisualStudio/2011/storyboarding/control"/>
+  </ds:schemaRefs>
+</ds:datastoreItem>
+</file>
+
+<file path=customXml/itemProps154.xml><?xml version="1.0" encoding="utf-8"?>
+<ds:datastoreItem xmlns:ds="http://schemas.openxmlformats.org/officeDocument/2006/customXml" ds:itemID="{A77EF092-5602-4C59-8F39-9609B34339FA}">
+  <ds:schemaRefs>
+    <ds:schemaRef ds:uri="http://schemas.microsoft.com/VisualStudio/2011/storyboarding/control"/>
+  </ds:schemaRefs>
+</ds:datastoreItem>
+</file>
+
+<file path=customXml/itemProps155.xml><?xml version="1.0" encoding="utf-8"?>
+<ds:datastoreItem xmlns:ds="http://schemas.openxmlformats.org/officeDocument/2006/customXml" ds:itemID="{CBD27E78-4EB9-4F5F-AED2-22B368532B48}">
+  <ds:schemaRefs>
+    <ds:schemaRef ds:uri="http://schemas.microsoft.com/VisualStudio/2011/storyboarding/control"/>
+  </ds:schemaRefs>
+</ds:datastoreItem>
+</file>
+
+<file path=customXml/itemProps156.xml><?xml version="1.0" encoding="utf-8"?>
+<ds:datastoreItem xmlns:ds="http://schemas.openxmlformats.org/officeDocument/2006/customXml" ds:itemID="{8879F12F-5837-4318-A5E2-E7D6DFA561DD}">
+  <ds:schemaRefs>
+    <ds:schemaRef ds:uri="http://schemas.microsoft.com/VisualStudio/2011/storyboarding/control"/>
+  </ds:schemaRefs>
+</ds:datastoreItem>
+</file>
+
+<file path=customXml/itemProps157.xml><?xml version="1.0" encoding="utf-8"?>
+<ds:datastoreItem xmlns:ds="http://schemas.openxmlformats.org/officeDocument/2006/customXml" ds:itemID="{B5FEDD11-DFAA-4676-922F-7A58B221352F}">
+  <ds:schemaRefs>
+    <ds:schemaRef ds:uri="http://schemas.microsoft.com/VisualStudio/2011/storyboarding/control"/>
+  </ds:schemaRefs>
+</ds:datastoreItem>
+</file>
+
+<file path=customXml/itemProps158.xml><?xml version="1.0" encoding="utf-8"?>
+<ds:datastoreItem xmlns:ds="http://schemas.openxmlformats.org/officeDocument/2006/customXml" ds:itemID="{5C280CFA-B398-43E7-8849-E22AA73B4D32}">
+  <ds:schemaRefs>
+    <ds:schemaRef ds:uri="http://schemas.microsoft.com/VisualStudio/2011/storyboarding/control"/>
+  </ds:schemaRefs>
+</ds:datastoreItem>
+</file>
+
+<file path=customXml/itemProps159.xml><?xml version="1.0" encoding="utf-8"?>
+<ds:datastoreItem xmlns:ds="http://schemas.openxmlformats.org/officeDocument/2006/customXml" ds:itemID="{02423611-8D04-4993-B0B1-97733309265C}">
+  <ds:schemaRefs>
+    <ds:schemaRef ds:uri="http://schemas.microsoft.com/VisualStudio/2011/storyboarding/control"/>
+  </ds:schemaRefs>
+</ds:datastoreItem>
+</file>
+
+<file path=customXml/itemProps16.xml><?xml version="1.0" encoding="utf-8"?>
+<ds:datastoreItem xmlns:ds="http://schemas.openxmlformats.org/officeDocument/2006/customXml" ds:itemID="{AA234BDC-12CC-4725-B78F-BD23529D0FB4}">
+  <ds:schemaRefs>
+    <ds:schemaRef ds:uri="http://schemas.microsoft.com/VisualStudio/2011/storyboarding/control"/>
+  </ds:schemaRefs>
+</ds:datastoreItem>
+</file>
+
+<file path=customXml/itemProps160.xml><?xml version="1.0" encoding="utf-8"?>
+<ds:datastoreItem xmlns:ds="http://schemas.openxmlformats.org/officeDocument/2006/customXml" ds:itemID="{69C5573C-4D11-4ED5-8CA8-88391EEEF019}">
+  <ds:schemaRefs>
+    <ds:schemaRef ds:uri="http://schemas.microsoft.com/VisualStudio/2011/storyboarding/control"/>
+  </ds:schemaRefs>
+</ds:datastoreItem>
+</file>
+
+<file path=customXml/itemProps161.xml><?xml version="1.0" encoding="utf-8"?>
+<ds:datastoreItem xmlns:ds="http://schemas.openxmlformats.org/officeDocument/2006/customXml" ds:itemID="{CC0F0423-B11D-48BC-93CE-439535EE4340}">
+  <ds:schemaRefs>
+    <ds:schemaRef ds:uri="http://schemas.microsoft.com/VisualStudio/2011/storyboarding/control"/>
+  </ds:schemaRefs>
+</ds:datastoreItem>
+</file>
+
+<file path=customXml/itemProps162.xml><?xml version="1.0" encoding="utf-8"?>
+<ds:datastoreItem xmlns:ds="http://schemas.openxmlformats.org/officeDocument/2006/customXml" ds:itemID="{5248BC68-ADE7-429D-B013-9195EF7419E9}">
+  <ds:schemaRefs>
+    <ds:schemaRef ds:uri="http://schemas.microsoft.com/VisualStudio/2011/storyboarding/control"/>
+  </ds:schemaRefs>
+</ds:datastoreItem>
+</file>
+
+<file path=customXml/itemProps163.xml><?xml version="1.0" encoding="utf-8"?>
+<ds:datastoreItem xmlns:ds="http://schemas.openxmlformats.org/officeDocument/2006/customXml" ds:itemID="{BB503869-44CE-4F73-B2F9-2E68C6092DF4}">
+  <ds:schemaRefs>
+    <ds:schemaRef ds:uri="http://schemas.microsoft.com/VisualStudio/2011/storyboarding/control"/>
+  </ds:schemaRefs>
+</ds:datastoreItem>
+</file>
+
+<file path=customXml/itemProps164.xml><?xml version="1.0" encoding="utf-8"?>
 <ds:datastoreItem xmlns:ds="http://schemas.openxmlformats.org/officeDocument/2006/customXml" ds:itemID="{2FCA7744-2BF3-4014-BEA7-E6EE6BE5E79E}">
   <ds:schemaRefs>
     <ds:schemaRef ds:uri="http://schemas.microsoft.com/VisualStudio/2011/storyboarding/control"/>
@@ -16531,15 +17171,63 @@
 </ds:datastoreItem>
 </file>
 
-<file path=customXml/itemProps100.xml><?xml version="1.0" encoding="utf-8"?>
-<ds:datastoreItem xmlns:ds="http://schemas.openxmlformats.org/officeDocument/2006/customXml" ds:itemID="{394EADEA-3838-4D66-B77E-E5E9BD6A7AEA}">
-  <ds:schemaRefs>
-    <ds:schemaRef ds:uri="http://schemas.microsoft.com/VisualStudio/2011/storyboarding/control"/>
-  </ds:schemaRefs>
-</ds:datastoreItem>
-</file>
-
-<file path=customXml/itemProps101.xml><?xml version="1.0" encoding="utf-8"?>
+<file path=customXml/itemProps165.xml><?xml version="1.0" encoding="utf-8"?>
+<ds:datastoreItem xmlns:ds="http://schemas.openxmlformats.org/officeDocument/2006/customXml" ds:itemID="{1C9E4718-660A-46FF-B326-15E4FE359C0C}">
+  <ds:schemaRefs>
+    <ds:schemaRef ds:uri="http://schemas.microsoft.com/VisualStudio/2011/storyboarding/control"/>
+  </ds:schemaRefs>
+</ds:datastoreItem>
+</file>
+
+<file path=customXml/itemProps166.xml><?xml version="1.0" encoding="utf-8"?>
+<ds:datastoreItem xmlns:ds="http://schemas.openxmlformats.org/officeDocument/2006/customXml" ds:itemID="{7F5E28FD-26FF-4A48-BAD7-50B55AB6208D}">
+  <ds:schemaRefs>
+    <ds:schemaRef ds:uri="http://schemas.microsoft.com/VisualStudio/2011/storyboarding/control"/>
+  </ds:schemaRefs>
+</ds:datastoreItem>
+</file>
+
+<file path=customXml/itemProps167.xml><?xml version="1.0" encoding="utf-8"?>
+<ds:datastoreItem xmlns:ds="http://schemas.openxmlformats.org/officeDocument/2006/customXml" ds:itemID="{F2948E7D-95F1-4C09-BF4C-141C6B60CBB5}">
+  <ds:schemaRefs>
+    <ds:schemaRef ds:uri="http://schemas.microsoft.com/VisualStudio/2011/storyboarding/control"/>
+  </ds:schemaRefs>
+</ds:datastoreItem>
+</file>
+
+<file path=customXml/itemProps168.xml><?xml version="1.0" encoding="utf-8"?>
+<ds:datastoreItem xmlns:ds="http://schemas.openxmlformats.org/officeDocument/2006/customXml" ds:itemID="{E5DD84D4-A8CE-4783-AB20-E42165ABDFA7}">
+  <ds:schemaRefs>
+    <ds:schemaRef ds:uri="http://schemas.microsoft.com/VisualStudio/2011/storyboarding/control"/>
+  </ds:schemaRefs>
+</ds:datastoreItem>
+</file>
+
+<file path=customXml/itemProps169.xml><?xml version="1.0" encoding="utf-8"?>
+<ds:datastoreItem xmlns:ds="http://schemas.openxmlformats.org/officeDocument/2006/customXml" ds:itemID="{2160DE35-41EF-449D-8F30-BD715A7380BC}">
+  <ds:schemaRefs>
+    <ds:schemaRef ds:uri="http://schemas.microsoft.com/VisualStudio/2011/storyboarding/control"/>
+  </ds:schemaRefs>
+</ds:datastoreItem>
+</file>
+
+<file path=customXml/itemProps17.xml><?xml version="1.0" encoding="utf-8"?>
+<ds:datastoreItem xmlns:ds="http://schemas.openxmlformats.org/officeDocument/2006/customXml" ds:itemID="{7C8F0811-703B-42B0-A138-293B93790A1B}">
+  <ds:schemaRefs>
+    <ds:schemaRef ds:uri="http://schemas.microsoft.com/VisualStudio/2011/storyboarding/control"/>
+  </ds:schemaRefs>
+</ds:datastoreItem>
+</file>
+
+<file path=customXml/itemProps170.xml><?xml version="1.0" encoding="utf-8"?>
+<ds:datastoreItem xmlns:ds="http://schemas.openxmlformats.org/officeDocument/2006/customXml" ds:itemID="{45D0D449-A17D-45A3-B4E7-E173226B985A}">
+  <ds:schemaRefs>
+    <ds:schemaRef ds:uri="http://schemas.microsoft.com/VisualStudio/2011/storyboarding/control"/>
+  </ds:schemaRefs>
+</ds:datastoreItem>
+</file>
+
+<file path=customXml/itemProps171.xml><?xml version="1.0" encoding="utf-8"?>
 <ds:datastoreItem xmlns:ds="http://schemas.openxmlformats.org/officeDocument/2006/customXml" ds:itemID="{34D70070-9632-4246-B25D-E396768C8F03}">
   <ds:schemaRefs>
     <ds:schemaRef ds:uri="http://schemas.microsoft.com/VisualStudio/2011/storyboarding/control"/>
@@ -16547,183 +17235,7 @@
 </ds:datastoreItem>
 </file>
 
-<file path=customXml/itemProps102.xml><?xml version="1.0" encoding="utf-8"?>
-<ds:datastoreItem xmlns:ds="http://schemas.openxmlformats.org/officeDocument/2006/customXml" ds:itemID="{D544E426-85A9-48AB-BB78-E3AD0590EC7C}">
-  <ds:schemaRefs>
-    <ds:schemaRef ds:uri="http://schemas.microsoft.com/VisualStudio/2011/storyboarding/control"/>
-  </ds:schemaRefs>
-</ds:datastoreItem>
-</file>
-
-<file path=customXml/itemProps103.xml><?xml version="1.0" encoding="utf-8"?>
-<ds:datastoreItem xmlns:ds="http://schemas.openxmlformats.org/officeDocument/2006/customXml" ds:itemID="{6A447DBB-2C85-4597-A0DB-C9A2322BAC8D}">
-  <ds:schemaRefs>
-    <ds:schemaRef ds:uri="http://schemas.microsoft.com/VisualStudio/2011/storyboarding/control"/>
-  </ds:schemaRefs>
-</ds:datastoreItem>
-</file>
-
-<file path=customXml/itemProps104.xml><?xml version="1.0" encoding="utf-8"?>
-<ds:datastoreItem xmlns:ds="http://schemas.openxmlformats.org/officeDocument/2006/customXml" ds:itemID="{24046DC5-38AC-4C0E-A7BD-7BA62F64ED8D}">
-  <ds:schemaRefs>
-    <ds:schemaRef ds:uri="http://schemas.microsoft.com/VisualStudio/2011/storyboarding/control"/>
-  </ds:schemaRefs>
-</ds:datastoreItem>
-</file>
-
-<file path=customXml/itemProps105.xml><?xml version="1.0" encoding="utf-8"?>
-<ds:datastoreItem xmlns:ds="http://schemas.openxmlformats.org/officeDocument/2006/customXml" ds:itemID="{AABACF0D-5384-4675-802C-4FFC55B3B83D}">
-  <ds:schemaRefs>
-    <ds:schemaRef ds:uri="http://schemas.microsoft.com/VisualStudio/2011/storyboarding/control"/>
-  </ds:schemaRefs>
-</ds:datastoreItem>
-</file>
-
-<file path=customXml/itemProps106.xml><?xml version="1.0" encoding="utf-8"?>
-<ds:datastoreItem xmlns:ds="http://schemas.openxmlformats.org/officeDocument/2006/customXml" ds:itemID="{5248BC68-ADE7-429D-B013-9195EF7419E9}">
-  <ds:schemaRefs>
-    <ds:schemaRef ds:uri="http://schemas.microsoft.com/VisualStudio/2011/storyboarding/control"/>
-  </ds:schemaRefs>
-</ds:datastoreItem>
-</file>
-
-<file path=customXml/itemProps107.xml><?xml version="1.0" encoding="utf-8"?>
-<ds:datastoreItem xmlns:ds="http://schemas.openxmlformats.org/officeDocument/2006/customXml" ds:itemID="{8FFADBCE-FF33-4102-8CD5-0FC7C119C312}">
-  <ds:schemaRefs>
-    <ds:schemaRef ds:uri="http://schemas.microsoft.com/VisualStudio/2011/storyboarding/control"/>
-  </ds:schemaRefs>
-</ds:datastoreItem>
-</file>
-
-<file path=customXml/itemProps108.xml><?xml version="1.0" encoding="utf-8"?>
-<ds:datastoreItem xmlns:ds="http://schemas.openxmlformats.org/officeDocument/2006/customXml" ds:itemID="{F12E4822-BEA4-4C90-A23E-8C7DFCF7CDD6}">
-  <ds:schemaRefs>
-    <ds:schemaRef ds:uri="http://schemas.microsoft.com/VisualStudio/2011/storyboarding/control"/>
-  </ds:schemaRefs>
-</ds:datastoreItem>
-</file>
-
-<file path=customXml/itemProps109.xml><?xml version="1.0" encoding="utf-8"?>
-<ds:datastoreItem xmlns:ds="http://schemas.openxmlformats.org/officeDocument/2006/customXml" ds:itemID="{7D3F1746-26F3-4D5F-8DB1-4CE59AC409F7}">
-  <ds:schemaRefs>
-    <ds:schemaRef ds:uri="http://schemas.microsoft.com/VisualStudio/2011/storyboarding/control"/>
-  </ds:schemaRefs>
-</ds:datastoreItem>
-</file>
-
-<file path=customXml/itemProps11.xml><?xml version="1.0" encoding="utf-8"?>
-<ds:datastoreItem xmlns:ds="http://schemas.openxmlformats.org/officeDocument/2006/customXml" ds:itemID="{4686712F-CBA4-47D3-833A-C2ADFEF753DD}">
-  <ds:schemaRefs>
-    <ds:schemaRef ds:uri="http://schemas.microsoft.com/VisualStudio/2011/storyboarding/control"/>
-  </ds:schemaRefs>
-</ds:datastoreItem>
-</file>
-
-<file path=customXml/itemProps110.xml><?xml version="1.0" encoding="utf-8"?>
-<ds:datastoreItem xmlns:ds="http://schemas.openxmlformats.org/officeDocument/2006/customXml" ds:itemID="{3E59668D-9D10-4C26-9CC7-C8295EEC02B7}">
-  <ds:schemaRefs>
-    <ds:schemaRef ds:uri="http://schemas.microsoft.com/VisualStudio/2011/storyboarding/control"/>
-  </ds:schemaRefs>
-</ds:datastoreItem>
-</file>
-
-<file path=customXml/itemProps111.xml><?xml version="1.0" encoding="utf-8"?>
-<ds:datastoreItem xmlns:ds="http://schemas.openxmlformats.org/officeDocument/2006/customXml" ds:itemID="{85F86E7D-DA49-4BE9-9097-1D50FB466B1E}">
-  <ds:schemaRefs>
-    <ds:schemaRef ds:uri="http://schemas.microsoft.com/VisualStudio/2011/storyboarding/control"/>
-  </ds:schemaRefs>
-</ds:datastoreItem>
-</file>
-
-<file path=customXml/itemProps112.xml><?xml version="1.0" encoding="utf-8"?>
-<ds:datastoreItem xmlns:ds="http://schemas.openxmlformats.org/officeDocument/2006/customXml" ds:itemID="{A3199E56-6304-4A04-BDD7-107FDE5731A4}">
-  <ds:schemaRefs>
-    <ds:schemaRef ds:uri="http://schemas.microsoft.com/VisualStudio/2011/storyboarding/control"/>
-  </ds:schemaRefs>
-</ds:datastoreItem>
-</file>
-
-<file path=customXml/itemProps113.xml><?xml version="1.0" encoding="utf-8"?>
-<ds:datastoreItem xmlns:ds="http://schemas.openxmlformats.org/officeDocument/2006/customXml" ds:itemID="{0B25F2DC-DA1F-428C-A9D6-1915EDEAA8DD}">
-  <ds:schemaRefs>
-    <ds:schemaRef ds:uri="http://schemas.microsoft.com/VisualStudio/2011/storyboarding/control"/>
-  </ds:schemaRefs>
-</ds:datastoreItem>
-</file>
-
-<file path=customXml/itemProps114.xml><?xml version="1.0" encoding="utf-8"?>
-<ds:datastoreItem xmlns:ds="http://schemas.openxmlformats.org/officeDocument/2006/customXml" ds:itemID="{AA6A5E90-4733-4052-BD41-CDB87AFA6C57}">
-  <ds:schemaRefs>
-    <ds:schemaRef ds:uri="http://schemas.microsoft.com/VisualStudio/2011/storyboarding/control"/>
-  </ds:schemaRefs>
-</ds:datastoreItem>
-</file>
-
-<file path=customXml/itemProps115.xml><?xml version="1.0" encoding="utf-8"?>
-<ds:datastoreItem xmlns:ds="http://schemas.openxmlformats.org/officeDocument/2006/customXml" ds:itemID="{E029995E-6C1C-464C-B18A-588A9A373F13}">
-  <ds:schemaRefs>
-    <ds:schemaRef ds:uri="http://schemas.microsoft.com/VisualStudio/2011/storyboarding/control"/>
-  </ds:schemaRefs>
-</ds:datastoreItem>
-</file>
-
-<file path=customXml/itemProps116.xml><?xml version="1.0" encoding="utf-8"?>
-<ds:datastoreItem xmlns:ds="http://schemas.openxmlformats.org/officeDocument/2006/customXml" ds:itemID="{14F53810-CFF1-4E60-9021-6AF4EA429CC7}">
-  <ds:schemaRefs>
-    <ds:schemaRef ds:uri="http://schemas.microsoft.com/VisualStudio/2011/storyboarding/control"/>
-  </ds:schemaRefs>
-</ds:datastoreItem>
-</file>
-
-<file path=customXml/itemProps117.xml><?xml version="1.0" encoding="utf-8"?>
-<ds:datastoreItem xmlns:ds="http://schemas.openxmlformats.org/officeDocument/2006/customXml" ds:itemID="{1367878A-D08E-41A0-BE0F-87325A2CCFA2}">
-  <ds:schemaRefs>
-    <ds:schemaRef ds:uri="http://schemas.microsoft.com/VisualStudio/2011/storyboarding/control"/>
-  </ds:schemaRefs>
-</ds:datastoreItem>
-</file>
-
-<file path=customXml/itemProps118.xml><?xml version="1.0" encoding="utf-8"?>
-<ds:datastoreItem xmlns:ds="http://schemas.openxmlformats.org/officeDocument/2006/customXml" ds:itemID="{33EA19CF-64F4-42CF-A3DD-7DE1682232E2}">
-  <ds:schemaRefs>
-    <ds:schemaRef ds:uri="http://schemas.microsoft.com/VisualStudio/2011/storyboarding/control"/>
-  </ds:schemaRefs>
-</ds:datastoreItem>
-</file>
-
-<file path=customXml/itemProps119.xml><?xml version="1.0" encoding="utf-8"?>
-<ds:datastoreItem xmlns:ds="http://schemas.openxmlformats.org/officeDocument/2006/customXml" ds:itemID="{C4F6D4BE-A130-482B-BA98-1CB53DA976CA}">
-  <ds:schemaRefs>
-    <ds:schemaRef ds:uri="http://schemas.microsoft.com/VisualStudio/2011/storyboarding/control"/>
-  </ds:schemaRefs>
-</ds:datastoreItem>
-</file>
-
-<file path=customXml/itemProps12.xml><?xml version="1.0" encoding="utf-8"?>
-<ds:datastoreItem xmlns:ds="http://schemas.openxmlformats.org/officeDocument/2006/customXml" ds:itemID="{ADE0E0E1-3FB4-4764-85B1-A2581C94CFE9}">
-  <ds:schemaRefs>
-    <ds:schemaRef ds:uri="http://schemas.microsoft.com/VisualStudio/2011/storyboarding/control"/>
-  </ds:schemaRefs>
-</ds:datastoreItem>
-</file>
-
-<file path=customXml/itemProps120.xml><?xml version="1.0" encoding="utf-8"?>
-<ds:datastoreItem xmlns:ds="http://schemas.openxmlformats.org/officeDocument/2006/customXml" ds:itemID="{40E6753A-8176-4C3D-A7AD-922499F48E12}">
-  <ds:schemaRefs>
-    <ds:schemaRef ds:uri="http://schemas.microsoft.com/VisualStudio/2011/storyboarding/control"/>
-  </ds:schemaRefs>
-</ds:datastoreItem>
-</file>
-
-<file path=customXml/itemProps121.xml><?xml version="1.0" encoding="utf-8"?>
-<ds:datastoreItem xmlns:ds="http://schemas.openxmlformats.org/officeDocument/2006/customXml" ds:itemID="{A6CB5F7F-1B30-4371-AA4A-C09705431B7C}">
-  <ds:schemaRefs>
-    <ds:schemaRef ds:uri="http://schemas.microsoft.com/VisualStudio/2011/storyboarding/control"/>
-  </ds:schemaRefs>
-</ds:datastoreItem>
-</file>
-
-<file path=customXml/itemProps122.xml><?xml version="1.0" encoding="utf-8"?>
+<file path=customXml/itemProps172.xml><?xml version="1.0" encoding="utf-8"?>
 <ds:datastoreItem xmlns:ds="http://schemas.openxmlformats.org/officeDocument/2006/customXml" ds:itemID="{D5754EE6-BC91-4A98-A9DF-8FF792B0AA43}">
   <ds:schemaRefs>
     <ds:schemaRef ds:uri="http://schemas.microsoft.com/VisualStudio/2011/storyboarding/control"/>
@@ -16731,183 +17243,7 @@
 </ds:datastoreItem>
 </file>
 
-<file path=customXml/itemProps123.xml><?xml version="1.0" encoding="utf-8"?>
-<ds:datastoreItem xmlns:ds="http://schemas.openxmlformats.org/officeDocument/2006/customXml" ds:itemID="{9441CC7A-8DA1-4C19-B524-DD31C7A19972}">
-  <ds:schemaRefs>
-    <ds:schemaRef ds:uri="http://schemas.microsoft.com/VisualStudio/2011/storyboarding/control"/>
-  </ds:schemaRefs>
-</ds:datastoreItem>
-</file>
-
-<file path=customXml/itemProps124.xml><?xml version="1.0" encoding="utf-8"?>
-<ds:datastoreItem xmlns:ds="http://schemas.openxmlformats.org/officeDocument/2006/customXml" ds:itemID="{113ECE65-0514-4E2D-A5D7-CB73FBD23154}">
-  <ds:schemaRefs>
-    <ds:schemaRef ds:uri="http://schemas.microsoft.com/VisualStudio/2011/storyboarding/control"/>
-  </ds:schemaRefs>
-</ds:datastoreItem>
-</file>
-
-<file path=customXml/itemProps125.xml><?xml version="1.0" encoding="utf-8"?>
-<ds:datastoreItem xmlns:ds="http://schemas.openxmlformats.org/officeDocument/2006/customXml" ds:itemID="{327B6332-6001-4577-872B-DD19A445F5F2}">
-  <ds:schemaRefs>
-    <ds:schemaRef ds:uri="http://schemas.microsoft.com/VisualStudio/2011/storyboarding/control"/>
-  </ds:schemaRefs>
-</ds:datastoreItem>
-</file>
-
-<file path=customXml/itemProps126.xml><?xml version="1.0" encoding="utf-8"?>
-<ds:datastoreItem xmlns:ds="http://schemas.openxmlformats.org/officeDocument/2006/customXml" ds:itemID="{48FCAF00-A9CA-4F0B-94B6-B06BD75E9807}">
-  <ds:schemaRefs>
-    <ds:schemaRef ds:uri="http://schemas.microsoft.com/VisualStudio/2011/storyboarding/control"/>
-  </ds:schemaRefs>
-</ds:datastoreItem>
-</file>
-
-<file path=customXml/itemProps127.xml><?xml version="1.0" encoding="utf-8"?>
-<ds:datastoreItem xmlns:ds="http://schemas.openxmlformats.org/officeDocument/2006/customXml" ds:itemID="{BB503869-44CE-4F73-B2F9-2E68C6092DF4}">
-  <ds:schemaRefs>
-    <ds:schemaRef ds:uri="http://schemas.microsoft.com/VisualStudio/2011/storyboarding/control"/>
-  </ds:schemaRefs>
-</ds:datastoreItem>
-</file>
-
-<file path=customXml/itemProps128.xml><?xml version="1.0" encoding="utf-8"?>
-<ds:datastoreItem xmlns:ds="http://schemas.openxmlformats.org/officeDocument/2006/customXml" ds:itemID="{89F8D00C-2482-4F3D-ACA1-B806B7E2C2EC}">
-  <ds:schemaRefs>
-    <ds:schemaRef ds:uri="http://schemas.microsoft.com/VisualStudio/2011/storyboarding/control"/>
-  </ds:schemaRefs>
-</ds:datastoreItem>
-</file>
-
-<file path=customXml/itemProps129.xml><?xml version="1.0" encoding="utf-8"?>
-<ds:datastoreItem xmlns:ds="http://schemas.openxmlformats.org/officeDocument/2006/customXml" ds:itemID="{13867D15-2F58-4836-9D34-D0E88BF26D4C}">
-  <ds:schemaRefs>
-    <ds:schemaRef ds:uri="http://schemas.microsoft.com/VisualStudio/2011/storyboarding/control"/>
-  </ds:schemaRefs>
-</ds:datastoreItem>
-</file>
-
-<file path=customXml/itemProps13.xml><?xml version="1.0" encoding="utf-8"?>
-<ds:datastoreItem xmlns:ds="http://schemas.openxmlformats.org/officeDocument/2006/customXml" ds:itemID="{418E8FB6-E3E2-4A78-BD2C-0E4D84C7371E}">
-  <ds:schemaRefs>
-    <ds:schemaRef ds:uri="http://schemas.microsoft.com/VisualStudio/2011/storyboarding/control"/>
-  </ds:schemaRefs>
-</ds:datastoreItem>
-</file>
-
-<file path=customXml/itemProps130.xml><?xml version="1.0" encoding="utf-8"?>
-<ds:datastoreItem xmlns:ds="http://schemas.openxmlformats.org/officeDocument/2006/customXml" ds:itemID="{33F9E1D4-170C-4DAF-A4E9-B2F1E33BDA51}">
-  <ds:schemaRefs>
-    <ds:schemaRef ds:uri="http://schemas.microsoft.com/VisualStudio/2011/storyboarding/control"/>
-  </ds:schemaRefs>
-</ds:datastoreItem>
-</file>
-
-<file path=customXml/itemProps131.xml><?xml version="1.0" encoding="utf-8"?>
-<ds:datastoreItem xmlns:ds="http://schemas.openxmlformats.org/officeDocument/2006/customXml" ds:itemID="{7C7A195E-DFA7-4A05-9371-894B93FD1828}">
-  <ds:schemaRefs>
-    <ds:schemaRef ds:uri="http://schemas.microsoft.com/VisualStudio/2011/storyboarding/control"/>
-  </ds:schemaRefs>
-</ds:datastoreItem>
-</file>
-
-<file path=customXml/itemProps132.xml><?xml version="1.0" encoding="utf-8"?>
-<ds:datastoreItem xmlns:ds="http://schemas.openxmlformats.org/officeDocument/2006/customXml" ds:itemID="{5EEABA33-0BE1-47F9-8437-631F1B84355A}">
-  <ds:schemaRefs>
-    <ds:schemaRef ds:uri="http://schemas.microsoft.com/VisualStudio/2011/storyboarding/control"/>
-  </ds:schemaRefs>
-</ds:datastoreItem>
-</file>
-
-<file path=customXml/itemProps133.xml><?xml version="1.0" encoding="utf-8"?>
-<ds:datastoreItem xmlns:ds="http://schemas.openxmlformats.org/officeDocument/2006/customXml" ds:itemID="{B02AE70D-AB27-4B64-9EAF-0217792EF7E1}">
-  <ds:schemaRefs>
-    <ds:schemaRef ds:uri="http://schemas.microsoft.com/VisualStudio/2011/storyboarding/control"/>
-  </ds:schemaRefs>
-</ds:datastoreItem>
-</file>
-
-<file path=customXml/itemProps134.xml><?xml version="1.0" encoding="utf-8"?>
-<ds:datastoreItem xmlns:ds="http://schemas.openxmlformats.org/officeDocument/2006/customXml" ds:itemID="{623F5871-F525-4D45-8757-C0B70863AD81}">
-  <ds:schemaRefs>
-    <ds:schemaRef ds:uri="http://schemas.microsoft.com/VisualStudio/2011/storyboarding/control"/>
-  </ds:schemaRefs>
-</ds:datastoreItem>
-</file>
-
-<file path=customXml/itemProps135.xml><?xml version="1.0" encoding="utf-8"?>
-<ds:datastoreItem xmlns:ds="http://schemas.openxmlformats.org/officeDocument/2006/customXml" ds:itemID="{121618E6-4C26-48A5-8411-92B68242A304}">
-  <ds:schemaRefs>
-    <ds:schemaRef ds:uri="http://schemas.microsoft.com/VisualStudio/2011/storyboarding/control"/>
-  </ds:schemaRefs>
-</ds:datastoreItem>
-</file>
-
-<file path=customXml/itemProps136.xml><?xml version="1.0" encoding="utf-8"?>
-<ds:datastoreItem xmlns:ds="http://schemas.openxmlformats.org/officeDocument/2006/customXml" ds:itemID="{A2F6F20D-5D93-4163-A5E6-5A9B6AB49B35}">
-  <ds:schemaRefs>
-    <ds:schemaRef ds:uri="http://schemas.microsoft.com/VisualStudio/2011/storyboarding/control"/>
-  </ds:schemaRefs>
-</ds:datastoreItem>
-</file>
-
-<file path=customXml/itemProps137.xml><?xml version="1.0" encoding="utf-8"?>
-<ds:datastoreItem xmlns:ds="http://schemas.openxmlformats.org/officeDocument/2006/customXml" ds:itemID="{D08605C4-AECB-4FFF-9D2C-98990B0DFFDA}">
-  <ds:schemaRefs>
-    <ds:schemaRef ds:uri="http://schemas.microsoft.com/VisualStudio/2011/storyboarding/control"/>
-  </ds:schemaRefs>
-</ds:datastoreItem>
-</file>
-
-<file path=customXml/itemProps138.xml><?xml version="1.0" encoding="utf-8"?>
-<ds:datastoreItem xmlns:ds="http://schemas.openxmlformats.org/officeDocument/2006/customXml" ds:itemID="{0205D5B8-50E2-42A6-ADDD-577B72710484}">
-  <ds:schemaRefs>
-    <ds:schemaRef ds:uri="http://schemas.microsoft.com/VisualStudio/2011/storyboarding/control"/>
-  </ds:schemaRefs>
-</ds:datastoreItem>
-</file>
-
-<file path=customXml/itemProps139.xml><?xml version="1.0" encoding="utf-8"?>
-<ds:datastoreItem xmlns:ds="http://schemas.openxmlformats.org/officeDocument/2006/customXml" ds:itemID="{FE51AC1B-1271-4746-867D-55554D78B5AE}">
-  <ds:schemaRefs>
-    <ds:schemaRef ds:uri="http://schemas.microsoft.com/VisualStudio/2011/storyboarding/control"/>
-  </ds:schemaRefs>
-</ds:datastoreItem>
-</file>
-
-<file path=customXml/itemProps14.xml><?xml version="1.0" encoding="utf-8"?>
-<ds:datastoreItem xmlns:ds="http://schemas.openxmlformats.org/officeDocument/2006/customXml" ds:itemID="{A4CF0BF1-C47D-4DEC-B943-A1B6DFD73BA3}">
-  <ds:schemaRefs>
-    <ds:schemaRef ds:uri="http://schemas.microsoft.com/VisualStudio/2011/storyboarding/control"/>
-  </ds:schemaRefs>
-</ds:datastoreItem>
-</file>
-
-<file path=customXml/itemProps140.xml><?xml version="1.0" encoding="utf-8"?>
-<ds:datastoreItem xmlns:ds="http://schemas.openxmlformats.org/officeDocument/2006/customXml" ds:itemID="{CD29ED7C-7003-4640-8A56-61BBEE20B1F0}">
-  <ds:schemaRefs>
-    <ds:schemaRef ds:uri="http://schemas.microsoft.com/VisualStudio/2011/storyboarding/control"/>
-  </ds:schemaRefs>
-</ds:datastoreItem>
-</file>
-
-<file path=customXml/itemProps141.xml><?xml version="1.0" encoding="utf-8"?>
-<ds:datastoreItem xmlns:ds="http://schemas.openxmlformats.org/officeDocument/2006/customXml" ds:itemID="{7C8FE9CD-1324-4A90-8D4D-0C176F3BCA87}">
-  <ds:schemaRefs>
-    <ds:schemaRef ds:uri="http://schemas.microsoft.com/VisualStudio/2011/storyboarding/control"/>
-  </ds:schemaRefs>
-</ds:datastoreItem>
-</file>
-
-<file path=customXml/itemProps142.xml><?xml version="1.0" encoding="utf-8"?>
-<ds:datastoreItem xmlns:ds="http://schemas.openxmlformats.org/officeDocument/2006/customXml" ds:itemID="{7A89DD74-282D-41A7-98AD-61383871195E}">
-  <ds:schemaRefs>
-    <ds:schemaRef ds:uri="http://schemas.microsoft.com/VisualStudio/2011/storyboarding/control"/>
-  </ds:schemaRefs>
-</ds:datastoreItem>
-</file>
-
-<file path=customXml/itemProps143.xml><?xml version="1.0" encoding="utf-8"?>
+<file path=customXml/itemProps173.xml><?xml version="1.0" encoding="utf-8"?>
 <ds:datastoreItem xmlns:ds="http://schemas.openxmlformats.org/officeDocument/2006/customXml" ds:itemID="{B2016F61-92F9-4E0F-A353-39F009FA0B01}">
   <ds:schemaRefs>
     <ds:schemaRef ds:uri="http://schemas.microsoft.com/VisualStudio/2011/storyboarding/control"/>
@@ -16915,39 +17251,7 @@
 </ds:datastoreItem>
 </file>
 
-<file path=customXml/itemProps144.xml><?xml version="1.0" encoding="utf-8"?>
-<ds:datastoreItem xmlns:ds="http://schemas.openxmlformats.org/officeDocument/2006/customXml" ds:itemID="{ACF586AD-3668-4E64-BB79-597B4E8D331A}">
-  <ds:schemaRefs>
-    <ds:schemaRef ds:uri="http://schemas.microsoft.com/VisualStudio/2011/storyboarding/control"/>
-  </ds:schemaRefs>
-</ds:datastoreItem>
-</file>
-
-<file path=customXml/itemProps145.xml><?xml version="1.0" encoding="utf-8"?>
-<ds:datastoreItem xmlns:ds="http://schemas.openxmlformats.org/officeDocument/2006/customXml" ds:itemID="{45B142F8-50A8-47EE-8945-EA0E8BEF71EB}">
-  <ds:schemaRefs>
-    <ds:schemaRef ds:uri="http://schemas.microsoft.com/VisualStudio/2011/storyboarding/control"/>
-  </ds:schemaRefs>
-</ds:datastoreItem>
-</file>
-
-<file path=customXml/itemProps146.xml><?xml version="1.0" encoding="utf-8"?>
-<ds:datastoreItem xmlns:ds="http://schemas.openxmlformats.org/officeDocument/2006/customXml" ds:itemID="{59D0369F-25C4-46DE-8418-DF66EC3FEC68}">
-  <ds:schemaRefs>
-    <ds:schemaRef ds:uri="http://schemas.microsoft.com/VisualStudio/2011/storyboarding/control"/>
-  </ds:schemaRefs>
-</ds:datastoreItem>
-</file>
-
-<file path=customXml/itemProps147.xml><?xml version="1.0" encoding="utf-8"?>
-<ds:datastoreItem xmlns:ds="http://schemas.openxmlformats.org/officeDocument/2006/customXml" ds:itemID="{F106C237-6442-4C6C-BC17-BABD6E81E57F}">
-  <ds:schemaRefs>
-    <ds:schemaRef ds:uri="http://schemas.microsoft.com/VisualStudio/2011/storyboarding/control"/>
-  </ds:schemaRefs>
-</ds:datastoreItem>
-</file>
-
-<file path=customXml/itemProps148.xml><?xml version="1.0" encoding="utf-8"?>
+<file path=customXml/itemProps174.xml><?xml version="1.0" encoding="utf-8"?>
 <ds:datastoreItem xmlns:ds="http://schemas.openxmlformats.org/officeDocument/2006/customXml" ds:itemID="{C5822030-9D10-4417-BB70-A547D778BA9D}">
   <ds:schemaRefs>
     <ds:schemaRef ds:uri="http://schemas.microsoft.com/VisualStudio/2011/storyboarding/control"/>
@@ -16955,143 +17259,7 @@
 </ds:datastoreItem>
 </file>
 
-<file path=customXml/itemProps149.xml><?xml version="1.0" encoding="utf-8"?>
-<ds:datastoreItem xmlns:ds="http://schemas.openxmlformats.org/officeDocument/2006/customXml" ds:itemID="{CAA62E3A-E1D3-48E6-902C-72278FCF572B}">
-  <ds:schemaRefs>
-    <ds:schemaRef ds:uri="http://schemas.microsoft.com/VisualStudio/2011/storyboarding/control"/>
-  </ds:schemaRefs>
-</ds:datastoreItem>
-</file>
-
-<file path=customXml/itemProps15.xml><?xml version="1.0" encoding="utf-8"?>
-<ds:datastoreItem xmlns:ds="http://schemas.openxmlformats.org/officeDocument/2006/customXml" ds:itemID="{02423611-8D04-4993-B0B1-97733309265C}">
-  <ds:schemaRefs>
-    <ds:schemaRef ds:uri="http://schemas.microsoft.com/VisualStudio/2011/storyboarding/control"/>
-  </ds:schemaRefs>
-</ds:datastoreItem>
-</file>
-
-<file path=customXml/itemProps150.xml><?xml version="1.0" encoding="utf-8"?>
-<ds:datastoreItem xmlns:ds="http://schemas.openxmlformats.org/officeDocument/2006/customXml" ds:itemID="{D321552F-2375-40A6-A02F-FC27787D42F1}">
-  <ds:schemaRefs>
-    <ds:schemaRef ds:uri="http://schemas.microsoft.com/VisualStudio/2011/storyboarding/control"/>
-  </ds:schemaRefs>
-</ds:datastoreItem>
-</file>
-
-<file path=customXml/itemProps151.xml><?xml version="1.0" encoding="utf-8"?>
-<ds:datastoreItem xmlns:ds="http://schemas.openxmlformats.org/officeDocument/2006/customXml" ds:itemID="{8B3DF17E-302B-453F-A2FD-6CDC4C0170AA}">
-  <ds:schemaRefs>
-    <ds:schemaRef ds:uri="http://schemas.microsoft.com/VisualStudio/2011/storyboarding/control"/>
-  </ds:schemaRefs>
-</ds:datastoreItem>
-</file>
-
-<file path=customXml/itemProps152.xml><?xml version="1.0" encoding="utf-8"?>
-<ds:datastoreItem xmlns:ds="http://schemas.openxmlformats.org/officeDocument/2006/customXml" ds:itemID="{10F0BDDE-4AA3-40EF-B2BC-ACF0382ED861}">
-  <ds:schemaRefs>
-    <ds:schemaRef ds:uri="http://schemas.microsoft.com/VisualStudio/2011/storyboarding/control"/>
-  </ds:schemaRefs>
-</ds:datastoreItem>
-</file>
-
-<file path=customXml/itemProps153.xml><?xml version="1.0" encoding="utf-8"?>
-<ds:datastoreItem xmlns:ds="http://schemas.openxmlformats.org/officeDocument/2006/customXml" ds:itemID="{033417FC-F4DF-440B-9750-AC9CEE9D4DD6}">
-  <ds:schemaRefs>
-    <ds:schemaRef ds:uri="http://schemas.microsoft.com/VisualStudio/2011/storyboarding/control"/>
-  </ds:schemaRefs>
-</ds:datastoreItem>
-</file>
-
-<file path=customXml/itemProps154.xml><?xml version="1.0" encoding="utf-8"?>
-<ds:datastoreItem xmlns:ds="http://schemas.openxmlformats.org/officeDocument/2006/customXml" ds:itemID="{4ECEEF82-0B3C-4906-961B-AFB29BD1E6E3}">
-  <ds:schemaRefs>
-    <ds:schemaRef ds:uri="http://schemas.microsoft.com/VisualStudio/2011/storyboarding/control"/>
-  </ds:schemaRefs>
-</ds:datastoreItem>
-</file>
-
-<file path=customXml/itemProps155.xml><?xml version="1.0" encoding="utf-8"?>
-<ds:datastoreItem xmlns:ds="http://schemas.openxmlformats.org/officeDocument/2006/customXml" ds:itemID="{66DA5703-DC74-4A5C-897F-77851F088467}">
-  <ds:schemaRefs>
-    <ds:schemaRef ds:uri="http://schemas.microsoft.com/VisualStudio/2011/storyboarding/control"/>
-  </ds:schemaRefs>
-</ds:datastoreItem>
-</file>
-
-<file path=customXml/itemProps156.xml><?xml version="1.0" encoding="utf-8"?>
-<ds:datastoreItem xmlns:ds="http://schemas.openxmlformats.org/officeDocument/2006/customXml" ds:itemID="{68BF0817-02E7-4175-AEC7-8477E7F612E9}">
-  <ds:schemaRefs>
-    <ds:schemaRef ds:uri="http://schemas.microsoft.com/VisualStudio/2011/storyboarding/control"/>
-  </ds:schemaRefs>
-</ds:datastoreItem>
-</file>
-
-<file path=customXml/itemProps157.xml><?xml version="1.0" encoding="utf-8"?>
-<ds:datastoreItem xmlns:ds="http://schemas.openxmlformats.org/officeDocument/2006/customXml" ds:itemID="{2ADD045D-CBFF-4B66-B7D4-74533078AF4A}">
-  <ds:schemaRefs>
-    <ds:schemaRef ds:uri="http://schemas.microsoft.com/VisualStudio/2011/storyboarding/control"/>
-  </ds:schemaRefs>
-</ds:datastoreItem>
-</file>
-
-<file path=customXml/itemProps158.xml><?xml version="1.0" encoding="utf-8"?>
-<ds:datastoreItem xmlns:ds="http://schemas.openxmlformats.org/officeDocument/2006/customXml" ds:itemID="{6BD98E41-6C2F-4D3F-B846-7455C55C7A43}">
-  <ds:schemaRefs>
-    <ds:schemaRef ds:uri="http://schemas.microsoft.com/VisualStudio/2011/storyboarding/control"/>
-  </ds:schemaRefs>
-</ds:datastoreItem>
-</file>
-
-<file path=customXml/itemProps159.xml><?xml version="1.0" encoding="utf-8"?>
-<ds:datastoreItem xmlns:ds="http://schemas.openxmlformats.org/officeDocument/2006/customXml" ds:itemID="{B1441669-2371-4AE4-A8B5-AFC09272AA93}">
-  <ds:schemaRefs>
-    <ds:schemaRef ds:uri="http://schemas.microsoft.com/VisualStudio/2011/storyboarding/control"/>
-  </ds:schemaRefs>
-</ds:datastoreItem>
-</file>
-
-<file path=customXml/itemProps16.xml><?xml version="1.0" encoding="utf-8"?>
-<ds:datastoreItem xmlns:ds="http://schemas.openxmlformats.org/officeDocument/2006/customXml" ds:itemID="{3587D983-5BF3-43F4-B7CC-0D3FCA927E45}">
-  <ds:schemaRefs>
-    <ds:schemaRef ds:uri="http://schemas.microsoft.com/VisualStudio/2011/storyboarding/control"/>
-  </ds:schemaRefs>
-</ds:datastoreItem>
-</file>
-
-<file path=customXml/itemProps160.xml><?xml version="1.0" encoding="utf-8"?>
-<ds:datastoreItem xmlns:ds="http://schemas.openxmlformats.org/officeDocument/2006/customXml" ds:itemID="{98F07B01-E4E8-4E44-B227-4A307E110F5E}">
-  <ds:schemaRefs>
-    <ds:schemaRef ds:uri="http://schemas.microsoft.com/VisualStudio/2011/storyboarding/control"/>
-  </ds:schemaRefs>
-</ds:datastoreItem>
-</file>
-
-<file path=customXml/itemProps161.xml><?xml version="1.0" encoding="utf-8"?>
-<ds:datastoreItem xmlns:ds="http://schemas.openxmlformats.org/officeDocument/2006/customXml" ds:itemID="{15112653-7036-4EB6-9E86-EDFCD1846E57}">
-  <ds:schemaRefs>
-    <ds:schemaRef ds:uri="http://schemas.microsoft.com/VisualStudio/2011/storyboarding/control"/>
-  </ds:schemaRefs>
-</ds:datastoreItem>
-</file>
-
-<file path=customXml/itemProps162.xml><?xml version="1.0" encoding="utf-8"?>
-<ds:datastoreItem xmlns:ds="http://schemas.openxmlformats.org/officeDocument/2006/customXml" ds:itemID="{4A328889-52D6-47EA-AA7A-7178F57DFC2D}">
-  <ds:schemaRefs>
-    <ds:schemaRef ds:uri="http://schemas.microsoft.com/VisualStudio/2011/storyboarding/control"/>
-  </ds:schemaRefs>
-</ds:datastoreItem>
-</file>
-
-<file path=customXml/itemProps163.xml><?xml version="1.0" encoding="utf-8"?>
-<ds:datastoreItem xmlns:ds="http://schemas.openxmlformats.org/officeDocument/2006/customXml" ds:itemID="{6DAC6C05-FAFB-4B89-BBD6-3A479BE450F0}">
-  <ds:schemaRefs>
-    <ds:schemaRef ds:uri="http://schemas.microsoft.com/VisualStudio/2011/storyboarding/control"/>
-  </ds:schemaRefs>
-</ds:datastoreItem>
-</file>
-
-<file path=customXml/itemProps164.xml><?xml version="1.0" encoding="utf-8"?>
+<file path=customXml/itemProps175.xml><?xml version="1.0" encoding="utf-8"?>
 <ds:datastoreItem xmlns:ds="http://schemas.openxmlformats.org/officeDocument/2006/customXml" ds:itemID="{0D101840-8B5F-4665-97F6-B5669CAD36B7}">
   <ds:schemaRefs>
     <ds:schemaRef ds:uri="http://schemas.microsoft.com/VisualStudio/2011/storyboarding/control"/>
@@ -17099,39 +17267,7 @@
 </ds:datastoreItem>
 </file>
 
-<file path=customXml/itemProps165.xml><?xml version="1.0" encoding="utf-8"?>
-<ds:datastoreItem xmlns:ds="http://schemas.openxmlformats.org/officeDocument/2006/customXml" ds:itemID="{192B0C59-AF18-4932-A8CE-C28065725D2A}">
-  <ds:schemaRefs>
-    <ds:schemaRef ds:uri="http://schemas.microsoft.com/VisualStudio/2011/storyboarding/control"/>
-  </ds:schemaRefs>
-</ds:datastoreItem>
-</file>
-
-<file path=customXml/itemProps166.xml><?xml version="1.0" encoding="utf-8"?>
-<ds:datastoreItem xmlns:ds="http://schemas.openxmlformats.org/officeDocument/2006/customXml" ds:itemID="{59AEDDE6-08CE-4516-9790-E1D7499AD12F}">
-  <ds:schemaRefs>
-    <ds:schemaRef ds:uri="http://schemas.microsoft.com/VisualStudio/2011/storyboarding/control"/>
-  </ds:schemaRefs>
-</ds:datastoreItem>
-</file>
-
-<file path=customXml/itemProps167.xml><?xml version="1.0" encoding="utf-8"?>
-<ds:datastoreItem xmlns:ds="http://schemas.openxmlformats.org/officeDocument/2006/customXml" ds:itemID="{FCFEC772-99A0-4E2F-BE46-6982F97F1BE9}">
-  <ds:schemaRefs>
-    <ds:schemaRef ds:uri="http://schemas.microsoft.com/VisualStudio/2011/storyboarding/control"/>
-  </ds:schemaRefs>
-</ds:datastoreItem>
-</file>
-
-<file path=customXml/itemProps168.xml><?xml version="1.0" encoding="utf-8"?>
-<ds:datastoreItem xmlns:ds="http://schemas.openxmlformats.org/officeDocument/2006/customXml" ds:itemID="{13D229BA-F403-4DB5-940D-9A722C14A295}">
-  <ds:schemaRefs>
-    <ds:schemaRef ds:uri="http://schemas.microsoft.com/VisualStudio/2011/storyboarding/control"/>
-  </ds:schemaRefs>
-</ds:datastoreItem>
-</file>
-
-<file path=customXml/itemProps169.xml><?xml version="1.0" encoding="utf-8"?>
+<file path=customXml/itemProps176.xml><?xml version="1.0" encoding="utf-8"?>
 <ds:datastoreItem xmlns:ds="http://schemas.openxmlformats.org/officeDocument/2006/customXml" ds:itemID="{29B37182-9887-4972-8113-B6FBFE59F94E}">
   <ds:schemaRefs>
     <ds:schemaRef ds:uri="http://schemas.microsoft.com/VisualStudio/2011/storyboarding/control"/>
@@ -17139,72 +17275,8 @@
 </ds:datastoreItem>
 </file>
 
-<file path=customXml/itemProps17.xml><?xml version="1.0" encoding="utf-8"?>
-<ds:datastoreItem xmlns:ds="http://schemas.openxmlformats.org/officeDocument/2006/customXml" ds:itemID="{D8653A86-F184-47A6-A8EA-282F582C20DD}">
-  <ds:schemaRefs>
-    <ds:schemaRef ds:uri="http://schemas.microsoft.com/VisualStudio/2011/storyboarding/control"/>
-  </ds:schemaRefs>
-</ds:datastoreItem>
-</file>
-
-<file path=customXml/itemProps170.xml><?xml version="1.0" encoding="utf-8"?>
-<ds:datastoreItem xmlns:ds="http://schemas.openxmlformats.org/officeDocument/2006/customXml" ds:itemID="{E475E16E-3D1A-4AA1-9265-74BC7689BD6B}">
-  <ds:schemaRefs>
-    <ds:schemaRef ds:uri="http://schemas.microsoft.com/VisualStudio/2011/storyboarding/control"/>
-  </ds:schemaRefs>
-</ds:datastoreItem>
-</file>
-
-<file path=customXml/itemProps171.xml><?xml version="1.0" encoding="utf-8"?>
-<ds:datastoreItem xmlns:ds="http://schemas.openxmlformats.org/officeDocument/2006/customXml" ds:itemID="{A4C33EEA-7075-4651-97E3-4829E38E21EA}">
-  <ds:schemaRefs>
-    <ds:schemaRef ds:uri="http://schemas.microsoft.com/VisualStudio/2011/storyboarding/control"/>
-  </ds:schemaRefs>
-</ds:datastoreItem>
-</file>
-
-<file path=customXml/itemProps172.xml><?xml version="1.0" encoding="utf-8"?>
-<ds:datastoreItem xmlns:ds="http://schemas.openxmlformats.org/officeDocument/2006/customXml" ds:itemID="{66DB2393-603D-49D1-8038-F976FE310B23}">
-  <ds:schemaRefs>
-    <ds:schemaRef ds:uri="http://schemas.microsoft.com/VisualStudio/2011/storyboarding/control"/>
-  </ds:schemaRefs>
-</ds:datastoreItem>
-</file>
-
-<file path=customXml/itemProps173.xml><?xml version="1.0" encoding="utf-8"?>
-<ds:datastoreItem xmlns:ds="http://schemas.openxmlformats.org/officeDocument/2006/customXml" ds:itemID="{591D8B41-9267-402B-A57F-00DC296DA130}">
-  <ds:schemaRefs>
-    <ds:schemaRef ds:uri="http://schemas.microsoft.com/VisualStudio/2011/storyboarding/control"/>
-  </ds:schemaRefs>
-</ds:datastoreItem>
-</file>
-
-<file path=customXml/itemProps174.xml><?xml version="1.0" encoding="utf-8"?>
-<ds:datastoreItem xmlns:ds="http://schemas.openxmlformats.org/officeDocument/2006/customXml" ds:itemID="{7220D24C-BD40-47D9-9B33-35DC7E895DFE}">
-  <ds:schemaRefs>
-    <ds:schemaRef ds:uri="http://schemas.microsoft.com/VisualStudio/2011/storyboarding/control"/>
-  </ds:schemaRefs>
-</ds:datastoreItem>
-</file>
-
-<file path=customXml/itemProps175.xml><?xml version="1.0" encoding="utf-8"?>
-<ds:datastoreItem xmlns:ds="http://schemas.openxmlformats.org/officeDocument/2006/customXml" ds:itemID="{95595F51-9E33-4E50-A8A7-87C9CB8C0482}">
-  <ds:schemaRefs>
-    <ds:schemaRef ds:uri="http://schemas.microsoft.com/VisualStudio/2011/storyboarding/control"/>
-  </ds:schemaRefs>
-</ds:datastoreItem>
-</file>
-
-<file path=customXml/itemProps176.xml><?xml version="1.0" encoding="utf-8"?>
-<ds:datastoreItem xmlns:ds="http://schemas.openxmlformats.org/officeDocument/2006/customXml" ds:itemID="{A7BA6FDE-F2F3-4BBD-AF00-77FC8E9D6F4E}">
-  <ds:schemaRefs>
-    <ds:schemaRef ds:uri="http://schemas.microsoft.com/VisualStudio/2011/storyboarding/control"/>
-  </ds:schemaRefs>
-</ds:datastoreItem>
-</file>
-
 <file path=customXml/itemProps177.xml><?xml version="1.0" encoding="utf-8"?>
-<ds:datastoreItem xmlns:ds="http://schemas.openxmlformats.org/officeDocument/2006/customXml" ds:itemID="{86B524EF-C480-4A91-8469-8640DE8CA6F4}">
+<ds:datastoreItem xmlns:ds="http://schemas.openxmlformats.org/officeDocument/2006/customXml" ds:itemID="{6582B369-37A3-46AF-9A3D-416B235F7579}">
   <ds:schemaRefs>
     <ds:schemaRef ds:uri="http://schemas.microsoft.com/VisualStudio/2011/storyboarding/control"/>
   </ds:schemaRefs>
@@ -17212,7 +17284,7 @@
 </file>
 
 <file path=customXml/itemProps178.xml><?xml version="1.0" encoding="utf-8"?>
-<ds:datastoreItem xmlns:ds="http://schemas.openxmlformats.org/officeDocument/2006/customXml" ds:itemID="{87EC38D7-8568-41A5-8256-9FA05D5964DE}">
+<ds:datastoreItem xmlns:ds="http://schemas.openxmlformats.org/officeDocument/2006/customXml" ds:itemID="{77104134-B524-4624-9201-ECD829C881BD}">
   <ds:schemaRefs>
     <ds:schemaRef ds:uri="http://schemas.microsoft.com/VisualStudio/2011/storyboarding/control"/>
   </ds:schemaRefs>
@@ -17220,7 +17292,7 @@
 </file>
 
 <file path=customXml/itemProps179.xml><?xml version="1.0" encoding="utf-8"?>
-<ds:datastoreItem xmlns:ds="http://schemas.openxmlformats.org/officeDocument/2006/customXml" ds:itemID="{A77EF092-5602-4C59-8F39-9609B34339FA}">
+<ds:datastoreItem xmlns:ds="http://schemas.openxmlformats.org/officeDocument/2006/customXml" ds:itemID="{5D43C5DF-C9CE-423E-ADD8-1AAE08E6145B}">
   <ds:schemaRefs>
     <ds:schemaRef ds:uri="http://schemas.microsoft.com/VisualStudio/2011/storyboarding/control"/>
   </ds:schemaRefs>
@@ -17228,7 +17300,7 @@
 </file>
 
 <file path=customXml/itemProps18.xml><?xml version="1.0" encoding="utf-8"?>
-<ds:datastoreItem xmlns:ds="http://schemas.openxmlformats.org/officeDocument/2006/customXml" ds:itemID="{B33906A2-2468-4E50-8B7B-646E03FFEF2D}">
+<ds:datastoreItem xmlns:ds="http://schemas.openxmlformats.org/officeDocument/2006/customXml" ds:itemID="{1CCD967A-A231-4443-B5CB-163865029EA0}">
   <ds:schemaRefs>
     <ds:schemaRef ds:uri="http://schemas.microsoft.com/VisualStudio/2011/storyboarding/control"/>
   </ds:schemaRefs>
@@ -17244,7 +17316,7 @@
 </file>
 
 <file path=customXml/itemProps181.xml><?xml version="1.0" encoding="utf-8"?>
-<ds:datastoreItem xmlns:ds="http://schemas.openxmlformats.org/officeDocument/2006/customXml" ds:itemID="{5C9230CE-FE24-40CE-BB88-BEA42701E828}">
+<ds:datastoreItem xmlns:ds="http://schemas.openxmlformats.org/officeDocument/2006/customXml" ds:itemID="{6FA4B224-58B8-4C0B-9CB1-F2D442462342}">
   <ds:schemaRefs>
     <ds:schemaRef ds:uri="http://schemas.microsoft.com/VisualStudio/2011/storyboarding/control"/>
   </ds:schemaRefs>
@@ -17252,6 +17324,542 @@
 </file>
 
 <file path=customXml/itemProps182.xml><?xml version="1.0" encoding="utf-8"?>
+<ds:datastoreItem xmlns:ds="http://schemas.openxmlformats.org/officeDocument/2006/customXml" ds:itemID="{03653E92-1616-42CD-8288-0A4EBB2CAA1C}">
+  <ds:schemaRefs>
+    <ds:schemaRef ds:uri="http://schemas.microsoft.com/VisualStudio/2011/storyboarding/control"/>
+  </ds:schemaRefs>
+</ds:datastoreItem>
+</file>
+
+<file path=customXml/itemProps183.xml><?xml version="1.0" encoding="utf-8"?>
+<ds:datastoreItem xmlns:ds="http://schemas.openxmlformats.org/officeDocument/2006/customXml" ds:itemID="{1E27CC14-9852-42D8-9A73-828A1C767F65}">
+  <ds:schemaRefs>
+    <ds:schemaRef ds:uri="http://schemas.microsoft.com/VisualStudio/2011/storyboarding/control"/>
+  </ds:schemaRefs>
+</ds:datastoreItem>
+</file>
+
+<file path=customXml/itemProps184.xml><?xml version="1.0" encoding="utf-8"?>
+<ds:datastoreItem xmlns:ds="http://schemas.openxmlformats.org/officeDocument/2006/customXml" ds:itemID="{C95B04FA-49D0-4922-A7EB-76ADF3F5F5D3}">
+  <ds:schemaRefs>
+    <ds:schemaRef ds:uri="http://schemas.microsoft.com/VisualStudio/2011/storyboarding/control"/>
+  </ds:schemaRefs>
+</ds:datastoreItem>
+</file>
+
+<file path=customXml/itemProps185.xml><?xml version="1.0" encoding="utf-8"?>
+<ds:datastoreItem xmlns:ds="http://schemas.openxmlformats.org/officeDocument/2006/customXml" ds:itemID="{1EAEFE78-3E46-45E5-85DF-8CF35EFEFFEE}">
+  <ds:schemaRefs>
+    <ds:schemaRef ds:uri="http://schemas.microsoft.com/VisualStudio/2011/storyboarding/control"/>
+  </ds:schemaRefs>
+</ds:datastoreItem>
+</file>
+
+<file path=customXml/itemProps186.xml><?xml version="1.0" encoding="utf-8"?>
+<ds:datastoreItem xmlns:ds="http://schemas.openxmlformats.org/officeDocument/2006/customXml" ds:itemID="{A3199E56-6304-4A04-BDD7-107FDE5731A4}">
+  <ds:schemaRefs>
+    <ds:schemaRef ds:uri="http://schemas.microsoft.com/VisualStudio/2011/storyboarding/control"/>
+  </ds:schemaRefs>
+</ds:datastoreItem>
+</file>
+
+<file path=customXml/itemProps187.xml><?xml version="1.0" encoding="utf-8"?>
+<ds:datastoreItem xmlns:ds="http://schemas.openxmlformats.org/officeDocument/2006/customXml" ds:itemID="{B02AE70D-AB27-4B64-9EAF-0217792EF7E1}">
+  <ds:schemaRefs>
+    <ds:schemaRef ds:uri="http://schemas.microsoft.com/VisualStudio/2011/storyboarding/control"/>
+  </ds:schemaRefs>
+</ds:datastoreItem>
+</file>
+
+<file path=customXml/itemProps188.xml><?xml version="1.0" encoding="utf-8"?>
+<ds:datastoreItem xmlns:ds="http://schemas.openxmlformats.org/officeDocument/2006/customXml" ds:itemID="{4ECEEF82-0B3C-4906-961B-AFB29BD1E6E3}">
+  <ds:schemaRefs>
+    <ds:schemaRef ds:uri="http://schemas.microsoft.com/VisualStudio/2011/storyboarding/control"/>
+  </ds:schemaRefs>
+</ds:datastoreItem>
+</file>
+
+<file path=customXml/itemProps189.xml><?xml version="1.0" encoding="utf-8"?>
+<ds:datastoreItem xmlns:ds="http://schemas.openxmlformats.org/officeDocument/2006/customXml" ds:itemID="{95595F51-9E33-4E50-A8A7-87C9CB8C0482}">
+  <ds:schemaRefs>
+    <ds:schemaRef ds:uri="http://schemas.microsoft.com/VisualStudio/2011/storyboarding/control"/>
+  </ds:schemaRefs>
+</ds:datastoreItem>
+</file>
+
+<file path=customXml/itemProps19.xml><?xml version="1.0" encoding="utf-8"?>
+<ds:datastoreItem xmlns:ds="http://schemas.openxmlformats.org/officeDocument/2006/customXml" ds:itemID="{0B25F2DC-DA1F-428C-A9D6-1915EDEAA8DD}">
+  <ds:schemaRefs>
+    <ds:schemaRef ds:uri="http://schemas.microsoft.com/VisualStudio/2011/storyboarding/control"/>
+  </ds:schemaRefs>
+</ds:datastoreItem>
+</file>
+
+<file path=customXml/itemProps190.xml><?xml version="1.0" encoding="utf-8"?>
+<ds:datastoreItem xmlns:ds="http://schemas.openxmlformats.org/officeDocument/2006/customXml" ds:itemID="{CC9AD016-189C-474E-B8AD-A91A9EEF08A8}">
+  <ds:schemaRefs>
+    <ds:schemaRef ds:uri="http://schemas.microsoft.com/VisualStudio/2011/storyboarding/control"/>
+  </ds:schemaRefs>
+</ds:datastoreItem>
+</file>
+
+<file path=customXml/itemProps191.xml><?xml version="1.0" encoding="utf-8"?>
+<ds:datastoreItem xmlns:ds="http://schemas.openxmlformats.org/officeDocument/2006/customXml" ds:itemID="{9F416F2E-7F32-446B-A04C-F872B644E37B}">
+  <ds:schemaRefs>
+    <ds:schemaRef ds:uri="http://schemas.microsoft.com/VisualStudio/2011/storyboarding/control"/>
+  </ds:schemaRefs>
+</ds:datastoreItem>
+</file>
+
+<file path=customXml/itemProps192.xml><?xml version="1.0" encoding="utf-8"?>
+<ds:datastoreItem xmlns:ds="http://schemas.openxmlformats.org/officeDocument/2006/customXml" ds:itemID="{3587D983-5BF3-43F4-B7CC-0D3FCA927E45}">
+  <ds:schemaRefs>
+    <ds:schemaRef ds:uri="http://schemas.microsoft.com/VisualStudio/2011/storyboarding/control"/>
+  </ds:schemaRefs>
+</ds:datastoreItem>
+</file>
+
+<file path=customXml/itemProps193.xml><?xml version="1.0" encoding="utf-8"?>
+<ds:datastoreItem xmlns:ds="http://schemas.openxmlformats.org/officeDocument/2006/customXml" ds:itemID="{BB9D8331-A5A0-4DC8-BED7-F17D94CE02E8}">
+  <ds:schemaRefs>
+    <ds:schemaRef ds:uri="http://schemas.microsoft.com/VisualStudio/2011/storyboarding/control"/>
+  </ds:schemaRefs>
+</ds:datastoreItem>
+</file>
+
+<file path=customXml/itemProps194.xml><?xml version="1.0" encoding="utf-8"?>
+<ds:datastoreItem xmlns:ds="http://schemas.openxmlformats.org/officeDocument/2006/customXml" ds:itemID="{6D74F327-6332-4AC5-8084-6EBC78FC0812}">
+  <ds:schemaRefs>
+    <ds:schemaRef ds:uri="http://schemas.microsoft.com/VisualStudio/2011/storyboarding/control"/>
+  </ds:schemaRefs>
+</ds:datastoreItem>
+</file>
+
+<file path=customXml/itemProps195.xml><?xml version="1.0" encoding="utf-8"?>
+<ds:datastoreItem xmlns:ds="http://schemas.openxmlformats.org/officeDocument/2006/customXml" ds:itemID="{E7741501-71C2-4C17-B4E1-815C0856C474}">
+  <ds:schemaRefs>
+    <ds:schemaRef ds:uri="http://schemas.microsoft.com/VisualStudio/2011/storyboarding/control"/>
+  </ds:schemaRefs>
+</ds:datastoreItem>
+</file>
+
+<file path=customXml/itemProps196.xml><?xml version="1.0" encoding="utf-8"?>
+<ds:datastoreItem xmlns:ds="http://schemas.openxmlformats.org/officeDocument/2006/customXml" ds:itemID="{D544E426-85A9-48AB-BB78-E3AD0590EC7C}">
+  <ds:schemaRefs>
+    <ds:schemaRef ds:uri="http://schemas.microsoft.com/VisualStudio/2011/storyboarding/control"/>
+  </ds:schemaRefs>
+</ds:datastoreItem>
+</file>
+
+<file path=customXml/itemProps197.xml><?xml version="1.0" encoding="utf-8"?>
+<ds:datastoreItem xmlns:ds="http://schemas.openxmlformats.org/officeDocument/2006/customXml" ds:itemID="{9441CC7A-8DA1-4C19-B524-DD31C7A19972}">
+  <ds:schemaRefs>
+    <ds:schemaRef ds:uri="http://schemas.microsoft.com/VisualStudio/2011/storyboarding/control"/>
+  </ds:schemaRefs>
+</ds:datastoreItem>
+</file>
+
+<file path=customXml/itemProps198.xml><?xml version="1.0" encoding="utf-8"?>
+<ds:datastoreItem xmlns:ds="http://schemas.openxmlformats.org/officeDocument/2006/customXml" ds:itemID="{ACF586AD-3668-4E64-BB79-597B4E8D331A}">
+  <ds:schemaRefs>
+    <ds:schemaRef ds:uri="http://schemas.microsoft.com/VisualStudio/2011/storyboarding/control"/>
+  </ds:schemaRefs>
+</ds:datastoreItem>
+</file>
+
+<file path=customXml/itemProps199.xml><?xml version="1.0" encoding="utf-8"?>
+<ds:datastoreItem xmlns:ds="http://schemas.openxmlformats.org/officeDocument/2006/customXml" ds:itemID="{DD4B0EF4-5BAE-4815-B342-64E17EEBDB97}">
+  <ds:schemaRefs>
+    <ds:schemaRef ds:uri="http://schemas.microsoft.com/VisualStudio/2011/storyboarding/control"/>
+  </ds:schemaRefs>
+</ds:datastoreItem>
+</file>
+
+<file path=customXml/itemProps2.xml><?xml version="1.0" encoding="utf-8"?>
+<ds:datastoreItem xmlns:ds="http://schemas.openxmlformats.org/officeDocument/2006/customXml" ds:itemID="{8FFADBCE-FF33-4102-8CD5-0FC7C119C312}">
+  <ds:schemaRefs>
+    <ds:schemaRef ds:uri="http://schemas.microsoft.com/VisualStudio/2011/storyboarding/control"/>
+  </ds:schemaRefs>
+</ds:datastoreItem>
+</file>
+
+<file path=customXml/itemProps20.xml><?xml version="1.0" encoding="utf-8"?>
+<ds:datastoreItem xmlns:ds="http://schemas.openxmlformats.org/officeDocument/2006/customXml" ds:itemID="{33EA19CF-64F4-42CF-A3DD-7DE1682232E2}">
+  <ds:schemaRefs>
+    <ds:schemaRef ds:uri="http://schemas.microsoft.com/VisualStudio/2011/storyboarding/control"/>
+  </ds:schemaRefs>
+</ds:datastoreItem>
+</file>
+
+<file path=customXml/itemProps200.xml><?xml version="1.0" encoding="utf-8"?>
+<ds:datastoreItem xmlns:ds="http://schemas.openxmlformats.org/officeDocument/2006/customXml" ds:itemID="{192B0C59-AF18-4932-A8CE-C28065725D2A}">
+  <ds:schemaRefs>
+    <ds:schemaRef ds:uri="http://schemas.microsoft.com/VisualStudio/2011/storyboarding/control"/>
+  </ds:schemaRefs>
+</ds:datastoreItem>
+</file>
+
+<file path=customXml/itemProps201.xml><?xml version="1.0" encoding="utf-8"?>
+<ds:datastoreItem xmlns:ds="http://schemas.openxmlformats.org/officeDocument/2006/customXml" ds:itemID="{3A84922F-98F9-4144-BF0B-1CED2EDBF970}">
+  <ds:schemaRefs>
+    <ds:schemaRef ds:uri="http://schemas.microsoft.com/VisualStudio/2011/storyboarding/control"/>
+  </ds:schemaRefs>
+</ds:datastoreItem>
+</file>
+
+<file path=customXml/itemProps202.xml><?xml version="1.0" encoding="utf-8"?>
+<ds:datastoreItem xmlns:ds="http://schemas.openxmlformats.org/officeDocument/2006/customXml" ds:itemID="{1367878A-D08E-41A0-BE0F-87325A2CCFA2}">
+  <ds:schemaRefs>
+    <ds:schemaRef ds:uri="http://schemas.microsoft.com/VisualStudio/2011/storyboarding/control"/>
+  </ds:schemaRefs>
+</ds:datastoreItem>
+</file>
+
+<file path=customXml/itemProps203.xml><?xml version="1.0" encoding="utf-8"?>
+<ds:datastoreItem xmlns:ds="http://schemas.openxmlformats.org/officeDocument/2006/customXml" ds:itemID="{F09024E1-1C18-4E75-B068-E418EE7D2650}">
+  <ds:schemaRefs>
+    <ds:schemaRef ds:uri="http://schemas.microsoft.com/VisualStudio/2011/storyboarding/control"/>
+  </ds:schemaRefs>
+</ds:datastoreItem>
+</file>
+
+<file path=customXml/itemProps204.xml><?xml version="1.0" encoding="utf-8"?>
+<ds:datastoreItem xmlns:ds="http://schemas.openxmlformats.org/officeDocument/2006/customXml" ds:itemID="{E44C9E77-1C35-4DBC-82DD-57E4D308EFBB}">
+  <ds:schemaRefs>
+    <ds:schemaRef ds:uri="http://schemas.microsoft.com/VisualStudio/2011/storyboarding/control"/>
+  </ds:schemaRefs>
+</ds:datastoreItem>
+</file>
+
+<file path=customXml/itemProps205.xml><?xml version="1.0" encoding="utf-8"?>
+<ds:datastoreItem xmlns:ds="http://schemas.openxmlformats.org/officeDocument/2006/customXml" ds:itemID="{90E6BF7D-584A-485E-85F5-083945235CD7}">
+  <ds:schemaRefs>
+    <ds:schemaRef ds:uri="http://schemas.microsoft.com/VisualStudio/2011/storyboarding/control"/>
+  </ds:schemaRefs>
+</ds:datastoreItem>
+</file>
+
+<file path=customXml/itemProps206.xml><?xml version="1.0" encoding="utf-8"?>
+<ds:datastoreItem xmlns:ds="http://schemas.openxmlformats.org/officeDocument/2006/customXml" ds:itemID="{6909E70A-4203-43FA-8666-1DA9A83FC55A}">
+  <ds:schemaRefs>
+    <ds:schemaRef ds:uri="http://schemas.microsoft.com/VisualStudio/2011/storyboarding/control"/>
+  </ds:schemaRefs>
+</ds:datastoreItem>
+</file>
+
+<file path=customXml/itemProps207.xml><?xml version="1.0" encoding="utf-8"?>
+<ds:datastoreItem xmlns:ds="http://schemas.openxmlformats.org/officeDocument/2006/customXml" ds:itemID="{0205D5B8-50E2-42A6-ADDD-577B72710484}">
+  <ds:schemaRefs>
+    <ds:schemaRef ds:uri="http://schemas.microsoft.com/VisualStudio/2011/storyboarding/control"/>
+  </ds:schemaRefs>
+</ds:datastoreItem>
+</file>
+
+<file path=customXml/itemProps208.xml><?xml version="1.0" encoding="utf-8"?>
+<ds:datastoreItem xmlns:ds="http://schemas.openxmlformats.org/officeDocument/2006/customXml" ds:itemID="{B1441669-2371-4AE4-A8B5-AFC09272AA93}">
+  <ds:schemaRefs>
+    <ds:schemaRef ds:uri="http://schemas.microsoft.com/VisualStudio/2011/storyboarding/control"/>
+  </ds:schemaRefs>
+</ds:datastoreItem>
+</file>
+
+<file path=customXml/itemProps209.xml><?xml version="1.0" encoding="utf-8"?>
+<ds:datastoreItem xmlns:ds="http://schemas.openxmlformats.org/officeDocument/2006/customXml" ds:itemID="{E475E16E-3D1A-4AA1-9265-74BC7689BD6B}">
+  <ds:schemaRefs>
+    <ds:schemaRef ds:uri="http://schemas.microsoft.com/VisualStudio/2011/storyboarding/control"/>
+  </ds:schemaRefs>
+</ds:datastoreItem>
+</file>
+
+<file path=customXml/itemProps21.xml><?xml version="1.0" encoding="utf-8"?>
+<ds:datastoreItem xmlns:ds="http://schemas.openxmlformats.org/officeDocument/2006/customXml" ds:itemID="{623F5871-F525-4D45-8757-C0B70863AD81}">
+  <ds:schemaRefs>
+    <ds:schemaRef ds:uri="http://schemas.microsoft.com/VisualStudio/2011/storyboarding/control"/>
+  </ds:schemaRefs>
+</ds:datastoreItem>
+</file>
+
+<file path=customXml/itemProps210.xml><?xml version="1.0" encoding="utf-8"?>
+<ds:datastoreItem xmlns:ds="http://schemas.openxmlformats.org/officeDocument/2006/customXml" ds:itemID="{24F06A6C-A626-408F-8D64-B4E445AC8F7B}">
+  <ds:schemaRefs>
+    <ds:schemaRef ds:uri="http://schemas.microsoft.com/VisualStudio/2011/storyboarding/control"/>
+  </ds:schemaRefs>
+</ds:datastoreItem>
+</file>
+
+<file path=customXml/itemProps211.xml><?xml version="1.0" encoding="utf-8"?>
+<ds:datastoreItem xmlns:ds="http://schemas.openxmlformats.org/officeDocument/2006/customXml" ds:itemID="{7151AF65-EE10-4C35-A86D-F58294A49694}">
+  <ds:schemaRefs>
+    <ds:schemaRef ds:uri="http://schemas.microsoft.com/VisualStudio/2011/storyboarding/control"/>
+  </ds:schemaRefs>
+</ds:datastoreItem>
+</file>
+
+<file path=customXml/itemProps212.xml><?xml version="1.0" encoding="utf-8"?>
+<ds:datastoreItem xmlns:ds="http://schemas.openxmlformats.org/officeDocument/2006/customXml" ds:itemID="{3B74B578-8A46-41E9-871F-70EEB540B006}">
+  <ds:schemaRefs>
+    <ds:schemaRef ds:uri="http://schemas.microsoft.com/VisualStudio/2011/storyboarding/control"/>
+  </ds:schemaRefs>
+</ds:datastoreItem>
+</file>
+
+<file path=customXml/itemProps22.xml><?xml version="1.0" encoding="utf-8"?>
+<ds:datastoreItem xmlns:ds="http://schemas.openxmlformats.org/officeDocument/2006/customXml" ds:itemID="{FE51AC1B-1271-4746-867D-55554D78B5AE}">
+  <ds:schemaRefs>
+    <ds:schemaRef ds:uri="http://schemas.microsoft.com/VisualStudio/2011/storyboarding/control"/>
+  </ds:schemaRefs>
+</ds:datastoreItem>
+</file>
+
+<file path=customXml/itemProps23.xml><?xml version="1.0" encoding="utf-8"?>
+<ds:datastoreItem xmlns:ds="http://schemas.openxmlformats.org/officeDocument/2006/customXml" ds:itemID="{00D2AA4F-29E2-4A16-BE2A-B2E1781BC260}">
+  <ds:schemaRefs>
+    <ds:schemaRef ds:uri="http://schemas.microsoft.com/VisualStudio/2011/storyboarding/control"/>
+  </ds:schemaRefs>
+</ds:datastoreItem>
+</file>
+
+<file path=customXml/itemProps24.xml><?xml version="1.0" encoding="utf-8"?>
+<ds:datastoreItem xmlns:ds="http://schemas.openxmlformats.org/officeDocument/2006/customXml" ds:itemID="{67BB8CBF-A728-42E4-ACB8-9EB900796758}">
+  <ds:schemaRefs>
+    <ds:schemaRef ds:uri="http://schemas.microsoft.com/VisualStudio/2011/storyboarding/control"/>
+  </ds:schemaRefs>
+</ds:datastoreItem>
+</file>
+
+<file path=customXml/itemProps25.xml><?xml version="1.0" encoding="utf-8"?>
+<ds:datastoreItem xmlns:ds="http://schemas.openxmlformats.org/officeDocument/2006/customXml" ds:itemID="{D321552F-2375-40A6-A02F-FC27787D42F1}">
+  <ds:schemaRefs>
+    <ds:schemaRef ds:uri="http://schemas.microsoft.com/VisualStudio/2011/storyboarding/control"/>
+  </ds:schemaRefs>
+</ds:datastoreItem>
+</file>
+
+<file path=customXml/itemProps26.xml><?xml version="1.0" encoding="utf-8"?>
+<ds:datastoreItem xmlns:ds="http://schemas.openxmlformats.org/officeDocument/2006/customXml" ds:itemID="{66DA5703-DC74-4A5C-897F-77851F088467}">
+  <ds:schemaRefs>
+    <ds:schemaRef ds:uri="http://schemas.microsoft.com/VisualStudio/2011/storyboarding/control"/>
+  </ds:schemaRefs>
+</ds:datastoreItem>
+</file>
+
+<file path=customXml/itemProps27.xml><?xml version="1.0" encoding="utf-8"?>
+<ds:datastoreItem xmlns:ds="http://schemas.openxmlformats.org/officeDocument/2006/customXml" ds:itemID="{A4C33EEA-7075-4651-97E3-4829E38E21EA}">
+  <ds:schemaRefs>
+    <ds:schemaRef ds:uri="http://schemas.microsoft.com/VisualStudio/2011/storyboarding/control"/>
+  </ds:schemaRefs>
+</ds:datastoreItem>
+</file>
+
+<file path=customXml/itemProps28.xml><?xml version="1.0" encoding="utf-8"?>
+<ds:datastoreItem xmlns:ds="http://schemas.openxmlformats.org/officeDocument/2006/customXml" ds:itemID="{A7BA6FDE-F2F3-4BBD-AF00-77FC8E9D6F4E}">
+  <ds:schemaRefs>
+    <ds:schemaRef ds:uri="http://schemas.microsoft.com/VisualStudio/2011/storyboarding/control"/>
+  </ds:schemaRefs>
+</ds:datastoreItem>
+</file>
+
+<file path=customXml/itemProps29.xml><?xml version="1.0" encoding="utf-8"?>
+<ds:datastoreItem xmlns:ds="http://schemas.openxmlformats.org/officeDocument/2006/customXml" ds:itemID="{1D5D2327-B743-4212-9907-D814BD85E547}">
+  <ds:schemaRefs>
+    <ds:schemaRef ds:uri="http://schemas.microsoft.com/VisualStudio/2011/storyboarding/control"/>
+  </ds:schemaRefs>
+</ds:datastoreItem>
+</file>
+
+<file path=customXml/itemProps3.xml><?xml version="1.0" encoding="utf-8"?>
+<ds:datastoreItem xmlns:ds="http://schemas.openxmlformats.org/officeDocument/2006/customXml" ds:itemID="{4686712F-CBA4-47D3-833A-C2ADFEF753DD}">
+  <ds:schemaRefs>
+    <ds:schemaRef ds:uri="http://schemas.microsoft.com/VisualStudio/2011/storyboarding/control"/>
+  </ds:schemaRefs>
+</ds:datastoreItem>
+</file>
+
+<file path=customXml/itemProps30.xml><?xml version="1.0" encoding="utf-8"?>
+<ds:datastoreItem xmlns:ds="http://schemas.openxmlformats.org/officeDocument/2006/customXml" ds:itemID="{A6AEA25F-750E-4988-900D-61E20A7E9B41}">
+  <ds:schemaRefs>
+    <ds:schemaRef ds:uri="http://schemas.microsoft.com/VisualStudio/2011/storyboarding/control"/>
+  </ds:schemaRefs>
+</ds:datastoreItem>
+</file>
+
+<file path=customXml/itemProps31.xml><?xml version="1.0" encoding="utf-8"?>
+<ds:datastoreItem xmlns:ds="http://schemas.openxmlformats.org/officeDocument/2006/customXml" ds:itemID="{1559E40F-A325-40F7-9430-6F8FB13A7583}">
+  <ds:schemaRefs>
+    <ds:schemaRef ds:uri="http://schemas.microsoft.com/VisualStudio/2011/storyboarding/control"/>
+  </ds:schemaRefs>
+</ds:datastoreItem>
+</file>
+
+<file path=customXml/itemProps32.xml><?xml version="1.0" encoding="utf-8"?>
+<ds:datastoreItem xmlns:ds="http://schemas.openxmlformats.org/officeDocument/2006/customXml" ds:itemID="{5CF9642B-0BB7-441A-9461-B7FCEF4AB57B}">
+  <ds:schemaRefs>
+    <ds:schemaRef ds:uri="http://schemas.microsoft.com/VisualStudio/2011/storyboarding/control"/>
+  </ds:schemaRefs>
+</ds:datastoreItem>
+</file>
+
+<file path=customXml/itemProps33.xml><?xml version="1.0" encoding="utf-8"?>
+<ds:datastoreItem xmlns:ds="http://schemas.openxmlformats.org/officeDocument/2006/customXml" ds:itemID="{ADE0E0E1-3FB4-4764-85B1-A2581C94CFE9}">
+  <ds:schemaRefs>
+    <ds:schemaRef ds:uri="http://schemas.microsoft.com/VisualStudio/2011/storyboarding/control"/>
+  </ds:schemaRefs>
+</ds:datastoreItem>
+</file>
+
+<file path=customXml/itemProps34.xml><?xml version="1.0" encoding="utf-8"?>
+<ds:datastoreItem xmlns:ds="http://schemas.openxmlformats.org/officeDocument/2006/customXml" ds:itemID="{D8653A86-F184-47A6-A8EA-282F582C20DD}">
+  <ds:schemaRefs>
+    <ds:schemaRef ds:uri="http://schemas.microsoft.com/VisualStudio/2011/storyboarding/control"/>
+  </ds:schemaRefs>
+</ds:datastoreItem>
+</file>
+
+<file path=customXml/itemProps35.xml><?xml version="1.0" encoding="utf-8"?>
+<ds:datastoreItem xmlns:ds="http://schemas.openxmlformats.org/officeDocument/2006/customXml" ds:itemID="{AAE9B66C-C51E-45FF-A0AF-F87D4E76C603}">
+  <ds:schemaRefs>
+    <ds:schemaRef ds:uri="http://schemas.microsoft.com/VisualStudio/2011/storyboarding/control"/>
+  </ds:schemaRefs>
+</ds:datastoreItem>
+</file>
+
+<file path=customXml/itemProps36.xml><?xml version="1.0" encoding="utf-8"?>
+<ds:datastoreItem xmlns:ds="http://schemas.openxmlformats.org/officeDocument/2006/customXml" ds:itemID="{D2AAAC7E-0A85-448C-BEAF-FB2E1B4987CA}">
+  <ds:schemaRefs>
+    <ds:schemaRef ds:uri="http://schemas.microsoft.com/VisualStudio/2011/storyboarding/control"/>
+  </ds:schemaRefs>
+</ds:datastoreItem>
+</file>
+
+<file path=customXml/itemProps37.xml><?xml version="1.0" encoding="utf-8"?>
+<ds:datastoreItem xmlns:ds="http://schemas.openxmlformats.org/officeDocument/2006/customXml" ds:itemID="{9A59C534-A299-402C-BDD6-F5443DFA7893}">
+  <ds:schemaRefs>
+    <ds:schemaRef ds:uri="http://schemas.microsoft.com/VisualStudio/2011/storyboarding/control"/>
+  </ds:schemaRefs>
+</ds:datastoreItem>
+</file>
+
+<file path=customXml/itemProps38.xml><?xml version="1.0" encoding="utf-8"?>
+<ds:datastoreItem xmlns:ds="http://schemas.openxmlformats.org/officeDocument/2006/customXml" ds:itemID="{6A447DBB-2C85-4597-A0DB-C9A2322BAC8D}">
+  <ds:schemaRefs>
+    <ds:schemaRef ds:uri="http://schemas.microsoft.com/VisualStudio/2011/storyboarding/control"/>
+  </ds:schemaRefs>
+</ds:datastoreItem>
+</file>
+
+<file path=customXml/itemProps39.xml><?xml version="1.0" encoding="utf-8"?>
+<ds:datastoreItem xmlns:ds="http://schemas.openxmlformats.org/officeDocument/2006/customXml" ds:itemID="{F12E4822-BEA4-4C90-A23E-8C7DFCF7CDD6}">
+  <ds:schemaRefs>
+    <ds:schemaRef ds:uri="http://schemas.microsoft.com/VisualStudio/2011/storyboarding/control"/>
+  </ds:schemaRefs>
+</ds:datastoreItem>
+</file>
+
+<file path=customXml/itemProps4.xml><?xml version="1.0" encoding="utf-8"?>
+<ds:datastoreItem xmlns:ds="http://schemas.openxmlformats.org/officeDocument/2006/customXml" ds:itemID="{46C8095E-E543-4B44-84A5-7DF9215641EF}">
+  <ds:schemaRefs>
+    <ds:schemaRef ds:uri="http://schemas.microsoft.com/VisualStudio/2011/storyboarding/control"/>
+  </ds:schemaRefs>
+</ds:datastoreItem>
+</file>
+
+<file path=customXml/itemProps40.xml><?xml version="1.0" encoding="utf-8"?>
+<ds:datastoreItem xmlns:ds="http://schemas.openxmlformats.org/officeDocument/2006/customXml" ds:itemID="{113ECE65-0514-4E2D-A5D7-CB73FBD23154}">
+  <ds:schemaRefs>
+    <ds:schemaRef ds:uri="http://schemas.microsoft.com/VisualStudio/2011/storyboarding/control"/>
+  </ds:schemaRefs>
+</ds:datastoreItem>
+</file>
+
+<file path=customXml/itemProps41.xml><?xml version="1.0" encoding="utf-8"?>
+<ds:datastoreItem xmlns:ds="http://schemas.openxmlformats.org/officeDocument/2006/customXml" ds:itemID="{13867D15-2F58-4836-9D34-D0E88BF26D4C}">
+  <ds:schemaRefs>
+    <ds:schemaRef ds:uri="http://schemas.microsoft.com/VisualStudio/2011/storyboarding/control"/>
+  </ds:schemaRefs>
+</ds:datastoreItem>
+</file>
+
+<file path=customXml/itemProps42.xml><?xml version="1.0" encoding="utf-8"?>
+<ds:datastoreItem xmlns:ds="http://schemas.openxmlformats.org/officeDocument/2006/customXml" ds:itemID="{ED7BDB59-BF74-409B-8509-C9B8AF445363}">
+  <ds:schemaRefs>
+    <ds:schemaRef ds:uri="http://schemas.microsoft.com/VisualStudio/2011/storyboarding/control"/>
+  </ds:schemaRefs>
+</ds:datastoreItem>
+</file>
+
+<file path=customXml/itemProps43.xml><?xml version="1.0" encoding="utf-8"?>
+<ds:datastoreItem xmlns:ds="http://schemas.openxmlformats.org/officeDocument/2006/customXml" ds:itemID="{FA631F3F-931D-4669-BD0B-F99571F5C429}">
+  <ds:schemaRefs>
+    <ds:schemaRef ds:uri="http://schemas.microsoft.com/VisualStudio/2011/storyboarding/control"/>
+  </ds:schemaRefs>
+</ds:datastoreItem>
+</file>
+
+<file path=customXml/itemProps44.xml><?xml version="1.0" encoding="utf-8"?>
+<ds:datastoreItem xmlns:ds="http://schemas.openxmlformats.org/officeDocument/2006/customXml" ds:itemID="{2DE19DA7-14FB-4A73-97E6-83DF72E609E6}">
+  <ds:schemaRefs>
+    <ds:schemaRef ds:uri="http://schemas.microsoft.com/VisualStudio/2011/storyboarding/control"/>
+  </ds:schemaRefs>
+</ds:datastoreItem>
+</file>
+
+<file path=customXml/itemProps45.xml><?xml version="1.0" encoding="utf-8"?>
+<ds:datastoreItem xmlns:ds="http://schemas.openxmlformats.org/officeDocument/2006/customXml" ds:itemID="{FF00F683-10CA-4344-BB02-557AFC229713}">
+  <ds:schemaRefs>
+    <ds:schemaRef ds:uri="http://schemas.microsoft.com/VisualStudio/2011/storyboarding/control"/>
+  </ds:schemaRefs>
+</ds:datastoreItem>
+</file>
+
+<file path=customXml/itemProps46.xml><?xml version="1.0" encoding="utf-8"?>
+<ds:datastoreItem xmlns:ds="http://schemas.openxmlformats.org/officeDocument/2006/customXml" ds:itemID="{D22FC293-BAFF-43C9-B3DE-93B31F0E86BE}">
+  <ds:schemaRefs>
+    <ds:schemaRef ds:uri="http://schemas.microsoft.com/VisualStudio/2011/storyboarding/control"/>
+  </ds:schemaRefs>
+</ds:datastoreItem>
+</file>
+
+<file path=customXml/itemProps47.xml><?xml version="1.0" encoding="utf-8"?>
+<ds:datastoreItem xmlns:ds="http://schemas.openxmlformats.org/officeDocument/2006/customXml" ds:itemID="{CD29ED7C-7003-4640-8A56-61BBEE20B1F0}">
+  <ds:schemaRefs>
+    <ds:schemaRef ds:uri="http://schemas.microsoft.com/VisualStudio/2011/storyboarding/control"/>
+  </ds:schemaRefs>
+</ds:datastoreItem>
+</file>
+
+<file path=customXml/itemProps48.xml><?xml version="1.0" encoding="utf-8"?>
+<ds:datastoreItem xmlns:ds="http://schemas.openxmlformats.org/officeDocument/2006/customXml" ds:itemID="{45B142F8-50A8-47EE-8945-EA0E8BEF71EB}">
+  <ds:schemaRefs>
+    <ds:schemaRef ds:uri="http://schemas.microsoft.com/VisualStudio/2011/storyboarding/control"/>
+  </ds:schemaRefs>
+</ds:datastoreItem>
+</file>
+
+<file path=customXml/itemProps49.xml><?xml version="1.0" encoding="utf-8"?>
+<ds:datastoreItem xmlns:ds="http://schemas.openxmlformats.org/officeDocument/2006/customXml" ds:itemID="{15112653-7036-4EB6-9E86-EDFCD1846E57}">
+  <ds:schemaRefs>
+    <ds:schemaRef ds:uri="http://schemas.microsoft.com/VisualStudio/2011/storyboarding/control"/>
+  </ds:schemaRefs>
+</ds:datastoreItem>
+</file>
+
+<file path=customXml/itemProps5.xml><?xml version="1.0" encoding="utf-8"?>
+<ds:datastoreItem xmlns:ds="http://schemas.openxmlformats.org/officeDocument/2006/customXml" ds:itemID="{3E9518F8-52DB-4512-B6E1-D4B81EC47F8E}">
+  <ds:schemaRefs>
+    <ds:schemaRef ds:uri="http://schemas.microsoft.com/VisualStudio/2011/storyboarding/control"/>
+  </ds:schemaRefs>
+</ds:datastoreItem>
+</file>
+
+<file path=customXml/itemProps50.xml><?xml version="1.0" encoding="utf-8"?>
+<ds:datastoreItem xmlns:ds="http://schemas.openxmlformats.org/officeDocument/2006/customXml" ds:itemID="{59AEDDE6-08CE-4516-9790-E1D7499AD12F}">
+  <ds:schemaRefs>
+    <ds:schemaRef ds:uri="http://schemas.microsoft.com/VisualStudio/2011/storyboarding/control"/>
+  </ds:schemaRefs>
+</ds:datastoreItem>
+</file>
+
+<file path=customXml/itemProps51.xml><?xml version="1.0" encoding="utf-8"?>
 <ds:datastoreItem xmlns:ds="http://schemas.openxmlformats.org/officeDocument/2006/customXml" ds:itemID="{1A763EA3-F0ED-442A-9DA0-AF004A95E55B}">
   <ds:schemaRefs>
     <ds:schemaRef ds:uri="http://schemas.microsoft.com/VisualStudio/2011/storyboarding/control"/>
@@ -17259,7 +17867,383 @@
 </ds:datastoreItem>
 </file>
 
-<file path=customXml/itemProps183.xml><?xml version="1.0" encoding="utf-8"?>
+<file path=customXml/itemProps52.xml><?xml version="1.0" encoding="utf-8"?>
+<ds:datastoreItem xmlns:ds="http://schemas.openxmlformats.org/officeDocument/2006/customXml" ds:itemID="{2712D29F-F84F-421E-9FCA-4B29FB753C7B}">
+  <ds:schemaRefs>
+    <ds:schemaRef ds:uri="http://schemas.microsoft.com/VisualStudio/2011/storyboarding/control"/>
+  </ds:schemaRefs>
+</ds:datastoreItem>
+</file>
+
+<file path=customXml/itemProps53.xml><?xml version="1.0" encoding="utf-8"?>
+<ds:datastoreItem xmlns:ds="http://schemas.openxmlformats.org/officeDocument/2006/customXml" ds:itemID="{F9A8EA35-007A-40F9-AD73-68499C4EFDFA}">
+  <ds:schemaRefs>
+    <ds:schemaRef ds:uri="http://schemas.microsoft.com/VisualStudio/2011/storyboarding/control"/>
+  </ds:schemaRefs>
+</ds:datastoreItem>
+</file>
+
+<file path=customXml/itemProps54.xml><?xml version="1.0" encoding="utf-8"?>
+<ds:datastoreItem xmlns:ds="http://schemas.openxmlformats.org/officeDocument/2006/customXml" ds:itemID="{790E7F39-81D7-4FDD-A0B5-0716A2AE74B2}">
+  <ds:schemaRefs>
+    <ds:schemaRef ds:uri="http://schemas.microsoft.com/VisualStudio/2011/storyboarding/control"/>
+  </ds:schemaRefs>
+</ds:datastoreItem>
+</file>
+
+<file path=customXml/itemProps55.xml><?xml version="1.0" encoding="utf-8"?>
+<ds:datastoreItem xmlns:ds="http://schemas.openxmlformats.org/officeDocument/2006/customXml" ds:itemID="{F753D4C8-6DCC-4D78-9E76-A20A021CFCD8}">
+  <ds:schemaRefs>
+    <ds:schemaRef ds:uri="http://schemas.microsoft.com/VisualStudio/2011/storyboarding/control"/>
+  </ds:schemaRefs>
+</ds:datastoreItem>
+</file>
+
+<file path=customXml/itemProps56.xml><?xml version="1.0" encoding="utf-8"?>
+<ds:datastoreItem xmlns:ds="http://schemas.openxmlformats.org/officeDocument/2006/customXml" ds:itemID="{C7B0D7AD-32DF-4953-89C9-C834F6010560}">
+  <ds:schemaRefs>
+    <ds:schemaRef ds:uri="http://schemas.microsoft.com/VisualStudio/2011/storyboarding/control"/>
+  </ds:schemaRefs>
+</ds:datastoreItem>
+</file>
+
+<file path=customXml/itemProps57.xml><?xml version="1.0" encoding="utf-8"?>
+<ds:datastoreItem xmlns:ds="http://schemas.openxmlformats.org/officeDocument/2006/customXml" ds:itemID="{F2AC79B3-EA47-4A60-8F32-62C9B6A4B730}">
+  <ds:schemaRefs>
+    <ds:schemaRef ds:uri="http://schemas.microsoft.com/VisualStudio/2011/storyboarding/control"/>
+  </ds:schemaRefs>
+</ds:datastoreItem>
+</file>
+
+<file path=customXml/itemProps58.xml><?xml version="1.0" encoding="utf-8"?>
+<ds:datastoreItem xmlns:ds="http://schemas.openxmlformats.org/officeDocument/2006/customXml" ds:itemID="{AA6A5E90-4733-4052-BD41-CDB87AFA6C57}">
+  <ds:schemaRefs>
+    <ds:schemaRef ds:uri="http://schemas.microsoft.com/VisualStudio/2011/storyboarding/control"/>
+  </ds:schemaRefs>
+</ds:datastoreItem>
+</file>
+
+<file path=customXml/itemProps59.xml><?xml version="1.0" encoding="utf-8"?>
+<ds:datastoreItem xmlns:ds="http://schemas.openxmlformats.org/officeDocument/2006/customXml" ds:itemID="{C4F6D4BE-A130-482B-BA98-1CB53DA976CA}">
+  <ds:schemaRefs>
+    <ds:schemaRef ds:uri="http://schemas.microsoft.com/VisualStudio/2011/storyboarding/control"/>
+  </ds:schemaRefs>
+</ds:datastoreItem>
+</file>
+
+<file path=customXml/itemProps6.xml><?xml version="1.0" encoding="utf-8"?>
+<ds:datastoreItem xmlns:ds="http://schemas.openxmlformats.org/officeDocument/2006/customXml" ds:itemID="{F3241CCA-9602-4CB8-B6FA-D8222B14826C}">
+  <ds:schemaRefs>
+    <ds:schemaRef ds:uri="http://schemas.microsoft.com/VisualStudio/2011/storyboarding/control"/>
+  </ds:schemaRefs>
+</ds:datastoreItem>
+</file>
+
+<file path=customXml/itemProps60.xml><?xml version="1.0" encoding="utf-8"?>
+<ds:datastoreItem xmlns:ds="http://schemas.openxmlformats.org/officeDocument/2006/customXml" ds:itemID="{71F7DD17-FE3B-45F0-BA26-7919E3FA2124}">
+  <ds:schemaRefs>
+    <ds:schemaRef ds:uri="http://schemas.microsoft.com/VisualStudio/2011/storyboarding/control"/>
+  </ds:schemaRefs>
+</ds:datastoreItem>
+</file>
+
+<file path=customXml/itemProps61.xml><?xml version="1.0" encoding="utf-8"?>
+<ds:datastoreItem xmlns:ds="http://schemas.openxmlformats.org/officeDocument/2006/customXml" ds:itemID="{F7BABBE5-64CC-4B8F-B3B6-CF3FD810F8C7}">
+  <ds:schemaRefs>
+    <ds:schemaRef ds:uri="http://schemas.microsoft.com/VisualStudio/2011/storyboarding/control"/>
+  </ds:schemaRefs>
+</ds:datastoreItem>
+</file>
+
+<file path=customXml/itemProps62.xml><?xml version="1.0" encoding="utf-8"?>
+<ds:datastoreItem xmlns:ds="http://schemas.openxmlformats.org/officeDocument/2006/customXml" ds:itemID="{554CEDA9-374E-4C76-B97B-7202606AC0BE}">
+  <ds:schemaRefs>
+    <ds:schemaRef ds:uri="http://schemas.microsoft.com/VisualStudio/2011/storyboarding/control"/>
+  </ds:schemaRefs>
+</ds:datastoreItem>
+</file>
+
+<file path=customXml/itemProps63.xml><?xml version="1.0" encoding="utf-8"?>
+<ds:datastoreItem xmlns:ds="http://schemas.openxmlformats.org/officeDocument/2006/customXml" ds:itemID="{F5B85250-01CA-403A-BFFD-EDEFCA9E38FF}">
+  <ds:schemaRefs>
+    <ds:schemaRef ds:uri="http://schemas.microsoft.com/VisualStudio/2011/storyboarding/control"/>
+  </ds:schemaRefs>
+</ds:datastoreItem>
+</file>
+
+<file path=customXml/itemProps64.xml><?xml version="1.0" encoding="utf-8"?>
+<ds:datastoreItem xmlns:ds="http://schemas.openxmlformats.org/officeDocument/2006/customXml" ds:itemID="{92C514EF-47C3-4A1E-8CC0-C426C540F0A1}">
+  <ds:schemaRefs>
+    <ds:schemaRef ds:uri="http://schemas.microsoft.com/VisualStudio/2011/storyboarding/control"/>
+  </ds:schemaRefs>
+</ds:datastoreItem>
+</file>
+
+<file path=customXml/itemProps65.xml><?xml version="1.0" encoding="utf-8"?>
+<ds:datastoreItem xmlns:ds="http://schemas.openxmlformats.org/officeDocument/2006/customXml" ds:itemID="{33F9E1D4-170C-4DAF-A4E9-B2F1E33BDA51}">
+  <ds:schemaRefs>
+    <ds:schemaRef ds:uri="http://schemas.microsoft.com/VisualStudio/2011/storyboarding/control"/>
+  </ds:schemaRefs>
+</ds:datastoreItem>
+</file>
+
+<file path=customXml/itemProps66.xml><?xml version="1.0" encoding="utf-8"?>
+<ds:datastoreItem xmlns:ds="http://schemas.openxmlformats.org/officeDocument/2006/customXml" ds:itemID="{121618E6-4C26-48A5-8411-92B68242A304}">
+  <ds:schemaRefs>
+    <ds:schemaRef ds:uri="http://schemas.microsoft.com/VisualStudio/2011/storyboarding/control"/>
+  </ds:schemaRefs>
+</ds:datastoreItem>
+</file>
+
+<file path=customXml/itemProps67.xml><?xml version="1.0" encoding="utf-8"?>
+<ds:datastoreItem xmlns:ds="http://schemas.openxmlformats.org/officeDocument/2006/customXml" ds:itemID="{8B3DF17E-302B-453F-A2FD-6CDC4C0170AA}">
+  <ds:schemaRefs>
+    <ds:schemaRef ds:uri="http://schemas.microsoft.com/VisualStudio/2011/storyboarding/control"/>
+  </ds:schemaRefs>
+</ds:datastoreItem>
+</file>
+
+<file path=customXml/itemProps68.xml><?xml version="1.0" encoding="utf-8"?>
+<ds:datastoreItem xmlns:ds="http://schemas.openxmlformats.org/officeDocument/2006/customXml" ds:itemID="{68BF0817-02E7-4175-AEC7-8477E7F612E9}">
+  <ds:schemaRefs>
+    <ds:schemaRef ds:uri="http://schemas.microsoft.com/VisualStudio/2011/storyboarding/control"/>
+  </ds:schemaRefs>
+</ds:datastoreItem>
+</file>
+
+<file path=customXml/itemProps69.xml><?xml version="1.0" encoding="utf-8"?>
+<ds:datastoreItem xmlns:ds="http://schemas.openxmlformats.org/officeDocument/2006/customXml" ds:itemID="{86B524EF-C480-4A91-8469-8640DE8CA6F4}">
+  <ds:schemaRefs>
+    <ds:schemaRef ds:uri="http://schemas.microsoft.com/VisualStudio/2011/storyboarding/control"/>
+  </ds:schemaRefs>
+</ds:datastoreItem>
+</file>
+
+<file path=customXml/itemProps7.xml><?xml version="1.0" encoding="utf-8"?>
+<ds:datastoreItem xmlns:ds="http://schemas.openxmlformats.org/officeDocument/2006/customXml" ds:itemID="{89F8D00C-2482-4F3D-ACA1-B806B7E2C2EC}">
+  <ds:schemaRefs>
+    <ds:schemaRef ds:uri="http://schemas.microsoft.com/VisualStudio/2011/storyboarding/control"/>
+  </ds:schemaRefs>
+</ds:datastoreItem>
+</file>
+
+<file path=customXml/itemProps70.xml><?xml version="1.0" encoding="utf-8"?>
+<ds:datastoreItem xmlns:ds="http://schemas.openxmlformats.org/officeDocument/2006/customXml" ds:itemID="{6242C801-E508-4285-8113-A840292E3FB0}">
+  <ds:schemaRefs>
+    <ds:schemaRef ds:uri="http://schemas.microsoft.com/VisualStudio/2011/storyboarding/control"/>
+  </ds:schemaRefs>
+</ds:datastoreItem>
+</file>
+
+<file path=customXml/itemProps71.xml><?xml version="1.0" encoding="utf-8"?>
+<ds:datastoreItem xmlns:ds="http://schemas.openxmlformats.org/officeDocument/2006/customXml" ds:itemID="{66DB2393-603D-49D1-8038-F976FE310B23}">
+  <ds:schemaRefs>
+    <ds:schemaRef ds:uri="http://schemas.microsoft.com/VisualStudio/2011/storyboarding/control"/>
+  </ds:schemaRefs>
+</ds:datastoreItem>
+</file>
+
+<file path=customXml/itemProps72.xml><?xml version="1.0" encoding="utf-8"?>
+<ds:datastoreItem xmlns:ds="http://schemas.openxmlformats.org/officeDocument/2006/customXml" ds:itemID="{E8B60FE0-7DF2-4A75-B93C-908D3F53564F}">
+  <ds:schemaRefs>
+    <ds:schemaRef ds:uri="http://schemas.microsoft.com/VisualStudio/2011/storyboarding/control"/>
+  </ds:schemaRefs>
+</ds:datastoreItem>
+</file>
+
+<file path=customXml/itemProps73.xml><?xml version="1.0" encoding="utf-8"?>
+<ds:datastoreItem xmlns:ds="http://schemas.openxmlformats.org/officeDocument/2006/customXml" ds:itemID="{8F9EA6A1-9645-41E0-8978-C46F0B005E85}">
+  <ds:schemaRefs>
+    <ds:schemaRef ds:uri="http://schemas.microsoft.com/VisualStudio/2011/storyboarding/control"/>
+  </ds:schemaRefs>
+</ds:datastoreItem>
+</file>
+
+<file path=customXml/itemProps74.xml><?xml version="1.0" encoding="utf-8"?>
+<ds:datastoreItem xmlns:ds="http://schemas.openxmlformats.org/officeDocument/2006/customXml" ds:itemID="{EA061890-516E-49BD-B4E5-482161158202}">
+  <ds:schemaRefs>
+    <ds:schemaRef ds:uri="http://schemas.microsoft.com/VisualStudio/2011/storyboarding/control"/>
+  </ds:schemaRefs>
+</ds:datastoreItem>
+</file>
+
+<file path=customXml/itemProps75.xml><?xml version="1.0" encoding="utf-8"?>
+<ds:datastoreItem xmlns:ds="http://schemas.openxmlformats.org/officeDocument/2006/customXml" ds:itemID="{418E8FB6-E3E2-4A78-BD2C-0E4D84C7371E}">
+  <ds:schemaRefs>
+    <ds:schemaRef ds:uri="http://schemas.microsoft.com/VisualStudio/2011/storyboarding/control"/>
+  </ds:schemaRefs>
+</ds:datastoreItem>
+</file>
+
+<file path=customXml/itemProps76.xml><?xml version="1.0" encoding="utf-8"?>
+<ds:datastoreItem xmlns:ds="http://schemas.openxmlformats.org/officeDocument/2006/customXml" ds:itemID="{B33906A2-2468-4E50-8B7B-646E03FFEF2D}">
+  <ds:schemaRefs>
+    <ds:schemaRef ds:uri="http://schemas.microsoft.com/VisualStudio/2011/storyboarding/control"/>
+  </ds:schemaRefs>
+</ds:datastoreItem>
+</file>
+
+<file path=customXml/itemProps77.xml><?xml version="1.0" encoding="utf-8"?>
+<ds:datastoreItem xmlns:ds="http://schemas.openxmlformats.org/officeDocument/2006/customXml" ds:itemID="{8C7C7B8E-5451-4DAE-8DA4-7B210EC29FF3}">
+  <ds:schemaRefs>
+    <ds:schemaRef ds:uri="http://schemas.microsoft.com/VisualStudio/2011/storyboarding/control"/>
+  </ds:schemaRefs>
+</ds:datastoreItem>
+</file>
+
+<file path=customXml/itemProps78.xml><?xml version="1.0" encoding="utf-8"?>
+<ds:datastoreItem xmlns:ds="http://schemas.openxmlformats.org/officeDocument/2006/customXml" ds:itemID="{7D3F1746-26F3-4D5F-8DB1-4CE59AC409F7}">
+  <ds:schemaRefs>
+    <ds:schemaRef ds:uri="http://schemas.microsoft.com/VisualStudio/2011/storyboarding/control"/>
+  </ds:schemaRefs>
+</ds:datastoreItem>
+</file>
+
+<file path=customXml/itemProps79.xml><?xml version="1.0" encoding="utf-8"?>
+<ds:datastoreItem xmlns:ds="http://schemas.openxmlformats.org/officeDocument/2006/customXml" ds:itemID="{CF586D09-EEB6-4A49-AAE1-88E826EEDC73}">
+  <ds:schemaRefs>
+    <ds:schemaRef ds:uri="http://schemas.microsoft.com/VisualStudio/2011/storyboarding/control"/>
+  </ds:schemaRefs>
+</ds:datastoreItem>
+</file>
+
+<file path=customXml/itemProps8.xml><?xml version="1.0" encoding="utf-8"?>
+<ds:datastoreItem xmlns:ds="http://schemas.openxmlformats.org/officeDocument/2006/customXml" ds:itemID="{CAA62E3A-E1D3-48E6-902C-72278FCF572B}">
+  <ds:schemaRefs>
+    <ds:schemaRef ds:uri="http://schemas.microsoft.com/VisualStudio/2011/storyboarding/control"/>
+  </ds:schemaRefs>
+</ds:datastoreItem>
+</file>
+
+<file path=customXml/itemProps80.xml><?xml version="1.0" encoding="utf-8"?>
+<ds:datastoreItem xmlns:ds="http://schemas.openxmlformats.org/officeDocument/2006/customXml" ds:itemID="{FE6E328A-6A73-4FA6-A99D-5520E55E5B7D}">
+  <ds:schemaRefs>
+    <ds:schemaRef ds:uri="http://schemas.microsoft.com/VisualStudio/2011/storyboarding/control"/>
+  </ds:schemaRefs>
+</ds:datastoreItem>
+</file>
+
+<file path=customXml/itemProps81.xml><?xml version="1.0" encoding="utf-8"?>
+<ds:datastoreItem xmlns:ds="http://schemas.openxmlformats.org/officeDocument/2006/customXml" ds:itemID="{E56EDE5A-F97D-4AD1-8B27-19C05BC797E2}">
+  <ds:schemaRefs>
+    <ds:schemaRef ds:uri="http://schemas.microsoft.com/VisualStudio/2011/storyboarding/control"/>
+  </ds:schemaRefs>
+</ds:datastoreItem>
+</file>
+
+<file path=customXml/itemProps82.xml><?xml version="1.0" encoding="utf-8"?>
+<ds:datastoreItem xmlns:ds="http://schemas.openxmlformats.org/officeDocument/2006/customXml" ds:itemID="{952516C9-92F1-4F3E-8CAE-34A561EA713F}">
+  <ds:schemaRefs>
+    <ds:schemaRef ds:uri="http://schemas.microsoft.com/VisualStudio/2011/storyboarding/control"/>
+  </ds:schemaRefs>
+</ds:datastoreItem>
+</file>
+
+<file path=customXml/itemProps83.xml><?xml version="1.0" encoding="utf-8"?>
+<ds:datastoreItem xmlns:ds="http://schemas.openxmlformats.org/officeDocument/2006/customXml" ds:itemID="{ED541B40-E3CF-47E9-8800-B673CC7C7D9E}">
+  <ds:schemaRefs>
+    <ds:schemaRef ds:uri="http://schemas.microsoft.com/VisualStudio/2011/storyboarding/control"/>
+  </ds:schemaRefs>
+</ds:datastoreItem>
+</file>
+
+<file path=customXml/itemProps84.xml><?xml version="1.0" encoding="utf-8"?>
+<ds:datastoreItem xmlns:ds="http://schemas.openxmlformats.org/officeDocument/2006/customXml" ds:itemID="{24046DC5-38AC-4C0E-A7BD-7BA62F64ED8D}">
+  <ds:schemaRefs>
+    <ds:schemaRef ds:uri="http://schemas.microsoft.com/VisualStudio/2011/storyboarding/control"/>
+  </ds:schemaRefs>
+</ds:datastoreItem>
+</file>
+
+<file path=customXml/itemProps85.xml><?xml version="1.0" encoding="utf-8"?>
+<ds:datastoreItem xmlns:ds="http://schemas.openxmlformats.org/officeDocument/2006/customXml" ds:itemID="{40E6753A-8176-4C3D-A7AD-922499F48E12}">
+  <ds:schemaRefs>
+    <ds:schemaRef ds:uri="http://schemas.microsoft.com/VisualStudio/2011/storyboarding/control"/>
+  </ds:schemaRefs>
+</ds:datastoreItem>
+</file>
+
+<file path=customXml/itemProps86.xml><?xml version="1.0" encoding="utf-8"?>
+<ds:datastoreItem xmlns:ds="http://schemas.openxmlformats.org/officeDocument/2006/customXml" ds:itemID="{327B6332-6001-4577-872B-DD19A445F5F2}">
+  <ds:schemaRefs>
+    <ds:schemaRef ds:uri="http://schemas.microsoft.com/VisualStudio/2011/storyboarding/control"/>
+  </ds:schemaRefs>
+</ds:datastoreItem>
+</file>
+
+<file path=customXml/itemProps87.xml><?xml version="1.0" encoding="utf-8"?>
+<ds:datastoreItem xmlns:ds="http://schemas.openxmlformats.org/officeDocument/2006/customXml" ds:itemID="{7C8FE9CD-1324-4A90-8D4D-0C176F3BCA87}">
+  <ds:schemaRefs>
+    <ds:schemaRef ds:uri="http://schemas.microsoft.com/VisualStudio/2011/storyboarding/control"/>
+  </ds:schemaRefs>
+</ds:datastoreItem>
+</file>
+
+<file path=customXml/itemProps88.xml><?xml version="1.0" encoding="utf-8"?>
+<ds:datastoreItem xmlns:ds="http://schemas.openxmlformats.org/officeDocument/2006/customXml" ds:itemID="{59D0369F-25C4-46DE-8418-DF66EC3FEC68}">
+  <ds:schemaRefs>
+    <ds:schemaRef ds:uri="http://schemas.microsoft.com/VisualStudio/2011/storyboarding/control"/>
+  </ds:schemaRefs>
+</ds:datastoreItem>
+</file>
+
+<file path=customXml/itemProps89.xml><?xml version="1.0" encoding="utf-8"?>
+<ds:datastoreItem xmlns:ds="http://schemas.openxmlformats.org/officeDocument/2006/customXml" ds:itemID="{FCFEC772-99A0-4E2F-BE46-6982F97F1BE9}">
+  <ds:schemaRefs>
+    <ds:schemaRef ds:uri="http://schemas.microsoft.com/VisualStudio/2011/storyboarding/control"/>
+  </ds:schemaRefs>
+</ds:datastoreItem>
+</file>
+
+<file path=customXml/itemProps9.xml><?xml version="1.0" encoding="utf-8"?>
+<ds:datastoreItem xmlns:ds="http://schemas.openxmlformats.org/officeDocument/2006/customXml" ds:itemID="{D9AA3C08-4DA4-4FFF-AE51-25D9FD5C0DBF}">
+  <ds:schemaRefs>
+    <ds:schemaRef ds:uri="http://schemas.microsoft.com/VisualStudio/2011/storyboarding/control"/>
+  </ds:schemaRefs>
+</ds:datastoreItem>
+</file>
+
+<file path=customXml/itemProps90.xml><?xml version="1.0" encoding="utf-8"?>
+<ds:datastoreItem xmlns:ds="http://schemas.openxmlformats.org/officeDocument/2006/customXml" ds:itemID="{D2995B78-C97E-4D98-AA65-D25B2988C718}">
+  <ds:schemaRefs>
+    <ds:schemaRef ds:uri="http://schemas.microsoft.com/VisualStudio/2011/storyboarding/control"/>
+  </ds:schemaRefs>
+</ds:datastoreItem>
+</file>
+
+<file path=customXml/itemProps91.xml><?xml version="1.0" encoding="utf-8"?>
+<ds:datastoreItem xmlns:ds="http://schemas.openxmlformats.org/officeDocument/2006/customXml" ds:itemID="{06C11E88-1615-4B77-96AD-4B8BA4A066E8}">
+  <ds:schemaRefs>
+    <ds:schemaRef ds:uri="http://schemas.microsoft.com/VisualStudio/2011/storyboarding/control"/>
+  </ds:schemaRefs>
+</ds:datastoreItem>
+</file>
+
+<file path=customXml/itemProps92.xml><?xml version="1.0" encoding="utf-8"?>
+<ds:datastoreItem xmlns:ds="http://schemas.openxmlformats.org/officeDocument/2006/customXml" ds:itemID="{0AB71E67-FC2D-421E-B264-47BB552D5A5B}">
+  <ds:schemaRefs>
+    <ds:schemaRef ds:uri="http://schemas.microsoft.com/VisualStudio/2011/storyboarding/control"/>
+  </ds:schemaRefs>
+</ds:datastoreItem>
+</file>
+
+<file path=customXml/itemProps93.xml><?xml version="1.0" encoding="utf-8"?>
+<ds:datastoreItem xmlns:ds="http://schemas.openxmlformats.org/officeDocument/2006/customXml" ds:itemID="{47953D14-6ADC-4DA0-8BCD-D5FB70B1B04A}">
+  <ds:schemaRefs>
+    <ds:schemaRef ds:uri="http://schemas.microsoft.com/VisualStudio/2011/storyboarding/control"/>
+  </ds:schemaRefs>
+</ds:datastoreItem>
+</file>
+
+<file path=customXml/itemProps94.xml><?xml version="1.0" encoding="utf-8"?>
+<ds:datastoreItem xmlns:ds="http://schemas.openxmlformats.org/officeDocument/2006/customXml" ds:itemID="{4A328889-52D6-47EA-AA7A-7178F57DFC2D}">
+  <ds:schemaRefs>
+    <ds:schemaRef ds:uri="http://schemas.microsoft.com/VisualStudio/2011/storyboarding/control"/>
+  </ds:schemaRefs>
+</ds:datastoreItem>
+</file>
+
+<file path=customXml/itemProps95.xml><?xml version="1.0" encoding="utf-8"?>
 <ds:datastoreItem xmlns:ds="http://schemas.openxmlformats.org/officeDocument/2006/customXml" ds:itemID="{0F164301-2D99-488D-879B-EBF2E25CACC9}">
   <ds:schemaRefs>
     <ds:schemaRef ds:uri="http://schemas.microsoft.com/VisualStudio/2011/storyboarding/control"/>
@@ -17267,143 +18251,7 @@
 </ds:datastoreItem>
 </file>
 
-<file path=customXml/itemProps184.xml><?xml version="1.0" encoding="utf-8"?>
-<ds:datastoreItem xmlns:ds="http://schemas.openxmlformats.org/officeDocument/2006/customXml" ds:itemID="{75C5C63A-A896-4FBC-869E-FD9A15D59624}">
-  <ds:schemaRefs>
-    <ds:schemaRef ds:uri="http://schemas.microsoft.com/VisualStudio/2011/storyboarding/control"/>
-  </ds:schemaRefs>
-</ds:datastoreItem>
-</file>
-
-<file path=customXml/itemProps185.xml><?xml version="1.0" encoding="utf-8"?>
-<ds:datastoreItem xmlns:ds="http://schemas.openxmlformats.org/officeDocument/2006/customXml" ds:itemID="{6582B369-37A3-46AF-9A3D-416B235F7579}">
-  <ds:schemaRefs>
-    <ds:schemaRef ds:uri="http://schemas.microsoft.com/VisualStudio/2011/storyboarding/control"/>
-  </ds:schemaRefs>
-</ds:datastoreItem>
-</file>
-
-<file path=customXml/itemProps186.xml><?xml version="1.0" encoding="utf-8"?>
-<ds:datastoreItem xmlns:ds="http://schemas.openxmlformats.org/officeDocument/2006/customXml" ds:itemID="{3A84922F-98F9-4144-BF0B-1CED2EDBF970}">
-  <ds:schemaRefs>
-    <ds:schemaRef ds:uri="http://schemas.microsoft.com/VisualStudio/2011/storyboarding/control"/>
-  </ds:schemaRefs>
-</ds:datastoreItem>
-</file>
-
-<file path=customXml/itemProps187.xml><?xml version="1.0" encoding="utf-8"?>
-<ds:datastoreItem xmlns:ds="http://schemas.openxmlformats.org/officeDocument/2006/customXml" ds:itemID="{2712D29F-F84F-421E-9FCA-4B29FB753C7B}">
-  <ds:schemaRefs>
-    <ds:schemaRef ds:uri="http://schemas.microsoft.com/VisualStudio/2011/storyboarding/control"/>
-  </ds:schemaRefs>
-</ds:datastoreItem>
-</file>
-
-<file path=customXml/itemProps188.xml><?xml version="1.0" encoding="utf-8"?>
-<ds:datastoreItem xmlns:ds="http://schemas.openxmlformats.org/officeDocument/2006/customXml" ds:itemID="{D2995B78-C97E-4D98-AA65-D25B2988C718}">
-  <ds:schemaRefs>
-    <ds:schemaRef ds:uri="http://schemas.microsoft.com/VisualStudio/2011/storyboarding/control"/>
-  </ds:schemaRefs>
-</ds:datastoreItem>
-</file>
-
-<file path=customXml/itemProps189.xml><?xml version="1.0" encoding="utf-8"?>
-<ds:datastoreItem xmlns:ds="http://schemas.openxmlformats.org/officeDocument/2006/customXml" ds:itemID="{DE2077E2-DC0E-4554-85CA-896CD8728B86}">
-  <ds:schemaRefs>
-    <ds:schemaRef ds:uri="http://schemas.microsoft.com/VisualStudio/2011/storyboarding/control"/>
-  </ds:schemaRefs>
-</ds:datastoreItem>
-</file>
-
-<file path=customXml/itemProps19.xml><?xml version="1.0" encoding="utf-8"?>
-<ds:datastoreItem xmlns:ds="http://schemas.openxmlformats.org/officeDocument/2006/customXml" ds:itemID="{7AB87D2A-44BC-4109-A9F6-0CF47E17DA7C}">
-  <ds:schemaRefs>
-    <ds:schemaRef ds:uri="http://schemas.microsoft.com/VisualStudio/2011/storyboarding/control"/>
-  </ds:schemaRefs>
-</ds:datastoreItem>
-</file>
-
-<file path=customXml/itemProps190.xml><?xml version="1.0" encoding="utf-8"?>
-<ds:datastoreItem xmlns:ds="http://schemas.openxmlformats.org/officeDocument/2006/customXml" ds:itemID="{B5FEDD11-DFAA-4676-922F-7A58B221352F}">
-  <ds:schemaRefs>
-    <ds:schemaRef ds:uri="http://schemas.microsoft.com/VisualStudio/2011/storyboarding/control"/>
-  </ds:schemaRefs>
-</ds:datastoreItem>
-</file>
-
-<file path=customXml/itemProps191.xml><?xml version="1.0" encoding="utf-8"?>
-<ds:datastoreItem xmlns:ds="http://schemas.openxmlformats.org/officeDocument/2006/customXml" ds:itemID="{24F06A6C-A626-408F-8D64-B4E445AC8F7B}">
-  <ds:schemaRefs>
-    <ds:schemaRef ds:uri="http://schemas.microsoft.com/VisualStudio/2011/storyboarding/control"/>
-  </ds:schemaRefs>
-</ds:datastoreItem>
-</file>
-
-<file path=customXml/itemProps192.xml><?xml version="1.0" encoding="utf-8"?>
-<ds:datastoreItem xmlns:ds="http://schemas.openxmlformats.org/officeDocument/2006/customXml" ds:itemID="{1D5D2327-B743-4212-9907-D814BD85E547}">
-  <ds:schemaRefs>
-    <ds:schemaRef ds:uri="http://schemas.microsoft.com/VisualStudio/2011/storyboarding/control"/>
-  </ds:schemaRefs>
-</ds:datastoreItem>
-</file>
-
-<file path=customXml/itemProps193.xml><?xml version="1.0" encoding="utf-8"?>
-<ds:datastoreItem xmlns:ds="http://schemas.openxmlformats.org/officeDocument/2006/customXml" ds:itemID="{E8B60FE0-7DF2-4A75-B93C-908D3F53564F}">
-  <ds:schemaRefs>
-    <ds:schemaRef ds:uri="http://schemas.microsoft.com/VisualStudio/2011/storyboarding/control"/>
-  </ds:schemaRefs>
-</ds:datastoreItem>
-</file>
-
-<file path=customXml/itemProps194.xml><?xml version="1.0" encoding="utf-8"?>
-<ds:datastoreItem xmlns:ds="http://schemas.openxmlformats.org/officeDocument/2006/customXml" ds:itemID="{66600691-9C08-40E0-A656-5EBB5F8FD76D}">
-  <ds:schemaRefs>
-    <ds:schemaRef ds:uri="http://schemas.microsoft.com/VisualStudio/2011/storyboarding/control"/>
-  </ds:schemaRefs>
-</ds:datastoreItem>
-</file>
-
-<file path=customXml/itemProps195.xml><?xml version="1.0" encoding="utf-8"?>
-<ds:datastoreItem xmlns:ds="http://schemas.openxmlformats.org/officeDocument/2006/customXml" ds:itemID="{CBD27E78-4EB9-4F5F-AED2-22B368532B48}">
-  <ds:schemaRefs>
-    <ds:schemaRef ds:uri="http://schemas.microsoft.com/VisualStudio/2011/storyboarding/control"/>
-  </ds:schemaRefs>
-</ds:datastoreItem>
-</file>
-
-<file path=customXml/itemProps196.xml><?xml version="1.0" encoding="utf-8"?>
-<ds:datastoreItem xmlns:ds="http://schemas.openxmlformats.org/officeDocument/2006/customXml" ds:itemID="{CC9AD016-189C-474E-B8AD-A91A9EEF08A8}">
-  <ds:schemaRefs>
-    <ds:schemaRef ds:uri="http://schemas.microsoft.com/VisualStudio/2011/storyboarding/control"/>
-  </ds:schemaRefs>
-</ds:datastoreItem>
-</file>
-
-<file path=customXml/itemProps197.xml><?xml version="1.0" encoding="utf-8"?>
-<ds:datastoreItem xmlns:ds="http://schemas.openxmlformats.org/officeDocument/2006/customXml" ds:itemID="{A6AEA25F-750E-4988-900D-61E20A7E9B41}">
-  <ds:schemaRefs>
-    <ds:schemaRef ds:uri="http://schemas.microsoft.com/VisualStudio/2011/storyboarding/control"/>
-  </ds:schemaRefs>
-</ds:datastoreItem>
-</file>
-
-<file path=customXml/itemProps198.xml><?xml version="1.0" encoding="utf-8"?>
-<ds:datastoreItem xmlns:ds="http://schemas.openxmlformats.org/officeDocument/2006/customXml" ds:itemID="{6242C801-E508-4285-8113-A840292E3FB0}">
-  <ds:schemaRefs>
-    <ds:schemaRef ds:uri="http://schemas.microsoft.com/VisualStudio/2011/storyboarding/control"/>
-  </ds:schemaRefs>
-</ds:datastoreItem>
-</file>
-
-<file path=customXml/itemProps199.xml><?xml version="1.0" encoding="utf-8"?>
-<ds:datastoreItem xmlns:ds="http://schemas.openxmlformats.org/officeDocument/2006/customXml" ds:itemID="{0EAB0B6C-A303-4B13-AB5F-3E2C8058FA1B}">
-  <ds:schemaRefs>
-    <ds:schemaRef ds:uri="http://schemas.microsoft.com/VisualStudio/2011/storyboarding/control"/>
-  </ds:schemaRefs>
-</ds:datastoreItem>
-</file>
-
-<file path=customXml/itemProps2.xml><?xml version="1.0" encoding="utf-8"?>
+<file path=customXml/itemProps96.xml><?xml version="1.0" encoding="utf-8"?>
 <ds:datastoreItem xmlns:ds="http://schemas.openxmlformats.org/officeDocument/2006/customXml" ds:itemID="{2373FA59-A4C7-4E40-BF8A-FEF69ED346A4}">
   <ds:schemaRefs>
     <ds:schemaRef ds:uri="http://schemas.microsoft.com/VisualStudio/2011/storyboarding/control"/>
@@ -17411,127 +18259,15 @@
 </ds:datastoreItem>
 </file>
 
-<file path=customXml/itemProps20.xml><?xml version="1.0" encoding="utf-8"?>
-<ds:datastoreItem xmlns:ds="http://schemas.openxmlformats.org/officeDocument/2006/customXml" ds:itemID="{A5C9F535-848A-484D-BE9A-C7950B04C8EE}">
-  <ds:schemaRefs>
-    <ds:schemaRef ds:uri="http://schemas.microsoft.com/VisualStudio/2011/storyboarding/control"/>
-  </ds:schemaRefs>
-</ds:datastoreItem>
-</file>
-
-<file path=customXml/itemProps200.xml><?xml version="1.0" encoding="utf-8"?>
-<ds:datastoreItem xmlns:ds="http://schemas.openxmlformats.org/officeDocument/2006/customXml" ds:itemID="{9F416F2E-7F32-446B-A04C-F872B644E37B}">
-  <ds:schemaRefs>
-    <ds:schemaRef ds:uri="http://schemas.microsoft.com/VisualStudio/2011/storyboarding/control"/>
-  </ds:schemaRefs>
-</ds:datastoreItem>
-</file>
-
-<file path=customXml/itemProps201.xml><?xml version="1.0" encoding="utf-8"?>
-<ds:datastoreItem xmlns:ds="http://schemas.openxmlformats.org/officeDocument/2006/customXml" ds:itemID="{5CF9642B-0BB7-441A-9461-B7FCEF4AB57B}">
-  <ds:schemaRefs>
-    <ds:schemaRef ds:uri="http://schemas.microsoft.com/VisualStudio/2011/storyboarding/control"/>
-  </ds:schemaRefs>
-</ds:datastoreItem>
-</file>
-
-<file path=customXml/itemProps202.xml><?xml version="1.0" encoding="utf-8"?>
-<ds:datastoreItem xmlns:ds="http://schemas.openxmlformats.org/officeDocument/2006/customXml" ds:itemID="{8F9EA6A1-9645-41E0-8978-C46F0B005E85}">
-  <ds:schemaRefs>
-    <ds:schemaRef ds:uri="http://schemas.microsoft.com/VisualStudio/2011/storyboarding/control"/>
-  </ds:schemaRefs>
-</ds:datastoreItem>
-</file>
-
-<file path=customXml/itemProps203.xml><?xml version="1.0" encoding="utf-8"?>
-<ds:datastoreItem xmlns:ds="http://schemas.openxmlformats.org/officeDocument/2006/customXml" ds:itemID="{758C2469-4719-418F-86FF-D55EF85FB106}">
-  <ds:schemaRefs>
-    <ds:schemaRef ds:uri="http://schemas.microsoft.com/VisualStudio/2011/storyboarding/control"/>
-  </ds:schemaRefs>
-</ds:datastoreItem>
-</file>
-
-<file path=customXml/itemProps204.xml><?xml version="1.0" encoding="utf-8"?>
-<ds:datastoreItem xmlns:ds="http://schemas.openxmlformats.org/officeDocument/2006/customXml" ds:itemID="{5C280CFA-B398-43E7-8849-E22AA73B4D32}">
-  <ds:schemaRefs>
-    <ds:schemaRef ds:uri="http://schemas.microsoft.com/VisualStudio/2011/storyboarding/control"/>
-  </ds:schemaRefs>
-</ds:datastoreItem>
-</file>
-
-<file path=customXml/itemProps205.xml><?xml version="1.0" encoding="utf-8"?>
-<ds:datastoreItem xmlns:ds="http://schemas.openxmlformats.org/officeDocument/2006/customXml" ds:itemID="{B3A32BF6-6F46-46AB-B97C-AB64DBA4198F}">
-  <ds:schemaRefs>
-    <ds:schemaRef ds:uri="http://schemas.microsoft.com/VisualStudio/2011/storyboarding/control"/>
-  </ds:schemaRefs>
-</ds:datastoreItem>
-</file>
-
-<file path=customXml/itemProps206.xml><?xml version="1.0" encoding="utf-8"?>
-<ds:datastoreItem xmlns:ds="http://schemas.openxmlformats.org/officeDocument/2006/customXml" ds:itemID="{1559E40F-A325-40F7-9430-6F8FB13A7583}">
-  <ds:schemaRefs>
-    <ds:schemaRef ds:uri="http://schemas.microsoft.com/VisualStudio/2011/storyboarding/control"/>
-  </ds:schemaRefs>
-</ds:datastoreItem>
-</file>
-
-<file path=customXml/itemProps207.xml><?xml version="1.0" encoding="utf-8"?>
-<ds:datastoreItem xmlns:ds="http://schemas.openxmlformats.org/officeDocument/2006/customXml" ds:itemID="{EA061890-516E-49BD-B4E5-482161158202}">
-  <ds:schemaRefs>
-    <ds:schemaRef ds:uri="http://schemas.microsoft.com/VisualStudio/2011/storyboarding/control"/>
-  </ds:schemaRefs>
-</ds:datastoreItem>
-</file>
-
-<file path=customXml/itemProps208.xml><?xml version="1.0" encoding="utf-8"?>
-<ds:datastoreItem xmlns:ds="http://schemas.openxmlformats.org/officeDocument/2006/customXml" ds:itemID="{13A1B88E-6976-4FB8-A22E-0831CD37A714}">
-  <ds:schemaRefs>
-    <ds:schemaRef ds:uri="http://schemas.microsoft.com/VisualStudio/2011/storyboarding/control"/>
-  </ds:schemaRefs>
-</ds:datastoreItem>
-</file>
-
-<file path=customXml/itemProps209.xml><?xml version="1.0" encoding="utf-8"?>
-<ds:datastoreItem xmlns:ds="http://schemas.openxmlformats.org/officeDocument/2006/customXml" ds:itemID="{8879F12F-5837-4318-A5E2-E7D6DFA561DD}">
-  <ds:schemaRefs>
-    <ds:schemaRef ds:uri="http://schemas.microsoft.com/VisualStudio/2011/storyboarding/control"/>
-  </ds:schemaRefs>
-</ds:datastoreItem>
-</file>
-
-<file path=customXml/itemProps21.xml><?xml version="1.0" encoding="utf-8"?>
-<ds:datastoreItem xmlns:ds="http://schemas.openxmlformats.org/officeDocument/2006/customXml" ds:itemID="{F09024E1-1C18-4E75-B068-E418EE7D2650}">
-  <ds:schemaRefs>
-    <ds:schemaRef ds:uri="http://schemas.microsoft.com/VisualStudio/2011/storyboarding/control"/>
-  </ds:schemaRefs>
-</ds:datastoreItem>
-</file>
-
-<file path=customXml/itemProps210.xml><?xml version="1.0" encoding="utf-8"?>
-<ds:datastoreItem xmlns:ds="http://schemas.openxmlformats.org/officeDocument/2006/customXml" ds:itemID="{6FA4B224-58B8-4C0B-9CB1-F2D442462342}">
-  <ds:schemaRefs>
-    <ds:schemaRef ds:uri="http://schemas.microsoft.com/VisualStudio/2011/storyboarding/control"/>
-  </ds:schemaRefs>
-</ds:datastoreItem>
-</file>
-
-<file path=customXml/itemProps22.xml><?xml version="1.0" encoding="utf-8"?>
-<ds:datastoreItem xmlns:ds="http://schemas.openxmlformats.org/officeDocument/2006/customXml" ds:itemID="{55CA6769-99B0-4402-A536-C3C8E0221022}">
-  <ds:schemaRefs>
-    <ds:schemaRef ds:uri="http://schemas.microsoft.com/VisualStudio/2011/storyboarding/control"/>
-  </ds:schemaRefs>
-</ds:datastoreItem>
-</file>
-
-<file path=customXml/itemProps23.xml><?xml version="1.0" encoding="utf-8"?>
-<ds:datastoreItem xmlns:ds="http://schemas.openxmlformats.org/officeDocument/2006/customXml" ds:itemID="{F753D4C8-6DCC-4D78-9E76-A20A021CFCD8}">
-  <ds:schemaRefs>
-    <ds:schemaRef ds:uri="http://schemas.microsoft.com/VisualStudio/2011/storyboarding/control"/>
-  </ds:schemaRefs>
-</ds:datastoreItem>
-</file>
-
-<file path=customXml/itemProps24.xml><?xml version="1.0" encoding="utf-8"?>
+<file path=customXml/itemProps97.xml><?xml version="1.0" encoding="utf-8"?>
+<ds:datastoreItem xmlns:ds="http://schemas.openxmlformats.org/officeDocument/2006/customXml" ds:itemID="{D76A8C43-D0E6-4D76-A639-72E580E29047}">
+  <ds:schemaRefs>
+    <ds:schemaRef ds:uri="http://schemas.microsoft.com/VisualStudio/2011/storyboarding/control"/>
+  </ds:schemaRefs>
+</ds:datastoreItem>
+</file>
+
+<file path=customXml/itemProps98.xml><?xml version="1.0" encoding="utf-8"?>
 <ds:datastoreItem xmlns:ds="http://schemas.openxmlformats.org/officeDocument/2006/customXml" ds:itemID="{2A5F2F26-968C-4D10-A23C-7F7AB3C144F1}">
   <ds:schemaRefs>
     <ds:schemaRef ds:uri="http://schemas.microsoft.com/VisualStudio/2011/storyboarding/control"/>
@@ -17539,658 +18275,10 @@
 </ds:datastoreItem>
 </file>
 
-<file path=customXml/itemProps25.xml><?xml version="1.0" encoding="utf-8"?>
-<ds:datastoreItem xmlns:ds="http://schemas.openxmlformats.org/officeDocument/2006/customXml" ds:itemID="{6EF31828-B1D4-48CE-A1B2-9C0A5D142D1E}">
-  <ds:schemaRefs>
-    <ds:schemaRef ds:uri="http://schemas.microsoft.com/VisualStudio/2011/storyboarding/control"/>
-  </ds:schemaRefs>
-</ds:datastoreItem>
-</file>
-
-<file path=customXml/itemProps26.xml><?xml version="1.0" encoding="utf-8"?>
-<ds:datastoreItem xmlns:ds="http://schemas.openxmlformats.org/officeDocument/2006/customXml" ds:itemID="{03653E92-1616-42CD-8288-0A4EBB2CAA1C}">
-  <ds:schemaRefs>
-    <ds:schemaRef ds:uri="http://schemas.microsoft.com/VisualStudio/2011/storyboarding/control"/>
-  </ds:schemaRefs>
-</ds:datastoreItem>
-</file>
-
-<file path=customXml/itemProps27.xml><?xml version="1.0" encoding="utf-8"?>
-<ds:datastoreItem xmlns:ds="http://schemas.openxmlformats.org/officeDocument/2006/customXml" ds:itemID="{3F44ADFA-C7D2-4102-9298-3583F06E2549}">
-  <ds:schemaRefs>
-    <ds:schemaRef ds:uri="http://schemas.microsoft.com/VisualStudio/2011/storyboarding/control"/>
-  </ds:schemaRefs>
-</ds:datastoreItem>
-</file>
-
-<file path=customXml/itemProps28.xml><?xml version="1.0" encoding="utf-8"?>
-<ds:datastoreItem xmlns:ds="http://schemas.openxmlformats.org/officeDocument/2006/customXml" ds:itemID="{C7B0D7AD-32DF-4953-89C9-C834F6010560}">
-  <ds:schemaRefs>
-    <ds:schemaRef ds:uri="http://schemas.microsoft.com/VisualStudio/2011/storyboarding/control"/>
-  </ds:schemaRefs>
-</ds:datastoreItem>
-</file>
-
-<file path=customXml/itemProps29.xml><?xml version="1.0" encoding="utf-8"?>
-<ds:datastoreItem xmlns:ds="http://schemas.openxmlformats.org/officeDocument/2006/customXml" ds:itemID="{D76A8C43-D0E6-4D76-A639-72E580E29047}">
-  <ds:schemaRefs>
-    <ds:schemaRef ds:uri="http://schemas.microsoft.com/VisualStudio/2011/storyboarding/control"/>
-  </ds:schemaRefs>
-</ds:datastoreItem>
-</file>
-
-<file path=customXml/itemProps3.xml><?xml version="1.0" encoding="utf-8"?>
-<ds:datastoreItem xmlns:ds="http://schemas.openxmlformats.org/officeDocument/2006/customXml" ds:itemID="{AE608858-3A79-4E62-9586-14C746DF17FE}">
-  <ds:schemaRefs>
-    <ds:schemaRef ds:uri="http://schemas.microsoft.com/VisualStudio/2011/storyboarding/control"/>
-  </ds:schemaRefs>
-</ds:datastoreItem>
-</file>
-
-<file path=customXml/itemProps30.xml><?xml version="1.0" encoding="utf-8"?>
-<ds:datastoreItem xmlns:ds="http://schemas.openxmlformats.org/officeDocument/2006/customXml" ds:itemID="{DDE8CEAB-FAAF-46B5-9BC4-6BAA48DFB915}">
-  <ds:schemaRefs>
-    <ds:schemaRef ds:uri="http://schemas.microsoft.com/VisualStudio/2011/storyboarding/control"/>
-  </ds:schemaRefs>
-</ds:datastoreItem>
-</file>
-
-<file path=customXml/itemProps31.xml><?xml version="1.0" encoding="utf-8"?>
-<ds:datastoreItem xmlns:ds="http://schemas.openxmlformats.org/officeDocument/2006/customXml" ds:itemID="{1C9E4718-660A-46FF-B326-15E4FE359C0C}">
-  <ds:schemaRefs>
-    <ds:schemaRef ds:uri="http://schemas.microsoft.com/VisualStudio/2011/storyboarding/control"/>
-  </ds:schemaRefs>
-</ds:datastoreItem>
-</file>
-
-<file path=customXml/itemProps32.xml><?xml version="1.0" encoding="utf-8"?>
-<ds:datastoreItem xmlns:ds="http://schemas.openxmlformats.org/officeDocument/2006/customXml" ds:itemID="{46C8095E-E543-4B44-84A5-7DF9215641EF}">
-  <ds:schemaRefs>
-    <ds:schemaRef ds:uri="http://schemas.microsoft.com/VisualStudio/2011/storyboarding/control"/>
-  </ds:schemaRefs>
-</ds:datastoreItem>
-</file>
-
-<file path=customXml/itemProps33.xml><?xml version="1.0" encoding="utf-8"?>
-<ds:datastoreItem xmlns:ds="http://schemas.openxmlformats.org/officeDocument/2006/customXml" ds:itemID="{AAE9B66C-C51E-45FF-A0AF-F87D4E76C603}">
-  <ds:schemaRefs>
-    <ds:schemaRef ds:uri="http://schemas.microsoft.com/VisualStudio/2011/storyboarding/control"/>
-  </ds:schemaRefs>
-</ds:datastoreItem>
-</file>
-
-<file path=customXml/itemProps34.xml><?xml version="1.0" encoding="utf-8"?>
-<ds:datastoreItem xmlns:ds="http://schemas.openxmlformats.org/officeDocument/2006/customXml" ds:itemID="{CF586D09-EEB6-4A49-AAE1-88E826EEDC73}">
-  <ds:schemaRefs>
-    <ds:schemaRef ds:uri="http://schemas.microsoft.com/VisualStudio/2011/storyboarding/control"/>
-  </ds:schemaRefs>
-</ds:datastoreItem>
-</file>
-
-<file path=customXml/itemProps35.xml><?xml version="1.0" encoding="utf-8"?>
-<ds:datastoreItem xmlns:ds="http://schemas.openxmlformats.org/officeDocument/2006/customXml" ds:itemID="{18CA7C37-7AF9-45BE-BBAE-D2D0584D8934}">
-  <ds:schemaRefs>
-    <ds:schemaRef ds:uri="http://schemas.microsoft.com/VisualStudio/2011/storyboarding/control"/>
-  </ds:schemaRefs>
-</ds:datastoreItem>
-</file>
-
-<file path=customXml/itemProps36.xml><?xml version="1.0" encoding="utf-8"?>
-<ds:datastoreItem xmlns:ds="http://schemas.openxmlformats.org/officeDocument/2006/customXml" ds:itemID="{69C5573C-4D11-4ED5-8CA8-88391EEEF019}">
-  <ds:schemaRefs>
-    <ds:schemaRef ds:uri="http://schemas.microsoft.com/VisualStudio/2011/storyboarding/control"/>
-  </ds:schemaRefs>
-</ds:datastoreItem>
-</file>
-
-<file path=customXml/itemProps37.xml><?xml version="1.0" encoding="utf-8"?>
-<ds:datastoreItem xmlns:ds="http://schemas.openxmlformats.org/officeDocument/2006/customXml" ds:itemID="{BB9D8331-A5A0-4DC8-BED7-F17D94CE02E8}">
-  <ds:schemaRefs>
-    <ds:schemaRef ds:uri="http://schemas.microsoft.com/VisualStudio/2011/storyboarding/control"/>
-  </ds:schemaRefs>
-</ds:datastoreItem>
-</file>
-
-<file path=customXml/itemProps38.xml><?xml version="1.0" encoding="utf-8"?>
-<ds:datastoreItem xmlns:ds="http://schemas.openxmlformats.org/officeDocument/2006/customXml" ds:itemID="{D2AAAC7E-0A85-448C-BEAF-FB2E1B4987CA}">
-  <ds:schemaRefs>
-    <ds:schemaRef ds:uri="http://schemas.microsoft.com/VisualStudio/2011/storyboarding/control"/>
-  </ds:schemaRefs>
-</ds:datastoreItem>
-</file>
-
-<file path=customXml/itemProps39.xml><?xml version="1.0" encoding="utf-8"?>
-<ds:datastoreItem xmlns:ds="http://schemas.openxmlformats.org/officeDocument/2006/customXml" ds:itemID="{8C7C7B8E-5451-4DAE-8DA4-7B210EC29FF3}">
-  <ds:schemaRefs>
-    <ds:schemaRef ds:uri="http://schemas.microsoft.com/VisualStudio/2011/storyboarding/control"/>
-  </ds:schemaRefs>
-</ds:datastoreItem>
-</file>
-
-<file path=customXml/itemProps4.xml><?xml version="1.0" encoding="utf-8"?>
-<ds:datastoreItem xmlns:ds="http://schemas.openxmlformats.org/officeDocument/2006/customXml" ds:itemID="{77104134-B524-4624-9201-ECD829C881BD}">
-  <ds:schemaRefs>
-    <ds:schemaRef ds:uri="http://schemas.microsoft.com/VisualStudio/2011/storyboarding/control"/>
-  </ds:schemaRefs>
-</ds:datastoreItem>
-</file>
-
-<file path=customXml/itemProps40.xml><?xml version="1.0" encoding="utf-8"?>
+<file path=customXml/itemProps99.xml><?xml version="1.0" encoding="utf-8"?>
 <ds:datastoreItem xmlns:ds="http://schemas.openxmlformats.org/officeDocument/2006/customXml" ds:itemID="{CA9B1D84-8FAF-4BE3-BEDE-DAB5639D6F30}">
   <ds:schemaRefs>
     <ds:schemaRef ds:uri="http://schemas.microsoft.com/VisualStudio/2011/storyboarding/control"/>
   </ds:schemaRefs>
 </ds:datastoreItem>
-</file>
-
-<file path=customXml/itemProps41.xml><?xml version="1.0" encoding="utf-8"?>
-<ds:datastoreItem xmlns:ds="http://schemas.openxmlformats.org/officeDocument/2006/customXml" ds:itemID="{FE87856E-EB9D-4E52-95E2-2A7B45AA4114}">
-  <ds:schemaRefs>
-    <ds:schemaRef ds:uri="http://schemas.microsoft.com/VisualStudio/2011/storyboarding/control"/>
-  </ds:schemaRefs>
-</ds:datastoreItem>
-</file>
-
-<file path=customXml/itemProps42.xml><?xml version="1.0" encoding="utf-8"?>
-<ds:datastoreItem xmlns:ds="http://schemas.openxmlformats.org/officeDocument/2006/customXml" ds:itemID="{E44C9E77-1C35-4DBC-82DD-57E4D308EFBB}">
-  <ds:schemaRefs>
-    <ds:schemaRef ds:uri="http://schemas.microsoft.com/VisualStudio/2011/storyboarding/control"/>
-  </ds:schemaRefs>
-</ds:datastoreItem>
-</file>
-
-<file path=customXml/itemProps43.xml><?xml version="1.0" encoding="utf-8"?>
-<ds:datastoreItem xmlns:ds="http://schemas.openxmlformats.org/officeDocument/2006/customXml" ds:itemID="{8034C046-287A-40CC-BFAD-DD9798F69203}">
-  <ds:schemaRefs>
-    <ds:schemaRef ds:uri="http://schemas.microsoft.com/VisualStudio/2011/storyboarding/control"/>
-  </ds:schemaRefs>
-</ds:datastoreItem>
-</file>
-
-<file path=customXml/itemProps44.xml><?xml version="1.0" encoding="utf-8"?>
-<ds:datastoreItem xmlns:ds="http://schemas.openxmlformats.org/officeDocument/2006/customXml" ds:itemID="{71F7DD17-FE3B-45F0-BA26-7919E3FA2124}">
-  <ds:schemaRefs>
-    <ds:schemaRef ds:uri="http://schemas.microsoft.com/VisualStudio/2011/storyboarding/control"/>
-  </ds:schemaRefs>
-</ds:datastoreItem>
-</file>
-
-<file path=customXml/itemProps45.xml><?xml version="1.0" encoding="utf-8"?>
-<ds:datastoreItem xmlns:ds="http://schemas.openxmlformats.org/officeDocument/2006/customXml" ds:itemID="{8A555954-45BE-4EEE-9F3C-9C997F6D1BA3}">
-  <ds:schemaRefs>
-    <ds:schemaRef ds:uri="http://schemas.microsoft.com/VisualStudio/2011/storyboarding/control"/>
-  </ds:schemaRefs>
-</ds:datastoreItem>
-</file>
-
-<file path=customXml/itemProps46.xml><?xml version="1.0" encoding="utf-8"?>
-<ds:datastoreItem xmlns:ds="http://schemas.openxmlformats.org/officeDocument/2006/customXml" ds:itemID="{4C95C4DB-91BC-4C29-B0A4-0A132577B473}">
-  <ds:schemaRefs>
-    <ds:schemaRef ds:uri="http://schemas.microsoft.com/VisualStudio/2011/storyboarding/control"/>
-  </ds:schemaRefs>
-</ds:datastoreItem>
-</file>
-
-<file path=customXml/itemProps47.xml><?xml version="1.0" encoding="utf-8"?>
-<ds:datastoreItem xmlns:ds="http://schemas.openxmlformats.org/officeDocument/2006/customXml" ds:itemID="{1E27CC14-9852-42D8-9A73-828A1C767F65}">
-  <ds:schemaRefs>
-    <ds:schemaRef ds:uri="http://schemas.microsoft.com/VisualStudio/2011/storyboarding/control"/>
-  </ds:schemaRefs>
-</ds:datastoreItem>
-</file>
-
-<file path=customXml/itemProps48.xml><?xml version="1.0" encoding="utf-8"?>
-<ds:datastoreItem xmlns:ds="http://schemas.openxmlformats.org/officeDocument/2006/customXml" ds:itemID="{AA234BDC-12CC-4725-B78F-BD23529D0FB4}">
-  <ds:schemaRefs>
-    <ds:schemaRef ds:uri="http://schemas.microsoft.com/VisualStudio/2011/storyboarding/control"/>
-  </ds:schemaRefs>
-</ds:datastoreItem>
-</file>
-
-<file path=customXml/itemProps49.xml><?xml version="1.0" encoding="utf-8"?>
-<ds:datastoreItem xmlns:ds="http://schemas.openxmlformats.org/officeDocument/2006/customXml" ds:itemID="{F2AC79B3-EA47-4A60-8F32-62C9B6A4B730}">
-  <ds:schemaRefs>
-    <ds:schemaRef ds:uri="http://schemas.microsoft.com/VisualStudio/2011/storyboarding/control"/>
-  </ds:schemaRefs>
-</ds:datastoreItem>
-</file>
-
-<file path=customXml/itemProps5.xml><?xml version="1.0" encoding="utf-8"?>
-<ds:datastoreItem xmlns:ds="http://schemas.openxmlformats.org/officeDocument/2006/customXml" ds:itemID="{D9AA3C08-4DA4-4FFF-AE51-25D9FD5C0DBF}">
-  <ds:schemaRefs>
-    <ds:schemaRef ds:uri="http://schemas.microsoft.com/VisualStudio/2011/storyboarding/control"/>
-  </ds:schemaRefs>
-</ds:datastoreItem>
-</file>
-
-<file path=customXml/itemProps50.xml><?xml version="1.0" encoding="utf-8"?>
-<ds:datastoreItem xmlns:ds="http://schemas.openxmlformats.org/officeDocument/2006/customXml" ds:itemID="{FE6E328A-6A73-4FA6-A99D-5520E55E5B7D}">
-  <ds:schemaRefs>
-    <ds:schemaRef ds:uri="http://schemas.microsoft.com/VisualStudio/2011/storyboarding/control"/>
-  </ds:schemaRefs>
-</ds:datastoreItem>
-</file>
-
-<file path=customXml/itemProps51.xml><?xml version="1.0" encoding="utf-8"?>
-<ds:datastoreItem xmlns:ds="http://schemas.openxmlformats.org/officeDocument/2006/customXml" ds:itemID="{E64EFAA4-8D4E-4E3D-90B4-CEBC661B0435}">
-  <ds:schemaRefs>
-    <ds:schemaRef ds:uri="http://schemas.microsoft.com/VisualStudio/2011/storyboarding/control"/>
-  </ds:schemaRefs>
-</ds:datastoreItem>
-</file>
-
-<file path=customXml/itemProps52.xml><?xml version="1.0" encoding="utf-8"?>
-<ds:datastoreItem xmlns:ds="http://schemas.openxmlformats.org/officeDocument/2006/customXml" ds:itemID="{7F5E28FD-26FF-4A48-BAD7-50B55AB6208D}">
-  <ds:schemaRefs>
-    <ds:schemaRef ds:uri="http://schemas.microsoft.com/VisualStudio/2011/storyboarding/control"/>
-  </ds:schemaRefs>
-</ds:datastoreItem>
-</file>
-
-<file path=customXml/itemProps53.xml><?xml version="1.0" encoding="utf-8"?>
-<ds:datastoreItem xmlns:ds="http://schemas.openxmlformats.org/officeDocument/2006/customXml" ds:itemID="{3E9518F8-52DB-4512-B6E1-D4B81EC47F8E}">
-  <ds:schemaRefs>
-    <ds:schemaRef ds:uri="http://schemas.microsoft.com/VisualStudio/2011/storyboarding/control"/>
-  </ds:schemaRefs>
-</ds:datastoreItem>
-</file>
-
-<file path=customXml/itemProps54.xml><?xml version="1.0" encoding="utf-8"?>
-<ds:datastoreItem xmlns:ds="http://schemas.openxmlformats.org/officeDocument/2006/customXml" ds:itemID="{ED7BDB59-BF74-409B-8509-C9B8AF445363}">
-  <ds:schemaRefs>
-    <ds:schemaRef ds:uri="http://schemas.microsoft.com/VisualStudio/2011/storyboarding/control"/>
-  </ds:schemaRefs>
-</ds:datastoreItem>
-</file>
-
-<file path=customXml/itemProps55.xml><?xml version="1.0" encoding="utf-8"?>
-<ds:datastoreItem xmlns:ds="http://schemas.openxmlformats.org/officeDocument/2006/customXml" ds:itemID="{E56EDE5A-F97D-4AD1-8B27-19C05BC797E2}">
-  <ds:schemaRefs>
-    <ds:schemaRef ds:uri="http://schemas.microsoft.com/VisualStudio/2011/storyboarding/control"/>
-  </ds:schemaRefs>
-</ds:datastoreItem>
-</file>
-
-<file path=customXml/itemProps56.xml><?xml version="1.0" encoding="utf-8"?>
-<ds:datastoreItem xmlns:ds="http://schemas.openxmlformats.org/officeDocument/2006/customXml" ds:itemID="{4500268E-82D2-458D-9B7A-1DAD9FBEA8F5}">
-  <ds:schemaRefs>
-    <ds:schemaRef ds:uri="http://schemas.microsoft.com/VisualStudio/2011/storyboarding/control"/>
-  </ds:schemaRefs>
-</ds:datastoreItem>
-</file>
-
-<file path=customXml/itemProps57.xml><?xml version="1.0" encoding="utf-8"?>
-<ds:datastoreItem xmlns:ds="http://schemas.openxmlformats.org/officeDocument/2006/customXml" ds:itemID="{CC0F0423-B11D-48BC-93CE-439535EE4340}">
-  <ds:schemaRefs>
-    <ds:schemaRef ds:uri="http://schemas.microsoft.com/VisualStudio/2011/storyboarding/control"/>
-  </ds:schemaRefs>
-</ds:datastoreItem>
-</file>
-
-<file path=customXml/itemProps58.xml><?xml version="1.0" encoding="utf-8"?>
-<ds:datastoreItem xmlns:ds="http://schemas.openxmlformats.org/officeDocument/2006/customXml" ds:itemID="{6D74F327-6332-4AC5-8084-6EBC78FC0812}">
-  <ds:schemaRefs>
-    <ds:schemaRef ds:uri="http://schemas.microsoft.com/VisualStudio/2011/storyboarding/control"/>
-  </ds:schemaRefs>
-</ds:datastoreItem>
-</file>
-
-<file path=customXml/itemProps59.xml><?xml version="1.0" encoding="utf-8"?>
-<ds:datastoreItem xmlns:ds="http://schemas.openxmlformats.org/officeDocument/2006/customXml" ds:itemID="{9A59C534-A299-402C-BDD6-F5443DFA7893}">
-  <ds:schemaRefs>
-    <ds:schemaRef ds:uri="http://schemas.microsoft.com/VisualStudio/2011/storyboarding/control"/>
-  </ds:schemaRefs>
-</ds:datastoreItem>
-</file>
-
-<file path=customXml/itemProps6.xml><?xml version="1.0" encoding="utf-8"?>
-<ds:datastoreItem xmlns:ds="http://schemas.openxmlformats.org/officeDocument/2006/customXml" ds:itemID="{790E7F39-81D7-4FDD-A0B5-0716A2AE74B2}">
-  <ds:schemaRefs>
-    <ds:schemaRef ds:uri="http://schemas.microsoft.com/VisualStudio/2011/storyboarding/control"/>
-  </ds:schemaRefs>
-</ds:datastoreItem>
-</file>
-
-<file path=customXml/itemProps60.xml><?xml version="1.0" encoding="utf-8"?>
-<ds:datastoreItem xmlns:ds="http://schemas.openxmlformats.org/officeDocument/2006/customXml" ds:itemID="{F7BABBE5-64CC-4B8F-B3B6-CF3FD810F8C7}">
-  <ds:schemaRefs>
-    <ds:schemaRef ds:uri="http://schemas.microsoft.com/VisualStudio/2011/storyboarding/control"/>
-  </ds:schemaRefs>
-</ds:datastoreItem>
-</file>
-
-<file path=customXml/itemProps61.xml><?xml version="1.0" encoding="utf-8"?>
-<ds:datastoreItem xmlns:ds="http://schemas.openxmlformats.org/officeDocument/2006/customXml" ds:itemID="{0BDCEE85-95E9-41B6-B7EA-41FEC8A8955C}">
-  <ds:schemaRefs>
-    <ds:schemaRef ds:uri="http://schemas.microsoft.com/VisualStudio/2011/storyboarding/control"/>
-  </ds:schemaRefs>
-</ds:datastoreItem>
-</file>
-
-<file path=customXml/itemProps62.xml><?xml version="1.0" encoding="utf-8"?>
-<ds:datastoreItem xmlns:ds="http://schemas.openxmlformats.org/officeDocument/2006/customXml" ds:itemID="{D9DDD41F-7524-4A14-A6F5-F6220B14545E}">
-  <ds:schemaRefs>
-    <ds:schemaRef ds:uri="http://schemas.microsoft.com/VisualStudio/2011/storyboarding/control"/>
-  </ds:schemaRefs>
-</ds:datastoreItem>
-</file>
-
-<file path=customXml/itemProps63.xml><?xml version="1.0" encoding="utf-8"?>
-<ds:datastoreItem xmlns:ds="http://schemas.openxmlformats.org/officeDocument/2006/customXml" ds:itemID="{90E6BF7D-584A-485E-85F5-083945235CD7}">
-  <ds:schemaRefs>
-    <ds:schemaRef ds:uri="http://schemas.microsoft.com/VisualStudio/2011/storyboarding/control"/>
-  </ds:schemaRefs>
-</ds:datastoreItem>
-</file>
-
-<file path=customXml/itemProps64.xml><?xml version="1.0" encoding="utf-8"?>
-<ds:datastoreItem xmlns:ds="http://schemas.openxmlformats.org/officeDocument/2006/customXml" ds:itemID="{7C8F0811-703B-42B0-A138-293B93790A1B}">
-  <ds:schemaRefs>
-    <ds:schemaRef ds:uri="http://schemas.microsoft.com/VisualStudio/2011/storyboarding/control"/>
-  </ds:schemaRefs>
-</ds:datastoreItem>
-</file>
-
-<file path=customXml/itemProps65.xml><?xml version="1.0" encoding="utf-8"?>
-<ds:datastoreItem xmlns:ds="http://schemas.openxmlformats.org/officeDocument/2006/customXml" ds:itemID="{554CEDA9-374E-4C76-B97B-7202606AC0BE}">
-  <ds:schemaRefs>
-    <ds:schemaRef ds:uri="http://schemas.microsoft.com/VisualStudio/2011/storyboarding/control"/>
-  </ds:schemaRefs>
-</ds:datastoreItem>
-</file>
-
-<file path=customXml/itemProps66.xml><?xml version="1.0" encoding="utf-8"?>
-<ds:datastoreItem xmlns:ds="http://schemas.openxmlformats.org/officeDocument/2006/customXml" ds:itemID="{2C7E7D13-6875-4C07-A00F-CBDE5826D5D8}">
-  <ds:schemaRefs>
-    <ds:schemaRef ds:uri="http://schemas.microsoft.com/VisualStudio/2011/storyboarding/control"/>
-  </ds:schemaRefs>
-</ds:datastoreItem>
-</file>
-
-<file path=customXml/itemProps67.xml><?xml version="1.0" encoding="utf-8"?>
-<ds:datastoreItem xmlns:ds="http://schemas.openxmlformats.org/officeDocument/2006/customXml" ds:itemID="{9FC86F31-FEBD-4500-B558-3A9092EE01B0}">
-  <ds:schemaRefs>
-    <ds:schemaRef ds:uri="http://schemas.microsoft.com/VisualStudio/2011/storyboarding/control"/>
-  </ds:schemaRefs>
-</ds:datastoreItem>
-</file>
-
-<file path=customXml/itemProps68.xml><?xml version="1.0" encoding="utf-8"?>
-<ds:datastoreItem xmlns:ds="http://schemas.openxmlformats.org/officeDocument/2006/customXml" ds:itemID="{C95B04FA-49D0-4922-A7EB-76ADF3F5F5D3}">
-  <ds:schemaRefs>
-    <ds:schemaRef ds:uri="http://schemas.microsoft.com/VisualStudio/2011/storyboarding/control"/>
-  </ds:schemaRefs>
-</ds:datastoreItem>
-</file>
-
-<file path=customXml/itemProps69.xml><?xml version="1.0" encoding="utf-8"?>
-<ds:datastoreItem xmlns:ds="http://schemas.openxmlformats.org/officeDocument/2006/customXml" ds:itemID="{1CCD967A-A231-4443-B5CB-163865029EA0}">
-  <ds:schemaRefs>
-    <ds:schemaRef ds:uri="http://schemas.microsoft.com/VisualStudio/2011/storyboarding/control"/>
-  </ds:schemaRefs>
-</ds:datastoreItem>
-</file>
-
-<file path=customXml/itemProps7.xml><?xml version="1.0" encoding="utf-8"?>
-<ds:datastoreItem xmlns:ds="http://schemas.openxmlformats.org/officeDocument/2006/customXml" ds:itemID="{06C11E88-1615-4B77-96AD-4B8BA4A066E8}">
-  <ds:schemaRefs>
-    <ds:schemaRef ds:uri="http://schemas.microsoft.com/VisualStudio/2011/storyboarding/control"/>
-  </ds:schemaRefs>
-</ds:datastoreItem>
-</file>
-
-<file path=customXml/itemProps70.xml><?xml version="1.0" encoding="utf-8"?>
-<ds:datastoreItem xmlns:ds="http://schemas.openxmlformats.org/officeDocument/2006/customXml" ds:itemID="{FA631F3F-931D-4669-BD0B-F99571F5C429}">
-  <ds:schemaRefs>
-    <ds:schemaRef ds:uri="http://schemas.microsoft.com/VisualStudio/2011/storyboarding/control"/>
-  </ds:schemaRefs>
-</ds:datastoreItem>
-</file>
-
-<file path=customXml/itemProps71.xml><?xml version="1.0" encoding="utf-8"?>
-<ds:datastoreItem xmlns:ds="http://schemas.openxmlformats.org/officeDocument/2006/customXml" ds:itemID="{0AB71E67-FC2D-421E-B264-47BB552D5A5B}">
-  <ds:schemaRefs>
-    <ds:schemaRef ds:uri="http://schemas.microsoft.com/VisualStudio/2011/storyboarding/control"/>
-  </ds:schemaRefs>
-</ds:datastoreItem>
-</file>
-
-<file path=customXml/itemProps72.xml><?xml version="1.0" encoding="utf-8"?>
-<ds:datastoreItem xmlns:ds="http://schemas.openxmlformats.org/officeDocument/2006/customXml" ds:itemID="{6A689C72-B170-4CC3-844E-7A992719660C}">
-  <ds:schemaRefs>
-    <ds:schemaRef ds:uri="http://schemas.microsoft.com/VisualStudio/2011/storyboarding/control"/>
-  </ds:schemaRefs>
-</ds:datastoreItem>
-</file>
-
-<file path=customXml/itemProps73.xml><?xml version="1.0" encoding="utf-8"?>
-<ds:datastoreItem xmlns:ds="http://schemas.openxmlformats.org/officeDocument/2006/customXml" ds:itemID="{F2948E7D-95F1-4C09-BF4C-141C6B60CBB5}">
-  <ds:schemaRefs>
-    <ds:schemaRef ds:uri="http://schemas.microsoft.com/VisualStudio/2011/storyboarding/control"/>
-  </ds:schemaRefs>
-</ds:datastoreItem>
-</file>
-
-<file path=customXml/itemProps74.xml><?xml version="1.0" encoding="utf-8"?>
-<ds:datastoreItem xmlns:ds="http://schemas.openxmlformats.org/officeDocument/2006/customXml" ds:itemID="{F3241CCA-9602-4CB8-B6FA-D8222B14826C}">
-  <ds:schemaRefs>
-    <ds:schemaRef ds:uri="http://schemas.microsoft.com/VisualStudio/2011/storyboarding/control"/>
-  </ds:schemaRefs>
-</ds:datastoreItem>
-</file>
-
-<file path=customXml/itemProps75.xml><?xml version="1.0" encoding="utf-8"?>
-<ds:datastoreItem xmlns:ds="http://schemas.openxmlformats.org/officeDocument/2006/customXml" ds:itemID="{2DE19DA7-14FB-4A73-97E6-83DF72E609E6}">
-  <ds:schemaRefs>
-    <ds:schemaRef ds:uri="http://schemas.microsoft.com/VisualStudio/2011/storyboarding/control"/>
-  </ds:schemaRefs>
-</ds:datastoreItem>
-</file>
-
-<file path=customXml/itemProps76.xml><?xml version="1.0" encoding="utf-8"?>
-<ds:datastoreItem xmlns:ds="http://schemas.openxmlformats.org/officeDocument/2006/customXml" ds:itemID="{952516C9-92F1-4F3E-8CAE-34A561EA713F}">
-  <ds:schemaRefs>
-    <ds:schemaRef ds:uri="http://schemas.microsoft.com/VisualStudio/2011/storyboarding/control"/>
-  </ds:schemaRefs>
-</ds:datastoreItem>
-</file>
-
-<file path=customXml/itemProps77.xml><?xml version="1.0" encoding="utf-8"?>
-<ds:datastoreItem xmlns:ds="http://schemas.openxmlformats.org/officeDocument/2006/customXml" ds:itemID="{9431BAA6-A458-4A16-B548-267B412E871D}">
-  <ds:schemaRefs>
-    <ds:schemaRef ds:uri="http://schemas.microsoft.com/VisualStudio/2011/storyboarding/control"/>
-  </ds:schemaRefs>
-</ds:datastoreItem>
-</file>
-
-<file path=customXml/itemProps78.xml><?xml version="1.0" encoding="utf-8"?>
-<ds:datastoreItem xmlns:ds="http://schemas.openxmlformats.org/officeDocument/2006/customXml" ds:itemID="{E5DD84D4-A8CE-4783-AB20-E42165ABDFA7}">
-  <ds:schemaRefs>
-    <ds:schemaRef ds:uri="http://schemas.microsoft.com/VisualStudio/2011/storyboarding/control"/>
-  </ds:schemaRefs>
-</ds:datastoreItem>
-</file>
-
-<file path=customXml/itemProps79.xml><?xml version="1.0" encoding="utf-8"?>
-<ds:datastoreItem xmlns:ds="http://schemas.openxmlformats.org/officeDocument/2006/customXml" ds:itemID="{E7741501-71C2-4C17-B4E1-815C0856C474}">
-  <ds:schemaRefs>
-    <ds:schemaRef ds:uri="http://schemas.microsoft.com/VisualStudio/2011/storyboarding/control"/>
-  </ds:schemaRefs>
-</ds:datastoreItem>
-</file>
-
-<file path=customXml/itemProps8.xml><?xml version="1.0" encoding="utf-8"?>
-<ds:datastoreItem xmlns:ds="http://schemas.openxmlformats.org/officeDocument/2006/customXml" ds:itemID="{6F4A2862-C914-4127-9AA3-4EC971E05888}">
-  <ds:schemaRefs>
-    <ds:schemaRef ds:uri="http://schemas.microsoft.com/VisualStudio/2011/storyboarding/control"/>
-  </ds:schemaRefs>
-</ds:datastoreItem>
-</file>
-
-<file path=customXml/itemProps80.xml><?xml version="1.0" encoding="utf-8"?>
-<ds:datastoreItem xmlns:ds="http://schemas.openxmlformats.org/officeDocument/2006/customXml" ds:itemID="{00D2AA4F-29E2-4A16-BE2A-B2E1781BC260}">
-  <ds:schemaRefs>
-    <ds:schemaRef ds:uri="http://schemas.microsoft.com/VisualStudio/2011/storyboarding/control"/>
-  </ds:schemaRefs>
-</ds:datastoreItem>
-</file>
-
-<file path=customXml/itemProps81.xml><?xml version="1.0" encoding="utf-8"?>
-<ds:datastoreItem xmlns:ds="http://schemas.openxmlformats.org/officeDocument/2006/customXml" ds:itemID="{F5B85250-01CA-403A-BFFD-EDEFCA9E38FF}">
-  <ds:schemaRefs>
-    <ds:schemaRef ds:uri="http://schemas.microsoft.com/VisualStudio/2011/storyboarding/control"/>
-  </ds:schemaRefs>
-</ds:datastoreItem>
-</file>
-
-<file path=customXml/itemProps82.xml><?xml version="1.0" encoding="utf-8"?>
-<ds:datastoreItem xmlns:ds="http://schemas.openxmlformats.org/officeDocument/2006/customXml" ds:itemID="{4AA25D42-EDA7-4712-8354-F682B1D61ABE}">
-  <ds:schemaRefs>
-    <ds:schemaRef ds:uri="http://schemas.microsoft.com/VisualStudio/2011/storyboarding/control"/>
-  </ds:schemaRefs>
-</ds:datastoreItem>
-</file>
-
-<file path=customXml/itemProps83.xml><?xml version="1.0" encoding="utf-8"?>
-<ds:datastoreItem xmlns:ds="http://schemas.openxmlformats.org/officeDocument/2006/customXml" ds:itemID="{17816237-E86F-4608-B2AD-3D2E66C1B03B}">
-  <ds:schemaRefs>
-    <ds:schemaRef ds:uri="http://schemas.microsoft.com/VisualStudio/2011/storyboarding/control"/>
-  </ds:schemaRefs>
-</ds:datastoreItem>
-</file>
-
-<file path=customXml/itemProps84.xml><?xml version="1.0" encoding="utf-8"?>
-<ds:datastoreItem xmlns:ds="http://schemas.openxmlformats.org/officeDocument/2006/customXml" ds:itemID="{6909E70A-4203-43FA-8666-1DA9A83FC55A}">
-  <ds:schemaRefs>
-    <ds:schemaRef ds:uri="http://schemas.microsoft.com/VisualStudio/2011/storyboarding/control"/>
-  </ds:schemaRefs>
-</ds:datastoreItem>
-</file>
-
-<file path=customXml/itemProps85.xml><?xml version="1.0" encoding="utf-8"?>
-<ds:datastoreItem xmlns:ds="http://schemas.openxmlformats.org/officeDocument/2006/customXml" ds:itemID="{67BB8CBF-A728-42E4-ACB8-9EB900796758}">
-  <ds:schemaRefs>
-    <ds:schemaRef ds:uri="http://schemas.microsoft.com/VisualStudio/2011/storyboarding/control"/>
-  </ds:schemaRefs>
-</ds:datastoreItem>
-</file>
-
-<file path=customXml/itemProps86.xml><?xml version="1.0" encoding="utf-8"?>
-<ds:datastoreItem xmlns:ds="http://schemas.openxmlformats.org/officeDocument/2006/customXml" ds:itemID="{92C514EF-47C3-4A1E-8CC0-C426C540F0A1}">
-  <ds:schemaRefs>
-    <ds:schemaRef ds:uri="http://schemas.microsoft.com/VisualStudio/2011/storyboarding/control"/>
-  </ds:schemaRefs>
-</ds:datastoreItem>
-</file>
-
-<file path=customXml/itemProps87.xml><?xml version="1.0" encoding="utf-8"?>
-<ds:datastoreItem xmlns:ds="http://schemas.openxmlformats.org/officeDocument/2006/customXml" ds:itemID="{51D515F3-5B60-4F94-84C8-4468FC08CD50}">
-  <ds:schemaRefs>
-    <ds:schemaRef ds:uri="http://schemas.microsoft.com/VisualStudio/2011/storyboarding/control"/>
-  </ds:schemaRefs>
-</ds:datastoreItem>
-</file>
-
-<file path=customXml/itemProps88.xml><?xml version="1.0" encoding="utf-8"?>
-<ds:datastoreItem xmlns:ds="http://schemas.openxmlformats.org/officeDocument/2006/customXml" ds:itemID="{AF40C17C-6E53-453B-B327-999FE0B7CF9E}">
-  <ds:schemaRefs>
-    <ds:schemaRef ds:uri="http://schemas.microsoft.com/VisualStudio/2011/storyboarding/control"/>
-  </ds:schemaRefs>
-</ds:datastoreItem>
-</file>
-
-<file path=customXml/itemProps89.xml><?xml version="1.0" encoding="utf-8"?>
-<ds:datastoreItem xmlns:ds="http://schemas.openxmlformats.org/officeDocument/2006/customXml" ds:itemID="{1EAEFE78-3E46-45E5-85DF-8CF35EFEFFEE}">
-  <ds:schemaRefs>
-    <ds:schemaRef ds:uri="http://schemas.microsoft.com/VisualStudio/2011/storyboarding/control"/>
-  </ds:schemaRefs>
-</ds:datastoreItem>
-</file>
-
-<file path=customXml/itemProps9.xml><?xml version="1.0" encoding="utf-8"?>
-<ds:datastoreItem xmlns:ds="http://schemas.openxmlformats.org/officeDocument/2006/customXml" ds:itemID="{5D43C5DF-C9CE-423E-ADD8-1AAE08E6145B}">
-  <ds:schemaRefs>
-    <ds:schemaRef ds:uri="http://schemas.microsoft.com/VisualStudio/2011/storyboarding/control"/>
-  </ds:schemaRefs>
-</ds:datastoreItem>
-</file>
-
-<file path=customXml/itemProps90.xml><?xml version="1.0" encoding="utf-8"?>
-<ds:datastoreItem xmlns:ds="http://schemas.openxmlformats.org/officeDocument/2006/customXml" ds:itemID="{DD4B0EF4-5BAE-4815-B342-64E17EEBDB97}">
-  <ds:schemaRefs>
-    <ds:schemaRef ds:uri="http://schemas.microsoft.com/VisualStudio/2011/storyboarding/control"/>
-  </ds:schemaRefs>
-</ds:datastoreItem>
-</file>
-
-<file path=customXml/itemProps91.xml><?xml version="1.0" encoding="utf-8"?>
-<ds:datastoreItem xmlns:ds="http://schemas.openxmlformats.org/officeDocument/2006/customXml" ds:itemID="{FF00F683-10CA-4344-BB02-557AFC229713}">
-  <ds:schemaRefs>
-    <ds:schemaRef ds:uri="http://schemas.microsoft.com/VisualStudio/2011/storyboarding/control"/>
-  </ds:schemaRefs>
-</ds:datastoreItem>
-</file>
-
-<file path=customXml/itemProps92.xml><?xml version="1.0" encoding="utf-8"?>
-<ds:datastoreItem xmlns:ds="http://schemas.openxmlformats.org/officeDocument/2006/customXml" ds:itemID="{47953D14-6ADC-4DA0-8BCD-D5FB70B1B04A}">
-  <ds:schemaRefs>
-    <ds:schemaRef ds:uri="http://schemas.microsoft.com/VisualStudio/2011/storyboarding/control"/>
-  </ds:schemaRefs>
-</ds:datastoreItem>
-</file>
-
-<file path=customXml/itemProps93.xml><?xml version="1.0" encoding="utf-8"?>
-<ds:datastoreItem xmlns:ds="http://schemas.openxmlformats.org/officeDocument/2006/customXml" ds:itemID="{3390C89E-38DA-49C8-BD78-371C7CC2FE47}">
-  <ds:schemaRefs>
-    <ds:schemaRef ds:uri="http://schemas.microsoft.com/VisualStudio/2011/storyboarding/control"/>
-  </ds:schemaRefs>
-</ds:datastoreItem>
-</file>
-
-<file path=customXml/itemProps94.xml><?xml version="1.0" encoding="utf-8"?>
-<ds:datastoreItem xmlns:ds="http://schemas.openxmlformats.org/officeDocument/2006/customXml" ds:itemID="{2160DE35-41EF-449D-8F30-BD715A7380BC}">
-  <ds:schemaRefs>
-    <ds:schemaRef ds:uri="http://schemas.microsoft.com/VisualStudio/2011/storyboarding/control"/>
-  </ds:schemaRefs>
-</ds:datastoreItem>
-</file>
-
-<file path=customXml/itemProps95.xml><?xml version="1.0" encoding="utf-8"?>
-<ds:datastoreItem xmlns:ds="http://schemas.openxmlformats.org/officeDocument/2006/customXml" ds:itemID="{73ABD768-CB5D-46A4-A597-4A94DA70A531}">
-  <ds:schemaRefs>
-    <ds:schemaRef ds:uri="http://schemas.microsoft.com/VisualStudio/2011/storyboarding/control"/>
-  </ds:schemaRefs>
-</ds:datastoreItem>
-</file>
-
-<file path=customXml/itemProps96.xml><?xml version="1.0" encoding="utf-8"?>
-<ds:datastoreItem xmlns:ds="http://schemas.openxmlformats.org/officeDocument/2006/customXml" ds:itemID="{D22FC293-BAFF-43C9-B3DE-93B31F0E86BE}">
-  <ds:schemaRefs>
-    <ds:schemaRef ds:uri="http://schemas.microsoft.com/VisualStudio/2011/storyboarding/control"/>
-  </ds:schemaRefs>
-</ds:datastoreItem>
-</file>
-
-<file path=customXml/itemProps97.xml><?xml version="1.0" encoding="utf-8"?>
-<ds:datastoreItem xmlns:ds="http://schemas.openxmlformats.org/officeDocument/2006/customXml" ds:itemID="{ED541B40-E3CF-47E9-8800-B673CC7C7D9E}">
-  <ds:schemaRefs>
-    <ds:schemaRef ds:uri="http://schemas.microsoft.com/VisualStudio/2011/storyboarding/control"/>
-  </ds:schemaRefs>
-</ds:datastoreItem>
-</file>
-
-<file path=customXml/itemProps98.xml><?xml version="1.0" encoding="utf-8"?>
-<ds:datastoreItem xmlns:ds="http://schemas.openxmlformats.org/officeDocument/2006/customXml" ds:itemID="{19219105-B97A-44AD-8E8F-0F014E4D5F2F}">
-  <ds:schemaRefs>
-    <ds:schemaRef ds:uri="http://schemas.microsoft.com/VisualStudio/2011/storyboarding/control"/>
-  </ds:schemaRefs>
-</ds:datastoreItem>
-</file>
-
-<file path=customXml/itemProps99.xml><?xml version="1.0" encoding="utf-8"?>
-<ds:datastoreItem xmlns:ds="http://schemas.openxmlformats.org/officeDocument/2006/customXml" ds:itemID="{45D0D449-A17D-45A3-B4E7-E173226B985A}">
-  <ds:schemaRefs>
-    <ds:schemaRef ds:uri="http://schemas.microsoft.com/VisualStudio/2011/storyboarding/control"/>
-  </ds:schemaRefs>
-</ds:datastoreItem>
 </file>
--- a/Maquettage.pptx
+++ b/Maquettage.pptx
@@ -1598,7 +1598,7 @@
       <p:sp>
         <p:nvSpPr>
           <p:cNvPr id="9" name="Content">
-            <a:hlinkClick r:id="rId18" action="ppaction://hlinksldjump"/>
+            <a:hlinkClick r:id="rId15" action="ppaction://hlinksldjump"/>
             <a:extLst>
               <a:ext uri="{FF2B5EF4-FFF2-40B4-BE49-F238E27FC236}">
                 <a16:creationId xmlns:a16="http://schemas.microsoft.com/office/drawing/2014/main" id="{696F4C2B-33D7-47B8-9E5E-F103F56CD15B}"/>
@@ -2236,7 +2236,7 @@
             <p:nvPr/>
           </p:nvPicPr>
           <p:blipFill>
-            <a:blip r:embed="rId19" cstate="print">
+            <a:blip r:embed="rId16" cstate="print">
               <a:extLst>
                 <a:ext uri="{28A0092B-C50C-407E-A947-70E740481C1C}">
                   <a14:useLocalDpi xmlns:a14="http://schemas.microsoft.com/office/drawing/2010/main" val="0"/>
@@ -2374,7 +2374,7 @@
             <p:nvPr/>
           </p:nvPicPr>
           <p:blipFill>
-            <a:blip r:embed="rId19" cstate="print">
+            <a:blip r:embed="rId16" cstate="print">
               <a:extLst>
                 <a:ext uri="{28A0092B-C50C-407E-A947-70E740481C1C}">
                   <a14:useLocalDpi xmlns:a14="http://schemas.microsoft.com/office/drawing/2010/main" val="0"/>
@@ -2450,254 +2450,6 @@
               </a:rPr>
               <a:t>à</a:t>
             </a:r>
-          </a:p>
-        </p:txBody>
-      </p:sp>
-      <p:sp>
-        <p:nvSpPr>
-          <p:cNvPr id="26" name="Content">
-            <a:extLst>
-              <a:ext uri="{FF2B5EF4-FFF2-40B4-BE49-F238E27FC236}">
-                <a16:creationId xmlns:a16="http://schemas.microsoft.com/office/drawing/2014/main" id="{D69082C2-B440-4244-8FF9-1E43980296DC}"/>
-              </a:ext>
-            </a:extLst>
-          </p:cNvPr>
-          <p:cNvSpPr/>
-          <p:nvPr userDrawn="1">
-            <p:custDataLst>
-              <p:custData r:id="rId14"/>
-            </p:custDataLst>
-          </p:nvPr>
-        </p:nvSpPr>
-        <p:spPr>
-          <a:xfrm>
-            <a:off x="1993756" y="4337315"/>
-            <a:ext cx="914165" cy="488276"/>
-          </a:xfrm>
-          <a:prstGeom prst="roundRect">
-            <a:avLst/>
-          </a:prstGeom>
-          <a:solidFill>
-            <a:srgbClr val="FFFFFF">
-              <a:lumMod val="95000"/>
-            </a:srgbClr>
-          </a:solidFill>
-          <a:ln w="3175">
-            <a:solidFill>
-              <a:srgbClr val="000000">
-                <a:lumMod val="50000"/>
-                <a:lumOff val="50000"/>
-              </a:srgbClr>
-            </a:solidFill>
-          </a:ln>
-          <a:effectLst/>
-        </p:spPr>
-        <p:style>
-          <a:lnRef idx="2">
-            <a:srgbClr val="4F81BD">
-              <a:shade val="50000"/>
-            </a:srgbClr>
-          </a:lnRef>
-          <a:fillRef idx="1">
-            <a:srgbClr val="4F81BD"/>
-          </a:fillRef>
-          <a:effectRef idx="0">
-            <a:srgbClr val="4F81BD"/>
-          </a:effectRef>
-          <a:fontRef idx="minor">
-            <a:srgbClr val="000000"/>
-          </a:fontRef>
-        </p:style>
-        <p:txBody>
-          <a:bodyPr wrap="square" lIns="91440" tIns="0" rIns="91440" bIns="9144" rtlCol="0" anchor="ctr">
-            <a:noAutofit/>
-          </a:bodyPr>
-          <a:lstStyle/>
-          <a:p>
-            <a:pPr algn="ctr"/>
-            <a:r>
-              <a:rPr lang="en-US" sz="1200" dirty="0" err="1">
-                <a:latin typeface="Segoe UI" pitchFamily="34" charset="0"/>
-                <a:cs typeface="Segoe UI" pitchFamily="34" charset="0"/>
-              </a:rPr>
-              <a:t>Ajout</a:t>
-            </a:r>
-            <a:r>
-              <a:rPr lang="en-US" sz="1200" dirty="0">
-                <a:latin typeface="Segoe UI" pitchFamily="34" charset="0"/>
-                <a:cs typeface="Segoe UI" pitchFamily="34" charset="0"/>
-              </a:rPr>
-              <a:t> Question</a:t>
-            </a:r>
-            <a:endParaRPr lang="en-US" sz="1200" dirty="0">
-              <a:solidFill>
-                <a:srgbClr val="000000"/>
-              </a:solidFill>
-              <a:latin typeface="Segoe UI" pitchFamily="34" charset="0"/>
-              <a:cs typeface="Segoe UI" pitchFamily="34" charset="0"/>
-            </a:endParaRPr>
-          </a:p>
-        </p:txBody>
-      </p:sp>
-      <p:sp>
-        <p:nvSpPr>
-          <p:cNvPr id="27" name="Freeform 93">
-            <a:extLst>
-              <a:ext uri="{FF2B5EF4-FFF2-40B4-BE49-F238E27FC236}">
-                <a16:creationId xmlns:a16="http://schemas.microsoft.com/office/drawing/2014/main" id="{2ABFEBD6-9E46-4094-A770-5BC7FBEB0569}"/>
-              </a:ext>
-            </a:extLst>
-          </p:cNvPr>
-          <p:cNvSpPr>
-            <a:spLocks/>
-          </p:cNvSpPr>
-          <p:nvPr userDrawn="1">
-            <p:custDataLst>
-              <p:custData r:id="rId15"/>
-              <p:custData r:id="rId16"/>
-            </p:custDataLst>
-          </p:nvPr>
-        </p:nvSpPr>
-        <p:spPr bwMode="black">
-          <a:xfrm>
-            <a:off x="1699548" y="4431839"/>
-            <a:ext cx="286932" cy="281975"/>
-          </a:xfrm>
-          <a:custGeom>
-            <a:avLst/>
-            <a:gdLst>
-              <a:gd name="T0" fmla="*/ 71 w 121"/>
-              <a:gd name="T1" fmla="*/ 119 h 119"/>
-              <a:gd name="T2" fmla="*/ 50 w 121"/>
-              <a:gd name="T3" fmla="*/ 119 h 119"/>
-              <a:gd name="T4" fmla="*/ 50 w 121"/>
-              <a:gd name="T5" fmla="*/ 71 h 119"/>
-              <a:gd name="T6" fmla="*/ 0 w 121"/>
-              <a:gd name="T7" fmla="*/ 71 h 119"/>
-              <a:gd name="T8" fmla="*/ 0 w 121"/>
-              <a:gd name="T9" fmla="*/ 49 h 119"/>
-              <a:gd name="T10" fmla="*/ 50 w 121"/>
-              <a:gd name="T11" fmla="*/ 49 h 119"/>
-              <a:gd name="T12" fmla="*/ 50 w 121"/>
-              <a:gd name="T13" fmla="*/ 0 h 119"/>
-              <a:gd name="T14" fmla="*/ 71 w 121"/>
-              <a:gd name="T15" fmla="*/ 0 h 119"/>
-              <a:gd name="T16" fmla="*/ 71 w 121"/>
-              <a:gd name="T17" fmla="*/ 49 h 119"/>
-              <a:gd name="T18" fmla="*/ 121 w 121"/>
-              <a:gd name="T19" fmla="*/ 49 h 119"/>
-              <a:gd name="T20" fmla="*/ 121 w 121"/>
-              <a:gd name="T21" fmla="*/ 71 h 119"/>
-              <a:gd name="T22" fmla="*/ 71 w 121"/>
-              <a:gd name="T23" fmla="*/ 71 h 119"/>
-              <a:gd name="T24" fmla="*/ 71 w 121"/>
-              <a:gd name="T25" fmla="*/ 119 h 119"/>
-            </a:gdLst>
-            <a:ahLst/>
-            <a:cxnLst>
-              <a:cxn ang="0">
-                <a:pos x="T0" y="T1"/>
-              </a:cxn>
-              <a:cxn ang="0">
-                <a:pos x="T2" y="T3"/>
-              </a:cxn>
-              <a:cxn ang="0">
-                <a:pos x="T4" y="T5"/>
-              </a:cxn>
-              <a:cxn ang="0">
-                <a:pos x="T6" y="T7"/>
-              </a:cxn>
-              <a:cxn ang="0">
-                <a:pos x="T8" y="T9"/>
-              </a:cxn>
-              <a:cxn ang="0">
-                <a:pos x="T10" y="T11"/>
-              </a:cxn>
-              <a:cxn ang="0">
-                <a:pos x="T12" y="T13"/>
-              </a:cxn>
-              <a:cxn ang="0">
-                <a:pos x="T14" y="T15"/>
-              </a:cxn>
-              <a:cxn ang="0">
-                <a:pos x="T16" y="T17"/>
-              </a:cxn>
-              <a:cxn ang="0">
-                <a:pos x="T18" y="T19"/>
-              </a:cxn>
-              <a:cxn ang="0">
-                <a:pos x="T20" y="T21"/>
-              </a:cxn>
-              <a:cxn ang="0">
-                <a:pos x="T22" y="T23"/>
-              </a:cxn>
-              <a:cxn ang="0">
-                <a:pos x="T24" y="T25"/>
-              </a:cxn>
-            </a:cxnLst>
-            <a:rect l="0" t="0" r="r" b="b"/>
-            <a:pathLst>
-              <a:path w="121" h="119">
-                <a:moveTo>
-                  <a:pt x="71" y="119"/>
-                </a:moveTo>
-                <a:lnTo>
-                  <a:pt x="50" y="119"/>
-                </a:lnTo>
-                <a:lnTo>
-                  <a:pt x="50" y="71"/>
-                </a:lnTo>
-                <a:lnTo>
-                  <a:pt x="0" y="71"/>
-                </a:lnTo>
-                <a:lnTo>
-                  <a:pt x="0" y="49"/>
-                </a:lnTo>
-                <a:lnTo>
-                  <a:pt x="50" y="49"/>
-                </a:lnTo>
-                <a:lnTo>
-                  <a:pt x="50" y="0"/>
-                </a:lnTo>
-                <a:lnTo>
-                  <a:pt x="71" y="0"/>
-                </a:lnTo>
-                <a:lnTo>
-                  <a:pt x="71" y="49"/>
-                </a:lnTo>
-                <a:lnTo>
-                  <a:pt x="121" y="49"/>
-                </a:lnTo>
-                <a:lnTo>
-                  <a:pt x="121" y="71"/>
-                </a:lnTo>
-                <a:lnTo>
-                  <a:pt x="71" y="71"/>
-                </a:lnTo>
-                <a:lnTo>
-                  <a:pt x="71" y="119"/>
-                </a:lnTo>
-                <a:close/>
-              </a:path>
-            </a:pathLst>
-          </a:custGeom>
-          <a:solidFill>
-            <a:srgbClr val="000000"/>
-          </a:solidFill>
-          <a:ln>
-            <a:noFill/>
-          </a:ln>
-          <a:extLst/>
-        </p:spPr>
-        <p:txBody>
-          <a:bodyPr vert="horz" wrap="square" lIns="97576" tIns="48788" rIns="97576" bIns="48788" numCol="1" anchor="t" anchorCtr="0" compatLnSpc="1">
-            <a:prstTxWarp prst="textNoShape">
-              <a:avLst/>
-            </a:prstTxWarp>
-          </a:bodyPr>
-          <a:lstStyle/>
-          <a:p>
-            <a:endParaRPr lang="en-US"/>
           </a:p>
         </p:txBody>
       </p:sp>
@@ -3476,6 +3228,7 @@
       <p:sp>
         <p:nvSpPr>
           <p:cNvPr id="85" name="Content">
+            <a:hlinkClick r:id="rId11" action="ppaction://hlinksldjump"/>
             <a:extLst>
               <a:ext uri="{FF2B5EF4-FFF2-40B4-BE49-F238E27FC236}">
                 <a16:creationId xmlns:a16="http://schemas.microsoft.com/office/drawing/2014/main" id="{B645CECD-EFFE-4364-AD0B-5AA97FFDC7A3}"/>
@@ -3555,6 +3308,7 @@
       <p:sp>
         <p:nvSpPr>
           <p:cNvPr id="86" name="Content">
+            <a:hlinkClick r:id="rId11" action="ppaction://hlinksldjump"/>
             <a:extLst>
               <a:ext uri="{FF2B5EF4-FFF2-40B4-BE49-F238E27FC236}">
                 <a16:creationId xmlns:a16="http://schemas.microsoft.com/office/drawing/2014/main" id="{5A70C99D-05DD-4EB3-98AE-FA72310EDC4D}"/>
@@ -4030,13 +3784,13 @@
             </p:custDataLst>
             <p:extLst>
               <p:ext uri="{D42A27DB-BD31-4B8C-83A1-F6EECF244321}">
-                <p14:modId xmlns:p14="http://schemas.microsoft.com/office/powerpoint/2010/main" val="3292747508"/>
+                <p14:modId xmlns:p14="http://schemas.microsoft.com/office/powerpoint/2010/main" val="2472351127"/>
               </p:ext>
             </p:extLst>
           </p:nvPr>
         </p:nvGraphicFramePr>
         <p:xfrm>
-          <a:off x="1019810" y="3255963"/>
+          <a:off x="1019810" y="2846642"/>
           <a:ext cx="3171825" cy="2701925"/>
         </p:xfrm>
         <a:graphic>
@@ -4061,13 +3815,13 @@
             </p:custDataLst>
             <p:extLst>
               <p:ext uri="{D42A27DB-BD31-4B8C-83A1-F6EECF244321}">
-                <p14:modId xmlns:p14="http://schemas.microsoft.com/office/powerpoint/2010/main" val="2006575481"/>
+                <p14:modId xmlns:p14="http://schemas.microsoft.com/office/powerpoint/2010/main" val="3241188835"/>
               </p:ext>
             </p:extLst>
           </p:nvPr>
         </p:nvGraphicFramePr>
         <p:xfrm>
-          <a:off x="6941106" y="3602038"/>
+          <a:off x="8138089" y="3231852"/>
           <a:ext cx="2825353" cy="2355850"/>
         </p:xfrm>
         <a:graphic>
@@ -4162,7 +3916,7 @@
         </p:nvSpPr>
         <p:spPr>
           <a:xfrm>
-            <a:off x="4188460" y="3602038"/>
+            <a:off x="4188460" y="3192717"/>
             <a:ext cx="780983" cy="230832"/>
           </a:xfrm>
           <a:prstGeom prst="rect">
@@ -4208,7 +3962,7 @@
         </p:nvSpPr>
         <p:spPr>
           <a:xfrm>
-            <a:off x="4188458" y="3890491"/>
+            <a:off x="4188458" y="3481170"/>
             <a:ext cx="780983" cy="230832"/>
           </a:xfrm>
           <a:prstGeom prst="rect">
@@ -4254,7 +4008,7 @@
         </p:nvSpPr>
         <p:spPr>
           <a:xfrm>
-            <a:off x="4188459" y="4178945"/>
+            <a:off x="4188459" y="3769624"/>
             <a:ext cx="780983" cy="230832"/>
           </a:xfrm>
           <a:prstGeom prst="rect">
@@ -4300,7 +4054,7 @@
         </p:nvSpPr>
         <p:spPr>
           <a:xfrm>
-            <a:off x="7820660" y="4063529"/>
+            <a:off x="9017643" y="3693343"/>
             <a:ext cx="311304" cy="230832"/>
           </a:xfrm>
           <a:prstGeom prst="rect">
@@ -4346,7 +4100,7 @@
         </p:nvSpPr>
         <p:spPr>
           <a:xfrm>
-            <a:off x="7568945" y="4806122"/>
+            <a:off x="8765928" y="4435936"/>
             <a:ext cx="311304" cy="230832"/>
           </a:xfrm>
           <a:prstGeom prst="rect">
@@ -4392,7 +4146,7 @@
         </p:nvSpPr>
         <p:spPr>
           <a:xfrm>
-            <a:off x="8667702" y="4606925"/>
+            <a:off x="9864685" y="4236739"/>
             <a:ext cx="439929" cy="228600"/>
           </a:xfrm>
           <a:prstGeom prst="rect">
@@ -4438,7 +4192,7 @@
         </p:nvSpPr>
         <p:spPr>
           <a:xfrm>
-            <a:off x="1019810" y="6627168"/>
+            <a:off x="507844" y="6056034"/>
             <a:ext cx="1554272" cy="230832"/>
           </a:xfrm>
           <a:prstGeom prst="rect">
@@ -4517,7 +4271,7 @@
         </p:nvSpPr>
         <p:spPr>
           <a:xfrm>
-            <a:off x="1099106" y="6969465"/>
+            <a:off x="580999" y="6488924"/>
             <a:ext cx="5842000" cy="694210"/>
           </a:xfrm>
           <a:prstGeom prst="rect">
@@ -4629,7 +4383,7 @@
         </p:nvSpPr>
         <p:spPr>
           <a:xfrm>
-            <a:off x="3447143" y="6626052"/>
+            <a:off x="2935177" y="6054918"/>
             <a:ext cx="1133644" cy="230832"/>
           </a:xfrm>
           <a:prstGeom prst="rect">
@@ -4686,7 +4440,7 @@
         </p:nvSpPr>
         <p:spPr>
           <a:xfrm>
-            <a:off x="4578949" y="6649132"/>
+            <a:off x="4066983" y="6077998"/>
             <a:ext cx="1220102" cy="228600"/>
           </a:xfrm>
           <a:prstGeom prst="rect">
@@ -4785,7 +4539,7 @@
         </p:nvSpPr>
         <p:spPr>
           <a:xfrm>
-            <a:off x="7138507" y="6626052"/>
+            <a:off x="6626541" y="6054918"/>
             <a:ext cx="1483483" cy="230832"/>
           </a:xfrm>
           <a:prstGeom prst="rect">
@@ -4901,7 +4655,7 @@
         </p:blipFill>
         <p:spPr bwMode="auto">
           <a:xfrm>
-            <a:off x="8697913" y="6612533"/>
+            <a:off x="8185947" y="6041399"/>
             <a:ext cx="228600" cy="217884"/>
           </a:xfrm>
           <a:prstGeom prst="rect">
@@ -4952,7 +4706,7 @@
         </p:blipFill>
         <p:spPr bwMode="auto">
           <a:xfrm>
-            <a:off x="8926513" y="6612533"/>
+            <a:off x="8414547" y="6041399"/>
             <a:ext cx="228600" cy="217884"/>
           </a:xfrm>
           <a:prstGeom prst="rect">
@@ -5003,7 +4757,7 @@
         </p:blipFill>
         <p:spPr bwMode="auto">
           <a:xfrm>
-            <a:off x="9155113" y="6612533"/>
+            <a:off x="8643147" y="6041399"/>
             <a:ext cx="228600" cy="217884"/>
           </a:xfrm>
           <a:prstGeom prst="rect">
@@ -5054,7 +4808,7 @@
         </p:blipFill>
         <p:spPr bwMode="auto">
           <a:xfrm>
-            <a:off x="9383713" y="6612533"/>
+            <a:off x="8871747" y="6041399"/>
             <a:ext cx="228600" cy="217884"/>
           </a:xfrm>
           <a:prstGeom prst="rect">
@@ -5105,7 +4859,7 @@
         </p:blipFill>
         <p:spPr bwMode="auto">
           <a:xfrm>
-            <a:off x="9612313" y="6612533"/>
+            <a:off x="9100347" y="6041399"/>
             <a:ext cx="228600" cy="217884"/>
           </a:xfrm>
           <a:prstGeom prst="rect">
@@ -13276,7 +13030,7 @@
             </a:r>
             <a:r>
               <a:rPr lang="fr-FR" sz="1400" noProof="0" dirty="0"/>
-              <a:t>récents</a:t>
+              <a:t>récents*</a:t>
             </a:r>
           </a:p>
         </p:txBody>
@@ -13348,7 +13102,10 @@
               <a:rPr lang="en-US" sz="1400" dirty="0" err="1"/>
               <a:t>populaires</a:t>
             </a:r>
-            <a:endParaRPr lang="en-US" sz="1400" dirty="0"/>
+            <a:r>
+              <a:rPr lang="en-US" sz="1400" dirty="0"/>
+              <a:t>*</a:t>
+            </a:r>
           </a:p>
         </p:txBody>
       </p:sp>
@@ -13479,9 +13236,12 @@
           <a:p>
             <a:pPr algn="ctr"/>
             <a:r>
-              <a:rPr lang="en-US" sz="1200" dirty="0"/>
+              <a:rPr lang="en-US" sz="1200" dirty="0">
+                <a:hlinkClick r:id="rId36" action="ppaction://hlinksldjump"/>
+              </a:rPr>
               <a:t>Contact</a:t>
             </a:r>
+            <a:endParaRPr lang="en-US" sz="1200" dirty="0"/>
           </a:p>
         </p:txBody>
       </p:sp>
@@ -13741,7 +13501,10 @@
               <a:rPr lang="en-US" sz="1400" dirty="0" err="1"/>
               <a:t>idées</a:t>
             </a:r>
-            <a:endParaRPr lang="en-US" sz="1400" dirty="0"/>
+            <a:r>
+              <a:rPr lang="en-US" sz="1400" dirty="0"/>
+              <a:t>*</a:t>
+            </a:r>
           </a:p>
         </p:txBody>
       </p:sp>
@@ -15317,1277 +15080,2573 @@
 
 <file path=customXml/item1.xml><?xml version="1.0" encoding="utf-8"?>
 <Control xmlns="http://schemas.microsoft.com/VisualStudio/2011/storyboarding/control">
+  <Id Name="System.Storyboarding.Common.TextInput" Revision="1" Stencil="System.Storyboarding.Common" StencilVersion="0.1"/>
+</Control>
+</file>
+
+<file path=customXml/item10.xml><?xml version="1.0" encoding="utf-8"?>
+<Control xmlns="http://schemas.microsoft.com/VisualStudio/2011/storyboarding/control">
+  <Id Name="System.Storyboarding.WindowsApps.WindowsAppsTileWideSmall" Revision="1" Stencil="System.Storyboarding.WindowsApps" StencilVersion="0.1"/>
+</Control>
+</file>
+
+<file path=customXml/item100.xml><?xml version="1.0" encoding="utf-8"?>
+<Control xmlns="http://schemas.microsoft.com/VisualStudio/2011/storyboarding/control">
+  <Id Name="System.Storyboarding.Common.TextInput" Revision="1" Stencil="System.Storyboarding.Common" StencilVersion="0.1"/>
+</Control>
+</file>
+
+<file path=customXml/item101.xml><?xml version="1.0" encoding="utf-8"?>
+<Control xmlns="http://schemas.microsoft.com/VisualStudio/2011/storyboarding/control">
+  <Id Name="System.Storyboarding.WindowsApps.WindowsAppsTileWideSmall" Revision="1" Stencil="System.Storyboarding.WindowsApps" StencilVersion="0.1"/>
+</Control>
+</file>
+
+<file path=customXml/item102.xml><?xml version="1.0" encoding="utf-8"?>
+<Control xmlns="http://schemas.microsoft.com/VisualStudio/2011/storyboarding/control">
+  <Id Name="System.Storyboarding.Media.Image" Revision="1" Stencil="System.Storyboarding.Media" StencilVersion="0.1"/>
+</Control>
+</file>
+
+<file path=customXml/item103.xml><?xml version="1.0" encoding="utf-8"?>
+<Control xmlns="http://schemas.microsoft.com/VisualStudio/2011/storyboarding/control">
+  <Id Name="System.Storyboarding.Common.Button" Revision="1" Stencil="System.Storyboarding.Common" StencilVersion="0.1"/>
+</Control>
+</file>
+
+<file path=customXml/item104.xml><?xml version="1.0" encoding="utf-8"?>
+<Control xmlns="http://schemas.microsoft.com/VisualStudio/2011/storyboarding/control">
+  <Id Name="System.Storyboarding.Common.Text" Revision="1" Stencil="System.Storyboarding.Common" StencilVersion="0.1"/>
+</Control>
+</file>
+
+<file path=customXml/item105.xml><?xml version="1.0" encoding="utf-8"?>
+<Control xmlns="http://schemas.microsoft.com/VisualStudio/2011/storyboarding/control">
+  <Id Name="System.Storyboarding.WindowsAppIcons.Check" Revision="1" Stencil="System.Storyboarding.WindowsAppIcons" StencilVersion="0.1"/>
+</Control>
+</file>
+
+<file path=customXml/item106.xml><?xml version="1.0" encoding="utf-8"?>
+<Control xmlns="http://schemas.microsoft.com/VisualStudio/2011/storyboarding/control">
+  <Id Name="System.Storyboarding.Common.CheckBoxUnchecked" Revision="1" Stencil="System.Storyboarding.Common" StencilVersion="0.1"/>
+</Control>
+</file>
+
+<file path=customXml/item107.xml><?xml version="1.0" encoding="utf-8"?>
+<Control xmlns="http://schemas.microsoft.com/VisualStudio/2011/storyboarding/control">
+  <Id Name="System.Storyboarding.WindowsApps.WindowsAppsTileMediumText" Revision="1" Stencil="System.Storyboarding.WindowsApps" StencilVersion="0.1"/>
+</Control>
+</file>
+
+<file path=customXml/item108.xml><?xml version="1.0" encoding="utf-8"?>
+<Control xmlns="http://schemas.microsoft.com/VisualStudio/2011/storyboarding/control">
+  <Id Name="System.Storyboarding.WindowsApps.WindowsAppsTileWideSmall" Revision="1" Stencil="System.Storyboarding.WindowsApps" StencilVersion="0.1"/>
+</Control>
+</file>
+
+<file path=customXml/item109.xml><?xml version="1.0" encoding="utf-8"?>
+<Control xmlns="http://schemas.microsoft.com/VisualStudio/2011/storyboarding/control">
   <Id Name="System.Storyboarding.Common.DatePicker" Revision="1" Stencil="System.Storyboarding.Common" StencilVersion="0.1"/>
 </Control>
 </file>
 
-<file path=customXml/item10.xml><?xml version="1.0" encoding="utf-8"?>
+<file path=customXml/item11.xml><?xml version="1.0" encoding="utf-8"?>
+<Control xmlns="http://schemas.microsoft.com/VisualStudio/2011/storyboarding/control">
+  <Id Name="System.Storyboarding.Common.Text" Revision="1" Stencil="System.Storyboarding.Common" StencilVersion="0.1"/>
+</Control>
+</file>
+
+<file path=customXml/item110.xml><?xml version="1.0" encoding="utf-8"?>
 <Control xmlns="http://schemas.microsoft.com/VisualStudio/2011/storyboarding/control">
   <Id Name="System.Storyboarding.Icons.Star" Revision="1" Stencil="System.Storyboarding.Icons" StencilVersion="0.1"/>
 </Control>
 </file>
 
-<file path=customXml/item100.xml><?xml version="1.0" encoding="utf-8"?>
+<file path=customXml/item111.xml><?xml version="1.0" encoding="utf-8"?>
+<Control xmlns="http://schemas.microsoft.com/VisualStudio/2011/storyboarding/control">
+  <Id Name="System.Storyboarding.Common.Button" Revision="1" Stencil="System.Storyboarding.Common" StencilVersion="0.1"/>
+</Control>
+</file>
+
+<file path=customXml/item112.xml><?xml version="1.0" encoding="utf-8"?>
+<Control xmlns="http://schemas.microsoft.com/VisualStudio/2011/storyboarding/control">
+  <Id Name="System.Storyboarding.Common.Text" Revision="1" Stencil="System.Storyboarding.Common" StencilVersion="0.1"/>
+</Control>
+</file>
+
+<file path=customXml/item113.xml><?xml version="1.0" encoding="utf-8"?>
+<Control xmlns="http://schemas.microsoft.com/VisualStudio/2011/storyboarding/control">
+  <Id Name="System.Storyboarding.Common.DatePicker" Revision="1" Stencil="System.Storyboarding.Common" StencilVersion="0.1"/>
+</Control>
+</file>
+
+<file path=customXml/item114.xml><?xml version="1.0" encoding="utf-8"?>
+<Control xmlns="http://schemas.microsoft.com/VisualStudio/2011/storyboarding/control">
+  <Id Name="System.Storyboarding.Common.Text" Revision="1" Stencil="System.Storyboarding.Common" StencilVersion="0.1"/>
+</Control>
+</file>
+
+<file path=customXml/item115.xml><?xml version="1.0" encoding="utf-8"?>
+<Control xmlns="http://schemas.microsoft.com/VisualStudio/2011/storyboarding/control">
+  <Id Name="System.Storyboarding.Icons.Copy" Revision="1" Stencil="System.Storyboarding.Icons" StencilVersion="0.1"/>
+</Control>
+</file>
+
+<file path=customXml/item116.xml><?xml version="1.0" encoding="utf-8"?>
+<Control xmlns="http://schemas.microsoft.com/VisualStudio/2011/storyboarding/control">
+  <Id Name="System.Storyboarding.Common.Text" Revision="1" Stencil="System.Storyboarding.Common" StencilVersion="0.1"/>
+</Control>
+</file>
+
+<file path=customXml/item117.xml><?xml version="1.0" encoding="utf-8"?>
+<Control xmlns="http://schemas.microsoft.com/VisualStudio/2011/storyboarding/control">
+  <Id Name="System.Storyboarding.WindowsApps.WindowsAppsTileWideSmall" Revision="1" Stencil="System.Storyboarding.WindowsApps" StencilVersion="0.1"/>
+</Control>
+</file>
+
+<file path=customXml/item118.xml><?xml version="1.0" encoding="utf-8"?>
+<Control xmlns="http://schemas.microsoft.com/VisualStudio/2011/storyboarding/control">
+  <Id Name="System.Storyboarding.Backgrounds.DesktopTaskbar" Revision="1" Stencil="System.Storyboarding.Backgrounds" StencilVersion="0.1"/>
+</Control>
+</file>
+
+<file path=customXml/item119.xml><?xml version="1.0" encoding="utf-8"?>
 <Control xmlns="http://schemas.microsoft.com/VisualStudio/2011/storyboarding/control">
   <Id Name="System.Storyboarding.Common.TextInput" Revision="1" Stencil="System.Storyboarding.Common" StencilVersion="0.1"/>
 </Control>
 </file>
 
-<file path=customXml/item101.xml><?xml version="1.0" encoding="utf-8"?>
+<file path=customXml/item12.xml><?xml version="1.0" encoding="utf-8"?>
+<Control xmlns="http://schemas.microsoft.com/VisualStudio/2011/storyboarding/control">
+  <Id Name="32035d07-bc66-4a79-8001-2507012193e3" RevisionId="7f6cc906-8fab-4878-8f41-90bcdc4e860e" Stencil="172d6d98-e5c9-42e9-a209-79f7a94bbd38" StencilRevisionId="00000000-0000-0000-0000-000000000000" StencilVersion="0.0"/>
+</Control>
+</file>
+
+<file path=customXml/item120.xml><?xml version="1.0" encoding="utf-8"?>
+<Control xmlns="http://schemas.microsoft.com/VisualStudio/2011/storyboarding/control">
+  <Id Name="System.Storyboarding.Common.CheckBoxUnchecked" Revision="1" Stencil="System.Storyboarding.Common" StencilVersion="0.1"/>
+</Control>
+</file>
+
+<file path=customXml/item121.xml><?xml version="1.0" encoding="utf-8"?>
 <Control xmlns="http://schemas.microsoft.com/VisualStudio/2011/storyboarding/control">
   <Id Name="System.Storyboarding.Common.TextInput" Revision="1" Stencil="System.Storyboarding.Common" StencilVersion="0.1"/>
 </Control>
 </file>
 
-<file path=customXml/item102.xml><?xml version="1.0" encoding="utf-8"?>
+<file path=customXml/item122.xml><?xml version="1.0" encoding="utf-8"?>
+<Control xmlns="http://schemas.microsoft.com/VisualStudio/2011/storyboarding/control">
+  <Id Name="91f9215f-48a3-4bce-9856-a1c79d18b395" RevisionId="54383394-c8b8-40b0-9c4b-42c6089a8ac7" Stencil="172d6d98-e5c9-42e9-a209-79f7a94bbd38" StencilRevisionId="00000000-0000-0000-0000-000000000000" StencilVersion="0.0"/>
+</Control>
+</file>
+
+<file path=customXml/item123.xml><?xml version="1.0" encoding="utf-8"?>
+<Control xmlns="http://schemas.microsoft.com/VisualStudio/2011/storyboarding/control">
+  <Id Name="System.Storyboarding.Common.DatePicker" Revision="1" Stencil="System.Storyboarding.Common" StencilVersion="0.1"/>
+</Control>
+</file>
+
+<file path=customXml/item124.xml><?xml version="1.0" encoding="utf-8"?>
+<Control xmlns="http://schemas.microsoft.com/VisualStudio/2011/storyboarding/control">
+  <Id Name="System.Storyboarding.Common.CheckBoxUnchecked" Revision="1" Stencil="System.Storyboarding.Common" StencilVersion="0.1"/>
+</Control>
+</file>
+
+<file path=customXml/item125.xml><?xml version="1.0" encoding="utf-8"?>
+<Control xmlns="http://schemas.microsoft.com/VisualStudio/2011/storyboarding/control">
+  <Id Name="System.Storyboarding.Common.TextInput" Revision="1" Stencil="System.Storyboarding.Common" StencilVersion="0.1"/>
+</Control>
+</file>
+
+<file path=customXml/item126.xml><?xml version="1.0" encoding="utf-8"?>
+<Control xmlns="http://schemas.microsoft.com/VisualStudio/2011/storyboarding/control">
+  <Id Name="System.Storyboarding.Common.ScrollbarVertical" Revision="1" Stencil="System.Storyboarding.Common" StencilVersion="0.1"/>
+</Control>
+</file>
+
+<file path=customXml/item127.xml><?xml version="1.0" encoding="utf-8"?>
+<Control xmlns="http://schemas.microsoft.com/VisualStudio/2011/storyboarding/control">
+  <Id Name="System.Storyboarding.Common.DataGrid" Revision="1" Stencil="System.Storyboarding.Common" StencilVersion="0.1"/>
+</Control>
+</file>
+
+<file path=customXml/item128.xml><?xml version="1.0" encoding="utf-8"?>
+<Control xmlns="http://schemas.microsoft.com/VisualStudio/2011/storyboarding/control">
+  <Id Name="System.Storyboarding.Icons.Star" Revision="1" Stencil="System.Storyboarding.Icons" StencilVersion="0.1"/>
+</Control>
+</file>
+
+<file path=customXml/item129.xml><?xml version="1.0" encoding="utf-8"?>
+<Control xmlns="http://schemas.microsoft.com/VisualStudio/2011/storyboarding/control">
+  <Id Name="System.Storyboarding.Common.TextInput" Revision="1" Stencil="System.Storyboarding.Common" StencilVersion="0.1"/>
+</Control>
+</file>
+
+<file path=customXml/item13.xml><?xml version="1.0" encoding="utf-8"?>
+<Control xmlns="http://schemas.microsoft.com/VisualStudio/2011/storyboarding/control">
+  <Id Name="System.Storyboarding.WindowsApps.WindowsAppsButton" Revision="1" Stencil="System.Storyboarding.WindowsApps" StencilVersion="0.1"/>
+</Control>
+</file>
+
+<file path=customXml/item130.xml><?xml version="1.0" encoding="utf-8"?>
 <Control xmlns="http://schemas.microsoft.com/VisualStudio/2011/storyboarding/control">
   <Id Name="System.Storyboarding.Common.Button" Revision="1" Stencil="System.Storyboarding.Common" StencilVersion="0.1"/>
 </Control>
 </file>
 
-<file path=customXml/item103.xml><?xml version="1.0" encoding="utf-8"?>
+<file path=customXml/item131.xml><?xml version="1.0" encoding="utf-8"?>
+<Control xmlns="http://schemas.microsoft.com/VisualStudio/2011/storyboarding/control">
+  <Id Name="System.Storyboarding.WindowsApps.WindowsAppsButton" Revision="1" Stencil="System.Storyboarding.WindowsApps" StencilVersion="0.1"/>
+</Control>
+</file>
+
+<file path=customXml/item132.xml><?xml version="1.0" encoding="utf-8"?>
+<Control xmlns="http://schemas.microsoft.com/VisualStudio/2011/storyboarding/control">
+  <Id Name="System.Storyboarding.WindowsAppIcons.Plus" Revision="1" Stencil="System.Storyboarding.WindowsAppIcons" StencilVersion="0.1"/>
+</Control>
+</file>
+
+<file path=customXml/item133.xml><?xml version="1.0" encoding="utf-8"?>
 <Control xmlns="http://schemas.microsoft.com/VisualStudio/2011/storyboarding/control">
   <Id Name="System.Storyboarding.Common.Text" Revision="1" Stencil="System.Storyboarding.Common" StencilVersion="0.1"/>
 </Control>
 </file>
 
-<file path=customXml/item104.xml><?xml version="1.0" encoding="utf-8"?>
+<file path=customXml/item134.xml><?xml version="1.0" encoding="utf-8"?>
+<Control xmlns="http://schemas.microsoft.com/VisualStudio/2011/storyboarding/control">
+  <Id Name="System.Storyboarding.Common.TextInput" Revision="1" Stencil="System.Storyboarding.Common" StencilVersion="0.1"/>
+</Control>
+</file>
+
+<file path=customXml/item135.xml><?xml version="1.0" encoding="utf-8"?>
 <Control xmlns="http://schemas.microsoft.com/VisualStudio/2011/storyboarding/control">
   <Id Name="System.Storyboarding.WindowsApps.WindowsAppsTileMedium" Revision="1" Stencil="System.Storyboarding.WindowsApps" StencilVersion="0.1"/>
 </Control>
 </file>
 
-<file path=customXml/item105.xml><?xml version="1.0" encoding="utf-8"?>
+<file path=customXml/item136.xml><?xml version="1.0" encoding="utf-8"?>
+<Control xmlns="http://schemas.microsoft.com/VisualStudio/2011/storyboarding/control">
+  <Id Name="System.Storyboarding.WindowsApps.WindowsAppsTileMediumSelected" Revision="1" Stencil="System.Storyboarding.WindowsApps" StencilVersion="0.1"/>
+</Control>
+</file>
+
+<file path=customXml/item137.xml><?xml version="1.0" encoding="utf-8"?>
+<Control xmlns="http://schemas.microsoft.com/VisualStudio/2011/storyboarding/control">
+  <Id Name="System.Storyboarding.Icons.Star" Revision="1" Stencil="System.Storyboarding.Icons" StencilVersion="0.1"/>
+</Control>
+</file>
+
+<file path=customXml/item138.xml><?xml version="1.0" encoding="utf-8"?>
+<Control xmlns="http://schemas.microsoft.com/VisualStudio/2011/storyboarding/control">
+  <Id Name="System.Storyboarding.Common.TextInput" Revision="1" Stencil="System.Storyboarding.Common" StencilVersion="0.1"/>
+</Control>
+</file>
+
+<file path=customXml/item139.xml><?xml version="1.0" encoding="utf-8"?>
+<Control xmlns="http://schemas.microsoft.com/VisualStudio/2011/storyboarding/control">
+  <Id Name="System.Storyboarding.Common.TextInput" Revision="1" Stencil="System.Storyboarding.Common" StencilVersion="0.1"/>
+</Control>
+</file>
+
+<file path=customXml/item14.xml><?xml version="1.0" encoding="utf-8"?>
+<Control xmlns="http://schemas.microsoft.com/VisualStudio/2011/storyboarding/control">
+  <Id Name="System.Storyboarding.Common.Text" Revision="1" Stencil="System.Storyboarding.Common" StencilVersion="0.1"/>
+</Control>
+</file>
+
+<file path=customXml/item140.xml><?xml version="1.0" encoding="utf-8"?>
+<Control xmlns="http://schemas.microsoft.com/VisualStudio/2011/storyboarding/control">
+  <Id Name="System.Storyboarding.Common.CheckBoxUnchecked" Revision="1" Stencil="System.Storyboarding.Common" StencilVersion="0.1"/>
+</Control>
+</file>
+
+<file path=customXml/item141.xml><?xml version="1.0" encoding="utf-8"?>
+<Control xmlns="http://schemas.microsoft.com/VisualStudio/2011/storyboarding/control">
+  <Id Name="System.Storyboarding.Common.Text" Revision="1" Stencil="System.Storyboarding.Common" StencilVersion="0.1"/>
+</Control>
+</file>
+
+<file path=customXml/item142.xml><?xml version="1.0" encoding="utf-8"?>
+<Control xmlns="http://schemas.microsoft.com/VisualStudio/2011/storyboarding/control">
+  <Id Name="System.Storyboarding.Icons.Star" Revision="1" Stencil="System.Storyboarding.Icons" StencilVersion="0.1"/>
+</Control>
+</file>
+
+<file path=customXml/item143.xml><?xml version="1.0" encoding="utf-8"?>
+<Control xmlns="http://schemas.microsoft.com/VisualStudio/2011/storyboarding/control">
+  <Id Name="System.Storyboarding.WindowsApps.WindowsAppsTileWideSmall" Revision="1" Stencil="System.Storyboarding.WindowsApps" StencilVersion="0.1"/>
+</Control>
+</file>
+
+<file path=customXml/item144.xml><?xml version="1.0" encoding="utf-8"?>
+<Control xmlns="http://schemas.microsoft.com/VisualStudio/2011/storyboarding/control">
+  <Id Name="System.Storyboarding.Common.Button" Revision="1" Stencil="System.Storyboarding.Common" StencilVersion="0.1"/>
+</Control>
+</file>
+
+<file path=customXml/item145.xml><?xml version="1.0" encoding="utf-8"?>
+<Control xmlns="http://schemas.microsoft.com/VisualStudio/2011/storyboarding/control">
+  <Id Name="System.Storyboarding.Common.DatePicker" Revision="1" Stencil="System.Storyboarding.Common" StencilVersion="0.1"/>
+</Control>
+</file>
+
+<file path=customXml/item146.xml><?xml version="1.0" encoding="utf-8"?>
+<Control xmlns="http://schemas.microsoft.com/VisualStudio/2011/storyboarding/control">
+  <Id Name="System.Storyboarding.Common.CheckBoxUnchecked" Revision="1" Stencil="System.Storyboarding.Common" StencilVersion="0.1"/>
+</Control>
+</file>
+
+<file path=customXml/item147.xml><?xml version="1.0" encoding="utf-8"?>
+<Control xmlns="http://schemas.microsoft.com/Visua